--- a/ChatBot finaly Presentation.pptx
+++ b/ChatBot finaly Presentation.pptx
@@ -18,9 +18,12 @@
     <p:sldId id="268" r:id="rId16"/>
     <p:sldId id="266" r:id="rId17"/>
     <p:sldId id="273" r:id="rId18"/>
-    <p:sldId id="270" r:id="rId19"/>
-    <p:sldId id="271" r:id="rId20"/>
-    <p:sldId id="272" r:id="rId21"/>
+    <p:sldId id="275" r:id="rId19"/>
+    <p:sldId id="270" r:id="rId20"/>
+    <p:sldId id="274" r:id="rId21"/>
+    <p:sldId id="276" r:id="rId22"/>
+    <p:sldId id="277" r:id="rId23"/>
+    <p:sldId id="272" r:id="rId24"/>
   </p:sldIdLst>
   <p:sldSz cx="9144000" cy="5143500"/>
   <p:notesSz cx="7559675" cy="10692130"/>
@@ -2137,17 +2140,7 @@
                 </a:schemeClr>
               </a:solidFill>
             </a:rPr>
-            <a:t>Выбор наиболее </a:t>
-          </a:r>
-          <a:r>
-            <a:rPr lang="ru-RU" sz="1350" dirty="0" smtClean="0">
-              <a:solidFill>
-                <a:schemeClr val="bg1">
-                  <a:lumMod val="25000"/>
-                </a:schemeClr>
-              </a:solidFill>
-            </a:rPr>
-            <a:t>подходящего;</a:t>
+            <a:t>Выбор наиболее подходящего;</a:t>
           </a:r>
           <a:endParaRPr lang="ru-RU" sz="1350" dirty="0">
             <a:solidFill>
@@ -2240,27 +2233,7 @@
                 </a:schemeClr>
               </a:solidFill>
             </a:rPr>
-            <a:t>Отбор единственной идеи для реализации </a:t>
-          </a:r>
-          <a:r>
-            <a:rPr lang="ru-RU" sz="1300" dirty="0" smtClean="0">
-              <a:solidFill>
-                <a:schemeClr val="bg1">
-                  <a:lumMod val="25000"/>
-                </a:schemeClr>
-              </a:solidFill>
-            </a:rPr>
-            <a:t>: бот </a:t>
-          </a:r>
-          <a:r>
-            <a:rPr lang="ru-RU" sz="1300" dirty="0" smtClean="0">
-              <a:solidFill>
-                <a:schemeClr val="bg1">
-                  <a:lumMod val="25000"/>
-                </a:schemeClr>
-              </a:solidFill>
-            </a:rPr>
-            <a:t>помощник в ознакомлении с направлениями работы ПИШ;</a:t>
+            <a:t>Отбор единственной идеи для реализации : бот помощник в ознакомлении с направлениями работы ПИШ;</a:t>
           </a:r>
           <a:endParaRPr lang="ru-RU" sz="1300" dirty="0">
             <a:solidFill>
@@ -2356,27 +2329,7 @@
                 </a:schemeClr>
               </a:solidFill>
             </a:rPr>
-            <a:t>Составление </a:t>
-          </a:r>
-          <a:r>
-            <a:rPr lang="ru-RU" sz="1300" dirty="0" smtClean="0">
-              <a:solidFill>
-                <a:schemeClr val="bg1">
-                  <a:lumMod val="25000"/>
-                </a:schemeClr>
-              </a:solidFill>
-            </a:rPr>
-            <a:t>портрета </a:t>
-          </a:r>
-          <a:r>
-            <a:rPr lang="ru-RU" sz="1300" dirty="0" smtClean="0">
-              <a:solidFill>
-                <a:schemeClr val="bg1">
-                  <a:lumMod val="25000"/>
-                </a:schemeClr>
-              </a:solidFill>
-            </a:rPr>
-            <a:t>клиента (абитуриента)</a:t>
+            <a:t>Составление портрета клиента (абитуриента)</a:t>
           </a:r>
           <a:endParaRPr lang="ru-RU" sz="1300" dirty="0">
             <a:solidFill>
@@ -3634,17 +3587,7 @@
                 </a:schemeClr>
               </a:solidFill>
             </a:rPr>
-            <a:t>Выбор наиболее </a:t>
-          </a:r>
-          <a:r>
-            <a:rPr lang="ru-RU" sz="1350" kern="1200" dirty="0" smtClean="0">
-              <a:solidFill>
-                <a:schemeClr val="bg1">
-                  <a:lumMod val="25000"/>
-                </a:schemeClr>
-              </a:solidFill>
-            </a:rPr>
-            <a:t>подходящего;</a:t>
+            <a:t>Выбор наиболее подходящего;</a:t>
           </a:r>
           <a:endParaRPr lang="ru-RU" sz="1350" kern="1200" dirty="0">
             <a:solidFill>
@@ -3842,27 +3785,7 @@
                 </a:schemeClr>
               </a:solidFill>
             </a:rPr>
-            <a:t>Отбор единственной идеи для реализации </a:t>
-          </a:r>
-          <a:r>
-            <a:rPr lang="ru-RU" sz="1300" kern="1200" dirty="0" smtClean="0">
-              <a:solidFill>
-                <a:schemeClr val="bg1">
-                  <a:lumMod val="25000"/>
-                </a:schemeClr>
-              </a:solidFill>
-            </a:rPr>
-            <a:t>: бот </a:t>
-          </a:r>
-          <a:r>
-            <a:rPr lang="ru-RU" sz="1300" kern="1200" dirty="0" smtClean="0">
-              <a:solidFill>
-                <a:schemeClr val="bg1">
-                  <a:lumMod val="25000"/>
-                </a:schemeClr>
-              </a:solidFill>
-            </a:rPr>
-            <a:t>помощник в ознакомлении с направлениями работы ПИШ;</a:t>
+            <a:t>Отбор единственной идеи для реализации : бот помощник в ознакомлении с направлениями работы ПИШ;</a:t>
           </a:r>
           <a:endParaRPr lang="ru-RU" sz="1300" kern="1200" dirty="0">
             <a:solidFill>
@@ -3893,27 +3816,7 @@
                 </a:schemeClr>
               </a:solidFill>
             </a:rPr>
-            <a:t>Составление </a:t>
-          </a:r>
-          <a:r>
-            <a:rPr lang="ru-RU" sz="1300" kern="1200" dirty="0" smtClean="0">
-              <a:solidFill>
-                <a:schemeClr val="bg1">
-                  <a:lumMod val="25000"/>
-                </a:schemeClr>
-              </a:solidFill>
-            </a:rPr>
-            <a:t>портрета </a:t>
-          </a:r>
-          <a:r>
-            <a:rPr lang="ru-RU" sz="1300" kern="1200" dirty="0" smtClean="0">
-              <a:solidFill>
-                <a:schemeClr val="bg1">
-                  <a:lumMod val="25000"/>
-                </a:schemeClr>
-              </a:solidFill>
-            </a:rPr>
-            <a:t>клиента (абитуриента)</a:t>
+            <a:t>Составление портрета клиента (абитуриента)</a:t>
           </a:r>
           <a:endParaRPr lang="ru-RU" sz="1300" kern="1200" dirty="0">
             <a:solidFill>
@@ -7368,7 +7271,7 @@
             <a:spLocks noGrp="1" noChangeArrowheads="1"/>
             <a:extLst>
               <a:ext uri="smNativeData">
-                <pr:smNativeData xmlns:pr="smNativeData" xmlns="smNativeData" val="SMDATA_15_37BZZRMAAAAlAAAAZAAAAE0AAAAAAAAAAAAAAAAAAAAAAAAAAAAAAAABAAAAAAAAAAEAAABQAAAAAAAAAAAA4D8AAAAAAADgPwAAAAAAAOA/AAAAAAAA4D8AAAAAAADgPwAAAAAAAOA/AAAAAAAA4D8AAAAAAADgPwAAAAAAAOA/AAAAAAAA4D8CAAAAjAAAAAAAAAAAAAAA////AP///wgAAAAAAAAAAAAAAAAAAAAAAAAAAAAAAAAAAAAAeAAAAAEAAABAAAAAAAAAAAAAAABaAAAAAAAAAAAAAAAAAAAAAAAAAAAAAAAAAAAAAAAAAAAAAAAAAAAAAAAAAAAAAAAAAAAAAAAAAAAAAAAAAAAAAAAAAAAAAAAAAAAAFAAAADwAAAAAAAAAAAAAAAAAAAAPAAAAAQAAACMAAAAjAAAAIwAAAB4AAAAAAAAAZAAAAGQAAAAAAAAAZAAAAGQAAAAVAAAAYAAAAAAAAAAAAAAADwAAACADAAAAAAAAAAAAAAEAAACgMgAAVgcAAKr4//8BAAAAf39/AAEAAABkAAAAAAAAABQAAABAHwAAAAAAACYAAAAAAAAAwOD//wAAAAAmAAAAZAAAABYAAABMAAAAAAAAAAAAAAAEAAAAAAAAAAEAAADRSc4KAAAAACgAAAAoAAAAZAAAAGQAAAAAAAAAzMzMAAAAAABQAAAAUAAAAGQAAABkAAAAAAAAABcAAAAUAAAAAAAAAAAAAAD/fwAA/38AAAAAAAAJAAAABAAAAAAAAAAeAAAAaAAAAAAAAAAAAAAAAAAAAAAAAAAAAAAAECcAABAnAAAAAAAAAAAAAAAAAAAAAAAAAAAAAAAAAAAAAAAAAAAAABQAAAAAAAAAwMD/AAAAAABkAAAAMgAAAAAAAABkAAAAAAAAAH9/fwAKAAAAIgAAABgAAAAAAAAAAAAAAAAAAAAAAAAAAAAAAAAAAAAkAAAAJAAAAAAAAAAHAAAAAAAAAAAAAAAAAAAAAAAAAAAAAAAAAAAAf39/ACUAAABYAAAAAAAAAAAAAAAAAAAAAAAAAAAAAAAAAAAAAAAAAAAAAAAAAAAAAAAAAAAAAAA/AAAAAAAAAKCGAQAAAAAAAAAAAAAAAAAMAAAAAQAAAAAAAAAAAAAAAAAAAB8AAABUAAAA////AAAAAAEAAAAAAAAAAAAAAAAAAAAAAAAAAAAAAAAAAAAAAAAAAAAAAAB/f38AAAAAA8zMzADAwP8Af39/AAAAAAAAAAAAAAAAAAAAAAAAAAAAIQAAABgAAAAUAAAA0AIAAA8AAABvNQAAwAcAABAgAAAmAAAACAAAAD0gAAAAAAAA"/>
+                <pr:smNativeData xmlns:pr="smNativeData" xmlns="smNativeData" val="SMDATA_15_8sFZZRMAAAAlAAAAZAAAAE0AAAAAAAAAAAAAAAAAAAAAAAAAAAAAAAABAAAAAAAAAAEAAABQAAAAAAAAAAAA4D8AAAAAAADgPwAAAAAAAOA/AAAAAAAA4D8AAAAAAADgPwAAAAAAAOA/AAAAAAAA4D8AAAAAAADgPwAAAAAAAOA/AAAAAAAA4D8CAAAAjAAAAAAAAAAAAAAA////AP///wgAAAAAAAAAAAAAAAAAAAAAAAAAAAAAAAAAAAAAeAAAAAEAAABAAAAAAAAAAAAAAABaAAAAAAAAAAAAAAAAAAAAAAAAAAAAAAAAAAAAAAAAAAAAAAAAAAAAAAAAAAAAAAAAAAAAAAAAAAAAAAAAAAAAAAAAAAAAAAAAAAAAFAAAADwAAAAAAAAAAAAAAAAAAAAPAAAAAQAAACMAAAAjAAAAIwAAAB4AAAAAAAAAZAAAAGQAAAAAAAAAZAAAAGQAAAAVAAAAYAAAAAAAAAAAAAAADwAAACADAAAAAAAAAAAAAAEAAACgMgAAVgcAAKr4//8BAAAAf39/AAEAAABkAAAAAAAAABQAAABAHwAAAAAAACYAAAAAAAAAwOD//wAAAAAmAAAAZAAAABYAAABMAAAAAAAAAAAAAAAEAAAAAAAAAAEAAADRSc4KAAAAACgAAAAoAAAAZAAAAGQAAAAAAAAAzMzMAAAAAABQAAAAUAAAAGQAAABkAAAAAAAAABcAAAAUAAAAAAAAAAAAAAD/fwAA/38AAAAAAAAJAAAABAAAAGyGhQUeAAAAaAAAAAAAAAAAAAAAAAAAAAAAAAAAAAAAECcAABAnAAAAAAAAAAAAAAAAAAAAAAAAAAAAAAAAAAAAAAAAAAAAABQAAAAAAAAAwMD/AAAAAABkAAAAMgAAAAAAAABkAAAAAAAAAH9/fwAKAAAAIgAAABgAAAAAAAAAAAAAAAAAAAAAAAAAAAAAAAAAAAAkAAAAJAAAAAAAAAAHAAAAAAAAAAAAAAAAAAAAAAAAAAAAAAAAAAAAf39/ACUAAABYAAAAAAAAAAAAAAAAAAAAAAAAAAAAAAAAAAAAAAAAAAAAAAAAAAAAAAAAAAAAAAA/AAAAAAAAAKCGAQAAAAAAAAAAAAAAAAAMAAAAAQAAAAAAAAAAAAAAAAAAAB8AAABUAAAA////AAAAAAEAAAAAAAAAAAAAAAAAAAAAAAAAAAAAAAAAAAAAAAAAAAAAAAB/f38AAAAAA8zMzADAwP8Af39/AAAAAAAAAAAAAAAAAAAAAAAAAAAAIQAAABgAAAAUAAAA0AIAAA8AAABvNQAAwAcAABAgAAAmAAAACAAAAD0gAAAAAAAA"/>
               </a:ext>
             </a:extLst>
           </p:cNvSpPr>
@@ -7401,7 +7304,7 @@
             <a:spLocks noGrp="1" noChangeArrowheads="1"/>
             <a:extLst>
               <a:ext uri="smNativeData">
-                <pr:smNativeData xmlns:pr="smNativeData" xmlns="smNativeData" val="SMDATA_15_37BZZRMAAAAlAAAAZAAAAA0AAAAAAAAAAAAAAAAAAAAAAAAAAAAAAAAAAAAAAAAAAAEAAABQAAAAAAAAAAAA4D8AAAAAAADgPwAAAAAAAOA/AAAAAAAA4D8AAAAAAADgPwAAAAAAAOA/AAAAAAAA4D8AAAAAAADgPwAAAAAAAOA/AAAAAAAA4D8CAAAAjAAAAAAAAAAAAAAA////AP///wgAAAAAAAAAAAAAAAAAAAAAAAAAAAAAAAAAAAAAeAAAAAEAAABAAAAAAAAAAAAAAABaAAAAAAAAAAAAAAAAAAAAAAAAAAAAAAAAAAAAAAAAAAAAAAAAAAAAAAAAAAAAAAAAAAAAAAAAAAAAAAAAAAAAAAAAAAAAAAAAAAAAFAAAADwAAAAAAAAAAAAAAAAAAAAPAAAAAQAAACMAAAAjAAAAIwAAAB4AAAAAAAAAZAAAAGQAAAAAAAAAZAAAAGQAAAAVAAAAYAAAAAAAAAAAAAAADwAAACADAAAAAAAAAAAAAAEAAACgMgAAVgcAAKr4//8BAAAAf39/AAEAAABkAAAAAAAAABQAAABAHwAAAAAAACYAAAAAAAAAwOD//wAAAAAmAAAAZAAAABYAAABMAAAAAAAAAAAAAAAEAAAAAAAAAAEAAADRSc4KAAAAACgAAAAoAAAAZAAAAGQAAAAAAAAAzMzMAAAAAABQAAAAUAAAAGQAAABkAAAAAAAAABcAAAAUAAAAAAAAAAAAAAD/fwAA/38AAAAAAAAJAAAABAAAAAAAAAAeAAAAaAAAAAAAAAAAAAAAAAAAAAAAAAAAAAAAECcAABAnAAAAAAAAAAAAAAAAAAAAAAAAAAAAAAAAAAAAAAAAAAAAABQAAAAAAAAAwMD/AAAAAABkAAAAMgAAAAAAAABkAAAAAAAAAH9/fwAKAAAAIgAAABgAAAAAAAAAAAAAAAAAAAAAAAAAAAAAAAAAAAAkAAAAJAAAAAAAAAAHAAAAAAAAAAAAAAAAAAAAAAAAAAAAAAAAAAAAf39/ACUAAABYAAAAAAAAAAAAAAAAAAAAAAAAAAAAAAAAAAAAAAAAAAAAAAAAAAAAAAAAAAAAAAA/AAAAAAAAAKCGAQAAAAAAAAAAAAAAAAAMAAAAAQAAAAAAAAAAAAAAAAAAAB8AAABUAAAA////AAAAAAEAAAAAAAAAAAAAAAAAAAAAAAAAAAAAAAAAAAAAAAAAAAAAAAB/f38AAAAAA8zMzADAwP8Af39/AAAAAAAAAAAAAAAAAAAAAAAAAAAAIQAAABgAAAAUAAAA0AIAAGcHAABvNQAAKBAAABAAAAAmAAAACAAAAD0gAAAAAAAA"/>
+                <pr:smNativeData xmlns:pr="smNativeData" xmlns="smNativeData" val="SMDATA_15_8sFZZRMAAAAlAAAAZAAAAA0AAAAAAAAAAAAAAAAAAAAAAAAAAAAAAAAAAAAAAAAAAAEAAABQAAAAAAAAAAAA4D8AAAAAAADgPwAAAAAAAOA/AAAAAAAA4D8AAAAAAADgPwAAAAAAAOA/AAAAAAAA4D8AAAAAAADgPwAAAAAAAOA/AAAAAAAA4D8CAAAAjAAAAAAAAAAAAAAA////AP///wgAAAAAAAAAAAAAAAAAAAAAAAAAAAAAAAAAAAAAeAAAAAEAAABAAAAAAAAAAAAAAABaAAAAAAAAAAAAAAAAAAAAAAAAAAAAAAAAAAAAAAAAAAAAAAAAAAAAAAAAAAAAAAAAAAAAAAAAAAAAAAAAAAAAAAAAAAAAAAAAAAAAFAAAADwAAAAAAAAAAAAAAAAAAAAPAAAAAQAAACMAAAAjAAAAIwAAAB4AAAAAAAAAZAAAAGQAAAAAAAAAZAAAAGQAAAAVAAAAYAAAAAAAAAAAAAAADwAAACADAAAAAAAAAAAAAAEAAACgMgAAVgcAAKr4//8BAAAAf39/AAEAAABkAAAAAAAAABQAAABAHwAAAAAAACYAAAAAAAAAwOD//wAAAAAmAAAAZAAAABYAAABMAAAAAAAAAAAAAAAEAAAAAAAAAAEAAADRSc4KAAAAACgAAAAoAAAAZAAAAGQAAAAAAAAAzMzMAAAAAABQAAAAUAAAAGQAAABkAAAAAAAAABcAAAAUAAAAAAAAAAAAAAD/fwAA/38AAAAAAAAJAAAABAAAAP///wAeAAAAaAAAAAAAAAAAAAAAAAAAAAAAAAAAAAAAECcAABAnAAAAAAAAAAAAAAAAAAAAAAAAAAAAAAAAAAAAAAAAAAAAABQAAAAAAAAAwMD/AAAAAABkAAAAMgAAAAAAAABkAAAAAAAAAH9/fwAKAAAAIgAAABgAAAAAAAAAAAAAAAAAAAAAAAAAAAAAAAAAAAAkAAAAJAAAAAAAAAAHAAAAAAAAAAAAAAAAAAAAAAAAAAAAAAAAAAAAf39/ACUAAABYAAAAAAAAAAAAAAAAAAAAAAAAAAAAAAAAAAAAAAAAAAAAAAAAAAAAAAAAAAAAAAA/AAAAAAAAAKCGAQAAAAAAAAAAAAAAAAAMAAAAAQAAAAAAAAAAAAAAAAAAAB8AAABUAAAA////AAAAAAEAAAAAAAAAAAAAAAAAAAAAAAAAAAAAAAAAAAAAAAAAAAAAAAB/f38AAAAAA8zMzADAwP8Af39/AAAAAAAAAAAAAAAAAAAAAAAAAAAAIQAAABgAAAAUAAAA0AIAAGcHAABvNQAAKBAAABAAAAAmAAAACAAAAD0gAAAAAAAA"/>
               </a:ext>
             </a:extLst>
           </p:cNvSpPr>
@@ -7434,7 +7337,7 @@
             <a:spLocks noGrp="1" noChangeArrowheads="1"/>
             <a:extLst>
               <a:ext uri="smNativeData">
-                <pr:smNativeData xmlns:pr="smNativeData" xmlns="smNativeData" val="SMDATA_15_37BZZRMAAAAlAAAAZAAAAA0AAAAAAAAAAAAAAAAAAAAAAAAAAAAAAAAAAAAAAAAAAAEAAABQAAAAAAAAAAAA4D8AAAAAAADgPwAAAAAAAOA/AAAAAAAA4D8AAAAAAADgPwAAAAAAAOA/AAAAAAAA4D8AAAAAAADgPwAAAAAAAOA/AAAAAAAA4D8CAAAAjAAAAAAAAAAAAAAA////AP///wgAAAAAAAAAAAAAAAAAAAAAAAAAAAAAAAAAAAAAeAAAAAEAAABAAAAAAAAAAAAAAABaAAAAAAAAAAAAAAAAAAAAAAAAAAAAAAAAAAAAAAAAAAAAAAAAAAAAAAAAAAAAAAAAAAAAAAAAAAAAAAAAAAAAAAAAAAAAAAAAAAAAFAAAADwAAAAAAAAAAAAAAAAAAAAPAAAAAQAAACMAAAAjAAAAIwAAAB4AAAAAAAAAZAAAAGQAAAAAAAAAZAAAAGQAAAAVAAAAYAAAAAAAAAAAAAAADwAAACADAAAAAAAAAAAAAAEAAACgMgAAVgcAAKr4//8BAAAAf39/AAEAAABkAAAAAAAAABQAAABAHwAAAAAAACYAAAAAAAAAwOD//wAAAAAmAAAAZAAAABYAAABMAAAAAAAAAAAAAAAEAAAAAAAAAAEAAADRSc4KAAAAACgAAAAoAAAAZAAAAGQAAAAAAAAAzMzMAAAAAABQAAAAUAAAAGQAAABkAAAAAAAAABcAAAAUAAAAAAAAAAAAAAD/fwAA/38AAAAAAAAJAAAABAAAAAAAAAAeAAAAaAAAAAAAAAAAAAAAAAAAAAAAAAAAAAAAECcAABAnAAAAAAAAAAAAAAAAAAAAAAAAAAAAAAAAAAAAAAAAAAAAABQAAAAAAAAAwMD/AAAAAABkAAAAMgAAAAAAAABkAAAAAAAAAH9/fwAKAAAAIgAAABgAAAAAAAAAAAAAAAAAAAAAAAAAAAAAAAAAAAAkAAAAJAAAAAAAAAAHAAAAAAAAAAAAAAAAAAAAAAAAAAAAAAAAAAAAf39/ACUAAABYAAAAAAAAAAAAAAAAAAAAAAAAAAAAAAAAAAAAAAAAAAAAAAAAAAAAAAAAAAAAAAA/AAAAAAAAAKCGAQAAAAAAAAAAAAAAAAAMAAAAAQAAAAAAAAAAAAAAAAAAAB8AAABUAAAA////AAAAAAEAAAAAAAAAAAAAAAAAAAAAAAAAAAAAAAAAAAAAAAAAAAAAAAB/f38AAAAAA8zMzADAwP8Af39/AAAAAAAAAAAAAAAAAAAAAAAAAAAAIQAAABgAAAAUAAAA0AIAAP0QAABvNQAAvhkAABAAAAAmAAAACAAAAD0gAAAAAAAA"/>
+                <pr:smNativeData xmlns:pr="smNativeData" xmlns="smNativeData" val="SMDATA_15_8sFZZRMAAAAlAAAAZAAAAA0AAAAAAAAAAAAAAAAAAAAAAAAAAAAAAAAAAAAAAAAAAAEAAABQAAAAAAAAAAAA4D8AAAAAAADgPwAAAAAAAOA/AAAAAAAA4D8AAAAAAADgPwAAAAAAAOA/AAAAAAAA4D8AAAAAAADgPwAAAAAAAOA/AAAAAAAA4D8CAAAAjAAAAAAAAAAAAAAA////AP///wgAAAAAAAAAAAAAAAAAAAAAAAAAAAAAAAAAAAAAeAAAAAEAAABAAAAAAAAAAAAAAABaAAAAAAAAAAAAAAAAAAAAAAAAAAAAAAAAAAAAAAAAAAAAAAAAAAAAAAAAAAAAAAAAAAAAAAAAAAAAAAAAAAAAAAAAAAAAAAAAAAAAFAAAADwAAAAAAAAAAAAAAAAAAAAPAAAAAQAAACMAAAAjAAAAIwAAAB4AAAAAAAAAZAAAAGQAAAAAAAAAZAAAAGQAAAAVAAAAYAAAAAAAAAAAAAAADwAAACADAAAAAAAAAAAAAAEAAACgMgAAVgcAAKr4//8BAAAAf39/AAEAAABkAAAAAAAAABQAAABAHwAAAAAAACYAAAAAAAAAwOD//wAAAAAmAAAAZAAAABYAAABMAAAAAAAAAAAAAAAEAAAAAAAAAAEAAADRSc4KAAAAACgAAAAoAAAAZAAAAGQAAAAAAAAAzMzMAAAAAABQAAAAUAAAAGQAAABkAAAAAAAAABcAAAAUAAAAAAAAAAAAAAD/fwAA/38AAAAAAAAJAAAABAAAAAACAAAeAAAAaAAAAAAAAAAAAAAAAAAAAAAAAAAAAAAAECcAABAnAAAAAAAAAAAAAAAAAAAAAAAAAAAAAAAAAAAAAAAAAAAAABQAAAAAAAAAwMD/AAAAAABkAAAAMgAAAAAAAABkAAAAAAAAAH9/fwAKAAAAIgAAABgAAAAAAAAAAAAAAAAAAAAAAAAAAAAAAAAAAAAkAAAAJAAAAAAAAAAHAAAAAAAAAAAAAAAAAAAAAAAAAAAAAAAAAAAAf39/ACUAAABYAAAAAAAAAAAAAAAAAAAAAAAAAAAAAAAAAAAAAAAAAAAAAAAAAAAAAAAAAAAAAAA/AAAAAAAAAKCGAQAAAAAAAAAAAAAAAAAMAAAAAQAAAAAAAAAAAAAAAAAAAB8AAABUAAAA////AAAAAAEAAAAAAAAAAAAAAAAAAAAAAAAAAAAAAAAAAAAAAAAAAAAAAAB/f38AAAAAA8zMzADAwP8Af39/AAAAAAAAAAAAAAAAAAAAAAAAAAAAIQAAABgAAAAUAAAA0AIAAP0QAABvNQAAvhkAABAAAAAmAAAACAAAAD0gAAAAAAAA"/>
               </a:ext>
             </a:extLst>
           </p:cNvSpPr>
@@ -7492,7 +7395,7 @@
             <a:spLocks noGrp="1" noChangeArrowheads="1"/>
             <a:extLst>
               <a:ext uri="smNativeData">
-                <pr:smNativeData xmlns:pr="smNativeData" xmlns="smNativeData" val="SMDATA_15_37BZZRMAAAAlAAAAZAAAAE0AAAAAAAAAAAAAAAAAAAAAAAAAAAAAAAABAAAAAAAAAAEAAABQAAAAAAAAAAAA4D8AAAAAAADgPwAAAAAAAOA/AAAAAAAA4D8AAAAAAADgPwAAAAAAAOA/AAAAAAAA4D8AAAAAAADgPwAAAAAAAOA/AAAAAAAA4D8CAAAAjAAAAAAAAAAAAAAA////AP///wgAAAAAAAAAAAAAAAAAAAAAAAAAAAAAAAAAAAAAeAAAAAEAAABAAAAAAAAAAAAAAABaAAAAAAAAAAAAAAAAAAAAAAAAAAAAAAAAAAAAAAAAAAAAAAAAAAAAAAAAAAAAAAAAAAAAAAAAAAAAAAAAAAAAAAAAAAAAAAAAAAAAFAAAADwAAAAAAAAAAAAAAAAAAAAPAAAAAQAAACMAAAAjAAAAIwAAAB4AAAAAAAAAZAAAAGQAAAAAAAAAZAAAAGQAAAAVAAAAYAAAAAAAAAAAAAAADwAAACADAAAAAAAAAAAAAAEAAACgMgAAVgcAAKr4//8BAAAAf39/AAEAAABkAAAAAAAAABQAAABAHwAAAAAAACYAAAAAAAAAwOD//wAAAAAmAAAAZAAAABYAAABMAAAAAAAAAAAAAAAEAAAAAAAAAAEAAADRSc4KAAAAACgAAAAoAAAAZAAAAGQAAAAAAAAAzMzMAAAAAABQAAAAUAAAAGQAAABkAAAAAAAAABcAAAAUAAAAAAAAAAAAAAD/fwAA/38AAAAAAAAJAAAABAAAAAAAAAAeAAAAaAAAAAAAAAAAAAAAAAAAAAAAAAAAAAAAECcAABAnAAAAAAAAAAAAAAAAAAAAAAAAAAAAAAAAAAAAAAAAAAAAABQAAAAAAAAAwMD/AAAAAABkAAAAMgAAAAAAAABkAAAAAAAAAH9/fwAKAAAAIgAAABgAAAAAAAAAAAAAAAAAAAAAAAAAAAAAAAAAAAAkAAAAJAAAAAAAAAAHAAAAAAAAAAAAAAAAAAAAAAAAAAAAAAAAAAAAf39/ACUAAABYAAAAAAAAAAAAAAAAAAAAAAAAAAAAAAAAAAAAAAAAAAAAAAAAAAAAAAAAAAAAAAA/AAAAAAAAAKCGAQAAAAAAAAAAAAAAAAAMAAAAAQAAAAAAAAAAAAAAAAAAAB8AAABUAAAA////AAAAAAEAAAAAAAAAAAAAAAAAAAAAAAAAAAAAAAAAAAAAAAAAAAAAAAB/f38AAAAAA8zMzADAwP8Af39/AAAAAAAAAAAAAAAAAAAAAAAAAAAAIQAAABgAAAAUAAAA0AIAAA8AAABvNQAAwAcAABAgAAAmAAAACAAAAD0gAAAAAAAA"/>
+                <pr:smNativeData xmlns:pr="smNativeData" xmlns="smNativeData" val="SMDATA_15_8sFZZRMAAAAlAAAAZAAAAE0AAAAAAAAAAAAAAAAAAAAAAAAAAAAAAAABAAAAAAAAAAEAAABQAAAAAAAAAAAA4D8AAAAAAADgPwAAAAAAAOA/AAAAAAAA4D8AAAAAAADgPwAAAAAAAOA/AAAAAAAA4D8AAAAAAADgPwAAAAAAAOA/AAAAAAAA4D8CAAAAjAAAAAAAAAAAAAAA////AP///wgAAAAAAAAAAAAAAAAAAAAAAAAAAAAAAAAAAAAAeAAAAAEAAABAAAAAAAAAAAAAAABaAAAAAAAAAAAAAAAAAAAAAAAAAAAAAAAAAAAAAAAAAAAAAAAAAAAAAAAAAAAAAAAAAAAAAAAAAAAAAAAAAAAAAAAAAAAAAAAAAAAAFAAAADwAAAAAAAAAAAAAAAAAAAAPAAAAAQAAACMAAAAjAAAAIwAAAB4AAAAAAAAAZAAAAGQAAAAAAAAAZAAAAGQAAAAVAAAAYAAAAAAAAAAAAAAADwAAACADAAAAAAAAAAAAAAEAAACgMgAAVgcAAKr4//8BAAAAf39/AAEAAABkAAAAAAAAABQAAABAHwAAAAAAACYAAAAAAAAAwOD//wAAAAAmAAAAZAAAABYAAABMAAAAAAAAAAAAAAAEAAAAAAAAAAEAAADRSc4KAAAAACgAAAAoAAAAZAAAAGQAAAAAAAAAzMzMAAAAAABQAAAAUAAAAGQAAABkAAAAAAAAABcAAAAUAAAAAAAAAAAAAAD/fwAA/38AAAAAAAAJAAAABAAAAP///wAeAAAAaAAAAAAAAAAAAAAAAAAAAAAAAAAAAAAAECcAABAnAAAAAAAAAAAAAAAAAAAAAAAAAAAAAAAAAAAAAAAAAAAAABQAAAAAAAAAwMD/AAAAAABkAAAAMgAAAAAAAABkAAAAAAAAAH9/fwAKAAAAIgAAABgAAAAAAAAAAAAAAAAAAAAAAAAAAAAAAAAAAAAkAAAAJAAAAAAAAAAHAAAAAAAAAAAAAAAAAAAAAAAAAAAAAAAAAAAAf39/ACUAAABYAAAAAAAAAAAAAAAAAAAAAAAAAAAAAAAAAAAAAAAAAAAAAAAAAAAAAAAAAAAAAAA/AAAAAAAAAKCGAQAAAAAAAAAAAAAAAAAMAAAAAQAAAAAAAAAAAAAAAAAAAB8AAABUAAAA////AAAAAAEAAAAAAAAAAAAAAAAAAAAAAAAAAAAAAAAAAAAAAAAAAAAAAAB/f38AAAAAA8zMzADAwP8Af39/AAAAAAAAAAAAAAAAAAAAAAAAAAAAIQAAABgAAAAUAAAA0AIAAA8AAABvNQAAwAcAABAgAAAmAAAACAAAAD0gAAAAAAAA"/>
               </a:ext>
             </a:extLst>
           </p:cNvSpPr>
@@ -7525,7 +7428,7 @@
             <a:spLocks noGrp="1" noChangeArrowheads="1"/>
             <a:extLst>
               <a:ext uri="smNativeData">
-                <pr:smNativeData xmlns:pr="smNativeData" xmlns="smNativeData" val="SMDATA_15_37BZZRMAAAAlAAAAZAAAAA0AAAAAAAAAAAAAAAAAAAAAAAAAAAAAAAAAAAAAAAAAAAEAAABQAAAAAAAAAAAA4D8AAAAAAADgPwAAAAAAAOA/AAAAAAAA4D8AAAAAAADgPwAAAAAAAOA/AAAAAAAA4D8AAAAAAADgPwAAAAAAAOA/AAAAAAAA4D8CAAAAjAAAAAAAAAAAAAAA////AP///wgAAAAAAAAAAAAAAAAAAAAAAAAAAAAAAAAAAAAAeAAAAAEAAABAAAAAAAAAAAAAAABaAAAAAAAAAAAAAAAAAAAAAAAAAAAAAAAAAAAAAAAAAAAAAAAAAAAAAAAAAAAAAAAAAAAAAAAAAAAAAAAAAAAAAAAAAAAAAAAAAAAAFAAAADwAAAAAAAAAAAAAAAAAAAAPAAAAAQAAACMAAAAjAAAAIwAAAB4AAAAAAAAAZAAAAGQAAAAAAAAAZAAAAGQAAAAVAAAAYAAAAAAAAAAAAAAADwAAACADAAAAAAAAAAAAAAEAAACgMgAAVgcAAKr4//8BAAAAf39/AAEAAABkAAAAAAAAABQAAABAHwAAAAAAACYAAAAAAAAAwOD//wAAAAAmAAAAZAAAABYAAABMAAAAAAAAAAAAAAAEAAAAAAAAAAEAAADRSc4KAAAAACgAAAAoAAAAZAAAAGQAAAAAAAAAzMzMAAAAAABQAAAAUAAAAGQAAABkAAAAAAAAABcAAAAUAAAAAAAAAAAAAAD/fwAA/38AAAAAAAAJAAAABAAAAAAAAAAeAAAAaAAAAAAAAAAAAAAAAAAAAAAAAAAAAAAAECcAABAnAAAAAAAAAAAAAAAAAAAAAAAAAAAAAAAAAAAAAAAAAAAAABQAAAAAAAAAwMD/AAAAAABkAAAAMgAAAAAAAABkAAAAAAAAAH9/fwAKAAAAIgAAABgAAAAAAAAAAAAAAAAAAAAAAAAAAAAAAAAAAAAkAAAAJAAAAAAAAAAHAAAAAAAAAAAAAAAAAAAAAAAAAAAAAAAAAAAAf39/ACUAAABYAAAAAAAAAAAAAAAAAAAAAAAAAAAAAAAAAAAAAAAAAAAAAAAAAAAAAAAAAAAAAAA/AAAAAAAAAKCGAQAAAAAAAAAAAAAAAAAMAAAAAQAAAAAAAAAAAAAAAAAAAB8AAABUAAAA////AAAAAAEAAAAAAAAAAAAAAAAAAAAAAAAAAAAAAAAAAAAAAAAAAAAAAAB/f38AAAAAA8zMzADAwP8Af39/AAAAAAAAAAAAAAAAAAAAAAAAAAAAIQAAABgAAAAUAAAA0AIAAGcHAACEGwAAKBAAABAAAAAmAAAACAAAAD0gAAAAAAAA"/>
+                <pr:smNativeData xmlns:pr="smNativeData" xmlns="smNativeData" val="SMDATA_15_8sFZZRMAAAAlAAAAZAAAAA0AAAAAAAAAAAAAAAAAAAAAAAAAAAAAAAAAAAAAAAAAAAEAAABQAAAAAAAAAAAA4D8AAAAAAADgPwAAAAAAAOA/AAAAAAAA4D8AAAAAAADgPwAAAAAAAOA/AAAAAAAA4D8AAAAAAADgPwAAAAAAAOA/AAAAAAAA4D8CAAAAjAAAAAAAAAAAAAAA////AP///wgAAAAAAAAAAAAAAAAAAAAAAAAAAAAAAAAAAAAAeAAAAAEAAABAAAAAAAAAAAAAAABaAAAAAAAAAAAAAAAAAAAAAAAAAAAAAAAAAAAAAAAAAAAAAAAAAAAAAAAAAAAAAAAAAAAAAAAAAAAAAAAAAAAAAAAAAAAAAAAAAAAAFAAAADwAAAAAAAAAAAAAAAAAAAAPAAAAAQAAACMAAAAjAAAAIwAAAB4AAAAAAAAAZAAAAGQAAAAAAAAAZAAAAGQAAAAVAAAAYAAAAAAAAAAAAAAADwAAACADAAAAAAAAAAAAAAEAAACgMgAAVgcAAKr4//8BAAAAf39/AAEAAABkAAAAAAAAABQAAABAHwAAAAAAACYAAAAAAAAAwOD//wAAAAAmAAAAZAAAABYAAABMAAAAAAAAAAAAAAAEAAAAAAAAAAEAAADRSc4KAAAAACgAAAAoAAAAZAAAAGQAAAAAAAAAzMzMAAAAAABQAAAAUAAAAGQAAABkAAAAAAAAABcAAAAUAAAAAAAAAAAAAAD/fwAA/38AAAAAAAAJAAAABAAAADiwmgAeAAAAaAAAAAAAAAAAAAAAAAAAAAAAAAAAAAAAECcAABAnAAAAAAAAAAAAAAAAAAAAAAAAAAAAAAAAAAAAAAAAAAAAABQAAAAAAAAAwMD/AAAAAABkAAAAMgAAAAAAAABkAAAAAAAAAH9/fwAKAAAAIgAAABgAAAAAAAAAAAAAAAAAAAAAAAAAAAAAAAAAAAAkAAAAJAAAAAAAAAAHAAAAAAAAAAAAAAAAAAAAAAAAAAAAAAAAAAAAf39/ACUAAABYAAAAAAAAAAAAAAAAAAAAAAAAAAAAAAAAAAAAAAAAAAAAAAAAAAAAAAAAAAAAAAA/AAAAAAAAAKCGAQAAAAAAAAAAAAAAAAAMAAAAAQAAAAAAAAAAAAAAAAAAAB8AAABUAAAA////AAAAAAEAAAAAAAAAAAAAAAAAAAAAAAAAAAAAAAAAAAAAAAAAAAAAAAB/f38AAAAAA8zMzADAwP8Af39/AAAAAAAAAAAAAAAAAAAAAAAAAAAAIQAAABgAAAAUAAAA0AIAAGcHAACEGwAAKBAAABAAAAAmAAAACAAAAD0gAAAAAAAA"/>
               </a:ext>
             </a:extLst>
           </p:cNvSpPr>
@@ -7558,7 +7461,7 @@
             <a:spLocks noGrp="1" noChangeArrowheads="1"/>
             <a:extLst>
               <a:ext uri="smNativeData">
-                <pr:smNativeData xmlns:pr="smNativeData" xmlns="smNativeData" val="SMDATA_15_37BZZRMAAAAlAAAAZAAAAA0AAAAAAAAAAAAAAAAAAAAAAAAAAAAAAAAAAAAAAAAAAAEAAABQAAAAAAAAAAAA4D8AAAAAAADgPwAAAAAAAOA/AAAAAAAA4D8AAAAAAADgPwAAAAAAAOA/AAAAAAAA4D8AAAAAAADgPwAAAAAAAOA/AAAAAAAA4D8CAAAAjAAAAAAAAAAAAAAA////AP///wgAAAAAAAAAAAAAAAAAAAAAAAAAAAAAAAAAAAAAeAAAAAEAAABAAAAAAAAAAAAAAABaAAAAAAAAAAAAAAAAAAAAAAAAAAAAAAAAAAAAAAAAAAAAAAAAAAAAAAAAAAAAAAAAAAAAAAAAAAAAAAAAAAAAAAAAAAAAAAAAAAAAFAAAADwAAAAAAAAAAAAAAAAAAAAPAAAAAQAAACMAAAAjAAAAIwAAAB4AAAAAAAAAZAAAAGQAAAAAAAAAZAAAAGQAAAAVAAAAYAAAAAAAAAAAAAAADwAAACADAAAAAAAAAAAAAAEAAACgMgAAVgcAAKr4//8BAAAAf39/AAEAAABkAAAAAAAAABQAAABAHwAAAAAAACYAAAAAAAAAwOD//wAAAAAmAAAAZAAAABYAAABMAAAAAAAAAAAAAAAEAAAAAAAAAAEAAADRSc4KAAAAACgAAAAoAAAAZAAAAGQAAAAAAAAAzMzMAAAAAABQAAAAUAAAAGQAAABkAAAAAAAAABcAAAAUAAAAAAAAAAAAAAD/fwAA/38AAAAAAAAJAAAABAAAAAAAAAAeAAAAaAAAAAAAAAAAAAAAAAAAAAAAAAAAAAAAECcAABAnAAAAAAAAAAAAAAAAAAAAAAAAAAAAAAAAAAAAAAAAAAAAABQAAAAAAAAAwMD/AAAAAABkAAAAMgAAAAAAAABkAAAAAAAAAH9/fwAKAAAAIgAAABgAAAAAAAAAAAAAAAAAAAAAAAAAAAAAAAAAAAAkAAAAJAAAAAAAAAAHAAAAAAAAAAAAAAAAAAAAAAAAAAAAAAAAAAAAf39/ACUAAABYAAAAAAAAAAAAAAAAAAAAAAAAAAAAAAAAAAAAAAAAAAAAAAAAAAAAAAAAAAAAAAA/AAAAAAAAAKCGAQAAAAAAAAAAAAAAAAAMAAAAAQAAAAAAAAAAAAAAAAAAAB8AAABUAAAA////AAAAAAEAAAAAAAAAAAAAAAAAAAAAAAAAAAAAAAAAAAAAAAAAAAAAAAB/f38AAAAAA8zMzADAwP8Af39/AAAAAAAAAAAAAAAAAAAAAAAAAAAAIQAAABgAAAAUAAAAwRwAAGcHAAB1NQAAKBAAABAAAAAmAAAACAAAAD0gAAAAAAAA"/>
+                <pr:smNativeData xmlns:pr="smNativeData" xmlns="smNativeData" val="SMDATA_15_8sFZZRMAAAAlAAAAZAAAAA0AAAAAAAAAAAAAAAAAAAAAAAAAAAAAAAAAAAAAAAAAAAEAAABQAAAAAAAAAAAA4D8AAAAAAADgPwAAAAAAAOA/AAAAAAAA4D8AAAAAAADgPwAAAAAAAOA/AAAAAAAA4D8AAAAAAADgPwAAAAAAAOA/AAAAAAAA4D8CAAAAjAAAAAAAAAAAAAAA////AP///wgAAAAAAAAAAAAAAAAAAAAAAAAAAAAAAAAAAAAAeAAAAAEAAABAAAAAAAAAAAAAAABaAAAAAAAAAAAAAAAAAAAAAAAAAAAAAAAAAAAAAAAAAAAAAAAAAAAAAAAAAAAAAAAAAAAAAAAAAAAAAAAAAAAAAAAAAAAAAAAAAAAAFAAAADwAAAAAAAAAAAAAAAAAAAAPAAAAAQAAACMAAAAjAAAAIwAAAB4AAAAAAAAAZAAAAGQAAAAAAAAAZAAAAGQAAAAVAAAAYAAAAAAAAAAAAAAADwAAACADAAAAAAAAAAAAAAEAAACgMgAAVgcAAKr4//8BAAAAf39/AAEAAABkAAAAAAAAABQAAABAHwAAAAAAACYAAAAAAAAAwOD//wAAAAAmAAAAZAAAABYAAABMAAAAAAAAAAAAAAAEAAAAAAAAAAEAAADRSc4KAAAAACgAAAAoAAAAZAAAAGQAAAAAAAAAzMzMAAAAAABQAAAAUAAAAGQAAABkAAAAAAAAABcAAAAUAAAAAAAAAAAAAAD/fwAA/38AAAAAAAAJAAAABAAAACTZmgAeAAAAaAAAAAAAAAAAAAAAAAAAAAAAAAAAAAAAECcAABAnAAAAAAAAAAAAAAAAAAAAAAAAAAAAAAAAAAAAAAAAAAAAABQAAAAAAAAAwMD/AAAAAABkAAAAMgAAAAAAAABkAAAAAAAAAH9/fwAKAAAAIgAAABgAAAAAAAAAAAAAAAAAAAAAAAAAAAAAAAAAAAAkAAAAJAAAAAAAAAAHAAAAAAAAAAAAAAAAAAAAAAAAAAAAAAAAAAAAf39/ACUAAABYAAAAAAAAAAAAAAAAAAAAAAAAAAAAAAAAAAAAAAAAAAAAAAAAAAAAAAAAAAAAAAA/AAAAAAAAAKCGAQAAAAAAAAAAAAAAAAAMAAAAAQAAAAAAAAAAAAAAAAAAAB8AAABUAAAA////AAAAAAEAAAAAAAAAAAAAAAAAAAAAAAAAAAAAAAAAAAAAAAAAAAAAAAB/f38AAAAAA8zMzADAwP8Af39/AAAAAAAAAAAAAAAAAAAAAAAAAAAAIQAAABgAAAAUAAAAwRwAAGcHAAB1NQAAKBAAABAAAAAmAAAACAAAAD0gAAAAAAAA"/>
               </a:ext>
             </a:extLst>
           </p:cNvSpPr>
@@ -7591,7 +7494,7 @@
             <a:spLocks noGrp="1" noChangeArrowheads="1"/>
             <a:extLst>
               <a:ext uri="smNativeData">
-                <pr:smNativeData xmlns:pr="smNativeData" xmlns="smNativeData" val="SMDATA_15_37BZZRMAAAAlAAAAZAAAAA0AAAAAAAAAAAAAAAAAAAAAAAAAAAAAAAAAAAAAAAAAAAEAAABQAAAAAAAAAAAA4D8AAAAAAADgPwAAAAAAAOA/AAAAAAAA4D8AAAAAAADgPwAAAAAAAOA/AAAAAAAA4D8AAAAAAADgPwAAAAAAAOA/AAAAAAAA4D8CAAAAjAAAAAAAAAAAAAAA////AP///wgAAAAAAAAAAAAAAAAAAAAAAAAAAAAAAAAAAAAAeAAAAAEAAABAAAAAAAAAAAAAAABaAAAAAAAAAAAAAAAAAAAAAAAAAAAAAAAAAAAAAAAAAAAAAAAAAAAAAAAAAAAAAAAAAAAAAAAAAAAAAAAAAAAAAAAAAAAAAAAAAAAAFAAAADwAAAAAAAAAAAAAAAAAAAAPAAAAAQAAACMAAAAjAAAAIwAAAB4AAAAAAAAAZAAAAGQAAAAAAAAAZAAAAGQAAAAVAAAAYAAAAAAAAAAAAAAADwAAACADAAAAAAAAAAAAAAEAAACgMgAAVgcAAKr4//8BAAAAf39/AAEAAABkAAAAAAAAABQAAABAHwAAAAAAACYAAAAAAAAAwOD//wAAAAAmAAAAZAAAABYAAABMAAAAAAAAAAAAAAAEAAAAAAAAAAEAAADRSc4KAAAAACgAAAAoAAAAZAAAAGQAAAAAAAAAzMzMAAAAAABQAAAAUAAAAGQAAABkAAAAAAAAABcAAAAUAAAAAAAAAAAAAAD/fwAA/38AAAAAAAAJAAAABAAAAAAAAAAeAAAAaAAAAAAAAAAAAAAAAAAAAAAAAAAAAAAAECcAABAnAAAAAAAAAAAAAAAAAAAAAAAAAAAAAAAAAAAAAAAAAAAAABQAAAAAAAAAwMD/AAAAAABkAAAAMgAAAAAAAABkAAAAAAAAAH9/fwAKAAAAIgAAABgAAAAAAAAAAAAAAAAAAAAAAAAAAAAAAAAAAAAkAAAAJAAAAAAAAAAHAAAAAAAAAAAAAAAAAAAAAAAAAAAAAAAAAAAAf39/ACUAAABYAAAAAAAAAAAAAAAAAAAAAAAAAAAAAAAAAAAAAAAAAAAAAAAAAAAAAAAAAAAAAAA/AAAAAAAAAKCGAQAAAAAAAAAAAAAAAAAMAAAAAQAAAAAAAAAAAAAAAAAAAB8AAABUAAAA////AAAAAAEAAAAAAAAAAAAAAAAAAAAAAAAAAAAAAAAAAAAAAAAAAAAAAAB/f38AAAAAA8zMzADAwP8Af39/AAAAAAAAAAAAAAAAAAAAAAAAAAAAIQAAABgAAAAUAAAA0AIAAP0QAACEGwAAvhkAABAAAAAmAAAACAAAAD0gAAAAAAAA"/>
+                <pr:smNativeData xmlns:pr="smNativeData" xmlns="smNativeData" val="SMDATA_15_8sFZZRMAAAAlAAAAZAAAAA0AAAAAAAAAAAAAAAAAAAAAAAAAAAAAAAAAAAAAAAAAAAEAAABQAAAAAAAAAAAA4D8AAAAAAADgPwAAAAAAAOA/AAAAAAAA4D8AAAAAAADgPwAAAAAAAOA/AAAAAAAA4D8AAAAAAADgPwAAAAAAAOA/AAAAAAAA4D8CAAAAjAAAAAAAAAAAAAAA////AP///wgAAAAAAAAAAAAAAAAAAAAAAAAAAAAAAAAAAAAAeAAAAAEAAABAAAAAAAAAAAAAAABaAAAAAAAAAAAAAAAAAAAAAAAAAAAAAAAAAAAAAAAAAAAAAAAAAAAAAAAAAAAAAAAAAAAAAAAAAAAAAAAAAAAAAAAAAAAAAAAAAAAAFAAAADwAAAAAAAAAAAAAAAAAAAAPAAAAAQAAACMAAAAjAAAAIwAAAB4AAAAAAAAAZAAAAGQAAAAAAAAAZAAAAGQAAAAVAAAAYAAAAAAAAAAAAAAADwAAACADAAAAAAAAAAAAAAEAAACgMgAAVgcAAKr4//8BAAAAf39/AAEAAABkAAAAAAAAABQAAABAHwAAAAAAACYAAAAAAAAAwOD//wAAAAAmAAAAZAAAABYAAABMAAAAAAAAAAAAAAAEAAAAAAAAAAEAAADRSc4KAAAAACgAAAAoAAAAZAAAAGQAAAAAAAAAzMzMAAAAAABQAAAAUAAAAGQAAABkAAAAAAAAABcAAAAUAAAAAAAAAAAAAAD/fwAA/38AAAAAAAAJAAAABAAAAOSiYv8eAAAAaAAAAAAAAAAAAAAAAAAAAAAAAAAAAAAAECcAABAnAAAAAAAAAAAAAAAAAAAAAAAAAAAAAAAAAAAAAAAAAAAAABQAAAAAAAAAwMD/AAAAAABkAAAAMgAAAAAAAABkAAAAAAAAAH9/fwAKAAAAIgAAABgAAAAAAAAAAAAAAAAAAAAAAAAAAAAAAAAAAAAkAAAAJAAAAAAAAAAHAAAAAAAAAAAAAAAAAAAAAAAAAAAAAAAAAAAAf39/ACUAAABYAAAAAAAAAAAAAAAAAAAAAAAAAAAAAAAAAAAAAAAAAAAAAAAAAAAAAAAAAAAAAAA/AAAAAAAAAKCGAQAAAAAAAAAAAAAAAAAMAAAAAQAAAAAAAAAAAAAAAAAAAB8AAABUAAAA////AAAAAAEAAAAAAAAAAAAAAAAAAAAAAAAAAAAAAAAAAAAAAAAAAAAAAAB/f38AAAAAA8zMzADAwP8Af39/AAAAAAAAAAAAAAAAAAAAAAAAAAAAIQAAABgAAAAUAAAA0AIAAP0QAACEGwAAvhkAABAAAAAmAAAACAAAAD0gAAAAAAAA"/>
               </a:ext>
             </a:extLst>
           </p:cNvSpPr>
@@ -7624,7 +7527,7 @@
             <a:spLocks noGrp="1" noChangeArrowheads="1"/>
             <a:extLst>
               <a:ext uri="smNativeData">
-                <pr:smNativeData xmlns:pr="smNativeData" xmlns="smNativeData" val="SMDATA_15_37BZZRMAAAAlAAAAZAAAAA0AAAAAAAAAAAAAAAAAAAAAAAAAAAAAAAAAAAAAAAAAAAEAAABQAAAAAAAAAAAA4D8AAAAAAADgPwAAAAAAAOA/AAAAAAAA4D8AAAAAAADgPwAAAAAAAOA/AAAAAAAA4D8AAAAAAADgPwAAAAAAAOA/AAAAAAAA4D8CAAAAjAAAAAAAAAAAAAAA////AP///wgAAAAAAAAAAAAAAAAAAAAAAAAAAAAAAAAAAAAAeAAAAAEAAABAAAAAAAAAAAAAAABaAAAAAAAAAAAAAAAAAAAAAAAAAAAAAAAAAAAAAAAAAAAAAAAAAAAAAAAAAAAAAAAAAAAAAAAAAAAAAAAAAAAAAAAAAAAAAAAAAAAAFAAAADwAAAAAAAAAAAAAAAAAAAAPAAAAAQAAACMAAAAjAAAAIwAAAB4AAAAAAAAAZAAAAGQAAAAAAAAAZAAAAGQAAAAVAAAAYAAAAAAAAAAAAAAADwAAACADAAAAAAAAAAAAAAEAAACgMgAAVgcAAKr4//8BAAAAf39/AAEAAABkAAAAAAAAABQAAABAHwAAAAAAACYAAAAAAAAAwOD//wAAAAAmAAAAZAAAABYAAABMAAAAAAAAAAAAAAAEAAAAAAAAAAEAAADRSc4KAAAAACgAAAAoAAAAZAAAAGQAAAAAAAAAzMzMAAAAAABQAAAAUAAAAGQAAABkAAAAAAAAABcAAAAUAAAAAAAAAAAAAAD/fwAA/38AAAAAAAAJAAAABAAAAAAAAAAeAAAAaAAAAAAAAAAAAAAAAAAAAAAAAAAAAAAAECcAABAnAAAAAAAAAAAAAAAAAAAAAAAAAAAAAAAAAAAAAAAAAAAAABQAAAAAAAAAwMD/AAAAAABkAAAAMgAAAAAAAABkAAAAAAAAAH9/fwAKAAAAIgAAABgAAAAAAAAAAAAAAAAAAAAAAAAAAAAAAAAAAAAkAAAAJAAAAAAAAAAHAAAAAAAAAAAAAAAAAAAAAAAAAAAAAAAAAAAAf39/ACUAAABYAAAAAAAAAAAAAAAAAAAAAAAAAAAAAAAAAAAAAAAAAAAAAAAAAAAAAAAAAAAAAAA/AAAAAAAAAKCGAQAAAAAAAAAAAAAAAAAMAAAAAQAAAAAAAAAAAAAAAAAAAB8AAABUAAAA////AAAAAAEAAAAAAAAAAAAAAAAAAAAAAAAAAAAAAAAAAAAAAAAAAAAAAAB/f38AAAAAA8zMzADAwP8Af39/AAAAAAAAAAAAAAAAAAAAAAAAAAAAIQAAABgAAAAUAAAAwRwAAP0QAAB1NQAAvhkAABAAAAAmAAAACAAAAD0gAAAAAAAA"/>
+                <pr:smNativeData xmlns:pr="smNativeData" xmlns="smNativeData" val="SMDATA_15_8sFZZRMAAAAlAAAAZAAAAA0AAAAAAAAAAAAAAAAAAAAAAAAAAAAAAAAAAAAAAAAAAAEAAABQAAAAAAAAAAAA4D8AAAAAAADgPwAAAAAAAOA/AAAAAAAA4D8AAAAAAADgPwAAAAAAAOA/AAAAAAAA4D8AAAAAAADgPwAAAAAAAOA/AAAAAAAA4D8CAAAAjAAAAAAAAAAAAAAA////AP///wgAAAAAAAAAAAAAAAAAAAAAAAAAAAAAAAAAAAAAeAAAAAEAAABAAAAAAAAAAAAAAABaAAAAAAAAAAAAAAAAAAAAAAAAAAAAAAAAAAAAAAAAAAAAAAAAAAAAAAAAAAAAAAAAAAAAAAAAAAAAAAAAAAAAAAAAAAAAAAAAAAAAFAAAADwAAAAAAAAAAAAAAAAAAAAPAAAAAQAAACMAAAAjAAAAIwAAAB4AAAAAAAAAZAAAAGQAAAAAAAAAZAAAAGQAAAAVAAAAYAAAAAAAAAAAAAAADwAAACADAAAAAAAAAAAAAAEAAACgMgAAVgcAAKr4//8BAAAAf39/AAEAAABkAAAAAAAAABQAAABAHwAAAAAAACYAAAAAAAAAwOD//wAAAAAmAAAAZAAAABYAAABMAAAAAAAAAAAAAAAEAAAAAAAAAAEAAADRSc4KAAAAACgAAAAoAAAAZAAAAGQAAAAAAAAAzMzMAAAAAABQAAAAUAAAAGQAAABkAAAAAAAAABcAAAAUAAAAAAAAAAAAAAD/fwAA/38AAAAAAAAJAAAABAAAAOWdVv8eAAAAaAAAAAAAAAAAAAAAAAAAAAAAAAAAAAAAECcAABAnAAAAAAAAAAAAAAAAAAAAAAAAAAAAAAAAAAAAAAAAAAAAABQAAAAAAAAAwMD/AAAAAABkAAAAMgAAAAAAAABkAAAAAAAAAH9/fwAKAAAAIgAAABgAAAAAAAAAAAAAAAAAAAAAAAAAAAAAAAAAAAAkAAAAJAAAAAAAAAAHAAAAAAAAAAAAAAAAAAAAAAAAAAAAAAAAAAAAf39/ACUAAABYAAAAAAAAAAAAAAAAAAAAAAAAAAAAAAAAAAAAAAAAAAAAAAAAAAAAAAAAAAAAAAA/AAAAAAAAAKCGAQAAAAAAAAAAAAAAAAAMAAAAAQAAAAAAAAAAAAAAAAAAAB8AAABUAAAA////AAAAAAEAAAAAAAAAAAAAAAAAAAAAAAAAAAAAAAAAAAAAAAAAAAAAAAB/f38AAAAAA8zMzADAwP8Af39/AAAAAAAAAAAAAAAAAAAAAAAAAAAAIQAAABgAAAAUAAAAwRwAAP0QAAB1NQAAvhkAABAAAAAmAAAACAAAAD0gAAAAAAAA"/>
               </a:ext>
             </a:extLst>
           </p:cNvSpPr>
@@ -7682,7 +7585,7 @@
             <a:spLocks noGrp="1" noChangeArrowheads="1"/>
             <a:extLst>
               <a:ext uri="smNativeData">
-                <pr:smNativeData xmlns:pr="smNativeData" xmlns="smNativeData" val="SMDATA_15_37BZZRMAAAAlAAAAZAAAAE0AAAAAAAAAAAAAAAAAAAAAAAAAAAAAAAABAAAAAAAAAAEAAABQAAAAAAAAAAAA4D8AAAAAAADgPwAAAAAAAOA/AAAAAAAA4D8AAAAAAADgPwAAAAAAAOA/AAAAAAAA4D8AAAAAAADgPwAAAAAAAOA/AAAAAAAA4D8CAAAAjAAAAAAAAAAAAAAA////AP///wgAAAAAAAAAAAAAAAAAAAAAAAAAAAAAAAAAAAAAeAAAAAEAAABAAAAAAAAAAAAAAABaAAAAAAAAAAAAAAAAAAAAAAAAAAAAAAAAAAAAAAAAAAAAAAAAAAAAAAAAAAAAAAAAAAAAAAAAAAAAAAAAAAAAAAAAAAAAAAAAAAAAFAAAADwAAAAAAAAAAAAAAAAAAAAPAAAAAQAAACMAAAAjAAAAIwAAAB4AAAAAAAAAZAAAAGQAAAAAAAAAZAAAAGQAAAAVAAAAYAAAAAAAAAAAAAAADwAAACADAAAAAAAAAAAAAAEAAACgMgAAVgcAAKr4//8BAAAAf39/AAEAAABkAAAAAAAAABQAAABAHwAAAAAAACYAAAAAAAAAwOD//wAAAAAmAAAAZAAAABYAAABMAAAAAAAAAAAAAAAEAAAAAAAAAAEAAADRSc4KAAAAACgAAAAoAAAAZAAAAGQAAAAAAAAAzMzMAAAAAABQAAAAUAAAAGQAAABkAAAAAAAAABcAAAAUAAAAAAAAAAAAAAD/fwAA/38AAAAAAAAJAAAABAAAAAAAAAAeAAAAaAAAAAAAAAAAAAAAAAAAAAAAAAAAAAAAECcAABAnAAAAAAAAAAAAAAAAAAAAAAAAAAAAAAAAAAAAAAAAAAAAABQAAAAAAAAAwMD/AAAAAABkAAAAMgAAAAAAAABkAAAAAAAAAH9/fwAKAAAAIgAAABgAAAAAAAAAAAAAAAAAAAAAAAAAAAAAAAAAAAAkAAAAJAAAAAAAAAAHAAAAAAAAAAAAAAAAAAAAAAAAAAAAAAAAAAAAf39/ACUAAABYAAAAAAAAAAAAAAAAAAAAAAAAAAAAAAAAAAAAAAAAAAAAAAAAAAAAAAAAAAAAAAA/AAAAAAAAAKCGAQAAAAAAAAAAAAAAAAAMAAAAAQAAAAAAAAAAAAAAAAAAAB8AAABUAAAA////AAAAAAEAAAAAAAAAAAAAAAAAAAAAAAAAAAAAAAAAAAAAAAAAAAAAAAB/f38AAAAAA8zMzADAwP8Af39/AAAAAAAAAAAAAAAAAAAAAAAAAAAAIQAAABgAAAAUAAAA0AIAAA8AAABvNQAAwAcAABAgAAAmAAAACAAAAD0gAAAAAAAA"/>
+                <pr:smNativeData xmlns:pr="smNativeData" xmlns="smNativeData" val="SMDATA_15_8sFZZRMAAAAlAAAAZAAAAE0AAAAAAAAAAAAAAAAAAAAAAAAAAAAAAAABAAAAAAAAAAEAAABQAAAAAAAAAAAA4D8AAAAAAADgPwAAAAAAAOA/AAAAAAAA4D8AAAAAAADgPwAAAAAAAOA/AAAAAAAA4D8AAAAAAADgPwAAAAAAAOA/AAAAAAAA4D8CAAAAjAAAAAAAAAAAAAAA////AP///wgAAAAAAAAAAAAAAAAAAAAAAAAAAAAAAAAAAAAAeAAAAAEAAABAAAAAAAAAAAAAAABaAAAAAAAAAAAAAAAAAAAAAAAAAAAAAAAAAAAAAAAAAAAAAAAAAAAAAAAAAAAAAAAAAAAAAAAAAAAAAAAAAAAAAAAAAAAAAAAAAAAAFAAAADwAAAAAAAAAAAAAAAAAAAAPAAAAAQAAACMAAAAjAAAAIwAAAB4AAAAAAAAAZAAAAGQAAAAAAAAAZAAAAGQAAAAVAAAAYAAAAAAAAAAAAAAADwAAACADAAAAAAAAAAAAAAEAAACgMgAAVgcAAKr4//8BAAAAf39/AAEAAABkAAAAAAAAABQAAABAHwAAAAAAACYAAAAAAAAAwOD//wAAAAAmAAAAZAAAABYAAABMAAAAAAAAAAAAAAAEAAAAAAAAAAEAAADRSc4KAAAAACgAAAAoAAAAZAAAAGQAAAAAAAAAzMzMAAAAAABQAAAAUAAAAGQAAABkAAAAAAAAABcAAAAUAAAAAAAAAAAAAAD/fwAA/38AAAAAAAAJAAAABAAAAM5NjAUeAAAAaAAAAAAAAAAAAAAAAAAAAAAAAAAAAAAAECcAABAnAAAAAAAAAAAAAAAAAAAAAAAAAAAAAAAAAAAAAAAAAAAAABQAAAAAAAAAwMD/AAAAAABkAAAAMgAAAAAAAABkAAAAAAAAAH9/fwAKAAAAIgAAABgAAAAAAAAAAAAAAAAAAAAAAAAAAAAAAAAAAAAkAAAAJAAAAAAAAAAHAAAAAAAAAAAAAAAAAAAAAAAAAAAAAAAAAAAAf39/ACUAAABYAAAAAAAAAAAAAAAAAAAAAAAAAAAAAAAAAAAAAAAAAAAAAAAAAAAAAAAAAAAAAAA/AAAAAAAAAKCGAQAAAAAAAAAAAAAAAAAMAAAAAQAAAAAAAAAAAAAAAAAAAB8AAABUAAAA////AAAAAAEAAAAAAAAAAAAAAAAAAAAAAAAAAAAAAAAAAAAAAAAAAAAAAAB/f38AAAAAA8zMzADAwP8Af39/AAAAAAAAAAAAAAAAAAAAAAAAAAAAIQAAABgAAAAUAAAA0AIAAA8AAABvNQAAwAcAABAgAAAmAAAACAAAAD0gAAAAAAAA"/>
               </a:ext>
             </a:extLst>
           </p:cNvSpPr>
@@ -7715,7 +7618,7 @@
             <a:spLocks noGrp="1" noChangeArrowheads="1"/>
             <a:extLst>
               <a:ext uri="smNativeData">
-                <pr:smNativeData xmlns:pr="smNativeData" xmlns="smNativeData" val="SMDATA_15_37BZZRMAAAAlAAAAZAAAAA0AAAAAAAAAAAAAAAAAAAAAAAAAAAAAAAAAAAAAAAAAAAEAAABQAAAAAAAAAAAA4D8AAAAAAADgPwAAAAAAAOA/AAAAAAAA4D8AAAAAAADgPwAAAAAAAOA/AAAAAAAA4D8AAAAAAADgPwAAAAAAAOA/AAAAAAAA4D8CAAAAjAAAAAAAAAAAAAAA////AP///wgAAAAAAAAAAAAAAAAAAAAAAAAAAAAAAAAAAAAAeAAAAAEAAABAAAAAAAAAAAAAAABaAAAAAAAAAAAAAAAAAAAAAAAAAAAAAAAAAAAAAAAAAAAAAAAAAAAAAAAAAAAAAAAAAAAAAAAAAAAAAAAAAAAAAAAAAAAAAAAAAAAAFAAAADwAAAAAAAAAAAAAAAAAAAAPAAAAAQAAACMAAAAjAAAAIwAAAB4AAAAAAAAAZAAAAGQAAAAAAAAAZAAAAGQAAAAVAAAAYAAAAAAAAAAAAAAADwAAACADAAAAAAAAAAAAAAEAAACgMgAAVgcAAKr4//8BAAAAf39/AAEAAABkAAAAAAAAABQAAABAHwAAAAAAACYAAAAAAAAAwOD//wAAAAAmAAAAZAAAABYAAABMAAAAAAAAAAAAAAAEAAAAAAAAAAEAAADRSc4KAAAAACgAAAAoAAAAZAAAAGQAAAAAAAAAzMzMAAAAAABQAAAAUAAAAGQAAABkAAAAAAAAABcAAAAUAAAAAAAAAAAAAAD/fwAA/38AAAAAAAAJAAAABAAAAAAAAAAeAAAAaAAAAAAAAAAAAAAAAAAAAAAAAAAAAAAAECcAABAnAAAAAAAAAAAAAAAAAAAAAAAAAAAAAAAAAAAAAAAAAAAAABQAAAAAAAAAwMD/AAAAAABkAAAAMgAAAAAAAABkAAAAAAAAAH9/fwAKAAAAIgAAABgAAAAAAAAAAAAAAAAAAAAAAAAAAAAAAAAAAAAkAAAAJAAAAAAAAAAHAAAAAAAAAAAAAAAAAAAAAAAAAAAAAAAAAAAAf39/ACUAAABYAAAAAAAAAAAAAAAAAAAAAAAAAAAAAAAAAAAAAAAAAAAAAAAAAAAAAAAAAAAAAAA/AAAAAAAAAKCGAQAAAAAAAAAAAAAAAAAMAAAAAQAAAAAAAAAAAAAAAAAAAB8AAABUAAAA////AAAAAAEAAAAAAAAAAAAAAAAAAAAAAAAAAAAAAAAAAAAAAAAAAAAAAAB/f38AAAAAA8zMzADAwP8Af39/AAAAAAAAAAAAAAAAAAAAAAAAAAAAIQAAABgAAAAUAAAA0AIAAGcHAAAdEwAAKBAAABAAAAAmAAAACAAAAD0gAAAAAAAA"/>
+                <pr:smNativeData xmlns:pr="smNativeData" xmlns="smNativeData" val="SMDATA_15_8sFZZRMAAAAlAAAAZAAAAA0AAAAAAAAAAAAAAAAAAAAAAAAAAAAAAAAAAAAAAAAAAAEAAABQAAAAAAAAAAAA4D8AAAAAAADgPwAAAAAAAOA/AAAAAAAA4D8AAAAAAADgPwAAAAAAAOA/AAAAAAAA4D8AAAAAAADgPwAAAAAAAOA/AAAAAAAA4D8CAAAAjAAAAAAAAAAAAAAA////AP///wgAAAAAAAAAAAAAAAAAAAAAAAAAAAAAAAAAAAAAeAAAAAEAAABAAAAAAAAAAAAAAABaAAAAAAAAAAAAAAAAAAAAAAAAAAAAAAAAAAAAAAAAAAAAAAAAAAAAAAAAAAAAAAAAAAAAAAAAAAAAAAAAAAAAAAAAAAAAAAAAAAAAFAAAADwAAAAAAAAAAAAAAAAAAAAPAAAAAQAAACMAAAAjAAAAIwAAAB4AAAAAAAAAZAAAAGQAAAAAAAAAZAAAAGQAAAAVAAAAYAAAAAAAAAAAAAAADwAAACADAAAAAAAAAAAAAAEAAACgMgAAVgcAAKr4//8BAAAAf39/AAEAAABkAAAAAAAAABQAAABAHwAAAAAAACYAAAAAAAAAwOD//wAAAAAmAAAAZAAAABYAAABMAAAAAAAAAAAAAAAEAAAAAAAAAAEAAADRSc4KAAAAACgAAAAoAAAAZAAAAGQAAAAAAAAAzMzMAAAAAABQAAAAUAAAAGQAAABkAAAAAAAAABcAAAAUAAAAAAAAAAAAAAD/fwAA/38AAAAAAAAJAAAABAAAAP///wAeAAAAaAAAAAAAAAAAAAAAAAAAAAAAAAAAAAAAECcAABAnAAAAAAAAAAAAAAAAAAAAAAAAAAAAAAAAAAAAAAAAAAAAABQAAAAAAAAAwMD/AAAAAABkAAAAMgAAAAAAAABkAAAAAAAAAH9/fwAKAAAAIgAAABgAAAAAAAAAAAAAAAAAAAAAAAAAAAAAAAAAAAAkAAAAJAAAAAAAAAAHAAAAAAAAAAAAAAAAAAAAAAAAAAAAAAAAAAAAf39/ACUAAABYAAAAAAAAAAAAAAAAAAAAAAAAAAAAAAAAAAAAAAAAAAAAAAAAAAAAAAAAAAAAAAA/AAAAAAAAAKCGAQAAAAAAAAAAAAAAAAAMAAAAAQAAAAAAAAAAAAAAAAAAAB8AAABUAAAA////AAAAAAEAAAAAAAAAAAAAAAAAAAAAAAAAAAAAAAAAAAAAAAAAAAAAAAB/f38AAAAAA8zMzADAwP8Af39/AAAAAAAAAAAAAAAAAAAAAAAAAAAAIQAAABgAAAAUAAAA0AIAAGcHAAAdEwAAKBAAABAAAAAmAAAACAAAAD0gAAAAAAAA"/>
               </a:ext>
             </a:extLst>
           </p:cNvSpPr>
@@ -7751,7 +7654,7 @@
             <a:spLocks noGrp="1" noChangeArrowheads="1"/>
             <a:extLst>
               <a:ext uri="smNativeData">
-                <pr:smNativeData xmlns:pr="smNativeData" xmlns="smNativeData" val="SMDATA_15_37BZZRMAAAAlAAAAZAAAAA0AAAAAAAAAAAAAAAAAAAAAAAAAAAAAAAAAAAAAAAAAAAEAAABQAAAAAAAAAAAA4D8AAAAAAADgPwAAAAAAAOA/AAAAAAAA4D8AAAAAAADgPwAAAAAAAOA/AAAAAAAA4D8AAAAAAADgPwAAAAAAAOA/AAAAAAAA4D8CAAAAjAAAAAAAAAAAAAAA////AP///wgAAAAAAAAAAAAAAAAAAAAAAAAAAAAAAAAAAAAAeAAAAAEAAABAAAAAAAAAAAAAAABaAAAAAAAAAAAAAAAAAAAAAAAAAAAAAAAAAAAAAAAAAAAAAAAAAAAAAAAAAAAAAAAAAAAAAAAAAAAAAAAAAAAAAAAAAAAAAAAAAAAAFAAAADwAAAAAAAAAAAAAAAAAAAAPAAAAAQAAACMAAAAjAAAAIwAAAB4AAAAAAAAAZAAAAGQAAAAAAAAAZAAAAGQAAAAVAAAAYAAAAAAAAAAAAAAADwAAACADAAAAAAAAAAAAAAEAAACgMgAAVgcAAKr4//8BAAAAf39/AAEAAABkAAAAAAAAABQAAABAHwAAAAAAACYAAAAAAAAAwOD//wAAAAAmAAAAZAAAABYAAABMAAAAAAAAAAAAAAAEAAAAAAAAAAEAAADRSc4KAAAAACgAAAAoAAAAZAAAAGQAAAAAAAAAzMzMAAAAAABQAAAAUAAAAGQAAABkAAAAAAAAABcAAAAUAAAAAAAAAAAAAAD/fwAA/38AAAAAAAAJAAAABAAAAAAAAAAeAAAAaAAAAAAAAAAAAAAAAAAAAAAAAAAAAAAAECcAABAnAAAAAAAAAAAAAAAAAAAAAAAAAAAAAAAAAAAAAAAAAAAAABQAAAAAAAAAwMD/AAAAAABkAAAAMgAAAAAAAABkAAAAAAAAAH9/fwAKAAAAIgAAABgAAAAAAAAAAAAAAAAAAAAAAAAAAAAAAAAAAAAkAAAAJAAAAAAAAAAHAAAAAAAAAAAAAAAAAAAAAAAAAAAAAAAAAAAAf39/ACUAAABYAAAAAAAAAAAAAAAAAAAAAAAAAAAAAAAAAAAAAAAAAAAAAAAAAAAAAAAAAAAAAAA/AAAAAAAAAKCGAQAAAAAAAAAAAAAAAAAMAAAAAQAAAAAAAAAAAAAAAAAAAB8AAABUAAAA////AAAAAAEAAAAAAAAAAAAAAAAAAAAAAAAAAAAAAAAAAAAAAAAAAAAAAAB/f38AAAAAA8zMzADAwP8Af39/AAAAAAAAAAAAAAAAAAAAAAAAAAAAIQAAABgAAAAUAAAA7hMAAGcHAAA6JAAAKBAAABAAAAAmAAAACAAAAD0gAAAAAAAA"/>
+                <pr:smNativeData xmlns:pr="smNativeData" xmlns="smNativeData" val="SMDATA_15_8sFZZRMAAAAlAAAAZAAAAA0AAAAAAAAAAAAAAAAAAAAAAAAAAAAAAAAAAAAAAAAAAAEAAABQAAAAAAAAAAAA4D8AAAAAAADgPwAAAAAAAOA/AAAAAAAA4D8AAAAAAADgPwAAAAAAAOA/AAAAAAAA4D8AAAAAAADgPwAAAAAAAOA/AAAAAAAA4D8CAAAAjAAAAAAAAAAAAAAA////AP///wgAAAAAAAAAAAAAAAAAAAAAAAAAAAAAAAAAAAAAeAAAAAEAAABAAAAAAAAAAAAAAABaAAAAAAAAAAAAAAAAAAAAAAAAAAAAAAAAAAAAAAAAAAAAAAAAAAAAAAAAAAAAAAAAAAAAAAAAAAAAAAAAAAAAAAAAAAAAAAAAAAAAFAAAADwAAAAAAAAAAAAAAAAAAAAPAAAAAQAAACMAAAAjAAAAIwAAAB4AAAAAAAAAZAAAAGQAAAAAAAAAZAAAAGQAAAAVAAAAYAAAAAAAAAAAAAAADwAAACADAAAAAAAAAAAAAAEAAACgMgAAVgcAAKr4//8BAAAAf39/AAEAAABkAAAAAAAAABQAAABAHwAAAAAAACYAAAAAAAAAwOD//wAAAAAmAAAAZAAAABYAAABMAAAAAAAAAAAAAAAEAAAAAAAAAAEAAADRSc4KAAAAACgAAAAoAAAAZAAAAGQAAAAAAAAAzMzMAAAAAABQAAAAUAAAAGQAAABkAAAAAAAAABcAAAAUAAAAAAAAAAAAAAD/fwAA/38AAAAAAAAJAAAABAAAAJgGAAAeAAAAaAAAAAAAAAAAAAAAAAAAAAAAAAAAAAAAECcAABAnAAAAAAAAAAAAAAAAAAAAAAAAAAAAAAAAAAAAAAAAAAAAABQAAAAAAAAAwMD/AAAAAABkAAAAMgAAAAAAAABkAAAAAAAAAH9/fwAKAAAAIgAAABgAAAAAAAAAAAAAAAAAAAAAAAAAAAAAAAAAAAAkAAAAJAAAAAAAAAAHAAAAAAAAAAAAAAAAAAAAAAAAAAAAAAAAAAAAf39/ACUAAABYAAAAAAAAAAAAAAAAAAAAAAAAAAAAAAAAAAAAAAAAAAAAAAAAAAAAAAAAAAAAAAA/AAAAAAAAAKCGAQAAAAAAAAAAAAAAAAAMAAAAAQAAAAAAAAAAAAAAAAAAAB8AAABUAAAA////AAAAAAEAAAAAAAAAAAAAAAAAAAAAAAAAAAAAAAAAAAAAAAAAAAAAAAB/f38AAAAAA8zMzADAwP8Af39/AAAAAAAAAAAAAAAAAAAAAAAAAAAAIQAAABgAAAAUAAAA7hMAAGcHAAA6JAAAKBAAABAAAAAmAAAACAAAAD0gAAAAAAAA"/>
               </a:ext>
             </a:extLst>
           </p:cNvSpPr>
@@ -7787,7 +7690,7 @@
             <a:spLocks noGrp="1" noChangeArrowheads="1"/>
             <a:extLst>
               <a:ext uri="smNativeData">
-                <pr:smNativeData xmlns:pr="smNativeData" xmlns="smNativeData" val="SMDATA_15_37BZZRMAAAAlAAAAZAAAAA0AAAAAAAAAAAAAAAAAAAAAAAAAAAAAAAAAAAAAAAAAAAEAAABQAAAAAAAAAAAA4D8AAAAAAADgPwAAAAAAAOA/AAAAAAAA4D8AAAAAAADgPwAAAAAAAOA/AAAAAAAA4D8AAAAAAADgPwAAAAAAAOA/AAAAAAAA4D8CAAAAjAAAAAAAAAAAAAAA////AP///wgAAAAAAAAAAAAAAAAAAAAAAAAAAAAAAAAAAAAAeAAAAAEAAABAAAAAAAAAAAAAAABaAAAAAAAAAAAAAAAAAAAAAAAAAAAAAAAAAAAAAAAAAAAAAAAAAAAAAAAAAAAAAAAAAAAAAAAAAAAAAAAAAAAAAAAAAAAAAAAAAAAAFAAAADwAAAAAAAAAAAAAAAAAAAAPAAAAAQAAACMAAAAjAAAAIwAAAB4AAAAAAAAAZAAAAGQAAAAAAAAAZAAAAGQAAAAVAAAAYAAAAAAAAAAAAAAADwAAACADAAAAAAAAAAAAAAEAAACgMgAAVgcAAKr4//8BAAAAf39/AAEAAABkAAAAAAAAABQAAABAHwAAAAAAACYAAAAAAAAAwOD//wAAAAAmAAAAZAAAABYAAABMAAAAAAAAAAAAAAAEAAAAAAAAAAEAAADRSc4KAAAAACgAAAAoAAAAZAAAAGQAAAAAAAAAzMzMAAAAAABQAAAAUAAAAGQAAABkAAAAAAAAABcAAAAUAAAAAAAAAAAAAAD/fwAA/38AAAAAAAAJAAAABAAAAAAAAAAeAAAAaAAAAAAAAAAAAAAAAAAAAAAAAAAAAAAAECcAABAnAAAAAAAAAAAAAAAAAAAAAAAAAAAAAAAAAAAAAAAAAAAAABQAAAAAAAAAwMD/AAAAAABkAAAAMgAAAAAAAABkAAAAAAAAAH9/fwAKAAAAIgAAABgAAAAAAAAAAAAAAAAAAAAAAAAAAAAAAAAAAAAkAAAAJAAAAAAAAAAHAAAAAAAAAAAAAAAAAAAAAAAAAAAAAAAAAAAAf39/ACUAAABYAAAAAAAAAAAAAAAAAAAAAAAAAAAAAAAAAAAAAAAAAAAAAAAAAAAAAAAAAAAAAAA/AAAAAAAAAKCGAQAAAAAAAAAAAAAAAAAMAAAAAQAAAAAAAAAAAAAAAAAAAB8AAABUAAAA////AAAAAAEAAAAAAAAAAAAAAAAAAAAAAAAAAAAAAAAAAAAAAAAAAAAAAAB/f38AAAAAA8zMzADAwP8Af39/AAAAAAAAAAAAAAAAAAAAAAAAAAAAIQAAABgAAAAUAAAADCUAAGcHAABYNQAAKBAAABAAAAAmAAAACAAAAD0gAAAAAAAA"/>
+                <pr:smNativeData xmlns:pr="smNativeData" xmlns="smNativeData" val="SMDATA_15_8sFZZRMAAAAlAAAAZAAAAA0AAAAAAAAAAAAAAAAAAAAAAAAAAAAAAAAAAAAAAAAAAAEAAABQAAAAAAAAAAAA4D8AAAAAAADgPwAAAAAAAOA/AAAAAAAA4D8AAAAAAADgPwAAAAAAAOA/AAAAAAAA4D8AAAAAAADgPwAAAAAAAOA/AAAAAAAA4D8CAAAAjAAAAAAAAAAAAAAA////AP///wgAAAAAAAAAAAAAAAAAAAAAAAAAAAAAAAAAAAAAeAAAAAEAAABAAAAAAAAAAAAAAABaAAAAAAAAAAAAAAAAAAAAAAAAAAAAAAAAAAAAAAAAAAAAAAAAAAAAAAAAAAAAAAAAAAAAAAAAAAAAAAAAAAAAAAAAAAAAAAAAAAAAFAAAADwAAAAAAAAAAAAAAAAAAAAPAAAAAQAAACMAAAAjAAAAIwAAAB4AAAAAAAAAZAAAAGQAAAAAAAAAZAAAAGQAAAAVAAAAYAAAAAAAAAAAAAAADwAAACADAAAAAAAAAAAAAAEAAACgMgAAVgcAAKr4//8BAAAAf39/AAEAAABkAAAAAAAAABQAAABAHwAAAAAAACYAAAAAAAAAwOD//wAAAAAmAAAAZAAAABYAAABMAAAAAAAAAAAAAAAEAAAAAAAAAAEAAADRSc4KAAAAACgAAAAoAAAAZAAAAGQAAAAAAAAAzMzMAAAAAABQAAAAUAAAAGQAAABkAAAAAAAAABcAAAAUAAAAAAAAAAAAAAD/fwAA/38AAAAAAAAJAAAABAAAAP///wAeAAAAaAAAAAAAAAAAAAAAAAAAAAAAAAAAAAAAECcAABAnAAAAAAAAAAAAAAAAAAAAAAAAAAAAAAAAAAAAAAAAAAAAABQAAAAAAAAAwMD/AAAAAABkAAAAMgAAAAAAAABkAAAAAAAAAH9/fwAKAAAAIgAAABgAAAAAAAAAAAAAAAAAAAAAAAAAAAAAAAAAAAAkAAAAJAAAAAAAAAAHAAAAAAAAAAAAAAAAAAAAAAAAAAAAAAAAAAAAf39/ACUAAABYAAAAAAAAAAAAAAAAAAAAAAAAAAAAAAAAAAAAAAAAAAAAAAAAAAAAAAAAAAAAAAA/AAAAAAAAAKCGAQAAAAAAAAAAAAAAAAAMAAAAAQAAAAAAAAAAAAAAAAAAAB8AAABUAAAA////AAAAAAEAAAAAAAAAAAAAAAAAAAAAAAAAAAAAAAAAAAAAAAAAAAAAAAB/f38AAAAAA8zMzADAwP8Af39/AAAAAAAAAAAAAAAAAAAAAAAAAAAAIQAAABgAAAAUAAAADCUAAGcHAABYNQAAKBAAABAAAAAmAAAACAAAAD0gAAAAAAAA"/>
               </a:ext>
             </a:extLst>
           </p:cNvSpPr>
@@ -7823,7 +7726,7 @@
             <a:spLocks noGrp="1" noChangeArrowheads="1"/>
             <a:extLst>
               <a:ext uri="smNativeData">
-                <pr:smNativeData xmlns:pr="smNativeData" xmlns="smNativeData" val="SMDATA_15_37BZZRMAAAAlAAAAZAAAAA0AAAAAAAAAAAAAAAAAAAAAAAAAAAAAAAAAAAAAAAAAAAEAAABQAAAAAAAAAAAA4D8AAAAAAADgPwAAAAAAAOA/AAAAAAAA4D8AAAAAAADgPwAAAAAAAOA/AAAAAAAA4D8AAAAAAADgPwAAAAAAAOA/AAAAAAAA4D8CAAAAjAAAAAAAAAAAAAAA////AP///wgAAAAAAAAAAAAAAAAAAAAAAAAAAAAAAAAAAAAAeAAAAAEAAABAAAAAAAAAAAAAAABaAAAAAAAAAAAAAAAAAAAAAAAAAAAAAAAAAAAAAAAAAAAAAAAAAAAAAAAAAAAAAAAAAAAAAAAAAAAAAAAAAAAAAAAAAAAAAAAAAAAAFAAAADwAAAAAAAAAAAAAAAAAAAAPAAAAAQAAACMAAAAjAAAAIwAAAB4AAAAAAAAAZAAAAGQAAAAAAAAAZAAAAGQAAAAVAAAAYAAAAAAAAAAAAAAADwAAACADAAAAAAAAAAAAAAEAAACgMgAAVgcAAKr4//8BAAAAf39/AAEAAABkAAAAAAAAABQAAABAHwAAAAAAACYAAAAAAAAAwOD//wAAAAAmAAAAZAAAABYAAABMAAAAAAAAAAAAAAAEAAAAAAAAAAEAAADRSc4KAAAAACgAAAAoAAAAZAAAAGQAAAAAAAAAzMzMAAAAAABQAAAAUAAAAGQAAABkAAAAAAAAABcAAAAUAAAAAAAAAAAAAAD/fwAA/38AAAAAAAAJAAAABAAAAAAAAAAeAAAAaAAAAAAAAAAAAAAAAAAAAAAAAAAAAAAAECcAABAnAAAAAAAAAAAAAAAAAAAAAAAAAAAAAAAAAAAAAAAAAAAAABQAAAAAAAAAwMD/AAAAAABkAAAAMgAAAAAAAABkAAAAAAAAAH9/fwAKAAAAIgAAABgAAAAAAAAAAAAAAAAAAAAAAAAAAAAAAAAAAAAkAAAAJAAAAAAAAAAHAAAAAAAAAAAAAAAAAAAAAAAAAAAAAAAAAAAAf39/ACUAAABYAAAAAAAAAAAAAAAAAAAAAAAAAAAAAAAAAAAAAAAAAAAAAAAAAAAAAAAAAAAAAAA/AAAAAAAAAKCGAQAAAAAAAAAAAAAAAAAMAAAAAQAAAAAAAAAAAAAAAAAAAB8AAABUAAAA////AAAAAAEAAAAAAAAAAAAAAAAAAAAAAAAAAAAAAAAAAAAAAAAAAAAAAAB/f38AAAAAA8zMzADAwP8Af39/AAAAAAAAAAAAAAAAAAAAAAAAAAAAIQAAABgAAAAUAAAA0AIAAP0QAAAdEwAAvhkAABAAAAAmAAAACAAAAD0gAAAAAAAA"/>
+                <pr:smNativeData xmlns:pr="smNativeData" xmlns="smNativeData" val="SMDATA_15_8sFZZRMAAAAlAAAAZAAAAA0AAAAAAAAAAAAAAAAAAAAAAAAAAAAAAAAAAAAAAAAAAAEAAABQAAAAAAAAAAAA4D8AAAAAAADgPwAAAAAAAOA/AAAAAAAA4D8AAAAAAADgPwAAAAAAAOA/AAAAAAAA4D8AAAAAAADgPwAAAAAAAOA/AAAAAAAA4D8CAAAAjAAAAAAAAAAAAAAA////AP///wgAAAAAAAAAAAAAAAAAAAAAAAAAAAAAAAAAAAAAeAAAAAEAAABAAAAAAAAAAAAAAABaAAAAAAAAAAAAAAAAAAAAAAAAAAAAAAAAAAAAAAAAAAAAAAAAAAAAAAAAAAAAAAAAAAAAAAAAAAAAAAAAAAAAAAAAAAAAAAAAAAAAFAAAADwAAAAAAAAAAAAAAAAAAAAPAAAAAQAAACMAAAAjAAAAIwAAAB4AAAAAAAAAZAAAAGQAAAAAAAAAZAAAAGQAAAAVAAAAYAAAAAAAAAAAAAAADwAAACADAAAAAAAAAAAAAAEAAACgMgAAVgcAAKr4//8BAAAAf39/AAEAAABkAAAAAAAAABQAAABAHwAAAAAAACYAAAAAAAAAwOD//wAAAAAmAAAAZAAAABYAAABMAAAAAAAAAAAAAAAEAAAAAAAAAAEAAADRSc4KAAAAACgAAAAoAAAAZAAAAGQAAAAAAAAAzMzMAAAAAABQAAAAUAAAAGQAAABkAAAAAAAAABcAAAAUAAAAAAAAAAAAAAD/fwAA/38AAAAAAAAJAAAABAAAAO09iaweAAAAaAAAAAAAAAAAAAAAAAAAAAAAAAAAAAAAECcAABAnAAAAAAAAAAAAAAAAAAAAAAAAAAAAAAAAAAAAAAAAAAAAABQAAAAAAAAAwMD/AAAAAABkAAAAMgAAAAAAAABkAAAAAAAAAH9/fwAKAAAAIgAAABgAAAAAAAAAAAAAAAAAAAAAAAAAAAAAAAAAAAAkAAAAJAAAAAAAAAAHAAAAAAAAAAAAAAAAAAAAAAAAAAAAAAAAAAAAf39/ACUAAABYAAAAAAAAAAAAAAAAAAAAAAAAAAAAAAAAAAAAAAAAAAAAAAAAAAAAAAAAAAAAAAA/AAAAAAAAAKCGAQAAAAAAAAAAAAAAAAAMAAAAAQAAAAAAAAAAAAAAAAAAAB8AAABUAAAA////AAAAAAEAAAAAAAAAAAAAAAAAAAAAAAAAAAAAAAAAAAAAAAAAAAAAAAB/f38AAAAAA8zMzADAwP8Af39/AAAAAAAAAAAAAAAAAAAAAAAAAAAAIQAAABgAAAAUAAAA0AIAAP0QAAAdEwAAvhkAABAAAAAmAAAACAAAAD0gAAAAAAAA"/>
               </a:ext>
             </a:extLst>
           </p:cNvSpPr>
@@ -7859,7 +7762,7 @@
             <a:spLocks noGrp="1" noChangeArrowheads="1"/>
             <a:extLst>
               <a:ext uri="smNativeData">
-                <pr:smNativeData xmlns:pr="smNativeData" xmlns="smNativeData" val="SMDATA_15_37BZZRMAAAAlAAAAZAAAAA0AAAAAAAAAAAAAAAAAAAAAAAAAAAAAAAAAAAAAAAAAAAEAAABQAAAAAAAAAAAA4D8AAAAAAADgPwAAAAAAAOA/AAAAAAAA4D8AAAAAAADgPwAAAAAAAOA/AAAAAAAA4D8AAAAAAADgPwAAAAAAAOA/AAAAAAAA4D8CAAAAjAAAAAAAAAAAAAAA////AP///wgAAAAAAAAAAAAAAAAAAAAAAAAAAAAAAAAAAAAAeAAAAAEAAABAAAAAAAAAAAAAAABaAAAAAAAAAAAAAAAAAAAAAAAAAAAAAAAAAAAAAAAAAAAAAAAAAAAAAAAAAAAAAAAAAAAAAAAAAAAAAAAAAAAAAAAAAAAAAAAAAAAAFAAAADwAAAAAAAAAAAAAAAAAAAAPAAAAAQAAACMAAAAjAAAAIwAAAB4AAAAAAAAAZAAAAGQAAAAAAAAAZAAAAGQAAAAVAAAAYAAAAAAAAAAAAAAADwAAACADAAAAAAAAAAAAAAEAAACgMgAAVgcAAKr4//8BAAAAf39/AAEAAABkAAAAAAAAABQAAABAHwAAAAAAACYAAAAAAAAAwOD//wAAAAAmAAAAZAAAABYAAABMAAAAAAAAAAAAAAAEAAAAAAAAAAEAAADRSc4KAAAAACgAAAAoAAAAZAAAAGQAAAAAAAAAzMzMAAAAAABQAAAAUAAAAGQAAABkAAAAAAAAABcAAAAUAAAAAAAAAAAAAAD/fwAA/38AAAAAAAAJAAAABAAAAAAAAAAeAAAAaAAAAAAAAAAAAAAAAAAAAAAAAAAAAAAAECcAABAnAAAAAAAAAAAAAAAAAAAAAAAAAAAAAAAAAAAAAAAAAAAAABQAAAAAAAAAwMD/AAAAAABkAAAAMgAAAAAAAABkAAAAAAAAAH9/fwAKAAAAIgAAABgAAAAAAAAAAAAAAAAAAAAAAAAAAAAAAAAAAAAkAAAAJAAAAAAAAAAHAAAAAAAAAAAAAAAAAAAAAAAAAAAAAAAAAAAAf39/ACUAAABYAAAAAAAAAAAAAAAAAAAAAAAAAAAAAAAAAAAAAAAAAAAAAAAAAAAAAAAAAAAAAAA/AAAAAAAAAKCGAQAAAAAAAAAAAAAAAAAMAAAAAQAAAAAAAAAAAAAAAAAAAB8AAABUAAAA////AAAAAAEAAAAAAAAAAAAAAAAAAAAAAAAAAAAAAAAAAAAAAAAAAAAAAAB/f38AAAAAA8zMzADAwP8Af39/AAAAAAAAAAAAAAAAAAAAAAAAAAAAIQAAABgAAAAUAAAA7hMAAP0QAAA6JAAAvhkAABAAAAAmAAAACAAAAD0gAAAAAAAA"/>
+                <pr:smNativeData xmlns:pr="smNativeData" xmlns="smNativeData" val="SMDATA_15_8sFZZRMAAAAlAAAAZAAAAA0AAAAAAAAAAAAAAAAAAAAAAAAAAAAAAAAAAAAAAAAAAAEAAABQAAAAAAAAAAAA4D8AAAAAAADgPwAAAAAAAOA/AAAAAAAA4D8AAAAAAADgPwAAAAAAAOA/AAAAAAAA4D8AAAAAAADgPwAAAAAAAOA/AAAAAAAA4D8CAAAAjAAAAAAAAAAAAAAA////AP///wgAAAAAAAAAAAAAAAAAAAAAAAAAAAAAAAAAAAAAeAAAAAEAAABAAAAAAAAAAAAAAABaAAAAAAAAAAAAAAAAAAAAAAAAAAAAAAAAAAAAAAAAAAAAAAAAAAAAAAAAAAAAAAAAAAAAAAAAAAAAAAAAAAAAAAAAAAAAAAAAAAAAFAAAADwAAAAAAAAAAAAAAAAAAAAPAAAAAQAAACMAAAAjAAAAIwAAAB4AAAAAAAAAZAAAAGQAAAAAAAAAZAAAAGQAAAAVAAAAYAAAAAAAAAAAAAAADwAAACADAAAAAAAAAAAAAAEAAACgMgAAVgcAAKr4//8BAAAAf39/AAEAAABkAAAAAAAAABQAAABAHwAAAAAAACYAAAAAAAAAwOD//wAAAAAmAAAAZAAAABYAAABMAAAAAAAAAAAAAAAEAAAAAAAAAAEAAADRSc4KAAAAACgAAAAoAAAAZAAAAGQAAAAAAAAAzMzMAAAAAABQAAAAUAAAAGQAAABkAAAAAAAAABcAAAAUAAAAAAAAAAAAAAD/fwAA/38AAAAAAAAJAAAABAAAAF9yZWweAAAAaAAAAAAAAAAAAAAAAAAAAAAAAAAAAAAAECcAABAnAAAAAAAAAAAAAAAAAAAAAAAAAAAAAAAAAAAAAAAAAAAAABQAAAAAAAAAwMD/AAAAAABkAAAAMgAAAAAAAABkAAAAAAAAAH9/fwAKAAAAIgAAABgAAAAAAAAAAAAAAAAAAAAAAAAAAAAAAAAAAAAkAAAAJAAAAAAAAAAHAAAAAAAAAAAAAAAAAAAAAAAAAAAAAAAAAAAAf39/ACUAAABYAAAAAAAAAAAAAAAAAAAAAAAAAAAAAAAAAAAAAAAAAAAAAAAAAAAAAAAAAAAAAAA/AAAAAAAAAKCGAQAAAAAAAAAAAAAAAAAMAAAAAQAAAAAAAAAAAAAAAAAAAB8AAABUAAAA////AAAAAAEAAAAAAAAAAAAAAAAAAAAAAAAAAAAAAAAAAAAAAAAAAAAAAAB/f38AAAAAA8zMzADAwP8Af39/AAAAAAAAAAAAAAAAAAAAAAAAAAAAIQAAABgAAAAUAAAA7hMAAP0QAAA6JAAAvhkAABAAAAAmAAAACAAAAD0gAAAAAAAA"/>
               </a:ext>
             </a:extLst>
           </p:cNvSpPr>
@@ -7895,7 +7798,7 @@
             <a:spLocks noGrp="1" noChangeArrowheads="1"/>
             <a:extLst>
               <a:ext uri="smNativeData">
-                <pr:smNativeData xmlns:pr="smNativeData" xmlns="smNativeData" val="SMDATA_15_37BZZRMAAAAlAAAAZAAAAA0AAAAAAAAAAAAAAAAAAAAAAAAAAAAAAAAAAAAAAAAAAAEAAABQAAAAAAAAAAAA4D8AAAAAAADgPwAAAAAAAOA/AAAAAAAA4D8AAAAAAADgPwAAAAAAAOA/AAAAAAAA4D8AAAAAAADgPwAAAAAAAOA/AAAAAAAA4D8CAAAAjAAAAAAAAAAAAAAA////AP///wgAAAAAAAAAAAAAAAAAAAAAAAAAAAAAAAAAAAAAeAAAAAEAAABAAAAAAAAAAAAAAABaAAAAAAAAAAAAAAAAAAAAAAAAAAAAAAAAAAAAAAAAAAAAAAAAAAAAAAAAAAAAAAAAAAAAAAAAAAAAAAAAAAAAAAAAAAAAAAAAAAAAFAAAADwAAAAAAAAAAAAAAAAAAAAPAAAAAQAAACMAAAAjAAAAIwAAAB4AAAAAAAAAZAAAAGQAAAAAAAAAZAAAAGQAAAAVAAAAYAAAAAAAAAAAAAAADwAAACADAAAAAAAAAAAAAAEAAACgMgAAVgcAAKr4//8BAAAAf39/AAEAAABkAAAAAAAAABQAAABAHwAAAAAAACYAAAAAAAAAwOD//wAAAAAmAAAAZAAAABYAAABMAAAAAAAAAAAAAAAEAAAAAAAAAAEAAADRSc4KAAAAACgAAAAoAAAAZAAAAGQAAAAAAAAAzMzMAAAAAABQAAAAUAAAAGQAAABkAAAAAAAAABcAAAAUAAAAAAAAAAAAAAD/fwAA/38AAAAAAAAJAAAABAAAAAAAAAAeAAAAaAAAAAAAAAAAAAAAAAAAAAAAAAAAAAAAECcAABAnAAAAAAAAAAAAAAAAAAAAAAAAAAAAAAAAAAAAAAAAAAAAABQAAAAAAAAAwMD/AAAAAABkAAAAMgAAAAAAAABkAAAAAAAAAH9/fwAKAAAAIgAAABgAAAAAAAAAAAAAAAAAAAAAAAAAAAAAAAAAAAAkAAAAJAAAAAAAAAAHAAAAAAAAAAAAAAAAAAAAAAAAAAAAAAAAAAAAf39/ACUAAABYAAAAAAAAAAAAAAAAAAAAAAAAAAAAAAAAAAAAAAAAAAAAAAAAAAAAAAAAAAAAAAA/AAAAAAAAAKCGAQAAAAAAAAAAAAAAAAAMAAAAAQAAAAAAAAAAAAAAAAAAAB8AAABUAAAA////AAAAAAEAAAAAAAAAAAAAAAAAAAAAAAAAAAAAAAAAAAAAAAAAAAAAAAB/f38AAAAAA8zMzADAwP8Af39/AAAAAAAAAAAAAAAAAAAAAAAAAAAAIQAAABgAAAAUAAAADCUAAP0QAABYNQAAvhkAABAAAAAmAAAACAAAAD0gAAAAAAAA"/>
+                <pr:smNativeData xmlns:pr="smNativeData" xmlns="smNativeData" val="SMDATA_15_8sFZZRMAAAAlAAAAZAAAAA0AAAAAAAAAAAAAAAAAAAAAAAAAAAAAAAAAAAAAAAAAAAEAAABQAAAAAAAAAAAA4D8AAAAAAADgPwAAAAAAAOA/AAAAAAAA4D8AAAAAAADgPwAAAAAAAOA/AAAAAAAA4D8AAAAAAADgPwAAAAAAAOA/AAAAAAAA4D8CAAAAjAAAAAAAAAAAAAAA////AP///wgAAAAAAAAAAAAAAAAAAAAAAAAAAAAAAAAAAAAAeAAAAAEAAABAAAAAAAAAAAAAAABaAAAAAAAAAAAAAAAAAAAAAAAAAAAAAAAAAAAAAAAAAAAAAAAAAAAAAAAAAAAAAAAAAAAAAAAAAAAAAAAAAAAAAAAAAAAAAAAAAAAAFAAAADwAAAAAAAAAAAAAAAAAAAAPAAAAAQAAACMAAAAjAAAAIwAAAB4AAAAAAAAAZAAAAGQAAAAAAAAAZAAAAGQAAAAVAAAAYAAAAAAAAAAAAAAADwAAACADAAAAAAAAAAAAAAEAAACgMgAAVgcAAKr4//8BAAAAf39/AAEAAABkAAAAAAAAABQAAABAHwAAAAAAACYAAAAAAAAAwOD//wAAAAAmAAAAZAAAABYAAABMAAAAAAAAAAAAAAAEAAAAAAAAAAEAAADRSc4KAAAAACgAAAAoAAAAZAAAAGQAAAAAAAAAzMzMAAAAAABQAAAAUAAAAGQAAABkAAAAAAAAABcAAAAUAAAAAAAAAAAAAAD/fwAA/38AAAAAAAAJAAAABAAAAAAAAAAeAAAAaAAAAAAAAAAAAAAAAAAAAAAAAAAAAAAAECcAABAnAAAAAAAAAAAAAAAAAAAAAAAAAAAAAAAAAAAAAAAAAAAAABQAAAAAAAAAwMD/AAAAAABkAAAAMgAAAAAAAABkAAAAAAAAAH9/fwAKAAAAIgAAABgAAAAAAAAAAAAAAAAAAAAAAAAAAAAAAAAAAAAkAAAAJAAAAAAAAAAHAAAAAAAAAAAAAAAAAAAAAAAAAAAAAAAAAAAAf39/ACUAAABYAAAAAAAAAAAAAAAAAAAAAAAAAAAAAAAAAAAAAAAAAAAAAAAAAAAAAAAAAAAAAAA/AAAAAAAAAKCGAQAAAAAAAAAAAAAAAAAMAAAAAQAAAAAAAAAAAAAAAAAAAB8AAABUAAAA////AAAAAAEAAAAAAAAAAAAAAAAAAAAAAAAAAAAAAAAAAAAAAAAAAAAAAAB/f38AAAAAA8zMzADAwP8Af39/AAAAAAAAAAAAAAAAAAAAAAAAAAAAIQAAABgAAAAUAAAADCUAAP0QAABYNQAAvhkAABAAAAAmAAAACAAAAD0gAAAAAAAA"/>
               </a:ext>
             </a:extLst>
           </p:cNvSpPr>
@@ -7981,7 +7884,7 @@
             <a:spLocks noGrp="1" noChangeArrowheads="1"/>
             <a:extLst>
               <a:ext uri="smNativeData">
-                <pr:smNativeData xmlns:pr="smNativeData" xmlns="smNativeData" val="SMDATA_15_37BZZRMAAAAlAAAAZAAAAE0AAAAAAAAAAAAAAAAAAAAAAAAAAAAAAAABAAAAAAAAAAEAAABQAAAAAAAAAAAA4D8AAAAAAADgPwAAAAAAAOA/AAAAAAAA4D8AAAAAAADgPwAAAAAAAOA/AAAAAAAA4D8AAAAAAADgPwAAAAAAAOA/AAAAAAAA4D8CAAAAjAAAAAAAAAAAAAAA////AP///wgAAAAAAAAAAAAAAAAAAAAAAAAAAAAAAAAAAAAAeAAAAAEAAABAAAAAAAAAAAAAAABaAAAAAAAAAAAAAAAAAAAAAAAAAAAAAAAAAAAAAAAAAAAAAAAAAAAAAAAAAAAAAAAAAAAAAAAAAAAAAAAAAAAAAAAAAAAAAAAAAAAAFAAAADwAAAAAAAAAAAAAAAAAAAAPAAAAAQAAACMAAAAjAAAAIwAAAB4AAAAAAAAAZAAAAGQAAAAAAAAAZAAAAGQAAAAVAAAAYAAAAAAAAAAAAAAADwAAACADAAAAAAAAAAAAAAEAAACgMgAAVgcAAKr4//8BAAAAf39/AAEAAABkAAAAAAAAABQAAABAHwAAAAAAACYAAAAAAAAAwOD//wAAAAAmAAAAZAAAABYAAABMAAAAAAAAAAAAAAAEAAAAAAAAAAEAAADRSc4KAAAAACgAAAAoAAAAZAAAAGQAAAAAAAAAzMzMAAAAAABQAAAAUAAAAGQAAABkAAAAAAAAABcAAAAUAAAAAAAAAAAAAAD/fwAA/38AAAAAAAAJAAAABAAAAAAAAAAeAAAAaAAAAAAAAAAAAAAAAAAAAAAAAAAAAAAAECcAABAnAAAAAAAAAAAAAAAAAAAAAAAAAAAAAAAAAAAAAAAAAAAAABQAAAAAAAAAwMD/AAAAAABkAAAAMgAAAAAAAABkAAAAAAAAAH9/fwAKAAAAIgAAABgAAAAAAAAAAAAAAAAAAAAAAAAAAAAAAAAAAAAkAAAAJAAAAAAAAAAHAAAAAAAAAAAAAAAAAAAAAAAAAAAAAAAAAAAAf39/ACUAAABYAAAAAAAAAAAAAAAAAAAAAAAAAAAAAAAAAAAAAAAAAAAAAAAAAAAAAAAAAAAAAAA/AAAAAAAAAKCGAQAAAAAAAAAAAAAAAAAMAAAAAQAAAAAAAAAAAAAAAAAAAB8AAABUAAAA////AAAAAAEAAAAAAAAAAAAAAAAAAAAAAAAAAAAAAAAAAAAAAAAAAAAAAAB/f38AAAAAA8zMzADAwP8Af39/AAAAAAAAAAAAAAAAAAAAAAAAAAAAIQAAABgAAAAUAAAA0AIAAA8AAABvNQAAwAcAABAgAAAmAAAACAAAAD0gAAAAAAAA"/>
+                <pr:smNativeData xmlns:pr="smNativeData" xmlns="smNativeData" val="SMDATA_15_8sFZZRMAAAAlAAAAZAAAAE0AAAAAAAAAAAAAAAAAAAAAAAAAAAAAAAABAAAAAAAAAAEAAABQAAAAAAAAAAAA4D8AAAAAAADgPwAAAAAAAOA/AAAAAAAA4D8AAAAAAADgPwAAAAAAAOA/AAAAAAAA4D8AAAAAAADgPwAAAAAAAOA/AAAAAAAA4D8CAAAAjAAAAAAAAAAAAAAA////AP///wgAAAAAAAAAAAAAAAAAAAAAAAAAAAAAAAAAAAAAeAAAAAEAAABAAAAAAAAAAAAAAABaAAAAAAAAAAAAAAAAAAAAAAAAAAAAAAAAAAAAAAAAAAAAAAAAAAAAAAAAAAAAAAAAAAAAAAAAAAAAAAAAAAAAAAAAAAAAAAAAAAAAFAAAADwAAAAAAAAAAAAAAAAAAAAPAAAAAQAAACMAAAAjAAAAIwAAAB4AAAAAAAAAZAAAAGQAAAAAAAAAZAAAAGQAAAAVAAAAYAAAAAAAAAAAAAAADwAAACADAAAAAAAAAAAAAAEAAACgMgAAVgcAAKr4//8BAAAAf39/AAEAAABkAAAAAAAAABQAAABAHwAAAAAAACYAAAAAAAAAwOD//wAAAAAmAAAAZAAAABYAAABMAAAAAAAAAAAAAAAEAAAAAAAAAAEAAADRSc4KAAAAACgAAAAoAAAAZAAAAGQAAAAAAAAAzMzMAAAAAABQAAAAUAAAAGQAAABkAAAAAAAAABcAAAAUAAAAAAAAAAAAAAD/fwAA/38AAAAAAAAJAAAABAAAAAAAAAAeAAAAaAAAAAAAAAAAAAAAAAAAAAAAAAAAAAAAECcAABAnAAAAAAAAAAAAAAAAAAAAAAAAAAAAAAAAAAAAAAAAAAAAABQAAAAAAAAAwMD/AAAAAABkAAAAMgAAAAAAAABkAAAAAAAAAH9/fwAKAAAAIgAAABgAAAAAAAAAAAAAAAAAAAAAAAAAAAAAAAAAAAAkAAAAJAAAAAAAAAAHAAAAAAAAAAAAAAAAAAAAAAAAAAAAAAAAAAAAf39/ACUAAABYAAAAAAAAAAAAAAAAAAAAAAAAAAAAAAAAAAAAAAAAAAAAAAAAAAAAAAAAAAAAAAA/AAAAAAAAAKCGAQAAAAAAAAAAAAAAAAAMAAAAAQAAAAAAAAAAAAAAAAAAAB8AAABUAAAA////AAAAAAEAAAAAAAAAAAAAAAAAAAAAAAAAAAAAAAAAAAAAAAAAAAAAAAB/f38AAAAAA8zMzADAwP8Af39/AAAAAAAAAAAAAAAAAAAAAAAAAAAAIQAAABgAAAAUAAAA0AIAAA8AAABvNQAAwAcAABAgAAAmAAAACAAAAD0gAAAAAAAA"/>
               </a:ext>
             </a:extLst>
           </p:cNvSpPr>
@@ -8014,7 +7917,7 @@
             <a:spLocks noGrp="1" noChangeArrowheads="1"/>
             <a:extLst>
               <a:ext uri="smNativeData">
-                <pr:smNativeData xmlns:pr="smNativeData" xmlns="smNativeData" val="SMDATA_15_37BZZRMAAAAlAAAAZAAAAE0AAAAAAAAAAAAAAAAAAAAAAAAAAAAAAAABAAAAAAAAAAEAAABQAAAAAAAAAAAA4D8AAAAAAADgPwAAAAAAAOA/AAAAAAAA4D8AAAAAAADgPwAAAAAAAOA/AAAAAAAA4D8AAAAAAADgPwAAAAAAAOA/AAAAAAAA4D8CAAAAjAAAAAAAAAAAAAAA////AP///wgAAAAAAAAAAAAAAAAAAAAAAAAAAAAAAAAAAAAAeAAAAAEAAABAAAAAAAAAAAAAAABaAAAAAAAAAAAAAAAAAAAAAAAAAAAAAAAAAAAAAAAAAAAAAAAAAAAAAAAAAAAAAAAAAAAAAAAAAAAAAAAAAAAAAAAAAAAAAAAAAAAAFAAAADwAAAAAAAAAAAAAAAAAAAAPAAAAAQAAACMAAAAjAAAAIwAAAB4AAAAAAAAAZAAAAGQAAAAAAAAAZAAAAGQAAAAVAAAAYAAAAAAAAAAAAAAADwAAACADAAAAAAAAAAAAAAEAAACgMgAAVgcAAKr4//8BAAAAf39/AAEAAABkAAAAAAAAABQAAABAHwAAAAAAACYAAAAAAAAAwOD//wAAAAAmAAAAZAAAABYAAABMAAAAAAAAAAAAAAAEAAAAAAAAAAEAAADRSc4KAAAAACgAAAAoAAAAZAAAAGQAAAAAAAAAzMzMAAAAAABQAAAAUAAAAGQAAABkAAAAAAAAABcAAAAUAAAAAAAAAAAAAAD/fwAA/38AAAAAAAAJAAAABAAAAAAAAAAeAAAAaAAAAAAAAAAAAAAAAAAAAAAAAAAAAAAAECcAABAnAAAAAAAAAAAAAAAAAAAAAAAAAAAAAAAAAAAAAAAAAAAAABQAAAAAAAAAwMD/AAAAAABkAAAAMgAAAAAAAABkAAAAAAAAAH9/fwAKAAAAIgAAABgAAAAAAAAAAAAAAAAAAAAAAAAAAAAAAAAAAAAkAAAAJAAAAAAAAAAHAAAAAAAAAAAAAAAAAAAAAAAAAAAAAAAAAAAAf39/ACUAAABYAAAAAAAAAAAAAAAAAAAAAAAAAAAAAAAAAAAAAAAAAAAAAAAAAAAAAAAAAAAAAAA/AAAAAAAAAKCGAQAAAAAAAAAAAAAAAAAMAAAAAQAAAAAAAAAAAAAAAAAAAB8AAABUAAAA////AAAAAAEAAAAAAAAAAAAAAAAAAAAAAAAAAAAAAAAAAAAAAAAAAAAAAAB/f38AAAAAA8zMzADAwP8Af39/AAAAAAAAAAAAAAAAAAAAAAAAAAAAIQAAABgAAAAUAAAA0AIAAGcHAABvNQAAwRkAABAgAAAmAAAACAAAAL0gAAAAAAAA"/>
+                <pr:smNativeData xmlns:pr="smNativeData" xmlns="smNativeData" val="SMDATA_15_8sFZZRMAAAAlAAAAZAAAAE0AAAAAAAAAAAAAAAAAAAAAAAAAAAAAAAABAAAAAAAAAAEAAABQAAAAAAAAAAAA4D8AAAAAAADgPwAAAAAAAOA/AAAAAAAA4D8AAAAAAADgPwAAAAAAAOA/AAAAAAAA4D8AAAAAAADgPwAAAAAAAOA/AAAAAAAA4D8CAAAAjAAAAAAAAAAAAAAA////AP///wgAAAAAAAAAAAAAAAAAAAAAAAAAAAAAAAAAAAAAeAAAAAEAAABAAAAAAAAAAAAAAABaAAAAAAAAAAAAAAAAAAAAAAAAAAAAAAAAAAAAAAAAAAAAAAAAAAAAAAAAAAAAAAAAAAAAAAAAAAAAAAAAAAAAAAAAAAAAAAAAAAAAFAAAADwAAAAAAAAAAAAAAAAAAAAPAAAAAQAAACMAAAAjAAAAIwAAAB4AAAAAAAAAZAAAAGQAAAAAAAAAZAAAAGQAAAAVAAAAYAAAAAAAAAAAAAAADwAAACADAAAAAAAAAAAAAAEAAACgMgAAVgcAAKr4//8BAAAAf39/AAEAAABkAAAAAAAAABQAAABAHwAAAAAAACYAAAAAAAAAwOD//wAAAAAmAAAAZAAAABYAAABMAAAAAAAAAAAAAAAEAAAAAAAAAAEAAADRSc4KAAAAACgAAAAoAAAAZAAAAGQAAAAAAAAAzMzMAAAAAABQAAAAUAAAAGQAAABkAAAAAAAAABcAAAAUAAAAAAAAAAAAAAD/fwAA/38AAAAAAAAJAAAABAAAAAAAAAAeAAAAaAAAAAAAAAAAAAAAAAAAAAAAAAAAAAAAECcAABAnAAAAAAAAAAAAAAAAAAAAAAAAAAAAAAAAAAAAAAAAAAAAABQAAAAAAAAAwMD/AAAAAABkAAAAMgAAAAAAAABkAAAAAAAAAH9/fwAKAAAAIgAAABgAAAAAAAAAAAAAAAAAAAAAAAAAAAAAAAAAAAAkAAAAJAAAAAAAAAAHAAAAAAAAAAAAAAAAAAAAAAAAAAAAAAAAAAAAf39/ACUAAABYAAAAAAAAAAAAAAAAAAAAAAAAAAAAAAAAAAAAAAAAAAAAAAAAAAAAAAAAAAAAAAA/AAAAAAAAAKCGAQAAAAAAAAAAAAAAAAAMAAAAAQAAAAAAAAAAAAAAAAAAAB8AAABUAAAA////AAAAAAEAAAAAAAAAAAAAAAAAAAAAAAAAAAAAAAAAAAAAAAAAAAAAAAB/f38AAAAAA8zMzADAwP8Af39/AAAAAAAAAAAAAAAAAAAAAAAAAAAAIQAAABgAAAAUAAAA0AIAAGcHAABvNQAAwRkAABAgAAAmAAAACAAAAL0gAAAAAAAA"/>
               </a:ext>
             </a:extLst>
           </p:cNvSpPr>
@@ -8072,7 +7975,7 @@
             <a:spLocks noGrp="1" noChangeArrowheads="1"/>
             <a:extLst>
               <a:ext uri="smNativeData">
-                <pr:smNativeData xmlns:pr="smNativeData" xmlns="smNativeData" val="SMDATA_15_37BZZRMAAAAlAAAAZAAAAE0AAAAAAAAAAAAAAAAAAAAAAAAAAAAAAAABAAAAAAAAAAEAAABQAAAAAAAAAAAA4D8AAAAAAADgPwAAAAAAAOA/AAAAAAAA4D8AAAAAAADgPwAAAAAAAOA/AAAAAAAA4D8AAAAAAADgPwAAAAAAAOA/AAAAAAAA4D8CAAAAjAAAAAAAAAAAAAAA////AP///wgAAAAAAAAAAAAAAAAAAAAAAAAAAAAAAAAAAAAAeAAAAAEAAABAAAAAAAAAAAAAAABaAAAAAAAAAAAAAAAAAAAAAAAAAAAAAAAAAAAAAAAAAAAAAAAAAAAAAAAAAAAAAAAAAAAAAAAAAAAAAAAAAAAAAAAAAAAAAAAAAAAAFAAAADwAAAAAAAAAAAAAAAAAAAAPAAAAAQAAACMAAAAjAAAAIwAAAB4AAAAAAAAAZAAAAGQAAAAAAAAAZAAAAGQAAAAVAAAAYAAAAAAAAAAAAAAADwAAACADAAAAAAAAAAAAAAEAAACgMgAAVgcAAKr4//8BAAAAf39/AAEAAABkAAAAAAAAABQAAABAHwAAAAAAACYAAAAAAAAAwOD//wAAAAAmAAAAZAAAABYAAABMAAAAAAAAAAAAAAAEAAAAAAAAAAEAAADRSc4KAAAAACgAAAAoAAAAZAAAAGQAAAAAAAAAzMzMAAAAAABQAAAAUAAAAGQAAABkAAAAAAAAABcAAAAUAAAAAAAAAAAAAAD/fwAA/38AAAAAAAAJAAAABAAAAAAAAAAeAAAAaAAAAAAAAAAAAAAAAAAAAAAAAAAAAAAAECcAABAnAAAAAAAAAAAAAAAAAAAAAAAAAAAAAAAAAAAAAAAAAAAAABQAAAAAAAAAwMD/AAAAAABkAAAAMgAAAAAAAABkAAAAAAAAAH9/fwAKAAAAIgAAABgAAAAAAAAAAAAAAAAAAAAAAAAAAAAAAAAAAAAkAAAAJAAAAAAAAAAHAAAAAAAAAAAAAAAAAAAAAAAAAAAAAAAAAAAAf39/ACUAAABYAAAAAAAAAAAAAAAAAAAAAAAAAAAAAAAAAAAAAAAAAAAAAAAAAAAAAAAAAAAAAAA/AAAAAAAAAKCGAQAAAAAAAAAAAAAAAAAMAAAAAQAAAAAAAAAAAAAAAAAAAB8AAABUAAAA////AAAAAAEAAAAAAAAAAAAAAAAAAAAAAAAAAAAAAAAAAAAAAAAAAAAAAAB/f38AAAAAA8zMzADAwP8Af39/AAAAAAAAAAAAAAAAAAAAAAAAAAAAIQAAABgAAAAUAAAA0AIAAA8AAABvNQAAwAcAABAgAAAmAAAACAAAAD0gAAAAAAAA"/>
+                <pr:smNativeData xmlns:pr="smNativeData" xmlns="smNativeData" val="SMDATA_15_8sFZZRMAAAAlAAAAZAAAAE0AAAAAAAAAAAAAAAAAAAAAAAAAAAAAAAABAAAAAAAAAAEAAABQAAAAAAAAAAAA4D8AAAAAAADgPwAAAAAAAOA/AAAAAAAA4D8AAAAAAADgPwAAAAAAAOA/AAAAAAAA4D8AAAAAAADgPwAAAAAAAOA/AAAAAAAA4D8CAAAAjAAAAAAAAAAAAAAA////AP///wgAAAAAAAAAAAAAAAAAAAAAAAAAAAAAAAAAAAAAeAAAAAEAAABAAAAAAAAAAAAAAABaAAAAAAAAAAAAAAAAAAAAAAAAAAAAAAAAAAAAAAAAAAAAAAAAAAAAAAAAAAAAAAAAAAAAAAAAAAAAAAAAAAAAAAAAAAAAAAAAAAAAFAAAADwAAAAAAAAAAAAAAAAAAAAPAAAAAQAAACMAAAAjAAAAIwAAAB4AAAAAAAAAZAAAAGQAAAAAAAAAZAAAAGQAAAAVAAAAYAAAAAAAAAAAAAAADwAAACADAAAAAAAAAAAAAAEAAACgMgAAVgcAAKr4//8BAAAAf39/AAEAAABkAAAAAAAAABQAAABAHwAAAAAAACYAAAAAAAAAwOD//wAAAAAmAAAAZAAAABYAAABMAAAAAAAAAAAAAAAEAAAAAAAAAAEAAADRSc4KAAAAACgAAAAoAAAAZAAAAGQAAAAAAAAAzMzMAAAAAABQAAAAUAAAAGQAAABkAAAAAAAAABcAAAAUAAAAAAAAAAAAAAD/fwAA/38AAAAAAAAJAAAABAAAAAAAAAAeAAAAaAAAAAAAAAAAAAAAAAAAAAAAAAAAAAAAECcAABAnAAAAAAAAAAAAAAAAAAAAAAAAAAAAAAAAAAAAAAAAAAAAABQAAAAAAAAAwMD/AAAAAABkAAAAMgAAAAAAAABkAAAAAAAAAH9/fwAKAAAAIgAAABgAAAAAAAAAAAAAAAAAAAAAAAAAAAAAAAAAAAAkAAAAJAAAAAAAAAAHAAAAAAAAAAAAAAAAAAAAAAAAAAAAAAAAAAAAf39/ACUAAABYAAAAAAAAAAAAAAAAAAAAAAAAAAAAAAAAAAAAAAAAAAAAAAAAAAAAAAAAAAAAAAA/AAAAAAAAAKCGAQAAAAAAAAAAAAAAAAAMAAAAAQAAAAAAAAAAAAAAAAAAAB8AAABUAAAA////AAAAAAEAAAAAAAAAAAAAAAAAAAAAAAAAAAAAAAAAAAAAAAAAAAAAAAB/f38AAAAAA8zMzADAwP8Af39/AAAAAAAAAAAAAAAAAAAAAAAAAAAAIQAAABgAAAAUAAAA0AIAAA8AAABvNQAAwAcAABAgAAAmAAAACAAAAD0gAAAAAAAA"/>
               </a:ext>
             </a:extLst>
           </p:cNvSpPr>
@@ -8105,7 +8008,7 @@
             <a:spLocks noGrp="1" noChangeArrowheads="1"/>
             <a:extLst>
               <a:ext uri="smNativeData">
-                <pr:smNativeData xmlns:pr="smNativeData" xmlns="smNativeData" val="SMDATA_15_37BZZRMAAAAlAAAAZAAAAA0AAAAAAAAAAAAAAAAAAAAAAAAAAAAAAAAAAAAAAAAAAAEAAABQAAAAAAAAAAAA4D8AAAAAAADgPwAAAAAAAOA/AAAAAAAA4D8AAAAAAADgPwAAAAAAAOA/AAAAAAAA4D8AAAAAAADgPwAAAAAAAOA/AAAAAAAA4D8CAAAAjAAAAAAAAAAAAAAA////AP///wgAAAAAAAAAAAAAAAAAAAAAAAAAAAAAAAAAAAAAeAAAAAEAAABAAAAAAAAAAAAAAABaAAAAAAAAAAAAAAAAAAAAAAAAAAAAAAAAAAAAAAAAAAAAAAAAAAAAAAAAAAAAAAAAAAAAAAAAAAAAAAAAAAAAAAAAAAAAAAAAAAAAFAAAADwAAAAAAAAAAAAAAAAAAAAPAAAAAQAAACMAAAAjAAAAIwAAAB4AAAAAAAAAZAAAAGQAAAAAAAAAZAAAAGQAAAAVAAAAYAAAAAAAAAAAAAAADwAAACADAAAAAAAAAAAAAAEAAACgMgAAVgcAAKr4//8BAAAAf39/AAEAAABkAAAAAAAAABQAAABAHwAAAAAAACYAAAAAAAAAwOD//wAAAAAmAAAAZAAAABYAAABMAAAAAAAAAAAAAAAEAAAAAAAAAAEAAADRSc4KAAAAACgAAAAoAAAAZAAAAGQAAAAAAAAAzMzMAAAAAABQAAAAUAAAAGQAAABkAAAAAAAAABcAAAAUAAAAAAAAAAAAAAD/fwAA/38AAAAAAAAJAAAABAAAAAAAAAAeAAAAaAAAAAAAAAAAAAAAAAAAAAAAAAAAAAAAECcAABAnAAAAAAAAAAAAAAAAAAAAAAAAAAAAAAAAAAAAAAAAAAAAABQAAAAAAAAAwMD/AAAAAABkAAAAMgAAAAAAAABkAAAAAAAAAH9/fwAKAAAAIgAAABgAAAAAAAAAAAAAAAAAAAAAAAAAAAAAAAAAAAAkAAAAJAAAAAAAAAAHAAAAAAAAAAAAAAAAAAAAAAAAAAAAAAAAAAAAf39/ACUAAABYAAAAAAAAAAAAAAAAAAAAAAAAAAAAAAAAAAAAAAAAAAAAAAAAAAAAAAAAAAAAAAA/AAAAAAAAAKCGAQAAAAAAAAAAAAAAAAAMAAAAAQAAAAAAAAAAAAAAAAAAAB8AAABUAAAA////AAAAAAEAAAAAAAAAAAAAAAAAAAAAAAAAAAAAAAAAAAAAAAAAAAAAAAB/f38AAAAAA8zMzADAwP8Af39/AAAAAAAAAAAAAAAAAAAAAAAAAAAAIQAAABgAAAAUAAAA0AIAAGcHAABvNQAAwRkAABAAAAAmAAAACAAAADwgAAAAAAAA"/>
+                <pr:smNativeData xmlns:pr="smNativeData" xmlns="smNativeData" val="SMDATA_15_8sFZZRMAAAAlAAAAZAAAAA0AAAAAAAAAAAAAAAAAAAAAAAAAAAAAAAAAAAAAAAAAAAEAAABQAAAAAAAAAAAA4D8AAAAAAADgPwAAAAAAAOA/AAAAAAAA4D8AAAAAAADgPwAAAAAAAOA/AAAAAAAA4D8AAAAAAADgPwAAAAAAAOA/AAAAAAAA4D8CAAAAjAAAAAAAAAAAAAAA////AP///wgAAAAAAAAAAAAAAAAAAAAAAAAAAAAAAAAAAAAAeAAAAAEAAABAAAAAAAAAAAAAAABaAAAAAAAAAAAAAAAAAAAAAAAAAAAAAAAAAAAAAAAAAAAAAAAAAAAAAAAAAAAAAAAAAAAAAAAAAAAAAAAAAAAAAAAAAAAAAAAAAAAAFAAAADwAAAAAAAAAAAAAAAAAAAAPAAAAAQAAACMAAAAjAAAAIwAAAB4AAAAAAAAAZAAAAGQAAAAAAAAAZAAAAGQAAAAVAAAAYAAAAAAAAAAAAAAADwAAACADAAAAAAAAAAAAAAEAAACgMgAAVgcAAKr4//8BAAAAf39/AAEAAABkAAAAAAAAABQAAABAHwAAAAAAACYAAAAAAAAAwOD//wAAAAAmAAAAZAAAABYAAABMAAAAAAAAAAAAAAAEAAAAAAAAAAEAAADRSc4KAAAAACgAAAAoAAAAZAAAAGQAAAAAAAAAzMzMAAAAAABQAAAAUAAAAGQAAABkAAAAAAAAABcAAAAUAAAAAAAAAAAAAAD/fwAA/38AAAAAAAAJAAAABAAAAAAAAAAeAAAAaAAAAAAAAAAAAAAAAAAAAAAAAAAAAAAAECcAABAnAAAAAAAAAAAAAAAAAAAAAAAAAAAAAAAAAAAAAAAAAAAAABQAAAAAAAAAwMD/AAAAAABkAAAAMgAAAAAAAABkAAAAAAAAAH9/fwAKAAAAIgAAABgAAAAAAAAAAAAAAAAAAAAAAAAAAAAAAAAAAAAkAAAAJAAAAAAAAAAHAAAAAAAAAAAAAAAAAAAAAAAAAAAAAAAAAAAAf39/ACUAAABYAAAAAAAAAAAAAAAAAAAAAAAAAAAAAAAAAAAAAAAAAAAAAAAAAAAAAAAAAAAAAAA/AAAAAAAAAKCGAQAAAAAAAAAAAAAAAAAMAAAAAQAAAAAAAAAAAAAAAAAAAB8AAABUAAAA////AAAAAAEAAAAAAAAAAAAAAAAAAAAAAAAAAAAAAAAAAAAAAAAAAAAAAAB/f38AAAAAA8zMzADAwP8Af39/AAAAAAAAAAAAAAAAAAAAAAAAAAAAIQAAABgAAAAUAAAA0AIAAGcHAABvNQAAwRkAABAAAAAmAAAACAAAADwgAAAAAAAA"/>
               </a:ext>
             </a:extLst>
           </p:cNvSpPr>
@@ -8158,7 +8061,7 @@
             <a:spLocks noGrp="1" noChangeArrowheads="1"/>
             <a:extLst>
               <a:ext uri="smNativeData">
-                <pr:smNativeData xmlns:pr="smNativeData" xmlns="smNativeData" val="SMDATA_15_37BZZRMAAAAlAAAAZAAAAE0AAAAAAAAAAAAAAAAAAAAAAAAAAAAAAAABAAAAAAAAAAEAAABQAAAAAAAAAAAA4D8AAAAAAADgPwAAAAAAAOA/AAAAAAAA4D8AAAAAAADgPwAAAAAAAOA/AAAAAAAA4D8AAAAAAADgPwAAAAAAAOA/AAAAAAAA4D8CAAAAjAAAAAAAAAAAAAAA////AP///wgAAAAAAAAAAAAAAAAAAAAAAAAAAAAAAAAAAAAAeAAAAAEAAABAAAAAAAAAAAAAAABaAAAAAAAAAAAAAAAAAAAAAAAAAAAAAAAAAAAAAAAAAAAAAAAAAAAAAAAAAAAAAAAAAAAAAAAAAAAAAAAAAAAAAAAAAAAAAAAAAAAAFAAAADwAAAAAAAAAAAAAAAAAAAAPAAAAAQAAACMAAAAjAAAAIwAAAB4AAAAAAAAAZAAAAGQAAAAAAAAAZAAAAGQAAAAVAAAAYAAAAAAAAAAAAAAADwAAACADAAAAAAAAAAAAAAEAAACgMgAAVgcAAKr4//8BAAAAf39/AAEAAABkAAAAAAAAABQAAABAHwAAAAAAACYAAAAAAAAAwOD//wAAAAAmAAAAZAAAABYAAABMAAAAAAAAAAAAAAAEAAAAAAAAAAEAAADRSc4KAAAAACgAAAAoAAAAZAAAAGQAAAAAAAAAzMzMAAAAAABQAAAAUAAAAGQAAABkAAAAAAAAABcAAAAUAAAAAAAAAAAAAAD/fwAA/38AAAAAAAAJAAAABAAAAAAAAAAeAAAAaAAAAAAAAAAAAAAAAAAAAAAAAAAAAAAAECcAABAnAAAAAAAAAAAAAAAAAAAAAAAAAAAAAAAAAAAAAAAAAAAAABQAAAAAAAAAwMD/AAAAAABkAAAAMgAAAAAAAABkAAAAAAAAAH9/fwAKAAAAIgAAABgAAAAAAAAAAAAAAAAAAAAAAAAAAAAAAAAAAAAkAAAAJAAAAAAAAAAHAAAAAAAAAAAAAAAAAAAAAAAAAAAAAAAAAAAAf39/ACUAAABYAAAAAAAAAAAAAAAAAAAAAAAAAAAAAAAAAAAAAAAAAAAAAAAAAAAAAAAAAAAAAAA/AAAAAAAAAKCGAQAAAAAAAAAAAAAAAAAMAAAAAQAAAAAAAAAAAAAAAAAAAB8AAABUAAAA////AAAAAAEAAAAAAAAAAAAAAAAAAAAAAAAAAAAAAAAAAAAAAAAAAAAAAAB/f38AAAAAA8zMzADAwP8Af39/AAAAAAAAAAAAAAAAAAAAAAAAAAAAIQAAABgAAAAUAAAA0AIAAA8AAABvNQAAwAcAABAgAAAmAAAACAAAAD0gAAAAAAAA"/>
+                <pr:smNativeData xmlns:pr="smNativeData" xmlns="smNativeData" val="SMDATA_15_8sFZZRMAAAAlAAAAZAAAAE0AAAAAAAAAAAAAAAAAAAAAAAAAAAAAAAABAAAAAAAAAAEAAABQAAAAAAAAAAAA4D8AAAAAAADgPwAAAAAAAOA/AAAAAAAA4D8AAAAAAADgPwAAAAAAAOA/AAAAAAAA4D8AAAAAAADgPwAAAAAAAOA/AAAAAAAA4D8CAAAAjAAAAAAAAAAAAAAA////AP///wgAAAAAAAAAAAAAAAAAAAAAAAAAAAAAAAAAAAAAeAAAAAEAAABAAAAAAAAAAAAAAABaAAAAAAAAAAAAAAAAAAAAAAAAAAAAAAAAAAAAAAAAAAAAAAAAAAAAAAAAAAAAAAAAAAAAAAAAAAAAAAAAAAAAAAAAAAAAAAAAAAAAFAAAADwAAAAAAAAAAAAAAAAAAAAPAAAAAQAAACMAAAAjAAAAIwAAAB4AAAAAAAAAZAAAAGQAAAAAAAAAZAAAAGQAAAAVAAAAYAAAAAAAAAAAAAAADwAAACADAAAAAAAAAAAAAAEAAACgMgAAVgcAAKr4//8BAAAAf39/AAEAAABkAAAAAAAAABQAAABAHwAAAAAAACYAAAAAAAAAwOD//wAAAAAmAAAAZAAAABYAAABMAAAAAAAAAAAAAAAEAAAAAAAAAAEAAADRSc4KAAAAACgAAAAoAAAAZAAAAGQAAAAAAAAAzMzMAAAAAABQAAAAUAAAAGQAAABkAAAAAAAAABcAAAAUAAAAAAAAAAAAAAD/fwAA/38AAAAAAAAJAAAABAAAAAAAAAAeAAAAaAAAAAAAAAAAAAAAAAAAAAAAAAAAAAAAECcAABAnAAAAAAAAAAAAAAAAAAAAAAAAAAAAAAAAAAAAAAAAAAAAABQAAAAAAAAAwMD/AAAAAABkAAAAMgAAAAAAAABkAAAAAAAAAH9/fwAKAAAAIgAAABgAAAAAAAAAAAAAAAAAAAAAAAAAAAAAAAAAAAAkAAAAJAAAAAAAAAAHAAAAAAAAAAAAAAAAAAAAAAAAAAAAAAAAAAAAf39/ACUAAABYAAAAAAAAAAAAAAAAAAAAAAAAAAAAAAAAAAAAAAAAAAAAAAAAAAAAAAAAAAAAAAA/AAAAAAAAAKCGAQAAAAAAAAAAAAAAAAAMAAAAAQAAAAAAAAAAAAAAAAAAAB8AAABUAAAA////AAAAAAEAAAAAAAAAAAAAAAAAAAAAAAAAAAAAAAAAAAAAAAAAAAAAAAB/f38AAAAAA8zMzADAwP8Af39/AAAAAAAAAAAAAAAAAAAAAAAAAAAAIQAAABgAAAAUAAAA0AIAAA8AAABvNQAAwAcAABAgAAAmAAAACAAAAD0gAAAAAAAA"/>
               </a:ext>
             </a:extLst>
           </p:cNvSpPr>
@@ -8191,7 +8094,7 @@
             <a:spLocks noGrp="1" noChangeArrowheads="1"/>
             <a:extLst>
               <a:ext uri="smNativeData">
-                <pr:smNativeData xmlns:pr="smNativeData" xmlns="smNativeData" val="SMDATA_15_37BZZRMAAAAlAAAAZAAAAA0AAAAAAAAAAAAAAAAAAAAAAAAAAAAAAAAAAAAAAAAAAAEAAABQAAAAAAAAAAAA4D8AAAAAAADgPwAAAAAAAOA/AAAAAAAA4D8AAAAAAADgPwAAAAAAAOA/AAAAAAAA4D8AAAAAAADgPwAAAAAAAOA/AAAAAAAA4D8CAAAAjAAAAAAAAAAAAAAA////AP///wgAAAAAAAAAAAAAAAAAAAAAAAAAAAAAAAAAAAAAeAAAAAEAAABAAAAAAAAAAAAAAABaAAAAAAAAAAAAAAAAAAAAAAAAAAAAAAAAAAAAAAAAAAAAAAAAAAAAAAAAAAAAAAAAAAAAAAAAAAAAAAAAAAAAAAAAAAAAAAAAAAAAFAAAADwAAAAAAAAAAAAAAAAAAAAPAAAAAQAAACMAAAAjAAAAIwAAAB4AAAAAAAAAZAAAAGQAAAAAAAAAZAAAAGQAAAAVAAAAYAAAAAAAAAAAAAAADwAAACADAAAAAAAAAAAAAAEAAACgMgAAVgcAAKr4//8BAAAAf39/AAEAAABkAAAAAAAAABQAAABAHwAAAAAAACYAAAAAAAAAwOD//wAAAAAmAAAAZAAAABYAAABMAAAAAAAAAAAAAAAEAAAAAAAAAAEAAADRSc4KAAAAACgAAAAoAAAAZAAAAGQAAAAAAAAAzMzMAAAAAABQAAAAUAAAAGQAAABkAAAAAAAAABcAAAAUAAAAAAAAAAAAAAD/fwAA/38AAAAAAAAJAAAABAAAAAAAAAAeAAAAaAAAAAAAAAAAAAAAAAAAAAAAAAAAAAAAECcAABAnAAAAAAAAAAAAAAAAAAAAAAAAAAAAAAAAAAAAAAAAAAAAABQAAAAAAAAAwMD/AAAAAABkAAAAMgAAAAAAAABkAAAAAAAAAH9/fwAKAAAAIgAAABgAAAAAAAAAAAAAAAAAAAAAAAAAAAAAAAAAAAAkAAAAJAAAAAAAAAAHAAAAAAAAAAAAAAAAAAAAAAAAAAAAAAAAAAAAf39/ACUAAABYAAAAAAAAAAAAAAAAAAAAAAAAAAAAAAAAAAAAAAAAAAAAAAAAAAAAAAAAAAAAAAA/AAAAAAAAAKCGAQAAAAAAAAAAAAAAAAAMAAAAAQAAAAAAAAAAAAAAAAAAAB8AAABUAAAA////AAAAAAEAAAAAAAAAAAAAAAAAAAAAAAAAAAAAAAAAAAAAAAAAAAAAAAB/f38AAAAAA8zMzADAwP8Af39/AAAAAAAAAAAAAAAAAAAAAAAAAAAAIQAAABgAAAAUAAAA0AIAAGcHAACEGwAAwRkAABAAAAAmAAAACAAAAD0gAAAAAAAA"/>
+                <pr:smNativeData xmlns:pr="smNativeData" xmlns="smNativeData" val="SMDATA_15_8sFZZRMAAAAlAAAAZAAAAA0AAAAAAAAAAAAAAAAAAAAAAAAAAAAAAAAAAAAAAAAAAAEAAABQAAAAAAAAAAAA4D8AAAAAAADgPwAAAAAAAOA/AAAAAAAA4D8AAAAAAADgPwAAAAAAAOA/AAAAAAAA4D8AAAAAAADgPwAAAAAAAOA/AAAAAAAA4D8CAAAAjAAAAAAAAAAAAAAA////AP///wgAAAAAAAAAAAAAAAAAAAAAAAAAAAAAAAAAAAAAeAAAAAEAAABAAAAAAAAAAAAAAABaAAAAAAAAAAAAAAAAAAAAAAAAAAAAAAAAAAAAAAAAAAAAAAAAAAAAAAAAAAAAAAAAAAAAAAAAAAAAAAAAAAAAAAAAAAAAAAAAAAAAFAAAADwAAAAAAAAAAAAAAAAAAAAPAAAAAQAAACMAAAAjAAAAIwAAAB4AAAAAAAAAZAAAAGQAAAAAAAAAZAAAAGQAAAAVAAAAYAAAAAAAAAAAAAAADwAAACADAAAAAAAAAAAAAAEAAACgMgAAVgcAAKr4//8BAAAAf39/AAEAAABkAAAAAAAAABQAAABAHwAAAAAAACYAAAAAAAAAwOD//wAAAAAmAAAAZAAAABYAAABMAAAAAAAAAAAAAAAEAAAAAAAAAAEAAADRSc4KAAAAACgAAAAoAAAAZAAAAGQAAAAAAAAAzMzMAAAAAABQAAAAUAAAAGQAAABkAAAAAAAAABcAAAAUAAAAAAAAAAAAAAD/fwAA/38AAAAAAAAJAAAABAAAAAAAAAAeAAAAaAAAAAAAAAAAAAAAAAAAAAAAAAAAAAAAECcAABAnAAAAAAAAAAAAAAAAAAAAAAAAAAAAAAAAAAAAAAAAAAAAABQAAAAAAAAAwMD/AAAAAABkAAAAMgAAAAAAAABkAAAAAAAAAH9/fwAKAAAAIgAAABgAAAAAAAAAAAAAAAAAAAAAAAAAAAAAAAAAAAAkAAAAJAAAAAAAAAAHAAAAAAAAAAAAAAAAAAAAAAAAAAAAAAAAAAAAf39/ACUAAABYAAAAAAAAAAAAAAAAAAAAAAAAAAAAAAAAAAAAAAAAAAAAAAAAAAAAAAAAAAAAAAA/AAAAAAAAAKCGAQAAAAAAAAAAAAAAAAAMAAAAAQAAAAAAAAAAAAAAAAAAAB8AAABUAAAA////AAAAAAEAAAAAAAAAAAAAAAAAAAAAAAAAAAAAAAAAAAAAAAAAAAAAAAB/f38AAAAAA8zMzADAwP8Af39/AAAAAAAAAAAAAAAAAAAAAAAAAAAAIQAAABgAAAAUAAAA0AIAAGcHAACEGwAAwRkAABAAAAAmAAAACAAAAD0gAAAAAAAA"/>
               </a:ext>
             </a:extLst>
           </p:cNvSpPr>
@@ -8224,7 +8127,7 @@
             <a:spLocks noGrp="1" noChangeArrowheads="1"/>
             <a:extLst>
               <a:ext uri="smNativeData">
-                <pr:smNativeData xmlns:pr="smNativeData" xmlns="smNativeData" val="SMDATA_15_37BZZRMAAAAlAAAAZAAAAA0AAAAAAAAAAAAAAAAAAAAAAAAAAAAAAAAAAAAAAAAAAAEAAABQAAAAAAAAAAAA4D8AAAAAAADgPwAAAAAAAOA/AAAAAAAA4D8AAAAAAADgPwAAAAAAAOA/AAAAAAAA4D8AAAAAAADgPwAAAAAAAOA/AAAAAAAA4D8CAAAAjAAAAAAAAAAAAAAA////AP///wgAAAAAAAAAAAAAAAAAAAAAAAAAAAAAAAAAAAAAeAAAAAEAAABAAAAAAAAAAAAAAABaAAAAAAAAAAAAAAAAAAAAAAAAAAAAAAAAAAAAAAAAAAAAAAAAAAAAAAAAAAAAAAAAAAAAAAAAAAAAAAAAAAAAAAAAAAAAAAAAAAAAFAAAADwAAAAAAAAAAAAAAAAAAAAPAAAAAQAAACMAAAAjAAAAIwAAAB4AAAAAAAAAZAAAAGQAAAAAAAAAZAAAAGQAAAAVAAAAYAAAAAAAAAAAAAAADwAAACADAAAAAAAAAAAAAAEAAACgMgAAVgcAAKr4//8BAAAAf39/AAEAAABkAAAAAAAAABQAAABAHwAAAAAAACYAAAAAAAAAwOD//wAAAAAmAAAAZAAAABYAAABMAAAAAAAAAAAAAAAEAAAAAAAAAAEAAADRSc4KAAAAACgAAAAoAAAAZAAAAGQAAAAAAAAAzMzMAAAAAABQAAAAUAAAAGQAAABkAAAAAAAAABcAAAAUAAAAAAAAAAAAAAD/fwAA/38AAAAAAAAJAAAABAAAAAAAAAAeAAAAaAAAAAAAAAAAAAAAAAAAAAAAAAAAAAAAECcAABAnAAAAAAAAAAAAAAAAAAAAAAAAAAAAAAAAAAAAAAAAAAAAABQAAAAAAAAAwMD/AAAAAABkAAAAMgAAAAAAAABkAAAAAAAAAH9/fwAKAAAAIgAAABgAAAAAAAAAAAAAAAAAAAAAAAAAAAAAAAAAAAAkAAAAJAAAAAAAAAAHAAAAAAAAAAAAAAAAAAAAAAAAAAAAAAAAAAAAf39/ACUAAABYAAAAAAAAAAAAAAAAAAAAAAAAAAAAAAAAAAAAAAAAAAAAAAAAAAAAAAAAAAAAAAA/AAAAAAAAAKCGAQAAAAAAAAAAAAAAAAAMAAAAAQAAAAAAAAAAAAAAAAAAAB8AAABUAAAA////AAAAAAEAAAAAAAAAAAAAAAAAAAAAAAAAAAAAAAAAAAAAAAAAAAAAAAB/f38AAAAAA8zMzADAwP8Af39/AAAAAAAAAAAAAAAAAAAAAAAAAAAAIQAAABgAAAAUAAAAwRwAAGcHAAB1NQAAwRkAABAAAAAmAAAACAAAAD0gAAAAAAAA"/>
+                <pr:smNativeData xmlns:pr="smNativeData" xmlns="smNativeData" val="SMDATA_15_8sFZZRMAAAAlAAAAZAAAAA0AAAAAAAAAAAAAAAAAAAAAAAAAAAAAAAAAAAAAAAAAAAEAAABQAAAAAAAAAAAA4D8AAAAAAADgPwAAAAAAAOA/AAAAAAAA4D8AAAAAAADgPwAAAAAAAOA/AAAAAAAA4D8AAAAAAADgPwAAAAAAAOA/AAAAAAAA4D8CAAAAjAAAAAAAAAAAAAAA////AP///wgAAAAAAAAAAAAAAAAAAAAAAAAAAAAAAAAAAAAAeAAAAAEAAABAAAAAAAAAAAAAAABaAAAAAAAAAAAAAAAAAAAAAAAAAAAAAAAAAAAAAAAAAAAAAAAAAAAAAAAAAAAAAAAAAAAAAAAAAAAAAAAAAAAAAAAAAAAAAAAAAAAAFAAAADwAAAAAAAAAAAAAAAAAAAAPAAAAAQAAACMAAAAjAAAAIwAAAB4AAAAAAAAAZAAAAGQAAAAAAAAAZAAAAGQAAAAVAAAAYAAAAAAAAAAAAAAADwAAACADAAAAAAAAAAAAAAEAAACgMgAAVgcAAKr4//8BAAAAf39/AAEAAABkAAAAAAAAABQAAABAHwAAAAAAACYAAAAAAAAAwOD//wAAAAAmAAAAZAAAABYAAABMAAAAAAAAAAAAAAAEAAAAAAAAAAEAAADRSc4KAAAAACgAAAAoAAAAZAAAAGQAAAAAAAAAzMzMAAAAAABQAAAAUAAAAGQAAABkAAAAAAAAABcAAAAUAAAAAAAAAAAAAAD/fwAA/38AAAAAAAAJAAAABAAAAAAAAAAeAAAAaAAAAAAAAAAAAAAAAAAAAAAAAAAAAAAAECcAABAnAAAAAAAAAAAAAAAAAAAAAAAAAAAAAAAAAAAAAAAAAAAAABQAAAAAAAAAwMD/AAAAAABkAAAAMgAAAAAAAABkAAAAAAAAAH9/fwAKAAAAIgAAABgAAAAAAAAAAAAAAAAAAAAAAAAAAAAAAAAAAAAkAAAAJAAAAAAAAAAHAAAAAAAAAAAAAAAAAAAAAAAAAAAAAAAAAAAAf39/ACUAAABYAAAAAAAAAAAAAAAAAAAAAAAAAAAAAAAAAAAAAAAAAAAAAAAAAAAAAAAAAAAAAAA/AAAAAAAAAKCGAQAAAAAAAAAAAAAAAAAMAAAAAQAAAAAAAAAAAAAAAAAAAB8AAABUAAAA////AAAAAAEAAAAAAAAAAAAAAAAAAAAAAAAAAAAAAAAAAAAAAAAAAAAAAAB/f38AAAAAA8zMzADAwP8Af39/AAAAAAAAAAAAAAAAAAAAAAAAAAAAIQAAABgAAAAUAAAAwRwAAGcHAAB1NQAAwRkAABAAAAAmAAAACAAAAD0gAAAAAAAA"/>
               </a:ext>
             </a:extLst>
           </p:cNvSpPr>
@@ -8282,7 +8185,7 @@
             <a:spLocks noGrp="1" noChangeArrowheads="1"/>
             <a:extLst>
               <a:ext uri="smNativeData">
-                <pr:smNativeData xmlns:pr="smNativeData" xmlns="smNativeData" val="SMDATA_15_37BZZRMAAAAlAAAAZAAAAE0AAAAAAAAAAAAAAAAAAAAAAAAAAAAAAAABAAAAAAAAAAEAAABQAAAAAAAAAAAA4D8AAAAAAADgPwAAAAAAAOA/AAAAAAAA4D8AAAAAAADgPwAAAAAAAOA/AAAAAAAA4D8AAAAAAADgPwAAAAAAAOA/AAAAAAAA4D8CAAAAjAAAAAAAAAAAAAAA////AP///wgAAAAAAAAAAAAAAAAAAAAAAAAAAAAAAAAAAAAAeAAAAAEAAABAAAAAAAAAAAAAAABaAAAAAAAAAAAAAAAAAAAAAAAAAAAAAAAAAAAAAAAAAAAAAAAAAAAAAAAAAAAAAAAAAAAAAAAAAAAAAAAAAAAAAAAAAAAAAAAAAAAAFAAAADwAAAAAAAAAAAAAAAAAAAAPAAAAAQAAACMAAAAjAAAAIwAAAB4AAAAAAAAAZAAAAGQAAAAAAAAAZAAAAGQAAAAVAAAAYAAAAAAAAAAAAAAADwAAACADAAAAAAAAAAAAAAEAAACgMgAAVgcAAKr4//8BAAAAf39/AAEAAABkAAAAAAAAABQAAABAHwAAAAAAACYAAAAAAAAAwOD//wAAAAAmAAAAZAAAABYAAABMAAAAAAAAAAAAAAAEAAAAAAAAAAEAAADRSc4KAAAAACgAAAAoAAAAZAAAAGQAAAAAAAAAzMzMAAAAAABQAAAAUAAAAGQAAABkAAAAAAAAABcAAAAUAAAAAAAAAAAAAAD/fwAA/38AAAAAAAAJAAAABAAAAAAAAAAeAAAAaAAAAAAAAAAAAAAAAAAAAAAAAAAAAAAAECcAABAnAAAAAAAAAAAAAAAAAAAAAAAAAAAAAAAAAAAAAAAAAAAAABQAAAAAAAAAwMD/AAAAAABkAAAAMgAAAAAAAABkAAAAAAAAAH9/fwAKAAAAIgAAABgAAAAAAAAAAAAAAAAAAAAAAAAAAAAAAAAAAAAkAAAAJAAAAAAAAAAHAAAAAAAAAAAAAAAAAAAAAAAAAAAAAAAAAAAAf39/ACUAAABYAAAAAAAAAAAAAAAAAAAAAAAAAAAAAAAAAAAAAAAAAAAAAAAAAAAAAAAAAAAAAAA/AAAAAAAAAKCGAQAAAAAAAAAAAAAAAAAMAAAAAQAAAAAAAAAAAAAAAAAAAB8AAABUAAAA////AAAAAAEAAAAAAAAAAAAAAAAAAAAAAAAAAAAAAAAAAAAAAAAAAAAAAAB/f38AAAAAA8zMzADAwP8Af39/AAAAAAAAAAAAAAAAAAAAAAAAAAAAIQAAABgAAAAUAAAA0AIAAA8AAABvNQAAwAcAABAgAAAmAAAACAAAAD0gAAAAAAAA"/>
+                <pr:smNativeData xmlns:pr="smNativeData" xmlns="smNativeData" val="SMDATA_15_8sFZZRMAAAAlAAAAZAAAAE0AAAAAAAAAAAAAAAAAAAAAAAAAAAAAAAABAAAAAAAAAAEAAABQAAAAAAAAAAAA4D8AAAAAAADgPwAAAAAAAOA/AAAAAAAA4D8AAAAAAADgPwAAAAAAAOA/AAAAAAAA4D8AAAAAAADgPwAAAAAAAOA/AAAAAAAA4D8CAAAAjAAAAAAAAAAAAAAA////AP///wgAAAAAAAAAAAAAAAAAAAAAAAAAAAAAAAAAAAAAeAAAAAEAAABAAAAAAAAAAAAAAABaAAAAAAAAAAAAAAAAAAAAAAAAAAAAAAAAAAAAAAAAAAAAAAAAAAAAAAAAAAAAAAAAAAAAAAAAAAAAAAAAAAAAAAAAAAAAAAAAAAAAFAAAADwAAAAAAAAAAAAAAAAAAAAPAAAAAQAAACMAAAAjAAAAIwAAAB4AAAAAAAAAZAAAAGQAAAAAAAAAZAAAAGQAAAAVAAAAYAAAAAAAAAAAAAAADwAAACADAAAAAAAAAAAAAAEAAACgMgAAVgcAAKr4//8BAAAAf39/AAEAAABkAAAAAAAAABQAAABAHwAAAAAAACYAAAAAAAAAwOD//wAAAAAmAAAAZAAAABYAAABMAAAAAAAAAAAAAAAEAAAAAAAAAAEAAADRSc4KAAAAACgAAAAoAAAAZAAAAGQAAAAAAAAAzMzMAAAAAABQAAAAUAAAAGQAAABkAAAAAAAAABcAAAAUAAAAAAAAAAAAAAD/fwAA/38AAAAAAAAJAAAABAAAAAAAAAAeAAAAaAAAAAAAAAAAAAAAAAAAAAAAAAAAAAAAECcAABAnAAAAAAAAAAAAAAAAAAAAAAAAAAAAAAAAAAAAAAAAAAAAABQAAAAAAAAAwMD/AAAAAABkAAAAMgAAAAAAAABkAAAAAAAAAH9/fwAKAAAAIgAAABgAAAAAAAAAAAAAAAAAAAAAAAAAAAAAAAAAAAAkAAAAJAAAAAAAAAAHAAAAAAAAAAAAAAAAAAAAAAAAAAAAAAAAAAAAf39/ACUAAABYAAAAAAAAAAAAAAAAAAAAAAAAAAAAAAAAAAAAAAAAAAAAAAAAAAAAAAAAAAAAAAA/AAAAAAAAAKCGAQAAAAAAAAAAAAAAAAAMAAAAAQAAAAAAAAAAAAAAAAAAAB8AAABUAAAA////AAAAAAEAAAAAAAAAAAAAAAAAAAAAAAAAAAAAAAAAAAAAAAAAAAAAAAB/f38AAAAAA8zMzADAwP8Af39/AAAAAAAAAAAAAAAAAAAAAAAAAAAAIQAAABgAAAAUAAAA0AIAAA8AAABvNQAAwAcAABAgAAAmAAAACAAAAD0gAAAAAAAA"/>
               </a:ext>
             </a:extLst>
           </p:cNvSpPr>
@@ -8340,7 +8243,7 @@
             <a:spLocks noGrp="1" noChangeArrowheads="1"/>
             <a:extLst>
               <a:ext uri="smNativeData">
-                <pr:smNativeData xmlns:pr="smNativeData" xmlns="smNativeData" val="SMDATA_15_37BZZRMAAAAlAAAAZAAAAE0AAAAAAAAAAAAAAAAAAAAAAAAAAAAAAAABAAAAAAAAAAEAAABQAAAAAAAAAAAA4D8AAAAAAADgPwAAAAAAAOA/AAAAAAAA4D8AAAAAAADgPwAAAAAAAOA/AAAAAAAA4D8AAAAAAADgPwAAAAAAAOA/AAAAAAAA4D8CAAAAjAAAAAAAAAAAAAAA////AP///wgAAAAAAAAAAAAAAAAAAAAAAAAAAAAAAAAAAAAAeAAAAAEAAABAAAAAAAAAAAAAAABaAAAAAAAAAAAAAAAAAAAAAAAAAAAAAAAAAAAAAAAAAAAAAAAAAAAAAAAAAAAAAAAAAAAAAAAAAAAAAAAAAAAAAAAAAAAAAAAAAAAAFAAAADwAAAAAAAAAAAAAAAAAAAAPAAAAAQAAACMAAAAjAAAAIwAAAB4AAAAAAAAAZAAAAGQAAAAAAAAAZAAAAGQAAAAVAAAAYAAAAAAAAAAAAAAADwAAACADAAAAAAAAAAAAAAEAAACgMgAAVgcAAKr4//8BAAAAf39/AAEAAABkAAAAAAAAABQAAABAHwAAAAAAACYAAAAAAAAAwOD//wAAAAAmAAAAZAAAABYAAABMAAAAAAAAAAAAAAAEAAAAAAAAAAEAAADRSc4KAAAAACgAAAAoAAAAZAAAAGQAAAAAAAAAzMzMAAAAAABQAAAAUAAAAGQAAABkAAAAAAAAABcAAAAUAAAAAAAAAAAAAAD/fwAA/38AAAAAAAAJAAAABAAAAAAAAAAeAAAAaAAAAAAAAAAAAAAAAAAAAAAAAAAAAAAAECcAABAnAAAAAAAAAAAAAAAAAAAAAAAAAAAAAAAAAAAAAAAAAAAAABQAAAAAAAAAwMD/AAAAAABkAAAAMgAAAAAAAABkAAAAAAAAAH9/fwAKAAAAIgAAABgAAAAAAAAAAAAAAAAAAAAAAAAAAAAAAAAAAAAkAAAAJAAAAAAAAAAHAAAAAAAAAAAAAAAAAAAAAAAAAAAAAAAAAAAAf39/ACUAAABYAAAAAAAAAAAAAAAAAAAAAAAAAAAAAAAAAAAAAAAAAAAAAAAAAAAAAAAAAAAAAAA/AAAAAAAAAKCGAQAAAAAAAAAAAAAAAAAMAAAAAQAAAAAAAAAAAAAAAAAAAB8AAABUAAAA////AAAAAAEAAAAAAAAAAAAAAAAAAAAAAAAAAAAAAAAAAAAAAAAAAAAAAAB/f38AAAAAA8zMzADAwP8Af39/AAAAAAAAAAAAAAAAAAAAAAAAAAAAIQAAABgAAAAUAAAA0AIAAEMBAABvNQAAwRkAABAgAAAmAAAACAAAAL0gAAAAAAAA"/>
+                <pr:smNativeData xmlns:pr="smNativeData" xmlns="smNativeData" val="SMDATA_15_8sFZZRMAAAAlAAAAZAAAAE0AAAAAAAAAAAAAAAAAAAAAAAAAAAAAAAABAAAAAAAAAAEAAABQAAAAAAAAAAAA4D8AAAAAAADgPwAAAAAAAOA/AAAAAAAA4D8AAAAAAADgPwAAAAAAAOA/AAAAAAAA4D8AAAAAAADgPwAAAAAAAOA/AAAAAAAA4D8CAAAAjAAAAAAAAAAAAAAA////AP///wgAAAAAAAAAAAAAAAAAAAAAAAAAAAAAAAAAAAAAeAAAAAEAAABAAAAAAAAAAAAAAABaAAAAAAAAAAAAAAAAAAAAAAAAAAAAAAAAAAAAAAAAAAAAAAAAAAAAAAAAAAAAAAAAAAAAAAAAAAAAAAAAAAAAAAAAAAAAAAAAAAAAFAAAADwAAAAAAAAAAAAAAAAAAAAPAAAAAQAAACMAAAAjAAAAIwAAAB4AAAAAAAAAZAAAAGQAAAAAAAAAZAAAAGQAAAAVAAAAYAAAAAAAAAAAAAAADwAAACADAAAAAAAAAAAAAAEAAACgMgAAVgcAAKr4//8BAAAAf39/AAEAAABkAAAAAAAAABQAAABAHwAAAAAAACYAAAAAAAAAwOD//wAAAAAmAAAAZAAAABYAAABMAAAAAAAAAAAAAAAEAAAAAAAAAAEAAADRSc4KAAAAACgAAAAoAAAAZAAAAGQAAAAAAAAAzMzMAAAAAABQAAAAUAAAAGQAAABkAAAAAAAAABcAAAAUAAAAAAAAAAAAAAD/fwAA/38AAAAAAAAJAAAABAAAAAAAAAAeAAAAaAAAAAAAAAAAAAAAAAAAAAAAAAAAAAAAECcAABAnAAAAAAAAAAAAAAAAAAAAAAAAAAAAAAAAAAAAAAAAAAAAABQAAAAAAAAAwMD/AAAAAABkAAAAMgAAAAAAAABkAAAAAAAAAH9/fwAKAAAAIgAAABgAAAAAAAAAAAAAAAAAAAAAAAAAAAAAAAAAAAAkAAAAJAAAAAAAAAAHAAAAAAAAAAAAAAAAAAAAAAAAAAAAAAAAAAAAf39/ACUAAABYAAAAAAAAAAAAAAAAAAAAAAAAAAAAAAAAAAAAAAAAAAAAAAAAAAAAAAAAAAAAAAA/AAAAAAAAAKCGAQAAAAAAAAAAAAAAAAAMAAAAAQAAAAAAAAAAAAAAAAAAAB8AAABUAAAA////AAAAAAEAAAAAAAAAAAAAAAAAAAAAAAAAAAAAAAAAAAAAAAAAAAAAAAB/f38AAAAAA8zMzADAwP8Af39/AAAAAAAAAAAAAAAAAAAAAAAAAAAAIQAAABgAAAAUAAAA0AIAAEMBAABvNQAAwRkAABAgAAAmAAAACAAAAL0gAAAAAAAA"/>
               </a:ext>
             </a:extLst>
           </p:cNvSpPr>
@@ -8398,7 +8301,7 @@
             <a:spLocks noGrp="1" noChangeArrowheads="1"/>
             <a:extLst>
               <a:ext uri="smNativeData">
-                <pr:smNativeData xmlns:pr="smNativeData" xmlns="smNativeData" val="SMDATA_15_37BZZRMAAAAlAAAAZAAAAE0AAAAAAAAAAAAAAAAAAAAAAAAAAAAAAAABAAAAAAAAAAEAAABQAAAAAAAAAAAA4D8AAAAAAADgPwAAAAAAAOA/AAAAAAAA4D8AAAAAAADgPwAAAAAAAOA/AAAAAAAA4D8AAAAAAADgPwAAAAAAAOA/AAAAAAAA4D8CAAAAjAAAAAAAAAAAAAAA////AP///wgAAAAAAAAAAAAAAAAAAAAAAAAAAAAAAAAAAAAAeAAAAAEAAABAAAAAAAAAAAAAAABaAAAAAAAAAAAAAAAAAAAAAAAAAAAAAAAAAAAAAAAAAAAAAAAAAAAAAAAAAAAAAAAAAAAAAAAAAAAAAAAAAAAAAAAAAAAAAAAAAAAAFAAAADwAAAAAAAAAAAAAAAAAAAAPAAAAAQAAACMAAAAjAAAAIwAAAB4AAAAAAAAAZAAAAGQAAAAAAAAAZAAAAGQAAAAVAAAAYAAAAAAAAAAAAAAADwAAACADAAAAAAAAAAAAAAEAAACgMgAAVgcAAKr4//8BAAAAf39/AAEAAABkAAAAAAAAABQAAABAHwAAAAAAACYAAAAAAAAAwOD//wAAAAAmAAAAZAAAABYAAABMAAAAAAAAAAAAAAAEAAAAAAAAAAEAAADRSc4KAAAAACgAAAAoAAAAZAAAAGQAAAAAAAAAzMzMAAAAAABQAAAAUAAAAGQAAABkAAAAAAAAABcAAAAUAAAAAAAAAAAAAAD/fwAA/38AAAAAAAAJAAAABAAAAAAAAAAeAAAAaAAAAAAAAAAAAAAAAAAAAAAAAAAAAAAAECcAABAnAAAAAAAAAAAAAAAAAAAAAAAAAAAAAAAAAAAAAAAAAAAAABQAAAAAAAAAwMD/AAAAAABkAAAAMgAAAAAAAABkAAAAAAAAAH9/fwAKAAAAIgAAABgAAAAAAAAAAAAAAAAAAAAAAAAAAAAAAAAAAAAkAAAAJAAAAAAAAAAHAAAAAAAAAAAAAAAAAAAAAAAAAAAAAAAAAAAAf39/ACUAAABYAAAAAAAAAAAAAAAAAAAAAAAAAAAAAAAAAAAAAAAAAAAAAAAAAAAAAAAAAAAAAAA/AAAAAAAAAKCGAQAAAAAAAAAAAAAAAAAMAAAAAQAAAAAAAAAAAAAAAAAAAB8AAABUAAAA////AAAAAAEAAAAAAAAAAAAAAAAAAAAAAAAAAAAAAAAAAAAAAAAAAAAAAAB/f38AAAAAA8zMzADAwP8Af39/AAAAAAAAAAAAAAAAAAAAAAAAAAAAIQAAABgAAAAUAAAA0AIAAA8AAABvNQAAwAcAABAgAAAmAAAACAAAAD0gAAAAAAAA"/>
+                <pr:smNativeData xmlns:pr="smNativeData" xmlns="smNativeData" val="SMDATA_15_8sFZZRMAAAAlAAAAZAAAAE0AAAAAAAAAAAAAAAAAAAAAAAAAAAAAAAABAAAAAAAAAAEAAABQAAAAAAAAAAAA4D8AAAAAAADgPwAAAAAAAOA/AAAAAAAA4D8AAAAAAADgPwAAAAAAAOA/AAAAAAAA4D8AAAAAAADgPwAAAAAAAOA/AAAAAAAA4D8CAAAAjAAAAAAAAAAAAAAA////AP///wgAAAAAAAAAAAAAAAAAAAAAAAAAAAAAAAAAAAAAeAAAAAEAAABAAAAAAAAAAAAAAABaAAAAAAAAAAAAAAAAAAAAAAAAAAAAAAAAAAAAAAAAAAAAAAAAAAAAAAAAAAAAAAAAAAAAAAAAAAAAAAAAAAAAAAAAAAAAAAAAAAAAFAAAADwAAAAAAAAAAAAAAAAAAAAPAAAAAQAAACMAAAAjAAAAIwAAAB4AAAAAAAAAZAAAAGQAAAAAAAAAZAAAAGQAAAAVAAAAYAAAAAAAAAAAAAAADwAAACADAAAAAAAAAAAAAAEAAACgMgAAVgcAAKr4//8BAAAAf39/AAEAAABkAAAAAAAAABQAAABAHwAAAAAAACYAAAAAAAAAwOD//wAAAAAmAAAAZAAAABYAAABMAAAAAAAAAAAAAAAEAAAAAAAAAAEAAADRSc4KAAAAACgAAAAoAAAAZAAAAGQAAAAAAAAAzMzMAAAAAABQAAAAUAAAAGQAAABkAAAAAAAAABcAAAAUAAAAAAAAAAAAAAD/fwAA/38AAAAAAAAJAAAABAAAAAAAAAAeAAAAaAAAAAAAAAAAAAAAAAAAAAAAAAAAAAAAECcAABAnAAAAAAAAAAAAAAAAAAAAAAAAAAAAAAAAAAAAAAAAAAAAABQAAAAAAAAAwMD/AAAAAABkAAAAMgAAAAAAAABkAAAAAAAAAH9/fwAKAAAAIgAAABgAAAAAAAAAAAAAAAAAAAAAAAAAAAAAAAAAAAAkAAAAJAAAAAAAAAAHAAAAAAAAAAAAAAAAAAAAAAAAAAAAAAAAAAAAf39/ACUAAABYAAAAAAAAAAAAAAAAAAAAAAAAAAAAAAAAAAAAAAAAAAAAAAAAAAAAAAAAAAAAAAA/AAAAAAAAAKCGAQAAAAAAAAAAAAAAAAAMAAAAAQAAAAAAAAAAAAAAAAAAAB8AAABUAAAA////AAAAAAEAAAAAAAAAAAAAAAAAAAAAAAAAAAAAAAAAAAAAAAAAAAAAAAB/f38AAAAAA8zMzADAwP8Af39/AAAAAAAAAAAAAAAAAAAAAAAAAAAAIQAAABgAAAAUAAAA0AIAAA8AAABvNQAAwAcAABAgAAAmAAAACAAAAD0gAAAAAAAA"/>
               </a:ext>
             </a:extLst>
           </p:cNvSpPr>
@@ -8431,7 +8334,7 @@
             <a:spLocks noGrp="1" noChangeArrowheads="1"/>
             <a:extLst>
               <a:ext uri="smNativeData">
-                <pr:smNativeData xmlns:pr="smNativeData" xmlns="smNativeData" val="SMDATA_15_37BZZRMAAAAlAAAAZAAAAA0AAAAAAAAAAAAAAAAAAAAAAAAAAAAAAAAAAAAAAAAAAAEAAABQAAAAAAAAAAAA4D8AAAAAAADgPwAAAAAAAOA/AAAAAAAA4D8AAAAAAADgPwAAAAAAAOA/AAAAAAAA4D8AAAAAAADgPwAAAAAAAOA/AAAAAAAA4D8CAAAAjAAAAAAAAAAAAAAA////AP///wgAAAAAAAAAAAAAAAAAAAAAAAAAAAAAAAAAAAAAeAAAAAEAAABAAAAAAAAAAAAAAABaAAAAAAAAAAAAAAAAAAAAAAAAAAAAAAAAAAAAAAAAAAAAAAAAAAAAAAAAAAAAAAAAAAAAAAAAAAAAAAAAAAAAAAAAAAAAAAAAAAAAFAAAADwAAAAAAAAAAAAAAAAAAAAPAAAAAQAAACMAAAAjAAAAIwAAAB4AAAAAAAAAZAAAAGQAAAAAAAAAZAAAAGQAAAAVAAAAYAAAAAAAAAAAAAAADwAAACADAAAAAAAAAAAAAAEAAACgMgAAVgcAAKr4//8BAAAAf39/AAEAAABkAAAAAAAAABQAAABAHwAAAAAAACYAAAAAAAAAwOD//wAAAAAmAAAAZAAAABYAAABMAAAAAAAAAAAAAAAEAAAAAAAAAAEAAADRSc4KAAAAACgAAAAoAAAAZAAAAGQAAAAAAAAAzMzMAAAAAABQAAAAUAAAAGQAAABkAAAAAAAAABcAAAAUAAAAAAAAAAAAAAD/fwAA/38AAAAAAAAJAAAABAAAAAAAAAAeAAAAaAAAAAAAAAAAAAAAAAAAAAAAAAAAAAAAECcAABAnAAAAAAAAAAAAAAAAAAAAAAAAAAAAAAAAAAAAAAAAAAAAABQAAAAAAAAAwMD/AAAAAABkAAAAMgAAAAAAAABkAAAAAAAAAH9/fwAKAAAAIgAAABgAAAAAAAAAAAAAAAAAAAAAAAAAAAAAAAAAAAAkAAAAJAAAAAAAAAAHAAAAAAAAAAAAAAAAAAAAAAAAAAAAAAAAAAAAf39/ACUAAABYAAAAAAAAAAAAAAAAAAAAAAAAAAAAAAAAAAAAAAAAAAAAAAAAAAAAAAAAAAAAAAA/AAAAAAAAAKCGAQAAAAAAAAAAAAAAAAAMAAAAAQAAAAAAAAAAAAAAAAAAAB8AAABUAAAA////AAAAAAEAAAAAAAAAAAAAAAAAAAAAAAAAAAAAAAAAAAAAAAAAAAAAAAB/f38AAAAAA8zMzADAwP8Af39/AAAAAAAAAAAAAAAAAAAAAAAAAAAAIQAAABgAAAAUAAAA0AIAAGcHAACEGwAAKBAAABAAAAAmAAAACAAAAD0gAAAAAAAA"/>
+                <pr:smNativeData xmlns:pr="smNativeData" xmlns="smNativeData" val="SMDATA_15_8sFZZRMAAAAlAAAAZAAAAA0AAAAAAAAAAAAAAAAAAAAAAAAAAAAAAAAAAAAAAAAAAAEAAABQAAAAAAAAAAAA4D8AAAAAAADgPwAAAAAAAOA/AAAAAAAA4D8AAAAAAADgPwAAAAAAAOA/AAAAAAAA4D8AAAAAAADgPwAAAAAAAOA/AAAAAAAA4D8CAAAAjAAAAAAAAAAAAAAA////AP///wgAAAAAAAAAAAAAAAAAAAAAAAAAAAAAAAAAAAAAeAAAAAEAAABAAAAAAAAAAAAAAABaAAAAAAAAAAAAAAAAAAAAAAAAAAAAAAAAAAAAAAAAAAAAAAAAAAAAAAAAAAAAAAAAAAAAAAAAAAAAAAAAAAAAAAAAAAAAAAAAAAAAFAAAADwAAAAAAAAAAAAAAAAAAAAPAAAAAQAAACMAAAAjAAAAIwAAAB4AAAAAAAAAZAAAAGQAAAAAAAAAZAAAAGQAAAAVAAAAYAAAAAAAAAAAAAAADwAAACADAAAAAAAAAAAAAAEAAACgMgAAVgcAAKr4//8BAAAAf39/AAEAAABkAAAAAAAAABQAAABAHwAAAAAAACYAAAAAAAAAwOD//wAAAAAmAAAAZAAAABYAAABMAAAAAAAAAAAAAAAEAAAAAAAAAAEAAADRSc4KAAAAACgAAAAoAAAAZAAAAGQAAAAAAAAAzMzMAAAAAABQAAAAUAAAAGQAAABkAAAAAAAAABcAAAAUAAAAAAAAAAAAAAD/fwAA/38AAAAAAAAJAAAABAAAAAAAAAAeAAAAaAAAAAAAAAAAAAAAAAAAAAAAAAAAAAAAECcAABAnAAAAAAAAAAAAAAAAAAAAAAAAAAAAAAAAAAAAAAAAAAAAABQAAAAAAAAAwMD/AAAAAABkAAAAMgAAAAAAAABkAAAAAAAAAH9/fwAKAAAAIgAAABgAAAAAAAAAAAAAAAAAAAAAAAAAAAAAAAAAAAAkAAAAJAAAAAAAAAAHAAAAAAAAAAAAAAAAAAAAAAAAAAAAAAAAAAAAf39/ACUAAABYAAAAAAAAAAAAAAAAAAAAAAAAAAAAAAAAAAAAAAAAAAAAAAAAAAAAAAAAAAAAAAA/AAAAAAAAAKCGAQAAAAAAAAAAAAAAAAAMAAAAAQAAAAAAAAAAAAAAAAAAAB8AAABUAAAA////AAAAAAEAAAAAAAAAAAAAAAAAAAAAAAAAAAAAAAAAAAAAAAAAAAAAAAB/f38AAAAAA8zMzADAwP8Af39/AAAAAAAAAAAAAAAAAAAAAAAAAAAAIQAAABgAAAAUAAAA0AIAAGcHAACEGwAAKBAAABAAAAAmAAAACAAAAD0gAAAAAAAA"/>
               </a:ext>
             </a:extLst>
           </p:cNvSpPr>
@@ -8464,7 +8367,7 @@
             <a:spLocks noGrp="1" noChangeArrowheads="1"/>
             <a:extLst>
               <a:ext uri="smNativeData">
-                <pr:smNativeData xmlns:pr="smNativeData" xmlns="smNativeData" val="SMDATA_15_37BZZRMAAAAlAAAAZAAAAA0AAAAAAAAAAAAAAAAAAAAAAAAAAAAAAAAAAAAAAAAAAAEAAABQAAAAAAAAAAAA4D8AAAAAAADgPwAAAAAAAOA/AAAAAAAA4D8AAAAAAADgPwAAAAAAAOA/AAAAAAAA4D8AAAAAAADgPwAAAAAAAOA/AAAAAAAA4D8CAAAAjAAAAAAAAAAAAAAA////AP///wgAAAAAAAAAAAAAAAAAAAAAAAAAAAAAAAAAAAAAeAAAAAEAAABAAAAAAAAAAAAAAABaAAAAAAAAAAAAAAAAAAAAAAAAAAAAAAAAAAAAAAAAAAAAAAAAAAAAAAAAAAAAAAAAAAAAAAAAAAAAAAAAAAAAAAAAAAAAAAAAAAAAFAAAADwAAAAAAAAAAAAAAAAAAAAPAAAAAQAAACMAAAAjAAAAIwAAAB4AAAAAAAAAZAAAAGQAAAAAAAAAZAAAAGQAAAAVAAAAYAAAAAAAAAAAAAAADwAAACADAAAAAAAAAAAAAAEAAACgMgAAVgcAAKr4//8BAAAAf39/AAEAAABkAAAAAAAAABQAAABAHwAAAAAAACYAAAAAAAAAwOD//wAAAAAmAAAAZAAAABYAAABMAAAAAAAAAAAAAAAEAAAAAAAAAAEAAADRSc4KAAAAACgAAAAoAAAAZAAAAGQAAAAAAAAAzMzMAAAAAABQAAAAUAAAAGQAAABkAAAAAAAAABcAAAAUAAAAAAAAAAAAAAD/fwAA/38AAAAAAAAJAAAABAAAAAAAAAAeAAAAaAAAAAAAAAAAAAAAAAAAAAAAAAAAAAAAECcAABAnAAAAAAAAAAAAAAAAAAAAAAAAAAAAAAAAAAAAAAAAAAAAABQAAAAAAAAAwMD/AAAAAABkAAAAMgAAAAAAAABkAAAAAAAAAH9/fwAKAAAAIgAAABgAAAAAAAAAAAAAAAAAAAAAAAAAAAAAAAAAAAAkAAAAJAAAAAAAAAAHAAAAAAAAAAAAAAAAAAAAAAAAAAAAAAAAAAAAf39/ACUAAABYAAAAAAAAAAAAAAAAAAAAAAAAAAAAAAAAAAAAAAAAAAAAAAAAAAAAAAAAAAAAAAA/AAAAAAAAAKCGAQAAAAAAAAAAAAAAAAAMAAAAAQAAAAAAAAAAAAAAAAAAAB8AAABUAAAA////AAAAAAEAAAAAAAAAAAAAAAAAAAAAAAAAAAAAAAAAAAAAAAAAAAAAAAB/f38AAAAAA8zMzADAwP8Af39/AAAAAAAAAAAAAAAAAAAAAAAAAAAAIQAAABgAAAAUAAAAwRwAAGcHAAB1NQAAwRkAABAAAAAmAAAACAAAAD0gAAAAAAAA"/>
+                <pr:smNativeData xmlns:pr="smNativeData" xmlns="smNativeData" val="SMDATA_15_8sFZZRMAAAAlAAAAZAAAAA0AAAAAAAAAAAAAAAAAAAAAAAAAAAAAAAAAAAAAAAAAAAEAAABQAAAAAAAAAAAA4D8AAAAAAADgPwAAAAAAAOA/AAAAAAAA4D8AAAAAAADgPwAAAAAAAOA/AAAAAAAA4D8AAAAAAADgPwAAAAAAAOA/AAAAAAAA4D8CAAAAjAAAAAAAAAAAAAAA////AP///wgAAAAAAAAAAAAAAAAAAAAAAAAAAAAAAAAAAAAAeAAAAAEAAABAAAAAAAAAAAAAAABaAAAAAAAAAAAAAAAAAAAAAAAAAAAAAAAAAAAAAAAAAAAAAAAAAAAAAAAAAAAAAAAAAAAAAAAAAAAAAAAAAAAAAAAAAAAAAAAAAAAAFAAAADwAAAAAAAAAAAAAAAAAAAAPAAAAAQAAACMAAAAjAAAAIwAAAB4AAAAAAAAAZAAAAGQAAAAAAAAAZAAAAGQAAAAVAAAAYAAAAAAAAAAAAAAADwAAACADAAAAAAAAAAAAAAEAAACgMgAAVgcAAKr4//8BAAAAf39/AAEAAABkAAAAAAAAABQAAABAHwAAAAAAACYAAAAAAAAAwOD//wAAAAAmAAAAZAAAABYAAABMAAAAAAAAAAAAAAAEAAAAAAAAAAEAAADRSc4KAAAAACgAAAAoAAAAZAAAAGQAAAAAAAAAzMzMAAAAAABQAAAAUAAAAGQAAABkAAAAAAAAABcAAAAUAAAAAAAAAAAAAAD/fwAA/38AAAAAAAAJAAAABAAAAAAAAAAeAAAAaAAAAAAAAAAAAAAAAAAAAAAAAAAAAAAAECcAABAnAAAAAAAAAAAAAAAAAAAAAAAAAAAAAAAAAAAAAAAAAAAAABQAAAAAAAAAwMD/AAAAAABkAAAAMgAAAAAAAABkAAAAAAAAAH9/fwAKAAAAIgAAABgAAAAAAAAAAAAAAAAAAAAAAAAAAAAAAAAAAAAkAAAAJAAAAAAAAAAHAAAAAAAAAAAAAAAAAAAAAAAAAAAAAAAAAAAAf39/ACUAAABYAAAAAAAAAAAAAAAAAAAAAAAAAAAAAAAAAAAAAAAAAAAAAAAAAAAAAAAAAAAAAAA/AAAAAAAAAKCGAQAAAAAAAAAAAAAAAAAMAAAAAQAAAAAAAAAAAAAAAAAAAB8AAABUAAAA////AAAAAAEAAAAAAAAAAAAAAAAAAAAAAAAAAAAAAAAAAAAAAAAAAAAAAAB/f38AAAAAA8zMzADAwP8Af39/AAAAAAAAAAAAAAAAAAAAAAAAAAAAIQAAABgAAAAUAAAAwRwAAGcHAAB1NQAAwRkAABAAAAAmAAAACAAAAD0gAAAAAAAA"/>
               </a:ext>
             </a:extLst>
           </p:cNvSpPr>
@@ -8497,7 +8400,7 @@
             <a:spLocks noGrp="1" noChangeArrowheads="1"/>
             <a:extLst>
               <a:ext uri="smNativeData">
-                <pr:smNativeData xmlns:pr="smNativeData" xmlns="smNativeData" val="SMDATA_15_37BZZRMAAAAlAAAAZAAAAA0AAAAAAAAAAAAAAAAAAAAAAAAAAAAAAAAAAAAAAAAAAAEAAABQAAAAAAAAAAAA4D8AAAAAAADgPwAAAAAAAOA/AAAAAAAA4D8AAAAAAADgPwAAAAAAAOA/AAAAAAAA4D8AAAAAAADgPwAAAAAAAOA/AAAAAAAA4D8CAAAAjAAAAAAAAAAAAAAA////AP///wgAAAAAAAAAAAAAAAAAAAAAAAAAAAAAAAAAAAAAeAAAAAEAAABAAAAAAAAAAAAAAABaAAAAAAAAAAAAAAAAAAAAAAAAAAAAAAAAAAAAAAAAAAAAAAAAAAAAAAAAAAAAAAAAAAAAAAAAAAAAAAAAAAAAAAAAAAAAAAAAAAAAFAAAADwAAAAAAAAAAAAAAAAAAAAPAAAAAQAAACMAAAAjAAAAIwAAAB4AAAAAAAAAZAAAAGQAAAAAAAAAZAAAAGQAAAAVAAAAYAAAAAAAAAAAAAAADwAAACADAAAAAAAAAAAAAAEAAACgMgAAVgcAAKr4//8BAAAAf39/AAEAAABkAAAAAAAAABQAAABAHwAAAAAAACYAAAAAAAAAwOD//wAAAAAmAAAAZAAAABYAAABMAAAAAAAAAAAAAAAEAAAAAAAAAAEAAADRSc4KAAAAACgAAAAoAAAAZAAAAGQAAAAAAAAAzMzMAAAAAABQAAAAUAAAAGQAAABkAAAAAAAAABcAAAAUAAAAAAAAAAAAAAD/fwAA/38AAAAAAAAJAAAABAAAAAAAAAAeAAAAaAAAAAAAAAAAAAAAAAAAAAAAAAAAAAAAECcAABAnAAAAAAAAAAAAAAAAAAAAAAAAAAAAAAAAAAAAAAAAAAAAABQAAAAAAAAAwMD/AAAAAABkAAAAMgAAAAAAAABkAAAAAAAAAH9/fwAKAAAAIgAAABgAAAAAAAAAAAAAAAAAAAAAAAAAAAAAAAAAAAAkAAAAJAAAAAAAAAAHAAAAAAAAAAAAAAAAAAAAAAAAAAAAAAAAAAAAf39/ACUAAABYAAAAAAAAAAAAAAAAAAAAAAAAAAAAAAAAAAAAAAAAAAAAAAAAAAAAAAAAAAAAAAA/AAAAAAAAAKCGAQAAAAAAAAAAAAAAAAAMAAAAAQAAAAAAAAAAAAAAAAAAAB8AAABUAAAA////AAAAAAEAAAAAAAAAAAAAAAAAAAAAAAAAAAAAAAAAAAAAAAAAAAAAAAB/f38AAAAAA8zMzADAwP8Af39/AAAAAAAAAAAAAAAAAAAAAAAAAAAAIQAAABgAAAAUAAAA0AIAAP0QAACEGwAAvhkAABAAAAAmAAAACAAAAD0gAAAAAAAA"/>
+                <pr:smNativeData xmlns:pr="smNativeData" xmlns="smNativeData" val="SMDATA_15_8sFZZRMAAAAlAAAAZAAAAA0AAAAAAAAAAAAAAAAAAAAAAAAAAAAAAAAAAAAAAAAAAAEAAABQAAAAAAAAAAAA4D8AAAAAAADgPwAAAAAAAOA/AAAAAAAA4D8AAAAAAADgPwAAAAAAAOA/AAAAAAAA4D8AAAAAAADgPwAAAAAAAOA/AAAAAAAA4D8CAAAAjAAAAAAAAAAAAAAA////AP///wgAAAAAAAAAAAAAAAAAAAAAAAAAAAAAAAAAAAAAeAAAAAEAAABAAAAAAAAAAAAAAABaAAAAAAAAAAAAAAAAAAAAAAAAAAAAAAAAAAAAAAAAAAAAAAAAAAAAAAAAAAAAAAAAAAAAAAAAAAAAAAAAAAAAAAAAAAAAAAAAAAAAFAAAADwAAAAAAAAAAAAAAAAAAAAPAAAAAQAAACMAAAAjAAAAIwAAAB4AAAAAAAAAZAAAAGQAAAAAAAAAZAAAAGQAAAAVAAAAYAAAAAAAAAAAAAAADwAAACADAAAAAAAAAAAAAAEAAACgMgAAVgcAAKr4//8BAAAAf39/AAEAAABkAAAAAAAAABQAAABAHwAAAAAAACYAAAAAAAAAwOD//wAAAAAmAAAAZAAAABYAAABMAAAAAAAAAAAAAAAEAAAAAAAAAAEAAADRSc4KAAAAACgAAAAoAAAAZAAAAGQAAAAAAAAAzMzMAAAAAABQAAAAUAAAAGQAAABkAAAAAAAAABcAAAAUAAAAAAAAAAAAAAD/fwAA/38AAAAAAAAJAAAABAAAAAAAAAAeAAAAaAAAAAAAAAAAAAAAAAAAAAAAAAAAAAAAECcAABAnAAAAAAAAAAAAAAAAAAAAAAAAAAAAAAAAAAAAAAAAAAAAABQAAAAAAAAAwMD/AAAAAABkAAAAMgAAAAAAAABkAAAAAAAAAH9/fwAKAAAAIgAAABgAAAAAAAAAAAAAAAAAAAAAAAAAAAAAAAAAAAAkAAAAJAAAAAAAAAAHAAAAAAAAAAAAAAAAAAAAAAAAAAAAAAAAAAAAf39/ACUAAABYAAAAAAAAAAAAAAAAAAAAAAAAAAAAAAAAAAAAAAAAAAAAAAAAAAAAAAAAAAAAAAA/AAAAAAAAAKCGAQAAAAAAAAAAAAAAAAAMAAAAAQAAAAAAAAAAAAAAAAAAAB8AAABUAAAA////AAAAAAEAAAAAAAAAAAAAAAAAAAAAAAAAAAAAAAAAAAAAAAAAAAAAAAB/f38AAAAAA8zMzADAwP8Af39/AAAAAAAAAAAAAAAAAAAAAAAAAAAAIQAAABgAAAAUAAAA0AIAAP0QAACEGwAAvhkAABAAAAAmAAAACAAAAD0gAAAAAAAA"/>
               </a:ext>
             </a:extLst>
           </p:cNvSpPr>
@@ -8555,7 +8458,7 @@
             <a:spLocks noGrp="1" noChangeArrowheads="1"/>
             <a:extLst>
               <a:ext uri="smNativeData">
-                <pr:smNativeData xmlns:pr="smNativeData" xmlns="smNativeData" val="SMDATA_15_37BZZRMAAAAlAAAAZAAAAE0AAAAAAAAAAAAAAAAAAAAAAAAAAAAAAAABAAAAAAAAAAEAAABQAAAAAAAAAAAA4D8AAAAAAADgPwAAAAAAAOA/AAAAAAAA4D8AAAAAAADgPwAAAAAAAOA/AAAAAAAA4D8AAAAAAADgPwAAAAAAAOA/AAAAAAAA4D8CAAAAjAAAAAAAAAAAAAAA////AP///wgAAAAAAAAAAAAAAAAAAAAAAAAAAAAAAAAAAAAAeAAAAAEAAABAAAAAAAAAAAAAAABaAAAAAAAAAAAAAAAAAAAAAAAAAAAAAAAAAAAAAAAAAAAAAAAAAAAAAAAAAAAAAAAAAAAAAAAAAAAAAAAAAAAAAAAAAAAAAAAAAAAAFAAAADwAAAAAAAAAAAAAAAAAAAAPAAAAAQAAACMAAAAjAAAAIwAAAB4AAAAAAAAAZAAAAGQAAAAAAAAAZAAAAGQAAAAVAAAAYAAAAAAAAAAAAAAADwAAACADAAAAAAAAAAAAAAEAAACgMgAAVgcAAKr4//8BAAAAf39/AAEAAABkAAAAAAAAABQAAABAHwAAAAAAACYAAAAAAAAAwOD//wAAAAAmAAAAZAAAABYAAABMAAAAAAAAAAAAAAAEAAAAAAAAAAEAAADRSc4KAAAAACgAAAAoAAAAZAAAAGQAAAAAAAAAzMzMAAAAAABQAAAAUAAAAGQAAABkAAAAAAAAABcAAAAUAAAAAAAAAAAAAAD/fwAA/38AAAAAAAAJAAAABAAAAAAAAAAeAAAAaAAAAAAAAAAAAAAAAAAAAAAAAAAAAAAAECcAABAnAAAAAAAAAAAAAAAAAAAAAAAAAAAAAAAAAAAAAAAAAAAAABQAAAAAAAAAwMD/AAAAAABkAAAAMgAAAAAAAABkAAAAAAAAAH9/fwAKAAAAIgAAABgAAAAAAAAAAAAAAAAAAAAAAAAAAAAAAAAAAAAkAAAAJAAAAAAAAAAHAAAAAAAAAAAAAAAAAAAAAAAAAAAAAAAAAAAAf39/ACUAAABYAAAAAAAAAAAAAAAAAAAAAAAAAAAAAAAAAAAAAAAAAAAAAAAAAAAAAAAAAAAAAAA/AAAAAAAAAKCGAQAAAAAAAAAAAAAAAAAMAAAAAQAAAAAAAAAAAAAAAAAAAB8AAABUAAAA////AAAAAAEAAAAAAAAAAAAAAAAAAAAAAAAAAAAAAAAAAAAAAAAAAAAAAAB/f38AAAAAA8zMzADAwP8Af39/AAAAAAAAAAAAAAAAAAAAAAAAAAAAIQAAABgAAAAUAAAA0AIAAA8AAABvNQAAwAcAABAgAAAmAAAACAAAAD0gAAAAAAAA"/>
+                <pr:smNativeData xmlns:pr="smNativeData" xmlns="smNativeData" val="SMDATA_15_8sFZZRMAAAAlAAAAZAAAAE0AAAAAAAAAAAAAAAAAAAAAAAAAAAAAAAABAAAAAAAAAAEAAABQAAAAAAAAAAAA4D8AAAAAAADgPwAAAAAAAOA/AAAAAAAA4D8AAAAAAADgPwAAAAAAAOA/AAAAAAAA4D8AAAAAAADgPwAAAAAAAOA/AAAAAAAA4D8CAAAAjAAAAAAAAAAAAAAA////AP///wgAAAAAAAAAAAAAAAAAAAAAAAAAAAAAAAAAAAAAeAAAAAEAAABAAAAAAAAAAAAAAABaAAAAAAAAAAAAAAAAAAAAAAAAAAAAAAAAAAAAAAAAAAAAAAAAAAAAAAAAAAAAAAAAAAAAAAAAAAAAAAAAAAAAAAAAAAAAAAAAAAAAFAAAADwAAAAAAAAAAAAAAAAAAAAPAAAAAQAAACMAAAAjAAAAIwAAAB4AAAAAAAAAZAAAAGQAAAAAAAAAZAAAAGQAAAAVAAAAYAAAAAAAAAAAAAAADwAAACADAAAAAAAAAAAAAAEAAACgMgAAVgcAAKr4//8BAAAAf39/AAEAAABkAAAAAAAAABQAAABAHwAAAAAAACYAAAAAAAAAwOD//wAAAAAmAAAAZAAAABYAAABMAAAAAAAAAAAAAAAEAAAAAAAAAAEAAADRSc4KAAAAACgAAAAoAAAAZAAAAGQAAAAAAAAAzMzMAAAAAABQAAAAUAAAAGQAAABkAAAAAAAAABcAAAAUAAAAAAAAAAAAAAD/fwAA/38AAAAAAAAJAAAABAAAAAAAAAAeAAAAaAAAAAAAAAAAAAAAAAAAAAAAAAAAAAAAECcAABAnAAAAAAAAAAAAAAAAAAAAAAAAAAAAAAAAAAAAAAAAAAAAABQAAAAAAAAAwMD/AAAAAABkAAAAMgAAAAAAAABkAAAAAAAAAH9/fwAKAAAAIgAAABgAAAAAAAAAAAAAAAAAAAAAAAAAAAAAAAAAAAAkAAAAJAAAAAAAAAAHAAAAAAAAAAAAAAAAAAAAAAAAAAAAAAAAAAAAf39/ACUAAABYAAAAAAAAAAAAAAAAAAAAAAAAAAAAAAAAAAAAAAAAAAAAAAAAAAAAAAAAAAAAAAA/AAAAAAAAAKCGAQAAAAAAAAAAAAAAAAAMAAAAAQAAAAAAAAAAAAAAAAAAAB8AAABUAAAA////AAAAAAEAAAAAAAAAAAAAAAAAAAAAAAAAAAAAAAAAAAAAAAAAAAAAAAB/f38AAAAAA8zMzADAwP8Af39/AAAAAAAAAAAAAAAAAAAAAAAAAAAAIQAAABgAAAAUAAAA0AIAAA8AAABvNQAAwAcAABAgAAAmAAAACAAAAD0gAAAAAAAA"/>
               </a:ext>
             </a:extLst>
           </p:cNvSpPr>
@@ -8588,7 +8491,7 @@
             <a:spLocks noGrp="1" noChangeArrowheads="1"/>
             <a:extLst>
               <a:ext uri="smNativeData">
-                <pr:smNativeData xmlns:pr="smNativeData" xmlns="smNativeData" val="SMDATA_15_37BZZRMAAAAlAAAAZAAAAE0AAAAAAAAAAAAAAAAAAAAAAAAAAAAAAAABAAAAAAAAAAEAAABQAAAAAAAAAAAA4D8AAAAAAADgPwAAAAAAAOA/AAAAAAAA4D8AAAAAAADgPwAAAAAAAOA/AAAAAAAA4D8AAAAAAADgPwAAAAAAAOA/AAAAAAAA4D8CAAAAjAAAAAAAAAAAAAAA////AP///wgAAAAAAAAAAAAAAAAAAAAAAAAAAAAAAAAAAAAAeAAAAAEAAABAAAAAAAAAAAAAAABaAAAAAAAAAAAAAAAAAAAAAAAAAAAAAAAAAAAAAAAAAAAAAAAAAAAAAAAAAAAAAAAAAAAAAAAAAAAAAAAAAAAAAAAAAAAAAAAAAAAAFAAAADwAAAAAAAAAAAAAAAAAAAAPAAAAAQAAACMAAAAjAAAAIwAAAB4AAAAAAAAAZAAAAGQAAAAAAAAAZAAAAGQAAAAVAAAAYAAAAAAAAAAAAAAADwAAACADAAAAAAAAAAAAAAEAAACgMgAAVgcAAKr4//8BAAAAf39/AAEAAABkAAAAAAAAABQAAABAHwAAAAAAACYAAAAAAAAAwOD//wAAAAAmAAAAZAAAABYAAABMAAAAAAAAAAAAAAAEAAAAAAAAAAEAAADRSc4KAAAAACgAAAAoAAAAZAAAAGQAAAAAAAAAzMzMAAAAAABQAAAAUAAAAGQAAABkAAAAAAAAABcAAAAUAAAAAAAAAAAAAAD/fwAA/38AAAAAAAAJAAAABAAAAAAAAAAeAAAAaAAAAAAAAAAAAAAAAAAAAAAAAAAAAAAAECcAABAnAAAAAAAAAAAAAAAAAAAAAAAAAAAAAAAAAAAAAAAAAAAAABQAAAAAAAAAwMD/AAAAAABkAAAAMgAAAAAAAABkAAAAAAAAAH9/fwAKAAAAIgAAABgAAAAAAAAAAAAAAAAAAAAAAAAAAAAAAAAAAAAkAAAAJAAAAAAAAAAHAAAAAAAAAAAAAAAAAAAAAAAAAAAAAAAAAAAAf39/ACUAAABYAAAAAAAAAAAAAAAAAAAAAAAAAAAAAAAAAAAAAAAAAAAAAAAAAAAAAAAAAAAAAAA/AAAAAAAAAKCGAQAAAAAAAAAAAAAAAAAMAAAAAQAAAAAAAAAAAAAAAAAAAB8AAABUAAAA////AAAAAAEAAAAAAAAAAAAAAAAAAAAAAAAAAAAAAAAAAAAAAAAAAAAAAAB/f38AAAAAA8zMzADAwP8Af39/AAAAAAAAAAAAAAAAAAAAAAAAAAAAIQAAABgAAAAUAAAA0AIAAGcHAABvNQAAwRkAABAgAAAmAAAACAAAAL0gAAAAAAAA"/>
+                <pr:smNativeData xmlns:pr="smNativeData" xmlns="smNativeData" val="SMDATA_15_8sFZZRMAAAAlAAAAZAAAAE0AAAAAAAAAAAAAAAAAAAAAAAAAAAAAAAABAAAAAAAAAAEAAABQAAAAAAAAAAAA4D8AAAAAAADgPwAAAAAAAOA/AAAAAAAA4D8AAAAAAADgPwAAAAAAAOA/AAAAAAAA4D8AAAAAAADgPwAAAAAAAOA/AAAAAAAA4D8CAAAAjAAAAAAAAAAAAAAA////AP///wgAAAAAAAAAAAAAAAAAAAAAAAAAAAAAAAAAAAAAeAAAAAEAAABAAAAAAAAAAAAAAABaAAAAAAAAAAAAAAAAAAAAAAAAAAAAAAAAAAAAAAAAAAAAAAAAAAAAAAAAAAAAAAAAAAAAAAAAAAAAAAAAAAAAAAAAAAAAAAAAAAAAFAAAADwAAAAAAAAAAAAAAAAAAAAPAAAAAQAAACMAAAAjAAAAIwAAAB4AAAAAAAAAZAAAAGQAAAAAAAAAZAAAAGQAAAAVAAAAYAAAAAAAAAAAAAAADwAAACADAAAAAAAAAAAAAAEAAACgMgAAVgcAAKr4//8BAAAAf39/AAEAAABkAAAAAAAAABQAAABAHwAAAAAAACYAAAAAAAAAwOD//wAAAAAmAAAAZAAAABYAAABMAAAAAAAAAAAAAAAEAAAAAAAAAAEAAADRSc4KAAAAACgAAAAoAAAAZAAAAGQAAAAAAAAAzMzMAAAAAABQAAAAUAAAAGQAAABkAAAAAAAAABcAAAAUAAAAAAAAAAAAAAD/fwAA/38AAAAAAAAJAAAABAAAAGluZzIeAAAAaAAAAAAAAAAAAAAAAAAAAAAAAAAAAAAAECcAABAnAAAAAAAAAAAAAAAAAAAAAAAAAAAAAAAAAAAAAAAAAAAAABQAAAAAAAAAwMD/AAAAAABkAAAAMgAAAAAAAABkAAAAAAAAAH9/fwAKAAAAIgAAABgAAAAAAAAAAAAAAAAAAAAAAAAAAAAAAAAAAAAkAAAAJAAAAAAAAAAHAAAAAAAAAAAAAAAAAAAAAAAAAAAAAAAAAAAAf39/ACUAAABYAAAAAAAAAAAAAAAAAAAAAAAAAAAAAAAAAAAAAAAAAAAAAAAAAAAAAAAAAAAAAAA/AAAAAAAAAKCGAQAAAAAAAAAAAAAAAAAMAAAAAQAAAAAAAAAAAAAAAAAAAB8AAABUAAAA////AAAAAAEAAAAAAAAAAAAAAAAAAAAAAAAAAAAAAAAAAAAAAAAAAAAAAAB/f38AAAAAA8zMzADAwP8Af39/AAAAAAAAAAAAAAAAAAAAAAAAAAAAIQAAABgAAAAUAAAA0AIAAGcHAABvNQAAwRkAABAgAAAmAAAACAAAAL0gAAAAAAAA"/>
               </a:ext>
             </a:extLst>
           </p:cNvSpPr>
@@ -8646,7 +8549,7 @@
             <a:spLocks noGrp="1" noChangeArrowheads="1"/>
             <a:extLst>
               <a:ext uri="smNativeData">
-                <pr:smNativeData xmlns:pr="smNativeData" xmlns="smNativeData" val="SMDATA_15_37BZZRMAAAAlAAAAZAAAAE0AAAAAAAAAAAAAAAAAAAAAAAAAAAAAAAABAAAAAAAAAAEAAABQAAAAAAAAAAAA4D8AAAAAAADgPwAAAAAAAOA/AAAAAAAA4D8AAAAAAADgPwAAAAAAAOA/AAAAAAAA4D8AAAAAAADgPwAAAAAAAOA/AAAAAAAA4D8CAAAAjAAAAAAAAAAAAAAA////AP///wgAAAAAAAAAAAAAAAAAAAAAAAAAAAAAAAAAAAAAeAAAAAEAAABAAAAAAAAAAAAAAABaAAAAAAAAAAAAAAAAAAAAAAAAAAAAAAAAAAAAAAAAAAAAAAAAAAAAAAAAAAAAAAAAAAAAAAAAAAAAAAAAAAAAAAAAAAAAAAAAAAAAFAAAADwAAAAAAAAAAAAAAAAAAAAPAAAAAQAAACMAAAAjAAAAIwAAAB4AAAAAAAAAZAAAAGQAAAAAAAAAZAAAAGQAAAAVAAAAYAAAAAAAAAAAAAAADwAAACADAAAAAAAAAAAAAAEAAACgMgAAVgcAAKr4//8BAAAAf39/AAEAAABkAAAAAAAAABQAAABAHwAAAAAAACYAAAAAAAAAwOD//wAAAAAmAAAAZAAAABYAAABMAAAAAAAAAAAAAAAEAAAAAAAAAAEAAADRSc4KAAAAACgAAAAoAAAAZAAAAGQAAAAAAAAAzMzMAAAAAABQAAAAUAAAAGQAAABkAAAAAAAAABcAAAAUAAAAAAAAAAAAAAD/fwAA/38AAAAAAAAJAAAABAAAAAAAAAAeAAAAaAAAAAAAAAAAAAAAAAAAAAAAAAAAAAAAECcAABAnAAAAAAAAAAAAAAAAAAAAAAAAAAAAAAAAAAAAAAAAAAAAABQAAAAAAAAAwMD/AAAAAABkAAAAMgAAAAAAAABkAAAAAAAAAH9/fwAKAAAAIgAAABgAAAAAAAAAAAAAAAAAAAAAAAAAAAAAAAAAAAAkAAAAJAAAAAAAAAAHAAAAAAAAAAAAAAAAAAAAAAAAAAAAAAAAAAAAf39/ACUAAABYAAAAAAAAAAAAAAAAAAAAAAAAAAAAAAAAAAAAAAAAAAAAAAAAAAAAAAAAAAAAAAA/AAAAAAAAAKCGAQAAAAAAAAAAAAAAAAAMAAAAAQAAAAAAAAAAAAAAAAAAAB8AAABUAAAA////AAAAAAEAAAAAAAAAAAAAAAAAAAAAAAAAAAAAAAAAAAAAAAAAAAAAAAB/f38AAAAAA8zMzADAwP8Af39/AAAAAAAAAAAAAAAAAAAAAAAAAAAAIQAAABgAAAAUAAAA0AIAAA8AAABvNQAAwAcAABAgAAAmAAAACAAAAD0gAAAAAAAA"/>
+                <pr:smNativeData xmlns:pr="smNativeData" xmlns="smNativeData" val="SMDATA_15_8sFZZRMAAAAlAAAAZAAAAE0AAAAAAAAAAAAAAAAAAAAAAAAAAAAAAAABAAAAAAAAAAEAAABQAAAAAAAAAAAA4D8AAAAAAADgPwAAAAAAAOA/AAAAAAAA4D8AAAAAAADgPwAAAAAAAOA/AAAAAAAA4D8AAAAAAADgPwAAAAAAAOA/AAAAAAAA4D8CAAAAjAAAAAAAAAAAAAAA////AP///wgAAAAAAAAAAAAAAAAAAAAAAAAAAAAAAAAAAAAAeAAAAAEAAABAAAAAAAAAAAAAAABaAAAAAAAAAAAAAAAAAAAAAAAAAAAAAAAAAAAAAAAAAAAAAAAAAAAAAAAAAAAAAAAAAAAAAAAAAAAAAAAAAAAAAAAAAAAAAAAAAAAAFAAAADwAAAAAAAAAAAAAAAAAAAAPAAAAAQAAACMAAAAjAAAAIwAAAB4AAAAAAAAAZAAAAGQAAAAAAAAAZAAAAGQAAAAVAAAAYAAAAAAAAAAAAAAADwAAACADAAAAAAAAAAAAAAEAAACgMgAAVgcAAKr4//8BAAAAf39/AAEAAABkAAAAAAAAABQAAABAHwAAAAAAACYAAAAAAAAAwOD//wAAAAAmAAAAZAAAABYAAABMAAAAAAAAAAAAAAAEAAAAAAAAAAEAAADRSc4KAAAAACgAAAAoAAAAZAAAAGQAAAAAAAAAzMzMAAAAAABQAAAAUAAAAGQAAABkAAAAAAAAABcAAAAUAAAAAAAAAAAAAAD/fwAA/38AAAAAAAAJAAAABAAAAAAAAAAeAAAAaAAAAAAAAAAAAAAAAAAAAAAAAAAAAAAAECcAABAnAAAAAAAAAAAAAAAAAAAAAAAAAAAAAAAAAAAAAAAAAAAAABQAAAAAAAAAwMD/AAAAAABkAAAAMgAAAAAAAABkAAAAAAAAAH9/fwAKAAAAIgAAABgAAAAAAAAAAAAAAAAAAAAAAAAAAAAAAAAAAAAkAAAAJAAAAAAAAAAHAAAAAAAAAAAAAAAAAAAAAAAAAAAAAAAAAAAAf39/ACUAAABYAAAAAAAAAAAAAAAAAAAAAAAAAAAAAAAAAAAAAAAAAAAAAAAAAAAAAAAAAAAAAAA/AAAAAAAAAKCGAQAAAAAAAAAAAAAAAAAMAAAAAQAAAAAAAAAAAAAAAAAAAB8AAABUAAAA////AAAAAAEAAAAAAAAAAAAAAAAAAAAAAAAAAAAAAAAAAAAAAAAAAAAAAAB/f38AAAAAA8zMzADAwP8Af39/AAAAAAAAAAAAAAAAAAAAAAAAAAAAIQAAABgAAAAUAAAA0AIAAA8AAABvNQAAwAcAABAgAAAmAAAACAAAAD0gAAAAAAAA"/>
               </a:ext>
             </a:extLst>
           </p:cNvSpPr>
@@ -8679,7 +8582,7 @@
             <a:spLocks noGrp="1" noChangeArrowheads="1"/>
             <a:extLst>
               <a:ext uri="smNativeData">
-                <pr:smNativeData xmlns:pr="smNativeData" xmlns="smNativeData" val="SMDATA_15_37BZZRMAAAAlAAAAZAAAAA0AAAAAAAAAAAAAAAAAAAAAAAAAAAAAAAAAAAAAAAAAAAEAAABQAAAAAAAAAAAA4D8AAAAAAADgPwAAAAAAAOA/AAAAAAAA4D8AAAAAAADgPwAAAAAAAOA/AAAAAAAA4D8AAAAAAADgPwAAAAAAAOA/AAAAAAAA4D8CAAAAjAAAAAAAAAAAAAAA////AP///wgAAAAAAAAAAAAAAAAAAAAAAAAAAAAAAAAAAAAAeAAAAAEAAABAAAAAAAAAAAAAAABaAAAAAAAAAAAAAAAAAAAAAAAAAAAAAAAAAAAAAAAAAAAAAAAAAAAAAAAAAAAAAAAAAAAAAAAAAAAAAAAAAAAAAAAAAAAAAAAAAAAAFAAAADwAAAAAAAAAAAAAAAAAAAAPAAAAAQAAACMAAAAjAAAAIwAAAB4AAAAAAAAAZAAAAGQAAAAAAAAAZAAAAGQAAAAVAAAAYAAAAAAAAAAAAAAADwAAACADAAAAAAAAAAAAAAEAAACgMgAAVgcAAKr4//8BAAAAf39/AAEAAABkAAAAAAAAABQAAABAHwAAAAAAACYAAAAAAAAAwOD//wAAAAAmAAAAZAAAABYAAABMAAAAAAAAAAAAAAAEAAAAAAAAAAEAAADRSc4KAAAAACgAAAAoAAAAZAAAAGQAAAAAAAAAzMzMAAAAAABQAAAAUAAAAGQAAABkAAAAAAAAABcAAAAUAAAAAAAAAAAAAAD/fwAA/38AAAAAAAAJAAAABAAAAAAAAAAeAAAAaAAAAAAAAAAAAAAAAAAAAAAAAAAAAAAAECcAABAnAAAAAAAAAAAAAAAAAAAAAAAAAAAAAAAAAAAAAAAAAAAAABQAAAAAAAAAwMD/AAAAAABkAAAAMgAAAAAAAABkAAAAAAAAAH9/fwAKAAAAIgAAABgAAAAAAAAAAAAAAAAAAAAAAAAAAAAAAAAAAAAkAAAAJAAAAAAAAAAHAAAAAAAAAAAAAAAAAAAAAAAAAAAAAAAAAAAAf39/ACUAAABYAAAAAAAAAAAAAAAAAAAAAAAAAAAAAAAAAAAAAAAAAAAAAAAAAAAAAAAAAAAAAAA/AAAAAAAAAKCGAQAAAAAAAAAAAAAAAAAMAAAAAQAAAAAAAAAAAAAAAAAAAB8AAABUAAAA////AAAAAAEAAAAAAAAAAAAAAAAAAAAAAAAAAAAAAAAAAAAAAAAAAAAAAAB/f38AAAAAA8zMzADAwP8Af39/AAAAAAAAAAAAAAAAAAAAAAAAAAAAIQAAABgAAAAUAAAA0AIAAGcHAACEGwAAwRkAABAAAAAmAAAACAAAAD0gAAAAAAAA"/>
+                <pr:smNativeData xmlns:pr="smNativeData" xmlns="smNativeData" val="SMDATA_15_8sFZZRMAAAAlAAAAZAAAAA0AAAAAAAAAAAAAAAAAAAAAAAAAAAAAAAAAAAAAAAAAAAEAAABQAAAAAAAAAAAA4D8AAAAAAADgPwAAAAAAAOA/AAAAAAAA4D8AAAAAAADgPwAAAAAAAOA/AAAAAAAA4D8AAAAAAADgPwAAAAAAAOA/AAAAAAAA4D8CAAAAjAAAAAAAAAAAAAAA////AP///wgAAAAAAAAAAAAAAAAAAAAAAAAAAAAAAAAAAAAAeAAAAAEAAABAAAAAAAAAAAAAAABaAAAAAAAAAAAAAAAAAAAAAAAAAAAAAAAAAAAAAAAAAAAAAAAAAAAAAAAAAAAAAAAAAAAAAAAAAAAAAAAAAAAAAAAAAAAAAAAAAAAAFAAAADwAAAAAAAAAAAAAAAAAAAAPAAAAAQAAACMAAAAjAAAAIwAAAB4AAAAAAAAAZAAAAGQAAAAAAAAAZAAAAGQAAAAVAAAAYAAAAAAAAAAAAAAADwAAACADAAAAAAAAAAAAAAEAAACgMgAAVgcAAKr4//8BAAAAf39/AAEAAABkAAAAAAAAABQAAABAHwAAAAAAACYAAAAAAAAAwOD//wAAAAAmAAAAZAAAABYAAABMAAAAAAAAAAAAAAAEAAAAAAAAAAEAAADRSc4KAAAAACgAAAAoAAAAZAAAAGQAAAAAAAAAzMzMAAAAAABQAAAAUAAAAGQAAABkAAAAAAAAABcAAAAUAAAAAAAAAAAAAAD/fwAA/38AAAAAAAAJAAAABAAAAAAAAAAeAAAAaAAAAAAAAAAAAAAAAAAAAAAAAAAAAAAAECcAABAnAAAAAAAAAAAAAAAAAAAAAAAAAAAAAAAAAAAAAAAAAAAAABQAAAAAAAAAwMD/AAAAAABkAAAAMgAAAAAAAABkAAAAAAAAAH9/fwAKAAAAIgAAABgAAAAAAAAAAAAAAAAAAAAAAAAAAAAAAAAAAAAkAAAAJAAAAAAAAAAHAAAAAAAAAAAAAAAAAAAAAAAAAAAAAAAAAAAAf39/ACUAAABYAAAAAAAAAAAAAAAAAAAAAAAAAAAAAAAAAAAAAAAAAAAAAAAAAAAAAAAAAAAAAAA/AAAAAAAAAKCGAQAAAAAAAAAAAAAAAAAMAAAAAQAAAAAAAAAAAAAAAAAAAB8AAABUAAAA////AAAAAAEAAAAAAAAAAAAAAAAAAAAAAAAAAAAAAAAAAAAAAAAAAAAAAAB/f38AAAAAA8zMzADAwP8Af39/AAAAAAAAAAAAAAAAAAAAAAAAAAAAIQAAABgAAAAUAAAA0AIAAGcHAACEGwAAwRkAABAAAAAmAAAACAAAAD0gAAAAAAAA"/>
               </a:ext>
             </a:extLst>
           </p:cNvSpPr>
@@ -8712,7 +8615,7 @@
             <a:spLocks noGrp="1" noChangeArrowheads="1"/>
             <a:extLst>
               <a:ext uri="smNativeData">
-                <pr:smNativeData xmlns:pr="smNativeData" xmlns="smNativeData" val="SMDATA_15_37BZZRMAAAAlAAAAZAAAAA0AAAAAAAAAAAAAAAAAAAAAAAAAAAAAAAAAAAAAAAAAAAEAAABQAAAAAAAAAAAA4D8AAAAAAADgPwAAAAAAAOA/AAAAAAAA4D8AAAAAAADgPwAAAAAAAOA/AAAAAAAA4D8AAAAAAADgPwAAAAAAAOA/AAAAAAAA4D8CAAAAjAAAAAAAAAAAAAAA////AP///wgAAAAAAAAAAAAAAAAAAAAAAAAAAAAAAAAAAAAAeAAAAAEAAABAAAAAAAAAAAAAAABaAAAAAAAAAAAAAAAAAAAAAAAAAAAAAAAAAAAAAAAAAAAAAAAAAAAAAAAAAAAAAAAAAAAAAAAAAAAAAAAAAAAAAAAAAAAAAAAAAAAAFAAAADwAAAAAAAAAAAAAAAAAAAAPAAAAAQAAACMAAAAjAAAAIwAAAB4AAAAAAAAAZAAAAGQAAAAAAAAAZAAAAGQAAAAVAAAAYAAAAAAAAAAAAAAADwAAACADAAAAAAAAAAAAAAEAAACgMgAAVgcAAKr4//8BAAAAf39/AAEAAABkAAAAAAAAABQAAABAHwAAAAAAACYAAAAAAAAAwOD//wAAAAAmAAAAZAAAABYAAABMAAAAAAAAAAAAAAAEAAAAAAAAAAEAAADRSc4KAAAAACgAAAAoAAAAZAAAAGQAAAAAAAAAzMzMAAAAAABQAAAAUAAAAGQAAABkAAAAAAAAABcAAAAUAAAAAAAAAAAAAAD/fwAA/38AAAAAAAAJAAAABAAAAAAAAAAeAAAAaAAAAAAAAAAAAAAAAAAAAAAAAAAAAAAAECcAABAnAAAAAAAAAAAAAAAAAAAAAAAAAAAAAAAAAAAAAAAAAAAAABQAAAAAAAAAwMD/AAAAAABkAAAAMgAAAAAAAABkAAAAAAAAAH9/fwAKAAAAIgAAABgAAAAAAAAAAAAAAAAAAAAAAAAAAAAAAAAAAAAkAAAAJAAAAAAAAAAHAAAAAAAAAAAAAAAAAAAAAAAAAAAAAAAAAAAAf39/ACUAAABYAAAAAAAAAAAAAAAAAAAAAAAAAAAAAAAAAAAAAAAAAAAAAAAAAAAAAAAAAAAAAAA/AAAAAAAAAKCGAQAAAAAAAAAAAAAAAAAMAAAAAQAAAAAAAAAAAAAAAAAAAB8AAABUAAAA////AAAAAAEAAAAAAAAAAAAAAAAAAAAAAAAAAAAAAAAAAAAAAAAAAAAAAAB/f38AAAAAA8zMzADAwP8Af39/AAAAAAAAAAAAAAAAAAAAAAAAAAAAIQAAABgAAAAUAAAAwRwAAGcHAAB1NQAAKBAAABAAAAAmAAAACAAAAD0gAAAAAAAA"/>
+                <pr:smNativeData xmlns:pr="smNativeData" xmlns="smNativeData" val="SMDATA_15_8sFZZRMAAAAlAAAAZAAAAA0AAAAAAAAAAAAAAAAAAAAAAAAAAAAAAAAAAAAAAAAAAAEAAABQAAAAAAAAAAAA4D8AAAAAAADgPwAAAAAAAOA/AAAAAAAA4D8AAAAAAADgPwAAAAAAAOA/AAAAAAAA4D8AAAAAAADgPwAAAAAAAOA/AAAAAAAA4D8CAAAAjAAAAAAAAAAAAAAA////AP///wgAAAAAAAAAAAAAAAAAAAAAAAAAAAAAAAAAAAAAeAAAAAEAAABAAAAAAAAAAAAAAABaAAAAAAAAAAAAAAAAAAAAAAAAAAAAAAAAAAAAAAAAAAAAAAAAAAAAAAAAAAAAAAAAAAAAAAAAAAAAAAAAAAAAAAAAAAAAAAAAAAAAFAAAADwAAAAAAAAAAAAAAAAAAAAPAAAAAQAAACMAAAAjAAAAIwAAAB4AAAAAAAAAZAAAAGQAAAAAAAAAZAAAAGQAAAAVAAAAYAAAAAAAAAAAAAAADwAAACADAAAAAAAAAAAAAAEAAACgMgAAVgcAAKr4//8BAAAAf39/AAEAAABkAAAAAAAAABQAAABAHwAAAAAAACYAAAAAAAAAwOD//wAAAAAmAAAAZAAAABYAAABMAAAAAAAAAAAAAAAEAAAAAAAAAAEAAADRSc4KAAAAACgAAAAoAAAAZAAAAGQAAAAAAAAAzMzMAAAAAABQAAAAUAAAAGQAAABkAAAAAAAAABcAAAAUAAAAAAAAAAAAAAD/fwAA/38AAAAAAAAJAAAABAAAAAAAAAAeAAAAaAAAAAAAAAAAAAAAAAAAAAAAAAAAAAAAECcAABAnAAAAAAAAAAAAAAAAAAAAAAAAAAAAAAAAAAAAAAAAAAAAABQAAAAAAAAAwMD/AAAAAABkAAAAMgAAAAAAAABkAAAAAAAAAH9/fwAKAAAAIgAAABgAAAAAAAAAAAAAAAAAAAAAAAAAAAAAAAAAAAAkAAAAJAAAAAAAAAAHAAAAAAAAAAAAAAAAAAAAAAAAAAAAAAAAAAAAf39/ACUAAABYAAAAAAAAAAAAAAAAAAAAAAAAAAAAAAAAAAAAAAAAAAAAAAAAAAAAAAAAAAAAAAA/AAAAAAAAAKCGAQAAAAAAAAAAAAAAAAAMAAAAAQAAAAAAAAAAAAAAAAAAAB8AAABUAAAA////AAAAAAEAAAAAAAAAAAAAAAAAAAAAAAAAAAAAAAAAAAAAAAAAAAAAAAB/f38AAAAAA8zMzADAwP8Af39/AAAAAAAAAAAAAAAAAAAAAAAAAAAAIQAAABgAAAAUAAAAwRwAAGcHAAB1NQAAKBAAABAAAAAmAAAACAAAAD0gAAAAAAAA"/>
               </a:ext>
             </a:extLst>
           </p:cNvSpPr>
@@ -8745,7 +8648,7 @@
             <a:spLocks noGrp="1" noChangeArrowheads="1"/>
             <a:extLst>
               <a:ext uri="smNativeData">
-                <pr:smNativeData xmlns:pr="smNativeData" xmlns="smNativeData" val="SMDATA_15_37BZZRMAAAAlAAAAZAAAAA0AAAAAAAAAAAAAAAAAAAAAAAAAAAAAAAAAAAAAAAAAAAEAAABQAAAAAAAAAAAA4D8AAAAAAADgPwAAAAAAAOA/AAAAAAAA4D8AAAAAAADgPwAAAAAAAOA/AAAAAAAA4D8AAAAAAADgPwAAAAAAAOA/AAAAAAAA4D8CAAAAjAAAAAAAAAAAAAAA////AP///wgAAAAAAAAAAAAAAAAAAAAAAAAAAAAAAAAAAAAAeAAAAAEAAABAAAAAAAAAAAAAAABaAAAAAAAAAAAAAAAAAAAAAAAAAAAAAAAAAAAAAAAAAAAAAAAAAAAAAAAAAAAAAAAAAAAAAAAAAAAAAAAAAAAAAAAAAAAAAAAAAAAAFAAAADwAAAAAAAAAAAAAAAAAAAAPAAAAAQAAACMAAAAjAAAAIwAAAB4AAAAAAAAAZAAAAGQAAAAAAAAAZAAAAGQAAAAVAAAAYAAAAAAAAAAAAAAADwAAACADAAAAAAAAAAAAAAEAAACgMgAAVgcAAKr4//8BAAAAf39/AAEAAABkAAAAAAAAABQAAABAHwAAAAAAACYAAAAAAAAAwOD//wAAAAAmAAAAZAAAABYAAABMAAAAAAAAAAAAAAAEAAAAAAAAAAEAAADRSc4KAAAAACgAAAAoAAAAZAAAAGQAAAAAAAAAzMzMAAAAAABQAAAAUAAAAGQAAABkAAAAAAAAABcAAAAUAAAAAAAAAAAAAAD/fwAA/38AAAAAAAAJAAAABAAAAAAAAAAeAAAAaAAAAAAAAAAAAAAAAAAAAAAAAAAAAAAAECcAABAnAAAAAAAAAAAAAAAAAAAAAAAAAAAAAAAAAAAAAAAAAAAAABQAAAAAAAAAwMD/AAAAAABkAAAAMgAAAAAAAABkAAAAAAAAAH9/fwAKAAAAIgAAABgAAAAAAAAAAAAAAAAAAAAAAAAAAAAAAAAAAAAkAAAAJAAAAAAAAAAHAAAAAAAAAAAAAAAAAAAAAAAAAAAAAAAAAAAAf39/ACUAAABYAAAAAAAAAAAAAAAAAAAAAAAAAAAAAAAAAAAAAAAAAAAAAAAAAAAAAAAAAAAAAAA/AAAAAAAAAKCGAQAAAAAAAAAAAAAAAAAMAAAAAQAAAAAAAAAAAAAAAAAAAB8AAABUAAAA////AAAAAAEAAAAAAAAAAAAAAAAAAAAAAAAAAAAAAAAAAAAAAAAAAAAAAAB/f38AAAAAA8zMzADAwP8Af39/AAAAAAAAAAAAAAAAAAAAAAAAAAAAIQAAABgAAAAUAAAAwRwAAP0QAAB1NQAAvhkAABAAAAAmAAAACAAAAD0gAAAAAAAA"/>
+                <pr:smNativeData xmlns:pr="smNativeData" xmlns="smNativeData" val="SMDATA_15_8sFZZRMAAAAlAAAAZAAAAA0AAAAAAAAAAAAAAAAAAAAAAAAAAAAAAAAAAAAAAAAAAAEAAABQAAAAAAAAAAAA4D8AAAAAAADgPwAAAAAAAOA/AAAAAAAA4D8AAAAAAADgPwAAAAAAAOA/AAAAAAAA4D8AAAAAAADgPwAAAAAAAOA/AAAAAAAA4D8CAAAAjAAAAAAAAAAAAAAA////AP///wgAAAAAAAAAAAAAAAAAAAAAAAAAAAAAAAAAAAAAeAAAAAEAAABAAAAAAAAAAAAAAABaAAAAAAAAAAAAAAAAAAAAAAAAAAAAAAAAAAAAAAAAAAAAAAAAAAAAAAAAAAAAAAAAAAAAAAAAAAAAAAAAAAAAAAAAAAAAAAAAAAAAFAAAADwAAAAAAAAAAAAAAAAAAAAPAAAAAQAAACMAAAAjAAAAIwAAAB4AAAAAAAAAZAAAAGQAAAAAAAAAZAAAAGQAAAAVAAAAYAAAAAAAAAAAAAAADwAAACADAAAAAAAAAAAAAAEAAACgMgAAVgcAAKr4//8BAAAAf39/AAEAAABkAAAAAAAAABQAAABAHwAAAAAAACYAAAAAAAAAwOD//wAAAAAmAAAAZAAAABYAAABMAAAAAAAAAAAAAAAEAAAAAAAAAAEAAADRSc4KAAAAACgAAAAoAAAAZAAAAGQAAAAAAAAAzMzMAAAAAABQAAAAUAAAAGQAAABkAAAAAAAAABcAAAAUAAAAAAAAAAAAAAD/fwAA/38AAAAAAAAJAAAABAAAAAAAAAAeAAAAaAAAAAAAAAAAAAAAAAAAAAAAAAAAAAAAECcAABAnAAAAAAAAAAAAAAAAAAAAAAAAAAAAAAAAAAAAAAAAAAAAABQAAAAAAAAAwMD/AAAAAABkAAAAMgAAAAAAAABkAAAAAAAAAH9/fwAKAAAAIgAAABgAAAAAAAAAAAAAAAAAAAAAAAAAAAAAAAAAAAAkAAAAJAAAAAAAAAAHAAAAAAAAAAAAAAAAAAAAAAAAAAAAAAAAAAAAf39/ACUAAABYAAAAAAAAAAAAAAAAAAAAAAAAAAAAAAAAAAAAAAAAAAAAAAAAAAAAAAAAAAAAAAA/AAAAAAAAAKCGAQAAAAAAAAAAAAAAAAAMAAAAAQAAAAAAAAAAAAAAAAAAAB8AAABUAAAA////AAAAAAEAAAAAAAAAAAAAAAAAAAAAAAAAAAAAAAAAAAAAAAAAAAAAAAB/f38AAAAAA8zMzADAwP8Af39/AAAAAAAAAAAAAAAAAAAAAAAAAAAAIQAAABgAAAAUAAAAwRwAAP0QAAB1NQAAvhkAABAAAAAmAAAACAAAAD0gAAAAAAAA"/>
               </a:ext>
             </a:extLst>
           </p:cNvSpPr>
@@ -8803,7 +8706,7 @@
             <a:spLocks noGrp="1" noChangeArrowheads="1"/>
             <a:extLst>
               <a:ext uri="smNativeData">
-                <pr:smNativeData xmlns:pr="smNativeData" xmlns="smNativeData" val="SMDATA_15_37BZZRMAAAAlAAAAZAAAAE0AAAAAAAAAAAAAAAAAAAAAAAAAAAAAAAABAAAAAAAAAAEAAABQAAAAAAAAAAAA4D8AAAAAAADgPwAAAAAAAOA/AAAAAAAA4D8AAAAAAADgPwAAAAAAAOA/AAAAAAAA4D8AAAAAAADgPwAAAAAAAOA/AAAAAAAA4D8CAAAAjAAAAAAAAAAAAAAA////AP///wgAAAAAAAAAAAAAAAAAAAAAAAAAAAAAAAAAAAAAeAAAAAEAAABAAAAAAAAAAAAAAABaAAAAAAAAAAAAAAAAAAAAAAAAAAAAAAAAAAAAAAAAAAAAAAAAAAAAAAAAAAAAAAAAAAAAAAAAAAAAAAAAAAAAAAAAAAAAAAAAAAAAFAAAADwAAAAAAAAAAAAAAAAAAAAPAAAAAQAAACMAAAAjAAAAIwAAAB4AAAAAAAAAZAAAAGQAAAAAAAAAZAAAAGQAAAAVAAAAYAAAAAAAAAAAAAAADwAAACADAAAAAAAAAAAAAAEAAACgMgAAVgcAAKr4//8BAAAAf39/AAEAAABkAAAAAAAAABQAAABAHwAAAAAAACYAAAAAAAAAwOD//wAAAAAmAAAAZAAAABYAAABMAAAAAAAAAAAAAAAEAAAAAAAAAAEAAADRSc4KAAAAACgAAAAoAAAAZAAAAGQAAAAAAAAAzMzMAAAAAABQAAAAUAAAAGQAAABkAAAAAAAAABcAAAAUAAAAAAAAAAAAAAD/fwAA/38AAAAAAAAJAAAABAAAAAAAAAAeAAAAaAAAAAAAAAAAAAAAAAAAAAAAAAAAAAAAECcAABAnAAAAAAAAAAAAAAAAAAAAAAAAAAAAAAAAAAAAAAAAAAAAABQAAAAAAAAAwMD/AAAAAABkAAAAMgAAAAAAAABkAAAAAAAAAH9/fwAKAAAAIgAAABgAAAAAAAAAAAAAAAAAAAAAAAAAAAAAAAAAAAAkAAAAJAAAAAAAAAAHAAAAAAAAAAAAAAAAAAAAAAAAAAAAAAAAAAAAf39/ACUAAABYAAAAAAAAAAAAAAAAAAAAAAAAAAAAAAAAAAAAAAAAAAAAAAAAAAAAAAAAAAAAAAA/AAAAAAAAAKCGAQAAAAAAAAAAAAAAAAAMAAAAAQAAAAAAAAAAAAAAAAAAAB8AAABUAAAA////AAAAAAEAAAAAAAAAAAAAAAAAAAAAAAAAAAAAAAAAAAAAAAAAAAAAAAB/f38AAAAAA8zMzADAwP8Af39/AAAAAAAAAAAAAAAAAAAAAAAAAAAAIQAAABgAAAAUAAAA0AIAAA8AAABvNQAAwAcAABAgAAAmAAAACAAAAD0gAAAAAAAA"/>
+                <pr:smNativeData xmlns:pr="smNativeData" xmlns="smNativeData" val="SMDATA_15_8sFZZRMAAAAlAAAAZAAAAE0AAAAAAAAAAAAAAAAAAAAAAAAAAAAAAAABAAAAAAAAAAEAAABQAAAAAAAAAAAA4D8AAAAAAADgPwAAAAAAAOA/AAAAAAAA4D8AAAAAAADgPwAAAAAAAOA/AAAAAAAA4D8AAAAAAADgPwAAAAAAAOA/AAAAAAAA4D8CAAAAjAAAAAAAAAAAAAAA////AP///wgAAAAAAAAAAAAAAAAAAAAAAAAAAAAAAAAAAAAAeAAAAAEAAABAAAAAAAAAAAAAAABaAAAAAAAAAAAAAAAAAAAAAAAAAAAAAAAAAAAAAAAAAAAAAAAAAAAAAAAAAAAAAAAAAAAAAAAAAAAAAAAAAAAAAAAAAAAAAAAAAAAAFAAAADwAAAAAAAAAAAAAAAAAAAAPAAAAAQAAACMAAAAjAAAAIwAAAB4AAAAAAAAAZAAAAGQAAAAAAAAAZAAAAGQAAAAVAAAAYAAAAAAAAAAAAAAADwAAACADAAAAAAAAAAAAAAEAAACgMgAAVgcAAKr4//8BAAAAf39/AAEAAABkAAAAAAAAABQAAABAHwAAAAAAACYAAAAAAAAAwOD//wAAAAAmAAAAZAAAABYAAABMAAAAAAAAAAAAAAAEAAAAAAAAAAEAAADRSc4KAAAAACgAAAAoAAAAZAAAAGQAAAAAAAAAzMzMAAAAAABQAAAAUAAAAGQAAABkAAAAAAAAABcAAAAUAAAAAAAAAAAAAAD/fwAA/38AAAAAAAAJAAAABAAAAAAAAAAeAAAAaAAAAAAAAAAAAAAAAAAAAAAAAAAAAAAAECcAABAnAAAAAAAAAAAAAAAAAAAAAAAAAAAAAAAAAAAAAAAAAAAAABQAAAAAAAAAwMD/AAAAAABkAAAAMgAAAAAAAABkAAAAAAAAAH9/fwAKAAAAIgAAABgAAAAAAAAAAAAAAAAAAAAAAAAAAAAAAAAAAAAkAAAAJAAAAAAAAAAHAAAAAAAAAAAAAAAAAAAAAAAAAAAAAAAAAAAAf39/ACUAAABYAAAAAAAAAAAAAAAAAAAAAAAAAAAAAAAAAAAAAAAAAAAAAAAAAAAAAAAAAAAAAAA/AAAAAAAAAKCGAQAAAAAAAAAAAAAAAAAMAAAAAQAAAAAAAAAAAAAAAAAAAB8AAABUAAAA////AAAAAAEAAAAAAAAAAAAAAAAAAAAAAAAAAAAAAAAAAAAAAAAAAAAAAAB/f38AAAAAA8zMzADAwP8Af39/AAAAAAAAAAAAAAAAAAAAAAAAAAAAIQAAABgAAAAUAAAA0AIAAA8AAABvNQAAwAcAABAgAAAmAAAACAAAAD0gAAAAAAAA"/>
               </a:ext>
             </a:extLst>
           </p:cNvSpPr>
@@ -8836,7 +8739,7 @@
             <a:spLocks noGrp="1" noChangeArrowheads="1"/>
             <a:extLst>
               <a:ext uri="smNativeData">
-                <pr:smNativeData xmlns:pr="smNativeData" xmlns="smNativeData" val="SMDATA_15_37BZZRMAAAAlAAAAZAAAAA0AAAAAAAAAAAAAAAAAAAAAAAAAAAAAAAAAAAAAAAAAAAEAAABQAAAAAAAAAAAA4D8AAAAAAADgPwAAAAAAAOA/AAAAAAAA4D8AAAAAAADgPwAAAAAAAOA/AAAAAAAA4D8AAAAAAADgPwAAAAAAAOA/AAAAAAAA4D8CAAAAjAAAAAAAAAAAAAAA////AP///wgAAAAAAAAAAAAAAAAAAAAAAAAAAAAAAAAAAAAAeAAAAAEAAABAAAAAAAAAAAAAAABaAAAAAAAAAAAAAAAAAAAAAAAAAAAAAAAAAAAAAAAAAAAAAAAAAAAAAAAAAAAAAAAAAAAAAAAAAAAAAAAAAAAAAAAAAAAAAAAAAAAAFAAAADwAAAAAAAAAAAAAAAAAAAAPAAAAAQAAACMAAAAjAAAAIwAAAB4AAAAAAAAAZAAAAGQAAAAAAAAAZAAAAGQAAAAVAAAAYAAAAAAAAAAAAAAADwAAACADAAAAAAAAAAAAAAEAAACgMgAAVgcAAKr4//8BAAAAf39/AAEAAABkAAAAAAAAABQAAABAHwAAAAAAACYAAAAAAAAAwOD//wAAAAAmAAAAZAAAABYAAABMAAAAAAAAAAAAAAAEAAAAAAAAAAEAAADRSc4KAAAAACgAAAAoAAAAZAAAAGQAAAAAAAAAzMzMAAAAAABQAAAAUAAAAGQAAABkAAAAAAAAABcAAAAUAAAAAAAAAAAAAAD/fwAA/38AAAAAAAAJAAAABAAAAAAAAAAeAAAAaAAAAAAAAAAAAAAAAAAAAAAAAAAAAAAAECcAABAnAAAAAAAAAAAAAAAAAAAAAAAAAAAAAAAAAAAAAAAAAAAAABQAAAAAAAAAwMD/AAAAAABkAAAAMgAAAAAAAABkAAAAAAAAAH9/fwAKAAAAIgAAABgAAAAAAAAAAAAAAAAAAAAAAAAAAAAAAAAAAAAkAAAAJAAAAAAAAAAHAAAAAAAAAAAAAAAAAAAAAAAAAAAAAAAAAAAAf39/ACUAAABYAAAAAAAAAAAAAAAAAAAAAAAAAAAAAAAAAAAAAAAAAAAAAAAAAAAAAAAAAAAAAAA/AAAAAAAAAKCGAQAAAAAAAAAAAAAAAAAMAAAAAQAAAAAAAAAAAAAAAAAAAB8AAABUAAAA////AAAAAAEAAAAAAAAAAAAAAAAAAAAAAAAAAAAAAAAAAAAAAAAAAAAAAAB/f38AAAAAA8zMzADAwP8Af39/AAAAAAAAAAAAAAAAAAAAAAAAAAAAIQAAABgAAAAUAAAA0AIAAGcHAACEGwAAKBAAABAAAAAmAAAACAAAAD0gAAAAAAAA"/>
+                <pr:smNativeData xmlns:pr="smNativeData" xmlns="smNativeData" val="SMDATA_15_8sFZZRMAAAAlAAAAZAAAAA0AAAAAAAAAAAAAAAAAAAAAAAAAAAAAAAAAAAAAAAAAAAEAAABQAAAAAAAAAAAA4D8AAAAAAADgPwAAAAAAAOA/AAAAAAAA4D8AAAAAAADgPwAAAAAAAOA/AAAAAAAA4D8AAAAAAADgPwAAAAAAAOA/AAAAAAAA4D8CAAAAjAAAAAAAAAAAAAAA////AP///wgAAAAAAAAAAAAAAAAAAAAAAAAAAAAAAAAAAAAAeAAAAAEAAABAAAAAAAAAAAAAAABaAAAAAAAAAAAAAAAAAAAAAAAAAAAAAAAAAAAAAAAAAAAAAAAAAAAAAAAAAAAAAAAAAAAAAAAAAAAAAAAAAAAAAAAAAAAAAAAAAAAAFAAAADwAAAAAAAAAAAAAAAAAAAAPAAAAAQAAACMAAAAjAAAAIwAAAB4AAAAAAAAAZAAAAGQAAAAAAAAAZAAAAGQAAAAVAAAAYAAAAAAAAAAAAAAADwAAACADAAAAAAAAAAAAAAEAAACgMgAAVgcAAKr4//8BAAAAf39/AAEAAABkAAAAAAAAABQAAABAHwAAAAAAACYAAAAAAAAAwOD//wAAAAAmAAAAZAAAABYAAABMAAAAAAAAAAAAAAAEAAAAAAAAAAEAAADRSc4KAAAAACgAAAAoAAAAZAAAAGQAAAAAAAAAzMzMAAAAAABQAAAAUAAAAGQAAABkAAAAAAAAABcAAAAUAAAAAAAAAAAAAAD/fwAA/38AAAAAAAAJAAAABAAAAAAAAAAeAAAAaAAAAAAAAAAAAAAAAAAAAAAAAAAAAAAAECcAABAnAAAAAAAAAAAAAAAAAAAAAAAAAAAAAAAAAAAAAAAAAAAAABQAAAAAAAAAwMD/AAAAAABkAAAAMgAAAAAAAABkAAAAAAAAAH9/fwAKAAAAIgAAABgAAAAAAAAAAAAAAAAAAAAAAAAAAAAAAAAAAAAkAAAAJAAAAAAAAAAHAAAAAAAAAAAAAAAAAAAAAAAAAAAAAAAAAAAAf39/ACUAAABYAAAAAAAAAAAAAAAAAAAAAAAAAAAAAAAAAAAAAAAAAAAAAAAAAAAAAAAAAAAAAAA/AAAAAAAAAKCGAQAAAAAAAAAAAAAAAAAMAAAAAQAAAAAAAAAAAAAAAAAAAB8AAABUAAAA////AAAAAAEAAAAAAAAAAAAAAAAAAAAAAAAAAAAAAAAAAAAAAAAAAAAAAAB/f38AAAAAA8zMzADAwP8Af39/AAAAAAAAAAAAAAAAAAAAAAAAAAAAIQAAABgAAAAUAAAA0AIAAGcHAACEGwAAKBAAABAAAAAmAAAACAAAAD0gAAAAAAAA"/>
               </a:ext>
             </a:extLst>
           </p:cNvSpPr>
@@ -8869,7 +8772,7 @@
             <a:spLocks noGrp="1" noChangeArrowheads="1"/>
             <a:extLst>
               <a:ext uri="smNativeData">
-                <pr:smNativeData xmlns:pr="smNativeData" xmlns="smNativeData" val="SMDATA_15_37BZZRMAAAAlAAAAZAAAAA0AAAAAAAAAAAAAAAAAAAAAAAAAAAAAAAAAAAAAAAAAAAEAAABQAAAAAAAAAAAA4D8AAAAAAADgPwAAAAAAAOA/AAAAAAAA4D8AAAAAAADgPwAAAAAAAOA/AAAAAAAA4D8AAAAAAADgPwAAAAAAAOA/AAAAAAAA4D8CAAAAjAAAAAAAAAAAAAAA////AP///wgAAAAAAAAAAAAAAAAAAAAAAAAAAAAAAAAAAAAAeAAAAAEAAABAAAAAAAAAAAAAAABaAAAAAAAAAAAAAAAAAAAAAAAAAAAAAAAAAAAAAAAAAAAAAAAAAAAAAAAAAAAAAAAAAAAAAAAAAAAAAAAAAAAAAAAAAAAAAAAAAAAAFAAAADwAAAAAAAAAAAAAAAAAAAAPAAAAAQAAACMAAAAjAAAAIwAAAB4AAAAAAAAAZAAAAGQAAAAAAAAAZAAAAGQAAAAVAAAAYAAAAAAAAAAAAAAADwAAACADAAAAAAAAAAAAAAEAAACgMgAAVgcAAKr4//8BAAAAf39/AAEAAABkAAAAAAAAABQAAABAHwAAAAAAACYAAAAAAAAAwOD//wAAAAAmAAAAZAAAABYAAABMAAAAAAAAAAAAAAAEAAAAAAAAAAEAAADRSc4KAAAAACgAAAAoAAAAZAAAAGQAAAAAAAAAzMzMAAAAAABQAAAAUAAAAGQAAABkAAAAAAAAABcAAAAUAAAAAAAAAAAAAAD/fwAA/38AAAAAAAAJAAAABAAAAAAAAAAeAAAAaAAAAAAAAAAAAAAAAAAAAAAAAAAAAAAAECcAABAnAAAAAAAAAAAAAAAAAAAAAAAAAAAAAAAAAAAAAAAAAAAAABQAAAAAAAAAwMD/AAAAAABkAAAAMgAAAAAAAABkAAAAAAAAAH9/fwAKAAAAIgAAABgAAAAAAAAAAAAAAAAAAAAAAAAAAAAAAAAAAAAkAAAAJAAAAAAAAAAHAAAAAAAAAAAAAAAAAAAAAAAAAAAAAAAAAAAAf39/ACUAAABYAAAAAAAAAAAAAAAAAAAAAAAAAAAAAAAAAAAAAAAAAAAAAAAAAAAAAAAAAAAAAAA/AAAAAAAAAKCGAQAAAAAAAAAAAAAAAAAMAAAAAQAAAAAAAAAAAAAAAAAAAB8AAABUAAAA////AAAAAAEAAAAAAAAAAAAAAAAAAAAAAAAAAAAAAAAAAAAAAAAAAAAAAAB/f38AAAAAA8zMzADAwP8Af39/AAAAAAAAAAAAAAAAAAAAAAAAAAAAIQAAABgAAAAUAAAAwRwAAGcHAAB1NQAAKBAAABAAAAAmAAAACAAAAD0gAAAAAAAA"/>
+                <pr:smNativeData xmlns:pr="smNativeData" xmlns="smNativeData" val="SMDATA_15_8sFZZRMAAAAlAAAAZAAAAA0AAAAAAAAAAAAAAAAAAAAAAAAAAAAAAAAAAAAAAAAAAAEAAABQAAAAAAAAAAAA4D8AAAAAAADgPwAAAAAAAOA/AAAAAAAA4D8AAAAAAADgPwAAAAAAAOA/AAAAAAAA4D8AAAAAAADgPwAAAAAAAOA/AAAAAAAA4D8CAAAAjAAAAAAAAAAAAAAA////AP///wgAAAAAAAAAAAAAAAAAAAAAAAAAAAAAAAAAAAAAeAAAAAEAAABAAAAAAAAAAAAAAABaAAAAAAAAAAAAAAAAAAAAAAAAAAAAAAAAAAAAAAAAAAAAAAAAAAAAAAAAAAAAAAAAAAAAAAAAAAAAAAAAAAAAAAAAAAAAAAAAAAAAFAAAADwAAAAAAAAAAAAAAAAAAAAPAAAAAQAAACMAAAAjAAAAIwAAAB4AAAAAAAAAZAAAAGQAAAAAAAAAZAAAAGQAAAAVAAAAYAAAAAAAAAAAAAAADwAAACADAAAAAAAAAAAAAAEAAACgMgAAVgcAAKr4//8BAAAAf39/AAEAAABkAAAAAAAAABQAAABAHwAAAAAAACYAAAAAAAAAwOD//wAAAAAmAAAAZAAAABYAAABMAAAAAAAAAAAAAAAEAAAAAAAAAAEAAADRSc4KAAAAACgAAAAoAAAAZAAAAGQAAAAAAAAAzMzMAAAAAABQAAAAUAAAAGQAAABkAAAAAAAAABcAAAAUAAAAAAAAAAAAAAD/fwAA/38AAAAAAAAJAAAABAAAAAAAAAAeAAAAaAAAAAAAAAAAAAAAAAAAAAAAAAAAAAAAECcAABAnAAAAAAAAAAAAAAAAAAAAAAAAAAAAAAAAAAAAAAAAAAAAABQAAAAAAAAAwMD/AAAAAABkAAAAMgAAAAAAAABkAAAAAAAAAH9/fwAKAAAAIgAAABgAAAAAAAAAAAAAAAAAAAAAAAAAAAAAAAAAAAAkAAAAJAAAAAAAAAAHAAAAAAAAAAAAAAAAAAAAAAAAAAAAAAAAAAAAf39/ACUAAABYAAAAAAAAAAAAAAAAAAAAAAAAAAAAAAAAAAAAAAAAAAAAAAAAAAAAAAAAAAAAAAA/AAAAAAAAAKCGAQAAAAAAAAAAAAAAAAAMAAAAAQAAAAAAAAAAAAAAAAAAAB8AAABUAAAA////AAAAAAEAAAAAAAAAAAAAAAAAAAAAAAAAAAAAAAAAAAAAAAAAAAAAAAB/f38AAAAAA8zMzADAwP8Af39/AAAAAAAAAAAAAAAAAAAAAAAAAAAAIQAAABgAAAAUAAAAwRwAAGcHAAB1NQAAKBAAABAAAAAmAAAACAAAAD0gAAAAAAAA"/>
               </a:ext>
             </a:extLst>
           </p:cNvSpPr>
@@ -8902,7 +8805,7 @@
             <a:spLocks noGrp="1" noChangeArrowheads="1"/>
             <a:extLst>
               <a:ext uri="smNativeData">
-                <pr:smNativeData xmlns:pr="smNativeData" xmlns="smNativeData" val="SMDATA_15_37BZZRMAAAAlAAAAZAAAAA0AAAAAAAAAAAAAAAAAAAAAAAAAAAAAAAAAAAAAAAAAAAEAAABQAAAAAAAAAAAA4D8AAAAAAADgPwAAAAAAAOA/AAAAAAAA4D8AAAAAAADgPwAAAAAAAOA/AAAAAAAA4D8AAAAAAADgPwAAAAAAAOA/AAAAAAAA4D8CAAAAjAAAAAAAAAAAAAAA////AP///wgAAAAAAAAAAAAAAAAAAAAAAAAAAAAAAAAAAAAAeAAAAAEAAABAAAAAAAAAAAAAAABaAAAAAAAAAAAAAAAAAAAAAAAAAAAAAAAAAAAAAAAAAAAAAAAAAAAAAAAAAAAAAAAAAAAAAAAAAAAAAAAAAAAAAAAAAAAAAAAAAAAAFAAAADwAAAAAAAAAAAAAAAAAAAAPAAAAAQAAACMAAAAjAAAAIwAAAB4AAAAAAAAAZAAAAGQAAAAAAAAAZAAAAGQAAAAVAAAAYAAAAAAAAAAAAAAADwAAACADAAAAAAAAAAAAAAEAAACgMgAAVgcAAKr4//8BAAAAf39/AAEAAABkAAAAAAAAABQAAABAHwAAAAAAACYAAAAAAAAAwOD//wAAAAAmAAAAZAAAABYAAABMAAAAAAAAAAAAAAAEAAAAAAAAAAEAAADRSc4KAAAAACgAAAAoAAAAZAAAAGQAAAAAAAAAzMzMAAAAAABQAAAAUAAAAGQAAABkAAAAAAAAABcAAAAUAAAAAAAAAAAAAAD/fwAA/38AAAAAAAAJAAAABAAAAAAAAAAeAAAAaAAAAAAAAAAAAAAAAAAAAAAAAAAAAAAAECcAABAnAAAAAAAAAAAAAAAAAAAAAAAAAAAAAAAAAAAAAAAAAAAAABQAAAAAAAAAwMD/AAAAAABkAAAAMgAAAAAAAABkAAAAAAAAAH9/fwAKAAAAIgAAABgAAAAAAAAAAAAAAAAAAAAAAAAAAAAAAAAAAAAkAAAAJAAAAAAAAAAHAAAAAAAAAAAAAAAAAAAAAAAAAAAAAAAAAAAAf39/ACUAAABYAAAAAAAAAAAAAAAAAAAAAAAAAAAAAAAAAAAAAAAAAAAAAAAAAAAAAAAAAAAAAAA/AAAAAAAAAKCGAQAAAAAAAAAAAAAAAAAMAAAAAQAAAAAAAAAAAAAAAAAAAB8AAABUAAAA////AAAAAAEAAAAAAAAAAAAAAAAAAAAAAAAAAAAAAAAAAAAAAAAAAAAAAAB/f38AAAAAA8zMzADAwP8Af39/AAAAAAAAAAAAAAAAAAAAAAAAAAAAIQAAABgAAAAUAAAA0AIAAP0QAABvNQAAvhkAABAAAAAmAAAACAAAAD0gAAAAAAAA"/>
+                <pr:smNativeData xmlns:pr="smNativeData" xmlns="smNativeData" val="SMDATA_15_8sFZZRMAAAAlAAAAZAAAAA0AAAAAAAAAAAAAAAAAAAAAAAAAAAAAAAAAAAAAAAAAAAEAAABQAAAAAAAAAAAA4D8AAAAAAADgPwAAAAAAAOA/AAAAAAAA4D8AAAAAAADgPwAAAAAAAOA/AAAAAAAA4D8AAAAAAADgPwAAAAAAAOA/AAAAAAAA4D8CAAAAjAAAAAAAAAAAAAAA////AP///wgAAAAAAAAAAAAAAAAAAAAAAAAAAAAAAAAAAAAAeAAAAAEAAABAAAAAAAAAAAAAAABaAAAAAAAAAAAAAAAAAAAAAAAAAAAAAAAAAAAAAAAAAAAAAAAAAAAAAAAAAAAAAAAAAAAAAAAAAAAAAAAAAAAAAAAAAAAAAAAAAAAAFAAAADwAAAAAAAAAAAAAAAAAAAAPAAAAAQAAACMAAAAjAAAAIwAAAB4AAAAAAAAAZAAAAGQAAAAAAAAAZAAAAGQAAAAVAAAAYAAAAAAAAAAAAAAADwAAACADAAAAAAAAAAAAAAEAAACgMgAAVgcAAKr4//8BAAAAf39/AAEAAABkAAAAAAAAABQAAABAHwAAAAAAACYAAAAAAAAAwOD//wAAAAAmAAAAZAAAABYAAABMAAAAAAAAAAAAAAAEAAAAAAAAAAEAAADRSc4KAAAAACgAAAAoAAAAZAAAAGQAAAAAAAAAzMzMAAAAAABQAAAAUAAAAGQAAABkAAAAAAAAABcAAAAUAAAAAAAAAAAAAAD/fwAA/38AAAAAAAAJAAAABAAAAAAAAAAeAAAAaAAAAAAAAAAAAAAAAAAAAAAAAAAAAAAAECcAABAnAAAAAAAAAAAAAAAAAAAAAAAAAAAAAAAAAAAAAAAAAAAAABQAAAAAAAAAwMD/AAAAAABkAAAAMgAAAAAAAABkAAAAAAAAAH9/fwAKAAAAIgAAABgAAAAAAAAAAAAAAAAAAAAAAAAAAAAAAAAAAAAkAAAAJAAAAAAAAAAHAAAAAAAAAAAAAAAAAAAAAAAAAAAAAAAAAAAAf39/ACUAAABYAAAAAAAAAAAAAAAAAAAAAAAAAAAAAAAAAAAAAAAAAAAAAAAAAAAAAAAAAAAAAAA/AAAAAAAAAKCGAQAAAAAAAAAAAAAAAAAMAAAAAQAAAAAAAAAAAAAAAAAAAB8AAABUAAAA////AAAAAAEAAAAAAAAAAAAAAAAAAAAAAAAAAAAAAAAAAAAAAAAAAAAAAAB/f38AAAAAA8zMzADAwP8Af39/AAAAAAAAAAAAAAAAAAAAAAAAAAAAIQAAABgAAAAUAAAA0AIAAP0QAABvNQAAvhkAABAAAAAmAAAACAAAAD0gAAAAAAAA"/>
               </a:ext>
             </a:extLst>
           </p:cNvSpPr>
@@ -8960,7 +8863,7 @@
             <a:spLocks noGrp="1" noChangeArrowheads="1"/>
             <a:extLst>
               <a:ext uri="smNativeData">
-                <pr:smNativeData xmlns:pr="smNativeData" xmlns="smNativeData" val="SMDATA_15_37BZZRMAAAAlAAAAZAAAAE0AAAAAAAAAAAAAAAAAAAAAAAAAAAAAAAABAAAAAAAAAAEAAABQAAAAAAAAAAAA4D8AAAAAAADgPwAAAAAAAOA/AAAAAAAA4D8AAAAAAADgPwAAAAAAAOA/AAAAAAAA4D8AAAAAAADgPwAAAAAAAOA/AAAAAAAA4D8CAAAAjAAAAAAAAAAAAAAA////AP///wgAAAAAAAAAAAAAAAAAAAAAAAAAAAAAAAAAAAAAeAAAAAEAAABAAAAAAAAAAAAAAABaAAAAAAAAAAAAAAAAAAAAAAAAAAAAAAAAAAAAAAAAAAAAAAAAAAAAAAAAAAAAAAAAAAAAAAAAAAAAAAAAAAAAAAAAAAAAAAAAAAAAFAAAADwAAAAAAAAAAAAAAAAAAAAPAAAAAQAAACMAAAAjAAAAIwAAAB4AAAAAAAAAZAAAAGQAAAAAAAAAZAAAAGQAAAAVAAAAYAAAAAAAAAAAAAAADwAAACADAAAAAAAAAAAAAAEAAACgMgAAVgcAAKr4//8BAAAAf39/AAEAAABkAAAAAAAAABQAAABAHwAAAAAAACYAAAAAAAAAwOD//wAAAAAmAAAAZAAAABYAAABMAAAAAAAAAAAAAAAEAAAAAAAAAAEAAADRSc4KAAAAACgAAAAoAAAAZAAAAGQAAAAAAAAAzMzMAAAAAABQAAAAUAAAAGQAAABkAAAAAAAAABcAAAAUAAAAAAAAAAAAAAD/fwAA/38AAAAAAAAJAAAABAAAAAAAAAAeAAAAaAAAAAAAAAAAAAAAAAAAAAAAAAAAAAAAECcAABAnAAAAAAAAAAAAAAAAAAAAAAAAAAAAAAAAAAAAAAAAAAAAABQAAAAAAAAAwMD/AAAAAABkAAAAMgAAAAAAAABkAAAAAAAAAH9/fwAKAAAAIgAAABgAAAAAAAAAAAAAAAAAAAAAAAAAAAAAAAAAAAAkAAAAJAAAAAAAAAAHAAAAAAAAAAAAAAAAAAAAAAAAAAAAAAAAAAAAf39/ACUAAABYAAAAAAAAAAAAAAAAAAAAAAAAAAAAAAAAAAAAAAAAAAAAAAAAAAAAAAAAAAAAAAA/AAAAAAAAAKCGAQAAAAAAAAAAAAAAAAAMAAAAAQAAAAAAAAAAAAAAAAAAAB8AAABUAAAA////AAAAAAEAAAAAAAAAAAAAAAAAAAAAAAAAAAAAAAAAAAAAAAAAAAAAAAB/f38AAAAAA8zMzADAwP8Af39/AAAAAAAAAAAAAAAAAAAAAAAAAAAAIQAAABgAAAAUAAAA0AIAAA8AAABvNQAAwAcAABAgAAAmAAAACAAAAD0gAAAAAAAA"/>
+                <pr:smNativeData xmlns:pr="smNativeData" xmlns="smNativeData" val="SMDATA_15_8sFZZRMAAAAlAAAAZAAAAE0AAAAAAAAAAAAAAAAAAAAAAAAAAAAAAAABAAAAAAAAAAEAAABQAAAAAAAAAAAA4D8AAAAAAADgPwAAAAAAAOA/AAAAAAAA4D8AAAAAAADgPwAAAAAAAOA/AAAAAAAA4D8AAAAAAADgPwAAAAAAAOA/AAAAAAAA4D8CAAAAjAAAAAAAAAAAAAAA////AP///wgAAAAAAAAAAAAAAAAAAAAAAAAAAAAAAAAAAAAAeAAAAAEAAABAAAAAAAAAAAAAAABaAAAAAAAAAAAAAAAAAAAAAAAAAAAAAAAAAAAAAAAAAAAAAAAAAAAAAAAAAAAAAAAAAAAAAAAAAAAAAAAAAAAAAAAAAAAAAAAAAAAAFAAAADwAAAAAAAAAAAAAAAAAAAAPAAAAAQAAACMAAAAjAAAAIwAAAB4AAAAAAAAAZAAAAGQAAAAAAAAAZAAAAGQAAAAVAAAAYAAAAAAAAAAAAAAADwAAACADAAAAAAAAAAAAAAEAAACgMgAAVgcAAKr4//8BAAAAf39/AAEAAABkAAAAAAAAABQAAABAHwAAAAAAACYAAAAAAAAAwOD//wAAAAAmAAAAZAAAABYAAABMAAAAAAAAAAAAAAAEAAAAAAAAAAEAAADRSc4KAAAAACgAAAAoAAAAZAAAAGQAAAAAAAAAzMzMAAAAAABQAAAAUAAAAGQAAABkAAAAAAAAABcAAAAUAAAAAAAAAAAAAAD/fwAA/38AAAAAAAAJAAAABAAAAAAAAAAeAAAAaAAAAAAAAAAAAAAAAAAAAAAAAAAAAAAAECcAABAnAAAAAAAAAAAAAAAAAAAAAAAAAAAAAAAAAAAAAAAAAAAAABQAAAAAAAAAwMD/AAAAAABkAAAAMgAAAAAAAABkAAAAAAAAAH9/fwAKAAAAIgAAABgAAAAAAAAAAAAAAAAAAAAAAAAAAAAAAAAAAAAkAAAAJAAAAAAAAAAHAAAAAAAAAAAAAAAAAAAAAAAAAAAAAAAAAAAAf39/ACUAAABYAAAAAAAAAAAAAAAAAAAAAAAAAAAAAAAAAAAAAAAAAAAAAAAAAAAAAAAAAAAAAAA/AAAAAAAAAKCGAQAAAAAAAAAAAAAAAAAMAAAAAQAAAAAAAAAAAAAAAAAAAB8AAABUAAAA////AAAAAAEAAAAAAAAAAAAAAAAAAAAAAAAAAAAAAAAAAAAAAAAAAAAAAAB/f38AAAAAA8zMzADAwP8Af39/AAAAAAAAAAAAAAAAAAAAAAAAAAAAIQAAABgAAAAUAAAA0AIAAA8AAABvNQAAwAcAABAgAAAmAAAACAAAAD0gAAAAAAAA"/>
               </a:ext>
             </a:extLst>
           </p:cNvSpPr>
@@ -8993,7 +8896,7 @@
             <a:spLocks noGrp="1" noChangeArrowheads="1"/>
             <a:extLst>
               <a:ext uri="smNativeData">
-                <pr:smNativeData xmlns:pr="smNativeData" xmlns="smNativeData" val="SMDATA_15_37BZZRMAAAAlAAAAZAAAAA0AAAAAAAAAAAAAAAAAAAAAAAAAAAAAAAAAAAAAAAAAAAEAAABQAAAAAAAAAAAA4D8AAAAAAADgPwAAAAAAAOA/AAAAAAAA4D8AAAAAAADgPwAAAAAAAOA/AAAAAAAA4D8AAAAAAADgPwAAAAAAAOA/AAAAAAAA4D8CAAAAjAAAAAAAAAAAAAAA////AP///wgAAAAAAAAAAAAAAAAAAAAAAAAAAAAAAAAAAAAAeAAAAAEAAABAAAAAAAAAAAAAAABaAAAAAAAAAAAAAAAAAAAAAAAAAAAAAAAAAAAAAAAAAAAAAAAAAAAAAAAAAAAAAAAAAAAAAAAAAAAAAAAAAAAAAAAAAAAAAAAAAAAAFAAAADwAAAAAAAAAAAAAAAAAAAAPAAAAAQAAACMAAAAjAAAAIwAAAB4AAAAAAAAAZAAAAGQAAAAAAAAAZAAAAGQAAAAVAAAAYAAAAAAAAAAAAAAADwAAACADAAAAAAAAAAAAAAEAAACgMgAAVgcAAKr4//8BAAAAf39/AAEAAABkAAAAAAAAABQAAABAHwAAAAAAACYAAAAAAAAAwOD//wAAAAAmAAAAZAAAABYAAABMAAAAAAAAAAAAAAAEAAAAAAAAAAEAAADRSc4KAAAAACgAAAAoAAAAZAAAAGQAAAAAAAAAzMzMAAAAAABQAAAAUAAAAGQAAABkAAAAAAAAABcAAAAUAAAAAAAAAAAAAAD/fwAA/38AAAAAAAAJAAAABAAAAAAAAAAeAAAAaAAAAAAAAAAAAAAAAAAAAAAAAAAAAAAAECcAABAnAAAAAAAAAAAAAAAAAAAAAAAAAAAAAAAAAAAAAAAAAAAAABQAAAAAAAAAwMD/AAAAAABkAAAAMgAAAAAAAABkAAAAAAAAAH9/fwAKAAAAIgAAABgAAAAAAAAAAAAAAAAAAAAAAAAAAAAAAAAAAAAkAAAAJAAAAAAAAAAHAAAAAAAAAAAAAAAAAAAAAAAAAAAAAAAAAAAAf39/ACUAAABYAAAAAAAAAAAAAAAAAAAAAAAAAAAAAAAAAAAAAAAAAAAAAAAAAAAAAAAAAAAAAAA/AAAAAAAAAKCGAQAAAAAAAAAAAAAAAAAMAAAAAQAAAAAAAAAAAAAAAAAAAB8AAABUAAAA////AAAAAAEAAAAAAAAAAAAAAAAAAAAAAAAAAAAAAAAAAAAAAAAAAAAAAAB/f38AAAAAA8zMzADAwP8Af39/AAAAAAAAAAAAAAAAAAAAAAAAAAAAIQAAABgAAAAUAAAA0AIAAGcHAABvNQAAKBAAABAAAAAmAAAACAAAAD0gAAAAAAAA"/>
+                <pr:smNativeData xmlns:pr="smNativeData" xmlns="smNativeData" val="SMDATA_15_8sFZZRMAAAAlAAAAZAAAAA0AAAAAAAAAAAAAAAAAAAAAAAAAAAAAAAAAAAAAAAAAAAEAAABQAAAAAAAAAAAA4D8AAAAAAADgPwAAAAAAAOA/AAAAAAAA4D8AAAAAAADgPwAAAAAAAOA/AAAAAAAA4D8AAAAAAADgPwAAAAAAAOA/AAAAAAAA4D8CAAAAjAAAAAAAAAAAAAAA////AP///wgAAAAAAAAAAAAAAAAAAAAAAAAAAAAAAAAAAAAAeAAAAAEAAABAAAAAAAAAAAAAAABaAAAAAAAAAAAAAAAAAAAAAAAAAAAAAAAAAAAAAAAAAAAAAAAAAAAAAAAAAAAAAAAAAAAAAAAAAAAAAAAAAAAAAAAAAAAAAAAAAAAAFAAAADwAAAAAAAAAAAAAAAAAAAAPAAAAAQAAACMAAAAjAAAAIwAAAB4AAAAAAAAAZAAAAGQAAAAAAAAAZAAAAGQAAAAVAAAAYAAAAAAAAAAAAAAADwAAACADAAAAAAAAAAAAAAEAAACgMgAAVgcAAKr4//8BAAAAf39/AAEAAABkAAAAAAAAABQAAABAHwAAAAAAACYAAAAAAAAAwOD//wAAAAAmAAAAZAAAABYAAABMAAAAAAAAAAAAAAAEAAAAAAAAAAEAAADRSc4KAAAAACgAAAAoAAAAZAAAAGQAAAAAAAAAzMzMAAAAAABQAAAAUAAAAGQAAABkAAAAAAAAABcAAAAUAAAAAAAAAAAAAAD/fwAA/38AAAAAAAAJAAAABAAAAAAAAAAeAAAAaAAAAAAAAAAAAAAAAAAAAAAAAAAAAAAAECcAABAnAAAAAAAAAAAAAAAAAAAAAAAAAAAAAAAAAAAAAAAAAAAAABQAAAAAAAAAwMD/AAAAAABkAAAAMgAAAAAAAABkAAAAAAAAAH9/fwAKAAAAIgAAABgAAAAAAAAAAAAAAAAAAAAAAAAAAAAAAAAAAAAkAAAAJAAAAAAAAAAHAAAAAAAAAAAAAAAAAAAAAAAAAAAAAAAAAAAAf39/ACUAAABYAAAAAAAAAAAAAAAAAAAAAAAAAAAAAAAAAAAAAAAAAAAAAAAAAAAAAAAAAAAAAAA/AAAAAAAAAKCGAQAAAAAAAAAAAAAAAAAMAAAAAQAAAAAAAAAAAAAAAAAAAB8AAABUAAAA////AAAAAAEAAAAAAAAAAAAAAAAAAAAAAAAAAAAAAAAAAAAAAAAAAAAAAAB/f38AAAAAA8zMzADAwP8Af39/AAAAAAAAAAAAAAAAAAAAAAAAAAAAIQAAABgAAAAUAAAA0AIAAGcHAABvNQAAKBAAABAAAAAmAAAACAAAAD0gAAAAAAAA"/>
               </a:ext>
             </a:extLst>
           </p:cNvSpPr>
@@ -9026,7 +8929,7 @@
             <a:spLocks noGrp="1" noChangeArrowheads="1"/>
             <a:extLst>
               <a:ext uri="smNativeData">
-                <pr:smNativeData xmlns:pr="smNativeData" xmlns="smNativeData" val="SMDATA_15_37BZZRMAAAAlAAAAZAAAAA0AAAAAAAAAAAAAAAAAAAAAAAAAAAAAAAAAAAAAAAAAAAEAAABQAAAAAAAAAAAA4D8AAAAAAADgPwAAAAAAAOA/AAAAAAAA4D8AAAAAAADgPwAAAAAAAOA/AAAAAAAA4D8AAAAAAADgPwAAAAAAAOA/AAAAAAAA4D8CAAAAjAAAAAAAAAAAAAAA////AP///wgAAAAAAAAAAAAAAAAAAAAAAAAAAAAAAAAAAAAAeAAAAAEAAABAAAAAAAAAAAAAAABaAAAAAAAAAAAAAAAAAAAAAAAAAAAAAAAAAAAAAAAAAAAAAAAAAAAAAAAAAAAAAAAAAAAAAAAAAAAAAAAAAAAAAAAAAAAAAAAAAAAAFAAAADwAAAAAAAAAAAAAAAAAAAAPAAAAAQAAACMAAAAjAAAAIwAAAB4AAAAAAAAAZAAAAGQAAAAAAAAAZAAAAGQAAAAVAAAAYAAAAAAAAAAAAAAADwAAACADAAAAAAAAAAAAAAEAAACgMgAAVgcAAKr4//8BAAAAf39/AAEAAABkAAAAAAAAABQAAABAHwAAAAAAACYAAAAAAAAAwOD//wAAAAAmAAAAZAAAABYAAABMAAAAAAAAAAAAAAAEAAAAAAAAAAEAAADRSc4KAAAAACgAAAAoAAAAZAAAAGQAAAAAAAAAzMzMAAAAAABQAAAAUAAAAGQAAABkAAAAAAAAABcAAAAUAAAAAAAAAAAAAAD/fwAA/38AAAAAAAAJAAAABAAAAAAAAAAeAAAAaAAAAAAAAAAAAAAAAAAAAAAAAAAAAAAAECcAABAnAAAAAAAAAAAAAAAAAAAAAAAAAAAAAAAAAAAAAAAAAAAAABQAAAAAAAAAwMD/AAAAAABkAAAAMgAAAAAAAABkAAAAAAAAAH9/fwAKAAAAIgAAABgAAAAAAAAAAAAAAAAAAAAAAAAAAAAAAAAAAAAkAAAAJAAAAAAAAAAHAAAAAAAAAAAAAAAAAAAAAAAAAAAAAAAAAAAAf39/ACUAAABYAAAAAAAAAAAAAAAAAAAAAAAAAAAAAAAAAAAAAAAAAAAAAAAAAAAAAAAAAAAAAAA/AAAAAAAAAKCGAQAAAAAAAAAAAAAAAAAMAAAAAQAAAAAAAAAAAAAAAAAAAB8AAABUAAAA////AAAAAAEAAAAAAAAAAAAAAAAAAAAAAAAAAAAAAAAAAAAAAAAAAAAAAAB/f38AAAAAA8zMzADAwP8Af39/AAAAAAAAAAAAAAAAAAAAAAAAAAAAIQAAABgAAAAUAAAA0AIAAP0QAABvNQAAvhkAABAAAAAmAAAACAAAAD0gAAAAAAAA"/>
+                <pr:smNativeData xmlns:pr="smNativeData" xmlns="smNativeData" val="SMDATA_15_8sFZZRMAAAAlAAAAZAAAAA0AAAAAAAAAAAAAAAAAAAAAAAAAAAAAAAAAAAAAAAAAAAEAAABQAAAAAAAAAAAA4D8AAAAAAADgPwAAAAAAAOA/AAAAAAAA4D8AAAAAAADgPwAAAAAAAOA/AAAAAAAA4D8AAAAAAADgPwAAAAAAAOA/AAAAAAAA4D8CAAAAjAAAAAAAAAAAAAAA////AP///wgAAAAAAAAAAAAAAAAAAAAAAAAAAAAAAAAAAAAAeAAAAAEAAABAAAAAAAAAAAAAAABaAAAAAAAAAAAAAAAAAAAAAAAAAAAAAAAAAAAAAAAAAAAAAAAAAAAAAAAAAAAAAAAAAAAAAAAAAAAAAAAAAAAAAAAAAAAAAAAAAAAAFAAAADwAAAAAAAAAAAAAAAAAAAAPAAAAAQAAACMAAAAjAAAAIwAAAB4AAAAAAAAAZAAAAGQAAAAAAAAAZAAAAGQAAAAVAAAAYAAAAAAAAAAAAAAADwAAACADAAAAAAAAAAAAAAEAAACgMgAAVgcAAKr4//8BAAAAf39/AAEAAABkAAAAAAAAABQAAABAHwAAAAAAACYAAAAAAAAAwOD//wAAAAAmAAAAZAAAABYAAABMAAAAAAAAAAAAAAAEAAAAAAAAAAEAAADRSc4KAAAAACgAAAAoAAAAZAAAAGQAAAAAAAAAzMzMAAAAAABQAAAAUAAAAGQAAABkAAAAAAAAABcAAAAUAAAAAAAAAAAAAAD/fwAA/38AAAAAAAAJAAAABAAAAAAAAAAeAAAAaAAAAAAAAAAAAAAAAAAAAAAAAAAAAAAAECcAABAnAAAAAAAAAAAAAAAAAAAAAAAAAAAAAAAAAAAAAAAAAAAAABQAAAAAAAAAwMD/AAAAAABkAAAAMgAAAAAAAABkAAAAAAAAAH9/fwAKAAAAIgAAABgAAAAAAAAAAAAAAAAAAAAAAAAAAAAAAAAAAAAkAAAAJAAAAAAAAAAHAAAAAAAAAAAAAAAAAAAAAAAAAAAAAAAAAAAAf39/ACUAAABYAAAAAAAAAAAAAAAAAAAAAAAAAAAAAAAAAAAAAAAAAAAAAAAAAAAAAAAAAAAAAAA/AAAAAAAAAKCGAQAAAAAAAAAAAAAAAAAMAAAAAQAAAAAAAAAAAAAAAAAAAB8AAABUAAAA////AAAAAAEAAAAAAAAAAAAAAAAAAAAAAAAAAAAAAAAAAAAAAAAAAAAAAAB/f38AAAAAA8zMzADAwP8Af39/AAAAAAAAAAAAAAAAAAAAAAAAAAAAIQAAABgAAAAUAAAA0AIAAP0QAABvNQAAvhkAABAAAAAmAAAACAAAAD0gAAAAAAAA"/>
               </a:ext>
             </a:extLst>
           </p:cNvSpPr>
@@ -9084,7 +8987,7 @@
             <a:spLocks noGrp="1" noChangeArrowheads="1"/>
             <a:extLst>
               <a:ext uri="smNativeData">
-                <pr:smNativeData xmlns:pr="smNativeData" xmlns="smNativeData" val="SMDATA_15_37BZZRMAAAAlAAAAZAAAAE0AAAAAAAAAAAAAAAAAAAAAAAAAAAAAAAABAAAAAAAAAAEAAABQAAAAAAAAAAAA4D8AAAAAAADgPwAAAAAAAOA/AAAAAAAA4D8AAAAAAADgPwAAAAAAAOA/AAAAAAAA4D8AAAAAAADgPwAAAAAAAOA/AAAAAAAA4D8CAAAAjAAAAAAAAAAAAAAA////AP///wgAAAAAAAAAAAAAAAAAAAAAAAAAAAAAAAAAAAAAeAAAAAEAAABAAAAAAAAAAAAAAABaAAAAAAAAAAAAAAAAAAAAAAAAAAAAAAAAAAAAAAAAAAAAAAAAAAAAAAAAAAAAAAAAAAAAAAAAAAAAAAAAAAAAAAAAAAAAAAAAAAAAFAAAADwAAAAAAAAAAAAAAAAAAAAPAAAAAQAAACMAAAAjAAAAIwAAAB4AAAAAAAAAZAAAAGQAAAAAAAAAZAAAAGQAAAAVAAAAYAAAAAAAAAAAAAAADwAAACADAAAAAAAAAAAAAAEAAACgMgAAVgcAAKr4//8BAAAAf39/AAEAAABkAAAAAAAAABQAAABAHwAAAAAAACYAAAAAAAAAwOD//wAAAAAmAAAAZAAAABYAAABMAAAAAAAAAAAAAAAEAAAAAAAAAAEAAADRSc4KAAAAACgAAAAoAAAAZAAAAGQAAAAAAAAAzMzMAAAAAABQAAAAUAAAAGQAAABkAAAAAAAAABcAAAAUAAAAAAAAAAAAAAD/fwAA/38AAAAAAAAJAAAABAAAAAAAAAAeAAAAaAAAAAAAAAAAAAAAAAAAAAAAAAAAAAAAECcAABAnAAAAAAAAAAAAAAAAAAAAAAAAAAAAAAAAAAAAAAAAAAAAABQAAAAAAAAAwMD/AAAAAABkAAAAMgAAAAAAAABkAAAAAAAAAH9/fwAKAAAAIgAAABgAAAAAAAAAAAAAAAAAAAAAAAAAAAAAAAAAAAAkAAAAJAAAAAAAAAAHAAAAAAAAAAAAAAAAAAAAAAAAAAAAAAAAAAAAf39/ACUAAABYAAAAAAAAAAAAAAAAAAAAAAAAAAAAAAAAAAAAAAAAAAAAAAAAAAAAAAAAAAAAAAA/AAAAAAAAAKCGAQAAAAAAAAAAAAAAAAAMAAAAAQAAAAAAAAAAAAAAAAAAAB8AAABUAAAA////AAAAAAEAAAAAAAAAAAAAAAAAAAAAAAAAAAAAAAAAAAAAAAAAAAAAAAB/f38AAAAAA8zMzADAwP8Af39/AAAAAAAAAAAAAAAAAAAAAAAAAAAAIQAAABgAAAAUAAAA0AIAAA8AAABvNQAAwAcAABAgAAAmAAAACAAAAD0gAAAAAAAA"/>
+                <pr:smNativeData xmlns:pr="smNativeData" xmlns="smNativeData" val="SMDATA_15_8sFZZRMAAAAlAAAAZAAAAE0AAAAAAAAAAAAAAAAAAAAAAAAAAAAAAAABAAAAAAAAAAEAAABQAAAAAAAAAAAA4D8AAAAAAADgPwAAAAAAAOA/AAAAAAAA4D8AAAAAAADgPwAAAAAAAOA/AAAAAAAA4D8AAAAAAADgPwAAAAAAAOA/AAAAAAAA4D8CAAAAjAAAAAAAAAAAAAAA////AP///wgAAAAAAAAAAAAAAAAAAAAAAAAAAAAAAAAAAAAAeAAAAAEAAABAAAAAAAAAAAAAAABaAAAAAAAAAAAAAAAAAAAAAAAAAAAAAAAAAAAAAAAAAAAAAAAAAAAAAAAAAAAAAAAAAAAAAAAAAAAAAAAAAAAAAAAAAAAAAAAAAAAAFAAAADwAAAAAAAAAAAAAAAAAAAAPAAAAAQAAACMAAAAjAAAAIwAAAB4AAAAAAAAAZAAAAGQAAAAAAAAAZAAAAGQAAAAVAAAAYAAAAAAAAAAAAAAADwAAACADAAAAAAAAAAAAAAEAAACgMgAAVgcAAKr4//8BAAAAf39/AAEAAABkAAAAAAAAABQAAABAHwAAAAAAACYAAAAAAAAAwOD//wAAAAAmAAAAZAAAABYAAABMAAAAAAAAAAAAAAAEAAAAAAAAAAEAAADRSc4KAAAAACgAAAAoAAAAZAAAAGQAAAAAAAAAzMzMAAAAAABQAAAAUAAAAGQAAABkAAAAAAAAABcAAAAUAAAAAAAAAAAAAAD/fwAA/38AAAAAAAAJAAAABAAAAAAAAAAeAAAAaAAAAAAAAAAAAAAAAAAAAAAAAAAAAAAAECcAABAnAAAAAAAAAAAAAAAAAAAAAAAAAAAAAAAAAAAAAAAAAAAAABQAAAAAAAAAwMD/AAAAAABkAAAAMgAAAAAAAABkAAAAAAAAAH9/fwAKAAAAIgAAABgAAAAAAAAAAAAAAAAAAAAAAAAAAAAAAAAAAAAkAAAAJAAAAAAAAAAHAAAAAAAAAAAAAAAAAAAAAAAAAAAAAAAAAAAAf39/ACUAAABYAAAAAAAAAAAAAAAAAAAAAAAAAAAAAAAAAAAAAAAAAAAAAAAAAAAAAAAAAAAAAAA/AAAAAAAAAKCGAQAAAAAAAAAAAAAAAAAMAAAAAQAAAAAAAAAAAAAAAAAAAB8AAABUAAAA////AAAAAAEAAAAAAAAAAAAAAAAAAAAAAAAAAAAAAAAAAAAAAAAAAAAAAAB/f38AAAAAA8zMzADAwP8Af39/AAAAAAAAAAAAAAAAAAAAAAAAAAAAIQAAABgAAAAUAAAA0AIAAA8AAABvNQAAwAcAABAgAAAmAAAACAAAAD0gAAAAAAAA"/>
               </a:ext>
             </a:extLst>
           </p:cNvSpPr>
@@ -9117,7 +9020,7 @@
             <a:spLocks noGrp="1" noChangeArrowheads="1"/>
             <a:extLst>
               <a:ext uri="smNativeData">
-                <pr:smNativeData xmlns:pr="smNativeData" xmlns="smNativeData" val="SMDATA_15_37BZZRMAAAAlAAAAZAAAAA0AAAAAAAAAAAAAAAAAAAAAAAAAAAAAAAAAAAAAAAAAAAEAAABQAAAAAAAAAAAA4D8AAAAAAADgPwAAAAAAAOA/AAAAAAAA4D8AAAAAAADgPwAAAAAAAOA/AAAAAAAA4D8AAAAAAADgPwAAAAAAAOA/AAAAAAAA4D8CAAAAjAAAAAAAAAAAAAAA////AP///wgAAAAAAAAAAAAAAAAAAAAAAAAAAAAAAAAAAAAAeAAAAAEAAABAAAAAAAAAAAAAAABaAAAAAAAAAAAAAAAAAAAAAAAAAAAAAAAAAAAAAAAAAAAAAAAAAAAAAAAAAAAAAAAAAAAAAAAAAAAAAAAAAAAAAAAAAAAAAAAAAAAAFAAAADwAAAAAAAAAAAAAAAAAAAAPAAAAAQAAACMAAAAjAAAAIwAAAB4AAAAAAAAAZAAAAGQAAAAAAAAAZAAAAGQAAAAVAAAAYAAAAAAAAAAAAAAADwAAACADAAAAAAAAAAAAAAEAAACgMgAAVgcAAKr4//8BAAAAf39/AAEAAABkAAAAAAAAABQAAABAHwAAAAAAACYAAAAAAAAAwOD//wAAAAAmAAAAZAAAABYAAABMAAAAAAAAAAAAAAAEAAAAAAAAAAEAAADRSc4KAAAAACgAAAAoAAAAZAAAAGQAAAAAAAAAzMzMAAAAAABQAAAAUAAAAGQAAABkAAAAAAAAABcAAAAUAAAAAAAAAAAAAAD/fwAA/38AAAAAAAAJAAAABAAAAAAAAAAeAAAAaAAAAAAAAAAAAAAAAAAAAAAAAAAAAAAAECcAABAnAAAAAAAAAAAAAAAAAAAAAAAAAAAAAAAAAAAAAAAAAAAAABQAAAAAAAAAwMD/AAAAAABkAAAAMgAAAAAAAABkAAAAAAAAAH9/fwAKAAAAIgAAABgAAAAAAAAAAAAAAAAAAAAAAAAAAAAAAAAAAAAkAAAAJAAAAAAAAAAHAAAAAAAAAAAAAAAAAAAAAAAAAAAAAAAAAAAAf39/ACUAAABYAAAAAAAAAAAAAAAAAAAAAAAAAAAAAAAAAAAAAAAAAAAAAAAAAAAAAAAAAAAAAAA/AAAAAAAAAKCGAQAAAAAAAAAAAAAAAAAMAAAAAQAAAAAAAAAAAAAAAAAAAB8AAABUAAAA////AAAAAAEAAAAAAAAAAAAAAAAAAAAAAAAAAAAAAAAAAAAAAAAAAAAAAAB/f38AAAAAA8zMzADAwP8Af39/AAAAAAAAAAAAAAAAAAAAAAAAAAAAIQAAABgAAAAUAAAA0AIAAGcHAACEGwAAKBAAABAAAAAmAAAACAAAAD0gAAAAAAAA"/>
+                <pr:smNativeData xmlns:pr="smNativeData" xmlns="smNativeData" val="SMDATA_15_8sFZZRMAAAAlAAAAZAAAAA0AAAAAAAAAAAAAAAAAAAAAAAAAAAAAAAAAAAAAAAAAAAEAAABQAAAAAAAAAAAA4D8AAAAAAADgPwAAAAAAAOA/AAAAAAAA4D8AAAAAAADgPwAAAAAAAOA/AAAAAAAA4D8AAAAAAADgPwAAAAAAAOA/AAAAAAAA4D8CAAAAjAAAAAAAAAAAAAAA////AP///wgAAAAAAAAAAAAAAAAAAAAAAAAAAAAAAAAAAAAAeAAAAAEAAABAAAAAAAAAAAAAAABaAAAAAAAAAAAAAAAAAAAAAAAAAAAAAAAAAAAAAAAAAAAAAAAAAAAAAAAAAAAAAAAAAAAAAAAAAAAAAAAAAAAAAAAAAAAAAAAAAAAAFAAAADwAAAAAAAAAAAAAAAAAAAAPAAAAAQAAACMAAAAjAAAAIwAAAB4AAAAAAAAAZAAAAGQAAAAAAAAAZAAAAGQAAAAVAAAAYAAAAAAAAAAAAAAADwAAACADAAAAAAAAAAAAAAEAAACgMgAAVgcAAKr4//8BAAAAf39/AAEAAABkAAAAAAAAABQAAABAHwAAAAAAACYAAAAAAAAAwOD//wAAAAAmAAAAZAAAABYAAABMAAAAAAAAAAAAAAAEAAAAAAAAAAEAAADRSc4KAAAAACgAAAAoAAAAZAAAAGQAAAAAAAAAzMzMAAAAAABQAAAAUAAAAGQAAABkAAAAAAAAABcAAAAUAAAAAAAAAAAAAAD/fwAA/38AAAAAAAAJAAAABAAAAAAAAAAeAAAAaAAAAAAAAAAAAAAAAAAAAAAAAAAAAAAAECcAABAnAAAAAAAAAAAAAAAAAAAAAAAAAAAAAAAAAAAAAAAAAAAAABQAAAAAAAAAwMD/AAAAAABkAAAAMgAAAAAAAABkAAAAAAAAAH9/fwAKAAAAIgAAABgAAAAAAAAAAAAAAAAAAAAAAAAAAAAAAAAAAAAkAAAAJAAAAAAAAAAHAAAAAAAAAAAAAAAAAAAAAAAAAAAAAAAAAAAAf39/ACUAAABYAAAAAAAAAAAAAAAAAAAAAAAAAAAAAAAAAAAAAAAAAAAAAAAAAAAAAAAAAAAAAAA/AAAAAAAAAKCGAQAAAAAAAAAAAAAAAAAMAAAAAQAAAAAAAAAAAAAAAAAAAB8AAABUAAAA////AAAAAAEAAAAAAAAAAAAAAAAAAAAAAAAAAAAAAAAAAAAAAAAAAAAAAAB/f38AAAAAA8zMzADAwP8Af39/AAAAAAAAAAAAAAAAAAAAAAAAAAAAIQAAABgAAAAUAAAA0AIAAGcHAACEGwAAKBAAABAAAAAmAAAACAAAAD0gAAAAAAAA"/>
               </a:ext>
             </a:extLst>
           </p:cNvSpPr>
@@ -9150,7 +9053,7 @@
             <a:spLocks noGrp="1" noChangeArrowheads="1"/>
             <a:extLst>
               <a:ext uri="smNativeData">
-                <pr:smNativeData xmlns:pr="smNativeData" xmlns="smNativeData" val="SMDATA_15_37BZZRMAAAAlAAAAZAAAAA0AAAAAAAAAAAAAAAAAAAAAAAAAAAAAAAAAAAAAAAAAAAEAAABQAAAAAAAAAAAA4D8AAAAAAADgPwAAAAAAAOA/AAAAAAAA4D8AAAAAAADgPwAAAAAAAOA/AAAAAAAA4D8AAAAAAADgPwAAAAAAAOA/AAAAAAAA4D8CAAAAjAAAAAAAAAAAAAAA////AP///wgAAAAAAAAAAAAAAAAAAAAAAAAAAAAAAAAAAAAAeAAAAAEAAABAAAAAAAAAAAAAAABaAAAAAAAAAAAAAAAAAAAAAAAAAAAAAAAAAAAAAAAAAAAAAAAAAAAAAAAAAAAAAAAAAAAAAAAAAAAAAAAAAAAAAAAAAAAAAAAAAAAAFAAAADwAAAAAAAAAAAAAAAAAAAAPAAAAAQAAACMAAAAjAAAAIwAAAB4AAAAAAAAAZAAAAGQAAAAAAAAAZAAAAGQAAAAVAAAAYAAAAAAAAAAAAAAADwAAACADAAAAAAAAAAAAAAEAAACgMgAAVgcAAKr4//8BAAAAf39/AAEAAABkAAAAAAAAABQAAABAHwAAAAAAACYAAAAAAAAAwOD//wAAAAAmAAAAZAAAABYAAABMAAAAAAAAAAAAAAAEAAAAAAAAAAEAAADRSc4KAAAAACgAAAAoAAAAZAAAAGQAAAAAAAAAzMzMAAAAAABQAAAAUAAAAGQAAABkAAAAAAAAABcAAAAUAAAAAAAAAAAAAAD/fwAA/38AAAAAAAAJAAAABAAAAAAAAAAeAAAAaAAAAAAAAAAAAAAAAAAAAAAAAAAAAAAAECcAABAnAAAAAAAAAAAAAAAAAAAAAAAAAAAAAAAAAAAAAAAAAAAAABQAAAAAAAAAwMD/AAAAAABkAAAAMgAAAAAAAABkAAAAAAAAAH9/fwAKAAAAIgAAABgAAAAAAAAAAAAAAAAAAAAAAAAAAAAAAAAAAAAkAAAAJAAAAAAAAAAHAAAAAAAAAAAAAAAAAAAAAAAAAAAAAAAAAAAAf39/ACUAAABYAAAAAAAAAAAAAAAAAAAAAAAAAAAAAAAAAAAAAAAAAAAAAAAAAAAAAAAAAAAAAAA/AAAAAAAAAKCGAQAAAAAAAAAAAAAAAAAMAAAAAQAAAAAAAAAAAAAAAAAAAB8AAABUAAAA////AAAAAAEAAAAAAAAAAAAAAAAAAAAAAAAAAAAAAAAAAAAAAAAAAAAAAAB/f38AAAAAA8zMzADAwP8Af39/AAAAAAAAAAAAAAAAAAAAAAAAAAAAIQAAABgAAAAUAAAAwRwAAGcHAAB1NQAAKBAAABAAAAAmAAAACAAAAD0gAAAAAAAA"/>
+                <pr:smNativeData xmlns:pr="smNativeData" xmlns="smNativeData" val="SMDATA_15_8sFZZRMAAAAlAAAAZAAAAA0AAAAAAAAAAAAAAAAAAAAAAAAAAAAAAAAAAAAAAAAAAAEAAABQAAAAAAAAAAAA4D8AAAAAAADgPwAAAAAAAOA/AAAAAAAA4D8AAAAAAADgPwAAAAAAAOA/AAAAAAAA4D8AAAAAAADgPwAAAAAAAOA/AAAAAAAA4D8CAAAAjAAAAAAAAAAAAAAA////AP///wgAAAAAAAAAAAAAAAAAAAAAAAAAAAAAAAAAAAAAeAAAAAEAAABAAAAAAAAAAAAAAABaAAAAAAAAAAAAAAAAAAAAAAAAAAAAAAAAAAAAAAAAAAAAAAAAAAAAAAAAAAAAAAAAAAAAAAAAAAAAAAAAAAAAAAAAAAAAAAAAAAAAFAAAADwAAAAAAAAAAAAAAAAAAAAPAAAAAQAAACMAAAAjAAAAIwAAAB4AAAAAAAAAZAAAAGQAAAAAAAAAZAAAAGQAAAAVAAAAYAAAAAAAAAAAAAAADwAAACADAAAAAAAAAAAAAAEAAACgMgAAVgcAAKr4//8BAAAAf39/AAEAAABkAAAAAAAAABQAAABAHwAAAAAAACYAAAAAAAAAwOD//wAAAAAmAAAAZAAAABYAAABMAAAAAAAAAAAAAAAEAAAAAAAAAAEAAADRSc4KAAAAACgAAAAoAAAAZAAAAGQAAAAAAAAAzMzMAAAAAABQAAAAUAAAAGQAAABkAAAAAAAAABcAAAAUAAAAAAAAAAAAAAD/fwAA/38AAAAAAAAJAAAABAAAAAAAAAAeAAAAaAAAAAAAAAAAAAAAAAAAAAAAAAAAAAAAECcAABAnAAAAAAAAAAAAAAAAAAAAAAAAAAAAAAAAAAAAAAAAAAAAABQAAAAAAAAAwMD/AAAAAABkAAAAMgAAAAAAAABkAAAAAAAAAH9/fwAKAAAAIgAAABgAAAAAAAAAAAAAAAAAAAAAAAAAAAAAAAAAAAAkAAAAJAAAAAAAAAAHAAAAAAAAAAAAAAAAAAAAAAAAAAAAAAAAAAAAf39/ACUAAABYAAAAAAAAAAAAAAAAAAAAAAAAAAAAAAAAAAAAAAAAAAAAAAAAAAAAAAAAAAAAAAA/AAAAAAAAAKCGAQAAAAAAAAAAAAAAAAAMAAAAAQAAAAAAAAAAAAAAAAAAAB8AAABUAAAA////AAAAAAEAAAAAAAAAAAAAAAAAAAAAAAAAAAAAAAAAAAAAAAAAAAAAAAB/f38AAAAAA8zMzADAwP8Af39/AAAAAAAAAAAAAAAAAAAAAAAAAAAAIQAAABgAAAAUAAAAwRwAAGcHAAB1NQAAKBAAABAAAAAmAAAACAAAAD0gAAAAAAAA"/>
               </a:ext>
             </a:extLst>
           </p:cNvSpPr>
@@ -9183,7 +9086,7 @@
             <a:spLocks noGrp="1" noChangeArrowheads="1"/>
             <a:extLst>
               <a:ext uri="smNativeData">
-                <pr:smNativeData xmlns:pr="smNativeData" xmlns="smNativeData" val="SMDATA_15_37BZZRMAAAAlAAAAZAAAAA0AAAAAAAAAAAAAAAAAAAAAAAAAAAAAAAAAAAAAAAAAAAEAAABQAAAAAAAAAAAA4D8AAAAAAADgPwAAAAAAAOA/AAAAAAAA4D8AAAAAAADgPwAAAAAAAOA/AAAAAAAA4D8AAAAAAADgPwAAAAAAAOA/AAAAAAAA4D8CAAAAjAAAAAAAAAAAAAAA////AP///wgAAAAAAAAAAAAAAAAAAAAAAAAAAAAAAAAAAAAAeAAAAAEAAABAAAAAAAAAAAAAAABaAAAAAAAAAAAAAAAAAAAAAAAAAAAAAAAAAAAAAAAAAAAAAAAAAAAAAAAAAAAAAAAAAAAAAAAAAAAAAAAAAAAAAAAAAAAAAAAAAAAAFAAAADwAAAAAAAAAAAAAAAAAAAAPAAAAAQAAACMAAAAjAAAAIwAAAB4AAAAAAAAAZAAAAGQAAAAAAAAAZAAAAGQAAAAVAAAAYAAAAAAAAAAAAAAADwAAACADAAAAAAAAAAAAAAEAAACgMgAAVgcAAKr4//8BAAAAf39/AAEAAABkAAAAAAAAABQAAABAHwAAAAAAACYAAAAAAAAAwOD//wAAAAAmAAAAZAAAABYAAABMAAAAAAAAAAAAAAAEAAAAAAAAAAEAAADRSc4KAAAAACgAAAAoAAAAZAAAAGQAAAAAAAAAzMzMAAAAAABQAAAAUAAAAGQAAABkAAAAAAAAABcAAAAUAAAAAAAAAAAAAAD/fwAA/38AAAAAAAAJAAAABAAAAAAAAAAeAAAAaAAAAAAAAAAAAAAAAAAAAAAAAAAAAAAAECcAABAnAAAAAAAAAAAAAAAAAAAAAAAAAAAAAAAAAAAAAAAAAAAAABQAAAAAAAAAwMD/AAAAAABkAAAAMgAAAAAAAABkAAAAAAAAAH9/fwAKAAAAIgAAABgAAAAAAAAAAAAAAAAAAAAAAAAAAAAAAAAAAAAkAAAAJAAAAAAAAAAHAAAAAAAAAAAAAAAAAAAAAAAAAAAAAAAAAAAAf39/ACUAAABYAAAAAAAAAAAAAAAAAAAAAAAAAAAAAAAAAAAAAAAAAAAAAAAAAAAAAAAAAAAAAAA/AAAAAAAAAKCGAQAAAAAAAAAAAAAAAAAMAAAAAQAAAAAAAAAAAAAAAAAAAB8AAABUAAAA////AAAAAAEAAAAAAAAAAAAAAAAAAAAAAAAAAAAAAAAAAAAAAAAAAAAAAAB/f38AAAAAA8zMzADAwP8Af39/AAAAAAAAAAAAAAAAAAAAAAAAAAAAIQAAABgAAAAUAAAA0AIAAP0QAACEGwAAvhkAABAAAAAmAAAACAAAAD0gAAAAAAAA"/>
+                <pr:smNativeData xmlns:pr="smNativeData" xmlns="smNativeData" val="SMDATA_15_8sFZZRMAAAAlAAAAZAAAAA0AAAAAAAAAAAAAAAAAAAAAAAAAAAAAAAAAAAAAAAAAAAEAAABQAAAAAAAAAAAA4D8AAAAAAADgPwAAAAAAAOA/AAAAAAAA4D8AAAAAAADgPwAAAAAAAOA/AAAAAAAA4D8AAAAAAADgPwAAAAAAAOA/AAAAAAAA4D8CAAAAjAAAAAAAAAAAAAAA////AP///wgAAAAAAAAAAAAAAAAAAAAAAAAAAAAAAAAAAAAAeAAAAAEAAABAAAAAAAAAAAAAAABaAAAAAAAAAAAAAAAAAAAAAAAAAAAAAAAAAAAAAAAAAAAAAAAAAAAAAAAAAAAAAAAAAAAAAAAAAAAAAAAAAAAAAAAAAAAAAAAAAAAAFAAAADwAAAAAAAAAAAAAAAAAAAAPAAAAAQAAACMAAAAjAAAAIwAAAB4AAAAAAAAAZAAAAGQAAAAAAAAAZAAAAGQAAAAVAAAAYAAAAAAAAAAAAAAADwAAACADAAAAAAAAAAAAAAEAAACgMgAAVgcAAKr4//8BAAAAf39/AAEAAABkAAAAAAAAABQAAABAHwAAAAAAACYAAAAAAAAAwOD//wAAAAAmAAAAZAAAABYAAABMAAAAAAAAAAAAAAAEAAAAAAAAAAEAAADRSc4KAAAAACgAAAAoAAAAZAAAAGQAAAAAAAAAzMzMAAAAAABQAAAAUAAAAGQAAABkAAAAAAAAABcAAAAUAAAAAAAAAAAAAAD/fwAA/38AAAAAAAAJAAAABAAAAAAAAAAeAAAAaAAAAAAAAAAAAAAAAAAAAAAAAAAAAAAAECcAABAnAAAAAAAAAAAAAAAAAAAAAAAAAAAAAAAAAAAAAAAAAAAAABQAAAAAAAAAwMD/AAAAAABkAAAAMgAAAAAAAABkAAAAAAAAAH9/fwAKAAAAIgAAABgAAAAAAAAAAAAAAAAAAAAAAAAAAAAAAAAAAAAkAAAAJAAAAAAAAAAHAAAAAAAAAAAAAAAAAAAAAAAAAAAAAAAAAAAAf39/ACUAAABYAAAAAAAAAAAAAAAAAAAAAAAAAAAAAAAAAAAAAAAAAAAAAAAAAAAAAAAAAAAAAAA/AAAAAAAAAKCGAQAAAAAAAAAAAAAAAAAMAAAAAQAAAAAAAAAAAAAAAAAAAB8AAABUAAAA////AAAAAAEAAAAAAAAAAAAAAAAAAAAAAAAAAAAAAAAAAAAAAAAAAAAAAAB/f38AAAAAA8zMzADAwP8Af39/AAAAAAAAAAAAAAAAAAAAAAAAAAAAIQAAABgAAAAUAAAA0AIAAP0QAACEGwAAvhkAABAAAAAmAAAACAAAAD0gAAAAAAAA"/>
               </a:ext>
             </a:extLst>
           </p:cNvSpPr>
@@ -9216,7 +9119,7 @@
             <a:spLocks noGrp="1" noChangeArrowheads="1"/>
             <a:extLst>
               <a:ext uri="smNativeData">
-                <pr:smNativeData xmlns:pr="smNativeData" xmlns="smNativeData" val="SMDATA_15_37BZZRMAAAAlAAAAZAAAAA0AAAAAAAAAAAAAAAAAAAAAAAAAAAAAAAAAAAAAAAAAAAEAAABQAAAAAAAAAAAA4D8AAAAAAADgPwAAAAAAAOA/AAAAAAAA4D8AAAAAAADgPwAAAAAAAOA/AAAAAAAA4D8AAAAAAADgPwAAAAAAAOA/AAAAAAAA4D8CAAAAjAAAAAAAAAAAAAAA////AP///wgAAAAAAAAAAAAAAAAAAAAAAAAAAAAAAAAAAAAAeAAAAAEAAABAAAAAAAAAAAAAAABaAAAAAAAAAAAAAAAAAAAAAAAAAAAAAAAAAAAAAAAAAAAAAAAAAAAAAAAAAAAAAAAAAAAAAAAAAAAAAAAAAAAAAAAAAAAAAAAAAAAAFAAAADwAAAAAAAAAAAAAAAAAAAAPAAAAAQAAACMAAAAjAAAAIwAAAB4AAAAAAAAAZAAAAGQAAAAAAAAAZAAAAGQAAAAVAAAAYAAAAAAAAAAAAAAADwAAACADAAAAAAAAAAAAAAEAAACgMgAAVgcAAKr4//8BAAAAf39/AAEAAABkAAAAAAAAABQAAABAHwAAAAAAACYAAAAAAAAAwOD//wAAAAAmAAAAZAAAABYAAABMAAAAAAAAAAAAAAAEAAAAAAAAAAEAAADRSc4KAAAAACgAAAAoAAAAZAAAAGQAAAAAAAAAzMzMAAAAAABQAAAAUAAAAGQAAABkAAAAAAAAABcAAAAUAAAAAAAAAAAAAAD/fwAA/38AAAAAAAAJAAAABAAAAAAAAAAeAAAAaAAAAAAAAAAAAAAAAAAAAAAAAAAAAAAAECcAABAnAAAAAAAAAAAAAAAAAAAAAAAAAAAAAAAAAAAAAAAAAAAAABQAAAAAAAAAwMD/AAAAAABkAAAAMgAAAAAAAABkAAAAAAAAAH9/fwAKAAAAIgAAABgAAAAAAAAAAAAAAAAAAAAAAAAAAAAAAAAAAAAkAAAAJAAAAAAAAAAHAAAAAAAAAAAAAAAAAAAAAAAAAAAAAAAAAAAAf39/ACUAAABYAAAAAAAAAAAAAAAAAAAAAAAAAAAAAAAAAAAAAAAAAAAAAAAAAAAAAAAAAAAAAAA/AAAAAAAAAKCGAQAAAAAAAAAAAAAAAAAMAAAAAQAAAAAAAAAAAAAAAAAAAB8AAABUAAAA////AAAAAAEAAAAAAAAAAAAAAAAAAAAAAAAAAAAAAAAAAAAAAAAAAAAAAAB/f38AAAAAA8zMzADAwP8Af39/AAAAAAAAAAAAAAAAAAAAAAAAAAAAIQAAABgAAAAUAAAAwRwAAP0QAAB1NQAAvhkAABAAAAAmAAAACAAAAD0gAAAAAAAA"/>
+                <pr:smNativeData xmlns:pr="smNativeData" xmlns="smNativeData" val="SMDATA_15_8sFZZRMAAAAlAAAAZAAAAA0AAAAAAAAAAAAAAAAAAAAAAAAAAAAAAAAAAAAAAAAAAAEAAABQAAAAAAAAAAAA4D8AAAAAAADgPwAAAAAAAOA/AAAAAAAA4D8AAAAAAADgPwAAAAAAAOA/AAAAAAAA4D8AAAAAAADgPwAAAAAAAOA/AAAAAAAA4D8CAAAAjAAAAAAAAAAAAAAA////AP///wgAAAAAAAAAAAAAAAAAAAAAAAAAAAAAAAAAAAAAeAAAAAEAAABAAAAAAAAAAAAAAABaAAAAAAAAAAAAAAAAAAAAAAAAAAAAAAAAAAAAAAAAAAAAAAAAAAAAAAAAAAAAAAAAAAAAAAAAAAAAAAAAAAAAAAAAAAAAAAAAAAAAFAAAADwAAAAAAAAAAAAAAAAAAAAPAAAAAQAAACMAAAAjAAAAIwAAAB4AAAAAAAAAZAAAAGQAAAAAAAAAZAAAAGQAAAAVAAAAYAAAAAAAAAAAAAAADwAAACADAAAAAAAAAAAAAAEAAACgMgAAVgcAAKr4//8BAAAAf39/AAEAAABkAAAAAAAAABQAAABAHwAAAAAAACYAAAAAAAAAwOD//wAAAAAmAAAAZAAAABYAAABMAAAAAAAAAAAAAAAEAAAAAAAAAAEAAADRSc4KAAAAACgAAAAoAAAAZAAAAGQAAAAAAAAAzMzMAAAAAABQAAAAUAAAAGQAAABkAAAAAAAAABcAAAAUAAAAAAAAAAAAAAD/fwAA/38AAAAAAAAJAAAABAAAAAAAAAAeAAAAaAAAAAAAAAAAAAAAAAAAAAAAAAAAAAAAECcAABAnAAAAAAAAAAAAAAAAAAAAAAAAAAAAAAAAAAAAAAAAAAAAABQAAAAAAAAAwMD/AAAAAABkAAAAMgAAAAAAAABkAAAAAAAAAH9/fwAKAAAAIgAAABgAAAAAAAAAAAAAAAAAAAAAAAAAAAAAAAAAAAAkAAAAJAAAAAAAAAAHAAAAAAAAAAAAAAAAAAAAAAAAAAAAAAAAAAAAf39/ACUAAABYAAAAAAAAAAAAAAAAAAAAAAAAAAAAAAAAAAAAAAAAAAAAAAAAAAAAAAAAAAAAAAA/AAAAAAAAAKCGAQAAAAAAAAAAAAAAAAAMAAAAAQAAAAAAAAAAAAAAAAAAAB8AAABUAAAA////AAAAAAEAAAAAAAAAAAAAAAAAAAAAAAAAAAAAAAAAAAAAAAAAAAAAAAB/f38AAAAAA8zMzADAwP8Af39/AAAAAAAAAAAAAAAAAAAAAAAAAAAAIQAAABgAAAAUAAAAwRwAAP0QAAB1NQAAvhkAABAAAAAmAAAACAAAAD0gAAAAAAAA"/>
               </a:ext>
             </a:extLst>
           </p:cNvSpPr>
@@ -9274,7 +9177,7 @@
             <a:spLocks noGrp="1" noChangeArrowheads="1"/>
             <a:extLst>
               <a:ext uri="smNativeData">
-                <pr:smNativeData xmlns:pr="smNativeData" xmlns="smNativeData" val="SMDATA_15_37BZZRMAAAAlAAAAZAAAAE0AAAAAAAAAAAAAAAAAAAAAAAAAAAAAAAABAAAAAAAAAAEAAABQAAAAAAAAAAAA4D8AAAAAAADgPwAAAAAAAOA/AAAAAAAA4D8AAAAAAADgPwAAAAAAAOA/AAAAAAAA4D8AAAAAAADgPwAAAAAAAOA/AAAAAAAA4D8CAAAAjAAAAAAAAAAAAAAA////AP///wgAAAAAAAAAAAAAAAAAAAAAAAAAAAAAAAAAAAAAeAAAAAEAAABAAAAAAAAAAAAAAABaAAAAAAAAAAAAAAAAAAAAAAAAAAAAAAAAAAAAAAAAAAAAAAAAAAAAAAAAAAAAAAAAAAAAAAAAAAAAAAAAAAAAAAAAAAAAAAAAAAAAFAAAADwAAAAAAAAAAAAAAAAAAAAPAAAAAQAAACMAAAAjAAAAIwAAAB4AAAAAAAAAZAAAAGQAAAAAAAAAZAAAAGQAAAAVAAAAYAAAAAAAAAAAAAAADwAAACADAAAAAAAAAAAAAAEAAACgMgAAVgcAAKr4//8BAAAAf39/AAEAAABkAAAAAAAAABQAAABAHwAAAAAAACYAAAAAAAAAwOD//wAAAAAmAAAAZAAAABYAAABMAAAAAAAAAAAAAAAEAAAAAAAAAAEAAADRSc4KAAAAACgAAAAoAAAAZAAAAGQAAAAAAAAAzMzMAAAAAABQAAAAUAAAAGQAAABkAAAAAAAAABcAAAAUAAAAAAAAAAAAAAD/fwAA/38AAAAAAAAJAAAABAAAAAAAAAAeAAAAaAAAAAAAAAAAAAAAAAAAAAAAAAAAAAAAECcAABAnAAAAAAAAAAAAAAAAAAAAAAAAAAAAAAAAAAAAAAAAAAAAABQAAAAAAAAAwMD/AAAAAABkAAAAMgAAAAAAAABkAAAAAAAAAH9/fwAKAAAAIgAAABgAAAAAAAAAAAAAAAAAAAAAAAAAAAAAAAAAAAAkAAAAJAAAAAAAAAAHAAAAAAAAAAAAAAAAAAAAAAAAAAAAAAAAAAAAf39/ACUAAABYAAAAAAAAAAAAAAAAAAAAAAAAAAAAAAAAAAAAAAAAAAAAAAAAAAAAAAAAAAAAAAA/AAAAAAAAAKCGAQAAAAAAAAAAAAAAAAAMAAAAAQAAAAAAAAAAAAAAAAAAAB8AAABUAAAA////AAAAAAEAAAAAAAAAAAAAAAAAAAAAAAAAAAAAAAAAAAAAAAAAAAAAAAB/f38AAAAAA8zMzADAwP8Af39/AAAAAAAAAAAAAAAAAAAAAAAAAAAAIQAAABgAAAAUAAAA0AIAAA8AAABvNQAAwAcAABAgAAAmAAAACAAAAD0gAAAAAAAA"/>
+                <pr:smNativeData xmlns:pr="smNativeData" xmlns="smNativeData" val="SMDATA_15_8sFZZRMAAAAlAAAAZAAAAE0AAAAAAAAAAAAAAAAAAAAAAAAAAAAAAAABAAAAAAAAAAEAAABQAAAAAAAAAAAA4D8AAAAAAADgPwAAAAAAAOA/AAAAAAAA4D8AAAAAAADgPwAAAAAAAOA/AAAAAAAA4D8AAAAAAADgPwAAAAAAAOA/AAAAAAAA4D8CAAAAjAAAAAAAAAAAAAAA////AP///wgAAAAAAAAAAAAAAAAAAAAAAAAAAAAAAAAAAAAAeAAAAAEAAABAAAAAAAAAAAAAAABaAAAAAAAAAAAAAAAAAAAAAAAAAAAAAAAAAAAAAAAAAAAAAAAAAAAAAAAAAAAAAAAAAAAAAAAAAAAAAAAAAAAAAAAAAAAAAAAAAAAAFAAAADwAAAAAAAAAAAAAAAAAAAAPAAAAAQAAACMAAAAjAAAAIwAAAB4AAAAAAAAAZAAAAGQAAAAAAAAAZAAAAGQAAAAVAAAAYAAAAAAAAAAAAAAADwAAACADAAAAAAAAAAAAAAEAAACgMgAAVgcAAKr4//8BAAAAf39/AAEAAABkAAAAAAAAABQAAABAHwAAAAAAACYAAAAAAAAAwOD//wAAAAAmAAAAZAAAABYAAABMAAAAAAAAAAAAAAAEAAAAAAAAAAEAAADRSc4KAAAAACgAAAAoAAAAZAAAAGQAAAAAAAAAzMzMAAAAAABQAAAAUAAAAGQAAABkAAAAAAAAABcAAAAUAAAAAAAAAAAAAAD/fwAA/38AAAAAAAAJAAAABAAAAAAAAAAeAAAAaAAAAAAAAAAAAAAAAAAAAAAAAAAAAAAAECcAABAnAAAAAAAAAAAAAAAAAAAAAAAAAAAAAAAAAAAAAAAAAAAAABQAAAAAAAAAwMD/AAAAAABkAAAAMgAAAAAAAABkAAAAAAAAAH9/fwAKAAAAIgAAABgAAAAAAAAAAAAAAAAAAAAAAAAAAAAAAAAAAAAkAAAAJAAAAAAAAAAHAAAAAAAAAAAAAAAAAAAAAAAAAAAAAAAAAAAAf39/ACUAAABYAAAAAAAAAAAAAAAAAAAAAAAAAAAAAAAAAAAAAAAAAAAAAAAAAAAAAAAAAAAAAAA/AAAAAAAAAKCGAQAAAAAAAAAAAAAAAAAMAAAAAQAAAAAAAAAAAAAAAAAAAB8AAABUAAAA////AAAAAAEAAAAAAAAAAAAAAAAAAAAAAAAAAAAAAAAAAAAAAAAAAAAAAAB/f38AAAAAA8zMzADAwP8Af39/AAAAAAAAAAAAAAAAAAAAAAAAAAAAIQAAABgAAAAUAAAA0AIAAA8AAABvNQAAwAcAABAgAAAmAAAACAAAAD0gAAAAAAAA"/>
               </a:ext>
             </a:extLst>
           </p:cNvSpPr>
@@ -9307,7 +9210,7 @@
             <a:spLocks noGrp="1" noChangeArrowheads="1"/>
             <a:extLst>
               <a:ext uri="smNativeData">
-                <pr:smNativeData xmlns:pr="smNativeData" xmlns="smNativeData" val="SMDATA_15_37BZZRMAAAAlAAAAZAAAAA0AAAAAAAAAAAAAAAAAAAAAAAAAAAAAAAAAAAAAAAAAAAEAAABQAAAAAAAAAAAA4D8AAAAAAADgPwAAAAAAAOA/AAAAAAAA4D8AAAAAAADgPwAAAAAAAOA/AAAAAAAA4D8AAAAAAADgPwAAAAAAAOA/AAAAAAAA4D8CAAAAjAAAAAAAAAAAAAAA////AP///wgAAAAAAAAAAAAAAAAAAAAAAAAAAAAAAAAAAAAAeAAAAAEAAABAAAAAAAAAAAAAAABaAAAAAAAAAAAAAAAAAAAAAAAAAAAAAAAAAAAAAAAAAAAAAAAAAAAAAAAAAAAAAAAAAAAAAAAAAAAAAAAAAAAAAAAAAAAAAAAAAAAAFAAAADwAAAAAAAAAAAAAAAAAAAAPAAAAAQAAACMAAAAjAAAAIwAAAB4AAAAAAAAAZAAAAGQAAAAAAAAAZAAAAGQAAAAVAAAAYAAAAAAAAAAAAAAADwAAACADAAAAAAAAAAAAAAEAAACgMgAAVgcAAKr4//8BAAAAf39/AAEAAABkAAAAAAAAABQAAABAHwAAAAAAACYAAAAAAAAAwOD//wAAAAAmAAAAZAAAABYAAABMAAAAAAAAAAAAAAAEAAAAAAAAAAEAAADRSc4KAAAAACgAAAAoAAAAZAAAAGQAAAAAAAAAzMzMAAAAAABQAAAAUAAAAGQAAABkAAAAAAAAABcAAAAUAAAAAAAAAAAAAAD/fwAA/38AAAAAAAAJAAAABAAAAAAAAAAeAAAAaAAAAAAAAAAAAAAAAAAAAAAAAAAAAAAAECcAABAnAAAAAAAAAAAAAAAAAAAAAAAAAAAAAAAAAAAAAAAAAAAAABQAAAAAAAAAwMD/AAAAAABkAAAAMgAAAAAAAABkAAAAAAAAAH9/fwAKAAAAIgAAABgAAAAAAAAAAAAAAAAAAAAAAAAAAAAAAAAAAAAkAAAAJAAAAAAAAAAHAAAAAAAAAAAAAAAAAAAAAAAAAAAAAAAAAAAAf39/ACUAAABYAAAAAAAAAAAAAAAAAAAAAAAAAAAAAAAAAAAAAAAAAAAAAAAAAAAAAAAAAAAAAAA/AAAAAAAAAKCGAQAAAAAAAAAAAAAAAAAMAAAAAQAAAAAAAAAAAAAAAAAAAB8AAABUAAAA////AAAAAAEAAAAAAAAAAAAAAAAAAAAAAAAAAAAAAAAAAAAAAAAAAAAAAAB/f38AAAAAA8zMzADAwP8Af39/AAAAAAAAAAAAAAAAAAAAAAAAAAAAIQAAABgAAAAUAAAA0AIAAGcHAAAdEwAAKBAAABAAAAAmAAAACAAAAD0gAAAAAAAA"/>
+                <pr:smNativeData xmlns:pr="smNativeData" xmlns="smNativeData" val="SMDATA_15_8sFZZRMAAAAlAAAAZAAAAA0AAAAAAAAAAAAAAAAAAAAAAAAAAAAAAAAAAAAAAAAAAAEAAABQAAAAAAAAAAAA4D8AAAAAAADgPwAAAAAAAOA/AAAAAAAA4D8AAAAAAADgPwAAAAAAAOA/AAAAAAAA4D8AAAAAAADgPwAAAAAAAOA/AAAAAAAA4D8CAAAAjAAAAAAAAAAAAAAA////AP///wgAAAAAAAAAAAAAAAAAAAAAAAAAAAAAAAAAAAAAeAAAAAEAAABAAAAAAAAAAAAAAABaAAAAAAAAAAAAAAAAAAAAAAAAAAAAAAAAAAAAAAAAAAAAAAAAAAAAAAAAAAAAAAAAAAAAAAAAAAAAAAAAAAAAAAAAAAAAAAAAAAAAFAAAADwAAAAAAAAAAAAAAAAAAAAPAAAAAQAAACMAAAAjAAAAIwAAAB4AAAAAAAAAZAAAAGQAAAAAAAAAZAAAAGQAAAAVAAAAYAAAAAAAAAAAAAAADwAAACADAAAAAAAAAAAAAAEAAACgMgAAVgcAAKr4//8BAAAAf39/AAEAAABkAAAAAAAAABQAAABAHwAAAAAAACYAAAAAAAAAwOD//wAAAAAmAAAAZAAAABYAAABMAAAAAAAAAAAAAAAEAAAAAAAAAAEAAADRSc4KAAAAACgAAAAoAAAAZAAAAGQAAAAAAAAAzMzMAAAAAABQAAAAUAAAAGQAAABkAAAAAAAAABcAAAAUAAAAAAAAAAAAAAD/fwAA/38AAAAAAAAJAAAABAAAAAAAAAAeAAAAaAAAAAAAAAAAAAAAAAAAAAAAAAAAAAAAECcAABAnAAAAAAAAAAAAAAAAAAAAAAAAAAAAAAAAAAAAAAAAAAAAABQAAAAAAAAAwMD/AAAAAABkAAAAMgAAAAAAAABkAAAAAAAAAH9/fwAKAAAAIgAAABgAAAAAAAAAAAAAAAAAAAAAAAAAAAAAAAAAAAAkAAAAJAAAAAAAAAAHAAAAAAAAAAAAAAAAAAAAAAAAAAAAAAAAAAAAf39/ACUAAABYAAAAAAAAAAAAAAAAAAAAAAAAAAAAAAAAAAAAAAAAAAAAAAAAAAAAAAAAAAAAAAA/AAAAAAAAAKCGAQAAAAAAAAAAAAAAAAAMAAAAAQAAAAAAAAAAAAAAAAAAAB8AAABUAAAA////AAAAAAEAAAAAAAAAAAAAAAAAAAAAAAAAAAAAAAAAAAAAAAAAAAAAAAB/f38AAAAAA8zMzADAwP8Af39/AAAAAAAAAAAAAAAAAAAAAAAAAAAAIQAAABgAAAAUAAAA0AIAAGcHAAAdEwAAKBAAABAAAAAmAAAACAAAAD0gAAAAAAAA"/>
               </a:ext>
             </a:extLst>
           </p:cNvSpPr>
@@ -9343,7 +9246,7 @@
             <a:spLocks noGrp="1" noChangeArrowheads="1"/>
             <a:extLst>
               <a:ext uri="smNativeData">
-                <pr:smNativeData xmlns:pr="smNativeData" xmlns="smNativeData" val="SMDATA_15_37BZZRMAAAAlAAAAZAAAAA0AAAAAAAAAAAAAAAAAAAAAAAAAAAAAAAAAAAAAAAAAAAEAAABQAAAAAAAAAAAA4D8AAAAAAADgPwAAAAAAAOA/AAAAAAAA4D8AAAAAAADgPwAAAAAAAOA/AAAAAAAA4D8AAAAAAADgPwAAAAAAAOA/AAAAAAAA4D8CAAAAjAAAAAAAAAAAAAAA////AP///wgAAAAAAAAAAAAAAAAAAAAAAAAAAAAAAAAAAAAAeAAAAAEAAABAAAAAAAAAAAAAAABaAAAAAAAAAAAAAAAAAAAAAAAAAAAAAAAAAAAAAAAAAAAAAAAAAAAAAAAAAAAAAAAAAAAAAAAAAAAAAAAAAAAAAAAAAAAAAAAAAAAAFAAAADwAAAAAAAAAAAAAAAAAAAAPAAAAAQAAACMAAAAjAAAAIwAAAB4AAAAAAAAAZAAAAGQAAAAAAAAAZAAAAGQAAAAVAAAAYAAAAAAAAAAAAAAADwAAACADAAAAAAAAAAAAAAEAAACgMgAAVgcAAKr4//8BAAAAf39/AAEAAABkAAAAAAAAABQAAABAHwAAAAAAACYAAAAAAAAAwOD//wAAAAAmAAAAZAAAABYAAABMAAAAAAAAAAAAAAAEAAAAAAAAAAEAAADRSc4KAAAAACgAAAAoAAAAZAAAAGQAAAAAAAAAzMzMAAAAAABQAAAAUAAAAGQAAABkAAAAAAAAABcAAAAUAAAAAAAAAAAAAAD/fwAA/38AAAAAAAAJAAAABAAAAAAAAAAeAAAAaAAAAAAAAAAAAAAAAAAAAAAAAAAAAAAAECcAABAnAAAAAAAAAAAAAAAAAAAAAAAAAAAAAAAAAAAAAAAAAAAAABQAAAAAAAAAwMD/AAAAAABkAAAAMgAAAAAAAABkAAAAAAAAAH9/fwAKAAAAIgAAABgAAAAAAAAAAAAAAAAAAAAAAAAAAAAAAAAAAAAkAAAAJAAAAAAAAAAHAAAAAAAAAAAAAAAAAAAAAAAAAAAAAAAAAAAAf39/ACUAAABYAAAAAAAAAAAAAAAAAAAAAAAAAAAAAAAAAAAAAAAAAAAAAAAAAAAAAAAAAAAAAAA/AAAAAAAAAKCGAQAAAAAAAAAAAAAAAAAMAAAAAQAAAAAAAAAAAAAAAAAAAB8AAABUAAAA////AAAAAAEAAAAAAAAAAAAAAAAAAAAAAAAAAAAAAAAAAAAAAAAAAAAAAAB/f38AAAAAA8zMzADAwP8Af39/AAAAAAAAAAAAAAAAAAAAAAAAAAAAIQAAABgAAAAUAAAA7hMAAGcHAAA6JAAAKBAAABAAAAAmAAAACAAAAD0gAAAAAAAA"/>
+                <pr:smNativeData xmlns:pr="smNativeData" xmlns="smNativeData" val="SMDATA_15_8sFZZRMAAAAlAAAAZAAAAA0AAAAAAAAAAAAAAAAAAAAAAAAAAAAAAAAAAAAAAAAAAAEAAABQAAAAAAAAAAAA4D8AAAAAAADgPwAAAAAAAOA/AAAAAAAA4D8AAAAAAADgPwAAAAAAAOA/AAAAAAAA4D8AAAAAAADgPwAAAAAAAOA/AAAAAAAA4D8CAAAAjAAAAAAAAAAAAAAA////AP///wgAAAAAAAAAAAAAAAAAAAAAAAAAAAAAAAAAAAAAeAAAAAEAAABAAAAAAAAAAAAAAABaAAAAAAAAAAAAAAAAAAAAAAAAAAAAAAAAAAAAAAAAAAAAAAAAAAAAAAAAAAAAAAAAAAAAAAAAAAAAAAAAAAAAAAAAAAAAAAAAAAAAFAAAADwAAAAAAAAAAAAAAAAAAAAPAAAAAQAAACMAAAAjAAAAIwAAAB4AAAAAAAAAZAAAAGQAAAAAAAAAZAAAAGQAAAAVAAAAYAAAAAAAAAAAAAAADwAAACADAAAAAAAAAAAAAAEAAACgMgAAVgcAAKr4//8BAAAAf39/AAEAAABkAAAAAAAAABQAAABAHwAAAAAAACYAAAAAAAAAwOD//wAAAAAmAAAAZAAAABYAAABMAAAAAAAAAAAAAAAEAAAAAAAAAAEAAADRSc4KAAAAACgAAAAoAAAAZAAAAGQAAAAAAAAAzMzMAAAAAABQAAAAUAAAAGQAAABkAAAAAAAAABcAAAAUAAAAAAAAAAAAAAD/fwAA/38AAAAAAAAJAAAABAAAAAAAAAAeAAAAaAAAAAAAAAAAAAAAAAAAAAAAAAAAAAAAECcAABAnAAAAAAAAAAAAAAAAAAAAAAAAAAAAAAAAAAAAAAAAAAAAABQAAAAAAAAAwMD/AAAAAABkAAAAMgAAAAAAAABkAAAAAAAAAH9/fwAKAAAAIgAAABgAAAAAAAAAAAAAAAAAAAAAAAAAAAAAAAAAAAAkAAAAJAAAAAAAAAAHAAAAAAAAAAAAAAAAAAAAAAAAAAAAAAAAAAAAf39/ACUAAABYAAAAAAAAAAAAAAAAAAAAAAAAAAAAAAAAAAAAAAAAAAAAAAAAAAAAAAAAAAAAAAA/AAAAAAAAAKCGAQAAAAAAAAAAAAAAAAAMAAAAAQAAAAAAAAAAAAAAAAAAAB8AAABUAAAA////AAAAAAEAAAAAAAAAAAAAAAAAAAAAAAAAAAAAAAAAAAAAAAAAAAAAAAB/f38AAAAAA8zMzADAwP8Af39/AAAAAAAAAAAAAAAAAAAAAAAAAAAAIQAAABgAAAAUAAAA7hMAAGcHAAA6JAAAKBAAABAAAAAmAAAACAAAAD0gAAAAAAAA"/>
               </a:ext>
             </a:extLst>
           </p:cNvSpPr>
@@ -9379,7 +9282,7 @@
             <a:spLocks noGrp="1" noChangeArrowheads="1"/>
             <a:extLst>
               <a:ext uri="smNativeData">
-                <pr:smNativeData xmlns:pr="smNativeData" xmlns="smNativeData" val="SMDATA_15_37BZZRMAAAAlAAAAZAAAAA0AAAAAAAAAAAAAAAAAAAAAAAAAAAAAAAAAAAAAAAAAAAEAAABQAAAAAAAAAAAA4D8AAAAAAADgPwAAAAAAAOA/AAAAAAAA4D8AAAAAAADgPwAAAAAAAOA/AAAAAAAA4D8AAAAAAADgPwAAAAAAAOA/AAAAAAAA4D8CAAAAjAAAAAAAAAAAAAAA////AP///wgAAAAAAAAAAAAAAAAAAAAAAAAAAAAAAAAAAAAAeAAAAAEAAABAAAAAAAAAAAAAAABaAAAAAAAAAAAAAAAAAAAAAAAAAAAAAAAAAAAAAAAAAAAAAAAAAAAAAAAAAAAAAAAAAAAAAAAAAAAAAAAAAAAAAAAAAAAAAAAAAAAAFAAAADwAAAAAAAAAAAAAAAAAAAAPAAAAAQAAACMAAAAjAAAAIwAAAB4AAAAAAAAAZAAAAGQAAAAAAAAAZAAAAGQAAAAVAAAAYAAAAAAAAAAAAAAADwAAACADAAAAAAAAAAAAAAEAAACgMgAAVgcAAKr4//8BAAAAf39/AAEAAABkAAAAAAAAABQAAABAHwAAAAAAACYAAAAAAAAAwOD//wAAAAAmAAAAZAAAABYAAABMAAAAAAAAAAAAAAAEAAAAAAAAAAEAAADRSc4KAAAAACgAAAAoAAAAZAAAAGQAAAAAAAAAzMzMAAAAAABQAAAAUAAAAGQAAABkAAAAAAAAABcAAAAUAAAAAAAAAAAAAAD/fwAA/38AAAAAAAAJAAAABAAAAAAAAAAeAAAAaAAAAAAAAAAAAAAAAAAAAAAAAAAAAAAAECcAABAnAAAAAAAAAAAAAAAAAAAAAAAAAAAAAAAAAAAAAAAAAAAAABQAAAAAAAAAwMD/AAAAAABkAAAAMgAAAAAAAABkAAAAAAAAAH9/fwAKAAAAIgAAABgAAAAAAAAAAAAAAAAAAAAAAAAAAAAAAAAAAAAkAAAAJAAAAAAAAAAHAAAAAAAAAAAAAAAAAAAAAAAAAAAAAAAAAAAAf39/ACUAAABYAAAAAAAAAAAAAAAAAAAAAAAAAAAAAAAAAAAAAAAAAAAAAAAAAAAAAAAAAAAAAAA/AAAAAAAAAKCGAQAAAAAAAAAAAAAAAAAMAAAAAQAAAAAAAAAAAAAAAAAAAB8AAABUAAAA////AAAAAAEAAAAAAAAAAAAAAAAAAAAAAAAAAAAAAAAAAAAAAAAAAAAAAAB/f38AAAAAA8zMzADAwP8Af39/AAAAAAAAAAAAAAAAAAAAAAAAAAAAIQAAABgAAAAUAAAADCUAAGcHAABYNQAAKBAAABAAAAAmAAAACAAAAD0gAAAAAAAA"/>
+                <pr:smNativeData xmlns:pr="smNativeData" xmlns="smNativeData" val="SMDATA_15_8sFZZRMAAAAlAAAAZAAAAA0AAAAAAAAAAAAAAAAAAAAAAAAAAAAAAAAAAAAAAAAAAAEAAABQAAAAAAAAAAAA4D8AAAAAAADgPwAAAAAAAOA/AAAAAAAA4D8AAAAAAADgPwAAAAAAAOA/AAAAAAAA4D8AAAAAAADgPwAAAAAAAOA/AAAAAAAA4D8CAAAAjAAAAAAAAAAAAAAA////AP///wgAAAAAAAAAAAAAAAAAAAAAAAAAAAAAAAAAAAAAeAAAAAEAAABAAAAAAAAAAAAAAABaAAAAAAAAAAAAAAAAAAAAAAAAAAAAAAAAAAAAAAAAAAAAAAAAAAAAAAAAAAAAAAAAAAAAAAAAAAAAAAAAAAAAAAAAAAAAAAAAAAAAFAAAADwAAAAAAAAAAAAAAAAAAAAPAAAAAQAAACMAAAAjAAAAIwAAAB4AAAAAAAAAZAAAAGQAAAAAAAAAZAAAAGQAAAAVAAAAYAAAAAAAAAAAAAAADwAAACADAAAAAAAAAAAAAAEAAACgMgAAVgcAAKr4//8BAAAAf39/AAEAAABkAAAAAAAAABQAAABAHwAAAAAAACYAAAAAAAAAwOD//wAAAAAmAAAAZAAAABYAAABMAAAAAAAAAAAAAAAEAAAAAAAAAAEAAADRSc4KAAAAACgAAAAoAAAAZAAAAGQAAAAAAAAAzMzMAAAAAABQAAAAUAAAAGQAAABkAAAAAAAAABcAAAAUAAAAAAAAAAAAAAD/fwAA/38AAAAAAAAJAAAABAAAAAAAAAAeAAAAaAAAAAAAAAAAAAAAAAAAAAAAAAAAAAAAECcAABAnAAAAAAAAAAAAAAAAAAAAAAAAAAAAAAAAAAAAAAAAAAAAABQAAAAAAAAAwMD/AAAAAABkAAAAMgAAAAAAAABkAAAAAAAAAH9/fwAKAAAAIgAAABgAAAAAAAAAAAAAAAAAAAAAAAAAAAAAAAAAAAAkAAAAJAAAAAAAAAAHAAAAAAAAAAAAAAAAAAAAAAAAAAAAAAAAAAAAf39/ACUAAABYAAAAAAAAAAAAAAAAAAAAAAAAAAAAAAAAAAAAAAAAAAAAAAAAAAAAAAAAAAAAAAA/AAAAAAAAAKCGAQAAAAAAAAAAAAAAAAAMAAAAAQAAAAAAAAAAAAAAAAAAAB8AAABUAAAA////AAAAAAEAAAAAAAAAAAAAAAAAAAAAAAAAAAAAAAAAAAAAAAAAAAAAAAB/f38AAAAAA8zMzADAwP8Af39/AAAAAAAAAAAAAAAAAAAAAAAAAAAAIQAAABgAAAAUAAAADCUAAGcHAABYNQAAKBAAABAAAAAmAAAACAAAAD0gAAAAAAAA"/>
               </a:ext>
             </a:extLst>
           </p:cNvSpPr>
@@ -9415,7 +9318,7 @@
             <a:spLocks noGrp="1" noChangeArrowheads="1"/>
             <a:extLst>
               <a:ext uri="smNativeData">
-                <pr:smNativeData xmlns:pr="smNativeData" xmlns="smNativeData" val="SMDATA_15_37BZZRMAAAAlAAAAZAAAAA0AAAAAAAAAAAAAAAAAAAAAAAAAAAAAAAAAAAAAAAAAAAEAAABQAAAAAAAAAAAA4D8AAAAAAADgPwAAAAAAAOA/AAAAAAAA4D8AAAAAAADgPwAAAAAAAOA/AAAAAAAA4D8AAAAAAADgPwAAAAAAAOA/AAAAAAAA4D8CAAAAjAAAAAAAAAAAAAAA////AP///wgAAAAAAAAAAAAAAAAAAAAAAAAAAAAAAAAAAAAAeAAAAAEAAABAAAAAAAAAAAAAAABaAAAAAAAAAAAAAAAAAAAAAAAAAAAAAAAAAAAAAAAAAAAAAAAAAAAAAAAAAAAAAAAAAAAAAAAAAAAAAAAAAAAAAAAAAAAAAAAAAAAAFAAAADwAAAAAAAAAAAAAAAAAAAAPAAAAAQAAACMAAAAjAAAAIwAAAB4AAAAAAAAAZAAAAGQAAAAAAAAAZAAAAGQAAAAVAAAAYAAAAAAAAAAAAAAADwAAACADAAAAAAAAAAAAAAEAAACgMgAAVgcAAKr4//8BAAAAf39/AAEAAABkAAAAAAAAABQAAABAHwAAAAAAACYAAAAAAAAAwOD//wAAAAAmAAAAZAAAABYAAABMAAAAAAAAAAAAAAAEAAAAAAAAAAEAAADRSc4KAAAAACgAAAAoAAAAZAAAAGQAAAAAAAAAzMzMAAAAAABQAAAAUAAAAGQAAABkAAAAAAAAABcAAAAUAAAAAAAAAAAAAAD/fwAA/38AAAAAAAAJAAAABAAAAAAAAAAeAAAAaAAAAAAAAAAAAAAAAAAAAAAAAAAAAAAAECcAABAnAAAAAAAAAAAAAAAAAAAAAAAAAAAAAAAAAAAAAAAAAAAAABQAAAAAAAAAwMD/AAAAAABkAAAAMgAAAAAAAABkAAAAAAAAAH9/fwAKAAAAIgAAABgAAAAAAAAAAAAAAAAAAAAAAAAAAAAAAAAAAAAkAAAAJAAAAAAAAAAHAAAAAAAAAAAAAAAAAAAAAAAAAAAAAAAAAAAAf39/ACUAAABYAAAAAAAAAAAAAAAAAAAAAAAAAAAAAAAAAAAAAAAAAAAAAAAAAAAAAAAAAAAAAAA/AAAAAAAAAKCGAQAAAAAAAAAAAAAAAAAMAAAAAQAAAAAAAAAAAAAAAAAAAB8AAABUAAAA////AAAAAAEAAAAAAAAAAAAAAAAAAAAAAAAAAAAAAAAAAAAAAAAAAAAAAAB/f38AAAAAA8zMzADAwP8Af39/AAAAAAAAAAAAAAAAAAAAAAAAAAAAIQAAABgAAAAUAAAA0AIAAP0QAAAdEwAAvhkAABAAAAAmAAAACAAAAD0gAAAAAAAA"/>
+                <pr:smNativeData xmlns:pr="smNativeData" xmlns="smNativeData" val="SMDATA_15_8sFZZRMAAAAlAAAAZAAAAA0AAAAAAAAAAAAAAAAAAAAAAAAAAAAAAAAAAAAAAAAAAAEAAABQAAAAAAAAAAAA4D8AAAAAAADgPwAAAAAAAOA/AAAAAAAA4D8AAAAAAADgPwAAAAAAAOA/AAAAAAAA4D8AAAAAAADgPwAAAAAAAOA/AAAAAAAA4D8CAAAAjAAAAAAAAAAAAAAA////AP///wgAAAAAAAAAAAAAAAAAAAAAAAAAAAAAAAAAAAAAeAAAAAEAAABAAAAAAAAAAAAAAABaAAAAAAAAAAAAAAAAAAAAAAAAAAAAAAAAAAAAAAAAAAAAAAAAAAAAAAAAAAAAAAAAAAAAAAAAAAAAAAAAAAAAAAAAAAAAAAAAAAAAFAAAADwAAAAAAAAAAAAAAAAAAAAPAAAAAQAAACMAAAAjAAAAIwAAAB4AAAAAAAAAZAAAAGQAAAAAAAAAZAAAAGQAAAAVAAAAYAAAAAAAAAAAAAAADwAAACADAAAAAAAAAAAAAAEAAACgMgAAVgcAAKr4//8BAAAAf39/AAEAAABkAAAAAAAAABQAAABAHwAAAAAAACYAAAAAAAAAwOD//wAAAAAmAAAAZAAAABYAAABMAAAAAAAAAAAAAAAEAAAAAAAAAAEAAADRSc4KAAAAACgAAAAoAAAAZAAAAGQAAAAAAAAAzMzMAAAAAABQAAAAUAAAAGQAAABkAAAAAAAAABcAAAAUAAAAAAAAAAAAAAD/fwAA/38AAAAAAAAJAAAABAAAAAAAAAAeAAAAaAAAAAAAAAAAAAAAAAAAAAAAAAAAAAAAECcAABAnAAAAAAAAAAAAAAAAAAAAAAAAAAAAAAAAAAAAAAAAAAAAABQAAAAAAAAAwMD/AAAAAABkAAAAMgAAAAAAAABkAAAAAAAAAH9/fwAKAAAAIgAAABgAAAAAAAAAAAAAAAAAAAAAAAAAAAAAAAAAAAAkAAAAJAAAAAAAAAAHAAAAAAAAAAAAAAAAAAAAAAAAAAAAAAAAAAAAf39/ACUAAABYAAAAAAAAAAAAAAAAAAAAAAAAAAAAAAAAAAAAAAAAAAAAAAAAAAAAAAAAAAAAAAA/AAAAAAAAAKCGAQAAAAAAAAAAAAAAAAAMAAAAAQAAAAAAAAAAAAAAAAAAAB8AAABUAAAA////AAAAAAEAAAAAAAAAAAAAAAAAAAAAAAAAAAAAAAAAAAAAAAAAAAAAAAB/f38AAAAAA8zMzADAwP8Af39/AAAAAAAAAAAAAAAAAAAAAAAAAAAAIQAAABgAAAAUAAAA0AIAAP0QAAAdEwAAvhkAABAAAAAmAAAACAAAAD0gAAAAAAAA"/>
               </a:ext>
             </a:extLst>
           </p:cNvSpPr>
@@ -9451,7 +9354,7 @@
             <a:spLocks noGrp="1" noChangeArrowheads="1"/>
             <a:extLst>
               <a:ext uri="smNativeData">
-                <pr:smNativeData xmlns:pr="smNativeData" xmlns="smNativeData" val="SMDATA_15_37BZZRMAAAAlAAAAZAAAAA0AAAAAAAAAAAAAAAAAAAAAAAAAAAAAAAAAAAAAAAAAAAEAAABQAAAAAAAAAAAA4D8AAAAAAADgPwAAAAAAAOA/AAAAAAAA4D8AAAAAAADgPwAAAAAAAOA/AAAAAAAA4D8AAAAAAADgPwAAAAAAAOA/AAAAAAAA4D8CAAAAjAAAAAAAAAAAAAAA////AP///wgAAAAAAAAAAAAAAAAAAAAAAAAAAAAAAAAAAAAAeAAAAAEAAABAAAAAAAAAAAAAAABaAAAAAAAAAAAAAAAAAAAAAAAAAAAAAAAAAAAAAAAAAAAAAAAAAAAAAAAAAAAAAAAAAAAAAAAAAAAAAAAAAAAAAAAAAAAAAAAAAAAAFAAAADwAAAAAAAAAAAAAAAAAAAAPAAAAAQAAACMAAAAjAAAAIwAAAB4AAAAAAAAAZAAAAGQAAAAAAAAAZAAAAGQAAAAVAAAAYAAAAAAAAAAAAAAADwAAACADAAAAAAAAAAAAAAEAAACgMgAAVgcAAKr4//8BAAAAf39/AAEAAABkAAAAAAAAABQAAABAHwAAAAAAACYAAAAAAAAAwOD//wAAAAAmAAAAZAAAABYAAABMAAAAAAAAAAAAAAAEAAAAAAAAAAEAAADRSc4KAAAAACgAAAAoAAAAZAAAAGQAAAAAAAAAzMzMAAAAAABQAAAAUAAAAGQAAABkAAAAAAAAABcAAAAUAAAAAAAAAAAAAAD/fwAA/38AAAAAAAAJAAAABAAAAAAAAAAeAAAAaAAAAAAAAAAAAAAAAAAAAAAAAAAAAAAAECcAABAnAAAAAAAAAAAAAAAAAAAAAAAAAAAAAAAAAAAAAAAAAAAAABQAAAAAAAAAwMD/AAAAAABkAAAAMgAAAAAAAABkAAAAAAAAAH9/fwAKAAAAIgAAABgAAAAAAAAAAAAAAAAAAAAAAAAAAAAAAAAAAAAkAAAAJAAAAAAAAAAHAAAAAAAAAAAAAAAAAAAAAAAAAAAAAAAAAAAAf39/ACUAAABYAAAAAAAAAAAAAAAAAAAAAAAAAAAAAAAAAAAAAAAAAAAAAAAAAAAAAAAAAAAAAAA/AAAAAAAAAKCGAQAAAAAAAAAAAAAAAAAMAAAAAQAAAAAAAAAAAAAAAAAAAB8AAABUAAAA////AAAAAAEAAAAAAAAAAAAAAAAAAAAAAAAAAAAAAAAAAAAAAAAAAAAAAAB/f38AAAAAA8zMzADAwP8Af39/AAAAAAAAAAAAAAAAAAAAAAAAAAAAIQAAABgAAAAUAAAA7hMAAP0QAAA6JAAAvhkAABAAAAAmAAAACAAAAD0gAAAAAAAA"/>
+                <pr:smNativeData xmlns:pr="smNativeData" xmlns="smNativeData" val="SMDATA_15_8sFZZRMAAAAlAAAAZAAAAA0AAAAAAAAAAAAAAAAAAAAAAAAAAAAAAAAAAAAAAAAAAAEAAABQAAAAAAAAAAAA4D8AAAAAAADgPwAAAAAAAOA/AAAAAAAA4D8AAAAAAADgPwAAAAAAAOA/AAAAAAAA4D8AAAAAAADgPwAAAAAAAOA/AAAAAAAA4D8CAAAAjAAAAAAAAAAAAAAA////AP///wgAAAAAAAAAAAAAAAAAAAAAAAAAAAAAAAAAAAAAeAAAAAEAAABAAAAAAAAAAAAAAABaAAAAAAAAAAAAAAAAAAAAAAAAAAAAAAAAAAAAAAAAAAAAAAAAAAAAAAAAAAAAAAAAAAAAAAAAAAAAAAAAAAAAAAAAAAAAAAAAAAAAFAAAADwAAAAAAAAAAAAAAAAAAAAPAAAAAQAAACMAAAAjAAAAIwAAAB4AAAAAAAAAZAAAAGQAAAAAAAAAZAAAAGQAAAAVAAAAYAAAAAAAAAAAAAAADwAAACADAAAAAAAAAAAAAAEAAACgMgAAVgcAAKr4//8BAAAAf39/AAEAAABkAAAAAAAAABQAAABAHwAAAAAAACYAAAAAAAAAwOD//wAAAAAmAAAAZAAAABYAAABMAAAAAAAAAAAAAAAEAAAAAAAAAAEAAADRSc4KAAAAACgAAAAoAAAAZAAAAGQAAAAAAAAAzMzMAAAAAABQAAAAUAAAAGQAAABkAAAAAAAAABcAAAAUAAAAAAAAAAAAAAD/fwAA/38AAAAAAAAJAAAABAAAAAAAAAAeAAAAaAAAAAAAAAAAAAAAAAAAAAAAAAAAAAAAECcAABAnAAAAAAAAAAAAAAAAAAAAAAAAAAAAAAAAAAAAAAAAAAAAABQAAAAAAAAAwMD/AAAAAABkAAAAMgAAAAAAAABkAAAAAAAAAH9/fwAKAAAAIgAAABgAAAAAAAAAAAAAAAAAAAAAAAAAAAAAAAAAAAAkAAAAJAAAAAAAAAAHAAAAAAAAAAAAAAAAAAAAAAAAAAAAAAAAAAAAf39/ACUAAABYAAAAAAAAAAAAAAAAAAAAAAAAAAAAAAAAAAAAAAAAAAAAAAAAAAAAAAAAAAAAAAA/AAAAAAAAAKCGAQAAAAAAAAAAAAAAAAAMAAAAAQAAAAAAAAAAAAAAAAAAAB8AAABUAAAA////AAAAAAEAAAAAAAAAAAAAAAAAAAAAAAAAAAAAAAAAAAAAAAAAAAAAAAB/f38AAAAAA8zMzADAwP8Af39/AAAAAAAAAAAAAAAAAAAAAAAAAAAAIQAAABgAAAAUAAAA7hMAAP0QAAA6JAAAvhkAABAAAAAmAAAACAAAAD0gAAAAAAAA"/>
               </a:ext>
             </a:extLst>
           </p:cNvSpPr>
@@ -9487,7 +9390,7 @@
             <a:spLocks noGrp="1" noChangeArrowheads="1"/>
             <a:extLst>
               <a:ext uri="smNativeData">
-                <pr:smNativeData xmlns:pr="smNativeData" xmlns="smNativeData" val="SMDATA_15_37BZZRMAAAAlAAAAZAAAAA0AAAAAAAAAAAAAAAAAAAAAAAAAAAAAAAAAAAAAAAAAAAEAAABQAAAAAAAAAAAA4D8AAAAAAADgPwAAAAAAAOA/AAAAAAAA4D8AAAAAAADgPwAAAAAAAOA/AAAAAAAA4D8AAAAAAADgPwAAAAAAAOA/AAAAAAAA4D8CAAAAjAAAAAAAAAAAAAAA////AP///wgAAAAAAAAAAAAAAAAAAAAAAAAAAAAAAAAAAAAAeAAAAAEAAABAAAAAAAAAAAAAAABaAAAAAAAAAAAAAAAAAAAAAAAAAAAAAAAAAAAAAAAAAAAAAAAAAAAAAAAAAAAAAAAAAAAAAAAAAAAAAAAAAAAAAAAAAAAAAAAAAAAAFAAAADwAAAAAAAAAAAAAAAAAAAAPAAAAAQAAACMAAAAjAAAAIwAAAB4AAAAAAAAAZAAAAGQAAAAAAAAAZAAAAGQAAAAVAAAAYAAAAAAAAAAAAAAADwAAACADAAAAAAAAAAAAAAEAAACgMgAAVgcAAKr4//8BAAAAf39/AAEAAABkAAAAAAAAABQAAABAHwAAAAAAACYAAAAAAAAAwOD//wAAAAAmAAAAZAAAABYAAABMAAAAAAAAAAAAAAAEAAAAAAAAAAEAAADRSc4KAAAAACgAAAAoAAAAZAAAAGQAAAAAAAAAzMzMAAAAAABQAAAAUAAAAGQAAABkAAAAAAAAABcAAAAUAAAAAAAAAAAAAAD/fwAA/38AAAAAAAAJAAAABAAAAAAAAAAeAAAAaAAAAAAAAAAAAAAAAAAAAAAAAAAAAAAAECcAABAnAAAAAAAAAAAAAAAAAAAAAAAAAAAAAAAAAAAAAAAAAAAAABQAAAAAAAAAwMD/AAAAAABkAAAAMgAAAAAAAABkAAAAAAAAAH9/fwAKAAAAIgAAABgAAAAAAAAAAAAAAAAAAAAAAAAAAAAAAAAAAAAkAAAAJAAAAAAAAAAHAAAAAAAAAAAAAAAAAAAAAAAAAAAAAAAAAAAAf39/ACUAAABYAAAAAAAAAAAAAAAAAAAAAAAAAAAAAAAAAAAAAAAAAAAAAAAAAAAAAAAAAAAAAAA/AAAAAAAAAKCGAQAAAAAAAAAAAAAAAAAMAAAAAQAAAAAAAAAAAAAAAAAAAB8AAABUAAAA////AAAAAAEAAAAAAAAAAAAAAAAAAAAAAAAAAAAAAAAAAAAAAAAAAAAAAAB/f38AAAAAA8zMzADAwP8Af39/AAAAAAAAAAAAAAAAAAAAAAAAAAAAIQAAABgAAAAUAAAADCUAAP0QAABYNQAAvhkAABAAAAAmAAAACAAAAD0gAAAAAAAA"/>
+                <pr:smNativeData xmlns:pr="smNativeData" xmlns="smNativeData" val="SMDATA_15_8sFZZRMAAAAlAAAAZAAAAA0AAAAAAAAAAAAAAAAAAAAAAAAAAAAAAAAAAAAAAAAAAAEAAABQAAAAAAAAAAAA4D8AAAAAAADgPwAAAAAAAOA/AAAAAAAA4D8AAAAAAADgPwAAAAAAAOA/AAAAAAAA4D8AAAAAAADgPwAAAAAAAOA/AAAAAAAA4D8CAAAAjAAAAAAAAAAAAAAA////AP///wgAAAAAAAAAAAAAAAAAAAAAAAAAAAAAAAAAAAAAeAAAAAEAAABAAAAAAAAAAAAAAABaAAAAAAAAAAAAAAAAAAAAAAAAAAAAAAAAAAAAAAAAAAAAAAAAAAAAAAAAAAAAAAAAAAAAAAAAAAAAAAAAAAAAAAAAAAAAAAAAAAAAFAAAADwAAAAAAAAAAAAAAAAAAAAPAAAAAQAAACMAAAAjAAAAIwAAAB4AAAAAAAAAZAAAAGQAAAAAAAAAZAAAAGQAAAAVAAAAYAAAAAAAAAAAAAAADwAAACADAAAAAAAAAAAAAAEAAACgMgAAVgcAAKr4//8BAAAAf39/AAEAAABkAAAAAAAAABQAAABAHwAAAAAAACYAAAAAAAAAwOD//wAAAAAmAAAAZAAAABYAAABMAAAAAAAAAAAAAAAEAAAAAAAAAAEAAADRSc4KAAAAACgAAAAoAAAAZAAAAGQAAAAAAAAAzMzMAAAAAABQAAAAUAAAAGQAAABkAAAAAAAAABcAAAAUAAAAAAAAAAAAAAD/fwAA/38AAAAAAAAJAAAABAAAAAAAAAAeAAAAaAAAAAAAAAAAAAAAAAAAAAAAAAAAAAAAECcAABAnAAAAAAAAAAAAAAAAAAAAAAAAAAAAAAAAAAAAAAAAAAAAABQAAAAAAAAAwMD/AAAAAABkAAAAMgAAAAAAAABkAAAAAAAAAH9/fwAKAAAAIgAAABgAAAAAAAAAAAAAAAAAAAAAAAAAAAAAAAAAAAAkAAAAJAAAAAAAAAAHAAAAAAAAAAAAAAAAAAAAAAAAAAAAAAAAAAAAf39/ACUAAABYAAAAAAAAAAAAAAAAAAAAAAAAAAAAAAAAAAAAAAAAAAAAAAAAAAAAAAAAAAAAAAA/AAAAAAAAAKCGAQAAAAAAAAAAAAAAAAAMAAAAAQAAAAAAAAAAAAAAAAAAAB8AAABUAAAA////AAAAAAEAAAAAAAAAAAAAAAAAAAAAAAAAAAAAAAAAAAAAAAAAAAAAAAB/f38AAAAAA8zMzADAwP8Af39/AAAAAAAAAAAAAAAAAAAAAAAAAAAAIQAAABgAAAAUAAAADCUAAP0QAABYNQAAvhkAABAAAAAmAAAACAAAAD0gAAAAAAAA"/>
               </a:ext>
             </a:extLst>
           </p:cNvSpPr>
@@ -9573,7 +9476,7 @@
             <a:spLocks noGrp="1" noChangeArrowheads="1"/>
             <a:extLst>
               <a:ext uri="smNativeData">
-                <pr:smNativeData xmlns:pr="smNativeData" xmlns="smNativeData" val="SMDATA_15_37BZZRMAAAAlAAAAZAAAAE0AAAAAAAAAAAAAAAAAAAAAAAAAAAAAAAABAAAAAAAAAAEAAABQAAAAAAAAAAAA4D8AAAAAAADgPwAAAAAAAOA/AAAAAAAA4D8AAAAAAADgPwAAAAAAAOA/AAAAAAAA4D8AAAAAAADgPwAAAAAAAOA/AAAAAAAA4D8CAAAAjAAAAAAAAAAAAAAA////AP///wgAAAAAAAAAAAAAAAAAAAAAAAAAAAAAAAAAAAAAeAAAAAEAAABAAAAAAAAAAAAAAABaAAAAAAAAAAAAAAAAAAAAAAAAAAAAAAAAAAAAAAAAAAAAAAAAAAAAAAAAAAAAAAAAAAAAAAAAAAAAAAAAAAAAAAAAAAAAAAAAAAAAFAAAADwAAAAAAAAAAAAAAAAAAAAPAAAAAQAAACMAAAAjAAAAIwAAAB4AAAAAAAAAZAAAAGQAAAAAAAAAZAAAAGQAAAAVAAAAYAAAAAAAAAAAAAAADwAAACADAAAAAAAAAAAAAAEAAACgMgAAVgcAAKr4//8BAAAAf39/AAEAAABkAAAAAAAAABQAAABAHwAAAAAAACYAAAAAAAAAwOD//wAAAAAmAAAAZAAAABYAAABMAAAAAAAAAAAAAAAEAAAAAAAAAAEAAADRSc4KAAAAACgAAAAoAAAAZAAAAGQAAAAAAAAAzMzMAAAAAABQAAAAUAAAAGQAAABkAAAAAAAAABcAAAAUAAAAAAAAAAAAAAD/fwAA/38AAAAAAAAJAAAABAAAAAAAAAAeAAAAaAAAAAAAAAAAAAAAAAAAAAAAAAAAAAAAECcAABAnAAAAAAAAAAAAAAAAAAAAAAAAAAAAAAAAAAAAAAAAAAAAABQAAAAAAAAAwMD/AAAAAABkAAAAMgAAAAAAAABkAAAAAAAAAH9/fwAKAAAAIgAAABgAAAAAAAAAAAAAAAAAAAAAAAAAAAAAAAAAAAAkAAAAJAAAAAAAAAAHAAAAAAAAAAAAAAAAAAAAAAAAAAAAAAAAAAAAf39/ACUAAABYAAAAAAAAAAAAAAAAAAAAAAAAAAAAAAAAAAAAAAAAAAAAAAAAAAAAAAAAAAAAAAA/AAAAAAAAAKCGAQAAAAAAAAAAAAAAAAAMAAAAAQAAAAAAAAAAAAAAAAAAAB8AAABUAAAA////AAAAAAEAAAAAAAAAAAAAAAAAAAAAAAAAAAAAAAAAAAAAAAAAAAAAAAB/f38AAAAAA8zMzADAwP8Af39/AAAAAAAAAAAAAAAAAAAAAAAAAAAAIQAAABgAAAAUAAAA0AIAAA8AAABvNQAAwAcAABAgAAAmAAAACAAAAD0gAAAAAAAA"/>
+                <pr:smNativeData xmlns:pr="smNativeData" xmlns="smNativeData" val="SMDATA_15_8sFZZRMAAAAlAAAAZAAAAE0AAAAAAAAAAAAAAAAAAAAAAAAAAAAAAAABAAAAAAAAAAEAAABQAAAAAAAAAAAA4D8AAAAAAADgPwAAAAAAAOA/AAAAAAAA4D8AAAAAAADgPwAAAAAAAOA/AAAAAAAA4D8AAAAAAADgPwAAAAAAAOA/AAAAAAAA4D8CAAAAjAAAAAAAAAAAAAAA////AP///wgAAAAAAAAAAAAAAAAAAAAAAAAAAAAAAAAAAAAAeAAAAAEAAABAAAAAAAAAAAAAAABaAAAAAAAAAAAAAAAAAAAAAAAAAAAAAAAAAAAAAAAAAAAAAAAAAAAAAAAAAAAAAAAAAAAAAAAAAAAAAAAAAAAAAAAAAAAAAAAAAAAAFAAAADwAAAAAAAAAAAAAAAAAAAAPAAAAAQAAACMAAAAjAAAAIwAAAB4AAAAAAAAAZAAAAGQAAAAAAAAAZAAAAGQAAAAVAAAAYAAAAAAAAAAAAAAADwAAACADAAAAAAAAAAAAAAEAAACgMgAAVgcAAKr4//8BAAAAf39/AAEAAABkAAAAAAAAABQAAABAHwAAAAAAACYAAAAAAAAAwOD//wAAAAAmAAAAZAAAABYAAABMAAAAAAAAAAAAAAAEAAAAAAAAAAEAAADRSc4KAAAAACgAAAAoAAAAZAAAAGQAAAAAAAAAzMzMAAAAAABQAAAAUAAAAGQAAABkAAAAAAAAABcAAAAUAAAAAAAAAAAAAAD/fwAA/38AAAAAAAAJAAAABAAAAAAAAAAeAAAAaAAAAAAAAAAAAAAAAAAAAAAAAAAAAAAAECcAABAnAAAAAAAAAAAAAAAAAAAAAAAAAAAAAAAAAAAAAAAAAAAAABQAAAAAAAAAwMD/AAAAAABkAAAAMgAAAAAAAABkAAAAAAAAAH9/fwAKAAAAIgAAABgAAAAAAAAAAAAAAAAAAAAAAAAAAAAAAAAAAAAkAAAAJAAAAAAAAAAHAAAAAAAAAAAAAAAAAAAAAAAAAAAAAAAAAAAAf39/ACUAAABYAAAAAAAAAAAAAAAAAAAAAAAAAAAAAAAAAAAAAAAAAAAAAAAAAAAAAAAAAAAAAAA/AAAAAAAAAKCGAQAAAAAAAAAAAAAAAAAMAAAAAQAAAAAAAAAAAAAAAAAAAB8AAABUAAAA////AAAAAAEAAAAAAAAAAAAAAAAAAAAAAAAAAAAAAAAAAAAAAAAAAAAAAAB/f38AAAAAA8zMzADAwP8Af39/AAAAAAAAAAAAAAAAAAAAAAAAAAAAIQAAABgAAAAUAAAA0AIAAA8AAABvNQAAwAcAABAgAAAmAAAACAAAAD0gAAAAAAAA"/>
               </a:ext>
             </a:extLst>
           </p:cNvSpPr>
@@ -9606,7 +9509,7 @@
             <a:spLocks noGrp="1" noChangeArrowheads="1"/>
             <a:extLst>
               <a:ext uri="smNativeData">
-                <pr:smNativeData xmlns:pr="smNativeData" xmlns="smNativeData" val="SMDATA_15_37BZZRMAAAAlAAAAZAAAAE0AAAAAAAAAAAAAAAAAAAAAAAAAAAAAAAABAAAAAAAAAAEAAABQAAAAAAAAAAAA4D8AAAAAAADgPwAAAAAAAOA/AAAAAAAA4D8AAAAAAADgPwAAAAAAAOA/AAAAAAAA4D8AAAAAAADgPwAAAAAAAOA/AAAAAAAA4D8CAAAAjAAAAAAAAAAAAAAA////AP///wgAAAAAAAAAAAAAAAAAAAAAAAAAAAAAAAAAAAAAeAAAAAEAAABAAAAAAAAAAAAAAABaAAAAAAAAAAAAAAAAAAAAAAAAAAAAAAAAAAAAAAAAAAAAAAAAAAAAAAAAAAAAAAAAAAAAAAAAAAAAAAAAAAAAAAAAAAAAAAAAAAAAFAAAADwAAAAAAAAAAAAAAAAAAAAPAAAAAQAAACMAAAAjAAAAIwAAAB4AAAAAAAAAZAAAAGQAAAAAAAAAZAAAAGQAAAAVAAAAYAAAAAAAAAAAAAAADwAAACADAAAAAAAAAAAAAAEAAACgMgAAVgcAAKr4//8BAAAAf39/AAEAAABkAAAAAAAAABQAAABAHwAAAAAAACYAAAAAAAAAwOD//wAAAAAmAAAAZAAAABYAAABMAAAAAAAAAAAAAAAEAAAAAAAAAAEAAADRSc4KAAAAACgAAAAoAAAAZAAAAGQAAAAAAAAAzMzMAAAAAABQAAAAUAAAAGQAAABkAAAAAAAAABcAAAAUAAAAAAAAAAAAAAD/fwAA/38AAAAAAAAJAAAABAAAAAAAAAAeAAAAaAAAAAAAAAAAAAAAAAAAAAAAAAAAAAAAECcAABAnAAAAAAAAAAAAAAAAAAAAAAAAAAAAAAAAAAAAAAAAAAAAABQAAAAAAAAAwMD/AAAAAABkAAAAMgAAAAAAAABkAAAAAAAAAH9/fwAKAAAAIgAAABgAAAAAAAAAAAAAAAAAAAAAAAAAAAAAAAAAAAAkAAAAJAAAAAAAAAAHAAAAAAAAAAAAAAAAAAAAAAAAAAAAAAAAAAAAf39/ACUAAABYAAAAAAAAAAAAAAAAAAAAAAAAAAAAAAAAAAAAAAAAAAAAAAAAAAAAAAAAAAAAAAA/AAAAAAAAAKCGAQAAAAAAAAAAAAAAAAAMAAAAAQAAAAAAAAAAAAAAAAAAAB8AAABUAAAA////AAAAAAEAAAAAAAAAAAAAAAAAAAAAAAAAAAAAAAAAAAAAAAAAAAAAAAB/f38AAAAAA8zMzADAwP8Af39/AAAAAAAAAAAAAAAAAAAAAAAAAAAAIQAAABgAAAAUAAAA0AIAAGcHAABvNQAAwRkAABAgAAAmAAAACAAAAL0gAAAAAAAA"/>
+                <pr:smNativeData xmlns:pr="smNativeData" xmlns="smNativeData" val="SMDATA_15_8sFZZRMAAAAlAAAAZAAAAE0AAAAAAAAAAAAAAAAAAAAAAAAAAAAAAAABAAAAAAAAAAEAAABQAAAAAAAAAAAA4D8AAAAAAADgPwAAAAAAAOA/AAAAAAAA4D8AAAAAAADgPwAAAAAAAOA/AAAAAAAA4D8AAAAAAADgPwAAAAAAAOA/AAAAAAAA4D8CAAAAjAAAAAAAAAAAAAAA////AP///wgAAAAAAAAAAAAAAAAAAAAAAAAAAAAAAAAAAAAAeAAAAAEAAABAAAAAAAAAAAAAAABaAAAAAAAAAAAAAAAAAAAAAAAAAAAAAAAAAAAAAAAAAAAAAAAAAAAAAAAAAAAAAAAAAAAAAAAAAAAAAAAAAAAAAAAAAAAAAAAAAAAAFAAAADwAAAAAAAAAAAAAAAAAAAAPAAAAAQAAACMAAAAjAAAAIwAAAB4AAAAAAAAAZAAAAGQAAAAAAAAAZAAAAGQAAAAVAAAAYAAAAAAAAAAAAAAADwAAACADAAAAAAAAAAAAAAEAAACgMgAAVgcAAKr4//8BAAAAf39/AAEAAABkAAAAAAAAABQAAABAHwAAAAAAACYAAAAAAAAAwOD//wAAAAAmAAAAZAAAABYAAABMAAAAAAAAAAAAAAAEAAAAAAAAAAEAAADRSc4KAAAAACgAAAAoAAAAZAAAAGQAAAAAAAAAzMzMAAAAAABQAAAAUAAAAGQAAABkAAAAAAAAABcAAAAUAAAAAAAAAAAAAAD/fwAA/38AAAAAAAAJAAAABAAAAAAAAAAeAAAAaAAAAAAAAAAAAAAAAAAAAAAAAAAAAAAAECcAABAnAAAAAAAAAAAAAAAAAAAAAAAAAAAAAAAAAAAAAAAAAAAAABQAAAAAAAAAwMD/AAAAAABkAAAAMgAAAAAAAABkAAAAAAAAAH9/fwAKAAAAIgAAABgAAAAAAAAAAAAAAAAAAAAAAAAAAAAAAAAAAAAkAAAAJAAAAAAAAAAHAAAAAAAAAAAAAAAAAAAAAAAAAAAAAAAAAAAAf39/ACUAAABYAAAAAAAAAAAAAAAAAAAAAAAAAAAAAAAAAAAAAAAAAAAAAAAAAAAAAAAAAAAAAAA/AAAAAAAAAKCGAQAAAAAAAAAAAAAAAAAMAAAAAQAAAAAAAAAAAAAAAAAAAB8AAABUAAAA////AAAAAAEAAAAAAAAAAAAAAAAAAAAAAAAAAAAAAAAAAAAAAAAAAAAAAAB/f38AAAAAA8zMzADAwP8Af39/AAAAAAAAAAAAAAAAAAAAAAAAAAAAIQAAABgAAAAUAAAA0AIAAGcHAABvNQAAwRkAABAgAAAmAAAACAAAAL0gAAAAAAAA"/>
               </a:ext>
             </a:extLst>
           </p:cNvSpPr>
@@ -9664,7 +9567,7 @@
             <a:spLocks noGrp="1" noChangeArrowheads="1"/>
             <a:extLst>
               <a:ext uri="smNativeData">
-                <pr:smNativeData xmlns:pr="smNativeData" xmlns="smNativeData" val="SMDATA_15_37BZZRMAAAAlAAAAZAAAAE0AAAAAAAAAAAAAAAAAAAAAAAAAAAAAAAABAAAAAAAAAAEAAABQAAAAAAAAAAAA4D8AAAAAAADgPwAAAAAAAOA/AAAAAAAA4D8AAAAAAADgPwAAAAAAAOA/AAAAAAAA4D8AAAAAAADgPwAAAAAAAOA/AAAAAAAA4D8CAAAAjAAAAAAAAAAAAAAA////AP///wgAAAAAAAAAAAAAAAAAAAAAAAAAAAAAAAAAAAAAeAAAAAEAAABAAAAAAAAAAAAAAABaAAAAAAAAAAAAAAAAAAAAAAAAAAAAAAAAAAAAAAAAAAAAAAAAAAAAAAAAAAAAAAAAAAAAAAAAAAAAAAAAAAAAAAAAAAAAAAAAAAAAFAAAADwAAAAAAAAAAAAAAAAAAAAPAAAAAQAAACMAAAAjAAAAIwAAAB4AAAAAAAAAZAAAAGQAAAAAAAAAZAAAAGQAAAAVAAAAYAAAAAAAAAAAAAAADwAAACADAAAAAAAAAAAAAAEAAACgMgAAVgcAAKr4//8BAAAAf39/AAEAAABkAAAAAAAAABQAAABAHwAAAAAAACYAAAAAAAAAwOD//wAAAAAmAAAAZAAAABYAAABMAAAAAAAAAAAAAAAEAAAAAAAAAAEAAADRSc4KAAAAACgAAAAoAAAAZAAAAGQAAAAAAAAAzMzMAAAAAABQAAAAUAAAAGQAAABkAAAAAAAAABcAAAAUAAAAAAAAAAAAAAD/fwAA/38AAAAAAAAJAAAABAAAAF8AYAAeAAAAaAAAAAAAAAAAAAAAAAAAAAAAAAAAAAAAECcAABAnAAAAAAAAAAAAAAAAAAAAAAAAAAAAAAAAAAAAAAAAAAAAABQAAAAAAAAAwMD/AAAAAABkAAAAMgAAAAAAAABkAAAAAAAAAH9/fwAKAAAAIgAAABgAAAAAAAAAAAAAAAAAAAAAAAAAAAAAAAAAAAAkAAAAJAAAAAAAAAAHAAAAAAAAAAAAAAAAAAAAAAAAAAAAAAAAAAAAf39/ACUAAABYAAAAAAAAAAAAAAAAAAAAAAAAAAAAAAAAAAAAAAAAAAAAAAAAAAAAAAAAAAAAAAA/AAAAAAAAAKCGAQAAAAAAAAAAAAAAAAAMAAAAAQAAAAAAAAAAAAAAAAAAAB8AAABUAAAA////AAAAAAEAAAAAAAAAAAAAAAAAAAAAAAAAAAAAAAAAAAAAAAAAAAAAAAB/f38AAAAAA8zMzADAwP8Af39/AAAAAAAAAAAAAAAAAAAAAAAAAAAAIQAAABgAAAAUAAAA0AIAAA8AAABvNQAAwAcAABAgAAAmAAAACAAAAD0gAAAAAAAA"/>
+                <pr:smNativeData xmlns:pr="smNativeData" xmlns="smNativeData" val="SMDATA_15_8sFZZRMAAAAlAAAAZAAAAE0AAAAAAAAAAAAAAAAAAAAAAAAAAAAAAAABAAAAAAAAAAEAAABQAAAAAAAAAAAA4D8AAAAAAADgPwAAAAAAAOA/AAAAAAAA4D8AAAAAAADgPwAAAAAAAOA/AAAAAAAA4D8AAAAAAADgPwAAAAAAAOA/AAAAAAAA4D8CAAAAjAAAAAAAAAAAAAAA////AP///wgAAAAAAAAAAAAAAAAAAAAAAAAAAAAAAAAAAAAAeAAAAAEAAABAAAAAAAAAAAAAAABaAAAAAAAAAAAAAAAAAAAAAAAAAAAAAAAAAAAAAAAAAAAAAAAAAAAAAAAAAAAAAAAAAAAAAAAAAAAAAAAAAAAAAAAAAAAAAAAAAAAAFAAAADwAAAAAAAAAAAAAAAAAAAAPAAAAAQAAACMAAAAjAAAAIwAAAB4AAAAAAAAAZAAAAGQAAAAAAAAAZAAAAGQAAAAVAAAAYAAAAAAAAAAAAAAADwAAACADAAAAAAAAAAAAAAEAAACgMgAAVgcAAKr4//8BAAAAf39/AAEAAABkAAAAAAAAABQAAABAHwAAAAAAACYAAAAAAAAAwOD//wAAAAAmAAAAZAAAABYAAABMAAAAAAAAAAAAAAAEAAAAAAAAAAEAAADRSc4KAAAAACgAAAAoAAAAZAAAAGQAAAAAAAAAzMzMAAAAAABQAAAAUAAAAGQAAABkAAAAAAAAABcAAAAUAAAAAAAAAAAAAAD/fwAA/38AAAAAAAAJAAAABAAAAAAAAAAeAAAAaAAAAAAAAAAAAAAAAAAAAAAAAAAAAAAAECcAABAnAAAAAAAAAAAAAAAAAAAAAAAAAAAAAAAAAAAAAAAAAAAAABQAAAAAAAAAwMD/AAAAAABkAAAAMgAAAAAAAABkAAAAAAAAAH9/fwAKAAAAIgAAABgAAAAAAAAAAAAAAAAAAAAAAAAAAAAAAAAAAAAkAAAAJAAAAAAAAAAHAAAAAAAAAAAAAAAAAAAAAAAAAAAAAAAAAAAAf39/ACUAAABYAAAAAAAAAAAAAAAAAAAAAAAAAAAAAAAAAAAAAAAAAAAAAAAAAAAAAAAAAAAAAAA/AAAAAAAAAKCGAQAAAAAAAAAAAAAAAAAMAAAAAQAAAAAAAAAAAAAAAAAAAB8AAABUAAAA////AAAAAAEAAAAAAAAAAAAAAAAAAAAAAAAAAAAAAAAAAAAAAAAAAAAAAAB/f38AAAAAA8zMzADAwP8Af39/AAAAAAAAAAAAAAAAAAAAAAAAAAAAIQAAABgAAAAUAAAA0AIAAA8AAABvNQAAwAcAABAgAAAmAAAACAAAAD0gAAAAAAAA"/>
               </a:ext>
             </a:extLst>
           </p:cNvSpPr>
@@ -9697,7 +9600,7 @@
             <a:spLocks noGrp="1" noChangeArrowheads="1"/>
             <a:extLst>
               <a:ext uri="smNativeData">
-                <pr:smNativeData xmlns:pr="smNativeData" xmlns="smNativeData" val="SMDATA_15_37BZZRMAAAAlAAAAZAAAAA0AAAAAAAAAAAAAAAAAAAAAAAAAAAAAAAAAAAAAAAAAAAEAAABQAAAAAAAAAAAA4D8AAAAAAADgPwAAAAAAAOA/AAAAAAAA4D8AAAAAAADgPwAAAAAAAOA/AAAAAAAA4D8AAAAAAADgPwAAAAAAAOA/AAAAAAAA4D8CAAAAjAAAAAAAAAAAAAAA////AP///wgAAAAAAAAAAAAAAAAAAAAAAAAAAAAAAAAAAAAAeAAAAAEAAABAAAAAAAAAAAAAAABaAAAAAAAAAAAAAAAAAAAAAAAAAAAAAAAAAAAAAAAAAAAAAAAAAAAAAAAAAAAAAAAAAAAAAAAAAAAAAAAAAAAAAAAAAAAAAAAAAAAAFAAAADwAAAAAAAAAAAAAAAAAAAAPAAAAAQAAACMAAAAjAAAAIwAAAB4AAAAAAAAAZAAAAGQAAAAAAAAAZAAAAGQAAAAVAAAAYAAAAAAAAAAAAAAADwAAACADAAAAAAAAAAAAAAEAAACgMgAAVgcAAKr4//8BAAAAf39/AAEAAABkAAAAAAAAABQAAABAHwAAAAAAACYAAAAAAAAAwOD//wAAAAAmAAAAZAAAABYAAABMAAAAAAAAAAAAAAAEAAAAAAAAAAEAAADRSc4KAAAAACgAAAAoAAAAZAAAAGQAAAAAAAAAzMzMAAAAAABQAAAAUAAAAGQAAABkAAAAAAAAABcAAAAUAAAAAAAAAAAAAAD/fwAA/38AAAAAAAAJAAAABAAAAAAAAAAeAAAAaAAAAAAAAAAAAAAAAAAAAAAAAAAAAAAAECcAABAnAAAAAAAAAAAAAAAAAAAAAAAAAAAAAAAAAAAAAAAAAAAAABQAAAAAAAAAwMD/AAAAAABkAAAAMgAAAAAAAABkAAAAAAAAAH9/fwAKAAAAIgAAABgAAAAAAAAAAAAAAAAAAAAAAAAAAAAAAAAAAAAkAAAAJAAAAAAAAAAHAAAAAAAAAAAAAAAAAAAAAAAAAAAAAAAAAAAAf39/ACUAAABYAAAAAAAAAAAAAAAAAAAAAAAAAAAAAAAAAAAAAAAAAAAAAAAAAAAAAAAAAAAAAAA/AAAAAAAAAKCGAQAAAAAAAAAAAAAAAAAMAAAAAQAAAAAAAAAAAAAAAAAAAB8AAABUAAAA////AAAAAAEAAAAAAAAAAAAAAAAAAAAAAAAAAAAAAAAAAAAAAAAAAAAAAAB/f38AAAAAA8zMzADAwP8Af39/AAAAAAAAAAAAAAAAAAAAAAAAAAAAIQAAABgAAAAUAAAA0AIAAGcHAABvNQAAwRkAABAAAAAmAAAACAAAADwgAAAAAAAA"/>
+                <pr:smNativeData xmlns:pr="smNativeData" xmlns="smNativeData" val="SMDATA_15_8sFZZRMAAAAlAAAAZAAAAA0AAAAAAAAAAAAAAAAAAAAAAAAAAAAAAAAAAAAAAAAAAAEAAABQAAAAAAAAAAAA4D8AAAAAAADgPwAAAAAAAOA/AAAAAAAA4D8AAAAAAADgPwAAAAAAAOA/AAAAAAAA4D8AAAAAAADgPwAAAAAAAOA/AAAAAAAA4D8CAAAAjAAAAAAAAAAAAAAA////AP///wgAAAAAAAAAAAAAAAAAAAAAAAAAAAAAAAAAAAAAeAAAAAEAAABAAAAAAAAAAAAAAABaAAAAAAAAAAAAAAAAAAAAAAAAAAAAAAAAAAAAAAAAAAAAAAAAAAAAAAAAAAAAAAAAAAAAAAAAAAAAAAAAAAAAAAAAAAAAAAAAAAAAFAAAADwAAAAAAAAAAAAAAAAAAAAPAAAAAQAAACMAAAAjAAAAIwAAAB4AAAAAAAAAZAAAAGQAAAAAAAAAZAAAAGQAAAAVAAAAYAAAAAAAAAAAAAAADwAAACADAAAAAAAAAAAAAAEAAACgMgAAVgcAAKr4//8BAAAAf39/AAEAAABkAAAAAAAAABQAAABAHwAAAAAAACYAAAAAAAAAwOD//wAAAAAmAAAAZAAAABYAAABMAAAAAAAAAAAAAAAEAAAAAAAAAAEAAADRSc4KAAAAACgAAAAoAAAAZAAAAGQAAAAAAAAAzMzMAAAAAABQAAAAUAAAAGQAAABkAAAAAAAAABcAAAAUAAAAAAAAAAAAAAD/fwAA/38AAAAAAAAJAAAABAAAAAAAAAAeAAAAaAAAAAAAAAAAAAAAAAAAAAAAAAAAAAAAECcAABAnAAAAAAAAAAAAAAAAAAAAAAAAAAAAAAAAAAAAAAAAAAAAABQAAAAAAAAAwMD/AAAAAABkAAAAMgAAAAAAAABkAAAAAAAAAH9/fwAKAAAAIgAAABgAAAAAAAAAAAAAAAAAAAAAAAAAAAAAAAAAAAAkAAAAJAAAAAAAAAAHAAAAAAAAAAAAAAAAAAAAAAAAAAAAAAAAAAAAf39/ACUAAABYAAAAAAAAAAAAAAAAAAAAAAAAAAAAAAAAAAAAAAAAAAAAAAAAAAAAAAAAAAAAAAA/AAAAAAAAAKCGAQAAAAAAAAAAAAAAAAAMAAAAAQAAAAAAAAAAAAAAAAAAAB8AAABUAAAA////AAAAAAEAAAAAAAAAAAAAAAAAAAAAAAAAAAAAAAAAAAAAAAAAAAAAAAB/f38AAAAAA8zMzADAwP8Af39/AAAAAAAAAAAAAAAAAAAAAAAAAAAAIQAAABgAAAAUAAAA0AIAAGcHAABvNQAAwRkAABAAAAAmAAAACAAAADwgAAAAAAAA"/>
               </a:ext>
             </a:extLst>
           </p:cNvSpPr>
@@ -9750,7 +9653,7 @@
             <a:spLocks noGrp="1" noChangeArrowheads="1"/>
             <a:extLst>
               <a:ext uri="smNativeData">
-                <pr:smNativeData xmlns:pr="smNativeData" xmlns="smNativeData" val="SMDATA_15_37BZZRMAAAAlAAAAZAAAAE0AAAAAAAAAAAAAAAAAAAAAAAAAAAAAAAABAAAAAAAAAAEAAABQAAAAAAAAAAAA4D8AAAAAAADgPwAAAAAAAOA/AAAAAAAA4D8AAAAAAADgPwAAAAAAAOA/AAAAAAAA4D8AAAAAAADgPwAAAAAAAOA/AAAAAAAA4D8CAAAAjAAAAAAAAAAAAAAA////AP///wgAAAAAAAAAAAAAAAAAAAAAAAAAAAAAAAAAAAAAeAAAAAEAAABAAAAAAAAAAAAAAABaAAAAAAAAAAAAAAAAAAAAAAAAAAAAAAAAAAAAAAAAAAAAAAAAAAAAAAAAAAAAAAAAAAAAAAAAAAAAAAAAAAAAAAAAAAAAAAAAAAAAFAAAADwAAAAAAAAAAAAAAAAAAAAPAAAAAQAAACMAAAAjAAAAIwAAAB4AAAAAAAAAZAAAAGQAAAAAAAAAZAAAAGQAAAAVAAAAYAAAAAAAAAAAAAAADwAAACADAAAAAAAAAAAAAAEAAACgMgAAVgcAAKr4//8BAAAAf39/AAEAAABkAAAAAAAAABQAAABAHwAAAAAAACYAAAAAAAAAwOD//wAAAAAmAAAAZAAAABYAAABMAAAAAAAAAAAAAAAEAAAAAAAAAAEAAADRSc4KAAAAACgAAAAoAAAAZAAAAGQAAAAAAAAAzMzMAAAAAABQAAAAUAAAAGQAAABkAAAAAAAAABcAAAAUAAAAAAAAAAAAAAD/fwAA/38AAAAAAAAJAAAABAAAAAAAAAAeAAAAaAAAAAAAAAAAAAAAAAAAAAAAAAAAAAAAECcAABAnAAAAAAAAAAAAAAAAAAAAAAAAAAAAAAAAAAAAAAAAAAAAABQAAAAAAAAAwMD/AAAAAABkAAAAMgAAAAAAAABkAAAAAAAAAH9/fwAKAAAAIgAAABgAAAAAAAAAAAAAAAAAAAAAAAAAAAAAAAAAAAAkAAAAJAAAAAAAAAAHAAAAAAAAAAAAAAAAAAAAAAAAAAAAAAAAAAAAf39/ACUAAABYAAAAAAAAAAAAAAAAAAAAAAAAAAAAAAAAAAAAAAAAAAAAAAAAAAAAAAAAAAAAAAA/AAAAAAAAAKCGAQAAAAAAAAAAAAAAAAAMAAAAAQAAAAAAAAAAAAAAAAAAAB8AAABUAAAA////AAAAAAEAAAAAAAAAAAAAAAAAAAAAAAAAAAAAAAAAAAAAAAAAAAAAAAB/f38AAAAAA8zMzADAwP8Af39/AAAAAAAAAAAAAAAAAAAAAAAAAAAAIQAAABgAAAAUAAAA0AIAAA8AAABvNQAAwAcAABAgAAAmAAAACAAAAD0gAAAAAAAA"/>
+                <pr:smNativeData xmlns:pr="smNativeData" xmlns="smNativeData" val="SMDATA_15_8sFZZRMAAAAlAAAAZAAAAE0AAAAAAAAAAAAAAAAAAAAAAAAAAAAAAAABAAAAAAAAAAEAAABQAAAAAAAAAAAA4D8AAAAAAADgPwAAAAAAAOA/AAAAAAAA4D8AAAAAAADgPwAAAAAAAOA/AAAAAAAA4D8AAAAAAADgPwAAAAAAAOA/AAAAAAAA4D8CAAAAjAAAAAAAAAAAAAAA////AP///wgAAAAAAAAAAAAAAAAAAAAAAAAAAAAAAAAAAAAAeAAAAAEAAABAAAAAAAAAAAAAAABaAAAAAAAAAAAAAAAAAAAAAAAAAAAAAAAAAAAAAAAAAAAAAAAAAAAAAAAAAAAAAAAAAAAAAAAAAAAAAAAAAAAAAAAAAAAAAAAAAAAAFAAAADwAAAAAAAAAAAAAAAAAAAAPAAAAAQAAACMAAAAjAAAAIwAAAB4AAAAAAAAAZAAAAGQAAAAAAAAAZAAAAGQAAAAVAAAAYAAAAAAAAAAAAAAADwAAACADAAAAAAAAAAAAAAEAAACgMgAAVgcAAKr4//8BAAAAf39/AAEAAABkAAAAAAAAABQAAABAHwAAAAAAACYAAAAAAAAAwOD//wAAAAAmAAAAZAAAABYAAABMAAAAAAAAAAAAAAAEAAAAAAAAAAEAAADRSc4KAAAAACgAAAAoAAAAZAAAAGQAAAAAAAAAzMzMAAAAAABQAAAAUAAAAGQAAABkAAAAAAAAABcAAAAUAAAAAAAAAAAAAAD/fwAA/38AAAAAAAAJAAAABAAAAAAAAAAeAAAAaAAAAAAAAAAAAAAAAAAAAAAAAAAAAAAAECcAABAnAAAAAAAAAAAAAAAAAAAAAAAAAAAAAAAAAAAAAAAAAAAAABQAAAAAAAAAwMD/AAAAAABkAAAAMgAAAAAAAABkAAAAAAAAAH9/fwAKAAAAIgAAABgAAAAAAAAAAAAAAAAAAAAAAAAAAAAAAAAAAAAkAAAAJAAAAAAAAAAHAAAAAAAAAAAAAAAAAAAAAAAAAAAAAAAAAAAAf39/ACUAAABYAAAAAAAAAAAAAAAAAAAAAAAAAAAAAAAAAAAAAAAAAAAAAAAAAAAAAAAAAAAAAAA/AAAAAAAAAKCGAQAAAAAAAAAAAAAAAAAMAAAAAQAAAAAAAAAAAAAAAAAAAB8AAABUAAAA////AAAAAAEAAAAAAAAAAAAAAAAAAAAAAAAAAAAAAAAAAAAAAAAAAAAAAAB/f38AAAAAA8zMzADAwP8Af39/AAAAAAAAAAAAAAAAAAAAAAAAAAAAIQAAABgAAAAUAAAA0AIAAA8AAABvNQAAwAcAABAgAAAmAAAACAAAAD0gAAAAAAAA"/>
               </a:ext>
             </a:extLst>
           </p:cNvSpPr>
@@ -9783,7 +9686,7 @@
             <a:spLocks noGrp="1" noChangeArrowheads="1"/>
             <a:extLst>
               <a:ext uri="smNativeData">
-                <pr:smNativeData xmlns:pr="smNativeData" xmlns="smNativeData" val="SMDATA_15_37BZZRMAAAAlAAAAZAAAAA0AAAAAAAAAAAAAAAAAAAAAAAAAAAAAAAAAAAAAAAAAAAEAAABQAAAAAAAAAAAA4D8AAAAAAADgPwAAAAAAAOA/AAAAAAAA4D8AAAAAAADgPwAAAAAAAOA/AAAAAAAA4D8AAAAAAADgPwAAAAAAAOA/AAAAAAAA4D8CAAAAjAAAAAAAAAAAAAAA////AP///wgAAAAAAAAAAAAAAAAAAAAAAAAAAAAAAAAAAAAAeAAAAAEAAABAAAAAAAAAAAAAAABaAAAAAAAAAAAAAAAAAAAAAAAAAAAAAAAAAAAAAAAAAAAAAAAAAAAAAAAAAAAAAAAAAAAAAAAAAAAAAAAAAAAAAAAAAAAAAAAAAAAAFAAAADwAAAAAAAAAAAAAAAAAAAAPAAAAAQAAACMAAAAjAAAAIwAAAB4AAAAAAAAAZAAAAGQAAAAAAAAAZAAAAGQAAAAVAAAAYAAAAAAAAAAAAAAADwAAACADAAAAAAAAAAAAAAEAAACgMgAAVgcAAKr4//8BAAAAf39/AAEAAABkAAAAAAAAABQAAABAHwAAAAAAACYAAAAAAAAAwOD//wAAAAAmAAAAZAAAABYAAABMAAAAAAAAAAAAAAAEAAAAAAAAAAEAAADRSc4KAAAAACgAAAAoAAAAZAAAAGQAAAAAAAAAzMzMAAAAAABQAAAAUAAAAGQAAABkAAAAAAAAABcAAAAUAAAAAAAAAAAAAAD/fwAA/38AAAAAAAAJAAAABAAAAF8AYAAeAAAAaAAAAAAAAAAAAAAAAAAAAAAAAAAAAAAAECcAABAnAAAAAAAAAAAAAAAAAAAAAAAAAAAAAAAAAAAAAAAAAAAAABQAAAAAAAAAwMD/AAAAAABkAAAAMgAAAAAAAABkAAAAAAAAAH9/fwAKAAAAIgAAABgAAAAAAAAAAAAAAAAAAAAAAAAAAAAAAAAAAAAkAAAAJAAAAAAAAAAHAAAAAAAAAAAAAAAAAAAAAAAAAAAAAAAAAAAAf39/ACUAAABYAAAAAAAAAAAAAAAAAAAAAAAAAAAAAAAAAAAAAAAAAAAAAAAAAAAAAAAAAAAAAAA/AAAAAAAAAKCGAQAAAAAAAAAAAAAAAAAMAAAAAQAAAAAAAAAAAAAAAAAAAB8AAABUAAAA////AAAAAAEAAAAAAAAAAAAAAAAAAAAAAAAAAAAAAAAAAAAAAAAAAAAAAAB/f38AAAAAA8zMzADAwP8Af39/AAAAAAAAAAAAAAAAAAAAAAAAAAAAIQAAABgAAAAUAAAA0AIAAGcHAACEGwAAwRkAABAAAAAmAAAACAAAAD0gAAAAAAAA"/>
+                <pr:smNativeData xmlns:pr="smNativeData" xmlns="smNativeData" val="SMDATA_15_8sFZZRMAAAAlAAAAZAAAAA0AAAAAAAAAAAAAAAAAAAAAAAAAAAAAAAAAAAAAAAAAAAEAAABQAAAAAAAAAAAA4D8AAAAAAADgPwAAAAAAAOA/AAAAAAAA4D8AAAAAAADgPwAAAAAAAOA/AAAAAAAA4D8AAAAAAADgPwAAAAAAAOA/AAAAAAAA4D8CAAAAjAAAAAAAAAAAAAAA////AP///wgAAAAAAAAAAAAAAAAAAAAAAAAAAAAAAAAAAAAAeAAAAAEAAABAAAAAAAAAAAAAAABaAAAAAAAAAAAAAAAAAAAAAAAAAAAAAAAAAAAAAAAAAAAAAAAAAAAAAAAAAAAAAAAAAAAAAAAAAAAAAAAAAAAAAAAAAAAAAAAAAAAAFAAAADwAAAAAAAAAAAAAAAAAAAAPAAAAAQAAACMAAAAjAAAAIwAAAB4AAAAAAAAAZAAAAGQAAAAAAAAAZAAAAGQAAAAVAAAAYAAAAAAAAAAAAAAADwAAACADAAAAAAAAAAAAAAEAAACgMgAAVgcAAKr4//8BAAAAf39/AAEAAABkAAAAAAAAABQAAABAHwAAAAAAACYAAAAAAAAAwOD//wAAAAAmAAAAZAAAABYAAABMAAAAAAAAAAAAAAAEAAAAAAAAAAEAAADRSc4KAAAAACgAAAAoAAAAZAAAAGQAAAAAAAAAzMzMAAAAAABQAAAAUAAAAGQAAABkAAAAAAAAABcAAAAUAAAAAAAAAAAAAAD/fwAA/38AAAAAAAAJAAAABAAAAAAAAAAeAAAAaAAAAAAAAAAAAAAAAAAAAAAAAAAAAAAAECcAABAnAAAAAAAAAAAAAAAAAAAAAAAAAAAAAAAAAAAAAAAAAAAAABQAAAAAAAAAwMD/AAAAAABkAAAAMgAAAAAAAABkAAAAAAAAAH9/fwAKAAAAIgAAABgAAAAAAAAAAAAAAAAAAAAAAAAAAAAAAAAAAAAkAAAAJAAAAAAAAAAHAAAAAAAAAAAAAAAAAAAAAAAAAAAAAAAAAAAAf39/ACUAAABYAAAAAAAAAAAAAAAAAAAAAAAAAAAAAAAAAAAAAAAAAAAAAAAAAAAAAAAAAAAAAAA/AAAAAAAAAKCGAQAAAAAAAAAAAAAAAAAMAAAAAQAAAAAAAAAAAAAAAAAAAB8AAABUAAAA////AAAAAAEAAAAAAAAAAAAAAAAAAAAAAAAAAAAAAAAAAAAAAAAAAAAAAAB/f38AAAAAA8zMzADAwP8Af39/AAAAAAAAAAAAAAAAAAAAAAAAAAAAIQAAABgAAAAUAAAA0AIAAGcHAACEGwAAwRkAABAAAAAmAAAACAAAAD0gAAAAAAAA"/>
               </a:ext>
             </a:extLst>
           </p:cNvSpPr>
@@ -9816,7 +9719,7 @@
             <a:spLocks noGrp="1" noChangeArrowheads="1"/>
             <a:extLst>
               <a:ext uri="smNativeData">
-                <pr:smNativeData xmlns:pr="smNativeData" xmlns="smNativeData" val="SMDATA_15_37BZZRMAAAAlAAAAZAAAAA0AAAAAAAAAAAAAAAAAAAAAAAAAAAAAAAAAAAAAAAAAAAEAAABQAAAAAAAAAAAA4D8AAAAAAADgPwAAAAAAAOA/AAAAAAAA4D8AAAAAAADgPwAAAAAAAOA/AAAAAAAA4D8AAAAAAADgPwAAAAAAAOA/AAAAAAAA4D8CAAAAjAAAAAAAAAAAAAAA////AP///wgAAAAAAAAAAAAAAAAAAAAAAAAAAAAAAAAAAAAAeAAAAAEAAABAAAAAAAAAAAAAAABaAAAAAAAAAAAAAAAAAAAAAAAAAAAAAAAAAAAAAAAAAAAAAAAAAAAAAAAAAAAAAAAAAAAAAAAAAAAAAAAAAAAAAAAAAAAAAAAAAAAAFAAAADwAAAAAAAAAAAAAAAAAAAAPAAAAAQAAACMAAAAjAAAAIwAAAB4AAAAAAAAAZAAAAGQAAAAAAAAAZAAAAGQAAAAVAAAAYAAAAAAAAAAAAAAADwAAACADAAAAAAAAAAAAAAEAAACgMgAAVgcAAKr4//8BAAAAf39/AAEAAABkAAAAAAAAABQAAABAHwAAAAAAACYAAAAAAAAAwOD//wAAAAAmAAAAZAAAABYAAABMAAAAAAAAAAAAAAAEAAAAAAAAAAEAAADRSc4KAAAAACgAAAAoAAAAZAAAAGQAAAAAAAAAzMzMAAAAAABQAAAAUAAAAGQAAABkAAAAAAAAABcAAAAUAAAAAAAAAAAAAAD/fwAA/38AAAAAAAAJAAAABAAAAAAAAAAeAAAAaAAAAAAAAAAAAAAAAAAAAAAAAAAAAAAAECcAABAnAAAAAAAAAAAAAAAAAAAAAAAAAAAAAAAAAAAAAAAAAAAAABQAAAAAAAAAwMD/AAAAAABkAAAAMgAAAAAAAABkAAAAAAAAAH9/fwAKAAAAIgAAABgAAAAAAAAAAAAAAAAAAAAAAAAAAAAAAAAAAAAkAAAAJAAAAAAAAAAHAAAAAAAAAAAAAAAAAAAAAAAAAAAAAAAAAAAAf39/ACUAAABYAAAAAAAAAAAAAAAAAAAAAAAAAAAAAAAAAAAAAAAAAAAAAAAAAAAAAAAAAAAAAAA/AAAAAAAAAKCGAQAAAAAAAAAAAAAAAAAMAAAAAQAAAAAAAAAAAAAAAAAAAB8AAABUAAAA////AAAAAAEAAAAAAAAAAAAAAAAAAAAAAAAAAAAAAAAAAAAAAAAAAAAAAAB/f38AAAAAA8zMzADAwP8Af39/AAAAAAAAAAAAAAAAAAAAAAAAAAAAIQAAABgAAAAUAAAAwRwAAGcHAAB1NQAAwRkAABAAAAAmAAAACAAAAD0gAAAAAAAA"/>
+                <pr:smNativeData xmlns:pr="smNativeData" xmlns="smNativeData" val="SMDATA_15_8sFZZRMAAAAlAAAAZAAAAA0AAAAAAAAAAAAAAAAAAAAAAAAAAAAAAAAAAAAAAAAAAAEAAABQAAAAAAAAAAAA4D8AAAAAAADgPwAAAAAAAOA/AAAAAAAA4D8AAAAAAADgPwAAAAAAAOA/AAAAAAAA4D8AAAAAAADgPwAAAAAAAOA/AAAAAAAA4D8CAAAAjAAAAAAAAAAAAAAA////AP///wgAAAAAAAAAAAAAAAAAAAAAAAAAAAAAAAAAAAAAeAAAAAEAAABAAAAAAAAAAAAAAABaAAAAAAAAAAAAAAAAAAAAAAAAAAAAAAAAAAAAAAAAAAAAAAAAAAAAAAAAAAAAAAAAAAAAAAAAAAAAAAAAAAAAAAAAAAAAAAAAAAAAFAAAADwAAAAAAAAAAAAAAAAAAAAPAAAAAQAAACMAAAAjAAAAIwAAAB4AAAAAAAAAZAAAAGQAAAAAAAAAZAAAAGQAAAAVAAAAYAAAAAAAAAAAAAAADwAAACADAAAAAAAAAAAAAAEAAACgMgAAVgcAAKr4//8BAAAAf39/AAEAAABkAAAAAAAAABQAAABAHwAAAAAAACYAAAAAAAAAwOD//wAAAAAmAAAAZAAAABYAAABMAAAAAAAAAAAAAAAEAAAAAAAAAAEAAADRSc4KAAAAACgAAAAoAAAAZAAAAGQAAAAAAAAAzMzMAAAAAABQAAAAUAAAAGQAAABkAAAAAAAAABcAAAAUAAAAAAAAAAAAAAD/fwAA/38AAAAAAAAJAAAABAAAAAAAAAAeAAAAaAAAAAAAAAAAAAAAAAAAAAAAAAAAAAAAECcAABAnAAAAAAAAAAAAAAAAAAAAAAAAAAAAAAAAAAAAAAAAAAAAABQAAAAAAAAAwMD/AAAAAABkAAAAMgAAAAAAAABkAAAAAAAAAH9/fwAKAAAAIgAAABgAAAAAAAAAAAAAAAAAAAAAAAAAAAAAAAAAAAAkAAAAJAAAAAAAAAAHAAAAAAAAAAAAAAAAAAAAAAAAAAAAAAAAAAAAf39/ACUAAABYAAAAAAAAAAAAAAAAAAAAAAAAAAAAAAAAAAAAAAAAAAAAAAAAAAAAAAAAAAAAAAA/AAAAAAAAAKCGAQAAAAAAAAAAAAAAAAAMAAAAAQAAAAAAAAAAAAAAAAAAAB8AAABUAAAA////AAAAAAEAAAAAAAAAAAAAAAAAAAAAAAAAAAAAAAAAAAAAAAAAAAAAAAB/f38AAAAAA8zMzADAwP8Af39/AAAAAAAAAAAAAAAAAAAAAAAAAAAAIQAAABgAAAAUAAAAwRwAAGcHAAB1NQAAwRkAABAAAAAmAAAACAAAAD0gAAAAAAAA"/>
               </a:ext>
             </a:extLst>
           </p:cNvSpPr>
@@ -9874,7 +9777,7 @@
             <a:spLocks noGrp="1" noChangeArrowheads="1"/>
             <a:extLst>
               <a:ext uri="smNativeData">
-                <pr:smNativeData xmlns:pr="smNativeData" xmlns="smNativeData" val="SMDATA_15_37BZZRMAAAAlAAAAZAAAAE0AAAAAAAAAAAAAAAAAAAAAAAAAAAAAAAABAAAAAAAAAAEAAABQAAAAAAAAAAAA4D8AAAAAAADgPwAAAAAAAOA/AAAAAAAA4D8AAAAAAADgPwAAAAAAAOA/AAAAAAAA4D8AAAAAAADgPwAAAAAAAOA/AAAAAAAA4D8CAAAAjAAAAAAAAAAAAAAA////AP///wgAAAAAAAAAAAAAAAAAAAAAAAAAAAAAAAAAAAAAeAAAAAEAAABAAAAAAAAAAAAAAABaAAAAAAAAAAAAAAAAAAAAAAAAAAAAAAAAAAAAAAAAAAAAAAAAAAAAAAAAAAAAAAAAAAAAAAAAAAAAAAAAAAAAAAAAAAAAAAAAAAAAFAAAADwAAAAAAAAAAAAAAAAAAAAPAAAAAQAAACMAAAAjAAAAIwAAAB4AAAAAAAAAZAAAAGQAAAAAAAAAZAAAAGQAAAAVAAAAYAAAAAAAAAAAAAAADwAAACADAAAAAAAAAAAAAAEAAACgMgAAVgcAAKr4//8BAAAAf39/AAEAAABkAAAAAAAAABQAAABAHwAAAAAAACYAAAAAAAAAwOD//wAAAAAmAAAAZAAAABYAAABMAAAAAAAAAAAAAAAEAAAAAAAAAAEAAADRSc4KAAAAACgAAAAoAAAAZAAAAGQAAAAAAAAAzMzMAAAAAABQAAAAUAAAAGQAAABkAAAAAAAAABcAAAAUAAAAAAAAAAAAAAD/fwAA/38AAAAAAAAJAAAABAAAAF8AYAAeAAAAaAAAAAAAAAAAAAAAAAAAAAAAAAAAAAAAECcAABAnAAAAAAAAAAAAAAAAAAAAAAAAAAAAAAAAAAAAAAAAAAAAABQAAAAAAAAAwMD/AAAAAABkAAAAMgAAAAAAAABkAAAAAAAAAH9/fwAKAAAAIgAAABgAAAAAAAAAAAAAAAAAAAAAAAAAAAAAAAAAAAAkAAAAJAAAAAAAAAAHAAAAAAAAAAAAAAAAAAAAAAAAAAAAAAAAAAAAf39/ACUAAABYAAAAAAAAAAAAAAAAAAAAAAAAAAAAAAAAAAAAAAAAAAAAAAAAAAAAAAAAAAAAAAA/AAAAAAAAAKCGAQAAAAAAAAAAAAAAAAAMAAAAAQAAAAAAAAAAAAAAAAAAAB8AAABUAAAA////AAAAAAEAAAAAAAAAAAAAAAAAAAAAAAAAAAAAAAAAAAAAAAAAAAAAAAB/f38AAAAAA8zMzADAwP8Af39/AAAAAAAAAAAAAAAAAAAAAAAAAAAAIQAAABgAAAAUAAAA0AIAAA8AAABvNQAAwAcAABAgAAAmAAAACAAAAD0gAAAAAAAA"/>
+                <pr:smNativeData xmlns:pr="smNativeData" xmlns="smNativeData" val="SMDATA_15_8sFZZRMAAAAlAAAAZAAAAE0AAAAAAAAAAAAAAAAAAAAAAAAAAAAAAAABAAAAAAAAAAEAAABQAAAAAAAAAAAA4D8AAAAAAADgPwAAAAAAAOA/AAAAAAAA4D8AAAAAAADgPwAAAAAAAOA/AAAAAAAA4D8AAAAAAADgPwAAAAAAAOA/AAAAAAAA4D8CAAAAjAAAAAAAAAAAAAAA////AP///wgAAAAAAAAAAAAAAAAAAAAAAAAAAAAAAAAAAAAAeAAAAAEAAABAAAAAAAAAAAAAAABaAAAAAAAAAAAAAAAAAAAAAAAAAAAAAAAAAAAAAAAAAAAAAAAAAAAAAAAAAAAAAAAAAAAAAAAAAAAAAAAAAAAAAAAAAAAAAAAAAAAAFAAAADwAAAAAAAAAAAAAAAAAAAAPAAAAAQAAACMAAAAjAAAAIwAAAB4AAAAAAAAAZAAAAGQAAAAAAAAAZAAAAGQAAAAVAAAAYAAAAAAAAAAAAAAADwAAACADAAAAAAAAAAAAAAEAAACgMgAAVgcAAKr4//8BAAAAf39/AAEAAABkAAAAAAAAABQAAABAHwAAAAAAACYAAAAAAAAAwOD//wAAAAAmAAAAZAAAABYAAABMAAAAAAAAAAAAAAAEAAAAAAAAAAEAAADRSc4KAAAAACgAAAAoAAAAZAAAAGQAAAAAAAAAzMzMAAAAAABQAAAAUAAAAGQAAABkAAAAAAAAABcAAAAUAAAAAAAAAAAAAAD/fwAA/38AAAAAAAAJAAAABAAAAAAAAAAeAAAAaAAAAAAAAAAAAAAAAAAAAAAAAAAAAAAAECcAABAnAAAAAAAAAAAAAAAAAAAAAAAAAAAAAAAAAAAAAAAAAAAAABQAAAAAAAAAwMD/AAAAAABkAAAAMgAAAAAAAABkAAAAAAAAAH9/fwAKAAAAIgAAABgAAAAAAAAAAAAAAAAAAAAAAAAAAAAAAAAAAAAkAAAAJAAAAAAAAAAHAAAAAAAAAAAAAAAAAAAAAAAAAAAAAAAAAAAAf39/ACUAAABYAAAAAAAAAAAAAAAAAAAAAAAAAAAAAAAAAAAAAAAAAAAAAAAAAAAAAAAAAAAAAAA/AAAAAAAAAKCGAQAAAAAAAAAAAAAAAAAMAAAAAQAAAAAAAAAAAAAAAAAAAB8AAABUAAAA////AAAAAAEAAAAAAAAAAAAAAAAAAAAAAAAAAAAAAAAAAAAAAAAAAAAAAAB/f38AAAAAA8zMzADAwP8Af39/AAAAAAAAAAAAAAAAAAAAAAAAAAAAIQAAABgAAAAUAAAA0AIAAA8AAABvNQAAwAcAABAgAAAmAAAACAAAAD0gAAAAAAAA"/>
               </a:ext>
             </a:extLst>
           </p:cNvSpPr>
@@ -9932,7 +9835,7 @@
             <a:spLocks noGrp="1" noChangeArrowheads="1"/>
             <a:extLst>
               <a:ext uri="smNativeData">
-                <pr:smNativeData xmlns:pr="smNativeData" xmlns="smNativeData" val="SMDATA_15_37BZZRMAAAAlAAAAZAAAAE0AAAAAAAAAAAAAAAAAAAAAAAAAAAAAAAABAAAAAAAAAAEAAABQAAAAAAAAAAAA4D8AAAAAAADgPwAAAAAAAOA/AAAAAAAA4D8AAAAAAADgPwAAAAAAAOA/AAAAAAAA4D8AAAAAAADgPwAAAAAAAOA/AAAAAAAA4D8CAAAAjAAAAAAAAAAAAAAA////AP///wgAAAAAAAAAAAAAAAAAAAAAAAAAAAAAAAAAAAAAeAAAAAEAAABAAAAAAAAAAAAAAABaAAAAAAAAAAAAAAAAAAAAAAAAAAAAAAAAAAAAAAAAAAAAAAAAAAAAAAAAAAAAAAAAAAAAAAAAAAAAAAAAAAAAAAAAAAAAAAAAAAAAFAAAADwAAAAAAAAAAAAAAAAAAAAPAAAAAQAAACMAAAAjAAAAIwAAAB4AAAAAAAAAZAAAAGQAAAAAAAAAZAAAAGQAAAAVAAAAYAAAAAAAAAAAAAAADwAAACADAAAAAAAAAAAAAAEAAACgMgAAVgcAAKr4//8BAAAAf39/AAEAAABkAAAAAAAAABQAAABAHwAAAAAAACYAAAAAAAAAwOD//wAAAAAmAAAAZAAAABYAAABMAAAAAAAAAAAAAAAEAAAAAAAAAAEAAADRSc4KAAAAACgAAAAoAAAAZAAAAGQAAAAAAAAAzMzMAAAAAABQAAAAUAAAAGQAAABkAAAAAAAAABcAAAAUAAAAAAAAAAAAAAD/fwAA/38AAAAAAAAJAAAABAAAAAAAAAAeAAAAaAAAAAAAAAAAAAAAAAAAAAAAAAAAAAAAECcAABAnAAAAAAAAAAAAAAAAAAAAAAAAAAAAAAAAAAAAAAAAAAAAABQAAAAAAAAAwMD/AAAAAABkAAAAMgAAAAAAAABkAAAAAAAAAH9/fwAKAAAAIgAAABgAAAAAAAAAAAAAAAAAAAAAAAAAAAAAAAAAAAAkAAAAJAAAAAAAAAAHAAAAAAAAAAAAAAAAAAAAAAAAAAAAAAAAAAAAf39/ACUAAABYAAAAAAAAAAAAAAAAAAAAAAAAAAAAAAAAAAAAAAAAAAAAAAAAAAAAAAAAAAAAAAA/AAAAAAAAAKCGAQAAAAAAAAAAAAAAAAAMAAAAAQAAAAAAAAAAAAAAAAAAAB8AAABUAAAA////AAAAAAEAAAAAAAAAAAAAAAAAAAAAAAAAAAAAAAAAAAAAAAAAAAAAAAB/f38AAAAAA8zMzADAwP8Af39/AAAAAAAAAAAAAAAAAAAAAAAAAAAAIQAAABgAAAAUAAAA0AIAAA8AAABvNQAAwAcAABAgAAAmAAAACAAAAD0gAAAAAAAA"/>
+                <pr:smNativeData xmlns:pr="smNativeData" xmlns="smNativeData" val="SMDATA_15_8sFZZRMAAAAlAAAAZAAAAE0AAAAAAAAAAAAAAAAAAAAAAAAAAAAAAAABAAAAAAAAAAEAAABQAAAAAAAAAAAA4D8AAAAAAADgPwAAAAAAAOA/AAAAAAAA4D8AAAAAAADgPwAAAAAAAOA/AAAAAAAA4D8AAAAAAADgPwAAAAAAAOA/AAAAAAAA4D8CAAAAjAAAAAAAAAAAAAAA////AP///wgAAAAAAAAAAAAAAAAAAAAAAAAAAAAAAAAAAAAAeAAAAAEAAABAAAAAAAAAAAAAAABaAAAAAAAAAAAAAAAAAAAAAAAAAAAAAAAAAAAAAAAAAAAAAAAAAAAAAAAAAAAAAAAAAAAAAAAAAAAAAAAAAAAAAAAAAAAAAAAAAAAAFAAAADwAAAAAAAAAAAAAAAAAAAAPAAAAAQAAACMAAAAjAAAAIwAAAB4AAAAAAAAAZAAAAGQAAAAAAAAAZAAAAGQAAAAVAAAAYAAAAAAAAAAAAAAADwAAACADAAAAAAAAAAAAAAEAAACgMgAAVgcAAKr4//8BAAAAf39/AAEAAABkAAAAAAAAABQAAABAHwAAAAAAACYAAAAAAAAAwOD//wAAAAAmAAAAZAAAABYAAABMAAAAAAAAAAAAAAAEAAAAAAAAAAEAAADRSc4KAAAAACgAAAAoAAAAZAAAAGQAAAAAAAAAzMzMAAAAAABQAAAAUAAAAGQAAABkAAAAAAAAABcAAAAUAAAAAAAAAAAAAAD/fwAA/38AAAAAAAAJAAAABAAAAAAAAAAeAAAAaAAAAAAAAAAAAAAAAAAAAAAAAAAAAAAAECcAABAnAAAAAAAAAAAAAAAAAAAAAAAAAAAAAAAAAAAAAAAAAAAAABQAAAAAAAAAwMD/AAAAAABkAAAAMgAAAAAAAABkAAAAAAAAAH9/fwAKAAAAIgAAABgAAAAAAAAAAAAAAAAAAAAAAAAAAAAAAAAAAAAkAAAAJAAAAAAAAAAHAAAAAAAAAAAAAAAAAAAAAAAAAAAAAAAAAAAAf39/ACUAAABYAAAAAAAAAAAAAAAAAAAAAAAAAAAAAAAAAAAAAAAAAAAAAAAAAAAAAAAAAAAAAAA/AAAAAAAAAKCGAQAAAAAAAAAAAAAAAAAMAAAAAQAAAAAAAAAAAAAAAAAAAB8AAABUAAAA////AAAAAAEAAAAAAAAAAAAAAAAAAAAAAAAAAAAAAAAAAAAAAAAAAAAAAAB/f38AAAAAA8zMzADAwP8Af39/AAAAAAAAAAAAAAAAAAAAAAAAAAAAIQAAABgAAAAUAAAA0AIAAA8AAABvNQAAwAcAABAgAAAmAAAACAAAAD0gAAAAAAAA"/>
               </a:ext>
             </a:extLst>
           </p:cNvSpPr>
@@ -9965,7 +9868,7 @@
             <a:spLocks noGrp="1" noChangeArrowheads="1"/>
             <a:extLst>
               <a:ext uri="smNativeData">
-                <pr:smNativeData xmlns:pr="smNativeData" xmlns="smNativeData" val="SMDATA_15_37BZZRMAAAAlAAAAZAAAAA0AAAAAAAAAAAAAAAAAAAAAAAAAAAAAAAAAAAAAAAAAAAEAAABQAAAAAAAAAAAA4D8AAAAAAADgPwAAAAAAAOA/AAAAAAAA4D8AAAAAAADgPwAAAAAAAOA/AAAAAAAA4D8AAAAAAADgPwAAAAAAAOA/AAAAAAAA4D8CAAAAjAAAAAAAAAAAAAAA////AP///wgAAAAAAAAAAAAAAAAAAAAAAAAAAAAAAAAAAAAAeAAAAAEAAABAAAAAAAAAAAAAAABaAAAAAAAAAAAAAAAAAAAAAAAAAAAAAAAAAAAAAAAAAAAAAAAAAAAAAAAAAAAAAAAAAAAAAAAAAAAAAAAAAAAAAAAAAAAAAAAAAAAAFAAAADwAAAAAAAAAAAAAAAAAAAAPAAAAAQAAACMAAAAjAAAAIwAAAB4AAAAAAAAAZAAAAGQAAAAAAAAAZAAAAGQAAAAVAAAAYAAAAAAAAAAAAAAADwAAACADAAAAAAAAAAAAAAEAAACgMgAAVgcAAKr4//8BAAAAf39/AAEAAABkAAAAAAAAABQAAABAHwAAAAAAACYAAAAAAAAAwOD//wAAAAAmAAAAZAAAABYAAABMAAAAAAAAAAAAAAAEAAAAAAAAAAEAAADRSc4KAAAAACgAAAAoAAAAZAAAAGQAAAAAAAAAzMzMAAAAAABQAAAAUAAAAGQAAABkAAAAAAAAABcAAAAUAAAAAAAAAAAAAAD/fwAA/38AAAAAAAAJAAAABAAAAAAAAAAeAAAAaAAAAAAAAAAAAAAAAAAAAAAAAAAAAAAAECcAABAnAAAAAAAAAAAAAAAAAAAAAAAAAAAAAAAAAAAAAAAAAAAAABQAAAAAAAAAwMD/AAAAAABkAAAAMgAAAAAAAABkAAAAAAAAAH9/fwAKAAAAIgAAABgAAAAAAAAAAAAAAAAAAAAAAAAAAAAAAAAAAAAkAAAAJAAAAAAAAAAHAAAAAAAAAAAAAAAAAAAAAAAAAAAAAAAAAAAAf39/ACUAAABYAAAAAAAAAAAAAAAAAAAAAAAAAAAAAAAAAAAAAAAAAAAAAAAAAAAAAAAAAAAAAAA/AAAAAAAAAKCGAQAAAAAAAAAAAAAAAAAMAAAAAQAAAAAAAAAAAAAAAAAAAB8AAABUAAAA////AAAAAAEAAAAAAAAAAAAAAAAAAAAAAAAAAAAAAAAAAAAAAAAAAAAAAAB/f38AAAAAA8zMzADAwP8Af39/AAAAAAAAAAAAAAAAAAAAAAAAAAAAIQAAABgAAAAUAAAA0AIAAGcHAABvNQAAwRkAABAAAAAmAAAACAAAADwgAAAAAAAA"/>
+                <pr:smNativeData xmlns:pr="smNativeData" xmlns="smNativeData" val="SMDATA_15_8sFZZRMAAAAlAAAAZAAAAA0AAAAAAAAAAAAAAAAAAAAAAAAAAAAAAAAAAAAAAAAAAAEAAABQAAAAAAAAAAAA4D8AAAAAAADgPwAAAAAAAOA/AAAAAAAA4D8AAAAAAADgPwAAAAAAAOA/AAAAAAAA4D8AAAAAAADgPwAAAAAAAOA/AAAAAAAA4D8CAAAAjAAAAAAAAAAAAAAA////AP///wgAAAAAAAAAAAAAAAAAAAAAAAAAAAAAAAAAAAAAeAAAAAEAAABAAAAAAAAAAAAAAABaAAAAAAAAAAAAAAAAAAAAAAAAAAAAAAAAAAAAAAAAAAAAAAAAAAAAAAAAAAAAAAAAAAAAAAAAAAAAAAAAAAAAAAAAAAAAAAAAAAAAFAAAADwAAAAAAAAAAAAAAAAAAAAPAAAAAQAAACMAAAAjAAAAIwAAAB4AAAAAAAAAZAAAAGQAAAAAAAAAZAAAAGQAAAAVAAAAYAAAAAAAAAAAAAAADwAAACADAAAAAAAAAAAAAAEAAACgMgAAVgcAAKr4//8BAAAAf39/AAEAAABkAAAAAAAAABQAAABAHwAAAAAAACYAAAAAAAAAwOD//wAAAAAmAAAAZAAAABYAAABMAAAAAAAAAAAAAAAEAAAAAAAAAAEAAADRSc4KAAAAACgAAAAoAAAAZAAAAGQAAAAAAAAAzMzMAAAAAABQAAAAUAAAAGQAAABkAAAAAAAAABcAAAAUAAAAAAAAAAAAAAD/fwAA/38AAAAAAAAJAAAABAAAAGluZzIeAAAAaAAAAAAAAAAAAAAAAAAAAAAAAAAAAAAAECcAABAnAAAAAAAAAAAAAAAAAAAAAAAAAAAAAAAAAAAAAAAAAAAAABQAAAAAAAAAwMD/AAAAAABkAAAAMgAAAAAAAABkAAAAAAAAAH9/fwAKAAAAIgAAABgAAAAAAAAAAAAAAAAAAAAAAAAAAAAAAAAAAAAkAAAAJAAAAAAAAAAHAAAAAAAAAAAAAAAAAAAAAAAAAAAAAAAAAAAAf39/ACUAAABYAAAAAAAAAAAAAAAAAAAAAAAAAAAAAAAAAAAAAAAAAAAAAAAAAAAAAAAAAAAAAAA/AAAAAAAAAKCGAQAAAAAAAAAAAAAAAAAMAAAAAQAAAAAAAAAAAAAAAAAAAB8AAABUAAAA////AAAAAAEAAAAAAAAAAAAAAAAAAAAAAAAAAAAAAAAAAAAAAAAAAAAAAAB/f38AAAAAA8zMzADAwP8Af39/AAAAAAAAAAAAAAAAAAAAAAAAAAAAIQAAABgAAAAUAAAA0AIAAGcHAABvNQAAwRkAABAAAAAmAAAACAAAADwgAAAAAAAA"/>
               </a:ext>
             </a:extLst>
           </p:cNvSpPr>
@@ -10018,7 +9921,7 @@
             <a:spLocks noGrp="1" noChangeArrowheads="1"/>
             <a:extLst>
               <a:ext uri="smNativeData">
-                <pr:smNativeData xmlns:pr="smNativeData" xmlns="smNativeData" val="SMDATA_15_37BZZRMAAAAlAAAAZAAAAE0AAAAAAAAAAAAAAAAAAAAAAAAAAAAAAAABAAAAAAAAAAEAAABQAAAAAAAAAAAA4D8AAAAAAADgPwAAAAAAAOA/AAAAAAAA4D8AAAAAAADgPwAAAAAAAOA/AAAAAAAA4D8AAAAAAADgPwAAAAAAAOA/AAAAAAAA4D8CAAAAjAAAAAAAAAAAAAAA////AP///wgAAAAAAAAAAAAAAAAAAAAAAAAAAAAAAAAAAAAAeAAAAAEAAABAAAAAAAAAAAAAAABaAAAAAAAAAAAAAAAAAAAAAAAAAAAAAAAAAAAAAAAAAAAAAAAAAAAAAAAAAAAAAAAAAAAAAAAAAAAAAAAAAAAAAAAAAAAAAAAAAAAAFAAAADwAAAAAAAAAAAAAAAAAAAAPAAAAAQAAACMAAAAjAAAAIwAAAB4AAAAAAAAAZAAAAGQAAAAAAAAAZAAAAGQAAAAVAAAAYAAAAAAAAAAAAAAADwAAACADAAAAAAAAAAAAAAEAAACgMgAAVgcAAKr4//8BAAAAf39/AAEAAABkAAAAAAAAABQAAABAHwAAAAAAACYAAAAAAAAAwOD//wAAAAAmAAAAZAAAABYAAABMAAAAAAAAAAAAAAAEAAAAAAAAAAEAAADRSc4KAAAAACgAAAAoAAAAZAAAAGQAAAAAAAAAzMzMAAAAAABQAAAAUAAAAGQAAABkAAAAAAAAABcAAAAUAAAAAAAAAAAAAAD/fwAA/38AAAAAAAAJAAAABAAAAF8AYAAeAAAAaAAAAAAAAAAAAAAAAAAAAAAAAAAAAAAAECcAABAnAAAAAAAAAAAAAAAAAAAAAAAAAAAAAAAAAAAAAAAAAAAAABQAAAAAAAAAwMD/AAAAAABkAAAAMgAAAAAAAABkAAAAAAAAAH9/fwAKAAAAIgAAABgAAAAAAAAAAAAAAAAAAAAAAAAAAAAAAAAAAAAkAAAAJAAAAAAAAAAHAAAAAAAAAAAAAAAAAAAAAAAAAAAAAAAAAAAAf39/ACUAAABYAAAAAAAAAAAAAAAAAAAAAAAAAAAAAAAAAAAAAAAAAAAAAAAAAAAAAAAAAAAAAAA/AAAAAAAAAKCGAQAAAAAAAAAAAAAAAAAMAAAAAQAAAAAAAAAAAAAAAAAAAB8AAABUAAAA////AAAAAAEAAAAAAAAAAAAAAAAAAAAAAAAAAAAAAAAAAAAAAAAAAAAAAAB/f38AAAAAA8zMzADAwP8Af39/AAAAAAAAAAAAAAAAAAAAAAAAAAAAIQAAABgAAAAUAAAA0AIAAEMBAABvNQAAwRkAABAgAAAmAAAACAAAAL0gAAAAAAAA"/>
+                <pr:smNativeData xmlns:pr="smNativeData" xmlns="smNativeData" val="SMDATA_15_8sFZZRMAAAAlAAAAZAAAAE0AAAAAAAAAAAAAAAAAAAAAAAAAAAAAAAABAAAAAAAAAAEAAABQAAAAAAAAAAAA4D8AAAAAAADgPwAAAAAAAOA/AAAAAAAA4D8AAAAAAADgPwAAAAAAAOA/AAAAAAAA4D8AAAAAAADgPwAAAAAAAOA/AAAAAAAA4D8CAAAAjAAAAAAAAAAAAAAA////AP///wgAAAAAAAAAAAAAAAAAAAAAAAAAAAAAAAAAAAAAeAAAAAEAAABAAAAAAAAAAAAAAABaAAAAAAAAAAAAAAAAAAAAAAAAAAAAAAAAAAAAAAAAAAAAAAAAAAAAAAAAAAAAAAAAAAAAAAAAAAAAAAAAAAAAAAAAAAAAAAAAAAAAFAAAADwAAAAAAAAAAAAAAAAAAAAPAAAAAQAAACMAAAAjAAAAIwAAAB4AAAAAAAAAZAAAAGQAAAAAAAAAZAAAAGQAAAAVAAAAYAAAAAAAAAAAAAAADwAAACADAAAAAAAAAAAAAAEAAACgMgAAVgcAAKr4//8BAAAAf39/AAEAAABkAAAAAAAAABQAAABAHwAAAAAAACYAAAAAAAAAwOD//wAAAAAmAAAAZAAAABYAAABMAAAAAAAAAAAAAAAEAAAAAAAAAAEAAADRSc4KAAAAACgAAAAoAAAAZAAAAGQAAAAAAAAAzMzMAAAAAABQAAAAUAAAAGQAAABkAAAAAAAAABcAAAAUAAAAAAAAAAAAAAD/fwAA/38AAAAAAAAJAAAABAAAAAAAAAAeAAAAaAAAAAAAAAAAAAAAAAAAAAAAAAAAAAAAECcAABAnAAAAAAAAAAAAAAAAAAAAAAAAAAAAAAAAAAAAAAAAAAAAABQAAAAAAAAAwMD/AAAAAABkAAAAMgAAAAAAAABkAAAAAAAAAH9/fwAKAAAAIgAAABgAAAAAAAAAAAAAAAAAAAAAAAAAAAAAAAAAAAAkAAAAJAAAAAAAAAAHAAAAAAAAAAAAAAAAAAAAAAAAAAAAAAAAAAAAf39/ACUAAABYAAAAAAAAAAAAAAAAAAAAAAAAAAAAAAAAAAAAAAAAAAAAAAAAAAAAAAAAAAAAAAA/AAAAAAAAAKCGAQAAAAAAAAAAAAAAAAAMAAAAAQAAAAAAAAAAAAAAAAAAAB8AAABUAAAA////AAAAAAEAAAAAAAAAAAAAAAAAAAAAAAAAAAAAAAAAAAAAAAAAAAAAAAB/f38AAAAAA8zMzADAwP8Af39/AAAAAAAAAAAAAAAAAAAAAAAAAAAAIQAAABgAAAAUAAAA0AIAAEMBAABvNQAAwRkAABAgAAAmAAAACAAAAL0gAAAAAAAA"/>
               </a:ext>
             </a:extLst>
           </p:cNvSpPr>
@@ -10076,7 +9979,7 @@
             <a:spLocks noGrp="1" noChangeArrowheads="1"/>
             <a:extLst>
               <a:ext uri="smNativeData">
-                <pr:smNativeData xmlns:pr="smNativeData" xmlns="smNativeData" val="SMDATA_15_37BZZRMAAAAlAAAAZAAAAE0AAAAAAAAAAAAAAAAAAAAAAAAAAAAAAAABAAAAAAAAAAEAAABQAAAAAAAAAAAA4D8AAAAAAADgPwAAAAAAAOA/AAAAAAAA4D8AAAAAAADgPwAAAAAAAOA/AAAAAAAA4D8AAAAAAADgPwAAAAAAAOA/AAAAAAAA4D8CAAAAjAAAAAAAAAAAAAAA////AP///wgAAAAAAAAAAAAAAAAAAAAAAAAAAAAAAAAAAAAAeAAAAAEAAABAAAAAAAAAAAAAAABaAAAAAAAAAAAAAAAAAAAAAAAAAAAAAAAAAAAAAAAAAAAAAAAAAAAAAAAAAAAAAAAAAAAAAAAAAAAAAAAAAAAAAAAAAAAAAAAAAAAAFAAAADwAAAAAAAAAAAAAAAAAAAAPAAAAAQAAACMAAAAjAAAAIwAAAB4AAAAAAAAAZAAAAGQAAAAAAAAAZAAAAGQAAAAVAAAAYAAAAAAAAAAAAAAADwAAACADAAAAAAAAAAAAAAEAAACgMgAAVgcAAKr4//8BAAAAf39/AAEAAABkAAAAAAAAABQAAABAHwAAAAAAACYAAAAAAAAAwOD//wAAAAAmAAAAZAAAABYAAABMAAAAAAAAAAAAAAAEAAAAAAAAAAEAAADRSc4KAAAAACgAAAAoAAAAZAAAAGQAAAAAAAAAzMzMAAAAAABQAAAAUAAAAGQAAABkAAAAAAAAABcAAAAUAAAAAAAAAAAAAAD/fwAA/38AAAAAAAAJAAAABAAAAAAAAAAeAAAAaAAAAAAAAAAAAAAAAAAAAAAAAAAAAAAAECcAABAnAAAAAAAAAAAAAAAAAAAAAAAAAAAAAAAAAAAAAAAAAAAAABQAAAAAAAAAwMD/AAAAAABkAAAAMgAAAAAAAABkAAAAAAAAAH9/fwAKAAAAIgAAABgAAAAAAAAAAAAAAAAAAAAAAAAAAAAAAAAAAAAkAAAAJAAAAAAAAAAHAAAAAAAAAAAAAAAAAAAAAAAAAAAAAAAAAAAAf39/ACUAAABYAAAAAAAAAAAAAAAAAAAAAAAAAAAAAAAAAAAAAAAAAAAAAAAAAAAAAAAAAAAAAAA/AAAAAAAAAKCGAQAAAAAAAAAAAAAAAAAMAAAAAQAAAAAAAAAAAAAAAAAAAB8AAABUAAAA////AAAAAAEAAAAAAAAAAAAAAAAAAAAAAAAAAAAAAAAAAAAAAAAAAAAAAAB/f38AAAAAA8zMzADAwP8Af39/AAAAAAAAAAAAAAAAAAAAAAAAAAAAIQAAABgAAAAUAAAA0AIAAA8AAABvNQAAwAcAABAgAAAmAAAACAAAAD0gAAAAAAAA"/>
+                <pr:smNativeData xmlns:pr="smNativeData" xmlns="smNativeData" val="SMDATA_15_8sFZZRMAAAAlAAAAZAAAAE0AAAAAAAAAAAAAAAAAAAAAAAAAAAAAAAABAAAAAAAAAAEAAABQAAAAAAAAAAAA4D8AAAAAAADgPwAAAAAAAOA/AAAAAAAA4D8AAAAAAADgPwAAAAAAAOA/AAAAAAAA4D8AAAAAAADgPwAAAAAAAOA/AAAAAAAA4D8CAAAAjAAAAAAAAAAAAAAA////AP///wgAAAAAAAAAAAAAAAAAAAAAAAAAAAAAAAAAAAAAeAAAAAEAAABAAAAAAAAAAAAAAABaAAAAAAAAAAAAAAAAAAAAAAAAAAAAAAAAAAAAAAAAAAAAAAAAAAAAAAAAAAAAAAAAAAAAAAAAAAAAAAAAAAAAAAAAAAAAAAAAAAAAFAAAADwAAAAAAAAAAAAAAAAAAAAPAAAAAQAAACMAAAAjAAAAIwAAAB4AAAAAAAAAZAAAAGQAAAAAAAAAZAAAAGQAAAAVAAAAYAAAAAAAAAAAAAAADwAAACADAAAAAAAAAAAAAAEAAACgMgAAVgcAAKr4//8BAAAAf39/AAEAAABkAAAAAAAAABQAAABAHwAAAAAAACYAAAAAAAAAwOD//wAAAAAmAAAAZAAAABYAAABMAAAAAAAAAAAAAAAEAAAAAAAAAAEAAADRSc4KAAAAACgAAAAoAAAAZAAAAGQAAAAAAAAAzMzMAAAAAABQAAAAUAAAAGQAAABkAAAAAAAAABcAAAAUAAAAAAAAAAAAAAD/fwAA/38AAAAAAAAJAAAABAAAAAAAAAAeAAAAaAAAAAAAAAAAAAAAAAAAAAAAAAAAAAAAECcAABAnAAAAAAAAAAAAAAAAAAAAAAAAAAAAAAAAAAAAAAAAAAAAABQAAAAAAAAAwMD/AAAAAABkAAAAMgAAAAAAAABkAAAAAAAAAH9/fwAKAAAAIgAAABgAAAAAAAAAAAAAAAAAAAAAAAAAAAAAAAAAAAAkAAAAJAAAAAAAAAAHAAAAAAAAAAAAAAAAAAAAAAAAAAAAAAAAAAAAf39/ACUAAABYAAAAAAAAAAAAAAAAAAAAAAAAAAAAAAAAAAAAAAAAAAAAAAAAAAAAAAAAAAAAAAA/AAAAAAAAAKCGAQAAAAAAAAAAAAAAAAAMAAAAAQAAAAAAAAAAAAAAAAAAAB8AAABUAAAA////AAAAAAEAAAAAAAAAAAAAAAAAAAAAAAAAAAAAAAAAAAAAAAAAAAAAAAB/f38AAAAAA8zMzADAwP8Af39/AAAAAAAAAAAAAAAAAAAAAAAAAAAAIQAAABgAAAAUAAAA0AIAAA8AAABvNQAAwAcAABAgAAAmAAAACAAAAD0gAAAAAAAA"/>
               </a:ext>
             </a:extLst>
           </p:cNvSpPr>
@@ -10109,7 +10012,7 @@
             <a:spLocks noGrp="1" noChangeArrowheads="1"/>
             <a:extLst>
               <a:ext uri="smNativeData">
-                <pr:smNativeData xmlns:pr="smNativeData" xmlns="smNativeData" val="SMDATA_15_37BZZRMAAAAlAAAAZAAAAA0AAAAAAAAAAAAAAAAAAAAAAAAAAAAAAAAAAAAAAAAAAAEAAABQAAAAAAAAAAAA4D8AAAAAAADgPwAAAAAAAOA/AAAAAAAA4D8AAAAAAADgPwAAAAAAAOA/AAAAAAAA4D8AAAAAAADgPwAAAAAAAOA/AAAAAAAA4D8CAAAAjAAAAAAAAAAAAAAA////AP///wgAAAAAAAAAAAAAAAAAAAAAAAAAAAAAAAAAAAAAeAAAAAEAAABAAAAAAAAAAAAAAABaAAAAAAAAAAAAAAAAAAAAAAAAAAAAAAAAAAAAAAAAAAAAAAAAAAAAAAAAAAAAAAAAAAAAAAAAAAAAAAAAAAAAAAAAAAAAAAAAAAAAFAAAADwAAAAAAAAAAAAAAAAAAAAPAAAAAQAAACMAAAAjAAAAIwAAAB4AAAAAAAAAZAAAAGQAAAAAAAAAZAAAAGQAAAAVAAAAYAAAAAAAAAAAAAAADwAAACADAAAAAAAAAAAAAAEAAACgMgAAVgcAAKr4//8BAAAAf39/AAEAAABkAAAAAAAAABQAAABAHwAAAAAAACYAAAAAAAAAwOD//wAAAAAmAAAAZAAAABYAAABMAAAAAAAAAAAAAAAEAAAAAAAAAAEAAADRSc4KAAAAACgAAAAoAAAAZAAAAGQAAAAAAAAAzMzMAAAAAABQAAAAUAAAAGQAAABkAAAAAAAAABcAAAAUAAAAAAAAAAAAAAD/fwAA/38AAAAAAAAJAAAABAAAAAAAAAAeAAAAaAAAAAAAAAAAAAAAAAAAAAAAAAAAAAAAECcAABAnAAAAAAAAAAAAAAAAAAAAAAAAAAAAAAAAAAAAAAAAAAAAABQAAAAAAAAAwMD/AAAAAABkAAAAMgAAAAAAAABkAAAAAAAAAH9/fwAKAAAAIgAAABgAAAAAAAAAAAAAAAAAAAAAAAAAAAAAAAAAAAAkAAAAJAAAAAAAAAAHAAAAAAAAAAAAAAAAAAAAAAAAAAAAAAAAAAAAf39/ACUAAABYAAAAAAAAAAAAAAAAAAAAAAAAAAAAAAAAAAAAAAAAAAAAAAAAAAAAAAAAAAAAAAA/AAAAAAAAAKCGAQAAAAAAAAAAAAAAAAAMAAAAAQAAAAAAAAAAAAAAAAAAAB8AAABUAAAA////AAAAAAEAAAAAAAAAAAAAAAAAAAAAAAAAAAAAAAAAAAAAAAAAAAAAAAB/f38AAAAAA8zMzADAwP8Af39/AAAAAAAAAAAAAAAAAAAAAAAAAAAAIQAAABgAAAAUAAAA0AIAAGcHAACEGwAAKBAAABAAAAAmAAAACAAAAD0gAAAAAAAA"/>
+                <pr:smNativeData xmlns:pr="smNativeData" xmlns="smNativeData" val="SMDATA_15_8sFZZRMAAAAlAAAAZAAAAA0AAAAAAAAAAAAAAAAAAAAAAAAAAAAAAAAAAAAAAAAAAAEAAABQAAAAAAAAAAAA4D8AAAAAAADgPwAAAAAAAOA/AAAAAAAA4D8AAAAAAADgPwAAAAAAAOA/AAAAAAAA4D8AAAAAAADgPwAAAAAAAOA/AAAAAAAA4D8CAAAAjAAAAAAAAAAAAAAA////AP///wgAAAAAAAAAAAAAAAAAAAAAAAAAAAAAAAAAAAAAeAAAAAEAAABAAAAAAAAAAAAAAABaAAAAAAAAAAAAAAAAAAAAAAAAAAAAAAAAAAAAAAAAAAAAAAAAAAAAAAAAAAAAAAAAAAAAAAAAAAAAAAAAAAAAAAAAAAAAAAAAAAAAFAAAADwAAAAAAAAAAAAAAAAAAAAPAAAAAQAAACMAAAAjAAAAIwAAAB4AAAAAAAAAZAAAAGQAAAAAAAAAZAAAAGQAAAAVAAAAYAAAAAAAAAAAAAAADwAAACADAAAAAAAAAAAAAAEAAACgMgAAVgcAAKr4//8BAAAAf39/AAEAAABkAAAAAAAAABQAAABAHwAAAAAAACYAAAAAAAAAwOD//wAAAAAmAAAAZAAAABYAAABMAAAAAAAAAAAAAAAEAAAAAAAAAAEAAADRSc4KAAAAACgAAAAoAAAAZAAAAGQAAAAAAAAAzMzMAAAAAABQAAAAUAAAAGQAAABkAAAAAAAAABcAAAAUAAAAAAAAAAAAAAD/fwAA/38AAAAAAAAJAAAABAAAAAAAAAAeAAAAaAAAAAAAAAAAAAAAAAAAAAAAAAAAAAAAECcAABAnAAAAAAAAAAAAAAAAAAAAAAAAAAAAAAAAAAAAAAAAAAAAABQAAAAAAAAAwMD/AAAAAABkAAAAMgAAAAAAAABkAAAAAAAAAH9/fwAKAAAAIgAAABgAAAAAAAAAAAAAAAAAAAAAAAAAAAAAAAAAAAAkAAAAJAAAAAAAAAAHAAAAAAAAAAAAAAAAAAAAAAAAAAAAAAAAAAAAf39/ACUAAABYAAAAAAAAAAAAAAAAAAAAAAAAAAAAAAAAAAAAAAAAAAAAAAAAAAAAAAAAAAAAAAA/AAAAAAAAAKCGAQAAAAAAAAAAAAAAAAAMAAAAAQAAAAAAAAAAAAAAAAAAAB8AAABUAAAA////AAAAAAEAAAAAAAAAAAAAAAAAAAAAAAAAAAAAAAAAAAAAAAAAAAAAAAB/f38AAAAAA8zMzADAwP8Af39/AAAAAAAAAAAAAAAAAAAAAAAAAAAAIQAAABgAAAAUAAAA0AIAAGcHAACEGwAAKBAAABAAAAAmAAAACAAAAD0gAAAAAAAA"/>
               </a:ext>
             </a:extLst>
           </p:cNvSpPr>
@@ -10142,7 +10045,7 @@
             <a:spLocks noGrp="1" noChangeArrowheads="1"/>
             <a:extLst>
               <a:ext uri="smNativeData">
-                <pr:smNativeData xmlns:pr="smNativeData" xmlns="smNativeData" val="SMDATA_15_37BZZRMAAAAlAAAAZAAAAA0AAAAAAAAAAAAAAAAAAAAAAAAAAAAAAAAAAAAAAAAAAAEAAABQAAAAAAAAAAAA4D8AAAAAAADgPwAAAAAAAOA/AAAAAAAA4D8AAAAAAADgPwAAAAAAAOA/AAAAAAAA4D8AAAAAAADgPwAAAAAAAOA/AAAAAAAA4D8CAAAAjAAAAAAAAAAAAAAA////AP///wgAAAAAAAAAAAAAAAAAAAAAAAAAAAAAAAAAAAAAeAAAAAEAAABAAAAAAAAAAAAAAABaAAAAAAAAAAAAAAAAAAAAAAAAAAAAAAAAAAAAAAAAAAAAAAAAAAAAAAAAAAAAAAAAAAAAAAAAAAAAAAAAAAAAAAAAAAAAAAAAAAAAFAAAADwAAAAAAAAAAAAAAAAAAAAPAAAAAQAAACMAAAAjAAAAIwAAAB4AAAAAAAAAZAAAAGQAAAAAAAAAZAAAAGQAAAAVAAAAYAAAAAAAAAAAAAAADwAAACADAAAAAAAAAAAAAAEAAACgMgAAVgcAAKr4//8BAAAAf39/AAEAAABkAAAAAAAAABQAAABAHwAAAAAAACYAAAAAAAAAwOD//wAAAAAmAAAAZAAAABYAAABMAAAAAAAAAAAAAAAEAAAAAAAAAAEAAADRSc4KAAAAACgAAAAoAAAAZAAAAGQAAAAAAAAAzMzMAAAAAABQAAAAUAAAAGQAAABkAAAAAAAAABcAAAAUAAAAAAAAAAAAAAD/fwAA/38AAAAAAAAJAAAABAAAAAAAAAAeAAAAaAAAAAAAAAAAAAAAAAAAAAAAAAAAAAAAECcAABAnAAAAAAAAAAAAAAAAAAAAAAAAAAAAAAAAAAAAAAAAAAAAABQAAAAAAAAAwMD/AAAAAABkAAAAMgAAAAAAAABkAAAAAAAAAH9/fwAKAAAAIgAAABgAAAAAAAAAAAAAAAAAAAAAAAAAAAAAAAAAAAAkAAAAJAAAAAAAAAAHAAAAAAAAAAAAAAAAAAAAAAAAAAAAAAAAAAAAf39/ACUAAABYAAAAAAAAAAAAAAAAAAAAAAAAAAAAAAAAAAAAAAAAAAAAAAAAAAAAAAAAAAAAAAA/AAAAAAAAAKCGAQAAAAAAAAAAAAAAAAAMAAAAAQAAAAAAAAAAAAAAAAAAAB8AAABUAAAA////AAAAAAEAAAAAAAAAAAAAAAAAAAAAAAAAAAAAAAAAAAAAAAAAAAAAAAB/f38AAAAAA8zMzADAwP8Af39/AAAAAAAAAAAAAAAAAAAAAAAAAAAAIQAAABgAAAAUAAAAwRwAAGcHAAB1NQAAwRkAABAAAAAmAAAACAAAAD0gAAAAAAAA"/>
+                <pr:smNativeData xmlns:pr="smNativeData" xmlns="smNativeData" val="SMDATA_15_8sFZZRMAAAAlAAAAZAAAAA0AAAAAAAAAAAAAAAAAAAAAAAAAAAAAAAAAAAAAAAAAAAEAAABQAAAAAAAAAAAA4D8AAAAAAADgPwAAAAAAAOA/AAAAAAAA4D8AAAAAAADgPwAAAAAAAOA/AAAAAAAA4D8AAAAAAADgPwAAAAAAAOA/AAAAAAAA4D8CAAAAjAAAAAAAAAAAAAAA////AP///wgAAAAAAAAAAAAAAAAAAAAAAAAAAAAAAAAAAAAAeAAAAAEAAABAAAAAAAAAAAAAAABaAAAAAAAAAAAAAAAAAAAAAAAAAAAAAAAAAAAAAAAAAAAAAAAAAAAAAAAAAAAAAAAAAAAAAAAAAAAAAAAAAAAAAAAAAAAAAAAAAAAAFAAAADwAAAAAAAAAAAAAAAAAAAAPAAAAAQAAACMAAAAjAAAAIwAAAB4AAAAAAAAAZAAAAGQAAAAAAAAAZAAAAGQAAAAVAAAAYAAAAAAAAAAAAAAADwAAACADAAAAAAAAAAAAAAEAAACgMgAAVgcAAKr4//8BAAAAf39/AAEAAABkAAAAAAAAABQAAABAHwAAAAAAACYAAAAAAAAAwOD//wAAAAAmAAAAZAAAABYAAABMAAAAAAAAAAAAAAAEAAAAAAAAAAEAAADRSc4KAAAAACgAAAAoAAAAZAAAAGQAAAAAAAAAzMzMAAAAAABQAAAAUAAAAGQAAABkAAAAAAAAABcAAAAUAAAAAAAAAAAAAAD/fwAA/38AAAAAAAAJAAAABAAAAAAAAAAeAAAAaAAAAAAAAAAAAAAAAAAAAAAAAAAAAAAAECcAABAnAAAAAAAAAAAAAAAAAAAAAAAAAAAAAAAAAAAAAAAAAAAAABQAAAAAAAAAwMD/AAAAAABkAAAAMgAAAAAAAABkAAAAAAAAAH9/fwAKAAAAIgAAABgAAAAAAAAAAAAAAAAAAAAAAAAAAAAAAAAAAAAkAAAAJAAAAAAAAAAHAAAAAAAAAAAAAAAAAAAAAAAAAAAAAAAAAAAAf39/ACUAAABYAAAAAAAAAAAAAAAAAAAAAAAAAAAAAAAAAAAAAAAAAAAAAAAAAAAAAAAAAAAAAAA/AAAAAAAAAKCGAQAAAAAAAAAAAAAAAAAMAAAAAQAAAAAAAAAAAAAAAAAAAB8AAABUAAAA////AAAAAAEAAAAAAAAAAAAAAAAAAAAAAAAAAAAAAAAAAAAAAAAAAAAAAAB/f38AAAAAA8zMzADAwP8Af39/AAAAAAAAAAAAAAAAAAAAAAAAAAAAIQAAABgAAAAUAAAAwRwAAGcHAAB1NQAAwRkAABAAAAAmAAAACAAAAD0gAAAAAAAA"/>
               </a:ext>
             </a:extLst>
           </p:cNvSpPr>
@@ -10175,7 +10078,7 @@
             <a:spLocks noGrp="1" noChangeArrowheads="1"/>
             <a:extLst>
               <a:ext uri="smNativeData">
-                <pr:smNativeData xmlns:pr="smNativeData" xmlns="smNativeData" val="SMDATA_15_37BZZRMAAAAlAAAAZAAAAA0AAAAAAAAAAAAAAAAAAAAAAAAAAAAAAAAAAAAAAAAAAAEAAABQAAAAAAAAAAAA4D8AAAAAAADgPwAAAAAAAOA/AAAAAAAA4D8AAAAAAADgPwAAAAAAAOA/AAAAAAAA4D8AAAAAAADgPwAAAAAAAOA/AAAAAAAA4D8CAAAAjAAAAAAAAAAAAAAA////AP///wgAAAAAAAAAAAAAAAAAAAAAAAAAAAAAAAAAAAAAeAAAAAEAAABAAAAAAAAAAAAAAABaAAAAAAAAAAAAAAAAAAAAAAAAAAAAAAAAAAAAAAAAAAAAAAAAAAAAAAAAAAAAAAAAAAAAAAAAAAAAAAAAAAAAAAAAAAAAAAAAAAAAFAAAADwAAAAAAAAAAAAAAAAAAAAPAAAAAQAAACMAAAAjAAAAIwAAAB4AAAAAAAAAZAAAAGQAAAAAAAAAZAAAAGQAAAAVAAAAYAAAAAAAAAAAAAAADwAAACADAAAAAAAAAAAAAAEAAACgMgAAVgcAAKr4//8BAAAAf39/AAEAAABkAAAAAAAAABQAAABAHwAAAAAAACYAAAAAAAAAwOD//wAAAAAmAAAAZAAAABYAAABMAAAAAAAAAAAAAAAEAAAAAAAAAAEAAADRSc4KAAAAACgAAAAoAAAAZAAAAGQAAAAAAAAAzMzMAAAAAABQAAAAUAAAAGQAAABkAAAAAAAAABcAAAAUAAAAAAAAAAAAAAD/fwAA/38AAAAAAAAJAAAABAAAAAAAAAAeAAAAaAAAAAAAAAAAAAAAAAAAAAAAAAAAAAAAECcAABAnAAAAAAAAAAAAAAAAAAAAAAAAAAAAAAAAAAAAAAAAAAAAABQAAAAAAAAAwMD/AAAAAABkAAAAMgAAAAAAAABkAAAAAAAAAH9/fwAKAAAAIgAAABgAAAAAAAAAAAAAAAAAAAAAAAAAAAAAAAAAAAAkAAAAJAAAAAAAAAAHAAAAAAAAAAAAAAAAAAAAAAAAAAAAAAAAAAAAf39/ACUAAABYAAAAAAAAAAAAAAAAAAAAAAAAAAAAAAAAAAAAAAAAAAAAAAAAAAAAAAAAAAAAAAA/AAAAAAAAAKCGAQAAAAAAAAAAAAAAAAAMAAAAAQAAAAAAAAAAAAAAAAAAAB8AAABUAAAA////AAAAAAEAAAAAAAAAAAAAAAAAAAAAAAAAAAAAAAAAAAAAAAAAAAAAAAB/f38AAAAAA8zMzADAwP8Af39/AAAAAAAAAAAAAAAAAAAAAAAAAAAAIQAAABgAAAAUAAAA0AIAAP0QAACEGwAAvhkAABAAAAAmAAAACAAAAD0gAAAAAAAA"/>
+                <pr:smNativeData xmlns:pr="smNativeData" xmlns="smNativeData" val="SMDATA_15_8sFZZRMAAAAlAAAAZAAAAA0AAAAAAAAAAAAAAAAAAAAAAAAAAAAAAAAAAAAAAAAAAAEAAABQAAAAAAAAAAAA4D8AAAAAAADgPwAAAAAAAOA/AAAAAAAA4D8AAAAAAADgPwAAAAAAAOA/AAAAAAAA4D8AAAAAAADgPwAAAAAAAOA/AAAAAAAA4D8CAAAAjAAAAAAAAAAAAAAA////AP///wgAAAAAAAAAAAAAAAAAAAAAAAAAAAAAAAAAAAAAeAAAAAEAAABAAAAAAAAAAAAAAABaAAAAAAAAAAAAAAAAAAAAAAAAAAAAAAAAAAAAAAAAAAAAAAAAAAAAAAAAAAAAAAAAAAAAAAAAAAAAAAAAAAAAAAAAAAAAAAAAAAAAFAAAADwAAAAAAAAAAAAAAAAAAAAPAAAAAQAAACMAAAAjAAAAIwAAAB4AAAAAAAAAZAAAAGQAAAAAAAAAZAAAAGQAAAAVAAAAYAAAAAAAAAAAAAAADwAAACADAAAAAAAAAAAAAAEAAACgMgAAVgcAAKr4//8BAAAAf39/AAEAAABkAAAAAAAAABQAAABAHwAAAAAAACYAAAAAAAAAwOD//wAAAAAmAAAAZAAAABYAAABMAAAAAAAAAAAAAAAEAAAAAAAAAAEAAADRSc4KAAAAACgAAAAoAAAAZAAAAGQAAAAAAAAAzMzMAAAAAABQAAAAUAAAAGQAAABkAAAAAAAAABcAAAAUAAAAAAAAAAAAAAD/fwAA/38AAAAAAAAJAAAABAAAAAAAAAAeAAAAaAAAAAAAAAAAAAAAAAAAAAAAAAAAAAAAECcAABAnAAAAAAAAAAAAAAAAAAAAAAAAAAAAAAAAAAAAAAAAAAAAABQAAAAAAAAAwMD/AAAAAABkAAAAMgAAAAAAAABkAAAAAAAAAH9/fwAKAAAAIgAAABgAAAAAAAAAAAAAAAAAAAAAAAAAAAAAAAAAAAAkAAAAJAAAAAAAAAAHAAAAAAAAAAAAAAAAAAAAAAAAAAAAAAAAAAAAf39/ACUAAABYAAAAAAAAAAAAAAAAAAAAAAAAAAAAAAAAAAAAAAAAAAAAAAAAAAAAAAAAAAAAAAA/AAAAAAAAAKCGAQAAAAAAAAAAAAAAAAAMAAAAAQAAAAAAAAAAAAAAAAAAAB8AAABUAAAA////AAAAAAEAAAAAAAAAAAAAAAAAAAAAAAAAAAAAAAAAAAAAAAAAAAAAAAB/f38AAAAAA8zMzADAwP8Af39/AAAAAAAAAAAAAAAAAAAAAAAAAAAAIQAAABgAAAAUAAAA0AIAAP0QAACEGwAAvhkAABAAAAAmAAAACAAAAD0gAAAAAAAA"/>
               </a:ext>
             </a:extLst>
           </p:cNvSpPr>
@@ -10233,7 +10136,7 @@
             <a:spLocks noGrp="1" noChangeArrowheads="1"/>
             <a:extLst>
               <a:ext uri="smNativeData">
-                <pr:smNativeData xmlns:pr="smNativeData" xmlns="smNativeData" val="SMDATA_15_37BZZRMAAAAlAAAAZAAAAE0AAAAAAAAAAAAAAAAAAAAAAAAAAAAAAAABAAAAAAAAAAEAAABQAAAAAAAAAAAA4D8AAAAAAADgPwAAAAAAAOA/AAAAAAAA4D8AAAAAAADgPwAAAAAAAOA/AAAAAAAA4D8AAAAAAADgPwAAAAAAAOA/AAAAAAAA4D8CAAAAjAAAAAAAAAAAAAAA////AP///wgAAAAAAAAAAAAAAAAAAAAAAAAAAAAAAAAAAAAAeAAAAAEAAABAAAAAAAAAAAAAAABaAAAAAAAAAAAAAAAAAAAAAAAAAAAAAAAAAAAAAAAAAAAAAAAAAAAAAAAAAAAAAAAAAAAAAAAAAAAAAAAAAAAAAAAAAAAAAAAAAAAAFAAAADwAAAAAAAAAAAAAAAAAAAAPAAAAAQAAACMAAAAjAAAAIwAAAB4AAAAAAAAAZAAAAGQAAAAAAAAAZAAAAGQAAAAVAAAAYAAAAAAAAAAAAAAADwAAACADAAAAAAAAAAAAAAEAAACgMgAAVgcAAKr4//8BAAAAf39/AAEAAABkAAAAAAAAABQAAABAHwAAAAAAACYAAAAAAAAAwOD//wAAAAAmAAAAZAAAABYAAABMAAAAAAAAAAAAAAAEAAAAAAAAAAEAAADRSc4KAAAAACgAAAAoAAAAZAAAAGQAAAAAAAAAzMzMAAAAAABQAAAAUAAAAGQAAABkAAAAAAAAABcAAAAUAAAAAAAAAAAAAAD/fwAA/38AAAAAAAAJAAAABAAAAF8AYAAeAAAAaAAAAAAAAAAAAAAAAAAAAAAAAAAAAAAAECcAABAnAAAAAAAAAAAAAAAAAAAAAAAAAAAAAAAAAAAAAAAAAAAAABQAAAAAAAAAwMD/AAAAAABkAAAAMgAAAAAAAABkAAAAAAAAAH9/fwAKAAAAIgAAABgAAAAAAAAAAAAAAAAAAAAAAAAAAAAAAAAAAAAkAAAAJAAAAAAAAAAHAAAAAAAAAAAAAAAAAAAAAAAAAAAAAAAAAAAAf39/ACUAAABYAAAAAAAAAAAAAAAAAAAAAAAAAAAAAAAAAAAAAAAAAAAAAAAAAAAAAAAAAAAAAAA/AAAAAAAAAKCGAQAAAAAAAAAAAAAAAAAMAAAAAQAAAAAAAAAAAAAAAAAAAB8AAABUAAAA////AAAAAAEAAAAAAAAAAAAAAAAAAAAAAAAAAAAAAAAAAAAAAAAAAAAAAAB/f38AAAAAA8zMzADAwP8Af39/AAAAAAAAAAAAAAAAAAAAAAAAAAAAIQAAABgAAAAUAAAA0AIAAA8AAABvNQAAwAcAABAgAAAmAAAACAAAAD0gAAAAAAAA"/>
+                <pr:smNativeData xmlns:pr="smNativeData" xmlns="smNativeData" val="SMDATA_15_8sFZZRMAAAAlAAAAZAAAAE0AAAAAAAAAAAAAAAAAAAAAAAAAAAAAAAABAAAAAAAAAAEAAABQAAAAAAAAAAAA4D8AAAAAAADgPwAAAAAAAOA/AAAAAAAA4D8AAAAAAADgPwAAAAAAAOA/AAAAAAAA4D8AAAAAAADgPwAAAAAAAOA/AAAAAAAA4D8CAAAAjAAAAAAAAAAAAAAA////AP///wgAAAAAAAAAAAAAAAAAAAAAAAAAAAAAAAAAAAAAeAAAAAEAAABAAAAAAAAAAAAAAABaAAAAAAAAAAAAAAAAAAAAAAAAAAAAAAAAAAAAAAAAAAAAAAAAAAAAAAAAAAAAAAAAAAAAAAAAAAAAAAAAAAAAAAAAAAAAAAAAAAAAFAAAADwAAAAAAAAAAAAAAAAAAAAPAAAAAQAAACMAAAAjAAAAIwAAAB4AAAAAAAAAZAAAAGQAAAAAAAAAZAAAAGQAAAAVAAAAYAAAAAAAAAAAAAAADwAAACADAAAAAAAAAAAAAAEAAACgMgAAVgcAAKr4//8BAAAAf39/AAEAAABkAAAAAAAAABQAAABAHwAAAAAAACYAAAAAAAAAwOD//wAAAAAmAAAAZAAAABYAAABMAAAAAAAAAAAAAAAEAAAAAAAAAAEAAADRSc4KAAAAACgAAAAoAAAAZAAAAGQAAAAAAAAAzMzMAAAAAABQAAAAUAAAAGQAAABkAAAAAAAAABcAAAAUAAAAAAAAAAAAAAD/fwAA/38AAAAAAAAJAAAABAAAAAAAAAAeAAAAaAAAAAAAAAAAAAAAAAAAAAAAAAAAAAAAECcAABAnAAAAAAAAAAAAAAAAAAAAAAAAAAAAAAAAAAAAAAAAAAAAABQAAAAAAAAAwMD/AAAAAABkAAAAMgAAAAAAAABkAAAAAAAAAH9/fwAKAAAAIgAAABgAAAAAAAAAAAAAAAAAAAAAAAAAAAAAAAAAAAAkAAAAJAAAAAAAAAAHAAAAAAAAAAAAAAAAAAAAAAAAAAAAAAAAAAAAf39/ACUAAABYAAAAAAAAAAAAAAAAAAAAAAAAAAAAAAAAAAAAAAAAAAAAAAAAAAAAAAAAAAAAAAA/AAAAAAAAAKCGAQAAAAAAAAAAAAAAAAAMAAAAAQAAAAAAAAAAAAAAAAAAAB8AAABUAAAA////AAAAAAEAAAAAAAAAAAAAAAAAAAAAAAAAAAAAAAAAAAAAAAAAAAAAAAB/f38AAAAAA8zMzADAwP8Af39/AAAAAAAAAAAAAAAAAAAAAAAAAAAAIQAAABgAAAAUAAAA0AIAAA8AAABvNQAAwAcAABAgAAAmAAAACAAAAD0gAAAAAAAA"/>
               </a:ext>
             </a:extLst>
           </p:cNvSpPr>
@@ -10266,7 +10169,7 @@
             <a:spLocks noGrp="1" noChangeArrowheads="1"/>
             <a:extLst>
               <a:ext uri="smNativeData">
-                <pr:smNativeData xmlns:pr="smNativeData" xmlns="smNativeData" val="SMDATA_15_37BZZRMAAAAlAAAAZAAAAA0AAAAAAAAAAAAAAAAAAAAAAAAAAAAAAAAAAAAAAAAAAAEAAABQAAAAAAAAAAAA4D8AAAAAAADgPwAAAAAAAOA/AAAAAAAA4D8AAAAAAADgPwAAAAAAAOA/AAAAAAAA4D8AAAAAAADgPwAAAAAAAOA/AAAAAAAA4D8CAAAAjAAAAAAAAAAAAAAA////AP///wgAAAAAAAAAAAAAAAAAAAAAAAAAAAAAAAAAAAAAeAAAAAEAAABAAAAAAAAAAAAAAABaAAAAAAAAAAAAAAAAAAAAAAAAAAAAAAAAAAAAAAAAAAAAAAAAAAAAAAAAAAAAAAAAAAAAAAAAAAAAAAAAAAAAAAAAAAAAAAAAAAAAFAAAADwAAAAAAAAAAAAAAAAAAAAPAAAAAQAAACMAAAAjAAAAIwAAAB4AAAAAAAAAZAAAAGQAAAAAAAAAZAAAAGQAAAAVAAAAYAAAAAAAAAAAAAAADwAAACADAAAAAAAAAAAAAAEAAACgMgAAVgcAAKr4//8BAAAAf39/AAEAAABkAAAAAAAAABQAAABAHwAAAAAAACYAAAAAAAAAwOD//wAAAAAmAAAAZAAAABYAAABMAAAAAAAAAAAAAAAEAAAAAAAAAAEAAADRSc4KAAAAACgAAAAoAAAAZAAAAGQAAAAAAAAAzMzMAAAAAABQAAAAUAAAAGQAAABkAAAAAAAAABcAAAAUAAAAAAAAAAAAAAD/fwAA/38AAAAAAAAJAAAABAAAAAAAAAAeAAAAaAAAAAAAAAAAAAAAAAAAAAAAAAAAAAAAECcAABAnAAAAAAAAAAAAAAAAAAAAAAAAAAAAAAAAAAAAAAAAAAAAABQAAAAAAAAAwMD/AAAAAABkAAAAMgAAAAAAAABkAAAAAAAAAH9/fwAKAAAAIgAAABgAAAAAAAAAAAAAAAAAAAAAAAAAAAAAAAAAAAAkAAAAJAAAAAAAAAAHAAAAAAAAAAAAAAAAAAAAAAAAAAAAAAAAAAAAf39/ACUAAABYAAAAAAAAAAAAAAAAAAAAAAAAAAAAAAAAAAAAAAAAAAAAAAAAAAAAAAAAAAAAAAA/AAAAAAAAAKCGAQAAAAAAAAAAAAAAAAAMAAAAAQAAAAAAAAAAAAAAAAAAAB8AAABUAAAA////AAAAAAEAAAAAAAAAAAAAAAAAAAAAAAAAAAAAAAAAAAAAAAAAAAAAAAB/f38AAAAAA8zMzADAwP8Af39/AAAAAAAAAAAAAAAAAAAAAAAAAAAAIQAAABgAAAAUAAAA0AIAAGcHAACEGwAAwRkAABAAAAAmAAAACAAAAD0gAAAAAAAA"/>
+                <pr:smNativeData xmlns:pr="smNativeData" xmlns="smNativeData" val="SMDATA_15_8sFZZRMAAAAlAAAAZAAAAA0AAAAAAAAAAAAAAAAAAAAAAAAAAAAAAAAAAAAAAAAAAAEAAABQAAAAAAAAAAAA4D8AAAAAAADgPwAAAAAAAOA/AAAAAAAA4D8AAAAAAADgPwAAAAAAAOA/AAAAAAAA4D8AAAAAAADgPwAAAAAAAOA/AAAAAAAA4D8CAAAAjAAAAAAAAAAAAAAA////AP///wgAAAAAAAAAAAAAAAAAAAAAAAAAAAAAAAAAAAAAeAAAAAEAAABAAAAAAAAAAAAAAABaAAAAAAAAAAAAAAAAAAAAAAAAAAAAAAAAAAAAAAAAAAAAAAAAAAAAAAAAAAAAAAAAAAAAAAAAAAAAAAAAAAAAAAAAAAAAAAAAAAAAFAAAADwAAAAAAAAAAAAAAAAAAAAPAAAAAQAAACMAAAAjAAAAIwAAAB4AAAAAAAAAZAAAAGQAAAAAAAAAZAAAAGQAAAAVAAAAYAAAAAAAAAAAAAAADwAAACADAAAAAAAAAAAAAAEAAACgMgAAVgcAAKr4//8BAAAAf39/AAEAAABkAAAAAAAAABQAAABAHwAAAAAAACYAAAAAAAAAwOD//wAAAAAmAAAAZAAAABYAAABMAAAAAAAAAAAAAAAEAAAAAAAAAAEAAADRSc4KAAAAACgAAAAoAAAAZAAAAGQAAAAAAAAAzMzMAAAAAABQAAAAUAAAAGQAAABkAAAAAAAAABcAAAAUAAAAAAAAAAAAAAD/fwAA/38AAAAAAAAJAAAABAAAAAAAAAAeAAAAaAAAAAAAAAAAAAAAAAAAAAAAAAAAAAAAECcAABAnAAAAAAAAAAAAAAAAAAAAAAAAAAAAAAAAAAAAAAAAAAAAABQAAAAAAAAAwMD/AAAAAABkAAAAMgAAAAAAAABkAAAAAAAAAH9/fwAKAAAAIgAAABgAAAAAAAAAAAAAAAAAAAAAAAAAAAAAAAAAAAAkAAAAJAAAAAAAAAAHAAAAAAAAAAAAAAAAAAAAAAAAAAAAAAAAAAAAf39/ACUAAABYAAAAAAAAAAAAAAAAAAAAAAAAAAAAAAAAAAAAAAAAAAAAAAAAAAAAAAAAAAAAAAA/AAAAAAAAAKCGAQAAAAAAAAAAAAAAAAAMAAAAAQAAAAAAAAAAAAAAAAAAAB8AAABUAAAA////AAAAAAEAAAAAAAAAAAAAAAAAAAAAAAAAAAAAAAAAAAAAAAAAAAAAAAB/f38AAAAAA8zMzADAwP8Af39/AAAAAAAAAAAAAAAAAAAAAAAAAAAAIQAAABgAAAAUAAAA0AIAAGcHAACEGwAAwRkAABAAAAAmAAAACAAAAD0gAAAAAAAA"/>
               </a:ext>
             </a:extLst>
           </p:cNvSpPr>
@@ -10299,7 +10202,7 @@
             <a:spLocks noGrp="1" noChangeArrowheads="1"/>
             <a:extLst>
               <a:ext uri="smNativeData">
-                <pr:smNativeData xmlns:pr="smNativeData" xmlns="smNativeData" val="SMDATA_15_37BZZRMAAAAlAAAAZAAAAA0AAAAAAAAAAAAAAAAAAAAAAAAAAAAAAAAAAAAAAAAAAAEAAABQAAAAAAAAAAAA4D8AAAAAAADgPwAAAAAAAOA/AAAAAAAA4D8AAAAAAADgPwAAAAAAAOA/AAAAAAAA4D8AAAAAAADgPwAAAAAAAOA/AAAAAAAA4D8CAAAAjAAAAAAAAAAAAAAA////AP///wgAAAAAAAAAAAAAAAAAAAAAAAAAAAAAAAAAAAAAeAAAAAEAAABAAAAAAAAAAAAAAABaAAAAAAAAAAAAAAAAAAAAAAAAAAAAAAAAAAAAAAAAAAAAAAAAAAAAAAAAAAAAAAAAAAAAAAAAAAAAAAAAAAAAAAAAAAAAAAAAAAAAFAAAADwAAAAAAAAAAAAAAAAAAAAPAAAAAQAAACMAAAAjAAAAIwAAAB4AAAAAAAAAZAAAAGQAAAAAAAAAZAAAAGQAAAAVAAAAYAAAAAAAAAAAAAAADwAAACADAAAAAAAAAAAAAAEAAACgMgAAVgcAAKr4//8BAAAAf39/AAEAAABkAAAAAAAAABQAAABAHwAAAAAAACYAAAAAAAAAwOD//wAAAAAmAAAAZAAAABYAAABMAAAAAAAAAAAAAAAEAAAAAAAAAAEAAADRSc4KAAAAACgAAAAoAAAAZAAAAGQAAAAAAAAAzMzMAAAAAABQAAAAUAAAAGQAAABkAAAAAAAAABcAAAAUAAAAAAAAAAAAAAD/fwAA/38AAAAAAAAJAAAABAAAAAAAAAAeAAAAaAAAAAAAAAAAAAAAAAAAAAAAAAAAAAAAECcAABAnAAAAAAAAAAAAAAAAAAAAAAAAAAAAAAAAAAAAAAAAAAAAABQAAAAAAAAAwMD/AAAAAABkAAAAMgAAAAAAAABkAAAAAAAAAH9/fwAKAAAAIgAAABgAAAAAAAAAAAAAAAAAAAAAAAAAAAAAAAAAAAAkAAAAJAAAAAAAAAAHAAAAAAAAAAAAAAAAAAAAAAAAAAAAAAAAAAAAf39/ACUAAABYAAAAAAAAAAAAAAAAAAAAAAAAAAAAAAAAAAAAAAAAAAAAAAAAAAAAAAAAAAAAAAA/AAAAAAAAAKCGAQAAAAAAAAAAAAAAAAAMAAAAAQAAAAAAAAAAAAAAAAAAAB8AAABUAAAA////AAAAAAEAAAAAAAAAAAAAAAAAAAAAAAAAAAAAAAAAAAAAAAAAAAAAAAB/f38AAAAAA8zMzADAwP8Af39/AAAAAAAAAAAAAAAAAAAAAAAAAAAAIQAAABgAAAAUAAAAwRwAAGcHAAB1NQAAKBAAABAAAAAmAAAACAAAAD0gAAAAAAAA"/>
+                <pr:smNativeData xmlns:pr="smNativeData" xmlns="smNativeData" val="SMDATA_15_8sFZZRMAAAAlAAAAZAAAAA0AAAAAAAAAAAAAAAAAAAAAAAAAAAAAAAAAAAAAAAAAAAEAAABQAAAAAAAAAAAA4D8AAAAAAADgPwAAAAAAAOA/AAAAAAAA4D8AAAAAAADgPwAAAAAAAOA/AAAAAAAA4D8AAAAAAADgPwAAAAAAAOA/AAAAAAAA4D8CAAAAjAAAAAAAAAAAAAAA////AP///wgAAAAAAAAAAAAAAAAAAAAAAAAAAAAAAAAAAAAAeAAAAAEAAABAAAAAAAAAAAAAAABaAAAAAAAAAAAAAAAAAAAAAAAAAAAAAAAAAAAAAAAAAAAAAAAAAAAAAAAAAAAAAAAAAAAAAAAAAAAAAAAAAAAAAAAAAAAAAAAAAAAAFAAAADwAAAAAAAAAAAAAAAAAAAAPAAAAAQAAACMAAAAjAAAAIwAAAB4AAAAAAAAAZAAAAGQAAAAAAAAAZAAAAGQAAAAVAAAAYAAAAAAAAAAAAAAADwAAACADAAAAAAAAAAAAAAEAAACgMgAAVgcAAKr4//8BAAAAf39/AAEAAABkAAAAAAAAABQAAABAHwAAAAAAACYAAAAAAAAAwOD//wAAAAAmAAAAZAAAABYAAABMAAAAAAAAAAAAAAAEAAAAAAAAAAEAAADRSc4KAAAAACgAAAAoAAAAZAAAAGQAAAAAAAAAzMzMAAAAAABQAAAAUAAAAGQAAABkAAAAAAAAABcAAAAUAAAAAAAAAAAAAAD/fwAA/38AAAAAAAAJAAAABAAAAAAAAAAeAAAAaAAAAAAAAAAAAAAAAAAAAAAAAAAAAAAAECcAABAnAAAAAAAAAAAAAAAAAAAAAAAAAAAAAAAAAAAAAAAAAAAAABQAAAAAAAAAwMD/AAAAAABkAAAAMgAAAAAAAABkAAAAAAAAAH9/fwAKAAAAIgAAABgAAAAAAAAAAAAAAAAAAAAAAAAAAAAAAAAAAAAkAAAAJAAAAAAAAAAHAAAAAAAAAAAAAAAAAAAAAAAAAAAAAAAAAAAAf39/ACUAAABYAAAAAAAAAAAAAAAAAAAAAAAAAAAAAAAAAAAAAAAAAAAAAAAAAAAAAAAAAAAAAAA/AAAAAAAAAKCGAQAAAAAAAAAAAAAAAAAMAAAAAQAAAAAAAAAAAAAAAAAAAB8AAABUAAAA////AAAAAAEAAAAAAAAAAAAAAAAAAAAAAAAAAAAAAAAAAAAAAAAAAAAAAAB/f38AAAAAA8zMzADAwP8Af39/AAAAAAAAAAAAAAAAAAAAAAAAAAAAIQAAABgAAAAUAAAAwRwAAGcHAAB1NQAAKBAAABAAAAAmAAAACAAAAD0gAAAAAAAA"/>
               </a:ext>
             </a:extLst>
           </p:cNvSpPr>
@@ -10332,7 +10235,7 @@
             <a:spLocks noGrp="1" noChangeArrowheads="1"/>
             <a:extLst>
               <a:ext uri="smNativeData">
-                <pr:smNativeData xmlns:pr="smNativeData" xmlns="smNativeData" val="SMDATA_15_37BZZRMAAAAlAAAAZAAAAA0AAAAAAAAAAAAAAAAAAAAAAAAAAAAAAAAAAAAAAAAAAAEAAABQAAAAAAAAAAAA4D8AAAAAAADgPwAAAAAAAOA/AAAAAAAA4D8AAAAAAADgPwAAAAAAAOA/AAAAAAAA4D8AAAAAAADgPwAAAAAAAOA/AAAAAAAA4D8CAAAAjAAAAAAAAAAAAAAA////AP///wgAAAAAAAAAAAAAAAAAAAAAAAAAAAAAAAAAAAAAeAAAAAEAAABAAAAAAAAAAAAAAABaAAAAAAAAAAAAAAAAAAAAAAAAAAAAAAAAAAAAAAAAAAAAAAAAAAAAAAAAAAAAAAAAAAAAAAAAAAAAAAAAAAAAAAAAAAAAAAAAAAAAFAAAADwAAAAAAAAAAAAAAAAAAAAPAAAAAQAAACMAAAAjAAAAIwAAAB4AAAAAAAAAZAAAAGQAAAAAAAAAZAAAAGQAAAAVAAAAYAAAAAAAAAAAAAAADwAAACADAAAAAAAAAAAAAAEAAACgMgAAVgcAAKr4//8BAAAAf39/AAEAAABkAAAAAAAAABQAAABAHwAAAAAAACYAAAAAAAAAwOD//wAAAAAmAAAAZAAAABYAAABMAAAAAAAAAAAAAAAEAAAAAAAAAAEAAADRSc4KAAAAACgAAAAoAAAAZAAAAGQAAAAAAAAAzMzMAAAAAABQAAAAUAAAAGQAAABkAAAAAAAAABcAAAAUAAAAAAAAAAAAAAD/fwAA/38AAAAAAAAJAAAABAAAAAAAAAAeAAAAaAAAAAAAAAAAAAAAAAAAAAAAAAAAAAAAECcAABAnAAAAAAAAAAAAAAAAAAAAAAAAAAAAAAAAAAAAAAAAAAAAABQAAAAAAAAAwMD/AAAAAABkAAAAMgAAAAAAAABkAAAAAAAAAH9/fwAKAAAAIgAAABgAAAAAAAAAAAAAAAAAAAAAAAAAAAAAAAAAAAAkAAAAJAAAAAAAAAAHAAAAAAAAAAAAAAAAAAAAAAAAAAAAAAAAAAAAf39/ACUAAABYAAAAAAAAAAAAAAAAAAAAAAAAAAAAAAAAAAAAAAAAAAAAAAAAAAAAAAAAAAAAAAA/AAAAAAAAAKCGAQAAAAAAAAAAAAAAAAAMAAAAAQAAAAAAAAAAAAAAAAAAAB8AAABUAAAA////AAAAAAEAAAAAAAAAAAAAAAAAAAAAAAAAAAAAAAAAAAAAAAAAAAAAAAB/f38AAAAAA8zMzADAwP8Af39/AAAAAAAAAAAAAAAAAAAAAAAAAAAAIQAAABgAAAAUAAAAwRwAAP0QAAB1NQAAvhkAABAAAAAmAAAACAAAAD0gAAAAAAAA"/>
+                <pr:smNativeData xmlns:pr="smNativeData" xmlns="smNativeData" val="SMDATA_15_8sFZZRMAAAAlAAAAZAAAAA0AAAAAAAAAAAAAAAAAAAAAAAAAAAAAAAAAAAAAAAAAAAEAAABQAAAAAAAAAAAA4D8AAAAAAADgPwAAAAAAAOA/AAAAAAAA4D8AAAAAAADgPwAAAAAAAOA/AAAAAAAA4D8AAAAAAADgPwAAAAAAAOA/AAAAAAAA4D8CAAAAjAAAAAAAAAAAAAAA////AP///wgAAAAAAAAAAAAAAAAAAAAAAAAAAAAAAAAAAAAAeAAAAAEAAABAAAAAAAAAAAAAAABaAAAAAAAAAAAAAAAAAAAAAAAAAAAAAAAAAAAAAAAAAAAAAAAAAAAAAAAAAAAAAAAAAAAAAAAAAAAAAAAAAAAAAAAAAAAAAAAAAAAAFAAAADwAAAAAAAAAAAAAAAAAAAAPAAAAAQAAACMAAAAjAAAAIwAAAB4AAAAAAAAAZAAAAGQAAAAAAAAAZAAAAGQAAAAVAAAAYAAAAAAAAAAAAAAADwAAACADAAAAAAAAAAAAAAEAAACgMgAAVgcAAKr4//8BAAAAf39/AAEAAABkAAAAAAAAABQAAABAHwAAAAAAACYAAAAAAAAAwOD//wAAAAAmAAAAZAAAABYAAABMAAAAAAAAAAAAAAAEAAAAAAAAAAEAAADRSc4KAAAAACgAAAAoAAAAZAAAAGQAAAAAAAAAzMzMAAAAAABQAAAAUAAAAGQAAABkAAAAAAAAABcAAAAUAAAAAAAAAAAAAAD/fwAA/38AAAAAAAAJAAAABAAAAAAAAAAeAAAAaAAAAAAAAAAAAAAAAAAAAAAAAAAAAAAAECcAABAnAAAAAAAAAAAAAAAAAAAAAAAAAAAAAAAAAAAAAAAAAAAAABQAAAAAAAAAwMD/AAAAAABkAAAAMgAAAAAAAABkAAAAAAAAAH9/fwAKAAAAIgAAABgAAAAAAAAAAAAAAAAAAAAAAAAAAAAAAAAAAAAkAAAAJAAAAAAAAAAHAAAAAAAAAAAAAAAAAAAAAAAAAAAAAAAAAAAAf39/ACUAAABYAAAAAAAAAAAAAAAAAAAAAAAAAAAAAAAAAAAAAAAAAAAAAAAAAAAAAAAAAAAAAAA/AAAAAAAAAKCGAQAAAAAAAAAAAAAAAAAMAAAAAQAAAAAAAAAAAAAAAAAAAB8AAABUAAAA////AAAAAAEAAAAAAAAAAAAAAAAAAAAAAAAAAAAAAAAAAAAAAAAAAAAAAAB/f38AAAAAA8zMzADAwP8Af39/AAAAAAAAAAAAAAAAAAAAAAAAAAAAIQAAABgAAAAUAAAAwRwAAP0QAAB1NQAAvhkAABAAAAAmAAAACAAAAD0gAAAAAAAA"/>
               </a:ext>
             </a:extLst>
           </p:cNvSpPr>
@@ -10390,7 +10293,7 @@
             <a:spLocks noGrp="1" noChangeArrowheads="1"/>
             <a:extLst>
               <a:ext uri="smNativeData">
-                <pr:smNativeData xmlns:pr="smNativeData" xmlns="smNativeData" val="SMDATA_15_37BZZRMAAAAlAAAAZAAAAE0AAAAAAAAAAAAAAAAAAAAAAAAAAAAAAAABAAAAAAAAAAEAAABQAAAAAAAAAAAA4D8AAAAAAADgPwAAAAAAAOA/AAAAAAAA4D8AAAAAAADgPwAAAAAAAOA/AAAAAAAA4D8AAAAAAADgPwAAAAAAAOA/AAAAAAAA4D8CAAAAjAAAAAAAAAAAAAAA////AP///wgAAAAAAAAAAAAAAAAAAAAAAAAAAAAAAAAAAAAAeAAAAAEAAABAAAAAAAAAAAAAAABaAAAAAAAAAAAAAAAAAAAAAAAAAAAAAAAAAAAAAAAAAAAAAAAAAAAAAAAAAAAAAAAAAAAAAAAAAAAAAAAAAAAAAAAAAAAAAAAAAAAAFAAAADwAAAAAAAAAAAAAAAAAAAAPAAAAAQAAACMAAAAjAAAAIwAAAB4AAAAAAAAAZAAAAGQAAAAAAAAAZAAAAGQAAAAVAAAAYAAAAAAAAAAAAAAADwAAACADAAAAAAAAAAAAAAEAAACgMgAAVgcAAKr4//8BAAAAf39/AAEAAABkAAAAAAAAABQAAABAHwAAAAAAACYAAAAAAAAAwOD//wAAAAAmAAAAZAAAABYAAABMAAAAAAAAAAAAAAAEAAAAAAAAAAEAAADRSc4KAAAAACgAAAAoAAAAZAAAAGQAAAAAAAAAzMzMAAAAAABQAAAAUAAAAGQAAABkAAAAAAAAABcAAAAUAAAAAAAAAAAAAAD/fwAA/38AAAAAAAAJAAAABAAAAAAAAAAeAAAAaAAAAAAAAAAAAAAAAAAAAAAAAAAAAAAAECcAABAnAAAAAAAAAAAAAAAAAAAAAAAAAAAAAAAAAAAAAAAAAAAAABQAAAAAAAAAwMD/AAAAAABkAAAAMgAAAAAAAABkAAAAAAAAAH9/fwAKAAAAIgAAABgAAAAAAAAAAAAAAAAAAAAAAAAAAAAAAAAAAAAkAAAAJAAAAAAAAAAHAAAAAAAAAAAAAAAAAAAAAAAAAAAAAAAAAAAAf39/ACUAAABYAAAAAAAAAAAAAAAAAAAAAAAAAAAAAAAAAAAAAAAAAAAAAAAAAAAAAAAAAAAAAAA/AAAAAAAAAKCGAQAAAAAAAAAAAAAAAAAMAAAAAQAAAAAAAAAAAAAAAAAAAB8AAABUAAAA////AAAAAAEAAAAAAAAAAAAAAAAAAAAAAAAAAAAAAAAAAAAAAAAAAAAAAAB/f38AAAAAA8zMzADAwP8Af39/AAAAAAAAAAAAAAAAAAAAAAAAAAAAIQAAABgAAAAUAAAA0AIAAA8AAABvNQAAwAcAABAgAAAmAAAACAAAAD0gAAAAAAAA"/>
+                <pr:smNativeData xmlns:pr="smNativeData" xmlns="smNativeData" val="SMDATA_15_8sFZZRMAAAAlAAAAZAAAAE0AAAAAAAAAAAAAAAAAAAAAAAAAAAAAAAABAAAAAAAAAAEAAABQAAAAAAAAAAAA4D8AAAAAAADgPwAAAAAAAOA/AAAAAAAA4D8AAAAAAADgPwAAAAAAAOA/AAAAAAAA4D8AAAAAAADgPwAAAAAAAOA/AAAAAAAA4D8CAAAAjAAAAAAAAAAAAAAA////AP///wgAAAAAAAAAAAAAAAAAAAAAAAAAAAAAAAAAAAAAeAAAAAEAAABAAAAAAAAAAAAAAABaAAAAAAAAAAAAAAAAAAAAAAAAAAAAAAAAAAAAAAAAAAAAAAAAAAAAAAAAAAAAAAAAAAAAAAAAAAAAAAAAAAAAAAAAAAAAAAAAAAAAFAAAADwAAAAAAAAAAAAAAAAAAAAPAAAAAQAAACMAAAAjAAAAIwAAAB4AAAAAAAAAZAAAAGQAAAAAAAAAZAAAAGQAAAAVAAAAYAAAAAAAAAAAAAAADwAAACADAAAAAAAAAAAAAAEAAACgMgAAVgcAAKr4//8BAAAAf39/AAEAAABkAAAAAAAAABQAAABAHwAAAAAAACYAAAAAAAAAwOD//wAAAAAmAAAAZAAAABYAAABMAAAAAAAAAAAAAAAEAAAAAAAAAAEAAADRSc4KAAAAACgAAAAoAAAAZAAAAGQAAAAAAAAAzMzMAAAAAABQAAAAUAAAAGQAAABkAAAAAAAAABcAAAAUAAAAAAAAAAAAAAD/fwAA/38AAAAAAAAJAAAABAAAAAAAAAAeAAAAaAAAAAAAAAAAAAAAAAAAAAAAAAAAAAAAECcAABAnAAAAAAAAAAAAAAAAAAAAAAAAAAAAAAAAAAAAAAAAAAAAABQAAAAAAAAAwMD/AAAAAABkAAAAMgAAAAAAAABkAAAAAAAAAH9/fwAKAAAAIgAAABgAAAAAAAAAAAAAAAAAAAAAAAAAAAAAAAAAAAAkAAAAJAAAAAAAAAAHAAAAAAAAAAAAAAAAAAAAAAAAAAAAAAAAAAAAf39/ACUAAABYAAAAAAAAAAAAAAAAAAAAAAAAAAAAAAAAAAAAAAAAAAAAAAAAAAAAAAAAAAAAAAA/AAAAAAAAAKCGAQAAAAAAAAAAAAAAAAAMAAAAAQAAAAAAAAAAAAAAAAAAAB8AAABUAAAA////AAAAAAEAAAAAAAAAAAAAAAAAAAAAAAAAAAAAAAAAAAAAAAAAAAAAAAB/f38AAAAAA8zMzADAwP8Af39/AAAAAAAAAAAAAAAAAAAAAAAAAAAAIQAAABgAAAAUAAAA0AIAAA8AAABvNQAAwAcAABAgAAAmAAAACAAAAD0gAAAAAAAA"/>
               </a:ext>
             </a:extLst>
           </p:cNvSpPr>
@@ -10423,7 +10326,7 @@
             <a:spLocks noGrp="1" noChangeArrowheads="1"/>
             <a:extLst>
               <a:ext uri="smNativeData">
-                <pr:smNativeData xmlns:pr="smNativeData" xmlns="smNativeData" val="SMDATA_15_37BZZRMAAAAlAAAAZAAAAA0AAAAAAAAAAAAAAAAAAAAAAAAAAAAAAAAAAAAAAAAAAAEAAABQAAAAAAAAAAAA4D8AAAAAAADgPwAAAAAAAOA/AAAAAAAA4D8AAAAAAADgPwAAAAAAAOA/AAAAAAAA4D8AAAAAAADgPwAAAAAAAOA/AAAAAAAA4D8CAAAAjAAAAAAAAAAAAAAA////AP///wgAAAAAAAAAAAAAAAAAAAAAAAAAAAAAAAAAAAAAeAAAAAEAAABAAAAAAAAAAAAAAABaAAAAAAAAAAAAAAAAAAAAAAAAAAAAAAAAAAAAAAAAAAAAAAAAAAAAAAAAAAAAAAAAAAAAAAAAAAAAAAAAAAAAAAAAAAAAAAAAAAAAFAAAADwAAAAAAAAAAAAAAAAAAAAPAAAAAQAAACMAAAAjAAAAIwAAAB4AAAAAAAAAZAAAAGQAAAAAAAAAZAAAAGQAAAAVAAAAYAAAAAAAAAAAAAAADwAAACADAAAAAAAAAAAAAAEAAACgMgAAVgcAAKr4//8BAAAAf39/AAEAAABkAAAAAAAAABQAAABAHwAAAAAAACYAAAAAAAAAwOD//wAAAAAmAAAAZAAAABYAAABMAAAAAAAAAAAAAAAEAAAAAAAAAAEAAADRSc4KAAAAACgAAAAoAAAAZAAAAGQAAAAAAAAAzMzMAAAAAABQAAAAUAAAAGQAAABkAAAAAAAAABcAAAAUAAAAAAAAAAAAAAD/fwAA/38AAAAAAAAJAAAABAAAAAAAAAAeAAAAaAAAAAAAAAAAAAAAAAAAAAAAAAAAAAAAECcAABAnAAAAAAAAAAAAAAAAAAAAAAAAAAAAAAAAAAAAAAAAAAAAABQAAAAAAAAAwMD/AAAAAABkAAAAMgAAAAAAAABkAAAAAAAAAH9/fwAKAAAAIgAAABgAAAAAAAAAAAAAAAAAAAAAAAAAAAAAAAAAAAAkAAAAJAAAAAAAAAAHAAAAAAAAAAAAAAAAAAAAAAAAAAAAAAAAAAAAf39/ACUAAABYAAAAAAAAAAAAAAAAAAAAAAAAAAAAAAAAAAAAAAAAAAAAAAAAAAAAAAAAAAAAAAA/AAAAAAAAAKCGAQAAAAAAAAAAAAAAAAAMAAAAAQAAAAAAAAAAAAAAAAAAAB8AAABUAAAA////AAAAAAEAAAAAAAAAAAAAAAAAAAAAAAAAAAAAAAAAAAAAAAAAAAAAAAB/f38AAAAAA8zMzADAwP8Af39/AAAAAAAAAAAAAAAAAAAAAAAAAAAAIQAAABgAAAAUAAAA0AIAAGcHAACEGwAAKBAAABAAAAAmAAAACAAAAD0gAAAAAAAA"/>
+                <pr:smNativeData xmlns:pr="smNativeData" xmlns="smNativeData" val="SMDATA_15_8sFZZRMAAAAlAAAAZAAAAA0AAAAAAAAAAAAAAAAAAAAAAAAAAAAAAAAAAAAAAAAAAAEAAABQAAAAAAAAAAAA4D8AAAAAAADgPwAAAAAAAOA/AAAAAAAA4D8AAAAAAADgPwAAAAAAAOA/AAAAAAAA4D8AAAAAAADgPwAAAAAAAOA/AAAAAAAA4D8CAAAAjAAAAAAAAAAAAAAA////AP///wgAAAAAAAAAAAAAAAAAAAAAAAAAAAAAAAAAAAAAeAAAAAEAAABAAAAAAAAAAAAAAABaAAAAAAAAAAAAAAAAAAAAAAAAAAAAAAAAAAAAAAAAAAAAAAAAAAAAAAAAAAAAAAAAAAAAAAAAAAAAAAAAAAAAAAAAAAAAAAAAAAAAFAAAADwAAAAAAAAAAAAAAAAAAAAPAAAAAQAAACMAAAAjAAAAIwAAAB4AAAAAAAAAZAAAAGQAAAAAAAAAZAAAAGQAAAAVAAAAYAAAAAAAAAAAAAAADwAAACADAAAAAAAAAAAAAAEAAACgMgAAVgcAAKr4//8BAAAAf39/AAEAAABkAAAAAAAAABQAAABAHwAAAAAAACYAAAAAAAAAwOD//wAAAAAmAAAAZAAAABYAAABMAAAAAAAAAAAAAAAEAAAAAAAAAAEAAADRSc4KAAAAACgAAAAoAAAAZAAAAGQAAAAAAAAAzMzMAAAAAABQAAAAUAAAAGQAAABkAAAAAAAAABcAAAAUAAAAAAAAAAAAAAD/fwAA/38AAAAAAAAJAAAABAAAAAAAAAAeAAAAaAAAAAAAAAAAAAAAAAAAAAAAAAAAAAAAECcAABAnAAAAAAAAAAAAAAAAAAAAAAAAAAAAAAAAAAAAAAAAAAAAABQAAAAAAAAAwMD/AAAAAABkAAAAMgAAAAAAAABkAAAAAAAAAH9/fwAKAAAAIgAAABgAAAAAAAAAAAAAAAAAAAAAAAAAAAAAAAAAAAAkAAAAJAAAAAAAAAAHAAAAAAAAAAAAAAAAAAAAAAAAAAAAAAAAAAAAf39/ACUAAABYAAAAAAAAAAAAAAAAAAAAAAAAAAAAAAAAAAAAAAAAAAAAAAAAAAAAAAAAAAAAAAA/AAAAAAAAAKCGAQAAAAAAAAAAAAAAAAAMAAAAAQAAAAAAAAAAAAAAAAAAAB8AAABUAAAA////AAAAAAEAAAAAAAAAAAAAAAAAAAAAAAAAAAAAAAAAAAAAAAAAAAAAAAB/f38AAAAAA8zMzADAwP8Af39/AAAAAAAAAAAAAAAAAAAAAAAAAAAAIQAAABgAAAAUAAAA0AIAAGcHAACEGwAAKBAAABAAAAAmAAAACAAAAD0gAAAAAAAA"/>
               </a:ext>
             </a:extLst>
           </p:cNvSpPr>
@@ -10456,7 +10359,7 @@
             <a:spLocks noGrp="1" noChangeArrowheads="1"/>
             <a:extLst>
               <a:ext uri="smNativeData">
-                <pr:smNativeData xmlns:pr="smNativeData" xmlns="smNativeData" val="SMDATA_15_37BZZRMAAAAlAAAAZAAAAA0AAAAAAAAAAAAAAAAAAAAAAAAAAAAAAAAAAAAAAAAAAAEAAABQAAAAAAAAAAAA4D8AAAAAAADgPwAAAAAAAOA/AAAAAAAA4D8AAAAAAADgPwAAAAAAAOA/AAAAAAAA4D8AAAAAAADgPwAAAAAAAOA/AAAAAAAA4D8CAAAAjAAAAAAAAAAAAAAA////AP///wgAAAAAAAAAAAAAAAAAAAAAAAAAAAAAAAAAAAAAeAAAAAEAAABAAAAAAAAAAAAAAABaAAAAAAAAAAAAAAAAAAAAAAAAAAAAAAAAAAAAAAAAAAAAAAAAAAAAAAAAAAAAAAAAAAAAAAAAAAAAAAAAAAAAAAAAAAAAAAAAAAAAFAAAADwAAAAAAAAAAAAAAAAAAAAPAAAAAQAAACMAAAAjAAAAIwAAAB4AAAAAAAAAZAAAAGQAAAAAAAAAZAAAAGQAAAAVAAAAYAAAAAAAAAAAAAAADwAAACADAAAAAAAAAAAAAAEAAACgMgAAVgcAAKr4//8BAAAAf39/AAEAAABkAAAAAAAAABQAAABAHwAAAAAAACYAAAAAAAAAwOD//wAAAAAmAAAAZAAAABYAAABMAAAAAAAAAAAAAAAEAAAAAAAAAAEAAADRSc4KAAAAACgAAAAoAAAAZAAAAGQAAAAAAAAAzMzMAAAAAABQAAAAUAAAAGQAAABkAAAAAAAAABcAAAAUAAAAAAAAAAAAAAD/fwAA/38AAAAAAAAJAAAABAAAAF8AYAAeAAAAaAAAAAAAAAAAAAAAAAAAAAAAAAAAAAAAECcAABAnAAAAAAAAAAAAAAAAAAAAAAAAAAAAAAAAAAAAAAAAAAAAABQAAAAAAAAAwMD/AAAAAABkAAAAMgAAAAAAAABkAAAAAAAAAH9/fwAKAAAAIgAAABgAAAAAAAAAAAAAAAAAAAAAAAAAAAAAAAAAAAAkAAAAJAAAAAAAAAAHAAAAAAAAAAAAAAAAAAAAAAAAAAAAAAAAAAAAf39/ACUAAABYAAAAAAAAAAAAAAAAAAAAAAAAAAAAAAAAAAAAAAAAAAAAAAAAAAAAAAAAAAAAAAA/AAAAAAAAAKCGAQAAAAAAAAAAAAAAAAAMAAAAAQAAAAAAAAAAAAAAAAAAAB8AAABUAAAA////AAAAAAEAAAAAAAAAAAAAAAAAAAAAAAAAAAAAAAAAAAAAAAAAAAAAAAB/f38AAAAAA8zMzADAwP8Af39/AAAAAAAAAAAAAAAAAAAAAAAAAAAAIQAAABgAAAAUAAAAwRwAAGcHAAB1NQAAKBAAABAAAAAmAAAACAAAAD0gAAAAAAAA"/>
+                <pr:smNativeData xmlns:pr="smNativeData" xmlns="smNativeData" val="SMDATA_15_8sFZZRMAAAAlAAAAZAAAAA0AAAAAAAAAAAAAAAAAAAAAAAAAAAAAAAAAAAAAAAAAAAEAAABQAAAAAAAAAAAA4D8AAAAAAADgPwAAAAAAAOA/AAAAAAAA4D8AAAAAAADgPwAAAAAAAOA/AAAAAAAA4D8AAAAAAADgPwAAAAAAAOA/AAAAAAAA4D8CAAAAjAAAAAAAAAAAAAAA////AP///wgAAAAAAAAAAAAAAAAAAAAAAAAAAAAAAAAAAAAAeAAAAAEAAABAAAAAAAAAAAAAAABaAAAAAAAAAAAAAAAAAAAAAAAAAAAAAAAAAAAAAAAAAAAAAAAAAAAAAAAAAAAAAAAAAAAAAAAAAAAAAAAAAAAAAAAAAAAAAAAAAAAAFAAAADwAAAAAAAAAAAAAAAAAAAAPAAAAAQAAACMAAAAjAAAAIwAAAB4AAAAAAAAAZAAAAGQAAAAAAAAAZAAAAGQAAAAVAAAAYAAAAAAAAAAAAAAADwAAACADAAAAAAAAAAAAAAEAAACgMgAAVgcAAKr4//8BAAAAf39/AAEAAABkAAAAAAAAABQAAABAHwAAAAAAACYAAAAAAAAAwOD//wAAAAAmAAAAZAAAABYAAABMAAAAAAAAAAAAAAAEAAAAAAAAAAEAAADRSc4KAAAAACgAAAAoAAAAZAAAAGQAAAAAAAAAzMzMAAAAAABQAAAAUAAAAGQAAABkAAAAAAAAABcAAAAUAAAAAAAAAAAAAAD/fwAA/38AAAAAAAAJAAAABAAAAAAAAAAeAAAAaAAAAAAAAAAAAAAAAAAAAAAAAAAAAAAAECcAABAnAAAAAAAAAAAAAAAAAAAAAAAAAAAAAAAAAAAAAAAAAAAAABQAAAAAAAAAwMD/AAAAAABkAAAAMgAAAAAAAABkAAAAAAAAAH9/fwAKAAAAIgAAABgAAAAAAAAAAAAAAAAAAAAAAAAAAAAAAAAAAAAkAAAAJAAAAAAAAAAHAAAAAAAAAAAAAAAAAAAAAAAAAAAAAAAAAAAAf39/ACUAAABYAAAAAAAAAAAAAAAAAAAAAAAAAAAAAAAAAAAAAAAAAAAAAAAAAAAAAAAAAAAAAAA/AAAAAAAAAKCGAQAAAAAAAAAAAAAAAAAMAAAAAQAAAAAAAAAAAAAAAAAAAB8AAABUAAAA////AAAAAAEAAAAAAAAAAAAAAAAAAAAAAAAAAAAAAAAAAAAAAAAAAAAAAAB/f38AAAAAA8zMzADAwP8Af39/AAAAAAAAAAAAAAAAAAAAAAAAAAAAIQAAABgAAAAUAAAAwRwAAGcHAAB1NQAAKBAAABAAAAAmAAAACAAAAD0gAAAAAAAA"/>
               </a:ext>
             </a:extLst>
           </p:cNvSpPr>
@@ -10489,7 +10392,7 @@
             <a:spLocks noGrp="1" noChangeArrowheads="1"/>
             <a:extLst>
               <a:ext uri="smNativeData">
-                <pr:smNativeData xmlns:pr="smNativeData" xmlns="smNativeData" val="SMDATA_15_37BZZRMAAAAlAAAAZAAAAA0AAAAAAAAAAAAAAAAAAAAAAAAAAAAAAAAAAAAAAAAAAAEAAABQAAAAAAAAAAAA4D8AAAAAAADgPwAAAAAAAOA/AAAAAAAA4D8AAAAAAADgPwAAAAAAAOA/AAAAAAAA4D8AAAAAAADgPwAAAAAAAOA/AAAAAAAA4D8CAAAAjAAAAAAAAAAAAAAA////AP///wgAAAAAAAAAAAAAAAAAAAAAAAAAAAAAAAAAAAAAeAAAAAEAAABAAAAAAAAAAAAAAABaAAAAAAAAAAAAAAAAAAAAAAAAAAAAAAAAAAAAAAAAAAAAAAAAAAAAAAAAAAAAAAAAAAAAAAAAAAAAAAAAAAAAAAAAAAAAAAAAAAAAFAAAADwAAAAAAAAAAAAAAAAAAAAPAAAAAQAAACMAAAAjAAAAIwAAAB4AAAAAAAAAZAAAAGQAAAAAAAAAZAAAAGQAAAAVAAAAYAAAAAAAAAAAAAAADwAAACADAAAAAAAAAAAAAAEAAACgMgAAVgcAAKr4//8BAAAAf39/AAEAAABkAAAAAAAAABQAAABAHwAAAAAAACYAAAAAAAAAwOD//wAAAAAmAAAAZAAAABYAAABMAAAAAAAAAAAAAAAEAAAAAAAAAAEAAADRSc4KAAAAACgAAAAoAAAAZAAAAGQAAAAAAAAAzMzMAAAAAABQAAAAUAAAAGQAAABkAAAAAAAAABcAAAAUAAAAAAAAAAAAAAD/fwAA/38AAAAAAAAJAAAABAAAAF8AYAAeAAAAaAAAAAAAAAAAAAAAAAAAAAAAAAAAAAAAECcAABAnAAAAAAAAAAAAAAAAAAAAAAAAAAAAAAAAAAAAAAAAAAAAABQAAAAAAAAAwMD/AAAAAABkAAAAMgAAAAAAAABkAAAAAAAAAH9/fwAKAAAAIgAAABgAAAAAAAAAAAAAAAAAAAAAAAAAAAAAAAAAAAAkAAAAJAAAAAAAAAAHAAAAAAAAAAAAAAAAAAAAAAAAAAAAAAAAAAAAf39/ACUAAABYAAAAAAAAAAAAAAAAAAAAAAAAAAAAAAAAAAAAAAAAAAAAAAAAAAAAAAAAAAAAAAA/AAAAAAAAAKCGAQAAAAAAAAAAAAAAAAAMAAAAAQAAAAAAAAAAAAAAAAAAAB8AAABUAAAA////AAAAAAEAAAAAAAAAAAAAAAAAAAAAAAAAAAAAAAAAAAAAAAAAAAAAAAB/f38AAAAAA8zMzADAwP8Af39/AAAAAAAAAAAAAAAAAAAAAAAAAAAAIQAAABgAAAAUAAAA0AIAAP0QAABvNQAAvhkAABAAAAAmAAAACAAAAD0gAAAAAAAA"/>
+                <pr:smNativeData xmlns:pr="smNativeData" xmlns="smNativeData" val="SMDATA_15_8sFZZRMAAAAlAAAAZAAAAA0AAAAAAAAAAAAAAAAAAAAAAAAAAAAAAAAAAAAAAAAAAAEAAABQAAAAAAAAAAAA4D8AAAAAAADgPwAAAAAAAOA/AAAAAAAA4D8AAAAAAADgPwAAAAAAAOA/AAAAAAAA4D8AAAAAAADgPwAAAAAAAOA/AAAAAAAA4D8CAAAAjAAAAAAAAAAAAAAA////AP///wgAAAAAAAAAAAAAAAAAAAAAAAAAAAAAAAAAAAAAeAAAAAEAAABAAAAAAAAAAAAAAABaAAAAAAAAAAAAAAAAAAAAAAAAAAAAAAAAAAAAAAAAAAAAAAAAAAAAAAAAAAAAAAAAAAAAAAAAAAAAAAAAAAAAAAAAAAAAAAAAAAAAFAAAADwAAAAAAAAAAAAAAAAAAAAPAAAAAQAAACMAAAAjAAAAIwAAAB4AAAAAAAAAZAAAAGQAAAAAAAAAZAAAAGQAAAAVAAAAYAAAAAAAAAAAAAAADwAAACADAAAAAAAAAAAAAAEAAACgMgAAVgcAAKr4//8BAAAAf39/AAEAAABkAAAAAAAAABQAAABAHwAAAAAAACYAAAAAAAAAwOD//wAAAAAmAAAAZAAAABYAAABMAAAAAAAAAAAAAAAEAAAAAAAAAAEAAADRSc4KAAAAACgAAAAoAAAAZAAAAGQAAAAAAAAAzMzMAAAAAABQAAAAUAAAAGQAAABkAAAAAAAAABcAAAAUAAAAAAAAAAAAAAD/fwAA/38AAAAAAAAJAAAABAAAAAAAAAAeAAAAaAAAAAAAAAAAAAAAAAAAAAAAAAAAAAAAECcAABAnAAAAAAAAAAAAAAAAAAAAAAAAAAAAAAAAAAAAAAAAAAAAABQAAAAAAAAAwMD/AAAAAABkAAAAMgAAAAAAAABkAAAAAAAAAH9/fwAKAAAAIgAAABgAAAAAAAAAAAAAAAAAAAAAAAAAAAAAAAAAAAAkAAAAJAAAAAAAAAAHAAAAAAAAAAAAAAAAAAAAAAAAAAAAAAAAAAAAf39/ACUAAABYAAAAAAAAAAAAAAAAAAAAAAAAAAAAAAAAAAAAAAAAAAAAAAAAAAAAAAAAAAAAAAA/AAAAAAAAAKCGAQAAAAAAAAAAAAAAAAAMAAAAAQAAAAAAAAAAAAAAAAAAAB8AAABUAAAA////AAAAAAEAAAAAAAAAAAAAAAAAAAAAAAAAAAAAAAAAAAAAAAAAAAAAAAB/f38AAAAAA8zMzADAwP8Af39/AAAAAAAAAAAAAAAAAAAAAAAAAAAAIQAAABgAAAAUAAAA0AIAAP0QAABvNQAAvhkAABAAAAAmAAAACAAAAD0gAAAAAAAA"/>
               </a:ext>
             </a:extLst>
           </p:cNvSpPr>
@@ -10547,7 +10450,7 @@
             <a:spLocks noGrp="1" noChangeArrowheads="1"/>
             <a:extLst>
               <a:ext uri="smNativeData">
-                <pr:smNativeData xmlns:pr="smNativeData" xmlns="smNativeData" val="SMDATA_15_37BZZRMAAAAlAAAAZAAAAE0AAAAAAAAAAAAAAAAAAAAAAAAAAAAAAAABAAAAAAAAAAEAAABQAAAAAAAAAAAA4D8AAAAAAADgPwAAAAAAAOA/AAAAAAAA4D8AAAAAAADgPwAAAAAAAOA/AAAAAAAA4D8AAAAAAADgPwAAAAAAAOA/AAAAAAAA4D8CAAAAjAAAAAAAAAAAAAAA////AP///wgAAAAAAAAAAAAAAAAAAAAAAAAAAAAAAAAAAAAAeAAAAAEAAABAAAAAAAAAAAAAAABaAAAAAAAAAAAAAAAAAAAAAAAAAAAAAAAAAAAAAAAAAAAAAAAAAAAAAAAAAAAAAAAAAAAAAAAAAAAAAAAAAAAAAAAAAAAAAAAAAAAAFAAAADwAAAAAAAAAAAAAAAAAAAAPAAAAAQAAACMAAAAjAAAAIwAAAB4AAAAAAAAAZAAAAGQAAAAAAAAAZAAAAGQAAAAVAAAAYAAAAAAAAAAAAAAADwAAACADAAAAAAAAAAAAAAEAAACgMgAAVgcAAKr4//8BAAAAf39/AAEAAABkAAAAAAAAABQAAABAHwAAAAAAACYAAAAAAAAAwOD//wAAAAAmAAAAZAAAABYAAABMAAAAAAAAAAAAAAAEAAAAAAAAAAEAAADRSc4KAAAAACgAAAAoAAAAZAAAAGQAAAAAAAAAzMzMAAAAAABQAAAAUAAAAGQAAABkAAAAAAAAABcAAAAUAAAAAAAAAAAAAAD/fwAA/38AAAAAAAAJAAAABAAAAAAAAAAeAAAAaAAAAAAAAAAAAAAAAAAAAAAAAAAAAAAAECcAABAnAAAAAAAAAAAAAAAAAAAAAAAAAAAAAAAAAAAAAAAAAAAAABQAAAAAAAAAwMD/AAAAAABkAAAAMgAAAAAAAABkAAAAAAAAAH9/fwAKAAAAIgAAABgAAAAAAAAAAAAAAAAAAAAAAAAAAAAAAAAAAAAkAAAAJAAAAAAAAAAHAAAAAAAAAAAAAAAAAAAAAAAAAAAAAAAAAAAAf39/ACUAAABYAAAAAAAAAAAAAAAAAAAAAAAAAAAAAAAAAAAAAAAAAAAAAAAAAAAAAAAAAAAAAAA/AAAAAAAAAKCGAQAAAAAAAAAAAAAAAAAMAAAAAQAAAAAAAAAAAAAAAAAAAB8AAABUAAAA////AAAAAAEAAAAAAAAAAAAAAAAAAAAAAAAAAAAAAAAAAAAAAAAAAAAAAAB/f38AAAAAA8zMzADAwP8Af39/AAAAAAAAAAAAAAAAAAAAAAAAAAAAIQAAABgAAAAUAAAA0AIAAA8AAABvNQAAwAcAABAgAAAmAAAACAAAAD0gAAAAAAAA"/>
+                <pr:smNativeData xmlns:pr="smNativeData" xmlns="smNativeData" val="SMDATA_15_8sFZZRMAAAAlAAAAZAAAAE0AAAAAAAAAAAAAAAAAAAAAAAAAAAAAAAABAAAAAAAAAAEAAABQAAAAAAAAAAAA4D8AAAAAAADgPwAAAAAAAOA/AAAAAAAA4D8AAAAAAADgPwAAAAAAAOA/AAAAAAAA4D8AAAAAAADgPwAAAAAAAOA/AAAAAAAA4D8CAAAAjAAAAAAAAAAAAAAA////AP///wgAAAAAAAAAAAAAAAAAAAAAAAAAAAAAAAAAAAAAeAAAAAEAAABAAAAAAAAAAAAAAABaAAAAAAAAAAAAAAAAAAAAAAAAAAAAAAAAAAAAAAAAAAAAAAAAAAAAAAAAAAAAAAAAAAAAAAAAAAAAAAAAAAAAAAAAAAAAAAAAAAAAFAAAADwAAAAAAAAAAAAAAAAAAAAPAAAAAQAAACMAAAAjAAAAIwAAAB4AAAAAAAAAZAAAAGQAAAAAAAAAZAAAAGQAAAAVAAAAYAAAAAAAAAAAAAAADwAAACADAAAAAAAAAAAAAAEAAACgMgAAVgcAAKr4//8BAAAAf39/AAEAAABkAAAAAAAAABQAAABAHwAAAAAAACYAAAAAAAAAwOD//wAAAAAmAAAAZAAAABYAAABMAAAAAAAAAAAAAAAEAAAAAAAAAAEAAADRSc4KAAAAACgAAAAoAAAAZAAAAGQAAAAAAAAAzMzMAAAAAABQAAAAUAAAAGQAAABkAAAAAAAAABcAAAAUAAAAAAAAAAAAAAD/fwAA/38AAAAAAAAJAAAABAAAAAAAAAAeAAAAaAAAAAAAAAAAAAAAAAAAAAAAAAAAAAAAECcAABAnAAAAAAAAAAAAAAAAAAAAAAAAAAAAAAAAAAAAAAAAAAAAABQAAAAAAAAAwMD/AAAAAABkAAAAMgAAAAAAAABkAAAAAAAAAH9/fwAKAAAAIgAAABgAAAAAAAAAAAAAAAAAAAAAAAAAAAAAAAAAAAAkAAAAJAAAAAAAAAAHAAAAAAAAAAAAAAAAAAAAAAAAAAAAAAAAAAAAf39/ACUAAABYAAAAAAAAAAAAAAAAAAAAAAAAAAAAAAAAAAAAAAAAAAAAAAAAAAAAAAAAAAAAAAA/AAAAAAAAAKCGAQAAAAAAAAAAAAAAAAAMAAAAAQAAAAAAAAAAAAAAAAAAAB8AAABUAAAA////AAAAAAEAAAAAAAAAAAAAAAAAAAAAAAAAAAAAAAAAAAAAAAAAAAAAAAB/f38AAAAAA8zMzADAwP8Af39/AAAAAAAAAAAAAAAAAAAAAAAAAAAAIQAAABgAAAAUAAAA0AIAAA8AAABvNQAAwAcAABAgAAAmAAAACAAAAD0gAAAAAAAA"/>
               </a:ext>
             </a:extLst>
           </p:cNvSpPr>
@@ -10580,7 +10483,7 @@
             <a:spLocks noGrp="1" noChangeArrowheads="1"/>
             <a:extLst>
               <a:ext uri="smNativeData">
-                <pr:smNativeData xmlns:pr="smNativeData" xmlns="smNativeData" val="SMDATA_15_37BZZRMAAAAlAAAAZAAAAA0AAAAAAAAAAAAAAAAAAAAAAAAAAAAAAAAAAAAAAAAAAAEAAABQAAAAAAAAAAAA4D8AAAAAAADgPwAAAAAAAOA/AAAAAAAA4D8AAAAAAADgPwAAAAAAAOA/AAAAAAAA4D8AAAAAAADgPwAAAAAAAOA/AAAAAAAA4D8CAAAAjAAAAAAAAAAAAAAA////AP///wgAAAAAAAAAAAAAAAAAAAAAAAAAAAAAAAAAAAAAeAAAAAEAAABAAAAAAAAAAAAAAABaAAAAAAAAAAAAAAAAAAAAAAAAAAAAAAAAAAAAAAAAAAAAAAAAAAAAAAAAAAAAAAAAAAAAAAAAAAAAAAAAAAAAAAAAAAAAAAAAAAAAFAAAADwAAAAAAAAAAAAAAAAAAAAPAAAAAQAAACMAAAAjAAAAIwAAAB4AAAAAAAAAZAAAAGQAAAAAAAAAZAAAAGQAAAAVAAAAYAAAAAAAAAAAAAAADwAAACADAAAAAAAAAAAAAAEAAACgMgAAVgcAAKr4//8BAAAAf39/AAEAAABkAAAAAAAAABQAAABAHwAAAAAAACYAAAAAAAAAwOD//wAAAAAmAAAAZAAAABYAAABMAAAAAAAAAAAAAAAEAAAAAAAAAAEAAADRSc4KAAAAACgAAAAoAAAAZAAAAGQAAAAAAAAAzMzMAAAAAABQAAAAUAAAAGQAAABkAAAAAAAAABcAAAAUAAAAAAAAAAAAAAD/fwAA/38AAAAAAAAJAAAABAAAAF8AYAAeAAAAaAAAAAAAAAAAAAAAAAAAAAAAAAAAAAAAECcAABAnAAAAAAAAAAAAAAAAAAAAAAAAAAAAAAAAAAAAAAAAAAAAABQAAAAAAAAAwMD/AAAAAABkAAAAMgAAAAAAAABkAAAAAAAAAH9/fwAKAAAAIgAAABgAAAAAAAAAAAAAAAAAAAAAAAAAAAAAAAAAAAAkAAAAJAAAAAAAAAAHAAAAAAAAAAAAAAAAAAAAAAAAAAAAAAAAAAAAf39/ACUAAABYAAAAAAAAAAAAAAAAAAAAAAAAAAAAAAAAAAAAAAAAAAAAAAAAAAAAAAAAAAAAAAA/AAAAAAAAAKCGAQAAAAAAAAAAAAAAAAAMAAAAAQAAAAAAAAAAAAAAAAAAAB8AAABUAAAA////AAAAAAEAAAAAAAAAAAAAAAAAAAAAAAAAAAAAAAAAAAAAAAAAAAAAAAB/f38AAAAAA8zMzADAwP8Af39/AAAAAAAAAAAAAAAAAAAAAAAAAAAAIQAAABgAAAAUAAAA0AIAAGcHAABvNQAAKBAAABAAAAAmAAAACAAAAD0gAAAAAAAA"/>
+                <pr:smNativeData xmlns:pr="smNativeData" xmlns="smNativeData" val="SMDATA_15_8sFZZRMAAAAlAAAAZAAAAA0AAAAAAAAAAAAAAAAAAAAAAAAAAAAAAAAAAAAAAAAAAAEAAABQAAAAAAAAAAAA4D8AAAAAAADgPwAAAAAAAOA/AAAAAAAA4D8AAAAAAADgPwAAAAAAAOA/AAAAAAAA4D8AAAAAAADgPwAAAAAAAOA/AAAAAAAA4D8CAAAAjAAAAAAAAAAAAAAA////AP///wgAAAAAAAAAAAAAAAAAAAAAAAAAAAAAAAAAAAAAeAAAAAEAAABAAAAAAAAAAAAAAABaAAAAAAAAAAAAAAAAAAAAAAAAAAAAAAAAAAAAAAAAAAAAAAAAAAAAAAAAAAAAAAAAAAAAAAAAAAAAAAAAAAAAAAAAAAAAAAAAAAAAFAAAADwAAAAAAAAAAAAAAAAAAAAPAAAAAQAAACMAAAAjAAAAIwAAAB4AAAAAAAAAZAAAAGQAAAAAAAAAZAAAAGQAAAAVAAAAYAAAAAAAAAAAAAAADwAAACADAAAAAAAAAAAAAAEAAACgMgAAVgcAAKr4//8BAAAAf39/AAEAAABkAAAAAAAAABQAAABAHwAAAAAAACYAAAAAAAAAwOD//wAAAAAmAAAAZAAAABYAAABMAAAAAAAAAAAAAAAEAAAAAAAAAAEAAADRSc4KAAAAACgAAAAoAAAAZAAAAGQAAAAAAAAAzMzMAAAAAABQAAAAUAAAAGQAAABkAAAAAAAAABcAAAAUAAAAAAAAAAAAAAD/fwAA/38AAAAAAAAJAAAABAAAAAAAAAAeAAAAaAAAAAAAAAAAAAAAAAAAAAAAAAAAAAAAECcAABAnAAAAAAAAAAAAAAAAAAAAAAAAAAAAAAAAAAAAAAAAAAAAABQAAAAAAAAAwMD/AAAAAABkAAAAMgAAAAAAAABkAAAAAAAAAH9/fwAKAAAAIgAAABgAAAAAAAAAAAAAAAAAAAAAAAAAAAAAAAAAAAAkAAAAJAAAAAAAAAAHAAAAAAAAAAAAAAAAAAAAAAAAAAAAAAAAAAAAf39/ACUAAABYAAAAAAAAAAAAAAAAAAAAAAAAAAAAAAAAAAAAAAAAAAAAAAAAAAAAAAAAAAAAAAA/AAAAAAAAAKCGAQAAAAAAAAAAAAAAAAAMAAAAAQAAAAAAAAAAAAAAAAAAAB8AAABUAAAA////AAAAAAEAAAAAAAAAAAAAAAAAAAAAAAAAAAAAAAAAAAAAAAAAAAAAAAB/f38AAAAAA8zMzADAwP8Af39/AAAAAAAAAAAAAAAAAAAAAAAAAAAAIQAAABgAAAAUAAAA0AIAAGcHAABvNQAAKBAAABAAAAAmAAAACAAAAD0gAAAAAAAA"/>
               </a:ext>
             </a:extLst>
           </p:cNvSpPr>
@@ -10613,7 +10516,7 @@
             <a:spLocks noGrp="1" noChangeArrowheads="1"/>
             <a:extLst>
               <a:ext uri="smNativeData">
-                <pr:smNativeData xmlns:pr="smNativeData" xmlns="smNativeData" val="SMDATA_15_37BZZRMAAAAlAAAAZAAAAA0AAAAAAAAAAAAAAAAAAAAAAAAAAAAAAAAAAAAAAAAAAAEAAABQAAAAAAAAAAAA4D8AAAAAAADgPwAAAAAAAOA/AAAAAAAA4D8AAAAAAADgPwAAAAAAAOA/AAAAAAAA4D8AAAAAAADgPwAAAAAAAOA/AAAAAAAA4D8CAAAAjAAAAAAAAAAAAAAA////AP///wgAAAAAAAAAAAAAAAAAAAAAAAAAAAAAAAAAAAAAeAAAAAEAAABAAAAAAAAAAAAAAABaAAAAAAAAAAAAAAAAAAAAAAAAAAAAAAAAAAAAAAAAAAAAAAAAAAAAAAAAAAAAAAAAAAAAAAAAAAAAAAAAAAAAAAAAAAAAAAAAAAAAFAAAADwAAAAAAAAAAAAAAAAAAAAPAAAAAQAAACMAAAAjAAAAIwAAAB4AAAAAAAAAZAAAAGQAAAAAAAAAZAAAAGQAAAAVAAAAYAAAAAAAAAAAAAAADwAAACADAAAAAAAAAAAAAAEAAACgMgAAVgcAAKr4//8BAAAAf39/AAEAAABkAAAAAAAAABQAAABAHwAAAAAAACYAAAAAAAAAwOD//wAAAAAmAAAAZAAAABYAAABMAAAAAAAAAAAAAAAEAAAAAAAAAAEAAADRSc4KAAAAACgAAAAoAAAAZAAAAGQAAAAAAAAAzMzMAAAAAABQAAAAUAAAAGQAAABkAAAAAAAAABcAAAAUAAAAAAAAAAAAAAD/fwAA/38AAAAAAAAJAAAABAAAAAAAAAAeAAAAaAAAAAAAAAAAAAAAAAAAAAAAAAAAAAAAECcAABAnAAAAAAAAAAAAAAAAAAAAAAAAAAAAAAAAAAAAAAAAAAAAABQAAAAAAAAAwMD/AAAAAABkAAAAMgAAAAAAAABkAAAAAAAAAH9/fwAKAAAAIgAAABgAAAAAAAAAAAAAAAAAAAAAAAAAAAAAAAAAAAAkAAAAJAAAAAAAAAAHAAAAAAAAAAAAAAAAAAAAAAAAAAAAAAAAAAAAf39/ACUAAABYAAAAAAAAAAAAAAAAAAAAAAAAAAAAAAAAAAAAAAAAAAAAAAAAAAAAAAAAAAAAAAA/AAAAAAAAAKCGAQAAAAAAAAAAAAAAAAAMAAAAAQAAAAAAAAAAAAAAAAAAAB8AAABUAAAA////AAAAAAEAAAAAAAAAAAAAAAAAAAAAAAAAAAAAAAAAAAAAAAAAAAAAAAB/f38AAAAAA8zMzADAwP8Af39/AAAAAAAAAAAAAAAAAAAAAAAAAAAAIQAAABgAAAAUAAAA0AIAAP0QAABvNQAAvhkAABAAAAAmAAAACAAAAD0gAAAAAAAA"/>
+                <pr:smNativeData xmlns:pr="smNativeData" xmlns="smNativeData" val="SMDATA_15_8sFZZRMAAAAlAAAAZAAAAA0AAAAAAAAAAAAAAAAAAAAAAAAAAAAAAAAAAAAAAAAAAAEAAABQAAAAAAAAAAAA4D8AAAAAAADgPwAAAAAAAOA/AAAAAAAA4D8AAAAAAADgPwAAAAAAAOA/AAAAAAAA4D8AAAAAAADgPwAAAAAAAOA/AAAAAAAA4D8CAAAAjAAAAAAAAAAAAAAA////AP///wgAAAAAAAAAAAAAAAAAAAAAAAAAAAAAAAAAAAAAeAAAAAEAAABAAAAAAAAAAAAAAABaAAAAAAAAAAAAAAAAAAAAAAAAAAAAAAAAAAAAAAAAAAAAAAAAAAAAAAAAAAAAAAAAAAAAAAAAAAAAAAAAAAAAAAAAAAAAAAAAAAAAFAAAADwAAAAAAAAAAAAAAAAAAAAPAAAAAQAAACMAAAAjAAAAIwAAAB4AAAAAAAAAZAAAAGQAAAAAAAAAZAAAAGQAAAAVAAAAYAAAAAAAAAAAAAAADwAAACADAAAAAAAAAAAAAAEAAACgMgAAVgcAAKr4//8BAAAAf39/AAEAAABkAAAAAAAAABQAAABAHwAAAAAAACYAAAAAAAAAwOD//wAAAAAmAAAAZAAAABYAAABMAAAAAAAAAAAAAAAEAAAAAAAAAAEAAADRSc4KAAAAACgAAAAoAAAAZAAAAGQAAAAAAAAAzMzMAAAAAABQAAAAUAAAAGQAAABkAAAAAAAAABcAAAAUAAAAAAAAAAAAAAD/fwAA/38AAAAAAAAJAAAABAAAAAAAAAAeAAAAaAAAAAAAAAAAAAAAAAAAAAAAAAAAAAAAECcAABAnAAAAAAAAAAAAAAAAAAAAAAAAAAAAAAAAAAAAAAAAAAAAABQAAAAAAAAAwMD/AAAAAABkAAAAMgAAAAAAAABkAAAAAAAAAH9/fwAKAAAAIgAAABgAAAAAAAAAAAAAAAAAAAAAAAAAAAAAAAAAAAAkAAAAJAAAAAAAAAAHAAAAAAAAAAAAAAAAAAAAAAAAAAAAAAAAAAAAf39/ACUAAABYAAAAAAAAAAAAAAAAAAAAAAAAAAAAAAAAAAAAAAAAAAAAAAAAAAAAAAAAAAAAAAA/AAAAAAAAAKCGAQAAAAAAAAAAAAAAAAAMAAAAAQAAAAAAAAAAAAAAAAAAAB8AAABUAAAA////AAAAAAEAAAAAAAAAAAAAAAAAAAAAAAAAAAAAAAAAAAAAAAAAAAAAAAB/f38AAAAAA8zMzADAwP8Af39/AAAAAAAAAAAAAAAAAAAAAAAAAAAAIQAAABgAAAAUAAAA0AIAAP0QAABvNQAAvhkAABAAAAAmAAAACAAAAD0gAAAAAAAA"/>
               </a:ext>
             </a:extLst>
           </p:cNvSpPr>
@@ -10671,7 +10574,7 @@
             <a:spLocks noGrp="1" noChangeArrowheads="1"/>
             <a:extLst>
               <a:ext uri="smNativeData">
-                <pr:smNativeData xmlns:pr="smNativeData" xmlns="smNativeData" val="SMDATA_15_37BZZRMAAAAlAAAAZAAAAE0AAAAAAAAAAAAAAAAAAAAAAAAAAAAAAAABAAAAAAAAAAEAAABQAAAAAAAAAAAA4D8AAAAAAADgPwAAAAAAAOA/AAAAAAAA4D8AAAAAAADgPwAAAAAAAOA/AAAAAAAA4D8AAAAAAADgPwAAAAAAAOA/AAAAAAAA4D8CAAAAjAAAAAAAAAAAAAAA////AP///wgAAAAAAAAAAAAAAAAAAAAAAAAAAAAAAAAAAAAAeAAAAAEAAABAAAAAAAAAAAAAAABaAAAAAAAAAAAAAAAAAAAAAAAAAAAAAAAAAAAAAAAAAAAAAAAAAAAAAAAAAAAAAAAAAAAAAAAAAAAAAAAAAAAAAAAAAAAAAAAAAAAAFAAAADwAAAAAAAAAAAAAAAAAAAAPAAAAAQAAACMAAAAjAAAAIwAAAB4AAAAAAAAAZAAAAGQAAAAAAAAAZAAAAGQAAAAVAAAAYAAAAAAAAAAAAAAADwAAACADAAAAAAAAAAAAAAEAAACgMgAAVgcAAKr4//8BAAAAf39/AAEAAABkAAAAAAAAABQAAABAHwAAAAAAACYAAAAAAAAAwOD//wAAAAAmAAAAZAAAABYAAABMAAAAAAAAAAAAAAAEAAAAAAAAAAEAAADRSc4KAAAAACgAAAAoAAAAZAAAAGQAAAAAAAAAzMzMAAAAAABQAAAAUAAAAGQAAABkAAAAAAAAABcAAAAUAAAAAAAAAAAAAAD/fwAA/38AAAAAAAAJAAAABAAAAF8AYAAeAAAAaAAAAAAAAAAAAAAAAAAAAAAAAAAAAAAAECcAABAnAAAAAAAAAAAAAAAAAAAAAAAAAAAAAAAAAAAAAAAAAAAAABQAAAAAAAAAwMD/AAAAAABkAAAAMgAAAAAAAABkAAAAAAAAAH9/fwAKAAAAIgAAABgAAAAAAAAAAAAAAAAAAAAAAAAAAAAAAAAAAAAkAAAAJAAAAAAAAAAHAAAAAAAAAAAAAAAAAAAAAAAAAAAAAAAAAAAAf39/ACUAAABYAAAAAAAAAAAAAAAAAAAAAAAAAAAAAAAAAAAAAAAAAAAAAAAAAAAAAAAAAAAAAAA/AAAAAAAAAKCGAQAAAAAAAAAAAAAAAAAMAAAAAQAAAAAAAAAAAAAAAAAAAB8AAABUAAAA////AAAAAAEAAAAAAAAAAAAAAAAAAAAAAAAAAAAAAAAAAAAAAAAAAAAAAAB/f38AAAAAA8zMzADAwP8Af39/AAAAAAAAAAAAAAAAAAAAAAAAAAAAIQAAABgAAAAUAAAA0AIAAA8AAABvNQAAwAcAABAgAAAmAAAACAAAAD0gAAAAAAAA"/>
+                <pr:smNativeData xmlns:pr="smNativeData" xmlns="smNativeData" val="SMDATA_15_8sFZZRMAAAAlAAAAZAAAAE0AAAAAAAAAAAAAAAAAAAAAAAAAAAAAAAABAAAAAAAAAAEAAABQAAAAAAAAAAAA4D8AAAAAAADgPwAAAAAAAOA/AAAAAAAA4D8AAAAAAADgPwAAAAAAAOA/AAAAAAAA4D8AAAAAAADgPwAAAAAAAOA/AAAAAAAA4D8CAAAAjAAAAAAAAAAAAAAA////AP///wgAAAAAAAAAAAAAAAAAAAAAAAAAAAAAAAAAAAAAeAAAAAEAAABAAAAAAAAAAAAAAABaAAAAAAAAAAAAAAAAAAAAAAAAAAAAAAAAAAAAAAAAAAAAAAAAAAAAAAAAAAAAAAAAAAAAAAAAAAAAAAAAAAAAAAAAAAAAAAAAAAAAFAAAADwAAAAAAAAAAAAAAAAAAAAPAAAAAQAAACMAAAAjAAAAIwAAAB4AAAAAAAAAZAAAAGQAAAAAAAAAZAAAAGQAAAAVAAAAYAAAAAAAAAAAAAAADwAAACADAAAAAAAAAAAAAAEAAACgMgAAVgcAAKr4//8BAAAAf39/AAEAAABkAAAAAAAAABQAAABAHwAAAAAAACYAAAAAAAAAwOD//wAAAAAmAAAAZAAAABYAAABMAAAAAAAAAAAAAAAEAAAAAAAAAAEAAADRSc4KAAAAACgAAAAoAAAAZAAAAGQAAAAAAAAAzMzMAAAAAABQAAAAUAAAAGQAAABkAAAAAAAAABcAAAAUAAAAAAAAAAAAAAD/fwAA/38AAAAAAAAJAAAABAAAAAAAAAAeAAAAaAAAAAAAAAAAAAAAAAAAAAAAAAAAAAAAECcAABAnAAAAAAAAAAAAAAAAAAAAAAAAAAAAAAAAAAAAAAAAAAAAABQAAAAAAAAAwMD/AAAAAABkAAAAMgAAAAAAAABkAAAAAAAAAH9/fwAKAAAAIgAAABgAAAAAAAAAAAAAAAAAAAAAAAAAAAAAAAAAAAAkAAAAJAAAAAAAAAAHAAAAAAAAAAAAAAAAAAAAAAAAAAAAAAAAAAAAf39/ACUAAABYAAAAAAAAAAAAAAAAAAAAAAAAAAAAAAAAAAAAAAAAAAAAAAAAAAAAAAAAAAAAAAA/AAAAAAAAAKCGAQAAAAAAAAAAAAAAAAAMAAAAAQAAAAAAAAAAAAAAAAAAAB8AAABUAAAA////AAAAAAEAAAAAAAAAAAAAAAAAAAAAAAAAAAAAAAAAAAAAAAAAAAAAAAB/f38AAAAAA8zMzADAwP8Af39/AAAAAAAAAAAAAAAAAAAAAAAAAAAAIQAAABgAAAAUAAAA0AIAAA8AAABvNQAAwAcAABAgAAAmAAAACAAAAD0gAAAAAAAA"/>
               </a:ext>
             </a:extLst>
           </p:cNvSpPr>
@@ -10704,7 +10607,7 @@
             <a:spLocks noGrp="1" noChangeArrowheads="1"/>
             <a:extLst>
               <a:ext uri="smNativeData">
-                <pr:smNativeData xmlns:pr="smNativeData" xmlns="smNativeData" val="SMDATA_15_37BZZRMAAAAlAAAAZAAAAA0AAAAAAAAAAAAAAAAAAAAAAAAAAAAAAAAAAAAAAAAAAAEAAABQAAAAAAAAAAAA4D8AAAAAAADgPwAAAAAAAOA/AAAAAAAA4D8AAAAAAADgPwAAAAAAAOA/AAAAAAAA4D8AAAAAAADgPwAAAAAAAOA/AAAAAAAA4D8CAAAAjAAAAAAAAAAAAAAA////AP///wgAAAAAAAAAAAAAAAAAAAAAAAAAAAAAAAAAAAAAeAAAAAEAAABAAAAAAAAAAAAAAABaAAAAAAAAAAAAAAAAAAAAAAAAAAAAAAAAAAAAAAAAAAAAAAAAAAAAAAAAAAAAAAAAAAAAAAAAAAAAAAAAAAAAAAAAAAAAAAAAAAAAFAAAADwAAAAAAAAAAAAAAAAAAAAPAAAAAQAAACMAAAAjAAAAIwAAAB4AAAAAAAAAZAAAAGQAAAAAAAAAZAAAAGQAAAAVAAAAYAAAAAAAAAAAAAAADwAAACADAAAAAAAAAAAAAAEAAACgMgAAVgcAAKr4//8BAAAAf39/AAEAAABkAAAAAAAAABQAAABAHwAAAAAAACYAAAAAAAAAwOD//wAAAAAmAAAAZAAAABYAAABMAAAAAAAAAAAAAAAEAAAAAAAAAAEAAADRSc4KAAAAACgAAAAoAAAAZAAAAGQAAAAAAAAAzMzMAAAAAABQAAAAUAAAAGQAAABkAAAAAAAAABcAAAAUAAAAAAAAAAAAAAD/fwAA/38AAAAAAAAJAAAABAAAAAAAAAAeAAAAaAAAAAAAAAAAAAAAAAAAAAAAAAAAAAAAECcAABAnAAAAAAAAAAAAAAAAAAAAAAAAAAAAAAAAAAAAAAAAAAAAABQAAAAAAAAAwMD/AAAAAABkAAAAMgAAAAAAAABkAAAAAAAAAH9/fwAKAAAAIgAAABgAAAAAAAAAAAAAAAAAAAAAAAAAAAAAAAAAAAAkAAAAJAAAAAAAAAAHAAAAAAAAAAAAAAAAAAAAAAAAAAAAAAAAAAAAf39/ACUAAABYAAAAAAAAAAAAAAAAAAAAAAAAAAAAAAAAAAAAAAAAAAAAAAAAAAAAAAAAAAAAAAA/AAAAAAAAAKCGAQAAAAAAAAAAAAAAAAAMAAAAAQAAAAAAAAAAAAAAAAAAAB8AAABUAAAA////AAAAAAEAAAAAAAAAAAAAAAAAAAAAAAAAAAAAAAAAAAAAAAAAAAAAAAB/f38AAAAAA8zMzADAwP8Af39/AAAAAAAAAAAAAAAAAAAAAAAAAAAAIQAAABgAAAAUAAAA0AIAAGcHAACEGwAAKBAAABAAAAAmAAAACAAAAD0gAAAAAAAA"/>
+                <pr:smNativeData xmlns:pr="smNativeData" xmlns="smNativeData" val="SMDATA_15_8sFZZRMAAAAlAAAAZAAAAA0AAAAAAAAAAAAAAAAAAAAAAAAAAAAAAAAAAAAAAAAAAAEAAABQAAAAAAAAAAAA4D8AAAAAAADgPwAAAAAAAOA/AAAAAAAA4D8AAAAAAADgPwAAAAAAAOA/AAAAAAAA4D8AAAAAAADgPwAAAAAAAOA/AAAAAAAA4D8CAAAAjAAAAAAAAAAAAAAA////AP///wgAAAAAAAAAAAAAAAAAAAAAAAAAAAAAAAAAAAAAeAAAAAEAAABAAAAAAAAAAAAAAABaAAAAAAAAAAAAAAAAAAAAAAAAAAAAAAAAAAAAAAAAAAAAAAAAAAAAAAAAAAAAAAAAAAAAAAAAAAAAAAAAAAAAAAAAAAAAAAAAAAAAFAAAADwAAAAAAAAAAAAAAAAAAAAPAAAAAQAAACMAAAAjAAAAIwAAAB4AAAAAAAAAZAAAAGQAAAAAAAAAZAAAAGQAAAAVAAAAYAAAAAAAAAAAAAAADwAAACADAAAAAAAAAAAAAAEAAACgMgAAVgcAAKr4//8BAAAAf39/AAEAAABkAAAAAAAAABQAAABAHwAAAAAAACYAAAAAAAAAwOD//wAAAAAmAAAAZAAAABYAAABMAAAAAAAAAAAAAAAEAAAAAAAAAAEAAADRSc4KAAAAACgAAAAoAAAAZAAAAGQAAAAAAAAAzMzMAAAAAABQAAAAUAAAAGQAAABkAAAAAAAAABcAAAAUAAAAAAAAAAAAAAD/fwAA/38AAAAAAAAJAAAABAAAAAAAAAAeAAAAaAAAAAAAAAAAAAAAAAAAAAAAAAAAAAAAECcAABAnAAAAAAAAAAAAAAAAAAAAAAAAAAAAAAAAAAAAAAAAAAAAABQAAAAAAAAAwMD/AAAAAABkAAAAMgAAAAAAAABkAAAAAAAAAH9/fwAKAAAAIgAAABgAAAAAAAAAAAAAAAAAAAAAAAAAAAAAAAAAAAAkAAAAJAAAAAAAAAAHAAAAAAAAAAAAAAAAAAAAAAAAAAAAAAAAAAAAf39/ACUAAABYAAAAAAAAAAAAAAAAAAAAAAAAAAAAAAAAAAAAAAAAAAAAAAAAAAAAAAAAAAAAAAA/AAAAAAAAAKCGAQAAAAAAAAAAAAAAAAAMAAAAAQAAAAAAAAAAAAAAAAAAAB8AAABUAAAA////AAAAAAEAAAAAAAAAAAAAAAAAAAAAAAAAAAAAAAAAAAAAAAAAAAAAAAB/f38AAAAAA8zMzADAwP8Af39/AAAAAAAAAAAAAAAAAAAAAAAAAAAAIQAAABgAAAAUAAAA0AIAAGcHAACEGwAAKBAAABAAAAAmAAAACAAAAD0gAAAAAAAA"/>
               </a:ext>
             </a:extLst>
           </p:cNvSpPr>
@@ -10737,7 +10640,7 @@
             <a:spLocks noGrp="1" noChangeArrowheads="1"/>
             <a:extLst>
               <a:ext uri="smNativeData">
-                <pr:smNativeData xmlns:pr="smNativeData" xmlns="smNativeData" val="SMDATA_15_37BZZRMAAAAlAAAAZAAAAA0AAAAAAAAAAAAAAAAAAAAAAAAAAAAAAAAAAAAAAAAAAAEAAABQAAAAAAAAAAAA4D8AAAAAAADgPwAAAAAAAOA/AAAAAAAA4D8AAAAAAADgPwAAAAAAAOA/AAAAAAAA4D8AAAAAAADgPwAAAAAAAOA/AAAAAAAA4D8CAAAAjAAAAAAAAAAAAAAA////AP///wgAAAAAAAAAAAAAAAAAAAAAAAAAAAAAAAAAAAAAeAAAAAEAAABAAAAAAAAAAAAAAABaAAAAAAAAAAAAAAAAAAAAAAAAAAAAAAAAAAAAAAAAAAAAAAAAAAAAAAAAAAAAAAAAAAAAAAAAAAAAAAAAAAAAAAAAAAAAAAAAAAAAFAAAADwAAAAAAAAAAAAAAAAAAAAPAAAAAQAAACMAAAAjAAAAIwAAAB4AAAAAAAAAZAAAAGQAAAAAAAAAZAAAAGQAAAAVAAAAYAAAAAAAAAAAAAAADwAAACADAAAAAAAAAAAAAAEAAACgMgAAVgcAAKr4//8BAAAAf39/AAEAAABkAAAAAAAAABQAAABAHwAAAAAAACYAAAAAAAAAwOD//wAAAAAmAAAAZAAAABYAAABMAAAAAAAAAAAAAAAEAAAAAAAAAAEAAADRSc4KAAAAACgAAAAoAAAAZAAAAGQAAAAAAAAAzMzMAAAAAABQAAAAUAAAAGQAAABkAAAAAAAAABcAAAAUAAAAAAAAAAAAAAD/fwAA/38AAAAAAAAJAAAABAAAAF8AYAAeAAAAaAAAAAAAAAAAAAAAAAAAAAAAAAAAAAAAECcAABAnAAAAAAAAAAAAAAAAAAAAAAAAAAAAAAAAAAAAAAAAAAAAABQAAAAAAAAAwMD/AAAAAABkAAAAMgAAAAAAAABkAAAAAAAAAH9/fwAKAAAAIgAAABgAAAAAAAAAAAAAAAAAAAAAAAAAAAAAAAAAAAAkAAAAJAAAAAAAAAAHAAAAAAAAAAAAAAAAAAAAAAAAAAAAAAAAAAAAf39/ACUAAABYAAAAAAAAAAAAAAAAAAAAAAAAAAAAAAAAAAAAAAAAAAAAAAAAAAAAAAAAAAAAAAA/AAAAAAAAAKCGAQAAAAAAAAAAAAAAAAAMAAAAAQAAAAAAAAAAAAAAAAAAAB8AAABUAAAA////AAAAAAEAAAAAAAAAAAAAAAAAAAAAAAAAAAAAAAAAAAAAAAAAAAAAAAB/f38AAAAAA8zMzADAwP8Af39/AAAAAAAAAAAAAAAAAAAAAAAAAAAAIQAAABgAAAAUAAAAwRwAAGcHAAB1NQAAKBAAABAAAAAmAAAACAAAAD0gAAAAAAAA"/>
+                <pr:smNativeData xmlns:pr="smNativeData" xmlns="smNativeData" val="SMDATA_15_8sFZZRMAAAAlAAAAZAAAAA0AAAAAAAAAAAAAAAAAAAAAAAAAAAAAAAAAAAAAAAAAAAEAAABQAAAAAAAAAAAA4D8AAAAAAADgPwAAAAAAAOA/AAAAAAAA4D8AAAAAAADgPwAAAAAAAOA/AAAAAAAA4D8AAAAAAADgPwAAAAAAAOA/AAAAAAAA4D8CAAAAjAAAAAAAAAAAAAAA////AP///wgAAAAAAAAAAAAAAAAAAAAAAAAAAAAAAAAAAAAAeAAAAAEAAABAAAAAAAAAAAAAAABaAAAAAAAAAAAAAAAAAAAAAAAAAAAAAAAAAAAAAAAAAAAAAAAAAAAAAAAAAAAAAAAAAAAAAAAAAAAAAAAAAAAAAAAAAAAAAAAAAAAAFAAAADwAAAAAAAAAAAAAAAAAAAAPAAAAAQAAACMAAAAjAAAAIwAAAB4AAAAAAAAAZAAAAGQAAAAAAAAAZAAAAGQAAAAVAAAAYAAAAAAAAAAAAAAADwAAACADAAAAAAAAAAAAAAEAAACgMgAAVgcAAKr4//8BAAAAf39/AAEAAABkAAAAAAAAABQAAABAHwAAAAAAACYAAAAAAAAAwOD//wAAAAAmAAAAZAAAABYAAABMAAAAAAAAAAAAAAAEAAAAAAAAAAEAAADRSc4KAAAAACgAAAAoAAAAZAAAAGQAAAAAAAAAzMzMAAAAAABQAAAAUAAAAGQAAABkAAAAAAAAABcAAAAUAAAAAAAAAAAAAAD/fwAA/38AAAAAAAAJAAAABAAAAAAAAAAeAAAAaAAAAAAAAAAAAAAAAAAAAAAAAAAAAAAAECcAABAnAAAAAAAAAAAAAAAAAAAAAAAAAAAAAAAAAAAAAAAAAAAAABQAAAAAAAAAwMD/AAAAAABkAAAAMgAAAAAAAABkAAAAAAAAAH9/fwAKAAAAIgAAABgAAAAAAAAAAAAAAAAAAAAAAAAAAAAAAAAAAAAkAAAAJAAAAAAAAAAHAAAAAAAAAAAAAAAAAAAAAAAAAAAAAAAAAAAAf39/ACUAAABYAAAAAAAAAAAAAAAAAAAAAAAAAAAAAAAAAAAAAAAAAAAAAAAAAAAAAAAAAAAAAAA/AAAAAAAAAKCGAQAAAAAAAAAAAAAAAAAMAAAAAQAAAAAAAAAAAAAAAAAAAB8AAABUAAAA////AAAAAAEAAAAAAAAAAAAAAAAAAAAAAAAAAAAAAAAAAAAAAAAAAAAAAAB/f38AAAAAA8zMzADAwP8Af39/AAAAAAAAAAAAAAAAAAAAAAAAAAAAIQAAABgAAAAUAAAAwRwAAGcHAAB1NQAAKBAAABAAAAAmAAAACAAAAD0gAAAAAAAA"/>
               </a:ext>
             </a:extLst>
           </p:cNvSpPr>
@@ -10770,7 +10673,7 @@
             <a:spLocks noGrp="1" noChangeArrowheads="1"/>
             <a:extLst>
               <a:ext uri="smNativeData">
-                <pr:smNativeData xmlns:pr="smNativeData" xmlns="smNativeData" val="SMDATA_15_37BZZRMAAAAlAAAAZAAAAA0AAAAAAAAAAAAAAAAAAAAAAAAAAAAAAAAAAAAAAAAAAAEAAABQAAAAAAAAAAAA4D8AAAAAAADgPwAAAAAAAOA/AAAAAAAA4D8AAAAAAADgPwAAAAAAAOA/AAAAAAAA4D8AAAAAAADgPwAAAAAAAOA/AAAAAAAA4D8CAAAAjAAAAAAAAAAAAAAA////AP///wgAAAAAAAAAAAAAAAAAAAAAAAAAAAAAAAAAAAAAeAAAAAEAAABAAAAAAAAAAAAAAABaAAAAAAAAAAAAAAAAAAAAAAAAAAAAAAAAAAAAAAAAAAAAAAAAAAAAAAAAAAAAAAAAAAAAAAAAAAAAAAAAAAAAAAAAAAAAAAAAAAAAFAAAADwAAAAAAAAAAAAAAAAAAAAPAAAAAQAAACMAAAAjAAAAIwAAAB4AAAAAAAAAZAAAAGQAAAAAAAAAZAAAAGQAAAAVAAAAYAAAAAAAAAAAAAAADwAAACADAAAAAAAAAAAAAAEAAACgMgAAVgcAAKr4//8BAAAAf39/AAEAAABkAAAAAAAAABQAAABAHwAAAAAAACYAAAAAAAAAwOD//wAAAAAmAAAAZAAAABYAAABMAAAAAAAAAAAAAAAEAAAAAAAAAAEAAADRSc4KAAAAACgAAAAoAAAAZAAAAGQAAAAAAAAAzMzMAAAAAABQAAAAUAAAAGQAAABkAAAAAAAAABcAAAAUAAAAAAAAAAAAAAD/fwAA/38AAAAAAAAJAAAABAAAAAAAAAAeAAAAaAAAAAAAAAAAAAAAAAAAAAAAAAAAAAAAECcAABAnAAAAAAAAAAAAAAAAAAAAAAAAAAAAAAAAAAAAAAAAAAAAABQAAAAAAAAAwMD/AAAAAABkAAAAMgAAAAAAAABkAAAAAAAAAH9/fwAKAAAAIgAAABgAAAAAAAAAAAAAAAAAAAAAAAAAAAAAAAAAAAAkAAAAJAAAAAAAAAAHAAAAAAAAAAAAAAAAAAAAAAAAAAAAAAAAAAAAf39/ACUAAABYAAAAAAAAAAAAAAAAAAAAAAAAAAAAAAAAAAAAAAAAAAAAAAAAAAAAAAAAAAAAAAA/AAAAAAAAAKCGAQAAAAAAAAAAAAAAAAAMAAAAAQAAAAAAAAAAAAAAAAAAAB8AAABUAAAA////AAAAAAEAAAAAAAAAAAAAAAAAAAAAAAAAAAAAAAAAAAAAAAAAAAAAAAB/f38AAAAAA8zMzADAwP8Af39/AAAAAAAAAAAAAAAAAAAAAAAAAAAAIQAAABgAAAAUAAAA0AIAAP0QAACEGwAAvhkAABAAAAAmAAAACAAAAD0gAAAAAAAA"/>
+                <pr:smNativeData xmlns:pr="smNativeData" xmlns="smNativeData" val="SMDATA_15_8sFZZRMAAAAlAAAAZAAAAA0AAAAAAAAAAAAAAAAAAAAAAAAAAAAAAAAAAAAAAAAAAAEAAABQAAAAAAAAAAAA4D8AAAAAAADgPwAAAAAAAOA/AAAAAAAA4D8AAAAAAADgPwAAAAAAAOA/AAAAAAAA4D8AAAAAAADgPwAAAAAAAOA/AAAAAAAA4D8CAAAAjAAAAAAAAAAAAAAA////AP///wgAAAAAAAAAAAAAAAAAAAAAAAAAAAAAAAAAAAAAeAAAAAEAAABAAAAAAAAAAAAAAABaAAAAAAAAAAAAAAAAAAAAAAAAAAAAAAAAAAAAAAAAAAAAAAAAAAAAAAAAAAAAAAAAAAAAAAAAAAAAAAAAAAAAAAAAAAAAAAAAAAAAFAAAADwAAAAAAAAAAAAAAAAAAAAPAAAAAQAAACMAAAAjAAAAIwAAAB4AAAAAAAAAZAAAAGQAAAAAAAAAZAAAAGQAAAAVAAAAYAAAAAAAAAAAAAAADwAAACADAAAAAAAAAAAAAAEAAACgMgAAVgcAAKr4//8BAAAAf39/AAEAAABkAAAAAAAAABQAAABAHwAAAAAAACYAAAAAAAAAwOD//wAAAAAmAAAAZAAAABYAAABMAAAAAAAAAAAAAAAEAAAAAAAAAAEAAADRSc4KAAAAACgAAAAoAAAAZAAAAGQAAAAAAAAAzMzMAAAAAABQAAAAUAAAAGQAAABkAAAAAAAAABcAAAAUAAAAAAAAAAAAAAD/fwAA/38AAAAAAAAJAAAABAAAAAAAAAAeAAAAaAAAAAAAAAAAAAAAAAAAAAAAAAAAAAAAECcAABAnAAAAAAAAAAAAAAAAAAAAAAAAAAAAAAAAAAAAAAAAAAAAABQAAAAAAAAAwMD/AAAAAABkAAAAMgAAAAAAAABkAAAAAAAAAH9/fwAKAAAAIgAAABgAAAAAAAAAAAAAAAAAAAAAAAAAAAAAAAAAAAAkAAAAJAAAAAAAAAAHAAAAAAAAAAAAAAAAAAAAAAAAAAAAAAAAAAAAf39/ACUAAABYAAAAAAAAAAAAAAAAAAAAAAAAAAAAAAAAAAAAAAAAAAAAAAAAAAAAAAAAAAAAAAA/AAAAAAAAAKCGAQAAAAAAAAAAAAAAAAAMAAAAAQAAAAAAAAAAAAAAAAAAAB8AAABUAAAA////AAAAAAEAAAAAAAAAAAAAAAAAAAAAAAAAAAAAAAAAAAAAAAAAAAAAAAB/f38AAAAAA8zMzADAwP8Af39/AAAAAAAAAAAAAAAAAAAAAAAAAAAAIQAAABgAAAAUAAAA0AIAAP0QAACEGwAAvhkAABAAAAAmAAAACAAAAD0gAAAAAAAA"/>
               </a:ext>
             </a:extLst>
           </p:cNvSpPr>
@@ -10803,7 +10706,7 @@
             <a:spLocks noGrp="1" noChangeArrowheads="1"/>
             <a:extLst>
               <a:ext uri="smNativeData">
-                <pr:smNativeData xmlns:pr="smNativeData" xmlns="smNativeData" val="SMDATA_15_37BZZRMAAAAlAAAAZAAAAA0AAAAAAAAAAAAAAAAAAAAAAAAAAAAAAAAAAAAAAAAAAAEAAABQAAAAAAAAAAAA4D8AAAAAAADgPwAAAAAAAOA/AAAAAAAA4D8AAAAAAADgPwAAAAAAAOA/AAAAAAAA4D8AAAAAAADgPwAAAAAAAOA/AAAAAAAA4D8CAAAAjAAAAAAAAAAAAAAA////AP///wgAAAAAAAAAAAAAAAAAAAAAAAAAAAAAAAAAAAAAeAAAAAEAAABAAAAAAAAAAAAAAABaAAAAAAAAAAAAAAAAAAAAAAAAAAAAAAAAAAAAAAAAAAAAAAAAAAAAAAAAAAAAAAAAAAAAAAAAAAAAAAAAAAAAAAAAAAAAAAAAAAAAFAAAADwAAAAAAAAAAAAAAAAAAAAPAAAAAQAAACMAAAAjAAAAIwAAAB4AAAAAAAAAZAAAAGQAAAAAAAAAZAAAAGQAAAAVAAAAYAAAAAAAAAAAAAAADwAAACADAAAAAAAAAAAAAAEAAACgMgAAVgcAAKr4//8BAAAAf39/AAEAAABkAAAAAAAAABQAAABAHwAAAAAAACYAAAAAAAAAwOD//wAAAAAmAAAAZAAAABYAAABMAAAAAAAAAAAAAAAEAAAAAAAAAAEAAADRSc4KAAAAACgAAAAoAAAAZAAAAGQAAAAAAAAAzMzMAAAAAABQAAAAUAAAAGQAAABkAAAAAAAAABcAAAAUAAAAAAAAAAAAAAD/fwAA/38AAAAAAAAJAAAABAAAAAAAAAAeAAAAaAAAAAAAAAAAAAAAAAAAAAAAAAAAAAAAECcAABAnAAAAAAAAAAAAAAAAAAAAAAAAAAAAAAAAAAAAAAAAAAAAABQAAAAAAAAAwMD/AAAAAABkAAAAMgAAAAAAAABkAAAAAAAAAH9/fwAKAAAAIgAAABgAAAAAAAAAAAAAAAAAAAAAAAAAAAAAAAAAAAAkAAAAJAAAAAAAAAAHAAAAAAAAAAAAAAAAAAAAAAAAAAAAAAAAAAAAf39/ACUAAABYAAAAAAAAAAAAAAAAAAAAAAAAAAAAAAAAAAAAAAAAAAAAAAAAAAAAAAAAAAAAAAA/AAAAAAAAAKCGAQAAAAAAAAAAAAAAAAAMAAAAAQAAAAAAAAAAAAAAAAAAAB8AAABUAAAA////AAAAAAEAAAAAAAAAAAAAAAAAAAAAAAAAAAAAAAAAAAAAAAAAAAAAAAB/f38AAAAAA8zMzADAwP8Af39/AAAAAAAAAAAAAAAAAAAAAAAAAAAAIQAAABgAAAAUAAAAwRwAAP0QAAB1NQAAvhkAABAAAAAmAAAACAAAAD0gAAAAAAAA"/>
+                <pr:smNativeData xmlns:pr="smNativeData" xmlns="smNativeData" val="SMDATA_15_8sFZZRMAAAAlAAAAZAAAAA0AAAAAAAAAAAAAAAAAAAAAAAAAAAAAAAAAAAAAAAAAAAEAAABQAAAAAAAAAAAA4D8AAAAAAADgPwAAAAAAAOA/AAAAAAAA4D8AAAAAAADgPwAAAAAAAOA/AAAAAAAA4D8AAAAAAADgPwAAAAAAAOA/AAAAAAAA4D8CAAAAjAAAAAAAAAAAAAAA////AP///wgAAAAAAAAAAAAAAAAAAAAAAAAAAAAAAAAAAAAAeAAAAAEAAABAAAAAAAAAAAAAAABaAAAAAAAAAAAAAAAAAAAAAAAAAAAAAAAAAAAAAAAAAAAAAAAAAAAAAAAAAAAAAAAAAAAAAAAAAAAAAAAAAAAAAAAAAAAAAAAAAAAAFAAAADwAAAAAAAAAAAAAAAAAAAAPAAAAAQAAACMAAAAjAAAAIwAAAB4AAAAAAAAAZAAAAGQAAAAAAAAAZAAAAGQAAAAVAAAAYAAAAAAAAAAAAAAADwAAACADAAAAAAAAAAAAAAEAAACgMgAAVgcAAKr4//8BAAAAf39/AAEAAABkAAAAAAAAABQAAABAHwAAAAAAACYAAAAAAAAAwOD//wAAAAAmAAAAZAAAABYAAABMAAAAAAAAAAAAAAAEAAAAAAAAAAEAAADRSc4KAAAAACgAAAAoAAAAZAAAAGQAAAAAAAAAzMzMAAAAAABQAAAAUAAAAGQAAABkAAAAAAAAABcAAAAUAAAAAAAAAAAAAAD/fwAA/38AAAAAAAAJAAAABAAAAAAAAAAeAAAAaAAAAAAAAAAAAAAAAAAAAAAAAAAAAAAAECcAABAnAAAAAAAAAAAAAAAAAAAAAAAAAAAAAAAAAAAAAAAAAAAAABQAAAAAAAAAwMD/AAAAAABkAAAAMgAAAAAAAABkAAAAAAAAAH9/fwAKAAAAIgAAABgAAAAAAAAAAAAAAAAAAAAAAAAAAAAAAAAAAAAkAAAAJAAAAAAAAAAHAAAAAAAAAAAAAAAAAAAAAAAAAAAAAAAAAAAAf39/ACUAAABYAAAAAAAAAAAAAAAAAAAAAAAAAAAAAAAAAAAAAAAAAAAAAAAAAAAAAAAAAAAAAAA/AAAAAAAAAKCGAQAAAAAAAAAAAAAAAAAMAAAAAQAAAAAAAAAAAAAAAAAAAB8AAABUAAAA////AAAAAAEAAAAAAAAAAAAAAAAAAAAAAAAAAAAAAAAAAAAAAAAAAAAAAAB/f38AAAAAA8zMzADAwP8Af39/AAAAAAAAAAAAAAAAAAAAAAAAAAAAIQAAABgAAAAUAAAAwRwAAP0QAAB1NQAAvhkAABAAAAAmAAAACAAAAD0gAAAAAAAA"/>
               </a:ext>
             </a:extLst>
           </p:cNvSpPr>
@@ -10861,7 +10764,7 @@
             <a:spLocks noGrp="1" noChangeArrowheads="1"/>
             <a:extLst>
               <a:ext uri="smNativeData">
-                <pr:smNativeData xmlns:pr="smNativeData" xmlns="smNativeData" val="SMDATA_15_37BZZRMAAAAlAAAAZAAAAE0AAAAAAAAAAAAAAAAAAAAAAAAAAAAAAAABAAAAAAAAAAEAAABQAAAAAAAAAAAA4D8AAAAAAADgPwAAAAAAAOA/AAAAAAAA4D8AAAAAAADgPwAAAAAAAOA/AAAAAAAA4D8AAAAAAADgPwAAAAAAAOA/AAAAAAAA4D8CAAAAjAAAAAAAAAAAAAAA////AP///wgAAAAAAAAAAAAAAAAAAAAAAAAAAAAAAAAAAAAAeAAAAAEAAABAAAAAAAAAAAAAAABaAAAAAAAAAAAAAAAAAAAAAAAAAAAAAAAAAAAAAAAAAAAAAAAAAAAAAAAAAAAAAAAAAAAAAAAAAAAAAAAAAAAAAAAAAAAAAAAAAAAAFAAAADwAAAAAAAAAAAAAAAAAAAAPAAAAAQAAACMAAAAjAAAAIwAAAB4AAAAAAAAAZAAAAGQAAAAAAAAAZAAAAGQAAAAVAAAAYAAAAAAAAAAAAAAADwAAACADAAAAAAAAAAAAAAEAAACgMgAAVgcAAKr4//8BAAAAf39/AAEAAABkAAAAAAAAABQAAABAHwAAAAAAACYAAAAAAAAAwOD//wAAAAAmAAAAZAAAABYAAABMAAAAAAAAAAAAAAAEAAAAAAAAAAEAAADRSc4KAAAAACgAAAAoAAAAZAAAAGQAAAAAAAAAzMzMAAAAAABQAAAAUAAAAGQAAABkAAAAAAAAABcAAAAUAAAAAAAAAAAAAAD/fwAA/38AAAAAAAAJAAAABAAAAAAAAAAeAAAAaAAAAAAAAAAAAAAAAAAAAAAAAAAAAAAAECcAABAnAAAAAAAAAAAAAAAAAAAAAAAAAAAAAAAAAAAAAAAAAAAAABQAAAAAAAAAwMD/AAAAAABkAAAAMgAAAAAAAABkAAAAAAAAAH9/fwAKAAAAIgAAABgAAAAAAAAAAAAAAAAAAAAAAAAAAAAAAAAAAAAkAAAAJAAAAAAAAAAHAAAAAAAAAAAAAAAAAAAAAAAAAAAAAAAAAAAAf39/ACUAAABYAAAAAAAAAAAAAAAAAAAAAAAAAAAAAAAAAAAAAAAAAAAAAAAAAAAAAAAAAAAAAAA/AAAAAAAAAKCGAQAAAAAAAAAAAAAAAAAMAAAAAQAAAAAAAAAAAAAAAAAAAB8AAABUAAAA////AAAAAAEAAAAAAAAAAAAAAAAAAAAAAAAAAAAAAAAAAAAAAAAAAAAAAAB/f38AAAAAA8zMzADAwP8Af39/AAAAAAAAAAAAAAAAAAAAAAAAAAAAIQAAABgAAAAUAAAA0AIAAA8AAABvNQAAwAcAABAgAAAmAAAACAAAAD0gAAAAAAAA"/>
+                <pr:smNativeData xmlns:pr="smNativeData" xmlns="smNativeData" val="SMDATA_15_8sFZZRMAAAAlAAAAZAAAAE0AAAAAAAAAAAAAAAAAAAAAAAAAAAAAAAABAAAAAAAAAAEAAABQAAAAAAAAAAAA4D8AAAAAAADgPwAAAAAAAOA/AAAAAAAA4D8AAAAAAADgPwAAAAAAAOA/AAAAAAAA4D8AAAAAAADgPwAAAAAAAOA/AAAAAAAA4D8CAAAAjAAAAAAAAAAAAAAA////AP///wgAAAAAAAAAAAAAAAAAAAAAAAAAAAAAAAAAAAAAeAAAAAEAAABAAAAAAAAAAAAAAABaAAAAAAAAAAAAAAAAAAAAAAAAAAAAAAAAAAAAAAAAAAAAAAAAAAAAAAAAAAAAAAAAAAAAAAAAAAAAAAAAAAAAAAAAAAAAAAAAAAAAFAAAADwAAAAAAAAAAAAAAAAAAAAPAAAAAQAAACMAAAAjAAAAIwAAAB4AAAAAAAAAZAAAAGQAAAAAAAAAZAAAAGQAAAAVAAAAYAAAAAAAAAAAAAAADwAAACADAAAAAAAAAAAAAAEAAACgMgAAVgcAAKr4//8BAAAAf39/AAEAAABkAAAAAAAAABQAAABAHwAAAAAAACYAAAAAAAAAwOD//wAAAAAmAAAAZAAAABYAAABMAAAAAAAAAAAAAAAEAAAAAAAAAAEAAADRSc4KAAAAACgAAAAoAAAAZAAAAGQAAAAAAAAAzMzMAAAAAABQAAAAUAAAAGQAAABkAAAAAAAAABcAAAAUAAAAAAAAAAAAAAD/fwAA/38AAAAAAAAJAAAABAAAAAAAAAAeAAAAaAAAAAAAAAAAAAAAAAAAAAAAAAAAAAAAECcAABAnAAAAAAAAAAAAAAAAAAAAAAAAAAAAAAAAAAAAAAAAAAAAABQAAAAAAAAAwMD/AAAAAABkAAAAMgAAAAAAAABkAAAAAAAAAH9/fwAKAAAAIgAAABgAAAAAAAAAAAAAAAAAAAAAAAAAAAAAAAAAAAAkAAAAJAAAAAAAAAAHAAAAAAAAAAAAAAAAAAAAAAAAAAAAAAAAAAAAf39/ACUAAABYAAAAAAAAAAAAAAAAAAAAAAAAAAAAAAAAAAAAAAAAAAAAAAAAAAAAAAAAAAAAAAA/AAAAAAAAAKCGAQAAAAAAAAAAAAAAAAAMAAAAAQAAAAAAAAAAAAAAAAAAAB8AAABUAAAA////AAAAAAEAAAAAAAAAAAAAAAAAAAAAAAAAAAAAAAAAAAAAAAAAAAAAAAB/f38AAAAAA8zMzADAwP8Af39/AAAAAAAAAAAAAAAAAAAAAAAAAAAAIQAAABgAAAAUAAAA0AIAAA8AAABvNQAAwAcAABAgAAAmAAAACAAAAD0gAAAAAAAA"/>
               </a:ext>
             </a:extLst>
           </p:cNvSpPr>
@@ -10894,7 +10797,7 @@
             <a:spLocks noGrp="1" noChangeArrowheads="1"/>
             <a:extLst>
               <a:ext uri="smNativeData">
-                <pr:smNativeData xmlns:pr="smNativeData" xmlns="smNativeData" val="SMDATA_15_37BZZRMAAAAlAAAAZAAAAA0AAAAAAAAAAAAAAAAAAAAAAAAAAAAAAAAAAAAAAAAAAAEAAABQAAAAAAAAAAAA4D8AAAAAAADgPwAAAAAAAOA/AAAAAAAA4D8AAAAAAADgPwAAAAAAAOA/AAAAAAAA4D8AAAAAAADgPwAAAAAAAOA/AAAAAAAA4D8CAAAAjAAAAAAAAAAAAAAA////AP///wgAAAAAAAAAAAAAAAAAAAAAAAAAAAAAAAAAAAAAeAAAAAEAAABAAAAAAAAAAAAAAABaAAAAAAAAAAAAAAAAAAAAAAAAAAAAAAAAAAAAAAAAAAAAAAAAAAAAAAAAAAAAAAAAAAAAAAAAAAAAAAAAAAAAAAAAAAAAAAAAAAAAFAAAADwAAAAAAAAAAAAAAAAAAAAPAAAAAQAAACMAAAAjAAAAIwAAAB4AAAAAAAAAZAAAAGQAAAAAAAAAZAAAAGQAAAAVAAAAYAAAAAAAAAAAAAAADwAAACADAAAAAAAAAAAAAAEAAACgMgAAVgcAAKr4//8BAAAAf39/AAEAAABkAAAAAAAAABQAAABAHwAAAAAAACYAAAAAAAAAwOD//wAAAAAmAAAAZAAAABYAAABMAAAAAAAAAAAAAAAEAAAAAAAAAAEAAADRSc4KAAAAACgAAAAoAAAAZAAAAGQAAAAAAAAAzMzMAAAAAABQAAAAUAAAAGQAAABkAAAAAAAAABcAAAAUAAAAAAAAAAAAAAD/fwAA/38AAAAAAAAJAAAABAAAAF8AYAAeAAAAaAAAAAAAAAAAAAAAAAAAAAAAAAAAAAAAECcAABAnAAAAAAAAAAAAAAAAAAAAAAAAAAAAAAAAAAAAAAAAAAAAABQAAAAAAAAAwMD/AAAAAABkAAAAMgAAAAAAAABkAAAAAAAAAH9/fwAKAAAAIgAAABgAAAAAAAAAAAAAAAAAAAAAAAAAAAAAAAAAAAAkAAAAJAAAAAAAAAAHAAAAAAAAAAAAAAAAAAAAAAAAAAAAAAAAAAAAf39/ACUAAABYAAAAAAAAAAAAAAAAAAAAAAAAAAAAAAAAAAAAAAAAAAAAAAAAAAAAAAAAAAAAAAA/AAAAAAAAAKCGAQAAAAAAAAAAAAAAAAAMAAAAAQAAAAAAAAAAAAAAAAAAAB8AAABUAAAA////AAAAAAEAAAAAAAAAAAAAAAAAAAAAAAAAAAAAAAAAAAAAAAAAAAAAAAB/f38AAAAAA8zMzADAwP8Af39/AAAAAAAAAAAAAAAAAAAAAAAAAAAAIQAAABgAAAAUAAAA0AIAAGcHAAAdEwAAKBAAABAAAAAmAAAACAAAAD0gAAAAAAAA"/>
+                <pr:smNativeData xmlns:pr="smNativeData" xmlns="smNativeData" val="SMDATA_15_8sFZZRMAAAAlAAAAZAAAAA0AAAAAAAAAAAAAAAAAAAAAAAAAAAAAAAAAAAAAAAAAAAEAAABQAAAAAAAAAAAA4D8AAAAAAADgPwAAAAAAAOA/AAAAAAAA4D8AAAAAAADgPwAAAAAAAOA/AAAAAAAA4D8AAAAAAADgPwAAAAAAAOA/AAAAAAAA4D8CAAAAjAAAAAAAAAAAAAAA////AP///wgAAAAAAAAAAAAAAAAAAAAAAAAAAAAAAAAAAAAAeAAAAAEAAABAAAAAAAAAAAAAAABaAAAAAAAAAAAAAAAAAAAAAAAAAAAAAAAAAAAAAAAAAAAAAAAAAAAAAAAAAAAAAAAAAAAAAAAAAAAAAAAAAAAAAAAAAAAAAAAAAAAAFAAAADwAAAAAAAAAAAAAAAAAAAAPAAAAAQAAACMAAAAjAAAAIwAAAB4AAAAAAAAAZAAAAGQAAAAAAAAAZAAAAGQAAAAVAAAAYAAAAAAAAAAAAAAADwAAACADAAAAAAAAAAAAAAEAAACgMgAAVgcAAKr4//8BAAAAf39/AAEAAABkAAAAAAAAABQAAABAHwAAAAAAACYAAAAAAAAAwOD//wAAAAAmAAAAZAAAABYAAABMAAAAAAAAAAAAAAAEAAAAAAAAAAEAAADRSc4KAAAAACgAAAAoAAAAZAAAAGQAAAAAAAAAzMzMAAAAAABQAAAAUAAAAGQAAABkAAAAAAAAABcAAAAUAAAAAAAAAAAAAAD/fwAA/38AAAAAAAAJAAAABAAAAAAAAAAeAAAAaAAAAAAAAAAAAAAAAAAAAAAAAAAAAAAAECcAABAnAAAAAAAAAAAAAAAAAAAAAAAAAAAAAAAAAAAAAAAAAAAAABQAAAAAAAAAwMD/AAAAAABkAAAAMgAAAAAAAABkAAAAAAAAAH9/fwAKAAAAIgAAABgAAAAAAAAAAAAAAAAAAAAAAAAAAAAAAAAAAAAkAAAAJAAAAAAAAAAHAAAAAAAAAAAAAAAAAAAAAAAAAAAAAAAAAAAAf39/ACUAAABYAAAAAAAAAAAAAAAAAAAAAAAAAAAAAAAAAAAAAAAAAAAAAAAAAAAAAAAAAAAAAAA/AAAAAAAAAKCGAQAAAAAAAAAAAAAAAAAMAAAAAQAAAAAAAAAAAAAAAAAAAB8AAABUAAAA////AAAAAAEAAAAAAAAAAAAAAAAAAAAAAAAAAAAAAAAAAAAAAAAAAAAAAAB/f38AAAAAA8zMzADAwP8Af39/AAAAAAAAAAAAAAAAAAAAAAAAAAAAIQAAABgAAAAUAAAA0AIAAGcHAAAdEwAAKBAAABAAAAAmAAAACAAAAD0gAAAAAAAA"/>
               </a:ext>
             </a:extLst>
           </p:cNvSpPr>
@@ -10930,7 +10833,7 @@
             <a:spLocks noGrp="1" noChangeArrowheads="1"/>
             <a:extLst>
               <a:ext uri="smNativeData">
-                <pr:smNativeData xmlns:pr="smNativeData" xmlns="smNativeData" val="SMDATA_15_37BZZRMAAAAlAAAAZAAAAA0AAAAAAAAAAAAAAAAAAAAAAAAAAAAAAAAAAAAAAAAAAAEAAABQAAAAAAAAAAAA4D8AAAAAAADgPwAAAAAAAOA/AAAAAAAA4D8AAAAAAADgPwAAAAAAAOA/AAAAAAAA4D8AAAAAAADgPwAAAAAAAOA/AAAAAAAA4D8CAAAAjAAAAAAAAAAAAAAA////AP///wgAAAAAAAAAAAAAAAAAAAAAAAAAAAAAAAAAAAAAeAAAAAEAAABAAAAAAAAAAAAAAABaAAAAAAAAAAAAAAAAAAAAAAAAAAAAAAAAAAAAAAAAAAAAAAAAAAAAAAAAAAAAAAAAAAAAAAAAAAAAAAAAAAAAAAAAAAAAAAAAAAAAFAAAADwAAAAAAAAAAAAAAAAAAAAPAAAAAQAAACMAAAAjAAAAIwAAAB4AAAAAAAAAZAAAAGQAAAAAAAAAZAAAAGQAAAAVAAAAYAAAAAAAAAAAAAAADwAAACADAAAAAAAAAAAAAAEAAACgMgAAVgcAAKr4//8BAAAAf39/AAEAAABkAAAAAAAAABQAAABAHwAAAAAAACYAAAAAAAAAwOD//wAAAAAmAAAAZAAAABYAAABMAAAAAAAAAAAAAAAEAAAAAAAAAAEAAADRSc4KAAAAACgAAAAoAAAAZAAAAGQAAAAAAAAAzMzMAAAAAABQAAAAUAAAAGQAAABkAAAAAAAAABcAAAAUAAAAAAAAAAAAAAD/fwAA/38AAAAAAAAJAAAABAAAAAAAAAAeAAAAaAAAAAAAAAAAAAAAAAAAAAAAAAAAAAAAECcAABAnAAAAAAAAAAAAAAAAAAAAAAAAAAAAAAAAAAAAAAAAAAAAABQAAAAAAAAAwMD/AAAAAABkAAAAMgAAAAAAAABkAAAAAAAAAH9/fwAKAAAAIgAAABgAAAAAAAAAAAAAAAAAAAAAAAAAAAAAAAAAAAAkAAAAJAAAAAAAAAAHAAAAAAAAAAAAAAAAAAAAAAAAAAAAAAAAAAAAf39/ACUAAABYAAAAAAAAAAAAAAAAAAAAAAAAAAAAAAAAAAAAAAAAAAAAAAAAAAAAAAAAAAAAAAA/AAAAAAAAAKCGAQAAAAAAAAAAAAAAAAAMAAAAAQAAAAAAAAAAAAAAAAAAAB8AAABUAAAA////AAAAAAEAAAAAAAAAAAAAAAAAAAAAAAAAAAAAAAAAAAAAAAAAAAAAAAB/f38AAAAAA8zMzADAwP8Af39/AAAAAAAAAAAAAAAAAAAAAAAAAAAAIQAAABgAAAAUAAAA7hMAAGcHAAA6JAAAKBAAABAAAAAmAAAACAAAAD0gAAAAAAAA"/>
+                <pr:smNativeData xmlns:pr="smNativeData" xmlns="smNativeData" val="SMDATA_15_8sFZZRMAAAAlAAAAZAAAAA0AAAAAAAAAAAAAAAAAAAAAAAAAAAAAAAAAAAAAAAAAAAEAAABQAAAAAAAAAAAA4D8AAAAAAADgPwAAAAAAAOA/AAAAAAAA4D8AAAAAAADgPwAAAAAAAOA/AAAAAAAA4D8AAAAAAADgPwAAAAAAAOA/AAAAAAAA4D8CAAAAjAAAAAAAAAAAAAAA////AP///wgAAAAAAAAAAAAAAAAAAAAAAAAAAAAAAAAAAAAAeAAAAAEAAABAAAAAAAAAAAAAAABaAAAAAAAAAAAAAAAAAAAAAAAAAAAAAAAAAAAAAAAAAAAAAAAAAAAAAAAAAAAAAAAAAAAAAAAAAAAAAAAAAAAAAAAAAAAAAAAAAAAAFAAAADwAAAAAAAAAAAAAAAAAAAAPAAAAAQAAACMAAAAjAAAAIwAAAB4AAAAAAAAAZAAAAGQAAAAAAAAAZAAAAGQAAAAVAAAAYAAAAAAAAAAAAAAADwAAACADAAAAAAAAAAAAAAEAAACgMgAAVgcAAKr4//8BAAAAf39/AAEAAABkAAAAAAAAABQAAABAHwAAAAAAACYAAAAAAAAAwOD//wAAAAAmAAAAZAAAABYAAABMAAAAAAAAAAAAAAAEAAAAAAAAAAEAAADRSc4KAAAAACgAAAAoAAAAZAAAAGQAAAAAAAAAzMzMAAAAAABQAAAAUAAAAGQAAABkAAAAAAAAABcAAAAUAAAAAAAAAAAAAAD/fwAA/38AAAAAAAAJAAAABAAAAAAAAAAeAAAAaAAAAAAAAAAAAAAAAAAAAAAAAAAAAAAAECcAABAnAAAAAAAAAAAAAAAAAAAAAAAAAAAAAAAAAAAAAAAAAAAAABQAAAAAAAAAwMD/AAAAAABkAAAAMgAAAAAAAABkAAAAAAAAAH9/fwAKAAAAIgAAABgAAAAAAAAAAAAAAAAAAAAAAAAAAAAAAAAAAAAkAAAAJAAAAAAAAAAHAAAAAAAAAAAAAAAAAAAAAAAAAAAAAAAAAAAAf39/ACUAAABYAAAAAAAAAAAAAAAAAAAAAAAAAAAAAAAAAAAAAAAAAAAAAAAAAAAAAAAAAAAAAAA/AAAAAAAAAKCGAQAAAAAAAAAAAAAAAAAMAAAAAQAAAAAAAAAAAAAAAAAAAB8AAABUAAAA////AAAAAAEAAAAAAAAAAAAAAAAAAAAAAAAAAAAAAAAAAAAAAAAAAAAAAAB/f38AAAAAA8zMzADAwP8Af39/AAAAAAAAAAAAAAAAAAAAAAAAAAAAIQAAABgAAAAUAAAA7hMAAGcHAAA6JAAAKBAAABAAAAAmAAAACAAAAD0gAAAAAAAA"/>
               </a:ext>
             </a:extLst>
           </p:cNvSpPr>
@@ -10966,7 +10869,7 @@
             <a:spLocks noGrp="1" noChangeArrowheads="1"/>
             <a:extLst>
               <a:ext uri="smNativeData">
-                <pr:smNativeData xmlns:pr="smNativeData" xmlns="smNativeData" val="SMDATA_15_37BZZRMAAAAlAAAAZAAAAA0AAAAAAAAAAAAAAAAAAAAAAAAAAAAAAAAAAAAAAAAAAAEAAABQAAAAAAAAAAAA4D8AAAAAAADgPwAAAAAAAOA/AAAAAAAA4D8AAAAAAADgPwAAAAAAAOA/AAAAAAAA4D8AAAAAAADgPwAAAAAAAOA/AAAAAAAA4D8CAAAAjAAAAAAAAAAAAAAA////AP///wgAAAAAAAAAAAAAAAAAAAAAAAAAAAAAAAAAAAAAeAAAAAEAAABAAAAAAAAAAAAAAABaAAAAAAAAAAAAAAAAAAAAAAAAAAAAAAAAAAAAAAAAAAAAAAAAAAAAAAAAAAAAAAAAAAAAAAAAAAAAAAAAAAAAAAAAAAAAAAAAAAAAFAAAADwAAAAAAAAAAAAAAAAAAAAPAAAAAQAAACMAAAAjAAAAIwAAAB4AAAAAAAAAZAAAAGQAAAAAAAAAZAAAAGQAAAAVAAAAYAAAAAAAAAAAAAAADwAAACADAAAAAAAAAAAAAAEAAACgMgAAVgcAAKr4//8BAAAAf39/AAEAAABkAAAAAAAAABQAAABAHwAAAAAAACYAAAAAAAAAwOD//wAAAAAmAAAAZAAAABYAAABMAAAAAAAAAAAAAAAEAAAAAAAAAAEAAADRSc4KAAAAACgAAAAoAAAAZAAAAGQAAAAAAAAAzMzMAAAAAABQAAAAUAAAAGQAAABkAAAAAAAAABcAAAAUAAAAAAAAAAAAAAD/fwAA/38AAAAAAAAJAAAABAAAAAAAAAAeAAAAaAAAAAAAAAAAAAAAAAAAAAAAAAAAAAAAECcAABAnAAAAAAAAAAAAAAAAAAAAAAAAAAAAAAAAAAAAAAAAAAAAABQAAAAAAAAAwMD/AAAAAABkAAAAMgAAAAAAAABkAAAAAAAAAH9/fwAKAAAAIgAAABgAAAAAAAAAAAAAAAAAAAAAAAAAAAAAAAAAAAAkAAAAJAAAAAAAAAAHAAAAAAAAAAAAAAAAAAAAAAAAAAAAAAAAAAAAf39/ACUAAABYAAAAAAAAAAAAAAAAAAAAAAAAAAAAAAAAAAAAAAAAAAAAAAAAAAAAAAAAAAAAAAA/AAAAAAAAAKCGAQAAAAAAAAAAAAAAAAAMAAAAAQAAAAAAAAAAAAAAAAAAAB8AAABUAAAA////AAAAAAEAAAAAAAAAAAAAAAAAAAAAAAAAAAAAAAAAAAAAAAAAAAAAAAB/f38AAAAAA8zMzADAwP8Af39/AAAAAAAAAAAAAAAAAAAAAAAAAAAAIQAAABgAAAAUAAAADCUAAGcHAABYNQAAKBAAABAAAAAmAAAACAAAAD0gAAAAAAAA"/>
+                <pr:smNativeData xmlns:pr="smNativeData" xmlns="smNativeData" val="SMDATA_15_8sFZZRMAAAAlAAAAZAAAAA0AAAAAAAAAAAAAAAAAAAAAAAAAAAAAAAAAAAAAAAAAAAEAAABQAAAAAAAAAAAA4D8AAAAAAADgPwAAAAAAAOA/AAAAAAAA4D8AAAAAAADgPwAAAAAAAOA/AAAAAAAA4D8AAAAAAADgPwAAAAAAAOA/AAAAAAAA4D8CAAAAjAAAAAAAAAAAAAAA////AP///wgAAAAAAAAAAAAAAAAAAAAAAAAAAAAAAAAAAAAAeAAAAAEAAABAAAAAAAAAAAAAAABaAAAAAAAAAAAAAAAAAAAAAAAAAAAAAAAAAAAAAAAAAAAAAAAAAAAAAAAAAAAAAAAAAAAAAAAAAAAAAAAAAAAAAAAAAAAAAAAAAAAAFAAAADwAAAAAAAAAAAAAAAAAAAAPAAAAAQAAACMAAAAjAAAAIwAAAB4AAAAAAAAAZAAAAGQAAAAAAAAAZAAAAGQAAAAVAAAAYAAAAAAAAAAAAAAADwAAACADAAAAAAAAAAAAAAEAAACgMgAAVgcAAKr4//8BAAAAf39/AAEAAABkAAAAAAAAABQAAABAHwAAAAAAACYAAAAAAAAAwOD//wAAAAAmAAAAZAAAABYAAABMAAAAAAAAAAAAAAAEAAAAAAAAAAEAAADRSc4KAAAAACgAAAAoAAAAZAAAAGQAAAAAAAAAzMzMAAAAAABQAAAAUAAAAGQAAABkAAAAAAAAABcAAAAUAAAAAAAAAAAAAAD/fwAA/38AAAAAAAAJAAAABAAAAAAAAAAeAAAAaAAAAAAAAAAAAAAAAAAAAAAAAAAAAAAAECcAABAnAAAAAAAAAAAAAAAAAAAAAAAAAAAAAAAAAAAAAAAAAAAAABQAAAAAAAAAwMD/AAAAAABkAAAAMgAAAAAAAABkAAAAAAAAAH9/fwAKAAAAIgAAABgAAAAAAAAAAAAAAAAAAAAAAAAAAAAAAAAAAAAkAAAAJAAAAAAAAAAHAAAAAAAAAAAAAAAAAAAAAAAAAAAAAAAAAAAAf39/ACUAAABYAAAAAAAAAAAAAAAAAAAAAAAAAAAAAAAAAAAAAAAAAAAAAAAAAAAAAAAAAAAAAAA/AAAAAAAAAKCGAQAAAAAAAAAAAAAAAAAMAAAAAQAAAAAAAAAAAAAAAAAAAB8AAABUAAAA////AAAAAAEAAAAAAAAAAAAAAAAAAAAAAAAAAAAAAAAAAAAAAAAAAAAAAAB/f38AAAAAA8zMzADAwP8Af39/AAAAAAAAAAAAAAAAAAAAAAAAAAAAIQAAABgAAAAUAAAADCUAAGcHAABYNQAAKBAAABAAAAAmAAAACAAAAD0gAAAAAAAA"/>
               </a:ext>
             </a:extLst>
           </p:cNvSpPr>
@@ -11002,7 +10905,7 @@
             <a:spLocks noGrp="1" noChangeArrowheads="1"/>
             <a:extLst>
               <a:ext uri="smNativeData">
-                <pr:smNativeData xmlns:pr="smNativeData" xmlns="smNativeData" val="SMDATA_15_37BZZRMAAAAlAAAAZAAAAA0AAAAAAAAAAAAAAAAAAAAAAAAAAAAAAAAAAAAAAAAAAAEAAABQAAAAAAAAAAAA4D8AAAAAAADgPwAAAAAAAOA/AAAAAAAA4D8AAAAAAADgPwAAAAAAAOA/AAAAAAAA4D8AAAAAAADgPwAAAAAAAOA/AAAAAAAA4D8CAAAAjAAAAAAAAAAAAAAA////AP///wgAAAAAAAAAAAAAAAAAAAAAAAAAAAAAAAAAAAAAeAAAAAEAAABAAAAAAAAAAAAAAABaAAAAAAAAAAAAAAAAAAAAAAAAAAAAAAAAAAAAAAAAAAAAAAAAAAAAAAAAAAAAAAAAAAAAAAAAAAAAAAAAAAAAAAAAAAAAAAAAAAAAFAAAADwAAAAAAAAAAAAAAAAAAAAPAAAAAQAAACMAAAAjAAAAIwAAAB4AAAAAAAAAZAAAAGQAAAAAAAAAZAAAAGQAAAAVAAAAYAAAAAAAAAAAAAAADwAAACADAAAAAAAAAAAAAAEAAACgMgAAVgcAAKr4//8BAAAAf39/AAEAAABkAAAAAAAAABQAAABAHwAAAAAAACYAAAAAAAAAwOD//wAAAAAmAAAAZAAAABYAAABMAAAAAAAAAAAAAAAEAAAAAAAAAAEAAADRSc4KAAAAACgAAAAoAAAAZAAAAGQAAAAAAAAAzMzMAAAAAABQAAAAUAAAAGQAAABkAAAAAAAAABcAAAAUAAAAAAAAAAAAAAD/fwAA/38AAAAAAAAJAAAABAAAAEqt5gAeAAAAaAAAAAAAAAAAAAAAAAAAAAAAAAAAAAAAECcAABAnAAAAAAAAAAAAAAAAAAAAAAAAAAAAAAAAAAAAAAAAAAAAABQAAAAAAAAAwMD/AAAAAABkAAAAMgAAAAAAAABkAAAAAAAAAH9/fwAKAAAAIgAAABgAAAAAAAAAAAAAAAAAAAAAAAAAAAAAAAAAAAAkAAAAJAAAAAAAAAAHAAAAAAAAAAAAAAAAAAAAAAAAAAAAAAAAAAAAf39/ACUAAABYAAAAAAAAAAAAAAAAAAAAAAAAAAAAAAAAAAAAAAAAAAAAAAAAAAAAAAAAAAAAAAA/AAAAAAAAAKCGAQAAAAAAAAAAAAAAAAAMAAAAAQAAAAAAAAAAAAAAAAAAAB8AAABUAAAA////AAAAAAEAAAAAAAAAAAAAAAAAAAAAAAAAAAAAAAAAAAAAAAAAAAAAAAB/f38AAAAAA8zMzADAwP8Af39/AAAAAAAAAAAAAAAAAAAAAAAAAAAAIQAAABgAAAAUAAAA0AIAAP0QAAAdEwAAvhkAABAAAAAmAAAACAAAAD0gAAAAAAAA"/>
+                <pr:smNativeData xmlns:pr="smNativeData" xmlns="smNativeData" val="SMDATA_15_8sFZZRMAAAAlAAAAZAAAAA0AAAAAAAAAAAAAAAAAAAAAAAAAAAAAAAAAAAAAAAAAAAEAAABQAAAAAAAAAAAA4D8AAAAAAADgPwAAAAAAAOA/AAAAAAAA4D8AAAAAAADgPwAAAAAAAOA/AAAAAAAA4D8AAAAAAADgPwAAAAAAAOA/AAAAAAAA4D8CAAAAjAAAAAAAAAAAAAAA////AP///wgAAAAAAAAAAAAAAAAAAAAAAAAAAAAAAAAAAAAAeAAAAAEAAABAAAAAAAAAAAAAAABaAAAAAAAAAAAAAAAAAAAAAAAAAAAAAAAAAAAAAAAAAAAAAAAAAAAAAAAAAAAAAAAAAAAAAAAAAAAAAAAAAAAAAAAAAAAAAAAAAAAAFAAAADwAAAAAAAAAAAAAAAAAAAAPAAAAAQAAACMAAAAjAAAAIwAAAB4AAAAAAAAAZAAAAGQAAAAAAAAAZAAAAGQAAAAVAAAAYAAAAAAAAAAAAAAADwAAACADAAAAAAAAAAAAAAEAAACgMgAAVgcAAKr4//8BAAAAf39/AAEAAABkAAAAAAAAABQAAABAHwAAAAAAACYAAAAAAAAAwOD//wAAAAAmAAAAZAAAABYAAABMAAAAAAAAAAAAAAAEAAAAAAAAAAEAAADRSc4KAAAAACgAAAAoAAAAZAAAAGQAAAAAAAAAzMzMAAAAAABQAAAAUAAAAGQAAABkAAAAAAAAABcAAAAUAAAAAAAAAAAAAAD/fwAA/38AAAAAAAAJAAAABAAAAAAAAAAeAAAAaAAAAAAAAAAAAAAAAAAAAAAAAAAAAAAAECcAABAnAAAAAAAAAAAAAAAAAAAAAAAAAAAAAAAAAAAAAAAAAAAAABQAAAAAAAAAwMD/AAAAAABkAAAAMgAAAAAAAABkAAAAAAAAAH9/fwAKAAAAIgAAABgAAAAAAAAAAAAAAAAAAAAAAAAAAAAAAAAAAAAkAAAAJAAAAAAAAAAHAAAAAAAAAAAAAAAAAAAAAAAAAAAAAAAAAAAAf39/ACUAAABYAAAAAAAAAAAAAAAAAAAAAAAAAAAAAAAAAAAAAAAAAAAAAAAAAAAAAAAAAAAAAAA/AAAAAAAAAKCGAQAAAAAAAAAAAAAAAAAMAAAAAQAAAAAAAAAAAAAAAAAAAB8AAABUAAAA////AAAAAAEAAAAAAAAAAAAAAAAAAAAAAAAAAAAAAAAAAAAAAAAAAAAAAAB/f38AAAAAA8zMzADAwP8Af39/AAAAAAAAAAAAAAAAAAAAAAAAAAAAIQAAABgAAAAUAAAA0AIAAP0QAAAdEwAAvhkAABAAAAAmAAAACAAAAD0gAAAAAAAA"/>
               </a:ext>
             </a:extLst>
           </p:cNvSpPr>
@@ -11038,7 +10941,7 @@
             <a:spLocks noGrp="1" noChangeArrowheads="1"/>
             <a:extLst>
               <a:ext uri="smNativeData">
-                <pr:smNativeData xmlns:pr="smNativeData" xmlns="smNativeData" val="SMDATA_15_37BZZRMAAAAlAAAAZAAAAA0AAAAAAAAAAAAAAAAAAAAAAAAAAAAAAAAAAAAAAAAAAAEAAABQAAAAAAAAAAAA4D8AAAAAAADgPwAAAAAAAOA/AAAAAAAA4D8AAAAAAADgPwAAAAAAAOA/AAAAAAAA4D8AAAAAAADgPwAAAAAAAOA/AAAAAAAA4D8CAAAAjAAAAAAAAAAAAAAA////AP///wgAAAAAAAAAAAAAAAAAAAAAAAAAAAAAAAAAAAAAeAAAAAEAAABAAAAAAAAAAAAAAABaAAAAAAAAAAAAAAAAAAAAAAAAAAAAAAAAAAAAAAAAAAAAAAAAAAAAAAAAAAAAAAAAAAAAAAAAAAAAAAAAAAAAAAAAAAAAAAAAAAAAFAAAADwAAAAAAAAAAAAAAAAAAAAPAAAAAQAAACMAAAAjAAAAIwAAAB4AAAAAAAAAZAAAAGQAAAAAAAAAZAAAAGQAAAAVAAAAYAAAAAAAAAAAAAAADwAAACADAAAAAAAAAAAAAAEAAACgMgAAVgcAAKr4//8BAAAAf39/AAEAAABkAAAAAAAAABQAAABAHwAAAAAAACYAAAAAAAAAwOD//wAAAAAmAAAAZAAAABYAAABMAAAAAAAAAAAAAAAEAAAAAAAAAAEAAADRSc4KAAAAACgAAAAoAAAAZAAAAGQAAAAAAAAAzMzMAAAAAABQAAAAUAAAAGQAAABkAAAAAAAAABcAAAAUAAAAAAAAAAAAAAD/fwAA/38AAAAAAAAJAAAABAAAAAAAAAAeAAAAaAAAAAAAAAAAAAAAAAAAAAAAAAAAAAAAECcAABAnAAAAAAAAAAAAAAAAAAAAAAAAAAAAAAAAAAAAAAAAAAAAABQAAAAAAAAAwMD/AAAAAABkAAAAMgAAAAAAAABkAAAAAAAAAH9/fwAKAAAAIgAAABgAAAAAAAAAAAAAAAAAAAAAAAAAAAAAAAAAAAAkAAAAJAAAAAAAAAAHAAAAAAAAAAAAAAAAAAAAAAAAAAAAAAAAAAAAf39/ACUAAABYAAAAAAAAAAAAAAAAAAAAAAAAAAAAAAAAAAAAAAAAAAAAAAAAAAAAAAAAAAAAAAA/AAAAAAAAAKCGAQAAAAAAAAAAAAAAAAAMAAAAAQAAAAAAAAAAAAAAAAAAAB8AAABUAAAA////AAAAAAEAAAAAAAAAAAAAAAAAAAAAAAAAAAAAAAAAAAAAAAAAAAAAAAB/f38AAAAAA8zMzADAwP8Af39/AAAAAAAAAAAAAAAAAAAAAAAAAAAAIQAAABgAAAAUAAAA7hMAAP0QAAA6JAAAvhkAABAAAAAmAAAACAAAAD0gAAAAAAAA"/>
+                <pr:smNativeData xmlns:pr="smNativeData" xmlns="smNativeData" val="SMDATA_15_8sFZZRMAAAAlAAAAZAAAAA0AAAAAAAAAAAAAAAAAAAAAAAAAAAAAAAAAAAAAAAAAAAEAAABQAAAAAAAAAAAA4D8AAAAAAADgPwAAAAAAAOA/AAAAAAAA4D8AAAAAAADgPwAAAAAAAOA/AAAAAAAA4D8AAAAAAADgPwAAAAAAAOA/AAAAAAAA4D8CAAAAjAAAAAAAAAAAAAAA////AP///wgAAAAAAAAAAAAAAAAAAAAAAAAAAAAAAAAAAAAAeAAAAAEAAABAAAAAAAAAAAAAAABaAAAAAAAAAAAAAAAAAAAAAAAAAAAAAAAAAAAAAAAAAAAAAAAAAAAAAAAAAAAAAAAAAAAAAAAAAAAAAAAAAAAAAAAAAAAAAAAAAAAAFAAAADwAAAAAAAAAAAAAAAAAAAAPAAAAAQAAACMAAAAjAAAAIwAAAB4AAAAAAAAAZAAAAGQAAAAAAAAAZAAAAGQAAAAVAAAAYAAAAAAAAAAAAAAADwAAACADAAAAAAAAAAAAAAEAAACgMgAAVgcAAKr4//8BAAAAf39/AAEAAABkAAAAAAAAABQAAABAHwAAAAAAACYAAAAAAAAAwOD//wAAAAAmAAAAZAAAABYAAABMAAAAAAAAAAAAAAAEAAAAAAAAAAEAAADRSc4KAAAAACgAAAAoAAAAZAAAAGQAAAAAAAAAzMzMAAAAAABQAAAAUAAAAGQAAABkAAAAAAAAABcAAAAUAAAAAAAAAAAAAAD/fwAA/38AAAAAAAAJAAAABAAAAAAAAAAeAAAAaAAAAAAAAAAAAAAAAAAAAAAAAAAAAAAAECcAABAnAAAAAAAAAAAAAAAAAAAAAAAAAAAAAAAAAAAAAAAAAAAAABQAAAAAAAAAwMD/AAAAAABkAAAAMgAAAAAAAABkAAAAAAAAAH9/fwAKAAAAIgAAABgAAAAAAAAAAAAAAAAAAAAAAAAAAAAAAAAAAAAkAAAAJAAAAAAAAAAHAAAAAAAAAAAAAAAAAAAAAAAAAAAAAAAAAAAAf39/ACUAAABYAAAAAAAAAAAAAAAAAAAAAAAAAAAAAAAAAAAAAAAAAAAAAAAAAAAAAAAAAAAAAAA/AAAAAAAAAKCGAQAAAAAAAAAAAAAAAAAMAAAAAQAAAAAAAAAAAAAAAAAAAB8AAABUAAAA////AAAAAAEAAAAAAAAAAAAAAAAAAAAAAAAAAAAAAAAAAAAAAAAAAAAAAAB/f38AAAAAA8zMzADAwP8Af39/AAAAAAAAAAAAAAAAAAAAAAAAAAAAIQAAABgAAAAUAAAA7hMAAP0QAAA6JAAAvhkAABAAAAAmAAAACAAAAD0gAAAAAAAA"/>
               </a:ext>
             </a:extLst>
           </p:cNvSpPr>
@@ -11074,7 +10977,7 @@
             <a:spLocks noGrp="1" noChangeArrowheads="1"/>
             <a:extLst>
               <a:ext uri="smNativeData">
-                <pr:smNativeData xmlns:pr="smNativeData" xmlns="smNativeData" val="SMDATA_15_37BZZRMAAAAlAAAAZAAAAA0AAAAAAAAAAAAAAAAAAAAAAAAAAAAAAAAAAAAAAAAAAAEAAABQAAAAAAAAAAAA4D8AAAAAAADgPwAAAAAAAOA/AAAAAAAA4D8AAAAAAADgPwAAAAAAAOA/AAAAAAAA4D8AAAAAAADgPwAAAAAAAOA/AAAAAAAA4D8CAAAAjAAAAAAAAAAAAAAA////AP///wgAAAAAAAAAAAAAAAAAAAAAAAAAAAAAAAAAAAAAeAAAAAEAAABAAAAAAAAAAAAAAABaAAAAAAAAAAAAAAAAAAAAAAAAAAAAAAAAAAAAAAAAAAAAAAAAAAAAAAAAAAAAAAAAAAAAAAAAAAAAAAAAAAAAAAAAAAAAAAAAAAAAFAAAADwAAAAAAAAAAAAAAAAAAAAPAAAAAQAAACMAAAAjAAAAIwAAAB4AAAAAAAAAZAAAAGQAAAAAAAAAZAAAAGQAAAAVAAAAYAAAAAAAAAAAAAAADwAAACADAAAAAAAAAAAAAAEAAACgMgAAVgcAAKr4//8BAAAAf39/AAEAAABkAAAAAAAAABQAAABAHwAAAAAAACYAAAAAAAAAwOD//wAAAAAmAAAAZAAAABYAAABMAAAAAAAAAAAAAAAEAAAAAAAAAAEAAADRSc4KAAAAACgAAAAoAAAAZAAAAGQAAAAAAAAAzMzMAAAAAABQAAAAUAAAAGQAAABkAAAAAAAAABcAAAAUAAAAAAAAAAAAAAD/fwAA/38AAAAAAAAJAAAABAAAAAAAAAAeAAAAaAAAAAAAAAAAAAAAAAAAAAAAAAAAAAAAECcAABAnAAAAAAAAAAAAAAAAAAAAAAAAAAAAAAAAAAAAAAAAAAAAABQAAAAAAAAAwMD/AAAAAABkAAAAMgAAAAAAAABkAAAAAAAAAH9/fwAKAAAAIgAAABgAAAAAAAAAAAAAAAAAAAAAAAAAAAAAAAAAAAAkAAAAJAAAAAAAAAAHAAAAAAAAAAAAAAAAAAAAAAAAAAAAAAAAAAAAf39/ACUAAABYAAAAAAAAAAAAAAAAAAAAAAAAAAAAAAAAAAAAAAAAAAAAAAAAAAAAAAAAAAAAAAA/AAAAAAAAAKCGAQAAAAAAAAAAAAAAAAAMAAAAAQAAAAAAAAAAAAAAAAAAAB8AAABUAAAA////AAAAAAEAAAAAAAAAAAAAAAAAAAAAAAAAAAAAAAAAAAAAAAAAAAAAAAB/f38AAAAAA8zMzADAwP8Af39/AAAAAAAAAAAAAAAAAAAAAAAAAAAAIQAAABgAAAAUAAAADCUAAP0QAABYNQAAvhkAABAAAAAmAAAACAAAAD0gAAAAAAAA"/>
+                <pr:smNativeData xmlns:pr="smNativeData" xmlns="smNativeData" val="SMDATA_15_8sFZZRMAAAAlAAAAZAAAAA0AAAAAAAAAAAAAAAAAAAAAAAAAAAAAAAAAAAAAAAAAAAEAAABQAAAAAAAAAAAA4D8AAAAAAADgPwAAAAAAAOA/AAAAAAAA4D8AAAAAAADgPwAAAAAAAOA/AAAAAAAA4D8AAAAAAADgPwAAAAAAAOA/AAAAAAAA4D8CAAAAjAAAAAAAAAAAAAAA////AP///wgAAAAAAAAAAAAAAAAAAAAAAAAAAAAAAAAAAAAAeAAAAAEAAABAAAAAAAAAAAAAAABaAAAAAAAAAAAAAAAAAAAAAAAAAAAAAAAAAAAAAAAAAAAAAAAAAAAAAAAAAAAAAAAAAAAAAAAAAAAAAAAAAAAAAAAAAAAAAAAAAAAAFAAAADwAAAAAAAAAAAAAAAAAAAAPAAAAAQAAACMAAAAjAAAAIwAAAB4AAAAAAAAAZAAAAGQAAAAAAAAAZAAAAGQAAAAVAAAAYAAAAAAAAAAAAAAADwAAACADAAAAAAAAAAAAAAEAAACgMgAAVgcAAKr4//8BAAAAf39/AAEAAABkAAAAAAAAABQAAABAHwAAAAAAACYAAAAAAAAAwOD//wAAAAAmAAAAZAAAABYAAABMAAAAAAAAAAAAAAAEAAAAAAAAAAEAAADRSc4KAAAAACgAAAAoAAAAZAAAAGQAAAAAAAAAzMzMAAAAAABQAAAAUAAAAGQAAABkAAAAAAAAABcAAAAUAAAAAAAAAAAAAAD/fwAA/38AAAAAAAAJAAAABAAAAAAAAAAeAAAAaAAAAAAAAAAAAAAAAAAAAAAAAAAAAAAAECcAABAnAAAAAAAAAAAAAAAAAAAAAAAAAAAAAAAAAAAAAAAAAAAAABQAAAAAAAAAwMD/AAAAAABkAAAAMgAAAAAAAABkAAAAAAAAAH9/fwAKAAAAIgAAABgAAAAAAAAAAAAAAAAAAAAAAAAAAAAAAAAAAAAkAAAAJAAAAAAAAAAHAAAAAAAAAAAAAAAAAAAAAAAAAAAAAAAAAAAAf39/ACUAAABYAAAAAAAAAAAAAAAAAAAAAAAAAAAAAAAAAAAAAAAAAAAAAAAAAAAAAAAAAAAAAAA/AAAAAAAAAKCGAQAAAAAAAAAAAAAAAAAMAAAAAQAAAAAAAAAAAAAAAAAAAB8AAABUAAAA////AAAAAAEAAAAAAAAAAAAAAAAAAAAAAAAAAAAAAAAAAAAAAAAAAAAAAAB/f38AAAAAA8zMzADAwP8Af39/AAAAAAAAAAAAAAAAAAAAAAAAAAAAIQAAABgAAAAUAAAADCUAAP0QAABYNQAAvhkAABAAAAAmAAAACAAAAD0gAAAAAAAA"/>
               </a:ext>
             </a:extLst>
           </p:cNvSpPr>
@@ -11160,7 +11063,7 @@
             <a:spLocks noGrp="1" noChangeArrowheads="1"/>
             <a:extLst>
               <a:ext uri="smNativeData">
-                <pr:smNativeData xmlns:pr="smNativeData" xmlns="smNativeData" val="SMDATA_15_37BZZRMAAAAlAAAAZAAAAE0AAAAAAAAAAAAAAAAAAAAAAAAAAAAAAAABAAAAAAAAAAEAAABQAAAAAAAAAAAA4D8AAAAAAADgPwAAAAAAAOA/AAAAAAAA4D8AAAAAAADgPwAAAAAAAOA/AAAAAAAA4D8AAAAAAADgPwAAAAAAAOA/AAAAAAAA4D8CAAAAjAAAAAAAAAAAAAAA////AP///wgAAAAAAAAAAAAAAAAAAAAAAAAAAAAAAAAAAAAAeAAAAAEAAABAAAAAAAAAAAAAAABaAAAAAAAAAAAAAAAAAAAAAAAAAAAAAAAAAAAAAAAAAAAAAAAAAAAAAAAAAAAAAAAAAAAAAAAAAAAAAAAAAAAAAAAAAAAAAAAAAAAAFAAAADwAAAAAAAAAAAAAAAAAAAAPAAAAAQAAACMAAAAjAAAAIwAAAB4AAAAAAAAAZAAAAGQAAAAAAAAAZAAAAGQAAAAVAAAAYAAAAAAAAAAAAAAADwAAACADAAAAAAAAAAAAAAEAAACgMgAAVgcAAKr4//8BAAAAf39/AAEAAABkAAAAAAAAABQAAABAHwAAAAAAACYAAAAAAAAAwOD//wAAAAAmAAAAZAAAABYAAABMAAAAAAAAAAAAAAAEAAAAAAAAAAEAAADRSc4KAAAAACgAAAAoAAAAZAAAAGQAAAAAAAAAzMzMAAAAAABQAAAAUAAAAGQAAABkAAAAAAAAABcAAAAUAAAAAAAAAAAAAAD/fwAA/38AAAAAAAAJAAAABAAAAF8AYAAeAAAAaAAAAAAAAAAAAAAAAAAAAAAAAAAAAAAAECcAABAnAAAAAAAAAAAAAAAAAAAAAAAAAAAAAAAAAAAAAAAAAAAAABQAAAAAAAAAwMD/AAAAAABkAAAAMgAAAAAAAABkAAAAAAAAAH9/fwAKAAAAIgAAABgAAAAAAAAAAAAAAAAAAAAAAAAAAAAAAAAAAAAkAAAAJAAAAAAAAAAHAAAAAAAAAAAAAAAAAAAAAAAAAAAAAAAAAAAAf39/ACUAAABYAAAAAAAAAAAAAAAAAAAAAAAAAAAAAAAAAAAAAAAAAAAAAAAAAAAAAAAAAAAAAAA/AAAAAAAAAKCGAQAAAAAAAAAAAAAAAAAMAAAAAQAAAAAAAAAAAAAAAAAAAB8AAABUAAAA////AAAAAAEAAAAAAAAAAAAAAAAAAAAAAAAAAAAAAAAAAAAAAAAAAAAAAAB/f38AAAAAA8zMzADAwP8Af39/AAAAAAAAAAAAAAAAAAAAAAAAAAAAIQAAABgAAAAUAAAA0AIAAA8AAABvNQAAwAcAABAgAAAmAAAACAAAAD0gAAAAAAAA"/>
+                <pr:smNativeData xmlns:pr="smNativeData" xmlns="smNativeData" val="SMDATA_15_8sFZZRMAAAAlAAAAZAAAAE0AAAAAAAAAAAAAAAAAAAAAAAAAAAAAAAABAAAAAAAAAAEAAABQAAAAAAAAAAAA4D8AAAAAAADgPwAAAAAAAOA/AAAAAAAA4D8AAAAAAADgPwAAAAAAAOA/AAAAAAAA4D8AAAAAAADgPwAAAAAAAOA/AAAAAAAA4D8CAAAAjAAAAAAAAAAAAAAA////AP///wgAAAAAAAAAAAAAAAAAAAAAAAAAAAAAAAAAAAAAeAAAAAEAAABAAAAAAAAAAAAAAABaAAAAAAAAAAAAAAAAAAAAAAAAAAAAAAAAAAAAAAAAAAAAAAAAAAAAAAAAAAAAAAAAAAAAAAAAAAAAAAAAAAAAAAAAAAAAAAAAAAAAFAAAADwAAAAAAAAAAAAAAAAAAAAPAAAAAQAAACMAAAAjAAAAIwAAAB4AAAAAAAAAZAAAAGQAAAAAAAAAZAAAAGQAAAAVAAAAYAAAAAAAAAAAAAAADwAAACADAAAAAAAAAAAAAAEAAACgMgAAVgcAAKr4//8BAAAAf39/AAEAAABkAAAAAAAAABQAAABAHwAAAAAAACYAAAAAAAAAwOD//wAAAAAmAAAAZAAAABYAAABMAAAAAAAAAAAAAAAEAAAAAAAAAAEAAADRSc4KAAAAACgAAAAoAAAAZAAAAGQAAAAAAAAAzMzMAAAAAABQAAAAUAAAAGQAAABkAAAAAAAAABcAAAAUAAAAAAAAAAAAAAD/fwAA/38AAAAAAAAJAAAABAAAAAAAAAAeAAAAaAAAAAAAAAAAAAAAAAAAAAAAAAAAAAAAECcAABAnAAAAAAAAAAAAAAAAAAAAAAAAAAAAAAAAAAAAAAAAAAAAABQAAAAAAAAAwMD/AAAAAABkAAAAMgAAAAAAAABkAAAAAAAAAH9/fwAKAAAAIgAAABgAAAAAAAAAAAAAAAAAAAAAAAAAAAAAAAAAAAAkAAAAJAAAAAAAAAAHAAAAAAAAAAAAAAAAAAAAAAAAAAAAAAAAAAAAf39/ACUAAABYAAAAAAAAAAAAAAAAAAAAAAAAAAAAAAAAAAAAAAAAAAAAAAAAAAAAAAAAAAAAAAA/AAAAAAAAAKCGAQAAAAAAAAAAAAAAAAAMAAAAAQAAAAAAAAAAAAAAAAAAAB8AAABUAAAA////AAAAAAEAAAAAAAAAAAAAAAAAAAAAAAAAAAAAAAAAAAAAAAAAAAAAAAB/f38AAAAAA8zMzADAwP8Af39/AAAAAAAAAAAAAAAAAAAAAAAAAAAAIQAAABgAAAAUAAAA0AIAAA8AAABvNQAAwAcAABAgAAAmAAAACAAAAD0gAAAAAAAA"/>
               </a:ext>
             </a:extLst>
           </p:cNvSpPr>
@@ -11193,7 +11096,7 @@
             <a:spLocks noGrp="1" noChangeArrowheads="1"/>
             <a:extLst>
               <a:ext uri="smNativeData">
-                <pr:smNativeData xmlns:pr="smNativeData" xmlns="smNativeData" val="SMDATA_15_37BZZRMAAAAlAAAAZAAAAE0AAAAAAAAAAAAAAAAAAAAAAAAAAAAAAAABAAAAAAAAAAEAAABQAAAAAAAAAAAA4D8AAAAAAADgPwAAAAAAAOA/AAAAAAAA4D8AAAAAAADgPwAAAAAAAOA/AAAAAAAA4D8AAAAAAADgPwAAAAAAAOA/AAAAAAAA4D8CAAAAjAAAAAAAAAAAAAAA////AP///wgAAAAAAAAAAAAAAAAAAAAAAAAAAAAAAAAAAAAAeAAAAAEAAABAAAAAAAAAAAAAAABaAAAAAAAAAAAAAAAAAAAAAAAAAAAAAAAAAAAAAAAAAAAAAAAAAAAAAAAAAAAAAAAAAAAAAAAAAAAAAAAAAAAAAAAAAAAAAAAAAAAAFAAAADwAAAAAAAAAAAAAAAAAAAAPAAAAAQAAACMAAAAjAAAAIwAAAB4AAAAAAAAAZAAAAGQAAAAAAAAAZAAAAGQAAAAVAAAAYAAAAAAAAAAAAAAADwAAACADAAAAAAAAAAAAAAEAAACgMgAAVgcAAKr4//8BAAAAf39/AAEAAABkAAAAAAAAABQAAABAHwAAAAAAACYAAAAAAAAAwOD//wAAAAAmAAAAZAAAABYAAABMAAAAAAAAAAAAAAAEAAAAAAAAAAEAAADRSc4KAAAAACgAAAAoAAAAZAAAAGQAAAAAAAAAzMzMAAAAAABQAAAAUAAAAGQAAABkAAAAAAAAABcAAAAUAAAAAAAAAAAAAAD/fwAA/38AAAAAAAAJAAAABAAAAAAAAAAeAAAAaAAAAAAAAAAAAAAAAAAAAAAAAAAAAAAAECcAABAnAAAAAAAAAAAAAAAAAAAAAAAAAAAAAAAAAAAAAAAAAAAAABQAAAAAAAAAwMD/AAAAAABkAAAAMgAAAAAAAABkAAAAAAAAAH9/fwAKAAAAIgAAABgAAAAAAAAAAAAAAAAAAAAAAAAAAAAAAAAAAAAkAAAAJAAAAAAAAAAHAAAAAAAAAAAAAAAAAAAAAAAAAAAAAAAAAAAAf39/ACUAAABYAAAAAAAAAAAAAAAAAAAAAAAAAAAAAAAAAAAAAAAAAAAAAAAAAAAAAAAAAAAAAAA/AAAAAAAAAKCGAQAAAAAAAAAAAAAAAAAMAAAAAQAAAAAAAAAAAAAAAAAAAB8AAABUAAAA////AAAAAAEAAAAAAAAAAAAAAAAAAAAAAAAAAAAAAAAAAAAAAAAAAAAAAAB/f38AAAAAA8zMzADAwP8Af39/AAAAAAAAAAAAAAAAAAAAAAAAAAAAIQAAABgAAAAUAAAA0AIAAGcHAABvNQAAwRkAABAgAAAmAAAACAAAAL0gAAAAAAAA"/>
+                <pr:smNativeData xmlns:pr="smNativeData" xmlns="smNativeData" val="SMDATA_15_8sFZZRMAAAAlAAAAZAAAAE0AAAAAAAAAAAAAAAAAAAAAAAAAAAAAAAABAAAAAAAAAAEAAABQAAAAAAAAAAAA4D8AAAAAAADgPwAAAAAAAOA/AAAAAAAA4D8AAAAAAADgPwAAAAAAAOA/AAAAAAAA4D8AAAAAAADgPwAAAAAAAOA/AAAAAAAA4D8CAAAAjAAAAAAAAAAAAAAA////AP///wgAAAAAAAAAAAAAAAAAAAAAAAAAAAAAAAAAAAAAeAAAAAEAAABAAAAAAAAAAAAAAABaAAAAAAAAAAAAAAAAAAAAAAAAAAAAAAAAAAAAAAAAAAAAAAAAAAAAAAAAAAAAAAAAAAAAAAAAAAAAAAAAAAAAAAAAAAAAAAAAAAAAFAAAADwAAAAAAAAAAAAAAAAAAAAPAAAAAQAAACMAAAAjAAAAIwAAAB4AAAAAAAAAZAAAAGQAAAAAAAAAZAAAAGQAAAAVAAAAYAAAAAAAAAAAAAAADwAAACADAAAAAAAAAAAAAAEAAACgMgAAVgcAAKr4//8BAAAAf39/AAEAAABkAAAAAAAAABQAAABAHwAAAAAAACYAAAAAAAAAwOD//wAAAAAmAAAAZAAAABYAAABMAAAAAAAAAAAAAAAEAAAAAAAAAAEAAADRSc4KAAAAACgAAAAoAAAAZAAAAGQAAAAAAAAAzMzMAAAAAABQAAAAUAAAAGQAAABkAAAAAAAAABcAAAAUAAAAAAAAAAAAAAD/fwAA/38AAAAAAAAJAAAABAAAAAAAAAAeAAAAaAAAAAAAAAAAAAAAAAAAAAAAAAAAAAAAECcAABAnAAAAAAAAAAAAAAAAAAAAAAAAAAAAAAAAAAAAAAAAAAAAABQAAAAAAAAAwMD/AAAAAABkAAAAMgAAAAAAAABkAAAAAAAAAH9/fwAKAAAAIgAAABgAAAAAAAAAAAAAAAAAAAAAAAAAAAAAAAAAAAAkAAAAJAAAAAAAAAAHAAAAAAAAAAAAAAAAAAAAAAAAAAAAAAAAAAAAf39/ACUAAABYAAAAAAAAAAAAAAAAAAAAAAAAAAAAAAAAAAAAAAAAAAAAAAAAAAAAAAAAAAAAAAA/AAAAAAAAAKCGAQAAAAAAAAAAAAAAAAAMAAAAAQAAAAAAAAAAAAAAAAAAAB8AAABUAAAA////AAAAAAEAAAAAAAAAAAAAAAAAAAAAAAAAAAAAAAAAAAAAAAAAAAAAAAB/f38AAAAAA8zMzADAwP8Af39/AAAAAAAAAAAAAAAAAAAAAAAAAAAAIQAAABgAAAAUAAAA0AIAAGcHAABvNQAAwRkAABAgAAAmAAAACAAAAL0gAAAAAAAA"/>
               </a:ext>
             </a:extLst>
           </p:cNvSpPr>
@@ -11251,7 +11154,7 @@
             <a:spLocks noGrp="1" noChangeArrowheads="1"/>
             <a:extLst>
               <a:ext uri="smNativeData">
-                <pr:smNativeData xmlns:pr="smNativeData" xmlns="smNativeData" val="SMDATA_15_37BZZRMAAAAlAAAAZAAAAE0AAAAAAAAAAAAAAAAAAAAAAAAAAAAAAAABAAAAAAAAAAEAAABQAAAAAAAAAAAA4D8AAAAAAADgPwAAAAAAAOA/AAAAAAAA4D8AAAAAAADgPwAAAAAAAOA/AAAAAAAA4D8AAAAAAADgPwAAAAAAAOA/AAAAAAAA4D8CAAAAjAAAAAAAAAAAAAAA////AP///wgAAAAAAAAAAAAAAAAAAAAAAAAAAAAAAAAAAAAAeAAAAAEAAABAAAAAAAAAAAAAAABaAAAAAAAAAAAAAAAAAAAAAAAAAAAAAAAAAAAAAAAAAAAAAAAAAAAAAAAAAAAAAAAAAAAAAAAAAAAAAAAAAAAAAAAAAAAAAAAAAAAAFAAAADwAAAAAAAAAAAAAAAAAAAAPAAAAAQAAACMAAAAjAAAAIwAAAB4AAAAAAAAAZAAAAGQAAAAAAAAAZAAAAGQAAAAVAAAAYAAAAAAAAAAAAAAADwAAACADAAAAAAAAAAAAAAEAAACgMgAAVgcAAKr4//8BAAAAf39/AAEAAABkAAAAAAAAABQAAABAHwAAAAAAACYAAAAAAAAAwOD//wAAAAAmAAAAZAAAABYAAABMAAAAAAAAAAAAAAAEAAAAAAAAAAEAAADRSc4KAAAAACgAAAAoAAAAZAAAAGQAAAAAAAAAzMzMAAAAAABQAAAAUAAAAGQAAABkAAAAAAAAABcAAAAUAAAAAAAAAAAAAAD/fwAA/38AAAAAAAAJAAAABAAAAC0tLQAeAAAAaAAAAAAAAAAAAAAAAAAAAAAAAAAAAAAAECcAABAnAAAAAAAAAAAAAAAAAAAAAAAAAAAAAAAAAAAAAAAAAAAAABQAAAAAAAAAwMD/AAAAAABkAAAAMgAAAAAAAABkAAAAAAAAAH9/fwAKAAAAIgAAABgAAAAAAAAAAAAAAAAAAAAAAAAAAAAAAAAAAAAkAAAAJAAAAAAAAAAHAAAAAAAAAAAAAAAAAAAAAAAAAAAAAAAAAAAAf39/ACUAAABYAAAAAAAAAAAAAAAAAAAAAAAAAAAAAAAAAAAAAAAAAAAAAAAAAAAAAAAAAAAAAAA/AAAAAAAAAKCGAQAAAAAAAAAAAAAAAAAMAAAAAQAAAAAAAAAAAAAAAAAAAB8AAABUAAAA////AAAAAAEAAAAAAAAAAAAAAAAAAAAAAAAAAAAAAAAAAAAAAAAAAAAAAAB/f38AAAAAA8zMzADAwP8Af39/AAAAAAAAAAAAAAAAAAAAAAAAAAAAIQAAABgAAAAUAAAA0AIAAA8AAABvNQAAwAcAABAgAAAmAAAACAAAAD0gAAAAAAAA"/>
+                <pr:smNativeData xmlns:pr="smNativeData" xmlns="smNativeData" val="SMDATA_15_8sFZZRMAAAAlAAAAZAAAAE0AAAAAAAAAAAAAAAAAAAAAAAAAAAAAAAABAAAAAAAAAAEAAABQAAAAAAAAAAAA4D8AAAAAAADgPwAAAAAAAOA/AAAAAAAA4D8AAAAAAADgPwAAAAAAAOA/AAAAAAAA4D8AAAAAAADgPwAAAAAAAOA/AAAAAAAA4D8CAAAAjAAAAAAAAAAAAAAA////AP///wgAAAAAAAAAAAAAAAAAAAAAAAAAAAAAAAAAAAAAeAAAAAEAAABAAAAAAAAAAAAAAABaAAAAAAAAAAAAAAAAAAAAAAAAAAAAAAAAAAAAAAAAAAAAAAAAAAAAAAAAAAAAAAAAAAAAAAAAAAAAAAAAAAAAAAAAAAAAAAAAAAAAFAAAADwAAAAAAAAAAAAAAAAAAAAPAAAAAQAAACMAAAAjAAAAIwAAAB4AAAAAAAAAZAAAAGQAAAAAAAAAZAAAAGQAAAAVAAAAYAAAAAAAAAAAAAAADwAAACADAAAAAAAAAAAAAAEAAACgMgAAVgcAAKr4//8BAAAAf39/AAEAAABkAAAAAAAAABQAAABAHwAAAAAAACYAAAAAAAAAwOD//wAAAAAmAAAAZAAAABYAAABMAAAAAAAAAAAAAAAEAAAAAAAAAAEAAADRSc4KAAAAACgAAAAoAAAAZAAAAGQAAAAAAAAAzMzMAAAAAABQAAAAUAAAAGQAAABkAAAAAAAAABcAAAAUAAAAAAAAAAAAAAD/fwAA/38AAAAAAAAJAAAABAAAAAAAAAAeAAAAaAAAAAAAAAAAAAAAAAAAAAAAAAAAAAAAECcAABAnAAAAAAAAAAAAAAAAAAAAAAAAAAAAAAAAAAAAAAAAAAAAABQAAAAAAAAAwMD/AAAAAABkAAAAMgAAAAAAAABkAAAAAAAAAH9/fwAKAAAAIgAAABgAAAAAAAAAAAAAAAAAAAAAAAAAAAAAAAAAAAAkAAAAJAAAAAAAAAAHAAAAAAAAAAAAAAAAAAAAAAAAAAAAAAAAAAAAf39/ACUAAABYAAAAAAAAAAAAAAAAAAAAAAAAAAAAAAAAAAAAAAAAAAAAAAAAAAAAAAAAAAAAAAA/AAAAAAAAAKCGAQAAAAAAAAAAAAAAAAAMAAAAAQAAAAAAAAAAAAAAAAAAAB8AAABUAAAA////AAAAAAEAAAAAAAAAAAAAAAAAAAAAAAAAAAAAAAAAAAAAAAAAAAAAAAB/f38AAAAAA8zMzADAwP8Af39/AAAAAAAAAAAAAAAAAAAAAAAAAAAAIQAAABgAAAAUAAAA0AIAAA8AAABvNQAAwAcAABAgAAAmAAAACAAAAD0gAAAAAAAA"/>
               </a:ext>
             </a:extLst>
           </p:cNvSpPr>
@@ -11284,7 +11187,7 @@
             <a:spLocks noGrp="1" noChangeArrowheads="1"/>
             <a:extLst>
               <a:ext uri="smNativeData">
-                <pr:smNativeData xmlns:pr="smNativeData" xmlns="smNativeData" val="SMDATA_15_37BZZRMAAAAlAAAAZAAAAA0AAAAAAAAAAAAAAAAAAAAAAAAAAAAAAAAAAAAAAAAAAAEAAABQAAAAAAAAAAAA4D8AAAAAAADgPwAAAAAAAOA/AAAAAAAA4D8AAAAAAADgPwAAAAAAAOA/AAAAAAAA4D8AAAAAAADgPwAAAAAAAOA/AAAAAAAA4D8CAAAAjAAAAAAAAAAAAAAA////AP///wgAAAAAAAAAAAAAAAAAAAAAAAAAAAAAAAAAAAAAeAAAAAEAAABAAAAAAAAAAAAAAABaAAAAAAAAAAAAAAAAAAAAAAAAAAAAAAAAAAAAAAAAAAAAAAAAAAAAAAAAAAAAAAAAAAAAAAAAAAAAAAAAAAAAAAAAAAAAAAAAAAAAFAAAADwAAAAAAAAAAAAAAAAAAAAPAAAAAQAAACMAAAAjAAAAIwAAAB4AAAAAAAAAZAAAAGQAAAAAAAAAZAAAAGQAAAAVAAAAYAAAAAAAAAAAAAAADwAAACADAAAAAAAAAAAAAAEAAACgMgAAVgcAAKr4//8BAAAAf39/AAEAAABkAAAAAAAAABQAAABAHwAAAAAAACYAAAAAAAAAwOD//wAAAAAmAAAAZAAAABYAAABMAAAAAAAAAAAAAAAEAAAAAAAAAAEAAADRSc4KAAAAACgAAAAoAAAAZAAAAGQAAAAAAAAAzMzMAAAAAABQAAAAUAAAAGQAAABkAAAAAAAAABcAAAAUAAAAAAAAAAAAAAD/fwAA/38AAAAAAAAJAAAABAAAAAAAAAAeAAAAaAAAAAAAAAAAAAAAAAAAAAAAAAAAAAAAECcAABAnAAAAAAAAAAAAAAAAAAAAAAAAAAAAAAAAAAAAAAAAAAAAABQAAAAAAAAAwMD/AAAAAABkAAAAMgAAAAAAAABkAAAAAAAAAH9/fwAKAAAAIgAAABgAAAAAAAAAAAAAAAAAAAAAAAAAAAAAAAAAAAAkAAAAJAAAAAAAAAAHAAAAAAAAAAAAAAAAAAAAAAAAAAAAAAAAAAAAf39/ACUAAABYAAAAAAAAAAAAAAAAAAAAAAAAAAAAAAAAAAAAAAAAAAAAAAAAAAAAAAAAAAAAAAA/AAAAAAAAAKCGAQAAAAAAAAAAAAAAAAAMAAAAAQAAAAAAAAAAAAAAAAAAAB8AAABUAAAA////AAAAAAEAAAAAAAAAAAAAAAAAAAAAAAAAAAAAAAAAAAAAAAAAAAAAAAB/f38AAAAAA8zMzADAwP8Af39/AAAAAAAAAAAAAAAAAAAAAAAAAAAAIQAAABgAAAAUAAAA0AIAAGcHAABvNQAAwRkAABAAAAAmAAAACAAAADwgAAAAAAAA"/>
+                <pr:smNativeData xmlns:pr="smNativeData" xmlns="smNativeData" val="SMDATA_15_8sFZZRMAAAAlAAAAZAAAAA0AAAAAAAAAAAAAAAAAAAAAAAAAAAAAAAAAAAAAAAAAAAEAAABQAAAAAAAAAAAA4D8AAAAAAADgPwAAAAAAAOA/AAAAAAAA4D8AAAAAAADgPwAAAAAAAOA/AAAAAAAA4D8AAAAAAADgPwAAAAAAAOA/AAAAAAAA4D8CAAAAjAAAAAAAAAAAAAAA////AP///wgAAAAAAAAAAAAAAAAAAAAAAAAAAAAAAAAAAAAAeAAAAAEAAABAAAAAAAAAAAAAAABaAAAAAAAAAAAAAAAAAAAAAAAAAAAAAAAAAAAAAAAAAAAAAAAAAAAAAAAAAAAAAAAAAAAAAAAAAAAAAAAAAAAAAAAAAAAAAAAAAAAAFAAAADwAAAAAAAAAAAAAAAAAAAAPAAAAAQAAACMAAAAjAAAAIwAAAB4AAAAAAAAAZAAAAGQAAAAAAAAAZAAAAGQAAAAVAAAAYAAAAAAAAAAAAAAADwAAACADAAAAAAAAAAAAAAEAAACgMgAAVgcAAKr4//8BAAAAf39/AAEAAABkAAAAAAAAABQAAABAHwAAAAAAACYAAAAAAAAAwOD//wAAAAAmAAAAZAAAABYAAABMAAAAAAAAAAAAAAAEAAAAAAAAAAEAAADRSc4KAAAAACgAAAAoAAAAZAAAAGQAAAAAAAAAzMzMAAAAAABQAAAAUAAAAGQAAABkAAAAAAAAABcAAAAUAAAAAAAAAAAAAAD/fwAA/38AAAAAAAAJAAAABAAAAAAAAAAeAAAAaAAAAAAAAAAAAAAAAAAAAAAAAAAAAAAAECcAABAnAAAAAAAAAAAAAAAAAAAAAAAAAAAAAAAAAAAAAAAAAAAAABQAAAAAAAAAwMD/AAAAAABkAAAAMgAAAAAAAABkAAAAAAAAAH9/fwAKAAAAIgAAABgAAAAAAAAAAAAAAAAAAAAAAAAAAAAAAAAAAAAkAAAAJAAAAAAAAAAHAAAAAAAAAAAAAAAAAAAAAAAAAAAAAAAAAAAAf39/ACUAAABYAAAAAAAAAAAAAAAAAAAAAAAAAAAAAAAAAAAAAAAAAAAAAAAAAAAAAAAAAAAAAAA/AAAAAAAAAKCGAQAAAAAAAAAAAAAAAAAMAAAAAQAAAAAAAAAAAAAAAAAAAB8AAABUAAAA////AAAAAAEAAAAAAAAAAAAAAAAAAAAAAAAAAAAAAAAAAAAAAAAAAAAAAAB/f38AAAAAA8zMzADAwP8Af39/AAAAAAAAAAAAAAAAAAAAAAAAAAAAIQAAABgAAAAUAAAA0AIAAGcHAABvNQAAwRkAABAAAAAmAAAACAAAADwgAAAAAAAA"/>
               </a:ext>
             </a:extLst>
           </p:cNvSpPr>
@@ -11337,7 +11240,7 @@
             <a:spLocks noGrp="1" noChangeArrowheads="1"/>
             <a:extLst>
               <a:ext uri="smNativeData">
-                <pr:smNativeData xmlns:pr="smNativeData" xmlns="smNativeData" val="SMDATA_15_37BZZRMAAAAlAAAAZAAAAE0AAAAAAAAAAAAAAAAAAAAAAAAAAAAAAAABAAAAAAAAAAEAAABQAAAAAAAAAAAA4D8AAAAAAADgPwAAAAAAAOA/AAAAAAAA4D8AAAAAAADgPwAAAAAAAOA/AAAAAAAA4D8AAAAAAADgPwAAAAAAAOA/AAAAAAAA4D8CAAAAjAAAAAAAAAAAAAAA////AP///wgAAAAAAAAAAAAAAAAAAAAAAAAAAAAAAAAAAAAAeAAAAAEAAABAAAAAAAAAAAAAAABaAAAAAAAAAAAAAAAAAAAAAAAAAAAAAAAAAAAAAAAAAAAAAAAAAAAAAAAAAAAAAAAAAAAAAAAAAAAAAAAAAAAAAAAAAAAAAAAAAAAAFAAAADwAAAAAAAAAAAAAAAAAAAAPAAAAAQAAACMAAAAjAAAAIwAAAB4AAAAAAAAAZAAAAGQAAAAAAAAAZAAAAGQAAAAVAAAAYAAAAAAAAAAAAAAADwAAACADAAAAAAAAAAAAAAEAAACgMgAAVgcAAKr4//8BAAAAf39/AAEAAABkAAAAAAAAABQAAABAHwAAAAAAACYAAAAAAAAAwOD//wAAAAAmAAAAZAAAABYAAABMAAAAAAAAAAAAAAAEAAAAAAAAAAEAAADRSc4KAAAAACgAAAAoAAAAZAAAAGQAAAAAAAAAzMzMAAAAAABQAAAAUAAAAGQAAABkAAAAAAAAABcAAAAUAAAAAAAAAAAAAAD/fwAA/38AAAAAAAAJAAAABAAAAAAAAAAeAAAAaAAAAAAAAAAAAAAAAAAAAAAAAAAAAAAAECcAABAnAAAAAAAAAAAAAAAAAAAAAAAAAAAAAAAAAAAAAAAAAAAAABQAAAAAAAAAwMD/AAAAAABkAAAAMgAAAAAAAABkAAAAAAAAAH9/fwAKAAAAIgAAABgAAAAAAAAAAAAAAAAAAAAAAAAAAAAAAAAAAAAkAAAAJAAAAAAAAAAHAAAAAAAAAAAAAAAAAAAAAAAAAAAAAAAAAAAAf39/ACUAAABYAAAAAAAAAAAAAAAAAAAAAAAAAAAAAAAAAAAAAAAAAAAAAAAAAAAAAAAAAAAAAAA/AAAAAAAAAKCGAQAAAAAAAAAAAAAAAAAMAAAAAQAAAAAAAAAAAAAAAAAAAB8AAABUAAAA////AAAAAAEAAAAAAAAAAAAAAAAAAAAAAAAAAAAAAAAAAAAAAAAAAAAAAAB/f38AAAAAA8zMzADAwP8Af39/AAAAAAAAAAAAAAAAAAAAAAAAAAAAIQAAABgAAAAUAAAA0AIAAA8AAABvNQAAwAcAABAgAAAmAAAACAAAAD0gAAAAAAAA"/>
+                <pr:smNativeData xmlns:pr="smNativeData" xmlns="smNativeData" val="SMDATA_15_8sFZZRMAAAAlAAAAZAAAAE0AAAAAAAAAAAAAAAAAAAAAAAAAAAAAAAABAAAAAAAAAAEAAABQAAAAAAAAAAAA4D8AAAAAAADgPwAAAAAAAOA/AAAAAAAA4D8AAAAAAADgPwAAAAAAAOA/AAAAAAAA4D8AAAAAAADgPwAAAAAAAOA/AAAAAAAA4D8CAAAAjAAAAAAAAAAAAAAA////AP///wgAAAAAAAAAAAAAAAAAAAAAAAAAAAAAAAAAAAAAeAAAAAEAAABAAAAAAAAAAAAAAABaAAAAAAAAAAAAAAAAAAAAAAAAAAAAAAAAAAAAAAAAAAAAAAAAAAAAAAAAAAAAAAAAAAAAAAAAAAAAAAAAAAAAAAAAAAAAAAAAAAAAFAAAADwAAAAAAAAAAAAAAAAAAAAPAAAAAQAAACMAAAAjAAAAIwAAAB4AAAAAAAAAZAAAAGQAAAAAAAAAZAAAAGQAAAAVAAAAYAAAAAAAAAAAAAAADwAAACADAAAAAAAAAAAAAAEAAACgMgAAVgcAAKr4//8BAAAAf39/AAEAAABkAAAAAAAAABQAAABAHwAAAAAAACYAAAAAAAAAwOD//wAAAAAmAAAAZAAAABYAAABMAAAAAAAAAAAAAAAEAAAAAAAAAAEAAADRSc4KAAAAACgAAAAoAAAAZAAAAGQAAAAAAAAAzMzMAAAAAABQAAAAUAAAAGQAAABkAAAAAAAAABcAAAAUAAAAAAAAAAAAAAD/fwAA/38AAAAAAAAJAAAABAAAAAAAAAAeAAAAaAAAAAAAAAAAAAAAAAAAAAAAAAAAAAAAECcAABAnAAAAAAAAAAAAAAAAAAAAAAAAAAAAAAAAAAAAAAAAAAAAABQAAAAAAAAAwMD/AAAAAABkAAAAMgAAAAAAAABkAAAAAAAAAH9/fwAKAAAAIgAAABgAAAAAAAAAAAAAAAAAAAAAAAAAAAAAAAAAAAAkAAAAJAAAAAAAAAAHAAAAAAAAAAAAAAAAAAAAAAAAAAAAAAAAAAAAf39/ACUAAABYAAAAAAAAAAAAAAAAAAAAAAAAAAAAAAAAAAAAAAAAAAAAAAAAAAAAAAAAAAAAAAA/AAAAAAAAAKCGAQAAAAAAAAAAAAAAAAAMAAAAAQAAAAAAAAAAAAAAAAAAAB8AAABUAAAA////AAAAAAEAAAAAAAAAAAAAAAAAAAAAAAAAAAAAAAAAAAAAAAAAAAAAAAB/f38AAAAAA8zMzADAwP8Af39/AAAAAAAAAAAAAAAAAAAAAAAAAAAAIQAAABgAAAAUAAAA0AIAAA8AAABvNQAAwAcAABAgAAAmAAAACAAAAD0gAAAAAAAA"/>
               </a:ext>
             </a:extLst>
           </p:cNvSpPr>
@@ -11370,7 +11273,7 @@
             <a:spLocks noGrp="1" noChangeArrowheads="1"/>
             <a:extLst>
               <a:ext uri="smNativeData">
-                <pr:smNativeData xmlns:pr="smNativeData" xmlns="smNativeData" val="SMDATA_15_37BZZRMAAAAlAAAAZAAAAA0AAAAAAAAAAAAAAAAAAAAAAAAAAAAAAAAAAAAAAAAAAAEAAABQAAAAAAAAAAAA4D8AAAAAAADgPwAAAAAAAOA/AAAAAAAA4D8AAAAAAADgPwAAAAAAAOA/AAAAAAAA4D8AAAAAAADgPwAAAAAAAOA/AAAAAAAA4D8CAAAAjAAAAAAAAAAAAAAA////AP///wgAAAAAAAAAAAAAAAAAAAAAAAAAAAAAAAAAAAAAeAAAAAEAAABAAAAAAAAAAAAAAABaAAAAAAAAAAAAAAAAAAAAAAAAAAAAAAAAAAAAAAAAAAAAAAAAAAAAAAAAAAAAAAAAAAAAAAAAAAAAAAAAAAAAAAAAAAAAAAAAAAAAFAAAADwAAAAAAAAAAAAAAAAAAAAPAAAAAQAAACMAAAAjAAAAIwAAAB4AAAAAAAAAZAAAAGQAAAAAAAAAZAAAAGQAAAAVAAAAYAAAAAAAAAAAAAAADwAAACADAAAAAAAAAAAAAAEAAACgMgAAVgcAAKr4//8BAAAAf39/AAEAAABkAAAAAAAAABQAAABAHwAAAAAAACYAAAAAAAAAwOD//wAAAAAmAAAAZAAAABYAAABMAAAAAAAAAAAAAAAEAAAAAAAAAAEAAADRSc4KAAAAACgAAAAoAAAAZAAAAGQAAAAAAAAAzMzMAAAAAABQAAAAUAAAAGQAAABkAAAAAAAAABcAAAAUAAAAAAAAAAAAAAD/fwAA/38AAAAAAAAJAAAABAAAAAAAAAAeAAAAaAAAAAAAAAAAAAAAAAAAAAAAAAAAAAAAECcAABAnAAAAAAAAAAAAAAAAAAAAAAAAAAAAAAAAAAAAAAAAAAAAABQAAAAAAAAAwMD/AAAAAABkAAAAMgAAAAAAAABkAAAAAAAAAH9/fwAKAAAAIgAAABgAAAAAAAAAAAAAAAAAAAAAAAAAAAAAAAAAAAAkAAAAJAAAAAAAAAAHAAAAAAAAAAAAAAAAAAAAAAAAAAAAAAAAAAAAf39/ACUAAABYAAAAAAAAAAAAAAAAAAAAAAAAAAAAAAAAAAAAAAAAAAAAAAAAAAAAAAAAAAAAAAA/AAAAAAAAAKCGAQAAAAAAAAAAAAAAAAAMAAAAAQAAAAAAAAAAAAAAAAAAAB8AAABUAAAA////AAAAAAEAAAAAAAAAAAAAAAAAAAAAAAAAAAAAAAAAAAAAAAAAAAAAAAB/f38AAAAAA8zMzADAwP8Af39/AAAAAAAAAAAAAAAAAAAAAAAAAAAAIQAAABgAAAAUAAAA0AIAAGcHAACEGwAAwRkAABAAAAAmAAAACAAAAD0gAAAAAAAA"/>
+                <pr:smNativeData xmlns:pr="smNativeData" xmlns="smNativeData" val="SMDATA_15_8sFZZRMAAAAlAAAAZAAAAA0AAAAAAAAAAAAAAAAAAAAAAAAAAAAAAAAAAAAAAAAAAAEAAABQAAAAAAAAAAAA4D8AAAAAAADgPwAAAAAAAOA/AAAAAAAA4D8AAAAAAADgPwAAAAAAAOA/AAAAAAAA4D8AAAAAAADgPwAAAAAAAOA/AAAAAAAA4D8CAAAAjAAAAAAAAAAAAAAA////AP///wgAAAAAAAAAAAAAAAAAAAAAAAAAAAAAAAAAAAAAeAAAAAEAAABAAAAAAAAAAAAAAABaAAAAAAAAAAAAAAAAAAAAAAAAAAAAAAAAAAAAAAAAAAAAAAAAAAAAAAAAAAAAAAAAAAAAAAAAAAAAAAAAAAAAAAAAAAAAAAAAAAAAFAAAADwAAAAAAAAAAAAAAAAAAAAPAAAAAQAAACMAAAAjAAAAIwAAAB4AAAAAAAAAZAAAAGQAAAAAAAAAZAAAAGQAAAAVAAAAYAAAAAAAAAAAAAAADwAAACADAAAAAAAAAAAAAAEAAACgMgAAVgcAAKr4//8BAAAAf39/AAEAAABkAAAAAAAAABQAAABAHwAAAAAAACYAAAAAAAAAwOD//wAAAAAmAAAAZAAAABYAAABMAAAAAAAAAAAAAAAEAAAAAAAAAAEAAADRSc4KAAAAACgAAAAoAAAAZAAAAGQAAAAAAAAAzMzMAAAAAABQAAAAUAAAAGQAAABkAAAAAAAAABcAAAAUAAAAAAAAAAAAAAD/fwAA/38AAAAAAAAJAAAABAAAAAAAAAAeAAAAaAAAAAAAAAAAAAAAAAAAAAAAAAAAAAAAECcAABAnAAAAAAAAAAAAAAAAAAAAAAAAAAAAAAAAAAAAAAAAAAAAABQAAAAAAAAAwMD/AAAAAABkAAAAMgAAAAAAAABkAAAAAAAAAH9/fwAKAAAAIgAAABgAAAAAAAAAAAAAAAAAAAAAAAAAAAAAAAAAAAAkAAAAJAAAAAAAAAAHAAAAAAAAAAAAAAAAAAAAAAAAAAAAAAAAAAAAf39/ACUAAABYAAAAAAAAAAAAAAAAAAAAAAAAAAAAAAAAAAAAAAAAAAAAAAAAAAAAAAAAAAAAAAA/AAAAAAAAAKCGAQAAAAAAAAAAAAAAAAAMAAAAAQAAAAAAAAAAAAAAAAAAAB8AAABUAAAA////AAAAAAEAAAAAAAAAAAAAAAAAAAAAAAAAAAAAAAAAAAAAAAAAAAAAAAB/f38AAAAAA8zMzADAwP8Af39/AAAAAAAAAAAAAAAAAAAAAAAAAAAAIQAAABgAAAAUAAAA0AIAAGcHAACEGwAAwRkAABAAAAAmAAAACAAAAD0gAAAAAAAA"/>
               </a:ext>
             </a:extLst>
           </p:cNvSpPr>
@@ -11403,7 +11306,7 @@
             <a:spLocks noGrp="1" noChangeArrowheads="1"/>
             <a:extLst>
               <a:ext uri="smNativeData">
-                <pr:smNativeData xmlns:pr="smNativeData" xmlns="smNativeData" val="SMDATA_15_37BZZRMAAAAlAAAAZAAAAA0AAAAAAAAAAAAAAAAAAAAAAAAAAAAAAAAAAAAAAAAAAAEAAABQAAAAAAAAAAAA4D8AAAAAAADgPwAAAAAAAOA/AAAAAAAA4D8AAAAAAADgPwAAAAAAAOA/AAAAAAAA4D8AAAAAAADgPwAAAAAAAOA/AAAAAAAA4D8CAAAAjAAAAAAAAAAAAAAA////AP///wgAAAAAAAAAAAAAAAAAAAAAAAAAAAAAAAAAAAAAeAAAAAEAAABAAAAAAAAAAAAAAABaAAAAAAAAAAAAAAAAAAAAAAAAAAAAAAAAAAAAAAAAAAAAAAAAAAAAAAAAAAAAAAAAAAAAAAAAAAAAAAAAAAAAAAAAAAAAAAAAAAAAFAAAADwAAAAAAAAAAAAAAAAAAAAPAAAAAQAAACMAAAAjAAAAIwAAAB4AAAAAAAAAZAAAAGQAAAAAAAAAZAAAAGQAAAAVAAAAYAAAAAAAAAAAAAAADwAAACADAAAAAAAAAAAAAAEAAACgMgAAVgcAAKr4//8BAAAAf39/AAEAAABkAAAAAAAAABQAAABAHwAAAAAAACYAAAAAAAAAwOD//wAAAAAmAAAAZAAAABYAAABMAAAAAAAAAAAAAAAEAAAAAAAAAAEAAADRSc4KAAAAACgAAAAoAAAAZAAAAGQAAAAAAAAAzMzMAAAAAABQAAAAUAAAAGQAAABkAAAAAAAAABcAAAAUAAAAAAAAAAAAAAD/fwAA/38AAAAAAAAJAAAABAAAAF8AYAAeAAAAaAAAAAAAAAAAAAAAAAAAAAAAAAAAAAAAECcAABAnAAAAAAAAAAAAAAAAAAAAAAAAAAAAAAAAAAAAAAAAAAAAABQAAAAAAAAAwMD/AAAAAABkAAAAMgAAAAAAAABkAAAAAAAAAH9/fwAKAAAAIgAAABgAAAAAAAAAAAAAAAAAAAAAAAAAAAAAAAAAAAAkAAAAJAAAAAAAAAAHAAAAAAAAAAAAAAAAAAAAAAAAAAAAAAAAAAAAf39/ACUAAABYAAAAAAAAAAAAAAAAAAAAAAAAAAAAAAAAAAAAAAAAAAAAAAAAAAAAAAAAAAAAAAA/AAAAAAAAAKCGAQAAAAAAAAAAAAAAAAAMAAAAAQAAAAAAAAAAAAAAAAAAAB8AAABUAAAA////AAAAAAEAAAAAAAAAAAAAAAAAAAAAAAAAAAAAAAAAAAAAAAAAAAAAAAB/f38AAAAAA8zMzADAwP8Af39/AAAAAAAAAAAAAAAAAAAAAAAAAAAAIQAAABgAAAAUAAAAwRwAAGcHAAB1NQAAwRkAABAAAAAmAAAACAAAAD0gAAAAAAAA"/>
+                <pr:smNativeData xmlns:pr="smNativeData" xmlns="smNativeData" val="SMDATA_15_8sFZZRMAAAAlAAAAZAAAAA0AAAAAAAAAAAAAAAAAAAAAAAAAAAAAAAAAAAAAAAAAAAEAAABQAAAAAAAAAAAA4D8AAAAAAADgPwAAAAAAAOA/AAAAAAAA4D8AAAAAAADgPwAAAAAAAOA/AAAAAAAA4D8AAAAAAADgPwAAAAAAAOA/AAAAAAAA4D8CAAAAjAAAAAAAAAAAAAAA////AP///wgAAAAAAAAAAAAAAAAAAAAAAAAAAAAAAAAAAAAAeAAAAAEAAABAAAAAAAAAAAAAAABaAAAAAAAAAAAAAAAAAAAAAAAAAAAAAAAAAAAAAAAAAAAAAAAAAAAAAAAAAAAAAAAAAAAAAAAAAAAAAAAAAAAAAAAAAAAAAAAAAAAAFAAAADwAAAAAAAAAAAAAAAAAAAAPAAAAAQAAACMAAAAjAAAAIwAAAB4AAAAAAAAAZAAAAGQAAAAAAAAAZAAAAGQAAAAVAAAAYAAAAAAAAAAAAAAADwAAACADAAAAAAAAAAAAAAEAAACgMgAAVgcAAKr4//8BAAAAf39/AAEAAABkAAAAAAAAABQAAABAHwAAAAAAACYAAAAAAAAAwOD//wAAAAAmAAAAZAAAABYAAABMAAAAAAAAAAAAAAAEAAAAAAAAAAEAAADRSc4KAAAAACgAAAAoAAAAZAAAAGQAAAAAAAAAzMzMAAAAAABQAAAAUAAAAGQAAABkAAAAAAAAABcAAAAUAAAAAAAAAAAAAAD/fwAA/38AAAAAAAAJAAAABAAAAAEAAAAeAAAAaAAAAAAAAAAAAAAAAAAAAAAAAAAAAAAAECcAABAnAAAAAAAAAAAAAAAAAAAAAAAAAAAAAAAAAAAAAAAAAAAAABQAAAAAAAAAwMD/AAAAAABkAAAAMgAAAAAAAABkAAAAAAAAAH9/fwAKAAAAIgAAABgAAAAAAAAAAAAAAAAAAAAAAAAAAAAAAAAAAAAkAAAAJAAAAAAAAAAHAAAAAAAAAAAAAAAAAAAAAAAAAAAAAAAAAAAAf39/ACUAAABYAAAAAAAAAAAAAAAAAAAAAAAAAAAAAAAAAAAAAAAAAAAAAAAAAAAAAAAAAAAAAAA/AAAAAAAAAKCGAQAAAAAAAAAAAAAAAAAMAAAAAQAAAAAAAAAAAAAAAAAAAB8AAABUAAAA////AAAAAAEAAAAAAAAAAAAAAAAAAAAAAAAAAAAAAAAAAAAAAAAAAAAAAAB/f38AAAAAA8zMzADAwP8Af39/AAAAAAAAAAAAAAAAAAAAAAAAAAAAIQAAABgAAAAUAAAAwRwAAGcHAAB1NQAAwRkAABAAAAAmAAAACAAAAD0gAAAAAAAA"/>
               </a:ext>
             </a:extLst>
           </p:cNvSpPr>
@@ -11461,7 +11364,7 @@
             <a:spLocks noGrp="1" noChangeArrowheads="1"/>
             <a:extLst>
               <a:ext uri="smNativeData">
-                <pr:smNativeData xmlns:pr="smNativeData" xmlns="smNativeData" val="SMDATA_15_37BZZRMAAAAlAAAAZAAAAE0AAAAAAAAAAAAAAAAAAAAAAAAAAAAAAAABAAAAAAAAAAEAAABQAAAAAAAAAAAA4D8AAAAAAADgPwAAAAAAAOA/AAAAAAAA4D8AAAAAAADgPwAAAAAAAOA/AAAAAAAA4D8AAAAAAADgPwAAAAAAAOA/AAAAAAAA4D8CAAAAjAAAAAAAAAAAAAAA////AP///wgAAAAAAAAAAAAAAAAAAAAAAAAAAAAAAAAAAAAAeAAAAAEAAABAAAAAAAAAAAAAAABaAAAAAAAAAAAAAAAAAAAAAAAAAAAAAAAAAAAAAAAAAAAAAAAAAAAAAAAAAAAAAAAAAAAAAAAAAAAAAAAAAAAAAAAAAAAAAAAAAAAAFAAAADwAAAAAAAAAAAAAAAAAAAAPAAAAAQAAACMAAAAjAAAAIwAAAB4AAAAAAAAAZAAAAGQAAAAAAAAAZAAAAGQAAAAVAAAAYAAAAAAAAAAAAAAADwAAACADAAAAAAAAAAAAAAEAAACgMgAAVgcAAKr4//8BAAAAf39/AAEAAABkAAAAAAAAABQAAABAHwAAAAAAACYAAAAAAAAAwOD//wAAAAAmAAAAZAAAABYAAABMAAAAAAAAAAAAAAAEAAAAAAAAAAEAAADRSc4KAAAAACgAAAAoAAAAZAAAAGQAAAAAAAAAzMzMAAAAAABQAAAAUAAAAGQAAABkAAAAAAAAABcAAAAUAAAAAAAAAAAAAAD/fwAA/38AAAAAAAAJAAAABAAAAAAAAAAeAAAAaAAAAAAAAAAAAAAAAAAAAAAAAAAAAAAAECcAABAnAAAAAAAAAAAAAAAAAAAAAAAAAAAAAAAAAAAAAAAAAAAAABQAAAAAAAAAwMD/AAAAAABkAAAAMgAAAAAAAABkAAAAAAAAAH9/fwAKAAAAIgAAABgAAAAAAAAAAAAAAAAAAAAAAAAAAAAAAAAAAAAkAAAAJAAAAAAAAAAHAAAAAAAAAAAAAAAAAAAAAAAAAAAAAAAAAAAAf39/ACUAAABYAAAAAAAAAAAAAAAAAAAAAAAAAAAAAAAAAAAAAAAAAAAAAAAAAAAAAAAAAAAAAAA/AAAAAAAAAKCGAQAAAAAAAAAAAAAAAAAMAAAAAQAAAAAAAAAAAAAAAAAAAB8AAABUAAAA////AAAAAAEAAAAAAAAAAAAAAAAAAAAAAAAAAAAAAAAAAAAAAAAAAAAAAAB/f38AAAAAA8zMzADAwP8Af39/AAAAAAAAAAAAAAAAAAAAAAAAAAAAIQAAABgAAAAUAAAA0AIAAA8AAABvNQAAwAcAABAgAAAmAAAACAAAAD0gAAAAAAAA"/>
+                <pr:smNativeData xmlns:pr="smNativeData" xmlns="smNativeData" val="SMDATA_15_8sFZZRMAAAAlAAAAZAAAAE0AAAAAAAAAAAAAAAAAAAAAAAAAAAAAAAABAAAAAAAAAAEAAABQAAAAAAAAAAAA4D8AAAAAAADgPwAAAAAAAOA/AAAAAAAA4D8AAAAAAADgPwAAAAAAAOA/AAAAAAAA4D8AAAAAAADgPwAAAAAAAOA/AAAAAAAA4D8CAAAAjAAAAAAAAAAAAAAA////AP///wgAAAAAAAAAAAAAAAAAAAAAAAAAAAAAAAAAAAAAeAAAAAEAAABAAAAAAAAAAAAAAABaAAAAAAAAAAAAAAAAAAAAAAAAAAAAAAAAAAAAAAAAAAAAAAAAAAAAAAAAAAAAAAAAAAAAAAAAAAAAAAAAAAAAAAAAAAAAAAAAAAAAFAAAADwAAAAAAAAAAAAAAAAAAAAPAAAAAQAAACMAAAAjAAAAIwAAAB4AAAAAAAAAZAAAAGQAAAAAAAAAZAAAAGQAAAAVAAAAYAAAAAAAAAAAAAAADwAAACADAAAAAAAAAAAAAAEAAACgMgAAVgcAAKr4//8BAAAAf39/AAEAAABkAAAAAAAAABQAAABAHwAAAAAAACYAAAAAAAAAwOD//wAAAAAmAAAAZAAAABYAAABMAAAAAAAAAAAAAAAEAAAAAAAAAAEAAADRSc4KAAAAACgAAAAoAAAAZAAAAGQAAAAAAAAAzMzMAAAAAABQAAAAUAAAAGQAAABkAAAAAAAAABcAAAAUAAAAAAAAAAAAAAD/fwAA/38AAAAAAAAJAAAABAAAAAAAAAAeAAAAaAAAAAAAAAAAAAAAAAAAAAAAAAAAAAAAECcAABAnAAAAAAAAAAAAAAAAAAAAAAAAAAAAAAAAAAAAAAAAAAAAABQAAAAAAAAAwMD/AAAAAABkAAAAMgAAAAAAAABkAAAAAAAAAH9/fwAKAAAAIgAAABgAAAAAAAAAAAAAAAAAAAAAAAAAAAAAAAAAAAAkAAAAJAAAAAAAAAAHAAAAAAAAAAAAAAAAAAAAAAAAAAAAAAAAAAAAf39/ACUAAABYAAAAAAAAAAAAAAAAAAAAAAAAAAAAAAAAAAAAAAAAAAAAAAAAAAAAAAAAAAAAAAA/AAAAAAAAAKCGAQAAAAAAAAAAAAAAAAAMAAAAAQAAAAAAAAAAAAAAAAAAAB8AAABUAAAA////AAAAAAEAAAAAAAAAAAAAAAAAAAAAAAAAAAAAAAAAAAAAAAAAAAAAAAB/f38AAAAAA8zMzADAwP8Af39/AAAAAAAAAAAAAAAAAAAAAAAAAAAAIQAAABgAAAAUAAAA0AIAAA8AAABvNQAAwAcAABAgAAAmAAAACAAAAD0gAAAAAAAA"/>
               </a:ext>
             </a:extLst>
           </p:cNvSpPr>
@@ -11494,7 +11397,7 @@
             <a:spLocks noGrp="1" noChangeArrowheads="1"/>
             <a:extLst>
               <a:ext uri="smNativeData">
-                <pr:smNativeData xmlns:pr="smNativeData" xmlns="smNativeData" val="SMDATA_15_37BZZRMAAAAlAAAAZAAAAA0AAAAAAAAAAAAAAAAAAAAAAAAAAAAAAAAAAAAAAAAAAAEAAABQAAAAAAAAAAAA4D8AAAAAAADgPwAAAAAAAOA/AAAAAAAA4D8AAAAAAADgPwAAAAAAAOA/AAAAAAAA4D8AAAAAAADgPwAAAAAAAOA/AAAAAAAA4D8CAAAAjAAAAAAAAAAAAAAA////AP///wgAAAAAAAAAAAAAAAAAAAAAAAAAAAAAAAAAAAAAeAAAAAEAAABAAAAAAAAAAAAAAABaAAAAAAAAAAAAAAAAAAAAAAAAAAAAAAAAAAAAAAAAAAAAAAAAAAAAAAAAAAAAAAAAAAAAAAAAAAAAAAAAAAAAAAAAAAAAAAAAAAAAFAAAADwAAAAAAAAAAAAAAAAAAAAPAAAAAQAAACMAAAAjAAAAIwAAAB4AAAAAAAAAZAAAAGQAAAAAAAAAZAAAAGQAAAAVAAAAYAAAAAAAAAAAAAAADwAAACADAAAAAAAAAAAAAAEAAACgMgAAVgcAAKr4//8BAAAAf39/AAEAAABkAAAAAAAAABQAAABAHwAAAAAAACYAAAAAAAAAwOD//wAAAAAmAAAAZAAAABYAAABMAAAAAAAAAAAAAAAEAAAAAAAAAAEAAADRSc4KAAAAACgAAAAoAAAAZAAAAGQAAAAAAAAAzMzMAAAAAABQAAAAUAAAAGQAAABkAAAAAAAAABcAAAAUAAAAAAAAAAAAAAD/fwAA/38AAAAAAAAJAAAABAAAAAAAAAAeAAAAaAAAAAAAAAAAAAAAAAAAAAAAAAAAAAAAECcAABAnAAAAAAAAAAAAAAAAAAAAAAAAAAAAAAAAAAAAAAAAAAAAABQAAAAAAAAAwMD/AAAAAABkAAAAMgAAAAAAAABkAAAAAAAAAH9/fwAKAAAAIgAAABgAAAAAAAAAAAAAAAAAAAAAAAAAAAAAAAAAAAAkAAAAJAAAAAAAAAAHAAAAAAAAAAAAAAAAAAAAAAAAAAAAAAAAAAAAf39/ACUAAABYAAAAAAAAAAAAAAAAAAAAAAAAAAAAAAAAAAAAAAAAAAAAAAAAAAAAAAAAAAAAAAA/AAAAAAAAAKCGAQAAAAAAAAAAAAAAAAAMAAAAAQAAAAAAAAAAAAAAAAAAAB8AAABUAAAA////AAAAAAEAAAAAAAAAAAAAAAAAAAAAAAAAAAAAAAAAAAAAAAAAAAAAAAB/f38AAAAAA8zMzADAwP8Af39/AAAAAAAAAAAAAAAAAAAAAAAAAAAAIQAAABgAAAAUAAAA0AIAAGcHAACEGwAAwRkAABAAAAAmAAAACAAAAD0gAAAAAAAA"/>
+                <pr:smNativeData xmlns:pr="smNativeData" xmlns="smNativeData" val="SMDATA_15_8sFZZRMAAAAlAAAAZAAAAA0AAAAAAAAAAAAAAAAAAAAAAAAAAAAAAAAAAAAAAAAAAAEAAABQAAAAAAAAAAAA4D8AAAAAAADgPwAAAAAAAOA/AAAAAAAA4D8AAAAAAADgPwAAAAAAAOA/AAAAAAAA4D8AAAAAAADgPwAAAAAAAOA/AAAAAAAA4D8CAAAAjAAAAAAAAAAAAAAA////AP///wgAAAAAAAAAAAAAAAAAAAAAAAAAAAAAAAAAAAAAeAAAAAEAAABAAAAAAAAAAAAAAABaAAAAAAAAAAAAAAAAAAAAAAAAAAAAAAAAAAAAAAAAAAAAAAAAAAAAAAAAAAAAAAAAAAAAAAAAAAAAAAAAAAAAAAAAAAAAAAAAAAAAFAAAADwAAAAAAAAAAAAAAAAAAAAPAAAAAQAAACMAAAAjAAAAIwAAAB4AAAAAAAAAZAAAAGQAAAAAAAAAZAAAAGQAAAAVAAAAYAAAAAAAAAAAAAAADwAAACADAAAAAAAAAAAAAAEAAACgMgAAVgcAAKr4//8BAAAAf39/AAEAAABkAAAAAAAAABQAAABAHwAAAAAAACYAAAAAAAAAwOD//wAAAAAmAAAAZAAAABYAAABMAAAAAAAAAAAAAAAEAAAAAAAAAAEAAADRSc4KAAAAACgAAAAoAAAAZAAAAGQAAAAAAAAAzMzMAAAAAABQAAAAUAAAAGQAAABkAAAAAAAAABcAAAAUAAAAAAAAAAAAAAD/fwAA/38AAAAAAAAJAAAABAAAAAAAAAAeAAAAaAAAAAAAAAAAAAAAAAAAAAAAAAAAAAAAECcAABAnAAAAAAAAAAAAAAAAAAAAAAAAAAAAAAAAAAAAAAAAAAAAABQAAAAAAAAAwMD/AAAAAABkAAAAMgAAAAAAAABkAAAAAAAAAH9/fwAKAAAAIgAAABgAAAAAAAAAAAAAAAAAAAAAAAAAAAAAAAAAAAAkAAAAJAAAAAAAAAAHAAAAAAAAAAAAAAAAAAAAAAAAAAAAAAAAAAAAf39/ACUAAABYAAAAAAAAAAAAAAAAAAAAAAAAAAAAAAAAAAAAAAAAAAAAAAAAAAAAAAAAAAAAAAA/AAAAAAAAAKCGAQAAAAAAAAAAAAAAAAAMAAAAAQAAAAAAAAAAAAAAAAAAAB8AAABUAAAA////AAAAAAEAAAAAAAAAAAAAAAAAAAAAAAAAAAAAAAAAAAAAAAAAAAAAAAB/f38AAAAAA8zMzADAwP8Af39/AAAAAAAAAAAAAAAAAAAAAAAAAAAAIQAAABgAAAAUAAAA0AIAAGcHAACEGwAAwRkAABAAAAAmAAAACAAAAD0gAAAAAAAA"/>
               </a:ext>
             </a:extLst>
           </p:cNvSpPr>
@@ -11527,7 +11430,7 @@
             <a:spLocks noGrp="1" noChangeArrowheads="1"/>
             <a:extLst>
               <a:ext uri="smNativeData">
-                <pr:smNativeData xmlns:pr="smNativeData" xmlns="smNativeData" val="SMDATA_15_37BZZRMAAAAlAAAAZAAAAA0AAAAAAAAAAAAAAAAAAAAAAAAAAAAAAAAAAAAAAAAAAAEAAABQAAAAAAAAAAAA4D8AAAAAAADgPwAAAAAAAOA/AAAAAAAA4D8AAAAAAADgPwAAAAAAAOA/AAAAAAAA4D8AAAAAAADgPwAAAAAAAOA/AAAAAAAA4D8CAAAAjAAAAAAAAAAAAAAA////AP///wgAAAAAAAAAAAAAAAAAAAAAAAAAAAAAAAAAAAAAeAAAAAEAAABAAAAAAAAAAAAAAABaAAAAAAAAAAAAAAAAAAAAAAAAAAAAAAAAAAAAAAAAAAAAAAAAAAAAAAAAAAAAAAAAAAAAAAAAAAAAAAAAAAAAAAAAAAAAAAAAAAAAFAAAADwAAAAAAAAAAAAAAAAAAAAPAAAAAQAAACMAAAAjAAAAIwAAAB4AAAAAAAAAZAAAAGQAAAAAAAAAZAAAAGQAAAAVAAAAYAAAAAAAAAAAAAAADwAAACADAAAAAAAAAAAAAAEAAACgMgAAVgcAAKr4//8BAAAAf39/AAEAAABkAAAAAAAAABQAAABAHwAAAAAAACYAAAAAAAAAwOD//wAAAAAmAAAAZAAAABYAAABMAAAAAAAAAAAAAAAEAAAAAAAAAAEAAADRSc4KAAAAACgAAAAoAAAAZAAAAGQAAAAAAAAAzMzMAAAAAABQAAAAUAAAAGQAAABkAAAAAAAAABcAAAAUAAAAAAAAAAAAAAD/fwAA/38AAAAAAAAJAAAABAAAAAQBAAAeAAAAaAAAAAAAAAAAAAAAAAAAAAAAAAAAAAAAECcAABAnAAAAAAAAAAAAAAAAAAAAAAAAAAAAAAAAAAAAAAAAAAAAABQAAAAAAAAAwMD/AAAAAABkAAAAMgAAAAAAAABkAAAAAAAAAH9/fwAKAAAAIgAAABgAAAAAAAAAAAAAAAAAAAAAAAAAAAAAAAAAAAAkAAAAJAAAAAAAAAAHAAAAAAAAAAAAAAAAAAAAAAAAAAAAAAAAAAAAf39/ACUAAABYAAAAAAAAAAAAAAAAAAAAAAAAAAAAAAAAAAAAAAAAAAAAAAAAAAAAAAAAAAAAAAA/AAAAAAAAAKCGAQAAAAAAAAAAAAAAAAAMAAAAAQAAAAAAAAAAAAAAAAAAAB8AAABUAAAA////AAAAAAEAAAAAAAAAAAAAAAAAAAAAAAAAAAAAAAAAAAAAAAAAAAAAAAB/f38AAAAAA8zMzADAwP8Af39/AAAAAAAAAAAAAAAAAAAAAAAAAAAAIQAAABgAAAAUAAAAwRwAAGcHAAB1NQAAwRkAABAAAAAmAAAACAAAAD0gAAAAAAAA"/>
+                <pr:smNativeData xmlns:pr="smNativeData" xmlns="smNativeData" val="SMDATA_15_8sFZZRMAAAAlAAAAZAAAAA0AAAAAAAAAAAAAAAAAAAAAAAAAAAAAAAAAAAAAAAAAAAEAAABQAAAAAAAAAAAA4D8AAAAAAADgPwAAAAAAAOA/AAAAAAAA4D8AAAAAAADgPwAAAAAAAOA/AAAAAAAA4D8AAAAAAADgPwAAAAAAAOA/AAAAAAAA4D8CAAAAjAAAAAAAAAAAAAAA////AP///wgAAAAAAAAAAAAAAAAAAAAAAAAAAAAAAAAAAAAAeAAAAAEAAABAAAAAAAAAAAAAAABaAAAAAAAAAAAAAAAAAAAAAAAAAAAAAAAAAAAAAAAAAAAAAAAAAAAAAAAAAAAAAAAAAAAAAAAAAAAAAAAAAAAAAAAAAAAAAAAAAAAAFAAAADwAAAAAAAAAAAAAAAAAAAAPAAAAAQAAACMAAAAjAAAAIwAAAB4AAAAAAAAAZAAAAGQAAAAAAAAAZAAAAGQAAAAVAAAAYAAAAAAAAAAAAAAADwAAACADAAAAAAAAAAAAAAEAAACgMgAAVgcAAKr4//8BAAAAf39/AAEAAABkAAAAAAAAABQAAABAHwAAAAAAACYAAAAAAAAAwOD//wAAAAAmAAAAZAAAABYAAABMAAAAAAAAAAAAAAAEAAAAAAAAAAEAAADRSc4KAAAAACgAAAAoAAAAZAAAAGQAAAAAAAAAzMzMAAAAAABQAAAAUAAAAGQAAABkAAAAAAAAABcAAAAUAAAAAAAAAAAAAAD/fwAA/38AAAAAAAAJAAAABAAAAAAAAAAeAAAAaAAAAAAAAAAAAAAAAAAAAAAAAAAAAAAAECcAABAnAAAAAAAAAAAAAAAAAAAAAAAAAAAAAAAAAAAAAAAAAAAAABQAAAAAAAAAwMD/AAAAAABkAAAAMgAAAAAAAABkAAAAAAAAAH9/fwAKAAAAIgAAABgAAAAAAAAAAAAAAAAAAAAAAAAAAAAAAAAAAAAkAAAAJAAAAAAAAAAHAAAAAAAAAAAAAAAAAAAAAAAAAAAAAAAAAAAAf39/ACUAAABYAAAAAAAAAAAAAAAAAAAAAAAAAAAAAAAAAAAAAAAAAAAAAAAAAAAAAAAAAAAAAAA/AAAAAAAAAKCGAQAAAAAAAAAAAAAAAAAMAAAAAQAAAAAAAAAAAAAAAAAAAB8AAABUAAAA////AAAAAAEAAAAAAAAAAAAAAAAAAAAAAAAAAAAAAAAAAAAAAAAAAAAAAAB/f38AAAAAA8zMzADAwP8Af39/AAAAAAAAAAAAAAAAAAAAAAAAAAAAIQAAABgAAAAUAAAAwRwAAGcHAAB1NQAAwRkAABAAAAAmAAAACAAAAD0gAAAAAAAA"/>
               </a:ext>
             </a:extLst>
           </p:cNvSpPr>
@@ -11585,7 +11488,7 @@
             <a:spLocks noGrp="1" noChangeArrowheads="1"/>
             <a:extLst>
               <a:ext uri="smNativeData">
-                <pr:smNativeData xmlns:pr="smNativeData" xmlns="smNativeData" val="SMDATA_15_37BZZRMAAAAlAAAAZAAAAE0AAAAAAAAAAAAAAAAAAAAAAAAAAAAAAAABAAAAAAAAAAEAAABQAAAAAAAAAAAA4D8AAAAAAADgPwAAAAAAAOA/AAAAAAAA4D8AAAAAAADgPwAAAAAAAOA/AAAAAAAA4D8AAAAAAADgPwAAAAAAAOA/AAAAAAAA4D8CAAAAjAAAAAAAAAAAAAAA////AP///wgAAAAAAAAAAAAAAAAAAAAAAAAAAAAAAAAAAAAAeAAAAAEAAABAAAAAAAAAAAAAAABaAAAAAAAAAAAAAAAAAAAAAAAAAAAAAAAAAAAAAAAAAAAAAAAAAAAAAAAAAAAAAAAAAAAAAAAAAAAAAAAAAAAAAAAAAAAAAAAAAAAAFAAAADwAAAAAAAAAAAAAAAAAAAAPAAAAAQAAACMAAAAjAAAAIwAAAB4AAAAAAAAAZAAAAGQAAAAAAAAAZAAAAGQAAAAVAAAAYAAAAAAAAAAAAAAADwAAACADAAAAAAAAAAAAAAEAAACgMgAAVgcAAKr4//8BAAAAf39/AAEAAABkAAAAAAAAABQAAABAHwAAAAAAACYAAAAAAAAAwOD//wAAAAAmAAAAZAAAABYAAABMAAAAAAAAAAAAAAAEAAAAAAAAAAEAAADRSc4KAAAAACgAAAAoAAAAZAAAAGQAAAAAAAAAzMzMAAAAAABQAAAAUAAAAGQAAABkAAAAAAAAABcAAAAUAAAAAAAAAAAAAAD/fwAA/38AAAAAAAAJAAAABAAAAF4AAAAeAAAAaAAAAAAAAAAAAAAAAAAAAAAAAAAAAAAAECcAABAnAAAAAAAAAAAAAAAAAAAAAAAAAAAAAAAAAAAAAAAAAAAAABQAAAAAAAAAwMD/AAAAAABkAAAAMgAAAAAAAABkAAAAAAAAAH9/fwAKAAAAIgAAABgAAAAAAAAAAAAAAAAAAAAAAAAAAAAAAAAAAAAkAAAAJAAAAAAAAAAHAAAAAAAAAAAAAAAAAAAAAAAAAAAAAAAAAAAAf39/ACUAAABYAAAAAAAAAAAAAAAAAAAAAAAAAAAAAAAAAAAAAAAAAAAAAAAAAAAAAAAAAAAAAAA/AAAAAAAAAKCGAQAAAAAAAAAAAAAAAAAMAAAAAQAAAAAAAAAAAAAAAAAAAB8AAABUAAAA////AAAAAAEAAAAAAAAAAAAAAAAAAAAAAAAAAAAAAAAAAAAAAAAAAAAAAAB/f38AAAAAA8zMzADAwP8Af39/AAAAAAAAAAAAAAAAAAAAAAAAAAAAIQAAABgAAAAUAAAA0AIAAA8AAABvNQAAwAcAABAgAAAmAAAACAAAAD0gAAAAAAAA"/>
+                <pr:smNativeData xmlns:pr="smNativeData" xmlns="smNativeData" val="SMDATA_15_8sFZZRMAAAAlAAAAZAAAAE0AAAAAAAAAAAAAAAAAAAAAAAAAAAAAAAABAAAAAAAAAAEAAABQAAAAAAAAAAAA4D8AAAAAAADgPwAAAAAAAOA/AAAAAAAA4D8AAAAAAADgPwAAAAAAAOA/AAAAAAAA4D8AAAAAAADgPwAAAAAAAOA/AAAAAAAA4D8CAAAAjAAAAAAAAAAAAAAA////AP///wgAAAAAAAAAAAAAAAAAAAAAAAAAAAAAAAAAAAAAeAAAAAEAAABAAAAAAAAAAAAAAABaAAAAAAAAAAAAAAAAAAAAAAAAAAAAAAAAAAAAAAAAAAAAAAAAAAAAAAAAAAAAAAAAAAAAAAAAAAAAAAAAAAAAAAAAAAAAAAAAAAAAFAAAADwAAAAAAAAAAAAAAAAAAAAPAAAAAQAAACMAAAAjAAAAIwAAAB4AAAAAAAAAZAAAAGQAAAAAAAAAZAAAAGQAAAAVAAAAYAAAAAAAAAAAAAAADwAAACADAAAAAAAAAAAAAAEAAACgMgAAVgcAAKr4//8BAAAAf39/AAEAAABkAAAAAAAAABQAAABAHwAAAAAAACYAAAAAAAAAwOD//wAAAAAmAAAAZAAAABYAAABMAAAAAAAAAAAAAAAEAAAAAAAAAAEAAADRSc4KAAAAACgAAAAoAAAAZAAAAGQAAAAAAAAAzMzMAAAAAABQAAAAUAAAAGQAAABkAAAAAAAAABcAAAAUAAAAAAAAAAAAAAD/fwAA/38AAAAAAAAJAAAABAAAAAAAAAAeAAAAaAAAAAAAAAAAAAAAAAAAAAAAAAAAAAAAECcAABAnAAAAAAAAAAAAAAAAAAAAAAAAAAAAAAAAAAAAAAAAAAAAABQAAAAAAAAAwMD/AAAAAABkAAAAMgAAAAAAAABkAAAAAAAAAH9/fwAKAAAAIgAAABgAAAAAAAAAAAAAAAAAAAAAAAAAAAAAAAAAAAAkAAAAJAAAAAAAAAAHAAAAAAAAAAAAAAAAAAAAAAAAAAAAAAAAAAAAf39/ACUAAABYAAAAAAAAAAAAAAAAAAAAAAAAAAAAAAAAAAAAAAAAAAAAAAAAAAAAAAAAAAAAAAA/AAAAAAAAAKCGAQAAAAAAAAAAAAAAAAAMAAAAAQAAAAAAAAAAAAAAAAAAAB8AAABUAAAA////AAAAAAEAAAAAAAAAAAAAAAAAAAAAAAAAAAAAAAAAAAAAAAAAAAAAAAB/f38AAAAAA8zMzADAwP8Af39/AAAAAAAAAAAAAAAAAAAAAAAAAAAAIQAAABgAAAAUAAAA0AIAAA8AAABvNQAAwAcAABAgAAAmAAAACAAAAD0gAAAAAAAA"/>
               </a:ext>
             </a:extLst>
           </p:cNvSpPr>
@@ -11643,7 +11546,7 @@
             <a:spLocks noGrp="1" noChangeArrowheads="1"/>
             <a:extLst>
               <a:ext uri="smNativeData">
-                <pr:smNativeData xmlns:pr="smNativeData" xmlns="smNativeData" val="SMDATA_15_37BZZRMAAAAlAAAAZAAAAE0AAAAAAAAAAAAAAAAAAAAAAAAAAAAAAAABAAAAAAAAAAEAAABQAAAAAAAAAAAA4D8AAAAAAADgPwAAAAAAAOA/AAAAAAAA4D8AAAAAAADgPwAAAAAAAOA/AAAAAAAA4D8AAAAAAADgPwAAAAAAAOA/AAAAAAAA4D8CAAAAjAAAAAAAAAAAAAAA////AP///wgAAAAAAAAAAAAAAAAAAAAAAAAAAAAAAAAAAAAAeAAAAAEAAABAAAAAAAAAAAAAAABaAAAAAAAAAAAAAAAAAAAAAAAAAAAAAAAAAAAAAAAAAAAAAAAAAAAAAAAAAAAAAAAAAAAAAAAAAAAAAAAAAAAAAAAAAAAAAAAAAAAAFAAAADwAAAAAAAAAAAAAAAAAAAAPAAAAAQAAACMAAAAjAAAAIwAAAB4AAAAAAAAAZAAAAGQAAAAAAAAAZAAAAGQAAAAVAAAAYAAAAAAAAAAAAAAADwAAACADAAAAAAAAAAAAAAEAAACgMgAAVgcAAKr4//8BAAAAf39/AAEAAABkAAAAAAAAABQAAABAHwAAAAAAACYAAAAAAAAAwOD//wAAAAAmAAAAZAAAABYAAABMAAAAAAAAAAAAAAAEAAAAAAAAAAEAAADRSc4KAAAAACgAAAAoAAAAZAAAAGQAAAAAAAAAzMzMAAAAAABQAAAAUAAAAGQAAABkAAAAAAAAABcAAAAUAAAAAAAAAAAAAAD/fwAA/38AAAAAAAAJAAAABAAAAAAAAAAeAAAAaAAAAAAAAAAAAAAAAAAAAAAAAAAAAAAAECcAABAnAAAAAAAAAAAAAAAAAAAAAAAAAAAAAAAAAAAAAAAAAAAAABQAAAAAAAAAwMD/AAAAAABkAAAAMgAAAAAAAABkAAAAAAAAAH9/fwAKAAAAIgAAABgAAAAAAAAAAAAAAAAAAAAAAAAAAAAAAAAAAAAkAAAAJAAAAAAAAAAHAAAAAAAAAAAAAAAAAAAAAAAAAAAAAAAAAAAAf39/ACUAAABYAAAAAAAAAAAAAAAAAAAAAAAAAAAAAAAAAAAAAAAAAAAAAAAAAAAAAAAAAAAAAAA/AAAAAAAAAKCGAQAAAAAAAAAAAAAAAAAMAAAAAQAAAAAAAAAAAAAAAAAAAB8AAABUAAAA////AAAAAAEAAAAAAAAAAAAAAAAAAAAAAAAAAAAAAAAAAAAAAAAAAAAAAAB/f38AAAAAA8zMzADAwP8Af39/AAAAAAAAAAAAAAAAAAAAAAAAAAAAIQAAABgAAAAUAAAA0AIAAEMBAABvNQAAwRkAABAgAAAmAAAACAAAAL0gAAAAAAAA"/>
+                <pr:smNativeData xmlns:pr="smNativeData" xmlns="smNativeData" val="SMDATA_15_8sFZZRMAAAAlAAAAZAAAAE0AAAAAAAAAAAAAAAAAAAAAAAAAAAAAAAABAAAAAAAAAAEAAABQAAAAAAAAAAAA4D8AAAAAAADgPwAAAAAAAOA/AAAAAAAA4D8AAAAAAADgPwAAAAAAAOA/AAAAAAAA4D8AAAAAAADgPwAAAAAAAOA/AAAAAAAA4D8CAAAAjAAAAAAAAAAAAAAA////AP///wgAAAAAAAAAAAAAAAAAAAAAAAAAAAAAAAAAAAAAeAAAAAEAAABAAAAAAAAAAAAAAABaAAAAAAAAAAAAAAAAAAAAAAAAAAAAAAAAAAAAAAAAAAAAAAAAAAAAAAAAAAAAAAAAAAAAAAAAAAAAAAAAAAAAAAAAAAAAAAAAAAAAFAAAADwAAAAAAAAAAAAAAAAAAAAPAAAAAQAAACMAAAAjAAAAIwAAAB4AAAAAAAAAZAAAAGQAAAAAAAAAZAAAAGQAAAAVAAAAYAAAAAAAAAAAAAAADwAAACADAAAAAAAAAAAAAAEAAACgMgAAVgcAAKr4//8BAAAAf39/AAEAAABkAAAAAAAAABQAAABAHwAAAAAAACYAAAAAAAAAwOD//wAAAAAmAAAAZAAAABYAAABMAAAAAAAAAAAAAAAEAAAAAAAAAAEAAADRSc4KAAAAACgAAAAoAAAAZAAAAGQAAAAAAAAAzMzMAAAAAABQAAAAUAAAAGQAAABkAAAAAAAAABcAAAAUAAAAAAAAAAAAAAD/fwAA/38AAAAAAAAJAAAABAAAAAAAAAAeAAAAaAAAAAAAAAAAAAAAAAAAAAAAAAAAAAAAECcAABAnAAAAAAAAAAAAAAAAAAAAAAAAAAAAAAAAAAAAAAAAAAAAABQAAAAAAAAAwMD/AAAAAABkAAAAMgAAAAAAAABkAAAAAAAAAH9/fwAKAAAAIgAAABgAAAAAAAAAAAAAAAAAAAAAAAAAAAAAAAAAAAAkAAAAJAAAAAAAAAAHAAAAAAAAAAAAAAAAAAAAAAAAAAAAAAAAAAAAf39/ACUAAABYAAAAAAAAAAAAAAAAAAAAAAAAAAAAAAAAAAAAAAAAAAAAAAAAAAAAAAAAAAAAAAA/AAAAAAAAAKCGAQAAAAAAAAAAAAAAAAAMAAAAAQAAAAAAAAAAAAAAAAAAAB8AAABUAAAA////AAAAAAEAAAAAAAAAAAAAAAAAAAAAAAAAAAAAAAAAAAAAAAAAAAAAAAB/f38AAAAAA8zMzADAwP8Af39/AAAAAAAAAAAAAAAAAAAAAAAAAAAAIQAAABgAAAAUAAAA0AIAAEMBAABvNQAAwRkAABAgAAAmAAAACAAAAL0gAAAAAAAA"/>
               </a:ext>
             </a:extLst>
           </p:cNvSpPr>
@@ -11701,7 +11604,7 @@
             <a:spLocks noGrp="1" noChangeArrowheads="1"/>
             <a:extLst>
               <a:ext uri="smNativeData">
-                <pr:smNativeData xmlns:pr="smNativeData" xmlns="smNativeData" val="SMDATA_15_37BZZRMAAAAlAAAAZAAAAE0AAAAAAAAAAAAAAAAAAAAAAAAAAAAAAAABAAAAAAAAAAEAAABQAAAAAAAAAAAA4D8AAAAAAADgPwAAAAAAAOA/AAAAAAAA4D8AAAAAAADgPwAAAAAAAOA/AAAAAAAA4D8AAAAAAADgPwAAAAAAAOA/AAAAAAAA4D8CAAAAjAAAAAAAAAAAAAAA////AP///wgAAAAAAAAAAAAAAAAAAAAAAAAAAAAAAAAAAAAAeAAAAAEAAABAAAAAAAAAAAAAAABaAAAAAAAAAAAAAAAAAAAAAAAAAAAAAAAAAAAAAAAAAAAAAAAAAAAAAAAAAAAAAAAAAAAAAAAAAAAAAAAAAAAAAAAAAAAAAAAAAAAAFAAAADwAAAAAAAAAAAAAAAAAAAAPAAAAAQAAACMAAAAjAAAAIwAAAB4AAAAAAAAAZAAAAGQAAAAAAAAAZAAAAGQAAAAVAAAAYAAAAAAAAAAAAAAADwAAACADAAAAAAAAAAAAAAEAAACgMgAAVgcAAKr4//8BAAAAf39/AAEAAABkAAAAAAAAABQAAABAHwAAAAAAACYAAAAAAAAAwOD//wAAAAAmAAAAZAAAABYAAABMAAAAAAAAAAAAAAAEAAAAAAAAAAEAAADRSc4KAAAAACgAAAAoAAAAZAAAAGQAAAAAAAAAzMzMAAAAAABQAAAAUAAAAGQAAABkAAAAAAAAABcAAAAUAAAAAAAAAAAAAAD/fwAA/38AAAAAAAAJAAAABAAAAAAAAAAeAAAAaAAAAAAAAAAAAAAAAAAAAAAAAAAAAAAAECcAABAnAAAAAAAAAAAAAAAAAAAAAAAAAAAAAAAAAAAAAAAAAAAAABQAAAAAAAAAwMD/AAAAAABkAAAAMgAAAAAAAABkAAAAAAAAAH9/fwAKAAAAIgAAABgAAAAAAAAAAAAAAAAAAAAAAAAAAAAAAAAAAAAkAAAAJAAAAAAAAAAHAAAAAAAAAAAAAAAAAAAAAAAAAAAAAAAAAAAAf39/ACUAAABYAAAAAAAAAAAAAAAAAAAAAAAAAAAAAAAAAAAAAAAAAAAAAAAAAAAAAAAAAAAAAAA/AAAAAAAAAKCGAQAAAAAAAAAAAAAAAAAMAAAAAQAAAAAAAAAAAAAAAAAAAB8AAABUAAAA////AAAAAAEAAAAAAAAAAAAAAAAAAAAAAAAAAAAAAAAAAAAAAAAAAAAAAAB/f38AAAAAA8zMzADAwP8Af39/AAAAAAAAAAAAAAAAAAAAAAAAAAAAIQAAABgAAAAUAAAA0AIAAA8AAABvNQAAwAcAABAgAAAmAAAACAAAAD0gAAAAAAAA"/>
+                <pr:smNativeData xmlns:pr="smNativeData" xmlns="smNativeData" val="SMDATA_15_8sFZZRMAAAAlAAAAZAAAAE0AAAAAAAAAAAAAAAAAAAAAAAAAAAAAAAABAAAAAAAAAAEAAABQAAAAAAAAAAAA4D8AAAAAAADgPwAAAAAAAOA/AAAAAAAA4D8AAAAAAADgPwAAAAAAAOA/AAAAAAAA4D8AAAAAAADgPwAAAAAAAOA/AAAAAAAA4D8CAAAAjAAAAAAAAAAAAAAA////AP///wgAAAAAAAAAAAAAAAAAAAAAAAAAAAAAAAAAAAAAeAAAAAEAAABAAAAAAAAAAAAAAABaAAAAAAAAAAAAAAAAAAAAAAAAAAAAAAAAAAAAAAAAAAAAAAAAAAAAAAAAAAAAAAAAAAAAAAAAAAAAAAAAAAAAAAAAAAAAAAAAAAAAFAAAADwAAAAAAAAAAAAAAAAAAAAPAAAAAQAAACMAAAAjAAAAIwAAAB4AAAAAAAAAZAAAAGQAAAAAAAAAZAAAAGQAAAAVAAAAYAAAAAAAAAAAAAAADwAAACADAAAAAAAAAAAAAAEAAACgMgAAVgcAAKr4//8BAAAAf39/AAEAAABkAAAAAAAAABQAAABAHwAAAAAAACYAAAAAAAAAwOD//wAAAAAmAAAAZAAAABYAAABMAAAAAAAAAAAAAAAEAAAAAAAAAAEAAADRSc4KAAAAACgAAAAoAAAAZAAAAGQAAAAAAAAAzMzMAAAAAABQAAAAUAAAAGQAAABkAAAAAAAAABcAAAAUAAAAAAAAAAAAAAD/fwAA/38AAAAAAAAJAAAABAAAAAAAAAAeAAAAaAAAAAAAAAAAAAAAAAAAAAAAAAAAAAAAECcAABAnAAAAAAAAAAAAAAAAAAAAAAAAAAAAAAAAAAAAAAAAAAAAABQAAAAAAAAAwMD/AAAAAABkAAAAMgAAAAAAAABkAAAAAAAAAH9/fwAKAAAAIgAAABgAAAAAAAAAAAAAAAAAAAAAAAAAAAAAAAAAAAAkAAAAJAAAAAAAAAAHAAAAAAAAAAAAAAAAAAAAAAAAAAAAAAAAAAAAf39/ACUAAABYAAAAAAAAAAAAAAAAAAAAAAAAAAAAAAAAAAAAAAAAAAAAAAAAAAAAAAAAAAAAAAA/AAAAAAAAAKCGAQAAAAAAAAAAAAAAAAAMAAAAAQAAAAAAAAAAAAAAAAAAAB8AAABUAAAA////AAAAAAEAAAAAAAAAAAAAAAAAAAAAAAAAAAAAAAAAAAAAAAAAAAAAAAB/f38AAAAAA8zMzADAwP8Af39/AAAAAAAAAAAAAAAAAAAAAAAAAAAAIQAAABgAAAAUAAAA0AIAAA8AAABvNQAAwAcAABAgAAAmAAAACAAAAD0gAAAAAAAA"/>
               </a:ext>
             </a:extLst>
           </p:cNvSpPr>
@@ -11734,7 +11637,7 @@
             <a:spLocks noGrp="1" noChangeArrowheads="1"/>
             <a:extLst>
               <a:ext uri="smNativeData">
-                <pr:smNativeData xmlns:pr="smNativeData" xmlns="smNativeData" val="SMDATA_15_37BZZRMAAAAlAAAAZAAAAA0AAAAAAAAAAAAAAAAAAAAAAAAAAAAAAAAAAAAAAAAAAAEAAABQAAAAAAAAAAAA4D8AAAAAAADgPwAAAAAAAOA/AAAAAAAA4D8AAAAAAADgPwAAAAAAAOA/AAAAAAAA4D8AAAAAAADgPwAAAAAAAOA/AAAAAAAA4D8CAAAAjAAAAAAAAAAAAAAA////AP///wgAAAAAAAAAAAAAAAAAAAAAAAAAAAAAAAAAAAAAeAAAAAEAAABAAAAAAAAAAAAAAABaAAAAAAAAAAAAAAAAAAAAAAAAAAAAAAAAAAAAAAAAAAAAAAAAAAAAAAAAAAAAAAAAAAAAAAAAAAAAAAAAAAAAAAAAAAAAAAAAAAAAFAAAADwAAAAAAAAAAAAAAAAAAAAPAAAAAQAAACMAAAAjAAAAIwAAAB4AAAAAAAAAZAAAAGQAAAAAAAAAZAAAAGQAAAAVAAAAYAAAAAAAAAAAAAAADwAAACADAAAAAAAAAAAAAAEAAACgMgAAVgcAAKr4//8BAAAAf39/AAEAAABkAAAAAAAAABQAAABAHwAAAAAAACYAAAAAAAAAwOD//wAAAAAmAAAAZAAAABYAAABMAAAAAAAAAAAAAAAEAAAAAAAAAAEAAADRSc4KAAAAACgAAAAoAAAAZAAAAGQAAAAAAAAAzMzMAAAAAABQAAAAUAAAAGQAAABkAAAAAAAAABcAAAAUAAAAAAAAAAAAAAD/fwAA/38AAAAAAAAJAAAABAAAAAAAAAAeAAAAaAAAAAAAAAAAAAAAAAAAAAAAAAAAAAAAECcAABAnAAAAAAAAAAAAAAAAAAAAAAAAAAAAAAAAAAAAAAAAAAAAABQAAAAAAAAAwMD/AAAAAABkAAAAMgAAAAAAAABkAAAAAAAAAH9/fwAKAAAAIgAAABgAAAAAAAAAAAAAAAAAAAAAAAAAAAAAAAAAAAAkAAAAJAAAAAAAAAAHAAAAAAAAAAAAAAAAAAAAAAAAAAAAAAAAAAAAf39/ACUAAABYAAAAAAAAAAAAAAAAAAAAAAAAAAAAAAAAAAAAAAAAAAAAAAAAAAAAAAAAAAAAAAA/AAAAAAAAAKCGAQAAAAAAAAAAAAAAAAAMAAAAAQAAAAAAAAAAAAAAAAAAAB8AAABUAAAA////AAAAAAEAAAAAAAAAAAAAAAAAAAAAAAAAAAAAAAAAAAAAAAAAAAAAAAB/f38AAAAAA8zMzADAwP8Af39/AAAAAAAAAAAAAAAAAAAAAAAAAAAAIQAAABgAAAAUAAAA0AIAAGcHAACEGwAAKBAAABAAAAAmAAAACAAAAD0gAAAAAAAA"/>
+                <pr:smNativeData xmlns:pr="smNativeData" xmlns="smNativeData" val="SMDATA_15_8sFZZRMAAAAlAAAAZAAAAA0AAAAAAAAAAAAAAAAAAAAAAAAAAAAAAAAAAAAAAAAAAAEAAABQAAAAAAAAAAAA4D8AAAAAAADgPwAAAAAAAOA/AAAAAAAA4D8AAAAAAADgPwAAAAAAAOA/AAAAAAAA4D8AAAAAAADgPwAAAAAAAOA/AAAAAAAA4D8CAAAAjAAAAAAAAAAAAAAA////AP///wgAAAAAAAAAAAAAAAAAAAAAAAAAAAAAAAAAAAAAeAAAAAEAAABAAAAAAAAAAAAAAABaAAAAAAAAAAAAAAAAAAAAAAAAAAAAAAAAAAAAAAAAAAAAAAAAAAAAAAAAAAAAAAAAAAAAAAAAAAAAAAAAAAAAAAAAAAAAAAAAAAAAFAAAADwAAAAAAAAAAAAAAAAAAAAPAAAAAQAAACMAAAAjAAAAIwAAAB4AAAAAAAAAZAAAAGQAAAAAAAAAZAAAAGQAAAAVAAAAYAAAAAAAAAAAAAAADwAAACADAAAAAAAAAAAAAAEAAACgMgAAVgcAAKr4//8BAAAAf39/AAEAAABkAAAAAAAAABQAAABAHwAAAAAAACYAAAAAAAAAwOD//wAAAAAmAAAAZAAAABYAAABMAAAAAAAAAAAAAAAEAAAAAAAAAAEAAADRSc4KAAAAACgAAAAoAAAAZAAAAGQAAAAAAAAAzMzMAAAAAABQAAAAUAAAAGQAAABkAAAAAAAAABcAAAAUAAAAAAAAAAAAAAD/fwAA/38AAAAAAAAJAAAABAAAAAAAAAAeAAAAaAAAAAAAAAAAAAAAAAAAAAAAAAAAAAAAECcAABAnAAAAAAAAAAAAAAAAAAAAAAAAAAAAAAAAAAAAAAAAAAAAABQAAAAAAAAAwMD/AAAAAABkAAAAMgAAAAAAAABkAAAAAAAAAH9/fwAKAAAAIgAAABgAAAAAAAAAAAAAAAAAAAAAAAAAAAAAAAAAAAAkAAAAJAAAAAAAAAAHAAAAAAAAAAAAAAAAAAAAAAAAAAAAAAAAAAAAf39/ACUAAABYAAAAAAAAAAAAAAAAAAAAAAAAAAAAAAAAAAAAAAAAAAAAAAAAAAAAAAAAAAAAAAA/AAAAAAAAAKCGAQAAAAAAAAAAAAAAAAAMAAAAAQAAAAAAAAAAAAAAAAAAAB8AAABUAAAA////AAAAAAEAAAAAAAAAAAAAAAAAAAAAAAAAAAAAAAAAAAAAAAAAAAAAAAB/f38AAAAAA8zMzADAwP8Af39/AAAAAAAAAAAAAAAAAAAAAAAAAAAAIQAAABgAAAAUAAAA0AIAAGcHAACEGwAAKBAAABAAAAAmAAAACAAAAD0gAAAAAAAA"/>
               </a:ext>
             </a:extLst>
           </p:cNvSpPr>
@@ -11767,7 +11670,7 @@
             <a:spLocks noGrp="1" noChangeArrowheads="1"/>
             <a:extLst>
               <a:ext uri="smNativeData">
-                <pr:smNativeData xmlns:pr="smNativeData" xmlns="smNativeData" val="SMDATA_15_37BZZRMAAAAlAAAAZAAAAA0AAAAAAAAAAAAAAAAAAAAAAAAAAAAAAAAAAAAAAAAAAAEAAABQAAAAAAAAAAAA4D8AAAAAAADgPwAAAAAAAOA/AAAAAAAA4D8AAAAAAADgPwAAAAAAAOA/AAAAAAAA4D8AAAAAAADgPwAAAAAAAOA/AAAAAAAA4D8CAAAAjAAAAAAAAAAAAAAA////AP///wgAAAAAAAAAAAAAAAAAAAAAAAAAAAAAAAAAAAAAeAAAAAEAAABAAAAAAAAAAAAAAABaAAAAAAAAAAAAAAAAAAAAAAAAAAAAAAAAAAAAAAAAAAAAAAAAAAAAAAAAAAAAAAAAAAAAAAAAAAAAAAAAAAAAAAAAAAAAAAAAAAAAFAAAADwAAAAAAAAAAAAAAAAAAAAPAAAAAQAAACMAAAAjAAAAIwAAAB4AAAAAAAAAZAAAAGQAAAAAAAAAZAAAAGQAAAAVAAAAYAAAAAAAAAAAAAAADwAAACADAAAAAAAAAAAAAAEAAACgMgAAVgcAAKr4//8BAAAAf39/AAEAAABkAAAAAAAAABQAAABAHwAAAAAAACYAAAAAAAAAwOD//wAAAAAmAAAAZAAAABYAAABMAAAAAAAAAAAAAAAEAAAAAAAAAAEAAADRSc4KAAAAACgAAAAoAAAAZAAAAGQAAAAAAAAAzMzMAAAAAABQAAAAUAAAAGQAAABkAAAAAAAAABcAAAAUAAAAAAAAAAAAAAD/fwAA/38AAAAAAAAJAAAABAAAAAAAAAAeAAAAaAAAAAAAAAAAAAAAAAAAAAAAAAAAAAAAECcAABAnAAAAAAAAAAAAAAAAAAAAAAAAAAAAAAAAAAAAAAAAAAAAABQAAAAAAAAAwMD/AAAAAABkAAAAMgAAAAAAAABkAAAAAAAAAH9/fwAKAAAAIgAAABgAAAAAAAAAAAAAAAAAAAAAAAAAAAAAAAAAAAAkAAAAJAAAAAAAAAAHAAAAAAAAAAAAAAAAAAAAAAAAAAAAAAAAAAAAf39/ACUAAABYAAAAAAAAAAAAAAAAAAAAAAAAAAAAAAAAAAAAAAAAAAAAAAAAAAAAAAAAAAAAAAA/AAAAAAAAAKCGAQAAAAAAAAAAAAAAAAAMAAAAAQAAAAAAAAAAAAAAAAAAAB8AAABUAAAA////AAAAAAEAAAAAAAAAAAAAAAAAAAAAAAAAAAAAAAAAAAAAAAAAAAAAAAB/f38AAAAAA8zMzADAwP8Af39/AAAAAAAAAAAAAAAAAAAAAAAAAAAAIQAAABgAAAAUAAAAwRwAAGcHAAB1NQAAwRkAABAAAAAmAAAACAAAAD0gAAAAAAAA"/>
+                <pr:smNativeData xmlns:pr="smNativeData" xmlns="smNativeData" val="SMDATA_15_8sFZZRMAAAAlAAAAZAAAAA0AAAAAAAAAAAAAAAAAAAAAAAAAAAAAAAAAAAAAAAAAAAEAAABQAAAAAAAAAAAA4D8AAAAAAADgPwAAAAAAAOA/AAAAAAAA4D8AAAAAAADgPwAAAAAAAOA/AAAAAAAA4D8AAAAAAADgPwAAAAAAAOA/AAAAAAAA4D8CAAAAjAAAAAAAAAAAAAAA////AP///wgAAAAAAAAAAAAAAAAAAAAAAAAAAAAAAAAAAAAAeAAAAAEAAABAAAAAAAAAAAAAAABaAAAAAAAAAAAAAAAAAAAAAAAAAAAAAAAAAAAAAAAAAAAAAAAAAAAAAAAAAAAAAAAAAAAAAAAAAAAAAAAAAAAAAAAAAAAAAAAAAAAAFAAAADwAAAAAAAAAAAAAAAAAAAAPAAAAAQAAACMAAAAjAAAAIwAAAB4AAAAAAAAAZAAAAGQAAAAAAAAAZAAAAGQAAAAVAAAAYAAAAAAAAAAAAAAADwAAACADAAAAAAAAAAAAAAEAAACgMgAAVgcAAKr4//8BAAAAf39/AAEAAABkAAAAAAAAABQAAABAHwAAAAAAACYAAAAAAAAAwOD//wAAAAAmAAAAZAAAABYAAABMAAAAAAAAAAAAAAAEAAAAAAAAAAEAAADRSc4KAAAAACgAAAAoAAAAZAAAAGQAAAAAAAAAzMzMAAAAAABQAAAAUAAAAGQAAABkAAAAAAAAABcAAAAUAAAAAAAAAAAAAAD/fwAA/38AAAAAAAAJAAAABAAAAAAAAAAeAAAAaAAAAAAAAAAAAAAAAAAAAAAAAAAAAAAAECcAABAnAAAAAAAAAAAAAAAAAAAAAAAAAAAAAAAAAAAAAAAAAAAAABQAAAAAAAAAwMD/AAAAAABkAAAAMgAAAAAAAABkAAAAAAAAAH9/fwAKAAAAIgAAABgAAAAAAAAAAAAAAAAAAAAAAAAAAAAAAAAAAAAkAAAAJAAAAAAAAAAHAAAAAAAAAAAAAAAAAAAAAAAAAAAAAAAAAAAAf39/ACUAAABYAAAAAAAAAAAAAAAAAAAAAAAAAAAAAAAAAAAAAAAAAAAAAAAAAAAAAAAAAAAAAAA/AAAAAAAAAKCGAQAAAAAAAAAAAAAAAAAMAAAAAQAAAAAAAAAAAAAAAAAAAB8AAABUAAAA////AAAAAAEAAAAAAAAAAAAAAAAAAAAAAAAAAAAAAAAAAAAAAAAAAAAAAAB/f38AAAAAA8zMzADAwP8Af39/AAAAAAAAAAAAAAAAAAAAAAAAAAAAIQAAABgAAAAUAAAAwRwAAGcHAAB1NQAAwRkAABAAAAAmAAAACAAAAD0gAAAAAAAA"/>
               </a:ext>
             </a:extLst>
           </p:cNvSpPr>
@@ -11800,7 +11703,7 @@
             <a:spLocks noGrp="1" noChangeArrowheads="1"/>
             <a:extLst>
               <a:ext uri="smNativeData">
-                <pr:smNativeData xmlns:pr="smNativeData" xmlns="smNativeData" val="SMDATA_15_37BZZRMAAAAlAAAAZAAAAA0AAAAAAAAAAAAAAAAAAAAAAAAAAAAAAAAAAAAAAAAAAAEAAABQAAAAAAAAAAAA4D8AAAAAAADgPwAAAAAAAOA/AAAAAAAA4D8AAAAAAADgPwAAAAAAAOA/AAAAAAAA4D8AAAAAAADgPwAAAAAAAOA/AAAAAAAA4D8CAAAAjAAAAAAAAAAAAAAA////AP///wgAAAAAAAAAAAAAAAAAAAAAAAAAAAAAAAAAAAAAeAAAAAEAAABAAAAAAAAAAAAAAABaAAAAAAAAAAAAAAAAAAAAAAAAAAAAAAAAAAAAAAAAAAAAAAAAAAAAAAAAAAAAAAAAAAAAAAAAAAAAAAAAAAAAAAAAAAAAAAAAAAAAFAAAADwAAAAAAAAAAAAAAAAAAAAPAAAAAQAAACMAAAAjAAAAIwAAAB4AAAAAAAAAZAAAAGQAAAAAAAAAZAAAAGQAAAAVAAAAYAAAAAAAAAAAAAAADwAAACADAAAAAAAAAAAAAAEAAACgMgAAVgcAAKr4//8BAAAAf39/AAEAAABkAAAAAAAAABQAAABAHwAAAAAAACYAAAAAAAAAwOD//wAAAAAmAAAAZAAAABYAAABMAAAAAAAAAAAAAAAEAAAAAAAAAAEAAADRSc4KAAAAACgAAAAoAAAAZAAAAGQAAAAAAAAAzMzMAAAAAABQAAAAUAAAAGQAAABkAAAAAAAAABcAAAAUAAAAAAAAAAAAAAD/fwAA/38AAAAAAAAJAAAABAAAAHkAAAAeAAAAaAAAAAAAAAAAAAAAAAAAAAAAAAAAAAAAECcAABAnAAAAAAAAAAAAAAAAAAAAAAAAAAAAAAAAAAAAAAAAAAAAABQAAAAAAAAAwMD/AAAAAABkAAAAMgAAAAAAAABkAAAAAAAAAH9/fwAKAAAAIgAAABgAAAAAAAAAAAAAAAAAAAAAAAAAAAAAAAAAAAAkAAAAJAAAAAAAAAAHAAAAAAAAAAAAAAAAAAAAAAAAAAAAAAAAAAAAf39/ACUAAABYAAAAAAAAAAAAAAAAAAAAAAAAAAAAAAAAAAAAAAAAAAAAAAAAAAAAAAAAAAAAAAA/AAAAAAAAAKCGAQAAAAAAAAAAAAAAAAAMAAAAAQAAAAAAAAAAAAAAAAAAAB8AAABUAAAA////AAAAAAEAAAAAAAAAAAAAAAAAAAAAAAAAAAAAAAAAAAAAAAAAAAAAAAB/f38AAAAAA8zMzADAwP8Af39/AAAAAAAAAAAAAAAAAAAAAAAAAAAAIQAAABgAAAAUAAAA0AIAAP0QAACEGwAAvhkAABAAAAAmAAAACAAAAD0gAAAAAAAA"/>
+                <pr:smNativeData xmlns:pr="smNativeData" xmlns="smNativeData" val="SMDATA_15_8sFZZRMAAAAlAAAAZAAAAA0AAAAAAAAAAAAAAAAAAAAAAAAAAAAAAAAAAAAAAAAAAAEAAABQAAAAAAAAAAAA4D8AAAAAAADgPwAAAAAAAOA/AAAAAAAA4D8AAAAAAADgPwAAAAAAAOA/AAAAAAAA4D8AAAAAAADgPwAAAAAAAOA/AAAAAAAA4D8CAAAAjAAAAAAAAAAAAAAA////AP///wgAAAAAAAAAAAAAAAAAAAAAAAAAAAAAAAAAAAAAeAAAAAEAAABAAAAAAAAAAAAAAABaAAAAAAAAAAAAAAAAAAAAAAAAAAAAAAAAAAAAAAAAAAAAAAAAAAAAAAAAAAAAAAAAAAAAAAAAAAAAAAAAAAAAAAAAAAAAAAAAAAAAFAAAADwAAAAAAAAAAAAAAAAAAAAPAAAAAQAAACMAAAAjAAAAIwAAAB4AAAAAAAAAZAAAAGQAAAAAAAAAZAAAAGQAAAAVAAAAYAAAAAAAAAAAAAAADwAAACADAAAAAAAAAAAAAAEAAACgMgAAVgcAAKr4//8BAAAAf39/AAEAAABkAAAAAAAAABQAAABAHwAAAAAAACYAAAAAAAAAwOD//wAAAAAmAAAAZAAAABYAAABMAAAAAAAAAAAAAAAEAAAAAAAAAAEAAADRSc4KAAAAACgAAAAoAAAAZAAAAGQAAAAAAAAAzMzMAAAAAABQAAAAUAAAAGQAAABkAAAAAAAAABcAAAAUAAAAAAAAAAAAAAD/fwAA/38AAAAAAAAJAAAABAAAAAAAAAAeAAAAaAAAAAAAAAAAAAAAAAAAAAAAAAAAAAAAECcAABAnAAAAAAAAAAAAAAAAAAAAAAAAAAAAAAAAAAAAAAAAAAAAABQAAAAAAAAAwMD/AAAAAABkAAAAMgAAAAAAAABkAAAAAAAAAH9/fwAKAAAAIgAAABgAAAAAAAAAAAAAAAAAAAAAAAAAAAAAAAAAAAAkAAAAJAAAAAAAAAAHAAAAAAAAAAAAAAAAAAAAAAAAAAAAAAAAAAAAf39/ACUAAABYAAAAAAAAAAAAAAAAAAAAAAAAAAAAAAAAAAAAAAAAAAAAAAAAAAAAAAAAAAAAAAA/AAAAAAAAAKCGAQAAAAAAAAAAAAAAAAAMAAAAAQAAAAAAAAAAAAAAAAAAAB8AAABUAAAA////AAAAAAEAAAAAAAAAAAAAAAAAAAAAAAAAAAAAAAAAAAAAAAAAAAAAAAB/f38AAAAAA8zMzADAwP8Af39/AAAAAAAAAAAAAAAAAAAAAAAAAAAAIQAAABgAAAAUAAAA0AIAAP0QAACEGwAAvhkAABAAAAAmAAAACAAAAD0gAAAAAAAA"/>
               </a:ext>
             </a:extLst>
           </p:cNvSpPr>
@@ -11858,7 +11761,7 @@
             <a:spLocks noGrp="1" noChangeArrowheads="1"/>
             <a:extLst>
               <a:ext uri="smNativeData">
-                <pr:smNativeData xmlns:pr="smNativeData" xmlns="smNativeData" val="SMDATA_15_37BZZRMAAAAlAAAAZAAAAE0AAAAAAAAAAAAAAAAAAAAAAAAAAAAAAAABAAAAAAAAAAEAAABQAAAAAAAAAAAA4D8AAAAAAADgPwAAAAAAAOA/AAAAAAAA4D8AAAAAAADgPwAAAAAAAOA/AAAAAAAA4D8AAAAAAADgPwAAAAAAAOA/AAAAAAAA4D8CAAAAjAAAAAAAAAAAAAAA////AP///wgAAAAAAAAAAAAAAAAAAAAAAAAAAAAAAAAAAAAAeAAAAAEAAABAAAAAAAAAAAAAAABaAAAAAAAAAAAAAAAAAAAAAAAAAAAAAAAAAAAAAAAAAAAAAAAAAAAAAAAAAAAAAAAAAAAAAAAAAAAAAAAAAAAAAAAAAAAAAAAAAAAAFAAAADwAAAAAAAAAAAAAAAAAAAAPAAAAAQAAACMAAAAjAAAAIwAAAB4AAAAAAAAAZAAAAGQAAAAAAAAAZAAAAGQAAAAVAAAAYAAAAAAAAAAAAAAADwAAACADAAAAAAAAAAAAAAEAAACgMgAAVgcAAKr4//8BAAAAf39/AAEAAABkAAAAAAAAABQAAABAHwAAAAAAACYAAAAAAAAAwOD//wAAAAAmAAAAZAAAABYAAABMAAAAAAAAAAAAAAAEAAAAAAAAAAEAAADRSc4KAAAAACgAAAAoAAAAZAAAAGQAAAAAAAAAzMzMAAAAAABQAAAAUAAAAGQAAABkAAAAAAAAABcAAAAUAAAAAAAAAAAAAAD/fwAA/38AAAAAAAAJAAAABAAAAGwAAAAeAAAAaAAAAAAAAAAAAAAAAAAAAAAAAAAAAAAAECcAABAnAAAAAAAAAAAAAAAAAAAAAAAAAAAAAAAAAAAAAAAAAAAAABQAAAAAAAAAwMD/AAAAAABkAAAAMgAAAAAAAABkAAAAAAAAAH9/fwAKAAAAIgAAABgAAAAAAAAAAAAAAAAAAAAAAAAAAAAAAAAAAAAkAAAAJAAAAAAAAAAHAAAAAAAAAAAAAAAAAAAAAAAAAAAAAAAAAAAAf39/ACUAAABYAAAAAAAAAAAAAAAAAAAAAAAAAAAAAAAAAAAAAAAAAAAAAAAAAAAAAAAAAAAAAAA/AAAAAAAAAKCGAQAAAAAAAAAAAAAAAAAMAAAAAQAAAAAAAAAAAAAAAAAAAB8AAABUAAAA////AAAAAAEAAAAAAAAAAAAAAAAAAAAAAAAAAAAAAAAAAAAAAAAAAAAAAAB/f38AAAAAA8zMzADAwP8Af39/AAAAAAAAAAAAAAAAAAAAAAAAAAAAIQAAABgAAAAUAAAA0AIAAA8AAABvNQAAwAcAABAgAAAmAAAACAAAAD0gAAAAAAAA"/>
+                <pr:smNativeData xmlns:pr="smNativeData" xmlns="smNativeData" val="SMDATA_15_8sFZZRMAAAAlAAAAZAAAAE0AAAAAAAAAAAAAAAAAAAAAAAAAAAAAAAABAAAAAAAAAAEAAABQAAAAAAAAAAAA4D8AAAAAAADgPwAAAAAAAOA/AAAAAAAA4D8AAAAAAADgPwAAAAAAAOA/AAAAAAAA4D8AAAAAAADgPwAAAAAAAOA/AAAAAAAA4D8CAAAAjAAAAAAAAAAAAAAA////AP///wgAAAAAAAAAAAAAAAAAAAAAAAAAAAAAAAAAAAAAeAAAAAEAAABAAAAAAAAAAAAAAABaAAAAAAAAAAAAAAAAAAAAAAAAAAAAAAAAAAAAAAAAAAAAAAAAAAAAAAAAAAAAAAAAAAAAAAAAAAAAAAAAAAAAAAAAAAAAAAAAAAAAFAAAADwAAAAAAAAAAAAAAAAAAAAPAAAAAQAAACMAAAAjAAAAIwAAAB4AAAAAAAAAZAAAAGQAAAAAAAAAZAAAAGQAAAAVAAAAYAAAAAAAAAAAAAAADwAAACADAAAAAAAAAAAAAAEAAACgMgAAVgcAAKr4//8BAAAAf39/AAEAAABkAAAAAAAAABQAAABAHwAAAAAAACYAAAAAAAAAwOD//wAAAAAmAAAAZAAAABYAAABMAAAAAAAAAAAAAAAEAAAAAAAAAAEAAADRSc4KAAAAACgAAAAoAAAAZAAAAGQAAAAAAAAAzMzMAAAAAABQAAAAUAAAAGQAAABkAAAAAAAAABcAAAAUAAAAAAAAAAAAAAD/fwAA/38AAAAAAAAJAAAABAAAAAAAAAAeAAAAaAAAAAAAAAAAAAAAAAAAAAAAAAAAAAAAECcAABAnAAAAAAAAAAAAAAAAAAAAAAAAAAAAAAAAAAAAAAAAAAAAABQAAAAAAAAAwMD/AAAAAABkAAAAMgAAAAAAAABkAAAAAAAAAH9/fwAKAAAAIgAAABgAAAAAAAAAAAAAAAAAAAAAAAAAAAAAAAAAAAAkAAAAJAAAAAAAAAAHAAAAAAAAAAAAAAAAAAAAAAAAAAAAAAAAAAAAf39/ACUAAABYAAAAAAAAAAAAAAAAAAAAAAAAAAAAAAAAAAAAAAAAAAAAAAAAAAAAAAAAAAAAAAA/AAAAAAAAAKCGAQAAAAAAAAAAAAAAAAAMAAAAAQAAAAAAAAAAAAAAAAAAAB8AAABUAAAA////AAAAAAEAAAAAAAAAAAAAAAAAAAAAAAAAAAAAAAAAAAAAAAAAAAAAAAB/f38AAAAAA8zMzADAwP8Af39/AAAAAAAAAAAAAAAAAAAAAAAAAAAAIQAAABgAAAAUAAAA0AIAAA8AAABvNQAAwAcAABAgAAAmAAAACAAAAD0gAAAAAAAA"/>
               </a:ext>
             </a:extLst>
           </p:cNvSpPr>
@@ -11891,7 +11794,7 @@
             <a:spLocks noGrp="1" noChangeArrowheads="1"/>
             <a:extLst>
               <a:ext uri="smNativeData">
-                <pr:smNativeData xmlns:pr="smNativeData" xmlns="smNativeData" val="SMDATA_15_37BZZRMAAAAlAAAAZAAAAA0AAAAAAAAAAAAAAAAAAAAAAAAAAAAAAAAAAAAAAAAAAAEAAABQAAAAAAAAAAAA4D8AAAAAAADgPwAAAAAAAOA/AAAAAAAA4D8AAAAAAADgPwAAAAAAAOA/AAAAAAAA4D8AAAAAAADgPwAAAAAAAOA/AAAAAAAA4D8CAAAAjAAAAAAAAAAAAAAA////AP///wgAAAAAAAAAAAAAAAAAAAAAAAAAAAAAAAAAAAAAeAAAAAEAAABAAAAAAAAAAAAAAABaAAAAAAAAAAAAAAAAAAAAAAAAAAAAAAAAAAAAAAAAAAAAAAAAAAAAAAAAAAAAAAAAAAAAAAAAAAAAAAAAAAAAAAAAAAAAAAAAAAAAFAAAADwAAAAAAAAAAAAAAAAAAAAPAAAAAQAAACMAAAAjAAAAIwAAAB4AAAAAAAAAZAAAAGQAAAAAAAAAZAAAAGQAAAAVAAAAYAAAAAAAAAAAAAAADwAAACADAAAAAAAAAAAAAAEAAACgMgAAVgcAAKr4//8BAAAAf39/AAEAAABkAAAAAAAAABQAAABAHwAAAAAAACYAAAAAAAAAwOD//wAAAAAmAAAAZAAAABYAAABMAAAAAAAAAAAAAAAEAAAAAAAAAAEAAADRSc4KAAAAACgAAAAoAAAAZAAAAGQAAAAAAAAAzMzMAAAAAABQAAAAUAAAAGQAAABkAAAAAAAAABcAAAAUAAAAAAAAAAAAAAD/fwAA/38AAAAAAAAJAAAABAAAAAAAAAAeAAAAaAAAAAAAAAAAAAAAAAAAAAAAAAAAAAAAECcAABAnAAAAAAAAAAAAAAAAAAAAAAAAAAAAAAAAAAAAAAAAAAAAABQAAAAAAAAAwMD/AAAAAABkAAAAMgAAAAAAAABkAAAAAAAAAH9/fwAKAAAAIgAAABgAAAAAAAAAAAAAAAAAAAAAAAAAAAAAAAAAAAAkAAAAJAAAAAAAAAAHAAAAAAAAAAAAAAAAAAAAAAAAAAAAAAAAAAAAf39/ACUAAABYAAAAAAAAAAAAAAAAAAAAAAAAAAAAAAAAAAAAAAAAAAAAAAAAAAAAAAAAAAAAAAA/AAAAAAAAAKCGAQAAAAAAAAAAAAAAAAAMAAAAAQAAAAAAAAAAAAAAAAAAAB8AAABUAAAA////AAAAAAEAAAAAAAAAAAAAAAAAAAAAAAAAAAAAAAAAAAAAAAAAAAAAAAB/f38AAAAAA8zMzADAwP8Af39/AAAAAAAAAAAAAAAAAAAAAAAAAAAAIQAAABgAAAAUAAAA0AIAAGcHAACEGwAAwRkAABAAAAAmAAAACAAAAD0gAAAAAAAA"/>
+                <pr:smNativeData xmlns:pr="smNativeData" xmlns="smNativeData" val="SMDATA_15_8sFZZRMAAAAlAAAAZAAAAA0AAAAAAAAAAAAAAAAAAAAAAAAAAAAAAAAAAAAAAAAAAAEAAABQAAAAAAAAAAAA4D8AAAAAAADgPwAAAAAAAOA/AAAAAAAA4D8AAAAAAADgPwAAAAAAAOA/AAAAAAAA4D8AAAAAAADgPwAAAAAAAOA/AAAAAAAA4D8CAAAAjAAAAAAAAAAAAAAA////AP///wgAAAAAAAAAAAAAAAAAAAAAAAAAAAAAAAAAAAAAeAAAAAEAAABAAAAAAAAAAAAAAABaAAAAAAAAAAAAAAAAAAAAAAAAAAAAAAAAAAAAAAAAAAAAAAAAAAAAAAAAAAAAAAAAAAAAAAAAAAAAAAAAAAAAAAAAAAAAAAAAAAAAFAAAADwAAAAAAAAAAAAAAAAAAAAPAAAAAQAAACMAAAAjAAAAIwAAAB4AAAAAAAAAZAAAAGQAAAAAAAAAZAAAAGQAAAAVAAAAYAAAAAAAAAAAAAAADwAAACADAAAAAAAAAAAAAAEAAACgMgAAVgcAAKr4//8BAAAAf39/AAEAAABkAAAAAAAAABQAAABAHwAAAAAAACYAAAAAAAAAwOD//wAAAAAmAAAAZAAAABYAAABMAAAAAAAAAAAAAAAEAAAAAAAAAAEAAADRSc4KAAAAACgAAAAoAAAAZAAAAGQAAAAAAAAAzMzMAAAAAABQAAAAUAAAAGQAAABkAAAAAAAAABcAAAAUAAAAAAAAAAAAAAD/fwAA/38AAAAAAAAJAAAABAAAAAAAAAAeAAAAaAAAAAAAAAAAAAAAAAAAAAAAAAAAAAAAECcAABAnAAAAAAAAAAAAAAAAAAAAAAAAAAAAAAAAAAAAAAAAAAAAABQAAAAAAAAAwMD/AAAAAABkAAAAMgAAAAAAAABkAAAAAAAAAH9/fwAKAAAAIgAAABgAAAAAAAAAAAAAAAAAAAAAAAAAAAAAAAAAAAAkAAAAJAAAAAAAAAAHAAAAAAAAAAAAAAAAAAAAAAAAAAAAAAAAAAAAf39/ACUAAABYAAAAAAAAAAAAAAAAAAAAAAAAAAAAAAAAAAAAAAAAAAAAAAAAAAAAAAAAAAAAAAA/AAAAAAAAAKCGAQAAAAAAAAAAAAAAAAAMAAAAAQAAAAAAAAAAAAAAAAAAAB8AAABUAAAA////AAAAAAEAAAAAAAAAAAAAAAAAAAAAAAAAAAAAAAAAAAAAAAAAAAAAAAB/f38AAAAAA8zMzADAwP8Af39/AAAAAAAAAAAAAAAAAAAAAAAAAAAAIQAAABgAAAAUAAAA0AIAAGcHAACEGwAAwRkAABAAAAAmAAAACAAAAD0gAAAAAAAA"/>
               </a:ext>
             </a:extLst>
           </p:cNvSpPr>
@@ -11924,7 +11827,7 @@
             <a:spLocks noGrp="1" noChangeArrowheads="1"/>
             <a:extLst>
               <a:ext uri="smNativeData">
-                <pr:smNativeData xmlns:pr="smNativeData" xmlns="smNativeData" val="SMDATA_15_37BZZRMAAAAlAAAAZAAAAA0AAAAAAAAAAAAAAAAAAAAAAAAAAAAAAAAAAAAAAAAAAAEAAABQAAAAAAAAAAAA4D8AAAAAAADgPwAAAAAAAOA/AAAAAAAA4D8AAAAAAADgPwAAAAAAAOA/AAAAAAAA4D8AAAAAAADgPwAAAAAAAOA/AAAAAAAA4D8CAAAAjAAAAAAAAAAAAAAA////AP///wgAAAAAAAAAAAAAAAAAAAAAAAAAAAAAAAAAAAAAeAAAAAEAAABAAAAAAAAAAAAAAABaAAAAAAAAAAAAAAAAAAAAAAAAAAAAAAAAAAAAAAAAAAAAAAAAAAAAAAAAAAAAAAAAAAAAAAAAAAAAAAAAAAAAAAAAAAAAAAAAAAAAFAAAADwAAAAAAAAAAAAAAAAAAAAPAAAAAQAAACMAAAAjAAAAIwAAAB4AAAAAAAAAZAAAAGQAAAAAAAAAZAAAAGQAAAAVAAAAYAAAAAAAAAAAAAAADwAAACADAAAAAAAAAAAAAAEAAACgMgAAVgcAAKr4//8BAAAAf39/AAEAAABkAAAAAAAAABQAAABAHwAAAAAAACYAAAAAAAAAwOD//wAAAAAmAAAAZAAAABYAAABMAAAAAAAAAAAAAAAEAAAAAAAAAAEAAADRSc4KAAAAACgAAAAoAAAAZAAAAGQAAAAAAAAAzMzMAAAAAABQAAAAUAAAAGQAAABkAAAAAAAAABcAAAAUAAAAAAAAAAAAAAD/fwAA/38AAAAAAAAJAAAABAAAAAAAAAAeAAAAaAAAAAAAAAAAAAAAAAAAAAAAAAAAAAAAECcAABAnAAAAAAAAAAAAAAAAAAAAAAAAAAAAAAAAAAAAAAAAAAAAABQAAAAAAAAAwMD/AAAAAABkAAAAMgAAAAAAAABkAAAAAAAAAH9/fwAKAAAAIgAAABgAAAAAAAAAAAAAAAAAAAAAAAAAAAAAAAAAAAAkAAAAJAAAAAAAAAAHAAAAAAAAAAAAAAAAAAAAAAAAAAAAAAAAAAAAf39/ACUAAABYAAAAAAAAAAAAAAAAAAAAAAAAAAAAAAAAAAAAAAAAAAAAAAAAAAAAAAAAAAAAAAA/AAAAAAAAAKCGAQAAAAAAAAAAAAAAAAAMAAAAAQAAAAAAAAAAAAAAAAAAAB8AAABUAAAA////AAAAAAEAAAAAAAAAAAAAAAAAAAAAAAAAAAAAAAAAAAAAAAAAAAAAAAB/f38AAAAAA8zMzADAwP8Af39/AAAAAAAAAAAAAAAAAAAAAAAAAAAAIQAAABgAAAAUAAAAwRwAAGcHAAB1NQAAKBAAABAAAAAmAAAACAAAAD0gAAAAAAAA"/>
+                <pr:smNativeData xmlns:pr="smNativeData" xmlns="smNativeData" val="SMDATA_15_8sFZZRMAAAAlAAAAZAAAAA0AAAAAAAAAAAAAAAAAAAAAAAAAAAAAAAAAAAAAAAAAAAEAAABQAAAAAAAAAAAA4D8AAAAAAADgPwAAAAAAAOA/AAAAAAAA4D8AAAAAAADgPwAAAAAAAOA/AAAAAAAA4D8AAAAAAADgPwAAAAAAAOA/AAAAAAAA4D8CAAAAjAAAAAAAAAAAAAAA////AP///wgAAAAAAAAAAAAAAAAAAAAAAAAAAAAAAAAAAAAAeAAAAAEAAABAAAAAAAAAAAAAAABaAAAAAAAAAAAAAAAAAAAAAAAAAAAAAAAAAAAAAAAAAAAAAAAAAAAAAAAAAAAAAAAAAAAAAAAAAAAAAAAAAAAAAAAAAAAAAAAAAAAAFAAAADwAAAAAAAAAAAAAAAAAAAAPAAAAAQAAACMAAAAjAAAAIwAAAB4AAAAAAAAAZAAAAGQAAAAAAAAAZAAAAGQAAAAVAAAAYAAAAAAAAAAAAAAADwAAACADAAAAAAAAAAAAAAEAAACgMgAAVgcAAKr4//8BAAAAf39/AAEAAABkAAAAAAAAABQAAABAHwAAAAAAACYAAAAAAAAAwOD//wAAAAAmAAAAZAAAABYAAABMAAAAAAAAAAAAAAAEAAAAAAAAAAEAAADRSc4KAAAAACgAAAAoAAAAZAAAAGQAAAAAAAAAzMzMAAAAAABQAAAAUAAAAGQAAABkAAAAAAAAABcAAAAUAAAAAAAAAAAAAAD/fwAA/38AAAAAAAAJAAAABAAAAAAAAAAeAAAAaAAAAAAAAAAAAAAAAAAAAAAAAAAAAAAAECcAABAnAAAAAAAAAAAAAAAAAAAAAAAAAAAAAAAAAAAAAAAAAAAAABQAAAAAAAAAwMD/AAAAAABkAAAAMgAAAAAAAABkAAAAAAAAAH9/fwAKAAAAIgAAABgAAAAAAAAAAAAAAAAAAAAAAAAAAAAAAAAAAAAkAAAAJAAAAAAAAAAHAAAAAAAAAAAAAAAAAAAAAAAAAAAAAAAAAAAAf39/ACUAAABYAAAAAAAAAAAAAAAAAAAAAAAAAAAAAAAAAAAAAAAAAAAAAAAAAAAAAAAAAAAAAAA/AAAAAAAAAKCGAQAAAAAAAAAAAAAAAAAMAAAAAQAAAAAAAAAAAAAAAAAAAB8AAABUAAAA////AAAAAAEAAAAAAAAAAAAAAAAAAAAAAAAAAAAAAAAAAAAAAAAAAAAAAAB/f38AAAAAA8zMzADAwP8Af39/AAAAAAAAAAAAAAAAAAAAAAAAAAAAIQAAABgAAAAUAAAAwRwAAGcHAAB1NQAAKBAAABAAAAAmAAAACAAAAD0gAAAAAAAA"/>
               </a:ext>
             </a:extLst>
           </p:cNvSpPr>
@@ -11957,7 +11860,7 @@
             <a:spLocks noGrp="1" noChangeArrowheads="1"/>
             <a:extLst>
               <a:ext uri="smNativeData">
-                <pr:smNativeData xmlns:pr="smNativeData" xmlns="smNativeData" val="SMDATA_15_37BZZRMAAAAlAAAAZAAAAA0AAAAAAAAAAAAAAAAAAAAAAAAAAAAAAAAAAAAAAAAAAAEAAABQAAAAAAAAAAAA4D8AAAAAAADgPwAAAAAAAOA/AAAAAAAA4D8AAAAAAADgPwAAAAAAAOA/AAAAAAAA4D8AAAAAAADgPwAAAAAAAOA/AAAAAAAA4D8CAAAAjAAAAAAAAAAAAAAA////AP///wgAAAAAAAAAAAAAAAAAAAAAAAAAAAAAAAAAAAAAeAAAAAEAAABAAAAAAAAAAAAAAABaAAAAAAAAAAAAAAAAAAAAAAAAAAAAAAAAAAAAAAAAAAAAAAAAAAAAAAAAAAAAAAAAAAAAAAAAAAAAAAAAAAAAAAAAAAAAAAAAAAAAFAAAADwAAAAAAAAAAAAAAAAAAAAPAAAAAQAAACMAAAAjAAAAIwAAAB4AAAAAAAAAZAAAAGQAAAAAAAAAZAAAAGQAAAAVAAAAYAAAAAAAAAAAAAAADwAAACADAAAAAAAAAAAAAAEAAACgMgAAVgcAAKr4//8BAAAAf39/AAEAAABkAAAAAAAAABQAAABAHwAAAAAAACYAAAAAAAAAwOD//wAAAAAmAAAAZAAAABYAAABMAAAAAAAAAAAAAAAEAAAAAAAAAAEAAADRSc4KAAAAACgAAAAoAAAAZAAAAGQAAAAAAAAAzMzMAAAAAABQAAAAUAAAAGQAAABkAAAAAAAAABcAAAAUAAAAAAAAAAAAAAD/fwAA/38AAAAAAAAJAAAABAAAAAAAAAAeAAAAaAAAAAAAAAAAAAAAAAAAAAAAAAAAAAAAECcAABAnAAAAAAAAAAAAAAAAAAAAAAAAAAAAAAAAAAAAAAAAAAAAABQAAAAAAAAAwMD/AAAAAABkAAAAMgAAAAAAAABkAAAAAAAAAH9/fwAKAAAAIgAAABgAAAAAAAAAAAAAAAAAAAAAAAAAAAAAAAAAAAAkAAAAJAAAAAAAAAAHAAAAAAAAAAAAAAAAAAAAAAAAAAAAAAAAAAAAf39/ACUAAABYAAAAAAAAAAAAAAAAAAAAAAAAAAAAAAAAAAAAAAAAAAAAAAAAAAAAAAAAAAAAAAA/AAAAAAAAAKCGAQAAAAAAAAAAAAAAAAAMAAAAAQAAAAAAAAAAAAAAAAAAAB8AAABUAAAA////AAAAAAEAAAAAAAAAAAAAAAAAAAAAAAAAAAAAAAAAAAAAAAAAAAAAAAB/f38AAAAAA8zMzADAwP8Af39/AAAAAAAAAAAAAAAAAAAAAAAAAAAAIQAAABgAAAAUAAAAwRwAAP0QAAB1NQAAvhkAABAAAAAmAAAACAAAAD0gAAAAAAAA"/>
+                <pr:smNativeData xmlns:pr="smNativeData" xmlns="smNativeData" val="SMDATA_15_8sFZZRMAAAAlAAAAZAAAAA0AAAAAAAAAAAAAAAAAAAAAAAAAAAAAAAAAAAAAAAAAAAEAAABQAAAAAAAAAAAA4D8AAAAAAADgPwAAAAAAAOA/AAAAAAAA4D8AAAAAAADgPwAAAAAAAOA/AAAAAAAA4D8AAAAAAADgPwAAAAAAAOA/AAAAAAAA4D8CAAAAjAAAAAAAAAAAAAAA////AP///wgAAAAAAAAAAAAAAAAAAAAAAAAAAAAAAAAAAAAAeAAAAAEAAABAAAAAAAAAAAAAAABaAAAAAAAAAAAAAAAAAAAAAAAAAAAAAAAAAAAAAAAAAAAAAAAAAAAAAAAAAAAAAAAAAAAAAAAAAAAAAAAAAAAAAAAAAAAAAAAAAAAAFAAAADwAAAAAAAAAAAAAAAAAAAAPAAAAAQAAACMAAAAjAAAAIwAAAB4AAAAAAAAAZAAAAGQAAAAAAAAAZAAAAGQAAAAVAAAAYAAAAAAAAAAAAAAADwAAACADAAAAAAAAAAAAAAEAAACgMgAAVgcAAKr4//8BAAAAf39/AAEAAABkAAAAAAAAABQAAABAHwAAAAAAACYAAAAAAAAAwOD//wAAAAAmAAAAZAAAABYAAABMAAAAAAAAAAAAAAAEAAAAAAAAAAEAAADRSc4KAAAAACgAAAAoAAAAZAAAAGQAAAAAAAAAzMzMAAAAAABQAAAAUAAAAGQAAABkAAAAAAAAABcAAAAUAAAAAAAAAAAAAAD/fwAA/38AAAAAAAAJAAAABAAAAAAAAAAeAAAAaAAAAAAAAAAAAAAAAAAAAAAAAAAAAAAAECcAABAnAAAAAAAAAAAAAAAAAAAAAAAAAAAAAAAAAAAAAAAAAAAAABQAAAAAAAAAwMD/AAAAAABkAAAAMgAAAAAAAABkAAAAAAAAAH9/fwAKAAAAIgAAABgAAAAAAAAAAAAAAAAAAAAAAAAAAAAAAAAAAAAkAAAAJAAAAAAAAAAHAAAAAAAAAAAAAAAAAAAAAAAAAAAAAAAAAAAAf39/ACUAAABYAAAAAAAAAAAAAAAAAAAAAAAAAAAAAAAAAAAAAAAAAAAAAAAAAAAAAAAAAAAAAAA/AAAAAAAAAKCGAQAAAAAAAAAAAAAAAAAMAAAAAQAAAAAAAAAAAAAAAAAAAB8AAABUAAAA////AAAAAAEAAAAAAAAAAAAAAAAAAAAAAAAAAAAAAAAAAAAAAAAAAAAAAAB/f38AAAAAA8zMzADAwP8Af39/AAAAAAAAAAAAAAAAAAAAAAAAAAAAIQAAABgAAAAUAAAAwRwAAP0QAAB1NQAAvhkAABAAAAAmAAAACAAAAD0gAAAAAAAA"/>
               </a:ext>
             </a:extLst>
           </p:cNvSpPr>
@@ -12015,7 +11918,7 @@
             <a:spLocks noGrp="1" noChangeArrowheads="1"/>
             <a:extLst>
               <a:ext uri="smNativeData">
-                <pr:smNativeData xmlns:pr="smNativeData" xmlns="smNativeData" val="SMDATA_15_37BZZRMAAAAlAAAAZAAAAE0AAAAAAAAAAAAAAAAAAAAAAAAAAAAAAAABAAAAAAAAAAEAAABQAAAAAAAAAAAA4D8AAAAAAADgPwAAAAAAAOA/AAAAAAAA4D8AAAAAAADgPwAAAAAAAOA/AAAAAAAA4D8AAAAAAADgPwAAAAAAAOA/AAAAAAAA4D8CAAAAjAAAAAAAAAAAAAAA////AP///wgAAAAAAAAAAAAAAAAAAAAAAAAAAAAAAAAAAAAAeAAAAAEAAABAAAAAAAAAAAAAAABaAAAAAAAAAAAAAAAAAAAAAAAAAAAAAAAAAAAAAAAAAAAAAAAAAAAAAAAAAAAAAAAAAAAAAAAAAAAAAAAAAAAAAAAAAAAAAAAAAAAAFAAAADwAAAAAAAAAAAAAAAAAAAAPAAAAAQAAACMAAAAjAAAAIwAAAB4AAAAAAAAAZAAAAGQAAAAAAAAAZAAAAGQAAAAVAAAAYAAAAAAAAAAAAAAADwAAACADAAAAAAAAAAAAAAEAAACgMgAAVgcAAKr4//8BAAAAf39/AAEAAABkAAAAAAAAABQAAABAHwAAAAAAACYAAAAAAAAAwOD//wAAAAAmAAAAZAAAABYAAABMAAAAAAAAAAAAAAAEAAAAAAAAAAEAAADRSc4KAAAAACgAAAAoAAAAZAAAAGQAAAAAAAAAzMzMAAAAAABQAAAAUAAAAGQAAABkAAAAAAAAABcAAAAUAAAAAAAAAAAAAAD/fwAA/38AAAAAAAAJAAAABAAAAAAAAAAeAAAAaAAAAAAAAAAAAAAAAAAAAAAAAAAAAAAAECcAABAnAAAAAAAAAAAAAAAAAAAAAAAAAAAAAAAAAAAAAAAAAAAAABQAAAAAAAAAwMD/AAAAAABkAAAAMgAAAAAAAABkAAAAAAAAAH9/fwAKAAAAIgAAABgAAAAAAAAAAAAAAAAAAAAAAAAAAAAAAAAAAAAkAAAAJAAAAAAAAAAHAAAAAAAAAAAAAAAAAAAAAAAAAAAAAAAAAAAAf39/ACUAAABYAAAAAAAAAAAAAAAAAAAAAAAAAAAAAAAAAAAAAAAAAAAAAAAAAAAAAAAAAAAAAAA/AAAAAAAAAKCGAQAAAAAAAAAAAAAAAAAMAAAAAQAAAAAAAAAAAAAAAAAAAB8AAABUAAAA////AAAAAAEAAAAAAAAAAAAAAAAAAAAAAAAAAAAAAAAAAAAAAAAAAAAAAAB/f38AAAAAA8zMzADAwP8Af39/AAAAAAAAAAAAAAAAAAAAAAAAAAAAIQAAABgAAAAUAAAA0AIAAA8AAABvNQAAwAcAABAgAAAmAAAACAAAAD0gAAAAAAAA"/>
+                <pr:smNativeData xmlns:pr="smNativeData" xmlns="smNativeData" val="SMDATA_15_8sFZZRMAAAAlAAAAZAAAAE0AAAAAAAAAAAAAAAAAAAAAAAAAAAAAAAABAAAAAAAAAAEAAABQAAAAAAAAAAAA4D8AAAAAAADgPwAAAAAAAOA/AAAAAAAA4D8AAAAAAADgPwAAAAAAAOA/AAAAAAAA4D8AAAAAAADgPwAAAAAAAOA/AAAAAAAA4D8CAAAAjAAAAAAAAAAAAAAA////AP///wgAAAAAAAAAAAAAAAAAAAAAAAAAAAAAAAAAAAAAeAAAAAEAAABAAAAAAAAAAAAAAABaAAAAAAAAAAAAAAAAAAAAAAAAAAAAAAAAAAAAAAAAAAAAAAAAAAAAAAAAAAAAAAAAAAAAAAAAAAAAAAAAAAAAAAAAAAAAAAAAAAAAFAAAADwAAAAAAAAAAAAAAAAAAAAPAAAAAQAAACMAAAAjAAAAIwAAAB4AAAAAAAAAZAAAAGQAAAAAAAAAZAAAAGQAAAAVAAAAYAAAAAAAAAAAAAAADwAAACADAAAAAAAAAAAAAAEAAACgMgAAVgcAAKr4//8BAAAAf39/AAEAAABkAAAAAAAAABQAAABAHwAAAAAAACYAAAAAAAAAwOD//wAAAAAmAAAAZAAAABYAAABMAAAAAAAAAAAAAAAEAAAAAAAAAAEAAADRSc4KAAAAACgAAAAoAAAAZAAAAGQAAAAAAAAAzMzMAAAAAABQAAAAUAAAAGQAAABkAAAAAAAAABcAAAAUAAAAAAAAAAAAAAD/fwAA/38AAAAAAAAJAAAABAAAAAAAAAAeAAAAaAAAAAAAAAAAAAAAAAAAAAAAAAAAAAAAECcAABAnAAAAAAAAAAAAAAAAAAAAAAAAAAAAAAAAAAAAAAAAAAAAABQAAAAAAAAAwMD/AAAAAABkAAAAMgAAAAAAAABkAAAAAAAAAH9/fwAKAAAAIgAAABgAAAAAAAAAAAAAAAAAAAAAAAAAAAAAAAAAAAAkAAAAJAAAAAAAAAAHAAAAAAAAAAAAAAAAAAAAAAAAAAAAAAAAAAAAf39/ACUAAABYAAAAAAAAAAAAAAAAAAAAAAAAAAAAAAAAAAAAAAAAAAAAAAAAAAAAAAAAAAAAAAA/AAAAAAAAAKCGAQAAAAAAAAAAAAAAAAAMAAAAAQAAAAAAAAAAAAAAAAAAAB8AAABUAAAA////AAAAAAEAAAAAAAAAAAAAAAAAAAAAAAAAAAAAAAAAAAAAAAAAAAAAAAB/f38AAAAAA8zMzADAwP8Af39/AAAAAAAAAAAAAAAAAAAAAAAAAAAAIQAAABgAAAAUAAAA0AIAAA8AAABvNQAAwAcAABAgAAAmAAAACAAAAD0gAAAAAAAA"/>
               </a:ext>
             </a:extLst>
           </p:cNvSpPr>
@@ -12048,7 +11951,7 @@
             <a:spLocks noGrp="1" noChangeArrowheads="1"/>
             <a:extLst>
               <a:ext uri="smNativeData">
-                <pr:smNativeData xmlns:pr="smNativeData" xmlns="smNativeData" val="SMDATA_15_37BZZRMAAAAlAAAAZAAAAA0AAAAAAAAAAAAAAAAAAAAAAAAAAAAAAAAAAAAAAAAAAAEAAABQAAAAAAAAAAAA4D8AAAAAAADgPwAAAAAAAOA/AAAAAAAA4D8AAAAAAADgPwAAAAAAAOA/AAAAAAAA4D8AAAAAAADgPwAAAAAAAOA/AAAAAAAA4D8CAAAAjAAAAAAAAAAAAAAA////AP///wgAAAAAAAAAAAAAAAAAAAAAAAAAAAAAAAAAAAAAeAAAAAEAAABAAAAAAAAAAAAAAABaAAAAAAAAAAAAAAAAAAAAAAAAAAAAAAAAAAAAAAAAAAAAAAAAAAAAAAAAAAAAAAAAAAAAAAAAAAAAAAAAAAAAAAAAAAAAAAAAAAAAFAAAADwAAAAAAAAAAAAAAAAAAAAPAAAAAQAAACMAAAAjAAAAIwAAAB4AAAAAAAAAZAAAAGQAAAAAAAAAZAAAAGQAAAAVAAAAYAAAAAAAAAAAAAAADwAAACADAAAAAAAAAAAAAAEAAACgMgAAVgcAAKr4//8BAAAAf39/AAEAAABkAAAAAAAAABQAAABAHwAAAAAAACYAAAAAAAAAwOD//wAAAAAmAAAAZAAAABYAAABMAAAAAAAAAAAAAAAEAAAAAAAAAAEAAADRSc4KAAAAACgAAAAoAAAAZAAAAGQAAAAAAAAAzMzMAAAAAABQAAAAUAAAAGQAAABkAAAAAAAAABcAAAAUAAAAAAAAAAAAAAD/fwAA/38AAAAAAAAJAAAABAAAAAAAAAAeAAAAaAAAAAAAAAAAAAAAAAAAAAAAAAAAAAAAECcAABAnAAAAAAAAAAAAAAAAAAAAAAAAAAAAAAAAAAAAAAAAAAAAABQAAAAAAAAAwMD/AAAAAABkAAAAMgAAAAAAAABkAAAAAAAAAH9/fwAKAAAAIgAAABgAAAAAAAAAAAAAAAAAAAAAAAAAAAAAAAAAAAAkAAAAJAAAAAAAAAAHAAAAAAAAAAAAAAAAAAAAAAAAAAAAAAAAAAAAf39/ACUAAABYAAAAAAAAAAAAAAAAAAAAAAAAAAAAAAAAAAAAAAAAAAAAAAAAAAAAAAAAAAAAAAA/AAAAAAAAAKCGAQAAAAAAAAAAAAAAAAAMAAAAAQAAAAAAAAAAAAAAAAAAAB8AAABUAAAA////AAAAAAEAAAAAAAAAAAAAAAAAAAAAAAAAAAAAAAAAAAAAAAAAAAAAAAB/f38AAAAAA8zMzADAwP8Af39/AAAAAAAAAAAAAAAAAAAAAAAAAAAAIQAAABgAAAAUAAAA0AIAAGcHAACEGwAAKBAAABAAAAAmAAAACAAAAD0gAAAAAAAA"/>
+                <pr:smNativeData xmlns:pr="smNativeData" xmlns="smNativeData" val="SMDATA_15_8sFZZRMAAAAlAAAAZAAAAA0AAAAAAAAAAAAAAAAAAAAAAAAAAAAAAAAAAAAAAAAAAAEAAABQAAAAAAAAAAAA4D8AAAAAAADgPwAAAAAAAOA/AAAAAAAA4D8AAAAAAADgPwAAAAAAAOA/AAAAAAAA4D8AAAAAAADgPwAAAAAAAOA/AAAAAAAA4D8CAAAAjAAAAAAAAAAAAAAA////AP///wgAAAAAAAAAAAAAAAAAAAAAAAAAAAAAAAAAAAAAeAAAAAEAAABAAAAAAAAAAAAAAABaAAAAAAAAAAAAAAAAAAAAAAAAAAAAAAAAAAAAAAAAAAAAAAAAAAAAAAAAAAAAAAAAAAAAAAAAAAAAAAAAAAAAAAAAAAAAAAAAAAAAFAAAADwAAAAAAAAAAAAAAAAAAAAPAAAAAQAAACMAAAAjAAAAIwAAAB4AAAAAAAAAZAAAAGQAAAAAAAAAZAAAAGQAAAAVAAAAYAAAAAAAAAAAAAAADwAAACADAAAAAAAAAAAAAAEAAACgMgAAVgcAAKr4//8BAAAAf39/AAEAAABkAAAAAAAAABQAAABAHwAAAAAAACYAAAAAAAAAwOD//wAAAAAmAAAAZAAAABYAAABMAAAAAAAAAAAAAAAEAAAAAAAAAAEAAADRSc4KAAAAACgAAAAoAAAAZAAAAGQAAAAAAAAAzMzMAAAAAABQAAAAUAAAAGQAAABkAAAAAAAAABcAAAAUAAAAAAAAAAAAAAD/fwAA/38AAAAAAAAJAAAABAAAAAAAAAAeAAAAaAAAAAAAAAAAAAAAAAAAAAAAAAAAAAAAECcAABAnAAAAAAAAAAAAAAAAAAAAAAAAAAAAAAAAAAAAAAAAAAAAABQAAAAAAAAAwMD/AAAAAABkAAAAMgAAAAAAAABkAAAAAAAAAH9/fwAKAAAAIgAAABgAAAAAAAAAAAAAAAAAAAAAAAAAAAAAAAAAAAAkAAAAJAAAAAAAAAAHAAAAAAAAAAAAAAAAAAAAAAAAAAAAAAAAAAAAf39/ACUAAABYAAAAAAAAAAAAAAAAAAAAAAAAAAAAAAAAAAAAAAAAAAAAAAAAAAAAAAAAAAAAAAA/AAAAAAAAAKCGAQAAAAAAAAAAAAAAAAAMAAAAAQAAAAAAAAAAAAAAAAAAAB8AAABUAAAA////AAAAAAEAAAAAAAAAAAAAAAAAAAAAAAAAAAAAAAAAAAAAAAAAAAAAAAB/f38AAAAAA8zMzADAwP8Af39/AAAAAAAAAAAAAAAAAAAAAAAAAAAAIQAAABgAAAAUAAAA0AIAAGcHAACEGwAAKBAAABAAAAAmAAAACAAAAD0gAAAAAAAA"/>
               </a:ext>
             </a:extLst>
           </p:cNvSpPr>
@@ -12081,7 +11984,7 @@
             <a:spLocks noGrp="1" noChangeArrowheads="1"/>
             <a:extLst>
               <a:ext uri="smNativeData">
-                <pr:smNativeData xmlns:pr="smNativeData" xmlns="smNativeData" val="SMDATA_15_37BZZRMAAAAlAAAAZAAAAA0AAAAAAAAAAAAAAAAAAAAAAAAAAAAAAAAAAAAAAAAAAAEAAABQAAAAAAAAAAAA4D8AAAAAAADgPwAAAAAAAOA/AAAAAAAA4D8AAAAAAADgPwAAAAAAAOA/AAAAAAAA4D8AAAAAAADgPwAAAAAAAOA/AAAAAAAA4D8CAAAAjAAAAAAAAAAAAAAA////AP///wgAAAAAAAAAAAAAAAAAAAAAAAAAAAAAAAAAAAAAeAAAAAEAAABAAAAAAAAAAAAAAABaAAAAAAAAAAAAAAAAAAAAAAAAAAAAAAAAAAAAAAAAAAAAAAAAAAAAAAAAAAAAAAAAAAAAAAAAAAAAAAAAAAAAAAAAAAAAAAAAAAAAFAAAADwAAAAAAAAAAAAAAAAAAAAPAAAAAQAAACMAAAAjAAAAIwAAAB4AAAAAAAAAZAAAAGQAAAAAAAAAZAAAAGQAAAAVAAAAYAAAAAAAAAAAAAAADwAAACADAAAAAAAAAAAAAAEAAACgMgAAVgcAAKr4//8BAAAAf39/AAEAAABkAAAAAAAAABQAAABAHwAAAAAAACYAAAAAAAAAwOD//wAAAAAmAAAAZAAAABYAAABMAAAAAAAAAAAAAAAEAAAAAAAAAAEAAADRSc4KAAAAACgAAAAoAAAAZAAAAGQAAAAAAAAAzMzMAAAAAABQAAAAUAAAAGQAAABkAAAAAAAAABcAAAAUAAAAAAAAAAAAAAD/fwAA/38AAAAAAAAJAAAABAAAAAAAAAAeAAAAaAAAAAAAAAAAAAAAAAAAAAAAAAAAAAAAECcAABAnAAAAAAAAAAAAAAAAAAAAAAAAAAAAAAAAAAAAAAAAAAAAABQAAAAAAAAAwMD/AAAAAABkAAAAMgAAAAAAAABkAAAAAAAAAH9/fwAKAAAAIgAAABgAAAAAAAAAAAAAAAAAAAAAAAAAAAAAAAAAAAAkAAAAJAAAAAAAAAAHAAAAAAAAAAAAAAAAAAAAAAAAAAAAAAAAAAAAf39/ACUAAABYAAAAAAAAAAAAAAAAAAAAAAAAAAAAAAAAAAAAAAAAAAAAAAAAAAAAAAAAAAAAAAA/AAAAAAAAAKCGAQAAAAAAAAAAAAAAAAAMAAAAAQAAAAAAAAAAAAAAAAAAAB8AAABUAAAA////AAAAAAEAAAAAAAAAAAAAAAAAAAAAAAAAAAAAAAAAAAAAAAAAAAAAAAB/f38AAAAAA8zMzADAwP8Af39/AAAAAAAAAAAAAAAAAAAAAAAAAAAAIQAAABgAAAAUAAAAwRwAAGcHAAB1NQAAKBAAABAAAAAmAAAACAAAAD0gAAAAAAAA"/>
+                <pr:smNativeData xmlns:pr="smNativeData" xmlns="smNativeData" val="SMDATA_15_8sFZZRMAAAAlAAAAZAAAAA0AAAAAAAAAAAAAAAAAAAAAAAAAAAAAAAAAAAAAAAAAAAEAAABQAAAAAAAAAAAA4D8AAAAAAADgPwAAAAAAAOA/AAAAAAAA4D8AAAAAAADgPwAAAAAAAOA/AAAAAAAA4D8AAAAAAADgPwAAAAAAAOA/AAAAAAAA4D8CAAAAjAAAAAAAAAAAAAAA////AP///wgAAAAAAAAAAAAAAAAAAAAAAAAAAAAAAAAAAAAAeAAAAAEAAABAAAAAAAAAAAAAAABaAAAAAAAAAAAAAAAAAAAAAAAAAAAAAAAAAAAAAAAAAAAAAAAAAAAAAAAAAAAAAAAAAAAAAAAAAAAAAAAAAAAAAAAAAAAAAAAAAAAAFAAAADwAAAAAAAAAAAAAAAAAAAAPAAAAAQAAACMAAAAjAAAAIwAAAB4AAAAAAAAAZAAAAGQAAAAAAAAAZAAAAGQAAAAVAAAAYAAAAAAAAAAAAAAADwAAACADAAAAAAAAAAAAAAEAAACgMgAAVgcAAKr4//8BAAAAf39/AAEAAABkAAAAAAAAABQAAABAHwAAAAAAACYAAAAAAAAAwOD//wAAAAAmAAAAZAAAABYAAABMAAAAAAAAAAAAAAAEAAAAAAAAAAEAAADRSc4KAAAAACgAAAAoAAAAZAAAAGQAAAAAAAAAzMzMAAAAAABQAAAAUAAAAGQAAABkAAAAAAAAABcAAAAUAAAAAAAAAAAAAAD/fwAA/38AAAAAAAAJAAAABAAAAAAAAAAeAAAAaAAAAAAAAAAAAAAAAAAAAAAAAAAAAAAAECcAABAnAAAAAAAAAAAAAAAAAAAAAAAAAAAAAAAAAAAAAAAAAAAAABQAAAAAAAAAwMD/AAAAAABkAAAAMgAAAAAAAABkAAAAAAAAAH9/fwAKAAAAIgAAABgAAAAAAAAAAAAAAAAAAAAAAAAAAAAAAAAAAAAkAAAAJAAAAAAAAAAHAAAAAAAAAAAAAAAAAAAAAAAAAAAAAAAAAAAAf39/ACUAAABYAAAAAAAAAAAAAAAAAAAAAAAAAAAAAAAAAAAAAAAAAAAAAAAAAAAAAAAAAAAAAAA/AAAAAAAAAKCGAQAAAAAAAAAAAAAAAAAMAAAAAQAAAAAAAAAAAAAAAAAAAB8AAABUAAAA////AAAAAAEAAAAAAAAAAAAAAAAAAAAAAAAAAAAAAAAAAAAAAAAAAAAAAAB/f38AAAAAA8zMzADAwP8Af39/AAAAAAAAAAAAAAAAAAAAAAAAAAAAIQAAABgAAAAUAAAAwRwAAGcHAAB1NQAAKBAAABAAAAAmAAAACAAAAD0gAAAAAAAA"/>
               </a:ext>
             </a:extLst>
           </p:cNvSpPr>
@@ -12114,7 +12017,7 @@
             <a:spLocks noGrp="1" noChangeArrowheads="1"/>
             <a:extLst>
               <a:ext uri="smNativeData">
-                <pr:smNativeData xmlns:pr="smNativeData" xmlns="smNativeData" val="SMDATA_15_37BZZRMAAAAlAAAAZAAAAA0AAAAAAAAAAAAAAAAAAAAAAAAAAAAAAAAAAAAAAAAAAAEAAABQAAAAAAAAAAAA4D8AAAAAAADgPwAAAAAAAOA/AAAAAAAA4D8AAAAAAADgPwAAAAAAAOA/AAAAAAAA4D8AAAAAAADgPwAAAAAAAOA/AAAAAAAA4D8CAAAAjAAAAAAAAAAAAAAA////AP///wgAAAAAAAAAAAAAAAAAAAAAAAAAAAAAAAAAAAAAeAAAAAEAAABAAAAAAAAAAAAAAABaAAAAAAAAAAAAAAAAAAAAAAAAAAAAAAAAAAAAAAAAAAAAAAAAAAAAAAAAAAAAAAAAAAAAAAAAAAAAAAAAAAAAAAAAAAAAAAAAAAAAFAAAADwAAAAAAAAAAAAAAAAAAAAPAAAAAQAAACMAAAAjAAAAIwAAAB4AAAAAAAAAZAAAAGQAAAAAAAAAZAAAAGQAAAAVAAAAYAAAAAAAAAAAAAAADwAAACADAAAAAAAAAAAAAAEAAACgMgAAVgcAAKr4//8BAAAAf39/AAEAAABkAAAAAAAAABQAAABAHwAAAAAAACYAAAAAAAAAwOD//wAAAAAmAAAAZAAAABYAAABMAAAAAAAAAAAAAAAEAAAAAAAAAAEAAADRSc4KAAAAACgAAAAoAAAAZAAAAGQAAAAAAAAAzMzMAAAAAABQAAAAUAAAAGQAAABkAAAAAAAAABcAAAAUAAAAAAAAAAAAAAD/fwAA/38AAAAAAAAJAAAABAAAAAAAAAAeAAAAaAAAAAAAAAAAAAAAAAAAAAAAAAAAAAAAECcAABAnAAAAAAAAAAAAAAAAAAAAAAAAAAAAAAAAAAAAAAAAAAAAABQAAAAAAAAAwMD/AAAAAABkAAAAMgAAAAAAAABkAAAAAAAAAH9/fwAKAAAAIgAAABgAAAAAAAAAAAAAAAAAAAAAAAAAAAAAAAAAAAAkAAAAJAAAAAAAAAAHAAAAAAAAAAAAAAAAAAAAAAAAAAAAAAAAAAAAf39/ACUAAABYAAAAAAAAAAAAAAAAAAAAAAAAAAAAAAAAAAAAAAAAAAAAAAAAAAAAAAAAAAAAAAA/AAAAAAAAAKCGAQAAAAAAAAAAAAAAAAAMAAAAAQAAAAAAAAAAAAAAAAAAAB8AAABUAAAA////AAAAAAEAAAAAAAAAAAAAAAAAAAAAAAAAAAAAAAAAAAAAAAAAAAAAAAB/f38AAAAAA8zMzADAwP8Af39/AAAAAAAAAAAAAAAAAAAAAAAAAAAAIQAAABgAAAAUAAAA0AIAAP0QAABvNQAAvhkAABAAAAAmAAAACAAAAD0gAAAAAAAA"/>
+                <pr:smNativeData xmlns:pr="smNativeData" xmlns="smNativeData" val="SMDATA_15_8sFZZRMAAAAlAAAAZAAAAA0AAAAAAAAAAAAAAAAAAAAAAAAAAAAAAAAAAAAAAAAAAAEAAABQAAAAAAAAAAAA4D8AAAAAAADgPwAAAAAAAOA/AAAAAAAA4D8AAAAAAADgPwAAAAAAAOA/AAAAAAAA4D8AAAAAAADgPwAAAAAAAOA/AAAAAAAA4D8CAAAAjAAAAAAAAAAAAAAA////AP///wgAAAAAAAAAAAAAAAAAAAAAAAAAAAAAAAAAAAAAeAAAAAEAAABAAAAAAAAAAAAAAABaAAAAAAAAAAAAAAAAAAAAAAAAAAAAAAAAAAAAAAAAAAAAAAAAAAAAAAAAAAAAAAAAAAAAAAAAAAAAAAAAAAAAAAAAAAAAAAAAAAAAFAAAADwAAAAAAAAAAAAAAAAAAAAPAAAAAQAAACMAAAAjAAAAIwAAAB4AAAAAAAAAZAAAAGQAAAAAAAAAZAAAAGQAAAAVAAAAYAAAAAAAAAAAAAAADwAAACADAAAAAAAAAAAAAAEAAACgMgAAVgcAAKr4//8BAAAAf39/AAEAAABkAAAAAAAAABQAAABAHwAAAAAAACYAAAAAAAAAwOD//wAAAAAmAAAAZAAAABYAAABMAAAAAAAAAAAAAAAEAAAAAAAAAAEAAADRSc4KAAAAACgAAAAoAAAAZAAAAGQAAAAAAAAAzMzMAAAAAABQAAAAUAAAAGQAAABkAAAAAAAAABcAAAAUAAAAAAAAAAAAAAD/fwAA/38AAAAAAAAJAAAABAAAAAAAAAAeAAAAaAAAAAAAAAAAAAAAAAAAAAAAAAAAAAAAECcAABAnAAAAAAAAAAAAAAAAAAAAAAAAAAAAAAAAAAAAAAAAAAAAABQAAAAAAAAAwMD/AAAAAABkAAAAMgAAAAAAAABkAAAAAAAAAH9/fwAKAAAAIgAAABgAAAAAAAAAAAAAAAAAAAAAAAAAAAAAAAAAAAAkAAAAJAAAAAAAAAAHAAAAAAAAAAAAAAAAAAAAAAAAAAAAAAAAAAAAf39/ACUAAABYAAAAAAAAAAAAAAAAAAAAAAAAAAAAAAAAAAAAAAAAAAAAAAAAAAAAAAAAAAAAAAA/AAAAAAAAAKCGAQAAAAAAAAAAAAAAAAAMAAAAAQAAAAAAAAAAAAAAAAAAAB8AAABUAAAA////AAAAAAEAAAAAAAAAAAAAAAAAAAAAAAAAAAAAAAAAAAAAAAAAAAAAAAB/f38AAAAAA8zMzADAwP8Af39/AAAAAAAAAAAAAAAAAAAAAAAAAAAAIQAAABgAAAAUAAAA0AIAAP0QAABvNQAAvhkAABAAAAAmAAAACAAAAD0gAAAAAAAA"/>
               </a:ext>
             </a:extLst>
           </p:cNvSpPr>
@@ -12172,7 +12075,7 @@
             <a:spLocks noGrp="1" noChangeArrowheads="1"/>
             <a:extLst>
               <a:ext uri="smNativeData">
-                <pr:smNativeData xmlns:pr="smNativeData" xmlns="smNativeData" val="SMDATA_15_37BZZRMAAAAlAAAAZAAAAE0AAAAAAAAAAAAAAAAAAAAAAAAAAAAAAAABAAAAAAAAAAEAAABQAAAAAAAAAAAA4D8AAAAAAADgPwAAAAAAAOA/AAAAAAAA4D8AAAAAAADgPwAAAAAAAOA/AAAAAAAA4D8AAAAAAADgPwAAAAAAAOA/AAAAAAAA4D8CAAAAjAAAAAAAAAAAAAAA////AP///wgAAAAAAAAAAAAAAAAAAAAAAAAAAAAAAAAAAAAAeAAAAAEAAABAAAAAAAAAAAAAAABaAAAAAAAAAAAAAAAAAAAAAAAAAAAAAAAAAAAAAAAAAAAAAAAAAAAAAAAAAAAAAAAAAAAAAAAAAAAAAAAAAAAAAAAAAAAAAAAAAAAAFAAAADwAAAAAAAAAAAAAAAAAAAAPAAAAAQAAACMAAAAjAAAAIwAAAB4AAAAAAAAAZAAAAGQAAAAAAAAAZAAAAGQAAAAVAAAAYAAAAAAAAAAAAAAADwAAACADAAAAAAAAAAAAAAEAAACgMgAAVgcAAKr4//8BAAAAf39/AAEAAABkAAAAAAAAABQAAABAHwAAAAAAACYAAAAAAAAAwOD//wAAAAAmAAAAZAAAABYAAABMAAAAAAAAAAAAAAAEAAAAAAAAAAEAAADRSc4KAAAAACgAAAAoAAAAZAAAAGQAAAAAAAAAzMzMAAAAAABQAAAAUAAAAGQAAABkAAAAAAAAABcAAAAUAAAAAAAAAAAAAAD/fwAA/38AAAAAAAAJAAAABAAAAAAAAAAeAAAAaAAAAAAAAAAAAAAAAAAAAAAAAAAAAAAAECcAABAnAAAAAAAAAAAAAAAAAAAAAAAAAAAAAAAAAAAAAAAAAAAAABQAAAAAAAAAwMD/AAAAAABkAAAAMgAAAAAAAABkAAAAAAAAAH9/fwAKAAAAIgAAABgAAAAAAAAAAAAAAAAAAAAAAAAAAAAAAAAAAAAkAAAAJAAAAAAAAAAHAAAAAAAAAAAAAAAAAAAAAAAAAAAAAAAAAAAAf39/ACUAAABYAAAAAAAAAAAAAAAAAAAAAAAAAAAAAAAAAAAAAAAAAAAAAAAAAAAAAAAAAAAAAAA/AAAAAAAAAKCGAQAAAAAAAAAAAAAAAAAMAAAAAQAAAAAAAAAAAAAAAAAAAB8AAABUAAAA////AAAAAAEAAAAAAAAAAAAAAAAAAAAAAAAAAAAAAAAAAAAAAAAAAAAAAAB/f38AAAAAA8zMzADAwP8Af39/AAAAAAAAAAAAAAAAAAAAAAAAAAAAIQAAABgAAAAUAAAA0AIAAA8AAABvNQAAwAcAABAgAAAmAAAACAAAAD0gAAAAAAAA"/>
+                <pr:smNativeData xmlns:pr="smNativeData" xmlns="smNativeData" val="SMDATA_15_8sFZZRMAAAAlAAAAZAAAAE0AAAAAAAAAAAAAAAAAAAAAAAAAAAAAAAABAAAAAAAAAAEAAABQAAAAAAAAAAAA4D8AAAAAAADgPwAAAAAAAOA/AAAAAAAA4D8AAAAAAADgPwAAAAAAAOA/AAAAAAAA4D8AAAAAAADgPwAAAAAAAOA/AAAAAAAA4D8CAAAAjAAAAAAAAAAAAAAA////AP///wgAAAAAAAAAAAAAAAAAAAAAAAAAAAAAAAAAAAAAeAAAAAEAAABAAAAAAAAAAAAAAABaAAAAAAAAAAAAAAAAAAAAAAAAAAAAAAAAAAAAAAAAAAAAAAAAAAAAAAAAAAAAAAAAAAAAAAAAAAAAAAAAAAAAAAAAAAAAAAAAAAAAFAAAADwAAAAAAAAAAAAAAAAAAAAPAAAAAQAAACMAAAAjAAAAIwAAAB4AAAAAAAAAZAAAAGQAAAAAAAAAZAAAAGQAAAAVAAAAYAAAAAAAAAAAAAAADwAAACADAAAAAAAAAAAAAAEAAACgMgAAVgcAAKr4//8BAAAAf39/AAEAAABkAAAAAAAAABQAAABAHwAAAAAAACYAAAAAAAAAwOD//wAAAAAmAAAAZAAAABYAAABMAAAAAAAAAAAAAAAEAAAAAAAAAAEAAADRSc4KAAAAACgAAAAoAAAAZAAAAGQAAAAAAAAAzMzMAAAAAABQAAAAUAAAAGQAAABkAAAAAAAAABcAAAAUAAAAAAAAAAAAAAD/fwAA/38AAAAAAAAJAAAABAAAAAAAAAAeAAAAaAAAAAAAAAAAAAAAAAAAAAAAAAAAAAAAECcAABAnAAAAAAAAAAAAAAAAAAAAAAAAAAAAAAAAAAAAAAAAAAAAABQAAAAAAAAAwMD/AAAAAABkAAAAMgAAAAAAAABkAAAAAAAAAH9/fwAKAAAAIgAAABgAAAAAAAAAAAAAAAAAAAAAAAAAAAAAAAAAAAAkAAAAJAAAAAAAAAAHAAAAAAAAAAAAAAAAAAAAAAAAAAAAAAAAAAAAf39/ACUAAABYAAAAAAAAAAAAAAAAAAAAAAAAAAAAAAAAAAAAAAAAAAAAAAAAAAAAAAAAAAAAAAA/AAAAAAAAAKCGAQAAAAAAAAAAAAAAAAAMAAAAAQAAAAAAAAAAAAAAAAAAAB8AAABUAAAA////AAAAAAEAAAAAAAAAAAAAAAAAAAAAAAAAAAAAAAAAAAAAAAAAAAAAAAB/f38AAAAAA8zMzADAwP8Af39/AAAAAAAAAAAAAAAAAAAAAAAAAAAAIQAAABgAAAAUAAAA0AIAAA8AAABvNQAAwAcAABAgAAAmAAAACAAAAD0gAAAAAAAA"/>
               </a:ext>
             </a:extLst>
           </p:cNvSpPr>
@@ -12205,7 +12108,7 @@
             <a:spLocks noGrp="1" noChangeArrowheads="1"/>
             <a:extLst>
               <a:ext uri="smNativeData">
-                <pr:smNativeData xmlns:pr="smNativeData" xmlns="smNativeData" val="SMDATA_15_37BZZRMAAAAlAAAAZAAAAA0AAAAAAAAAAAAAAAAAAAAAAAAAAAAAAAAAAAAAAAAAAAEAAABQAAAAAAAAAAAA4D8AAAAAAADgPwAAAAAAAOA/AAAAAAAA4D8AAAAAAADgPwAAAAAAAOA/AAAAAAAA4D8AAAAAAADgPwAAAAAAAOA/AAAAAAAA4D8CAAAAjAAAAAAAAAAAAAAA////AP///wgAAAAAAAAAAAAAAAAAAAAAAAAAAAAAAAAAAAAAeAAAAAEAAABAAAAAAAAAAAAAAABaAAAAAAAAAAAAAAAAAAAAAAAAAAAAAAAAAAAAAAAAAAAAAAAAAAAAAAAAAAAAAAAAAAAAAAAAAAAAAAAAAAAAAAAAAAAAAAAAAAAAFAAAADwAAAAAAAAAAAAAAAAAAAAPAAAAAQAAACMAAAAjAAAAIwAAAB4AAAAAAAAAZAAAAGQAAAAAAAAAZAAAAGQAAAAVAAAAYAAAAAAAAAAAAAAADwAAACADAAAAAAAAAAAAAAEAAACgMgAAVgcAAKr4//8BAAAAf39/AAEAAABkAAAAAAAAABQAAABAHwAAAAAAACYAAAAAAAAAwOD//wAAAAAmAAAAZAAAABYAAABMAAAAAAAAAAAAAAAEAAAAAAAAAAEAAADRSc4KAAAAACgAAAAoAAAAZAAAAGQAAAAAAAAAzMzMAAAAAABQAAAAUAAAAGQAAABkAAAAAAAAABcAAAAUAAAAAAAAAAAAAAD/fwAA/38AAAAAAAAJAAAABAAAAAAAAAAeAAAAaAAAAAAAAAAAAAAAAAAAAAAAAAAAAAAAECcAABAnAAAAAAAAAAAAAAAAAAAAAAAAAAAAAAAAAAAAAAAAAAAAABQAAAAAAAAAwMD/AAAAAABkAAAAMgAAAAAAAABkAAAAAAAAAH9/fwAKAAAAIgAAABgAAAAAAAAAAAAAAAAAAAAAAAAAAAAAAAAAAAAkAAAAJAAAAAAAAAAHAAAAAAAAAAAAAAAAAAAAAAAAAAAAAAAAAAAAf39/ACUAAABYAAAAAAAAAAAAAAAAAAAAAAAAAAAAAAAAAAAAAAAAAAAAAAAAAAAAAAAAAAAAAAA/AAAAAAAAAKCGAQAAAAAAAAAAAAAAAAAMAAAAAQAAAAAAAAAAAAAAAAAAAB8AAABUAAAA////AAAAAAEAAAAAAAAAAAAAAAAAAAAAAAAAAAAAAAAAAAAAAAAAAAAAAAB/f38AAAAAA8zMzADAwP8Af39/AAAAAAAAAAAAAAAAAAAAAAAAAAAAIQAAABgAAAAUAAAA0AIAAGcHAABvNQAAKBAAABAAAAAmAAAACAAAAD0gAAAAAAAA"/>
+                <pr:smNativeData xmlns:pr="smNativeData" xmlns="smNativeData" val="SMDATA_15_8sFZZRMAAAAlAAAAZAAAAA0AAAAAAAAAAAAAAAAAAAAAAAAAAAAAAAAAAAAAAAAAAAEAAABQAAAAAAAAAAAA4D8AAAAAAADgPwAAAAAAAOA/AAAAAAAA4D8AAAAAAADgPwAAAAAAAOA/AAAAAAAA4D8AAAAAAADgPwAAAAAAAOA/AAAAAAAA4D8CAAAAjAAAAAAAAAAAAAAA////AP///wgAAAAAAAAAAAAAAAAAAAAAAAAAAAAAAAAAAAAAeAAAAAEAAABAAAAAAAAAAAAAAABaAAAAAAAAAAAAAAAAAAAAAAAAAAAAAAAAAAAAAAAAAAAAAAAAAAAAAAAAAAAAAAAAAAAAAAAAAAAAAAAAAAAAAAAAAAAAAAAAAAAAFAAAADwAAAAAAAAAAAAAAAAAAAAPAAAAAQAAACMAAAAjAAAAIwAAAB4AAAAAAAAAZAAAAGQAAAAAAAAAZAAAAGQAAAAVAAAAYAAAAAAAAAAAAAAADwAAACADAAAAAAAAAAAAAAEAAACgMgAAVgcAAKr4//8BAAAAf39/AAEAAABkAAAAAAAAABQAAABAHwAAAAAAACYAAAAAAAAAwOD//wAAAAAmAAAAZAAAABYAAABMAAAAAAAAAAAAAAAEAAAAAAAAAAEAAADRSc4KAAAAACgAAAAoAAAAZAAAAGQAAAAAAAAAzMzMAAAAAABQAAAAUAAAAGQAAABkAAAAAAAAABcAAAAUAAAAAAAAAAAAAAD/fwAA/38AAAAAAAAJAAAABAAAAAAAAAAeAAAAaAAAAAAAAAAAAAAAAAAAAAAAAAAAAAAAECcAABAnAAAAAAAAAAAAAAAAAAAAAAAAAAAAAAAAAAAAAAAAAAAAABQAAAAAAAAAwMD/AAAAAABkAAAAMgAAAAAAAABkAAAAAAAAAH9/fwAKAAAAIgAAABgAAAAAAAAAAAAAAAAAAAAAAAAAAAAAAAAAAAAkAAAAJAAAAAAAAAAHAAAAAAAAAAAAAAAAAAAAAAAAAAAAAAAAAAAAf39/ACUAAABYAAAAAAAAAAAAAAAAAAAAAAAAAAAAAAAAAAAAAAAAAAAAAAAAAAAAAAAAAAAAAAA/AAAAAAAAAKCGAQAAAAAAAAAAAAAAAAAMAAAAAQAAAAAAAAAAAAAAAAAAAB8AAABUAAAA////AAAAAAEAAAAAAAAAAAAAAAAAAAAAAAAAAAAAAAAAAAAAAAAAAAAAAAB/f38AAAAAA8zMzADAwP8Af39/AAAAAAAAAAAAAAAAAAAAAAAAAAAAIQAAABgAAAAUAAAA0AIAAGcHAABvNQAAKBAAABAAAAAmAAAACAAAAD0gAAAAAAAA"/>
               </a:ext>
             </a:extLst>
           </p:cNvSpPr>
@@ -12238,7 +12141,7 @@
             <a:spLocks noGrp="1" noChangeArrowheads="1"/>
             <a:extLst>
               <a:ext uri="smNativeData">
-                <pr:smNativeData xmlns:pr="smNativeData" xmlns="smNativeData" val="SMDATA_15_37BZZRMAAAAlAAAAZAAAAA0AAAAAAAAAAAAAAAAAAAAAAAAAAAAAAAAAAAAAAAAAAAEAAABQAAAAAAAAAAAA4D8AAAAAAADgPwAAAAAAAOA/AAAAAAAA4D8AAAAAAADgPwAAAAAAAOA/AAAAAAAA4D8AAAAAAADgPwAAAAAAAOA/AAAAAAAA4D8CAAAAjAAAAAAAAAAAAAAA////AP///wgAAAAAAAAAAAAAAAAAAAAAAAAAAAAAAAAAAAAAeAAAAAEAAABAAAAAAAAAAAAAAABaAAAAAAAAAAAAAAAAAAAAAAAAAAAAAAAAAAAAAAAAAAAAAAAAAAAAAAAAAAAAAAAAAAAAAAAAAAAAAAAAAAAAAAAAAAAAAAAAAAAAFAAAADwAAAAAAAAAAAAAAAAAAAAPAAAAAQAAACMAAAAjAAAAIwAAAB4AAAAAAAAAZAAAAGQAAAAAAAAAZAAAAGQAAAAVAAAAYAAAAAAAAAAAAAAADwAAACADAAAAAAAAAAAAAAEAAACgMgAAVgcAAKr4//8BAAAAf39/AAEAAABkAAAAAAAAABQAAABAHwAAAAAAACYAAAAAAAAAwOD//wAAAAAmAAAAZAAAABYAAABMAAAAAAAAAAAAAAAEAAAAAAAAAAEAAADRSc4KAAAAACgAAAAoAAAAZAAAAGQAAAAAAAAAzMzMAAAAAABQAAAAUAAAAGQAAABkAAAAAAAAABcAAAAUAAAAAAAAAAAAAAD/fwAA/38AAAAAAAAJAAAABAAAAKwBAAAeAAAAaAAAAAAAAAAAAAAAAAAAAAAAAAAAAAAAECcAABAnAAAAAAAAAAAAAAAAAAAAAAAAAAAAAAAAAAAAAAAAAAAAABQAAAAAAAAAwMD/AAAAAABkAAAAMgAAAAAAAABkAAAAAAAAAH9/fwAKAAAAIgAAABgAAAAAAAAAAAAAAAAAAAAAAAAAAAAAAAAAAAAkAAAAJAAAAAAAAAAHAAAAAAAAAAAAAAAAAAAAAAAAAAAAAAAAAAAAf39/ACUAAABYAAAAAAAAAAAAAAAAAAAAAAAAAAAAAAAAAAAAAAAAAAAAAAAAAAAAAAAAAAAAAAA/AAAAAAAAAKCGAQAAAAAAAAAAAAAAAAAMAAAAAQAAAAAAAAAAAAAAAAAAAB8AAABUAAAA////AAAAAAEAAAAAAAAAAAAAAAAAAAAAAAAAAAAAAAAAAAAAAAAAAAAAAAB/f38AAAAAA8zMzADAwP8Af39/AAAAAAAAAAAAAAAAAAAAAAAAAAAAIQAAABgAAAAUAAAA0AIAAP0QAABvNQAAvhkAABAAAAAmAAAACAAAAD0gAAAAAAAA"/>
+                <pr:smNativeData xmlns:pr="smNativeData" xmlns="smNativeData" val="SMDATA_15_8sFZZRMAAAAlAAAAZAAAAA0AAAAAAAAAAAAAAAAAAAAAAAAAAAAAAAAAAAAAAAAAAAEAAABQAAAAAAAAAAAA4D8AAAAAAADgPwAAAAAAAOA/AAAAAAAA4D8AAAAAAADgPwAAAAAAAOA/AAAAAAAA4D8AAAAAAADgPwAAAAAAAOA/AAAAAAAA4D8CAAAAjAAAAAAAAAAAAAAA////AP///wgAAAAAAAAAAAAAAAAAAAAAAAAAAAAAAAAAAAAAeAAAAAEAAABAAAAAAAAAAAAAAABaAAAAAAAAAAAAAAAAAAAAAAAAAAAAAAAAAAAAAAAAAAAAAAAAAAAAAAAAAAAAAAAAAAAAAAAAAAAAAAAAAAAAAAAAAAAAAAAAAAAAFAAAADwAAAAAAAAAAAAAAAAAAAAPAAAAAQAAACMAAAAjAAAAIwAAAB4AAAAAAAAAZAAAAGQAAAAAAAAAZAAAAGQAAAAVAAAAYAAAAAAAAAAAAAAADwAAACADAAAAAAAAAAAAAAEAAACgMgAAVgcAAKr4//8BAAAAf39/AAEAAABkAAAAAAAAABQAAABAHwAAAAAAACYAAAAAAAAAwOD//wAAAAAmAAAAZAAAABYAAABMAAAAAAAAAAAAAAAEAAAAAAAAAAEAAADRSc4KAAAAACgAAAAoAAAAZAAAAGQAAAAAAAAAzMzMAAAAAABQAAAAUAAAAGQAAABkAAAAAAAAABcAAAAUAAAAAAAAAAAAAAD/fwAA/38AAAAAAAAJAAAABAAAAAAAAAAeAAAAaAAAAAAAAAAAAAAAAAAAAAAAAAAAAAAAECcAABAnAAAAAAAAAAAAAAAAAAAAAAAAAAAAAAAAAAAAAAAAAAAAABQAAAAAAAAAwMD/AAAAAABkAAAAMgAAAAAAAABkAAAAAAAAAH9/fwAKAAAAIgAAABgAAAAAAAAAAAAAAAAAAAAAAAAAAAAAAAAAAAAkAAAAJAAAAAAAAAAHAAAAAAAAAAAAAAAAAAAAAAAAAAAAAAAAAAAAf39/ACUAAABYAAAAAAAAAAAAAAAAAAAAAAAAAAAAAAAAAAAAAAAAAAAAAAAAAAAAAAAAAAAAAAA/AAAAAAAAAKCGAQAAAAAAAAAAAAAAAAAMAAAAAQAAAAAAAAAAAAAAAAAAAB8AAABUAAAA////AAAAAAEAAAAAAAAAAAAAAAAAAAAAAAAAAAAAAAAAAAAAAAAAAAAAAAB/f38AAAAAA8zMzADAwP8Af39/AAAAAAAAAAAAAAAAAAAAAAAAAAAAIQAAABgAAAAUAAAA0AIAAP0QAABvNQAAvhkAABAAAAAmAAAACAAAAD0gAAAAAAAA"/>
               </a:ext>
             </a:extLst>
           </p:cNvSpPr>
@@ -12296,7 +12199,7 @@
             <a:spLocks noGrp="1" noChangeArrowheads="1"/>
             <a:extLst>
               <a:ext uri="smNativeData">
-                <pr:smNativeData xmlns:pr="smNativeData" xmlns="smNativeData" val="SMDATA_15_37BZZRMAAAAlAAAAZAAAAE0AAAAAAAAAAAAAAAAAAAAAAAAAAAAAAAABAAAAAAAAAAEAAABQAAAAAAAAAAAA4D8AAAAAAADgPwAAAAAAAOA/AAAAAAAA4D8AAAAAAADgPwAAAAAAAOA/AAAAAAAA4D8AAAAAAADgPwAAAAAAAOA/AAAAAAAA4D8CAAAAjAAAAAAAAAAAAAAA////AP///wgAAAAAAAAAAAAAAAAAAAAAAAAAAAAAAAAAAAAAeAAAAAEAAABAAAAAAAAAAAAAAABaAAAAAAAAAAAAAAAAAAAAAAAAAAAAAAAAAAAAAAAAAAAAAAAAAAAAAAAAAAAAAAAAAAAAAAAAAAAAAAAAAAAAAAAAAAAAAAAAAAAAFAAAADwAAAAAAAAAAAAAAAAAAAAPAAAAAQAAACMAAAAjAAAAIwAAAB4AAAAAAAAAZAAAAGQAAAAAAAAAZAAAAGQAAAAVAAAAYAAAAAAAAAAAAAAADwAAACADAAAAAAAAAAAAAAEAAACgMgAAVgcAAKr4//8BAAAAf39/AAEAAABkAAAAAAAAABQAAABAHwAAAAAAACYAAAAAAAAAwOD//wAAAAAmAAAAZAAAABYAAABMAAAAAAAAAAAAAAAEAAAAAAAAAAEAAADRSc4KAAAAACgAAAAoAAAAZAAAAGQAAAAAAAAAzMzMAAAAAABQAAAAUAAAAGQAAABkAAAAAAAAABcAAAAUAAAAAAAAAAAAAAD/fwAA/38AAAAAAAAJAAAABAAAAAAAAAAeAAAAaAAAAAAAAAAAAAAAAAAAAAAAAAAAAAAAECcAABAnAAAAAAAAAAAAAAAAAAAAAAAAAAAAAAAAAAAAAAAAAAAAABQAAAAAAAAAwMD/AAAAAABkAAAAMgAAAAAAAABkAAAAAAAAAH9/fwAKAAAAIgAAABgAAAAAAAAAAAAAAAAAAAAAAAAAAAAAAAAAAAAkAAAAJAAAAAAAAAAHAAAAAAAAAAAAAAAAAAAAAAAAAAAAAAAAAAAAf39/ACUAAABYAAAAAAAAAAAAAAAAAAAAAAAAAAAAAAAAAAAAAAAAAAAAAAAAAAAAAAAAAAAAAAA/AAAAAAAAAKCGAQAAAAAAAAAAAAAAAAAMAAAAAQAAAAAAAAAAAAAAAAAAAB8AAABUAAAA////AAAAAAEAAAAAAAAAAAAAAAAAAAAAAAAAAAAAAAAAAAAAAAAAAAAAAAB/f38AAAAAA8zMzADAwP8Af39/AAAAAAAAAAAAAAAAAAAAAAAAAAAAIQAAABgAAAAUAAAA0AIAAA8AAABvNQAAwAcAABAgAAAmAAAACAAAAD0gAAAAAAAA"/>
+                <pr:smNativeData xmlns:pr="smNativeData" xmlns="smNativeData" val="SMDATA_15_8sFZZRMAAAAlAAAAZAAAAE0AAAAAAAAAAAAAAAAAAAAAAAAAAAAAAAABAAAAAAAAAAEAAABQAAAAAAAAAAAA4D8AAAAAAADgPwAAAAAAAOA/AAAAAAAA4D8AAAAAAADgPwAAAAAAAOA/AAAAAAAA4D8AAAAAAADgPwAAAAAAAOA/AAAAAAAA4D8CAAAAjAAAAAAAAAAAAAAA////AP///wgAAAAAAAAAAAAAAAAAAAAAAAAAAAAAAAAAAAAAeAAAAAEAAABAAAAAAAAAAAAAAABaAAAAAAAAAAAAAAAAAAAAAAAAAAAAAAAAAAAAAAAAAAAAAAAAAAAAAAAAAAAAAAAAAAAAAAAAAAAAAAAAAAAAAAAAAAAAAAAAAAAAFAAAADwAAAAAAAAAAAAAAAAAAAAPAAAAAQAAACMAAAAjAAAAIwAAAB4AAAAAAAAAZAAAAGQAAAAAAAAAZAAAAGQAAAAVAAAAYAAAAAAAAAAAAAAADwAAACADAAAAAAAAAAAAAAEAAACgMgAAVgcAAKr4//8BAAAAf39/AAEAAABkAAAAAAAAABQAAABAHwAAAAAAACYAAAAAAAAAwOD//wAAAAAmAAAAZAAAABYAAABMAAAAAAAAAAAAAAAEAAAAAAAAAAEAAADRSc4KAAAAACgAAAAoAAAAZAAAAGQAAAAAAAAAzMzMAAAAAABQAAAAUAAAAGQAAABkAAAAAAAAABcAAAAUAAAAAAAAAAAAAAD/fwAA/38AAAAAAAAJAAAABAAAAAAAAAAeAAAAaAAAAAAAAAAAAAAAAAAAAAAAAAAAAAAAECcAABAnAAAAAAAAAAAAAAAAAAAAAAAAAAAAAAAAAAAAAAAAAAAAABQAAAAAAAAAwMD/AAAAAABkAAAAMgAAAAAAAABkAAAAAAAAAH9/fwAKAAAAIgAAABgAAAAAAAAAAAAAAAAAAAAAAAAAAAAAAAAAAAAkAAAAJAAAAAAAAAAHAAAAAAAAAAAAAAAAAAAAAAAAAAAAAAAAAAAAf39/ACUAAABYAAAAAAAAAAAAAAAAAAAAAAAAAAAAAAAAAAAAAAAAAAAAAAAAAAAAAAAAAAAAAAA/AAAAAAAAAKCGAQAAAAAAAAAAAAAAAAAMAAAAAQAAAAAAAAAAAAAAAAAAAB8AAABUAAAA////AAAAAAEAAAAAAAAAAAAAAAAAAAAAAAAAAAAAAAAAAAAAAAAAAAAAAAB/f38AAAAAA8zMzADAwP8Af39/AAAAAAAAAAAAAAAAAAAAAAAAAAAAIQAAABgAAAAUAAAA0AIAAA8AAABvNQAAwAcAABAgAAAmAAAACAAAAD0gAAAAAAAA"/>
               </a:ext>
             </a:extLst>
           </p:cNvSpPr>
@@ -12329,7 +12232,7 @@
             <a:spLocks noGrp="1" noChangeArrowheads="1"/>
             <a:extLst>
               <a:ext uri="smNativeData">
-                <pr:smNativeData xmlns:pr="smNativeData" xmlns="smNativeData" val="SMDATA_15_37BZZRMAAAAlAAAAZAAAAA0AAAAAAAAAAAAAAAAAAAAAAAAAAAAAAAAAAAAAAAAAAAEAAABQAAAAAAAAAAAA4D8AAAAAAADgPwAAAAAAAOA/AAAAAAAA4D8AAAAAAADgPwAAAAAAAOA/AAAAAAAA4D8AAAAAAADgPwAAAAAAAOA/AAAAAAAA4D8CAAAAjAAAAAAAAAAAAAAA////AP///wgAAAAAAAAAAAAAAAAAAAAAAAAAAAAAAAAAAAAAeAAAAAEAAABAAAAAAAAAAAAAAABaAAAAAAAAAAAAAAAAAAAAAAAAAAAAAAAAAAAAAAAAAAAAAAAAAAAAAAAAAAAAAAAAAAAAAAAAAAAAAAAAAAAAAAAAAAAAAAAAAAAAFAAAADwAAAAAAAAAAAAAAAAAAAAPAAAAAQAAACMAAAAjAAAAIwAAAB4AAAAAAAAAZAAAAGQAAAAAAAAAZAAAAGQAAAAVAAAAYAAAAAAAAAAAAAAADwAAACADAAAAAAAAAAAAAAEAAACgMgAAVgcAAKr4//8BAAAAf39/AAEAAABkAAAAAAAAABQAAABAHwAAAAAAACYAAAAAAAAAwOD//wAAAAAmAAAAZAAAABYAAABMAAAAAAAAAAAAAAAEAAAAAAAAAAEAAADRSc4KAAAAACgAAAAoAAAAZAAAAGQAAAAAAAAAzMzMAAAAAABQAAAAUAAAAGQAAABkAAAAAAAAABcAAAAUAAAAAAAAAAAAAAD/fwAA/38AAAAAAAAJAAAABAAAAHIAAAAeAAAAaAAAAAAAAAAAAAAAAAAAAAAAAAAAAAAAECcAABAnAAAAAAAAAAAAAAAAAAAAAAAAAAAAAAAAAAAAAAAAAAAAABQAAAAAAAAAwMD/AAAAAABkAAAAMgAAAAAAAABkAAAAAAAAAH9/fwAKAAAAIgAAABgAAAAAAAAAAAAAAAAAAAAAAAAAAAAAAAAAAAAkAAAAJAAAAAAAAAAHAAAAAAAAAAAAAAAAAAAAAAAAAAAAAAAAAAAAf39/ACUAAABYAAAAAAAAAAAAAAAAAAAAAAAAAAAAAAAAAAAAAAAAAAAAAAAAAAAAAAAAAAAAAAA/AAAAAAAAAKCGAQAAAAAAAAAAAAAAAAAMAAAAAQAAAAAAAAAAAAAAAAAAAB8AAABUAAAA////AAAAAAEAAAAAAAAAAAAAAAAAAAAAAAAAAAAAAAAAAAAAAAAAAAAAAAB/f38AAAAAA8zMzADAwP8Af39/AAAAAAAAAAAAAAAAAAAAAAAAAAAAIQAAABgAAAAUAAAA0AIAAGcHAACEGwAAKBAAABAAAAAmAAAACAAAAD0gAAAAAAAA"/>
+                <pr:smNativeData xmlns:pr="smNativeData" xmlns="smNativeData" val="SMDATA_15_8sFZZRMAAAAlAAAAZAAAAA0AAAAAAAAAAAAAAAAAAAAAAAAAAAAAAAAAAAAAAAAAAAEAAABQAAAAAAAAAAAA4D8AAAAAAADgPwAAAAAAAOA/AAAAAAAA4D8AAAAAAADgPwAAAAAAAOA/AAAAAAAA4D8AAAAAAADgPwAAAAAAAOA/AAAAAAAA4D8CAAAAjAAAAAAAAAAAAAAA////AP///wgAAAAAAAAAAAAAAAAAAAAAAAAAAAAAAAAAAAAAeAAAAAEAAABAAAAAAAAAAAAAAABaAAAAAAAAAAAAAAAAAAAAAAAAAAAAAAAAAAAAAAAAAAAAAAAAAAAAAAAAAAAAAAAAAAAAAAAAAAAAAAAAAAAAAAAAAAAAAAAAAAAAFAAAADwAAAAAAAAAAAAAAAAAAAAPAAAAAQAAACMAAAAjAAAAIwAAAB4AAAAAAAAAZAAAAGQAAAAAAAAAZAAAAGQAAAAVAAAAYAAAAAAAAAAAAAAADwAAACADAAAAAAAAAAAAAAEAAACgMgAAVgcAAKr4//8BAAAAf39/AAEAAABkAAAAAAAAABQAAABAHwAAAAAAACYAAAAAAAAAwOD//wAAAAAmAAAAZAAAABYAAABMAAAAAAAAAAAAAAAEAAAAAAAAAAEAAADRSc4KAAAAACgAAAAoAAAAZAAAAGQAAAAAAAAAzMzMAAAAAABQAAAAUAAAAGQAAABkAAAAAAAAABcAAAAUAAAAAAAAAAAAAAD/fwAA/38AAAAAAAAJAAAABAAAAAAAAAAeAAAAaAAAAAAAAAAAAAAAAAAAAAAAAAAAAAAAECcAABAnAAAAAAAAAAAAAAAAAAAAAAAAAAAAAAAAAAAAAAAAAAAAABQAAAAAAAAAwMD/AAAAAABkAAAAMgAAAAAAAABkAAAAAAAAAH9/fwAKAAAAIgAAABgAAAAAAAAAAAAAAAAAAAAAAAAAAAAAAAAAAAAkAAAAJAAAAAAAAAAHAAAAAAAAAAAAAAAAAAAAAAAAAAAAAAAAAAAAf39/ACUAAABYAAAAAAAAAAAAAAAAAAAAAAAAAAAAAAAAAAAAAAAAAAAAAAAAAAAAAAAAAAAAAAA/AAAAAAAAAKCGAQAAAAAAAAAAAAAAAAAMAAAAAQAAAAAAAAAAAAAAAAAAAB8AAABUAAAA////AAAAAAEAAAAAAAAAAAAAAAAAAAAAAAAAAAAAAAAAAAAAAAAAAAAAAAB/f38AAAAAA8zMzADAwP8Af39/AAAAAAAAAAAAAAAAAAAAAAAAAAAAIQAAABgAAAAUAAAA0AIAAGcHAACEGwAAKBAAABAAAAAmAAAACAAAAD0gAAAAAAAA"/>
               </a:ext>
             </a:extLst>
           </p:cNvSpPr>
@@ -12362,7 +12265,7 @@
             <a:spLocks noGrp="1" noChangeArrowheads="1"/>
             <a:extLst>
               <a:ext uri="smNativeData">
-                <pr:smNativeData xmlns:pr="smNativeData" xmlns="smNativeData" val="SMDATA_15_37BZZRMAAAAlAAAAZAAAAA0AAAAAAAAAAAAAAAAAAAAAAAAAAAAAAAAAAAAAAAAAAAEAAABQAAAAAAAAAAAA4D8AAAAAAADgPwAAAAAAAOA/AAAAAAAA4D8AAAAAAADgPwAAAAAAAOA/AAAAAAAA4D8AAAAAAADgPwAAAAAAAOA/AAAAAAAA4D8CAAAAjAAAAAAAAAAAAAAA////AP///wgAAAAAAAAAAAAAAAAAAAAAAAAAAAAAAAAAAAAAeAAAAAEAAABAAAAAAAAAAAAAAABaAAAAAAAAAAAAAAAAAAAAAAAAAAAAAAAAAAAAAAAAAAAAAAAAAAAAAAAAAAAAAAAAAAAAAAAAAAAAAAAAAAAAAAAAAAAAAAAAAAAAFAAAADwAAAAAAAAAAAAAAAAAAAAPAAAAAQAAACMAAAAjAAAAIwAAAB4AAAAAAAAAZAAAAGQAAAAAAAAAZAAAAGQAAAAVAAAAYAAAAAAAAAAAAAAADwAAACADAAAAAAAAAAAAAAEAAACgMgAAVgcAAKr4//8BAAAAf39/AAEAAABkAAAAAAAAABQAAABAHwAAAAAAACYAAAAAAAAAwOD//wAAAAAmAAAAZAAAABYAAABMAAAAAAAAAAAAAAAEAAAAAAAAAAEAAADRSc4KAAAAACgAAAAoAAAAZAAAAGQAAAAAAAAAzMzMAAAAAABQAAAAUAAAAGQAAABkAAAAAAAAABcAAAAUAAAAAAAAAAAAAAD/fwAA/38AAAAAAAAJAAAABAAAAFMAAAAeAAAAaAAAAAAAAAAAAAAAAAAAAAAAAAAAAAAAECcAABAnAAAAAAAAAAAAAAAAAAAAAAAAAAAAAAAAAAAAAAAAAAAAABQAAAAAAAAAwMD/AAAAAABkAAAAMgAAAAAAAABkAAAAAAAAAH9/fwAKAAAAIgAAABgAAAAAAAAAAAAAAAAAAAAAAAAAAAAAAAAAAAAkAAAAJAAAAAAAAAAHAAAAAAAAAAAAAAAAAAAAAAAAAAAAAAAAAAAAf39/ACUAAABYAAAAAAAAAAAAAAAAAAAAAAAAAAAAAAAAAAAAAAAAAAAAAAAAAAAAAAAAAAAAAAA/AAAAAAAAAKCGAQAAAAAAAAAAAAAAAAAMAAAAAQAAAAAAAAAAAAAAAAAAAB8AAABUAAAA////AAAAAAEAAAAAAAAAAAAAAAAAAAAAAAAAAAAAAAAAAAAAAAAAAAAAAAB/f38AAAAAA8zMzADAwP8Af39/AAAAAAAAAAAAAAAAAAAAAAAAAAAAIQAAABgAAAAUAAAAwRwAAGcHAAB1NQAAKBAAABAAAAAmAAAACAAAAD0gAAAAAAAA"/>
+                <pr:smNativeData xmlns:pr="smNativeData" xmlns="smNativeData" val="SMDATA_15_8sFZZRMAAAAlAAAAZAAAAA0AAAAAAAAAAAAAAAAAAAAAAAAAAAAAAAAAAAAAAAAAAAEAAABQAAAAAAAAAAAA4D8AAAAAAADgPwAAAAAAAOA/AAAAAAAA4D8AAAAAAADgPwAAAAAAAOA/AAAAAAAA4D8AAAAAAADgPwAAAAAAAOA/AAAAAAAA4D8CAAAAjAAAAAAAAAAAAAAA////AP///wgAAAAAAAAAAAAAAAAAAAAAAAAAAAAAAAAAAAAAeAAAAAEAAABAAAAAAAAAAAAAAABaAAAAAAAAAAAAAAAAAAAAAAAAAAAAAAAAAAAAAAAAAAAAAAAAAAAAAAAAAAAAAAAAAAAAAAAAAAAAAAAAAAAAAAAAAAAAAAAAAAAAFAAAADwAAAAAAAAAAAAAAAAAAAAPAAAAAQAAACMAAAAjAAAAIwAAAB4AAAAAAAAAZAAAAGQAAAAAAAAAZAAAAGQAAAAVAAAAYAAAAAAAAAAAAAAADwAAACADAAAAAAAAAAAAAAEAAACgMgAAVgcAAKr4//8BAAAAf39/AAEAAABkAAAAAAAAABQAAABAHwAAAAAAACYAAAAAAAAAwOD//wAAAAAmAAAAZAAAABYAAABMAAAAAAAAAAAAAAAEAAAAAAAAAAEAAADRSc4KAAAAACgAAAAoAAAAZAAAAGQAAAAAAAAAzMzMAAAAAABQAAAAUAAAAGQAAABkAAAAAAAAABcAAAAUAAAAAAAAAAAAAAD/fwAA/38AAAAAAAAJAAAABAAAAAAAAAAeAAAAaAAAAAAAAAAAAAAAAAAAAAAAAAAAAAAAECcAABAnAAAAAAAAAAAAAAAAAAAAAAAAAAAAAAAAAAAAAAAAAAAAABQAAAAAAAAAwMD/AAAAAABkAAAAMgAAAAAAAABkAAAAAAAAAH9/fwAKAAAAIgAAABgAAAAAAAAAAAAAAAAAAAAAAAAAAAAAAAAAAAAkAAAAJAAAAAAAAAAHAAAAAAAAAAAAAAAAAAAAAAAAAAAAAAAAAAAAf39/ACUAAABYAAAAAAAAAAAAAAAAAAAAAAAAAAAAAAAAAAAAAAAAAAAAAAAAAAAAAAAAAAAAAAA/AAAAAAAAAKCGAQAAAAAAAAAAAAAAAAAMAAAAAQAAAAAAAAAAAAAAAAAAAB8AAABUAAAA////AAAAAAEAAAAAAAAAAAAAAAAAAAAAAAAAAAAAAAAAAAAAAAAAAAAAAAB/f38AAAAAA8zMzADAwP8Af39/AAAAAAAAAAAAAAAAAAAAAAAAAAAAIQAAABgAAAAUAAAAwRwAAGcHAAB1NQAAKBAAABAAAAAmAAAACAAAAD0gAAAAAAAA"/>
               </a:ext>
             </a:extLst>
           </p:cNvSpPr>
@@ -12395,7 +12298,7 @@
             <a:spLocks noGrp="1" noChangeArrowheads="1"/>
             <a:extLst>
               <a:ext uri="smNativeData">
-                <pr:smNativeData xmlns:pr="smNativeData" xmlns="smNativeData" val="SMDATA_15_37BZZRMAAAAlAAAAZAAAAA0AAAAAAAAAAAAAAAAAAAAAAAAAAAAAAAAAAAAAAAAAAAEAAABQAAAAAAAAAAAA4D8AAAAAAADgPwAAAAAAAOA/AAAAAAAA4D8AAAAAAADgPwAAAAAAAOA/AAAAAAAA4D8AAAAAAADgPwAAAAAAAOA/AAAAAAAA4D8CAAAAjAAAAAAAAAAAAAAA////AP///wgAAAAAAAAAAAAAAAAAAAAAAAAAAAAAAAAAAAAAeAAAAAEAAABAAAAAAAAAAAAAAABaAAAAAAAAAAAAAAAAAAAAAAAAAAAAAAAAAAAAAAAAAAAAAAAAAAAAAAAAAAAAAAAAAAAAAAAAAAAAAAAAAAAAAAAAAAAAAAAAAAAAFAAAADwAAAAAAAAAAAAAAAAAAAAPAAAAAQAAACMAAAAjAAAAIwAAAB4AAAAAAAAAZAAAAGQAAAAAAAAAZAAAAGQAAAAVAAAAYAAAAAAAAAAAAAAADwAAACADAAAAAAAAAAAAAAEAAACgMgAAVgcAAKr4//8BAAAAf39/AAEAAABkAAAAAAAAABQAAABAHwAAAAAAACYAAAAAAAAAwOD//wAAAAAmAAAAZAAAABYAAABMAAAAAAAAAAAAAAAEAAAAAAAAAAEAAADRSc4KAAAAACgAAAAoAAAAZAAAAGQAAAAAAAAAzMzMAAAAAABQAAAAUAAAAGQAAABkAAAAAAAAABcAAAAUAAAAAAAAAAAAAAD/fwAA/38AAAAAAAAJAAAABAAAALsAAAAeAAAAaAAAAAAAAAAAAAAAAAAAAAAAAAAAAAAAECcAABAnAAAAAAAAAAAAAAAAAAAAAAAAAAAAAAAAAAAAAAAAAAAAABQAAAAAAAAAwMD/AAAAAABkAAAAMgAAAAAAAABkAAAAAAAAAH9/fwAKAAAAIgAAABgAAAAAAAAAAAAAAAAAAAAAAAAAAAAAAAAAAAAkAAAAJAAAAAAAAAAHAAAAAAAAAAAAAAAAAAAAAAAAAAAAAAAAAAAAf39/ACUAAABYAAAAAAAAAAAAAAAAAAAAAAAAAAAAAAAAAAAAAAAAAAAAAAAAAAAAAAAAAAAAAAA/AAAAAAAAAKCGAQAAAAAAAAAAAAAAAAAMAAAAAQAAAAAAAAAAAAAAAAAAAB8AAABUAAAA////AAAAAAEAAAAAAAAAAAAAAAAAAAAAAAAAAAAAAAAAAAAAAAAAAAAAAAB/f38AAAAAA8zMzADAwP8Af39/AAAAAAAAAAAAAAAAAAAAAAAAAAAAIQAAABgAAAAUAAAA0AIAAP0QAACEGwAAvhkAABAAAAAmAAAACAAAAD0gAAAAAAAA"/>
+                <pr:smNativeData xmlns:pr="smNativeData" xmlns="smNativeData" val="SMDATA_15_8sFZZRMAAAAlAAAAZAAAAA0AAAAAAAAAAAAAAAAAAAAAAAAAAAAAAAAAAAAAAAAAAAEAAABQAAAAAAAAAAAA4D8AAAAAAADgPwAAAAAAAOA/AAAAAAAA4D8AAAAAAADgPwAAAAAAAOA/AAAAAAAA4D8AAAAAAADgPwAAAAAAAOA/AAAAAAAA4D8CAAAAjAAAAAAAAAAAAAAA////AP///wgAAAAAAAAAAAAAAAAAAAAAAAAAAAAAAAAAAAAAeAAAAAEAAABAAAAAAAAAAAAAAABaAAAAAAAAAAAAAAAAAAAAAAAAAAAAAAAAAAAAAAAAAAAAAAAAAAAAAAAAAAAAAAAAAAAAAAAAAAAAAAAAAAAAAAAAAAAAAAAAAAAAFAAAADwAAAAAAAAAAAAAAAAAAAAPAAAAAQAAACMAAAAjAAAAIwAAAB4AAAAAAAAAZAAAAGQAAAAAAAAAZAAAAGQAAAAVAAAAYAAAAAAAAAAAAAAADwAAACADAAAAAAAAAAAAAAEAAACgMgAAVgcAAKr4//8BAAAAf39/AAEAAABkAAAAAAAAABQAAABAHwAAAAAAACYAAAAAAAAAwOD//wAAAAAmAAAAZAAAABYAAABMAAAAAAAAAAAAAAAEAAAAAAAAAAEAAADRSc4KAAAAACgAAAAoAAAAZAAAAGQAAAAAAAAAzMzMAAAAAABQAAAAUAAAAGQAAABkAAAAAAAAABcAAAAUAAAAAAAAAAAAAAD/fwAA/38AAAAAAAAJAAAABAAAAAAAAAAeAAAAaAAAAAAAAAAAAAAAAAAAAAAAAAAAAAAAECcAABAnAAAAAAAAAAAAAAAAAAAAAAAAAAAAAAAAAAAAAAAAAAAAABQAAAAAAAAAwMD/AAAAAABkAAAAMgAAAAAAAABkAAAAAAAAAH9/fwAKAAAAIgAAABgAAAAAAAAAAAAAAAAAAAAAAAAAAAAAAAAAAAAkAAAAJAAAAAAAAAAHAAAAAAAAAAAAAAAAAAAAAAAAAAAAAAAAAAAAf39/ACUAAABYAAAAAAAAAAAAAAAAAAAAAAAAAAAAAAAAAAAAAAAAAAAAAAAAAAAAAAAAAAAAAAA/AAAAAAAAAKCGAQAAAAAAAAAAAAAAAAAMAAAAAQAAAAAAAAAAAAAAAAAAAB8AAABUAAAA////AAAAAAEAAAAAAAAAAAAAAAAAAAAAAAAAAAAAAAAAAAAAAAAAAAAAAAB/f38AAAAAA8zMzADAwP8Af39/AAAAAAAAAAAAAAAAAAAAAAAAAAAAIQAAABgAAAAUAAAA0AIAAP0QAACEGwAAvhkAABAAAAAmAAAACAAAAD0gAAAAAAAA"/>
               </a:ext>
             </a:extLst>
           </p:cNvSpPr>
@@ -12428,7 +12331,7 @@
             <a:spLocks noGrp="1" noChangeArrowheads="1"/>
             <a:extLst>
               <a:ext uri="smNativeData">
-                <pr:smNativeData xmlns:pr="smNativeData" xmlns="smNativeData" val="SMDATA_15_37BZZRMAAAAlAAAAZAAAAA0AAAAAAAAAAAAAAAAAAAAAAAAAAAAAAAAAAAAAAAAAAAEAAABQAAAAAAAAAAAA4D8AAAAAAADgPwAAAAAAAOA/AAAAAAAA4D8AAAAAAADgPwAAAAAAAOA/AAAAAAAA4D8AAAAAAADgPwAAAAAAAOA/AAAAAAAA4D8CAAAAjAAAAAAAAAAAAAAA////AP///wgAAAAAAAAAAAAAAAAAAAAAAAAAAAAAAAAAAAAAeAAAAAEAAABAAAAAAAAAAAAAAABaAAAAAAAAAAAAAAAAAAAAAAAAAAAAAAAAAAAAAAAAAAAAAAAAAAAAAAAAAAAAAAAAAAAAAAAAAAAAAAAAAAAAAAAAAAAAAAAAAAAAFAAAADwAAAAAAAAAAAAAAAAAAAAPAAAAAQAAACMAAAAjAAAAIwAAAB4AAAAAAAAAZAAAAGQAAAAAAAAAZAAAAGQAAAAVAAAAYAAAAAAAAAAAAAAADwAAACADAAAAAAAAAAAAAAEAAACgMgAAVgcAAKr4//8BAAAAf39/AAEAAABkAAAAAAAAABQAAABAHwAAAAAAACYAAAAAAAAAwOD//wAAAAAmAAAAZAAAABYAAABMAAAAAAAAAAAAAAAEAAAAAAAAAAEAAADRSc4KAAAAACgAAAAoAAAAZAAAAGQAAAAAAAAAzMzMAAAAAABQAAAAUAAAAGQAAABkAAAAAAAAABcAAAAUAAAAAAAAAAAAAAD/fwAA/38AAAAAAAAJAAAABAAAAAAAAAAeAAAAaAAAAAAAAAAAAAAAAAAAAAAAAAAAAAAAECcAABAnAAAAAAAAAAAAAAAAAAAAAAAAAAAAAAAAAAAAAAAAAAAAABQAAAAAAAAAwMD/AAAAAABkAAAAMgAAAAAAAABkAAAAAAAAAH9/fwAKAAAAIgAAABgAAAAAAAAAAAAAAAAAAAAAAAAAAAAAAAAAAAAkAAAAJAAAAAAAAAAHAAAAAAAAAAAAAAAAAAAAAAAAAAAAAAAAAAAAf39/ACUAAABYAAAAAAAAAAAAAAAAAAAAAAAAAAAAAAAAAAAAAAAAAAAAAAAAAAAAAAAAAAAAAAA/AAAAAAAAAKCGAQAAAAAAAAAAAAAAAAAMAAAAAQAAAAAAAAAAAAAAAAAAAB8AAABUAAAA////AAAAAAEAAAAAAAAAAAAAAAAAAAAAAAAAAAAAAAAAAAAAAAAAAAAAAAB/f38AAAAAA8zMzADAwP8Af39/AAAAAAAAAAAAAAAAAAAAAAAAAAAAIQAAABgAAAAUAAAAwRwAAP0QAAB1NQAAvhkAABAAAAAmAAAACAAAAD0gAAAAAAAA"/>
+                <pr:smNativeData xmlns:pr="smNativeData" xmlns="smNativeData" val="SMDATA_15_8sFZZRMAAAAlAAAAZAAAAA0AAAAAAAAAAAAAAAAAAAAAAAAAAAAAAAAAAAAAAAAAAAEAAABQAAAAAAAAAAAA4D8AAAAAAADgPwAAAAAAAOA/AAAAAAAA4D8AAAAAAADgPwAAAAAAAOA/AAAAAAAA4D8AAAAAAADgPwAAAAAAAOA/AAAAAAAA4D8CAAAAjAAAAAAAAAAAAAAA////AP///wgAAAAAAAAAAAAAAAAAAAAAAAAAAAAAAAAAAAAAeAAAAAEAAABAAAAAAAAAAAAAAABaAAAAAAAAAAAAAAAAAAAAAAAAAAAAAAAAAAAAAAAAAAAAAAAAAAAAAAAAAAAAAAAAAAAAAAAAAAAAAAAAAAAAAAAAAAAAAAAAAAAAFAAAADwAAAAAAAAAAAAAAAAAAAAPAAAAAQAAACMAAAAjAAAAIwAAAB4AAAAAAAAAZAAAAGQAAAAAAAAAZAAAAGQAAAAVAAAAYAAAAAAAAAAAAAAADwAAACADAAAAAAAAAAAAAAEAAACgMgAAVgcAAKr4//8BAAAAf39/AAEAAABkAAAAAAAAABQAAABAHwAAAAAAACYAAAAAAAAAwOD//wAAAAAmAAAAZAAAABYAAABMAAAAAAAAAAAAAAAEAAAAAAAAAAEAAADRSc4KAAAAACgAAAAoAAAAZAAAAGQAAAAAAAAAzMzMAAAAAABQAAAAUAAAAGQAAABkAAAAAAAAABcAAAAUAAAAAAAAAAAAAAD/fwAA/38AAAAAAAAJAAAABAAAAAAAAAAeAAAAaAAAAAAAAAAAAAAAAAAAAAAAAAAAAAAAECcAABAnAAAAAAAAAAAAAAAAAAAAAAAAAAAAAAAAAAAAAAAAAAAAABQAAAAAAAAAwMD/AAAAAABkAAAAMgAAAAAAAABkAAAAAAAAAH9/fwAKAAAAIgAAABgAAAAAAAAAAAAAAAAAAAAAAAAAAAAAAAAAAAAkAAAAJAAAAAAAAAAHAAAAAAAAAAAAAAAAAAAAAAAAAAAAAAAAAAAAf39/ACUAAABYAAAAAAAAAAAAAAAAAAAAAAAAAAAAAAAAAAAAAAAAAAAAAAAAAAAAAAAAAAAAAAA/AAAAAAAAAKCGAQAAAAAAAAAAAAAAAAAMAAAAAQAAAAAAAAAAAAAAAAAAAB8AAABUAAAA////AAAAAAEAAAAAAAAAAAAAAAAAAAAAAAAAAAAAAAAAAAAAAAAAAAAAAAB/f38AAAAAA8zMzADAwP8Af39/AAAAAAAAAAAAAAAAAAAAAAAAAAAAIQAAABgAAAAUAAAAwRwAAP0QAAB1NQAAvhkAABAAAAAmAAAACAAAAD0gAAAAAAAA"/>
               </a:ext>
             </a:extLst>
           </p:cNvSpPr>
@@ -12486,7 +12389,7 @@
             <a:spLocks noGrp="1" noChangeArrowheads="1"/>
             <a:extLst>
               <a:ext uri="smNativeData">
-                <pr:smNativeData xmlns:pr="smNativeData" xmlns="smNativeData" val="SMDATA_15_37BZZRMAAAAlAAAAZAAAAE0AAAAAAAAAAAAAAAAAAAAAAAAAAAAAAAABAAAAAAAAAAEAAABQAAAAAAAAAAAA4D8AAAAAAADgPwAAAAAAAOA/AAAAAAAA4D8AAAAAAADgPwAAAAAAAOA/AAAAAAAA4D8AAAAAAADgPwAAAAAAAOA/AAAAAAAA4D8CAAAAjAAAAAAAAAAAAAAA////AP///wgAAAAAAAAAAAAAAAAAAAAAAAAAAAAAAAAAAAAAeAAAAAEAAABAAAAAAAAAAAAAAABaAAAAAAAAAAAAAAAAAAAAAAAAAAAAAAAAAAAAAAAAAAAAAAAAAAAAAAAAAAAAAAAAAAAAAAAAAAAAAAAAAAAAAAAAAAAAAAAAAAAAFAAAADwAAAAAAAAAAAAAAAAAAAAPAAAAAQAAACMAAAAjAAAAIwAAAB4AAAAAAAAAZAAAAGQAAAAAAAAAZAAAAGQAAAAVAAAAYAAAAAAAAAAAAAAADwAAACADAAAAAAAAAAAAAAEAAACgMgAAVgcAAKr4//8BAAAAf39/AAEAAABkAAAAAAAAABQAAABAHwAAAAAAACYAAAAAAAAAwOD//wAAAAAmAAAAZAAAABYAAABMAAAAAAAAAAAAAAAEAAAAAAAAAAEAAADRSc4KAAAAACgAAAAoAAAAZAAAAGQAAAAAAAAAzMzMAAAAAABQAAAAUAAAAGQAAABkAAAAAAAAABcAAAAUAAAAAAAAAAAAAAD/fwAA/38AAAAAAAAJAAAABAAAAAAAAAAeAAAAaAAAAAAAAAAAAAAAAAAAAAAAAAAAAAAAECcAABAnAAAAAAAAAAAAAAAAAAAAAAAAAAAAAAAAAAAAAAAAAAAAABQAAAAAAAAAwMD/AAAAAABkAAAAMgAAAAAAAABkAAAAAAAAAH9/fwAKAAAAIgAAABgAAAAAAAAAAAAAAAAAAAAAAAAAAAAAAAAAAAAkAAAAJAAAAAAAAAAHAAAAAAAAAAAAAAAAAAAAAAAAAAAAAAAAAAAAf39/ACUAAABYAAAAAAAAAAAAAAAAAAAAAAAAAAAAAAAAAAAAAAAAAAAAAAAAAAAAAAAAAAAAAAA/AAAAAAAAAKCGAQAAAAAAAAAAAAAAAAAMAAAAAQAAAAAAAAAAAAAAAAAAAB8AAABUAAAA////AAAAAAEAAAAAAAAAAAAAAAAAAAAAAAAAAAAAAAAAAAAAAAAAAAAAAAB/f38AAAAAA8zMzADAwP8Af39/AAAAAAAAAAAAAAAAAAAAAAAAAAAAIQAAABgAAAAUAAAA0AIAAA8AAABvNQAAwAcAABAgAAAmAAAACAAAAD0gAAAAAAAA"/>
+                <pr:smNativeData xmlns:pr="smNativeData" xmlns="smNativeData" val="SMDATA_15_8sFZZRMAAAAlAAAAZAAAAE0AAAAAAAAAAAAAAAAAAAAAAAAAAAAAAAABAAAAAAAAAAEAAABQAAAAAAAAAAAA4D8AAAAAAADgPwAAAAAAAOA/AAAAAAAA4D8AAAAAAADgPwAAAAAAAOA/AAAAAAAA4D8AAAAAAADgPwAAAAAAAOA/AAAAAAAA4D8CAAAAjAAAAAAAAAAAAAAA////AP///wgAAAAAAAAAAAAAAAAAAAAAAAAAAAAAAAAAAAAAeAAAAAEAAABAAAAAAAAAAAAAAABaAAAAAAAAAAAAAAAAAAAAAAAAAAAAAAAAAAAAAAAAAAAAAAAAAAAAAAAAAAAAAAAAAAAAAAAAAAAAAAAAAAAAAAAAAAAAAAAAAAAAFAAAADwAAAAAAAAAAAAAAAAAAAAPAAAAAQAAACMAAAAjAAAAIwAAAB4AAAAAAAAAZAAAAGQAAAAAAAAAZAAAAGQAAAAVAAAAYAAAAAAAAAAAAAAADwAAACADAAAAAAAAAAAAAAEAAACgMgAAVgcAAKr4//8BAAAAf39/AAEAAABkAAAAAAAAABQAAABAHwAAAAAAACYAAAAAAAAAwOD//wAAAAAmAAAAZAAAABYAAABMAAAAAAAAAAAAAAAEAAAAAAAAAAEAAADRSc4KAAAAACgAAAAoAAAAZAAAAGQAAAAAAAAAzMzMAAAAAABQAAAAUAAAAGQAAABkAAAAAAAAABcAAAAUAAAAAAAAAAAAAAD/fwAA/38AAAAAAAAJAAAABAAAAAAAAAAeAAAAaAAAAAAAAAAAAAAAAAAAAAAAAAAAAAAAECcAABAnAAAAAAAAAAAAAAAAAAAAAAAAAAAAAAAAAAAAAAAAAAAAABQAAAAAAAAAwMD/AAAAAABkAAAAMgAAAAAAAABkAAAAAAAAAH9/fwAKAAAAIgAAABgAAAAAAAAAAAAAAAAAAAAAAAAAAAAAAAAAAAAkAAAAJAAAAAAAAAAHAAAAAAAAAAAAAAAAAAAAAAAAAAAAAAAAAAAAf39/ACUAAABYAAAAAAAAAAAAAAAAAAAAAAAAAAAAAAAAAAAAAAAAAAAAAAAAAAAAAAAAAAAAAAA/AAAAAAAAAKCGAQAAAAAAAAAAAAAAAAAMAAAAAQAAAAAAAAAAAAAAAAAAAB8AAABUAAAA////AAAAAAEAAAAAAAAAAAAAAAAAAAAAAAAAAAAAAAAAAAAAAAAAAAAAAAB/f38AAAAAA8zMzADAwP8Af39/AAAAAAAAAAAAAAAAAAAAAAAAAAAAIQAAABgAAAAUAAAA0AIAAA8AAABvNQAAwAcAABAgAAAmAAAACAAAAD0gAAAAAAAA"/>
               </a:ext>
             </a:extLst>
           </p:cNvSpPr>
@@ -12519,7 +12422,7 @@
             <a:spLocks noGrp="1" noChangeArrowheads="1"/>
             <a:extLst>
               <a:ext uri="smNativeData">
-                <pr:smNativeData xmlns:pr="smNativeData" xmlns="smNativeData" val="SMDATA_15_37BZZRMAAAAlAAAAZAAAAA0AAAAAAAAAAAAAAAAAAAAAAAAAAAAAAAAAAAAAAAAAAAEAAABQAAAAAAAAAAAA4D8AAAAAAADgPwAAAAAAAOA/AAAAAAAA4D8AAAAAAADgPwAAAAAAAOA/AAAAAAAA4D8AAAAAAADgPwAAAAAAAOA/AAAAAAAA4D8CAAAAjAAAAAAAAAAAAAAA////AP///wgAAAAAAAAAAAAAAAAAAAAAAAAAAAAAAAAAAAAAeAAAAAEAAABAAAAAAAAAAAAAAABaAAAAAAAAAAAAAAAAAAAAAAAAAAAAAAAAAAAAAAAAAAAAAAAAAAAAAAAAAAAAAAAAAAAAAAAAAAAAAAAAAAAAAAAAAAAAAAAAAAAAFAAAADwAAAAAAAAAAAAAAAAAAAAPAAAAAQAAACMAAAAjAAAAIwAAAB4AAAAAAAAAZAAAAGQAAAAAAAAAZAAAAGQAAAAVAAAAYAAAAAAAAAAAAAAADwAAACADAAAAAAAAAAAAAAEAAACgMgAAVgcAAKr4//8BAAAAf39/AAEAAABkAAAAAAAAABQAAABAHwAAAAAAACYAAAAAAAAAwOD//wAAAAAmAAAAZAAAABYAAABMAAAAAAAAAAAAAAAEAAAAAAAAAAEAAADRSc4KAAAAACgAAAAoAAAAZAAAAGQAAAAAAAAAzMzMAAAAAABQAAAAUAAAAGQAAABkAAAAAAAAABcAAAAUAAAAAAAAAAAAAAD/fwAA/38AAAAAAAAJAAAABAAAAAAAAAAeAAAAaAAAAAAAAAAAAAAAAAAAAAAAAAAAAAAAECcAABAnAAAAAAAAAAAAAAAAAAAAAAAAAAAAAAAAAAAAAAAAAAAAABQAAAAAAAAAwMD/AAAAAABkAAAAMgAAAAAAAABkAAAAAAAAAH9/fwAKAAAAIgAAABgAAAAAAAAAAAAAAAAAAAAAAAAAAAAAAAAAAAAkAAAAJAAAAAAAAAAHAAAAAAAAAAAAAAAAAAAAAAAAAAAAAAAAAAAAf39/ACUAAABYAAAAAAAAAAAAAAAAAAAAAAAAAAAAAAAAAAAAAAAAAAAAAAAAAAAAAAAAAAAAAAA/AAAAAAAAAKCGAQAAAAAAAAAAAAAAAAAMAAAAAQAAAAAAAAAAAAAAAAAAAB8AAABUAAAA////AAAAAAEAAAAAAAAAAAAAAAAAAAAAAAAAAAAAAAAAAAAAAAAAAAAAAAB/f38AAAAAA8zMzADAwP8Af39/AAAAAAAAAAAAAAAAAAAAAAAAAAAAIQAAABgAAAAUAAAA0AIAAGcHAAAdEwAAKBAAABAAAAAmAAAACAAAAD0gAAAAAAAA"/>
+                <pr:smNativeData xmlns:pr="smNativeData" xmlns="smNativeData" val="SMDATA_15_8sFZZRMAAAAlAAAAZAAAAA0AAAAAAAAAAAAAAAAAAAAAAAAAAAAAAAAAAAAAAAAAAAEAAABQAAAAAAAAAAAA4D8AAAAAAADgPwAAAAAAAOA/AAAAAAAA4D8AAAAAAADgPwAAAAAAAOA/AAAAAAAA4D8AAAAAAADgPwAAAAAAAOA/AAAAAAAA4D8CAAAAjAAAAAAAAAAAAAAA////AP///wgAAAAAAAAAAAAAAAAAAAAAAAAAAAAAAAAAAAAAeAAAAAEAAABAAAAAAAAAAAAAAABaAAAAAAAAAAAAAAAAAAAAAAAAAAAAAAAAAAAAAAAAAAAAAAAAAAAAAAAAAAAAAAAAAAAAAAAAAAAAAAAAAAAAAAAAAAAAAAAAAAAAFAAAADwAAAAAAAAAAAAAAAAAAAAPAAAAAQAAACMAAAAjAAAAIwAAAB4AAAAAAAAAZAAAAGQAAAAAAAAAZAAAAGQAAAAVAAAAYAAAAAAAAAAAAAAADwAAACADAAAAAAAAAAAAAAEAAACgMgAAVgcAAKr4//8BAAAAf39/AAEAAABkAAAAAAAAABQAAABAHwAAAAAAACYAAAAAAAAAwOD//wAAAAAmAAAAZAAAABYAAABMAAAAAAAAAAAAAAAEAAAAAAAAAAEAAADRSc4KAAAAACgAAAAoAAAAZAAAAGQAAAAAAAAAzMzMAAAAAABQAAAAUAAAAGQAAABkAAAAAAAAABcAAAAUAAAAAAAAAAAAAAD/fwAA/38AAAAAAAAJAAAABAAAAAAAAAAeAAAAaAAAAAAAAAAAAAAAAAAAAAAAAAAAAAAAECcAABAnAAAAAAAAAAAAAAAAAAAAAAAAAAAAAAAAAAAAAAAAAAAAABQAAAAAAAAAwMD/AAAAAABkAAAAMgAAAAAAAABkAAAAAAAAAH9/fwAKAAAAIgAAABgAAAAAAAAAAAAAAAAAAAAAAAAAAAAAAAAAAAAkAAAAJAAAAAAAAAAHAAAAAAAAAAAAAAAAAAAAAAAAAAAAAAAAAAAAf39/ACUAAABYAAAAAAAAAAAAAAAAAAAAAAAAAAAAAAAAAAAAAAAAAAAAAAAAAAAAAAAAAAAAAAA/AAAAAAAAAKCGAQAAAAAAAAAAAAAAAAAMAAAAAQAAAAAAAAAAAAAAAAAAAB8AAABUAAAA////AAAAAAEAAAAAAAAAAAAAAAAAAAAAAAAAAAAAAAAAAAAAAAAAAAAAAAB/f38AAAAAA8zMzADAwP8Af39/AAAAAAAAAAAAAAAAAAAAAAAAAAAAIQAAABgAAAAUAAAA0AIAAGcHAAAdEwAAKBAAABAAAAAmAAAACAAAAD0gAAAAAAAA"/>
               </a:ext>
             </a:extLst>
           </p:cNvSpPr>
@@ -12555,7 +12458,7 @@
             <a:spLocks noGrp="1" noChangeArrowheads="1"/>
             <a:extLst>
               <a:ext uri="smNativeData">
-                <pr:smNativeData xmlns:pr="smNativeData" xmlns="smNativeData" val="SMDATA_15_37BZZRMAAAAlAAAAZAAAAA0AAAAAAAAAAAAAAAAAAAAAAAAAAAAAAAAAAAAAAAAAAAEAAABQAAAAAAAAAAAA4D8AAAAAAADgPwAAAAAAAOA/AAAAAAAA4D8AAAAAAADgPwAAAAAAAOA/AAAAAAAA4D8AAAAAAADgPwAAAAAAAOA/AAAAAAAA4D8CAAAAjAAAAAAAAAAAAAAA////AP///wgAAAAAAAAAAAAAAAAAAAAAAAAAAAAAAAAAAAAAeAAAAAEAAABAAAAAAAAAAAAAAABaAAAAAAAAAAAAAAAAAAAAAAAAAAAAAAAAAAAAAAAAAAAAAAAAAAAAAAAAAAAAAAAAAAAAAAAAAAAAAAAAAAAAAAAAAAAAAAAAAAAAFAAAADwAAAAAAAAAAAAAAAAAAAAPAAAAAQAAACMAAAAjAAAAIwAAAB4AAAAAAAAAZAAAAGQAAAAAAAAAZAAAAGQAAAAVAAAAYAAAAAAAAAAAAAAADwAAACADAAAAAAAAAAAAAAEAAACgMgAAVgcAAKr4//8BAAAAf39/AAEAAABkAAAAAAAAABQAAABAHwAAAAAAACYAAAAAAAAAwOD//wAAAAAmAAAAZAAAABYAAABMAAAAAAAAAAAAAAAEAAAAAAAAAAEAAADRSc4KAAAAACgAAAAoAAAAZAAAAGQAAAAAAAAAzMzMAAAAAABQAAAAUAAAAGQAAABkAAAAAAAAABcAAAAUAAAAAAAAAAAAAAD/fwAA/38AAAAAAAAJAAAABAAAAAAAAAAeAAAAaAAAAAAAAAAAAAAAAAAAAAAAAAAAAAAAECcAABAnAAAAAAAAAAAAAAAAAAAAAAAAAAAAAAAAAAAAAAAAAAAAABQAAAAAAAAAwMD/AAAAAABkAAAAMgAAAAAAAABkAAAAAAAAAH9/fwAKAAAAIgAAABgAAAAAAAAAAAAAAAAAAAAAAAAAAAAAAAAAAAAkAAAAJAAAAAAAAAAHAAAAAAAAAAAAAAAAAAAAAAAAAAAAAAAAAAAAf39/ACUAAABYAAAAAAAAAAAAAAAAAAAAAAAAAAAAAAAAAAAAAAAAAAAAAAAAAAAAAAAAAAAAAAA/AAAAAAAAAKCGAQAAAAAAAAAAAAAAAAAMAAAAAQAAAAAAAAAAAAAAAAAAAB8AAABUAAAA////AAAAAAEAAAAAAAAAAAAAAAAAAAAAAAAAAAAAAAAAAAAAAAAAAAAAAAB/f38AAAAAA8zMzADAwP8Af39/AAAAAAAAAAAAAAAAAAAAAAAAAAAAIQAAABgAAAAUAAAA7hMAAGcHAAA6JAAAKBAAABAAAAAmAAAACAAAAD0gAAAAAAAA"/>
+                <pr:smNativeData xmlns:pr="smNativeData" xmlns="smNativeData" val="SMDATA_15_8sFZZRMAAAAlAAAAZAAAAA0AAAAAAAAAAAAAAAAAAAAAAAAAAAAAAAAAAAAAAAAAAAEAAABQAAAAAAAAAAAA4D8AAAAAAADgPwAAAAAAAOA/AAAAAAAA4D8AAAAAAADgPwAAAAAAAOA/AAAAAAAA4D8AAAAAAADgPwAAAAAAAOA/AAAAAAAA4D8CAAAAjAAAAAAAAAAAAAAA////AP///wgAAAAAAAAAAAAAAAAAAAAAAAAAAAAAAAAAAAAAeAAAAAEAAABAAAAAAAAAAAAAAABaAAAAAAAAAAAAAAAAAAAAAAAAAAAAAAAAAAAAAAAAAAAAAAAAAAAAAAAAAAAAAAAAAAAAAAAAAAAAAAAAAAAAAAAAAAAAAAAAAAAAFAAAADwAAAAAAAAAAAAAAAAAAAAPAAAAAQAAACMAAAAjAAAAIwAAAB4AAAAAAAAAZAAAAGQAAAAAAAAAZAAAAGQAAAAVAAAAYAAAAAAAAAAAAAAADwAAACADAAAAAAAAAAAAAAEAAACgMgAAVgcAAKr4//8BAAAAf39/AAEAAABkAAAAAAAAABQAAABAHwAAAAAAACYAAAAAAAAAwOD//wAAAAAmAAAAZAAAABYAAABMAAAAAAAAAAAAAAAEAAAAAAAAAAEAAADRSc4KAAAAACgAAAAoAAAAZAAAAGQAAAAAAAAAzMzMAAAAAABQAAAAUAAAAGQAAABkAAAAAAAAABcAAAAUAAAAAAAAAAAAAAD/fwAA/38AAAAAAAAJAAAABAAAAAAAAAAeAAAAaAAAAAAAAAAAAAAAAAAAAAAAAAAAAAAAECcAABAnAAAAAAAAAAAAAAAAAAAAAAAAAAAAAAAAAAAAAAAAAAAAABQAAAAAAAAAwMD/AAAAAABkAAAAMgAAAAAAAABkAAAAAAAAAH9/fwAKAAAAIgAAABgAAAAAAAAAAAAAAAAAAAAAAAAAAAAAAAAAAAAkAAAAJAAAAAAAAAAHAAAAAAAAAAAAAAAAAAAAAAAAAAAAAAAAAAAAf39/ACUAAABYAAAAAAAAAAAAAAAAAAAAAAAAAAAAAAAAAAAAAAAAAAAAAAAAAAAAAAAAAAAAAAA/AAAAAAAAAKCGAQAAAAAAAAAAAAAAAAAMAAAAAQAAAAAAAAAAAAAAAAAAAB8AAABUAAAA////AAAAAAEAAAAAAAAAAAAAAAAAAAAAAAAAAAAAAAAAAAAAAAAAAAAAAAB/f38AAAAAA8zMzADAwP8Af39/AAAAAAAAAAAAAAAAAAAAAAAAAAAAIQAAABgAAAAUAAAA7hMAAGcHAAA6JAAAKBAAABAAAAAmAAAACAAAAD0gAAAAAAAA"/>
               </a:ext>
             </a:extLst>
           </p:cNvSpPr>
@@ -12591,7 +12494,7 @@
             <a:spLocks noGrp="1" noChangeArrowheads="1"/>
             <a:extLst>
               <a:ext uri="smNativeData">
-                <pr:smNativeData xmlns:pr="smNativeData" xmlns="smNativeData" val="SMDATA_15_37BZZRMAAAAlAAAAZAAAAA0AAAAAAAAAAAAAAAAAAAAAAAAAAAAAAAAAAAAAAAAAAAEAAABQAAAAAAAAAAAA4D8AAAAAAADgPwAAAAAAAOA/AAAAAAAA4D8AAAAAAADgPwAAAAAAAOA/AAAAAAAA4D8AAAAAAADgPwAAAAAAAOA/AAAAAAAA4D8CAAAAjAAAAAAAAAAAAAAA////AP///wgAAAAAAAAAAAAAAAAAAAAAAAAAAAAAAAAAAAAAeAAAAAEAAABAAAAAAAAAAAAAAABaAAAAAAAAAAAAAAAAAAAAAAAAAAAAAAAAAAAAAAAAAAAAAAAAAAAAAAAAAAAAAAAAAAAAAAAAAAAAAAAAAAAAAAAAAAAAAAAAAAAAFAAAADwAAAAAAAAAAAAAAAAAAAAPAAAAAQAAACMAAAAjAAAAIwAAAB4AAAAAAAAAZAAAAGQAAAAAAAAAZAAAAGQAAAAVAAAAYAAAAAAAAAAAAAAADwAAACADAAAAAAAAAAAAAAEAAACgMgAAVgcAAKr4//8BAAAAf39/AAEAAABkAAAAAAAAABQAAABAHwAAAAAAACYAAAAAAAAAwOD//wAAAAAmAAAAZAAAABYAAABMAAAAAAAAAAAAAAAEAAAAAAAAAAEAAADRSc4KAAAAACgAAAAoAAAAZAAAAGQAAAAAAAAAzMzMAAAAAABQAAAAUAAAAGQAAABkAAAAAAAAABcAAAAUAAAAAAAAAAAAAAD/fwAA/38AAAAAAAAJAAAABAAAAAAAAAAeAAAAaAAAAAAAAAAAAAAAAAAAAAAAAAAAAAAAECcAABAnAAAAAAAAAAAAAAAAAAAAAAAAAAAAAAAAAAAAAAAAAAAAABQAAAAAAAAAwMD/AAAAAABkAAAAMgAAAAAAAABkAAAAAAAAAH9/fwAKAAAAIgAAABgAAAAAAAAAAAAAAAAAAAAAAAAAAAAAAAAAAAAkAAAAJAAAAAAAAAAHAAAAAAAAAAAAAAAAAAAAAAAAAAAAAAAAAAAAf39/ACUAAABYAAAAAAAAAAAAAAAAAAAAAAAAAAAAAAAAAAAAAAAAAAAAAAAAAAAAAAAAAAAAAAA/AAAAAAAAAKCGAQAAAAAAAAAAAAAAAAAMAAAAAQAAAAAAAAAAAAAAAAAAAB8AAABUAAAA////AAAAAAEAAAAAAAAAAAAAAAAAAAAAAAAAAAAAAAAAAAAAAAAAAAAAAAB/f38AAAAAA8zMzADAwP8Af39/AAAAAAAAAAAAAAAAAAAAAAAAAAAAIQAAABgAAAAUAAAADCUAAGcHAABYNQAAKBAAABAAAAAmAAAACAAAAD0gAAAAAAAA"/>
+                <pr:smNativeData xmlns:pr="smNativeData" xmlns="smNativeData" val="SMDATA_15_8sFZZRMAAAAlAAAAZAAAAA0AAAAAAAAAAAAAAAAAAAAAAAAAAAAAAAAAAAAAAAAAAAEAAABQAAAAAAAAAAAA4D8AAAAAAADgPwAAAAAAAOA/AAAAAAAA4D8AAAAAAADgPwAAAAAAAOA/AAAAAAAA4D8AAAAAAADgPwAAAAAAAOA/AAAAAAAA4D8CAAAAjAAAAAAAAAAAAAAA////AP///wgAAAAAAAAAAAAAAAAAAAAAAAAAAAAAAAAAAAAAeAAAAAEAAABAAAAAAAAAAAAAAABaAAAAAAAAAAAAAAAAAAAAAAAAAAAAAAAAAAAAAAAAAAAAAAAAAAAAAAAAAAAAAAAAAAAAAAAAAAAAAAAAAAAAAAAAAAAAAAAAAAAAFAAAADwAAAAAAAAAAAAAAAAAAAAPAAAAAQAAACMAAAAjAAAAIwAAAB4AAAAAAAAAZAAAAGQAAAAAAAAAZAAAAGQAAAAVAAAAYAAAAAAAAAAAAAAADwAAACADAAAAAAAAAAAAAAEAAACgMgAAVgcAAKr4//8BAAAAf39/AAEAAABkAAAAAAAAABQAAABAHwAAAAAAACYAAAAAAAAAwOD//wAAAAAmAAAAZAAAABYAAABMAAAAAAAAAAAAAAAEAAAAAAAAAAEAAADRSc4KAAAAACgAAAAoAAAAZAAAAGQAAAAAAAAAzMzMAAAAAABQAAAAUAAAAGQAAABkAAAAAAAAABcAAAAUAAAAAAAAAAAAAAD/fwAA/38AAAAAAAAJAAAABAAAAAAAAAAeAAAAaAAAAAAAAAAAAAAAAAAAAAAAAAAAAAAAECcAABAnAAAAAAAAAAAAAAAAAAAAAAAAAAAAAAAAAAAAAAAAAAAAABQAAAAAAAAAwMD/AAAAAABkAAAAMgAAAAAAAABkAAAAAAAAAH9/fwAKAAAAIgAAABgAAAAAAAAAAAAAAAAAAAAAAAAAAAAAAAAAAAAkAAAAJAAAAAAAAAAHAAAAAAAAAAAAAAAAAAAAAAAAAAAAAAAAAAAAf39/ACUAAABYAAAAAAAAAAAAAAAAAAAAAAAAAAAAAAAAAAAAAAAAAAAAAAAAAAAAAAAAAAAAAAA/AAAAAAAAAKCGAQAAAAAAAAAAAAAAAAAMAAAAAQAAAAAAAAAAAAAAAAAAAB8AAABUAAAA////AAAAAAEAAAAAAAAAAAAAAAAAAAAAAAAAAAAAAAAAAAAAAAAAAAAAAAB/f38AAAAAA8zMzADAwP8Af39/AAAAAAAAAAAAAAAAAAAAAAAAAAAAIQAAABgAAAAUAAAADCUAAGcHAABYNQAAKBAAABAAAAAmAAAACAAAAD0gAAAAAAAA"/>
               </a:ext>
             </a:extLst>
           </p:cNvSpPr>
@@ -12627,7 +12530,7 @@
             <a:spLocks noGrp="1" noChangeArrowheads="1"/>
             <a:extLst>
               <a:ext uri="smNativeData">
-                <pr:smNativeData xmlns:pr="smNativeData" xmlns="smNativeData" val="SMDATA_15_37BZZRMAAAAlAAAAZAAAAA0AAAAAAAAAAAAAAAAAAAAAAAAAAAAAAAAAAAAAAAAAAAEAAABQAAAAAAAAAAAA4D8AAAAAAADgPwAAAAAAAOA/AAAAAAAA4D8AAAAAAADgPwAAAAAAAOA/AAAAAAAA4D8AAAAAAADgPwAAAAAAAOA/AAAAAAAA4D8CAAAAjAAAAAAAAAAAAAAA////AP///wgAAAAAAAAAAAAAAAAAAAAAAAAAAAAAAAAAAAAAeAAAAAEAAABAAAAAAAAAAAAAAABaAAAAAAAAAAAAAAAAAAAAAAAAAAAAAAAAAAAAAAAAAAAAAAAAAAAAAAAAAAAAAAAAAAAAAAAAAAAAAAAAAAAAAAAAAAAAAAAAAAAAFAAAADwAAAAAAAAAAAAAAAAAAAAPAAAAAQAAACMAAAAjAAAAIwAAAB4AAAAAAAAAZAAAAGQAAAAAAAAAZAAAAGQAAAAVAAAAYAAAAAAAAAAAAAAADwAAACADAAAAAAAAAAAAAAEAAACgMgAAVgcAAKr4//8BAAAAf39/AAEAAABkAAAAAAAAABQAAABAHwAAAAAAACYAAAAAAAAAwOD//wAAAAAmAAAAZAAAABYAAABMAAAAAAAAAAAAAAAEAAAAAAAAAAEAAADRSc4KAAAAACgAAAAoAAAAZAAAAGQAAAAAAAAAzMzMAAAAAABQAAAAUAAAAGQAAABkAAAAAAAAABcAAAAUAAAAAAAAAAAAAAD/fwAA/38AAAAAAAAJAAAABAAAAAAAAAAeAAAAaAAAAAAAAAAAAAAAAAAAAAAAAAAAAAAAECcAABAnAAAAAAAAAAAAAAAAAAAAAAAAAAAAAAAAAAAAAAAAAAAAABQAAAAAAAAAwMD/AAAAAABkAAAAMgAAAAAAAABkAAAAAAAAAH9/fwAKAAAAIgAAABgAAAAAAAAAAAAAAAAAAAAAAAAAAAAAAAAAAAAkAAAAJAAAAAAAAAAHAAAAAAAAAAAAAAAAAAAAAAAAAAAAAAAAAAAAf39/ACUAAABYAAAAAAAAAAAAAAAAAAAAAAAAAAAAAAAAAAAAAAAAAAAAAAAAAAAAAAAAAAAAAAA/AAAAAAAAAKCGAQAAAAAAAAAAAAAAAAAMAAAAAQAAAAAAAAAAAAAAAAAAAB8AAABUAAAA////AAAAAAEAAAAAAAAAAAAAAAAAAAAAAAAAAAAAAAAAAAAAAAAAAAAAAAB/f38AAAAAA8zMzADAwP8Af39/AAAAAAAAAAAAAAAAAAAAAAAAAAAAIQAAABgAAAAUAAAA0AIAAP0QAAAdEwAAvhkAABAAAAAmAAAACAAAAD0gAAAAAAAA"/>
+                <pr:smNativeData xmlns:pr="smNativeData" xmlns="smNativeData" val="SMDATA_15_8sFZZRMAAAAlAAAAZAAAAA0AAAAAAAAAAAAAAAAAAAAAAAAAAAAAAAAAAAAAAAAAAAEAAABQAAAAAAAAAAAA4D8AAAAAAADgPwAAAAAAAOA/AAAAAAAA4D8AAAAAAADgPwAAAAAAAOA/AAAAAAAA4D8AAAAAAADgPwAAAAAAAOA/AAAAAAAA4D8CAAAAjAAAAAAAAAAAAAAA////AP///wgAAAAAAAAAAAAAAAAAAAAAAAAAAAAAAAAAAAAAeAAAAAEAAABAAAAAAAAAAAAAAABaAAAAAAAAAAAAAAAAAAAAAAAAAAAAAAAAAAAAAAAAAAAAAAAAAAAAAAAAAAAAAAAAAAAAAAAAAAAAAAAAAAAAAAAAAAAAAAAAAAAAFAAAADwAAAAAAAAAAAAAAAAAAAAPAAAAAQAAACMAAAAjAAAAIwAAAB4AAAAAAAAAZAAAAGQAAAAAAAAAZAAAAGQAAAAVAAAAYAAAAAAAAAAAAAAADwAAACADAAAAAAAAAAAAAAEAAACgMgAAVgcAAKr4//8BAAAAf39/AAEAAABkAAAAAAAAABQAAABAHwAAAAAAACYAAAAAAAAAwOD//wAAAAAmAAAAZAAAABYAAABMAAAAAAAAAAAAAAAEAAAAAAAAAAEAAADRSc4KAAAAACgAAAAoAAAAZAAAAGQAAAAAAAAAzMzMAAAAAABQAAAAUAAAAGQAAABkAAAAAAAAABcAAAAUAAAAAAAAAAAAAAD/fwAA/38AAAAAAAAJAAAABAAAAAAAAAAeAAAAaAAAAAAAAAAAAAAAAAAAAAAAAAAAAAAAECcAABAnAAAAAAAAAAAAAAAAAAAAAAAAAAAAAAAAAAAAAAAAAAAAABQAAAAAAAAAwMD/AAAAAABkAAAAMgAAAAAAAABkAAAAAAAAAH9/fwAKAAAAIgAAABgAAAAAAAAAAAAAAAAAAAAAAAAAAAAAAAAAAAAkAAAAJAAAAAAAAAAHAAAAAAAAAAAAAAAAAAAAAAAAAAAAAAAAAAAAf39/ACUAAABYAAAAAAAAAAAAAAAAAAAAAAAAAAAAAAAAAAAAAAAAAAAAAAAAAAAAAAAAAAAAAAA/AAAAAAAAAKCGAQAAAAAAAAAAAAAAAAAMAAAAAQAAAAAAAAAAAAAAAAAAAB8AAABUAAAA////AAAAAAEAAAAAAAAAAAAAAAAAAAAAAAAAAAAAAAAAAAAAAAAAAAAAAAB/f38AAAAAA8zMzADAwP8Af39/AAAAAAAAAAAAAAAAAAAAAAAAAAAAIQAAABgAAAAUAAAA0AIAAP0QAAAdEwAAvhkAABAAAAAmAAAACAAAAD0gAAAAAAAA"/>
               </a:ext>
             </a:extLst>
           </p:cNvSpPr>
@@ -12663,7 +12566,7 @@
             <a:spLocks noGrp="1" noChangeArrowheads="1"/>
             <a:extLst>
               <a:ext uri="smNativeData">
-                <pr:smNativeData xmlns:pr="smNativeData" xmlns="smNativeData" val="SMDATA_15_37BZZRMAAAAlAAAAZAAAAA0AAAAAAAAAAAAAAAAAAAAAAAAAAAAAAAAAAAAAAAAAAAEAAABQAAAAAAAAAAAA4D8AAAAAAADgPwAAAAAAAOA/AAAAAAAA4D8AAAAAAADgPwAAAAAAAOA/AAAAAAAA4D8AAAAAAADgPwAAAAAAAOA/AAAAAAAA4D8CAAAAjAAAAAAAAAAAAAAA////AP///wgAAAAAAAAAAAAAAAAAAAAAAAAAAAAAAAAAAAAAeAAAAAEAAABAAAAAAAAAAAAAAABaAAAAAAAAAAAAAAAAAAAAAAAAAAAAAAAAAAAAAAAAAAAAAAAAAAAAAAAAAAAAAAAAAAAAAAAAAAAAAAAAAAAAAAAAAAAAAAAAAAAAFAAAADwAAAAAAAAAAAAAAAAAAAAPAAAAAQAAACMAAAAjAAAAIwAAAB4AAAAAAAAAZAAAAGQAAAAAAAAAZAAAAGQAAAAVAAAAYAAAAAAAAAAAAAAADwAAACADAAAAAAAAAAAAAAEAAACgMgAAVgcAAKr4//8BAAAAf39/AAEAAABkAAAAAAAAABQAAABAHwAAAAAAACYAAAAAAAAAwOD//wAAAAAmAAAAZAAAABYAAABMAAAAAAAAAAAAAAAEAAAAAAAAAAEAAADRSc4KAAAAACgAAAAoAAAAZAAAAGQAAAAAAAAAzMzMAAAAAABQAAAAUAAAAGQAAABkAAAAAAAAABcAAAAUAAAAAAAAAAAAAAD/fwAA/38AAAAAAAAJAAAABAAAAAAAAAAeAAAAaAAAAAAAAAAAAAAAAAAAAAAAAAAAAAAAECcAABAnAAAAAAAAAAAAAAAAAAAAAAAAAAAAAAAAAAAAAAAAAAAAABQAAAAAAAAAwMD/AAAAAABkAAAAMgAAAAAAAABkAAAAAAAAAH9/fwAKAAAAIgAAABgAAAAAAAAAAAAAAAAAAAAAAAAAAAAAAAAAAAAkAAAAJAAAAAAAAAAHAAAAAAAAAAAAAAAAAAAAAAAAAAAAAAAAAAAAf39/ACUAAABYAAAAAAAAAAAAAAAAAAAAAAAAAAAAAAAAAAAAAAAAAAAAAAAAAAAAAAAAAAAAAAA/AAAAAAAAAKCGAQAAAAAAAAAAAAAAAAAMAAAAAQAAAAAAAAAAAAAAAAAAAB8AAABUAAAA////AAAAAAEAAAAAAAAAAAAAAAAAAAAAAAAAAAAAAAAAAAAAAAAAAAAAAAB/f38AAAAAA8zMzADAwP8Af39/AAAAAAAAAAAAAAAAAAAAAAAAAAAAIQAAABgAAAAUAAAA7hMAAP0QAAA6JAAAvhkAABAAAAAmAAAACAAAAD0gAAAAAAAA"/>
+                <pr:smNativeData xmlns:pr="smNativeData" xmlns="smNativeData" val="SMDATA_15_8sFZZRMAAAAlAAAAZAAAAA0AAAAAAAAAAAAAAAAAAAAAAAAAAAAAAAAAAAAAAAAAAAEAAABQAAAAAAAAAAAA4D8AAAAAAADgPwAAAAAAAOA/AAAAAAAA4D8AAAAAAADgPwAAAAAAAOA/AAAAAAAA4D8AAAAAAADgPwAAAAAAAOA/AAAAAAAA4D8CAAAAjAAAAAAAAAAAAAAA////AP///wgAAAAAAAAAAAAAAAAAAAAAAAAAAAAAAAAAAAAAeAAAAAEAAABAAAAAAAAAAAAAAABaAAAAAAAAAAAAAAAAAAAAAAAAAAAAAAAAAAAAAAAAAAAAAAAAAAAAAAAAAAAAAAAAAAAAAAAAAAAAAAAAAAAAAAAAAAAAAAAAAAAAFAAAADwAAAAAAAAAAAAAAAAAAAAPAAAAAQAAACMAAAAjAAAAIwAAAB4AAAAAAAAAZAAAAGQAAAAAAAAAZAAAAGQAAAAVAAAAYAAAAAAAAAAAAAAADwAAACADAAAAAAAAAAAAAAEAAACgMgAAVgcAAKr4//8BAAAAf39/AAEAAABkAAAAAAAAABQAAABAHwAAAAAAACYAAAAAAAAAwOD//wAAAAAmAAAAZAAAABYAAABMAAAAAAAAAAAAAAAEAAAAAAAAAAEAAADRSc4KAAAAACgAAAAoAAAAZAAAAGQAAAAAAAAAzMzMAAAAAABQAAAAUAAAAGQAAABkAAAAAAAAABcAAAAUAAAAAAAAAAAAAAD/fwAA/38AAAAAAAAJAAAABAAAAAAAAAAeAAAAaAAAAAAAAAAAAAAAAAAAAAAAAAAAAAAAECcAABAnAAAAAAAAAAAAAAAAAAAAAAAAAAAAAAAAAAAAAAAAAAAAABQAAAAAAAAAwMD/AAAAAABkAAAAMgAAAAAAAABkAAAAAAAAAH9/fwAKAAAAIgAAABgAAAAAAAAAAAAAAAAAAAAAAAAAAAAAAAAAAAAkAAAAJAAAAAAAAAAHAAAAAAAAAAAAAAAAAAAAAAAAAAAAAAAAAAAAf39/ACUAAABYAAAAAAAAAAAAAAAAAAAAAAAAAAAAAAAAAAAAAAAAAAAAAAAAAAAAAAAAAAAAAAA/AAAAAAAAAKCGAQAAAAAAAAAAAAAAAAAMAAAAAQAAAAAAAAAAAAAAAAAAAB8AAABUAAAA////AAAAAAEAAAAAAAAAAAAAAAAAAAAAAAAAAAAAAAAAAAAAAAAAAAAAAAB/f38AAAAAA8zMzADAwP8Af39/AAAAAAAAAAAAAAAAAAAAAAAAAAAAIQAAABgAAAAUAAAA7hMAAP0QAAA6JAAAvhkAABAAAAAmAAAACAAAAD0gAAAAAAAA"/>
               </a:ext>
             </a:extLst>
           </p:cNvSpPr>
@@ -12699,7 +12602,7 @@
             <a:spLocks noGrp="1" noChangeArrowheads="1"/>
             <a:extLst>
               <a:ext uri="smNativeData">
-                <pr:smNativeData xmlns:pr="smNativeData" xmlns="smNativeData" val="SMDATA_15_37BZZRMAAAAlAAAAZAAAAA0AAAAAAAAAAAAAAAAAAAAAAAAAAAAAAAAAAAAAAAAAAAEAAABQAAAAAAAAAAAA4D8AAAAAAADgPwAAAAAAAOA/AAAAAAAA4D8AAAAAAADgPwAAAAAAAOA/AAAAAAAA4D8AAAAAAADgPwAAAAAAAOA/AAAAAAAA4D8CAAAAjAAAAAAAAAAAAAAA////AP///wgAAAAAAAAAAAAAAAAAAAAAAAAAAAAAAAAAAAAAeAAAAAEAAABAAAAAAAAAAAAAAABaAAAAAAAAAAAAAAAAAAAAAAAAAAAAAAAAAAAAAAAAAAAAAAAAAAAAAAAAAAAAAAAAAAAAAAAAAAAAAAAAAAAAAAAAAAAAAAAAAAAAFAAAADwAAAAAAAAAAAAAAAAAAAAPAAAAAQAAACMAAAAjAAAAIwAAAB4AAAAAAAAAZAAAAGQAAAAAAAAAZAAAAGQAAAAVAAAAYAAAAAAAAAAAAAAADwAAACADAAAAAAAAAAAAAAEAAACgMgAAVgcAAKr4//8BAAAAf39/AAEAAABkAAAAAAAAABQAAABAHwAAAAAAACYAAAAAAAAAwOD//wAAAAAmAAAAZAAAABYAAABMAAAAAAAAAAAAAAAEAAAAAAAAAAEAAADRSc4KAAAAACgAAAAoAAAAZAAAAGQAAAAAAAAAzMzMAAAAAABQAAAAUAAAAGQAAABkAAAAAAAAABcAAAAUAAAAAAAAAAAAAAD/fwAA/38AAAAAAAAJAAAABAAAAAAAAAAeAAAAaAAAAAAAAAAAAAAAAAAAAAAAAAAAAAAAECcAABAnAAAAAAAAAAAAAAAAAAAAAAAAAAAAAAAAAAAAAAAAAAAAABQAAAAAAAAAwMD/AAAAAABkAAAAMgAAAAAAAABkAAAAAAAAAH9/fwAKAAAAIgAAABgAAAAAAAAAAAAAAAAAAAAAAAAAAAAAAAAAAAAkAAAAJAAAAAAAAAAHAAAAAAAAAAAAAAAAAAAAAAAAAAAAAAAAAAAAf39/ACUAAABYAAAAAAAAAAAAAAAAAAAAAAAAAAAAAAAAAAAAAAAAAAAAAAAAAAAAAAAAAAAAAAA/AAAAAAAAAKCGAQAAAAAAAAAAAAAAAAAMAAAAAQAAAAAAAAAAAAAAAAAAAB8AAABUAAAA////AAAAAAEAAAAAAAAAAAAAAAAAAAAAAAAAAAAAAAAAAAAAAAAAAAAAAAB/f38AAAAAA8zMzADAwP8Af39/AAAAAAAAAAAAAAAAAAAAAAAAAAAAIQAAABgAAAAUAAAADCUAAP0QAABYNQAAvhkAABAAAAAmAAAACAAAAD0gAAAAAAAA"/>
+                <pr:smNativeData xmlns:pr="smNativeData" xmlns="smNativeData" val="SMDATA_15_8sFZZRMAAAAlAAAAZAAAAA0AAAAAAAAAAAAAAAAAAAAAAAAAAAAAAAAAAAAAAAAAAAEAAABQAAAAAAAAAAAA4D8AAAAAAADgPwAAAAAAAOA/AAAAAAAA4D8AAAAAAADgPwAAAAAAAOA/AAAAAAAA4D8AAAAAAADgPwAAAAAAAOA/AAAAAAAA4D8CAAAAjAAAAAAAAAAAAAAA////AP///wgAAAAAAAAAAAAAAAAAAAAAAAAAAAAAAAAAAAAAeAAAAAEAAABAAAAAAAAAAAAAAABaAAAAAAAAAAAAAAAAAAAAAAAAAAAAAAAAAAAAAAAAAAAAAAAAAAAAAAAAAAAAAAAAAAAAAAAAAAAAAAAAAAAAAAAAAAAAAAAAAAAAFAAAADwAAAAAAAAAAAAAAAAAAAAPAAAAAQAAACMAAAAjAAAAIwAAAB4AAAAAAAAAZAAAAGQAAAAAAAAAZAAAAGQAAAAVAAAAYAAAAAAAAAAAAAAADwAAACADAAAAAAAAAAAAAAEAAACgMgAAVgcAAKr4//8BAAAAf39/AAEAAABkAAAAAAAAABQAAABAHwAAAAAAACYAAAAAAAAAwOD//wAAAAAmAAAAZAAAABYAAABMAAAAAAAAAAAAAAAEAAAAAAAAAAEAAADRSc4KAAAAACgAAAAoAAAAZAAAAGQAAAAAAAAAzMzMAAAAAABQAAAAUAAAAGQAAABkAAAAAAAAABcAAAAUAAAAAAAAAAAAAAD/fwAA/38AAAAAAAAJAAAABAAAAAAAAAAeAAAAaAAAAAAAAAAAAAAAAAAAAAAAAAAAAAAAECcAABAnAAAAAAAAAAAAAAAAAAAAAAAAAAAAAAAAAAAAAAAAAAAAABQAAAAAAAAAwMD/AAAAAABkAAAAMgAAAAAAAABkAAAAAAAAAH9/fwAKAAAAIgAAABgAAAAAAAAAAAAAAAAAAAAAAAAAAAAAAAAAAAAkAAAAJAAAAAAAAAAHAAAAAAAAAAAAAAAAAAAAAAAAAAAAAAAAAAAAf39/ACUAAABYAAAAAAAAAAAAAAAAAAAAAAAAAAAAAAAAAAAAAAAAAAAAAAAAAAAAAAAAAAAAAAA/AAAAAAAAAKCGAQAAAAAAAAAAAAAAAAAMAAAAAQAAAAAAAAAAAAAAAAAAAB8AAABUAAAA////AAAAAAEAAAAAAAAAAAAAAAAAAAAAAAAAAAAAAAAAAAAAAAAAAAAAAAB/f38AAAAAA8zMzADAwP8Af39/AAAAAAAAAAAAAAAAAAAAAAAAAAAAIQAAABgAAAAUAAAADCUAAP0QAABYNQAAvhkAABAAAAAmAAAACAAAAD0gAAAAAAAA"/>
               </a:ext>
             </a:extLst>
           </p:cNvSpPr>
@@ -12785,7 +12688,7 @@
             <a:spLocks noGrp="1" noChangeArrowheads="1"/>
             <a:extLst>
               <a:ext uri="smNativeData">
-                <pr:smNativeData xmlns:pr="smNativeData" xmlns="smNativeData" val="SMDATA_15_37BZZRMAAAAlAAAAZAAAAE0AAAAAAAAAAAAAAAAAAAAAAAAAAAAAAAABAAAAAAAAAAEAAABQAAAAAAAAAAAA4D8AAAAAAADgPwAAAAAAAOA/AAAAAAAA4D8AAAAAAADgPwAAAAAAAOA/AAAAAAAA4D8AAAAAAADgPwAAAAAAAOA/AAAAAAAA4D8CAAAAjAAAAAAAAAAAAAAA////AP///wgAAAAAAAAAAAAAAAAAAAAAAAAAAAAAAAAAAAAAeAAAAAEAAABAAAAAAAAAAAAAAABaAAAAAAAAAAAAAAAAAAAAAAAAAAAAAAAAAAAAAAAAAAAAAAAAAAAAAAAAAAAAAAAAAAAAAAAAAAAAAAAAAAAAAAAAAAAAAAAAAAAAFAAAADwAAAAAAAAAAAAAAAAAAAAPAAAAAQAAACMAAAAjAAAAIwAAAB4AAAAAAAAAZAAAAGQAAAAAAAAAZAAAAGQAAAAVAAAAYAAAAAAAAAAAAAAADwAAACADAAAAAAAAAAAAAAEAAACgMgAAVgcAAKr4//8BAAAAf39/AAEAAABkAAAAAAAAABQAAABAHwAAAAAAACYAAAAAAAAAwOD//wAAAAAmAAAAZAAAABYAAABMAAAAAAAAAAAAAAAEAAAAAAAAAAEAAADRSc4KAAAAACgAAAAoAAAAZAAAAGQAAAAAAAAAzMzMAAAAAABQAAAAUAAAAGQAAABkAAAAAAAAABcAAAAUAAAAAAAAAAAAAAD/fwAA/38AAAAAAAAJAAAABAAAAAAAAAAeAAAAaAAAAAAAAAAAAAAAAAAAAAAAAAAAAAAAECcAABAnAAAAAAAAAAAAAAAAAAAAAAAAAAAAAAAAAAAAAAAAAAAAABQAAAAAAAAAwMD/AAAAAABkAAAAMgAAAAAAAABkAAAAAAAAAH9/fwAKAAAAIgAAABgAAAAAAAAAAAAAAAAAAAAAAAAAAAAAAAAAAAAkAAAAJAAAAAAAAAAHAAAAAAAAAAAAAAAAAAAAAAAAAAAAAAAAAAAAf39/ACUAAABYAAAAAAAAAAAAAAAAAAAAAAAAAAAAAAAAAAAAAAAAAAAAAAAAAAAAAAAAAAAAAAA/AAAAAAAAAKCGAQAAAAAAAAAAAAAAAAAMAAAAAQAAAAAAAAAAAAAAAAAAAB8AAABUAAAA////AAAAAAEAAAAAAAAAAAAAAAAAAAAAAAAAAAAAAAAAAAAAAAAAAAAAAAB/f38AAAAAA8zMzADAwP8Af39/AAAAAAAAAAAAAAAAAAAAAAAAAAAAIQAAABgAAAAUAAAA0AIAAA8AAABvNQAAwAcAABAgAAAmAAAACAAAAD0gAAAAAAAA"/>
+                <pr:smNativeData xmlns:pr="smNativeData" xmlns="smNativeData" val="SMDATA_15_8sFZZRMAAAAlAAAAZAAAAE0AAAAAAAAAAAAAAAAAAAAAAAAAAAAAAAABAAAAAAAAAAEAAABQAAAAAAAAAAAA4D8AAAAAAADgPwAAAAAAAOA/AAAAAAAA4D8AAAAAAADgPwAAAAAAAOA/AAAAAAAA4D8AAAAAAADgPwAAAAAAAOA/AAAAAAAA4D8CAAAAjAAAAAAAAAAAAAAA////AP///wgAAAAAAAAAAAAAAAAAAAAAAAAAAAAAAAAAAAAAeAAAAAEAAABAAAAAAAAAAAAAAABaAAAAAAAAAAAAAAAAAAAAAAAAAAAAAAAAAAAAAAAAAAAAAAAAAAAAAAAAAAAAAAAAAAAAAAAAAAAAAAAAAAAAAAAAAAAAAAAAAAAAFAAAADwAAAAAAAAAAAAAAAAAAAAPAAAAAQAAACMAAAAjAAAAIwAAAB4AAAAAAAAAZAAAAGQAAAAAAAAAZAAAAGQAAAAVAAAAYAAAAAAAAAAAAAAADwAAACADAAAAAAAAAAAAAAEAAACgMgAAVgcAAKr4//8BAAAAf39/AAEAAABkAAAAAAAAABQAAABAHwAAAAAAACYAAAAAAAAAwOD//wAAAAAmAAAAZAAAABYAAABMAAAAAAAAAAAAAAAEAAAAAAAAAAEAAADRSc4KAAAAACgAAAAoAAAAZAAAAGQAAAAAAAAAzMzMAAAAAABQAAAAUAAAAGQAAABkAAAAAAAAABcAAAAUAAAAAAAAAAAAAAD/fwAA/38AAAAAAAAJAAAABAAAAEi3mgAeAAAAaAAAAAAAAAAAAAAAAAAAAAAAAAAAAAAAECcAABAnAAAAAAAAAAAAAAAAAAAAAAAAAAAAAAAAAAAAAAAAAAAAABQAAAAAAAAAwMD/AAAAAABkAAAAMgAAAAAAAABkAAAAAAAAAH9/fwAKAAAAIgAAABgAAAAAAAAAAAAAAAAAAAAAAAAAAAAAAAAAAAAkAAAAJAAAAAAAAAAHAAAAAAAAAAAAAAAAAAAAAAAAAAAAAAAAAAAAf39/ACUAAABYAAAAAAAAAAAAAAAAAAAAAAAAAAAAAAAAAAAAAAAAAAAAAAAAAAAAAAAAAAAAAAA/AAAAAAAAAKCGAQAAAAAAAAAAAAAAAAAMAAAAAQAAAAAAAAAAAAAAAAAAAB8AAABUAAAA////AAAAAAEAAAAAAAAAAAAAAAAAAAAAAAAAAAAAAAAAAAAAAAAAAAAAAAB/f38AAAAAA8zMzADAwP8Af39/AAAAAAAAAAAAAAAAAAAAAAAAAAAAIQAAABgAAAAUAAAA0AIAAA8AAABvNQAAwAcAABAgAAAmAAAACAAAAD0gAAAAAAAA"/>
               </a:ext>
             </a:extLst>
           </p:cNvSpPr>
@@ -12843,7 +12746,7 @@
             <a:spLocks noGrp="1" noChangeArrowheads="1"/>
             <a:extLst>
               <a:ext uri="smNativeData">
-                <pr:smNativeData xmlns:pr="smNativeData" xmlns="smNativeData" val="SMDATA_15_37BZZRMAAAAlAAAAZAAAAE0AAAAAAAAAAAAAAAAAAAAAAAAAAAAAAAABAAAAAAAAAAEAAABQAAAAAAAAAAAA4D8AAAAAAADgPwAAAAAAAOA/AAAAAAAA4D8AAAAAAADgPwAAAAAAAOA/AAAAAAAA4D8AAAAAAADgPwAAAAAAAOA/AAAAAAAA4D8CAAAAjAAAAAAAAAAAAAAA////AP///wgAAAAAAAAAAAAAAAAAAAAAAAAAAAAAAAAAAAAAeAAAAAEAAABAAAAAAAAAAAAAAABaAAAAAAAAAAAAAAAAAAAAAAAAAAAAAAAAAAAAAAAAAAAAAAAAAAAAAAAAAAAAAAAAAAAAAAAAAAAAAAAAAAAAAAAAAAAAAAAAAAAAFAAAADwAAAAAAAAAAAAAAAAAAAAPAAAAAQAAACMAAAAjAAAAIwAAAB4AAAAAAAAAZAAAAGQAAAAAAAAAZAAAAGQAAAAVAAAAYAAAAAAAAAAAAAAADwAAACADAAAAAAAAAAAAAAEAAACgMgAAVgcAAKr4//8BAAAAf39/AAEAAABkAAAAAAAAABQAAABAHwAAAAAAACYAAAAAAAAAwOD//wAAAAAmAAAAZAAAABYAAABMAAAAAAAAAAAAAAAEAAAAAAAAAAEAAADRSc4KAAAAACgAAAAoAAAAZAAAAGQAAAAAAAAAzMzMAAAAAABQAAAAUAAAAGQAAABkAAAAAAAAABcAAAAUAAAAAAAAAAAAAAD/fwAA/38AAAAAAAAJAAAABAAAALsAAAAeAAAAaAAAAAAAAAAAAAAAAAAAAAAAAAAAAAAAECcAABAnAAAAAAAAAAAAAAAAAAAAAAAAAAAAAAAAAAAAAAAAAAAAABQAAAAAAAAAwMD/AAAAAABkAAAAMgAAAAAAAABkAAAAAAAAAH9/fwAKAAAAIgAAABgAAAAAAAAAAAAAAAAAAAAAAAAAAAAAAAAAAAAkAAAAJAAAAAAAAAAHAAAAAAAAAAAAAAAAAAAAAAAAAAAAAAAAAAAAf39/ACUAAABYAAAAAAAAAAAAAAAAAAAAAAAAAAAAAAAAAAAAAAAAAAAAAAAAAAAAAAAAAAAAAAA/AAAAAAAAAKCGAQAAAAAAAAAAAAAAAAAMAAAAAQAAAAAAAAAAAAAAAAAAAB8AAABUAAAA////AAAAAAEAAAAAAAAAAAAAAAAAAAAAAAAAAAAAAAAAAAAAAAAAAAAAAAB/f38AAAAAA8zMzADAwP8Af39/AAAAAAAAAAAAAAAAAAAAAAAAAAAAIQAAABgAAAAUAAAA0AIAAA8AAABvNQAAwAcAABAgAAAmAAAACAAAAD0gAAAAAAAA"/>
+                <pr:smNativeData xmlns:pr="smNativeData" xmlns="smNativeData" val="SMDATA_15_8sFZZRMAAAAlAAAAZAAAAE0AAAAAAAAAAAAAAAAAAAAAAAAAAAAAAAABAAAAAAAAAAEAAABQAAAAAAAAAAAA4D8AAAAAAADgPwAAAAAAAOA/AAAAAAAA4D8AAAAAAADgPwAAAAAAAOA/AAAAAAAA4D8AAAAAAADgPwAAAAAAAOA/AAAAAAAA4D8CAAAAjAAAAAAAAAAAAAAA////AP///wgAAAAAAAAAAAAAAAAAAAAAAAAAAAAAAAAAAAAAeAAAAAEAAABAAAAAAAAAAAAAAABaAAAAAAAAAAAAAAAAAAAAAAAAAAAAAAAAAAAAAAAAAAAAAAAAAAAAAAAAAAAAAAAAAAAAAAAAAAAAAAAAAAAAAAAAAAAAAAAAAAAAFAAAADwAAAAAAAAAAAAAAAAAAAAPAAAAAQAAACMAAAAjAAAAIwAAAB4AAAAAAAAAZAAAAGQAAAAAAAAAZAAAAGQAAAAVAAAAYAAAAAAAAAAAAAAADwAAACADAAAAAAAAAAAAAAEAAACgMgAAVgcAAKr4//8BAAAAf39/AAEAAABkAAAAAAAAABQAAABAHwAAAAAAACYAAAAAAAAAwOD//wAAAAAmAAAAZAAAABYAAABMAAAAAAAAAAAAAAAEAAAAAAAAAAEAAADRSc4KAAAAACgAAAAoAAAAZAAAAGQAAAAAAAAAzMzMAAAAAABQAAAAUAAAAGQAAABkAAAAAAAAABcAAAAUAAAAAAAAAAAAAAD/fwAA/38AAAAAAAAJAAAABAAAAAAAAAAeAAAAaAAAAAAAAAAAAAAAAAAAAAAAAAAAAAAAECcAABAnAAAAAAAAAAAAAAAAAAAAAAAAAAAAAAAAAAAAAAAAAAAAABQAAAAAAAAAwMD/AAAAAABkAAAAMgAAAAAAAABkAAAAAAAAAH9/fwAKAAAAIgAAABgAAAAAAAAAAAAAAAAAAAAAAAAAAAAAAAAAAAAkAAAAJAAAAAAAAAAHAAAAAAAAAAAAAAAAAAAAAAAAAAAAAAAAAAAAf39/ACUAAABYAAAAAAAAAAAAAAAAAAAAAAAAAAAAAAAAAAAAAAAAAAAAAAAAAAAAAAAAAAAAAAA/AAAAAAAAAKCGAQAAAAAAAAAAAAAAAAAMAAAAAQAAAAAAAAAAAAAAAAAAAB8AAABUAAAA////AAAAAAEAAAAAAAAAAAAAAAAAAAAAAAAAAAAAAAAAAAAAAAAAAAAAAAB/f38AAAAAA8zMzADAwP8Af39/AAAAAAAAAAAAAAAAAAAAAAAAAAAAIQAAABgAAAAUAAAA0AIAAA8AAABvNQAAwAcAABAgAAAmAAAACAAAAD0gAAAAAAAA"/>
               </a:ext>
             </a:extLst>
           </p:cNvSpPr>
@@ -12876,7 +12779,7 @@
             <a:spLocks noGrp="1" noChangeArrowheads="1"/>
             <a:extLst>
               <a:ext uri="smNativeData">
-                <pr:smNativeData xmlns:pr="smNativeData" xmlns="smNativeData" val="SMDATA_15_37BZZRMAAAAlAAAAZAAAAE0AAAAAAAAAAAAAAAAAAAAAAAAAAAAAAAABAAAAAAAAAAEAAABQAAAAAAAAAAAA4D8AAAAAAADgPwAAAAAAAOA/AAAAAAAA4D8AAAAAAADgPwAAAAAAAOA/AAAAAAAA4D8AAAAAAADgPwAAAAAAAOA/AAAAAAAA4D8CAAAAjAAAAAAAAAAAAAAA////AP///wgAAAAAAAAAAAAAAAAAAAAAAAAAAAAAAAAAAAAAeAAAAAEAAABAAAAAAAAAAAAAAABaAAAAAAAAAAAAAAAAAAAAAAAAAAAAAAAAAAAAAAAAAAAAAAAAAAAAAAAAAAAAAAAAAAAAAAAAAAAAAAAAAAAAAAAAAAAAAAAAAAAAFAAAADwAAAAAAAAAAAAAAAAAAAAPAAAAAQAAACMAAAAjAAAAIwAAAB4AAAAAAAAAZAAAAGQAAAAAAAAAZAAAAGQAAAAVAAAAYAAAAAAAAAAAAAAADwAAACADAAAAAAAAAAAAAAEAAACgMgAAVgcAAKr4//8BAAAAf39/AAEAAABkAAAAAAAAABQAAABAHwAAAAAAACYAAAAAAAAAwOD//wAAAAAmAAAAZAAAABYAAABMAAAAAAAAAAAAAAAEAAAAAAAAAAEAAADRSc4KAAAAACgAAAAoAAAAZAAAAGQAAAAAAAAAzMzMAAAAAABQAAAAUAAAAGQAAABkAAAAAAAAABcAAAAUAAAAAAAAAAAAAAD/fwAA/38AAAAAAAAJAAAABAAAAAAAAAAeAAAAaAAAAAAAAAAAAAAAAAAAAAAAAAAAAAAAECcAABAnAAAAAAAAAAAAAAAAAAAAAAAAAAAAAAAAAAAAAAAAAAAAABQAAAAAAAAAwMD/AAAAAABkAAAAMgAAAAAAAABkAAAAAAAAAH9/fwAKAAAAIgAAABgAAAAAAAAAAAAAAAAAAAAAAAAAAAAAAAAAAAAkAAAAJAAAAAAAAAAHAAAAAAAAAAAAAAAAAAAAAAAAAAAAAAAAAAAAf39/ACUAAABYAAAAAAAAAAAAAAAAAAAAAAAAAAAAAAAAAAAAAAAAAAAAAAAAAAAAAAAAAAAAAAA/AAAAAAAAAKCGAQAAAAAAAAAAAAAAAAAMAAAAAQAAAAAAAAAAAAAAAAAAAB8AAABUAAAA////AAAAAAEAAAAAAAAAAAAAAAAAAAAAAAAAAAAAAAAAAAAAAAAAAAAAAAB/f38AAAAAA8zMzADAwP8Af39/AAAAAAAAAAAAAAAAAAAAAAAAAAAAIQAAABgAAAAUAAAA0AIAAGcHAABvNQAAwRkAABAgAAAmAAAACAAAAL0gAAAAAAAA"/>
+                <pr:smNativeData xmlns:pr="smNativeData" xmlns="smNativeData" val="SMDATA_15_8sFZZRMAAAAlAAAAZAAAAE0AAAAAAAAAAAAAAAAAAAAAAAAAAAAAAAABAAAAAAAAAAEAAABQAAAAAAAAAAAA4D8AAAAAAADgPwAAAAAAAOA/AAAAAAAA4D8AAAAAAADgPwAAAAAAAOA/AAAAAAAA4D8AAAAAAADgPwAAAAAAAOA/AAAAAAAA4D8CAAAAjAAAAAAAAAAAAAAA////AP///wgAAAAAAAAAAAAAAAAAAAAAAAAAAAAAAAAAAAAAeAAAAAEAAABAAAAAAAAAAAAAAABaAAAAAAAAAAAAAAAAAAAAAAAAAAAAAAAAAAAAAAAAAAAAAAAAAAAAAAAAAAAAAAAAAAAAAAAAAAAAAAAAAAAAAAAAAAAAAAAAAAAAFAAAADwAAAAAAAAAAAAAAAAAAAAPAAAAAQAAACMAAAAjAAAAIwAAAB4AAAAAAAAAZAAAAGQAAAAAAAAAZAAAAGQAAAAVAAAAYAAAAAAAAAAAAAAADwAAACADAAAAAAAAAAAAAAEAAACgMgAAVgcAAKr4//8BAAAAf39/AAEAAABkAAAAAAAAABQAAABAHwAAAAAAACYAAAAAAAAAwOD//wAAAAAmAAAAZAAAABYAAABMAAAAAAAAAAAAAAAEAAAAAAAAAAEAAADRSc4KAAAAACgAAAAoAAAAZAAAAGQAAAAAAAAAzMzMAAAAAABQAAAAUAAAAGQAAABkAAAAAAAAABcAAAAUAAAAAAAAAAAAAAD/fwAA/38AAAAAAAAJAAAABAAAAAAAAAAeAAAAaAAAAAAAAAAAAAAAAAAAAAAAAAAAAAAAECcAABAnAAAAAAAAAAAAAAAAAAAAAAAAAAAAAAAAAAAAAAAAAAAAABQAAAAAAAAAwMD/AAAAAABkAAAAMgAAAAAAAABkAAAAAAAAAH9/fwAKAAAAIgAAABgAAAAAAAAAAAAAAAAAAAAAAAAAAAAAAAAAAAAkAAAAJAAAAAAAAAAHAAAAAAAAAAAAAAAAAAAAAAAAAAAAAAAAAAAAf39/ACUAAABYAAAAAAAAAAAAAAAAAAAAAAAAAAAAAAAAAAAAAAAAAAAAAAAAAAAAAAAAAAAAAAA/AAAAAAAAAKCGAQAAAAAAAAAAAAAAAAAMAAAAAQAAAAAAAAAAAAAAAAAAAB8AAABUAAAA////AAAAAAEAAAAAAAAAAAAAAAAAAAAAAAAAAAAAAAAAAAAAAAAAAAAAAAB/f38AAAAAA8zMzADAwP8Af39/AAAAAAAAAAAAAAAAAAAAAAAAAAAAIQAAABgAAAAUAAAA0AIAAGcHAABvNQAAwRkAABAgAAAmAAAACAAAAL0gAAAAAAAA"/>
               </a:ext>
             </a:extLst>
           </p:cNvSpPr>
@@ -12934,7 +12837,7 @@
             <a:spLocks noGrp="1" noChangeArrowheads="1"/>
             <a:extLst>
               <a:ext uri="smNativeData">
-                <pr:smNativeData xmlns:pr="smNativeData" xmlns="smNativeData" val="SMDATA_15_37BZZRMAAAAlAAAAZAAAAE0AAAAAAAAAAAAAAAAAAAAAAAAAAAAAAAABAAAAAAAAAAEAAABQAAAAAAAAAAAA4D8AAAAAAADgPwAAAAAAAOA/AAAAAAAA4D8AAAAAAADgPwAAAAAAAOA/AAAAAAAA4D8AAAAAAADgPwAAAAAAAOA/AAAAAAAA4D8CAAAAjAAAAAAAAAAAAAAA////AP///wgAAAAAAAAAAAAAAAAAAAAAAAAAAAAAAAAAAAAAeAAAAAEAAABAAAAAAAAAAAAAAABaAAAAAAAAAAAAAAAAAAAAAAAAAAAAAAAAAAAAAAAAAAAAAAAAAAAAAAAAAAAAAAAAAAAAAAAAAAAAAAAAAAAAAAAAAAAAAAAAAAAAFAAAADwAAAAAAAAAAAAAAAAAAAAPAAAAAQAAACMAAAAjAAAAIwAAAB4AAAAAAAAAZAAAAGQAAAAAAAAAZAAAAGQAAAAVAAAAYAAAAAAAAAAAAAAADwAAACADAAAAAAAAAAAAAAEAAACgMgAAVgcAAKr4//8BAAAAf39/AAEAAABkAAAAAAAAABQAAABAHwAAAAAAACYAAAAAAAAAwOD//wAAAAAmAAAAZAAAABYAAABMAAAAAAAAAAAAAAAEAAAAAAAAAAEAAADRSc4KAAAAACgAAAAoAAAAZAAAAGQAAAAAAAAAzMzMAAAAAABQAAAAUAAAAGQAAABkAAAAAAAAABcAAAAUAAAAAAAAAAAAAAD/fwAA/38AAAAAAAAJAAAABAAAAMkAAAAeAAAAaAAAAAAAAAAAAAAAAAAAAAAAAAAAAAAAECcAABAnAAAAAAAAAAAAAAAAAAAAAAAAAAAAAAAAAAAAAAAAAAAAABQAAAAAAAAAwMD/AAAAAABkAAAAMgAAAAAAAABkAAAAAAAAAH9/fwAKAAAAIgAAABgAAAAAAAAAAAAAAAAAAAAAAAAAAAAAAAAAAAAkAAAAJAAAAAAAAAAHAAAAAAAAAAAAAAAAAAAAAAAAAAAAAAAAAAAAf39/ACUAAABYAAAAAAAAAAAAAAAAAAAAAAAAAAAAAAAAAAAAAAAAAAAAAAAAAAAAAAAAAAAAAAA/AAAAAAAAAKCGAQAAAAAAAAAAAAAAAAAMAAAAAQAAAAAAAAAAAAAAAAAAAB8AAABUAAAA////AAAAAAEAAAAAAAAAAAAAAAAAAAAAAAAAAAAAAAAAAAAAAAAAAAAAAAB/f38AAAAAA8zMzADAwP8Af39/AAAAAAAAAAAAAAAAAAAAAAAAAAAAIQAAABgAAAAUAAAA0AIAAA8AAABvNQAAwAcAABAgAAAmAAAACAAAAD0gAAAAAAAA"/>
+                <pr:smNativeData xmlns:pr="smNativeData" xmlns="smNativeData" val="SMDATA_15_8sFZZRMAAAAlAAAAZAAAAE0AAAAAAAAAAAAAAAAAAAAAAAAAAAAAAAABAAAAAAAAAAEAAABQAAAAAAAAAAAA4D8AAAAAAADgPwAAAAAAAOA/AAAAAAAA4D8AAAAAAADgPwAAAAAAAOA/AAAAAAAA4D8AAAAAAADgPwAAAAAAAOA/AAAAAAAA4D8CAAAAjAAAAAAAAAAAAAAA////AP///wgAAAAAAAAAAAAAAAAAAAAAAAAAAAAAAAAAAAAAeAAAAAEAAABAAAAAAAAAAAAAAABaAAAAAAAAAAAAAAAAAAAAAAAAAAAAAAAAAAAAAAAAAAAAAAAAAAAAAAAAAAAAAAAAAAAAAAAAAAAAAAAAAAAAAAAAAAAAAAAAAAAAFAAAADwAAAAAAAAAAAAAAAAAAAAPAAAAAQAAACMAAAAjAAAAIwAAAB4AAAAAAAAAZAAAAGQAAAAAAAAAZAAAAGQAAAAVAAAAYAAAAAAAAAAAAAAADwAAACADAAAAAAAAAAAAAAEAAACgMgAAVgcAAKr4//8BAAAAf39/AAEAAABkAAAAAAAAABQAAABAHwAAAAAAACYAAAAAAAAAwOD//wAAAAAmAAAAZAAAABYAAABMAAAAAAAAAAAAAAAEAAAAAAAAAAEAAADRSc4KAAAAACgAAAAoAAAAZAAAAGQAAAAAAAAAzMzMAAAAAABQAAAAUAAAAGQAAABkAAAAAAAAABcAAAAUAAAAAAAAAAAAAAD/fwAA/38AAAAAAAAJAAAABAAAAAAAAAAeAAAAaAAAAAAAAAAAAAAAAAAAAAAAAAAAAAAAECcAABAnAAAAAAAAAAAAAAAAAAAAAAAAAAAAAAAAAAAAAAAAAAAAABQAAAAAAAAAwMD/AAAAAABkAAAAMgAAAAAAAABkAAAAAAAAAH9/fwAKAAAAIgAAABgAAAAAAAAAAAAAAAAAAAAAAAAAAAAAAAAAAAAkAAAAJAAAAAAAAAAHAAAAAAAAAAAAAAAAAAAAAAAAAAAAAAAAAAAAf39/ACUAAABYAAAAAAAAAAAAAAAAAAAAAAAAAAAAAAAAAAAAAAAAAAAAAAAAAAAAAAAAAAAAAAA/AAAAAAAAAKCGAQAAAAAAAAAAAAAAAAAMAAAAAQAAAAAAAAAAAAAAAAAAAB8AAABUAAAA////AAAAAAEAAAAAAAAAAAAAAAAAAAAAAAAAAAAAAAAAAAAAAAAAAAAAAAB/f38AAAAAA8zMzADAwP8Af39/AAAAAAAAAAAAAAAAAAAAAAAAAAAAIQAAABgAAAAUAAAA0AIAAA8AAABvNQAAwAcAABAgAAAmAAAACAAAAD0gAAAAAAAA"/>
               </a:ext>
             </a:extLst>
           </p:cNvSpPr>
@@ -12967,7 +12870,7 @@
             <a:spLocks noGrp="1" noChangeArrowheads="1"/>
             <a:extLst>
               <a:ext uri="smNativeData">
-                <pr:smNativeData xmlns:pr="smNativeData" xmlns="smNativeData" val="SMDATA_15_37BZZRMAAAAlAAAAZAAAAA0AAAAAAAAAAAAAAAAAAAAAAAAAAAAAAAAAAAAAAAAAAAEAAABQAAAAAAAAAAAA4D8AAAAAAADgPwAAAAAAAOA/AAAAAAAA4D8AAAAAAADgPwAAAAAAAOA/AAAAAAAA4D8AAAAAAADgPwAAAAAAAOA/AAAAAAAA4D8CAAAAjAAAAAAAAAAAAAAA////AP///wgAAAAAAAAAAAAAAAAAAAAAAAAAAAAAAAAAAAAAeAAAAAEAAABAAAAAAAAAAAAAAABaAAAAAAAAAAAAAAAAAAAAAAAAAAAAAAAAAAAAAAAAAAAAAAAAAAAAAAAAAAAAAAAAAAAAAAAAAAAAAAAAAAAAAAAAAAAAAAAAAAAAFAAAADwAAAAAAAAAAAAAAAAAAAAPAAAAAQAAACMAAAAjAAAAIwAAAB4AAAAAAAAAZAAAAGQAAAAAAAAAZAAAAGQAAAAVAAAAYAAAAAAAAAAAAAAADwAAACADAAAAAAAAAAAAAAEAAACgMgAAVgcAAKr4//8BAAAAf39/AAEAAABkAAAAAAAAABQAAABAHwAAAAAAACYAAAAAAAAAwOD//wAAAAAmAAAAZAAAABYAAABMAAAAAAAAAAAAAAAEAAAAAAAAAAEAAADRSc4KAAAAACgAAAAoAAAAZAAAAGQAAAAAAAAAzMzMAAAAAABQAAAAUAAAAGQAAABkAAAAAAAAABcAAAAUAAAAAAAAAAAAAAD/fwAA/38AAAAAAAAJAAAABAAAAAAAAAAeAAAAaAAAAAAAAAAAAAAAAAAAAAAAAAAAAAAAECcAABAnAAAAAAAAAAAAAAAAAAAAAAAAAAAAAAAAAAAAAAAAAAAAABQAAAAAAAAAwMD/AAAAAABkAAAAMgAAAAAAAABkAAAAAAAAAH9/fwAKAAAAIgAAABgAAAAAAAAAAAAAAAAAAAAAAAAAAAAAAAAAAAAkAAAAJAAAAAAAAAAHAAAAAAAAAAAAAAAAAAAAAAAAAAAAAAAAAAAAf39/ACUAAABYAAAAAAAAAAAAAAAAAAAAAAAAAAAAAAAAAAAAAAAAAAAAAAAAAAAAAAAAAAAAAAA/AAAAAAAAAKCGAQAAAAAAAAAAAAAAAAAMAAAAAQAAAAAAAAAAAAAAAAAAAB8AAABUAAAA////AAAAAAEAAAAAAAAAAAAAAAAAAAAAAAAAAAAAAAAAAAAAAAAAAAAAAAB/f38AAAAAA8zMzADAwP8Af39/AAAAAAAAAAAAAAAAAAAAAAAAAAAAIQAAABgAAAAUAAAA0AIAAGcHAABvNQAAwRkAABAAAAAmAAAACAAAADwgAAAAAAAA"/>
+                <pr:smNativeData xmlns:pr="smNativeData" xmlns="smNativeData" val="SMDATA_15_8sFZZRMAAAAlAAAAZAAAAA0AAAAAAAAAAAAAAAAAAAAAAAAAAAAAAAAAAAAAAAAAAAEAAABQAAAAAAAAAAAA4D8AAAAAAADgPwAAAAAAAOA/AAAAAAAA4D8AAAAAAADgPwAAAAAAAOA/AAAAAAAA4D8AAAAAAADgPwAAAAAAAOA/AAAAAAAA4D8CAAAAjAAAAAAAAAAAAAAA////AP///wgAAAAAAAAAAAAAAAAAAAAAAAAAAAAAAAAAAAAAeAAAAAEAAABAAAAAAAAAAAAAAABaAAAAAAAAAAAAAAAAAAAAAAAAAAAAAAAAAAAAAAAAAAAAAAAAAAAAAAAAAAAAAAAAAAAAAAAAAAAAAAAAAAAAAAAAAAAAAAAAAAAAFAAAADwAAAAAAAAAAAAAAAAAAAAPAAAAAQAAACMAAAAjAAAAIwAAAB4AAAAAAAAAZAAAAGQAAAAAAAAAZAAAAGQAAAAVAAAAYAAAAAAAAAAAAAAADwAAACADAAAAAAAAAAAAAAEAAACgMgAAVgcAAKr4//8BAAAAf39/AAEAAABkAAAAAAAAABQAAABAHwAAAAAAACYAAAAAAAAAwOD//wAAAAAmAAAAZAAAABYAAABMAAAAAAAAAAAAAAAEAAAAAAAAAAEAAADRSc4KAAAAACgAAAAoAAAAZAAAAGQAAAAAAAAAzMzMAAAAAABQAAAAUAAAAGQAAABkAAAAAAAAABcAAAAUAAAAAAAAAAAAAAD/fwAA/38AAAAAAAAJAAAABAAAAAAAAAAeAAAAaAAAAAAAAAAAAAAAAAAAAAAAAAAAAAAAECcAABAnAAAAAAAAAAAAAAAAAAAAAAAAAAAAAAAAAAAAAAAAAAAAABQAAAAAAAAAwMD/AAAAAABkAAAAMgAAAAAAAABkAAAAAAAAAH9/fwAKAAAAIgAAABgAAAAAAAAAAAAAAAAAAAAAAAAAAAAAAAAAAAAkAAAAJAAAAAAAAAAHAAAAAAAAAAAAAAAAAAAAAAAAAAAAAAAAAAAAf39/ACUAAABYAAAAAAAAAAAAAAAAAAAAAAAAAAAAAAAAAAAAAAAAAAAAAAAAAAAAAAAAAAAAAAA/AAAAAAAAAKCGAQAAAAAAAAAAAAAAAAAMAAAAAQAAAAAAAAAAAAAAAAAAAB8AAABUAAAA////AAAAAAEAAAAAAAAAAAAAAAAAAAAAAAAAAAAAAAAAAAAAAAAAAAAAAAB/f38AAAAAA8zMzADAwP8Af39/AAAAAAAAAAAAAAAAAAAAAAAAAAAAIQAAABgAAAAUAAAA0AIAAGcHAABvNQAAwRkAABAAAAAmAAAACAAAADwgAAAAAAAA"/>
               </a:ext>
             </a:extLst>
           </p:cNvSpPr>
@@ -13020,7 +12923,7 @@
             <a:spLocks noGrp="1" noChangeArrowheads="1"/>
             <a:extLst>
               <a:ext uri="smNativeData">
-                <pr:smNativeData xmlns:pr="smNativeData" xmlns="smNativeData" val="SMDATA_15_37BZZRMAAAAlAAAAZAAAAE0AAAAAAAAAAAAAAAAAAAAAAAAAAAAAAAABAAAAAAAAAAEAAABQAAAAAAAAAAAA4D8AAAAAAADgPwAAAAAAAOA/AAAAAAAA4D8AAAAAAADgPwAAAAAAAOA/AAAAAAAA4D8AAAAAAADgPwAAAAAAAOA/AAAAAAAA4D8CAAAAjAAAAAAAAAAAAAAA////AP///wgAAAAAAAAAAAAAAAAAAAAAAAAAAAAAAAAAAAAAeAAAAAEAAABAAAAAAAAAAAAAAABaAAAAAAAAAAAAAAAAAAAAAAAAAAAAAAAAAAAAAAAAAAAAAAAAAAAAAAAAAAAAAAAAAAAAAAAAAAAAAAAAAAAAAAAAAAAAAAAAAAAAFAAAADwAAAAAAAAAAAAAAAAAAAAPAAAAAQAAACMAAAAjAAAAIwAAAB4AAAAAAAAAZAAAAGQAAAAAAAAAZAAAAGQAAAAVAAAAYAAAAAAAAAAAAAAADwAAACADAAAAAAAAAAAAAAEAAACgMgAAVgcAAKr4//8BAAAAf39/AAEAAABkAAAAAAAAABQAAABAHwAAAAAAACYAAAAAAAAAwOD//wAAAAAmAAAAZAAAABYAAABMAAAAAAAAAAAAAAAEAAAAAAAAAAEAAADRSc4KAAAAACgAAAAoAAAAZAAAAGQAAAAAAAAAzMzMAAAAAABQAAAAUAAAAGQAAABkAAAAAAAAABcAAAAUAAAAAAAAAAAAAAD/fwAA/38AAAAAAAAJAAAABAAAAHkAAAAeAAAAaAAAAAAAAAAAAAAAAAAAAAAAAAAAAAAAECcAABAnAAAAAAAAAAAAAAAAAAAAAAAAAAAAAAAAAAAAAAAAAAAAABQAAAAAAAAAwMD/AAAAAABkAAAAMgAAAAAAAABkAAAAAAAAAH9/fwAKAAAAIgAAABgAAAAAAAAAAAAAAAAAAAAAAAAAAAAAAAAAAAAkAAAAJAAAAAAAAAAHAAAAAAAAAAAAAAAAAAAAAAAAAAAAAAAAAAAAf39/ACUAAABYAAAAAAAAAAAAAAAAAAAAAAAAAAAAAAAAAAAAAAAAAAAAAAAAAAAAAAAAAAAAAAA/AAAAAAAAAKCGAQAAAAAAAAAAAAAAAAAMAAAAAQAAAAAAAAAAAAAAAAAAAB8AAABUAAAA////AAAAAAEAAAAAAAAAAAAAAAAAAAAAAAAAAAAAAAAAAAAAAAAAAAAAAAB/f38AAAAAA8zMzADAwP8Af39/AAAAAAAAAAAAAAAAAAAAAAAAAAAAIQAAABgAAAAUAAAA0AIAAA8AAABvNQAAwAcAABAgAAAmAAAACAAAAD0gAAAAAAAA"/>
+                <pr:smNativeData xmlns:pr="smNativeData" xmlns="smNativeData" val="SMDATA_15_8sFZZRMAAAAlAAAAZAAAAE0AAAAAAAAAAAAAAAAAAAAAAAAAAAAAAAABAAAAAAAAAAEAAABQAAAAAAAAAAAA4D8AAAAAAADgPwAAAAAAAOA/AAAAAAAA4D8AAAAAAADgPwAAAAAAAOA/AAAAAAAA4D8AAAAAAADgPwAAAAAAAOA/AAAAAAAA4D8CAAAAjAAAAAAAAAAAAAAA////AP///wgAAAAAAAAAAAAAAAAAAAAAAAAAAAAAAAAAAAAAeAAAAAEAAABAAAAAAAAAAAAAAABaAAAAAAAAAAAAAAAAAAAAAAAAAAAAAAAAAAAAAAAAAAAAAAAAAAAAAAAAAAAAAAAAAAAAAAAAAAAAAAAAAAAAAAAAAAAAAAAAAAAAFAAAADwAAAAAAAAAAAAAAAAAAAAPAAAAAQAAACMAAAAjAAAAIwAAAB4AAAAAAAAAZAAAAGQAAAAAAAAAZAAAAGQAAAAVAAAAYAAAAAAAAAAAAAAADwAAACADAAAAAAAAAAAAAAEAAACgMgAAVgcAAKr4//8BAAAAf39/AAEAAABkAAAAAAAAABQAAABAHwAAAAAAACYAAAAAAAAAwOD//wAAAAAmAAAAZAAAABYAAABMAAAAAAAAAAAAAAAEAAAAAAAAAAEAAADRSc4KAAAAACgAAAAoAAAAZAAAAGQAAAAAAAAAzMzMAAAAAABQAAAAUAAAAGQAAABkAAAAAAAAABcAAAAUAAAAAAAAAAAAAAD/fwAA/38AAAAAAAAJAAAABAAAAAAAAAAeAAAAaAAAAAAAAAAAAAAAAAAAAAAAAAAAAAAAECcAABAnAAAAAAAAAAAAAAAAAAAAAAAAAAAAAAAAAAAAAAAAAAAAABQAAAAAAAAAwMD/AAAAAABkAAAAMgAAAAAAAABkAAAAAAAAAH9/fwAKAAAAIgAAABgAAAAAAAAAAAAAAAAAAAAAAAAAAAAAAAAAAAAkAAAAJAAAAAAAAAAHAAAAAAAAAAAAAAAAAAAAAAAAAAAAAAAAAAAAf39/ACUAAABYAAAAAAAAAAAAAAAAAAAAAAAAAAAAAAAAAAAAAAAAAAAAAAAAAAAAAAAAAAAAAAA/AAAAAAAAAKCGAQAAAAAAAAAAAAAAAAAMAAAAAQAAAAAAAAAAAAAAAAAAAB8AAABUAAAA////AAAAAAEAAAAAAAAAAAAAAAAAAAAAAAAAAAAAAAAAAAAAAAAAAAAAAAB/f38AAAAAA8zMzADAwP8Af39/AAAAAAAAAAAAAAAAAAAAAAAAAAAAIQAAABgAAAAUAAAA0AIAAA8AAABvNQAAwAcAABAgAAAmAAAACAAAAD0gAAAAAAAA"/>
               </a:ext>
             </a:extLst>
           </p:cNvSpPr>
@@ -13053,7 +12956,7 @@
             <a:spLocks noGrp="1" noChangeArrowheads="1"/>
             <a:extLst>
               <a:ext uri="smNativeData">
-                <pr:smNativeData xmlns:pr="smNativeData" xmlns="smNativeData" val="SMDATA_15_37BZZRMAAAAlAAAAZAAAAA0AAAAAAAAAAAAAAAAAAAAAAAAAAAAAAAAAAAAAAAAAAAEAAABQAAAAAAAAAAAA4D8AAAAAAADgPwAAAAAAAOA/AAAAAAAA4D8AAAAAAADgPwAAAAAAAOA/AAAAAAAA4D8AAAAAAADgPwAAAAAAAOA/AAAAAAAA4D8CAAAAjAAAAAAAAAAAAAAA////AP///wgAAAAAAAAAAAAAAAAAAAAAAAAAAAAAAAAAAAAAeAAAAAEAAABAAAAAAAAAAAAAAABaAAAAAAAAAAAAAAAAAAAAAAAAAAAAAAAAAAAAAAAAAAAAAAAAAAAAAAAAAAAAAAAAAAAAAAAAAAAAAAAAAAAAAAAAAAAAAAAAAAAAFAAAADwAAAAAAAAAAAAAAAAAAAAPAAAAAQAAACMAAAAjAAAAIwAAAB4AAAAAAAAAZAAAAGQAAAAAAAAAZAAAAGQAAAAVAAAAYAAAAAAAAAAAAAAADwAAACADAAAAAAAAAAAAAAEAAACgMgAAVgcAAKr4//8BAAAAf39/AAEAAABkAAAAAAAAABQAAABAHwAAAAAAACYAAAAAAAAAwOD//wAAAAAmAAAAZAAAABYAAABMAAAAAAAAAAAAAAAEAAAAAAAAAAEAAADRSc4KAAAAACgAAAAoAAAAZAAAAGQAAAAAAAAAzMzMAAAAAABQAAAAUAAAAGQAAABkAAAAAAAAABcAAAAUAAAAAAAAAAAAAAD/fwAA/38AAAAAAAAJAAAABAAAAAAAAAAeAAAAaAAAAAAAAAAAAAAAAAAAAAAAAAAAAAAAECcAABAnAAAAAAAAAAAAAAAAAAAAAAAAAAAAAAAAAAAAAAAAAAAAABQAAAAAAAAAwMD/AAAAAABkAAAAMgAAAAAAAABkAAAAAAAAAH9/fwAKAAAAIgAAABgAAAAAAAAAAAAAAAAAAAAAAAAAAAAAAAAAAAAkAAAAJAAAAAAAAAAHAAAAAAAAAAAAAAAAAAAAAAAAAAAAAAAAAAAAf39/ACUAAABYAAAAAAAAAAAAAAAAAAAAAAAAAAAAAAAAAAAAAAAAAAAAAAAAAAAAAAAAAAAAAAA/AAAAAAAAAKCGAQAAAAAAAAAAAAAAAAAMAAAAAQAAAAAAAAAAAAAAAAAAAB8AAABUAAAA////AAAAAAEAAAAAAAAAAAAAAAAAAAAAAAAAAAAAAAAAAAAAAAAAAAAAAAB/f38AAAAAA8zMzADAwP8Af39/AAAAAAAAAAAAAAAAAAAAAAAAAAAAIQAAABgAAAAUAAAA0AIAAGcHAACEGwAAwRkAABAAAAAmAAAACAAAAD0gAAAAAAAA"/>
+                <pr:smNativeData xmlns:pr="smNativeData" xmlns="smNativeData" val="SMDATA_15_8sFZZRMAAAAlAAAAZAAAAA0AAAAAAAAAAAAAAAAAAAAAAAAAAAAAAAAAAAAAAAAAAAEAAABQAAAAAAAAAAAA4D8AAAAAAADgPwAAAAAAAOA/AAAAAAAA4D8AAAAAAADgPwAAAAAAAOA/AAAAAAAA4D8AAAAAAADgPwAAAAAAAOA/AAAAAAAA4D8CAAAAjAAAAAAAAAAAAAAA////AP///wgAAAAAAAAAAAAAAAAAAAAAAAAAAAAAAAAAAAAAeAAAAAEAAABAAAAAAAAAAAAAAABaAAAAAAAAAAAAAAAAAAAAAAAAAAAAAAAAAAAAAAAAAAAAAAAAAAAAAAAAAAAAAAAAAAAAAAAAAAAAAAAAAAAAAAAAAAAAAAAAAAAAFAAAADwAAAAAAAAAAAAAAAAAAAAPAAAAAQAAACMAAAAjAAAAIwAAAB4AAAAAAAAAZAAAAGQAAAAAAAAAZAAAAGQAAAAVAAAAYAAAAAAAAAAAAAAADwAAACADAAAAAAAAAAAAAAEAAACgMgAAVgcAAKr4//8BAAAAf39/AAEAAABkAAAAAAAAABQAAABAHwAAAAAAACYAAAAAAAAAwOD//wAAAAAmAAAAZAAAABYAAABMAAAAAAAAAAAAAAAEAAAAAAAAAAEAAADRSc4KAAAAACgAAAAoAAAAZAAAAGQAAAAAAAAAzMzMAAAAAABQAAAAUAAAAGQAAABkAAAAAAAAABcAAAAUAAAAAAAAAAAAAAD/fwAA/38AAAAAAAAJAAAABAAAAAAAAAAeAAAAaAAAAAAAAAAAAAAAAAAAAAAAAAAAAAAAECcAABAnAAAAAAAAAAAAAAAAAAAAAAAAAAAAAAAAAAAAAAAAAAAAABQAAAAAAAAAwMD/AAAAAABkAAAAMgAAAAAAAABkAAAAAAAAAH9/fwAKAAAAIgAAABgAAAAAAAAAAAAAAAAAAAAAAAAAAAAAAAAAAAAkAAAAJAAAAAAAAAAHAAAAAAAAAAAAAAAAAAAAAAAAAAAAAAAAAAAAf39/ACUAAABYAAAAAAAAAAAAAAAAAAAAAAAAAAAAAAAAAAAAAAAAAAAAAAAAAAAAAAAAAAAAAAA/AAAAAAAAAKCGAQAAAAAAAAAAAAAAAAAMAAAAAQAAAAAAAAAAAAAAAAAAAB8AAABUAAAA////AAAAAAEAAAAAAAAAAAAAAAAAAAAAAAAAAAAAAAAAAAAAAAAAAAAAAAB/f38AAAAAA8zMzADAwP8Af39/AAAAAAAAAAAAAAAAAAAAAAAAAAAAIQAAABgAAAAUAAAA0AIAAGcHAACEGwAAwRkAABAAAAAmAAAACAAAAD0gAAAAAAAA"/>
               </a:ext>
             </a:extLst>
           </p:cNvSpPr>
@@ -13086,7 +12989,7 @@
             <a:spLocks noGrp="1" noChangeArrowheads="1"/>
             <a:extLst>
               <a:ext uri="smNativeData">
-                <pr:smNativeData xmlns:pr="smNativeData" xmlns="smNativeData" val="SMDATA_15_37BZZRMAAAAlAAAAZAAAAA0AAAAAAAAAAAAAAAAAAAAAAAAAAAAAAAAAAAAAAAAAAAEAAABQAAAAAAAAAAAA4D8AAAAAAADgPwAAAAAAAOA/AAAAAAAA4D8AAAAAAADgPwAAAAAAAOA/AAAAAAAA4D8AAAAAAADgPwAAAAAAAOA/AAAAAAAA4D8CAAAAjAAAAAAAAAAAAAAA////AP///wgAAAAAAAAAAAAAAAAAAAAAAAAAAAAAAAAAAAAAeAAAAAEAAABAAAAAAAAAAAAAAABaAAAAAAAAAAAAAAAAAAAAAAAAAAAAAAAAAAAAAAAAAAAAAAAAAAAAAAAAAAAAAAAAAAAAAAAAAAAAAAAAAAAAAAAAAAAAAAAAAAAAFAAAADwAAAAAAAAAAAAAAAAAAAAPAAAAAQAAACMAAAAjAAAAIwAAAB4AAAAAAAAAZAAAAGQAAAAAAAAAZAAAAGQAAAAVAAAAYAAAAAAAAAAAAAAADwAAACADAAAAAAAAAAAAAAEAAACgMgAAVgcAAKr4//8BAAAAf39/AAEAAABkAAAAAAAAABQAAABAHwAAAAAAACYAAAAAAAAAwOD//wAAAAAmAAAAZAAAABYAAABMAAAAAAAAAAAAAAAEAAAAAAAAAAEAAADRSc4KAAAAACgAAAAoAAAAZAAAAGQAAAAAAAAAzMzMAAAAAABQAAAAUAAAAGQAAABkAAAAAAAAABcAAAAUAAAAAAAAAAAAAAD/fwAA/38AAAAAAAAJAAAABAAAAIAAAAAeAAAAaAAAAAAAAAAAAAAAAAAAAAAAAAAAAAAAECcAABAnAAAAAAAAAAAAAAAAAAAAAAAAAAAAAAAAAAAAAAAAAAAAABQAAAAAAAAAwMD/AAAAAABkAAAAMgAAAAAAAABkAAAAAAAAAH9/fwAKAAAAIgAAABgAAAAAAAAAAAAAAAAAAAAAAAAAAAAAAAAAAAAkAAAAJAAAAAAAAAAHAAAAAAAAAAAAAAAAAAAAAAAAAAAAAAAAAAAAf39/ACUAAABYAAAAAAAAAAAAAAAAAAAAAAAAAAAAAAAAAAAAAAAAAAAAAAAAAAAAAAAAAAAAAAA/AAAAAAAAAKCGAQAAAAAAAAAAAAAAAAAMAAAAAQAAAAAAAAAAAAAAAAAAAB8AAABUAAAA////AAAAAAEAAAAAAAAAAAAAAAAAAAAAAAAAAAAAAAAAAAAAAAAAAAAAAAB/f38AAAAAA8zMzADAwP8Af39/AAAAAAAAAAAAAAAAAAAAAAAAAAAAIQAAABgAAAAUAAAAwRwAAGcHAAB1NQAAwRkAABAAAAAmAAAACAAAAD0gAAAAAAAA"/>
+                <pr:smNativeData xmlns:pr="smNativeData" xmlns="smNativeData" val="SMDATA_15_8sFZZRMAAAAlAAAAZAAAAA0AAAAAAAAAAAAAAAAAAAAAAAAAAAAAAAAAAAAAAAAAAAEAAABQAAAAAAAAAAAA4D8AAAAAAADgPwAAAAAAAOA/AAAAAAAA4D8AAAAAAADgPwAAAAAAAOA/AAAAAAAA4D8AAAAAAADgPwAAAAAAAOA/AAAAAAAA4D8CAAAAjAAAAAAAAAAAAAAA////AP///wgAAAAAAAAAAAAAAAAAAAAAAAAAAAAAAAAAAAAAeAAAAAEAAABAAAAAAAAAAAAAAABaAAAAAAAAAAAAAAAAAAAAAAAAAAAAAAAAAAAAAAAAAAAAAAAAAAAAAAAAAAAAAAAAAAAAAAAAAAAAAAAAAAAAAAAAAAAAAAAAAAAAFAAAADwAAAAAAAAAAAAAAAAAAAAPAAAAAQAAACMAAAAjAAAAIwAAAB4AAAAAAAAAZAAAAGQAAAAAAAAAZAAAAGQAAAAVAAAAYAAAAAAAAAAAAAAADwAAACADAAAAAAAAAAAAAAEAAACgMgAAVgcAAKr4//8BAAAAf39/AAEAAABkAAAAAAAAABQAAABAHwAAAAAAACYAAAAAAAAAwOD//wAAAAAmAAAAZAAAABYAAABMAAAAAAAAAAAAAAAEAAAAAAAAAAEAAADRSc4KAAAAACgAAAAoAAAAZAAAAGQAAAAAAAAAzMzMAAAAAABQAAAAUAAAAGQAAABkAAAAAAAAABcAAAAUAAAAAAAAAAAAAAD/fwAA/38AAAAAAAAJAAAABAAAAAAAAAAeAAAAaAAAAAAAAAAAAAAAAAAAAAAAAAAAAAAAECcAABAnAAAAAAAAAAAAAAAAAAAAAAAAAAAAAAAAAAAAAAAAAAAAABQAAAAAAAAAwMD/AAAAAABkAAAAMgAAAAAAAABkAAAAAAAAAH9/fwAKAAAAIgAAABgAAAAAAAAAAAAAAAAAAAAAAAAAAAAAAAAAAAAkAAAAJAAAAAAAAAAHAAAAAAAAAAAAAAAAAAAAAAAAAAAAAAAAAAAAf39/ACUAAABYAAAAAAAAAAAAAAAAAAAAAAAAAAAAAAAAAAAAAAAAAAAAAAAAAAAAAAAAAAAAAAA/AAAAAAAAAKCGAQAAAAAAAAAAAAAAAAAMAAAAAQAAAAAAAAAAAAAAAAAAAB8AAABUAAAA////AAAAAAEAAAAAAAAAAAAAAAAAAAAAAAAAAAAAAAAAAAAAAAAAAAAAAAB/f38AAAAAA8zMzADAwP8Af39/AAAAAAAAAAAAAAAAAAAAAAAAAAAAIQAAABgAAAAUAAAAwRwAAGcHAAB1NQAAwRkAABAAAAAmAAAACAAAAD0gAAAAAAAA"/>
               </a:ext>
             </a:extLst>
           </p:cNvSpPr>
@@ -13144,7 +13047,7 @@
             <a:spLocks noGrp="1" noChangeArrowheads="1"/>
             <a:extLst>
               <a:ext uri="smNativeData">
-                <pr:smNativeData xmlns:pr="smNativeData" xmlns="smNativeData" val="SMDATA_15_37BZZRMAAAAlAAAAZAAAAE0AAAAAAAAAAAAAAAAAAAAAAAAAAAAAAAABAAAAAAAAAAEAAABQAAAAAAAAAAAA4D8AAAAAAADgPwAAAAAAAOA/AAAAAAAA4D8AAAAAAADgPwAAAAAAAOA/AAAAAAAA4D8AAAAAAADgPwAAAAAAAOA/AAAAAAAA4D8CAAAAjAAAAAAAAAAAAAAA////AP///wgAAAAAAAAAAAAAAAAAAAAAAAAAAAAAAAAAAAAAeAAAAAEAAABAAAAAAAAAAAAAAABaAAAAAAAAAAAAAAAAAAAAAAAAAAAAAAAAAAAAAAAAAAAAAAAAAAAAAAAAAAAAAAAAAAAAAAAAAAAAAAAAAAAAAAAAAAAAAAAAAAAAFAAAADwAAAAAAAAAAAAAAAAAAAAPAAAAAQAAACMAAAAjAAAAIwAAAB4AAAAAAAAAZAAAAGQAAAAAAAAAZAAAAGQAAAAVAAAAYAAAAAAAAAAAAAAADwAAACADAAAAAAAAAAAAAAEAAACgMgAAVgcAAKr4//8BAAAAf39/AAEAAABkAAAAAAAAABQAAABAHwAAAAAAACYAAAAAAAAAwOD//wAAAAAmAAAAZAAAABYAAABMAAAAAAAAAAAAAAAEAAAAAAAAAAEAAADRSc4KAAAAACgAAAAoAAAAZAAAAGQAAAAAAAAAzMzMAAAAAABQAAAAUAAAAGQAAABkAAAAAAAAABcAAAAUAAAAAAAAAAAAAAD/fwAA/38AAAAAAAAJAAAABAAAAAAAAAAeAAAAaAAAAAAAAAAAAAAAAAAAAAAAAAAAAAAAECcAABAnAAAAAAAAAAAAAAAAAAAAAAAAAAAAAAAAAAAAAAAAAAAAABQAAAAAAAAAwMD/AAAAAABkAAAAMgAAAAAAAABkAAAAAAAAAH9/fwAKAAAAIgAAABgAAAAAAAAAAAAAAAAAAAAAAAAAAAAAAAAAAAAkAAAAJAAAAAAAAAAHAAAAAAAAAAAAAAAAAAAAAAAAAAAAAAAAAAAAf39/ACUAAABYAAAAAAAAAAAAAAAAAAAAAAAAAAAAAAAAAAAAAAAAAAAAAAAAAAAAAAAAAAAAAAA/AAAAAAAAAKCGAQAAAAAAAAAAAAAAAAAMAAAAAQAAAAAAAAAAAAAAAAAAAB8AAABUAAAA////AAAAAAEAAAAAAAAAAAAAAAAAAAAAAAAAAAAAAAAAAAAAAAAAAAAAAAB/f38AAAAAA8zMzADAwP8Af39/AAAAAAAAAAAAAAAAAAAAAAAAAAAAIQAAABgAAAAUAAAA0AIAAA8AAABvNQAAwAcAABAgAAAmAAAACAAAAD0gAAAAAAAA"/>
+                <pr:smNativeData xmlns:pr="smNativeData" xmlns="smNativeData" val="SMDATA_15_8sFZZRMAAAAlAAAAZAAAAE0AAAAAAAAAAAAAAAAAAAAAAAAAAAAAAAABAAAAAAAAAAEAAABQAAAAAAAAAAAA4D8AAAAAAADgPwAAAAAAAOA/AAAAAAAA4D8AAAAAAADgPwAAAAAAAOA/AAAAAAAA4D8AAAAAAADgPwAAAAAAAOA/AAAAAAAA4D8CAAAAjAAAAAAAAAAAAAAA////AP///wgAAAAAAAAAAAAAAAAAAAAAAAAAAAAAAAAAAAAAeAAAAAEAAABAAAAAAAAAAAAAAABaAAAAAAAAAAAAAAAAAAAAAAAAAAAAAAAAAAAAAAAAAAAAAAAAAAAAAAAAAAAAAAAAAAAAAAAAAAAAAAAAAAAAAAAAAAAAAAAAAAAAFAAAADwAAAAAAAAAAAAAAAAAAAAPAAAAAQAAACMAAAAjAAAAIwAAAB4AAAAAAAAAZAAAAGQAAAAAAAAAZAAAAGQAAAAVAAAAYAAAAAAAAAAAAAAADwAAACADAAAAAAAAAAAAAAEAAACgMgAAVgcAAKr4//8BAAAAf39/AAEAAABkAAAAAAAAABQAAABAHwAAAAAAACYAAAAAAAAAwOD//wAAAAAmAAAAZAAAABYAAABMAAAAAAAAAAAAAAAEAAAAAAAAAAEAAADRSc4KAAAAACgAAAAoAAAAZAAAAGQAAAAAAAAAzMzMAAAAAABQAAAAUAAAAGQAAABkAAAAAAAAABcAAAAUAAAAAAAAAAAAAAD/fwAA/38AAAAAAAAJAAAABAAAAAAAAAAeAAAAaAAAAAAAAAAAAAAAAAAAAAAAAAAAAAAAECcAABAnAAAAAAAAAAAAAAAAAAAAAAAAAAAAAAAAAAAAAAAAAAAAABQAAAAAAAAAwMD/AAAAAABkAAAAMgAAAAAAAABkAAAAAAAAAH9/fwAKAAAAIgAAABgAAAAAAAAAAAAAAAAAAAAAAAAAAAAAAAAAAAAkAAAAJAAAAAAAAAAHAAAAAAAAAAAAAAAAAAAAAAAAAAAAAAAAAAAAf39/ACUAAABYAAAAAAAAAAAAAAAAAAAAAAAAAAAAAAAAAAAAAAAAAAAAAAAAAAAAAAAAAAAAAAA/AAAAAAAAAKCGAQAAAAAAAAAAAAAAAAAMAAAAAQAAAAAAAAAAAAAAAAAAAB8AAABUAAAA////AAAAAAEAAAAAAAAAAAAAAAAAAAAAAAAAAAAAAAAAAAAAAAAAAAAAAAB/f38AAAAAA8zMzADAwP8Af39/AAAAAAAAAAAAAAAAAAAAAAAAAAAAIQAAABgAAAAUAAAA0AIAAA8AAABvNQAAwAcAABAgAAAmAAAACAAAAD0gAAAAAAAA"/>
               </a:ext>
             </a:extLst>
           </p:cNvSpPr>
@@ -13202,7 +13105,7 @@
             <a:spLocks noGrp="1" noChangeArrowheads="1"/>
             <a:extLst>
               <a:ext uri="smNativeData">
-                <pr:smNativeData xmlns:pr="smNativeData" xmlns="smNativeData" val="SMDATA_15_37BZZRMAAAAlAAAAZAAAAE0AAAAAAAAAAAAAAAAAAAAAAAAAAAAAAAABAAAAAAAAAAEAAABQAAAAAAAAAAAA4D8AAAAAAADgPwAAAAAAAOA/AAAAAAAA4D8AAAAAAADgPwAAAAAAAOA/AAAAAAAA4D8AAAAAAADgPwAAAAAAAOA/AAAAAAAA4D8CAAAAjAAAAAAAAAAAAAAA////AP///wgAAAAAAAAAAAAAAAAAAAAAAAAAAAAAAAAAAAAAeAAAAAEAAABAAAAAAAAAAAAAAABaAAAAAAAAAAAAAAAAAAAAAAAAAAAAAAAAAAAAAAAAAAAAAAAAAAAAAAAAAAAAAAAAAAAAAAAAAAAAAAAAAAAAAAAAAAAAAAAAAAAAFAAAADwAAAAAAAAAAAAAAAAAAAAPAAAAAQAAACMAAAAjAAAAIwAAAB4AAAAAAAAAZAAAAGQAAAAAAAAAZAAAAGQAAAAVAAAAYAAAAAAAAAAAAAAADwAAACADAAAAAAAAAAAAAAEAAACgMgAAVgcAAKr4//8BAAAAf39/AAEAAABkAAAAAAAAABQAAABAHwAAAAAAACYAAAAAAAAAwOD//wAAAAAmAAAAZAAAABYAAABMAAAAAAAAAAAAAAAEAAAAAAAAAAEAAADRSc4KAAAAACgAAAAoAAAAZAAAAGQAAAAAAAAAzMzMAAAAAABQAAAAUAAAAGQAAABkAAAAAAAAABcAAAAUAAAAAAAAAAAAAAD/fwAA/38AAAAAAAAJAAAABAAAAAAAAAAeAAAAaAAAAAAAAAAAAAAAAAAAAAAAAAAAAAAAECcAABAnAAAAAAAAAAAAAAAAAAAAAAAAAAAAAAAAAAAAAAAAAAAAABQAAAAAAAAAwMD/AAAAAABkAAAAMgAAAAAAAABkAAAAAAAAAH9/fwAKAAAAIgAAABgAAAAAAAAAAAAAAAAAAAAAAAAAAAAAAAAAAAAkAAAAJAAAAAAAAAAHAAAAAAAAAAAAAAAAAAAAAAAAAAAAAAAAAAAAf39/ACUAAABYAAAAAAAAAAAAAAAAAAAAAAAAAAAAAAAAAAAAAAAAAAAAAAAAAAAAAAAAAAAAAAA/AAAAAAAAAKCGAQAAAAAAAAAAAAAAAAAMAAAAAQAAAAAAAAAAAAAAAAAAAB8AAABUAAAA////AAAAAAEAAAAAAAAAAAAAAAAAAAAAAAAAAAAAAAAAAAAAAAAAAAAAAAB/f38AAAAAA8zMzADAwP8Af39/AAAAAAAAAAAAAAAAAAAAAAAAAAAAIQAAABgAAAAUAAAA0AIAAEMBAABvNQAAwRkAABAgAAAmAAAACAAAAL0gAAAAAAAA"/>
+                <pr:smNativeData xmlns:pr="smNativeData" xmlns="smNativeData" val="SMDATA_15_8sFZZRMAAAAlAAAAZAAAAE0AAAAAAAAAAAAAAAAAAAAAAAAAAAAAAAABAAAAAAAAAAEAAABQAAAAAAAAAAAA4D8AAAAAAADgPwAAAAAAAOA/AAAAAAAA4D8AAAAAAADgPwAAAAAAAOA/AAAAAAAA4D8AAAAAAADgPwAAAAAAAOA/AAAAAAAA4D8CAAAAjAAAAAAAAAAAAAAA////AP///wgAAAAAAAAAAAAAAAAAAAAAAAAAAAAAAAAAAAAAeAAAAAEAAABAAAAAAAAAAAAAAABaAAAAAAAAAAAAAAAAAAAAAAAAAAAAAAAAAAAAAAAAAAAAAAAAAAAAAAAAAAAAAAAAAAAAAAAAAAAAAAAAAAAAAAAAAAAAAAAAAAAAFAAAADwAAAAAAAAAAAAAAAAAAAAPAAAAAQAAACMAAAAjAAAAIwAAAB4AAAAAAAAAZAAAAGQAAAAAAAAAZAAAAGQAAAAVAAAAYAAAAAAAAAAAAAAADwAAACADAAAAAAAAAAAAAAEAAACgMgAAVgcAAKr4//8BAAAAf39/AAEAAABkAAAAAAAAABQAAABAHwAAAAAAACYAAAAAAAAAwOD//wAAAAAmAAAAZAAAABYAAABMAAAAAAAAAAAAAAAEAAAAAAAAAAEAAADRSc4KAAAAACgAAAAoAAAAZAAAAGQAAAAAAAAAzMzMAAAAAABQAAAAUAAAAGQAAABkAAAAAAAAABcAAAAUAAAAAAAAAAAAAAD/fwAA/38AAAAAAAAJAAAABAAAAAAAAAAeAAAAaAAAAAAAAAAAAAAAAAAAAAAAAAAAAAAAECcAABAnAAAAAAAAAAAAAAAAAAAAAAAAAAAAAAAAAAAAAAAAAAAAABQAAAAAAAAAwMD/AAAAAABkAAAAMgAAAAAAAABkAAAAAAAAAH9/fwAKAAAAIgAAABgAAAAAAAAAAAAAAAAAAAAAAAAAAAAAAAAAAAAkAAAAJAAAAAAAAAAHAAAAAAAAAAAAAAAAAAAAAAAAAAAAAAAAAAAAf39/ACUAAABYAAAAAAAAAAAAAAAAAAAAAAAAAAAAAAAAAAAAAAAAAAAAAAAAAAAAAAAAAAAAAAA/AAAAAAAAAKCGAQAAAAAAAAAAAAAAAAAMAAAAAQAAAAAAAAAAAAAAAAAAAB8AAABUAAAA////AAAAAAEAAAAAAAAAAAAAAAAAAAAAAAAAAAAAAAAAAAAAAAAAAAAAAAB/f38AAAAAA8zMzADAwP8Af39/AAAAAAAAAAAAAAAAAAAAAAAAAAAAIQAAABgAAAAUAAAA0AIAAEMBAABvNQAAwRkAABAgAAAmAAAACAAAAL0gAAAAAAAA"/>
               </a:ext>
             </a:extLst>
           </p:cNvSpPr>
@@ -13260,7 +13163,7 @@
             <a:spLocks noGrp="1" noChangeArrowheads="1"/>
             <a:extLst>
               <a:ext uri="smNativeData">
-                <pr:smNativeData xmlns:pr="smNativeData" xmlns="smNativeData" val="SMDATA_15_37BZZRMAAAAlAAAAZAAAAE0AAAAAAAAAAAAAAAAAAAAAAAAAAAAAAAABAAAAAAAAAAEAAABQAAAAAAAAAAAA4D8AAAAAAADgPwAAAAAAAOA/AAAAAAAA4D8AAAAAAADgPwAAAAAAAOA/AAAAAAAA4D8AAAAAAADgPwAAAAAAAOA/AAAAAAAA4D8CAAAAjAAAAAAAAAAAAAAA////AP///wgAAAAAAAAAAAAAAAAAAAAAAAAAAAAAAAAAAAAAeAAAAAEAAABAAAAAAAAAAAAAAABaAAAAAAAAAAAAAAAAAAAAAAAAAAAAAAAAAAAAAAAAAAAAAAAAAAAAAAAAAAAAAAAAAAAAAAAAAAAAAAAAAAAAAAAAAAAAAAAAAAAAFAAAADwAAAAAAAAAAAAAAAAAAAAPAAAAAQAAACMAAAAjAAAAIwAAAB4AAAAAAAAAZAAAAGQAAAAAAAAAZAAAAGQAAAAVAAAAYAAAAAAAAAAAAAAADwAAACADAAAAAAAAAAAAAAEAAACgMgAAVgcAAKr4//8BAAAAf39/AAEAAABkAAAAAAAAABQAAABAHwAAAAAAACYAAAAAAAAAwOD//wAAAAAmAAAAZAAAABYAAABMAAAAAAAAAAAAAAAEAAAAAAAAAAEAAADRSc4KAAAAACgAAAAoAAAAZAAAAGQAAAAAAAAAzMzMAAAAAABQAAAAUAAAAGQAAABkAAAAAAAAABcAAAAUAAAAAAAAAAAAAAD/fwAA/38AAAAAAAAJAAAABAAAAAAAAAAeAAAAaAAAAAAAAAAAAAAAAAAAAAAAAAAAAAAAECcAABAnAAAAAAAAAAAAAAAAAAAAAAAAAAAAAAAAAAAAAAAAAAAAABQAAAAAAAAAwMD/AAAAAABkAAAAMgAAAAAAAABkAAAAAAAAAH9/fwAKAAAAIgAAABgAAAAAAAAAAAAAAAAAAAAAAAAAAAAAAAAAAAAkAAAAJAAAAAAAAAAHAAAAAAAAAAAAAAAAAAAAAAAAAAAAAAAAAAAAf39/ACUAAABYAAAAAAAAAAAAAAAAAAAAAAAAAAAAAAAAAAAAAAAAAAAAAAAAAAAAAAAAAAAAAAA/AAAAAAAAAKCGAQAAAAAAAAAAAAAAAAAMAAAAAQAAAAAAAAAAAAAAAAAAAB8AAABUAAAA////AAAAAAEAAAAAAAAAAAAAAAAAAAAAAAAAAAAAAAAAAAAAAAAAAAAAAAB/f38AAAAAA8zMzADAwP8Af39/AAAAAAAAAAAAAAAAAAAAAAAAAAAAIQAAABgAAAAUAAAA0AIAAA8AAABvNQAAwAcAABAgAAAmAAAACAAAAD0gAAAAAAAA"/>
+                <pr:smNativeData xmlns:pr="smNativeData" xmlns="smNativeData" val="SMDATA_15_8sFZZRMAAAAlAAAAZAAAAE0AAAAAAAAAAAAAAAAAAAAAAAAAAAAAAAABAAAAAAAAAAEAAABQAAAAAAAAAAAA4D8AAAAAAADgPwAAAAAAAOA/AAAAAAAA4D8AAAAAAADgPwAAAAAAAOA/AAAAAAAA4D8AAAAAAADgPwAAAAAAAOA/AAAAAAAA4D8CAAAAjAAAAAAAAAAAAAAA////AP///wgAAAAAAAAAAAAAAAAAAAAAAAAAAAAAAAAAAAAAeAAAAAEAAABAAAAAAAAAAAAAAABaAAAAAAAAAAAAAAAAAAAAAAAAAAAAAAAAAAAAAAAAAAAAAAAAAAAAAAAAAAAAAAAAAAAAAAAAAAAAAAAAAAAAAAAAAAAAAAAAAAAAFAAAADwAAAAAAAAAAAAAAAAAAAAPAAAAAQAAACMAAAAjAAAAIwAAAB4AAAAAAAAAZAAAAGQAAAAAAAAAZAAAAGQAAAAVAAAAYAAAAAAAAAAAAAAADwAAACADAAAAAAAAAAAAAAEAAACgMgAAVgcAAKr4//8BAAAAf39/AAEAAABkAAAAAAAAABQAAABAHwAAAAAAACYAAAAAAAAAwOD//wAAAAAmAAAAZAAAABYAAABMAAAAAAAAAAAAAAAEAAAAAAAAAAEAAADRSc4KAAAAACgAAAAoAAAAZAAAAGQAAAAAAAAAzMzMAAAAAABQAAAAUAAAAGQAAABkAAAAAAAAABcAAAAUAAAAAAAAAAAAAAD/fwAA/38AAAAAAAAJAAAABAAAAAAAAAAeAAAAaAAAAAAAAAAAAAAAAAAAAAAAAAAAAAAAECcAABAnAAAAAAAAAAAAAAAAAAAAAAAAAAAAAAAAAAAAAAAAAAAAABQAAAAAAAAAwMD/AAAAAABkAAAAMgAAAAAAAABkAAAAAAAAAH9/fwAKAAAAIgAAABgAAAAAAAAAAAAAAAAAAAAAAAAAAAAAAAAAAAAkAAAAJAAAAAAAAAAHAAAAAAAAAAAAAAAAAAAAAAAAAAAAAAAAAAAAf39/ACUAAABYAAAAAAAAAAAAAAAAAAAAAAAAAAAAAAAAAAAAAAAAAAAAAAAAAAAAAAAAAAAAAAA/AAAAAAAAAKCGAQAAAAAAAAAAAAAAAAAMAAAAAQAAAAAAAAAAAAAAAAAAAB8AAABUAAAA////AAAAAAEAAAAAAAAAAAAAAAAAAAAAAAAAAAAAAAAAAAAAAAAAAAAAAAB/f38AAAAAA8zMzADAwP8Af39/AAAAAAAAAAAAAAAAAAAAAAAAAAAAIQAAABgAAAAUAAAA0AIAAA8AAABvNQAAwAcAABAgAAAmAAAACAAAAD0gAAAAAAAA"/>
               </a:ext>
             </a:extLst>
           </p:cNvSpPr>
@@ -13293,7 +13196,7 @@
             <a:spLocks noGrp="1" noChangeArrowheads="1"/>
             <a:extLst>
               <a:ext uri="smNativeData">
-                <pr:smNativeData xmlns:pr="smNativeData" xmlns="smNativeData" val="SMDATA_15_37BZZRMAAAAlAAAAZAAAAA0AAAAAAAAAAAAAAAAAAAAAAAAAAAAAAAAAAAAAAAAAAAEAAABQAAAAAAAAAAAA4D8AAAAAAADgPwAAAAAAAOA/AAAAAAAA4D8AAAAAAADgPwAAAAAAAOA/AAAAAAAA4D8AAAAAAADgPwAAAAAAAOA/AAAAAAAA4D8CAAAAjAAAAAAAAAAAAAAA////AP///wgAAAAAAAAAAAAAAAAAAAAAAAAAAAAAAAAAAAAAeAAAAAEAAABAAAAAAAAAAAAAAABaAAAAAAAAAAAAAAAAAAAAAAAAAAAAAAAAAAAAAAAAAAAAAAAAAAAAAAAAAAAAAAAAAAAAAAAAAAAAAAAAAAAAAAAAAAAAAAAAAAAAFAAAADwAAAAAAAAAAAAAAAAAAAAPAAAAAQAAACMAAAAjAAAAIwAAAB4AAAAAAAAAZAAAAGQAAAAAAAAAZAAAAGQAAAAVAAAAYAAAAAAAAAAAAAAADwAAACADAAAAAAAAAAAAAAEAAACgMgAAVgcAAKr4//8BAAAAf39/AAEAAABkAAAAAAAAABQAAABAHwAAAAAAACYAAAAAAAAAwOD//wAAAAAmAAAAZAAAABYAAABMAAAAAAAAAAAAAAAEAAAAAAAAAAEAAADRSc4KAAAAACgAAAAoAAAAZAAAAGQAAAAAAAAAzMzMAAAAAABQAAAAUAAAAGQAAABkAAAAAAAAABcAAAAUAAAAAAAAAAAAAAD/fwAA/38AAAAAAAAJAAAABAAAAAAAAAAeAAAAaAAAAAAAAAAAAAAAAAAAAAAAAAAAAAAAECcAABAnAAAAAAAAAAAAAAAAAAAAAAAAAAAAAAAAAAAAAAAAAAAAABQAAAAAAAAAwMD/AAAAAABkAAAAMgAAAAAAAABkAAAAAAAAAH9/fwAKAAAAIgAAABgAAAAAAAAAAAAAAAAAAAAAAAAAAAAAAAAAAAAkAAAAJAAAAAAAAAAHAAAAAAAAAAAAAAAAAAAAAAAAAAAAAAAAAAAAf39/ACUAAABYAAAAAAAAAAAAAAAAAAAAAAAAAAAAAAAAAAAAAAAAAAAAAAAAAAAAAAAAAAAAAAA/AAAAAAAAAKCGAQAAAAAAAAAAAAAAAAAMAAAAAQAAAAAAAAAAAAAAAAAAAB8AAABUAAAA////AAAAAAEAAAAAAAAAAAAAAAAAAAAAAAAAAAAAAAAAAAAAAAAAAAAAAAB/f38AAAAAA8zMzADAwP8Af39/AAAAAAAAAAAAAAAAAAAAAAAAAAAAIQAAABgAAAAUAAAA0AIAAGcHAACEGwAAKBAAABAAAAAmAAAACAAAAD0gAAAAAAAA"/>
+                <pr:smNativeData xmlns:pr="smNativeData" xmlns="smNativeData" val="SMDATA_15_8sFZZRMAAAAlAAAAZAAAAA0AAAAAAAAAAAAAAAAAAAAAAAAAAAAAAAAAAAAAAAAAAAEAAABQAAAAAAAAAAAA4D8AAAAAAADgPwAAAAAAAOA/AAAAAAAA4D8AAAAAAADgPwAAAAAAAOA/AAAAAAAA4D8AAAAAAADgPwAAAAAAAOA/AAAAAAAA4D8CAAAAjAAAAAAAAAAAAAAA////AP///wgAAAAAAAAAAAAAAAAAAAAAAAAAAAAAAAAAAAAAeAAAAAEAAABAAAAAAAAAAAAAAABaAAAAAAAAAAAAAAAAAAAAAAAAAAAAAAAAAAAAAAAAAAAAAAAAAAAAAAAAAAAAAAAAAAAAAAAAAAAAAAAAAAAAAAAAAAAAAAAAAAAAFAAAADwAAAAAAAAAAAAAAAAAAAAPAAAAAQAAACMAAAAjAAAAIwAAAB4AAAAAAAAAZAAAAGQAAAAAAAAAZAAAAGQAAAAVAAAAYAAAAAAAAAAAAAAADwAAACADAAAAAAAAAAAAAAEAAACgMgAAVgcAAKr4//8BAAAAf39/AAEAAABkAAAAAAAAABQAAABAHwAAAAAAACYAAAAAAAAAwOD//wAAAAAmAAAAZAAAABYAAABMAAAAAAAAAAAAAAAEAAAAAAAAAAEAAADRSc4KAAAAACgAAAAoAAAAZAAAAGQAAAAAAAAAzMzMAAAAAABQAAAAUAAAAGQAAABkAAAAAAAAABcAAAAUAAAAAAAAAAAAAAD/fwAA/38AAAAAAAAJAAAABAAAAAAAAAAeAAAAaAAAAAAAAAAAAAAAAAAAAAAAAAAAAAAAECcAABAnAAAAAAAAAAAAAAAAAAAAAAAAAAAAAAAAAAAAAAAAAAAAABQAAAAAAAAAwMD/AAAAAABkAAAAMgAAAAAAAABkAAAAAAAAAH9/fwAKAAAAIgAAABgAAAAAAAAAAAAAAAAAAAAAAAAAAAAAAAAAAAAkAAAAJAAAAAAAAAAHAAAAAAAAAAAAAAAAAAAAAAAAAAAAAAAAAAAAf39/ACUAAABYAAAAAAAAAAAAAAAAAAAAAAAAAAAAAAAAAAAAAAAAAAAAAAAAAAAAAAAAAAAAAAA/AAAAAAAAAKCGAQAAAAAAAAAAAAAAAAAMAAAAAQAAAAAAAAAAAAAAAAAAAB8AAABUAAAA////AAAAAAEAAAAAAAAAAAAAAAAAAAAAAAAAAAAAAAAAAAAAAAAAAAAAAAB/f38AAAAAA8zMzADAwP8Af39/AAAAAAAAAAAAAAAAAAAAAAAAAAAAIQAAABgAAAAUAAAA0AIAAGcHAACEGwAAKBAAABAAAAAmAAAACAAAAD0gAAAAAAAA"/>
               </a:ext>
             </a:extLst>
           </p:cNvSpPr>
@@ -13326,7 +13229,7 @@
             <a:spLocks noGrp="1" noChangeArrowheads="1"/>
             <a:extLst>
               <a:ext uri="smNativeData">
-                <pr:smNativeData xmlns:pr="smNativeData" xmlns="smNativeData" val="SMDATA_15_37BZZRMAAAAlAAAAZAAAAA0AAAAAAAAAAAAAAAAAAAAAAAAAAAAAAAAAAAAAAAAAAAEAAABQAAAAAAAAAAAA4D8AAAAAAADgPwAAAAAAAOA/AAAAAAAA4D8AAAAAAADgPwAAAAAAAOA/AAAAAAAA4D8AAAAAAADgPwAAAAAAAOA/AAAAAAAA4D8CAAAAjAAAAAAAAAAAAAAA////AP///wgAAAAAAAAAAAAAAAAAAAAAAAAAAAAAAAAAAAAAeAAAAAEAAABAAAAAAAAAAAAAAABaAAAAAAAAAAAAAAAAAAAAAAAAAAAAAAAAAAAAAAAAAAAAAAAAAAAAAAAAAAAAAAAAAAAAAAAAAAAAAAAAAAAAAAAAAAAAAAAAAAAAFAAAADwAAAAAAAAAAAAAAAAAAAAPAAAAAQAAACMAAAAjAAAAIwAAAB4AAAAAAAAAZAAAAGQAAAAAAAAAZAAAAGQAAAAVAAAAYAAAAAAAAAAAAAAADwAAACADAAAAAAAAAAAAAAEAAACgMgAAVgcAAKr4//8BAAAAf39/AAEAAABkAAAAAAAAABQAAABAHwAAAAAAACYAAAAAAAAAwOD//wAAAAAmAAAAZAAAABYAAABMAAAAAAAAAAAAAAAEAAAAAAAAAAEAAADRSc4KAAAAACgAAAAoAAAAZAAAAGQAAAAAAAAAzMzMAAAAAABQAAAAUAAAAGQAAABkAAAAAAAAABcAAAAUAAAAAAAAAAAAAAD/fwAA/38AAAAAAAAJAAAABAAAAHIAAAAeAAAAaAAAAAAAAAAAAAAAAAAAAAAAAAAAAAAAECcAABAnAAAAAAAAAAAAAAAAAAAAAAAAAAAAAAAAAAAAAAAAAAAAABQAAAAAAAAAwMD/AAAAAABkAAAAMgAAAAAAAABkAAAAAAAAAH9/fwAKAAAAIgAAABgAAAAAAAAAAAAAAAAAAAAAAAAAAAAAAAAAAAAkAAAAJAAAAAAAAAAHAAAAAAAAAAAAAAAAAAAAAAAAAAAAAAAAAAAAf39/ACUAAABYAAAAAAAAAAAAAAAAAAAAAAAAAAAAAAAAAAAAAAAAAAAAAAAAAAAAAAAAAAAAAAA/AAAAAAAAAKCGAQAAAAAAAAAAAAAAAAAMAAAAAQAAAAAAAAAAAAAAAAAAAB8AAABUAAAA////AAAAAAEAAAAAAAAAAAAAAAAAAAAAAAAAAAAAAAAAAAAAAAAAAAAAAAB/f38AAAAAA8zMzADAwP8Af39/AAAAAAAAAAAAAAAAAAAAAAAAAAAAIQAAABgAAAAUAAAAwRwAAGcHAAB1NQAAwRkAABAAAAAmAAAACAAAAD0gAAAAAAAA"/>
+                <pr:smNativeData xmlns:pr="smNativeData" xmlns="smNativeData" val="SMDATA_15_8sFZZRMAAAAlAAAAZAAAAA0AAAAAAAAAAAAAAAAAAAAAAAAAAAAAAAAAAAAAAAAAAAEAAABQAAAAAAAAAAAA4D8AAAAAAADgPwAAAAAAAOA/AAAAAAAA4D8AAAAAAADgPwAAAAAAAOA/AAAAAAAA4D8AAAAAAADgPwAAAAAAAOA/AAAAAAAA4D8CAAAAjAAAAAAAAAAAAAAA////AP///wgAAAAAAAAAAAAAAAAAAAAAAAAAAAAAAAAAAAAAeAAAAAEAAABAAAAAAAAAAAAAAABaAAAAAAAAAAAAAAAAAAAAAAAAAAAAAAAAAAAAAAAAAAAAAAAAAAAAAAAAAAAAAAAAAAAAAAAAAAAAAAAAAAAAAAAAAAAAAAAAAAAAFAAAADwAAAAAAAAAAAAAAAAAAAAPAAAAAQAAACMAAAAjAAAAIwAAAB4AAAAAAAAAZAAAAGQAAAAAAAAAZAAAAGQAAAAVAAAAYAAAAAAAAAAAAAAADwAAACADAAAAAAAAAAAAAAEAAACgMgAAVgcAAKr4//8BAAAAf39/AAEAAABkAAAAAAAAABQAAABAHwAAAAAAACYAAAAAAAAAwOD//wAAAAAmAAAAZAAAABYAAABMAAAAAAAAAAAAAAAEAAAAAAAAAAEAAADRSc4KAAAAACgAAAAoAAAAZAAAAGQAAAAAAAAAzMzMAAAAAABQAAAAUAAAAGQAAABkAAAAAAAAABcAAAAUAAAAAAAAAAAAAAD/fwAA/38AAAAAAAAJAAAABAAAAAAAAAAeAAAAaAAAAAAAAAAAAAAAAAAAAAAAAAAAAAAAECcAABAnAAAAAAAAAAAAAAAAAAAAAAAAAAAAAAAAAAAAAAAAAAAAABQAAAAAAAAAwMD/AAAAAABkAAAAMgAAAAAAAABkAAAAAAAAAH9/fwAKAAAAIgAAABgAAAAAAAAAAAAAAAAAAAAAAAAAAAAAAAAAAAAkAAAAJAAAAAAAAAAHAAAAAAAAAAAAAAAAAAAAAAAAAAAAAAAAAAAAf39/ACUAAABYAAAAAAAAAAAAAAAAAAAAAAAAAAAAAAAAAAAAAAAAAAAAAAAAAAAAAAAAAAAAAAA/AAAAAAAAAKCGAQAAAAAAAAAAAAAAAAAMAAAAAQAAAAAAAAAAAAAAAAAAAB8AAABUAAAA////AAAAAAEAAAAAAAAAAAAAAAAAAAAAAAAAAAAAAAAAAAAAAAAAAAAAAAB/f38AAAAAA8zMzADAwP8Af39/AAAAAAAAAAAAAAAAAAAAAAAAAAAAIQAAABgAAAAUAAAAwRwAAGcHAAB1NQAAwRkAABAAAAAmAAAACAAAAD0gAAAAAAAA"/>
               </a:ext>
             </a:extLst>
           </p:cNvSpPr>
@@ -13359,7 +13262,7 @@
             <a:spLocks noGrp="1" noChangeArrowheads="1"/>
             <a:extLst>
               <a:ext uri="smNativeData">
-                <pr:smNativeData xmlns:pr="smNativeData" xmlns="smNativeData" val="SMDATA_15_37BZZRMAAAAlAAAAZAAAAA0AAAAAAAAAAAAAAAAAAAAAAAAAAAAAAAAAAAAAAAAAAAEAAABQAAAAAAAAAAAA4D8AAAAAAADgPwAAAAAAAOA/AAAAAAAA4D8AAAAAAADgPwAAAAAAAOA/AAAAAAAA4D8AAAAAAADgPwAAAAAAAOA/AAAAAAAA4D8CAAAAjAAAAAAAAAAAAAAA////AP///wgAAAAAAAAAAAAAAAAAAAAAAAAAAAAAAAAAAAAAeAAAAAEAAABAAAAAAAAAAAAAAABaAAAAAAAAAAAAAAAAAAAAAAAAAAAAAAAAAAAAAAAAAAAAAAAAAAAAAAAAAAAAAAAAAAAAAAAAAAAAAAAAAAAAAAAAAAAAAAAAAAAAFAAAADwAAAAAAAAAAAAAAAAAAAAPAAAAAQAAACMAAAAjAAAAIwAAAB4AAAAAAAAAZAAAAGQAAAAAAAAAZAAAAGQAAAAVAAAAYAAAAAAAAAAAAAAADwAAACADAAAAAAAAAAAAAAEAAACgMgAAVgcAAKr4//8BAAAAf39/AAEAAABkAAAAAAAAABQAAABAHwAAAAAAACYAAAAAAAAAwOD//wAAAAAmAAAAZAAAABYAAABMAAAAAAAAAAAAAAAEAAAAAAAAAAEAAADRSc4KAAAAACgAAAAoAAAAZAAAAGQAAAAAAAAAzMzMAAAAAABQAAAAUAAAAGQAAABkAAAAAAAAABcAAAAUAAAAAAAAAAAAAAD/fwAA/38AAAAAAAAJAAAABAAAAAAAAAAeAAAAaAAAAAAAAAAAAAAAAAAAAAAAAAAAAAAAECcAABAnAAAAAAAAAAAAAAAAAAAAAAAAAAAAAAAAAAAAAAAAAAAAABQAAAAAAAAAwMD/AAAAAABkAAAAMgAAAAAAAABkAAAAAAAAAH9/fwAKAAAAIgAAABgAAAAAAAAAAAAAAAAAAAAAAAAAAAAAAAAAAAAkAAAAJAAAAAAAAAAHAAAAAAAAAAAAAAAAAAAAAAAAAAAAAAAAAAAAf39/ACUAAABYAAAAAAAAAAAAAAAAAAAAAAAAAAAAAAAAAAAAAAAAAAAAAAAAAAAAAAAAAAAAAAA/AAAAAAAAAKCGAQAAAAAAAAAAAAAAAAAMAAAAAQAAAAAAAAAAAAAAAAAAAB8AAABUAAAA////AAAAAAEAAAAAAAAAAAAAAAAAAAAAAAAAAAAAAAAAAAAAAAAAAAAAAAB/f38AAAAAA8zMzADAwP8Af39/AAAAAAAAAAAAAAAAAAAAAAAAAAAAIQAAABgAAAAUAAAA0AIAAP0QAACEGwAAvhkAABAAAAAmAAAACAAAAD0gAAAAAAAA"/>
+                <pr:smNativeData xmlns:pr="smNativeData" xmlns="smNativeData" val="SMDATA_15_8sFZZRMAAAAlAAAAZAAAAA0AAAAAAAAAAAAAAAAAAAAAAAAAAAAAAAAAAAAAAAAAAAEAAABQAAAAAAAAAAAA4D8AAAAAAADgPwAAAAAAAOA/AAAAAAAA4D8AAAAAAADgPwAAAAAAAOA/AAAAAAAA4D8AAAAAAADgPwAAAAAAAOA/AAAAAAAA4D8CAAAAjAAAAAAAAAAAAAAA////AP///wgAAAAAAAAAAAAAAAAAAAAAAAAAAAAAAAAAAAAAeAAAAAEAAABAAAAAAAAAAAAAAABaAAAAAAAAAAAAAAAAAAAAAAAAAAAAAAAAAAAAAAAAAAAAAAAAAAAAAAAAAAAAAAAAAAAAAAAAAAAAAAAAAAAAAAAAAAAAAAAAAAAAFAAAADwAAAAAAAAAAAAAAAAAAAAPAAAAAQAAACMAAAAjAAAAIwAAAB4AAAAAAAAAZAAAAGQAAAAAAAAAZAAAAGQAAAAVAAAAYAAAAAAAAAAAAAAADwAAACADAAAAAAAAAAAAAAEAAACgMgAAVgcAAKr4//8BAAAAf39/AAEAAABkAAAAAAAAABQAAABAHwAAAAAAACYAAAAAAAAAwOD//wAAAAAmAAAAZAAAABYAAABMAAAAAAAAAAAAAAAEAAAAAAAAAAEAAADRSc4KAAAAACgAAAAoAAAAZAAAAGQAAAAAAAAAzMzMAAAAAABQAAAAUAAAAGQAAABkAAAAAAAAABcAAAAUAAAAAAAAAAAAAAD/fwAA/38AAAAAAAAJAAAABAAAAAAAAAAeAAAAaAAAAAAAAAAAAAAAAAAAAAAAAAAAAAAAECcAABAnAAAAAAAAAAAAAAAAAAAAAAAAAAAAAAAAAAAAAAAAAAAAABQAAAAAAAAAwMD/AAAAAABkAAAAMgAAAAAAAABkAAAAAAAAAH9/fwAKAAAAIgAAABgAAAAAAAAAAAAAAAAAAAAAAAAAAAAAAAAAAAAkAAAAJAAAAAAAAAAHAAAAAAAAAAAAAAAAAAAAAAAAAAAAAAAAAAAAf39/ACUAAABYAAAAAAAAAAAAAAAAAAAAAAAAAAAAAAAAAAAAAAAAAAAAAAAAAAAAAAAAAAAAAAA/AAAAAAAAAKCGAQAAAAAAAAAAAAAAAAAMAAAAAQAAAAAAAAAAAAAAAAAAAB8AAABUAAAA////AAAAAAEAAAAAAAAAAAAAAAAAAAAAAAAAAAAAAAAAAAAAAAAAAAAAAAB/f38AAAAAA8zMzADAwP8Af39/AAAAAAAAAAAAAAAAAAAAAAAAAAAAIQAAABgAAAAUAAAA0AIAAP0QAACEGwAAvhkAABAAAAAmAAAACAAAAD0gAAAAAAAA"/>
               </a:ext>
             </a:extLst>
           </p:cNvSpPr>
@@ -13417,7 +13320,7 @@
             <a:spLocks noGrp="1" noChangeArrowheads="1"/>
             <a:extLst>
               <a:ext uri="smNativeData">
-                <pr:smNativeData xmlns:pr="smNativeData" xmlns="smNativeData" val="SMDATA_15_37BZZRMAAAAlAAAAZAAAAE0AAAAAAAAAAAAAAAAAAAAAAAAAAAAAAAABAAAAAAAAAAEAAABQAAAAAAAAAAAA4D8AAAAAAADgPwAAAAAAAOA/AAAAAAAA4D8AAAAAAADgPwAAAAAAAOA/AAAAAAAA4D8AAAAAAADgPwAAAAAAAOA/AAAAAAAA4D8CAAAAjAAAAAAAAAAAAAAA////AP///wgAAAAAAAAAAAAAAAAAAAAAAAAAAAAAAAAAAAAAeAAAAAEAAABAAAAAAAAAAAAAAABaAAAAAAAAAAAAAAAAAAAAAAAAAAAAAAAAAAAAAAAAAAAAAAAAAAAAAAAAAAAAAAAAAAAAAAAAAAAAAAAAAAAAAAAAAAAAAAAAAAAAFAAAADwAAAAAAAAAAAAAAAAAAAAPAAAAAQAAACMAAAAjAAAAIwAAAB4AAAAAAAAAZAAAAGQAAAAAAAAAZAAAAGQAAAAVAAAAYAAAAAAAAAAAAAAADwAAACADAAAAAAAAAAAAAAEAAACgMgAAVgcAAKr4//8BAAAAf39/AAEAAABkAAAAAAAAABQAAABAHwAAAAAAACYAAAAAAAAAwOD//wAAAAAmAAAAZAAAABYAAABMAAAAAAAAAAAAAAAEAAAAAAAAAAEAAADRSc4KAAAAACgAAAAoAAAAZAAAAGQAAAAAAAAAzMzMAAAAAABQAAAAUAAAAGQAAABkAAAAAAAAABcAAAAUAAAAAAAAAAAAAAD/fwAA/38AAAAAAAAJAAAABAAAAAAAAAAeAAAAaAAAAAAAAAAAAAAAAAAAAAAAAAAAAAAAECcAABAnAAAAAAAAAAAAAAAAAAAAAAAAAAAAAAAAAAAAAAAAAAAAABQAAAAAAAAAwMD/AAAAAABkAAAAMgAAAAAAAABkAAAAAAAAAH9/fwAKAAAAIgAAABgAAAAAAAAAAAAAAAAAAAAAAAAAAAAAAAAAAAAkAAAAJAAAAAAAAAAHAAAAAAAAAAAAAAAAAAAAAAAAAAAAAAAAAAAAf39/ACUAAABYAAAAAAAAAAAAAAAAAAAAAAAAAAAAAAAAAAAAAAAAAAAAAAAAAAAAAAAAAAAAAAA/AAAAAAAAAKCGAQAAAAAAAAAAAAAAAAAMAAAAAQAAAAAAAAAAAAAAAAAAAB8AAABUAAAA////AAAAAAEAAAAAAAAAAAAAAAAAAAAAAAAAAAAAAAAAAAAAAAAAAAAAAAB/f38AAAAAA8zMzADAwP8Af39/AAAAAAAAAAAAAAAAAAAAAAAAAAAAIQAAABgAAAAUAAAA0AIAAA8AAABvNQAAwAcAABAgAAAmAAAACAAAAD0gAAAAAAAA"/>
+                <pr:smNativeData xmlns:pr="smNativeData" xmlns="smNativeData" val="SMDATA_15_8sFZZRMAAAAlAAAAZAAAAE0AAAAAAAAAAAAAAAAAAAAAAAAAAAAAAAABAAAAAAAAAAEAAABQAAAAAAAAAAAA4D8AAAAAAADgPwAAAAAAAOA/AAAAAAAA4D8AAAAAAADgPwAAAAAAAOA/AAAAAAAA4D8AAAAAAADgPwAAAAAAAOA/AAAAAAAA4D8CAAAAjAAAAAAAAAAAAAAA////AP///wgAAAAAAAAAAAAAAAAAAAAAAAAAAAAAAAAAAAAAeAAAAAEAAABAAAAAAAAAAAAAAABaAAAAAAAAAAAAAAAAAAAAAAAAAAAAAAAAAAAAAAAAAAAAAAAAAAAAAAAAAAAAAAAAAAAAAAAAAAAAAAAAAAAAAAAAAAAAAAAAAAAAFAAAADwAAAAAAAAAAAAAAAAAAAAPAAAAAQAAACMAAAAjAAAAIwAAAB4AAAAAAAAAZAAAAGQAAAAAAAAAZAAAAGQAAAAVAAAAYAAAAAAAAAAAAAAADwAAACADAAAAAAAAAAAAAAEAAACgMgAAVgcAAKr4//8BAAAAf39/AAEAAABkAAAAAAAAABQAAABAHwAAAAAAACYAAAAAAAAAwOD//wAAAAAmAAAAZAAAABYAAABMAAAAAAAAAAAAAAAEAAAAAAAAAAEAAADRSc4KAAAAACgAAAAoAAAAZAAAAGQAAAAAAAAAzMzMAAAAAABQAAAAUAAAAGQAAABkAAAAAAAAABcAAAAUAAAAAAAAAAAAAAD/fwAA/38AAAAAAAAJAAAABAAAAAAAAAAeAAAAaAAAAAAAAAAAAAAAAAAAAAAAAAAAAAAAECcAABAnAAAAAAAAAAAAAAAAAAAAAAAAAAAAAAAAAAAAAAAAAAAAABQAAAAAAAAAwMD/AAAAAABkAAAAMgAAAAAAAABkAAAAAAAAAH9/fwAKAAAAIgAAABgAAAAAAAAAAAAAAAAAAAAAAAAAAAAAAAAAAAAkAAAAJAAAAAAAAAAHAAAAAAAAAAAAAAAAAAAAAAAAAAAAAAAAAAAAf39/ACUAAABYAAAAAAAAAAAAAAAAAAAAAAAAAAAAAAAAAAAAAAAAAAAAAAAAAAAAAAAAAAAAAAA/AAAAAAAAAKCGAQAAAAAAAAAAAAAAAAAMAAAAAQAAAAAAAAAAAAAAAAAAAB8AAABUAAAA////AAAAAAEAAAAAAAAAAAAAAAAAAAAAAAAAAAAAAAAAAAAAAAAAAAAAAAB/f38AAAAAA8zMzADAwP8Af39/AAAAAAAAAAAAAAAAAAAAAAAAAAAAIQAAABgAAAAUAAAA0AIAAA8AAABvNQAAwAcAABAgAAAmAAAACAAAAD0gAAAAAAAA"/>
               </a:ext>
             </a:extLst>
           </p:cNvSpPr>
@@ -13450,7 +13353,7 @@
             <a:spLocks noGrp="1" noChangeArrowheads="1"/>
             <a:extLst>
               <a:ext uri="smNativeData">
-                <pr:smNativeData xmlns:pr="smNativeData" xmlns="smNativeData" val="SMDATA_15_37BZZRMAAAAlAAAAZAAAAA0AAAAAAAAAAAAAAAAAAAAAAAAAAAAAAAAAAAAAAAAAAAEAAABQAAAAAAAAAAAA4D8AAAAAAADgPwAAAAAAAOA/AAAAAAAA4D8AAAAAAADgPwAAAAAAAOA/AAAAAAAA4D8AAAAAAADgPwAAAAAAAOA/AAAAAAAA4D8CAAAAjAAAAAAAAAAAAAAA////AP///wgAAAAAAAAAAAAAAAAAAAAAAAAAAAAAAAAAAAAAeAAAAAEAAABAAAAAAAAAAAAAAABaAAAAAAAAAAAAAAAAAAAAAAAAAAAAAAAAAAAAAAAAAAAAAAAAAAAAAAAAAAAAAAAAAAAAAAAAAAAAAAAAAAAAAAAAAAAAAAAAAAAAFAAAADwAAAAAAAAAAAAAAAAAAAAPAAAAAQAAACMAAAAjAAAAIwAAAB4AAAAAAAAAZAAAAGQAAAAAAAAAZAAAAGQAAAAVAAAAYAAAAAAAAAAAAAAADwAAACADAAAAAAAAAAAAAAEAAACgMgAAVgcAAKr4//8BAAAAf39/AAEAAABkAAAAAAAAABQAAABAHwAAAAAAACYAAAAAAAAAwOD//wAAAAAmAAAAZAAAABYAAABMAAAAAAAAAAAAAAAEAAAAAAAAAAEAAADRSc4KAAAAACgAAAAoAAAAZAAAAGQAAAAAAAAAzMzMAAAAAABQAAAAUAAAAGQAAABkAAAAAAAAABcAAAAUAAAAAAAAAAAAAAD/fwAA/38AAAAAAAAJAAAABAAAAIAAAAAeAAAAaAAAAAAAAAAAAAAAAAAAAAAAAAAAAAAAECcAABAnAAAAAAAAAAAAAAAAAAAAAAAAAAAAAAAAAAAAAAAAAAAAABQAAAAAAAAAwMD/AAAAAABkAAAAMgAAAAAAAABkAAAAAAAAAH9/fwAKAAAAIgAAABgAAAAAAAAAAAAAAAAAAAAAAAAAAAAAAAAAAAAkAAAAJAAAAAAAAAAHAAAAAAAAAAAAAAAAAAAAAAAAAAAAAAAAAAAAf39/ACUAAABYAAAAAAAAAAAAAAAAAAAAAAAAAAAAAAAAAAAAAAAAAAAAAAAAAAAAAAAAAAAAAAA/AAAAAAAAAKCGAQAAAAAAAAAAAAAAAAAMAAAAAQAAAAAAAAAAAAAAAAAAAB8AAABUAAAA////AAAAAAEAAAAAAAAAAAAAAAAAAAAAAAAAAAAAAAAAAAAAAAAAAAAAAAB/f38AAAAAA8zMzADAwP8Af39/AAAAAAAAAAAAAAAAAAAAAAAAAAAAIQAAABgAAAAUAAAA0AIAAGcHAACEGwAAwRkAABAAAAAmAAAACAAAAD0gAAAAAAAA"/>
+                <pr:smNativeData xmlns:pr="smNativeData" xmlns="smNativeData" val="SMDATA_15_8sFZZRMAAAAlAAAAZAAAAA0AAAAAAAAAAAAAAAAAAAAAAAAAAAAAAAAAAAAAAAAAAAEAAABQAAAAAAAAAAAA4D8AAAAAAADgPwAAAAAAAOA/AAAAAAAA4D8AAAAAAADgPwAAAAAAAOA/AAAAAAAA4D8AAAAAAADgPwAAAAAAAOA/AAAAAAAA4D8CAAAAjAAAAAAAAAAAAAAA////AP///wgAAAAAAAAAAAAAAAAAAAAAAAAAAAAAAAAAAAAAeAAAAAEAAABAAAAAAAAAAAAAAABaAAAAAAAAAAAAAAAAAAAAAAAAAAAAAAAAAAAAAAAAAAAAAAAAAAAAAAAAAAAAAAAAAAAAAAAAAAAAAAAAAAAAAAAAAAAAAAAAAAAAFAAAADwAAAAAAAAAAAAAAAAAAAAPAAAAAQAAACMAAAAjAAAAIwAAAB4AAAAAAAAAZAAAAGQAAAAAAAAAZAAAAGQAAAAVAAAAYAAAAAAAAAAAAAAADwAAACADAAAAAAAAAAAAAAEAAACgMgAAVgcAAKr4//8BAAAAf39/AAEAAABkAAAAAAAAABQAAABAHwAAAAAAACYAAAAAAAAAwOD//wAAAAAmAAAAZAAAABYAAABMAAAAAAAAAAAAAAAEAAAAAAAAAAEAAADRSc4KAAAAACgAAAAoAAAAZAAAAGQAAAAAAAAAzMzMAAAAAABQAAAAUAAAAGQAAABkAAAAAAAAABcAAAAUAAAAAAAAAAAAAAD/fwAA/38AAAAAAAAJAAAABAAAAAAAAAAeAAAAaAAAAAAAAAAAAAAAAAAAAAAAAAAAAAAAECcAABAnAAAAAAAAAAAAAAAAAAAAAAAAAAAAAAAAAAAAAAAAAAAAABQAAAAAAAAAwMD/AAAAAABkAAAAMgAAAAAAAABkAAAAAAAAAH9/fwAKAAAAIgAAABgAAAAAAAAAAAAAAAAAAAAAAAAAAAAAAAAAAAAkAAAAJAAAAAAAAAAHAAAAAAAAAAAAAAAAAAAAAAAAAAAAAAAAAAAAf39/ACUAAABYAAAAAAAAAAAAAAAAAAAAAAAAAAAAAAAAAAAAAAAAAAAAAAAAAAAAAAAAAAAAAAA/AAAAAAAAAKCGAQAAAAAAAAAAAAAAAAAMAAAAAQAAAAAAAAAAAAAAAAAAAB8AAABUAAAA////AAAAAAEAAAAAAAAAAAAAAAAAAAAAAAAAAAAAAAAAAAAAAAAAAAAAAAB/f38AAAAAA8zMzADAwP8Af39/AAAAAAAAAAAAAAAAAAAAAAAAAAAAIQAAABgAAAAUAAAA0AIAAGcHAACEGwAAwRkAABAAAAAmAAAACAAAAD0gAAAAAAAA"/>
               </a:ext>
             </a:extLst>
           </p:cNvSpPr>
@@ -13483,7 +13386,7 @@
             <a:spLocks noGrp="1" noChangeArrowheads="1"/>
             <a:extLst>
               <a:ext uri="smNativeData">
-                <pr:smNativeData xmlns:pr="smNativeData" xmlns="smNativeData" val="SMDATA_15_37BZZRMAAAAlAAAAZAAAAA0AAAAAAAAAAAAAAAAAAAAAAAAAAAAAAAAAAAAAAAAAAAEAAABQAAAAAAAAAAAA4D8AAAAAAADgPwAAAAAAAOA/AAAAAAAA4D8AAAAAAADgPwAAAAAAAOA/AAAAAAAA4D8AAAAAAADgPwAAAAAAAOA/AAAAAAAA4D8CAAAAjAAAAAAAAAAAAAAA////AP///wgAAAAAAAAAAAAAAAAAAAAAAAAAAAAAAAAAAAAAeAAAAAEAAABAAAAAAAAAAAAAAABaAAAAAAAAAAAAAAAAAAAAAAAAAAAAAAAAAAAAAAAAAAAAAAAAAAAAAAAAAAAAAAAAAAAAAAAAAAAAAAAAAAAAAAAAAAAAAAAAAAAAFAAAADwAAAAAAAAAAAAAAAAAAAAPAAAAAQAAACMAAAAjAAAAIwAAAB4AAAAAAAAAZAAAAGQAAAAAAAAAZAAAAGQAAAAVAAAAYAAAAAAAAAAAAAAADwAAACADAAAAAAAAAAAAAAEAAACgMgAAVgcAAKr4//8BAAAAf39/AAEAAABkAAAAAAAAABQAAABAHwAAAAAAACYAAAAAAAAAwOD//wAAAAAmAAAAZAAAABYAAABMAAAAAAAAAAAAAAAEAAAAAAAAAAEAAADRSc4KAAAAACgAAAAoAAAAZAAAAGQAAAAAAAAAzMzMAAAAAABQAAAAUAAAAGQAAABkAAAAAAAAABcAAAAUAAAAAAAAAAAAAAD/fwAA/38AAAAAAAAJAAAABAAAAAAAAAAeAAAAaAAAAAAAAAAAAAAAAAAAAAAAAAAAAAAAECcAABAnAAAAAAAAAAAAAAAAAAAAAAAAAAAAAAAAAAAAAAAAAAAAABQAAAAAAAAAwMD/AAAAAABkAAAAMgAAAAAAAABkAAAAAAAAAH9/fwAKAAAAIgAAABgAAAAAAAAAAAAAAAAAAAAAAAAAAAAAAAAAAAAkAAAAJAAAAAAAAAAHAAAAAAAAAAAAAAAAAAAAAAAAAAAAAAAAAAAAf39/ACUAAABYAAAAAAAAAAAAAAAAAAAAAAAAAAAAAAAAAAAAAAAAAAAAAAAAAAAAAAAAAAAAAAA/AAAAAAAAAKCGAQAAAAAAAAAAAAAAAAAMAAAAAQAAAAAAAAAAAAAAAAAAAB8AAABUAAAA////AAAAAAEAAAAAAAAAAAAAAAAAAAAAAAAAAAAAAAAAAAAAAAAAAAAAAAB/f38AAAAAA8zMzADAwP8Af39/AAAAAAAAAAAAAAAAAAAAAAAAAAAAIQAAABgAAAAUAAAAwRwAAGcHAAB1NQAAKBAAABAAAAAmAAAACAAAAD0gAAAAAAAA"/>
+                <pr:smNativeData xmlns:pr="smNativeData" xmlns="smNativeData" val="SMDATA_15_8sFZZRMAAAAlAAAAZAAAAA0AAAAAAAAAAAAAAAAAAAAAAAAAAAAAAAAAAAAAAAAAAAEAAABQAAAAAAAAAAAA4D8AAAAAAADgPwAAAAAAAOA/AAAAAAAA4D8AAAAAAADgPwAAAAAAAOA/AAAAAAAA4D8AAAAAAADgPwAAAAAAAOA/AAAAAAAA4D8CAAAAjAAAAAAAAAAAAAAA////AP///wgAAAAAAAAAAAAAAAAAAAAAAAAAAAAAAAAAAAAAeAAAAAEAAABAAAAAAAAAAAAAAABaAAAAAAAAAAAAAAAAAAAAAAAAAAAAAAAAAAAAAAAAAAAAAAAAAAAAAAAAAAAAAAAAAAAAAAAAAAAAAAAAAAAAAAAAAAAAAAAAAAAAFAAAADwAAAAAAAAAAAAAAAAAAAAPAAAAAQAAACMAAAAjAAAAIwAAAB4AAAAAAAAAZAAAAGQAAAAAAAAAZAAAAGQAAAAVAAAAYAAAAAAAAAAAAAAADwAAACADAAAAAAAAAAAAAAEAAACgMgAAVgcAAKr4//8BAAAAf39/AAEAAABkAAAAAAAAABQAAABAHwAAAAAAACYAAAAAAAAAwOD//wAAAAAmAAAAZAAAABYAAABMAAAAAAAAAAAAAAAEAAAAAAAAAAEAAADRSc4KAAAAACgAAAAoAAAAZAAAAGQAAAAAAAAAzMzMAAAAAABQAAAAUAAAAGQAAABkAAAAAAAAABcAAAAUAAAAAAAAAAAAAAD/fwAA/38AAAAAAAAJAAAABAAAAAAAAAAeAAAAaAAAAAAAAAAAAAAAAAAAAAAAAAAAAAAAECcAABAnAAAAAAAAAAAAAAAAAAAAAAAAAAAAAAAAAAAAAAAAAAAAABQAAAAAAAAAwMD/AAAAAABkAAAAMgAAAAAAAABkAAAAAAAAAH9/fwAKAAAAIgAAABgAAAAAAAAAAAAAAAAAAAAAAAAAAAAAAAAAAAAkAAAAJAAAAAAAAAAHAAAAAAAAAAAAAAAAAAAAAAAAAAAAAAAAAAAAf39/ACUAAABYAAAAAAAAAAAAAAAAAAAAAAAAAAAAAAAAAAAAAAAAAAAAAAAAAAAAAAAAAAAAAAA/AAAAAAAAAKCGAQAAAAAAAAAAAAAAAAAMAAAAAQAAAAAAAAAAAAAAAAAAAB8AAABUAAAA////AAAAAAEAAAAAAAAAAAAAAAAAAAAAAAAAAAAAAAAAAAAAAAAAAAAAAAB/f38AAAAAA8zMzADAwP8Af39/AAAAAAAAAAAAAAAAAAAAAAAAAAAAIQAAABgAAAAUAAAAwRwAAGcHAAB1NQAAKBAAABAAAAAmAAAACAAAAD0gAAAAAAAA"/>
               </a:ext>
             </a:extLst>
           </p:cNvSpPr>
@@ -13516,7 +13419,7 @@
             <a:spLocks noGrp="1" noChangeArrowheads="1"/>
             <a:extLst>
               <a:ext uri="smNativeData">
-                <pr:smNativeData xmlns:pr="smNativeData" xmlns="smNativeData" val="SMDATA_15_37BZZRMAAAAlAAAAZAAAAA0AAAAAAAAAAAAAAAAAAAAAAAAAAAAAAAAAAAAAAAAAAAEAAABQAAAAAAAAAAAA4D8AAAAAAADgPwAAAAAAAOA/AAAAAAAA4D8AAAAAAADgPwAAAAAAAOA/AAAAAAAA4D8AAAAAAADgPwAAAAAAAOA/AAAAAAAA4D8CAAAAjAAAAAAAAAAAAAAA////AP///wgAAAAAAAAAAAAAAAAAAAAAAAAAAAAAAAAAAAAAeAAAAAEAAABAAAAAAAAAAAAAAABaAAAAAAAAAAAAAAAAAAAAAAAAAAAAAAAAAAAAAAAAAAAAAAAAAAAAAAAAAAAAAAAAAAAAAAAAAAAAAAAAAAAAAAAAAAAAAAAAAAAAFAAAADwAAAAAAAAAAAAAAAAAAAAPAAAAAQAAACMAAAAjAAAAIwAAAB4AAAAAAAAAZAAAAGQAAAAAAAAAZAAAAGQAAAAVAAAAYAAAAAAAAAAAAAAADwAAACADAAAAAAAAAAAAAAEAAACgMgAAVgcAAKr4//8BAAAAf39/AAEAAABkAAAAAAAAABQAAABAHwAAAAAAACYAAAAAAAAAwOD//wAAAAAmAAAAZAAAABYAAABMAAAAAAAAAAAAAAAEAAAAAAAAAAEAAADRSc4KAAAAACgAAAAoAAAAZAAAAGQAAAAAAAAAzMzMAAAAAABQAAAAUAAAAGQAAABkAAAAAAAAABcAAAAUAAAAAAAAAAAAAAD/fwAA/38AAAAAAAAJAAAABAAAAAAAAAAeAAAAaAAAAAAAAAAAAAAAAAAAAAAAAAAAAAAAECcAABAnAAAAAAAAAAAAAAAAAAAAAAAAAAAAAAAAAAAAAAAAAAAAABQAAAAAAAAAwMD/AAAAAABkAAAAMgAAAAAAAABkAAAAAAAAAH9/fwAKAAAAIgAAABgAAAAAAAAAAAAAAAAAAAAAAAAAAAAAAAAAAAAkAAAAJAAAAAAAAAAHAAAAAAAAAAAAAAAAAAAAAAAAAAAAAAAAAAAAf39/ACUAAABYAAAAAAAAAAAAAAAAAAAAAAAAAAAAAAAAAAAAAAAAAAAAAAAAAAAAAAAAAAAAAAA/AAAAAAAAAKCGAQAAAAAAAAAAAAAAAAAMAAAAAQAAAAAAAAAAAAAAAAAAAB8AAABUAAAA////AAAAAAEAAAAAAAAAAAAAAAAAAAAAAAAAAAAAAAAAAAAAAAAAAAAAAAB/f38AAAAAA8zMzADAwP8Af39/AAAAAAAAAAAAAAAAAAAAAAAAAAAAIQAAABgAAAAUAAAAwRwAAP0QAAB1NQAAvhkAABAAAAAmAAAACAAAAD0gAAAAAAAA"/>
+                <pr:smNativeData xmlns:pr="smNativeData" xmlns="smNativeData" val="SMDATA_15_8sFZZRMAAAAlAAAAZAAAAA0AAAAAAAAAAAAAAAAAAAAAAAAAAAAAAAAAAAAAAAAAAAEAAABQAAAAAAAAAAAA4D8AAAAAAADgPwAAAAAAAOA/AAAAAAAA4D8AAAAAAADgPwAAAAAAAOA/AAAAAAAA4D8AAAAAAADgPwAAAAAAAOA/AAAAAAAA4D8CAAAAjAAAAAAAAAAAAAAA////AP///wgAAAAAAAAAAAAAAAAAAAAAAAAAAAAAAAAAAAAAeAAAAAEAAABAAAAAAAAAAAAAAABaAAAAAAAAAAAAAAAAAAAAAAAAAAAAAAAAAAAAAAAAAAAAAAAAAAAAAAAAAAAAAAAAAAAAAAAAAAAAAAAAAAAAAAAAAAAAAAAAAAAAFAAAADwAAAAAAAAAAAAAAAAAAAAPAAAAAQAAACMAAAAjAAAAIwAAAB4AAAAAAAAAZAAAAGQAAAAAAAAAZAAAAGQAAAAVAAAAYAAAAAAAAAAAAAAADwAAACADAAAAAAAAAAAAAAEAAACgMgAAVgcAAKr4//8BAAAAf39/AAEAAABkAAAAAAAAABQAAABAHwAAAAAAACYAAAAAAAAAwOD//wAAAAAmAAAAZAAAABYAAABMAAAAAAAAAAAAAAAEAAAAAAAAAAEAAADRSc4KAAAAACgAAAAoAAAAZAAAAGQAAAAAAAAAzMzMAAAAAABQAAAAUAAAAGQAAABkAAAAAAAAABcAAAAUAAAAAAAAAAAAAAD/fwAA/38AAAAAAAAJAAAABAAAAAAAAAAeAAAAaAAAAAAAAAAAAAAAAAAAAAAAAAAAAAAAECcAABAnAAAAAAAAAAAAAAAAAAAAAAAAAAAAAAAAAAAAAAAAAAAAABQAAAAAAAAAwMD/AAAAAABkAAAAMgAAAAAAAABkAAAAAAAAAH9/fwAKAAAAIgAAABgAAAAAAAAAAAAAAAAAAAAAAAAAAAAAAAAAAAAkAAAAJAAAAAAAAAAHAAAAAAAAAAAAAAAAAAAAAAAAAAAAAAAAAAAAf39/ACUAAABYAAAAAAAAAAAAAAAAAAAAAAAAAAAAAAAAAAAAAAAAAAAAAAAAAAAAAAAAAAAAAAA/AAAAAAAAAKCGAQAAAAAAAAAAAAAAAAAMAAAAAQAAAAAAAAAAAAAAAAAAAB8AAABUAAAA////AAAAAAEAAAAAAAAAAAAAAAAAAAAAAAAAAAAAAAAAAAAAAAAAAAAAAAB/f38AAAAAA8zMzADAwP8Af39/AAAAAAAAAAAAAAAAAAAAAAAAAAAAIQAAABgAAAAUAAAAwRwAAP0QAAB1NQAAvhkAABAAAAAmAAAACAAAAD0gAAAAAAAA"/>
               </a:ext>
             </a:extLst>
           </p:cNvSpPr>
@@ -13574,7 +13477,7 @@
             <a:spLocks noGrp="1" noChangeArrowheads="1"/>
             <a:extLst>
               <a:ext uri="smNativeData">
-                <pr:smNativeData xmlns:pr="smNativeData" xmlns="smNativeData" val="SMDATA_15_37BZZRMAAAAlAAAAZAAAAE0AAAAAAAAAAAAAAAAAAAAAAAAAAAAAAAABAAAAAAAAAAEAAABQAAAAAAAAAAAA4D8AAAAAAADgPwAAAAAAAOA/AAAAAAAA4D8AAAAAAADgPwAAAAAAAOA/AAAAAAAA4D8AAAAAAADgPwAAAAAAAOA/AAAAAAAA4D8CAAAAjAAAAAAAAAAAAAAA////AP///wgAAAAAAAAAAAAAAAAAAAAAAAAAAAAAAAAAAAAAeAAAAAEAAABAAAAAAAAAAAAAAABaAAAAAAAAAAAAAAAAAAAAAAAAAAAAAAAAAAAAAAAAAAAAAAAAAAAAAAAAAAAAAAAAAAAAAAAAAAAAAAAAAAAAAAAAAAAAAAAAAAAAFAAAADwAAAAAAAAAAAAAAAAAAAAPAAAAAQAAACMAAAAjAAAAIwAAAB4AAAAAAAAAZAAAAGQAAAAAAAAAZAAAAGQAAAAVAAAAYAAAAAAAAAAAAAAADwAAACADAAAAAAAAAAAAAAEAAACgMgAAVgcAAKr4//8BAAAAf39/AAEAAABkAAAAAAAAABQAAABAHwAAAAAAACYAAAAAAAAAwOD//wAAAAAmAAAAZAAAABYAAABMAAAAAAAAAAAAAAAEAAAAAAAAAAEAAADRSc4KAAAAACgAAAAoAAAAZAAAAGQAAAAAAAAAzMzMAAAAAABQAAAAUAAAAGQAAABkAAAAAAAAABcAAAAUAAAAAAAAAAAAAAD/fwAA/38AAAAAAAAJAAAABAAAAHIAAAAeAAAAaAAAAAAAAAAAAAAAAAAAAAAAAAAAAAAAECcAABAnAAAAAAAAAAAAAAAAAAAAAAAAAAAAAAAAAAAAAAAAAAAAABQAAAAAAAAAwMD/AAAAAABkAAAAMgAAAAAAAABkAAAAAAAAAH9/fwAKAAAAIgAAABgAAAAAAAAAAAAAAAAAAAAAAAAAAAAAAAAAAAAkAAAAJAAAAAAAAAAHAAAAAAAAAAAAAAAAAAAAAAAAAAAAAAAAAAAAf39/ACUAAABYAAAAAAAAAAAAAAAAAAAAAAAAAAAAAAAAAAAAAAAAAAAAAAAAAAAAAAAAAAAAAAA/AAAAAAAAAKCGAQAAAAAAAAAAAAAAAAAMAAAAAQAAAAAAAAAAAAAAAAAAAB8AAABUAAAA////AAAAAAEAAAAAAAAAAAAAAAAAAAAAAAAAAAAAAAAAAAAAAAAAAAAAAAB/f38AAAAAA8zMzADAwP8Af39/AAAAAAAAAAAAAAAAAAAAAAAAAAAAIQAAABgAAAAUAAAA0AIAAA8AAABvNQAAwAcAABAgAAAmAAAACAAAAD0gAAAAAAAA"/>
+                <pr:smNativeData xmlns:pr="smNativeData" xmlns="smNativeData" val="SMDATA_15_8sFZZRMAAAAlAAAAZAAAAE0AAAAAAAAAAAAAAAAAAAAAAAAAAAAAAAABAAAAAAAAAAEAAABQAAAAAAAAAAAA4D8AAAAAAADgPwAAAAAAAOA/AAAAAAAA4D8AAAAAAADgPwAAAAAAAOA/AAAAAAAA4D8AAAAAAADgPwAAAAAAAOA/AAAAAAAA4D8CAAAAjAAAAAAAAAAAAAAA////AP///wgAAAAAAAAAAAAAAAAAAAAAAAAAAAAAAAAAAAAAeAAAAAEAAABAAAAAAAAAAAAAAABaAAAAAAAAAAAAAAAAAAAAAAAAAAAAAAAAAAAAAAAAAAAAAAAAAAAAAAAAAAAAAAAAAAAAAAAAAAAAAAAAAAAAAAAAAAAAAAAAAAAAFAAAADwAAAAAAAAAAAAAAAAAAAAPAAAAAQAAACMAAAAjAAAAIwAAAB4AAAAAAAAAZAAAAGQAAAAAAAAAZAAAAGQAAAAVAAAAYAAAAAAAAAAAAAAADwAAACADAAAAAAAAAAAAAAEAAACgMgAAVgcAAKr4//8BAAAAf39/AAEAAABkAAAAAAAAABQAAABAHwAAAAAAACYAAAAAAAAAwOD//wAAAAAmAAAAZAAAABYAAABMAAAAAAAAAAAAAAAEAAAAAAAAAAEAAADRSc4KAAAAACgAAAAoAAAAZAAAAGQAAAAAAAAAzMzMAAAAAABQAAAAUAAAAGQAAABkAAAAAAAAABcAAAAUAAAAAAAAAAAAAAD/fwAA/38AAAAAAAAJAAAABAAAAAAAAAAeAAAAaAAAAAAAAAAAAAAAAAAAAAAAAAAAAAAAECcAABAnAAAAAAAAAAAAAAAAAAAAAAAAAAAAAAAAAAAAAAAAAAAAABQAAAAAAAAAwMD/AAAAAABkAAAAMgAAAAAAAABkAAAAAAAAAH9/fwAKAAAAIgAAABgAAAAAAAAAAAAAAAAAAAAAAAAAAAAAAAAAAAAkAAAAJAAAAAAAAAAHAAAAAAAAAAAAAAAAAAAAAAAAAAAAAAAAAAAAf39/ACUAAABYAAAAAAAAAAAAAAAAAAAAAAAAAAAAAAAAAAAAAAAAAAAAAAAAAAAAAAAAAAAAAAA/AAAAAAAAAKCGAQAAAAAAAAAAAAAAAAAMAAAAAQAAAAAAAAAAAAAAAAAAAB8AAABUAAAA////AAAAAAEAAAAAAAAAAAAAAAAAAAAAAAAAAAAAAAAAAAAAAAAAAAAAAAB/f38AAAAAA8zMzADAwP8Af39/AAAAAAAAAAAAAAAAAAAAAAAAAAAAIQAAABgAAAAUAAAA0AIAAA8AAABvNQAAwAcAABAgAAAmAAAACAAAAD0gAAAAAAAA"/>
               </a:ext>
             </a:extLst>
           </p:cNvSpPr>
@@ -13607,7 +13510,7 @@
             <a:spLocks noGrp="1" noChangeArrowheads="1"/>
             <a:extLst>
               <a:ext uri="smNativeData">
-                <pr:smNativeData xmlns:pr="smNativeData" xmlns="smNativeData" val="SMDATA_15_37BZZRMAAAAlAAAAZAAAAA0AAAAAAAAAAAAAAAAAAAAAAAAAAAAAAAAAAAAAAAAAAAEAAABQAAAAAAAAAAAA4D8AAAAAAADgPwAAAAAAAOA/AAAAAAAA4D8AAAAAAADgPwAAAAAAAOA/AAAAAAAA4D8AAAAAAADgPwAAAAAAAOA/AAAAAAAA4D8CAAAAjAAAAAAAAAAAAAAA////AP///wgAAAAAAAAAAAAAAAAAAAAAAAAAAAAAAAAAAAAAeAAAAAEAAABAAAAAAAAAAAAAAABaAAAAAAAAAAAAAAAAAAAAAAAAAAAAAAAAAAAAAAAAAAAAAAAAAAAAAAAAAAAAAAAAAAAAAAAAAAAAAAAAAAAAAAAAAAAAAAAAAAAAFAAAADwAAAAAAAAAAAAAAAAAAAAPAAAAAQAAACMAAAAjAAAAIwAAAB4AAAAAAAAAZAAAAGQAAAAAAAAAZAAAAGQAAAAVAAAAYAAAAAAAAAAAAAAADwAAACADAAAAAAAAAAAAAAEAAACgMgAAVgcAAKr4//8BAAAAf39/AAEAAABkAAAAAAAAABQAAABAHwAAAAAAACYAAAAAAAAAwOD//wAAAAAmAAAAZAAAABYAAABMAAAAAAAAAAAAAAAEAAAAAAAAAAEAAADRSc4KAAAAACgAAAAoAAAAZAAAAGQAAAAAAAAAzMzMAAAAAABQAAAAUAAAAGQAAABkAAAAAAAAABcAAAAUAAAAAAAAAAAAAAD/fwAA/38AAAAAAAAJAAAABAAAAAAAAAAeAAAAaAAAAAAAAAAAAAAAAAAAAAAAAAAAAAAAECcAABAnAAAAAAAAAAAAAAAAAAAAAAAAAAAAAAAAAAAAAAAAAAAAABQAAAAAAAAAwMD/AAAAAABkAAAAMgAAAAAAAABkAAAAAAAAAH9/fwAKAAAAIgAAABgAAAAAAAAAAAAAAAAAAAAAAAAAAAAAAAAAAAAkAAAAJAAAAAAAAAAHAAAAAAAAAAAAAAAAAAAAAAAAAAAAAAAAAAAAf39/ACUAAABYAAAAAAAAAAAAAAAAAAAAAAAAAAAAAAAAAAAAAAAAAAAAAAAAAAAAAAAAAAAAAAA/AAAAAAAAAKCGAQAAAAAAAAAAAAAAAAAMAAAAAQAAAAAAAAAAAAAAAAAAAB8AAABUAAAA////AAAAAAEAAAAAAAAAAAAAAAAAAAAAAAAAAAAAAAAAAAAAAAAAAAAAAAB/f38AAAAAA8zMzADAwP8Af39/AAAAAAAAAAAAAAAAAAAAAAAAAAAAIQAAABgAAAAUAAAA0AIAAGcHAACEGwAAKBAAABAAAAAmAAAACAAAAD0gAAAAAAAA"/>
+                <pr:smNativeData xmlns:pr="smNativeData" xmlns="smNativeData" val="SMDATA_15_8sFZZRMAAAAlAAAAZAAAAA0AAAAAAAAAAAAAAAAAAAAAAAAAAAAAAAAAAAAAAAAAAAEAAABQAAAAAAAAAAAA4D8AAAAAAADgPwAAAAAAAOA/AAAAAAAA4D8AAAAAAADgPwAAAAAAAOA/AAAAAAAA4D8AAAAAAADgPwAAAAAAAOA/AAAAAAAA4D8CAAAAjAAAAAAAAAAAAAAA////AP///wgAAAAAAAAAAAAAAAAAAAAAAAAAAAAAAAAAAAAAeAAAAAEAAABAAAAAAAAAAAAAAABaAAAAAAAAAAAAAAAAAAAAAAAAAAAAAAAAAAAAAAAAAAAAAAAAAAAAAAAAAAAAAAAAAAAAAAAAAAAAAAAAAAAAAAAAAAAAAAAAAAAAFAAAADwAAAAAAAAAAAAAAAAAAAAPAAAAAQAAACMAAAAjAAAAIwAAAB4AAAAAAAAAZAAAAGQAAAAAAAAAZAAAAGQAAAAVAAAAYAAAAAAAAAAAAAAADwAAACADAAAAAAAAAAAAAAEAAACgMgAAVgcAAKr4//8BAAAAf39/AAEAAABkAAAAAAAAABQAAABAHwAAAAAAACYAAAAAAAAAwOD//wAAAAAmAAAAZAAAABYAAABMAAAAAAAAAAAAAAAEAAAAAAAAAAEAAADRSc4KAAAAACgAAAAoAAAAZAAAAGQAAAAAAAAAzMzMAAAAAABQAAAAUAAAAGQAAABkAAAAAAAAABcAAAAUAAAAAAAAAAAAAAD/fwAA/38AAAAAAAAJAAAABAAAAAAAAAAeAAAAaAAAAAAAAAAAAAAAAAAAAAAAAAAAAAAAECcAABAnAAAAAAAAAAAAAAAAAAAAAAAAAAAAAAAAAAAAAAAAAAAAABQAAAAAAAAAwMD/AAAAAABkAAAAMgAAAAAAAABkAAAAAAAAAH9/fwAKAAAAIgAAABgAAAAAAAAAAAAAAAAAAAAAAAAAAAAAAAAAAAAkAAAAJAAAAAAAAAAHAAAAAAAAAAAAAAAAAAAAAAAAAAAAAAAAAAAAf39/ACUAAABYAAAAAAAAAAAAAAAAAAAAAAAAAAAAAAAAAAAAAAAAAAAAAAAAAAAAAAAAAAAAAAA/AAAAAAAAAKCGAQAAAAAAAAAAAAAAAAAMAAAAAQAAAAAAAAAAAAAAAAAAAB8AAABUAAAA////AAAAAAEAAAAAAAAAAAAAAAAAAAAAAAAAAAAAAAAAAAAAAAAAAAAAAAB/f38AAAAAA8zMzADAwP8Af39/AAAAAAAAAAAAAAAAAAAAAAAAAAAAIQAAABgAAAAUAAAA0AIAAGcHAACEGwAAKBAAABAAAAAmAAAACAAAAD0gAAAAAAAA"/>
               </a:ext>
             </a:extLst>
           </p:cNvSpPr>
@@ -13640,7 +13543,7 @@
             <a:spLocks noGrp="1" noChangeArrowheads="1"/>
             <a:extLst>
               <a:ext uri="smNativeData">
-                <pr:smNativeData xmlns:pr="smNativeData" xmlns="smNativeData" val="SMDATA_15_37BZZRMAAAAlAAAAZAAAAA0AAAAAAAAAAAAAAAAAAAAAAAAAAAAAAAAAAAAAAAAAAAEAAABQAAAAAAAAAAAA4D8AAAAAAADgPwAAAAAAAOA/AAAAAAAA4D8AAAAAAADgPwAAAAAAAOA/AAAAAAAA4D8AAAAAAADgPwAAAAAAAOA/AAAAAAAA4D8CAAAAjAAAAAAAAAAAAAAA////AP///wgAAAAAAAAAAAAAAAAAAAAAAAAAAAAAAAAAAAAAeAAAAAEAAABAAAAAAAAAAAAAAABaAAAAAAAAAAAAAAAAAAAAAAAAAAAAAAAAAAAAAAAAAAAAAAAAAAAAAAAAAAAAAAAAAAAAAAAAAAAAAAAAAAAAAAAAAAAAAAAAAAAAFAAAADwAAAAAAAAAAAAAAAAAAAAPAAAAAQAAACMAAAAjAAAAIwAAAB4AAAAAAAAAZAAAAGQAAAAAAAAAZAAAAGQAAAAVAAAAYAAAAAAAAAAAAAAADwAAACADAAAAAAAAAAAAAAEAAACgMgAAVgcAAKr4//8BAAAAf39/AAEAAABkAAAAAAAAABQAAABAHwAAAAAAACYAAAAAAAAAwOD//wAAAAAmAAAAZAAAABYAAABMAAAAAAAAAAAAAAAEAAAAAAAAAAEAAADRSc4KAAAAACgAAAAoAAAAZAAAAGQAAAAAAAAAzMzMAAAAAABQAAAAUAAAAGQAAABkAAAAAAAAABcAAAAUAAAAAAAAAAAAAAD/fwAA/38AAAAAAAAJAAAABAAAAAAAAAAeAAAAaAAAAAAAAAAAAAAAAAAAAAAAAAAAAAAAECcAABAnAAAAAAAAAAAAAAAAAAAAAAAAAAAAAAAAAAAAAAAAAAAAABQAAAAAAAAAwMD/AAAAAABkAAAAMgAAAAAAAABkAAAAAAAAAH9/fwAKAAAAIgAAABgAAAAAAAAAAAAAAAAAAAAAAAAAAAAAAAAAAAAkAAAAJAAAAAAAAAAHAAAAAAAAAAAAAAAAAAAAAAAAAAAAAAAAAAAAf39/ACUAAABYAAAAAAAAAAAAAAAAAAAAAAAAAAAAAAAAAAAAAAAAAAAAAAAAAAAAAAAAAAAAAAA/AAAAAAAAAKCGAQAAAAAAAAAAAAAAAAAMAAAAAQAAAAAAAAAAAAAAAAAAAB8AAABUAAAA////AAAAAAEAAAAAAAAAAAAAAAAAAAAAAAAAAAAAAAAAAAAAAAAAAAAAAAB/f38AAAAAA8zMzADAwP8Af39/AAAAAAAAAAAAAAAAAAAAAAAAAAAAIQAAABgAAAAUAAAAwRwAAGcHAAB1NQAAKBAAABAAAAAmAAAACAAAAD0gAAAAAAAA"/>
+                <pr:smNativeData xmlns:pr="smNativeData" xmlns="smNativeData" val="SMDATA_15_8sFZZRMAAAAlAAAAZAAAAA0AAAAAAAAAAAAAAAAAAAAAAAAAAAAAAAAAAAAAAAAAAAEAAABQAAAAAAAAAAAA4D8AAAAAAADgPwAAAAAAAOA/AAAAAAAA4D8AAAAAAADgPwAAAAAAAOA/AAAAAAAA4D8AAAAAAADgPwAAAAAAAOA/AAAAAAAA4D8CAAAAjAAAAAAAAAAAAAAA////AP///wgAAAAAAAAAAAAAAAAAAAAAAAAAAAAAAAAAAAAAeAAAAAEAAABAAAAAAAAAAAAAAABaAAAAAAAAAAAAAAAAAAAAAAAAAAAAAAAAAAAAAAAAAAAAAAAAAAAAAAAAAAAAAAAAAAAAAAAAAAAAAAAAAAAAAAAAAAAAAAAAAAAAFAAAADwAAAAAAAAAAAAAAAAAAAAPAAAAAQAAACMAAAAjAAAAIwAAAB4AAAAAAAAAZAAAAGQAAAAAAAAAZAAAAGQAAAAVAAAAYAAAAAAAAAAAAAAADwAAACADAAAAAAAAAAAAAAEAAACgMgAAVgcAAKr4//8BAAAAf39/AAEAAABkAAAAAAAAABQAAABAHwAAAAAAACYAAAAAAAAAwOD//wAAAAAmAAAAZAAAABYAAABMAAAAAAAAAAAAAAAEAAAAAAAAAAEAAADRSc4KAAAAACgAAAAoAAAAZAAAAGQAAAAAAAAAzMzMAAAAAABQAAAAUAAAAGQAAABkAAAAAAAAABcAAAAUAAAAAAAAAAAAAAD/fwAA/38AAAAAAAAJAAAABAAAAAAAAAAeAAAAaAAAAAAAAAAAAAAAAAAAAAAAAAAAAAAAECcAABAnAAAAAAAAAAAAAAAAAAAAAAAAAAAAAAAAAAAAAAAAAAAAABQAAAAAAAAAwMD/AAAAAABkAAAAMgAAAAAAAABkAAAAAAAAAH9/fwAKAAAAIgAAABgAAAAAAAAAAAAAAAAAAAAAAAAAAAAAAAAAAAAkAAAAJAAAAAAAAAAHAAAAAAAAAAAAAAAAAAAAAAAAAAAAAAAAAAAAf39/ACUAAABYAAAAAAAAAAAAAAAAAAAAAAAAAAAAAAAAAAAAAAAAAAAAAAAAAAAAAAAAAAAAAAA/AAAAAAAAAKCGAQAAAAAAAAAAAAAAAAAMAAAAAQAAAAAAAAAAAAAAAAAAAB8AAABUAAAA////AAAAAAEAAAAAAAAAAAAAAAAAAAAAAAAAAAAAAAAAAAAAAAAAAAAAAAB/f38AAAAAA8zMzADAwP8Af39/AAAAAAAAAAAAAAAAAAAAAAAAAAAAIQAAABgAAAAUAAAAwRwAAGcHAAB1NQAAKBAAABAAAAAmAAAACAAAAD0gAAAAAAAA"/>
               </a:ext>
             </a:extLst>
           </p:cNvSpPr>
@@ -13673,7 +13576,7 @@
             <a:spLocks noGrp="1" noChangeArrowheads="1"/>
             <a:extLst>
               <a:ext uri="smNativeData">
-                <pr:smNativeData xmlns:pr="smNativeData" xmlns="smNativeData" val="SMDATA_15_37BZZRMAAAAlAAAAZAAAAA0AAAAAAAAAAAAAAAAAAAAAAAAAAAAAAAAAAAAAAAAAAAEAAABQAAAAAAAAAAAA4D8AAAAAAADgPwAAAAAAAOA/AAAAAAAA4D8AAAAAAADgPwAAAAAAAOA/AAAAAAAA4D8AAAAAAADgPwAAAAAAAOA/AAAAAAAA4D8CAAAAjAAAAAAAAAAAAAAA////AP///wgAAAAAAAAAAAAAAAAAAAAAAAAAAAAAAAAAAAAAeAAAAAEAAABAAAAAAAAAAAAAAABaAAAAAAAAAAAAAAAAAAAAAAAAAAAAAAAAAAAAAAAAAAAAAAAAAAAAAAAAAAAAAAAAAAAAAAAAAAAAAAAAAAAAAAAAAAAAAAAAAAAAFAAAADwAAAAAAAAAAAAAAAAAAAAPAAAAAQAAACMAAAAjAAAAIwAAAB4AAAAAAAAAZAAAAGQAAAAAAAAAZAAAAGQAAAAVAAAAYAAAAAAAAAAAAAAADwAAACADAAAAAAAAAAAAAAEAAACgMgAAVgcAAKr4//8BAAAAf39/AAEAAABkAAAAAAAAABQAAABAHwAAAAAAACYAAAAAAAAAwOD//wAAAAAmAAAAZAAAABYAAABMAAAAAAAAAAAAAAAEAAAAAAAAAAEAAADRSc4KAAAAACgAAAAoAAAAZAAAAGQAAAAAAAAAzMzMAAAAAABQAAAAUAAAAGQAAABkAAAAAAAAABcAAAAUAAAAAAAAAAAAAAD/fwAA/38AAAAAAAAJAAAABAAAAAAAAAAeAAAAaAAAAAAAAAAAAAAAAAAAAAAAAAAAAAAAECcAABAnAAAAAAAAAAAAAAAAAAAAAAAAAAAAAAAAAAAAAAAAAAAAABQAAAAAAAAAwMD/AAAAAABkAAAAMgAAAAAAAABkAAAAAAAAAH9/fwAKAAAAIgAAABgAAAAAAAAAAAAAAAAAAAAAAAAAAAAAAAAAAAAkAAAAJAAAAAAAAAAHAAAAAAAAAAAAAAAAAAAAAAAAAAAAAAAAAAAAf39/ACUAAABYAAAAAAAAAAAAAAAAAAAAAAAAAAAAAAAAAAAAAAAAAAAAAAAAAAAAAAAAAAAAAAA/AAAAAAAAAKCGAQAAAAAAAAAAAAAAAAAMAAAAAQAAAAAAAAAAAAAAAAAAAB8AAABUAAAA////AAAAAAEAAAAAAAAAAAAAAAAAAAAAAAAAAAAAAAAAAAAAAAAAAAAAAAB/f38AAAAAA8zMzADAwP8Af39/AAAAAAAAAAAAAAAAAAAAAAAAAAAAIQAAABgAAAAUAAAA0AIAAP0QAABvNQAAvhkAABAAAAAmAAAACAAAAD0gAAAAAAAA"/>
+                <pr:smNativeData xmlns:pr="smNativeData" xmlns="smNativeData" val="SMDATA_15_8sFZZRMAAAAlAAAAZAAAAA0AAAAAAAAAAAAAAAAAAAAAAAAAAAAAAAAAAAAAAAAAAAEAAABQAAAAAAAAAAAA4D8AAAAAAADgPwAAAAAAAOA/AAAAAAAA4D8AAAAAAADgPwAAAAAAAOA/AAAAAAAA4D8AAAAAAADgPwAAAAAAAOA/AAAAAAAA4D8CAAAAjAAAAAAAAAAAAAAA////AP///wgAAAAAAAAAAAAAAAAAAAAAAAAAAAAAAAAAAAAAeAAAAAEAAABAAAAAAAAAAAAAAABaAAAAAAAAAAAAAAAAAAAAAAAAAAAAAAAAAAAAAAAAAAAAAAAAAAAAAAAAAAAAAAAAAAAAAAAAAAAAAAAAAAAAAAAAAAAAAAAAAAAAFAAAADwAAAAAAAAAAAAAAAAAAAAPAAAAAQAAACMAAAAjAAAAIwAAAB4AAAAAAAAAZAAAAGQAAAAAAAAAZAAAAGQAAAAVAAAAYAAAAAAAAAAAAAAADwAAACADAAAAAAAAAAAAAAEAAACgMgAAVgcAAKr4//8BAAAAf39/AAEAAABkAAAAAAAAABQAAABAHwAAAAAAACYAAAAAAAAAwOD//wAAAAAmAAAAZAAAABYAAABMAAAAAAAAAAAAAAAEAAAAAAAAAAEAAADRSc4KAAAAACgAAAAoAAAAZAAAAGQAAAAAAAAAzMzMAAAAAABQAAAAUAAAAGQAAABkAAAAAAAAABcAAAAUAAAAAAAAAAAAAAD/fwAA/38AAAAAAAAJAAAABAAAAAAAAAAeAAAAaAAAAAAAAAAAAAAAAAAAAAAAAAAAAAAAECcAABAnAAAAAAAAAAAAAAAAAAAAAAAAAAAAAAAAAAAAAAAAAAAAABQAAAAAAAAAwMD/AAAAAABkAAAAMgAAAAAAAABkAAAAAAAAAH9/fwAKAAAAIgAAABgAAAAAAAAAAAAAAAAAAAAAAAAAAAAAAAAAAAAkAAAAJAAAAAAAAAAHAAAAAAAAAAAAAAAAAAAAAAAAAAAAAAAAAAAAf39/ACUAAABYAAAAAAAAAAAAAAAAAAAAAAAAAAAAAAAAAAAAAAAAAAAAAAAAAAAAAAAAAAAAAAA/AAAAAAAAAKCGAQAAAAAAAAAAAAAAAAAMAAAAAQAAAAAAAAAAAAAAAAAAAB8AAABUAAAA////AAAAAAEAAAAAAAAAAAAAAAAAAAAAAAAAAAAAAAAAAAAAAAAAAAAAAAB/f38AAAAAA8zMzADAwP8Af39/AAAAAAAAAAAAAAAAAAAAAAAAAAAAIQAAABgAAAAUAAAA0AIAAP0QAABvNQAAvhkAABAAAAAmAAAACAAAAD0gAAAAAAAA"/>
               </a:ext>
             </a:extLst>
           </p:cNvSpPr>
@@ -13731,7 +13634,7 @@
             <a:spLocks noGrp="1" noChangeArrowheads="1"/>
             <a:extLst>
               <a:ext uri="smNativeData">
-                <pr:smNativeData xmlns:pr="smNativeData" xmlns="smNativeData" val="SMDATA_15_37BZZRMAAAAlAAAAZAAAAE0AAAAAAAAAAAAAAAAAAAAAAAAAAAAAAAABAAAAAAAAAAEAAABQAAAAAAAAAAAA4D8AAAAAAADgPwAAAAAAAOA/AAAAAAAA4D8AAAAAAADgPwAAAAAAAOA/AAAAAAAA4D8AAAAAAADgPwAAAAAAAOA/AAAAAAAA4D8CAAAAjAAAAAAAAAAAAAAA////AP///wgAAAAAAAAAAAAAAAAAAAAAAAAAAAAAAAAAAAAAeAAAAAEAAABAAAAAAAAAAAAAAABaAAAAAAAAAAAAAAAAAAAAAAAAAAAAAAAAAAAAAAAAAAAAAAAAAAAAAAAAAAAAAAAAAAAAAAAAAAAAAAAAAAAAAAAAAAAAAAAAAAAAFAAAADwAAAAAAAAAAAAAAAAAAAAPAAAAAQAAACMAAAAjAAAAIwAAAB4AAAAAAAAAZAAAAGQAAAAAAAAAZAAAAGQAAAAVAAAAYAAAAAAAAAAAAAAADwAAACADAAAAAAAAAAAAAAEAAACgMgAAVgcAAKr4//8BAAAAf39/AAEAAABkAAAAAAAAABQAAABAHwAAAAAAACYAAAAAAAAAwOD//wAAAAAmAAAAZAAAABYAAABMAAAAAAAAAAAAAAAEAAAAAAAAAAEAAADRSc4KAAAAACgAAAAoAAAAZAAAAGQAAAAAAAAAzMzMAAAAAABQAAAAUAAAAGQAAABkAAAAAAAAABcAAAAUAAAAAAAAAAAAAAD/fwAA/38AAAAAAAAJAAAABAAAAAAAAAAeAAAAaAAAAAAAAAAAAAAAAAAAAAAAAAAAAAAAECcAABAnAAAAAAAAAAAAAAAAAAAAAAAAAAAAAAAAAAAAAAAAAAAAABQAAAAAAAAAwMD/AAAAAABkAAAAMgAAAAAAAABkAAAAAAAAAH9/fwAKAAAAIgAAABgAAAAAAAAAAAAAAAAAAAAAAAAAAAAAAAAAAAAkAAAAJAAAAAAAAAAHAAAAAAAAAAAAAAAAAAAAAAAAAAAAAAAAAAAAf39/ACUAAABYAAAAAAAAAAAAAAAAAAAAAAAAAAAAAAAAAAAAAAAAAAAAAAAAAAAAAAAAAAAAAAA/AAAAAAAAAKCGAQAAAAAAAAAAAAAAAAAMAAAAAQAAAAAAAAAAAAAAAAAAAB8AAABUAAAA////AAAAAAEAAAAAAAAAAAAAAAAAAAAAAAAAAAAAAAAAAAAAAAAAAAAAAAB/f38AAAAAA8zMzADAwP8Af39/AAAAAAAAAAAAAAAAAAAAAAAAAAAAIQAAABgAAAAUAAAA0AIAAA8AAABvNQAAwAcAABAgAAAmAAAACAAAAD0gAAAAAAAA"/>
+                <pr:smNativeData xmlns:pr="smNativeData" xmlns="smNativeData" val="SMDATA_15_8sFZZRMAAAAlAAAAZAAAAE0AAAAAAAAAAAAAAAAAAAAAAAAAAAAAAAABAAAAAAAAAAEAAABQAAAAAAAAAAAA4D8AAAAAAADgPwAAAAAAAOA/AAAAAAAA4D8AAAAAAADgPwAAAAAAAOA/AAAAAAAA4D8AAAAAAADgPwAAAAAAAOA/AAAAAAAA4D8CAAAAjAAAAAAAAAAAAAAA////AP///wgAAAAAAAAAAAAAAAAAAAAAAAAAAAAAAAAAAAAAeAAAAAEAAABAAAAAAAAAAAAAAABaAAAAAAAAAAAAAAAAAAAAAAAAAAAAAAAAAAAAAAAAAAAAAAAAAAAAAAAAAAAAAAAAAAAAAAAAAAAAAAAAAAAAAAAAAAAAAAAAAAAAFAAAADwAAAAAAAAAAAAAAAAAAAAPAAAAAQAAACMAAAAjAAAAIwAAAB4AAAAAAAAAZAAAAGQAAAAAAAAAZAAAAGQAAAAVAAAAYAAAAAAAAAAAAAAADwAAACADAAAAAAAAAAAAAAEAAACgMgAAVgcAAKr4//8BAAAAf39/AAEAAABkAAAAAAAAABQAAABAHwAAAAAAACYAAAAAAAAAwOD//wAAAAAmAAAAZAAAABYAAABMAAAAAAAAAAAAAAAEAAAAAAAAAAEAAADRSc4KAAAAACgAAAAoAAAAZAAAAGQAAAAAAAAAzMzMAAAAAABQAAAAUAAAAGQAAABkAAAAAAAAABcAAAAUAAAAAAAAAAAAAAD/fwAA/38AAAAAAAAJAAAABAAAAAAAAAAeAAAAaAAAAAAAAAAAAAAAAAAAAAAAAAAAAAAAECcAABAnAAAAAAAAAAAAAAAAAAAAAAAAAAAAAAAAAAAAAAAAAAAAABQAAAAAAAAAwMD/AAAAAABkAAAAMgAAAAAAAABkAAAAAAAAAH9/fwAKAAAAIgAAABgAAAAAAAAAAAAAAAAAAAAAAAAAAAAAAAAAAAAkAAAAJAAAAAAAAAAHAAAAAAAAAAAAAAAAAAAAAAAAAAAAAAAAAAAAf39/ACUAAABYAAAAAAAAAAAAAAAAAAAAAAAAAAAAAAAAAAAAAAAAAAAAAAAAAAAAAAAAAAAAAAA/AAAAAAAAAKCGAQAAAAAAAAAAAAAAAAAMAAAAAQAAAAAAAAAAAAAAAAAAAB8AAABUAAAA////AAAAAAEAAAAAAAAAAAAAAAAAAAAAAAAAAAAAAAAAAAAAAAAAAAAAAAB/f38AAAAAA8zMzADAwP8Af39/AAAAAAAAAAAAAAAAAAAAAAAAAAAAIQAAABgAAAAUAAAA0AIAAA8AAABvNQAAwAcAABAgAAAmAAAACAAAAD0gAAAAAAAA"/>
               </a:ext>
             </a:extLst>
           </p:cNvSpPr>
@@ -13764,7 +13667,7 @@
             <a:spLocks noGrp="1" noChangeArrowheads="1"/>
             <a:extLst>
               <a:ext uri="smNativeData">
-                <pr:smNativeData xmlns:pr="smNativeData" xmlns="smNativeData" val="SMDATA_15_37BZZRMAAAAlAAAAZAAAAA0AAAAAAAAAAAAAAAAAAAAAAAAAAAAAAAAAAAAAAAAAAAEAAABQAAAAAAAAAAAA4D8AAAAAAADgPwAAAAAAAOA/AAAAAAAA4D8AAAAAAADgPwAAAAAAAOA/AAAAAAAA4D8AAAAAAADgPwAAAAAAAOA/AAAAAAAA4D8CAAAAjAAAAAAAAAAAAAAA////AP///wgAAAAAAAAAAAAAAAAAAAAAAAAAAAAAAAAAAAAAeAAAAAEAAABAAAAAAAAAAAAAAABaAAAAAAAAAAAAAAAAAAAAAAAAAAAAAAAAAAAAAAAAAAAAAAAAAAAAAAAAAAAAAAAAAAAAAAAAAAAAAAAAAAAAAAAAAAAAAAAAAAAAFAAAADwAAAAAAAAAAAAAAAAAAAAPAAAAAQAAACMAAAAjAAAAIwAAAB4AAAAAAAAAZAAAAGQAAAAAAAAAZAAAAGQAAAAVAAAAYAAAAAAAAAAAAAAADwAAACADAAAAAAAAAAAAAAEAAACgMgAAVgcAAKr4//8BAAAAf39/AAEAAABkAAAAAAAAABQAAABAHwAAAAAAACYAAAAAAAAAwOD//wAAAAAmAAAAZAAAABYAAABMAAAAAAAAAAAAAAAEAAAAAAAAAAEAAADRSc4KAAAAACgAAAAoAAAAZAAAAGQAAAAAAAAAzMzMAAAAAABQAAAAUAAAAGQAAABkAAAAAAAAABcAAAAUAAAAAAAAAAAAAAD/fwAA/38AAAAAAAAJAAAABAAAAIAAAAAeAAAAaAAAAAAAAAAAAAAAAAAAAAAAAAAAAAAAECcAABAnAAAAAAAAAAAAAAAAAAAAAAAAAAAAAAAAAAAAAAAAAAAAABQAAAAAAAAAwMD/AAAAAABkAAAAMgAAAAAAAABkAAAAAAAAAH9/fwAKAAAAIgAAABgAAAAAAAAAAAAAAAAAAAAAAAAAAAAAAAAAAAAkAAAAJAAAAAAAAAAHAAAAAAAAAAAAAAAAAAAAAAAAAAAAAAAAAAAAf39/ACUAAABYAAAAAAAAAAAAAAAAAAAAAAAAAAAAAAAAAAAAAAAAAAAAAAAAAAAAAAAAAAAAAAA/AAAAAAAAAKCGAQAAAAAAAAAAAAAAAAAMAAAAAQAAAAAAAAAAAAAAAAAAAB8AAABUAAAA////AAAAAAEAAAAAAAAAAAAAAAAAAAAAAAAAAAAAAAAAAAAAAAAAAAAAAAB/f38AAAAAA8zMzADAwP8Af39/AAAAAAAAAAAAAAAAAAAAAAAAAAAAIQAAABgAAAAUAAAA0AIAAGcHAABvNQAAKBAAABAAAAAmAAAACAAAAD0gAAAAAAAA"/>
+                <pr:smNativeData xmlns:pr="smNativeData" xmlns="smNativeData" val="SMDATA_15_8sFZZRMAAAAlAAAAZAAAAA0AAAAAAAAAAAAAAAAAAAAAAAAAAAAAAAAAAAAAAAAAAAEAAABQAAAAAAAAAAAA4D8AAAAAAADgPwAAAAAAAOA/AAAAAAAA4D8AAAAAAADgPwAAAAAAAOA/AAAAAAAA4D8AAAAAAADgPwAAAAAAAOA/AAAAAAAA4D8CAAAAjAAAAAAAAAAAAAAA////AP///wgAAAAAAAAAAAAAAAAAAAAAAAAAAAAAAAAAAAAAeAAAAAEAAABAAAAAAAAAAAAAAABaAAAAAAAAAAAAAAAAAAAAAAAAAAAAAAAAAAAAAAAAAAAAAAAAAAAAAAAAAAAAAAAAAAAAAAAAAAAAAAAAAAAAAAAAAAAAAAAAAAAAFAAAADwAAAAAAAAAAAAAAAAAAAAPAAAAAQAAACMAAAAjAAAAIwAAAB4AAAAAAAAAZAAAAGQAAAAAAAAAZAAAAGQAAAAVAAAAYAAAAAAAAAAAAAAADwAAACADAAAAAAAAAAAAAAEAAACgMgAAVgcAAKr4//8BAAAAf39/AAEAAABkAAAAAAAAABQAAABAHwAAAAAAACYAAAAAAAAAwOD//wAAAAAmAAAAZAAAABYAAABMAAAAAAAAAAAAAAAEAAAAAAAAAAEAAADRSc4KAAAAACgAAAAoAAAAZAAAAGQAAAAAAAAAzMzMAAAAAABQAAAAUAAAAGQAAABkAAAAAAAAABcAAAAUAAAAAAAAAAAAAAD/fwAA/38AAAAAAAAJAAAABAAAAAAAAAAeAAAAaAAAAAAAAAAAAAAAAAAAAAAAAAAAAAAAECcAABAnAAAAAAAAAAAAAAAAAAAAAAAAAAAAAAAAAAAAAAAAAAAAABQAAAAAAAAAwMD/AAAAAABkAAAAMgAAAAAAAABkAAAAAAAAAH9/fwAKAAAAIgAAABgAAAAAAAAAAAAAAAAAAAAAAAAAAAAAAAAAAAAkAAAAJAAAAAAAAAAHAAAAAAAAAAAAAAAAAAAAAAAAAAAAAAAAAAAAf39/ACUAAABYAAAAAAAAAAAAAAAAAAAAAAAAAAAAAAAAAAAAAAAAAAAAAAAAAAAAAAAAAAAAAAA/AAAAAAAAAKCGAQAAAAAAAAAAAAAAAAAMAAAAAQAAAAAAAAAAAAAAAAAAAB8AAABUAAAA////AAAAAAEAAAAAAAAAAAAAAAAAAAAAAAAAAAAAAAAAAAAAAAAAAAAAAAB/f38AAAAAA8zMzADAwP8Af39/AAAAAAAAAAAAAAAAAAAAAAAAAAAAIQAAABgAAAAUAAAA0AIAAGcHAABvNQAAKBAAABAAAAAmAAAACAAAAD0gAAAAAAAA"/>
               </a:ext>
             </a:extLst>
           </p:cNvSpPr>
@@ -13797,7 +13700,7 @@
             <a:spLocks noGrp="1" noChangeArrowheads="1"/>
             <a:extLst>
               <a:ext uri="smNativeData">
-                <pr:smNativeData xmlns:pr="smNativeData" xmlns="smNativeData" val="SMDATA_15_37BZZRMAAAAlAAAAZAAAAA0AAAAAAAAAAAAAAAAAAAAAAAAAAAAAAAAAAAAAAAAAAAEAAABQAAAAAAAAAAAA4D8AAAAAAADgPwAAAAAAAOA/AAAAAAAA4D8AAAAAAADgPwAAAAAAAOA/AAAAAAAA4D8AAAAAAADgPwAAAAAAAOA/AAAAAAAA4D8CAAAAjAAAAAAAAAAAAAAA////AP///wgAAAAAAAAAAAAAAAAAAAAAAAAAAAAAAAAAAAAAeAAAAAEAAABAAAAAAAAAAAAAAABaAAAAAAAAAAAAAAAAAAAAAAAAAAAAAAAAAAAAAAAAAAAAAAAAAAAAAAAAAAAAAAAAAAAAAAAAAAAAAAAAAAAAAAAAAAAAAAAAAAAAFAAAADwAAAAAAAAAAAAAAAAAAAAPAAAAAQAAACMAAAAjAAAAIwAAAB4AAAAAAAAAZAAAAGQAAAAAAAAAZAAAAGQAAAAVAAAAYAAAAAAAAAAAAAAADwAAACADAAAAAAAAAAAAAAEAAACgMgAAVgcAAKr4//8BAAAAf39/AAEAAABkAAAAAAAAABQAAABAHwAAAAAAACYAAAAAAAAAwOD//wAAAAAmAAAAZAAAABYAAABMAAAAAAAAAAAAAAAEAAAAAAAAAAEAAADRSc4KAAAAACgAAAAoAAAAZAAAAGQAAAAAAAAAzMzMAAAAAABQAAAAUAAAAGQAAABkAAAAAAAAABcAAAAUAAAAAAAAAAAAAAD/fwAA/38AAAAAAAAJAAAABAAAAAAAAAAeAAAAaAAAAAAAAAAAAAAAAAAAAAAAAAAAAAAAECcAABAnAAAAAAAAAAAAAAAAAAAAAAAAAAAAAAAAAAAAAAAAAAAAABQAAAAAAAAAwMD/AAAAAABkAAAAMgAAAAAAAABkAAAAAAAAAH9/fwAKAAAAIgAAABgAAAAAAAAAAAAAAAAAAAAAAAAAAAAAAAAAAAAkAAAAJAAAAAAAAAAHAAAAAAAAAAAAAAAAAAAAAAAAAAAAAAAAAAAAf39/ACUAAABYAAAAAAAAAAAAAAAAAAAAAAAAAAAAAAAAAAAAAAAAAAAAAAAAAAAAAAAAAAAAAAA/AAAAAAAAAKCGAQAAAAAAAAAAAAAAAAAMAAAAAQAAAAAAAAAAAAAAAAAAAB8AAABUAAAA////AAAAAAEAAAAAAAAAAAAAAAAAAAAAAAAAAAAAAAAAAAAAAAAAAAAAAAB/f38AAAAAA8zMzADAwP8Af39/AAAAAAAAAAAAAAAAAAAAAAAAAAAAIQAAABgAAAAUAAAA0AIAAP0QAABvNQAAvhkAABAAAAAmAAAACAAAAD0gAAAAAAAA"/>
+                <pr:smNativeData xmlns:pr="smNativeData" xmlns="smNativeData" val="SMDATA_15_8sFZZRMAAAAlAAAAZAAAAA0AAAAAAAAAAAAAAAAAAAAAAAAAAAAAAAAAAAAAAAAAAAEAAABQAAAAAAAAAAAA4D8AAAAAAADgPwAAAAAAAOA/AAAAAAAA4D8AAAAAAADgPwAAAAAAAOA/AAAAAAAA4D8AAAAAAADgPwAAAAAAAOA/AAAAAAAA4D8CAAAAjAAAAAAAAAAAAAAA////AP///wgAAAAAAAAAAAAAAAAAAAAAAAAAAAAAAAAAAAAAeAAAAAEAAABAAAAAAAAAAAAAAABaAAAAAAAAAAAAAAAAAAAAAAAAAAAAAAAAAAAAAAAAAAAAAAAAAAAAAAAAAAAAAAAAAAAAAAAAAAAAAAAAAAAAAAAAAAAAAAAAAAAAFAAAADwAAAAAAAAAAAAAAAAAAAAPAAAAAQAAACMAAAAjAAAAIwAAAB4AAAAAAAAAZAAAAGQAAAAAAAAAZAAAAGQAAAAVAAAAYAAAAAAAAAAAAAAADwAAACADAAAAAAAAAAAAAAEAAACgMgAAVgcAAKr4//8BAAAAf39/AAEAAABkAAAAAAAAABQAAABAHwAAAAAAACYAAAAAAAAAwOD//wAAAAAmAAAAZAAAABYAAABMAAAAAAAAAAAAAAAEAAAAAAAAAAEAAADRSc4KAAAAACgAAAAoAAAAZAAAAGQAAAAAAAAAzMzMAAAAAABQAAAAUAAAAGQAAABkAAAAAAAAABcAAAAUAAAAAAAAAAAAAAD/fwAA/38AAAAAAAAJAAAABAAAAAAAAAAeAAAAaAAAAAAAAAAAAAAAAAAAAAAAAAAAAAAAECcAABAnAAAAAAAAAAAAAAAAAAAAAAAAAAAAAAAAAAAAAAAAAAAAABQAAAAAAAAAwMD/AAAAAABkAAAAMgAAAAAAAABkAAAAAAAAAH9/fwAKAAAAIgAAABgAAAAAAAAAAAAAAAAAAAAAAAAAAAAAAAAAAAAkAAAAJAAAAAAAAAAHAAAAAAAAAAAAAAAAAAAAAAAAAAAAAAAAAAAAf39/ACUAAABYAAAAAAAAAAAAAAAAAAAAAAAAAAAAAAAAAAAAAAAAAAAAAAAAAAAAAAAAAAAAAAA/AAAAAAAAAKCGAQAAAAAAAAAAAAAAAAAMAAAAAQAAAAAAAAAAAAAAAAAAAB8AAABUAAAA////AAAAAAEAAAAAAAAAAAAAAAAAAAAAAAAAAAAAAAAAAAAAAAAAAAAAAAB/f38AAAAAA8zMzADAwP8Af39/AAAAAAAAAAAAAAAAAAAAAAAAAAAAIQAAABgAAAAUAAAA0AIAAP0QAABvNQAAvhkAABAAAAAmAAAACAAAAD0gAAAAAAAA"/>
               </a:ext>
             </a:extLst>
           </p:cNvSpPr>
@@ -13855,7 +13758,7 @@
             <a:spLocks noGrp="1" noChangeArrowheads="1"/>
             <a:extLst>
               <a:ext uri="smNativeData">
-                <pr:smNativeData xmlns:pr="smNativeData" xmlns="smNativeData" val="SMDATA_15_37BZZRMAAAAlAAAAZAAAAE0AAAAAAAAAAAAAAAAAAAAAAAAAAAAAAAABAAAAAAAAAAEAAABQAAAAAAAAAAAA4D8AAAAAAADgPwAAAAAAAOA/AAAAAAAA4D8AAAAAAADgPwAAAAAAAOA/AAAAAAAA4D8AAAAAAADgPwAAAAAAAOA/AAAAAAAA4D8CAAAAjAAAAAAAAAAAAAAA////AP///wgAAAAAAAAAAAAAAAAAAAAAAAAAAAAAAAAAAAAAeAAAAAEAAABAAAAAAAAAAAAAAABaAAAAAAAAAAAAAAAAAAAAAAAAAAAAAAAAAAAAAAAAAAAAAAAAAAAAAAAAAAAAAAAAAAAAAAAAAAAAAAAAAAAAAAAAAAAAAAAAAAAAFAAAADwAAAAAAAAAAAAAAAAAAAAPAAAAAQAAACMAAAAjAAAAIwAAAB4AAAAAAAAAZAAAAGQAAAAAAAAAZAAAAGQAAAAVAAAAYAAAAAAAAAAAAAAADwAAACADAAAAAAAAAAAAAAEAAACgMgAAVgcAAKr4//8BAAAAf39/AAEAAABkAAAAAAAAABQAAABAHwAAAAAAACYAAAAAAAAAwOD//wAAAAAmAAAAZAAAABYAAABMAAAAAAAAAAAAAAAEAAAAAAAAAAEAAADRSc4KAAAAACgAAAAoAAAAZAAAAGQAAAAAAAAAzMzMAAAAAABQAAAAUAAAAGQAAABkAAAAAAAAABcAAAAUAAAAAAAAAAAAAAD/fwAA/38AAAAAAAAJAAAABAAAAAAAAAAeAAAAaAAAAAAAAAAAAAAAAAAAAAAAAAAAAAAAECcAABAnAAAAAAAAAAAAAAAAAAAAAAAAAAAAAAAAAAAAAAAAAAAAABQAAAAAAAAAwMD/AAAAAABkAAAAMgAAAAAAAABkAAAAAAAAAH9/fwAKAAAAIgAAABgAAAAAAAAAAAAAAAAAAAAAAAAAAAAAAAAAAAAkAAAAJAAAAAAAAAAHAAAAAAAAAAAAAAAAAAAAAAAAAAAAAAAAAAAAf39/ACUAAABYAAAAAAAAAAAAAAAAAAAAAAAAAAAAAAAAAAAAAAAAAAAAAAAAAAAAAAAAAAAAAAA/AAAAAAAAAKCGAQAAAAAAAAAAAAAAAAAMAAAAAQAAAAAAAAAAAAAAAAAAAB8AAABUAAAA////AAAAAAEAAAAAAAAAAAAAAAAAAAAAAAAAAAAAAAAAAAAAAAAAAAAAAAB/f38AAAAAA8zMzADAwP8Af39/AAAAAAAAAAAAAAAAAAAAAAAAAAAAIQAAABgAAAAUAAAA0AIAAA8AAABvNQAAwAcAABAgAAAmAAAACAAAAD0gAAAAAAAA"/>
+                <pr:smNativeData xmlns:pr="smNativeData" xmlns="smNativeData" val="SMDATA_15_8sFZZRMAAAAlAAAAZAAAAE0AAAAAAAAAAAAAAAAAAAAAAAAAAAAAAAABAAAAAAAAAAEAAABQAAAAAAAAAAAA4D8AAAAAAADgPwAAAAAAAOA/AAAAAAAA4D8AAAAAAADgPwAAAAAAAOA/AAAAAAAA4D8AAAAAAADgPwAAAAAAAOA/AAAAAAAA4D8CAAAAjAAAAAAAAAAAAAAA////AP///wgAAAAAAAAAAAAAAAAAAAAAAAAAAAAAAAAAAAAAeAAAAAEAAABAAAAAAAAAAAAAAABaAAAAAAAAAAAAAAAAAAAAAAAAAAAAAAAAAAAAAAAAAAAAAAAAAAAAAAAAAAAAAAAAAAAAAAAAAAAAAAAAAAAAAAAAAAAAAAAAAAAAFAAAADwAAAAAAAAAAAAAAAAAAAAPAAAAAQAAACMAAAAjAAAAIwAAAB4AAAAAAAAAZAAAAGQAAAAAAAAAZAAAAGQAAAAVAAAAYAAAAAAAAAAAAAAADwAAACADAAAAAAAAAAAAAAEAAACgMgAAVgcAAKr4//8BAAAAf39/AAEAAABkAAAAAAAAABQAAABAHwAAAAAAACYAAAAAAAAAwOD//wAAAAAmAAAAZAAAABYAAABMAAAAAAAAAAAAAAAEAAAAAAAAAAEAAADRSc4KAAAAACgAAAAoAAAAZAAAAGQAAAAAAAAAzMzMAAAAAABQAAAAUAAAAGQAAABkAAAAAAAAABcAAAAUAAAAAAAAAAAAAAD/fwAA/38AAAAAAAAJAAAABAAAAAAAAAAeAAAAaAAAAAAAAAAAAAAAAAAAAAAAAAAAAAAAECcAABAnAAAAAAAAAAAAAAAAAAAAAAAAAAAAAAAAAAAAAAAAAAAAABQAAAAAAAAAwMD/AAAAAABkAAAAMgAAAAAAAABkAAAAAAAAAH9/fwAKAAAAIgAAABgAAAAAAAAAAAAAAAAAAAAAAAAAAAAAAAAAAAAkAAAAJAAAAAAAAAAHAAAAAAAAAAAAAAAAAAAAAAAAAAAAAAAAAAAAf39/ACUAAABYAAAAAAAAAAAAAAAAAAAAAAAAAAAAAAAAAAAAAAAAAAAAAAAAAAAAAAAAAAAAAAA/AAAAAAAAAKCGAQAAAAAAAAAAAAAAAAAMAAAAAQAAAAAAAAAAAAAAAAAAAB8AAABUAAAA////AAAAAAEAAAAAAAAAAAAAAAAAAAAAAAAAAAAAAAAAAAAAAAAAAAAAAAB/f38AAAAAA8zMzADAwP8Af39/AAAAAAAAAAAAAAAAAAAAAAAAAAAAIQAAABgAAAAUAAAA0AIAAA8AAABvNQAAwAcAABAgAAAmAAAACAAAAD0gAAAAAAAA"/>
               </a:ext>
             </a:extLst>
           </p:cNvSpPr>
@@ -13888,7 +13791,7 @@
             <a:spLocks noGrp="1" noChangeArrowheads="1"/>
             <a:extLst>
               <a:ext uri="smNativeData">
-                <pr:smNativeData xmlns:pr="smNativeData" xmlns="smNativeData" val="SMDATA_15_37BZZRMAAAAlAAAAZAAAAA0AAAAAAAAAAAAAAAAAAAAAAAAAAAAAAAAAAAAAAAAAAAEAAABQAAAAAAAAAAAA4D8AAAAAAADgPwAAAAAAAOA/AAAAAAAA4D8AAAAAAADgPwAAAAAAAOA/AAAAAAAA4D8AAAAAAADgPwAAAAAAAOA/AAAAAAAA4D8CAAAAjAAAAAAAAAAAAAAA////AP///wgAAAAAAAAAAAAAAAAAAAAAAAAAAAAAAAAAAAAAeAAAAAEAAABAAAAAAAAAAAAAAABaAAAAAAAAAAAAAAAAAAAAAAAAAAAAAAAAAAAAAAAAAAAAAAAAAAAAAAAAAAAAAAAAAAAAAAAAAAAAAAAAAAAAAAAAAAAAAAAAAAAAFAAAADwAAAAAAAAAAAAAAAAAAAAPAAAAAQAAACMAAAAjAAAAIwAAAB4AAAAAAAAAZAAAAGQAAAAAAAAAZAAAAGQAAAAVAAAAYAAAAAAAAAAAAAAADwAAACADAAAAAAAAAAAAAAEAAACgMgAAVgcAAKr4//8BAAAAf39/AAEAAABkAAAAAAAAABQAAABAHwAAAAAAACYAAAAAAAAAwOD//wAAAAAmAAAAZAAAABYAAABMAAAAAAAAAAAAAAAEAAAAAAAAAAEAAADRSc4KAAAAACgAAAAoAAAAZAAAAGQAAAAAAAAAzMzMAAAAAABQAAAAUAAAAGQAAABkAAAAAAAAABcAAAAUAAAAAAAAAAAAAAD/fwAA/38AAAAAAAAJAAAABAAAAAAAAAAeAAAAaAAAAAAAAAAAAAAAAAAAAAAAAAAAAAAAECcAABAnAAAAAAAAAAAAAAAAAAAAAAAAAAAAAAAAAAAAAAAAAAAAABQAAAAAAAAAwMD/AAAAAABkAAAAMgAAAAAAAABkAAAAAAAAAH9/fwAKAAAAIgAAABgAAAAAAAAAAAAAAAAAAAAAAAAAAAAAAAAAAAAkAAAAJAAAAAAAAAAHAAAAAAAAAAAAAAAAAAAAAAAAAAAAAAAAAAAAf39/ACUAAABYAAAAAAAAAAAAAAAAAAAAAAAAAAAAAAAAAAAAAAAAAAAAAAAAAAAAAAAAAAAAAAA/AAAAAAAAAKCGAQAAAAAAAAAAAAAAAAAMAAAAAQAAAAAAAAAAAAAAAAAAAB8AAABUAAAA////AAAAAAEAAAAAAAAAAAAAAAAAAAAAAAAAAAAAAAAAAAAAAAAAAAAAAAB/f38AAAAAA8zMzADAwP8Af39/AAAAAAAAAAAAAAAAAAAAAAAAAAAAIQAAABgAAAAUAAAA0AIAAGcHAACEGwAAKBAAABAAAAAmAAAACAAAAD0gAAAAAAAA"/>
+                <pr:smNativeData xmlns:pr="smNativeData" xmlns="smNativeData" val="SMDATA_15_8sFZZRMAAAAlAAAAZAAAAA0AAAAAAAAAAAAAAAAAAAAAAAAAAAAAAAAAAAAAAAAAAAEAAABQAAAAAAAAAAAA4D8AAAAAAADgPwAAAAAAAOA/AAAAAAAA4D8AAAAAAADgPwAAAAAAAOA/AAAAAAAA4D8AAAAAAADgPwAAAAAAAOA/AAAAAAAA4D8CAAAAjAAAAAAAAAAAAAAA////AP///wgAAAAAAAAAAAAAAAAAAAAAAAAAAAAAAAAAAAAAeAAAAAEAAABAAAAAAAAAAAAAAABaAAAAAAAAAAAAAAAAAAAAAAAAAAAAAAAAAAAAAAAAAAAAAAAAAAAAAAAAAAAAAAAAAAAAAAAAAAAAAAAAAAAAAAAAAAAAAAAAAAAAFAAAADwAAAAAAAAAAAAAAAAAAAAPAAAAAQAAACMAAAAjAAAAIwAAAB4AAAAAAAAAZAAAAGQAAAAAAAAAZAAAAGQAAAAVAAAAYAAAAAAAAAAAAAAADwAAACADAAAAAAAAAAAAAAEAAACgMgAAVgcAAKr4//8BAAAAf39/AAEAAABkAAAAAAAAABQAAABAHwAAAAAAACYAAAAAAAAAwOD//wAAAAAmAAAAZAAAABYAAABMAAAAAAAAAAAAAAAEAAAAAAAAAAEAAADRSc4KAAAAACgAAAAoAAAAZAAAAGQAAAAAAAAAzMzMAAAAAABQAAAAUAAAAGQAAABkAAAAAAAAABcAAAAUAAAAAAAAAAAAAAD/fwAA/38AAAAAAAAJAAAABAAAAAAAAAAeAAAAaAAAAAAAAAAAAAAAAAAAAAAAAAAAAAAAECcAABAnAAAAAAAAAAAAAAAAAAAAAAAAAAAAAAAAAAAAAAAAAAAAABQAAAAAAAAAwMD/AAAAAABkAAAAMgAAAAAAAABkAAAAAAAAAH9/fwAKAAAAIgAAABgAAAAAAAAAAAAAAAAAAAAAAAAAAAAAAAAAAAAkAAAAJAAAAAAAAAAHAAAAAAAAAAAAAAAAAAAAAAAAAAAAAAAAAAAAf39/ACUAAABYAAAAAAAAAAAAAAAAAAAAAAAAAAAAAAAAAAAAAAAAAAAAAAAAAAAAAAAAAAAAAAA/AAAAAAAAAKCGAQAAAAAAAAAAAAAAAAAMAAAAAQAAAAAAAAAAAAAAAAAAAB8AAABUAAAA////AAAAAAEAAAAAAAAAAAAAAAAAAAAAAAAAAAAAAAAAAAAAAAAAAAAAAAB/f38AAAAAA8zMzADAwP8Af39/AAAAAAAAAAAAAAAAAAAAAAAAAAAAIQAAABgAAAAUAAAA0AIAAGcHAACEGwAAKBAAABAAAAAmAAAACAAAAD0gAAAAAAAA"/>
               </a:ext>
             </a:extLst>
           </p:cNvSpPr>
@@ -13921,7 +13824,7 @@
             <a:spLocks noGrp="1" noChangeArrowheads="1"/>
             <a:extLst>
               <a:ext uri="smNativeData">
-                <pr:smNativeData xmlns:pr="smNativeData" xmlns="smNativeData" val="SMDATA_15_37BZZRMAAAAlAAAAZAAAAA0AAAAAAAAAAAAAAAAAAAAAAAAAAAAAAAAAAAAAAAAAAAEAAABQAAAAAAAAAAAA4D8AAAAAAADgPwAAAAAAAOA/AAAAAAAA4D8AAAAAAADgPwAAAAAAAOA/AAAAAAAA4D8AAAAAAADgPwAAAAAAAOA/AAAAAAAA4D8CAAAAjAAAAAAAAAAAAAAA////AP///wgAAAAAAAAAAAAAAAAAAAAAAAAAAAAAAAAAAAAAeAAAAAEAAABAAAAAAAAAAAAAAABaAAAAAAAAAAAAAAAAAAAAAAAAAAAAAAAAAAAAAAAAAAAAAAAAAAAAAAAAAAAAAAAAAAAAAAAAAAAAAAAAAAAAAAAAAAAAAAAAAAAAFAAAADwAAAAAAAAAAAAAAAAAAAAPAAAAAQAAACMAAAAjAAAAIwAAAB4AAAAAAAAAZAAAAGQAAAAAAAAAZAAAAGQAAAAVAAAAYAAAAAAAAAAAAAAADwAAACADAAAAAAAAAAAAAAEAAACgMgAAVgcAAKr4//8BAAAAf39/AAEAAABkAAAAAAAAABQAAABAHwAAAAAAACYAAAAAAAAAwOD//wAAAAAmAAAAZAAAABYAAABMAAAAAAAAAAAAAAAEAAAAAAAAAAEAAADRSc4KAAAAACgAAAAoAAAAZAAAAGQAAAAAAAAAzMzMAAAAAABQAAAAUAAAAGQAAABkAAAAAAAAABcAAAAUAAAAAAAAAAAAAAD/fwAA/38AAAAAAAAJAAAABAAAALsAAAAeAAAAaAAAAAAAAAAAAAAAAAAAAAAAAAAAAAAAECcAABAnAAAAAAAAAAAAAAAAAAAAAAAAAAAAAAAAAAAAAAAAAAAAABQAAAAAAAAAwMD/AAAAAABkAAAAMgAAAAAAAABkAAAAAAAAAH9/fwAKAAAAIgAAABgAAAAAAAAAAAAAAAAAAAAAAAAAAAAAAAAAAAAkAAAAJAAAAAAAAAAHAAAAAAAAAAAAAAAAAAAAAAAAAAAAAAAAAAAAf39/ACUAAABYAAAAAAAAAAAAAAAAAAAAAAAAAAAAAAAAAAAAAAAAAAAAAAAAAAAAAAAAAAAAAAA/AAAAAAAAAKCGAQAAAAAAAAAAAAAAAAAMAAAAAQAAAAAAAAAAAAAAAAAAAB8AAABUAAAA////AAAAAAEAAAAAAAAAAAAAAAAAAAAAAAAAAAAAAAAAAAAAAAAAAAAAAAB/f38AAAAAA8zMzADAwP8Af39/AAAAAAAAAAAAAAAAAAAAAAAAAAAAIQAAABgAAAAUAAAAwRwAAGcHAAB1NQAAKBAAABAAAAAmAAAACAAAAD0gAAAAAAAA"/>
+                <pr:smNativeData xmlns:pr="smNativeData" xmlns="smNativeData" val="SMDATA_15_8sFZZRMAAAAlAAAAZAAAAA0AAAAAAAAAAAAAAAAAAAAAAAAAAAAAAAAAAAAAAAAAAAEAAABQAAAAAAAAAAAA4D8AAAAAAADgPwAAAAAAAOA/AAAAAAAA4D8AAAAAAADgPwAAAAAAAOA/AAAAAAAA4D8AAAAAAADgPwAAAAAAAOA/AAAAAAAA4D8CAAAAjAAAAAAAAAAAAAAA////AP///wgAAAAAAAAAAAAAAAAAAAAAAAAAAAAAAAAAAAAAeAAAAAEAAABAAAAAAAAAAAAAAABaAAAAAAAAAAAAAAAAAAAAAAAAAAAAAAAAAAAAAAAAAAAAAAAAAAAAAAAAAAAAAAAAAAAAAAAAAAAAAAAAAAAAAAAAAAAAAAAAAAAAFAAAADwAAAAAAAAAAAAAAAAAAAAPAAAAAQAAACMAAAAjAAAAIwAAAB4AAAAAAAAAZAAAAGQAAAAAAAAAZAAAAGQAAAAVAAAAYAAAAAAAAAAAAAAADwAAACADAAAAAAAAAAAAAAEAAACgMgAAVgcAAKr4//8BAAAAf39/AAEAAABkAAAAAAAAABQAAABAHwAAAAAAACYAAAAAAAAAwOD//wAAAAAmAAAAZAAAABYAAABMAAAAAAAAAAAAAAAEAAAAAAAAAAEAAADRSc4KAAAAACgAAAAoAAAAZAAAAGQAAAAAAAAAzMzMAAAAAABQAAAAUAAAAGQAAABkAAAAAAAAABcAAAAUAAAAAAAAAAAAAAD/fwAA/38AAAAAAAAJAAAABAAAAAAAAAAeAAAAaAAAAAAAAAAAAAAAAAAAAAAAAAAAAAAAECcAABAnAAAAAAAAAAAAAAAAAAAAAAAAAAAAAAAAAAAAAAAAAAAAABQAAAAAAAAAwMD/AAAAAABkAAAAMgAAAAAAAABkAAAAAAAAAH9/fwAKAAAAIgAAABgAAAAAAAAAAAAAAAAAAAAAAAAAAAAAAAAAAAAkAAAAJAAAAAAAAAAHAAAAAAAAAAAAAAAAAAAAAAAAAAAAAAAAAAAAf39/ACUAAABYAAAAAAAAAAAAAAAAAAAAAAAAAAAAAAAAAAAAAAAAAAAAAAAAAAAAAAAAAAAAAAA/AAAAAAAAAKCGAQAAAAAAAAAAAAAAAAAMAAAAAQAAAAAAAAAAAAAAAAAAAB8AAABUAAAA////AAAAAAEAAAAAAAAAAAAAAAAAAAAAAAAAAAAAAAAAAAAAAAAAAAAAAAB/f38AAAAAA8zMzADAwP8Af39/AAAAAAAAAAAAAAAAAAAAAAAAAAAAIQAAABgAAAAUAAAAwRwAAGcHAAB1NQAAKBAAABAAAAAmAAAACAAAAD0gAAAAAAAA"/>
               </a:ext>
             </a:extLst>
           </p:cNvSpPr>
@@ -13954,7 +13857,7 @@
             <a:spLocks noGrp="1" noChangeArrowheads="1"/>
             <a:extLst>
               <a:ext uri="smNativeData">
-                <pr:smNativeData xmlns:pr="smNativeData" xmlns="smNativeData" val="SMDATA_15_37BZZRMAAAAlAAAAZAAAAA0AAAAAAAAAAAAAAAAAAAAAAAAAAAAAAAAAAAAAAAAAAAEAAABQAAAAAAAAAAAA4D8AAAAAAADgPwAAAAAAAOA/AAAAAAAA4D8AAAAAAADgPwAAAAAAAOA/AAAAAAAA4D8AAAAAAADgPwAAAAAAAOA/AAAAAAAA4D8CAAAAjAAAAAAAAAAAAAAA////AP///wgAAAAAAAAAAAAAAAAAAAAAAAAAAAAAAAAAAAAAeAAAAAEAAABAAAAAAAAAAAAAAABaAAAAAAAAAAAAAAAAAAAAAAAAAAAAAAAAAAAAAAAAAAAAAAAAAAAAAAAAAAAAAAAAAAAAAAAAAAAAAAAAAAAAAAAAAAAAAAAAAAAAFAAAADwAAAAAAAAAAAAAAAAAAAAPAAAAAQAAACMAAAAjAAAAIwAAAB4AAAAAAAAAZAAAAGQAAAAAAAAAZAAAAGQAAAAVAAAAYAAAAAAAAAAAAAAADwAAACADAAAAAAAAAAAAAAEAAACgMgAAVgcAAKr4//8BAAAAf39/AAEAAABkAAAAAAAAABQAAABAHwAAAAAAACYAAAAAAAAAwOD//wAAAAAmAAAAZAAAABYAAABMAAAAAAAAAAAAAAAEAAAAAAAAAAEAAADRSc4KAAAAACgAAAAoAAAAZAAAAGQAAAAAAAAAzMzMAAAAAABQAAAAUAAAAGQAAABkAAAAAAAAABcAAAAUAAAAAAAAAAAAAAD/fwAA/38AAAAAAAAJAAAABAAAAAAAAAAeAAAAaAAAAAAAAAAAAAAAAAAAAAAAAAAAAAAAECcAABAnAAAAAAAAAAAAAAAAAAAAAAAAAAAAAAAAAAAAAAAAAAAAABQAAAAAAAAAwMD/AAAAAABkAAAAMgAAAAAAAABkAAAAAAAAAH9/fwAKAAAAIgAAABgAAAAAAAAAAAAAAAAAAAAAAAAAAAAAAAAAAAAkAAAAJAAAAAAAAAAHAAAAAAAAAAAAAAAAAAAAAAAAAAAAAAAAAAAAf39/ACUAAABYAAAAAAAAAAAAAAAAAAAAAAAAAAAAAAAAAAAAAAAAAAAAAAAAAAAAAAAAAAAAAAA/AAAAAAAAAKCGAQAAAAAAAAAAAAAAAAAMAAAAAQAAAAAAAAAAAAAAAAAAAB8AAABUAAAA////AAAAAAEAAAAAAAAAAAAAAAAAAAAAAAAAAAAAAAAAAAAAAAAAAAAAAAB/f38AAAAAA8zMzADAwP8Af39/AAAAAAAAAAAAAAAAAAAAAAAAAAAAIQAAABgAAAAUAAAA0AIAAP0QAACEGwAAvhkAABAAAAAmAAAACAAAAD0gAAAAAAAA"/>
+                <pr:smNativeData xmlns:pr="smNativeData" xmlns="smNativeData" val="SMDATA_15_8sFZZRMAAAAlAAAAZAAAAA0AAAAAAAAAAAAAAAAAAAAAAAAAAAAAAAAAAAAAAAAAAAEAAABQAAAAAAAAAAAA4D8AAAAAAADgPwAAAAAAAOA/AAAAAAAA4D8AAAAAAADgPwAAAAAAAOA/AAAAAAAA4D8AAAAAAADgPwAAAAAAAOA/AAAAAAAA4D8CAAAAjAAAAAAAAAAAAAAA////AP///wgAAAAAAAAAAAAAAAAAAAAAAAAAAAAAAAAAAAAAeAAAAAEAAABAAAAAAAAAAAAAAABaAAAAAAAAAAAAAAAAAAAAAAAAAAAAAAAAAAAAAAAAAAAAAAAAAAAAAAAAAAAAAAAAAAAAAAAAAAAAAAAAAAAAAAAAAAAAAAAAAAAAFAAAADwAAAAAAAAAAAAAAAAAAAAPAAAAAQAAACMAAAAjAAAAIwAAAB4AAAAAAAAAZAAAAGQAAAAAAAAAZAAAAGQAAAAVAAAAYAAAAAAAAAAAAAAADwAAACADAAAAAAAAAAAAAAEAAACgMgAAVgcAAKr4//8BAAAAf39/AAEAAABkAAAAAAAAABQAAABAHwAAAAAAACYAAAAAAAAAwOD//wAAAAAmAAAAZAAAABYAAABMAAAAAAAAAAAAAAAEAAAAAAAAAAEAAADRSc4KAAAAACgAAAAoAAAAZAAAAGQAAAAAAAAAzMzMAAAAAABQAAAAUAAAAGQAAABkAAAAAAAAABcAAAAUAAAAAAAAAAAAAAD/fwAA/38AAAAAAAAJAAAABAAAAAAAAAAeAAAAaAAAAAAAAAAAAAAAAAAAAAAAAAAAAAAAECcAABAnAAAAAAAAAAAAAAAAAAAAAAAAAAAAAAAAAAAAAAAAAAAAABQAAAAAAAAAwMD/AAAAAABkAAAAMgAAAAAAAABkAAAAAAAAAH9/fwAKAAAAIgAAABgAAAAAAAAAAAAAAAAAAAAAAAAAAAAAAAAAAAAkAAAAJAAAAAAAAAAHAAAAAAAAAAAAAAAAAAAAAAAAAAAAAAAAAAAAf39/ACUAAABYAAAAAAAAAAAAAAAAAAAAAAAAAAAAAAAAAAAAAAAAAAAAAAAAAAAAAAAAAAAAAAA/AAAAAAAAAKCGAQAAAAAAAAAAAAAAAAAMAAAAAQAAAAAAAAAAAAAAAAAAAB8AAABUAAAA////AAAAAAEAAAAAAAAAAAAAAAAAAAAAAAAAAAAAAAAAAAAAAAAAAAAAAAB/f38AAAAAA8zMzADAwP8Af39/AAAAAAAAAAAAAAAAAAAAAAAAAAAAIQAAABgAAAAUAAAA0AIAAP0QAACEGwAAvhkAABAAAAAmAAAACAAAAD0gAAAAAAAA"/>
               </a:ext>
             </a:extLst>
           </p:cNvSpPr>
@@ -13987,7 +13890,7 @@
             <a:spLocks noGrp="1" noChangeArrowheads="1"/>
             <a:extLst>
               <a:ext uri="smNativeData">
-                <pr:smNativeData xmlns:pr="smNativeData" xmlns="smNativeData" val="SMDATA_15_37BZZRMAAAAlAAAAZAAAAA0AAAAAAAAAAAAAAAAAAAAAAAAAAAAAAAAAAAAAAAAAAAEAAABQAAAAAAAAAAAA4D8AAAAAAADgPwAAAAAAAOA/AAAAAAAA4D8AAAAAAADgPwAAAAAAAOA/AAAAAAAA4D8AAAAAAADgPwAAAAAAAOA/AAAAAAAA4D8CAAAAjAAAAAAAAAAAAAAA////AP///wgAAAAAAAAAAAAAAAAAAAAAAAAAAAAAAAAAAAAAeAAAAAEAAABAAAAAAAAAAAAAAABaAAAAAAAAAAAAAAAAAAAAAAAAAAAAAAAAAAAAAAAAAAAAAAAAAAAAAAAAAAAAAAAAAAAAAAAAAAAAAAAAAAAAAAAAAAAAAAAAAAAAFAAAADwAAAAAAAAAAAAAAAAAAAAPAAAAAQAAACMAAAAjAAAAIwAAAB4AAAAAAAAAZAAAAGQAAAAAAAAAZAAAAGQAAAAVAAAAYAAAAAAAAAAAAAAADwAAACADAAAAAAAAAAAAAAEAAACgMgAAVgcAAKr4//8BAAAAf39/AAEAAABkAAAAAAAAABQAAABAHwAAAAAAACYAAAAAAAAAwOD//wAAAAAmAAAAZAAAABYAAABMAAAAAAAAAAAAAAAEAAAAAAAAAAEAAADRSc4KAAAAACgAAAAoAAAAZAAAAGQAAAAAAAAAzMzMAAAAAABQAAAAUAAAAGQAAABkAAAAAAAAABcAAAAUAAAAAAAAAAAAAAD/fwAA/38AAAAAAAAJAAAABAAAALsAAAAeAAAAaAAAAAAAAAAAAAAAAAAAAAAAAAAAAAAAECcAABAnAAAAAAAAAAAAAAAAAAAAAAAAAAAAAAAAAAAAAAAAAAAAABQAAAAAAAAAwMD/AAAAAABkAAAAMgAAAAAAAABkAAAAAAAAAH9/fwAKAAAAIgAAABgAAAAAAAAAAAAAAAAAAAAAAAAAAAAAAAAAAAAkAAAAJAAAAAAAAAAHAAAAAAAAAAAAAAAAAAAAAAAAAAAAAAAAAAAAf39/ACUAAABYAAAAAAAAAAAAAAAAAAAAAAAAAAAAAAAAAAAAAAAAAAAAAAAAAAAAAAAAAAAAAAA/AAAAAAAAAKCGAQAAAAAAAAAAAAAAAAAMAAAAAQAAAAAAAAAAAAAAAAAAAB8AAABUAAAA////AAAAAAEAAAAAAAAAAAAAAAAAAAAAAAAAAAAAAAAAAAAAAAAAAAAAAAB/f38AAAAAA8zMzADAwP8Af39/AAAAAAAAAAAAAAAAAAAAAAAAAAAAIQAAABgAAAAUAAAAwRwAAP0QAAB1NQAAvhkAABAAAAAmAAAACAAAAD0gAAAAAAAA"/>
+                <pr:smNativeData xmlns:pr="smNativeData" xmlns="smNativeData" val="SMDATA_15_8sFZZRMAAAAlAAAAZAAAAA0AAAAAAAAAAAAAAAAAAAAAAAAAAAAAAAAAAAAAAAAAAAEAAABQAAAAAAAAAAAA4D8AAAAAAADgPwAAAAAAAOA/AAAAAAAA4D8AAAAAAADgPwAAAAAAAOA/AAAAAAAA4D8AAAAAAADgPwAAAAAAAOA/AAAAAAAA4D8CAAAAjAAAAAAAAAAAAAAA////AP///wgAAAAAAAAAAAAAAAAAAAAAAAAAAAAAAAAAAAAAeAAAAAEAAABAAAAAAAAAAAAAAABaAAAAAAAAAAAAAAAAAAAAAAAAAAAAAAAAAAAAAAAAAAAAAAAAAAAAAAAAAAAAAAAAAAAAAAAAAAAAAAAAAAAAAAAAAAAAAAAAAAAAFAAAADwAAAAAAAAAAAAAAAAAAAAPAAAAAQAAACMAAAAjAAAAIwAAAB4AAAAAAAAAZAAAAGQAAAAAAAAAZAAAAGQAAAAVAAAAYAAAAAAAAAAAAAAADwAAACADAAAAAAAAAAAAAAEAAACgMgAAVgcAAKr4//8BAAAAf39/AAEAAABkAAAAAAAAABQAAABAHwAAAAAAACYAAAAAAAAAwOD//wAAAAAmAAAAZAAAABYAAABMAAAAAAAAAAAAAAAEAAAAAAAAAAEAAADRSc4KAAAAACgAAAAoAAAAZAAAAGQAAAAAAAAAzMzMAAAAAABQAAAAUAAAAGQAAABkAAAAAAAAABcAAAAUAAAAAAAAAAAAAAD/fwAA/38AAAAAAAAJAAAABAAAAAAAAAAeAAAAaAAAAAAAAAAAAAAAAAAAAAAAAAAAAAAAECcAABAnAAAAAAAAAAAAAAAAAAAAAAAAAAAAAAAAAAAAAAAAAAAAABQAAAAAAAAAwMD/AAAAAABkAAAAMgAAAAAAAABkAAAAAAAAAH9/fwAKAAAAIgAAABgAAAAAAAAAAAAAAAAAAAAAAAAAAAAAAAAAAAAkAAAAJAAAAAAAAAAHAAAAAAAAAAAAAAAAAAAAAAAAAAAAAAAAAAAAf39/ACUAAABYAAAAAAAAAAAAAAAAAAAAAAAAAAAAAAAAAAAAAAAAAAAAAAAAAAAAAAAAAAAAAAA/AAAAAAAAAKCGAQAAAAAAAAAAAAAAAAAMAAAAAQAAAAAAAAAAAAAAAAAAAB8AAABUAAAA////AAAAAAEAAAAAAAAAAAAAAAAAAAAAAAAAAAAAAAAAAAAAAAAAAAAAAAB/f38AAAAAA8zMzADAwP8Af39/AAAAAAAAAAAAAAAAAAAAAAAAAAAAIQAAABgAAAAUAAAAwRwAAP0QAAB1NQAAvhkAABAAAAAmAAAACAAAAD0gAAAAAAAA"/>
               </a:ext>
             </a:extLst>
           </p:cNvSpPr>
@@ -14045,7 +13948,7 @@
             <a:spLocks noGrp="1" noChangeArrowheads="1"/>
             <a:extLst>
               <a:ext uri="smNativeData">
-                <pr:smNativeData xmlns:pr="smNativeData" xmlns="smNativeData" val="SMDATA_15_37BZZRMAAAAlAAAAZAAAAE0AAAAAAAAAAAAAAAAAAAAAAAAAAAAAAAABAAAAAAAAAAEAAABQAAAAAAAAAAAA4D8AAAAAAADgPwAAAAAAAOA/AAAAAAAA4D8AAAAAAADgPwAAAAAAAOA/AAAAAAAA4D8AAAAAAADgPwAAAAAAAOA/AAAAAAAA4D8CAAAAjAAAAAAAAAAAAAAA////AP///wgAAAAAAAAAAAAAAAAAAAAAAAAAAAAAAAAAAAAAeAAAAAEAAABAAAAAAAAAAAAAAABaAAAAAAAAAAAAAAAAAAAAAAAAAAAAAAAAAAAAAAAAAAAAAAAAAAAAAAAAAAAAAAAAAAAAAAAAAAAAAAAAAAAAAAAAAAAAAAAAAAAAFAAAADwAAAAAAAAAAAAAAAAAAAAPAAAAAQAAACMAAAAjAAAAIwAAAB4AAAAAAAAAZAAAAGQAAAAAAAAAZAAAAGQAAAAVAAAAYAAAAAAAAAAAAAAADwAAACADAAAAAAAAAAAAAAEAAACgMgAAVgcAAKr4//8BAAAAf39/AAEAAABkAAAAAAAAABQAAABAHwAAAAAAACYAAAAAAAAAwOD//wAAAAAmAAAAZAAAABYAAABMAAAAAAAAAAAAAAAEAAAAAAAAAAEAAADRSc4KAAAAACgAAAAoAAAAZAAAAGQAAAAAAAAAzMzMAAAAAABQAAAAUAAAAGQAAABkAAAAAAAAABcAAAAUAAAAAAAAAAAAAAD/fwAA/38AAAAAAAAJAAAABAAAAF8AYAAeAAAAaAAAAAAAAAAAAAAAAAAAAAAAAAAAAAAAECcAABAnAAAAAAAAAAAAAAAAAAAAAAAAAAAAAAAAAAAAAAAAAAAAABQAAAAAAAAAwMD/AAAAAABkAAAAMgAAAAAAAABkAAAAAAAAAH9/fwAKAAAAIgAAABgAAAAAAAAAAAAAAAAAAAAAAAAAAAAAAAAAAAAkAAAAJAAAAAAAAAAHAAAAAAAAAAAAAAAAAAAAAAAAAAAAAAAAAAAAf39/ACUAAABYAAAAAAAAAAAAAAAAAAAAAAAAAAAAAAAAAAAAAAAAAAAAAAAAAAAAAAAAAAAAAAA/AAAAAAAAAKCGAQAAAAAAAAAAAAAAAAAMAAAAAQAAAAAAAAAAAAAAAAAAAB8AAABUAAAA////AAAAAAEAAAAAAAAAAAAAAAAAAAAAAAAAAAAAAAAAAAAAAAAAAAAAAAB/f38AAAAAA8zMzADAwP8Af39/AAAAAAAAAAAAAAAAAAAAAAAAAAAAIQAAABgAAAAUAAAA0AIAAEMBAABvNQAAwRkAABAgAAAmAAAACAAAAL0gAAAAAAAA"/>
+                <pr:smNativeData xmlns:pr="smNativeData" xmlns="smNativeData" val="SMDATA_15_8sFZZRMAAAAlAAAAZAAAAE0AAAAAAAAAAAAAAAAAAAAAAAAAAAAAAAABAAAAAAAAAAEAAABQAAAAAAAAAAAA4D8AAAAAAADgPwAAAAAAAOA/AAAAAAAA4D8AAAAAAADgPwAAAAAAAOA/AAAAAAAA4D8AAAAAAADgPwAAAAAAAOA/AAAAAAAA4D8CAAAAjAAAAAAAAAAAAAAA////AP///wgAAAAAAAAAAAAAAAAAAAAAAAAAAAAAAAAAAAAAeAAAAAEAAABAAAAAAAAAAAAAAABaAAAAAAAAAAAAAAAAAAAAAAAAAAAAAAAAAAAAAAAAAAAAAAAAAAAAAAAAAAAAAAAAAAAAAAAAAAAAAAAAAAAAAAAAAAAAAAAAAAAAFAAAADwAAAAAAAAAAAAAAAAAAAAPAAAAAQAAACMAAAAjAAAAIwAAAB4AAAAAAAAAZAAAAGQAAAAAAAAAZAAAAGQAAAAVAAAAYAAAAAAAAAAAAAAADwAAACADAAAAAAAAAAAAAAEAAACgMgAAVgcAAKr4//8BAAAAf39/AAEAAABkAAAAAAAAABQAAABAHwAAAAAAACYAAAAAAAAAwOD//wAAAAAmAAAAZAAAABYAAABMAAAAAAAAAAAAAAAEAAAAAAAAAAEAAADRSc4KAAAAACgAAAAoAAAAZAAAAGQAAAAAAAAAzMzMAAAAAABQAAAAUAAAAGQAAABkAAAAAAAAABcAAAAUAAAAAAAAAAAAAAD/fwAA/38AAAAAAAAJAAAABAAAAAAAAAAeAAAAaAAAAAAAAAAAAAAAAAAAAAAAAAAAAAAAECcAABAnAAAAAAAAAAAAAAAAAAAAAAAAAAAAAAAAAAAAAAAAAAAAABQAAAAAAAAAwMD/AAAAAABkAAAAMgAAAAAAAABkAAAAAAAAAH9/fwAKAAAAIgAAABgAAAAAAAAAAAAAAAAAAAAAAAAAAAAAAAAAAAAkAAAAJAAAAAAAAAAHAAAAAAAAAAAAAAAAAAAAAAAAAAAAAAAAAAAAf39/ACUAAABYAAAAAAAAAAAAAAAAAAAAAAAAAAAAAAAAAAAAAAAAAAAAAAAAAAAAAAAAAAAAAAA/AAAAAAAAAKCGAQAAAAAAAAAAAAAAAAAMAAAAAQAAAAAAAAAAAAAAAAAAAB8AAABUAAAA////AAAAAAEAAAAAAAAAAAAAAAAAAAAAAAAAAAAAAAAAAAAAAAAAAAAAAAB/f38AAAAAA8zMzADAwP8Af39/AAAAAAAAAAAAAAAAAAAAAAAAAAAAIQAAABgAAAAUAAAA0AIAAEMBAABvNQAAwRkAABAgAAAmAAAACAAAAL0gAAAAAAAA"/>
               </a:ext>
             </a:extLst>
           </p:cNvSpPr>
@@ -14103,7 +14006,7 @@
             <a:spLocks noGrp="1" noChangeArrowheads="1"/>
             <a:extLst>
               <a:ext uri="smNativeData">
-                <pr:smNativeData xmlns:pr="smNativeData" xmlns="smNativeData" val="SMDATA_15_37BZZRMAAAAlAAAAZAAAAE0AAAAAAAAAAAAAAAAAAAAAAAAAAAAAAAABAAAAAAAAAAEAAABQAAAAAAAAAAAA4D8AAAAAAADgPwAAAAAAAOA/AAAAAAAA4D8AAAAAAADgPwAAAAAAAOA/AAAAAAAA4D8AAAAAAADgPwAAAAAAAOA/AAAAAAAA4D8CAAAAjAAAAAAAAAAAAAAA////AP///wgAAAAAAAAAAAAAAAAAAAAAAAAAAAAAAAAAAAAAeAAAAAEAAABAAAAAAAAAAAAAAABaAAAAAAAAAAAAAAAAAAAAAAAAAAAAAAAAAAAAAAAAAAAAAAAAAAAAAAAAAAAAAAAAAAAAAAAAAAAAAAAAAAAAAAAAAAAAAAAAAAAAFAAAADwAAAAAAAAAAAAAAAAAAAAPAAAAAQAAACMAAAAjAAAAIwAAAB4AAAAAAAAAZAAAAGQAAAAAAAAAZAAAAGQAAAAVAAAAYAAAAAAAAAAAAAAADwAAACADAAAAAAAAAAAAAAEAAACgMgAAVgcAAKr4//8BAAAAf39/AAEAAABkAAAAAAAAABQAAABAHwAAAAAAACYAAAAAAAAAwOD//wAAAAAmAAAAZAAAABYAAABMAAAAAAAAAAAAAAAEAAAAAAAAAAEAAADRSc4KAAAAACgAAAAoAAAAZAAAAGQAAAAAAAAAzMzMAAAAAABQAAAAUAAAAGQAAABkAAAAAAAAABcAAAAUAAAAAAAAAAAAAAD/fwAA/38AAAAAAAAJAAAABAAAAAAAAAAeAAAAaAAAAAAAAAAAAAAAAAAAAAAAAAAAAAAAECcAABAnAAAAAAAAAAAAAAAAAAAAAAAAAAAAAAAAAAAAAAAAAAAAABQAAAAAAAAAwMD/AAAAAABkAAAAMgAAAAAAAABkAAAAAAAAAH9/fwAKAAAAIgAAABgAAAAAAAAAAAAAAAAAAAAAAAAAAAAAAAAAAAAkAAAAJAAAAAAAAAAHAAAAAAAAAAAAAAAAAAAAAAAAAAAAAAAAAAAAf39/ACUAAABYAAAAAAAAAAAAAAAAAAAAAAAAAAAAAAAAAAAAAAAAAAAAAAAAAAAAAAAAAAAAAAA/AAAAAAAAAKCGAQAAAAAAAAAAAAAAAAAMAAAAAQAAAAAAAAAAAAAAAAAAAB8AAABUAAAA////AAAAAAEAAAAAAAAAAAAAAAAAAAAAAAAAAAAAAAAAAAAAAAAAAAAAAAB/f38AAAAAA8zMzADAwP8Af39/AAAAAAAAAAAAAAAAAAAAAAAAAAAAIQAAABgAAAAUAAAA0AIAAA8AAABvNQAAwAcAABAgAAAmAAAACAAAAD0gAAAAAAAA"/>
+                <pr:smNativeData xmlns:pr="smNativeData" xmlns="smNativeData" val="SMDATA_15_8sFZZRMAAAAlAAAAZAAAAE0AAAAAAAAAAAAAAAAAAAAAAAAAAAAAAAABAAAAAAAAAAEAAABQAAAAAAAAAAAA4D8AAAAAAADgPwAAAAAAAOA/AAAAAAAA4D8AAAAAAADgPwAAAAAAAOA/AAAAAAAA4D8AAAAAAADgPwAAAAAAAOA/AAAAAAAA4D8CAAAAjAAAAAAAAAAAAAAA////AP///wgAAAAAAAAAAAAAAAAAAAAAAAAAAAAAAAAAAAAAeAAAAAEAAABAAAAAAAAAAAAAAABaAAAAAAAAAAAAAAAAAAAAAAAAAAAAAAAAAAAAAAAAAAAAAAAAAAAAAAAAAAAAAAAAAAAAAAAAAAAAAAAAAAAAAAAAAAAAAAAAAAAAFAAAADwAAAAAAAAAAAAAAAAAAAAPAAAAAQAAACMAAAAjAAAAIwAAAB4AAAAAAAAAZAAAAGQAAAAAAAAAZAAAAGQAAAAVAAAAYAAAAAAAAAAAAAAADwAAACADAAAAAAAAAAAAAAEAAACgMgAAVgcAAKr4//8BAAAAf39/AAEAAABkAAAAAAAAABQAAABAHwAAAAAAACYAAAAAAAAAwOD//wAAAAAmAAAAZAAAABYAAABMAAAAAAAAAAAAAAAEAAAAAAAAAAEAAADRSc4KAAAAACgAAAAoAAAAZAAAAGQAAAAAAAAAzMzMAAAAAABQAAAAUAAAAGQAAABkAAAAAAAAABcAAAAUAAAAAAAAAAAAAAD/fwAA/38AAAAAAAAJAAAABAAAAAAAAAAeAAAAaAAAAAAAAAAAAAAAAAAAAAAAAAAAAAAAECcAABAnAAAAAAAAAAAAAAAAAAAAAAAAAAAAAAAAAAAAAAAAAAAAABQAAAAAAAAAwMD/AAAAAABkAAAAMgAAAAAAAABkAAAAAAAAAH9/fwAKAAAAIgAAABgAAAAAAAAAAAAAAAAAAAAAAAAAAAAAAAAAAAAkAAAAJAAAAAAAAAAHAAAAAAAAAAAAAAAAAAAAAAAAAAAAAAAAAAAAf39/ACUAAABYAAAAAAAAAAAAAAAAAAAAAAAAAAAAAAAAAAAAAAAAAAAAAAAAAAAAAAAAAAAAAAA/AAAAAAAAAKCGAQAAAAAAAAAAAAAAAAAMAAAAAQAAAAAAAAAAAAAAAAAAAB8AAABUAAAA////AAAAAAEAAAAAAAAAAAAAAAAAAAAAAAAAAAAAAAAAAAAAAAAAAAAAAAB/f38AAAAAA8zMzADAwP8Af39/AAAAAAAAAAAAAAAAAAAAAAAAAAAAIQAAABgAAAAUAAAA0AIAAA8AAABvNQAAwAcAABAgAAAmAAAACAAAAD0gAAAAAAAA"/>
               </a:ext>
             </a:extLst>
           </p:cNvSpPr>
@@ -14136,7 +14039,7 @@
             <a:spLocks noGrp="1" noChangeArrowheads="1"/>
             <a:extLst>
               <a:ext uri="smNativeData">
-                <pr:smNativeData xmlns:pr="smNativeData" xmlns="smNativeData" val="SMDATA_15_37BZZRMAAAAlAAAAZAAAAA0AAAAAAAAAAAAAAAAAAAAAAAAAAAAAAAAAAAAAAAAAAAEAAABQAAAAAAAAAAAA4D8AAAAAAADgPwAAAAAAAOA/AAAAAAAA4D8AAAAAAADgPwAAAAAAAOA/AAAAAAAA4D8AAAAAAADgPwAAAAAAAOA/AAAAAAAA4D8CAAAAjAAAAAAAAAAAAAAA////AP///wgAAAAAAAAAAAAAAAAAAAAAAAAAAAAAAAAAAAAAeAAAAAEAAABAAAAAAAAAAAAAAABaAAAAAAAAAAAAAAAAAAAAAAAAAAAAAAAAAAAAAAAAAAAAAAAAAAAAAAAAAAAAAAAAAAAAAAAAAAAAAAAAAAAAAAAAAAAAAAAAAAAAFAAAADwAAAAAAAAAAAAAAAAAAAAPAAAAAQAAACMAAAAjAAAAIwAAAB4AAAAAAAAAZAAAAGQAAAAAAAAAZAAAAGQAAAAVAAAAYAAAAAAAAAAAAAAADwAAACADAAAAAAAAAAAAAAEAAACgMgAAVgcAAKr4//8BAAAAf39/AAEAAABkAAAAAAAAABQAAABAHwAAAAAAACYAAAAAAAAAwOD//wAAAAAmAAAAZAAAABYAAABMAAAAAAAAAAAAAAAEAAAAAAAAAAEAAADRSc4KAAAAACgAAAAoAAAAZAAAAGQAAAAAAAAAzMzMAAAAAABQAAAAUAAAAGQAAABkAAAAAAAAABcAAAAUAAAAAAAAAAAAAAD/fwAA/38AAAAAAAAJAAAABAAAAAAAAAAeAAAAaAAAAAAAAAAAAAAAAAAAAAAAAAAAAAAAECcAABAnAAAAAAAAAAAAAAAAAAAAAAAAAAAAAAAAAAAAAAAAAAAAABQAAAAAAAAAwMD/AAAAAABkAAAAMgAAAAAAAABkAAAAAAAAAH9/fwAKAAAAIgAAABgAAAAAAAAAAAAAAAAAAAAAAAAAAAAAAAAAAAAkAAAAJAAAAAAAAAAHAAAAAAAAAAAAAAAAAAAAAAAAAAAAAAAAAAAAf39/ACUAAABYAAAAAAAAAAAAAAAAAAAAAAAAAAAAAAAAAAAAAAAAAAAAAAAAAAAAAAAAAAAAAAA/AAAAAAAAAKCGAQAAAAAAAAAAAAAAAAAMAAAAAQAAAAAAAAAAAAAAAAAAAB8AAABUAAAA////AAAAAAEAAAAAAAAAAAAAAAAAAAAAAAAAAAAAAAAAAAAAAAAAAAAAAAB/f38AAAAAA8zMzADAwP8Af39/AAAAAAAAAAAAAAAAAAAAAAAAAAAAIQAAABgAAAAUAAAA0AIAAGcHAAAdEwAAKBAAABAAAAAmAAAACAAAAD0gAAAAAAAA"/>
+                <pr:smNativeData xmlns:pr="smNativeData" xmlns="smNativeData" val="SMDATA_15_8sFZZRMAAAAlAAAAZAAAAA0AAAAAAAAAAAAAAAAAAAAAAAAAAAAAAAAAAAAAAAAAAAEAAABQAAAAAAAAAAAA4D8AAAAAAADgPwAAAAAAAOA/AAAAAAAA4D8AAAAAAADgPwAAAAAAAOA/AAAAAAAA4D8AAAAAAADgPwAAAAAAAOA/AAAAAAAA4D8CAAAAjAAAAAAAAAAAAAAA////AP///wgAAAAAAAAAAAAAAAAAAAAAAAAAAAAAAAAAAAAAeAAAAAEAAABAAAAAAAAAAAAAAABaAAAAAAAAAAAAAAAAAAAAAAAAAAAAAAAAAAAAAAAAAAAAAAAAAAAAAAAAAAAAAAAAAAAAAAAAAAAAAAAAAAAAAAAAAAAAAAAAAAAAFAAAADwAAAAAAAAAAAAAAAAAAAAPAAAAAQAAACMAAAAjAAAAIwAAAB4AAAAAAAAAZAAAAGQAAAAAAAAAZAAAAGQAAAAVAAAAYAAAAAAAAAAAAAAADwAAACADAAAAAAAAAAAAAAEAAACgMgAAVgcAAKr4//8BAAAAf39/AAEAAABkAAAAAAAAABQAAABAHwAAAAAAACYAAAAAAAAAwOD//wAAAAAmAAAAZAAAABYAAABMAAAAAAAAAAAAAAAEAAAAAAAAAAEAAADRSc4KAAAAACgAAAAoAAAAZAAAAGQAAAAAAAAAzMzMAAAAAABQAAAAUAAAAGQAAABkAAAAAAAAABcAAAAUAAAAAAAAAAAAAAD/fwAA/38AAAAAAAAJAAAABAAAAAAAAAAeAAAAaAAAAAAAAAAAAAAAAAAAAAAAAAAAAAAAECcAABAnAAAAAAAAAAAAAAAAAAAAAAAAAAAAAAAAAAAAAAAAAAAAABQAAAAAAAAAwMD/AAAAAABkAAAAMgAAAAAAAABkAAAAAAAAAH9/fwAKAAAAIgAAABgAAAAAAAAAAAAAAAAAAAAAAAAAAAAAAAAAAAAkAAAAJAAAAAAAAAAHAAAAAAAAAAAAAAAAAAAAAAAAAAAAAAAAAAAAf39/ACUAAABYAAAAAAAAAAAAAAAAAAAAAAAAAAAAAAAAAAAAAAAAAAAAAAAAAAAAAAAAAAAAAAA/AAAAAAAAAKCGAQAAAAAAAAAAAAAAAAAMAAAAAQAAAAAAAAAAAAAAAAAAAB8AAABUAAAA////AAAAAAEAAAAAAAAAAAAAAAAAAAAAAAAAAAAAAAAAAAAAAAAAAAAAAAB/f38AAAAAA8zMzADAwP8Af39/AAAAAAAAAAAAAAAAAAAAAAAAAAAAIQAAABgAAAAUAAAA0AIAAGcHAAAdEwAAKBAAABAAAAAmAAAACAAAAD0gAAAAAAAA"/>
               </a:ext>
             </a:extLst>
           </p:cNvSpPr>
@@ -14172,7 +14075,7 @@
             <a:spLocks noGrp="1" noChangeArrowheads="1"/>
             <a:extLst>
               <a:ext uri="smNativeData">
-                <pr:smNativeData xmlns:pr="smNativeData" xmlns="smNativeData" val="SMDATA_15_37BZZRMAAAAlAAAAZAAAAA0AAAAAAAAAAAAAAAAAAAAAAAAAAAAAAAAAAAAAAAAAAAEAAABQAAAAAAAAAAAA4D8AAAAAAADgPwAAAAAAAOA/AAAAAAAA4D8AAAAAAADgPwAAAAAAAOA/AAAAAAAA4D8AAAAAAADgPwAAAAAAAOA/AAAAAAAA4D8CAAAAjAAAAAAAAAAAAAAA////AP///wgAAAAAAAAAAAAAAAAAAAAAAAAAAAAAAAAAAAAAeAAAAAEAAABAAAAAAAAAAAAAAABaAAAAAAAAAAAAAAAAAAAAAAAAAAAAAAAAAAAAAAAAAAAAAAAAAAAAAAAAAAAAAAAAAAAAAAAAAAAAAAAAAAAAAAAAAAAAAAAAAAAAFAAAADwAAAAAAAAAAAAAAAAAAAAPAAAAAQAAACMAAAAjAAAAIwAAAB4AAAAAAAAAZAAAAGQAAAAAAAAAZAAAAGQAAAAVAAAAYAAAAAAAAAAAAAAADwAAACADAAAAAAAAAAAAAAEAAACgMgAAVgcAAKr4//8BAAAAf39/AAEAAABkAAAAAAAAABQAAABAHwAAAAAAACYAAAAAAAAAwOD//wAAAAAmAAAAZAAAABYAAABMAAAAAAAAAAAAAAAEAAAAAAAAAAEAAADRSc4KAAAAACgAAAAoAAAAZAAAAGQAAAAAAAAAzMzMAAAAAABQAAAAUAAAAGQAAABkAAAAAAAAABcAAAAUAAAAAAAAAAAAAAD/fwAA/38AAAAAAAAJAAAABAAAAAAAAAAeAAAAaAAAAAAAAAAAAAAAAAAAAAAAAAAAAAAAECcAABAnAAAAAAAAAAAAAAAAAAAAAAAAAAAAAAAAAAAAAAAAAAAAABQAAAAAAAAAwMD/AAAAAABkAAAAMgAAAAAAAABkAAAAAAAAAH9/fwAKAAAAIgAAABgAAAAAAAAAAAAAAAAAAAAAAAAAAAAAAAAAAAAkAAAAJAAAAAAAAAAHAAAAAAAAAAAAAAAAAAAAAAAAAAAAAAAAAAAAf39/ACUAAABYAAAAAAAAAAAAAAAAAAAAAAAAAAAAAAAAAAAAAAAAAAAAAAAAAAAAAAAAAAAAAAA/AAAAAAAAAKCGAQAAAAAAAAAAAAAAAAAMAAAAAQAAAAAAAAAAAAAAAAAAAB8AAABUAAAA////AAAAAAEAAAAAAAAAAAAAAAAAAAAAAAAAAAAAAAAAAAAAAAAAAAAAAAB/f38AAAAAA8zMzADAwP8Af39/AAAAAAAAAAAAAAAAAAAAAAAAAAAAIQAAABgAAAAUAAAA7hMAAGcHAAA6JAAAKBAAABAAAAAmAAAACAAAAD0gAAAAAAAA"/>
+                <pr:smNativeData xmlns:pr="smNativeData" xmlns="smNativeData" val="SMDATA_15_8sFZZRMAAAAlAAAAZAAAAA0AAAAAAAAAAAAAAAAAAAAAAAAAAAAAAAAAAAAAAAAAAAEAAABQAAAAAAAAAAAA4D8AAAAAAADgPwAAAAAAAOA/AAAAAAAA4D8AAAAAAADgPwAAAAAAAOA/AAAAAAAA4D8AAAAAAADgPwAAAAAAAOA/AAAAAAAA4D8CAAAAjAAAAAAAAAAAAAAA////AP///wgAAAAAAAAAAAAAAAAAAAAAAAAAAAAAAAAAAAAAeAAAAAEAAABAAAAAAAAAAAAAAABaAAAAAAAAAAAAAAAAAAAAAAAAAAAAAAAAAAAAAAAAAAAAAAAAAAAAAAAAAAAAAAAAAAAAAAAAAAAAAAAAAAAAAAAAAAAAAAAAAAAAFAAAADwAAAAAAAAAAAAAAAAAAAAPAAAAAQAAACMAAAAjAAAAIwAAAB4AAAAAAAAAZAAAAGQAAAAAAAAAZAAAAGQAAAAVAAAAYAAAAAAAAAAAAAAADwAAACADAAAAAAAAAAAAAAEAAACgMgAAVgcAAKr4//8BAAAAf39/AAEAAABkAAAAAAAAABQAAABAHwAAAAAAACYAAAAAAAAAwOD//wAAAAAmAAAAZAAAABYAAABMAAAAAAAAAAAAAAAEAAAAAAAAAAEAAADRSc4KAAAAACgAAAAoAAAAZAAAAGQAAAAAAAAAzMzMAAAAAABQAAAAUAAAAGQAAABkAAAAAAAAABcAAAAUAAAAAAAAAAAAAAD/fwAA/38AAAAAAAAJAAAABAAAAAAAAAAeAAAAaAAAAAAAAAAAAAAAAAAAAAAAAAAAAAAAECcAABAnAAAAAAAAAAAAAAAAAAAAAAAAAAAAAAAAAAAAAAAAAAAAABQAAAAAAAAAwMD/AAAAAABkAAAAMgAAAAAAAABkAAAAAAAAAH9/fwAKAAAAIgAAABgAAAAAAAAAAAAAAAAAAAAAAAAAAAAAAAAAAAAkAAAAJAAAAAAAAAAHAAAAAAAAAAAAAAAAAAAAAAAAAAAAAAAAAAAAf39/ACUAAABYAAAAAAAAAAAAAAAAAAAAAAAAAAAAAAAAAAAAAAAAAAAAAAAAAAAAAAAAAAAAAAA/AAAAAAAAAKCGAQAAAAAAAAAAAAAAAAAMAAAAAQAAAAAAAAAAAAAAAAAAAB8AAABUAAAA////AAAAAAEAAAAAAAAAAAAAAAAAAAAAAAAAAAAAAAAAAAAAAAAAAAAAAAB/f38AAAAAA8zMzADAwP8Af39/AAAAAAAAAAAAAAAAAAAAAAAAAAAAIQAAABgAAAAUAAAA7hMAAGcHAAA6JAAAKBAAABAAAAAmAAAACAAAAD0gAAAAAAAA"/>
               </a:ext>
             </a:extLst>
           </p:cNvSpPr>
@@ -14208,7 +14111,7 @@
             <a:spLocks noGrp="1" noChangeArrowheads="1"/>
             <a:extLst>
               <a:ext uri="smNativeData">
-                <pr:smNativeData xmlns:pr="smNativeData" xmlns="smNativeData" val="SMDATA_15_37BZZRMAAAAlAAAAZAAAAA0AAAAAAAAAAAAAAAAAAAAAAAAAAAAAAAAAAAAAAAAAAAEAAABQAAAAAAAAAAAA4D8AAAAAAADgPwAAAAAAAOA/AAAAAAAA4D8AAAAAAADgPwAAAAAAAOA/AAAAAAAA4D8AAAAAAADgPwAAAAAAAOA/AAAAAAAA4D8CAAAAjAAAAAAAAAAAAAAA////AP///wgAAAAAAAAAAAAAAAAAAAAAAAAAAAAAAAAAAAAAeAAAAAEAAABAAAAAAAAAAAAAAABaAAAAAAAAAAAAAAAAAAAAAAAAAAAAAAAAAAAAAAAAAAAAAAAAAAAAAAAAAAAAAAAAAAAAAAAAAAAAAAAAAAAAAAAAAAAAAAAAAAAAFAAAADwAAAAAAAAAAAAAAAAAAAAPAAAAAQAAACMAAAAjAAAAIwAAAB4AAAAAAAAAZAAAAGQAAAAAAAAAZAAAAGQAAAAVAAAAYAAAAAAAAAAAAAAADwAAACADAAAAAAAAAAAAAAEAAACgMgAAVgcAAKr4//8BAAAAf39/AAEAAABkAAAAAAAAABQAAABAHwAAAAAAACYAAAAAAAAAwOD//wAAAAAmAAAAZAAAABYAAABMAAAAAAAAAAAAAAAEAAAAAAAAAAEAAADRSc4KAAAAACgAAAAoAAAAZAAAAGQAAAAAAAAAzMzMAAAAAABQAAAAUAAAAGQAAABkAAAAAAAAABcAAAAUAAAAAAAAAAAAAAD/fwAA/38AAAAAAAAJAAAABAAAAAAAAAAeAAAAaAAAAAAAAAAAAAAAAAAAAAAAAAAAAAAAECcAABAnAAAAAAAAAAAAAAAAAAAAAAAAAAAAAAAAAAAAAAAAAAAAABQAAAAAAAAAwMD/AAAAAABkAAAAMgAAAAAAAABkAAAAAAAAAH9/fwAKAAAAIgAAABgAAAAAAAAAAAAAAAAAAAAAAAAAAAAAAAAAAAAkAAAAJAAAAAAAAAAHAAAAAAAAAAAAAAAAAAAAAAAAAAAAAAAAAAAAf39/ACUAAABYAAAAAAAAAAAAAAAAAAAAAAAAAAAAAAAAAAAAAAAAAAAAAAAAAAAAAAAAAAAAAAA/AAAAAAAAAKCGAQAAAAAAAAAAAAAAAAAMAAAAAQAAAAAAAAAAAAAAAAAAAB8AAABUAAAA////AAAAAAEAAAAAAAAAAAAAAAAAAAAAAAAAAAAAAAAAAAAAAAAAAAAAAAB/f38AAAAAA8zMzADAwP8Af39/AAAAAAAAAAAAAAAAAAAAAAAAAAAAIQAAABgAAAAUAAAADCUAAGcHAABYNQAAKBAAABAAAAAmAAAACAAAAD0gAAAAAAAA"/>
+                <pr:smNativeData xmlns:pr="smNativeData" xmlns="smNativeData" val="SMDATA_15_8sFZZRMAAAAlAAAAZAAAAA0AAAAAAAAAAAAAAAAAAAAAAAAAAAAAAAAAAAAAAAAAAAEAAABQAAAAAAAAAAAA4D8AAAAAAADgPwAAAAAAAOA/AAAAAAAA4D8AAAAAAADgPwAAAAAAAOA/AAAAAAAA4D8AAAAAAADgPwAAAAAAAOA/AAAAAAAA4D8CAAAAjAAAAAAAAAAAAAAA////AP///wgAAAAAAAAAAAAAAAAAAAAAAAAAAAAAAAAAAAAAeAAAAAEAAABAAAAAAAAAAAAAAABaAAAAAAAAAAAAAAAAAAAAAAAAAAAAAAAAAAAAAAAAAAAAAAAAAAAAAAAAAAAAAAAAAAAAAAAAAAAAAAAAAAAAAAAAAAAAAAAAAAAAFAAAADwAAAAAAAAAAAAAAAAAAAAPAAAAAQAAACMAAAAjAAAAIwAAAB4AAAAAAAAAZAAAAGQAAAAAAAAAZAAAAGQAAAAVAAAAYAAAAAAAAAAAAAAADwAAACADAAAAAAAAAAAAAAEAAACgMgAAVgcAAKr4//8BAAAAf39/AAEAAABkAAAAAAAAABQAAABAHwAAAAAAACYAAAAAAAAAwOD//wAAAAAmAAAAZAAAABYAAABMAAAAAAAAAAAAAAAEAAAAAAAAAAEAAADRSc4KAAAAACgAAAAoAAAAZAAAAGQAAAAAAAAAzMzMAAAAAABQAAAAUAAAAGQAAABkAAAAAAAAABcAAAAUAAAAAAAAAAAAAAD/fwAA/38AAAAAAAAJAAAABAAAAAAAAAAeAAAAaAAAAAAAAAAAAAAAAAAAAAAAAAAAAAAAECcAABAnAAAAAAAAAAAAAAAAAAAAAAAAAAAAAAAAAAAAAAAAAAAAABQAAAAAAAAAwMD/AAAAAABkAAAAMgAAAAAAAABkAAAAAAAAAH9/fwAKAAAAIgAAABgAAAAAAAAAAAAAAAAAAAAAAAAAAAAAAAAAAAAkAAAAJAAAAAAAAAAHAAAAAAAAAAAAAAAAAAAAAAAAAAAAAAAAAAAAf39/ACUAAABYAAAAAAAAAAAAAAAAAAAAAAAAAAAAAAAAAAAAAAAAAAAAAAAAAAAAAAAAAAAAAAA/AAAAAAAAAKCGAQAAAAAAAAAAAAAAAAAMAAAAAQAAAAAAAAAAAAAAAAAAAB8AAABUAAAA////AAAAAAEAAAAAAAAAAAAAAAAAAAAAAAAAAAAAAAAAAAAAAAAAAAAAAAB/f38AAAAAA8zMzADAwP8Af39/AAAAAAAAAAAAAAAAAAAAAAAAAAAAIQAAABgAAAAUAAAADCUAAGcHAABYNQAAKBAAABAAAAAmAAAACAAAAD0gAAAAAAAA"/>
               </a:ext>
             </a:extLst>
           </p:cNvSpPr>
@@ -14244,7 +14147,7 @@
             <a:spLocks noGrp="1" noChangeArrowheads="1"/>
             <a:extLst>
               <a:ext uri="smNativeData">
-                <pr:smNativeData xmlns:pr="smNativeData" xmlns="smNativeData" val="SMDATA_15_37BZZRMAAAAlAAAAZAAAAA0AAAAAAAAAAAAAAAAAAAAAAAAAAAAAAAAAAAAAAAAAAAEAAABQAAAAAAAAAAAA4D8AAAAAAADgPwAAAAAAAOA/AAAAAAAA4D8AAAAAAADgPwAAAAAAAOA/AAAAAAAA4D8AAAAAAADgPwAAAAAAAOA/AAAAAAAA4D8CAAAAjAAAAAAAAAAAAAAA////AP///wgAAAAAAAAAAAAAAAAAAAAAAAAAAAAAAAAAAAAAeAAAAAEAAABAAAAAAAAAAAAAAABaAAAAAAAAAAAAAAAAAAAAAAAAAAAAAAAAAAAAAAAAAAAAAAAAAAAAAAAAAAAAAAAAAAAAAAAAAAAAAAAAAAAAAAAAAAAAAAAAAAAAFAAAADwAAAAAAAAAAAAAAAAAAAAPAAAAAQAAACMAAAAjAAAAIwAAAB4AAAAAAAAAZAAAAGQAAAAAAAAAZAAAAGQAAAAVAAAAYAAAAAAAAAAAAAAADwAAACADAAAAAAAAAAAAAAEAAACgMgAAVgcAAKr4//8BAAAAf39/AAEAAABkAAAAAAAAABQAAABAHwAAAAAAACYAAAAAAAAAwOD//wAAAAAmAAAAZAAAABYAAABMAAAAAAAAAAAAAAAEAAAAAAAAAAEAAADRSc4KAAAAACgAAAAoAAAAZAAAAGQAAAAAAAAAzMzMAAAAAABQAAAAUAAAAGQAAABkAAAAAAAAABcAAAAUAAAAAAAAAAAAAAD/fwAA/38AAAAAAAAJAAAABAAAAAAAAAAeAAAAaAAAAAAAAAAAAAAAAAAAAAAAAAAAAAAAECcAABAnAAAAAAAAAAAAAAAAAAAAAAAAAAAAAAAAAAAAAAAAAAAAABQAAAAAAAAAwMD/AAAAAABkAAAAMgAAAAAAAABkAAAAAAAAAH9/fwAKAAAAIgAAABgAAAAAAAAAAAAAAAAAAAAAAAAAAAAAAAAAAAAkAAAAJAAAAAAAAAAHAAAAAAAAAAAAAAAAAAAAAAAAAAAAAAAAAAAAf39/ACUAAABYAAAAAAAAAAAAAAAAAAAAAAAAAAAAAAAAAAAAAAAAAAAAAAAAAAAAAAAAAAAAAAA/AAAAAAAAAKCGAQAAAAAAAAAAAAAAAAAMAAAAAQAAAAAAAAAAAAAAAAAAAB8AAABUAAAA////AAAAAAEAAAAAAAAAAAAAAAAAAAAAAAAAAAAAAAAAAAAAAAAAAAAAAAB/f38AAAAAA8zMzADAwP8Af39/AAAAAAAAAAAAAAAAAAAAAAAAAAAAIQAAABgAAAAUAAAA0AIAAP0QAAAdEwAAvhkAABAAAAAmAAAACAAAAD0gAAAAAAAA"/>
+                <pr:smNativeData xmlns:pr="smNativeData" xmlns="smNativeData" val="SMDATA_15_8sFZZRMAAAAlAAAAZAAAAA0AAAAAAAAAAAAAAAAAAAAAAAAAAAAAAAAAAAAAAAAAAAEAAABQAAAAAAAAAAAA4D8AAAAAAADgPwAAAAAAAOA/AAAAAAAA4D8AAAAAAADgPwAAAAAAAOA/AAAAAAAA4D8AAAAAAADgPwAAAAAAAOA/AAAAAAAA4D8CAAAAjAAAAAAAAAAAAAAA////AP///wgAAAAAAAAAAAAAAAAAAAAAAAAAAAAAAAAAAAAAeAAAAAEAAABAAAAAAAAAAAAAAABaAAAAAAAAAAAAAAAAAAAAAAAAAAAAAAAAAAAAAAAAAAAAAAAAAAAAAAAAAAAAAAAAAAAAAAAAAAAAAAAAAAAAAAAAAAAAAAAAAAAAFAAAADwAAAAAAAAAAAAAAAAAAAAPAAAAAQAAACMAAAAjAAAAIwAAAB4AAAAAAAAAZAAAAGQAAAAAAAAAZAAAAGQAAAAVAAAAYAAAAAAAAAAAAAAADwAAACADAAAAAAAAAAAAAAEAAACgMgAAVgcAAKr4//8BAAAAf39/AAEAAABkAAAAAAAAABQAAABAHwAAAAAAACYAAAAAAAAAwOD//wAAAAAmAAAAZAAAABYAAABMAAAAAAAAAAAAAAAEAAAAAAAAAAEAAADRSc4KAAAAACgAAAAoAAAAZAAAAGQAAAAAAAAAzMzMAAAAAABQAAAAUAAAAGQAAABkAAAAAAAAABcAAAAUAAAAAAAAAAAAAAD/fwAA/38AAAAAAAAJAAAABAAAAAAAAAAeAAAAaAAAAAAAAAAAAAAAAAAAAAAAAAAAAAAAECcAABAnAAAAAAAAAAAAAAAAAAAAAAAAAAAAAAAAAAAAAAAAAAAAABQAAAAAAAAAwMD/AAAAAABkAAAAMgAAAAAAAABkAAAAAAAAAH9/fwAKAAAAIgAAABgAAAAAAAAAAAAAAAAAAAAAAAAAAAAAAAAAAAAkAAAAJAAAAAAAAAAHAAAAAAAAAAAAAAAAAAAAAAAAAAAAAAAAAAAAf39/ACUAAABYAAAAAAAAAAAAAAAAAAAAAAAAAAAAAAAAAAAAAAAAAAAAAAAAAAAAAAAAAAAAAAA/AAAAAAAAAKCGAQAAAAAAAAAAAAAAAAAMAAAAAQAAAAAAAAAAAAAAAAAAAB8AAABUAAAA////AAAAAAEAAAAAAAAAAAAAAAAAAAAAAAAAAAAAAAAAAAAAAAAAAAAAAAB/f38AAAAAA8zMzADAwP8Af39/AAAAAAAAAAAAAAAAAAAAAAAAAAAAIQAAABgAAAAUAAAA0AIAAP0QAAAdEwAAvhkAABAAAAAmAAAACAAAAD0gAAAAAAAA"/>
               </a:ext>
             </a:extLst>
           </p:cNvSpPr>
@@ -14280,7 +14183,7 @@
             <a:spLocks noGrp="1" noChangeArrowheads="1"/>
             <a:extLst>
               <a:ext uri="smNativeData">
-                <pr:smNativeData xmlns:pr="smNativeData" xmlns="smNativeData" val="SMDATA_15_37BZZRMAAAAlAAAAZAAAAA0AAAAAAAAAAAAAAAAAAAAAAAAAAAAAAAAAAAAAAAAAAAEAAABQAAAAAAAAAAAA4D8AAAAAAADgPwAAAAAAAOA/AAAAAAAA4D8AAAAAAADgPwAAAAAAAOA/AAAAAAAA4D8AAAAAAADgPwAAAAAAAOA/AAAAAAAA4D8CAAAAjAAAAAAAAAAAAAAA////AP///wgAAAAAAAAAAAAAAAAAAAAAAAAAAAAAAAAAAAAAeAAAAAEAAABAAAAAAAAAAAAAAABaAAAAAAAAAAAAAAAAAAAAAAAAAAAAAAAAAAAAAAAAAAAAAAAAAAAAAAAAAAAAAAAAAAAAAAAAAAAAAAAAAAAAAAAAAAAAAAAAAAAAFAAAADwAAAAAAAAAAAAAAAAAAAAPAAAAAQAAACMAAAAjAAAAIwAAAB4AAAAAAAAAZAAAAGQAAAAAAAAAZAAAAGQAAAAVAAAAYAAAAAAAAAAAAAAADwAAACADAAAAAAAAAAAAAAEAAACgMgAAVgcAAKr4//8BAAAAf39/AAEAAABkAAAAAAAAABQAAABAHwAAAAAAACYAAAAAAAAAwOD//wAAAAAmAAAAZAAAABYAAABMAAAAAAAAAAAAAAAEAAAAAAAAAAEAAADRSc4KAAAAACgAAAAoAAAAZAAAAGQAAAAAAAAAzMzMAAAAAABQAAAAUAAAAGQAAABkAAAAAAAAABcAAAAUAAAAAAAAAAAAAAD/fwAA/38AAAAAAAAJAAAABAAAAAAAAAAeAAAAaAAAAAAAAAAAAAAAAAAAAAAAAAAAAAAAECcAABAnAAAAAAAAAAAAAAAAAAAAAAAAAAAAAAAAAAAAAAAAAAAAABQAAAAAAAAAwMD/AAAAAABkAAAAMgAAAAAAAABkAAAAAAAAAH9/fwAKAAAAIgAAABgAAAAAAAAAAAAAAAAAAAAAAAAAAAAAAAAAAAAkAAAAJAAAAAAAAAAHAAAAAAAAAAAAAAAAAAAAAAAAAAAAAAAAAAAAf39/ACUAAABYAAAAAAAAAAAAAAAAAAAAAAAAAAAAAAAAAAAAAAAAAAAAAAAAAAAAAAAAAAAAAAA/AAAAAAAAAKCGAQAAAAAAAAAAAAAAAAAMAAAAAQAAAAAAAAAAAAAAAAAAAB8AAABUAAAA////AAAAAAEAAAAAAAAAAAAAAAAAAAAAAAAAAAAAAAAAAAAAAAAAAAAAAAB/f38AAAAAA8zMzADAwP8Af39/AAAAAAAAAAAAAAAAAAAAAAAAAAAAIQAAABgAAAAUAAAA7hMAAP0QAAA6JAAAvhkAABAAAAAmAAAACAAAAD0gAAAAAAAA"/>
+                <pr:smNativeData xmlns:pr="smNativeData" xmlns="smNativeData" val="SMDATA_15_8sFZZRMAAAAlAAAAZAAAAA0AAAAAAAAAAAAAAAAAAAAAAAAAAAAAAAAAAAAAAAAAAAEAAABQAAAAAAAAAAAA4D8AAAAAAADgPwAAAAAAAOA/AAAAAAAA4D8AAAAAAADgPwAAAAAAAOA/AAAAAAAA4D8AAAAAAADgPwAAAAAAAOA/AAAAAAAA4D8CAAAAjAAAAAAAAAAAAAAA////AP///wgAAAAAAAAAAAAAAAAAAAAAAAAAAAAAAAAAAAAAeAAAAAEAAABAAAAAAAAAAAAAAABaAAAAAAAAAAAAAAAAAAAAAAAAAAAAAAAAAAAAAAAAAAAAAAAAAAAAAAAAAAAAAAAAAAAAAAAAAAAAAAAAAAAAAAAAAAAAAAAAAAAAFAAAADwAAAAAAAAAAAAAAAAAAAAPAAAAAQAAACMAAAAjAAAAIwAAAB4AAAAAAAAAZAAAAGQAAAAAAAAAZAAAAGQAAAAVAAAAYAAAAAAAAAAAAAAADwAAACADAAAAAAAAAAAAAAEAAACgMgAAVgcAAKr4//8BAAAAf39/AAEAAABkAAAAAAAAABQAAABAHwAAAAAAACYAAAAAAAAAwOD//wAAAAAmAAAAZAAAABYAAABMAAAAAAAAAAAAAAAEAAAAAAAAAAEAAADRSc4KAAAAACgAAAAoAAAAZAAAAGQAAAAAAAAAzMzMAAAAAABQAAAAUAAAAGQAAABkAAAAAAAAABcAAAAUAAAAAAAAAAAAAAD/fwAA/38AAAAAAAAJAAAABAAAAAAAAAAeAAAAaAAAAAAAAAAAAAAAAAAAAAAAAAAAAAAAECcAABAnAAAAAAAAAAAAAAAAAAAAAAAAAAAAAAAAAAAAAAAAAAAAABQAAAAAAAAAwMD/AAAAAABkAAAAMgAAAAAAAABkAAAAAAAAAH9/fwAKAAAAIgAAABgAAAAAAAAAAAAAAAAAAAAAAAAAAAAAAAAAAAAkAAAAJAAAAAAAAAAHAAAAAAAAAAAAAAAAAAAAAAAAAAAAAAAAAAAAf39/ACUAAABYAAAAAAAAAAAAAAAAAAAAAAAAAAAAAAAAAAAAAAAAAAAAAAAAAAAAAAAAAAAAAAA/AAAAAAAAAKCGAQAAAAAAAAAAAAAAAAAMAAAAAQAAAAAAAAAAAAAAAAAAAB8AAABUAAAA////AAAAAAEAAAAAAAAAAAAAAAAAAAAAAAAAAAAAAAAAAAAAAAAAAAAAAAB/f38AAAAAA8zMzADAwP8Af39/AAAAAAAAAAAAAAAAAAAAAAAAAAAAIQAAABgAAAAUAAAA7hMAAP0QAAA6JAAAvhkAABAAAAAmAAAACAAAAD0gAAAAAAAA"/>
               </a:ext>
             </a:extLst>
           </p:cNvSpPr>
@@ -14316,7 +14219,7 @@
             <a:spLocks noGrp="1" noChangeArrowheads="1"/>
             <a:extLst>
               <a:ext uri="smNativeData">
-                <pr:smNativeData xmlns:pr="smNativeData" xmlns="smNativeData" val="SMDATA_15_37BZZRMAAAAlAAAAZAAAAA0AAAAAAAAAAAAAAAAAAAAAAAAAAAAAAAAAAAAAAAAAAAEAAABQAAAAAAAAAAAA4D8AAAAAAADgPwAAAAAAAOA/AAAAAAAA4D8AAAAAAADgPwAAAAAAAOA/AAAAAAAA4D8AAAAAAADgPwAAAAAAAOA/AAAAAAAA4D8CAAAAjAAAAAAAAAAAAAAA////AP///wgAAAAAAAAAAAAAAAAAAAAAAAAAAAAAAAAAAAAAeAAAAAEAAABAAAAAAAAAAAAAAABaAAAAAAAAAAAAAAAAAAAAAAAAAAAAAAAAAAAAAAAAAAAAAAAAAAAAAAAAAAAAAAAAAAAAAAAAAAAAAAAAAAAAAAAAAAAAAAAAAAAAFAAAADwAAAAAAAAAAAAAAAAAAAAPAAAAAQAAACMAAAAjAAAAIwAAAB4AAAAAAAAAZAAAAGQAAAAAAAAAZAAAAGQAAAAVAAAAYAAAAAAAAAAAAAAADwAAACADAAAAAAAAAAAAAAEAAACgMgAAVgcAAKr4//8BAAAAf39/AAEAAABkAAAAAAAAABQAAABAHwAAAAAAACYAAAAAAAAAwOD//wAAAAAmAAAAZAAAABYAAABMAAAAAAAAAAAAAAAEAAAAAAAAAAEAAADRSc4KAAAAACgAAAAoAAAAZAAAAGQAAAAAAAAAzMzMAAAAAABQAAAAUAAAAGQAAABkAAAAAAAAABcAAAAUAAAAAAAAAAAAAAD/fwAA/38AAAAAAAAJAAAABAAAAAAAAAAeAAAAaAAAAAAAAAAAAAAAAAAAAAAAAAAAAAAAECcAABAnAAAAAAAAAAAAAAAAAAAAAAAAAAAAAAAAAAAAAAAAAAAAABQAAAAAAAAAwMD/AAAAAABkAAAAMgAAAAAAAABkAAAAAAAAAH9/fwAKAAAAIgAAABgAAAAAAAAAAAAAAAAAAAAAAAAAAAAAAAAAAAAkAAAAJAAAAAAAAAAHAAAAAAAAAAAAAAAAAAAAAAAAAAAAAAAAAAAAf39/ACUAAABYAAAAAAAAAAAAAAAAAAAAAAAAAAAAAAAAAAAAAAAAAAAAAAAAAAAAAAAAAAAAAAA/AAAAAAAAAKCGAQAAAAAAAAAAAAAAAAAMAAAAAQAAAAAAAAAAAAAAAAAAAB8AAABUAAAA////AAAAAAEAAAAAAAAAAAAAAAAAAAAAAAAAAAAAAAAAAAAAAAAAAAAAAAB/f38AAAAAA8zMzADAwP8Af39/AAAAAAAAAAAAAAAAAAAAAAAAAAAAIQAAABgAAAAUAAAADCUAAP0QAABYNQAAvhkAABAAAAAmAAAACAAAAD0gAAAAAAAA"/>
+                <pr:smNativeData xmlns:pr="smNativeData" xmlns="smNativeData" val="SMDATA_15_8sFZZRMAAAAlAAAAZAAAAA0AAAAAAAAAAAAAAAAAAAAAAAAAAAAAAAAAAAAAAAAAAAEAAABQAAAAAAAAAAAA4D8AAAAAAADgPwAAAAAAAOA/AAAAAAAA4D8AAAAAAADgPwAAAAAAAOA/AAAAAAAA4D8AAAAAAADgPwAAAAAAAOA/AAAAAAAA4D8CAAAAjAAAAAAAAAAAAAAA////AP///wgAAAAAAAAAAAAAAAAAAAAAAAAAAAAAAAAAAAAAeAAAAAEAAABAAAAAAAAAAAAAAABaAAAAAAAAAAAAAAAAAAAAAAAAAAAAAAAAAAAAAAAAAAAAAAAAAAAAAAAAAAAAAAAAAAAAAAAAAAAAAAAAAAAAAAAAAAAAAAAAAAAAFAAAADwAAAAAAAAAAAAAAAAAAAAPAAAAAQAAACMAAAAjAAAAIwAAAB4AAAAAAAAAZAAAAGQAAAAAAAAAZAAAAGQAAAAVAAAAYAAAAAAAAAAAAAAADwAAACADAAAAAAAAAAAAAAEAAACgMgAAVgcAAKr4//8BAAAAf39/AAEAAABkAAAAAAAAABQAAABAHwAAAAAAACYAAAAAAAAAwOD//wAAAAAmAAAAZAAAABYAAABMAAAAAAAAAAAAAAAEAAAAAAAAAAEAAADRSc4KAAAAACgAAAAoAAAAZAAAAGQAAAAAAAAAzMzMAAAAAABQAAAAUAAAAGQAAABkAAAAAAAAABcAAAAUAAAAAAAAAAAAAAD/fwAA/38AAAAAAAAJAAAABAAAAAAAAAAeAAAAaAAAAAAAAAAAAAAAAAAAAAAAAAAAAAAAECcAABAnAAAAAAAAAAAAAAAAAAAAAAAAAAAAAAAAAAAAAAAAAAAAABQAAAAAAAAAwMD/AAAAAABkAAAAMgAAAAAAAABkAAAAAAAAAH9/fwAKAAAAIgAAABgAAAAAAAAAAAAAAAAAAAAAAAAAAAAAAAAAAAAkAAAAJAAAAAAAAAAHAAAAAAAAAAAAAAAAAAAAAAAAAAAAAAAAAAAAf39/ACUAAABYAAAAAAAAAAAAAAAAAAAAAAAAAAAAAAAAAAAAAAAAAAAAAAAAAAAAAAAAAAAAAAA/AAAAAAAAAKCGAQAAAAAAAAAAAAAAAAAMAAAAAQAAAAAAAAAAAAAAAAAAAB8AAABUAAAA////AAAAAAEAAAAAAAAAAAAAAAAAAAAAAAAAAAAAAAAAAAAAAAAAAAAAAAB/f38AAAAAA8zMzADAwP8Af39/AAAAAAAAAAAAAAAAAAAAAAAAAAAAIQAAABgAAAAUAAAADCUAAP0QAABYNQAAvhkAABAAAAAmAAAACAAAAD0gAAAAAAAA"/>
               </a:ext>
             </a:extLst>
           </p:cNvSpPr>
@@ -14377,7 +14280,7 @@
             <a:spLocks noGrp="1" noChangeArrowheads="1"/>
             <a:extLst>
               <a:ext uri="smNativeData">
-                <pr:smNativeData xmlns:pr="smNativeData" xmlns="smNativeData" val="SMDATA_15_37BZZRMAAAAlAAAAZAAAAE0AAAAAAAAAAAAAAAAAAAAAAAAAAAAAAAABAAAAAAAAAAEAAABQAAAAAAAAAAAA4D8AAAAAAADgPwAAAAAAAOA/AAAAAAAA4D8AAAAAAADgPwAAAAAAAOA/AAAAAAAA4D8AAAAAAADgPwAAAAAAAOA/AAAAAAAA4D8CAAAAjAAAAAAAAAAAAAAA////AP///wgAAAAAAAAAAAAAAAAAAAAAAAAAAAAAAAAAAAAAeAAAAAEAAABAAAAAAAAAAAAAAABaAAAAAAAAAAAAAAAAAAAAAAAAAAAAAAAAAAAAAAAAAAAAAAAAAAAAAAAAAAAAAAAAAAAAAAAAAAAAAAAAAAAAAAAAAAAAAAAAAAAAFAAAADwAAAAAAAAAAAAAAAAAAAAPAAAAAQAAACMAAAAjAAAAIwAAAB4AAAAAAAAAZAAAAGQAAAAAAAAAZAAAAGQAAAAVAAAAYAAAAAAAAAAAAAAADwAAACADAAAAAAAAAAAAAAEAAACgMgAAVgcAAKr4//8BAAAAf39/AAEAAABkAAAAAAAAABQAAABAHwAAAAAAACYAAAAAAAAAwOD//wAAAAAmAAAAZAAAABYAAABMAAAAAAAAAAAAAAAEAAAAAAAAAAEAAADRSc4KAAAAACgAAAAoAAAAZAAAAGQAAAAAAAAAzMzMAAAAAABQAAAAUAAAAGQAAABkAAAAAAAAABcAAAAUAAAAAAAAAAAAAAD/fwAA/38AAAAAAAAJAAAABAAAAAAAAAAeAAAAaAAAAAAAAAAAAAAAAAAAAAAAAAAAAAAAECcAABAnAAAAAAAAAAAAAAAAAAAAAAAAAAAAAAAAAAAAAAAAAAAAABQAAAAAAAAAwMD/AAAAAABkAAAAMgAAAAAAAABkAAAAAAAAAH9/fwAKAAAAIgAAABgAAAAAAAAAAAAAAAAAAAAAAAAAAAAAAAAAAAAkAAAAJAAAAAAAAAAHAAAAAAAAAAAAAAAAAAAAAAAAAAAAAAAAAAAAf39/ACUAAABYAAAAAAAAAAAAAAAAAAAAAAAAAAAAAAAAAAAAAAAAAAAAAAAAAAAAAAAAAAAAAAA/AAAAAAAAAKCGAQAAAAAAAAAAAAAAAAAMAAAAAQAAAAAAAAAAAAAAAAAAAB8AAABUAAAA////AAAAAAEAAAAAAAAAAAAAAAAAAAAAAAAAAAAAAAAAAAAAAAAAAAAAAAB/f38AAAAAA8zMzADAwP8Af39/AAAAAAAAAAAAAAAAAAAAAAAAAAAAIQAAABgAAAAUAAAA0AIAAA8AAABvNQAAwAcAABAgAAAmAAAACAAAAD0gAAAAAAAA"/>
+                <pr:smNativeData xmlns:pr="smNativeData" xmlns="smNativeData" val="SMDATA_15_8sFZZRMAAAAlAAAAZAAAAE0AAAAAAAAAAAAAAAAAAAAAAAAAAAAAAAABAAAAAAAAAAEAAABQAAAAAAAAAAAA4D8AAAAAAADgPwAAAAAAAOA/AAAAAAAA4D8AAAAAAADgPwAAAAAAAOA/AAAAAAAA4D8AAAAAAADgPwAAAAAAAOA/AAAAAAAA4D8CAAAAjAAAAAAAAAAAAAAA////AP///wgAAAAAAAAAAAAAAAAAAAAAAAAAAAAAAAAAAAAAeAAAAAEAAABAAAAAAAAAAAAAAABaAAAAAAAAAAAAAAAAAAAAAAAAAAAAAAAAAAAAAAAAAAAAAAAAAAAAAAAAAAAAAAAAAAAAAAAAAAAAAAAAAAAAAAAAAAAAAAAAAAAAFAAAADwAAAAAAAAAAAAAAAAAAAAPAAAAAQAAACMAAAAjAAAAIwAAAB4AAAAAAAAAZAAAAGQAAAAAAAAAZAAAAGQAAAAVAAAAYAAAAAAAAAAAAAAADwAAACADAAAAAAAAAAAAAAEAAACgMgAAVgcAAKr4//8BAAAAf39/AAEAAABkAAAAAAAAABQAAABAHwAAAAAAACYAAAAAAAAAwOD//wAAAAAmAAAAZAAAABYAAABMAAAAAAAAAAAAAAAEAAAAAAAAAAEAAADRSc4KAAAAACgAAAAoAAAAZAAAAGQAAAAAAAAAzMzMAAAAAABQAAAAUAAAAGQAAABkAAAAAAAAABcAAAAUAAAAAAAAAAAAAAD/fwAA/38AAAAAAAAJAAAABAAAAPfm1f8eAAAAaAAAAAAAAAAAAAAAAAAAAAAAAAAAAAAAECcAABAnAAAAAAAAAAAAAAAAAAAAAAAAAAAAAAAAAAAAAAAAAAAAABQAAAAAAAAAwMD/AAAAAABkAAAAMgAAAAAAAABkAAAAAAAAAH9/fwAKAAAAIgAAABgAAAAAAAAAAAAAAAAAAAAAAAAAAAAAAAAAAAAkAAAAJAAAAAAAAAAHAAAAAAAAAAAAAAAAAAAAAAAAAAAAAAAAAAAAf39/ACUAAABYAAAAAAAAAAAAAAAAAAAAAAAAAAAAAAAAAAAAAAAAAAAAAAAAAAAAAAAAAAAAAAA/AAAAAAAAAKCGAQAAAAAAAAAAAAAAAAAMAAAAAQAAAAAAAAAAAAAAAAAAAB8AAABUAAAA////AAAAAAEAAAAAAAAAAAAAAAAAAAAAAAAAAAAAAAAAAAAAAAAAAAAAAAB/f38AAAAAA8zMzADAwP8Af39/AAAAAAAAAAAAAAAAAAAAAAAAAAAAIQAAABgAAAAUAAAA0AIAAA8AAABvNQAAwAcAABAgAAAmAAAACAAAAD0gAAAAAAAA"/>
               </a:ext>
             </a:extLst>
           </p:cNvSpPr>
@@ -14410,7 +14313,7 @@
             <a:spLocks noGrp="1" noChangeArrowheads="1"/>
             <a:extLst>
               <a:ext uri="smNativeData">
-                <pr:smNativeData xmlns:pr="smNativeData" xmlns="smNativeData" val="SMDATA_15_37BZZRMAAAAlAAAAZAAAAA0AAAAAAAAAAAAAAAAAAAAAAAAAAAAAAAAAAAAAAAAAAAEAAABQAAAAAAAAAAAA4D8AAAAAAADgPwAAAAAAAOA/AAAAAAAA4D8AAAAAAADgPwAAAAAAAOA/AAAAAAAA4D8AAAAAAADgPwAAAAAAAOA/AAAAAAAA4D8CAAAAjAAAAAAAAAAAAAAA////AP///wgAAAAAAAAAAAAAAAAAAAAAAAAAAAAAAAAAAAAAeAAAAAEAAABAAAAAAAAAAAAAAABaAAAAAAAAAAAAAAAAAAAAAAAAAAAAAAAAAAAAAAAAAAAAAAAAAAAAAAAAAAAAAAAAAAAAAAAAAAAAAAAAAAAAAAAAAAAAAAAAAAAAFAAAADwAAAAAAAAAAAAAAAAAAAAPAAAAAQAAACMAAAAjAAAAIwAAAB4AAAAAAAAAZAAAAGQAAAAAAAAAZAAAAGQAAAAVAAAAYAAAAAAAAAAAAAAADwAAACADAAAAAAAAAAAAAAEAAACgMgAAVgcAAKr4//8BAAAAf39/AAEAAABkAAAAAAAAABQAAABAHwAAAAAAACYAAAAAAAAAwOD//wAAAAAmAAAAZAAAABYAAABMAAAAAAAAAAAAAAAEAAAAAAAAAAEAAADRSc4KAAAAACgAAAAoAAAAZAAAAGQAAAAAAAAAzMzMAAAAAABQAAAAUAAAAGQAAABkAAAAAAAAABcAAAAUAAAAAAAAAAAAAAD/fwAA/38AAAAAAAAJAAAABAAAAF8AYAAeAAAAaAAAAAAAAAAAAAAAAAAAAAAAAAAAAAAAECcAABAnAAAAAAAAAAAAAAAAAAAAAAAAAAAAAAAAAAAAAAAAAAAAABQAAAAAAAAAwMD/AAAAAABkAAAAMgAAAAAAAABkAAAAAAAAAH9/fwAKAAAAIgAAABgAAAAAAAAAAAAAAAAAAAAAAAAAAAAAAAAAAAAkAAAAJAAAAAAAAAAHAAAAAAAAAAAAAAAAAAAAAAAAAAAAAAAAAAAAf39/ACUAAABYAAAAAAAAAAAAAAAAAAAAAAAAAAAAAAAAAAAAAAAAAAAAAAAAAAAAAAAAAAAAAAA/AAAAAAAAAKCGAQAAAAAAAAAAAAAAAAAMAAAAAQAAAAAAAAAAAAAAAAAAAB8AAABUAAAA////AAAAAAEAAAAAAAAAAAAAAAAAAAAAAAAAAAAAAAAAAAAAAAAAAAAAAAB/f38AAAAAA8zMzADAwP8Af39/AAAAAAAAAAAAAAAAAAAAAAAAAAAAIQAAABgAAAAUAAAA0AIAAGcHAACEGwAAKBAAABAAAAAmAAAACAAAAD0gAAAAAAAA"/>
+                <pr:smNativeData xmlns:pr="smNativeData" xmlns="smNativeData" val="SMDATA_15_8sFZZRMAAAAlAAAAZAAAAA0AAAAAAAAAAAAAAAAAAAAAAAAAAAAAAAAAAAAAAAAAAAEAAABQAAAAAAAAAAAA4D8AAAAAAADgPwAAAAAAAOA/AAAAAAAA4D8AAAAAAADgPwAAAAAAAOA/AAAAAAAA4D8AAAAAAADgPwAAAAAAAOA/AAAAAAAA4D8CAAAAjAAAAAAAAAAAAAAA////AP///wgAAAAAAAAAAAAAAAAAAAAAAAAAAAAAAAAAAAAAeAAAAAEAAABAAAAAAAAAAAAAAABaAAAAAAAAAAAAAAAAAAAAAAAAAAAAAAAAAAAAAAAAAAAAAAAAAAAAAAAAAAAAAAAAAAAAAAAAAAAAAAAAAAAAAAAAAAAAAAAAAAAAFAAAADwAAAAAAAAAAAAAAAAAAAAPAAAAAQAAACMAAAAjAAAAIwAAAB4AAAAAAAAAZAAAAGQAAAAAAAAAZAAAAGQAAAAVAAAAYAAAAAAAAAAAAAAADwAAACADAAAAAAAAAAAAAAEAAACgMgAAVgcAAKr4//8BAAAAf39/AAEAAABkAAAAAAAAABQAAABAHwAAAAAAACYAAAAAAAAAwOD//wAAAAAmAAAAZAAAABYAAABMAAAAAAAAAAAAAAAEAAAAAAAAAAEAAADRSc4KAAAAACgAAAAoAAAAZAAAAGQAAAAAAAAAzMzMAAAAAABQAAAAUAAAAGQAAABkAAAAAAAAABcAAAAUAAAAAAAAAAAAAAD/fwAA/38AAAAAAAAJAAAABAAAAP///wAeAAAAaAAAAAAAAAAAAAAAAAAAAAAAAAAAAAAAECcAABAnAAAAAAAAAAAAAAAAAAAAAAAAAAAAAAAAAAAAAAAAAAAAABQAAAAAAAAAwMD/AAAAAABkAAAAMgAAAAAAAABkAAAAAAAAAH9/fwAKAAAAIgAAABgAAAAAAAAAAAAAAAAAAAAAAAAAAAAAAAAAAAAkAAAAJAAAAAAAAAAHAAAAAAAAAAAAAAAAAAAAAAAAAAAAAAAAAAAAf39/ACUAAABYAAAAAAAAAAAAAAAAAAAAAAAAAAAAAAAAAAAAAAAAAAAAAAAAAAAAAAAAAAAAAAA/AAAAAAAAAKCGAQAAAAAAAAAAAAAAAAAMAAAAAQAAAAAAAAAAAAAAAAAAAB8AAABUAAAA////AAAAAAEAAAAAAAAAAAAAAAAAAAAAAAAAAAAAAAAAAAAAAAAAAAAAAAB/f38AAAAAA8zMzADAwP8Af39/AAAAAAAAAAAAAAAAAAAAAAAAAAAAIQAAABgAAAAUAAAA0AIAAGcHAACEGwAAKBAAABAAAAAmAAAACAAAAD0gAAAAAAAA"/>
               </a:ext>
             </a:extLst>
           </p:cNvSpPr>
@@ -14443,7 +14346,7 @@
             <a:spLocks noGrp="1" noChangeArrowheads="1"/>
             <a:extLst>
               <a:ext uri="smNativeData">
-                <pr:smNativeData xmlns:pr="smNativeData" xmlns="smNativeData" val="SMDATA_15_37BZZRMAAAAlAAAAZAAAAA0AAAAAAAAAAAAAAAAAAAAAAAAAAAAAAAAAAAAAAAAAAAEAAABQAAAAAAAAAAAA4D8AAAAAAADgPwAAAAAAAOA/AAAAAAAA4D8AAAAAAADgPwAAAAAAAOA/AAAAAAAA4D8AAAAAAADgPwAAAAAAAOA/AAAAAAAA4D8CAAAAjAAAAAAAAAAAAAAA////AP///wgAAAAAAAAAAAAAAAAAAAAAAAAAAAAAAAAAAAAAeAAAAAEAAABAAAAAAAAAAAAAAABaAAAAAAAAAAAAAAAAAAAAAAAAAAAAAAAAAAAAAAAAAAAAAAAAAAAAAAAAAAAAAAAAAAAAAAAAAAAAAAAAAAAAAAAAAAAAAAAAAAAAFAAAADwAAAAAAAAAAAAAAAAAAAAPAAAAAQAAACMAAAAjAAAAIwAAAB4AAAAAAAAAZAAAAGQAAAAAAAAAZAAAAGQAAAAVAAAAYAAAAAAAAAAAAAAADwAAACADAAAAAAAAAAAAAAEAAACgMgAAVgcAAKr4//8BAAAAf39/AAEAAABkAAAAAAAAABQAAABAHwAAAAAAACYAAAAAAAAAwOD//wAAAAAmAAAAZAAAABYAAABMAAAAAAAAAAAAAAAEAAAAAAAAAAEAAADRSc4KAAAAACgAAAAoAAAAZAAAAGQAAAAAAAAAzMzMAAAAAABQAAAAUAAAAGQAAABkAAAAAAAAABcAAAAUAAAAAAAAAAAAAAD/fwAA/38AAAAAAAAJAAAABAAAAF8AYAAeAAAAaAAAAAAAAAAAAAAAAAAAAAAAAAAAAAAAECcAABAnAAAAAAAAAAAAAAAAAAAAAAAAAAAAAAAAAAAAAAAAAAAAABQAAAAAAAAAwMD/AAAAAABkAAAAMgAAAAAAAABkAAAAAAAAAH9/fwAKAAAAIgAAABgAAAAAAAAAAAAAAAAAAAAAAAAAAAAAAAAAAAAkAAAAJAAAAAAAAAAHAAAAAAAAAAAAAAAAAAAAAAAAAAAAAAAAAAAAf39/ACUAAABYAAAAAAAAAAAAAAAAAAAAAAAAAAAAAAAAAAAAAAAAAAAAAAAAAAAAAAAAAAAAAAA/AAAAAAAAAKCGAQAAAAAAAAAAAAAAAAAMAAAAAQAAAAAAAAAAAAAAAAAAAB8AAABUAAAA////AAAAAAEAAAAAAAAAAAAAAAAAAAAAAAAAAAAAAAAAAAAAAAAAAAAAAAB/f38AAAAAA8zMzADAwP8Af39/AAAAAAAAAAAAAAAAAAAAAAAAAAAAIQAAABgAAAAUAAAAwRwAAGcHAAB1NQAAwRkAABAAAAAmAAAACAAAAD0gAAAAAAAA"/>
+                <pr:smNativeData xmlns:pr="smNativeData" xmlns="smNativeData" val="SMDATA_15_8sFZZRMAAAAlAAAAZAAAAA0AAAAAAAAAAAAAAAAAAAAAAAAAAAAAAAAAAAAAAAAAAAEAAABQAAAAAAAAAAAA4D8AAAAAAADgPwAAAAAAAOA/AAAAAAAA4D8AAAAAAADgPwAAAAAAAOA/AAAAAAAA4D8AAAAAAADgPwAAAAAAAOA/AAAAAAAA4D8CAAAAjAAAAAAAAAAAAAAA////AP///wgAAAAAAAAAAAAAAAAAAAAAAAAAAAAAAAAAAAAAeAAAAAEAAABAAAAAAAAAAAAAAABaAAAAAAAAAAAAAAAAAAAAAAAAAAAAAAAAAAAAAAAAAAAAAAAAAAAAAAAAAAAAAAAAAAAAAAAAAAAAAAAAAAAAAAAAAAAAAAAAAAAAFAAAADwAAAAAAAAAAAAAAAAAAAAPAAAAAQAAACMAAAAjAAAAIwAAAB4AAAAAAAAAZAAAAGQAAAAAAAAAZAAAAGQAAAAVAAAAYAAAAAAAAAAAAAAADwAAACADAAAAAAAAAAAAAAEAAACgMgAAVgcAAKr4//8BAAAAf39/AAEAAABkAAAAAAAAABQAAABAHwAAAAAAACYAAAAAAAAAwOD//wAAAAAmAAAAZAAAABYAAABMAAAAAAAAAAAAAAAEAAAAAAAAAAEAAADRSc4KAAAAACgAAAAoAAAAZAAAAGQAAAAAAAAAzMzMAAAAAABQAAAAUAAAAGQAAABkAAAAAAAAABcAAAAUAAAAAAAAAAAAAAD/fwAA/38AAAAAAAAJAAAABAAAABvWkgUeAAAAaAAAAAAAAAAAAAAAAAAAAAAAAAAAAAAAECcAABAnAAAAAAAAAAAAAAAAAAAAAAAAAAAAAAAAAAAAAAAAAAAAABQAAAAAAAAAwMD/AAAAAABkAAAAMgAAAAAAAABkAAAAAAAAAH9/fwAKAAAAIgAAABgAAAAAAAAAAAAAAAAAAAAAAAAAAAAAAAAAAAAkAAAAJAAAAAAAAAAHAAAAAAAAAAAAAAAAAAAAAAAAAAAAAAAAAAAAf39/ACUAAABYAAAAAAAAAAAAAAAAAAAAAAAAAAAAAAAAAAAAAAAAAAAAAAAAAAAAAAAAAAAAAAA/AAAAAAAAAKCGAQAAAAAAAAAAAAAAAAAMAAAAAQAAAAAAAAAAAAAAAAAAAB8AAABUAAAA////AAAAAAEAAAAAAAAAAAAAAAAAAAAAAAAAAAAAAAAAAAAAAAAAAAAAAAB/f38AAAAAA8zMzADAwP8Af39/AAAAAAAAAAAAAAAAAAAAAAAAAAAAIQAAABgAAAAUAAAAwRwAAGcHAAB1NQAAwRkAABAAAAAmAAAACAAAAD0gAAAAAAAA"/>
               </a:ext>
             </a:extLst>
           </p:cNvSpPr>
@@ -14476,7 +14379,7 @@
             <a:spLocks noGrp="1" noChangeArrowheads="1"/>
             <a:extLst>
               <a:ext uri="smNativeData">
-                <pr:smNativeData xmlns:pr="smNativeData" xmlns="smNativeData" val="SMDATA_15_37BZZRMAAAAlAAAAZAAAAA0AAAAAAAAAAAAAAAAAAAAAAAAAAAAAAAAAAAAAAAAAAAEAAABQAAAAAAAAAAAA4D8AAAAAAADgPwAAAAAAAOA/AAAAAAAA4D8AAAAAAADgPwAAAAAAAOA/AAAAAAAA4D8AAAAAAADgPwAAAAAAAOA/AAAAAAAA4D8CAAAAjAAAAAAAAAAAAAAA////AP///wgAAAAAAAAAAAAAAAAAAAAAAAAAAAAAAAAAAAAAeAAAAAEAAABAAAAAAAAAAAAAAABaAAAAAAAAAAAAAAAAAAAAAAAAAAAAAAAAAAAAAAAAAAAAAAAAAAAAAAAAAAAAAAAAAAAAAAAAAAAAAAAAAAAAAAAAAAAAAAAAAAAAFAAAADwAAAAAAAAAAAAAAAAAAAAPAAAAAQAAACMAAAAjAAAAIwAAAB4AAAAAAAAAZAAAAGQAAAAAAAAAZAAAAGQAAAAVAAAAYAAAAAAAAAAAAAAADwAAACADAAAAAAAAAAAAAAEAAACgMgAAVgcAAKr4//8BAAAAf39/AAEAAABkAAAAAAAAABQAAABAHwAAAAAAACYAAAAAAAAAwOD//wAAAAAmAAAAZAAAABYAAABMAAAAAAAAAAAAAAAEAAAAAAAAAAEAAADRSc4KAAAAACgAAAAoAAAAZAAAAGQAAAAAAAAAzMzMAAAAAABQAAAAUAAAAGQAAABkAAAAAAAAABcAAAAUAAAAAAAAAAAAAAD/fwAA/38AAAAAAAAJAAAABAAAAAAAAAAeAAAAaAAAAAAAAAAAAAAAAAAAAAAAAAAAAAAAECcAABAnAAAAAAAAAAAAAAAAAAAAAAAAAAAAAAAAAAAAAAAAAAAAABQAAAAAAAAAwMD/AAAAAABkAAAAMgAAAAAAAABkAAAAAAAAAH9/fwAKAAAAIgAAABgAAAAAAAAAAAAAAAAAAAAAAAAAAAAAAAAAAAAkAAAAJAAAAAAAAAAHAAAAAAAAAAAAAAAAAAAAAAAAAAAAAAAAAAAAf39/ACUAAABYAAAAAAAAAAAAAAAAAAAAAAAAAAAAAAAAAAAAAAAAAAAAAAAAAAAAAAAAAAAAAAA/AAAAAAAAAKCGAQAAAAAAAAAAAAAAAAAMAAAAAQAAAAAAAAAAAAAAAAAAAB8AAABUAAAA////AAAAAAEAAAAAAAAAAAAAAAAAAAAAAAAAAAAAAAAAAAAAAAAAAAAAAAB/f38AAAAAA8zMzADAwP8Af39/AAAAAAAAAAAAAAAAAAAAAAAAAAAAIQAAABgAAAAUAAAA0AIAAP0QAACEGwAAvhkAABAAAAAmAAAACAAAAD0gAAAAAAAA"/>
+                <pr:smNativeData xmlns:pr="smNativeData" xmlns="smNativeData" val="SMDATA_15_8sFZZRMAAAAlAAAAZAAAAA0AAAAAAAAAAAAAAAAAAAAAAAAAAAAAAAAAAAAAAAAAAAEAAABQAAAAAAAAAAAA4D8AAAAAAADgPwAAAAAAAOA/AAAAAAAA4D8AAAAAAADgPwAAAAAAAOA/AAAAAAAA4D8AAAAAAADgPwAAAAAAAOA/AAAAAAAA4D8CAAAAjAAAAAAAAAAAAAAA////AP///wgAAAAAAAAAAAAAAAAAAAAAAAAAAAAAAAAAAAAAeAAAAAEAAABAAAAAAAAAAAAAAABaAAAAAAAAAAAAAAAAAAAAAAAAAAAAAAAAAAAAAAAAAAAAAAAAAAAAAAAAAAAAAAAAAAAAAAAAAAAAAAAAAAAAAAAAAAAAAAAAAAAAFAAAADwAAAAAAAAAAAAAAAAAAAAPAAAAAQAAACMAAAAjAAAAIwAAAB4AAAAAAAAAZAAAAGQAAAAAAAAAZAAAAGQAAAAVAAAAYAAAAAAAAAAAAAAADwAAACADAAAAAAAAAAAAAAEAAACgMgAAVgcAAKr4//8BAAAAf39/AAEAAABkAAAAAAAAABQAAABAHwAAAAAAACYAAAAAAAAAwOD//wAAAAAmAAAAZAAAABYAAABMAAAAAAAAAAAAAAAEAAAAAAAAAAEAAADRSc4KAAAAACgAAAAoAAAAZAAAAGQAAAAAAAAAzMzMAAAAAABQAAAAUAAAAGQAAABkAAAAAAAAABcAAAAUAAAAAAAAAAAAAAD/fwAA/38AAAAAAAAJAAAABAAAAAAAAAAeAAAAaAAAAAAAAAAAAAAAAAAAAAAAAAAAAAAAECcAABAnAAAAAAAAAAAAAAAAAAAAAAAAAAAAAAAAAAAAAAAAAAAAABQAAAAAAAAAwMD/AAAAAABkAAAAMgAAAAAAAABkAAAAAAAAAH9/fwAKAAAAIgAAABgAAAAAAAAAAAAAAAAAAAAAAAAAAAAAAAAAAAAkAAAAJAAAAAAAAAAHAAAAAAAAAAAAAAAAAAAAAAAAAAAAAAAAAAAAf39/ACUAAABYAAAAAAAAAAAAAAAAAAAAAAAAAAAAAAAAAAAAAAAAAAAAAAAAAAAAAAAAAAAAAAA/AAAAAAAAAKCGAQAAAAAAAAAAAAAAAAAMAAAAAQAAAAAAAAAAAAAAAAAAAB8AAABUAAAA////AAAAAAEAAAAAAAAAAAAAAAAAAAAAAAAAAAAAAAAAAAAAAAAAAAAAAAB/f38AAAAAA8zMzADAwP8Af39/AAAAAAAAAAAAAAAAAAAAAAAAAAAAIQAAABgAAAAUAAAA0AIAAP0QAACEGwAAvhkAABAAAAAmAAAACAAAAD0gAAAAAAAA"/>
               </a:ext>
             </a:extLst>
           </p:cNvSpPr>
@@ -14534,7 +14437,7 @@
             <a:spLocks noGrp="1" noChangeArrowheads="1"/>
             <a:extLst>
               <a:ext uri="smNativeData">
-                <pr:smNativeData xmlns:pr="smNativeData" xmlns="smNativeData" val="SMDATA_15_37BZZRMAAAAlAAAAZAAAAE0AAAAAAAAAAAAAAAAAAAAAAAAAAAAAAAABAAAAAAAAAAEAAABQAAAAAAAAAAAA4D8AAAAAAADgPwAAAAAAAOA/AAAAAAAA4D8AAAAAAADgPwAAAAAAAOA/AAAAAAAA4D8AAAAAAADgPwAAAAAAAOA/AAAAAAAA4D8CAAAAjAAAAAAAAAAAAAAA////AP///wgAAAAAAAAAAAAAAAAAAAAAAAAAAAAAAAAAAAAAeAAAAAEAAABAAAAAAAAAAAAAAABaAAAAAAAAAAAAAAAAAAAAAAAAAAAAAAAAAAAAAAAAAAAAAAAAAAAAAAAAAAAAAAAAAAAAAAAAAAAAAAAAAAAAAAAAAAAAAAAAAAAAFAAAADwAAAAAAAAAAAAAAAAAAAAPAAAAAQAAACMAAAAjAAAAIwAAAB4AAAAAAAAAZAAAAGQAAAAAAAAAZAAAAGQAAAAVAAAAYAAAAAAAAAAAAAAADwAAACADAAAAAAAAAAAAAAEAAACgMgAAVgcAAKr4//8BAAAAf39/AAEAAABkAAAAAAAAABQAAABAHwAAAAAAACYAAAAAAAAAwOD//wAAAAAmAAAAZAAAABYAAABMAAAAAAAAAAAAAAAEAAAAAAAAAAEAAADRSc4KAAAAACgAAAAoAAAAZAAAAGQAAAAAAAAAzMzMAAAAAABQAAAAUAAAAGQAAABkAAAAAAAAABcAAAAUAAAAAAAAAAAAAAD/fwAA/38AAAAAAAAJAAAABAAAAAAAAAAeAAAAaAAAAAAAAAAAAAAAAAAAAAAAAAAAAAAAECcAABAnAAAAAAAAAAAAAAAAAAAAAAAAAAAAAAAAAAAAAAAAAAAAABQAAAAAAAAAwMD/AAAAAABkAAAAMgAAAAAAAABkAAAAAAAAAH9/fwAKAAAAIgAAABgAAAAAAAAAAAAAAAAAAAAAAAAAAAAAAAAAAAAkAAAAJAAAAAAAAAAHAAAAAAAAAAAAAAAAAAAAAAAAAAAAAAAAAAAAf39/ACUAAABYAAAAAAAAAAAAAAAAAAAAAAAAAAAAAAAAAAAAAAAAAAAAAAAAAAAAAAAAAAAAAAA/AAAAAAAAAKCGAQAAAAAAAAAAAAAAAAAMAAAAAQAAAAAAAAAAAAAAAAAAAB8AAABUAAAA////AAAAAAEAAAAAAAAAAAAAAAAAAAAAAAAAAAAAAAAAAAAAAAAAAAAAAAB/f38AAAAAA8zMzADAwP8Af39/AAAAAAAAAAAAAAAAAAAAAAAAAAAAIQAAABgAAAAUAAAA0AIAAA8AAABvNQAAwAcAABAgAAAmAAAACAAAAD0gAAAAAAAA"/>
+                <pr:smNativeData xmlns:pr="smNativeData" xmlns="smNativeData" val="SMDATA_15_8sFZZRMAAAAlAAAAZAAAAE0AAAAAAAAAAAAAAAAAAAAAAAAAAAAAAAABAAAAAAAAAAEAAABQAAAAAAAAAAAA4D8AAAAAAADgPwAAAAAAAOA/AAAAAAAA4D8AAAAAAADgPwAAAAAAAOA/AAAAAAAA4D8AAAAAAADgPwAAAAAAAOA/AAAAAAAA4D8CAAAAjAAAAAAAAAAAAAAA////AP///wgAAAAAAAAAAAAAAAAAAAAAAAAAAAAAAAAAAAAAeAAAAAEAAABAAAAAAAAAAAAAAABaAAAAAAAAAAAAAAAAAAAAAAAAAAAAAAAAAAAAAAAAAAAAAAAAAAAAAAAAAAAAAAAAAAAAAAAAAAAAAAAAAAAAAAAAAAAAAAAAAAAAFAAAADwAAAAAAAAAAAAAAAAAAAAPAAAAAQAAACMAAAAjAAAAIwAAAB4AAAAAAAAAZAAAAGQAAAAAAAAAZAAAAGQAAAAVAAAAYAAAAAAAAAAAAAAADwAAACADAAAAAAAAAAAAAAEAAACgMgAAVgcAAKr4//8BAAAAf39/AAEAAABkAAAAAAAAABQAAABAHwAAAAAAACYAAAAAAAAAwOD//wAAAAAmAAAAZAAAABYAAABMAAAAAAAAAAAAAAAEAAAAAAAAAAEAAADRSc4KAAAAACgAAAAoAAAAZAAAAGQAAAAAAAAAzMzMAAAAAABQAAAAUAAAAGQAAABkAAAAAAAAABcAAAAUAAAAAAAAAAAAAAD/fwAA/38AAAAAAAAJAAAABAAAAP///wAeAAAAaAAAAAAAAAAAAAAAAAAAAAAAAAAAAAAAECcAABAnAAAAAAAAAAAAAAAAAAAAAAAAAAAAAAAAAAAAAAAAAAAAABQAAAAAAAAAwMD/AAAAAABkAAAAMgAAAAAAAABkAAAAAAAAAH9/fwAKAAAAIgAAABgAAAAAAAAAAAAAAAAAAAAAAAAAAAAAAAAAAAAkAAAAJAAAAAAAAAAHAAAAAAAAAAAAAAAAAAAAAAAAAAAAAAAAAAAAf39/ACUAAABYAAAAAAAAAAAAAAAAAAAAAAAAAAAAAAAAAAAAAAAAAAAAAAAAAAAAAAAAAAAAAAA/AAAAAAAAAKCGAQAAAAAAAAAAAAAAAAAMAAAAAQAAAAAAAAAAAAAAAAAAAB8AAABUAAAA////AAAAAAEAAAAAAAAAAAAAAAAAAAAAAAAAAAAAAAAAAAAAAAAAAAAAAAB/f38AAAAAA8zMzADAwP8Af39/AAAAAAAAAAAAAAAAAAAAAAAAAAAAIQAAABgAAAAUAAAA0AIAAA8AAABvNQAAwAcAABAgAAAmAAAACAAAAD0gAAAAAAAA"/>
               </a:ext>
             </a:extLst>
           </p:cNvSpPr>
@@ -14567,7 +14470,7 @@
             <a:spLocks noGrp="1" noChangeArrowheads="1"/>
             <a:extLst>
               <a:ext uri="smNativeData">
-                <pr:smNativeData xmlns:pr="smNativeData" xmlns="smNativeData" val="SMDATA_15_37BZZRMAAAAlAAAAZAAAAA0AAAAAAAAAAAAAAAAAAAAAAAAAAAAAAAAAAAAAAAAAAAEAAABQAAAAAAAAAAAA4D8AAAAAAADgPwAAAAAAAOA/AAAAAAAA4D8AAAAAAADgPwAAAAAAAOA/AAAAAAAA4D8AAAAAAADgPwAAAAAAAOA/AAAAAAAA4D8CAAAAjAAAAAAAAAAAAAAA////AP///wgAAAAAAAAAAAAAAAAAAAAAAAAAAAAAAAAAAAAAeAAAAAEAAABAAAAAAAAAAAAAAABaAAAAAAAAAAAAAAAAAAAAAAAAAAAAAAAAAAAAAAAAAAAAAAAAAAAAAAAAAAAAAAAAAAAAAAAAAAAAAAAAAAAAAAAAAAAAAAAAAAAAFAAAADwAAAAAAAAAAAAAAAAAAAAPAAAAAQAAACMAAAAjAAAAIwAAAB4AAAAAAAAAZAAAAGQAAAAAAAAAZAAAAGQAAAAVAAAAYAAAAAAAAAAAAAAADwAAACADAAAAAAAAAAAAAAEAAACgMgAAVgcAAKr4//8BAAAAf39/AAEAAABkAAAAAAAAABQAAABAHwAAAAAAACYAAAAAAAAAwOD//wAAAAAmAAAAZAAAABYAAABMAAAAAAAAAAAAAAAEAAAAAAAAAAEAAADRSc4KAAAAACgAAAAoAAAAZAAAAGQAAAAAAAAAzMzMAAAAAABQAAAAUAAAAGQAAABkAAAAAAAAABcAAAAUAAAAAAAAAAAAAAD/fwAA/38AAAAAAAAJAAAABAAAAAAAAAAeAAAAaAAAAAAAAAAAAAAAAAAAAAAAAAAAAAAAECcAABAnAAAAAAAAAAAAAAAAAAAAAAAAAAAAAAAAAAAAAAAAAAAAABQAAAAAAAAAwMD/AAAAAABkAAAAMgAAAAAAAABkAAAAAAAAAH9/fwAKAAAAIgAAABgAAAAAAAAAAAAAAAAAAAAAAAAAAAAAAAAAAAAkAAAAJAAAAAAAAAAHAAAAAAAAAAAAAAAAAAAAAAAAAAAAAAAAAAAAf39/ACUAAABYAAAAAAAAAAAAAAAAAAAAAAAAAAAAAAAAAAAAAAAAAAAAAAAAAAAAAAAAAAAAAAA/AAAAAAAAAKCGAQAAAAAAAAAAAAAAAAAMAAAAAQAAAAAAAAAAAAAAAAAAAB8AAABUAAAA////AAAAAAEAAAAAAAAAAAAAAAAAAAAAAAAAAAAAAAAAAAAAAAAAAAAAAAB/f38AAAAAA8zMzADAwP8Af39/AAAAAAAAAAAAAAAAAAAAAAAAAAAAIQAAABgAAAAUAAAA0AIAAGcHAACEGwAAwRkAABAAAAAmAAAACAAAAD0gAAAAAAAA"/>
+                <pr:smNativeData xmlns:pr="smNativeData" xmlns="smNativeData" val="SMDATA_15_8sFZZRMAAAAlAAAAZAAAAA0AAAAAAAAAAAAAAAAAAAAAAAAAAAAAAAAAAAAAAAAAAAEAAABQAAAAAAAAAAAA4D8AAAAAAADgPwAAAAAAAOA/AAAAAAAA4D8AAAAAAADgPwAAAAAAAOA/AAAAAAAA4D8AAAAAAADgPwAAAAAAAOA/AAAAAAAA4D8CAAAAjAAAAAAAAAAAAAAA////AP///wgAAAAAAAAAAAAAAAAAAAAAAAAAAAAAAAAAAAAAeAAAAAEAAABAAAAAAAAAAAAAAABaAAAAAAAAAAAAAAAAAAAAAAAAAAAAAAAAAAAAAAAAAAAAAAAAAAAAAAAAAAAAAAAAAAAAAAAAAAAAAAAAAAAAAAAAAAAAAAAAAAAAFAAAADwAAAAAAAAAAAAAAAAAAAAPAAAAAQAAACMAAAAjAAAAIwAAAB4AAAAAAAAAZAAAAGQAAAAAAAAAZAAAAGQAAAAVAAAAYAAAAAAAAAAAAAAADwAAACADAAAAAAAAAAAAAAEAAACgMgAAVgcAAKr4//8BAAAAf39/AAEAAABkAAAAAAAAABQAAABAHwAAAAAAACYAAAAAAAAAwOD//wAAAAAmAAAAZAAAABYAAABMAAAAAAAAAAAAAAAEAAAAAAAAAAEAAADRSc4KAAAAACgAAAAoAAAAZAAAAGQAAAAAAAAAzMzMAAAAAABQAAAAUAAAAGQAAABkAAAAAAAAABcAAAAUAAAAAAAAAAAAAAD/fwAA/38AAAAAAAAJAAAABAAAAAkAAAAeAAAAaAAAAAAAAAAAAAAAAAAAAAAAAAAAAAAAECcAABAnAAAAAAAAAAAAAAAAAAAAAAAAAAAAAAAAAAAAAAAAAAAAABQAAAAAAAAAwMD/AAAAAABkAAAAMgAAAAAAAABkAAAAAAAAAH9/fwAKAAAAIgAAABgAAAAAAAAAAAAAAAAAAAAAAAAAAAAAAAAAAAAkAAAAJAAAAAAAAAAHAAAAAAAAAAAAAAAAAAAAAAAAAAAAAAAAAAAAf39/ACUAAABYAAAAAAAAAAAAAAAAAAAAAAAAAAAAAAAAAAAAAAAAAAAAAAAAAAAAAAAAAAAAAAA/AAAAAAAAAKCGAQAAAAAAAAAAAAAAAAAMAAAAAQAAAAAAAAAAAAAAAAAAAB8AAABUAAAA////AAAAAAEAAAAAAAAAAAAAAAAAAAAAAAAAAAAAAAAAAAAAAAAAAAAAAAB/f38AAAAAA8zMzADAwP8Af39/AAAAAAAAAAAAAAAAAAAAAAAAAAAAIQAAABgAAAAUAAAA0AIAAGcHAACEGwAAwRkAABAAAAAmAAAACAAAAD0gAAAAAAAA"/>
               </a:ext>
             </a:extLst>
           </p:cNvSpPr>
@@ -14600,7 +14503,7 @@
             <a:spLocks noGrp="1" noChangeArrowheads="1"/>
             <a:extLst>
               <a:ext uri="smNativeData">
-                <pr:smNativeData xmlns:pr="smNativeData" xmlns="smNativeData" val="SMDATA_15_37BZZRMAAAAlAAAAZAAAAA0AAAAAAAAAAAAAAAAAAAAAAAAAAAAAAAAAAAAAAAAAAAEAAABQAAAAAAAAAAAA4D8AAAAAAADgPwAAAAAAAOA/AAAAAAAA4D8AAAAAAADgPwAAAAAAAOA/AAAAAAAA4D8AAAAAAADgPwAAAAAAAOA/AAAAAAAA4D8CAAAAjAAAAAAAAAAAAAAA////AP///wgAAAAAAAAAAAAAAAAAAAAAAAAAAAAAAAAAAAAAeAAAAAEAAABAAAAAAAAAAAAAAABaAAAAAAAAAAAAAAAAAAAAAAAAAAAAAAAAAAAAAAAAAAAAAAAAAAAAAAAAAAAAAAAAAAAAAAAAAAAAAAAAAAAAAAAAAAAAAAAAAAAAFAAAADwAAAAAAAAAAAAAAAAAAAAPAAAAAQAAACMAAAAjAAAAIwAAAB4AAAAAAAAAZAAAAGQAAAAAAAAAZAAAAGQAAAAVAAAAYAAAAAAAAAAAAAAADwAAACADAAAAAAAAAAAAAAEAAACgMgAAVgcAAKr4//8BAAAAf39/AAEAAABkAAAAAAAAABQAAABAHwAAAAAAACYAAAAAAAAAwOD//wAAAAAmAAAAZAAAABYAAABMAAAAAAAAAAAAAAAEAAAAAAAAAAEAAADRSc4KAAAAACgAAAAoAAAAZAAAAGQAAAAAAAAAzMzMAAAAAABQAAAAUAAAAGQAAABkAAAAAAAAABcAAAAUAAAAAAAAAAAAAAD/fwAA/38AAAAAAAAJAAAABAAAAFMAAAAeAAAAaAAAAAAAAAAAAAAAAAAAAAAAAAAAAAAAECcAABAnAAAAAAAAAAAAAAAAAAAAAAAAAAAAAAAAAAAAAAAAAAAAABQAAAAAAAAAwMD/AAAAAABkAAAAMgAAAAAAAABkAAAAAAAAAH9/fwAKAAAAIgAAABgAAAAAAAAAAAAAAAAAAAAAAAAAAAAAAAAAAAAkAAAAJAAAAAAAAAAHAAAAAAAAAAAAAAAAAAAAAAAAAAAAAAAAAAAAf39/ACUAAABYAAAAAAAAAAAAAAAAAAAAAAAAAAAAAAAAAAAAAAAAAAAAAAAAAAAAAAAAAAAAAAA/AAAAAAAAAKCGAQAAAAAAAAAAAAAAAAAMAAAAAQAAAAAAAAAAAAAAAAAAAB8AAABUAAAA////AAAAAAEAAAAAAAAAAAAAAAAAAAAAAAAAAAAAAAAAAAAAAAAAAAAAAAB/f38AAAAAA8zMzADAwP8Af39/AAAAAAAAAAAAAAAAAAAAAAAAAAAAIQAAABgAAAAUAAAAwRwAAGcHAAB1NQAAKBAAABAAAAAmAAAACAAAAD0gAAAAAAAA"/>
+                <pr:smNativeData xmlns:pr="smNativeData" xmlns="smNativeData" val="SMDATA_15_8sFZZRMAAAAlAAAAZAAAAA0AAAAAAAAAAAAAAAAAAAAAAAAAAAAAAAAAAAAAAAAAAAEAAABQAAAAAAAAAAAA4D8AAAAAAADgPwAAAAAAAOA/AAAAAAAA4D8AAAAAAADgPwAAAAAAAOA/AAAAAAAA4D8AAAAAAADgPwAAAAAAAOA/AAAAAAAA4D8CAAAAjAAAAAAAAAAAAAAA////AP///wgAAAAAAAAAAAAAAAAAAAAAAAAAAAAAAAAAAAAAeAAAAAEAAABAAAAAAAAAAAAAAABaAAAAAAAAAAAAAAAAAAAAAAAAAAAAAAAAAAAAAAAAAAAAAAAAAAAAAAAAAAAAAAAAAAAAAAAAAAAAAAAAAAAAAAAAAAAAAAAAAAAAFAAAADwAAAAAAAAAAAAAAAAAAAAPAAAAAQAAACMAAAAjAAAAIwAAAB4AAAAAAAAAZAAAAGQAAAAAAAAAZAAAAGQAAAAVAAAAYAAAAAAAAAAAAAAADwAAACADAAAAAAAAAAAAAAEAAACgMgAAVgcAAKr4//8BAAAAf39/AAEAAABkAAAAAAAAABQAAABAHwAAAAAAACYAAAAAAAAAwOD//wAAAAAmAAAAZAAAABYAAABMAAAAAAAAAAAAAAAEAAAAAAAAAAEAAADRSc4KAAAAACgAAAAoAAAAZAAAAGQAAAAAAAAAzMzMAAAAAABQAAAAUAAAAGQAAABkAAAAAAAAABcAAAAUAAAAAAAAAAAAAAD/fwAA/38AAAAAAAAJAAAABAAAAPfgyf8eAAAAaAAAAAAAAAAAAAAAAAAAAAAAAAAAAAAAECcAABAnAAAAAAAAAAAAAAAAAAAAAAAAAAAAAAAAAAAAAAAAAAAAABQAAAAAAAAAwMD/AAAAAABkAAAAMgAAAAAAAABkAAAAAAAAAH9/fwAKAAAAIgAAABgAAAAAAAAAAAAAAAAAAAAAAAAAAAAAAAAAAAAkAAAAJAAAAAAAAAAHAAAAAAAAAAAAAAAAAAAAAAAAAAAAAAAAAAAAf39/ACUAAABYAAAAAAAAAAAAAAAAAAAAAAAAAAAAAAAAAAAAAAAAAAAAAAAAAAAAAAAAAAAAAAA/AAAAAAAAAKCGAQAAAAAAAAAAAAAAAAAMAAAAAQAAAAAAAAAAAAAAAAAAAB8AAABUAAAA////AAAAAAEAAAAAAAAAAAAAAAAAAAAAAAAAAAAAAAAAAAAAAAAAAAAAAAB/f38AAAAAA8zMzADAwP8Af39/AAAAAAAAAAAAAAAAAAAAAAAAAAAAIQAAABgAAAAUAAAAwRwAAGcHAAB1NQAAKBAAABAAAAAmAAAACAAAAD0gAAAAAAAA"/>
               </a:ext>
             </a:extLst>
           </p:cNvSpPr>
@@ -14633,7 +14536,7 @@
             <a:spLocks noGrp="1" noChangeArrowheads="1"/>
             <a:extLst>
               <a:ext uri="smNativeData">
-                <pr:smNativeData xmlns:pr="smNativeData" xmlns="smNativeData" val="SMDATA_15_37BZZRMAAAAlAAAAZAAAAA0AAAAAAAAAAAAAAAAAAAAAAAAAAAAAAAAAAAAAAAAAAAEAAABQAAAAAAAAAAAA4D8AAAAAAADgPwAAAAAAAOA/AAAAAAAA4D8AAAAAAADgPwAAAAAAAOA/AAAAAAAA4D8AAAAAAADgPwAAAAAAAOA/AAAAAAAA4D8CAAAAjAAAAAAAAAAAAAAA////AP///wgAAAAAAAAAAAAAAAAAAAAAAAAAAAAAAAAAAAAAeAAAAAEAAABAAAAAAAAAAAAAAABaAAAAAAAAAAAAAAAAAAAAAAAAAAAAAAAAAAAAAAAAAAAAAAAAAAAAAAAAAAAAAAAAAAAAAAAAAAAAAAAAAAAAAAAAAAAAAAAAAAAAFAAAADwAAAAAAAAAAAAAAAAAAAAPAAAAAQAAACMAAAAjAAAAIwAAAB4AAAAAAAAAZAAAAGQAAAAAAAAAZAAAAGQAAAAVAAAAYAAAAAAAAAAAAAAADwAAACADAAAAAAAAAAAAAAEAAACgMgAAVgcAAKr4//8BAAAAf39/AAEAAABkAAAAAAAAABQAAABAHwAAAAAAACYAAAAAAAAAwOD//wAAAAAmAAAAZAAAABYAAABMAAAAAAAAAAAAAAAEAAAAAAAAAAEAAADRSc4KAAAAACgAAAAoAAAAZAAAAGQAAAAAAAAAzMzMAAAAAABQAAAAUAAAAGQAAABkAAAAAAAAABcAAAAUAAAAAAAAAAAAAAD/fwAA/38AAAAAAAAJAAAABAAAAAAAAAAeAAAAaAAAAAAAAAAAAAAAAAAAAAAAAAAAAAAAECcAABAnAAAAAAAAAAAAAAAAAAAAAAAAAAAAAAAAAAAAAAAAAAAAABQAAAAAAAAAwMD/AAAAAABkAAAAMgAAAAAAAABkAAAAAAAAAH9/fwAKAAAAIgAAABgAAAAAAAAAAAAAAAAAAAAAAAAAAAAAAAAAAAAkAAAAJAAAAAAAAAAHAAAAAAAAAAAAAAAAAAAAAAAAAAAAAAAAAAAAf39/ACUAAABYAAAAAAAAAAAAAAAAAAAAAAAAAAAAAAAAAAAAAAAAAAAAAAAAAAAAAAAAAAAAAAA/AAAAAAAAAKCGAQAAAAAAAAAAAAAAAAAMAAAAAQAAAAAAAAAAAAAAAAAAAB8AAABUAAAA////AAAAAAEAAAAAAAAAAAAAAAAAAAAAAAAAAAAAAAAAAAAAAAAAAAAAAAB/f38AAAAAA8zMzADAwP8Af39/AAAAAAAAAAAAAAAAAAAAAAAAAAAAIQAAABgAAAAUAAAAwRwAAP0QAAB1NQAAvhkAABAAAAAmAAAACAAAAD0gAAAAAAAA"/>
+                <pr:smNativeData xmlns:pr="smNativeData" xmlns="smNativeData" val="SMDATA_15_8sFZZRMAAAAlAAAAZAAAAA0AAAAAAAAAAAAAAAAAAAAAAAAAAAAAAAAAAAAAAAAAAAEAAABQAAAAAAAAAAAA4D8AAAAAAADgPwAAAAAAAOA/AAAAAAAA4D8AAAAAAADgPwAAAAAAAOA/AAAAAAAA4D8AAAAAAADgPwAAAAAAAOA/AAAAAAAA4D8CAAAAjAAAAAAAAAAAAAAA////AP///wgAAAAAAAAAAAAAAAAAAAAAAAAAAAAAAAAAAAAAeAAAAAEAAABAAAAAAAAAAAAAAABaAAAAAAAAAAAAAAAAAAAAAAAAAAAAAAAAAAAAAAAAAAAAAAAAAAAAAAAAAAAAAAAAAAAAAAAAAAAAAAAAAAAAAAAAAAAAAAAAAAAAFAAAADwAAAAAAAAAAAAAAAAAAAAPAAAAAQAAACMAAAAjAAAAIwAAAB4AAAAAAAAAZAAAAGQAAAAAAAAAZAAAAGQAAAAVAAAAYAAAAAAAAAAAAAAADwAAACADAAAAAAAAAAAAAAEAAACgMgAAVgcAAKr4//8BAAAAf39/AAEAAABkAAAAAAAAABQAAABAHwAAAAAAACYAAAAAAAAAwOD//wAAAAAmAAAAZAAAABYAAABMAAAAAAAAAAAAAAAEAAAAAAAAAAEAAADRSc4KAAAAACgAAAAoAAAAZAAAAGQAAAAAAAAAzMzMAAAAAABQAAAAUAAAAGQAAABkAAAAAAAAABcAAAAUAAAAAAAAAAAAAAD/fwAA/38AAAAAAAAJAAAABAAAAAAAAAAeAAAAaAAAAAAAAAAAAAAAAAAAAAAAAAAAAAAAECcAABAnAAAAAAAAAAAAAAAAAAAAAAAAAAAAAAAAAAAAAAAAAAAAABQAAAAAAAAAwMD/AAAAAABkAAAAMgAAAAAAAABkAAAAAAAAAH9/fwAKAAAAIgAAABgAAAAAAAAAAAAAAAAAAAAAAAAAAAAAAAAAAAAkAAAAJAAAAAAAAAAHAAAAAAAAAAAAAAAAAAAAAAAAAAAAAAAAAAAAf39/ACUAAABYAAAAAAAAAAAAAAAAAAAAAAAAAAAAAAAAAAAAAAAAAAAAAAAAAAAAAAAAAAAAAAA/AAAAAAAAAKCGAQAAAAAAAAAAAAAAAAAMAAAAAQAAAAAAAAAAAAAAAAAAAB8AAABUAAAA////AAAAAAEAAAAAAAAAAAAAAAAAAAAAAAAAAAAAAAAAAAAAAAAAAAAAAAB/f38AAAAAA8zMzADAwP8Af39/AAAAAAAAAAAAAAAAAAAAAAAAAAAAIQAAABgAAAAUAAAAwRwAAP0QAAB1NQAAvhkAABAAAAAmAAAACAAAAD0gAAAAAAAA"/>
               </a:ext>
             </a:extLst>
           </p:cNvSpPr>
@@ -14691,7 +14594,7 @@
             <a:spLocks noGrp="1" noChangeArrowheads="1"/>
             <a:extLst>
               <a:ext uri="smNativeData">
-                <pr:smNativeData xmlns:pr="smNativeData" xmlns="smNativeData" val="SMDATA_15_37BZZRMAAAAlAAAAZAAAAE0AAAAAAAAAAAAAAAAAAAAAAAAAAAAAAAABAAAAAAAAAAEAAABQAAAAAAAAAAAA4D8AAAAAAADgPwAAAAAAAOA/AAAAAAAA4D8AAAAAAADgPwAAAAAAAOA/AAAAAAAA4D8AAAAAAADgPwAAAAAAAOA/AAAAAAAA4D8CAAAAjAAAAAAAAAAAAAAA////AP///wgAAAAAAAAAAAAAAAAAAAAAAAAAAAAAAAAAAAAAeAAAAAEAAABAAAAAAAAAAAAAAABaAAAAAAAAAAAAAAAAAAAAAAAAAAAAAAAAAAAAAAAAAAAAAAAAAAAAAAAAAAAAAAAAAAAAAAAAAAAAAAAAAAAAAAAAAAAAAAAAAAAAFAAAADwAAAAAAAAAAAAAAAAAAAAPAAAAAQAAACMAAAAjAAAAIwAAAB4AAAAAAAAAZAAAAGQAAAAAAAAAZAAAAGQAAAAVAAAAYAAAAAAAAAAAAAAADwAAACADAAAAAAAAAAAAAAEAAACgMgAAVgcAAKr4//8BAAAAf39/AAEAAABkAAAAAAAAABQAAABAHwAAAAAAACYAAAAAAAAAwOD//wAAAAAmAAAAZAAAABYAAABMAAAAAAAAAAAAAAAEAAAAAAAAAAEAAADRSc4KAAAAACgAAAAoAAAAZAAAAGQAAAAAAAAAzMzMAAAAAABQAAAAUAAAAGQAAABkAAAAAAAAABcAAAAUAAAAAAAAAAAAAAD/fwAA/38AAAAAAAAJAAAABAAAAAAAAAAeAAAAaAAAAAAAAAAAAAAAAAAAAAAAAAAAAAAAECcAABAnAAAAAAAAAAAAAAAAAAAAAAAAAAAAAAAAAAAAAAAAAAAAABQAAAAAAAAAwMD/AAAAAABkAAAAMgAAAAAAAABkAAAAAAAAAH9/fwAKAAAAIgAAABgAAAAAAAAAAAAAAAAAAAAAAAAAAAAAAAAAAAAkAAAAJAAAAAAAAAAHAAAAAAAAAAAAAAAAAAAAAAAAAAAAAAAAAAAAf39/ACUAAABYAAAAAAAAAAAAAAAAAAAAAAAAAAAAAAAAAAAAAAAAAAAAAAAAAAAAAAAAAAAAAAA/AAAAAAAAAKCGAQAAAAAAAAAAAAAAAAAMAAAAAQAAAAAAAAAAAAAAAAAAAB8AAABUAAAA////AAAAAAEAAAAAAAAAAAAAAAAAAAAAAAAAAAAAAAAAAAAAAAAAAAAAAAB/f38AAAAAA8zMzADAwP8Af39/AAAAAAAAAAAAAAAAAAAAAAAAAAAAIQAAABgAAAAUAAAA0AIAAA8AAABvNQAAwAcAABAgAAAmAAAACAAAAD0gAAAAAAAA"/>
+                <pr:smNativeData xmlns:pr="smNativeData" xmlns="smNativeData" val="SMDATA_15_8sFZZRMAAAAlAAAAZAAAAE0AAAAAAAAAAAAAAAAAAAAAAAAAAAAAAAABAAAAAAAAAAEAAABQAAAAAAAAAAAA4D8AAAAAAADgPwAAAAAAAOA/AAAAAAAA4D8AAAAAAADgPwAAAAAAAOA/AAAAAAAA4D8AAAAAAADgPwAAAAAAAOA/AAAAAAAA4D8CAAAAjAAAAAAAAAAAAAAA////AP///wgAAAAAAAAAAAAAAAAAAAAAAAAAAAAAAAAAAAAAeAAAAAEAAABAAAAAAAAAAAAAAABaAAAAAAAAAAAAAAAAAAAAAAAAAAAAAAAAAAAAAAAAAAAAAAAAAAAAAAAAAAAAAAAAAAAAAAAAAAAAAAAAAAAAAAAAAAAAAAAAAAAAFAAAADwAAAAAAAAAAAAAAAAAAAAPAAAAAQAAACMAAAAjAAAAIwAAAB4AAAAAAAAAZAAAAGQAAAAAAAAAZAAAAGQAAAAVAAAAYAAAAAAAAAAAAAAADwAAACADAAAAAAAAAAAAAAEAAACgMgAAVgcAAKr4//8BAAAAf39/AAEAAABkAAAAAAAAABQAAABAHwAAAAAAACYAAAAAAAAAwOD//wAAAAAmAAAAZAAAABYAAABMAAAAAAAAAAAAAAAEAAAAAAAAAAEAAADRSc4KAAAAACgAAAAoAAAAZAAAAGQAAAAAAAAAzMzMAAAAAABQAAAAUAAAAGQAAABkAAAAAAAAABcAAAAUAAAAAAAAAAAAAAD/fwAA/38AAAAAAAAJAAAABAAAAAAAAAAeAAAAaAAAAAAAAAAAAAAAAAAAAAAAAAAAAAAAECcAABAnAAAAAAAAAAAAAAAAAAAAAAAAAAAAAAAAAAAAAAAAAAAAABQAAAAAAAAAwMD/AAAAAABkAAAAMgAAAAAAAABkAAAAAAAAAH9/fwAKAAAAIgAAABgAAAAAAAAAAAAAAAAAAAAAAAAAAAAAAAAAAAAkAAAAJAAAAAAAAAAHAAAAAAAAAAAAAAAAAAAAAAAAAAAAAAAAAAAAf39/ACUAAABYAAAAAAAAAAAAAAAAAAAAAAAAAAAAAAAAAAAAAAAAAAAAAAAAAAAAAAAAAAAAAAA/AAAAAAAAAKCGAQAAAAAAAAAAAAAAAAAMAAAAAQAAAAAAAAAAAAAAAAAAAB8AAABUAAAA////AAAAAAEAAAAAAAAAAAAAAAAAAAAAAAAAAAAAAAAAAAAAAAAAAAAAAAB/f38AAAAAA8zMzADAwP8Af39/AAAAAAAAAAAAAAAAAAAAAAAAAAAAIQAAABgAAAAUAAAA0AIAAA8AAABvNQAAwAcAABAgAAAmAAAACAAAAD0gAAAAAAAA"/>
               </a:ext>
             </a:extLst>
           </p:cNvSpPr>
@@ -14724,7 +14627,7 @@
             <a:spLocks noGrp="1" noChangeArrowheads="1"/>
             <a:extLst>
               <a:ext uri="smNativeData">
-                <pr:smNativeData xmlns:pr="smNativeData" xmlns="smNativeData" val="SMDATA_15_37BZZRMAAAAlAAAAZAAAAA0AAAAAAAAAAAAAAAAAAAAAAAAAAAAAAAAAAAAAAAAAAAEAAABQAAAAAAAAAAAA4D8AAAAAAADgPwAAAAAAAOA/AAAAAAAA4D8AAAAAAADgPwAAAAAAAOA/AAAAAAAA4D8AAAAAAADgPwAAAAAAAOA/AAAAAAAA4D8CAAAAjAAAAAAAAAAAAAAA////AP///wgAAAAAAAAAAAAAAAAAAAAAAAAAAAAAAAAAAAAAeAAAAAEAAABAAAAAAAAAAAAAAABaAAAAAAAAAAAAAAAAAAAAAAAAAAAAAAAAAAAAAAAAAAAAAAAAAAAAAAAAAAAAAAAAAAAAAAAAAAAAAAAAAAAAAAAAAAAAAAAAAAAAFAAAADwAAAAAAAAAAAAAAAAAAAAPAAAAAQAAACMAAAAjAAAAIwAAAB4AAAAAAAAAZAAAAGQAAAAAAAAAZAAAAGQAAAAVAAAAYAAAAAAAAAAAAAAADwAAACADAAAAAAAAAAAAAAEAAACgMgAAVgcAAKr4//8BAAAAf39/AAEAAABkAAAAAAAAABQAAABAHwAAAAAAACYAAAAAAAAAwOD//wAAAAAmAAAAZAAAABYAAABMAAAAAAAAAAAAAAAEAAAAAAAAAAEAAADRSc4KAAAAACgAAAAoAAAAZAAAAGQAAAAAAAAAzMzMAAAAAABQAAAAUAAAAGQAAABkAAAAAAAAABcAAAAUAAAAAAAAAAAAAAD/fwAA/38AAAAAAAAJAAAABAAAAHIAAAAeAAAAaAAAAAAAAAAAAAAAAAAAAAAAAAAAAAAAECcAABAnAAAAAAAAAAAAAAAAAAAAAAAAAAAAAAAAAAAAAAAAAAAAABQAAAAAAAAAwMD/AAAAAABkAAAAMgAAAAAAAABkAAAAAAAAAH9/fwAKAAAAIgAAABgAAAAAAAAAAAAAAAAAAAAAAAAAAAAAAAAAAAAkAAAAJAAAAAAAAAAHAAAAAAAAAAAAAAAAAAAAAAAAAAAAAAAAAAAAf39/ACUAAABYAAAAAAAAAAAAAAAAAAAAAAAAAAAAAAAAAAAAAAAAAAAAAAAAAAAAAAAAAAAAAAA/AAAAAAAAAKCGAQAAAAAAAAAAAAAAAAAMAAAAAQAAAAAAAAAAAAAAAAAAAB8AAABUAAAA////AAAAAAEAAAAAAAAAAAAAAAAAAAAAAAAAAAAAAAAAAAAAAAAAAAAAAAB/f38AAAAAA8zMzADAwP8Af39/AAAAAAAAAAAAAAAAAAAAAAAAAAAAIQAAABgAAAAUAAAA0AIAAGcHAACEGwAAKBAAABAAAAAmAAAACAAAAD0gAAAAAAAA"/>
+                <pr:smNativeData xmlns:pr="smNativeData" xmlns="smNativeData" val="SMDATA_15_8sFZZRMAAAAlAAAAZAAAAA0AAAAAAAAAAAAAAAAAAAAAAAAAAAAAAAAAAAAAAAAAAAEAAABQAAAAAAAAAAAA4D8AAAAAAADgPwAAAAAAAOA/AAAAAAAA4D8AAAAAAADgPwAAAAAAAOA/AAAAAAAA4D8AAAAAAADgPwAAAAAAAOA/AAAAAAAA4D8CAAAAjAAAAAAAAAAAAAAA////AP///wgAAAAAAAAAAAAAAAAAAAAAAAAAAAAAAAAAAAAAeAAAAAEAAABAAAAAAAAAAAAAAABaAAAAAAAAAAAAAAAAAAAAAAAAAAAAAAAAAAAAAAAAAAAAAAAAAAAAAAAAAAAAAAAAAAAAAAAAAAAAAAAAAAAAAAAAAAAAAAAAAAAAFAAAADwAAAAAAAAAAAAAAAAAAAAPAAAAAQAAACMAAAAjAAAAIwAAAB4AAAAAAAAAZAAAAGQAAAAAAAAAZAAAAGQAAAAVAAAAYAAAAAAAAAAAAAAADwAAACADAAAAAAAAAAAAAAEAAACgMgAAVgcAAKr4//8BAAAAf39/AAEAAABkAAAAAAAAABQAAABAHwAAAAAAACYAAAAAAAAAwOD//wAAAAAmAAAAZAAAABYAAABMAAAAAAAAAAAAAAAEAAAAAAAAAAEAAADRSc4KAAAAACgAAAAoAAAAZAAAAGQAAAAAAAAAzMzMAAAAAABQAAAAUAAAAGQAAABkAAAAAAAAABcAAAAUAAAAAAAAAAAAAAD/fwAA/38AAAAAAAAJAAAABAAAAP///wAeAAAAaAAAAAAAAAAAAAAAAAAAAAAAAAAAAAAAECcAABAnAAAAAAAAAAAAAAAAAAAAAAAAAAAAAAAAAAAAAAAAAAAAABQAAAAAAAAAwMD/AAAAAABkAAAAMgAAAAAAAABkAAAAAAAAAH9/fwAKAAAAIgAAABgAAAAAAAAAAAAAAAAAAAAAAAAAAAAAAAAAAAAkAAAAJAAAAAAAAAAHAAAAAAAAAAAAAAAAAAAAAAAAAAAAAAAAAAAAf39/ACUAAABYAAAAAAAAAAAAAAAAAAAAAAAAAAAAAAAAAAAAAAAAAAAAAAAAAAAAAAAAAAAAAAA/AAAAAAAAAKCGAQAAAAAAAAAAAAAAAAAMAAAAAQAAAAAAAAAAAAAAAAAAAB8AAABUAAAA////AAAAAAEAAAAAAAAAAAAAAAAAAAAAAAAAAAAAAAAAAAAAAAAAAAAAAAB/f38AAAAAA8zMzADAwP8Af39/AAAAAAAAAAAAAAAAAAAAAAAAAAAAIQAAABgAAAAUAAAA0AIAAGcHAACEGwAAKBAAABAAAAAmAAAACAAAAD0gAAAAAAAA"/>
               </a:ext>
             </a:extLst>
           </p:cNvSpPr>
@@ -14757,7 +14660,7 @@
             <a:spLocks noGrp="1" noChangeArrowheads="1"/>
             <a:extLst>
               <a:ext uri="smNativeData">
-                <pr:smNativeData xmlns:pr="smNativeData" xmlns="smNativeData" val="SMDATA_15_37BZZRMAAAAlAAAAZAAAAA0AAAAAAAAAAAAAAAAAAAAAAAAAAAAAAAAAAAAAAAAAAAEAAABQAAAAAAAAAAAA4D8AAAAAAADgPwAAAAAAAOA/AAAAAAAA4D8AAAAAAADgPwAAAAAAAOA/AAAAAAAA4D8AAAAAAADgPwAAAAAAAOA/AAAAAAAA4D8CAAAAjAAAAAAAAAAAAAAA////AP///wgAAAAAAAAAAAAAAAAAAAAAAAAAAAAAAAAAAAAAeAAAAAEAAABAAAAAAAAAAAAAAABaAAAAAAAAAAAAAAAAAAAAAAAAAAAAAAAAAAAAAAAAAAAAAAAAAAAAAAAAAAAAAAAAAAAAAAAAAAAAAAAAAAAAAAAAAAAAAAAAAAAAFAAAADwAAAAAAAAAAAAAAAAAAAAPAAAAAQAAACMAAAAjAAAAIwAAAB4AAAAAAAAAZAAAAGQAAAAAAAAAZAAAAGQAAAAVAAAAYAAAAAAAAAAAAAAADwAAACADAAAAAAAAAAAAAAEAAACgMgAAVgcAAKr4//8BAAAAf39/AAEAAABkAAAAAAAAABQAAABAHwAAAAAAACYAAAAAAAAAwOD//wAAAAAmAAAAZAAAABYAAABMAAAAAAAAAAAAAAAEAAAAAAAAAAEAAADRSc4KAAAAACgAAAAoAAAAZAAAAGQAAAAAAAAAzMzMAAAAAABQAAAAUAAAAGQAAABkAAAAAAAAABcAAAAUAAAAAAAAAAAAAAD/fwAA/38AAAAAAAAJAAAABAAAAAAAAAAeAAAAaAAAAAAAAAAAAAAAAAAAAAAAAAAAAAAAECcAABAnAAAAAAAAAAAAAAAAAAAAAAAAAAAAAAAAAAAAAAAAAAAAABQAAAAAAAAAwMD/AAAAAABkAAAAMgAAAAAAAABkAAAAAAAAAH9/fwAKAAAAIgAAABgAAAAAAAAAAAAAAAAAAAAAAAAAAAAAAAAAAAAkAAAAJAAAAAAAAAAHAAAAAAAAAAAAAAAAAAAAAAAAAAAAAAAAAAAAf39/ACUAAABYAAAAAAAAAAAAAAAAAAAAAAAAAAAAAAAAAAAAAAAAAAAAAAAAAAAAAAAAAAAAAAA/AAAAAAAAAKCGAQAAAAAAAAAAAAAAAAAMAAAAAQAAAAAAAAAAAAAAAAAAAB8AAABUAAAA////AAAAAAEAAAAAAAAAAAAAAAAAAAAAAAAAAAAAAAAAAAAAAAAAAAAAAAB/f38AAAAAA8zMzADAwP8Af39/AAAAAAAAAAAAAAAAAAAAAAAAAAAAIQAAABgAAAAUAAAAwRwAAGcHAAB1NQAAKBAAABAAAAAmAAAACAAAAD0gAAAAAAAA"/>
+                <pr:smNativeData xmlns:pr="smNativeData" xmlns="smNativeData" val="SMDATA_15_8sFZZRMAAAAlAAAAZAAAAA0AAAAAAAAAAAAAAAAAAAAAAAAAAAAAAAAAAAAAAAAAAAEAAABQAAAAAAAAAAAA4D8AAAAAAADgPwAAAAAAAOA/AAAAAAAA4D8AAAAAAADgPwAAAAAAAOA/AAAAAAAA4D8AAAAAAADgPwAAAAAAAOA/AAAAAAAA4D8CAAAAjAAAAAAAAAAAAAAA////AP///wgAAAAAAAAAAAAAAAAAAAAAAAAAAAAAAAAAAAAAeAAAAAEAAABAAAAAAAAAAAAAAABaAAAAAAAAAAAAAAAAAAAAAAAAAAAAAAAAAAAAAAAAAAAAAAAAAAAAAAAAAAAAAAAAAAAAAAAAAAAAAAAAAAAAAAAAAAAAAAAAAAAAFAAAADwAAAAAAAAAAAAAAAAAAAAPAAAAAQAAACMAAAAjAAAAIwAAAB4AAAAAAAAAZAAAAGQAAAAAAAAAZAAAAGQAAAAVAAAAYAAAAAAAAAAAAAAADwAAACADAAAAAAAAAAAAAAEAAACgMgAAVgcAAKr4//8BAAAAf39/AAEAAABkAAAAAAAAABQAAABAHwAAAAAAACYAAAAAAAAAwOD//wAAAAAmAAAAZAAAABYAAABMAAAAAAAAAAAAAAAEAAAAAAAAAAEAAADRSc4KAAAAACgAAAAoAAAAZAAAAGQAAAAAAAAAzMzMAAAAAABQAAAAUAAAAGQAAABkAAAAAAAAABcAAAAUAAAAAAAAAAAAAAD/fwAA/38AAAAAAAAJAAAABAAAAHhkkQUeAAAAaAAAAAAAAAAAAAAAAAAAAAAAAAAAAAAAECcAABAnAAAAAAAAAAAAAAAAAAAAAAAAAAAAAAAAAAAAAAAAAAAAABQAAAAAAAAAwMD/AAAAAABkAAAAMgAAAAAAAABkAAAAAAAAAH9/fwAKAAAAIgAAABgAAAAAAAAAAAAAAAAAAAAAAAAAAAAAAAAAAAAkAAAAJAAAAAAAAAAHAAAAAAAAAAAAAAAAAAAAAAAAAAAAAAAAAAAAf39/ACUAAABYAAAAAAAAAAAAAAAAAAAAAAAAAAAAAAAAAAAAAAAAAAAAAAAAAAAAAAAAAAAAAAA/AAAAAAAAAKCGAQAAAAAAAAAAAAAAAAAMAAAAAQAAAAAAAAAAAAAAAAAAAB8AAABUAAAA////AAAAAAEAAAAAAAAAAAAAAAAAAAAAAAAAAAAAAAAAAAAAAAAAAAAAAAB/f38AAAAAA8zMzADAwP8Af39/AAAAAAAAAAAAAAAAAAAAAAAAAAAAIQAAABgAAAAUAAAAwRwAAGcHAAB1NQAAKBAAABAAAAAmAAAACAAAAD0gAAAAAAAA"/>
               </a:ext>
             </a:extLst>
           </p:cNvSpPr>
@@ -14790,7 +14693,7 @@
             <a:spLocks noGrp="1" noChangeArrowheads="1"/>
             <a:extLst>
               <a:ext uri="smNativeData">
-                <pr:smNativeData xmlns:pr="smNativeData" xmlns="smNativeData" val="SMDATA_15_37BZZRMAAAAlAAAAZAAAAA0AAAAAAAAAAAAAAAAAAAAAAAAAAAAAAAAAAAAAAAAAAAEAAABQAAAAAAAAAAAA4D8AAAAAAADgPwAAAAAAAOA/AAAAAAAA4D8AAAAAAADgPwAAAAAAAOA/AAAAAAAA4D8AAAAAAADgPwAAAAAAAOA/AAAAAAAA4D8CAAAAjAAAAAAAAAAAAAAA////AP///wgAAAAAAAAAAAAAAAAAAAAAAAAAAAAAAAAAAAAAeAAAAAEAAABAAAAAAAAAAAAAAABaAAAAAAAAAAAAAAAAAAAAAAAAAAAAAAAAAAAAAAAAAAAAAAAAAAAAAAAAAAAAAAAAAAAAAAAAAAAAAAAAAAAAAAAAAAAAAAAAAAAAFAAAADwAAAAAAAAAAAAAAAAAAAAPAAAAAQAAACMAAAAjAAAAIwAAAB4AAAAAAAAAZAAAAGQAAAAAAAAAZAAAAGQAAAAVAAAAYAAAAAAAAAAAAAAADwAAACADAAAAAAAAAAAAAAEAAACgMgAAVgcAAKr4//8BAAAAf39/AAEAAABkAAAAAAAAABQAAABAHwAAAAAAACYAAAAAAAAAwOD//wAAAAAmAAAAZAAAABYAAABMAAAAAAAAAAAAAAAEAAAAAAAAAAEAAADRSc4KAAAAACgAAAAoAAAAZAAAAGQAAAAAAAAAzMzMAAAAAABQAAAAUAAAAGQAAABkAAAAAAAAABcAAAAUAAAAAAAAAAAAAAD/fwAA/38AAAAAAAAJAAAABAAAAAAAAAAeAAAAaAAAAAAAAAAAAAAAAAAAAAAAAAAAAAAAECcAABAnAAAAAAAAAAAAAAAAAAAAAAAAAAAAAAAAAAAAAAAAAAAAABQAAAAAAAAAwMD/AAAAAABkAAAAMgAAAAAAAABkAAAAAAAAAH9/fwAKAAAAIgAAABgAAAAAAAAAAAAAAAAAAAAAAAAAAAAAAAAAAAAkAAAAJAAAAAAAAAAHAAAAAAAAAAAAAAAAAAAAAAAAAAAAAAAAAAAAf39/ACUAAABYAAAAAAAAAAAAAAAAAAAAAAAAAAAAAAAAAAAAAAAAAAAAAAAAAAAAAAAAAAAAAAA/AAAAAAAAAKCGAQAAAAAAAAAAAAAAAAAMAAAAAQAAAAAAAAAAAAAAAAAAAB8AAABUAAAA////AAAAAAEAAAAAAAAAAAAAAAAAAAAAAAAAAAAAAAAAAAAAAAAAAAAAAAB/f38AAAAAA8zMzADAwP8Af39/AAAAAAAAAAAAAAAAAAAAAAAAAAAAIQAAABgAAAAUAAAA0AIAAP0QAABvNQAAvhkAABAAAAAmAAAACAAAAD0gAAAAAAAA"/>
+                <pr:smNativeData xmlns:pr="smNativeData" xmlns="smNativeData" val="SMDATA_15_8sFZZRMAAAAlAAAAZAAAAA0AAAAAAAAAAAAAAAAAAAAAAAAAAAAAAAAAAAAAAAAAAAEAAABQAAAAAAAAAAAA4D8AAAAAAADgPwAAAAAAAOA/AAAAAAAA4D8AAAAAAADgPwAAAAAAAOA/AAAAAAAA4D8AAAAAAADgPwAAAAAAAOA/AAAAAAAA4D8CAAAAjAAAAAAAAAAAAAAA////AP///wgAAAAAAAAAAAAAAAAAAAAAAAAAAAAAAAAAAAAAeAAAAAEAAABAAAAAAAAAAAAAAABaAAAAAAAAAAAAAAAAAAAAAAAAAAAAAAAAAAAAAAAAAAAAAAAAAAAAAAAAAAAAAAAAAAAAAAAAAAAAAAAAAAAAAAAAAAAAAAAAAAAAFAAAADwAAAAAAAAAAAAAAAAAAAAPAAAAAQAAACMAAAAjAAAAIwAAAB4AAAAAAAAAZAAAAGQAAAAAAAAAZAAAAGQAAAAVAAAAYAAAAAAAAAAAAAAADwAAACADAAAAAAAAAAAAAAEAAACgMgAAVgcAAKr4//8BAAAAf39/AAEAAABkAAAAAAAAABQAAABAHwAAAAAAACYAAAAAAAAAwOD//wAAAAAmAAAAZAAAABYAAABMAAAAAAAAAAAAAAAEAAAAAAAAAAEAAADRSc4KAAAAACgAAAAoAAAAZAAAAGQAAAAAAAAAzMzMAAAAAABQAAAAUAAAAGQAAABkAAAAAAAAABcAAAAUAAAAAAAAAAAAAAD/fwAA/38AAAAAAAAJAAAABAAAAP///wAeAAAAaAAAAAAAAAAAAAAAAAAAAAAAAAAAAAAAECcAABAnAAAAAAAAAAAAAAAAAAAAAAAAAAAAAAAAAAAAAAAAAAAAABQAAAAAAAAAwMD/AAAAAABkAAAAMgAAAAAAAABkAAAAAAAAAH9/fwAKAAAAIgAAABgAAAAAAAAAAAAAAAAAAAAAAAAAAAAAAAAAAAAkAAAAJAAAAAAAAAAHAAAAAAAAAAAAAAAAAAAAAAAAAAAAAAAAAAAAf39/ACUAAABYAAAAAAAAAAAAAAAAAAAAAAAAAAAAAAAAAAAAAAAAAAAAAAAAAAAAAAAAAAAAAAA/AAAAAAAAAKCGAQAAAAAAAAAAAAAAAAAMAAAAAQAAAAAAAAAAAAAAAAAAAB8AAABUAAAA////AAAAAAEAAAAAAAAAAAAAAAAAAAAAAAAAAAAAAAAAAAAAAAAAAAAAAAB/f38AAAAAA8zMzADAwP8Af39/AAAAAAAAAAAAAAAAAAAAAAAAAAAAIQAAABgAAAAUAAAA0AIAAP0QAABvNQAAvhkAABAAAAAmAAAACAAAAD0gAAAAAAAA"/>
               </a:ext>
             </a:extLst>
           </p:cNvSpPr>
@@ -14855,7 +14758,7 @@
           <p:cNvSpPr>
             <a:extLst>
               <a:ext uri="smNativeData">
-                <pr:smNativeData xmlns:pr="smNativeData" xmlns="smNativeData" val="SMDATA_15_37BZZRMAAAAlAAAArgAAAA0AAAAAkAAAAEgAAACQAAAASAAAAAAAAAAAAAAAAAAAAAEAAABQAAAARJvsenp2yT8AAAAAAADgPwAAAAAAAOA/AAAAAAAA4D8AAAAAAADgPwAAAAAAAOA/AAAAAAAA4D8AAAAAAADgPwAAAAAAAOA/AAAAAAAA4D8CAAAAjAAAAAEAAAADAAAA0UnOAEMwnwAAAAAAAAAAAAAAAAAAAAAAAAAAAAAAAAAAAAAAeAAAAAEAAABAAAAAYwAAAGQAAAA7AQAAAAAAAAAAAAAAAAAAAAAAAAAAAAAAAAAAAAAAAAAAAAAAAAAAAAAAAAAAAAAAAAAAAAAAAAAAAAAAAAAAAAAAAAAAAAAAAAAAFAAAADwAAAAAAAAAAAAAAAAAAAkUAAAAAQAAABQAAAAUAAAAFAAAAAEAAAAAAAAAZAAAAGQAAAAAAAAAZAAAAGQAAAAVAAAAYAAAAAAAAAAAAAAADwAAACADAAAAAAAAAAAAAAEAAACgMgAAVgcAAKr4//8BAAAAf39/AAEAAABkAAAAAAAAABQAAABAHwAAAAAAACYAAAAAAAAAwOD//wAAAAAmAAAAZAAAABYAAABMAAAAAAAAAAAAAAAEAAAAAAAAAAEAAADRSc4KAAAAACgAAAAoAAAAZAAAAGQAAAAAAAAAzMzMAAAAAABQAAAAUAAAAGQAAABkAAAAAAAAABcAAAAUAAAAAAAAAAAAAAD/fwAA/38AAAAAAAAJAAAABAAAAAAAAAAeAAAAaAAAAAAAAAAAAAAAAAAAAAAAAAAAAAAAECcAABAnAAAAAAAAAAAAAAAAAAAAAAAAAAAAAAAAAAAAAAAAAAAAABQAAAAAAAAAwMD/AAAAAABkAAAAMgAAAAAAAABkAAAAAAAAAH9/fwAKAAAAIgAAABgAAAAAAAAAAAAAAAAAAAAAAAAAAAAAAAAAAAAkAAAAJAAAAAAAAAAHAAAAAAAAAAAAAAAAAAAAAAAAAAAAAAAAAAAAf39/ACUAAABYAAAAAAAAAAAAAAAAAAAAAAAAAAAAAAAAAAAAAAAAAAAAAAAAAAAAAAAAAAAAAAA/AAAAAAAAAKCGAQAAAAAAAAAAAAAAAAAMAAAAAQAAAAAAAAAAAAAAAAAAAB8AAABUAAAA0UnOAEMwnwAAAAAAAAAAAAAAAAAAAAAAAAAAAAAAAAAAAAAAAAAAAAAAAAJ/f38A0UnOA8zMzADAwP8Af39/AAAAAAAAAAAAAAAAAAAAAAAAAAAAIQAAABgAAAAUAAAAAAAAAKodAADrCQAAox8AABAAAAAmAAAACAAAAP//////////"/>
+                <pr:smNativeData xmlns:pr="smNativeData" xmlns="smNativeData" val="SMDATA_15_8sFZZRMAAAAlAAAArgAAAA0AAAAAkAAAAEgAAACQAAAASAAAAAAAAAAAAAAAAAAAAAEAAABQAAAARJvsenp2yT8AAAAAAADgPwAAAAAAAOA/AAAAAAAA4D8AAAAAAADgPwAAAAAAAOA/AAAAAAAA4D8AAAAAAADgPwAAAAAAAOA/AAAAAAAA4D8CAAAAjAAAAAEAAAADAAAA0UnOAEMwnwAAAAAAAAAAAAAAAAAAAAAAAAAAAAAAAAAAAAAAeAAAAAEAAABAAAAAYwAAAGQAAAA7AQAAAAAAAAAAAAAAAAAAAAAAAAAAAAAAAAAAAAAAAAAAAAAAAAAAAAAAAAAAAAAAAAAAAAAAAAAAAAAAAAAAAAAAAAAAAAAAAAAAFAAAADwAAAAAAAAAAAAAAAAAAAkUAAAAAQAAABQAAAAUAAAAFAAAAAEAAAAAAAAAZAAAAGQAAAAAAAAAZAAAAGQAAAAVAAAAYAAAAAAAAAAAAAAADwAAACADAAAAAAAAAAAAAAEAAACgMgAAVgcAAKr4//8BAAAAf39/AAEAAABkAAAAAAAAABQAAABAHwAAAAAAACYAAAAAAAAAwOD//wAAAAAmAAAAZAAAABYAAABMAAAAAAAAAAAAAAAEAAAAAAAAAAEAAADRSc4KAAAAACgAAAAoAAAAZAAAAGQAAAAAAAAAzMzMAAAAAABQAAAAUAAAAGQAAABkAAAAAAAAABcAAAAUAAAAAAAAAAAAAAD/fwAA/38AAAAAAAAJAAAABAAAAAAAAAAeAAAAaAAAAAAAAAAAAAAAAAAAAAAAAAAAAAAAECcAABAnAAAAAAAAAAAAAAAAAAAAAAAAAAAAAAAAAAAAAAAAAAAAABQAAAAAAAAAwMD/AAAAAABkAAAAMgAAAAAAAABkAAAAAAAAAH9/fwAKAAAAIgAAABgAAAAAAAAAAAAAAAAAAAAAAAAAAAAAAAAAAAAkAAAAJAAAAAAAAAAHAAAAAAAAAAAAAAAAAAAAAAAAAAAAAAAAAAAAf39/ACUAAABYAAAAAAAAAAAAAAAAAAAAAAAAAAAAAAAAAAAAAAAAAAAAAAAAAAAAAAAAAAAAAAA/AAAAAAAAAKCGAQAAAAAAAAAAAAAAAAAMAAAAAQAAAAAAAAAAAAAAAAAAAB8AAABUAAAA0UnOAEMwnwAAAAAAAAAAAAAAAAAAAAAAAAAAAAAAAAAAAAAAAAAAAAAAAAJ/f38A0UnOA8zMzADAwP8Af39/AAAAAAAAAAAAAAAAAAAAAAAAAAAAIQAAABgAAAAUAAAAAAAAAKodAADrCQAAox8AABAAAAAmAAAACAAAAP//////////"/>
               </a:ext>
             </a:extLst>
           </p:cNvSpPr>
@@ -14895,7 +14798,7 @@
           <p:cNvSpPr>
             <a:extLst>
               <a:ext uri="smNativeData">
-                <pr:smNativeData xmlns:pr="smNativeData" xmlns="smNativeData" val="SMDATA_15_37BZZRMAAAAlAAAArgAAAA0AAAAAkAAAAEgAAACQAAAASAAAAAAAAAAAAAAAAAAAAAEAAABQAAAA+TJXsd2+vD8AAAAAAADgPwAAAAAAAOA/AAAAAAAA4D8AAAAAAADgPwAAAAAAAOA/AAAAAAAA4D8AAAAAAADgPwAAAAAAAOA/AAAAAAAA4D8CAAAAjAAAAAEAAAADAAAA0UnOAEMwnwAAAAAAAAAAAAAAAAAAAAAAAAAAAAAAAAAAAAAAeAAAAAEAAABAAAAAnf///5z///+HAAAAAAAAAAAAAAAAAAAAAAAAAAAAAAAAAAAAAAAAAAAAAAAAAAAAAAAAAAAAAAAAAAAAAAAAAAAAAAAAAAAAAAAAAAAAAAAAAAAAFAAAADwAAAAAAAAAAAAAAAAAAAkUAAAAAQAAABQAAAAUAAAAFAAAAAEAAAAAAAAAZAAAAGQAAAAAAAAAZAAAAGQAAAAVAAAAYAAAAAAAAAAAAAAADwAAACADAAAAAAAAAAAAAAEAAACgMgAAVgcAAKr4//8BAAAAf39/AAEAAABkAAAAAAAAABQAAABAHwAAAAAAACYAAAAAAAAAwOD//wAAAAAmAAAAZAAAABYAAABMAAAAAAAAAAAAAAAEAAAAAAAAAAEAAADRSc4KAAAAACgAAAAoAAAAZAAAAGQAAAAAAAAAzMzMAAAAAABQAAAAUAAAAGQAAABkAAAAAAAAABcAAAAUAAAAAAAAAAAAAAD/fwAA/38AAAAAAAAJAAAABAAAAAAAAAAeAAAAaAAAAAAAAAAAAAAAAAAAAAAAAAAAAAAAECcAABAnAAAAAAAAAAAAAAAAAAAAAAAAAAAAAAAAAAAAAAAAAAAAABQAAAAAAAAAwMD/AAAAAABkAAAAMgAAAAAAAABkAAAAAAAAAH9/fwAKAAAAIgAAABgAAAAAAAAAAAAAAAAAAAAAAAAAAAAAAAAAAAAkAAAAJAAAAAAAAAAHAAAAAAAAAAAAAAAAAAAAAAAAAAAAAAAAAAAAf39/ACUAAABYAAAAAAAAAAAAAAAAAAAAAAAAAAAAAAAAAAAAAAAAAAAAAAAAAAAAAAAAAAAAAAA/AAAAAAAAAKCGAQAAAAAAAAAAAAAAAAAMAAAAAQAAAAAAAAAAAAAAAAAAAB8AAABUAAAA0UnOAEMwnwAAAAAAAAAAAAAAAAAAAAAAAAAAAAAAAAAAAAAAAAAAAAAAAAJ/f38A0UnOA8zMzADAwP8Af39/AAAAAAAAAAAAAAAAAAAAAAAAAAAAIQAAABgAAAAUAAAArSYAAAAAAABAOAAA+QEAABAAAAAmAAAACAAAAP//////////"/>
+                <pr:smNativeData xmlns:pr="smNativeData" xmlns="smNativeData" val="SMDATA_15_8sFZZRMAAAAlAAAArgAAAA0AAAAAkAAAAEgAAACQAAAASAAAAAAAAAAAAAAAAAAAAAEAAABQAAAA+TJXsd2+vD8AAAAAAADgPwAAAAAAAOA/AAAAAAAA4D8AAAAAAADgPwAAAAAAAOA/AAAAAAAA4D8AAAAAAADgPwAAAAAAAOA/AAAAAAAA4D8CAAAAjAAAAAEAAAADAAAA0UnOAEMwnwAAAAAAAAAAAAAAAAAAAAAAAAAAAAAAAAAAAAAAeAAAAAEAAABAAAAAnf///5z///+HAAAAAAAAAAAAAAAAAAAAAAAAAAAAAAAAAAAAAAAAAAAAAAAAAAAAAAAAAAAAAAAAAAAAAAAAAAAAAAAAAAAAAAAAAAAAAAAAAAAAFAAAADwAAAAAAAAAAAAAAAAAAAkUAAAAAQAAABQAAAAUAAAAFAAAAAEAAAAAAAAAZAAAAGQAAAAAAAAAZAAAAGQAAAAVAAAAYAAAAAAAAAAAAAAADwAAACADAAAAAAAAAAAAAAEAAACgMgAAVgcAAKr4//8BAAAAf39/AAEAAABkAAAAAAAAABQAAABAHwAAAAAAACYAAAAAAAAAwOD//wAAAAAmAAAAZAAAABYAAABMAAAAAAAAAAAAAAAEAAAAAAAAAAEAAADRSc4KAAAAACgAAAAoAAAAZAAAAGQAAAAAAAAAzMzMAAAAAABQAAAAUAAAAGQAAABkAAAAAAAAABcAAAAUAAAAAAAAAAAAAAD/fwAA/38AAAAAAAAJAAAABAAAAAAAAAAeAAAAaAAAAAAAAAAAAAAAAAAAAAAAAAAAAAAAECcAABAnAAAAAAAAAAAAAAAAAAAAAAAAAAAAAAAAAAAAAAAAAAAAABQAAAAAAAAAwMD/AAAAAABkAAAAMgAAAAAAAABkAAAAAAAAAH9/fwAKAAAAIgAAABgAAAAAAAAAAAAAAAAAAAAAAAAAAAAAAAAAAAAkAAAAJAAAAAAAAAAHAAAAAAAAAAAAAAAAAAAAAAAAAAAAAAAAAAAAf39/ACUAAABYAAAAAAAAAAAAAAAAAAAAAAAAAAAAAAAAAAAAAAAAAAAAAAAAAAAAAAAAAAAAAAA/AAAAAAAAAKCGAQAAAAAAAAAAAAAAAAAMAAAAAQAAAAAAAAAAAAAAAAAAAB8AAABUAAAA0UnOAEMwnwAAAAAAAAAAAAAAAAAAAAAAAAAAAAAAAAAAAAAAAAAAAAAAAAJ/f38A0UnOA8zMzADAwP8Af39/AAAAAAAAAAAAAAAAAAAAAAAAAAAAIQAAABgAAAAUAAAArSYAAAAAAABAOAAA+QEAABAAAAAmAAAACAAAAP//////////"/>
               </a:ext>
             </a:extLst>
           </p:cNvSpPr>
@@ -14936,7 +14839,7 @@
             <a:spLocks noGrp="1" noChangeArrowheads="1"/>
             <a:extLst>
               <a:ext uri="smNativeData">
-                <pr:smNativeData xmlns:pr="smNativeData" xmlns="smNativeData" val="SMDATA_15_37BZZRMAAAAlAAAAZAAAAE0AAAAAAAAAAAAAAAAAAAAAAAAAAAAAAAABAAAAAAAAAAEAAABQAAAAAAAAAAAA4D8AAAAAAADgPwAAAAAAAOA/AAAAAAAA4D8AAAAAAADgPwAAAAAAAOA/AAAAAAAA4D8AAAAAAADgPwAAAAAAAOA/AAAAAAAA4D8CAAAAjAAAAAAAAAAAAAAA////AP///wgAAAAAAAAAAAAAAAAAAAAAAAAAAAAAAAAAAAAAeAAAAAEAAABAAAAAAAAAAAAAAABaAAAAAAAAAAAAAAAAAAAAAAAAAAAAAAAAAAAAAAAAAAAAAAAAAAAAAAAAAAAAAAAAAAAAAAAAAAAAAAAAAAAAAAAAAAAAAAAAAAAAFAAAADwAAAAAAAAAAAAAAAAAAAAPAAAAAQAAACMAAAAjAAAAIwAAAB4AAAAAAAAAZAAAAGQAAAAAAAAAZAAAAGQAAAAVAAAAYAAAAAAAAAAAAAAADwAAACADAAAAAAAAAAAAAAEAAACgMgAAVgcAAKr4//8BAAAAf39/AAEAAABkAAAAAAAAABQAAABAHwAAAAAAACYAAAAAAAAAwOD//wAAAAAmAAAAZAAAABYAAABMAAAAAAAAAAAAAAAEAAAAAAAAAAEAAADRSc4KAAAAACgAAAAoAAAAZAAAAGQAAAAAAAAAzMzMAAAAAABQAAAAUAAAAGQAAABkAAAAAAAAABcAAAAUAAAAAAAAAAAAAAD/fwAA/38AAAAAAAAJAAAABAAAAAAAAAAeAAAAaAAAAAAAAAAAAAAAAAAAAAAAAAAAAAAAECcAABAnAAAAAAAAAAAAAAAAAAAAAAAAAAAAAAAAAAAAAAAAAAAAABQAAAAAAAAAwMD/AAAAAABkAAAAMgAAAAAAAABkAAAAAAAAAH9/fwAKAAAAIgAAABgAAAAAAAAAAAAAAAAAAAAAAAAAAAAAAAAAAAAkAAAAJAAAAAAAAAAHAAAAAAAAAAAAAAAAAAAAAAAAAAAAAAAAAAAAf39/ACUAAABYAAAAAAAAAAAAAAAAAAAAAAAAAAAAAAAAAAAAAAAAAAAAAAAAAAAAAAAAAAAAAAA/AAAAAAAAAKCGAQAAAAAAAAAAAAAAAAAMAAAAAQAAAAAAAAAAAAAAAAAAAB8AAABUAAAA////AAAAAAEAAAAAAAAAAAAAAAAAAAAAAAAAAAAAAAAAAAAAAAAAAAAAAAB/f38AAAAAA8zMzADAwP8Af39/AAAAAAAAAAAAAAAAAAAAAAAAAAAAIQAAABgAAAAUAAAAYwQAAJcSAABKEgAA3xcAABAgAAAmAAAACAAAAL0vAAD/HwAA"/>
+                <pr:smNativeData xmlns:pr="smNativeData" xmlns="smNativeData" val="SMDATA_15_8sFZZRMAAAAlAAAAZAAAAE0AAAAAAAAAAAAAAAAAAAAAAAAAAAAAAAABAAAAAAAAAAEAAABQAAAAAAAAAAAA4D8AAAAAAADgPwAAAAAAAOA/AAAAAAAA4D8AAAAAAADgPwAAAAAAAOA/AAAAAAAA4D8AAAAAAADgPwAAAAAAAOA/AAAAAAAA4D8CAAAAjAAAAAAAAAAAAAAA////AP///wgAAAAAAAAAAAAAAAAAAAAAAAAAAAAAAAAAAAAAeAAAAAEAAABAAAAAAAAAAAAAAABaAAAAAAAAAAAAAAAAAAAAAAAAAAAAAAAAAAAAAAAAAAAAAAAAAAAAAAAAAAAAAAAAAAAAAAAAAAAAAAAAAAAAAAAAAAAAAAAAAAAAFAAAADwAAAAAAAAAAAAAAAAAAAAPAAAAAQAAACMAAAAjAAAAIwAAAB4AAAAAAAAAZAAAAGQAAAAAAAAAZAAAAGQAAAAVAAAAYAAAAAAAAAAAAAAADwAAACADAAAAAAAAAAAAAAEAAACgMgAAVgcAAKr4//8BAAAAf39/AAEAAABkAAAAAAAAABQAAABAHwAAAAAAACYAAAAAAAAAwOD//wAAAAAmAAAAZAAAABYAAABMAAAAAAAAAAAAAAAEAAAAAAAAAAEAAADRSc4KAAAAACgAAAAoAAAAZAAAAGQAAAAAAAAAzMzMAAAAAABQAAAAUAAAAGQAAABkAAAAAAAAABcAAAAUAAAAAAAAAAAAAAD/fwAA/38AAAAAAAAJAAAABAAAAAAAAAAeAAAAaAAAAAAAAAAAAAAAAAAAAAAAAAAAAAAAECcAABAnAAAAAAAAAAAAAAAAAAAAAAAAAAAAAAAAAAAAAAAAAAAAABQAAAAAAAAAwMD/AAAAAABkAAAAMgAAAAAAAABkAAAAAAAAAH9/fwAKAAAAIgAAABgAAAAAAAAAAAAAAAAAAAAAAAAAAAAAAAAAAAAkAAAAJAAAAAAAAAAHAAAAAAAAAAAAAAAAAAAAAAAAAAAAAAAAAAAAf39/ACUAAABYAAAAAAAAAAAAAAAAAAAAAAAAAAAAAAAAAAAAAAAAAAAAAAAAAAAAAAAAAAAAAAA/AAAAAAAAAKCGAQAAAAAAAAAAAAAAAAAMAAAAAQAAAAAAAAAAAAAAAAAAAB8AAABUAAAA////AAAAAAEAAAAAAAAAAAAAAAAAAAAAAAAAAAAAAAAAAAAAAAAAAAAAAAB/f38AAAAAA8zMzADAwP8Af39/AAAAAAAAAAAAAAAAAAAAAAAAAAAAIQAAABgAAAAUAAAAYwQAAJcSAABKEgAA3xcAABAgAAAmAAAACAAAAL0vAAD/HwAA"/>
               </a:ext>
             </a:extLst>
           </p:cNvSpPr>
@@ -14979,7 +14882,7 @@
             <a:spLocks noGrp="1" noChangeArrowheads="1"/>
             <a:extLst>
               <a:ext uri="smNativeData">
-                <pr:smNativeData xmlns:pr="smNativeData" xmlns="smNativeData" val="SMDATA_15_37BZZRMAAAAlAAAAZAAAAA0AAAAAAAAAAAAAAAAAAAAAAAAAAAAAAAAAAAAAAAAAAAEAAABQAAAAAAAAAAAA4D8AAAAAAADgPwAAAAAAAOA/AAAAAAAA4D8AAAAAAADgPwAAAAAAAOA/AAAAAAAA4D8AAAAAAADgPwAAAAAAAOA/AAAAAAAA4D8CAAAAjAAAAAAAAAAAAAAA////AP///wgAAAAAAAAAAAAAAAAAAAAAAAAAAAAAAAAAAAAAeAAAAAEAAABAAAAAAAAAAAAAAABaAAAAAAAAAAAAAAAAAAAAAAAAAAAAAAAAAAAAAAAAAAAAAAAAAAAAAAAAAAAAAAAAAAAAAAAAAAAAAAAAAAAAAAAAAAAAAAAAAAAAFAAAADwAAAAAAAAAAAAAAAAAAAAPAAAAAQAAACMAAAAjAAAAIwAAAB4AAAAAAAAAZAAAAGQAAAAAAAAAZAAAAGQAAAAVAAAAYAAAAAAAAAAAAAAADwAAACADAAAAAAAAAAAAAAEAAACgMgAAVgcAAKr4//8BAAAAf39/AAEAAABkAAAAAAAAABQAAABAHwAAAAAAACYAAAAAAAAAwOD//wAAAAAmAAAAZAAAABYAAABMAAAAAAAAAAAAAAAEAAAAAAAAAAEAAADRSc4KAAAAACgAAAAoAAAAZAAAAGQAAAAAAAAAzMzMAAAAAABQAAAAUAAAAGQAAABkAAAAAAAAABcAAAAUAAAAAAAAAAAAAAD/fwAA/38AAAAAAAAJAAAABAAAAAAAAAAeAAAAaAAAAAAAAAAAAAAAAAAAAAAAAAAAAAAAECcAABAnAAAAAAAAAAAAAAAAAAAAAAAAAAAAAAAAAAAAAAAAAAAAABQAAAAAAAAAwMD/AAAAAABkAAAAMgAAAAAAAABkAAAAAAAAAH9/fwAKAAAAIgAAABgAAAAAAAAAAAAAAAAAAAAAAAAAAAAAAAAAAAAkAAAAJAAAAAAAAAAHAAAAAAAAAAAAAAAAAAAAAAAAAAAAAAAAAAAAf39/ACUAAABYAAAAAAAAAAAAAAAAAAAAAAAAAAAAAAAAAAAAAAAAAAAAAAAAAAAAAAAAAAAAAAA/AAAAAAAAAKCGAQAAAAAAAAAAAAAAAAAMAAAAAQAAAAAAAAAAAAAAAAAAAB8AAABUAAAA////AAAAAAEAAAAAAAAAAAAAAAAAAAAAAAAAAAAAAAAAAAAAAAAAAAAAAAB/f38AAAAAA8zMzADAwP8Af39/AAAAAAAAAAAAAAAAAAAAAAAAAAAAIQAAABgAAAAUAAAA0AIAAGcHAABvNQAAwRkAABAAAAAmAAAACAAAAD0vAAD/HwAA"/>
+                <pr:smNativeData xmlns:pr="smNativeData" xmlns="smNativeData" val="SMDATA_15_8sFZZRMAAAAlAAAAZAAAAA0AAAAAAAAAAAAAAAAAAAAAAAAAAAAAAAAAAAAAAAAAAAEAAABQAAAAAAAAAAAA4D8AAAAAAADgPwAAAAAAAOA/AAAAAAAA4D8AAAAAAADgPwAAAAAAAOA/AAAAAAAA4D8AAAAAAADgPwAAAAAAAOA/AAAAAAAA4D8CAAAAjAAAAAAAAAAAAAAA////AP///wgAAAAAAAAAAAAAAAAAAAAAAAAAAAAAAAAAAAAAeAAAAAEAAABAAAAAAAAAAAAAAABaAAAAAAAAAAAAAAAAAAAAAAAAAAAAAAAAAAAAAAAAAAAAAAAAAAAAAAAAAAAAAAAAAAAAAAAAAAAAAAAAAAAAAAAAAAAAAAAAAAAAFAAAADwAAAAAAAAAAAAAAAAAAAAPAAAAAQAAACMAAAAjAAAAIwAAAB4AAAAAAAAAZAAAAGQAAAAAAAAAZAAAAGQAAAAVAAAAYAAAAAAAAAAAAAAADwAAACADAAAAAAAAAAAAAAEAAACgMgAAVgcAAKr4//8BAAAAf39/AAEAAABkAAAAAAAAABQAAABAHwAAAAAAACYAAAAAAAAAwOD//wAAAAAmAAAAZAAAABYAAABMAAAAAAAAAAAAAAAEAAAAAAAAAAEAAADRSc4KAAAAACgAAAAoAAAAZAAAAGQAAAAAAAAAzMzMAAAAAABQAAAAUAAAAGQAAABkAAAAAAAAABcAAAAUAAAAAAAAAAAAAAD/fwAA/38AAAAAAAAJAAAABAAAAAAAAAAeAAAAaAAAAAAAAAAAAAAAAAAAAAAAAAAAAAAAECcAABAnAAAAAAAAAAAAAAAAAAAAAAAAAAAAAAAAAAAAAAAAAAAAABQAAAAAAAAAwMD/AAAAAABkAAAAMgAAAAAAAABkAAAAAAAAAH9/fwAKAAAAIgAAABgAAAAAAAAAAAAAAAAAAAAAAAAAAAAAAAAAAAAkAAAAJAAAAAAAAAAHAAAAAAAAAAAAAAAAAAAAAAAAAAAAAAAAAAAAf39/ACUAAABYAAAAAAAAAAAAAAAAAAAAAAAAAAAAAAAAAAAAAAAAAAAAAAAAAAAAAAAAAAAAAAA/AAAAAAAAAKCGAQAAAAAAAAAAAAAAAAAMAAAAAQAAAAAAAAAAAAAAAAAAAB8AAABUAAAA////AAAAAAEAAAAAAAAAAAAAAAAAAAAAAAAAAAAAAAAAAAAAAAAAAAAAAAB/f38AAAAAA8zMzADAwP8Af39/AAAAAAAAAAAAAAAAAAAAAAAAAAAAIQAAABgAAAAUAAAA0AIAAGcHAABvNQAAwRkAABAAAAAmAAAACAAAAD0vAAD/HwAA"/>
               </a:ext>
             </a:extLst>
           </p:cNvSpPr>
@@ -15626,7 +15529,7 @@
           <p:cNvSpPr>
             <a:extLst>
               <a:ext uri="smNativeData">
-                <pr:smNativeData xmlns:pr="smNativeData" xmlns="smNativeData" val="SMDATA_15_37BZZRMAAAAlAAAArgAAAA0AAAAAkAAAAEgAAACQAAAASAAAAAAAAAAAAAAAAAAAAAEAAABQAAAA+TJXsd2+vD8AAAAAAADgPwAAAAAAAOA/AAAAAAAA4D8AAAAAAADgPwAAAAAAAOA/AAAAAAAA4D8AAAAAAADgPwAAAAAAAOA/AAAAAAAA4D8CAAAAjAAAAAEAAAADAAAA0UnOAEMwnwAAAAAAAAAAAAAAAAAAAAAAAAAAAAAAAAAAAAAAeAAAAAEAAABAAAAAYwAAAGQAAAA6AQAAAAAAAAAAAAAAAAAAAAAAAAAAAAAAAAAAAAAAAAAAAAAAAAAAAAAAAAAAAAAAAAAAAAAAAAAAAAAAAAAAAAAAAAAAAAAAAAAAFAAAADwAAAAAAAAAAAAAAAAAAAkUAAAAAQAAABQAAAAUAAAAFAAAAAEAAAAAAAAAZAAAAGQAAAAAAAAAZAAAAGQAAAAVAAAAYAAAAAAAAAAAAAAADwAAACADAAAAAAAAAAAAAAEAAACgMgAAVgcAAKr4//8BAAAAf39/AAEAAABkAAAAAAAAABQAAABAHwAAAAAAACYAAAAAAAAAwOD//wAAAAAmAAAAZAAAABYAAABMAAAAAAAAAAAAAAAEAAAAAAAAAAEAAADRSc4KAAAAACgAAAAoAAAAZAAAAGQAAAAAAAAAzMzMAAAAAABQAAAAUAAAAGQAAABkAAAAAAAAABcAAAAUAAAAAAAAAAAAAAD/fwAA/38AAAAAAAAJAAAABAAAAAAAAAAeAAAAaAAAAAAAAAAAAAAAAAAAAAAAAAAAAAAAECcAABAnAAAAAAAAAAAAAAAAAAAAAAAAAAAAAAAAAAAAAAAAAAAAABQAAAAAAAAAwMD/AAAAAABkAAAAMgAAAAAAAABkAAAAAAAAAH9/fwAKAAAAIgAAABgAAAAAAAAAAAAAAAAAAAAAAAAAAAAAAAAAAAAkAAAAJAAAAAAAAAAHAAAAAAAAAAAAAAAAAAAAAAAAAAAAAAAAAAAAf39/ACUAAABYAAAAAAAAAAAAAAAAAAAAAAAAAAAAAAAAAAAAAAAAAAAAAAAAAAAAAAAAAAAAAAA/AAAAAAAAAKCGAQAAAAAAAAAAAAAAAAAMAAAAAQAAAAAAAAAAAAAAAAAAAB8AAABUAAAA0UnOAEMwnwAAAAAAAAAAAAAAAAAAAAAAAAAAAAAAAAAAAAAAAAAAAAAAAAJ/f38A0UnOA8zMzADAwP8Af39/AAAAAAAAAAAAAAAAAAAAAAAAAAAAIQAAABgAAAAUAAAAqyYAAKodAAA+OAAAox8AABAAAAAmAAAACAAAAP//////////"/>
+                <pr:smNativeData xmlns:pr="smNativeData" xmlns="smNativeData" val="SMDATA_15_8sFZZRMAAAAlAAAArgAAAA0AAAAAkAAAAEgAAACQAAAASAAAAAAAAAAAAAAAAAAAAAEAAABQAAAA+TJXsd2+vD8AAAAAAADgPwAAAAAAAOA/AAAAAAAA4D8AAAAAAADgPwAAAAAAAOA/AAAAAAAA4D8AAAAAAADgPwAAAAAAAOA/AAAAAAAA4D8CAAAAjAAAAAEAAAADAAAA0UnOAEMwnwAAAAAAAAAAAAAAAAAAAAAAAAAAAAAAAAAAAAAAeAAAAAEAAABAAAAAYwAAAGQAAAA6AQAAAAAAAAAAAAAAAAAAAAAAAAAAAAAAAAAAAAAAAAAAAAAAAAAAAAAAAAAAAAAAAAAAAAAAAAAAAAAAAAAAAAAAAAAAAAAAAAAAFAAAADwAAAAAAAAAAAAAAAAAAAkUAAAAAQAAABQAAAAUAAAAFAAAAAEAAAAAAAAAZAAAAGQAAAAAAAAAZAAAAGQAAAAVAAAAYAAAAAAAAAAAAAAADwAAACADAAAAAAAAAAAAAAEAAACgMgAAVgcAAKr4//8BAAAAf39/AAEAAABkAAAAAAAAABQAAABAHwAAAAAAACYAAAAAAAAAwOD//wAAAAAmAAAAZAAAABYAAABMAAAAAAAAAAAAAAAEAAAAAAAAAAEAAADRSc4KAAAAACgAAAAoAAAAZAAAAGQAAAAAAAAAzMzMAAAAAABQAAAAUAAAAGQAAABkAAAAAAAAABcAAAAUAAAAAAAAAAAAAAD/fwAA/38AAAAAAAAJAAAABAAAAAAAAAAeAAAAaAAAAAAAAAAAAAAAAAAAAAAAAAAAAAAAECcAABAnAAAAAAAAAAAAAAAAAAAAAAAAAAAAAAAAAAAAAAAAAAAAABQAAAAAAAAAwMD/AAAAAABkAAAAMgAAAAAAAABkAAAAAAAAAH9/fwAKAAAAIgAAABgAAAAAAAAAAAAAAAAAAAAAAAAAAAAAAAAAAAAkAAAAJAAAAAAAAAAHAAAAAAAAAAAAAAAAAAAAAAAAAAAAAAAAAAAAf39/ACUAAABYAAAAAAAAAAAAAAAAAAAAAAAAAAAAAAAAAAAAAAAAAAAAAAAAAAAAAAAAAAAAAAA/AAAAAAAAAKCGAQAAAAAAAAAAAAAAAAAMAAAAAQAAAAAAAAAAAAAAAAAAAB8AAABUAAAA0UnOAEMwnwAAAAAAAAAAAAAAAAAAAAAAAAAAAAAAAAAAAAAAAAAAAAAAAAJ/f38A0UnOA8zMzADAwP8Af39/AAAAAAAAAAAAAAAAAAAAAAAAAAAAIQAAABgAAAAUAAAAqyYAAKodAAA+OAAAox8AABAAAAAmAAAACAAAAP//////////"/>
               </a:ext>
             </a:extLst>
           </p:cNvSpPr>
@@ -15666,7 +15569,7 @@
           <p:cNvSpPr>
             <a:extLst>
               <a:ext uri="smNativeData">
-                <pr:smNativeData xmlns:pr="smNativeData" xmlns="smNativeData" val="SMDATA_15_37BZZRMAAAAlAAAAZgAAAA0AAAAAkAAAAEgAAACQAAAASAAAAAAAAAAAAAAAAAAAAAEAAABQAAAAAAAAAAAA8D8AAAAAAADwPwAAAAAAAOA/AAAAAAAA4D8AAAAAAADgPwAAAAAAAOA/AAAAAAAA4D8AAAAAAADgPwAAAAAAAOA/AAAAAAAA4D8CAAAAjAAAAAEAAAAAAAAAAAAAAP///wgAAAAAAAAAAAAAAAAAAAAAAAAAAAAAAAAAAAAAeAAAAAEAAABAAAAAAAAAAAAAAABaAAAAAAAAAAAAAAAAAAAAAAAAAAAAAAAAAAAAAAAAAAAAAAAAAAAAAAAAAAAAAAAAAAAAAAAAAAAAAAAAAAAAAAAAAAAAAAAAAAAAFAAAADwAAAAAAAAAAAAAAAAAAAkUAAAAAQAAABQAAAAUAAAAFAAAAAEAAAAAAAAAZAAAAGQAAAAAAAAAZAAAAGQAAAAVAAAAYAAAAAAAAAAAAAAADwAAACADAAAAAAAAAAAAAAEAAACgMgAAVgcAAKr4//8BAAAAf39/AAEAAABkAAAAAAAAABQAAABAHwAAAAAAACYAAAAAAAAAwOD//wAAAAAmAAAAZAAAABYAAABMAAAAAQAAAAAAAAAGAAAAAAAAAAEAAAAAAAANMgAAAAAAAAAAAAAAZAAAAGQAAAAAAAAAy8vLADIAAAAAAAAAAAAAAGQAAABkAAAAAAAAABcAAAAUAAAAAAAAAAAAAAD/fwAA/38AAAAAAAAJAAAABAAAAAAAAAAeAAAAaAAAAAAAAAAAAAAAAAAAAAAAAAAAAAAAECcAABAnAAAAAAAAAAAAAAAAAAAAAAAAAAAAAAAAAAAAAAAAAAAAAFIBAAAAAAAAwMD/AAAAAAAAAAAAAAAAAAAAAABkAAAAAAAAAH9/fwAKAAAAIgAAABgAAAAAAAAAAAAAAAAAAAAAAAAAAAAAAAAAAAAkAAAAJAAAAAAAAAAHAAAAAAAAAAAAAAAAAAAAAAAAAAAAAAAAAAAAf39/ACUAAABYAAAAAAAAAAAAAAAAAAAAAAAAAAAAAAAAAAAAAAAAAAAAAAAAAAAAAAAAAAAAAAA/AAAAAAAAAKCGAQAAAAAAAAAAAAAAAAAMAAAAAQAAAAAAAAAAAAAAAAAAAB8AAABUAAAAAAAAAP///wEAAAAAAAAAAAAAAAAAAAAAAAAAAAAAAAAAAAAAAAAAAAAAAAJ/f38AAAAABsvLywDAwP8Af39/AAAAAAAAAAAAAAAAAAAAAAAAAAAAIQAAABgAAAAUAAAAN/v//yb6//+ODQAAfAwAABAAAAAmAAAACAAAAP//////////"/>
+                <pr:smNativeData xmlns:pr="smNativeData" xmlns="smNativeData" val="SMDATA_15_8sFZZRMAAAAlAAAAZgAAAA0AAAAAkAAAAEgAAACQAAAASAAAAAAAAAAAAAAAAAAAAAEAAABQAAAAAAAAAAAA8D8AAAAAAADwPwAAAAAAAOA/AAAAAAAA4D8AAAAAAADgPwAAAAAAAOA/AAAAAAAA4D8AAAAAAADgPwAAAAAAAOA/AAAAAAAA4D8CAAAAjAAAAAEAAAAAAAAAAAAAAP///wgAAAAAAAAAAAAAAAAAAAAAAAAAAAAAAAAAAAAAeAAAAAEAAABAAAAAAAAAAAAAAABaAAAAAAAAAAAAAAAAAAAAAAAAAAAAAAAAAAAAAAAAAAAAAAAAAAAAAAAAAAAAAAAAAAAAAAAAAAAAAAAAAAAAAAAAAAAAAAAAAAAAFAAAADwAAAAAAAAAAAAAAAAAAAkUAAAAAQAAABQAAAAUAAAAFAAAAAEAAAAAAAAAZAAAAGQAAAAAAAAAZAAAAGQAAAAVAAAAYAAAAAAAAAAAAAAADwAAACADAAAAAAAAAAAAAAEAAACgMgAAVgcAAKr4//8BAAAAf39/AAEAAABkAAAAAAAAABQAAABAHwAAAAAAACYAAAAAAAAAwOD//wAAAAAmAAAAZAAAABYAAABMAAAAAQAAAAAAAAAGAAAAAAAAAAEAAAAAAAANMgAAAAAAAAAAAAAAZAAAAGQAAAAAAAAAy8vLADIAAAAAAAAAAAAAAGQAAABkAAAAAAAAABcAAAAUAAAAAAAAAAAAAAD/fwAA/38AAAAAAAAJAAAABAAAAAAAAAAeAAAAaAAAAAAAAAAAAAAAAAAAAAAAAAAAAAAAECcAABAnAAAAAAAAAAAAAAAAAAAAAAAAAAAAAAAAAAAAAAAAAAAAAFIBAAAAAAAAwMD/AAAAAAAAAAAAAAAAAAAAAABkAAAAAAAAAH9/fwAKAAAAIgAAABgAAAAAAAAAAAAAAAAAAAAAAAAAAAAAAAAAAAAkAAAAJAAAAAAAAAAHAAAAAAAAAAAAAAAAAAAAAAAAAAAAAAAAAAAAf39/ACUAAABYAAAAAAAAAAAAAAAAAAAAAAAAAAAAAAAAAAAAAAAAAAAAAAAAAAAAAAAAAAAAAAA/AAAAAAAAAKCGAQAAAAAAAAAAAAAAAAAMAAAAAQAAAAAAAAAAAAAAAAAAAB8AAABUAAAAAAAAAP///wEAAAAAAAAAAAAAAAAAAAAAAAAAAAAAAAAAAAAAAAAAAAAAAAJ/f38AAAAABsvLywDAwP8Af39/AAAAAAAAAAAAAAAAAAAAAAAAAAAAIQAAABgAAAAUAAAAN/v//yb6//+ODQAAfAwAABAAAAAmAAAACAAAAP//////////"/>
               </a:ext>
             </a:extLst>
           </p:cNvSpPr>
@@ -15701,7 +15604,7 @@
           <p:cNvSpPr>
             <a:extLst>
               <a:ext uri="smNativeData">
-                <pr:smNativeData xmlns:pr="smNativeData" xmlns="smNativeData" val="SMDATA_15_37BZZRMAAAAlAAAAZgAAAA0AAAAAkAAAAEgAAACQAAAASAAAAAAAAAAAAAAAAAAAAAEAAABQAAAAAAAAAAAA8D8AAAAAAADwPwAAAAAAAOA/AAAAAAAA4D8AAAAAAADgPwAAAAAAAOA/AAAAAAAA4D8AAAAAAADgPwAAAAAAAOA/AAAAAAAA4D8CAAAAjAAAAAEAAAADAAAA0UnOAEMwnwAAAAAAAAAAAAAAAAAAAAAAAAAAAAAAAAAAAAAAeAAAAAEAAABAAAAAAAAAAGQAAAAOAQAAAAAAAAAAAAAAAAAAAAAAAAAAAAAAAAAAAAAAAAAAAAAAAAAAAAAAAAAAAAAAAAAAAAAAAAAAAAAAAAAAAAAAAAAAAAAAAAAAFAAAADwAAAAAAAAAAAAAAAAAAAkUAAAAAQAAABQAAAAUAAAAFAAAAAEAAAAAAAAAZAAAAGQAAAAAAAAAZAAAAGQAAAAVAAAAYAAAAAAAAAAAAAAADwAAACADAAAAAAAAAAAAAAEAAACgMgAAVgcAAKr4//8BAAAAf39/AAEAAABkAAAAAAAAABQAAABAHwAAAAAAACYAAAAAAAAAwOD//wAAAAAmAAAAZAAAABYAAABMAAAAAAAAAAAAAAAEAAAAAAAAAAEAAADRSc4KAAAAACgAAAAoAAAAZAAAAGQAAAAAAAAAzMzMAAAAAABQAAAAUAAAAGQAAABkAAAAAAAAABcAAAAUAAAAAAAAAAAAAAD/fwAA/38AAAAAAAAJAAAABAAAAAAAAAAeAAAAaAAAAAAAAAAAAAAAAAAAAAAAAAAAAAAAECcAABAnAAAAAAAAAAAAAAAAAAAAAAAAAAAAAAAAAAAAAAAAAAAAABQAAAAAAAAAwMD/AAAAAABkAAAAMgAAAAAAAABkAAAAAAAAAH9/fwAKAAAAIgAAABgAAAAAAAAAAAAAAAAAAAAAAAAAAAAAAAAAAAAkAAAAJAAAAAAAAAAHAAAAAAAAAAAAAAAAAAAAAAAAAAAAAAAAAAAAf39/ACUAAABYAAAAAAAAAAAAAAAAAAAAAAAAAAAAAAAAAAAAAAAAAAAAAAAAAAAAAAAAAAAAAAA/AAAAAAAAAKCGAQAAAAAAAAAAAAAAAAAMAAAAAQAAAAAAAAAAAAAAAAAAAB8AAABUAAAA0UnOAEMwnwAAAAAAAAAAAAAAAAAAAAAAAAAAAAAAAAAAAAAAAAAAAAAAAAJ/f38A0UnOA8zMzADAwP8Af39/AAAAAAAAAAAAAAAAAAAAAAAAAAAAIQAAABgAAAAUAAAAG/7//8YIAABFBwAA8BEAABAAAAAmAAAACAAAAP//////////"/>
+                <pr:smNativeData xmlns:pr="smNativeData" xmlns="smNativeData" val="SMDATA_15_8sFZZRMAAAAlAAAAZgAAAA0AAAAAkAAAAEgAAACQAAAASAAAAAAAAAAAAAAAAAAAAAEAAABQAAAAAAAAAAAA8D8AAAAAAADwPwAAAAAAAOA/AAAAAAAA4D8AAAAAAADgPwAAAAAAAOA/AAAAAAAA4D8AAAAAAADgPwAAAAAAAOA/AAAAAAAA4D8CAAAAjAAAAAEAAAADAAAA0UnOAEMwnwAAAAAAAAAAAAAAAAAAAAAAAAAAAAAAAAAAAAAAeAAAAAEAAABAAAAAAAAAAGQAAAAOAQAAAAAAAAAAAAAAAAAAAAAAAAAAAAAAAAAAAAAAAAAAAAAAAAAAAAAAAAAAAAAAAAAAAAAAAAAAAAAAAAAAAAAAAAAAAAAAAAAAFAAAADwAAAAAAAAAAAAAAAAAAAkUAAAAAQAAABQAAAAUAAAAFAAAAAEAAAAAAAAAZAAAAGQAAAAAAAAAZAAAAGQAAAAVAAAAYAAAAAAAAAAAAAAADwAAACADAAAAAAAAAAAAAAEAAACgMgAAVgcAAKr4//8BAAAAf39/AAEAAABkAAAAAAAAABQAAABAHwAAAAAAACYAAAAAAAAAwOD//wAAAAAmAAAAZAAAABYAAABMAAAAAAAAAAAAAAAEAAAAAAAAAAEAAADRSc4KAAAAACgAAAAoAAAAZAAAAGQAAAAAAAAAzMzMAAAAAABQAAAAUAAAAGQAAABkAAAAAAAAABcAAAAUAAAAAAAAAAAAAAD/fwAA/38AAAAAAAAJAAAABAAAAAAAAAAeAAAAaAAAAAAAAAAAAAAAAAAAAAAAAAAAAAAAECcAABAnAAAAAAAAAAAAAAAAAAAAAAAAAAAAAAAAAAAAAAAAAAAAABQAAAAAAAAAwMD/AAAAAABkAAAAMgAAAAAAAABkAAAAAAAAAH9/fwAKAAAAIgAAABgAAAAAAAAAAAAAAAAAAAAAAAAAAAAAAAAAAAAkAAAAJAAAAAAAAAAHAAAAAAAAAAAAAAAAAAAAAAAAAAAAAAAAAAAAf39/ACUAAABYAAAAAAAAAAAAAAAAAAAAAAAAAAAAAAAAAAAAAAAAAAAAAAAAAAAAAAAAAAAAAAA/AAAAAAAAAKCGAQAAAAAAAAAAAAAAAAAMAAAAAQAAAAAAAAAAAAAAAAAAAB8AAABUAAAA0UnOAEMwnwAAAAAAAAAAAAAAAAAAAAAAAAAAAAAAAAAAAAAAAAAAAAAAAAJ/f38A0UnOA8zMzADAwP8Af39/AAAAAAAAAAAAAAAAAAAAAAAAAAAAIQAAABgAAAAUAAAAG/7//8YIAABFBwAA8BEAABAAAAAmAAAACAAAAP//////////"/>
               </a:ext>
             </a:extLst>
           </p:cNvSpPr>
@@ -15740,7 +15643,7 @@
             <a:spLocks noGrp="1" noChangeArrowheads="1"/>
             <a:extLst>
               <a:ext uri="smNativeData">
-                <pr:smNativeData xmlns:pr="smNativeData" xmlns="smNativeData" val="SMDATA_15_37BZZRMAAAAlAAAAZAAAAA0AAAAAAAAAAAAAAAAAAAAAAAAAAAAAAAABAAAAAAAAAAEAAABQAAAAAAAAAAAA4D8AAAAAAADgPwAAAAAAAOA/AAAAAAAA4D8AAAAAAADgPwAAAAAAAOA/AAAAAAAA4D8AAAAAAADgPwAAAAAAAOA/AAAAAAAA4D8CAAAAjAAAAAAAAAAAAAAA////AP///wgAAAAAAAAAAAAAAAAAAAAAAAAAAAAAAAAAAAAAeAAAAAEAAABAAAAAAAAAAAAAAABaAAAAAAAAAAAAAAAAAAAAAAAAAAAAAAAAAAAAAAAAAAAAAAAAAAAAAAAAAAAAAAAAAAAAAAAAAAAAAAAAAAAAAAAAAAAAAAAAAAAAFAAAADwAAAAAAAAAAAAAAAAAAAAPAAAAAQAAACMAAAAjAAAAIwAAAB4AAAAAAAAAZAAAAGQAAAAAAAAAZAAAAGQAAAAVAAAAYAAAAAAAAAAAAAAADwAAACADAAAAAAAAAAAAAAEAAACgMgAAVgcAAKr4//8BAAAAf39/AAEAAABkAAAAAAAAABQAAABAHwAAAAAAACYAAAAAAAAAwOD//wAAAAAmAAAAZAAAABYAAABMAAAAAAAAAAAAAAAEAAAAAAAAAAEAAADRSc4KAAAAACgAAAAoAAAAZAAAAGQAAAAAAAAAzMzMAAAAAABQAAAAUAAAAGQAAABkAAAAAAAAABcAAAAUAAAAAAAAAAAAAAD/fwAA/38AAAAAAAAJAAAABAAAAG1lZGkeAAAAaAAAAAAAAAAAAAAAAAAAAAAAAAAAAAAAECcAABAnAAAAAAAAAAAAAAAAAAAAAAAAAAAAAAAAAAAAAAAAAAAAABQAAAAAAAAAwMD/AAAAAABkAAAAMgAAAAAAAABkAAAAAAAAAH9/fwAKAAAAIgAAABgAAAAAAAAAAAAAAAAAAAAAAAAAAAAAAAAAAAAkAAAAJAAAAAAAAAAHAAAAAAAAAAAAAAAAAAAAAAAAAAAAAAAAAAAAf39/ACUAAABYAAAAAAAAAAAAAAAAAAAAAAAAAAAAAAAAAAAAAAAAAAAAAAAAAAAAAAAAAAAAAAA/AAAAAAAAAKCGAQAAAAAAAAAAAAAAAAAMAAAAAQAAAAAAAAAAAAAAAAAAAB8AAABUAAAA////AAAAAAEAAAAAAAAAAAAAAAAAAAAAAAAAAAAAAAAAAAAAAAAAAAAAAAB/f38AAAAAA8zMzADAwP8Af39/AAAAAAAAAAAAAAAAAAAAAAAAAAAAIQAAABgAAAAUAAAA0AIAAEMBAABvNQAAiwYAABAAAAAmAAAACAAAAL0vAAD//8EB"/>
+                <pr:smNativeData xmlns:pr="smNativeData" xmlns="smNativeData" val="SMDATA_15_8sFZZRMAAAAlAAAAZAAAAA0AAAAAAAAAAAAAAAAAAAAAAAAAAAAAAAABAAAAAAAAAAEAAABQAAAAAAAAAAAA4D8AAAAAAADgPwAAAAAAAOA/AAAAAAAA4D8AAAAAAADgPwAAAAAAAOA/AAAAAAAA4D8AAAAAAADgPwAAAAAAAOA/AAAAAAAA4D8CAAAAjAAAAAAAAAAAAAAA////AP///wgAAAAAAAAAAAAAAAAAAAAAAAAAAAAAAAAAAAAAeAAAAAEAAABAAAAAAAAAAAAAAABaAAAAAAAAAAAAAAAAAAAAAAAAAAAAAAAAAAAAAAAAAAAAAAAAAAAAAAAAAAAAAAAAAAAAAAAAAAAAAAAAAAAAAAAAAAAAAAAAAAAAFAAAADwAAAAAAAAAAAAAAAAAAAAPAAAAAQAAACMAAAAjAAAAIwAAAB4AAAAAAAAAZAAAAGQAAAAAAAAAZAAAAGQAAAAVAAAAYAAAAAAAAAAAAAAADwAAACADAAAAAAAAAAAAAAEAAACgMgAAVgcAAKr4//8BAAAAf39/AAEAAABkAAAAAAAAABQAAABAHwAAAAAAACYAAAAAAAAAwOD//wAAAAAmAAAAZAAAABYAAABMAAAAAAAAAAAAAAAEAAAAAAAAAAEAAADRSc4KAAAAACgAAAAoAAAAZAAAAGQAAAAAAAAAzMzMAAAAAABQAAAAUAAAAGQAAABkAAAAAAAAABcAAAAUAAAAAAAAAAAAAAD/fwAA/38AAAAAAAAJAAAABAAAAAAAAAAeAAAAaAAAAAAAAAAAAAAAAAAAAAAAAAAAAAAAECcAABAnAAAAAAAAAAAAAAAAAAAAAAAAAAAAAAAAAAAAAAAAAAAAABQAAAAAAAAAwMD/AAAAAABkAAAAMgAAAAAAAABkAAAAAAAAAH9/fwAKAAAAIgAAABgAAAAAAAAAAAAAAAAAAAAAAAAAAAAAAAAAAAAkAAAAJAAAAAAAAAAHAAAAAAAAAAAAAAAAAAAAAAAAAAAAAAAAAAAAf39/ACUAAABYAAAAAAAAAAAAAAAAAAAAAAAAAAAAAAAAAAAAAAAAAAAAAAAAAAAAAAAAAAAAAAA/AAAAAAAAAKCGAQAAAAAAAAAAAAAAAAAMAAAAAQAAAAAAAAAAAAAAAAAAAB8AAABUAAAA////AAAAAAEAAAAAAAAAAAAAAAAAAAAAAAAAAAAAAAAAAAAAAAAAAAAAAAB/f38AAAAAA8zMzADAwP8Af39/AAAAAAAAAAAAAAAAAAAAAAAAAAAAIQAAABgAAAAUAAAA0AIAAEMBAABvNQAAiwYAABAAAAAmAAAACAAAAL0vAAD//8EB"/>
               </a:ext>
             </a:extLst>
           </p:cNvSpPr>
@@ -15784,7 +15687,7 @@
             <a:spLocks noGrp="1" noChangeArrowheads="1"/>
             <a:extLst>
               <a:ext uri="smNativeData">
-                <pr:smNativeData xmlns:pr="smNativeData" xmlns="smNativeData" val="SMDATA_15_37BZZRMAAAAlAAAAZAAAAA0AAAAAAAAAAAAAAAAAAAAAAAAAAAAAAAAAAAAAAAAAAAEAAABQAAAAAAAAAAAA4D8AAAAAAADgPwAAAAAAAOA/AAAAAAAA4D8AAAAAAADgPwAAAAAAAOA/AAAAAAAA4D8AAAAAAADgPwAAAAAAAOA/AAAAAAAA4D8CAAAAjAAAAAAAAAAAAAAA////AP///wgAAAAAAAAAAAAAAAAAAAAAAAAAAAAAAAAAAAAAeAAAAAEAAABAAAAAAAAAAAAAAABaAAAAAAAAAAAAAAAAAAAAAAAAAAAAAAAAAAAAAAAAAAAAAAAAAAAAAAAAAAAAAAAAAAAAAAAAAAAAAAAAAAAAAAAAAAAAAAAAAAAAFAAAADwAAAAAAAAAAAAAAAAAAAAPAAAAAQAAACMAAAAjAAAAIwAAAB4AAAAAAAAAZAAAAGQAAAAAAAAAZAAAAGQAAAAVAAAAYAAAAAAAAAAAAAAADwAAACADAAAAAAAAAAAAAAEAAACgMgAAVgcAAKr4//8BAAAAf39/AAEAAABkAAAAAAAAABQAAABAHwAAAAAAACYAAAAAAAAAwOD//wAAAAAmAAAAZAAAABYAAABMAAAAAAAAAAAAAAAEAAAAAAAAAAEAAADRSc4KAAAAACgAAAAoAAAAZAAAAGQAAAAAAAAAzMzMAAAAAABQAAAAUAAAAGQAAABkAAAAAAAAABcAAAAUAAAAAAAAAAAAAAD/fwAA/38AAAAAAAAJAAAABAAAAAAAAAAeAAAAaAAAAAAAAAAAAAAAAAAAAAAAAAAAAAAAECcAABAnAAAAAAAAAAAAAAAAAAAAAAAAAAAAAAAAAAAAAAAAAAAAABQAAAAAAAAAwMD/AAAAAABkAAAAMgAAAAAAAABkAAAAAAAAAH9/fwAKAAAAIgAAABgAAAAAAAAAAAAAAAAAAAAAAAAAAAAAAAAAAAAkAAAAJAAAAAAAAAAHAAAAAAAAAAAAAAAAAAAAAAAAAAAAAAAAAAAAf39/ACUAAABYAAAAAAAAAAAAAAAAAAAAAAAAAAAAAAAAAAAAAAAAAAAAAAAAAAAAAAAAAAAAAAA/AAAAAAAAAKCGAQAAAAAAAAAAAAAAAAAMAAAAAQAAAAAAAAAAAAAAAAAAAB8AAABUAAAA////AAAAAAEAAAAAAAAAAAAAAAAAAAAAAAAAAAAAAAAAAAAAAAAAAAAAAAB/f38AAAAAA8zMzADAwP8Af39/AAAAAAAAAAAAAAAAAAAAAAAAAAAAIQAAABgAAAAUAAAA0AIAAGcHAABvNQAAwRkAABAAAAAmAAAACAAAAD0vAAD//8EB"/>
+                <pr:smNativeData xmlns:pr="smNativeData" xmlns="smNativeData" val="SMDATA_15_8sFZZRMAAAAlAAAAZAAAAA0AAAAAAAAAAAAAAAAAAAAAAAAAAAAAAAAAAAAAAAAAAAEAAABQAAAAAAAAAAAA4D8AAAAAAADgPwAAAAAAAOA/AAAAAAAA4D8AAAAAAADgPwAAAAAAAOA/AAAAAAAA4D8AAAAAAADgPwAAAAAAAOA/AAAAAAAA4D8CAAAAjAAAAAAAAAAAAAAA////AP///wgAAAAAAAAAAAAAAAAAAAAAAAAAAAAAAAAAAAAAeAAAAAEAAABAAAAAAAAAAAAAAABaAAAAAAAAAAAAAAAAAAAAAAAAAAAAAAAAAAAAAAAAAAAAAAAAAAAAAAAAAAAAAAAAAAAAAAAAAAAAAAAAAAAAAAAAAAAAAAAAAAAAFAAAADwAAAAAAAAAAAAAAAAAAAAPAAAAAQAAACMAAAAjAAAAIwAAAB4AAAAAAAAAZAAAAGQAAAAAAAAAZAAAAGQAAAAVAAAAYAAAAAAAAAAAAAAADwAAACADAAAAAAAAAAAAAAEAAACgMgAAVgcAAKr4//8BAAAAf39/AAEAAABkAAAAAAAAABQAAABAHwAAAAAAACYAAAAAAAAAwOD//wAAAAAmAAAAZAAAABYAAABMAAAAAAAAAAAAAAAEAAAAAAAAAAEAAADRSc4KAAAAACgAAAAoAAAAZAAAAGQAAAAAAAAAzMzMAAAAAABQAAAAUAAAAGQAAABkAAAAAAAAABcAAAAUAAAAAAAAAAAAAAD/fwAA/38AAAAAAAAJAAAABAAAAAAAAAAeAAAAaAAAAAAAAAAAAAAAAAAAAAAAAAAAAAAAECcAABAnAAAAAAAAAAAAAAAAAAAAAAAAAAAAAAAAAAAAAAAAAAAAABQAAAAAAAAAwMD/AAAAAABkAAAAMgAAAAAAAABkAAAAAAAAAH9/fwAKAAAAIgAAABgAAAAAAAAAAAAAAAAAAAAAAAAAAAAAAAAAAAAkAAAAJAAAAAAAAAAHAAAAAAAAAAAAAAAAAAAAAAAAAAAAAAAAAAAAf39/ACUAAABYAAAAAAAAAAAAAAAAAAAAAAAAAAAAAAAAAAAAAAAAAAAAAAAAAAAAAAAAAAAAAAA/AAAAAAAAAKCGAQAAAAAAAAAAAAAAAAAMAAAAAQAAAAAAAAAAAAAAAAAAAB8AAABUAAAA////AAAAAAEAAAAAAAAAAAAAAAAAAAAAAAAAAAAAAAAAAAAAAAAAAAAAAAB/f38AAAAAA8zMzADAwP8Af39/AAAAAAAAAAAAAAAAAAAAAAAAAAAAIQAAABgAAAAUAAAA0AIAAGcHAABvNQAAwRkAABAAAAAmAAAACAAAAD0vAAD//8EB"/>
               </a:ext>
             </a:extLst>
           </p:cNvSpPr>
@@ -16432,7 +16335,7 @@
           <p:cNvSpPr>
             <a:extLst>
               <a:ext uri="smNativeData">
-                <pr:smNativeData xmlns:pr="smNativeData" xmlns="smNativeData" val="SMDATA_15_37BZZRMAAAAlAAAArgAAAA0AAAAAkAAAAEgAAACQAAAASAAAAAAAAAAAAAAAAAAAAAEAAABQAAAAA6q1zfC9vD8AAAAAAADgPwAAAAAAAOA/AAAAAAAA4D8AAAAAAADgPwAAAAAAAOA/AAAAAAAA4D8AAAAAAADgPwAAAAAAAOA/AAAAAAAA4D8CAAAAjAAAAAEAAAADAAAA0UnOAEMwnwAAAAAAAAAAAAAAAAAAAAAAAAAAAAAAAAAAAAAAeAAAAAEAAABAAAAAYwAAAGQAAAA7AQAAAAAAAAAAAAAAAAAAAAAAAAAAAAAAAAAAAAAAAAAAAAAAAAAAAAAAAAAAAAAAAAAAAAAAAAAAAAAAAAAAAAAAAAAAAAAAAAAAFAAAADwAAAAAAAAAAAAAAAAAAAkUAAAAAQAAABQAAAAUAAAAFAAAAAEAAAAAAAAAZAAAAGQAAAAAAAAAZAAAAGQAAAAVAAAAYAAAAAAAAAAAAAAADwAAACADAAAAAAAAAAAAAAEAAACgMgAAVgcAAKr4//8BAAAAf39/AAEAAABkAAAAAAAAABQAAABAHwAAAAAAACYAAAAAAAAAwOD//wAAAAAmAAAAZAAAABYAAABMAAAAAAAAAAAAAAAEAAAAAAAAAAEAAADRSc4KAAAAACgAAAAoAAAAZAAAAGQAAAAAAAAAzMzMAAAAAABQAAAAUAAAAGQAAABkAAAAAAAAABcAAAAUAAAAAAAAAAAAAAD/fwAA/38AAAAAAAAJAAAABAAAAAAAAAAeAAAAaAAAAAAAAAAAAAAAAAAAAAAAAAAAAAAAECcAABAnAAAAAAAAAAAAAAAAAAAAAAAAAAAAAAAAAAAAAAAAAAAAABQAAAAAAAAAwMD/AAAAAABkAAAAMgAAAAAAAABkAAAAAAAAAH9/fwAKAAAAIgAAABgAAAAAAAAAAAAAAAAAAAAAAAAAAAAAAAAAAAAkAAAAJAAAAAAAAAAHAAAAAAAAAAAAAAAAAAAAAAAAAAAAAAAAAAAAf39/ACUAAABYAAAAAAAAAAAAAAAAAAAAAAAAAAAAAAAAAAAAAAAAAAAAAAAAAAAAAAAAAAAAAAA/AAAAAAAAAKCGAQAAAAAAAAAAAAAAAAAMAAAAAQAAAAAAAAAAAAAAAAAAAB8AAABUAAAA0UnOAEMwnwAAAAAAAAAAAAAAAAAAAAAAAAAAAAAAAAAAAAAAAAAAAAAAAAJ/f38A0UnOA8zMzADAwP8Af39/AAAAAAAAAAAAAAAAAAAAAAAAAAAAIQAAABgAAAAUAAAAAAAAAKodAACTEQAAox8AABAAAAAmAAAACAAAAP//////////"/>
+                <pr:smNativeData xmlns:pr="smNativeData" xmlns="smNativeData" val="SMDATA_15_8sFZZRMAAAAlAAAArgAAAA0AAAAAkAAAAEgAAACQAAAASAAAAAAAAAAAAAAAAAAAAAEAAABQAAAAA6q1zfC9vD8AAAAAAADgPwAAAAAAAOA/AAAAAAAA4D8AAAAAAADgPwAAAAAAAOA/AAAAAAAA4D8AAAAAAADgPwAAAAAAAOA/AAAAAAAA4D8CAAAAjAAAAAEAAAADAAAA0UnOAEMwnwAAAAAAAAAAAAAAAAAAAAAAAAAAAAAAAAAAAAAAeAAAAAEAAABAAAAAYwAAAGQAAAA7AQAAAAAAAAAAAAAAAAAAAAAAAAAAAAAAAAAAAAAAAAAAAAAAAAAAAAAAAAAAAAAAAAAAAAAAAAAAAAAAAAAAAAAAAAAAAAAAAAAAFAAAADwAAAAAAAAAAAAAAAAAAAkUAAAAAQAAABQAAAAUAAAAFAAAAAEAAAAAAAAAZAAAAGQAAAAAAAAAZAAAAGQAAAAVAAAAYAAAAAAAAAAAAAAADwAAACADAAAAAAAAAAAAAAEAAACgMgAAVgcAAKr4//8BAAAAf39/AAEAAABkAAAAAAAAABQAAABAHwAAAAAAACYAAAAAAAAAwOD//wAAAAAmAAAAZAAAABYAAABMAAAAAAAAAAAAAAAEAAAAAAAAAAEAAADRSc4KAAAAACgAAAAoAAAAZAAAAGQAAAAAAAAAzMzMAAAAAABQAAAAUAAAAGQAAABkAAAAAAAAABcAAAAUAAAAAAAAAAAAAAD/fwAA/38AAAAAAAAJAAAABAAAAAAAAAAeAAAAaAAAAAAAAAAAAAAAAAAAAAAAAAAAAAAAECcAABAnAAAAAAAAAAAAAAAAAAAAAAAAAAAAAAAAAAAAAAAAAAAAABQAAAAAAAAAwMD/AAAAAABkAAAAMgAAAAAAAABkAAAAAAAAAH9/fwAKAAAAIgAAABgAAAAAAAAAAAAAAAAAAAAAAAAAAAAAAAAAAAAkAAAAJAAAAAAAAAAHAAAAAAAAAAAAAAAAAAAAAAAAAAAAAAAAAAAAf39/ACUAAABYAAAAAAAAAAAAAAAAAAAAAAAAAAAAAAAAAAAAAAAAAAAAAAAAAAAAAAAAAAAAAAA/AAAAAAAAAKCGAQAAAAAAAAAAAAAAAAAMAAAAAQAAAAAAAAAAAAAAAAAAAB8AAABUAAAA0UnOAEMwnwAAAAAAAAAAAAAAAAAAAAAAAAAAAAAAAAAAAAAAAAAAAAAAAAJ/f38A0UnOA8zMzADAwP8Af39/AAAAAAAAAAAAAAAAAAAAAAAAAAAAIQAAABgAAAAUAAAAAAAAAKodAACTEQAAox8AABAAAAAmAAAACAAAAP//////////"/>
               </a:ext>
             </a:extLst>
           </p:cNvSpPr>
@@ -16473,7 +16376,7 @@
             <a:spLocks noGrp="1" noChangeArrowheads="1"/>
             <a:extLst>
               <a:ext uri="smNativeData">
-                <pr:smNativeData xmlns:pr="smNativeData" xmlns="smNativeData" val="SMDATA_15_37BZZRMAAAAlAAAAZAAAAA0AAAAAAAAAAAAAAAAAAAAAAAAAAAAAAAABAAAAAAAAAAEAAABQAAAAAAAAAAAA4D8AAAAAAADgPwAAAAAAAOA/AAAAAAAA4D8AAAAAAADgPwAAAAAAAOA/AAAAAAAA4D8AAAAAAADgPwAAAAAAAOA/AAAAAAAA4D8CAAAAjAAAAAAAAAAAAAAA////AP///wgAAAAAAAAAAAAAAAAAAAAAAAAAAAAAAAAAAAAAeAAAAAEAAABAAAAAAAAAAAAAAABaAAAAAAAAAAAAAAAAAAAAAAAAAAAAAAAAAAAAAAAAAAAAAAAAAAAAAAAAAAAAAAAAAAAAAAAAAAAAAAAAAAAAAAAAAAAAAAAAAAAAFAAAADwAAAAAAAAAAAAAAAAAAAAPAAAAAQAAACMAAAAjAAAAIwAAAB4AAAAAAAAAZAAAAGQAAAAAAAAAZAAAAGQAAAAVAAAAYAAAAAAAAAAAAAAADwAAACADAAAAAAAAAAAAAAEAAACgMgAAVgcAAKr4//8BAAAAf39/AAEAAABkAAAAAAAAABQAAABAHwAAAAAAACYAAAAAAAAAwOD//wAAAAAmAAAAZAAAABYAAABMAAAAAAAAAAAAAAAEAAAAAAAAAAEAAADRSc4KAAAAACgAAAAoAAAAZAAAAGQAAAAAAAAAzMzMAAAAAABQAAAAUAAAAGQAAABkAAAAAAAAABcAAAAUAAAAAAAAAAAAAAD/fwAA/38AAAAAAAAJAAAABAAAAAAAAAAeAAAAaAAAAAAAAAAAAAAAAAAAAAAAAAAAAAAAECcAABAnAAAAAAAAAAAAAAAAAAAAAAAAAAAAAAAAAAAAAAAAAAAAABQAAAAAAAAAwMD/AAAAAABkAAAAMgAAAAAAAABkAAAAAAAAAH9/fwAKAAAAIgAAABgAAAAAAAAAAAAAAAAAAAAAAAAAAAAAAAAAAAAkAAAAJAAAAAAAAAAHAAAAAAAAAAAAAAAAAAAAAAAAAAAAAAAAAAAAf39/ACUAAABYAAAAAAAAAAAAAAAAAAAAAAAAAAAAAAAAAAAAAAAAAAAAAAAAAAAAAAAAAAAAAAA/AAAAAAAAAKCGAQAAAAAAAAAAAAAAAAAMAAAAAQAAAAAAAAAAAAAAAAAAAB8AAABUAAAA////AAAAAAEAAAAAAAAAAAAAAAAAAAAAAAAAAAAAAAAAAAAAAAAAAAAAAAB/f38AAAAAA8zMzADAwP8Af39/AAAAAAAAAAAAAAAAAAAAAAAAAAAAIQAAABgAAAAUAAAA0AIAAEMBAABvNQAAiwYAABAAAAAmAAAACAAAAL0vAAD/HwAA"/>
+                <pr:smNativeData xmlns:pr="smNativeData" xmlns="smNativeData" val="SMDATA_15_8sFZZRMAAAAlAAAAZAAAAA0AAAAAAAAAAAAAAAAAAAAAAAAAAAAAAAABAAAAAAAAAAEAAABQAAAAAAAAAAAA4D8AAAAAAADgPwAAAAAAAOA/AAAAAAAA4D8AAAAAAADgPwAAAAAAAOA/AAAAAAAA4D8AAAAAAADgPwAAAAAAAOA/AAAAAAAA4D8CAAAAjAAAAAAAAAAAAAAA////AP///wgAAAAAAAAAAAAAAAAAAAAAAAAAAAAAAAAAAAAAeAAAAAEAAABAAAAAAAAAAAAAAABaAAAAAAAAAAAAAAAAAAAAAAAAAAAAAAAAAAAAAAAAAAAAAAAAAAAAAAAAAAAAAAAAAAAAAAAAAAAAAAAAAAAAAAAAAAAAAAAAAAAAFAAAADwAAAAAAAAAAAAAAAAAAAAPAAAAAQAAACMAAAAjAAAAIwAAAB4AAAAAAAAAZAAAAGQAAAAAAAAAZAAAAGQAAAAVAAAAYAAAAAAAAAAAAAAADwAAACADAAAAAAAAAAAAAAEAAACgMgAAVgcAAKr4//8BAAAAf39/AAEAAABkAAAAAAAAABQAAABAHwAAAAAAACYAAAAAAAAAwOD//wAAAAAmAAAAZAAAABYAAABMAAAAAAAAAAAAAAAEAAAAAAAAAAEAAADRSc4KAAAAACgAAAAoAAAAZAAAAGQAAAAAAAAAzMzMAAAAAABQAAAAUAAAAGQAAABkAAAAAAAAABcAAAAUAAAAAAAAAAAAAAD/fwAA/38AAAAAAAAJAAAABAAAAAAAAAAeAAAAaAAAAAAAAAAAAAAAAAAAAAAAAAAAAAAAECcAABAnAAAAAAAAAAAAAAAAAAAAAAAAAAAAAAAAAAAAAAAAAAAAABQAAAAAAAAAwMD/AAAAAABkAAAAMgAAAAAAAABkAAAAAAAAAH9/fwAKAAAAIgAAABgAAAAAAAAAAAAAAAAAAAAAAAAAAAAAAAAAAAAkAAAAJAAAAAAAAAAHAAAAAAAAAAAAAAAAAAAAAAAAAAAAAAAAAAAAf39/ACUAAABYAAAAAAAAAAAAAAAAAAAAAAAAAAAAAAAAAAAAAAAAAAAAAAAAAAAAAAAAAAAAAAA/AAAAAAAAAKCGAQAAAAAAAAAAAAAAAAAMAAAAAQAAAAAAAAAAAAAAAAAAAB8AAABUAAAA////AAAAAAEAAAAAAAAAAAAAAAAAAAAAAAAAAAAAAAAAAAAAAAAAAAAAAAB/f38AAAAAA8zMzADAwP8Af39/AAAAAAAAAAAAAAAAAAAAAAAAAAAAIQAAABgAAAAUAAAA0AIAAEMBAABvNQAAiwYAABAAAAAmAAAACAAAAL0vAAD/HwAA"/>
               </a:ext>
             </a:extLst>
           </p:cNvSpPr>
@@ -16516,7 +16419,7 @@
             <a:spLocks noGrp="1" noChangeArrowheads="1"/>
             <a:extLst>
               <a:ext uri="smNativeData">
-                <pr:smNativeData xmlns:pr="smNativeData" xmlns="smNativeData" val="SMDATA_15_37BZZRMAAAAlAAAAZAAAAA0AAAAAAAAAAAAAAAAAAAAAAAAAAAAAAAAAAAAAAAAAAAEAAABQAAAAAAAAAAAA4D8AAAAAAADgPwAAAAAAAOA/AAAAAAAA4D8AAAAAAADgPwAAAAAAAOA/AAAAAAAA4D8AAAAAAADgPwAAAAAAAOA/AAAAAAAA4D8CAAAAjAAAAAAAAAAAAAAA////AP///wgAAAAAAAAAAAAAAAAAAAAAAAAAAAAAAAAAAAAAeAAAAAEAAABAAAAAAAAAAAAAAABaAAAAAAAAAAAAAAAAAAAAAAAAAAAAAAAAAAAAAAAAAAAAAAAAAAAAAAAAAAAAAAAAAAAAAAAAAAAAAAAAAAAAAAAAAAAAAAAAAAAAFAAAADwAAAAAAAAAAAAAAAAAAAAPAAAAAQAAACMAAAAjAAAAIwAAAB4AAAAAAAAAZAAAAGQAAAAAAAAAZAAAAGQAAAAVAAAAYAAAAAAAAAAAAAAADwAAACADAAAAAAAAAAAAAAEAAACgMgAAVgcAAKr4//8BAAAAf39/AAEAAABkAAAAAAAAABQAAABAHwAAAAAAACYAAAAAAAAAwOD//wAAAAAmAAAAZAAAABYAAABMAAAAAAAAAAAAAAAEAAAAAAAAAAEAAADRSc4KAAAAACgAAAAoAAAAZAAAAGQAAAAAAAAAzMzMAAAAAABQAAAAUAAAAGQAAABkAAAAAAAAABcAAAAUAAAAAAAAAAAAAAD/fwAA/38AAAAAAAAJAAAABAAAAG1lZGkeAAAAaAAAAAAAAAAAAAAAAAAAAAAAAAAAAAAAECcAABAnAAAAAAAAAAAAAAAAAAAAAAAAAAAAAAAAAAAAAAAAAAAAABQAAAAAAAAAwMD/AAAAAABkAAAAMgAAAAAAAABkAAAAAAAAAH9/fwAKAAAAIgAAABgAAAAAAAAAAAAAAAAAAAAAAAAAAAAAAAAAAAAkAAAAJAAAAAAAAAAHAAAAAAAAAAAAAAAAAAAAAAAAAAAAAAAAAAAAf39/ACUAAABYAAAAAAAAAAAAAAAAAAAAAAAAAAAAAAAAAAAAAAAAAAAAAAAAAAAAAAAAAAAAAAA/AAAAAAAAAKCGAQAAAAAAAAAAAAAAAAAMAAAAAQAAAAAAAAAAAAAAAAAAAB8AAABUAAAA////AAAAAAEAAAAAAAAAAAAAAAAAAAAAAAAAAAAAAAAAAAAAAAAAAAAAAAB/f38AAAAAA8zMzADAwP8Af39/AAAAAAAAAAAAAAAAAAAAAAAAAAAAIQAAABgAAAAUAAAA0AIAAGcHAABvNQAAwRkAABAAAAAmAAAACAAAAD0vAAD/HwAA"/>
+                <pr:smNativeData xmlns:pr="smNativeData" xmlns="smNativeData" val="SMDATA_15_8sFZZRMAAAAlAAAAZAAAAA0AAAAAAAAAAAAAAAAAAAAAAAAAAAAAAAAAAAAAAAAAAAEAAABQAAAAAAAAAAAA4D8AAAAAAADgPwAAAAAAAOA/AAAAAAAA4D8AAAAAAADgPwAAAAAAAOA/AAAAAAAA4D8AAAAAAADgPwAAAAAAAOA/AAAAAAAA4D8CAAAAjAAAAAAAAAAAAAAA////AP///wgAAAAAAAAAAAAAAAAAAAAAAAAAAAAAAAAAAAAAeAAAAAEAAABAAAAAAAAAAAAAAABaAAAAAAAAAAAAAAAAAAAAAAAAAAAAAAAAAAAAAAAAAAAAAAAAAAAAAAAAAAAAAAAAAAAAAAAAAAAAAAAAAAAAAAAAAAAAAAAAAAAAFAAAADwAAAAAAAAAAAAAAAAAAAAPAAAAAQAAACMAAAAjAAAAIwAAAB4AAAAAAAAAZAAAAGQAAAAAAAAAZAAAAGQAAAAVAAAAYAAAAAAAAAAAAAAADwAAACADAAAAAAAAAAAAAAEAAACgMgAAVgcAAKr4//8BAAAAf39/AAEAAABkAAAAAAAAABQAAABAHwAAAAAAACYAAAAAAAAAwOD//wAAAAAmAAAAZAAAABYAAABMAAAAAAAAAAAAAAAEAAAAAAAAAAEAAADRSc4KAAAAACgAAAAoAAAAZAAAAGQAAAAAAAAAzMzMAAAAAABQAAAAUAAAAGQAAABkAAAAAAAAABcAAAAUAAAAAAAAAAAAAAD/fwAA/38AAAAAAAAJAAAABAAAAAAAAAAeAAAAaAAAAAAAAAAAAAAAAAAAAAAAAAAAAAAAECcAABAnAAAAAAAAAAAAAAAAAAAAAAAAAAAAAAAAAAAAAAAAAAAAABQAAAAAAAAAwMD/AAAAAABkAAAAMgAAAAAAAABkAAAAAAAAAH9/fwAKAAAAIgAAABgAAAAAAAAAAAAAAAAAAAAAAAAAAAAAAAAAAAAkAAAAJAAAAAAAAAAHAAAAAAAAAAAAAAAAAAAAAAAAAAAAAAAAAAAAf39/ACUAAABYAAAAAAAAAAAAAAAAAAAAAAAAAAAAAAAAAAAAAAAAAAAAAAAAAAAAAAAAAAAAAAA/AAAAAAAAAKCGAQAAAAAAAAAAAAAAAAAMAAAAAQAAAAAAAAAAAAAAAAAAAB8AAABUAAAA////AAAAAAEAAAAAAAAAAAAAAAAAAAAAAAAAAAAAAAAAAAAAAAAAAAAAAAB/f38AAAAAA8zMzADAwP8Af39/AAAAAAAAAAAAAAAAAAAAAAAAAAAAIQAAABgAAAAUAAAA0AIAAGcHAABvNQAAwRkAABAAAAAmAAAACAAAAD0vAAD/HwAA"/>
               </a:ext>
             </a:extLst>
           </p:cNvSpPr>
@@ -17163,7 +17066,7 @@
           <p:cNvSpPr>
             <a:extLst>
               <a:ext uri="smNativeData">
-                <pr:smNativeData xmlns:pr="smNativeData" xmlns="smNativeData" val="SMDATA_15_37BZZRMAAAAlAAAArgAAAA0AAAAAkAAAAEgAAACQAAAASAAAAAAAAAAAAAAAAAAAAAEAAABQAAAAA6q1zfC9vD8AAAAAAADgPwAAAAAAAOA/AAAAAAAA4D8AAAAAAADgPwAAAAAAAOA/AAAAAAAA4D8AAAAAAADgPwAAAAAAAOA/AAAAAAAA4D8CAAAAjAAAAAEAAAADAAAA0UnOAEMwnwAAAAAAAAAAAAAAAAAAAAAAAAAAAAAAAAAAAAAAeAAAAAEAAABAAAAAnf///5z///+GAAAAAAAAAAAAAAAAAAAAAAAAAAAAAAAAAAAAAAAAAAAAAAAAAAAAAAAAAAAAAAAAAAAAAAAAAAAAAAAAAAAAAAAAAAAAAAAAAAAAFAAAADwAAAAAAAAAAAAAAAAAAAkUAAAAAQAAABQAAAAUAAAAFAAAAAEAAAAAAAAAZAAAAGQAAAAAAAAAZAAAAGQAAAAVAAAAYAAAAAAAAAAAAAAADwAAACADAAAAAAAAAAAAAAEAAACgMgAAVgcAAKr4//8BAAAAf39/AAEAAABkAAAAAAAAABQAAABAHwAAAAAAACYAAAAAAAAAwOD//wAAAAAmAAAAZAAAABYAAABMAAAAAAAAAAAAAAAEAAAAAAAAAAEAAADRSc4KAAAAACgAAAAoAAAAZAAAAGQAAAAAAAAAzMzMAAAAAABQAAAAUAAAAGQAAABkAAAAAAAAABcAAAAUAAAAAAAAAAAAAAD/fwAA/38AAAAAAAAJAAAABAAAAAAAAAAeAAAAaAAAAAAAAAAAAAAAAAAAAAAAAAAAAAAAECcAABAnAAAAAAAAAAAAAAAAAAAAAAAAAAAAAAAAAAAAAAAAAAAAABQAAAAAAAAAwMD/AAAAAABkAAAAMgAAAAAAAABkAAAAAAAAAH9/fwAKAAAAIgAAABgAAAAAAAAAAAAAAAAAAAAAAAAAAAAAAAAAAAAkAAAAJAAAAAAAAAAHAAAAAAAAAAAAAAAAAAAAAAAAAAAAAAAAAAAAf39/ACUAAABYAAAAAAAAAAAAAAAAAAAAAAAAAAAAAAAAAAAAAAAAAAAAAAAAAAAAAAAAAAAAAAA/AAAAAAAAAKCGAQAAAAAAAAAAAAAAAAAMAAAAAQAAAAAAAAAAAAAAAAAAAB8AAABUAAAA0UnOAEMwnwAAAAAAAAAAAAAAAAAAAAAAAAAAAAAAAAAAAAAAAAAAAAAAAAJ/f38A0UnOA8zMzADAwP8Af39/AAAAAAAAAAAAAAAAAAAAAAAAAAAAIQAAABgAAAAUAAAAAAAAAAEAAACTEQAA+gEAABAAAAAmAAAACAAAAP//////////"/>
+                <pr:smNativeData xmlns:pr="smNativeData" xmlns="smNativeData" val="SMDATA_15_8sFZZRMAAAAlAAAArgAAAA0AAAAAkAAAAEgAAACQAAAASAAAAAAAAAAAAAAAAAAAAAEAAABQAAAAA6q1zfC9vD8AAAAAAADgPwAAAAAAAOA/AAAAAAAA4D8AAAAAAADgPwAAAAAAAOA/AAAAAAAA4D8AAAAAAADgPwAAAAAAAOA/AAAAAAAA4D8CAAAAjAAAAAEAAAADAAAA0UnOAEMwnwAAAAAAAAAAAAAAAAAAAAAAAAAAAAAAAAAAAAAAeAAAAAEAAABAAAAAnf///5z///+GAAAAAAAAAAAAAAAAAAAAAAAAAAAAAAAAAAAAAAAAAAAAAAAAAAAAAAAAAAAAAAAAAAAAAAAAAAAAAAAAAAAAAAAAAAAAAAAAAAAAFAAAADwAAAAAAAAAAAAAAAAAAAkUAAAAAQAAABQAAAAUAAAAFAAAAAEAAAAAAAAAZAAAAGQAAAAAAAAAZAAAAGQAAAAVAAAAYAAAAAAAAAAAAAAADwAAACADAAAAAAAAAAAAAAEAAACgMgAAVgcAAKr4//8BAAAAf39/AAEAAABkAAAAAAAAABQAAABAHwAAAAAAACYAAAAAAAAAwOD//wAAAAAmAAAAZAAAABYAAABMAAAAAAAAAAAAAAAEAAAAAAAAAAEAAADRSc4KAAAAACgAAAAoAAAAZAAAAGQAAAAAAAAAzMzMAAAAAABQAAAAUAAAAGQAAABkAAAAAAAAABcAAAAUAAAAAAAAAAAAAAD/fwAA/38AAAAAAAAJAAAABAAAAAAAAAAeAAAAaAAAAAAAAAAAAAAAAAAAAAAAAAAAAAAAECcAABAnAAAAAAAAAAAAAAAAAAAAAAAAAAAAAAAAAAAAAAAAAAAAABQAAAAAAAAAwMD/AAAAAABkAAAAMgAAAAAAAABkAAAAAAAAAH9/fwAKAAAAIgAAABgAAAAAAAAAAAAAAAAAAAAAAAAAAAAAAAAAAAAkAAAAJAAAAAAAAAAHAAAAAAAAAAAAAAAAAAAAAAAAAAAAAAAAAAAAf39/ACUAAABYAAAAAAAAAAAAAAAAAAAAAAAAAAAAAAAAAAAAAAAAAAAAAAAAAAAAAAAAAAAAAAA/AAAAAAAAAKCGAQAAAAAAAAAAAAAAAAAMAAAAAQAAAAAAAAAAAAAAAAAAAB8AAABUAAAA0UnOAEMwnwAAAAAAAAAAAAAAAAAAAAAAAAAAAAAAAAAAAAAAAAAAAAAAAAJ/f38A0UnOA8zMzADAwP8Af39/AAAAAAAAAAAAAAAAAAAAAAAAAAAAIQAAABgAAAAUAAAAAAAAAAEAAACTEQAA+gEAABAAAAAmAAAACAAAAP//////////"/>
               </a:ext>
             </a:extLst>
           </p:cNvSpPr>
@@ -17203,7 +17106,7 @@
           <p:cNvSpPr>
             <a:extLst>
               <a:ext uri="smNativeData">
-                <pr:smNativeData xmlns:pr="smNativeData" xmlns="smNativeData" val="SMDATA_15_37BZZRMAAAAlAAAArgAAAA0AAAAAkAAAAEgAAACQAAAASAAAAAAAAAAAAAAAAAAAAAEAAABQAAAARJvsenp2yT8AAAAAAADgPwAAAAAAAOA/AAAAAAAA4D8AAAAAAADgPwAAAAAAAOA/AAAAAAAA4D8AAAAAAADgPwAAAAAAAOA/AAAAAAAA4D8CAAAAjAAAAAEAAAADAAAA0UnOAEMwnwAAAAAAAAAAAAAAAAAAAAAAAAAAAAAAAAAAAAAAeAAAAAEAAABAAAAAYwAAAGQAAAA6AQAAAAAAAAAAAAAAAAAAAAAAAAAAAAAAAAAAAAAAAAAAAAAAAAAAAAAAAAAAAAAAAAAAAAAAAAAAAAAAAAAAAAAAAAAAAAAAAAAAFAAAADwAAAAAAAAAAAAAAAAAAAkUAAAAAQAAABQAAAAUAAAAFAAAAAEAAAAAAAAAZAAAAGQAAAAAAAAAZAAAAGQAAAAVAAAAYAAAAAAAAAAAAAAADwAAACADAAAAAAAAAAAAAAEAAACgMgAAVgcAAKr4//8BAAAAf39/AAEAAABkAAAAAAAAABQAAABAHwAAAAAAACYAAAAAAAAAwOD//wAAAAAmAAAAZAAAABYAAABMAAAAAAAAAAAAAAAEAAAAAAAAAAEAAADRSc4KAAAAACgAAAAoAAAAZAAAAGQAAAAAAAAAzMzMAAAAAABQAAAAUAAAAGQAAABkAAAAAAAAABcAAAAUAAAAAAAAAAAAAAD/fwAA/38AAAAAAAAJAAAABAAAAAAAAAAeAAAAaAAAAAAAAAAAAAAAAAAAAAAAAAAAAAAAECcAABAnAAAAAAAAAAAAAAAAAAAAAAAAAAAAAAAAAAAAAAAAAAAAABQAAAAAAAAAwMD/AAAAAABkAAAAMgAAAAAAAABkAAAAAAAAAH9/fwAKAAAAIgAAABgAAAAAAAAAAAAAAAAAAAAAAAAAAAAAAAAAAAAkAAAAJAAAAAAAAAAHAAAAAAAAAAAAAAAAAAAAAAAAAAAAAAAAAAAAf39/ACUAAABYAAAAAAAAAAAAAAAAAAAAAAAAAAAAAAAAAAAAAAAAAAAAAAAAAAAAAAAAAAAAAAA/AAAAAAAAAKCGAQAAAAAAAAAAAAAAAAAMAAAAAQAAAAAAAAAAAAAAAAAAAB8AAABUAAAA0UnOAEMwnwAAAAAAAAAAAAAAAAAAAAAAAAAAAAAAAAAAAAAAAAAAAAAAAAJ/f38A0UnOA8zMzADAwP8Af39/AAAAAAAAAAAAAAAAAAAAAAAAAAAAIQAAABgAAAAUAAAAUi4AAKodAAA+OAAAox8AABAAAAAmAAAACAAAAP//////////"/>
+                <pr:smNativeData xmlns:pr="smNativeData" xmlns="smNativeData" val="SMDATA_15_8sFZZRMAAAAlAAAArgAAAA0AAAAAkAAAAEgAAACQAAAASAAAAAAAAAAAAAAAAAAAAAEAAABQAAAARJvsenp2yT8AAAAAAADgPwAAAAAAAOA/AAAAAAAA4D8AAAAAAADgPwAAAAAAAOA/AAAAAAAA4D8AAAAAAADgPwAAAAAAAOA/AAAAAAAA4D8CAAAAjAAAAAEAAAADAAAA0UnOAEMwnwAAAAAAAAAAAAAAAAAAAAAAAAAAAAAAAAAAAAAAeAAAAAEAAABAAAAAYwAAAGQAAAA6AQAAAAAAAAAAAAAAAAAAAAAAAAAAAAAAAAAAAAAAAAAAAAAAAAAAAAAAAAAAAAAAAAAAAAAAAAAAAAAAAAAAAAAAAAAAAAAAAAAAFAAAADwAAAAAAAAAAAAAAAAAAAkUAAAAAQAAABQAAAAUAAAAFAAAAAEAAAAAAAAAZAAAAGQAAAAAAAAAZAAAAGQAAAAVAAAAYAAAAAAAAAAAAAAADwAAACADAAAAAAAAAAAAAAEAAACgMgAAVgcAAKr4//8BAAAAf39/AAEAAABkAAAAAAAAABQAAABAHwAAAAAAACYAAAAAAAAAwOD//wAAAAAmAAAAZAAAABYAAABMAAAAAAAAAAAAAAAEAAAAAAAAAAEAAADRSc4KAAAAACgAAAAoAAAAZAAAAGQAAAAAAAAAzMzMAAAAAABQAAAAUAAAAGQAAABkAAAAAAAAABcAAAAUAAAAAAAAAAAAAAD/fwAA/38AAAAAAAAJAAAABAAAAAAAAAAeAAAAaAAAAAAAAAAAAAAAAAAAAAAAAAAAAAAAECcAABAnAAAAAAAAAAAAAAAAAAAAAAAAAAAAAAAAAAAAAAAAAAAAABQAAAAAAAAAwMD/AAAAAABkAAAAMgAAAAAAAABkAAAAAAAAAH9/fwAKAAAAIgAAABgAAAAAAAAAAAAAAAAAAAAAAAAAAAAAAAAAAAAkAAAAJAAAAAAAAAAHAAAAAAAAAAAAAAAAAAAAAAAAAAAAAAAAAAAAf39/ACUAAABYAAAAAAAAAAAAAAAAAAAAAAAAAAAAAAAAAAAAAAAAAAAAAAAAAAAAAAAAAAAAAAA/AAAAAAAAAKCGAQAAAAAAAAAAAAAAAAAMAAAAAQAAAAAAAAAAAAAAAAAAAB8AAABUAAAA0UnOAEMwnwAAAAAAAAAAAAAAAAAAAAAAAAAAAAAAAAAAAAAAAAAAAAAAAAJ/f38A0UnOA8zMzADAwP8Af39/AAAAAAAAAAAAAAAAAAAAAAAAAAAAIQAAABgAAAAUAAAAUi4AAKodAAA+OAAAox8AABAAAAAmAAAACAAAAP//////////"/>
               </a:ext>
             </a:extLst>
           </p:cNvSpPr>
@@ -17244,7 +17147,7 @@
             <a:spLocks noGrp="1" noChangeArrowheads="1"/>
             <a:extLst>
               <a:ext uri="smNativeData">
-                <pr:smNativeData xmlns:pr="smNativeData" xmlns="smNativeData" val="SMDATA_15_37BZZRMAAAAlAAAAZAAAAA0AAAAAAAAAAAAAAAAAAAAAAAAAAAAAAAABAAAAAAAAAAEAAABQAAAAAAAAAAAA4D8AAAAAAADgPwAAAAAAAOA/AAAAAAAA4D8AAAAAAADgPwAAAAAAAOA/AAAAAAAA4D8AAAAAAADgPwAAAAAAAOA/AAAAAAAA4D8CAAAAjAAAAAAAAAAAAAAA////AP///wgAAAAAAAAAAAAAAAAAAAAAAAAAAAAAAAAAAAAAeAAAAAEAAABAAAAAAAAAAAAAAABaAAAAAAAAAAAAAAAAAAAAAAAAAAAAAAAAAAAAAAAAAAAAAAAAAAAAAAAAAAAAAAAAAAAAAAAAAAAAAAAAAAAAAAAAAAAAAAAAAAAAFAAAADwAAAAAAAAAAAAAAAAAAAAPAAAAAQAAACMAAAAjAAAAIwAAAB4AAAAAAAAAZAAAAGQAAAAAAAAAZAAAAGQAAAAVAAAAYAAAAAAAAAAAAAAADwAAACADAAAAAAAAAAAAAAEAAACgMgAAVgcAAKr4//8BAAAAf39/AAEAAABkAAAAAAAAABQAAABAHwAAAAAAACYAAAAAAAAAwOD//wAAAAAmAAAAZAAAABYAAABMAAAAAAAAAAAAAAAEAAAAAAAAAAEAAADRSc4KAAAAACgAAAAoAAAAZAAAAGQAAAAAAAAAzMzMAAAAAABQAAAAUAAAAGQAAABkAAAAAAAAABcAAAAUAAAAAAAAAAAAAAD/fwAA/38AAAAAAAAJAAAABAAAAAAAAAAeAAAAaAAAAAAAAAAAAAAAAAAAAAAAAAAAAAAAECcAABAnAAAAAAAAAAAAAAAAAAAAAAAAAAAAAAAAAAAAAAAAAAAAABQAAAAAAAAAwMD/AAAAAABkAAAAMgAAAAAAAABkAAAAAAAAAH9/fwAKAAAAIgAAABgAAAAAAAAAAAAAAAAAAAAAAAAAAAAAAAAAAAAkAAAAJAAAAAAAAAAHAAAAAAAAAAAAAAAAAAAAAAAAAAAAAAAAAAAAf39/ACUAAABYAAAAAAAAAAAAAAAAAAAAAAAAAAAAAAAAAAAAAAAAAAAAAAAAAAAAAAAAAAAAAAA/AAAAAAAAAKCGAQAAAAAAAAAAAAAAAAAMAAAAAQAAAAAAAAAAAAAAAAAAAB8AAABUAAAA////AAAAAAEAAAAAAAAAAAAAAAAAAAAAAAAAAAAAAAAAAAAAAAAAAAAAAAB/f38AAAAAA8zMzADAwP8Af39/AAAAAAAAAAAAAAAAAAAAAAAAAAAAIQAAABgAAAAUAAAA0AIAAEMBAABvNQAAiwYAABAAAAAmAAAACAAAAL0vAAD/HwAA"/>
+                <pr:smNativeData xmlns:pr="smNativeData" xmlns="smNativeData" val="SMDATA_15_8sFZZRMAAAAlAAAAZAAAAA0AAAAAAAAAAAAAAAAAAAAAAAAAAAAAAAABAAAAAAAAAAEAAABQAAAAAAAAAAAA4D8AAAAAAADgPwAAAAAAAOA/AAAAAAAA4D8AAAAAAADgPwAAAAAAAOA/AAAAAAAA4D8AAAAAAADgPwAAAAAAAOA/AAAAAAAA4D8CAAAAjAAAAAAAAAAAAAAA////AP///wgAAAAAAAAAAAAAAAAAAAAAAAAAAAAAAAAAAAAAeAAAAAEAAABAAAAAAAAAAAAAAABaAAAAAAAAAAAAAAAAAAAAAAAAAAAAAAAAAAAAAAAAAAAAAAAAAAAAAAAAAAAAAAAAAAAAAAAAAAAAAAAAAAAAAAAAAAAAAAAAAAAAFAAAADwAAAAAAAAAAAAAAAAAAAAPAAAAAQAAACMAAAAjAAAAIwAAAB4AAAAAAAAAZAAAAGQAAAAAAAAAZAAAAGQAAAAVAAAAYAAAAAAAAAAAAAAADwAAACADAAAAAAAAAAAAAAEAAACgMgAAVgcAAKr4//8BAAAAf39/AAEAAABkAAAAAAAAABQAAABAHwAAAAAAACYAAAAAAAAAwOD//wAAAAAmAAAAZAAAABYAAABMAAAAAAAAAAAAAAAEAAAAAAAAAAEAAADRSc4KAAAAACgAAAAoAAAAZAAAAGQAAAAAAAAAzMzMAAAAAABQAAAAUAAAAGQAAABkAAAAAAAAABcAAAAUAAAAAAAAAAAAAAD/fwAA/38AAAAAAAAJAAAABAAAAGluZzIeAAAAaAAAAAAAAAAAAAAAAAAAAAAAAAAAAAAAECcAABAnAAAAAAAAAAAAAAAAAAAAAAAAAAAAAAAAAAAAAAAAAAAAABQAAAAAAAAAwMD/AAAAAABkAAAAMgAAAAAAAABkAAAAAAAAAH9/fwAKAAAAIgAAABgAAAAAAAAAAAAAAAAAAAAAAAAAAAAAAAAAAAAkAAAAJAAAAAAAAAAHAAAAAAAAAAAAAAAAAAAAAAAAAAAAAAAAAAAAf39/ACUAAABYAAAAAAAAAAAAAAAAAAAAAAAAAAAAAAAAAAAAAAAAAAAAAAAAAAAAAAAAAAAAAAA/AAAAAAAAAKCGAQAAAAAAAAAAAAAAAAAMAAAAAQAAAAAAAAAAAAAAAAAAAB8AAABUAAAA////AAAAAAEAAAAAAAAAAAAAAAAAAAAAAAAAAAAAAAAAAAAAAAAAAAAAAAB/f38AAAAAA8zMzADAwP8Af39/AAAAAAAAAAAAAAAAAAAAAAAAAAAAIQAAABgAAAAUAAAA0AIAAEMBAABvNQAAiwYAABAAAAAmAAAACAAAAL0vAAD/HwAA"/>
               </a:ext>
             </a:extLst>
           </p:cNvSpPr>
@@ -17287,7 +17190,7 @@
             <a:spLocks noGrp="1" noChangeArrowheads="1"/>
             <a:extLst>
               <a:ext uri="smNativeData">
-                <pr:smNativeData xmlns:pr="smNativeData" xmlns="smNativeData" val="SMDATA_15_37BZZRMAAAAlAAAAZAAAAA0AAAAAAAAAAAAAAAAAAAAAAAAAAAAAAAAAAAAAAAAAAAEAAABQAAAAAAAAAAAA4D8AAAAAAADgPwAAAAAAAOA/AAAAAAAA4D8AAAAAAADgPwAAAAAAAOA/AAAAAAAA4D8AAAAAAADgPwAAAAAAAOA/AAAAAAAA4D8CAAAAjAAAAAAAAAAAAAAA////AP///wgAAAAAAAAAAAAAAAAAAAAAAAAAAAAAAAAAAAAAeAAAAAEAAABAAAAAAAAAAAAAAABaAAAAAAAAAAAAAAAAAAAAAAAAAAAAAAAAAAAAAAAAAAAAAAAAAAAAAAAAAAAAAAAAAAAAAAAAAAAAAAAAAAAAAAAAAAAAAAAAAAAAFAAAADwAAAAAAAAAAAAAAAAAAAAPAAAAAQAAACMAAAAjAAAAIwAAAB4AAAAAAAAAZAAAAGQAAAAAAAAAZAAAAGQAAAAVAAAAYAAAAAAAAAAAAAAADwAAACADAAAAAAAAAAAAAAEAAACgMgAAVgcAAKr4//8BAAAAf39/AAEAAABkAAAAAAAAABQAAABAHwAAAAAAACYAAAAAAAAAwOD//wAAAAAmAAAAZAAAABYAAABMAAAAAAAAAAAAAAAEAAAAAAAAAAEAAADRSc4KAAAAACgAAAAoAAAAZAAAAGQAAAAAAAAAzMzMAAAAAABQAAAAUAAAAGQAAABkAAAAAAAAABcAAAAUAAAAAAAAAAAAAAD/fwAA/38AAAAAAAAJAAAABAAAAAAAAAAeAAAAaAAAAAAAAAAAAAAAAAAAAAAAAAAAAAAAECcAABAnAAAAAAAAAAAAAAAAAAAAAAAAAAAAAAAAAAAAAAAAAAAAABQAAAAAAAAAwMD/AAAAAABkAAAAMgAAAAAAAABkAAAAAAAAAH9/fwAKAAAAIgAAABgAAAAAAAAAAAAAAAAAAAAAAAAAAAAAAAAAAAAkAAAAJAAAAAAAAAAHAAAAAAAAAAAAAAAAAAAAAAAAAAAAAAAAAAAAf39/ACUAAABYAAAAAAAAAAAAAAAAAAAAAAAAAAAAAAAAAAAAAAAAAAAAAAAAAAAAAAAAAAAAAAA/AAAAAAAAAKCGAQAAAAAAAAAAAAAAAAAMAAAAAQAAAAAAAAAAAAAAAAAAAB8AAABUAAAA////AAAAAAEAAAAAAAAAAAAAAAAAAAAAAAAAAAAAAAAAAAAAAAAAAAAAAAB/f38AAAAAA8zMzADAwP8Af39/AAAAAAAAAAAAAAAAAAAAAAAAAAAAIQAAABgAAAAUAAAA0AIAAGcHAABvNQAAwRkAABAAAAAmAAAACAAAAD0vAAD/HwAA"/>
+                <pr:smNativeData xmlns:pr="smNativeData" xmlns="smNativeData" val="SMDATA_15_8sFZZRMAAAAlAAAAZAAAAA0AAAAAAAAAAAAAAAAAAAAAAAAAAAAAAAAAAAAAAAAAAAEAAABQAAAAAAAAAAAA4D8AAAAAAADgPwAAAAAAAOA/AAAAAAAA4D8AAAAAAADgPwAAAAAAAOA/AAAAAAAA4D8AAAAAAADgPwAAAAAAAOA/AAAAAAAA4D8CAAAAjAAAAAAAAAAAAAAA////AP///wgAAAAAAAAAAAAAAAAAAAAAAAAAAAAAAAAAAAAAeAAAAAEAAABAAAAAAAAAAAAAAABaAAAAAAAAAAAAAAAAAAAAAAAAAAAAAAAAAAAAAAAAAAAAAAAAAAAAAAAAAAAAAAAAAAAAAAAAAAAAAAAAAAAAAAAAAAAAAAAAAAAAFAAAADwAAAAAAAAAAAAAAAAAAAAPAAAAAQAAACMAAAAjAAAAIwAAAB4AAAAAAAAAZAAAAGQAAAAAAAAAZAAAAGQAAAAVAAAAYAAAAAAAAAAAAAAADwAAACADAAAAAAAAAAAAAAEAAACgMgAAVgcAAKr4//8BAAAAf39/AAEAAABkAAAAAAAAABQAAABAHwAAAAAAACYAAAAAAAAAwOD//wAAAAAmAAAAZAAAABYAAABMAAAAAAAAAAAAAAAEAAAAAAAAAAEAAADRSc4KAAAAACgAAAAoAAAAZAAAAGQAAAAAAAAAzMzMAAAAAABQAAAAUAAAAGQAAABkAAAAAAAAABcAAAAUAAAAAAAAAAAAAAD/fwAA/38AAAAAAAAJAAAABAAAAAAAAAAeAAAAaAAAAAAAAAAAAAAAAAAAAAAAAAAAAAAAECcAABAnAAAAAAAAAAAAAAAAAAAAAAAAAAAAAAAAAAAAAAAAAAAAABQAAAAAAAAAwMD/AAAAAABkAAAAMgAAAAAAAABkAAAAAAAAAH9/fwAKAAAAIgAAABgAAAAAAAAAAAAAAAAAAAAAAAAAAAAAAAAAAAAkAAAAJAAAAAAAAAAHAAAAAAAAAAAAAAAAAAAAAAAAAAAAAAAAAAAAf39/ACUAAABYAAAAAAAAAAAAAAAAAAAAAAAAAAAAAAAAAAAAAAAAAAAAAAAAAAAAAAAAAAAAAAA/AAAAAAAAAKCGAQAAAAAAAAAAAAAAAAAMAAAAAQAAAAAAAAAAAAAAAAAAAB8AAABUAAAA////AAAAAAEAAAAAAAAAAAAAAAAAAAAAAAAAAAAAAAAAAAAAAAAAAAAAAAB/f38AAAAAA8zMzADAwP8Af39/AAAAAAAAAAAAAAAAAAAAAAAAAAAAIQAAABgAAAAUAAAA0AIAAGcHAABvNQAAwRkAABAAAAAmAAAACAAAAD0vAAD/HwAA"/>
               </a:ext>
             </a:extLst>
           </p:cNvSpPr>
@@ -17934,7 +17837,7 @@
           <p:cNvSpPr>
             <a:extLst>
               <a:ext uri="smNativeData">
-                <pr:smNativeData xmlns:pr="smNativeData" xmlns="smNativeData" val="SMDATA_15_37BZZRMAAAAlAAAArgAAAA0AAAAAkAAAAEgAAACQAAAASAAAAAAAAAAAAAAAAAAAAAEAAABQAAAARJvsenp2yT8AAAAAAADgPwAAAAAAAOA/AAAAAAAA4D8AAAAAAADgPwAAAAAAAOA/AAAAAAAA4D8AAAAAAADgPwAAAAAAAOA/AAAAAAAA4D8CAAAAjAAAAAEAAAADAAAA0UnOAEMwnwAAAAAAAAAAAAAAAAAAAAAAAAAAAAAAAAAAAAAAeAAAAAEAAABAAAAAYwAAAGQAAAA6AQAAAAAAAAAAAAAAAAAAAAAAAAAAAAAAAAAAAAAAAAAAAAAAAAAAAAAAAAAAAAAAAAAAAAAAAAAAAAAAAAAAAAAAAAAAAAAAAAAAFAAAADwAAAAAAAAAAAAAAAAAAAkUAAAAAQAAABQAAAAUAAAAFAAAAAEAAAAAAAAAZAAAAGQAAAAAAAAAZAAAAGQAAAAVAAAAYAAAAAAAAAAAAAAADwAAACADAAAAAAAAAAAAAAEAAACgMgAAVgcAAKr4//8BAAAAf39/AAEAAABkAAAAAAAAABQAAABAHwAAAAAAACYAAAAAAAAAwOD//wAAAAAmAAAAZAAAABYAAABMAAAAAAAAAAAAAAAEAAAAAAAAAAEAAADRSc4KAAAAACgAAAAoAAAAZAAAAGQAAAAAAAAAzMzMAAAAAABQAAAAUAAAAGQAAABkAAAAAAAAABcAAAAUAAAAAAAAAAAAAAD/fwAA/38AAAAAAAAJAAAABAAAAG1lZGkeAAAAaAAAAAAAAAAAAAAAAAAAAAAAAAAAAAAAECcAABAnAAAAAAAAAAAAAAAAAAAAAAAAAAAAAAAAAAAAAAAAAAAAABQAAAAAAAAAwMD/AAAAAABkAAAAMgAAAAAAAABkAAAAAAAAAH9/fwAKAAAAIgAAABgAAAAAAAAAAAAAAAAAAAAAAAAAAAAAAAAAAAAkAAAAJAAAAAAAAAAHAAAAAAAAAAAAAAAAAAAAAAAAAAAAAAAAAAAAf39/ACUAAABYAAAAAAAAAAAAAAAAAAAAAAAAAAAAAAAAAAAAAAAAAAAAAAAAAAAAAAAAAAAAAAA/AAAAAAAAAKCGAQAAAAAAAAAAAAAAAAAMAAAAAQAAAAAAAAAAAAAAAAAAAB8AAABUAAAA0UnOAEMwnwAAAAAAAAAAAAAAAAAAAAAAAAAAAAAAAAAAAAAAAAAAAAAAAAJ/f38A0UnOA8zMzADAwP8Af39/AAAAAAAAAAAAAAAAAAAAAAAAAAAAIQAAABgAAAAUAAAAUi4AAKodAAA+OAAAox8AABAAAAAmAAAACAAAAP//////////"/>
+                <pr:smNativeData xmlns:pr="smNativeData" xmlns="smNativeData" val="SMDATA_15_8sFZZRMAAAAlAAAArgAAAA0AAAAAkAAAAEgAAACQAAAASAAAAAAAAAAAAAAAAAAAAAEAAABQAAAARJvsenp2yT8AAAAAAADgPwAAAAAAAOA/AAAAAAAA4D8AAAAAAADgPwAAAAAAAOA/AAAAAAAA4D8AAAAAAADgPwAAAAAAAOA/AAAAAAAA4D8CAAAAjAAAAAEAAAADAAAA0UnOAEMwnwAAAAAAAAAAAAAAAAAAAAAAAAAAAAAAAAAAAAAAeAAAAAEAAABAAAAAYwAAAGQAAAA6AQAAAAAAAAAAAAAAAAAAAAAAAAAAAAAAAAAAAAAAAAAAAAAAAAAAAAAAAAAAAAAAAAAAAAAAAAAAAAAAAAAAAAAAAAAAAAAAAAAAFAAAADwAAAAAAAAAAAAAAAAAAAkUAAAAAQAAABQAAAAUAAAAFAAAAAEAAAAAAAAAZAAAAGQAAAAAAAAAZAAAAGQAAAAVAAAAYAAAAAAAAAAAAAAADwAAACADAAAAAAAAAAAAAAEAAACgMgAAVgcAAKr4//8BAAAAf39/AAEAAABkAAAAAAAAABQAAABAHwAAAAAAACYAAAAAAAAAwOD//wAAAAAmAAAAZAAAABYAAABMAAAAAAAAAAAAAAAEAAAAAAAAAAEAAADRSc4KAAAAACgAAAAoAAAAZAAAAGQAAAAAAAAAzMzMAAAAAABQAAAAUAAAAGQAAABkAAAAAAAAABcAAAAUAAAAAAAAAAAAAAD/fwAA/38AAAAAAAAJAAAABAAAAAAAAAAeAAAAaAAAAAAAAAAAAAAAAAAAAAAAAAAAAAAAECcAABAnAAAAAAAAAAAAAAAAAAAAAAAAAAAAAAAAAAAAAAAAAAAAABQAAAAAAAAAwMD/AAAAAABkAAAAMgAAAAAAAABkAAAAAAAAAH9/fwAKAAAAIgAAABgAAAAAAAAAAAAAAAAAAAAAAAAAAAAAAAAAAAAkAAAAJAAAAAAAAAAHAAAAAAAAAAAAAAAAAAAAAAAAAAAAAAAAAAAAf39/ACUAAABYAAAAAAAAAAAAAAAAAAAAAAAAAAAAAAAAAAAAAAAAAAAAAAAAAAAAAAAAAAAAAAA/AAAAAAAAAKCGAQAAAAAAAAAAAAAAAAAMAAAAAQAAAAAAAAAAAAAAAAAAAB8AAABUAAAA0UnOAEMwnwAAAAAAAAAAAAAAAAAAAAAAAAAAAAAAAAAAAAAAAAAAAAAAAAJ/f38A0UnOA8zMzADAwP8Af39/AAAAAAAAAAAAAAAAAAAAAAAAAAAAIQAAABgAAAAUAAAAUi4AAKodAAA+OAAAox8AABAAAAAmAAAACAAAAP//////////"/>
               </a:ext>
             </a:extLst>
           </p:cNvSpPr>
@@ -17974,7 +17877,7 @@
           <p:cNvSpPr>
             <a:extLst>
               <a:ext uri="smNativeData">
-                <pr:smNativeData xmlns:pr="smNativeData" xmlns="smNativeData" val="SMDATA_15_37BZZRMAAAAlAAAArgAAAA0AAAAAkAAAAEgAAACQAAAASAAAAAAAAAAAAAAAAAAAAAEAAABQAAAARJvsenp2yT8AAAAAAADgPwAAAAAAAOA/AAAAAAAA4D8AAAAAAADgPwAAAAAAAOA/AAAAAAAA4D8AAAAAAADgPwAAAAAAAOA/AAAAAAAA4D8CAAAAjAAAAAEAAAADAAAA0UnOAEMwnwAAAAAAAAAAAAAAAAAAAAAAAAAAAAAAAAAAAAAAeAAAAAEAAABAAAAAnf///5z///+GAAAAAAAAAAAAAAAAAAAAAAAAAAAAAAAAAAAAAAAAAAAAAAAAAAAAAAAAAAAAAAAAAAAAAAAAAAAAAAAAAAAAAAAAAAAAAAAAAAAAFAAAADwAAAAAAAAAAAAAAAAAAAkUAAAAAQAAABQAAAAUAAAAFAAAAAEAAAAAAAAAZAAAAGQAAAAAAAAAZAAAAGQAAAAVAAAAYAAAAAAAAAAAAAAADwAAACADAAAAAAAAAAAAAAEAAACgMgAAVgcAAKr4//8BAAAAf39/AAEAAABkAAAAAAAAABQAAABAHwAAAAAAACYAAAAAAAAAwOD//wAAAAAmAAAAZAAAABYAAABMAAAAAAAAAAAAAAAEAAAAAAAAAAEAAADRSc4KAAAAACgAAAAoAAAAZAAAAGQAAAAAAAAAzMzMAAAAAABQAAAAUAAAAGQAAABkAAAAAAAAABcAAAAUAAAAAAAAAAAAAAD/fwAA/38AAAAAAAAJAAAABAAAAAAAAAAeAAAAaAAAAAAAAAAAAAAAAAAAAAAAAAAAAAAAECcAABAnAAAAAAAAAAAAAAAAAAAAAAAAAAAAAAAAAAAAAAAAAAAAABQAAAAAAAAAwMD/AAAAAABkAAAAMgAAAAAAAABkAAAAAAAAAH9/fwAKAAAAIgAAABgAAAAAAAAAAAAAAAAAAAAAAAAAAAAAAAAAAAAkAAAAJAAAAAAAAAAHAAAAAAAAAAAAAAAAAAAAAAAAAAAAAAAAAAAAf39/ACUAAABYAAAAAAAAAAAAAAAAAAAAAAAAAAAAAAAAAAAAAAAAAAAAAAAAAAAAAAAAAAAAAAA/AAAAAAAAAKCGAQAAAAAAAAAAAAAAAAAMAAAAAQAAAAAAAAAAAAAAAAAAAB8AAABUAAAA0UnOAEMwnwAAAAAAAAAAAAAAAAAAAAAAAAAAAAAAAAAAAAAAAAAAAAAAAAJ/f38A0UnOA8zMzADAwP8Af39/AAAAAAAAAAAAAAAAAAAAAAAAAAAAIQAAABgAAAAUAAAAAAAAAAEAAADrCQAA+gEAABAAAAAmAAAACAAAAP//////////"/>
+                <pr:smNativeData xmlns:pr="smNativeData" xmlns="smNativeData" val="SMDATA_15_8sFZZRMAAAAlAAAArgAAAA0AAAAAkAAAAEgAAACQAAAASAAAAAAAAAAAAAAAAAAAAAEAAABQAAAARJvsenp2yT8AAAAAAADgPwAAAAAAAOA/AAAAAAAA4D8AAAAAAADgPwAAAAAAAOA/AAAAAAAA4D8AAAAAAADgPwAAAAAAAOA/AAAAAAAA4D8CAAAAjAAAAAEAAAADAAAA0UnOAEMwnwAAAAAAAAAAAAAAAAAAAAAAAAAAAAAAAAAAAAAAeAAAAAEAAABAAAAAnf///5z///+GAAAAAAAAAAAAAAAAAAAAAAAAAAAAAAAAAAAAAAAAAAAAAAAAAAAAAAAAAAAAAAAAAAAAAAAAAAAAAAAAAAAAAAAAAAAAAAAAAAAAFAAAADwAAAAAAAAAAAAAAAAAAAkUAAAAAQAAABQAAAAUAAAAFAAAAAEAAAAAAAAAZAAAAGQAAAAAAAAAZAAAAGQAAAAVAAAAYAAAAAAAAAAAAAAADwAAACADAAAAAAAAAAAAAAEAAACgMgAAVgcAAKr4//8BAAAAf39/AAEAAABkAAAAAAAAABQAAABAHwAAAAAAACYAAAAAAAAAwOD//wAAAAAmAAAAZAAAABYAAABMAAAAAAAAAAAAAAAEAAAAAAAAAAEAAADRSc4KAAAAACgAAAAoAAAAZAAAAGQAAAAAAAAAzMzMAAAAAABQAAAAUAAAAGQAAABkAAAAAAAAABcAAAAUAAAAAAAAAAAAAAD/fwAA/38AAAAAAAAJAAAABAAAAAAAAAAeAAAAaAAAAAAAAAAAAAAAAAAAAAAAAAAAAAAAECcAABAnAAAAAAAAAAAAAAAAAAAAAAAAAAAAAAAAAAAAAAAAAAAAABQAAAAAAAAAwMD/AAAAAABkAAAAMgAAAAAAAABkAAAAAAAAAH9/fwAKAAAAIgAAABgAAAAAAAAAAAAAAAAAAAAAAAAAAAAAAAAAAAAkAAAAJAAAAAAAAAAHAAAAAAAAAAAAAAAAAAAAAAAAAAAAAAAAAAAAf39/ACUAAABYAAAAAAAAAAAAAAAAAAAAAAAAAAAAAAAAAAAAAAAAAAAAAAAAAAAAAAAAAAAAAAA/AAAAAAAAAKCGAQAAAAAAAAAAAAAAAAAMAAAAAQAAAAAAAAAAAAAAAAAAAB8AAABUAAAA0UnOAEMwnwAAAAAAAAAAAAAAAAAAAAAAAAAAAAAAAAAAAAAAAAAAAAAAAAJ/f38A0UnOA8zMzADAwP8Af39/AAAAAAAAAAAAAAAAAAAAAAAAAAAAIQAAABgAAAAUAAAAAAAAAAEAAADrCQAA+gEAABAAAAAmAAAACAAAAP//////////"/>
               </a:ext>
             </a:extLst>
           </p:cNvSpPr>
@@ -18014,7 +17917,7 @@
           <p:cNvSpPr>
             <a:extLst>
               <a:ext uri="smNativeData">
-                <pr:smNativeData xmlns:pr="smNativeData" xmlns="smNativeData" val="SMDATA_15_37BZZRMAAAAlAAAAZgAAAA0AAAAAkAAAAEgAAACQAAAASAAAAAAAAAAAAAAAAAAAAAEAAABQAAAAAAAAAAAA8D8AAAAAAADwPwAAAAAAAOA/AAAAAAAA4D8AAAAAAADgPwAAAAAAAOA/AAAAAAAA4D8AAAAAAADgPwAAAAAAAOA/AAAAAAAA4D8CAAAAjAAAAAEAAAAAAAAAAAAAAP///wgAAAAAAAAAAAAAAAAAAAAAAAAAAAAAAAAAAAAAeAAAAAEAAABAAAAAAAAAAAAAAABaAAAAAAAAAAAAAAAAAAAAAAAAAAAAAAAAAAAAAAAAAAAAAAAAAAAAAAAAAAAAAAAAAAAAAAAAAAAAAAAAAAAAAAAAAAAAAAAAAAAAFAAAADwAAAAAAAAAAAAAAAAAAAkUAAAAAQAAABQAAAAUAAAAFAAAAAEAAAAAAAAAZAAAAGQAAAAAAAAAZAAAAGQAAAAVAAAAYAAAAAAAAAAAAAAADwAAACADAAAAAAAAAAAAAAEAAACgMgAAVgcAAKr4//8BAAAAf39/AAEAAABkAAAAAAAAABQAAABAHwAAAAAAACYAAAAAAAAAwOD//wAAAAAmAAAAZAAAABYAAABMAAAAAQAAAAAAAAAGAAAAAAAAAAEAAAAAAAANMgAAAAAAAAAAAAAAZAAAAGQAAAAAAAAAy8vLADIAAAAAAAAAAAAAAGQAAABkAAAAAAAAABcAAAAUAAAAAAAAAAAAAAD/fwAA/38AAAAAAAAJAAAABAAAAAAAAAAeAAAAaAAAAAAAAAAAAAAAAAAAAAAAAAAAAAAAECcAABAnAAAAAAAAAAAAAAAAAAAAAAAAAAAAAAAAAAAAAAAAAAAAAFIBAAAAAAAAwMD/AAAAAAAAAAAAAAAAAAAAAABkAAAAAAAAAH9/fwAKAAAAIgAAABgAAAAAAAAAAAAAAAAAAAAAAAAAAAAAAAAAAAAkAAAAJAAAAAAAAAAHAAAAAAAAAAAAAAAAAAAAAAAAAAAAAAAAAAAAf39/ACUAAABYAAAAAAAAAAAAAAAAAAAAAAAAAAAAAAAAAAAAAAAAAAAAAAAAAAAAAAAAAAAAAAA/AAAAAAAAAKCGAQAAAAAAAAAAAAAAAAAMAAAAAQAAAAAAAAAAAAAAAAAAAB8AAABUAAAAAAAAAP///wEAAAAAAAAAAAAAAAAAAAAAAAAAAAAAAAAAAAAAAAAAAAAAAAJ/f38AAAAABsvLywDAwP8Af39/AAAAAAAAAAAAAAAAAAAAAAAAAAAAIQAAABgAAAAUAAAAN/v//zgbAABiBAAAYyQAABAAAAAmAAAACAAAAP//////////"/>
+                <pr:smNativeData xmlns:pr="smNativeData" xmlns="smNativeData" val="SMDATA_15_8sFZZRMAAAAlAAAAZgAAAA0AAAAAkAAAAEgAAACQAAAASAAAAAAAAAAAAAAAAAAAAAEAAABQAAAAAAAAAAAA8D8AAAAAAADwPwAAAAAAAOA/AAAAAAAA4D8AAAAAAADgPwAAAAAAAOA/AAAAAAAA4D8AAAAAAADgPwAAAAAAAOA/AAAAAAAA4D8CAAAAjAAAAAEAAAAAAAAAAAAAAP///wgAAAAAAAAAAAAAAAAAAAAAAAAAAAAAAAAAAAAAeAAAAAEAAABAAAAAAAAAAAAAAABaAAAAAAAAAAAAAAAAAAAAAAAAAAAAAAAAAAAAAAAAAAAAAAAAAAAAAAAAAAAAAAAAAAAAAAAAAAAAAAAAAAAAAAAAAAAAAAAAAAAAFAAAADwAAAAAAAAAAAAAAAAAAAkUAAAAAQAAABQAAAAUAAAAFAAAAAEAAAAAAAAAZAAAAGQAAAAAAAAAZAAAAGQAAAAVAAAAYAAAAAAAAAAAAAAADwAAACADAAAAAAAAAAAAAAEAAACgMgAAVgcAAKr4//8BAAAAf39/AAEAAABkAAAAAAAAABQAAABAHwAAAAAAACYAAAAAAAAAwOD//wAAAAAmAAAAZAAAABYAAABMAAAAAQAAAAAAAAAGAAAAAAAAAAEAAAAAAAANMgAAAAAAAAAAAAAAZAAAAGQAAAAAAAAAy8vLADIAAAAAAAAAAAAAAGQAAABkAAAAAAAAABcAAAAUAAAAAAAAAAAAAAD/fwAA/38AAAAAAAAJAAAABAAAAAAAAAAeAAAAaAAAAAAAAAAAAAAAAAAAAAAAAAAAAAAAECcAABAnAAAAAAAAAAAAAAAAAAAAAAAAAAAAAAAAAAAAAAAAAAAAAFIBAAAAAAAAwMD/AAAAAAAAAAAAAAAAAAAAAABkAAAAAAAAAH9/fwAKAAAAIgAAABgAAAAAAAAAAAAAAAAAAAAAAAAAAAAAAAAAAAAkAAAAJAAAAAAAAAAHAAAAAAAAAAAAAAAAAAAAAAAAAAAAAAAAAAAAf39/ACUAAABYAAAAAAAAAAAAAAAAAAAAAAAAAAAAAAAAAAAAAAAAAAAAAAAAAAAAAAAAAAAAAAA/AAAAAAAAAKCGAQAAAAAAAAAAAAAAAAAMAAAAAQAAAAAAAAAAAAAAAAAAAB8AAABUAAAAAAAAAP///wEAAAAAAAAAAAAAAAAAAAAAAAAAAAAAAAAAAAAAAAAAAAAAAAJ/f38AAAAABsvLywDAwP8Af39/AAAAAAAAAAAAAAAAAAAAAAAAAAAAIQAAABgAAAAUAAAAN/v//zgbAABiBAAAYyQAABAAAAAmAAAACAAAAP//////////"/>
               </a:ext>
             </a:extLst>
           </p:cNvSpPr>
@@ -18050,7 +17953,7 @@
             <a:spLocks noGrp="1" noChangeArrowheads="1"/>
             <a:extLst>
               <a:ext uri="smNativeData">
-                <pr:smNativeData xmlns:pr="smNativeData" xmlns="smNativeData" val="SMDATA_15_37BZZRMAAAAlAAAAZAAAAE0AAAAAAAAAAAAAAAAAAAAAAAAAAAAAAAABAAAAAAAAAAEAAABQAAAAAAAAAAAA4D8AAAAAAADgPwAAAAAAAOA/AAAAAAAA4D8AAAAAAADgPwAAAAAAAOA/AAAAAAAA4D8AAAAAAADgPwAAAAAAAOA/AAAAAAAA4D8CAAAAjAAAAAAAAAAAAAAA////AP///wgAAAAAAAAAAAAAAAAAAAAAAAAAAAAAAAAAAAAAeAAAAAEAAABAAAAAAAAAAAAAAABaAAAAAAAAAAAAAAAAAAAAAAAAAAAAAAAAAAAAAAAAAAAAAAAAAAAAAAAAAAAAAAAAAAAAAAAAAAAAAAAAAAAAAAAAAAAAAAAAAAAAFAAAADwAAAAAAAAAAAAAAAAAAAAPAAAAAQAAACMAAAAjAAAAIwAAAB4AAAAAAAAAZAAAAGQAAAAAAAAAZAAAAGQAAAAVAAAAYAAAAAAAAAAAAAAADwAAACADAAAAAAAAAAAAAAEAAACgMgAAVgcAAKr4//8BAAAAf39/AAEAAABkAAAAAAAAABQAAABAHwAAAAAAACYAAAAAAAAAwOD//wAAAAAmAAAAZAAAABYAAABMAAAAAAAAAAAAAAAEAAAAAAAAAAEAAADRSc4KAAAAACgAAAAoAAAAZAAAAGQAAAAAAAAAzMzMAAAAAABQAAAAUAAAAGQAAABkAAAAAAAAABcAAAAUAAAAAAAAAAAAAAD/fwAA/38AAAAAAAAJAAAABAAAAAAAAAAeAAAAaAAAAAAAAAAAAAAAAAAAAAAAAAAAAAAAECcAABAnAAAAAAAAAAAAAAAAAAAAAAAAAAAAAAAAAAAAAAAAAAAAABQAAAAAAAAAwMD/AAAAAABkAAAAMgAAAAAAAABkAAAAAAAAAH9/fwAKAAAAIgAAABgAAAAAAAAAAAAAAAAAAAAAAAAAAAAAAAAAAAAkAAAAJAAAAAAAAAAHAAAAAAAAAAAAAAAAAAAAAAAAAAAAAAAAAAAAf39/ACUAAABYAAAAAAAAAAAAAAAAAAAAAAAAAAAAAAAAAAAAAAAAAAAAAAAAAAAAAAAAAAAAAAA/AAAAAAAAAKCGAQAAAAAAAAAAAAAAAAAMAAAAAQAAAAAAAAAAAAAAAAAAAB8AAABUAAAA////AAAAAAEAAAAAAAAAAAAAAAAAAAAAAAAAAAAAAAAAAAAAAAAAAAAAAAB/f38AAAAAA8zMzADAwP8Af39/AAAAAAAAAAAAAAAAAAAAAAAAAAAAIQAAABgAAAAUAAAAYwQAAJcSAABKEgAA3xcAABAgAAAmAAAACAAAAL0vAAD//8EB"/>
+                <pr:smNativeData xmlns:pr="smNativeData" xmlns="smNativeData" val="SMDATA_15_8sFZZRMAAAAlAAAAZAAAAE0AAAAAAAAAAAAAAAAAAAAAAAAAAAAAAAABAAAAAAAAAAEAAABQAAAAAAAAAAAA4D8AAAAAAADgPwAAAAAAAOA/AAAAAAAA4D8AAAAAAADgPwAAAAAAAOA/AAAAAAAA4D8AAAAAAADgPwAAAAAAAOA/AAAAAAAA4D8CAAAAjAAAAAAAAAAAAAAA////AP///wgAAAAAAAAAAAAAAAAAAAAAAAAAAAAAAAAAAAAAeAAAAAEAAABAAAAAAAAAAAAAAABaAAAAAAAAAAAAAAAAAAAAAAAAAAAAAAAAAAAAAAAAAAAAAAAAAAAAAAAAAAAAAAAAAAAAAAAAAAAAAAAAAAAAAAAAAAAAAAAAAAAAFAAAADwAAAAAAAAAAAAAAAAAAAAPAAAAAQAAACMAAAAjAAAAIwAAAB4AAAAAAAAAZAAAAGQAAAAAAAAAZAAAAGQAAAAVAAAAYAAAAAAAAAAAAAAADwAAACADAAAAAAAAAAAAAAEAAACgMgAAVgcAAKr4//8BAAAAf39/AAEAAABkAAAAAAAAABQAAABAHwAAAAAAACYAAAAAAAAAwOD//wAAAAAmAAAAZAAAABYAAABMAAAAAAAAAAAAAAAEAAAAAAAAAAEAAADRSc4KAAAAACgAAAAoAAAAZAAAAGQAAAAAAAAAzMzMAAAAAABQAAAAUAAAAGQAAABkAAAAAAAAABcAAAAUAAAAAAAAAAAAAAD/fwAA/38AAAAAAAAJAAAABAAAAAAAAAAeAAAAaAAAAAAAAAAAAAAAAAAAAAAAAAAAAAAAECcAABAnAAAAAAAAAAAAAAAAAAAAAAAAAAAAAAAAAAAAAAAAAAAAABQAAAAAAAAAwMD/AAAAAABkAAAAMgAAAAAAAABkAAAAAAAAAH9/fwAKAAAAIgAAABgAAAAAAAAAAAAAAAAAAAAAAAAAAAAAAAAAAAAkAAAAJAAAAAAAAAAHAAAAAAAAAAAAAAAAAAAAAAAAAAAAAAAAAAAAf39/ACUAAABYAAAAAAAAAAAAAAAAAAAAAAAAAAAAAAAAAAAAAAAAAAAAAAAAAAAAAAAAAAAAAAA/AAAAAAAAAKCGAQAAAAAAAAAAAAAAAAAMAAAAAQAAAAAAAAAAAAAAAAAAAB8AAABUAAAA////AAAAAAEAAAAAAAAAAAAAAAAAAAAAAAAAAAAAAAAAAAAAAAAAAAAAAAB/f38AAAAAA8zMzADAwP8Af39/AAAAAAAAAAAAAAAAAAAAAAAAAAAAIQAAABgAAAAUAAAAYwQAAJcSAABKEgAA3xcAABAgAAAmAAAACAAAAL0vAAD//8EB"/>
               </a:ext>
             </a:extLst>
           </p:cNvSpPr>
@@ -18094,7 +17997,7 @@
             <a:spLocks noGrp="1" noChangeArrowheads="1"/>
             <a:extLst>
               <a:ext uri="smNativeData">
-                <pr:smNativeData xmlns:pr="smNativeData" xmlns="smNativeData" val="SMDATA_15_37BZZRMAAAAlAAAAZAAAAA0AAAAAAAAAAAAAAAAAAAAAAAAAAAAAAAAAAAAAAAAAAAEAAABQAAAAAAAAAAAA4D8AAAAAAADgPwAAAAAAAOA/AAAAAAAA4D8AAAAAAADgPwAAAAAAAOA/AAAAAAAA4D8AAAAAAADgPwAAAAAAAOA/AAAAAAAA4D8CAAAAjAAAAAAAAAAAAAAA////AP///wgAAAAAAAAAAAAAAAAAAAAAAAAAAAAAAAAAAAAAeAAAAAEAAABAAAAAAAAAAAAAAABaAAAAAAAAAAAAAAAAAAAAAAAAAAAAAAAAAAAAAAAAAAAAAAAAAAAAAAAAAAAAAAAAAAAAAAAAAAAAAAAAAAAAAAAAAAAAAAAAAAAAFAAAADwAAAAAAAAAAAAAAAAAAAAPAAAAAQAAACMAAAAjAAAAIwAAAB4AAAAAAAAAZAAAAGQAAAAAAAAAZAAAAGQAAAAVAAAAYAAAAAAAAAAAAAAADwAAACADAAAAAAAAAAAAAAEAAACgMgAAVgcAAKr4//8BAAAAf39/AAEAAABkAAAAAAAAABQAAABAHwAAAAAAACYAAAAAAAAAwOD//wAAAAAmAAAAZAAAABYAAABMAAAAAAAAAAAAAAAEAAAAAAAAAAEAAADRSc4KAAAAACgAAAAoAAAAZAAAAGQAAAAAAAAAzMzMAAAAAABQAAAAUAAAAGQAAABkAAAAAAAAABcAAAAUAAAAAAAAAAAAAAD/fwAA/38AAAAAAAAJAAAABAAAAAAAAAAeAAAAaAAAAAAAAAAAAAAAAAAAAAAAAAAAAAAAECcAABAnAAAAAAAAAAAAAAAAAAAAAAAAAAAAAAAAAAAAAAAAAAAAABQAAAAAAAAAwMD/AAAAAABkAAAAMgAAAAAAAABkAAAAAAAAAH9/fwAKAAAAIgAAABgAAAAAAAAAAAAAAAAAAAAAAAAAAAAAAAAAAAAkAAAAJAAAAAAAAAAHAAAAAAAAAAAAAAAAAAAAAAAAAAAAAAAAAAAAf39/ACUAAABYAAAAAAAAAAAAAAAAAAAAAAAAAAAAAAAAAAAAAAAAAAAAAAAAAAAAAAAAAAAAAAA/AAAAAAAAAKCGAQAAAAAAAAAAAAAAAAAMAAAAAQAAAAAAAAAAAAAAAAAAAB8AAABUAAAA////AAAAAAEAAAAAAAAAAAAAAAAAAAAAAAAAAAAAAAAAAAAAAAAAAAAAAAB/f38AAAAAA8zMzADAwP8Af39/AAAAAAAAAAAAAAAAAAAAAAAAAAAAIQAAABgAAAAUAAAA0AIAAGcHAABvNQAAwRkAABAAAAAmAAAACAAAAD0vAAD//8EB"/>
+                <pr:smNativeData xmlns:pr="smNativeData" xmlns="smNativeData" val="SMDATA_15_8sFZZRMAAAAlAAAAZAAAAA0AAAAAAAAAAAAAAAAAAAAAAAAAAAAAAAAAAAAAAAAAAAEAAABQAAAAAAAAAAAA4D8AAAAAAADgPwAAAAAAAOA/AAAAAAAA4D8AAAAAAADgPwAAAAAAAOA/AAAAAAAA4D8AAAAAAADgPwAAAAAAAOA/AAAAAAAA4D8CAAAAjAAAAAAAAAAAAAAA////AP///wgAAAAAAAAAAAAAAAAAAAAAAAAAAAAAAAAAAAAAeAAAAAEAAABAAAAAAAAAAAAAAABaAAAAAAAAAAAAAAAAAAAAAAAAAAAAAAAAAAAAAAAAAAAAAAAAAAAAAAAAAAAAAAAAAAAAAAAAAAAAAAAAAAAAAAAAAAAAAAAAAAAAFAAAADwAAAAAAAAAAAAAAAAAAAAPAAAAAQAAACMAAAAjAAAAIwAAAB4AAAAAAAAAZAAAAGQAAAAAAAAAZAAAAGQAAAAVAAAAYAAAAAAAAAAAAAAADwAAACADAAAAAAAAAAAAAAEAAACgMgAAVgcAAKr4//8BAAAAf39/AAEAAABkAAAAAAAAABQAAABAHwAAAAAAACYAAAAAAAAAwOD//wAAAAAmAAAAZAAAABYAAABMAAAAAAAAAAAAAAAEAAAAAAAAAAEAAADRSc4KAAAAACgAAAAoAAAAZAAAAGQAAAAAAAAAzMzMAAAAAABQAAAAUAAAAGQAAABkAAAAAAAAABcAAAAUAAAAAAAAAAAAAAD/fwAA/38AAAAAAAAJAAAABAAAAAAAAAAeAAAAaAAAAAAAAAAAAAAAAAAAAAAAAAAAAAAAECcAABAnAAAAAAAAAAAAAAAAAAAAAAAAAAAAAAAAAAAAAAAAAAAAABQAAAAAAAAAwMD/AAAAAABkAAAAMgAAAAAAAABkAAAAAAAAAH9/fwAKAAAAIgAAABgAAAAAAAAAAAAAAAAAAAAAAAAAAAAAAAAAAAAkAAAAJAAAAAAAAAAHAAAAAAAAAAAAAAAAAAAAAAAAAAAAAAAAAAAAf39/ACUAAABYAAAAAAAAAAAAAAAAAAAAAAAAAAAAAAAAAAAAAAAAAAAAAAAAAAAAAAAAAAAAAAA/AAAAAAAAAKCGAQAAAAAAAAAAAAAAAAAMAAAAAQAAAAAAAAAAAAAAAAAAAB8AAABUAAAA////AAAAAAEAAAAAAAAAAAAAAAAAAAAAAAAAAAAAAAAAAAAAAAAAAAAAAAB/f38AAAAAA8zMzADAwP8Af39/AAAAAAAAAAAAAAAAAAAAAAAAAAAAIQAAABgAAAAUAAAA0AIAAGcHAABvNQAAwRkAABAAAAAmAAAACAAAAD0vAAD//8EB"/>
               </a:ext>
             </a:extLst>
           </p:cNvSpPr>
@@ -18734,7 +18637,7 @@
           <p:cNvSpPr>
             <a:extLst>
               <a:ext uri="smNativeData">
-                <pr:smNativeData xmlns:pr="smNativeData" xmlns="smNativeData" val="SMDATA_15_37BZZRMAAAAlAAAAZAAAAA0AAAAAjgAAAJAAAACOAAAAkAAAAAAAAAACAAAAAAAAAAEAAABQAAAAAAAAAAAA4D8AAAAAAADgPwAAAAAAAOA/AAAAAAAA4D8AAAAAAADgPwAAAAAAAOA/AAAAAAAA4D8AAAAAAADgPwAAAAAAAOA/AAAAAAAA4D8CAAAAjAAAAAAAAAAAAAAAQzCfDP///wgAAAAAAAAAAAAAAAAAAAAAAAAAAAAAAAAAAAAAZAAAAAEAAABAAAAAAAAAAAAAAAAAAAAAAAAAAAAAAAAAAAAAAAAAAAAAAAAAAAAAAAAAAAAAAAAAAAAAAAAAAAAAAAAAAAAAAAAAAAAAAAAAAAAAAAAAAAAAAAAAAAAAFAAAADwAAAAAAAAAAAAAAAAAAAkUAAAAAQAAABQAAAAUAAAAFAAAAAEAAAAAAAAAZAAAAGQAAAAAAAAAZAAAAGQAAAAVAAAAYAAAAAAAAAAAAAAADwAAACADAAAAAAAAAAAAAAEAAACgMgAAVgcAAKr4//8BAAAAf39/AAEAAABkAAAAAAAAABQAAABAHwAAAAAAACYAAAAAAAAAwOD//wAAAAAmAAAAZAAAABYAAABMAAAAAAAAAAAAAAAEAAAAAAAAAAEAAADRSc4KAAAAACgAAAAoAAAAZAAAAGQAAAAAAAAAzMzMAAAAAABQAAAAUAAAAGQAAABkAAAAAAAAABcAAAAUAAAAAAAAAAAAAAD/fwAA/38AAAAAAAAJAAAABAAAAAAAAAAeAAAAaAAAAAAAAAAAAAAAAAAAAAAAAAAAAAAAECcAABAnAAAAAAAAAAAAAAAAAAAAAAAAAAAAAAAAAAAAAAAAAAAAABQAAAAAAAAAwMD/AAAAAABkAAAAMgAAAAAAAABkAAAAAAAAAH9/fwAKAAAAIgAAABgAAAAAAAAAAAAAAAAAAAAAAAAAAAAAAAAAAAAkAAAAJAAAAAAAAAAHAAAAAAAAAAAAAAAAAAAAAAAAAAAAAAAAAAAAf39/ACUAAABYAAAAAAAAAAAAAAAAAAAAAAAAAAAAAAAAAAAAAAAAAAAAAAAAAAAAAAAAAAAAAAA/AAAAAAAAAKCGAQAAAAAAAAAAAAAAAAAMAAAAAQAAAAAAAAAAAAAAAAAAAB8AAABUAAAAQzCfBf///wEAAAAAAAAAAAAAAAAAAAAAAAAAAAAAAAAAAAAAAAAAAAAAAAJ/f38A0UnOA8zMzADAwP8Af39/AAAAAAAAAAAAAAAAAAAAAAAAAAAAIQAAABgAAAAUAAAA2hYAABAKAACcNQAA4BAAABAAAAAmAAAACAAAAP//////////"/>
+                <pr:smNativeData xmlns:pr="smNativeData" xmlns="smNativeData" val="SMDATA_15_8sFZZRMAAAAlAAAAZAAAAA0AAAAAjgAAAJAAAACOAAAAkAAAAAAAAAACAAAAAAAAAAEAAABQAAAAAAAAAAAA4D8AAAAAAADgPwAAAAAAAOA/AAAAAAAA4D8AAAAAAADgPwAAAAAAAOA/AAAAAAAA4D8AAAAAAADgPwAAAAAAAOA/AAAAAAAA4D8CAAAAjAAAAAAAAAAAAAAAQzCfDP///wgAAAAAAAAAAAAAAAAAAAAAAAAAAAAAAAAAAAAAZAAAAAEAAABAAAAAAAAAAAAAAAAAAAAAAAAAAAAAAAAAAAAAAAAAAAAAAAAAAAAAAAAAAAAAAAAAAAAAAAAAAAAAAAAAAAAAAAAAAAAAAAAAAAAAAAAAAAAAAAAAAAAAFAAAADwAAAAAAAAAAAAAAAAAAAkUAAAAAQAAABQAAAAUAAAAFAAAAAEAAAAAAAAAZAAAAGQAAAAAAAAAZAAAAGQAAAAVAAAAYAAAAAAAAAAAAAAADwAAACADAAAAAAAAAAAAAAEAAACgMgAAVgcAAKr4//8BAAAAf39/AAEAAABkAAAAAAAAABQAAABAHwAAAAAAACYAAAAAAAAAwOD//wAAAAAmAAAAZAAAABYAAABMAAAAAAAAAAAAAAAEAAAAAAAAAAEAAADRSc4KAAAAACgAAAAoAAAAZAAAAGQAAAAAAAAAzMzMAAAAAABQAAAAUAAAAGQAAABkAAAAAAAAABcAAAAUAAAAAAAAAAAAAAD/fwAA/38AAAAAAAAJAAAABAAAAAAAAAAeAAAAaAAAAAAAAAAAAAAAAAAAAAAAAAAAAAAAECcAABAnAAAAAAAAAAAAAAAAAAAAAAAAAAAAAAAAAAAAAAAAAAAAABQAAAAAAAAAwMD/AAAAAABkAAAAMgAAAAAAAABkAAAAAAAAAH9/fwAKAAAAIgAAABgAAAAAAAAAAAAAAAAAAAAAAAAAAAAAAAAAAAAkAAAAJAAAAAAAAAAHAAAAAAAAAAAAAAAAAAAAAAAAAAAAAAAAAAAAf39/ACUAAABYAAAAAAAAAAAAAAAAAAAAAAAAAAAAAAAAAAAAAAAAAAAAAAAAAAAAAAAAAAAAAAA/AAAAAAAAAKCGAQAAAAAAAAAAAAAAAAAMAAAAAQAAAAAAAAAAAAAAAAAAAB8AAABUAAAAQzCfBf///wEAAAAAAAAAAAAAAAAAAAAAAAAAAAAAAAAAAAAAAAAAAAAAAAJ/f38A0UnOA8zMzADAwP8Af39/AAAAAAAAAAAAAAAAAAAAAAAAAAAAIQAAABgAAAAUAAAA2hYAABAKAACcNQAA4BAAABAAAAAmAAAACAAAAP//////////"/>
               </a:ext>
             </a:extLst>
           </p:cNvSpPr>
@@ -18942,7 +18845,7 @@
           <p:cNvSpPr>
             <a:extLst>
               <a:ext uri="smNativeData">
-                <pr:smNativeData xmlns:pr="smNativeData" xmlns="smNativeData" val="SMDATA_15_37BZZRMAAAAlAAAAZAAAAA0AAAAAjgAAAJAAAACOAAAAkAAAAAAAAAAAAAAAAAAAAAEAAABQAAAAAAAAAAAA4D8AAAAAAADgPwAAAAAAAOA/AAAAAAAA4D8AAAAAAADgPwAAAAAAAOA/AAAAAAAA4D8AAAAAAADgPwAAAAAAAOA/AAAAAAAA4D8CAAAAjAAAAAAAAAAAAAAAQzCfDP///wgAAAAAAAAAAAAAAAAAAAAAAAAAAAAAAAAAAAAAZAAAAAEAAABAAAAAAAAAAAAAAAAAAAAAAAAAAAAAAAAAAAAAAAAAAAAAAAAAAAAAAAAAAAAAAAAAAAAAAAAAAAAAAAAAAAAAAAAAAAAAAAAAAAAAAAAAAAAAAAAAAAAAFAAAADwAAAAAAAAAAAAAAAAAAAkUAAAAAQAAABQAAAAUAAAAFAAAAAEAAAAAAAAAZAAAAGQAAAAAAAAAZAAAAGQAAAAVAAAAYAAAAAAAAAAAAAAADwAAACADAAAAAAAAAAAAAAEAAACgMgAAVgcAAKr4//8BAAAAf39/AAEAAABkAAAAAAAAABQAAABAHwAAAAAAACYAAAAAAAAAwOD//wAAAAAmAAAAZAAAABYAAABMAAAAAAAAAAAAAAAEAAAAAAAAAAEAAADRSc4KAAAAACgAAAAoAAAAZAAAAGQAAAAAAAAAzMzMAAAAAABQAAAAUAAAAGQAAABkAAAAAAAAABcAAAAUAAAAAAAAAAAAAAD/fwAA/38AAAAAAAAJAAAABAAAAF8AYAAeAAAAaAAAAAAAAAAAAAAAAAAAAAAAAAAAAAAAECcAABAnAAAAAAAAAAAAAAAAAAAAAAAAAAAAAAAAAAAAAAAAAAAAABQAAAAAAAAAwMD/AAAAAABkAAAAMgAAAAAAAABkAAAAAAAAAH9/fwAKAAAAIgAAABgAAAAAAAAAAAAAAAAAAAAAAAAAAAAAAAAAAAAkAAAAJAAAAAAAAAAHAAAAAAAAAAAAAAAAAAAAAAAAAAAAAAAAAAAAf39/ACUAAABYAAAAAAAAAAAAAAAAAAAAAAAAAAAAAAAAAAAAAAAAAAAAAAAAAAAAAAAAAAAAAAA/AAAAAAAAAKCGAQAAAAAAAAAAAAAAAAAMAAAAAQAAAAAAAAAAAAAAAAAAAB8AAABUAAAAQzCfBf///wEAAAAAAAAAAAAAAAAAAAAAAAAAAAAAAAAAAAAAAAAAAAAAAAJ/f38A0UnOA8zMzADAwP8Af39/AAAAAAAAAAAAAAAAAAAAAAAAAAAAIQAAABgAAAAUAAAAShcAAJQRAADxKwAAERYAABAAAAAmAAAACAAAAP//////////"/>
+                <pr:smNativeData xmlns:pr="smNativeData" xmlns="smNativeData" val="SMDATA_15_8sFZZRMAAAAlAAAAZAAAAA0AAAAAjgAAAJAAAACOAAAAkAAAAAAAAAAAAAAAAAAAAAEAAABQAAAAAAAAAAAA4D8AAAAAAADgPwAAAAAAAOA/AAAAAAAA4D8AAAAAAADgPwAAAAAAAOA/AAAAAAAA4D8AAAAAAADgPwAAAAAAAOA/AAAAAAAA4D8CAAAAjAAAAAAAAAAAAAAAQzCfDP///wgAAAAAAAAAAAAAAAAAAAAAAAAAAAAAAAAAAAAAZAAAAAEAAABAAAAAAAAAAAAAAAAAAAAAAAAAAAAAAAAAAAAAAAAAAAAAAAAAAAAAAAAAAAAAAAAAAAAAAAAAAAAAAAAAAAAAAAAAAAAAAAAAAAAAAAAAAAAAAAAAAAAAFAAAADwAAAAAAAAAAAAAAAAAAAkUAAAAAQAAABQAAAAUAAAAFAAAAAEAAAAAAAAAZAAAAGQAAAAAAAAAZAAAAGQAAAAVAAAAYAAAAAAAAAAAAAAADwAAACADAAAAAAAAAAAAAAEAAACgMgAAVgcAAKr4//8BAAAAf39/AAEAAABkAAAAAAAAABQAAABAHwAAAAAAACYAAAAAAAAAwOD//wAAAAAmAAAAZAAAABYAAABMAAAAAAAAAAAAAAAEAAAAAAAAAAEAAADRSc4KAAAAACgAAAAoAAAAZAAAAGQAAAAAAAAAzMzMAAAAAABQAAAAUAAAAGQAAABkAAAAAAAAABcAAAAUAAAAAAAAAAAAAAD/fwAA/38AAAAAAAAJAAAABAAAAAAAAAAeAAAAaAAAAAAAAAAAAAAAAAAAAAAAAAAAAAAAECcAABAnAAAAAAAAAAAAAAAAAAAAAAAAAAAAAAAAAAAAAAAAAAAAABQAAAAAAAAAwMD/AAAAAABkAAAAMgAAAAAAAABkAAAAAAAAAH9/fwAKAAAAIgAAABgAAAAAAAAAAAAAAAAAAAAAAAAAAAAAAAAAAAAkAAAAJAAAAAAAAAAHAAAAAAAAAAAAAAAAAAAAAAAAAAAAAAAAAAAAf39/ACUAAABYAAAAAAAAAAAAAAAAAAAAAAAAAAAAAAAAAAAAAAAAAAAAAAAAAAAAAAAAAAAAAAA/AAAAAAAAAKCGAQAAAAAAAAAAAAAAAAAMAAAAAQAAAAAAAAAAAAAAAAAAAB8AAABUAAAAQzCfBf///wEAAAAAAAAAAAAAAAAAAAAAAAAAAAAAAAAAAAAAAAAAAAAAAAJ/f38A0UnOA8zMzADAwP8Af39/AAAAAAAAAAAAAAAAAAAAAAAAAAAAIQAAABgAAAAUAAAAShcAAJQRAADxKwAAERYAABAAAAAmAAAACAAAAP//////////"/>
               </a:ext>
             </a:extLst>
           </p:cNvSpPr>
@@ -19120,7 +19023,7 @@
           <p:cNvSpPr>
             <a:extLst>
               <a:ext uri="smNativeData">
-                <pr:smNativeData xmlns:pr="smNativeData" xmlns="smNativeData" val="SMDATA_15_37BZZRMAAAAlAAAACwAAAA0AAAAAuxcAACMRAACOHwAAJBEAAAAAAAAAAAAAAAAAAAEAAABQAAAAAAAAAAAA4D8AAAAAAADgPwAAAAAAAOA/AAAAAAAA4D8AAAAAAADgPwAAAAAAAOA/AAAAAAAA4D8AAAAAAADgPwAAAAAAAOA/AAAAAAAA4D8CAAAAjAAAAAAAAAAAAAAAQzCfDP///wgAAAAAAAAAAAAAAAAAAAAAAAAAAAAAAAAAAAAAZAAAAAEAAABAAAAAAAAAAAAAAAAAAAAAAAAAAAAAAAAAAAAAAAAAAAAAAAAAAAAAAAAAAAAAAAAAAAAAAAAAAAAAAAAAAAAAAAAAAAAAAAAAAAAAAAAAAAAAAAAAAAAAFAAAADwAAAABAAAAAAAAAAAAAA0PAAAAAQAAACMAAAAjAAAAIwAAAB4AAAAAAAAAZAAAAGQAAAAAAAAAZAAAAGQAAAAVAAAAYAAAAAAAAAAAAAAADwAAACADAAAAAAAAAAAAAAEAAACgMgAAVgcAAKr4//8BAAAAf39/AAEAAABkAAAAAAAAABQAAABAHwAAAAAAACYAAAAAAAAAwOD//wAAAAAmAAAAZAAAABYAAABMAAAAAAAAAAAAAAAEAAAAAAAAAAEAAADRSc4KAAAAACgAAAAoAAAAZAAAAGQAAAAAAAAAzMzMAAAAAABQAAAAUAAAAGQAAABkAAAAAAAAABcAAAAUAAAAAAAAAAAAAAD/fwAA/38AAAAAAAAJAAAABAAAAAAAAAAeAAAAaAAAAAAAAAAAAAAAAAAAAAAAAAAAAAAAECcAABAnAAAAAAAAAAAAAAAAAAAAAAAAAAAAAAAAAAAAAAAAAAAAABQAAAAAAAAAwMD/AAAAAABkAAAAMgAAAAAAAABkAAAAAAAAAH9/fwAKAAAAIgAAABgAAAAAAAAAAAAAAAAAAAAAAAAAAAAAAAAAAAAkAAAAJAAAAAAAAAAHAAAAAAAAAAAAAAAAAAAAAAAAAAAAAAAAAAAAf39/ACUAAABYAAAAAAAAAAAAAAAAAAAAAAAAAAAAAAAAAAAAAAAAAAAAAAAAAAAAAAAAAAAAAAA/AAAAAAAAAKCGAQAAAAAAAAAAAAAAAAAMAAAAAQAAAAAAAAAAAAAAAAAAAB8AAABUAAAAQzCfBf///wEAAAAAAAAAAAAAAAAAAAAAAAAAAAAAAAAAAAAAAAAAAAAAAAZ/f38A0UnOA8zMzADAwP8Af39/AAAAAAAAAAAAAAAAAAAAAAAAAAAAIQAAABgAAAAUAAAAuxcAACMRAACOHwAAJBEAABAAAAAmAAAACAAAAP//////////"/>
+                <pr:smNativeData xmlns:pr="smNativeData" xmlns="smNativeData" val="SMDATA_15_8sFZZRMAAAAlAAAACwAAAA0AAAAAuxcAACMRAACOHwAAJBEAAAAAAAAAAAAAAAAAAAEAAABQAAAAAAAAAAAA4D8AAAAAAADgPwAAAAAAAOA/AAAAAAAA4D8AAAAAAADgPwAAAAAAAOA/AAAAAAAA4D8AAAAAAADgPwAAAAAAAOA/AAAAAAAA4D8CAAAAjAAAAAAAAAAAAAAAQzCfDP///wgAAAAAAAAAAAAAAAAAAAAAAAAAAAAAAAAAAAAAZAAAAAEAAABAAAAAAAAAAAAAAAAAAAAAAAAAAAAAAAAAAAAAAAAAAAAAAAAAAAAAAAAAAAAAAAAAAAAAAAAAAAAAAAAAAAAAAAAAAAAAAAAAAAAAAAAAAAAAAAAAAAAAFAAAADwAAAABAAAAAAAAAAAAAA0PAAAAAQAAACMAAAAjAAAAIwAAAB4AAAAAAAAAZAAAAGQAAAAAAAAAZAAAAGQAAAAVAAAAYAAAAAAAAAAAAAAADwAAACADAAAAAAAAAAAAAAEAAACgMgAAVgcAAKr4//8BAAAAf39/AAEAAABkAAAAAAAAABQAAABAHwAAAAAAACYAAAAAAAAAwOD//wAAAAAmAAAAZAAAABYAAABMAAAAAAAAAAAAAAAEAAAAAAAAAAEAAADRSc4KAAAAACgAAAAoAAAAZAAAAGQAAAAAAAAAzMzMAAAAAABQAAAAUAAAAGQAAABkAAAAAAAAABcAAAAUAAAAAAAAAAAAAAD/fwAA/38AAAAAAAAJAAAABAAAAAAAAAAeAAAAaAAAAAAAAAAAAAAAAAAAAAAAAAAAAAAAECcAABAnAAAAAAAAAAAAAAAAAAAAAAAAAAAAAAAAAAAAAAAAAAAAABQAAAAAAAAAwMD/AAAAAABkAAAAMgAAAAAAAABkAAAAAAAAAH9/fwAKAAAAIgAAABgAAAAAAAAAAAAAAAAAAAAAAAAAAAAAAAAAAAAkAAAAJAAAAAAAAAAHAAAAAAAAAAAAAAAAAAAAAAAAAAAAAAAAAAAAf39/ACUAAABYAAAAAAAAAAAAAAAAAAAAAAAAAAAAAAAAAAAAAAAAAAAAAAAAAAAAAAAAAAAAAAA/AAAAAAAAAKCGAQAAAAAAAAAAAAAAAAAMAAAAAQAAAAAAAAAAAAAAAAAAAB8AAABUAAAAQzCfBf///wEAAAAAAAAAAAAAAAAAAAAAAAAAAAAAAAAAAAAAAAAAAAAAAAZ/f38A0UnOA8zMzADAwP8Af39/AAAAAAAAAAAAAAAAAAAAAAAAAAAAIQAAABgAAAAUAAAAuxcAACMRAACOHwAAJBEAABAAAAAmAAAACAAAAP//////////"/>
               </a:ext>
             </a:extLst>
           </p:cNvSpPr>
@@ -19166,7 +19069,7 @@
           <p:cNvSpPr>
             <a:extLst>
               <a:ext uri="smNativeData">
-                <pr:smNativeData xmlns:pr="smNativeData" xmlns="smNativeData" val="SMDATA_15_37BZZRMAAAAlAAAAZgAAAA0AAAAAkAAAAEgAAACQAAAASAAAAAAAAAAAAAAAAAAAAAEAAABQAAAAAAAAAAAA8D8AAAAAAADwPwAAAAAAAOA/AAAAAAAA4D8AAAAAAADgPwAAAAAAAOA/AAAAAAAA4D8AAAAAAADgPwAAAAAAAOA/AAAAAAAA4D8CAAAAjAAAAAEAAAAAAAAAAAAAAP///wgAAAAAAAAAAAAAAAAAAAAAAAAAAAAAAAAAAAAAeAAAAAEAAABAAAAAAAAAAAAAAABaAAAAAAAAAAAAAAAAAAAAAAAAAAAAAAAAAAAAAAAAAAAAAAAAAAAAAAAAAAAAAAAAAAAAAAAAAAAAAAAAAAAAAAAAAAAAAAAAAAAAFAAAADwAAAAAAAAAAAAAAAAAAAkUAAAAAQAAABQAAAAUAAAAFAAAAAEAAAAAAAAAZAAAAGQAAAAAAAAAZAAAAGQAAAAVAAAAYAAAAAAAAAAAAAAADwAAACADAAAAAAAAAAAAAAEAAACgMgAAVgcAAKr4//8BAAAAf39/AAEAAABkAAAAAAAAABQAAABAHwAAAAAAACYAAAAAAAAAwOD//wAAAAAmAAAAZAAAABYAAABMAAAAAQAAAAAAAAAGAAAAAAAAAAEAAAAAAAANMgAAAAAAAAAAAAAAZAAAAGQAAAAAAAAAy8vLADIAAAAAAAAAAAAAAGQAAABkAAAAAAAAABcAAAAUAAAAAAAAAAAAAAD/fwAA/38AAAAAAAAJAAAABAAAAMNs4VEeAAAAaAAAAAAAAAAAAAAAAAAAAAAAAAAAAAAAECcAABAnAAAAAAAAAAAAAAAAAAAAAAAAAAAAAAAAAAAAAAAAAAAAAFIBAAAAAAAAwMD/AAAAAAAAAAAAAAAAAAAAAABkAAAAAAAAAH9/fwAKAAAAIgAAABgAAAAAAAAAAAAAAAAAAAAAAAAAAAAAAAAAAAAkAAAAJAAAAAAAAAAHAAAAAAAAAAAAAAAAAAAAAAAAAAAAAAAAAAAAf39/ACUAAABYAAAAAAAAAAAAAAAAAAAAAAAAAAAAAAAAAAAAAAAAAAAAAAAAAAAAAAAAAAAAAAA/AAAAAAAAAKCGAQAAAAAAAAAAAAAAAAAMAAAAAQAAAAAAAAAAAAAAAAAAAB8AAABUAAAAAAAAAP///wEAAAAAAAAAAAAAAAAAAAAAAAAAAAAAAAAAAAAAAAAAAAAAAAJ/f38AAAAABsvLywDAwP8Af39/AAAAAAAAAAAAAAAAAAAAAAAAAAAAIQAAABgAAAAUAAAApysAAIkXAAD9PQAA3ykAABAAAAAmAAAACAAAAP//////////"/>
+                <pr:smNativeData xmlns:pr="smNativeData" xmlns="smNativeData" val="SMDATA_15_8sFZZRMAAAAlAAAAZgAAAA0AAAAAkAAAAEgAAACQAAAASAAAAAAAAAAAAAAAAAAAAAEAAABQAAAAAAAAAAAA8D8AAAAAAADwPwAAAAAAAOA/AAAAAAAA4D8AAAAAAADgPwAAAAAAAOA/AAAAAAAA4D8AAAAAAADgPwAAAAAAAOA/AAAAAAAA4D8CAAAAjAAAAAEAAAAAAAAAAAAAAP///wgAAAAAAAAAAAAAAAAAAAAAAAAAAAAAAAAAAAAAeAAAAAEAAABAAAAAAAAAAAAAAABaAAAAAAAAAAAAAAAAAAAAAAAAAAAAAAAAAAAAAAAAAAAAAAAAAAAAAAAAAAAAAAAAAAAAAAAAAAAAAAAAAAAAAAAAAAAAAAAAAAAAFAAAADwAAAAAAAAAAAAAAAAAAAkUAAAAAQAAABQAAAAUAAAAFAAAAAEAAAAAAAAAZAAAAGQAAAAAAAAAZAAAAGQAAAAVAAAAYAAAAAAAAAAAAAAADwAAACADAAAAAAAAAAAAAAEAAACgMgAAVgcAAKr4//8BAAAAf39/AAEAAABkAAAAAAAAABQAAABAHwAAAAAAACYAAAAAAAAAwOD//wAAAAAmAAAAZAAAABYAAABMAAAAAQAAAAAAAAAGAAAAAAAAAAEAAAAAAAANMgAAAAAAAAAAAAAAZAAAAGQAAAAAAAAAy8vLADIAAAAAAAAAAAAAAGQAAABkAAAAAAAAABcAAAAUAAAAAAAAAAAAAAD/fwAA/38AAAAAAAAJAAAABAAAAAAAAAAeAAAAaAAAAAAAAAAAAAAAAAAAAAAAAAAAAAAAECcAABAnAAAAAAAAAAAAAAAAAAAAAAAAAAAAAAAAAAAAAAAAAAAAAFIBAAAAAAAAwMD/AAAAAAAAAAAAAAAAAAAAAABkAAAAAAAAAH9/fwAKAAAAIgAAABgAAAAAAAAAAAAAAAAAAAAAAAAAAAAAAAAAAAAkAAAAJAAAAAAAAAAHAAAAAAAAAAAAAAAAAAAAAAAAAAAAAAAAAAAAf39/ACUAAABYAAAAAAAAAAAAAAAAAAAAAAAAAAAAAAAAAAAAAAAAAAAAAAAAAAAAAAAAAAAAAAA/AAAAAAAAAKCGAQAAAAAAAAAAAAAAAAAMAAAAAQAAAAAAAAAAAAAAAAAAAB8AAABUAAAAAAAAAP///wEAAAAAAAAAAAAAAAAAAAAAAAAAAAAAAAAAAAAAAAAAAAAAAAJ/f38AAAAABsvLywDAwP8Af39/AAAAAAAAAAAAAAAAAAAAAAAAAAAAIQAAABgAAAAUAAAApysAAIkXAAD9PQAA3ykAABAAAAAmAAAACAAAAP//////////"/>
               </a:ext>
             </a:extLst>
           </p:cNvSpPr>
@@ -19201,7 +19104,7 @@
           <p:cNvSpPr>
             <a:extLst>
               <a:ext uri="smNativeData">
-                <pr:smNativeData xmlns:pr="smNativeData" xmlns="smNativeData" val="SMDATA_15_37BZZRMAAAAlAAAAZgAAAA0AAAAAkAAAAEgAAACQAAAASAAAAAAAAAAAAAAAAAAAAAEAAABQAAAAAAAAAAAA8D8AAAAAAADwPwAAAAAAAOA/AAAAAAAA4D8AAAAAAADgPwAAAAAAAOA/AAAAAAAA4D8AAAAAAADgPwAAAAAAAOA/AAAAAAAA4D8CAAAAjAAAAAEAAAADAAAA0UnOAEMwnwAAAAAAAAAAAAAAAAAAAAAAAAAAAAAAAAAAAAAAeAAAAAEAAABAAAAAAAAAAGQAAAAOAQAAAAAAAAAAAAAAAAAAAAAAAAAAAAAAAAAAAAAAAAAAAAAAAAAAAAAAAAAAAAAAAAAAAAAAAAAAAAAAAAAAAAAAAAAAAAAAAAAAFAAAADwAAAAAAAAAAAAAAAAAAAkUAAAAAQAAABQAAAAUAAAAFAAAAAEAAAAAAAAAZAAAAGQAAAAAAAAAZAAAAGQAAAAVAAAAYAAAAAAAAAAAAAAADwAAACADAAAAAAAAAAAAAAEAAACgMgAAVgcAAKr4//8BAAAAf39/AAEAAABkAAAAAAAAABQAAABAHwAAAAAAACYAAAAAAAAAwOD//wAAAAAmAAAAZAAAABYAAABMAAAAAAAAAAAAAAAEAAAAAAAAAAEAAADRSc4KAAAAACgAAAAoAAAAZAAAAGQAAAAAAAAAzMzMAAAAAABQAAAAUAAAAGQAAABkAAAAAAAAABcAAAAUAAAAAAAAAAAAAAD/fwAA/38AAAAAAAAJAAAABAAAAMNs4VEeAAAAaAAAAAAAAAAAAAAAAAAAAAAAAAAAAAAAECcAABAnAAAAAAAAAAAAAAAAAAAAAAAAAAAAAAAAAAAAAAAAAAAAABQAAAAAAAAAwMD/AAAAAABkAAAAMgAAAAAAAABkAAAAAAAAAH9/fwAKAAAAIgAAABgAAAAAAAAAAAAAAAAAAAAAAAAAAAAAAAAAAAAkAAAAJAAAAAAAAAAHAAAAAAAAAAAAAAAAAAAAAAAAAAAAAAAAAAAAf39/ACUAAABYAAAAAAAAAAAAAAAAAAAAAAAAAAAAAAAAAAAAAAAAAAAAAAAAAAAAAAAAAAAAAAA/AAAAAAAAAKCGAQAAAAAAAAAAAAAAAAAMAAAAAQAAAAAAAAAAAAAAAAAAAB8AAABUAAAA0UnOAEMwnwAAAAAAAAAAAAAAAAAAAAAAAAAAAAAAAAAAAAAAAAAAAAAAAAJ/f38A0UnOA8zMzADAwP8Af39/AAAAAAAAAAAAAAAAAAAAAAAAAAAAIQAAABgAAAAUAAAAai8AAHkTAADBMQAA0BUAABAAAAAmAAAACAAAAP//////////"/>
+                <pr:smNativeData xmlns:pr="smNativeData" xmlns="smNativeData" val="SMDATA_15_8sFZZRMAAAAlAAAAZgAAAA0AAAAAkAAAAEgAAACQAAAASAAAAAAAAAAAAAAAAAAAAAEAAABQAAAAAAAAAAAA8D8AAAAAAADwPwAAAAAAAOA/AAAAAAAA4D8AAAAAAADgPwAAAAAAAOA/AAAAAAAA4D8AAAAAAADgPwAAAAAAAOA/AAAAAAAA4D8CAAAAjAAAAAEAAAADAAAA0UnOAEMwnwAAAAAAAAAAAAAAAAAAAAAAAAAAAAAAAAAAAAAAeAAAAAEAAABAAAAAAAAAAGQAAAAOAQAAAAAAAAAAAAAAAAAAAAAAAAAAAAAAAAAAAAAAAAAAAAAAAAAAAAAAAAAAAAAAAAAAAAAAAAAAAAAAAAAAAAAAAAAAAAAAAAAAFAAAADwAAAAAAAAAAAAAAAAAAAkUAAAAAQAAABQAAAAUAAAAFAAAAAEAAAAAAAAAZAAAAGQAAAAAAAAAZAAAAGQAAAAVAAAAYAAAAAAAAAAAAAAADwAAACADAAAAAAAAAAAAAAEAAACgMgAAVgcAAKr4//8BAAAAf39/AAEAAABkAAAAAAAAABQAAABAHwAAAAAAACYAAAAAAAAAwOD//wAAAAAmAAAAZAAAABYAAABMAAAAAAAAAAAAAAAEAAAAAAAAAAEAAADRSc4KAAAAACgAAAAoAAAAZAAAAGQAAAAAAAAAzMzMAAAAAABQAAAAUAAAAGQAAABkAAAAAAAAABcAAAAUAAAAAAAAAAAAAAD/fwAA/38AAAAAAAAJAAAABAAAAAAAAAAeAAAAaAAAAAAAAAAAAAAAAAAAAAAAAAAAAAAAECcAABAnAAAAAAAAAAAAAAAAAAAAAAAAAAAAAAAAAAAAAAAAAAAAABQAAAAAAAAAwMD/AAAAAABkAAAAMgAAAAAAAABkAAAAAAAAAH9/fwAKAAAAIgAAABgAAAAAAAAAAAAAAAAAAAAAAAAAAAAAAAAAAAAkAAAAJAAAAAAAAAAHAAAAAAAAAAAAAAAAAAAAAAAAAAAAAAAAAAAAf39/ACUAAABYAAAAAAAAAAAAAAAAAAAAAAAAAAAAAAAAAAAAAAAAAAAAAAAAAAAAAAAAAAAAAAA/AAAAAAAAAKCGAQAAAAAAAAAAAAAAAAAMAAAAAQAAAAAAAAAAAAAAAAAAAB8AAABUAAAA0UnOAEMwnwAAAAAAAAAAAAAAAAAAAAAAAAAAAAAAAAAAAAAAAAAAAAAAAAJ/f38A0UnOA8zMzADAwP8Af39/AAAAAAAAAAAAAAAAAAAAAAAAAAAAIQAAABgAAAAUAAAAai8AAHkTAADBMQAA0BUAABAAAAAmAAAACAAAAP//////////"/>
               </a:ext>
             </a:extLst>
           </p:cNvSpPr>
@@ -19239,7 +19142,7 @@
           <p:cNvSpPr>
             <a:extLst>
               <a:ext uri="smNativeData">
-                <pr:smNativeData xmlns:pr="smNativeData" xmlns="smNativeData" val="SMDATA_15_37BZZRMAAAAlAAAAZgAAAA0AAAAAkAAAAEgAAACQAAAASAAAAAAAAAAAAAAAAAAAAAEAAABQAAAAAAAAAAAA8D8AAAAAAADwPwAAAAAAAOA/AAAAAAAA4D8AAAAAAADgPwAAAAAAAOA/AAAAAAAA4D8AAAAAAADgPwAAAAAAAOA/AAAAAAAA4D8CAAAAjAAAAAEAAAADAAAA0UnOAEMwnwAAAAAAAAAAAAAAAAAAAAAAAAAAAAAAAAAAAAAAeAAAAAEAAABAAAAAAAAAAGQAAAAOAQAAAAAAAAAAAAAAAAAAAAAAAAAAAAAAAAAAAAAAAAAAAAAAAAAAAAAAAAAAAAAAAAAAAAAAAAAAAAAAAAAAAAAAAAAAAAAAAAAAFAAAADwAAAAAAAAAAAAAAAAAAAkUAAAAAQAAABQAAAAUAAAAFAAAAAEAAAAAAAAAZAAAAGQAAAAAAAAAZAAAAGQAAAAVAAAAYAAAAAAAAAAAAAAADwAAACADAAAAAAAAAAAAAAEAAACgMgAAVgcAAKr4//8BAAAAf39/AAEAAABkAAAAAAAAABQAAABAHwAAAAAAACYAAAAAAAAAwOD//wAAAAAmAAAAZAAAABYAAABMAAAAAAAAAAAAAAAEAAAAAAAAAAEAAADRSc4KAAAAACgAAAAoAAAAZAAAAGQAAAAAAAAAzMzMAAAAAABQAAAAUAAAAGQAAABkAAAAAAAAABcAAAAUAAAAAAAAAAAAAAD/fwAA/38AAAAAAAAJAAAABAAAAHNwUHIeAAAAaAAAAAAAAAAAAAAAAAAAAAAAAAAAAAAAECcAABAnAAAAAAAAAAAAAAAAAAAAAAAAAAAAAAAAAAAAAAAAAAAAABQAAAAAAAAAwMD/AAAAAABkAAAAMgAAAAAAAABkAAAAAAAAAH9/fwAKAAAAIgAAABgAAAAAAAAAAAAAAAAAAAAAAAAAAAAAAAAAAAAkAAAAJAAAAAAAAAAHAAAAAAAAAAAAAAAAAAAAAAAAAAAAAAAAAAAAf39/ACUAAABYAAAAAAAAAAAAAAAAAAAAAAAAAAAAAAAAAAAAAAAAAAAAAAAAAAAAAAAAAAAAAAA/AAAAAAAAAKCGAQAAAAAAAAAAAAAAAAAMAAAAAQAAAAAAAAAAAAAAAAAAAB8AAABUAAAA0UnOAEMwnwAAAAAAAAAAAAAAAAAAAAAAAAAAAAAAAAAAAAAAAAAAAAAAAAJ/f38A0UnOA8zMzADAwP8Af39/AAAAAAAAAAAAAAAAAAAAAAAAAAAAIQAAABgAAAAUAAAAmTQAAFISAADDPQAAfBsAABAAAAAmAAAACAAAAP//////////"/>
+                <pr:smNativeData xmlns:pr="smNativeData" xmlns="smNativeData" val="SMDATA_15_8sFZZRMAAAAlAAAAZgAAAA0AAAAAkAAAAEgAAACQAAAASAAAAAAAAAAAAAAAAAAAAAEAAABQAAAAAAAAAAAA8D8AAAAAAADwPwAAAAAAAOA/AAAAAAAA4D8AAAAAAADgPwAAAAAAAOA/AAAAAAAA4D8AAAAAAADgPwAAAAAAAOA/AAAAAAAA4D8CAAAAjAAAAAEAAAADAAAA0UnOAEMwnwAAAAAAAAAAAAAAAAAAAAAAAAAAAAAAAAAAAAAAeAAAAAEAAABAAAAAAAAAAGQAAAAOAQAAAAAAAAAAAAAAAAAAAAAAAAAAAAAAAAAAAAAAAAAAAAAAAAAAAAAAAAAAAAAAAAAAAAAAAAAAAAAAAAAAAAAAAAAAAAAAAAAAFAAAADwAAAAAAAAAAAAAAAAAAAkUAAAAAQAAABQAAAAUAAAAFAAAAAEAAAAAAAAAZAAAAGQAAAAAAAAAZAAAAGQAAAAVAAAAYAAAAAAAAAAAAAAADwAAACADAAAAAAAAAAAAAAEAAACgMgAAVgcAAKr4//8BAAAAf39/AAEAAABkAAAAAAAAABQAAABAHwAAAAAAACYAAAAAAAAAwOD//wAAAAAmAAAAZAAAABYAAABMAAAAAAAAAAAAAAAEAAAAAAAAAAEAAADRSc4KAAAAACgAAAAoAAAAZAAAAGQAAAAAAAAAzMzMAAAAAABQAAAAUAAAAGQAAABkAAAAAAAAABcAAAAUAAAAAAAAAAAAAAD/fwAA/38AAAAAAAAJAAAABAAAAAAAAAAeAAAAaAAAAAAAAAAAAAAAAAAAAAAAAAAAAAAAECcAABAnAAAAAAAAAAAAAAAAAAAAAAAAAAAAAAAAAAAAAAAAAAAAABQAAAAAAAAAwMD/AAAAAABkAAAAMgAAAAAAAABkAAAAAAAAAH9/fwAKAAAAIgAAABgAAAAAAAAAAAAAAAAAAAAAAAAAAAAAAAAAAAAkAAAAJAAAAAAAAAAHAAAAAAAAAAAAAAAAAAAAAAAAAAAAAAAAAAAAf39/ACUAAABYAAAAAAAAAAAAAAAAAAAAAAAAAAAAAAAAAAAAAAAAAAAAAAAAAAAAAAAAAAAAAAA/AAAAAAAAAKCGAQAAAAAAAAAAAAAAAAAMAAAAAQAAAAAAAAAAAAAAAAAAAB8AAABUAAAA0UnOAEMwnwAAAAAAAAAAAAAAAAAAAAAAAAAAAAAAAAAAAAAAAAAAAAAAAAJ/f38A0UnOA8zMzADAwP8Af39/AAAAAAAAAAAAAAAAAAAAAAAAAAAAIQAAABgAAAAUAAAAmTQAAFISAADDPQAAfBsAABAAAAAmAAAACAAAAP//////////"/>
               </a:ext>
             </a:extLst>
           </p:cNvSpPr>
@@ -19277,7 +19180,7 @@
           <p:cNvSpPr>
             <a:extLst>
               <a:ext uri="smNativeData">
-                <pr:smNativeData xmlns:pr="smNativeData" xmlns="smNativeData" val="SMDATA_15_37BZZRMAAAAlAAAAZQAAAA0AAAAAkAAAAEgAAACQAAAASAAAAAAAAAAAAAAAAAAAAAEAAABQAAAAhbacS3FV1T8AAAAAAADwvwAAAAAAAOA/AAAAAAAA4D8AAAAAAADgPwAAAAAAAOA/AAAAAAAA4D8AAAAAAADgPwAAAAAAAOA/AAAAAAAA4D8CAAAAjAAAAAEAAAACAAAA////AP///wgAAAAAAAAAAHNBmNvtRMdLjsuCzwBX9bMBAAAAeAAAAAEAAABAAAAAAAAAAAAAAABaAAAAAAAAAAAAAAAAAAAAAAAAAAAAAAAAAAAAAAAAAAAAAAAAAAAAAAAAAAAAAAAAAAAAAAAAAAAAAAAAAAAAAAAAAAAAAAAAAAAAFAAAADwAAAAAAAAAAAAAAAAAAAkUAAAAAQAAABQAAAAUAAAAFAAAAAEAAAAAAAAAZAAAAGQAAAAAAAAAZAAAAGQAAAAVAAAAYAAAAAAAAAAAAAAADwAAACADAAAAAAAAAAAAAAEAAACgMgAAVgcAAKr4//8BAAAAf39/AAEAAABkAAAAAAAAABQAAABAHwAAAAAAACYAAAAAAAAAwOD//wAAAAAmAAAAZAAAABYAAABMAAAAAAAAAAAAAAAEAAAAAAAAAAEAAADRSc4KAAAAACgAAAAoAAAAZAAAAGQAAAAAAAAAzMzMAAAAAABQAAAAUAAAAGQAAABkAAAAAAAAABcAAAAUAAAAAAAAAAAAAAD/fwAA/38AAAAAAAAJAAAABAAAAG91dC8eAAAAaAAAAAAAAAAAAAAAAAAAAAAAAAAAAAAAECcAABAnAAAAAAAAAAAAAAAAAAAAAAAAAAAAAAAAAAAAAAAAAAAAABQAAAAAAAAAwMD/AAAAAABkAAAAMgAAAAAAAABkAAAAAAAAAH9/fwAKAAAAIgAAABgAAAAAAAAAAAAAAAAAAAAAAAAAAAAAAAAAAAAkAAAAJAAAAAAAAAAHAAAAAAAAAAAAAAAAAAAAAAAAAAAAAAAAAAAAf39/ACUAAABYAAAAAAAAAAAAAAAAAAAAAAAAAAAAAAAAAAAAAAAAAAAAAAAAAAAAAAAAAAAAAAA/AAAAAAAAAKCGAQAAAAAAAAAAAAAAAAAMAAAAAQAAAAAAAAAAAAAAAAAAAB8AAABUAAAA////AP///wEAAAAAAAAAAAAAAAAAAAAAAAAAAAAAAAAAAAAAAAAAAAAAAAJ/f38A0UnOA8zMzADAwP8Af39/AAAAAAAAAAAAAAAAAAAAAAAAAAAAIQAAABgAAAAUAAAAr/7//3gHAAD4FQAA7BkAABAAAAAmAAAACAAAAP//////////"/>
+                <pr:smNativeData xmlns:pr="smNativeData" xmlns="smNativeData" val="SMDATA_15_8sFZZRMAAAAlAAAAZQAAAA0AAAAAkAAAAEgAAACQAAAASAAAAAAAAAAAAAAAAAAAAAEAAABQAAAAhbacS3FV1T8AAAAAAADwvwAAAAAAAOA/AAAAAAAA4D8AAAAAAADgPwAAAAAAAOA/AAAAAAAA4D8AAAAAAADgPwAAAAAAAOA/AAAAAAAA4D8CAAAAjAAAAAEAAAACAAAA////AP///wgAAAAAAAAAABFnbE4UE0dFtbafGUVpQv0BAAAAeAAAAAEAAABAAAAAAAAAAAAAAABaAAAAAAAAAAAAAAAAAAAAAAAAAAAAAAAAAAAAAAAAAAAAAAAAAAAAAAAAAAAAAAAAAAAAAAAAAAAAAAAAAAAAAAAAAAAAAAAAAAAAFAAAADwAAAAAAAAAAAAAAAAAAAkUAAAAAQAAABQAAAAUAAAAFAAAAAEAAAAAAAAAZAAAAGQAAAAAAAAAZAAAAGQAAAAVAAAAYAAAAAAAAAAAAAAADwAAACADAAAAAAAAAAAAAAEAAACgMgAAVgcAAKr4//8BAAAAf39/AAEAAABkAAAAAAAAABQAAABAHwAAAAAAACYAAAAAAAAAwOD//wAAAAAmAAAAZAAAABYAAABMAAAAAAAAAAAAAAAEAAAAAAAAAAEAAADRSc4KAAAAACgAAAAoAAAAZAAAAGQAAAAAAAAAzMzMAAAAAABQAAAAUAAAAGQAAABkAAAAAAAAABcAAAAUAAAAAAAAAAAAAAD/fwAA/38AAAAAAAAJAAAABAAAAAAAAAAeAAAAaAAAAAAAAAAAAAAAAAAAAAAAAAAAAAAAECcAABAnAAAAAAAAAAAAAAAAAAAAAAAAAAAAAAAAAAAAAAAAAAAAABQAAAAAAAAAwMD/AAAAAABkAAAAMgAAAAAAAABkAAAAAAAAAH9/fwAKAAAAIgAAABgAAAAAAAAAAAAAAAAAAAAAAAAAAAAAAAAAAAAkAAAAJAAAAAAAAAAHAAAAAAAAAAAAAAAAAAAAAAAAAAAAAAAAAAAAf39/ACUAAABYAAAAAAAAAAAAAAAAAAAAAAAAAAAAAAAAAAAAAAAAAAAAAAAAAAAAAAAAAAAAAAA/AAAAAAAAAKCGAQAAAAAAAAAAAAAAAAAMAAAAAQAAAAAAAAAAAAAAAAAAAB8AAABUAAAA////AP///wEAAAAAAAAAAAAAAAAAAAAAAAAAAAAAAAAAAAAAAAAAAAAAAAJ/f38A0UnOA8zMzADAwP8Af39/AAAAAAAAAAAAAAAAAAAAAAAAAAAAIQAAABgAAAAUAAAAr/7//3gHAAD4FQAA7BkAABAAAAAmAAAACAAAAP//////////"/>
               </a:ext>
             </a:extLst>
           </p:cNvSpPr>
@@ -19310,7 +19213,7 @@
           <p:cNvSpPr>
             <a:extLst>
               <a:ext uri="smNativeData">
-                <pr:smNativeData xmlns:pr="smNativeData" xmlns="smNativeData" val="SMDATA_15_37BZZRMAAAAlAAAAZgAAAA0AAAAAkAAAAEgAAACQAAAASAAAAAAAAAAAAAAAAAAAAAEAAABQAAAAAAAAAAAA8D8AAAAAAADwPwAAAAAAAOA/AAAAAAAA4D8AAAAAAADgPwAAAAAAAOA/AAAAAAAA4D8AAAAAAADgPwAAAAAAAOA/AAAAAAAA4D8CAAAAjAAAAAEAAAAAAAAAAAAAAP///wgAAAAAAAAAAAAAAAAAAAAAAAAAAAAAAAAAAAAAeAAAAAEAAABAAAAAAAAAAAAAAABaAAAAAAAAAAAAAAAAAAAAAAAAAAAAAAAAAAAAAAAAAAAAAAAAAAAAAAAAAAAAAAAAAAAAAAAAAAAAAAAAAAAAAAAAAAAAAAAAAAAAFAAAADwAAAAAAAAAAAAAAAAAAAkUAAAAAQAAABQAAAAUAAAAFAAAAAEAAAAAAAAAZAAAAGQAAAAAAAAAZAAAAGQAAAAVAAAAYAAAAAAAAAAAAAAADwAAACADAAAAAAAAAAAAAAEAAACgMgAAVgcAAKr4//8BAAAAf39/AAEAAABkAAAAAAAAABQAAABAHwAAAAAAACYAAAAAAAAAwOD//wAAAAAmAAAAZAAAABYAAABMAAAAAQAAAAAAAAAGAAAAAAAAAAEAAAAAAAANMgAAAAAAAAAAAAAAZAAAAGQAAAAAAAAAy8vLADIAAAAAAAAAAAAAAGQAAABkAAAAAAAAABcAAAAUAAAAAAAAAAAAAAD/fwAA/38AAAAAAAAJAAAABAAAAF8AYAAeAAAAaAAAAAAAAAAAAAAAAAAAAAAAAAAAAAAAECcAABAnAAAAAAAAAAAAAAAAAAAAAAAAAAAAAAAAAAAAAAAAAAAAAFIBAAAAAAAAwMD/AAAAAAAAAAAAAAAAAAAAAABkAAAAAAAAAH9/fwAKAAAAIgAAABgAAAAAAAAAAAAAAAAAAAAAAAAAAAAAAAAAAAAkAAAAJAAAAAAAAAAHAAAAAAAAAAAAAAAAAAAAAAAAAAAAAAAAAAAAf39/ACUAAABYAAAAAAAAAAAAAAAAAAAAAAAAAAAAAAAAAAAAAAAAAAAAAAAAAAAAAAAAAAAAAAA/AAAAAAAAAKCGAQAAAAAAAAAAAAAAAAAMAAAAAQAAAAAAAAAAAAAAAAAAAB8AAABUAAAAAAAAAP///wEAAAAAAAAAAAAAAAAAAAAAAAAAAAAAAAAAAAAAAAAAAAAAAAJ/f38AAAAABsvLywDAwP8Af39/AAAAAAAAAAAAAAAAAAAAAAAAAAAAIQAAABgAAAAUAAAAWfn//xf8//+mBgAAZAkAABAAAAAmAAAACAAAAP//////////"/>
+                <pr:smNativeData xmlns:pr="smNativeData" xmlns="smNativeData" val="SMDATA_15_8sFZZRMAAAAlAAAAZgAAAA0AAAAAkAAAAEgAAACQAAAASAAAAAAAAAAAAAAAAAAAAAEAAABQAAAAAAAAAAAA8D8AAAAAAADwPwAAAAAAAOA/AAAAAAAA4D8AAAAAAADgPwAAAAAAAOA/AAAAAAAA4D8AAAAAAADgPwAAAAAAAOA/AAAAAAAA4D8CAAAAjAAAAAEAAAAAAAAAAAAAAP///wgAAAAAAAAAAAAAAAAAAAAAAAAAAAAAAAAAAAAAeAAAAAEAAABAAAAAAAAAAAAAAABaAAAAAAAAAAAAAAAAAAAAAAAAAAAAAAAAAAAAAAAAAAAAAAAAAAAAAAAAAAAAAAAAAAAAAAAAAAAAAAAAAAAAAAAAAAAAAAAAAAAAFAAAADwAAAAAAAAAAAAAAAAAAAkUAAAAAQAAABQAAAAUAAAAFAAAAAEAAAAAAAAAZAAAAGQAAAAAAAAAZAAAAGQAAAAVAAAAYAAAAAAAAAAAAAAADwAAACADAAAAAAAAAAAAAAEAAACgMgAAVgcAAKr4//8BAAAAf39/AAEAAABkAAAAAAAAABQAAABAHwAAAAAAACYAAAAAAAAAwOD//wAAAAAmAAAAZAAAABYAAABMAAAAAQAAAAAAAAAGAAAAAAAAAAEAAAAAAAANMgAAAAAAAAAAAAAAZAAAAGQAAAAAAAAAy8vLADIAAAAAAAAAAAAAAGQAAABkAAAAAAAAABcAAAAUAAAAAAAAAAAAAAD/fwAA/38AAAAAAAAJAAAABAAAAAAAAAAeAAAAaAAAAAAAAAAAAAAAAAAAAAAAAAAAAAAAECcAABAnAAAAAAAAAAAAAAAAAAAAAAAAAAAAAAAAAAAAAAAAAAAAAFIBAAAAAAAAwMD/AAAAAAAAAAAAAAAAAAAAAABkAAAAAAAAAH9/fwAKAAAAIgAAABgAAAAAAAAAAAAAAAAAAAAAAAAAAAAAAAAAAAAkAAAAJAAAAAAAAAAHAAAAAAAAAAAAAAAAAAAAAAAAAAAAAAAAAAAAf39/ACUAAABYAAAAAAAAAAAAAAAAAAAAAAAAAAAAAAAAAAAAAAAAAAAAAAAAAAAAAAAAAAAAAAA/AAAAAAAAAKCGAQAAAAAAAAAAAAAAAAAMAAAAAQAAAAAAAAAAAAAAAAAAAB8AAABUAAAAAAAAAP///wEAAAAAAAAAAAAAAAAAAAAAAAAAAAAAAAAAAAAAAAAAAAAAAAJ/f38AAAAABsvLywDAwP8Af39/AAAAAAAAAAAAAAAAAAAAAAAAAAAAIQAAABgAAAAUAAAAWfn//xf8//+mBgAAZAkAABAAAAAmAAAACAAAAP//////////"/>
               </a:ext>
             </a:extLst>
           </p:cNvSpPr>
@@ -19345,7 +19248,7 @@
           <p:cNvSpPr>
             <a:extLst>
               <a:ext uri="smNativeData">
-                <pr:smNativeData xmlns:pr="smNativeData" xmlns="smNativeData" val="SMDATA_15_37BZZRMAAAAlAAAAZgAAAA0AAAAAkAAAAEgAAACQAAAASAAAAAAAAAAAAAAAAAAAAAEAAABQAAAAAAAAAAAA8D8AAAAAAADwPwAAAAAAAOA/AAAAAAAA4D8AAAAAAADgPwAAAAAAAOA/AAAAAAAA4D8AAAAAAADgPwAAAAAAAOA/AAAAAAAA4D8CAAAAjAAAAAEAAAADAAAA0UnOAEMwnwAAAAAAAAAAAAAAAAAAAAAAAAAAAAAAAAAAAAAAeAAAAAEAAABAAAAAAAAAAGQAAAAOAQAAAAAAAAAAAAAAAAAAAAAAAAAAAAAAAAAAAAAAAAAAAAAAAAAAAAAAAAAAAAAAAAAAAAAAAAAAAAAAAAAAAAAAAAAAAAAAAAAAFAAAADwAAAAAAAAAAAAAAAAAAAkUAAAAAQAAABQAAAAUAAAAFAAAAAEAAAAAAAAAZAAAAGQAAAAAAAAAZAAAAGQAAAAVAAAAYAAAAAAAAAAAAAAADwAAACADAAAAAAAAAAAAAAEAAACgMgAAVgcAAKr4//8BAAAAf39/AAEAAABkAAAAAAAAABQAAABAHwAAAAAAACYAAAAAAAAAwOD//wAAAAAmAAAAZAAAABYAAABMAAAAAAAAAAAAAAAEAAAAAAAAAAEAAADRSc4KAAAAACgAAAAoAAAAZAAAAGQAAAAAAAAAzMzMAAAAAABQAAAAUAAAAGQAAABkAAAAAAAAABcAAAAUAAAAAAAAAAAAAAD/fwAA/38AAAAAAAAJAAAABAAAAAAAAAAeAAAAaAAAAAAAAAAAAAAAAAAAAAAAAAAAAAAAECcAABAnAAAAAAAAAAAAAAAAAAAAAAAAAAAAAAAAAAAAAAAAAAAAABQAAAAAAAAAwMD/AAAAAABkAAAAMgAAAAAAAABkAAAAAAAAAH9/fwAKAAAAIgAAABgAAAAAAAAAAAAAAAAAAAAAAAAAAAAAAAAAAAAkAAAAJAAAAAAAAAAHAAAAAAAAAAAAAAAAAAAAAAAAAAAAAAAAAAAAf39/ACUAAABYAAAAAAAAAAAAAAAAAAAAAAAAAAAAAAAAAAAAAAAAAAAAAAAAAAAAAAAAAAAAAAA/AAAAAAAAAKCGAQAAAAAAAAAAAAAAAAAMAAAAAQAAAAAAAAAAAAAAAAAAAB8AAABUAAAA0UnOAEMwnwAAAAAAAAAAAAAAAAAAAAAAAAAAAAAAAAAAAAAAAAAAAAAAAAJ/f38A0UnOA8zMzADAwP8Af39/AAAAAAAAAAAAAAAAAAAAAAAAAAAAIQAAABgAAAAUAAAAhw4AAFIDAAByEgAAPQcAABAAAAAmAAAACAAAAP//////////"/>
+                <pr:smNativeData xmlns:pr="smNativeData" xmlns="smNativeData" val="SMDATA_15_8sFZZRMAAAAlAAAAZgAAAA0AAAAAkAAAAEgAAACQAAAASAAAAAAAAAAAAAAAAAAAAAEAAABQAAAAAAAAAAAA8D8AAAAAAADwPwAAAAAAAOA/AAAAAAAA4D8AAAAAAADgPwAAAAAAAOA/AAAAAAAA4D8AAAAAAADgPwAAAAAAAOA/AAAAAAAA4D8CAAAAjAAAAAEAAAADAAAA0UnOAEMwnwAAAAAAAAAAAAAAAAAAAAAAAAAAAAAAAAAAAAAAeAAAAAEAAABAAAAAAAAAAGQAAAAOAQAAAAAAAAAAAAAAAAAAAAAAAAAAAAAAAAAAAAAAAAAAAAAAAAAAAAAAAAAAAAAAAAAAAAAAAAAAAAAAAAAAAAAAAAAAAAAAAAAAFAAAADwAAAAAAAAAAAAAAAAAAAkUAAAAAQAAABQAAAAUAAAAFAAAAAEAAAAAAAAAZAAAAGQAAAAAAAAAZAAAAGQAAAAVAAAAYAAAAAAAAAAAAAAADwAAACADAAAAAAAAAAAAAAEAAACgMgAAVgcAAKr4//8BAAAAf39/AAEAAABkAAAAAAAAABQAAABAHwAAAAAAACYAAAAAAAAAwOD//wAAAAAmAAAAZAAAABYAAABMAAAAAAAAAAAAAAAEAAAAAAAAAAEAAADRSc4KAAAAACgAAAAoAAAAZAAAAGQAAAAAAAAAzMzMAAAAAABQAAAAUAAAAGQAAABkAAAAAAAAABcAAAAUAAAAAAAAAAAAAAD/fwAA/38AAAAAAAAJAAAABAAAAAAAAAAeAAAAaAAAAAAAAAAAAAAAAAAAAAAAAAAAAAAAECcAABAnAAAAAAAAAAAAAAAAAAAAAAAAAAAAAAAAAAAAAAAAAAAAABQAAAAAAAAAwMD/AAAAAABkAAAAMgAAAAAAAABkAAAAAAAAAH9/fwAKAAAAIgAAABgAAAAAAAAAAAAAAAAAAAAAAAAAAAAAAAAAAAAkAAAAJAAAAAAAAAAHAAAAAAAAAAAAAAAAAAAAAAAAAAAAAAAAAAAAf39/ACUAAABYAAAAAAAAAAAAAAAAAAAAAAAAAAAAAAAAAAAAAAAAAAAAAAAAAAAAAAAAAAAAAAA/AAAAAAAAAKCGAQAAAAAAAAAAAAAAAAAMAAAAAQAAAAAAAAAAAAAAAAAAAB8AAABUAAAA0UnOAEMwnwAAAAAAAAAAAAAAAAAAAAAAAAAAAAAAAAAAAAAAAAAAAAAAAAJ/f38A0UnOA8zMzADAwP8Af39/AAAAAAAAAAAAAAAAAAAAAAAAAAAAIQAAABgAAAAUAAAAhw4AAFIDAAByEgAAPQcAABAAAAAmAAAACAAAAP//////////"/>
               </a:ext>
             </a:extLst>
           </p:cNvSpPr>
@@ -19383,7 +19286,7 @@
           <p:cNvSpPr>
             <a:extLst>
               <a:ext uri="smNativeData">
-                <pr:smNativeData xmlns:pr="smNativeData" xmlns="smNativeData" val="SMDATA_15_37BZZRMAAAAlAAAAZAAAAA0AAAAAjgAAAJAAAACOAAAAkAAAAAAAAAAAAAAAAAAAAAEAAABQAAAAAAAAAAAA4D8AAAAAAADgPwAAAAAAAOA/AAAAAAAA4D8AAAAAAADgPwAAAAAAAOA/AAAAAAAA4D8AAAAAAADgPwAAAAAAAOA/AAAAAAAA4D8CAAAAjAAAAAAAAAAAAAAAQzCfDP///wgAAAAAAAAAAAAAAAAAAAAAAAAAAAAAAAAAAAAAZAAAAAEAAABAAAAAAAAAAAAAAAAAAAAAAAAAAAAAAAAAAAAAAAAAAAAAAAAAAAAAAAAAAAAAAAAAAAAAAAAAAAAAAAAAAAAAAAAAAAAAAAAAAAAAAAAAAAAAAAAAAAAAFAAAADwAAAAAAAAAAAAAAAAAAAkUAAAAAQAAABQAAAAUAAAAFAAAAAEAAAAAAAAAZAAAAGQAAAAAAAAAZAAAAGQAAAAVAAAAYAAAAAAAAAAAAAAADwAAACADAAAAAAAAAAAAAAEAAACgMgAAVgcAAKr4//8BAAAAf39/AAEAAABkAAAAAAAAABQAAABAHwAAAAAAACYAAAAAAAAAwOD//wAAAAAmAAAAZAAAABYAAABMAAAAAAAAAAAAAAAEAAAAAAAAAAEAAADRSc4KAAAAACgAAAAoAAAAZAAAAGQAAAAAAAAAzMzMAAAAAABQAAAAUAAAAGQAAABkAAAAAAAAABcAAAAUAAAAAAAAAAAAAAD/fwAA/38AAAAAAAAJAAAABAAAAAAAAAAeAAAAaAAAAAAAAAAAAAAAAAAAAAAAAAAAAAAAECcAABAnAAAAAAAAAAAAAAAAAAAAAAAAAAAAAAAAAAAAAAAAAAAAABQAAAAAAAAAwMD/AAAAAABkAAAAMgAAAAAAAABkAAAAAAAAAH9/fwAKAAAAIgAAABgAAAAAAAAAAAAAAAAAAAAAAAAAAAAAAAAAAAAkAAAAJAAAAAAAAAAHAAAAAAAAAAAAAAAAAAAAAAAAAAAAAAAAAAAAf39/ACUAAABYAAAAAAAAAAAAAAAAAAAAAAAAAAAAAAAAAAAAAAAAAAAAAAAAAAAAAAAAAAAAAAA/AAAAAAAAAKCGAQAAAAAAAAAAAAAAAAAMAAAAAQAAAAAAAAAAAAAAAAAAAB8AAABUAAAAQzCfBf///wEAAAAAAAAAAAAAAAAAAAAAAAAAAAAAAAAAAAAAAAAAAAAAAAJ/f38A0UnOA8zMzADAwP8Af39/AAAAAAAAAAAAAAAAAAAAAAAAAAAAIQAAABgAAAAUAAAAchIAAKUBAAArNQAAIAcAABAAAAAmAAAACAAAAP//////////"/>
+                <pr:smNativeData xmlns:pr="smNativeData" xmlns="smNativeData" val="SMDATA_15_8sFZZRMAAAAlAAAAZAAAAA0AAAAAjgAAAJAAAACOAAAAkAAAAAAAAAAAAAAAAAAAAAEAAABQAAAAAAAAAAAA4D8AAAAAAADgPwAAAAAAAOA/AAAAAAAA4D8AAAAAAADgPwAAAAAAAOA/AAAAAAAA4D8AAAAAAADgPwAAAAAAAOA/AAAAAAAA4D8CAAAAjAAAAAAAAAAAAAAAQzCfDP///wgAAAAAAAAAAAAAAAAAAAAAAAAAAAAAAAAAAAAAZAAAAAEAAABAAAAAAAAAAAAAAAAAAAAAAAAAAAAAAAAAAAAAAAAAAAAAAAAAAAAAAAAAAAAAAAAAAAAAAAAAAAAAAAAAAAAAAAAAAAAAAAAAAAAAAAAAAAAAAAAAAAAAFAAAADwAAAAAAAAAAAAAAAAAAAkUAAAAAQAAABQAAAAUAAAAFAAAAAEAAAAAAAAAZAAAAGQAAAAAAAAAZAAAAGQAAAAVAAAAYAAAAAAAAAAAAAAADwAAACADAAAAAAAAAAAAAAEAAACgMgAAVgcAAKr4//8BAAAAf39/AAEAAABkAAAAAAAAABQAAABAHwAAAAAAACYAAAAAAAAAwOD//wAAAAAmAAAAZAAAABYAAABMAAAAAAAAAAAAAAAEAAAAAAAAAAEAAADRSc4KAAAAACgAAAAoAAAAZAAAAGQAAAAAAAAAzMzMAAAAAABQAAAAUAAAAGQAAABkAAAAAAAAABcAAAAUAAAAAAAAAAAAAAD/fwAA/38AAAAAAAAJAAAABAAAAAAAAAAeAAAAaAAAAAAAAAAAAAAAAAAAAAAAAAAAAAAAECcAABAnAAAAAAAAAAAAAAAAAAAAAAAAAAAAAAAAAAAAAAAAAAAAABQAAAAAAAAAwMD/AAAAAABkAAAAMgAAAAAAAABkAAAAAAAAAH9/fwAKAAAAIgAAABgAAAAAAAAAAAAAAAAAAAAAAAAAAAAAAAAAAAAkAAAAJAAAAAAAAAAHAAAAAAAAAAAAAAAAAAAAAAAAAAAAAAAAAAAAf39/ACUAAABYAAAAAAAAAAAAAAAAAAAAAAAAAAAAAAAAAAAAAAAAAAAAAAAAAAAAAAAAAAAAAAA/AAAAAAAAAKCGAQAAAAAAAAAAAAAAAAAMAAAAAQAAAAAAAAAAAAAAAAAAAB8AAABUAAAAQzCfBf///wEAAAAAAAAAAAAAAAAAAAAAAAAAAAAAAAAAAAAAAAAAAAAAAAJ/f38A0UnOA8zMzADAwP8Af39/AAAAAAAAAAAAAAAAAAAAAAAAAAAAIQAAABgAAAAUAAAAchIAAKUBAAArNQAAIAcAABAAAAAmAAAACAAAAP//////////"/>
               </a:ext>
             </a:extLst>
           </p:cNvSpPr>
@@ -19518,28 +19421,22 @@
           <a:chExt cx="0" cy="0"/>
         </a:xfrm>
       </p:grpSpPr>
-      <p:pic>
-        <p:nvPicPr>
-          <p:cNvPr id="2" name="Picture 3"/>
-          <p:cNvPicPr>
-            <a:extLst>
-              <a:ext uri="smNativeData">
-                <pr:smNativeData xmlns:pr="smNativeData" xmlns="smNativeData" val="SMDATA_17_37BZZRMAAAAlAAAAEQAAAA0AAAAAkAAAAEgAAACQAAAASAAAAAAAAAAAAAAAAAAAAAEAAABQAAAAAAAAAAAA4D8AAAAAAADgPwAAAAAAAOA/AAAAAAAA4D8AAAAAAADgPwAAAAAAAOA/AAAAAAAA4D8AAAAAAADgPwAAAAAAAOA/AAAAAAAA4D8CAAAAjAAAAAAAAAAAAAAAQzCfDP///wgAAAAAAAAAAAAAAAAAAAAAAAAAAAAAAAAAAAAAZAAAAAEAAABAAAAAAAAAAAAAAAAAAAAAAAAAAAAAAAAAAAAAAAAAAAAAAAAAAAAAAAAAAAAAAAAAAAAAAAAAAAAAAAAAAAAAAAAAAAAAAAAAAAAAAAAAAAAAAAAAAAAAFAAAADwAAAAAAAAAAAAAAAAAAAkUAAAAAQAAABQAAAAUAAAAFAAAAAEAAAAAAAAAZAAAAGQAAAAAAAAAZAAAAGQAAAAVAAAAYAAAAAAAAAAAAAAADwAAACADAAAAAAAAAAAAAAEAAACgMgAAVgcAAKr4//8BAAAAf39/AAEAAABkAAAAAAAAABQAAABAHwAAAAAAACYAAAAAAAAAwOD//wAAAAAmAAAAZAAAABYAAABMAAAAAAAAAAAAAAAEAAAAAAAAAAEAAADRSc4KAAAAACgAAAAoAAAAZAAAAGQAAAAAAAAAzMzMAAAAAABQAAAAUAAAAGQAAABkAAAAAAAAAAcAAAA4AAAAAAAAAAAAAAAAAAAA////AAAAAAAAAAAAAAAAAAAAAAAAAAAAAAAAAAAAAABkAAAAZAAAAAAAAAAjAAAABAAAAGQAAAAXAAAAFAAAAAAAAAAAAAAA/38AAP9/AAAAAAAACQAAAAQAAAACAgICHgAAAGgAAAAAAAAAAAAAAAAAAAAAAAAAAAAAABAnAAAQJwAAAAAAAAAAAAAAAAAAAAAAAAAAAAAAAAAAAAAAAAAAAAAUAAAAAAAAAMDA/wAAAAAAZAAAADIAAAAAAAAAZAAAAAAAAAB/f38ACgAAACIAAAAYAAAAAAAAAAAAAAAAAAAAAAAAAAAAAAAAAAAAJAAAACQAAAAAAAAABwAAAAAAAAAAAAAAAAAAAAAAAAAAAAAAAAAAAH9/fwAlAAAAWAAAAAAAAAAAAAAAAAAAAAAAAAAAAAAAAAAAAAAAAAAAAAAAAAAAAAAAAAAAAAAAPwAAAAAAAACghgEAAAAAAAAAAAAAAAAADAAAAAEAAAAAAAAAAAAAAAAAAAAfAAAAVAAAAEMwnwX///8BAAAAAAAAAAAAAAAAAAAAAAAAAAAAAAAAAAAAAAAAAAAAAAACf39/ANFJzgPMzMwAwMD/AH9/fwAAAAAAAAAAAAAAAAD///8AAAAAACEAAAAYAAAAFAAAAKErAAB1EgAAXzcAAHIdAAAQAAAAJgAAAAgAAAD//////////w=="/>
-              </a:ext>
-            </a:extLst>
-          </p:cNvPicPr>
+      <p:sp>
+        <p:nvSpPr>
+          <p:cNvPr id="2" name="CustomShape 1"/>
+          <p:cNvSpPr>
+            <a:extLst>
+              <a:ext uri="smNativeData">
+                <pr:smNativeData xmlns:pr="smNativeData" xmlns="smNativeData" val="SMDATA_15_8sFZZRMAAAAlAAAAZAAAAA0AAAAAjgAAAJAAAACOAAAAkAAAAAAAAAABAAAAAAAAAAEAAABQAAAAAAAAAAAA4D8AAAAAAADgPwAAAAAAAOA/AAAAAAAA4D8AAAAAAADgPwAAAAAAAOA/AAAAAAAA4D8AAAAAAADgPwAAAAAAAOA/AAAAAAAA4D8CAAAAjAAAAAAAAAAAAAAAQzCfDP///wgAAAAAAAAAAAAAAAAAAAAAAAAAAAAAAAAAAAAAZAAAAAEAAABAAAAAAAAAAAAAAAAAAAAAAAAAAAAAAAAAAAAAAAAAAAAAAAAAAAAAAAAAAAAAAAAAAAAAAAAAAAAAAAAAAAAAAAAAAAAAAAAAAAAAAAAAAAAAAAAAAAAAFAAAADwAAAAAAAAAAAAAAAAAAAkUAAAAAQAAABQAAAAUAAAAFAAAAAEAAAAAAAAAZAAAAGQAAAAAAAAAZAAAAGQAAAAVAAAAYAAAAAAAAAAAAAAADwAAACADAAAAAAAAAAAAAAEAAACgMgAAVgcAAKr4//8BAAAAf39/AAEAAABkAAAAAAAAABQAAABAHwAAAAAAACYAAAAAAAAAwOD//wAAAAAmAAAAZAAAABYAAABMAAAAAAAAAAAAAAAEAAAAAAAAAAEAAADRSc4KAAAAACgAAAAoAAAAZAAAAGQAAAAAAAAAzMzMAAAAAABQAAAAUAAAAGQAAABkAAAAAAAAABcAAAAUAAAAAAAAAAAAAAD/fwAA/38AAAAAAAAJAAAABAAAAAAAAAAeAAAAaAAAAAAAAAAAAAAAAAAAAAAAAAAAAAAAECcAABAnAAAAAAAAAAAAAAAAAAAAAAAAAAAAAAAAAAAAAAAAAAAAABQAAAAAAAAAwMD/AAAAAABkAAAAMgAAAAAAAABkAAAAAAAAAH9/fwAKAAAAIgAAABgAAAAAAAAAAAAAAAAAAAAAAAAAAAAAAAAAAAAkAAAAJAAAAAAAAAAHAAAAAAAAAAAAAAAAAAAAAAAAAAAAAAAAAAAAf39/ACUAAABYAAAAAAAAAAAAAAAAAAAAAAAAAAAAAAAAAAAAAAAAAAAAAAAAAAAAAAAAAAAAAAA/AAAAAAAAAKCGAQAAAAAAAAAAAAAAAAAMAAAAAQAAAAAAAAAAAAAAAAAAAB8AAABUAAAAQzCfBf///wEAAAAAAAAAAAAAAAAAAAAAAAAAAAAAAAAAAAAAAAAAAAAAAAJ/f38A0UnOA8zMzADAwP8Af39/AAAAAAAAAAAAAAAAAAAAAAAAAAAAIQAAABgAAAAUAAAAEwMAAOYDAACMMgAApAcAAAAAAAAmAAAACAAAAP//////////"/>
+              </a:ext>
+            </a:extLst>
+          </p:cNvSpPr>
           <p:nvPr/>
-        </p:nvPicPr>
-        <p:blipFill>
-          <a:blip r:embed="rId2"/>
-          <a:stretch>
-            <a:fillRect/>
-          </a:stretch>
-        </p:blipFill>
-        <p:spPr>
-          <a:xfrm>
-            <a:off x="7092315" y="3000375"/>
-            <a:ext cx="1908810" cy="1786255"/>
+        </p:nvSpPr>
+        <p:spPr>
+          <a:xfrm>
+            <a:off x="499745" y="633730"/>
+            <a:ext cx="7717155" cy="608330"/>
           </a:xfrm>
           <a:prstGeom prst="rect">
             <a:avLst/>
@@ -19550,38 +19447,31 @@
           </a:ln>
           <a:effectLst/>
         </p:spPr>
-      </p:pic>
-      <p:sp>
-        <p:nvSpPr>
-          <p:cNvPr id="3" name="CustomShape 1"/>
-          <p:cNvSpPr>
-            <a:extLst>
-              <a:ext uri="smNativeData">
-                <pr:smNativeData xmlns:pr="smNativeData" xmlns="smNativeData" val="SMDATA_15_37BZZRMAAAAlAAAAZAAAAA0AAAAAjgAAAJAAAACOAAAAkAAAAAAAAAABAAAAAAAAAAEAAABQAAAAAAAAAAAA4D8AAAAAAADgPwAAAAAAAOA/AAAAAAAA4D8AAAAAAADgPwAAAAAAAOA/AAAAAAAA4D8AAAAAAADgPwAAAAAAAOA/AAAAAAAA4D8CAAAAjAAAAAAAAAAAAAAAQzCfDP///wgAAAAAAAAAAAAAAAAAAAAAAAAAAAAAAAAAAAAAZAAAAAEAAABAAAAAAAAAAAAAAAAAAAAAAAAAAAAAAAAAAAAAAAAAAAAAAAAAAAAAAAAAAAAAAAAAAAAAAAAAAAAAAAAAAAAAAAAAAAAAAAAAAAAAAAAAAAAAAAAAAAAAFAAAADwAAAAAAAAAAAAAAAAAAAkUAAAAAQAAABQAAAAUAAAAFAAAAAEAAAAAAAAAZAAAAGQAAAAAAAAAZAAAAGQAAAAVAAAAYAAAAAAAAAAAAAAADwAAACADAAAAAAAAAAAAAAEAAACgMgAAVgcAAKr4//8BAAAAf39/AAEAAABkAAAAAAAAABQAAABAHwAAAAAAACYAAAAAAAAAwOD//wAAAAAmAAAAZAAAABYAAABMAAAAAAAAAAAAAAAEAAAAAAAAAAEAAADRSc4KAAAAACgAAAAoAAAAZAAAAGQAAAAAAAAAzMzMAAAAAABQAAAAUAAAAGQAAABkAAAAAAAAABcAAAAUAAAAAAAAAAAAAAD/fwAA/38AAAAAAAAJAAAABAAAAL04AAAeAAAAaAAAAAAAAAAAAAAAAAAAAAAAAAAAAAAAECcAABAnAAAAAAAAAAAAAAAAAAAAAAAAAAAAAAAAAAAAAAAAAAAAABQAAAAAAAAAwMD/AAAAAABkAAAAMgAAAAAAAABkAAAAAAAAAH9/fwAKAAAAIgAAABgAAAAAAAAAAAAAAAAAAAAAAAAAAAAAAAAAAAAkAAAAJAAAAAAAAAAHAAAAAAAAAAAAAAAAAAAAAAAAAAAAAAAAAAAAf39/ACUAAABYAAAAAAAAAAAAAAAAAAAAAAAAAAAAAAAAAAAAAAAAAAAAAAAAAAAAAAAAAAAAAAA/AAAAAAAAAKCGAQAAAAAAAAAAAAAAAAAMAAAAAQAAAAAAAAAAAAAAAAAAAB8AAABUAAAAQzCfBf///wEAAAAAAAAAAAAAAAAAAAAAAAAAAAAAAAAAAAAAAAAAAAAAAAJ/f38A0UnOA8zMzADAwP8Af39/AAAAAAAAAAAAAAAAAAAAAAAAAAAAIQAAABgAAAAUAAAAhAMAAIQDAAD8MgAAcwYAABAAAAAmAAAACAAAAP//////////"/>
-              </a:ext>
-            </a:extLst>
-          </p:cNvSpPr>
-          <p:nvPr/>
-        </p:nvSpPr>
-        <p:spPr>
-          <a:xfrm>
-            <a:off x="571500" y="571500"/>
-            <a:ext cx="7716520" cy="476885"/>
-          </a:xfrm>
-          <a:prstGeom prst="rect">
-            <a:avLst/>
-          </a:prstGeom>
-          <a:noFill/>
-          <a:ln>
-            <a:noFill/>
-          </a:ln>
-          <a:effectLst/>
-        </p:spPr>
         <p:txBody>
           <a:bodyPr vert="horz" wrap="square" lIns="90170" tIns="91440" rIns="90170" bIns="91440" numCol="1" spcCol="215900" anchor="ctr"/>
           <a:lstStyle/>
           <a:p>
             <a:pPr>
+              <a:lnSpc>
+                <a:spcPct val="100000"/>
+              </a:lnSpc>
+              <a:defRPr lang="ru-ru" cap="none">
+                <a:latin typeface="Arial" pitchFamily="2" charset="-52"/>
+                <a:ea typeface="DejaVu Sans" pitchFamily="0" charset="0"/>
+                <a:cs typeface="DejaVu Sans" pitchFamily="0" charset="0"/>
+              </a:defRPr>
+            </a:pPr>
+            <a:endParaRPr lang="ru-ru" sz="3000" b="1" cap="none">
+              <a:solidFill>
+                <a:srgbClr val="000000"/>
+              </a:solidFill>
+              <a:latin typeface="Poppins SemiBold" pitchFamily="0" charset="0"/>
+              <a:ea typeface="Poppins SemiBold" pitchFamily="0" charset="0"/>
+              <a:cs typeface="DejaVu Sans" pitchFamily="0" charset="0"/>
+            </a:endParaRPr>
+          </a:p>
+          <a:p>
+            <a:pPr algn="ctr">
               <a:lnSpc>
                 <a:spcPct val="100000"/>
               </a:lnSpc>
@@ -19600,19 +19490,69 @@
                 <a:ea typeface="Poppins SemiBold" pitchFamily="0" charset="0"/>
                 <a:cs typeface="DejaVu Sans" pitchFamily="0" charset="0"/>
               </a:rPr>
-              <a:t>Перспективы развития</a:t>
+              <a:t>Пример возможной </a:t>
             </a:r>
-            <a:endParaRPr lang="ru-ru" sz="3000" cap="none"/>
+            <a:endParaRPr lang="ru-ru" sz="3000" b="1" cap="none">
+              <a:solidFill>
+                <a:srgbClr val="000000"/>
+              </a:solidFill>
+              <a:latin typeface="Poppins SemiBold" pitchFamily="0" charset="0"/>
+              <a:ea typeface="Poppins SemiBold" pitchFamily="0" charset="0"/>
+              <a:cs typeface="DejaVu Sans" pitchFamily="0" charset="0"/>
+            </a:endParaRPr>
+          </a:p>
+          <a:p>
+            <a:pPr algn="ctr">
+              <a:lnSpc>
+                <a:spcPct val="100000"/>
+              </a:lnSpc>
+              <a:defRPr lang="ru-ru" cap="none">
+                <a:latin typeface="Arial" pitchFamily="2" charset="-52"/>
+                <a:ea typeface="DejaVu Sans" pitchFamily="0" charset="0"/>
+                <a:cs typeface="DejaVu Sans" pitchFamily="0" charset="0"/>
+              </a:defRPr>
+            </a:pPr>
+            <a:r>
+              <a:rPr lang="ru-ru" sz="3000" b="1" cap="none">
+                <a:solidFill>
+                  <a:srgbClr val="000000"/>
+                </a:solidFill>
+                <a:latin typeface="Poppins SemiBold" pitchFamily="0" charset="0"/>
+                <a:ea typeface="Poppins SemiBold" pitchFamily="0" charset="0"/>
+                <a:cs typeface="DejaVu Sans" pitchFamily="0" charset="0"/>
+              </a:rPr>
+              <a:t>геймификации чат-бота:</a:t>
+            </a:r>
+            <a:endParaRPr lang="ru-ru" sz="3000" b="1" cap="none">
+              <a:solidFill>
+                <a:srgbClr val="000000"/>
+              </a:solidFill>
+              <a:latin typeface="Poppins SemiBold" pitchFamily="0" charset="0"/>
+              <a:ea typeface="Poppins SemiBold" pitchFamily="0" charset="0"/>
+              <a:cs typeface="DejaVu Sans" pitchFamily="0" charset="0"/>
+            </a:endParaRPr>
+          </a:p>
+          <a:p>
+            <a:pPr>
+              <a:lnSpc>
+                <a:spcPct val="100000"/>
+              </a:lnSpc>
+              <a:defRPr lang="ru-ru" cap="none">
+                <a:latin typeface="Arial" pitchFamily="2" charset="-52"/>
+                <a:ea typeface="DejaVu Sans" pitchFamily="0" charset="0"/>
+                <a:cs typeface="DejaVu Sans" pitchFamily="0" charset="0"/>
+              </a:defRPr>
+            </a:pPr>
           </a:p>
         </p:txBody>
       </p:sp>
       <p:sp>
         <p:nvSpPr>
-          <p:cNvPr id="4" name="CustomShape 2"/>
-          <p:cNvSpPr>
-            <a:extLst>
-              <a:ext uri="smNativeData">
-                <pr:smNativeData xmlns:pr="smNativeData" xmlns="smNativeData" val="SMDATA_15_37BZZRMAAAAlAAAAZgAAAA0AAAAAkAAAAEgAAACQAAAASAAAAAAAAAAAAAAAAAAAAAEAAABQAAAAAAAAAAAA8D8AAAAAAADwPwAAAAAAAOA/AAAAAAAA4D8AAAAAAADgPwAAAAAAAOA/AAAAAAAA4D8AAAAAAADgPwAAAAAAAOA/AAAAAAAA4D8CAAAAjAAAAAEAAAAAAAAAAAAAAP///wgAAAAAAAAAAAAAAAAAAAAAAAAAAAAAAAAAAAAAeAAAAAEAAABAAAAAAAAAAAAAAABaAAAAAAAAAAAAAAAAAAAAAAAAAAAAAAAAAAAAAAAAAAAAAAAAAAAAAAAAAAAAAAAAAAAAAAAAAAAAAAAAAAAAAAAAAAAAAAAAAAAAFAAAADwAAAAAAAAAAAAAAAAAAAkUAAAAAQAAABQAAAAUAAAAFAAAAAEAAAAAAAAAZAAAAGQAAAAAAAAAZAAAAGQAAAAVAAAAYAAAAAAAAAAAAAAADwAAACADAAAAAAAAAAAAAAEAAACgMgAAVgcAAKr4//8BAAAAf39/AAEAAABkAAAAAAAAABQAAABAHwAAAAAAACYAAAAAAAAAwOD//wAAAAAmAAAAZAAAABYAAABMAAAAAQAAAAAAAAAGAAAAAAAAAAEAAAAAAAANMgAAAAAAAAAAAAAAZAAAAGQAAAAAAAAAy8vLADIAAAAAAAAAAAAAAGQAAABkAAAAAAAAABcAAAAUAAAAAAAAAAAAAAD/fwAA/38AAAAAAAAJAAAABAAAAAAAAAAeAAAAaAAAAAAAAAAAAAAAAAAAAAAAAAAAAAAAECcAABAnAAAAAAAAAAAAAAAAAAAAAAAAAAAAAAAAAAAAAAAAAAAAAFIBAAAAAAAAwMD/AAAAAAAAAAAAAAAAAAAAAABkAAAAAAAAAH9/fwAKAAAAIgAAABgAAAAAAAAAAAAAAAAAAAAAAAAAAAAAAAAAAAAkAAAAJAAAAAAAAAAHAAAAAAAAAAAAAAAAAAAAAAAAAAAAAAAAAAAAf39/ACUAAABYAAAAAAAAAAAAAAAAAAAAAAAAAAAAAAAAAAAAAAAAAAAAAAAAAAAAAAAAAAAAAAA/AAAAAAAAAKCGAQAAAAAAAAAAAAAAAAAMAAAAAQAAAAAAAAAAAAAAAAAAAB8AAABUAAAAAAAAAP///wEAAAAAAAAAAAAAAAAAAAAAAAAAAAAAAAAAAAAAAAAAAAAAAAJ/f38AAAAABsvLywDAwP8Af39/AAAAAAAAAAAAAAAAAAAAAAAAAAAAIQAAABgAAAAUAAAA9S8AAC77//9CPQAAewgAABAAAAAmAAAACAAAAP//////////"/>
+          <p:cNvPr id="3" name="CustomShape 2"/>
+          <p:cNvSpPr>
+            <a:extLst>
+              <a:ext uri="smNativeData">
+                <pr:smNativeData xmlns:pr="smNativeData" xmlns="smNativeData" val="SMDATA_15_8sFZZRMAAAAlAAAAZgAAAA0AAAAAkAAAAEgAAACQAAAASAAAAAAAAAAAAAAAAAAAAAEAAABQAAAAAAAAAAAA8D8AAAAAAADwPwAAAAAAAOA/AAAAAAAA4D8AAAAAAADgPwAAAAAAAOA/AAAAAAAA4D8AAAAAAADgPwAAAAAAAOA/AAAAAAAA4D8CAAAAjAAAAAEAAAAAAAAAAAAAAP///wgAAAAAAAAAAAAAAAAAAAAAAAAAAAAAAAAAAAAAeAAAAAEAAABAAAAAAAAAAAAAAABaAAAAAAAAAAAAAAAAAAAAAAAAAAAAAAAAAAAAAAAAAAAAAAAAAAAAAAAAAAAAAAAAAAAAAAAAAAAAAAAAAAAAAAAAAAAAAAAAAAAAFAAAADwAAAAAAAAAAAAAAAAAAAkUAAAAAQAAABQAAAAUAAAAFAAAAAEAAAAAAAAAZAAAAGQAAAAAAAAAZAAAAGQAAAAVAAAAYAAAAAAAAAAAAAAADwAAACADAAAAAAAAAAAAAAEAAACgMgAAVgcAAKr4//8BAAAAf39/AAEAAABkAAAAAAAAABQAAABAHwAAAAAAACYAAAAAAAAAwOD//wAAAAAmAAAAZAAAABYAAABMAAAAAQAAAAAAAAAGAAAAAAAAAAEAAAAAAAANMgAAAAAAAAAAAAAAZAAAAGQAAAAAAAAAy8vLADIAAAAAAAAAAAAAAGQAAABkAAAAAAAAABcAAAAUAAAAAAAAAAAAAAD/fwAA/38AAAAAAAAJAAAABAAAAAAAAAAeAAAAaAAAAAAAAAAAAAAAAAAAAAAAAAAAAAAAECcAABAnAAAAAAAAAAAAAAAAAAAAAAAAAAAAAAAAAAAAAAAAAAAAAFIBAAAAAAAAwMD/AAAAAAAAAAAAAAAAAAAAAABkAAAAAAAAAH9/fwAKAAAAIgAAABgAAAAAAAAAAAAAAAAAAAAAAAAAAAAAAAAAAAAkAAAAJAAAAAAAAAAHAAAAAAAAAAAAAAAAAAAAAAAAAAAAAAAAAAAAf39/ACUAAABYAAAAAAAAAAAAAAAAAAAAAAAAAAAAAAAAAAAAAAAAAAAAAAAAAAAAAAAAAAAAAAA/AAAAAAAAAKCGAQAAAAAAAAAAAAAAAAAMAAAAAQAAAAAAAAAAAAAAAAAAAB8AAABUAAAAAAAAAP///wEAAAAAAAAAAAAAAAAAAAAAAAAAAAAAAAAAAAAAAAAAAAAAAAJ/f38AAAAABsvLywDAwP8Af39/AAAAAAAAAAAAAAAAAAAAAAAAAAAAIQAAABgAAAAUAAAA9S8AAC77//9CPQAAewgAABAAAAAmAAAACAAAAP//////////"/>
               </a:ext>
             </a:extLst>
           </p:cNvSpPr>
@@ -19643,11 +19583,11 @@
       </p:sp>
       <p:sp>
         <p:nvSpPr>
-          <p:cNvPr id="5" name="CustomShape 3"/>
-          <p:cNvSpPr>
-            <a:extLst>
-              <a:ext uri="smNativeData">
-                <pr:smNativeData xmlns:pr="smNativeData" xmlns="smNativeData" val="SMDATA_15_37BZZRMAAAAlAAAAZgAAAA0AAAAAkAAAAEgAAACQAAAASAAAAAAAAAAAAAAAAAAAAAEAAABQAAAAAAAAAAAA8D8AAAAAAADwPwAAAAAAAOA/AAAAAAAA4D8AAAAAAADgPwAAAAAAAOA/AAAAAAAA4D8AAAAAAADgPwAAAAAAAOA/AAAAAAAA4D8CAAAAjAAAAAEAAAADAAAA0UnOAEMwnwAAAAAAAAAAAAAAAAAAAAAAAAAAAAAAAAAAAAAAeAAAAAEAAABAAAAAAAAAAGQAAAAOAQAAAAAAAAAAAAAAAAAAAAAAAAAAAAAAAAAAAAAAAAAAAAAAAAAAAAAAAAAAAAAAAAAAAAAAAAAAAAAAAAAAAAAAAAAAAAAAAAAAFAAAADwAAAAAAAAAAAAAAAAAAAkUAAAAAQAAABQAAAAUAAAAFAAAAAEAAAAAAAAAZAAAAGQAAAAAAAAAZAAAAGQAAAAVAAAAYAAAAAAAAAAAAAAADwAAACADAAAAAAAAAAAAAAEAAACgMgAAVgcAAKr4//8BAAAAf39/AAEAAABkAAAAAAAAABQAAABAHwAAAAAAACYAAAAAAAAAwOD//wAAAAAmAAAAZAAAABYAAABMAAAAAAAAAAAAAAAEAAAAAAAAAAEAAADRSc4KAAAAACgAAAAoAAAAZAAAAGQAAAAAAAAAzMzMAAAAAABQAAAAUAAAAGQAAABkAAAAAAAAABcAAAAUAAAAAAAAAAAAAAD/fwAA/38AAAAAAAAJAAAABAAAAAAAAAAeAAAAaAAAAAAAAAAAAAAAAAAAAAAAAAAAAAAAECcAABAnAAAAAAAAAAAAAAAAAAAAAAAAAAAAAAAAAAAAAAAAAAAAABQAAAAAAAAAwMD/AAAAAABkAAAAMgAAAAAAAABkAAAAAAAAAH9/fwAKAAAAIgAAABgAAAAAAAAAAAAAAAAAAAAAAAAAAAAAAAAAAAAkAAAAJAAAAAAAAAAHAAAAAAAAAAAAAAAAAAAAAAAAAAAAAAAAAAAAf39/ACUAAABYAAAAAAAAAAAAAAAAAAAAAAAAAAAAAAAAAAAAAAAAAAAAAAAAAAAAAAAAAAAAAAA/AAAAAAAAAKCGAQAAAAAAAAAAAAAAAAAMAAAAAQAAAAAAAAAAAAAAAAAAAB8AAABUAAAA0UnOAEMwnwAAAAAAAAAAAAAAAAAAAAAAAAAAAAAAAAAAAAAAAAAAAAAAAAJ/f38A0UnOA8zMzADAwP8Af39/AAAAAAAAAAAAAAAAAAAAAAAAAAAAIQAAABgAAAAUAAAAlS4AAFEBAACAMgAAPAUAABAAAAAmAAAACAAAAP//////////"/>
+          <p:cNvPr id="4" name="CustomShape 3"/>
+          <p:cNvSpPr>
+            <a:extLst>
+              <a:ext uri="smNativeData">
+                <pr:smNativeData xmlns:pr="smNativeData" xmlns="smNativeData" val="SMDATA_15_8sFZZRMAAAAlAAAAZgAAAA0AAAAAkAAAAEgAAACQAAAASAAAAAAAAAAAAAAAAAAAAAEAAABQAAAAAAAAAAAA8D8AAAAAAADwPwAAAAAAAOA/AAAAAAAA4D8AAAAAAADgPwAAAAAAAOA/AAAAAAAA4D8AAAAAAADgPwAAAAAAAOA/AAAAAAAA4D8CAAAAjAAAAAEAAAADAAAA0UnOAEMwnwAAAAAAAAAAAAAAAAAAAAAAAAAAAAAAAAAAAAAAeAAAAAEAAABAAAAAAAAAAGQAAAAOAQAAAAAAAAAAAAAAAAAAAAAAAAAAAAAAAAAAAAAAAAAAAAAAAAAAAAAAAAAAAAAAAAAAAAAAAAAAAAAAAAAAAAAAAAAAAAAAAAAAFAAAADwAAAAAAAAAAAAAAAAAAAkUAAAAAQAAABQAAAAUAAAAFAAAAAEAAAAAAAAAZAAAAGQAAAAAAAAAZAAAAGQAAAAVAAAAYAAAAAAAAAAAAAAADwAAACADAAAAAAAAAAAAAAEAAACgMgAAVgcAAKr4//8BAAAAf39/AAEAAABkAAAAAAAAABQAAABAHwAAAAAAACYAAAAAAAAAwOD//wAAAAAmAAAAZAAAABYAAABMAAAAAAAAAAAAAAAEAAAAAAAAAAEAAADRSc4KAAAAACgAAAAoAAAAZAAAAGQAAAAAAAAAzMzMAAAAAABQAAAAUAAAAGQAAABkAAAAAAAAABcAAAAUAAAAAAAAAAAAAAD/fwAA/38AAAAAAAAJAAAABAAAAAAAAAAeAAAAaAAAAAAAAAAAAAAAAAAAAAAAAAAAAAAAECcAABAnAAAAAAAAAAAAAAAAAAAAAAAAAAAAAAAAAAAAAAAAAAAAABQAAAAAAAAAwMD/AAAAAABkAAAAMgAAAAAAAABkAAAAAAAAAH9/fwAKAAAAIgAAABgAAAAAAAAAAAAAAAAAAAAAAAAAAAAAAAAAAAAkAAAAJAAAAAAAAAAHAAAAAAAAAAAAAAAAAAAAAAAAAAAAAAAAAAAAf39/ACUAAABYAAAAAAAAAAAAAAAAAAAAAAAAAAAAAAAAAAAAAAAAAAAAAAAAAAAAAAAAAAAAAAA/AAAAAAAAAKCGAQAAAAAAAAAAAAAAAAAMAAAAAQAAAAAAAAAAAAAAAAAAAB8AAABUAAAA0UnOAEMwnwAAAAAAAAAAAAAAAAAAAAAAAAAAAAAAAAAAAAAAAAAAAAAAAAJ/f38A0UnOA8zMzADAwP8Af39/AAAAAAAAAAAAAAAAAAAAAAAAAAAAIQAAABgAAAAUAAAAlS4AAFEBAACAMgAAPAUAABAAAAAmAAAACAAAAP//////////"/>
               </a:ext>
             </a:extLst>
           </p:cNvSpPr>
@@ -19681,11 +19621,11 @@
       </p:sp>
       <p:sp>
         <p:nvSpPr>
-          <p:cNvPr id="6" name="CustomShape 4"/>
-          <p:cNvSpPr>
-            <a:extLst>
-              <a:ext uri="smNativeData">
-                <pr:smNativeData xmlns:pr="smNativeData" xmlns="smNativeData" val="SMDATA_15_37BZZRMAAAAlAAAAZAAAAA0AAAAAjgAAAJAAAACOAAAAkAAAAAAAAAAAAAAAAAAAAAEAAABQAAAAAAAAAAAA4D8AAAAAAADgPwAAAAAAAOA/AAAAAAAA4D8AAAAAAADgPwAAAAAAAOA/AAAAAAAA4D8AAAAAAADgPwAAAAAAAOA/AAAAAAAA4D8CAAAAjAAAAAAAAAAAAAAAQzCfDP///wgAAAAAAAAAAAAAAAAAAAAAAAAAAAAAAAAAAAAAZAAAAAEAAABAAAAAAAAAAAAAAAAAAAAAAAAAAAAAAAAAAAAAAAAAAAAAAAAAAAAAAAAAAAAAAAAAAAAAAAAAAAAAAAAAAAAAAAAAAAAAAAAAAAAAAAAAAAAAAAAAAAAAFAAAADwAAAAAAAAAAAAAAAAAAAkUAAAAAQAAABQAAAAUAAAAFAAAAAEAAAAAAAAAZAAAAGQAAAAAAAAAZAAAAGQAAAAVAAAAYAAAAAAAAAAAAAAADwAAACADAAAAAAAAAAAAAAEAAACgMgAAVgcAAKr4//8BAAAAf39/AAEAAABkAAAAAAAAABQAAABAHwAAAAAAACYAAAAAAAAAwOD//wAAAAAmAAAAZAAAABYAAABMAAAAAAAAAAAAAAAEAAAAAAAAAAEAAADRSc4KAAAAACgAAAAoAAAAZAAAAGQAAAAAAAAAzMzMAAAAAABQAAAAUAAAAGQAAABkAAAAAAAAABcAAAAUAAAAAAAAAAAAAAD/fwAA/38AAAAAAAAJAAAABAAAAAAAAAAeAAAAaAAAAAAAAAAAAAAAAAAAAAAAAAAAAAAAECcAABAnAAAAAAAAAAAAAAAAAAAAAAAAAAAAAAAAAAAAAAAAAAAAABQAAAAAAAAAwMD/AAAAAABkAAAAMgAAAAAAAABkAAAAAAAAAH9/fwAKAAAAIgAAABgAAAAAAAAAAAAAAAAAAAAAAAAAAAAAAAAAAAAkAAAAJAAAAAAAAAAHAAAAAAAAAAAAAAAAAAAAAAAAAAAAAAAAAAAAf39/ACUAAABYAAAAAAAAAAAAAAAAAAAAAAAAAAAAAAAAAAAAAAAAAAAAAAAAAAAAAAAAAAAAAAA/AAAAAAAAAKCGAQAAAAAAAAAAAAAAAAAMAAAAAQAAAAAAAAAAAAAAAAAAAB8AAABUAAAAQzCfBf///wEAAAAAAAAAAAAAAAAAAAAAAAAAAAAAAAAAAAAAAAAAAAAAAAJ/f38A0UnOA8zMzADAwP8Af39/AAAAAAAAAAAAAAAAAAAAAAAAAAAAIQAAABgAAAAUAAAAPQMAAKsHAAC0MgAASwsAABAAAAAmAAAACAAAAP//////////"/>
+          <p:cNvPr id="5" name="CustomShape 4"/>
+          <p:cNvSpPr>
+            <a:extLst>
+              <a:ext uri="smNativeData">
+                <pr:smNativeData xmlns:pr="smNativeData" xmlns="smNativeData" val="SMDATA_15_8sFZZRMAAAAlAAAAZAAAAA0AAAAAkAAAAEgAAACQAAAASAAAAAAAAAAAAAAAAAAAAAEAAABQAAAAAAAAAAAA4D8AAAAAAADgPwAAAAAAAOA/AAAAAAAA4D8AAAAAAADgPwAAAAAAAOA/AAAAAAAA4D8AAAAAAADgPwAAAAAAAOA/AAAAAAAA4D8CAAAAjAAAAAAAAAAAAAAAQzCfDP///wgAAAAAAAAAAAAAAAAAAAAAAAAAAAAAAAAAAAAAZAAAAAEAAABAAAAAAAAAAAAAAAAAAAAAAAAAAAAAAAAAAAAAAAAAAAAAAAAAAAAAAAAAAAAAAAAAAAAAAAAAAAAAAAAAAAAAAAAAAAAAAAAAAAAAAAAAAAAAAAAAAAAAFAAAADwAAAAAAAAAAAAAAAAAAAkUAAAAAQAAABQAAAAUAAAAFAAAAAEAAAAAAAAAZAAAAGQAAAAAAAAAZAAAAGQAAAAVAAAAYAAAAAAAAAAAAAAADwAAACADAAAAAAAAAAAAAAEAAACgMgAAVgcAAKr4//8BAAAAf39/AAEAAABkAAAAAAAAABQAAABAHwAAAAAAACYAAAAAAAAAwOD//wAAAAAmAAAAZAAAABYAAABMAAAAAAAAAAAAAAAEAAAAAAAAAAEAAADRSc4KAAAAACgAAAAoAAAAZAAAAGQAAAAAAAAAzMzMAAAAAABQAAAAUAAAAGQAAABkAAAAAAAAABcAAAAUAAAAAAAAAAAAAAD/fwAA/38AAAAAAAAJAAAABAAAAAAAAAAeAAAAaAAAAAAAAAAAAAAAAAAAAAAAAAAAAAAAECcAABAnAAAAAAAAAAAAAAAAAAAAAAAAAAAAAAAAAAAAAAAAAAAAABQAAAAAAAAAwMD/AAAAAABkAAAAMgAAAAAAAABkAAAAAAAAAH9/fwAKAAAAIgAAABgAAAAAAAAAAAAAAAAAAAAAAAAAAAAAAAAAAAAkAAAAJAAAAAAAAAAHAAAAAAAAAAAAAAAAAAAAAAAAAAAAAAAAAAAAf39/ACUAAABYAAAAAAAAAAAAAAAAAAAAAAAAAAAAAAAAAAAAAAAAAAAAAAAAAAAAAAAAAAAAAAA/AAAAAAAAAKCGAQAAAAAAAAAAAAAAAAAMAAAAAQAAAAAAAAAAAAAAAAAAAB8AAABUAAAAQzCfBf///wEAAAAAAAAAAAAAAAAAAAAAAAAAAAAAAAAAAAAAAAAAAAAAAAJ/f38A0UnOA8zMzADAwP8Af39/AAAAAAAAAAAAAAAAAAAAAAAAAAAAIQAAABgAAAAUAAAA9QAAAB3////UAgAA/AAAABAAAAAmAAAACAAAAP//////////"/>
               </a:ext>
             </a:extLst>
           </p:cNvSpPr>
@@ -19693,8 +19633,8 @@
         </p:nvSpPr>
         <p:spPr>
           <a:xfrm>
-            <a:off x="526415" y="1246505"/>
-            <a:ext cx="7715885" cy="589280"/>
+            <a:off x="155575" y="-144145"/>
+            <a:ext cx="304165" cy="304165"/>
           </a:xfrm>
           <a:prstGeom prst="rect">
             <a:avLst/>
@@ -19705,171 +19645,211 @@
           </a:ln>
           <a:effectLst/>
         </p:spPr>
+      </p:sp>
+      <p:sp>
+        <p:nvSpPr>
+          <p:cNvPr id="6" name="CustomShape 5"/>
+          <p:cNvSpPr>
+            <a:extLst>
+              <a:ext uri="smNativeData">
+                <pr:smNativeData xmlns:pr="smNativeData" xmlns="smNativeData" val="SMDATA_15_8sFZZRMAAAAlAAAAZAAAAA0AAAAAkAAAAEgAAACQAAAASAAAAAAAAAAAAAAAAAAAAAEAAABQAAAAAAAAAAAA4D8AAAAAAADgPwAAAAAAAOA/AAAAAAAA4D8AAAAAAADgPwAAAAAAAOA/AAAAAAAA4D8AAAAAAADgPwAAAAAAAOA/AAAAAAAA4D8CAAAAjAAAAAAAAAAAAAAAQzCfDP///wgAAAAAAAAAAAAAAAAAAAAAAAAAAAAAAAAAAAAAZAAAAAEAAABAAAAAAAAAAAAAAAAAAAAAAAAAAAAAAAAAAAAAAAAAAAAAAAAAAAAAAAAAAAAAAAAAAAAAAAAAAAAAAAAAAAAAAAAAAAAAAAAAAAAAAAAAAAAAAAAAAAAAFAAAADwAAAAAAAAAAAAAAAAAAAkUAAAAAQAAABQAAAAUAAAAFAAAAAEAAAAAAAAAZAAAAGQAAAAAAAAAZAAAAGQAAAAVAAAAYAAAAAAAAAAAAAAADwAAACADAAAAAAAAAAAAAAEAAACgMgAAVgcAAKr4//8BAAAAf39/AAEAAABkAAAAAAAAABQAAABAHwAAAAAAACYAAAAAAAAAwOD//wAAAAAmAAAAZAAAABYAAABMAAAAAAAAAAAAAAAEAAAAAAAAAAEAAADRSc4KAAAAACgAAAAoAAAAZAAAAGQAAAAAAAAAzMzMAAAAAABQAAAAUAAAAGQAAABkAAAAAAAAABcAAAAUAAAAAAAAAAAAAAD/fwAA/38AAAAAAAAJAAAABAAAAAAAAAAeAAAAaAAAAAAAAAAAAAAAAAAAAAAAAAAAAAAAECcAABAnAAAAAAAAAAAAAAAAAAAAAAAAAAAAAAAAAAAAAAAAAAAAABQAAAAAAAAAwMD/AAAAAABkAAAAMgAAAAAAAABkAAAAAAAAAH9/fwAKAAAAIgAAABgAAAAAAAAAAAAAAAAAAAAAAAAAAAAAAAAAAAAkAAAAJAAAAAAAAAAHAAAAAAAAAAAAAAAAAAAAAAAAAAAAAAAAAAAAf39/ACUAAABYAAAAAAAAAAAAAAAAAAAAAAAAAAAAAAAAAAAAAAAAAAAAAAAAAAAAAAAAAAAAAAA/AAAAAAAAAKCGAQAAAAAAAAAAAAAAAAAMAAAAAQAAAAAAAAAAAAAAAAAAAB8AAABUAAAAQzCfBf///wEAAAAAAAAAAAAAAAAAAAAAAAAAAAAAAAAAAAAAAAAAAAAAAAJ/f38A0UnOA8zMzADAwP8Af39/AAAAAAAAAAAAAAAAAAAAAAAAAAAAIQAAABgAAAAUAAAA9QAAAB3////UAgAA/AAAABAAAAAmAAAACAAAAP//////////"/>
+              </a:ext>
+            </a:extLst>
+          </p:cNvSpPr>
+          <p:nvPr/>
+        </p:nvSpPr>
+        <p:spPr>
+          <a:xfrm>
+            <a:off x="155575" y="-144145"/>
+            <a:ext cx="304165" cy="304165"/>
+          </a:xfrm>
+          <a:prstGeom prst="rect">
+            <a:avLst/>
+          </a:prstGeom>
+          <a:noFill/>
+          <a:ln>
+            <a:noFill/>
+          </a:ln>
+          <a:effectLst/>
+        </p:spPr>
+      </p:sp>
+      <p:pic>
+        <p:nvPicPr>
+          <p:cNvPr id="7" name="Picture 2"/>
+          <p:cNvPicPr>
+            <a:picLocks noChangeAspect="1"/>
+            <a:extLst>
+              <a:ext uri="smNativeData">
+                <pr:smNativeData xmlns:pr="smNativeData" xmlns="smNativeData" val="SMDATA_17_8sFZZRMAAAAlAAAAEQAAAC0AAAAAkAAAAEgAAACQAAAASAAAAAAAAAAAAAAAAAAAAAEAAABQAAAAAAAAAAAA4D8AAAAAAADgPwAAAAAAAOA/AAAAAAAA4D8AAAAAAADgPwAAAAAAAOA/AAAAAAAA4D8AAAAAAADgPwAAAAAAAOA/AAAAAAAA4D8CAAAAjAAAAAAAAAAAAAAAQzCfDP///wgAAAAAAAAAAAAAAAAAAAAAAAAAAAAAAAAAAAAAZAAAAAEAAABAAAAAAAAAAAAAAAAAAAAAAAAAAAAAAAAAAAAAAAAAAAAAAAAAAAAAAAAAAAAAAAAAAAAAAAAAAAAAAAAAAAAAAAAAAAAAAAAAAAAAAAAAAAAAAAAAAAAAFAAAADwAAAAAAAAAAAAAAAAAAAkUAAAAAQAAABQAAAAUAAAAFAAAAAEAAAAAAAAAZAAAAGQAAAAAAAAAZAAAAGQAAAAVAAAAYAAAAAAAAAAAAAAADwAAACADAAAAAAAAAAAAAAEAAACgMgAAVgcAAKr4//8BAAAAf39/AAEAAABkAAAAAAAAABQAAABAHwAAAAAAACYAAAAAAAAAwOD//wAAAAAmAAAAZAAAABYAAABMAAAAAAAAAAAAAAAEAAAAAAAAAAEAAADRSc4KAAAAACgAAAAoAAAAZAAAAGQAAAAAAAAAzMzMAAAAAABQAAAAUAAAAGQAAABkAAAAAAAAAAcAAAA4AAAAAAAAAAAAAAAAAAAA////AAAAAAAAAAAAAAAAAAAAAAAAAAAAAAAAAAAAAABkAAAAZAAAAAAAAAAjAAAABAAAAGQAAAAXAAAAFAAAAAAAAAAAAAAA/38AAP9/AAAAAAAACQAAAAQAAAD0/P//HgAAAGgAAAAAAAAAAAAAAAAAAAAAAAAAAAAAABAnAAAQJwAAAAAAAAAAAAAAAAAAAAAAAAAAAAAAAAAAAAAAAAAAAAAUAAAAAAAAAMDA/wAAAAAAZAAAADIAAAAAAAAAZAAAAAAAAAB/f38ACgAAACIAAAAYAAAAAAAAAAAAAAAAAAAAAAAAAAAAAAAAAAAAJAAAACQAAAAAAAAABwAAAAAAAAAAAAAAAAAAAAAAAAAAAAAAAAAAAH9/fwAlAAAAWAAAAAAAAAAAAAAAAAAAAAAAAAAAAAAAAAAAAAAAAAAAAAAAAAAAAAAAAAAAAAAAPwAAAAAAAACghgEAAAAAAAAAAAAAAAAADAAAAAEAAAAAAAAAAAAAAAAAAAAfAAAAVAAAAEMwnwX///8BAAAAAAAAAAAAAAAAAAAAAAAAAAAAAAAAAAAAAAAAAAAAAAACf39/ANFJzgPMzMwAwMD/AH9/fwAAAAAAAAAAAAAAAAD///8AAAAAACEAAAAYAAAAFAAAAOUqAADSDwAABTUAAA0ZAAAQAAAAJgAAAAgAAAD//////////w=="/>
+              </a:ext>
+            </a:extLst>
+          </p:cNvPicPr>
+          <p:nvPr/>
+        </p:nvPicPr>
+        <p:blipFill>
+          <a:blip r:embed="rId2"/>
+          <a:stretch>
+            <a:fillRect/>
+          </a:stretch>
+        </p:blipFill>
+        <p:spPr>
+          <a:xfrm>
+            <a:off x="6972935" y="2571750"/>
+            <a:ext cx="1645920" cy="1500505"/>
+          </a:xfrm>
+          <a:prstGeom prst="rect">
+            <a:avLst/>
+          </a:prstGeom>
+          <a:noFill/>
+          <a:ln>
+            <a:noFill/>
+          </a:ln>
+          <a:effectLst/>
+        </p:spPr>
+      </p:pic>
+      <p:pic>
+        <p:nvPicPr>
+          <p:cNvPr id="8" name="Изображение2"/>
+          <p:cNvPicPr>
+            <a:picLocks noChangeAspect="1"/>
+            <a:extLst>
+              <a:ext uri="smNativeData">
+                <pr:smNativeData xmlns:pr="smNativeData" xmlns="smNativeData" val="SMDATA_17_8sFZZRMAAAAlAAAAEQAAAC8BAAAAkAAAAEgAAACQAAAASAAAAAAAAAAAAAAAAAAAAAEAAABQAAAAAAAAAAAA4D8AAAAAAADgPwAAAAAAAOA/AAAAAAAA4D8AAAAAAADgPwAAAAAAAOA/AAAAAAAA4D8AAAAAAADgPwAAAAAAAOA/AAAAAAAA4D8CAAAAjAAAAAAAAAAAAAAAQzCfDP///wgAAAAAAAAAAAAAAAAAAAAAAAAAAAAAAAAAAAAAZAAAAAEAAABAAAAAAAAAAAAAAAAAAAAAAAAAAAAAAAAAAAAAAAAAAAAAAAAAAAAAAAAAAAAAAAAAAAAAAAAAAAAAAAAAAAAAAAAAAAAAAAAAAAAAAAAAAAAAAAAAAAAAFAAAADwAAAAAAAAAAAAAAAAAAAkUAAAAAQAAABQAAAAUAAAAFAAAAAEAAAAAAAAAZAAAAGQAAAAAAAAAZAAAAGQAAAAVAAAAYAAAAAAAAAAAAAAADwAAACADAAAAAAAAAAAAAAEAAACgMgAAVgcAAKr4//8BAAAAf39/AAEAAABkAAAAAAAAABQAAABAHwAAAAAAACYAAAAAAAAAwOD//wAAAAAmAAAAZAAAABYAAABMAAAAAAAAAAAAAAAEAAAAAAAAAAEAAADRSc4KAAAAACgAAAAoAAAAZAAAAGQAAAAAAAAAzMzMAAAAAABQAAAAUAAAAGQAAABkAAAAAAAAAAcAAAA4AAAAAAAAAAAAAAAAAAAA////AAAAAAAAAAAAAAAAAAAAAAAAAAAAAAAAAAAAAABkAAAAZAAAAAAAAAAjAAAABAAAAGQAAAAXAAAAFAAAAAAAAAAAAAAA/38AAP9/AAAAAAAACQAAAAQAAAD9/f3/HgAAAGgAAAAAAAAAAAAAAAAAAAAAAAAAAAAAABAnAAAQJwAAAAAAAAAAAAAAAAAAAAAAAAAAAAAAAAAAAAAAAAAAAAAUAAAAAAAAAMDA/wAAAAAAZAAAADIAAAAAAAAAZAAAAAAAAAB/f38ACgAAACIAAAAYAAAAAAAAAAAAAAAAAAAAAAAAAAAAAAAAAAAAJAAAACQAAAAAAAAABwAAAAAAAAAAAAAAAAAAAAAAAAAAAAAAAAAAAH9/fwAlAAAAWAAAAAAAAAAAAAAAAAAAAAAAAAAAAAAAAAAAAAAAAAAAAAAAAAAAAAAAAAAAAAAAPwAAAAAAAACghgEAAAAAAAAAAAAAAAAADAAAAAEAAAAAAAAAAAAAAAAAAAAfAAAAVAAAAEMwnwX///8BAAAAAAAAAAAAAAAAAAAAAAAAAAAAAAAAAAAAAAAAAAAAAAACf39/ANFJzgPMzMwAwMD/AH9/fwAAAAAAAAAAAAAAAAD///8AAAAAACEAAAAYAAAAFAAAALgYAADkCgAAyCYAALgYAAAAAAAAJgAAAAgAAAD//////////w=="/>
+              </a:ext>
+            </a:extLst>
+          </p:cNvPicPr>
+          <p:nvPr/>
+        </p:nvPicPr>
+        <p:blipFill>
+          <a:blip r:embed="rId3"/>
+          <a:stretch>
+            <a:fillRect/>
+          </a:stretch>
+        </p:blipFill>
+        <p:spPr>
+          <a:xfrm>
+            <a:off x="4018280" y="1770380"/>
+            <a:ext cx="2286000" cy="2247900"/>
+          </a:xfrm>
+          <a:prstGeom prst="rect">
+            <a:avLst/>
+          </a:prstGeom>
+          <a:noFill/>
+          <a:ln>
+            <a:noFill/>
+          </a:ln>
+          <a:effectLst/>
+        </p:spPr>
+      </p:pic>
+      <p:pic>
+        <p:nvPicPr>
+          <p:cNvPr id="9" name="Изображение1"/>
+          <p:cNvPicPr>
+            <a:picLocks noChangeAspect="1"/>
+            <a:extLst>
+              <a:ext uri="smNativeData">
+                <pr:smNativeData xmlns:pr="smNativeData" xmlns="smNativeData" val="SMDATA_17_8sFZZRMAAAAlAAAAEQAAAC8BAAAAkAAAAEgAAACQAAAASAAAAAAAAAAAAAAAAAAAAAEAAABQAAAAAAAAAAAA4D8AAAAAAADgPwAAAAAAAOA/AAAAAAAA4D8AAAAAAADgPwAAAAAAAOA/AAAAAAAA4D8AAAAAAADgPwAAAAAAAOA/AAAAAAAA4D8CAAAAjAAAAAAAAAAAAAAAQzCfDP///wgAAAAAAAAAAAAAAAAAAAAAAAAAAAAAAAAAAAAAZAAAAAEAAABAAAAAAAAAAAAAAAAAAAAAAAAAAAAAAAAAAAAAAAAAAAAAAAAAAAAAAAAAAAAAAAAAAAAAAAAAAAAAAAAAAAAAAAAAAAAAAAAAAAAAAAAAAAAAAAAAAAAAFAAAADwAAAAAAAAAAAAAAAAAAAkUAAAAAQAAABQAAAAUAAAAFAAAAAEAAAAAAAAAZAAAAGQAAAAAAAAAZAAAAGQAAAAVAAAAYAAAAAAAAAAAAAAADwAAACADAAAAAAAAAAAAAAEAAACgMgAAVgcAAKr4//8BAAAAf39/AAEAAABkAAAAAAAAABQAAABAHwAAAAAAACYAAAAAAAAAwOD//wAAAAAmAAAAZAAAABYAAABMAAAAAAAAAAAAAAAEAAAAAAAAAAEAAADRSc4KAAAAACgAAAAoAAAAZAAAAGQAAAAAAAAAzMzMAAAAAABQAAAAUAAAAGQAAABkAAAAAAAAAAcAAAA4AAAAAAAAAAAAAAAAAAAA////AAAAAAAAAAAAAAAAAAAAAAAAAAAAAAAAAAAAAABkAAAAZAAAAAAAAAAjAAAABAAAAGQAAAAXAAAAFAAAAAAAAAAAAAAA/38AAP9/AAAAAAAACQAAAAQAAAD/////HgAAAGgAAAAAAAAAAAAAAAAAAAAAAAAAAAAAABAnAAAQJwAAAAAAAAAAAAAAAAAAAAAAAAAAAAAAAAAAAAAAAAAAAAAUAAAAAAAAAMDA/wAAAAAAZAAAADIAAAAAAAAAZAAAAAAAAAB/f38ACgAAACIAAAAYAAAAAAAAAAAAAAAAAAAAAAAAAAAAAAAAAAAAJAAAACQAAAAAAAAABwAAAAAAAAAAAAAAAAAAAAAAAAAAAAAAAAAAAH9/fwAlAAAAWAAAAAAAAAAAAAAAAAAAAAAAAAAAAAAAAAAAAAAAAAAAAAAAAAAAAAAAAAAAAAAAPwAAAAAAAACghgEAAAAAAAAAAAAAAAAADAAAAAEAAAAAAAAAAAAAAAAAAAAfAAAAVAAAAEMwnwX///8BAAAAAAAAAAAAAAAAAAAAAAAAAAAAAAAAAAAAAAAAAAAAAAACf39/ANFJzgPMzMwAwMD/AH9/fwAAAAAAAAAAAAAAAAD///8AAAAAACEAAAAYAAAAFAAAAJ8GAAChCwAANxQAAKQXAAAAAAAAJgAAAAgAAAD//////////w=="/>
+              </a:ext>
+            </a:extLst>
+          </p:cNvPicPr>
+          <p:nvPr/>
+        </p:nvPicPr>
+        <p:blipFill>
+          <a:blip r:embed="rId4"/>
+          <a:stretch>
+            <a:fillRect/>
+          </a:stretch>
+        </p:blipFill>
+        <p:spPr>
+          <a:xfrm>
+            <a:off x="1076325" y="1890395"/>
+            <a:ext cx="2209800" cy="1952625"/>
+          </a:xfrm>
+          <a:prstGeom prst="rect">
+            <a:avLst/>
+          </a:prstGeom>
+          <a:noFill/>
+          <a:ln>
+            <a:noFill/>
+          </a:ln>
+          <a:effectLst/>
+        </p:spPr>
+      </p:pic>
+      <p:sp>
+        <p:nvSpPr>
+          <p:cNvPr id="10" name="Текстовое поле1"/>
+          <p:cNvSpPr txBox="1">
+            <a:extLst>
+              <a:ext uri="smNativeData">
+                <pr:smNativeData xmlns:pr="smNativeData" xmlns="smNativeData" val="SMDATA_15_8sFZZRMAAAAlAAAAEgAAAE8BAAAAkAAAAEgAAACQAAAASAAAAAAAAAAAAAAAAAAAAAEAAABQAAAAAAAAAAAA4D8AAAAAAADgPwAAAAAAAOA/AAAAAAAA4D8AAAAAAADgPwAAAAAAAOA/AAAAAAAA4D8AAAAAAADgPwAAAAAAAOA/AAAAAAAA4D8CAAAAjAAAAAAAAAAAAAAAQzCfDP///wgAAAAAAAAAAAAAAAAAAAAAAAAAAAAAAAAAAAAAZAAAAAEAAABAAAAAAAAAAAAAAAAAAAAAAAAAAAAAAAAAAAAAAAAAAAAAAAAAAAAAAAAAAAAAAAAAAAAAAAAAAAAAAAAAAAAAAAAAAAAAAAAAAAAAAAAAAAAAAAAAAAAAFAAAADwAAAAAAAAAAAAAAAAAAAkUAAAAAQAAABQAAAAUAAAAFAAAAAEAAAAAAAAAZAAAAGQAAAAAAAAAZAAAAGQAAAAVAAAAYAAAAAAAAAAAAAAADwAAACADAAAAAAAAAAAAAAEAAACgMgAAVgcAAKr4//8BAAAAf39/AAEAAABkAAAAAAAAABQAAABAHwAAAAAAACYAAAAAAAAAwOD//wAAAAAmAAAAZAAAABYAAABMAAAAAAAAAAAAAAAEAAAAAAAAAAEAAADRSc4KAAAAACgAAAAoAAAAZAAAAGQAAAAAAAAAzMzMAAAAAABQAAAAUAAAAGQAAABkAAAAAAAAABcAAAAUAAAAAAAAANwIAAD/fwAA/38AAAAAAAAJAAAABAAAAF8AYAAeAAAAaAAAAAAAAAAAAAAAAAAAAAAAAAAAAAAAECcAABAnAAAAAAAAAAAAAAAAAAAAAAAAAAAAAAAAAAAAAAAAAAAAABQAAAAAAAAAwMD/AAAAAABkAAAAMgAAAAAAAABkAAAAAAAAAH9/fwAKAAAAIgAAABgAAAAAAAAAAAAAAAAAAAAAAAAAAAAAAAAAAAAkAAAAJAAAAAAAAAAHAAAAAAAAAAAAAAAAAAAAAAAAAAAAAAAAAAAAf39/ACUAAABYAAAAAAAAAAAAAAAAAAAAAAAAAAAAAAAAAAAAAAAAAAAAAAAAAAAAAAAAAAAAAAA/AAAAAAAAAKCGAQAAAAAAAAAAAAAAAAAMAAAAAQAAAAAAAAAAAAAAAAAAAB8AAABUAAAAQzCfBf///wEAAAAAAAAAAAAAAAAAAAAAAAAAAAAAAAAAAAAAAAAAAAAAAAJ/f38A0UnOA8zMzADAwP8Af39/AAAAAAAAAAAAAAAAAAAAAAAAAAAAIQAAABgAAAAUAAAARQkAAMsXAAAhEgAACxoAAAAgAAAmAAAACAAAAP//////////"/>
+              </a:ext>
+            </a:extLst>
+          </p:cNvSpPr>
+          <p:nvPr/>
+        </p:nvSpPr>
+        <p:spPr>
+          <a:xfrm>
+            <a:off x="1506855" y="3867785"/>
+            <a:ext cx="1440180" cy="365760"/>
+          </a:xfrm>
+          <a:prstGeom prst="rect">
+            <a:avLst/>
+          </a:prstGeom>
+          <a:noFill/>
+          <a:ln>
+            <a:noFill/>
+          </a:ln>
+          <a:effectLst/>
+        </p:spPr>
         <p:txBody>
-          <a:bodyPr vert="horz" wrap="square" lIns="90170" tIns="91440" rIns="90170" bIns="91440" numCol="1" spcCol="215900" anchor="t"/>
+          <a:bodyPr vert="horz" wrap="square" numCol="1" spcCol="215900" anchor="t"/>
           <a:lstStyle/>
           <a:p>
-            <a:pPr>
-              <a:lnSpc>
-                <a:spcPct val="100000"/>
-              </a:lnSpc>
-              <a:defRPr lang="ru-ru" cap="none">
-                <a:latin typeface="Arial" pitchFamily="2" charset="-52"/>
-                <a:ea typeface="DejaVu Sans" pitchFamily="0" charset="0"/>
-                <a:cs typeface="DejaVu Sans" pitchFamily="0" charset="0"/>
-              </a:defRPr>
+            <a:pPr algn="ctr">
+              <a:defRPr lang="ru-ru"/>
             </a:pPr>
             <a:r>
-              <a:rPr lang="ru-ru" sz="2000" cap="none">
-                <a:solidFill>
-                  <a:srgbClr val="3F3F3F"/>
-                </a:solidFill>
-              </a:rPr>
-              <a:t>1. Добавить больше полезных и необходимых функций:</a:t>
+              <a:t>Видео</a:t>
             </a:r>
-            <a:endParaRPr lang="ru-ru" sz="2000" cap="none">
-              <a:solidFill>
-                <a:srgbClr val="3F3F3F"/>
-              </a:solidFill>
-            </a:endParaRPr>
-          </a:p>
-          <a:p>
-            <a:pPr marL="269875">
-              <a:lnSpc>
-                <a:spcPct val="100000"/>
-              </a:lnSpc>
-              <a:defRPr lang="ru-ru" cap="none">
-                <a:latin typeface="Arial" pitchFamily="2" charset="-52"/>
-                <a:ea typeface="DejaVu Sans" pitchFamily="0" charset="0"/>
-                <a:cs typeface="DejaVu Sans" pitchFamily="0" charset="0"/>
-              </a:defRPr>
+          </a:p>
+        </p:txBody>
+      </p:sp>
+      <p:sp>
+        <p:nvSpPr>
+          <p:cNvPr id="11" name="Текстовое поле2"/>
+          <p:cNvSpPr txBox="1">
+            <a:extLst>
+              <a:ext uri="smNativeData">
+                <pr:smNativeData xmlns:pr="smNativeData" xmlns="smNativeData" val="SMDATA_15_8sFZZRMAAAAlAAAAEgAAAE8BAAAAkAAAAEgAAACQAAAASAAAAAAAAAAAAAAAAAAAAAEAAABQAAAAAAAAAAAA4D8AAAAAAADgPwAAAAAAAOA/AAAAAAAA4D8AAAAAAADgPwAAAAAAAOA/AAAAAAAA4D8AAAAAAADgPwAAAAAAAOA/AAAAAAAA4D8CAAAAjAAAAAAAAAAAAAAAQzCfDP///wgAAAAAAAAAAAAAAAAAAAAAAAAAAAAAAAAAAAAAZAAAAAEAAABAAAAAAAAAAAAAAAAAAAAAAAAAAAAAAAAAAAAAAAAAAAAAAAAAAAAAAAAAAAAAAAAAAAAAAAAAAAAAAAAAAAAAAAAAAAAAAAAAAAAAAAAAAAAAAAAAAAAAFAAAADwAAAAAAAAAAAAAAAAAAAkUAAAAAQAAABQAAAAUAAAAFAAAAAEAAAAAAAAAZAAAAGQAAAAAAAAAZAAAAGQAAAAVAAAAYAAAAAAAAAAAAAAADwAAACADAAAAAAAAAAAAAAEAAACgMgAAVgcAAKr4//8BAAAAf39/AAEAAABkAAAAAAAAABQAAABAHwAAAAAAACYAAAAAAAAAwOD//wAAAAAmAAAAZAAAABYAAABMAAAAAAAAAAAAAAAEAAAAAAAAAAEAAADRSc4KAAAAACgAAAAoAAAAZAAAAGQAAAAAAAAAzMzMAAAAAABQAAAAUAAAAGQAAABkAAAAAAAAABcAAAAUAAAAAAAAANwIAAD/fwAA/38AAAAAAAAJAAAABAAAAMkAAAAeAAAAaAAAAAAAAAAAAAAAAAAAAAAAAAAAAAAAECcAABAnAAAAAAAAAAAAAAAAAAAAAAAAAAAAAAAAAAAAAAAAAAAAABQAAAAAAAAAwMD/AAAAAABkAAAAMgAAAAAAAABkAAAAAAAAAH9/fwAKAAAAIgAAABgAAAAAAAAAAAAAAAAAAAAAAAAAAAAAAAAAAAAkAAAAJAAAAAAAAAAHAAAAAAAAAAAAAAAAAAAAAAAAAAAAAAAAAAAAf39/ACUAAABYAAAAAAAAAAAAAAAAAAAAAAAAAAAAAAAAAAAAAAAAAAAAAAAAAAAAAAAAAAAAAAA/AAAAAAAAAKCGAQAAAAAAAAAAAAAAAAAMAAAAAQAAAAAAAAAAAAAAAAAAAB8AAABUAAAAQzCfBf///wEAAAAAAAAAAAAAAAAAAAAAAAAAAAAAAAAAAAAAAAAAAAAAAAJ/f38A0UnOA8zMzADAwP8Af39/AAAAAAAAAAAAAAAAAAAAAAAAAAAAIQAAABgAAAAUAAAAzxsAALgYAACrJAAA+BoAAAAgAAAmAAAACAAAAP//////////"/>
+              </a:ext>
+            </a:extLst>
+          </p:cNvSpPr>
+          <p:nvPr/>
+        </p:nvSpPr>
+        <p:spPr>
+          <a:xfrm>
+            <a:off x="4520565" y="4018280"/>
+            <a:ext cx="1440180" cy="365760"/>
+          </a:xfrm>
+          <a:prstGeom prst="rect">
+            <a:avLst/>
+          </a:prstGeom>
+          <a:noFill/>
+          <a:ln>
+            <a:noFill/>
+          </a:ln>
+          <a:effectLst/>
+        </p:spPr>
+        <p:txBody>
+          <a:bodyPr vert="horz" wrap="square" numCol="1" spcCol="215900" anchor="t"/>
+          <a:lstStyle/>
+          <a:p>
+            <a:pPr algn="ctr">
+              <a:defRPr lang="ru-ru"/>
             </a:pPr>
             <a:r>
-              <a:rPr lang="ru-ru" sz="2000" cap="none">
-                <a:solidFill>
-                  <a:srgbClr val="3F3F3F"/>
-                </a:solidFill>
-              </a:rPr>
-              <a:t>расширить геймификацию, где игровой чат-бот     разъяснит о направлениях ПИШ и поможет окунуться в профессию еще до поступления;</a:t>
+              <a:t>Квиз</a:t>
             </a:r>
-            <a:endParaRPr lang="ru-ru" sz="2000" cap="none">
-              <a:solidFill>
-                <a:srgbClr val="3F3F3F"/>
-              </a:solidFill>
-            </a:endParaRPr>
-          </a:p>
-          <a:p>
-            <a:pPr>
-              <a:lnSpc>
-                <a:spcPct val="100000"/>
-              </a:lnSpc>
-              <a:defRPr lang="ru-ru" cap="none">
-                <a:latin typeface="Arial" pitchFamily="2" charset="-52"/>
-                <a:ea typeface="DejaVu Sans" pitchFamily="0" charset="0"/>
-                <a:cs typeface="DejaVu Sans" pitchFamily="0" charset="0"/>
-              </a:defRPr>
-            </a:pPr>
-            <a:r>
-              <a:rPr lang="ru-ru" sz="2000" cap="none">
-                <a:solidFill>
-                  <a:srgbClr val="3F3F3F"/>
-                </a:solidFill>
-              </a:rPr>
-              <a:t>2. Настроить автоворонку среди целевой аудитории;</a:t>
-            </a:r>
-            <a:endParaRPr lang="ru-ru" sz="2000" cap="none">
-              <a:solidFill>
-                <a:srgbClr val="3F3F3F"/>
-              </a:solidFill>
-            </a:endParaRPr>
-          </a:p>
-          <a:p>
-            <a:pPr marL="635">
-              <a:lnSpc>
-                <a:spcPct val="100000"/>
-              </a:lnSpc>
-              <a:defRPr lang="ru-ru" cap="none">
-                <a:latin typeface="Arial" pitchFamily="2" charset="-52"/>
-                <a:ea typeface="DejaVu Sans" pitchFamily="0" charset="0"/>
-                <a:cs typeface="DejaVu Sans" pitchFamily="0" charset="0"/>
-              </a:defRPr>
-            </a:pPr>
-            <a:r>
-              <a:rPr lang="ru-ru" sz="2000" cap="none">
-                <a:solidFill>
-                  <a:srgbClr val="3F3F3F"/>
-                </a:solidFill>
-              </a:rPr>
-              <a:t>3. Упростить с помощью чат-бота процесс регистрации и зачисления;</a:t>
-            </a:r>
-            <a:endParaRPr lang="ru-ru" sz="2000" cap="none">
-              <a:solidFill>
-                <a:srgbClr val="3F3F3F"/>
-              </a:solidFill>
-            </a:endParaRPr>
-          </a:p>
-          <a:p>
-            <a:pPr marL="635">
-              <a:lnSpc>
-                <a:spcPct val="100000"/>
-              </a:lnSpc>
-              <a:defRPr lang="ru-ru" cap="none">
-                <a:latin typeface="Arial" pitchFamily="2" charset="-52"/>
-                <a:ea typeface="DejaVu Sans" pitchFamily="0" charset="0"/>
-                <a:cs typeface="DejaVu Sans" pitchFamily="0" charset="0"/>
-              </a:defRPr>
-            </a:pPr>
-            <a:r>
-              <a:rPr lang="ru-ru" sz="2000" cap="none">
-                <a:solidFill>
-                  <a:srgbClr val="3F3F3F"/>
-                </a:solidFill>
-              </a:rPr>
-              <a:t>4. Написание скриптов для менеджеров, в случае необходимости живого общения в чат-боте;</a:t>
-            </a:r>
-            <a:endParaRPr lang="ru-ru" sz="2000" cap="none">
-              <a:solidFill>
-                <a:srgbClr val="3F3F3F"/>
-              </a:solidFill>
-            </a:endParaRPr>
-          </a:p>
-          <a:p>
-            <a:pPr>
-              <a:lnSpc>
-                <a:spcPct val="100000"/>
-              </a:lnSpc>
-              <a:defRPr lang="ru-ru" cap="none">
-                <a:latin typeface="Arial" pitchFamily="2" charset="-52"/>
-                <a:ea typeface="DejaVu Sans" pitchFamily="0" charset="0"/>
-                <a:cs typeface="DejaVu Sans" pitchFamily="0" charset="0"/>
-              </a:defRPr>
-            </a:pPr>
-            <a:r>
-              <a:rPr lang="ru-ru" sz="2000" cap="none">
-                <a:solidFill>
-                  <a:srgbClr val="3F3F3F"/>
-                </a:solidFill>
-              </a:rPr>
-              <a:t>5. Собирать фидбек и данных потенциальных студентов.</a:t>
-            </a:r>
-            <a:endParaRPr lang="ru-ru" sz="2000" cap="none">
-              <a:solidFill>
-                <a:srgbClr val="3F3F3F"/>
-              </a:solidFill>
-            </a:endParaRPr>
-          </a:p>
-          <a:p>
-            <a:pPr>
-              <a:lnSpc>
-                <a:spcPct val="100000"/>
-              </a:lnSpc>
-              <a:defRPr lang="ru-ru" cap="none">
-                <a:latin typeface="Arial" pitchFamily="2" charset="-52"/>
-                <a:ea typeface="DejaVu Sans" pitchFamily="0" charset="0"/>
-                <a:cs typeface="DejaVu Sans" pitchFamily="0" charset="0"/>
-              </a:defRPr>
-            </a:pPr>
-            <a:endParaRPr lang="ru-ru" sz="2000" cap="none"/>
           </a:p>
         </p:txBody>
       </p:sp>
@@ -19905,46 +19885,46 @@
           <a:chExt cx="0" cy="0"/>
         </a:xfrm>
       </p:grpSpPr>
-      <p:sp>
-        <p:nvSpPr>
-          <p:cNvPr id="2" name="CustomShape 1"/>
-          <p:cNvSpPr>
-            <a:extLst>
-              <a:ext uri="smNativeData">
-                <pr:smNativeData xmlns:pr="smNativeData" xmlns="smNativeData" val="SMDATA_15_37BZZRMAAAAlAAAAZQAAAA0AAAAAkAAAAEgAAACQAAAASAAAAAAAAAAAAAAAAAAAAAEAAABQAAAAhbacS3FV1T8AAAAAAADwvwAAAAAAAOA/AAAAAAAA4D8AAAAAAADgPwAAAAAAAOA/AAAAAAAA4D8AAAAAAADgPwAAAAAAAOA/AAAAAAAA4D8CAAAAjAAAAAEAAAACAAAA////AP///wgAAAAAAAAAANCjRlwmMb1DpFpHxGIF978BAAAAeAAAAAEAAABAAAAAAAAAAAAAAABaAAAAAAAAAAAAAAAAAAAAAAAAAAAAAAAAAAAAAAAAAAAAAAAAAAAAAAAAAAAAAAAAAAAAAAAAAAAAAAAAAAAAAAAAAAAAAAAAAAAAFAAAADwAAAAAAAAAAAAAAAAAAAkUAAAAAQAAABQAAAAUAAAAFAAAAAEAAAAAAAAAZAAAAGQAAAAAAAAAZAAAAGQAAAAVAAAAYAAAAAAAAAAAAAAADwAAACADAAAAAAAAAAAAAAEAAACgMgAAVgcAAKr4//8BAAAAf39/AAEAAABkAAAAAAAAABQAAABAHwAAAAAAACYAAAAAAAAAwOD//wAAAAAmAAAAZAAAABYAAABMAAAAAAAAAAAAAAAEAAAAAAAAAAEAAADRSc4KAAAAACgAAAAoAAAAZAAAAGQAAAAAAAAAzMzMAAAAAABQAAAAUAAAAGQAAABkAAAAAAAAABcAAAAUAAAAAAAAAAAAAAD/fwAA/38AAAAAAAAJAAAABAAAAAAAAAAeAAAAaAAAAAAAAAAAAAAAAAAAAAAAAAAAAAAAECcAABAnAAAAAAAAAAAAAAAAAAAAAAAAAAAAAAAAAAAAAAAAAAAAABQAAAAAAAAAwMD/AAAAAABkAAAAMgAAAAAAAABkAAAAAAAAAH9/fwAKAAAAIgAAABgAAAAAAAAAAAAAAAAAAAAAAAAAAAAAAAAAAAAkAAAAJAAAAAAAAAAHAAAAAAAAAAAAAAAAAAAAAAAAAAAAAAAAAAAAf39/ACUAAABYAAAAAAAAAAAAAAAAAAAAAAAAAAAAAAAAAAAAAAAAAAAAAAAAAAAAAAAAAAAAAAA/AAAAAAAAAKCGAQAAAAAAAAAAAAAAAAAMAAAAAQAAAAAAAAAAAAAAAAAAAB8AAABUAAAA////AP///wEAAAAAAAAAAAAAAAAAAAAAAAAAAAAAAAAAAAAAAAAAAAAAAAJ/f38A0UnOA8zMzADAwP8Af39/AAAAAAAAAAAAAAAAAAAAAAAAAAAAIQAAABgAAAAUAAAAKCMAAFkIAACQOQAAKhgAABAAAAAmAAAACAAAAP//////////"/>
-              </a:ext>
-            </a:extLst>
-          </p:cNvSpPr>
+      <p:pic>
+        <p:nvPicPr>
+          <p:cNvPr id="2" name="Picture 3"/>
+          <p:cNvPicPr>
+            <a:extLst>
+              <a:ext uri="smNativeData">
+                <pr:smNativeData xmlns:pr="smNativeData" xmlns="smNativeData" val="SMDATA_17_8sFZZRMAAAAlAAAAEQAAAA0AAAAAkAAAAEgAAACQAAAASAAAAAAAAAAAAAAAAAAAAAEAAABQAAAAAAAAAAAA4D8AAAAAAADgPwAAAAAAAOA/AAAAAAAA4D8AAAAAAADgPwAAAAAAAOA/AAAAAAAA4D8AAAAAAADgPwAAAAAAAOA/AAAAAAAA4D8CAAAAjAAAAAAAAAAAAAAAQzCfDP///wgAAAAAAAAAAAAAAAAAAAAAAAAAAAAAAAAAAAAAZAAAAAEAAABAAAAAAAAAAAAAAAAAAAAAAAAAAAAAAAAAAAAAAAAAAAAAAAAAAAAAAAAAAAAAAAAAAAAAAAAAAAAAAAAAAAAAAAAAAAAAAAAAAAAAAAAAAAAAAAAAAAAAFAAAADwAAAAAAAAAAAAAAAAAAAkUAAAAAQAAABQAAAAUAAAAFAAAAAEAAAAAAAAAZAAAAGQAAAAAAAAAZAAAAGQAAAAVAAAAYAAAAAAAAAAAAAAADwAAACADAAAAAAAAAAAAAAEAAACgMgAAVgcAAKr4//8BAAAAf39/AAEAAABkAAAAAAAAABQAAABAHwAAAAAAACYAAAAAAAAAwOD//wAAAAAmAAAAZAAAABYAAABMAAAAAAAAAAAAAAAEAAAAAAAAAAEAAADRSc4KAAAAACgAAAAoAAAAZAAAAGQAAAAAAAAAzMzMAAAAAABQAAAAUAAAAGQAAABkAAAAAAAAAAcAAAA4AAAAAAAAAAAAAAAAAAAA////AAAAAAAAAAAAAAAAAAAAAAAAAAAAAAAAAAAAAABkAAAAZAAAAAAAAAAjAAAABAAAAGQAAAAXAAAAFAAAAAAAAAAAAAAA/38AAP9/AAAAAAAACQAAAAQAAAD+//r+HgAAAGgAAAAAAAAAAAAAAAAAAAAAAAAAAAAAABAnAAAQJwAAAAAAAAAAAAAAAAAAAAAAAAAAAAAAAAAAAAAAAAAAAAAUAAAAAAAAAMDA/wAAAAAAZAAAADIAAAAAAAAAZAAAAAAAAAB/f38ACgAAACIAAAAYAAAAAAAAAAAAAAAAAAAAAAAAAAAAAAAAAAAAJAAAACQAAAAAAAAABwAAAAAAAAAAAAAAAAAAAAAAAAAAAAAAAAAAAH9/fwAlAAAAWAAAAAAAAAAAAAAAAAAAAAAAAAAAAAAAAAAAAAAAAAAAAAAAAAAAAAAAAAAAAAAAPwAAAAAAAACghgEAAAAAAAAAAAAAAAAADAAAAAEAAAAAAAAAAAAAAAAAAAAfAAAAVAAAAEMwnwX///8BAAAAAAAAAAAAAAAAAAAAAAAAAAAAAAAAAAAAAAAAAAAAAAACf39/ANFJzgPMzMwAwMD/AH9/fwAAAAAAAAAAAAAAAAD///8AAAAAACEAAAAYAAAAFAAAAKErAAB1EgAAXzcAAHIdAAAQAAAAJgAAAAgAAAD//////////w=="/>
+              </a:ext>
+            </a:extLst>
+          </p:cNvPicPr>
           <p:nvPr/>
-        </p:nvSpPr>
-        <p:spPr>
-          <a:xfrm>
-            <a:off x="5715000" y="1356995"/>
-            <a:ext cx="3642360" cy="2571115"/>
-          </a:xfrm>
-          <a:prstGeom prst="roundRect">
-            <a:avLst>
-              <a:gd name="adj" fmla="val 16667"/>
-            </a:avLst>
+        </p:nvPicPr>
+        <p:blipFill>
+          <a:blip r:embed="rId2"/>
+          <a:stretch>
+            <a:fillRect/>
+          </a:stretch>
+        </p:blipFill>
+        <p:spPr>
+          <a:xfrm>
+            <a:off x="7092315" y="3000375"/>
+            <a:ext cx="1908810" cy="1786255"/>
+          </a:xfrm>
+          <a:prstGeom prst="rect">
+            <a:avLst/>
           </a:prstGeom>
-          <a:blipFill>
-            <a:blip r:embed="rId2"/>
-            <a:srcRect/>
-            <a:stretch/>
-          </a:blipFill>
+          <a:noFill/>
           <a:ln>
             <a:noFill/>
           </a:ln>
           <a:effectLst/>
         </p:spPr>
-      </p:sp>
-      <p:sp>
-        <p:nvSpPr>
-          <p:cNvPr id="3" name="CustomShape 2"/>
-          <p:cNvSpPr>
-            <a:extLst>
-              <a:ext uri="smNativeData">
-                <pr:smNativeData xmlns:pr="smNativeData" xmlns="smNativeData" val="SMDATA_15_37BZZRMAAAAlAAAAZAAAAA0AAAAAjgAAAJAAAACOAAAAkAAAAAAAAAABAAAAAAAAAAEAAABQAAAAAAAAAAAA4D8AAAAAAADgPwAAAAAAAOA/AAAAAAAA4D8AAAAAAADgPwAAAAAAAOA/AAAAAAAA4D8AAAAAAADgPwAAAAAAAOA/AAAAAAAA4D8CAAAAjAAAAAAAAAAAAAAAQzCfDP///wgAAAAAAAAAAAAAAAAAAAAAAAAAAAAAAAAAAAAAZAAAAAEAAABAAAAAAAAAAAAAAAAAAAAAAAAAAAAAAAAAAAAAAAAAAAAAAAAAAAAAAAAAAAAAAAAAAAAAAAAAAAAAAAAAAAAAAAAAAAAAAAAAAAAAAAAAAAAAAAAAAAAAFAAAADwAAAAAAAAAAAAAAAAAAAkUAAAAAQAAABQAAAAUAAAAFAAAAAEAAAAAAAAAZAAAAGQAAAAAAAAAZAAAAGQAAAAVAAAAYAAAAAAAAAAAAAAADwAAACADAAAAAAAAAAAAAAEAAACgMgAAVgcAAKr4//8BAAAAf39/AAEAAABkAAAAAAAAABQAAABAHwAAAAAAACYAAAAAAAAAwOD//wAAAAAmAAAAZAAAABYAAABMAAAAAAAAAAAAAAAEAAAAAAAAAAEAAADRSc4KAAAAACgAAAAoAAAAZAAAAGQAAAAAAAAAzMzMAAAAAABQAAAAUAAAAGQAAABkAAAAAAAAABcAAAAUAAAAAAAAAAAAAAD/fwAA/38AAAAAAAAJAAAABAAAAAAAAAAeAAAAaAAAAAAAAAAAAAAAAAAAAAAAAAAAAAAAECcAABAnAAAAAAAAAAAAAAAAAAAAAAAAAAAAAAAAAAAAAAAAAAAAABQAAAAAAAAAwMD/AAAAAABkAAAAMgAAAAAAAABkAAAAAAAAAH9/fwAKAAAAIgAAABgAAAAAAAAAAAAAAAAAAAAAAAAAAAAAAAAAAAAkAAAAJAAAAAAAAAAHAAAAAAAAAAAAAAAAAAAAAAAAAAAAAAAAAAAAf39/ACUAAABYAAAAAAAAAAAAAAAAAAAAAAAAAAAAAAAAAAAAAAAAAAAAAAAAAAAAAAAAAAAAAAA/AAAAAAAAAKCGAQAAAAAAAAAAAAAAAAAMAAAAAQAAAAAAAAAAAAAAAAAAAB8AAABUAAAAQzCfBf///wEAAAAAAAAAAAAAAAAAAAAAAAAAAAAAAAAAAAAAAAAAAAAAAAJ/f38A0UnOA8zMzADAwP8Af39/AAAAAAAAAAAAAAAAAAAAAAAAAAAAIQAAABgAAAAUAAAAowIAAIQDAADKJQAArgcAABAAAAAmAAAACAAAAP//////////"/>
+      </p:pic>
+      <p:sp>
+        <p:nvSpPr>
+          <p:cNvPr id="3" name="CustomShape 1"/>
+          <p:cNvSpPr>
+            <a:extLst>
+              <a:ext uri="smNativeData">
+                <pr:smNativeData xmlns:pr="smNativeData" xmlns="smNativeData" val="SMDATA_15_8sFZZRMAAAAlAAAAZAAAAA0AAAAAjgAAAJAAAACOAAAAkAAAAAAAAAABAAAAAAAAAAEAAABQAAAAAAAAAAAA4D8AAAAAAADgPwAAAAAAAOA/AAAAAAAA4D8AAAAAAADgPwAAAAAAAOA/AAAAAAAA4D8AAAAAAADgPwAAAAAAAOA/AAAAAAAA4D8CAAAAjAAAAAAAAAAAAAAAQzCfDP///wgAAAAAAAAAAAAAAAAAAAAAAAAAAAAAAAAAAAAAZAAAAAEAAABAAAAAAAAAAAAAAAAAAAAAAAAAAAAAAAAAAAAAAAAAAAAAAAAAAAAAAAAAAAAAAAAAAAAAAAAAAAAAAAAAAAAAAAAAAAAAAAAAAAAAAAAAAAAAAAAAAAAAFAAAADwAAAAAAAAAAAAAAAAAAAkUAAAAAQAAABQAAAAUAAAAFAAAAAEAAAAAAAAAZAAAAGQAAAAAAAAAZAAAAGQAAAAVAAAAYAAAAAAAAAAAAAAADwAAACADAAAAAAAAAAAAAAEAAACgMgAAVgcAAKr4//8BAAAAf39/AAEAAABkAAAAAAAAABQAAABAHwAAAAAAACYAAAAAAAAAwOD//wAAAAAmAAAAZAAAABYAAABMAAAAAAAAAAAAAAAEAAAAAAAAAAEAAADRSc4KAAAAACgAAAAoAAAAZAAAAGQAAAAAAAAAzMzMAAAAAABQAAAAUAAAAGQAAABkAAAAAAAAABcAAAAUAAAAAAAAAAAAAAD/fwAA/38AAAAAAAAJAAAABAAAAF8AYAAeAAAAaAAAAAAAAAAAAAAAAAAAAAAAAAAAAAAAECcAABAnAAAAAAAAAAAAAAAAAAAAAAAAAAAAAAAAAAAAAAAAAAAAABQAAAAAAAAAwMD/AAAAAABkAAAAMgAAAAAAAABkAAAAAAAAAH9/fwAKAAAAIgAAABgAAAAAAAAAAAAAAAAAAAAAAAAAAAAAAAAAAAAkAAAAJAAAAAAAAAAHAAAAAAAAAAAAAAAAAAAAAAAAAAAAAAAAAAAAf39/ACUAAABYAAAAAAAAAAAAAAAAAAAAAAAAAAAAAAAAAAAAAAAAAAAAAAAAAAAAAAAAAAAAAAA/AAAAAAAAAKCGAQAAAAAAAAAAAAAAAAAMAAAAAQAAAAAAAAAAAAAAAAAAAB8AAABUAAAAQzCfBf///wEAAAAAAAAAAAAAAAAAAAAAAAAAAAAAAAAAAAAAAAAAAAAAAAJ/f38A0UnOA8zMzADAwP8Af39/AAAAAAAAAAAAAAAAAAAAAAAAAAAAIQAAABgAAAAUAAAAhAMAAIQDAAD8MgAAcwYAABAAAAAmAAAACAAAAP//////////"/>
               </a:ext>
             </a:extLst>
           </p:cNvSpPr>
@@ -19952,8 +19932,8 @@
         </p:nvSpPr>
         <p:spPr>
           <a:xfrm>
-            <a:off x="428625" y="571500"/>
-            <a:ext cx="5714365" cy="676910"/>
+            <a:off x="571500" y="571500"/>
+            <a:ext cx="7716520" cy="476885"/>
           </a:xfrm>
           <a:prstGeom prst="rect">
             <a:avLst/>
@@ -19979,7 +19959,7 @@
               </a:defRPr>
             </a:pPr>
             <a:r>
-              <a:rPr lang="ru-ru" sz="3600" b="1" cap="none">
+              <a:rPr lang="ru-ru" sz="3000" b="1" cap="none">
                 <a:solidFill>
                   <a:srgbClr val="000000"/>
                 </a:solidFill>
@@ -19987,19 +19967,19 @@
                 <a:ea typeface="Poppins SemiBold" pitchFamily="0" charset="0"/>
                 <a:cs typeface="DejaVu Sans" pitchFamily="0" charset="0"/>
               </a:rPr>
-              <a:t>Заключение</a:t>
+              <a:t>Перспективы развития</a:t>
             </a:r>
-            <a:endParaRPr lang="ru-ru" sz="3600" cap="none"/>
+            <a:endParaRPr lang="ru-ru" sz="3000" cap="none"/>
           </a:p>
         </p:txBody>
       </p:sp>
       <p:sp>
         <p:nvSpPr>
-          <p:cNvPr id="4" name="CustomShape 3"/>
-          <p:cNvSpPr>
-            <a:extLst>
-              <a:ext uri="smNativeData">
-                <pr:smNativeData xmlns:pr="smNativeData" xmlns="smNativeData" val="SMDATA_15_37BZZRMAAAAlAAAAZAAAAA0AAAAAjgAAAJAAAACOAAAAkAAAAAAAAAAAAAAAAAAAAAEAAABQAAAAAAAAAAAA4D8AAAAAAADgPwAAAAAAAOA/AAAAAAAA4D8AAAAAAADgPwAAAAAAAOA/AAAAAAAA4D8AAAAAAADgPwAAAAAAAOA/AAAAAAAA4D8CAAAAjAAAAAAAAAAAAAAAQzCfDP///wgAAAAAAAAAAAAAAAAAAAAAAAAAAAAAAAAAAAAAZAAAAAEAAABAAAAAAAAAAAAAAAAAAAAAAAAAAAAAAAAAAAAAAAAAAAAAAAAAAAAAAAAAAAAAAAAAAAAAAAAAAAAAAAAAAAAAAAAAAAAAAAAAAAAAAAAAAAAAAAAAAAAAFAAAADwAAAAAAAAAAAAAAAAAAAkUAAAAAQAAABQAAAAUAAAAFAAAAAEAAAAAAAAAZAAAAGQAAAAAAAAAZAAAAGQAAAAVAAAAYAAAAAAAAAAAAAAADwAAACADAAAAAAAAAAAAAAEAAACgMgAAVgcAAKr4//8BAAAAf39/AAEAAABkAAAAAAAAABQAAABAHwAAAAAAACYAAAAAAAAAwOD//wAAAAAmAAAAZAAAABYAAABMAAAAAAAAAAAAAAAEAAAAAAAAAAEAAADRSc4KAAAAACgAAAAoAAAAZAAAAGQAAAAAAAAAzMzMAAAAAABQAAAAUAAAAGQAAABkAAAAAAAAABcAAAAUAAAAAAAAAAAAAAD/fwAA/38AAAAAAAAJAAAABAAAAAAAAAAeAAAAaAAAAAAAAAAAAAAAAAAAAAAAAAAAAAAAECcAABAnAAAAAAAAAAAAAAAAAAAAAAAAAAAAAAAAAAAAAAAAAAAAABQAAAAAAAAAwMD/AAAAAABkAAAAMgAAAAAAAABkAAAAAAAAAH9/fwAKAAAAIgAAABgAAAAAAAAAAAAAAAAAAAAAAAAAAAAAAAAAAAAkAAAAJAAAAAAAAAAHAAAAAAAAAAAAAAAAAAAAAAAAAAAAAAAAAAAAf39/ACUAAABYAAAAAAAAAAAAAAAAAAAAAAAAAAAAAAAAAAAAAAAAAAAAAAAAAAAAAAAAAAAAAAA/AAAAAAAAAKCGAQAAAAAAAAAAAAAAAAAMAAAAAQAAAAAAAAAAAAAAAAAAAB8AAABUAAAAQzCfBf///wEAAAAAAAAAAAAAAAAAAAAAAAAAAAAAAAAAAAAAAAAAAAAAAAJ/f38A0UnOA8zMzADAwP8Af39/AAAAAAAAAAAAAAAAAAAAAAAAAAAAIQAAABgAAAAUAAAAowIAAMoIAABHIgAAaQwAABAAAAAmAAAACAAAAP//////////"/>
+          <p:cNvPr id="4" name="CustomShape 2"/>
+          <p:cNvSpPr>
+            <a:extLst>
+              <a:ext uri="smNativeData">
+                <pr:smNativeData xmlns:pr="smNativeData" xmlns="smNativeData" val="SMDATA_15_8sFZZRMAAAAlAAAAZgAAAA0AAAAAkAAAAEgAAACQAAAASAAAAAAAAAAAAAAAAAAAAAEAAABQAAAAAAAAAAAA8D8AAAAAAADwPwAAAAAAAOA/AAAAAAAA4D8AAAAAAADgPwAAAAAAAOA/AAAAAAAA4D8AAAAAAADgPwAAAAAAAOA/AAAAAAAA4D8CAAAAjAAAAAEAAAAAAAAAAAAAAP///wgAAAAAAAAAAAAAAAAAAAAAAAAAAAAAAAAAAAAAeAAAAAEAAABAAAAAAAAAAAAAAABaAAAAAAAAAAAAAAAAAAAAAAAAAAAAAAAAAAAAAAAAAAAAAAAAAAAAAAAAAAAAAAAAAAAAAAAAAAAAAAAAAAAAAAAAAAAAAAAAAAAAFAAAADwAAAAAAAAAAAAAAAAAAAkUAAAAAQAAABQAAAAUAAAAFAAAAAEAAAAAAAAAZAAAAGQAAAAAAAAAZAAAAGQAAAAVAAAAYAAAAAAAAAAAAAAADwAAACADAAAAAAAAAAAAAAEAAACgMgAAVgcAAKr4//8BAAAAf39/AAEAAABkAAAAAAAAABQAAABAHwAAAAAAACYAAAAAAAAAwOD//wAAAAAmAAAAZAAAABYAAABMAAAAAQAAAAAAAAAGAAAAAAAAAAEAAAAAAAANMgAAAAAAAAAAAAAAZAAAAGQAAAAAAAAAy8vLADIAAAAAAAAAAAAAAGQAAABkAAAAAAAAABcAAAAUAAAAAAAAAAAAAAD/fwAA/38AAAAAAAAJAAAABAAAAAAAAAAeAAAAaAAAAAAAAAAAAAAAAAAAAAAAAAAAAAAAECcAABAnAAAAAAAAAAAAAAAAAAAAAAAAAAAAAAAAAAAAAAAAAAAAAFIBAAAAAAAAwMD/AAAAAAAAAAAAAAAAAAAAAABkAAAAAAAAAH9/fwAKAAAAIgAAABgAAAAAAAAAAAAAAAAAAAAAAAAAAAAAAAAAAAAkAAAAJAAAAAAAAAAHAAAAAAAAAAAAAAAAAAAAAAAAAAAAAAAAAAAAf39/ACUAAABYAAAAAAAAAAAAAAAAAAAAAAAAAAAAAAAAAAAAAAAAAAAAAAAAAAAAAAAAAAAAAAA/AAAAAAAAAKCGAQAAAAAAAAAAAAAAAAAMAAAAAQAAAAAAAAAAAAAAAAAAAB8AAABUAAAAAAAAAP///wEAAAAAAAAAAAAAAAAAAAAAAAAAAAAAAAAAAAAAAAAAAAAAAAJ/f38AAAAABsvLywDAwP8Af39/AAAAAAAAAAAAAAAAAAAAAAAAAAAAIQAAABgAAAAUAAAA9S8AAC77//9CPQAAewgAABAAAAAmAAAACAAAAP//////////"/>
               </a:ext>
             </a:extLst>
           </p:cNvSpPr>
@@ -20007,150 +19987,8 @@
         </p:nvSpPr>
         <p:spPr>
           <a:xfrm>
-            <a:off x="428625" y="1428750"/>
-            <a:ext cx="5143500" cy="588645"/>
-          </a:xfrm>
-          <a:prstGeom prst="rect">
-            <a:avLst/>
-          </a:prstGeom>
-          <a:noFill/>
-          <a:ln>
-            <a:noFill/>
-          </a:ln>
-          <a:effectLst/>
-        </p:spPr>
-        <p:txBody>
-          <a:bodyPr vert="horz" wrap="square" lIns="90170" tIns="91440" rIns="90170" bIns="91440" numCol="1" spcCol="215900" anchor="t"/>
-          <a:lstStyle/>
-          <a:p>
-            <a:pPr>
-              <a:lnSpc>
-                <a:spcPct val="100000"/>
-              </a:lnSpc>
-              <a:defRPr lang="ru-ru" cap="none">
-                <a:latin typeface="Arial" pitchFamily="2" charset="-52"/>
-                <a:ea typeface="DejaVu Sans" pitchFamily="0" charset="0"/>
-                <a:cs typeface="DejaVu Sans" pitchFamily="0" charset="0"/>
-              </a:defRPr>
-            </a:pPr>
-            <a:r>
-              <a:t>Кейс по созданию бота подтвердил, что:</a:t>
-            </a:r>
-          </a:p>
-          <a:p>
-            <a:pPr marL="285750" indent="-285750">
-              <a:lnSpc>
-                <a:spcPct val="100000"/>
-              </a:lnSpc>
-              <a:buFontTx/>
-              <a:buChar char="-"/>
-              <a:defRPr lang="ru-ru" cap="none">
-                <a:latin typeface="Arial" pitchFamily="2" charset="-52"/>
-                <a:ea typeface="DejaVu Sans" pitchFamily="0" charset="0"/>
-                <a:cs typeface="DejaVu Sans" pitchFamily="0" charset="0"/>
-              </a:defRPr>
-            </a:pPr>
-            <a:r>
-              <a:t>с абитуриентами проще коммуницировать в мессенджерах, чем через эл.почту;</a:t>
-            </a:r>
-          </a:p>
-          <a:p>
-            <a:pPr marL="285750" indent="-285750">
-              <a:lnSpc>
-                <a:spcPct val="100000"/>
-              </a:lnSpc>
-              <a:buFontTx/>
-              <a:buChar char="-"/>
-              <a:defRPr lang="ru-ru" cap="none">
-                <a:latin typeface="Arial" pitchFamily="2" charset="-52"/>
-                <a:ea typeface="DejaVu Sans" pitchFamily="0" charset="0"/>
-                <a:cs typeface="DejaVu Sans" pitchFamily="0" charset="0"/>
-              </a:defRPr>
-            </a:pPr>
-            <a:r>
-              <a:t>чат-бот помогает вовлекать и удерживать аудиторию;</a:t>
-            </a:r>
-          </a:p>
-          <a:p>
-            <a:pPr marL="285750" indent="-285750">
-              <a:lnSpc>
-                <a:spcPct val="100000"/>
-              </a:lnSpc>
-              <a:buFontTx/>
-              <a:buChar char="-"/>
-              <a:defRPr lang="ru-ru" cap="none">
-                <a:latin typeface="Arial" pitchFamily="2" charset="-52"/>
-                <a:ea typeface="DejaVu Sans" pitchFamily="0" charset="0"/>
-                <a:cs typeface="DejaVu Sans" pitchFamily="0" charset="0"/>
-              </a:defRPr>
-            </a:pPr>
-            <a:r>
-              <a:t>Это трендовый способ структурировать информацию, что позволяет быстрее принять решение о поступлении;</a:t>
-            </a:r>
-          </a:p>
-          <a:p>
-            <a:pPr>
-              <a:lnSpc>
-                <a:spcPct val="100000"/>
-              </a:lnSpc>
-              <a:defRPr lang="ru-ru" cap="none">
-                <a:latin typeface="Arial" pitchFamily="2" charset="-52"/>
-                <a:ea typeface="DejaVu Sans" pitchFamily="0" charset="0"/>
-                <a:cs typeface="DejaVu Sans" pitchFamily="0" charset="0"/>
-              </a:defRPr>
-            </a:pPr>
-            <a:r>
-              <a:t>          -есть возможность геймификации, с </a:t>
-            </a:r>
-          </a:p>
-          <a:p>
-            <a:pPr>
-              <a:lnSpc>
-                <a:spcPct val="100000"/>
-              </a:lnSpc>
-              <a:defRPr lang="ru-ru" cap="none">
-                <a:latin typeface="Arial" pitchFamily="2" charset="-52"/>
-                <a:ea typeface="DejaVu Sans" pitchFamily="0" charset="0"/>
-                <a:cs typeface="DejaVu Sans" pitchFamily="0" charset="0"/>
-              </a:defRPr>
-            </a:pPr>
-            <a:r>
-              <a:t>              повышением конверсии </a:t>
-            </a:r>
-          </a:p>
-          <a:p>
-            <a:pPr>
-              <a:lnSpc>
-                <a:spcPct val="100000"/>
-              </a:lnSpc>
-              <a:defRPr lang="ru-ru" cap="none">
-                <a:latin typeface="Arial" pitchFamily="2" charset="-52"/>
-                <a:ea typeface="DejaVu Sans" pitchFamily="0" charset="0"/>
-                <a:cs typeface="DejaVu Sans" pitchFamily="0" charset="0"/>
-              </a:defRPr>
-            </a:pPr>
-            <a:r>
-              <a:t>                         поступающих.</a:t>
-            </a:r>
-          </a:p>
-        </p:txBody>
-      </p:sp>
-      <p:sp>
-        <p:nvSpPr>
-          <p:cNvPr id="5" name="CustomShape 4"/>
-          <p:cNvSpPr>
-            <a:extLst>
-              <a:ext uri="smNativeData">
-                <pr:smNativeData xmlns:pr="smNativeData" xmlns="smNativeData" val="SMDATA_15_37BZZRMAAAAlAAAAZgAAAA0AAAAAkAAAAEgAAACQAAAASAAAAAAAAAAAAAAAAAAAAAEAAABQAAAAAAAAAAAA8D8AAAAAAADwPwAAAAAAAOA/AAAAAAAA4D8AAAAAAADgPwAAAAAAAOA/AAAAAAAA4D8AAAAAAADgPwAAAAAAAOA/AAAAAAAA4D8CAAAAjAAAAAEAAAAAAAAAAAAAAP///wgAAAAAAAAAAAAAAAAAAAAAAAAAAAAAAAAAAAAAeAAAAAEAAABAAAAAAAAAAAAAAABaAAAAAAAAAAAAAAAAAAAAAAAAAAAAAAAAAAAAAAAAAAAAAAAAAAAAAAAAAAAAAAAAAAAAAAAAAAAAAAAAAAAAAAAAAAAAAAAAAAAAFAAAADwAAAAAAAAAAAAAAAAAAAkUAAAAAQAAABQAAAAUAAAAFAAAAAEAAAAAAAAAZAAAAGQAAAAAAAAAZAAAAGQAAAAVAAAAYAAAAAAAAAAAAAAADwAAACADAAAAAAAAAAAAAAEAAACgMgAAVgcAAKr4//8BAAAAf39/AAEAAABkAAAAAAAAABQAAABAHwAAAAAAACYAAAAAAAAAwOD//wAAAAAmAAAAZAAAABYAAABMAAAAAQAAAAAAAAAGAAAAAAAAAAEAAAAAAAANMgAAAAAAAAAAAAAAZAAAAGQAAAAAAAAAy8vLADIAAAAAAAAAAAAAAGQAAABkAAAAAAAAABcAAAAUAAAAAAAAAAAAAAD/fwAA/38AAAAAAAAJAAAABAAAAAAAAAAeAAAAaAAAAAAAAAAAAAAAAAAAAAAAAAAAAAAAECcAABAnAAAAAAAAAAAAAAAAAAAAAAAAAAAAAAAAAAAAAAAAAAAAAFIBAAAAAAAAwMD/AAAAAAAAAAAAAAAAAAAAAABkAAAAAAAAAH9/fwAKAAAAIgAAABgAAAAAAAAAAAAAAAAAAAAAAAAAAAAAAAAAAAAkAAAAJAAAAAAAAAAHAAAAAAAAAAAAAAAAAAAAAAAAAAAAAAAAAAAAf39/ACUAAABYAAAAAAAAAAAAAAAAAAAAAAAAAAAAAAAAAAAAAAAAAAAAAAAAAAAAAAAAAAAAAAA/AAAAAAAAAKCGAQAAAAAAAAAAAAAAAAAMAAAAAQAAAAAAAAAAAAAAAAAAAB8AAABUAAAAAAAAAP///wEAAAAAAAAAAAAAAAAAAAAAAAAAAAAAAAAAAAAAAAAAAAAAAAJ/f38AAAAABsvLywDAwP8Af39/AAAAAAAAAAAAAAAAAAAAAAAAAAAAIQAAABgAAAAUAAAAeSQAAEoXAABkKAAANRsAABAAAAAmAAAACAAAAP//////////"/>
-              </a:ext>
-            </a:extLst>
-          </p:cNvSpPr>
-          <p:nvPr/>
-        </p:nvSpPr>
-        <p:spPr>
-          <a:xfrm>
-            <a:off x="5928995" y="3785870"/>
-            <a:ext cx="636905" cy="636905"/>
+            <a:off x="7795895" y="-783590"/>
+            <a:ext cx="2162175" cy="2162175"/>
           </a:xfrm>
           <a:prstGeom prst="ellipse">
             <a:avLst/>
@@ -20172,11 +20010,11 @@
       </p:sp>
       <p:sp>
         <p:nvSpPr>
-          <p:cNvPr id="6" name="CustomShape 5"/>
-          <p:cNvSpPr>
-            <a:extLst>
-              <a:ext uri="smNativeData">
-                <pr:smNativeData xmlns:pr="smNativeData" xmlns="smNativeData" val="SMDATA_15_37BZZRMAAAAlAAAAZgAAAA0AAAAAkAAAAEgAAACQAAAASAAAAAAAAAAAAAAAAAAAAAEAAABQAAAAAAAAAAAA8D8AAAAAAADwPwAAAAAAAOA/AAAAAAAA4D8AAAAAAADgPwAAAAAAAOA/AAAAAAAA4D8AAAAAAADgPwAAAAAAAOA/AAAAAAAA4D8CAAAAjAAAAAEAAAADAAAA0UnOAEMwnwAAAAAAAAAAAAAAAAAAAAAAAAAAAAAAAAAAAAAAeAAAAAEAAABAAAAAAAAAAGQAAAAOAQAAAAAAAAAAAAAAAAAAAAAAAAAAAAAAAAAAAAAAAAAAAAAAAAAAAAAAAAAAAAAAAAAAAAAAAAAAAAAAAAAAAAAAAAAAAAAAAAAAFAAAADwAAAAAAAAAAAAAAAAAAAkUAAAAAQAAABQAAAAUAAAAFAAAAAEAAAAAAAAAZAAAAGQAAAAAAAAAZAAAAGQAAAAVAAAAYAAAAAAAAAAAAAAADwAAACADAAAAAAAAAAAAAAEAAACgMgAAVgcAAKr4//8BAAAAf39/AAEAAABkAAAAAAAAABQAAABAHwAAAAAAACYAAAAAAAAAwOD//wAAAAAmAAAAZAAAABYAAABMAAAAAAAAAAAAAAAEAAAAAAAAAAEAAADRSc4KAAAAACgAAAAoAAAAZAAAAGQAAAAAAAAAzMzMAAAAAABQAAAAUAAAAGQAAABkAAAAAAAAABcAAAAUAAAAAAAAAAAAAAD/fwAA/38AAAAAAAAJAAAABAAAAAAAAAAeAAAAaAAAAAAAAAAAAAAAAAAAAAAAAAAAAAAAECcAABAnAAAAAAAAAAAAAAAAAAAAAAAAAAAAAAAAAAAAAAAAAAAAABQAAAAAAAAAwMD/AAAAAABkAAAAMgAAAAAAAABkAAAAAAAAAH9/fwAKAAAAIgAAABgAAAAAAAAAAAAAAAAAAAAAAAAAAAAAAAAAAAAkAAAAJAAAAAAAAAAHAAAAAAAAAAAAAAAAAAAAAAAAAAAAAAAAAAAAf39/ACUAAABYAAAAAAAAAAAAAAAAAAAAAAAAAAAAAAAAAAAAAAAAAAAAAAAAAAAAAAAAAAAAAAA/AAAAAAAAAKCGAQAAAAAAAAAAAAAAAAAMAAAAAQAAAAAAAAAAAAAAAAAAAB8AAABUAAAA0UnOAEMwnwAAAAAAAAAAAAAAAAAAAAAAAAAAAAAAAAAAAAAAAAAAAAAAAAJ/f38A0UnOA8zMzADAwP8Af39/AAAAAAAAAAAAAAAAAAAAAAAAAAAAIQAAABgAAAAUAAAAdi8AACr7///DPAAAdwgAABAAAAAmAAAACAAAAP//////////"/>
+          <p:cNvPr id="5" name="CustomShape 3"/>
+          <p:cNvSpPr>
+            <a:extLst>
+              <a:ext uri="smNativeData">
+                <pr:smNativeData xmlns:pr="smNativeData" xmlns="smNativeData" val="SMDATA_15_8sFZZRMAAAAlAAAAZgAAAA0AAAAAkAAAAEgAAACQAAAASAAAAAAAAAAAAAAAAAAAAAEAAABQAAAAAAAAAAAA8D8AAAAAAADwPwAAAAAAAOA/AAAAAAAA4D8AAAAAAADgPwAAAAAAAOA/AAAAAAAA4D8AAAAAAADgPwAAAAAAAOA/AAAAAAAA4D8CAAAAjAAAAAEAAAADAAAA0UnOAEMwnwAAAAAAAAAAAAAAAAAAAAAAAAAAAAAAAAAAAAAAeAAAAAEAAABAAAAAAAAAAGQAAAAOAQAAAAAAAAAAAAAAAAAAAAAAAAAAAAAAAAAAAAAAAAAAAAAAAAAAAAAAAAAAAAAAAAAAAAAAAAAAAAAAAAAAAAAAAAAAAAAAAAAAFAAAADwAAAAAAAAAAAAAAAAAAAkUAAAAAQAAABQAAAAUAAAAFAAAAAEAAAAAAAAAZAAAAGQAAAAAAAAAZAAAAGQAAAAVAAAAYAAAAAAAAAAAAAAADwAAACADAAAAAAAAAAAAAAEAAACgMgAAVgcAAKr4//8BAAAAf39/AAEAAABkAAAAAAAAABQAAABAHwAAAAAAACYAAAAAAAAAwOD//wAAAAAmAAAAZAAAABYAAABMAAAAAAAAAAAAAAAEAAAAAAAAAAEAAADRSc4KAAAAACgAAAAoAAAAZAAAAGQAAAAAAAAAzMzMAAAAAABQAAAAUAAAAGQAAABkAAAAAAAAABcAAAAUAAAAAAAAAAAAAAD/fwAA/38AAAAAAAAJAAAABAAAADAwIj4eAAAAaAAAAAAAAAAAAAAAAAAAAAAAAAAAAAAAECcAABAnAAAAAAAAAAAAAAAAAAAAAAAAAAAAAAAAAAAAAAAAAAAAABQAAAAAAAAAwMD/AAAAAABkAAAAMgAAAAAAAABkAAAAAAAAAH9/fwAKAAAAIgAAABgAAAAAAAAAAAAAAAAAAAAAAAAAAAAAAAAAAAAkAAAAJAAAAAAAAAAHAAAAAAAAAAAAAAAAAAAAAAAAAAAAAAAAAAAAf39/ACUAAABYAAAAAAAAAAAAAAAAAAAAAAAAAAAAAAAAAAAAAAAAAAAAAAAAAAAAAAAAAAAAAAA/AAAAAAAAAKCGAQAAAAAAAAAAAAAAAAAMAAAAAQAAAAAAAAAAAAAAAAAAAB8AAABUAAAA0UnOAEMwnwAAAAAAAAAAAAAAAAAAAAAAAAAAAAAAAAAAAAAAAAAAAAAAAAJ/f38A0UnOA8zMzADAwP8Af39/AAAAAAAAAAAAAAAAAAAAAAAAAAAAIQAAABgAAAAUAAAAlS4AAFEBAACAMgAAPAUAABAAAAAmAAAACAAAAP//////////"/>
               </a:ext>
             </a:extLst>
           </p:cNvSpPr>
@@ -20184,8 +20022,8 @@
         </p:nvSpPr>
         <p:spPr>
           <a:xfrm>
-            <a:off x="7715250" y="-786130"/>
-            <a:ext cx="2162175" cy="2162175"/>
+            <a:off x="7572375" y="213995"/>
+            <a:ext cx="636905" cy="636905"/>
           </a:xfrm>
           <a:prstGeom prst="ellipse">
             <a:avLst/>
@@ -20210,11 +20048,11 @@
       </p:sp>
       <p:sp>
         <p:nvSpPr>
-          <p:cNvPr id="7" name="CustomShape 6"/>
-          <p:cNvSpPr>
-            <a:extLst>
-              <a:ext uri="smNativeData">
-                <pr:smNativeData xmlns:pr="smNativeData" xmlns="smNativeData" val="SMDATA_15_37BZZRMAAAAlAAAACwAAAA0AAAAAhAMAAFkIAABwCgAAWggAAAAAAAAAAAAAAAAAAAEAAABQAAAAAAAAAAAA4D8AAAAAAADgPwAAAAAAAOA/AAAAAAAA4D8AAAAAAADgPwAAAAAAAOA/AAAAAAAA4D8AAAAAAADgPwAAAAAAAOA/AAAAAAAA4D8CAAAAjAAAAAAAAAAAAAAAQzCfDP///wgAAAAAAAAAAAAAAAAAAAAAAAAAAAAAAAAAAAAAZAAAAAEAAABAAAAAAAAAAAAAAAAAAAAAAAAAAAAAAAAAAAAAAAAAAAAAAAAAAAAAAAAAAAAAAAAAAAAAAAAAAAAAAAAAAAAAAAAAAAAAAAAAAAAAAAAAAAAAAAAAAAAAFAAAADwAAAABAAAAAAAAAAAAAA0PAAAAAQAAACMAAAAjAAAAIwAAAB4AAAAAAAAAZAAAAGQAAAAAAAAAZAAAAGQAAAAVAAAAYAAAAAAAAAAAAAAADwAAACADAAAAAAAAAAAAAAEAAACgMgAAVgcAAKr4//8BAAAAf39/AAEAAABkAAAAAAAAABQAAABAHwAAAAAAACYAAAAAAAAAwOD//wAAAAAmAAAAZAAAABYAAABMAAAAAAAAAAAAAAAEAAAAAAAAAAEAAADRSc4KAAAAACgAAAAoAAAAZAAAAGQAAAAAAAAAzMzMAAAAAABQAAAAUAAAAGQAAABkAAAAAAAAABcAAAAUAAAAAAAAAAAAAAD/fwAA/38AAAAAAAAJAAAABAAAAAAAAAAeAAAAaAAAAAAAAAAAAAAAAAAAAAAAAAAAAAAAECcAABAnAAAAAAAAAAAAAAAAAAAAAAAAAAAAAAAAAAAAAAAAAAAAABQAAAAAAAAAwMD/AAAAAABkAAAAMgAAAAAAAABkAAAAAAAAAH9/fwAKAAAAIgAAABgAAAAAAAAAAAAAAAAAAAAAAAAAAAAAAAAAAAAkAAAAJAAAAAAAAAAHAAAAAAAAAAAAAAAAAAAAAAAAAAAAAAAAAAAAf39/ACUAAABYAAAAAAAAAAAAAAAAAAAAAAAAAAAAAAAAAAAAAAAAAAAAAAAAAAAAAAAAAAAAAAA/AAAAAAAAAKCGAQAAAAAAAAAAAAAAAAAMAAAAAQAAAAAAAAAAAAAAAAAAAB8AAABUAAAAQzCfBf///wEAAAAAAAAAAAAAAAAAAAAAAAAAAAAAAAAAAAAAAAAAAAAAAAZ/f38A0UnOA8zMzADAwP8Af39/AAAAAAAAAAAAAAAAAAAAAAAAAAAAIQAAABgAAAAUAAAAhAMAAFkIAABwCgAAWggAABAAAAAmAAAACAAAAP//////////"/>
+          <p:cNvPr id="6" name="CustomShape 4"/>
+          <p:cNvSpPr>
+            <a:extLst>
+              <a:ext uri="smNativeData">
+                <pr:smNativeData xmlns:pr="smNativeData" xmlns="smNativeData" val="SMDATA_15_8sFZZRMAAAAlAAAAZAAAAA0AAAAAjgAAAJAAAACOAAAAkAAAAAAAAAAAAAAAAAAAAAEAAABQAAAAAAAAAAAA4D8AAAAAAADgPwAAAAAAAOA/AAAAAAAA4D8AAAAAAADgPwAAAAAAAOA/AAAAAAAA4D8AAAAAAADgPwAAAAAAAOA/AAAAAAAA4D8CAAAAjAAAAAAAAAAAAAAAQzCfDP///wgAAAAAAAAAAAAAAAAAAAAAAAAAAAAAAAAAAAAAZAAAAAEAAABAAAAAAAAAAAAAAAAAAAAAAAAAAAAAAAAAAAAAAAAAAAAAAAAAAAAAAAAAAAAAAAAAAAAAAAAAAAAAAAAAAAAAAAAAAAAAAAAAAAAAAAAAAAAAAAAAAAAAFAAAADwAAAAAAAAAAAAAAAAAAAkUAAAAAQAAABQAAAAUAAAAFAAAAAEAAAAAAAAAZAAAAGQAAAAAAAAAZAAAAGQAAAAVAAAAYAAAAAAAAAAAAAAADwAAACADAAAAAAAAAAAAAAEAAACgMgAAVgcAAKr4//8BAAAAf39/AAEAAABkAAAAAAAAABQAAABAHwAAAAAAACYAAAAAAAAAwOD//wAAAAAmAAAAZAAAABYAAABMAAAAAAAAAAAAAAAEAAAAAAAAAAEAAADRSc4KAAAAACgAAAAoAAAAZAAAAGQAAAAAAAAAzMzMAAAAAABQAAAAUAAAAGQAAABkAAAAAAAAABcAAAAUAAAAAAAAAAAAAAD/fwAA/38AAAAAAAAJAAAABAAAAAAAAAAeAAAAaAAAAAAAAAAAAAAAAAAAAAAAAAAAAAAAECcAABAnAAAAAAAAAAAAAAAAAAAAAAAAAAAAAAAAAAAAAAAAAAAAABQAAAAAAAAAwMD/AAAAAABkAAAAMgAAAAAAAABkAAAAAAAAAH9/fwAKAAAAIgAAABgAAAAAAAAAAAAAAAAAAAAAAAAAAAAAAAAAAAAkAAAAJAAAAAAAAAAHAAAAAAAAAAAAAAAAAAAAAAAAAAAAAAAAAAAAf39/ACUAAABYAAAAAAAAAAAAAAAAAAAAAAAAAAAAAAAAAAAAAAAAAAAAAAAAAAAAAAAAAAAAAAA/AAAAAAAAAKCGAQAAAAAAAAAAAAAAAAAMAAAAAQAAAAAAAAAAAAAAAAAAAB8AAABUAAAAQzCfBf///wEAAAAAAAAAAAAAAAAAAAAAAAAAAAAAAAAAAAAAAAAAAAAAAAJ/f38A0UnOA8zMzADAwP8Af39/AAAAAAAAAAAAAAAAAAAAAAAAAAAAIQAAABgAAAAUAAAAPQMAAKsHAAC0MgAASwsAABAAAAAmAAAACAAAAP//////////"/>
               </a:ext>
             </a:extLst>
           </p:cNvSpPr>
@@ -20222,110 +20060,185 @@
         </p:nvSpPr>
         <p:spPr>
           <a:xfrm>
-            <a:off x="571500" y="1356995"/>
-            <a:ext cx="1125220" cy="635"/>
-          </a:xfrm>
-          <a:custGeom>
-            <a:avLst/>
-            <a:gdLst/>
-            <a:ahLst/>
-            <a:cxnLst/>
-            <a:rect l="0" t="0" r="1125220" b="635"/>
-            <a:pathLst>
-              <a:path w="1125220" h="635">
-                <a:moveTo>
-                  <a:pt x="0" y="0"/>
-                </a:moveTo>
-                <a:lnTo>
-                  <a:pt x="1125220" y="0"/>
-                </a:lnTo>
-              </a:path>
-            </a:pathLst>
-          </a:custGeom>
-          <a:noFill/>
-          <a:ln w="9525" cap="flat" cmpd="sng" algn="ctr">
-            <a:solidFill>
-              <a:schemeClr val="accent2"/>
-            </a:solidFill>
-            <a:prstDash val="solid"/>
-            <a:headEnd type="none"/>
-            <a:tailEnd type="none"/>
-          </a:ln>
-          <a:effectLst/>
-        </p:spPr>
-      </p:sp>
-      <p:sp>
-        <p:nvSpPr>
-          <p:cNvPr id="8" name="CustomShape 7"/>
-          <p:cNvSpPr>
-            <a:extLst>
-              <a:ext uri="smNativeData">
-                <pr:smNativeData xmlns:pr="smNativeData" xmlns="smNativeData" val="SMDATA_15_37BZZRMAAAAlAAAAZgAAAA0AAAAAkAAAAEgAAACQAAAASAAAAAAAAAAAAAAAAAAAAAEAAABQAAAAAAAAAAAA8D8AAAAAAADwPwAAAAAAAOA/AAAAAAAA4D8AAAAAAADgPwAAAAAAAOA/AAAAAAAA4D8AAAAAAADgPwAAAAAAAOA/AAAAAAAA4D8CAAAAjAAAAAEAAAAAAAAAAAAAAP///wgAAAAAAAAAAAAAAAAAAAAAAAAAAAAAAAAAAAAAeAAAAAEAAABAAAAAAAAAAAAAAABaAAAAAAAAAAAAAAAAAAAAAAAAAAAAAAAAAAAAAAAAAAAAAAAAAAAAAAAAAAAAAAAAAAAAAAAAAAAAAAAAAAAAAAAAAAAAAAAAAAAAFAAAADwAAAAAAAAAAAAAAAAAAAkUAAAAAQAAABQAAAAUAAAAFAAAAAEAAAAAAAAAZAAAAGQAAAAAAAAAZAAAAGQAAAAVAAAAYAAAAAAAAAAAAAAADwAAACADAAAAAAAAAAAAAAEAAACgMgAAVgcAAKr4//8BAAAAf39/AAEAAABkAAAAAAAAABQAAABAHwAAAAAAACYAAAAAAAAAwOD//wAAAAAmAAAAZAAAABYAAABMAAAAAQAAAAAAAAAGAAAAAAAAAAEAAAAAAAANMgAAAAAAAAAAAAAAZAAAAGQAAAAAAAAAy8vLADIAAAAAAAAAAAAAAGQAAABkAAAAAAAAABcAAAAUAAAAAAAAAAAAAAD/fwAA/38AAAAAAAAJAAAABAAAAAAAAAAeAAAAaAAAAAAAAAAAAAAAAAAAAAAAAAAAAAAAECcAABAnAAAAAAAAAAAAAAAAAAAAAAAAAAAAAAAAAAAAAAAAAAAAAFIBAAAAAAAAwMD/AAAAAAAAAAAAAAAAAAAAAABkAAAAAAAAAH9/fwAKAAAAIgAAABgAAAAAAAAAAAAAAAAAAAAAAAAAAAAAAAAAAAAkAAAAJAAAAAAAAAAHAAAAAAAAAAAAAAAAAAAAAAAAAAAAAAAAAAAAf39/ACUAAABYAAAAAAAAAAAAAAAAAAAAAAAAAAAAAAAAAAAAAAAAAAAAAAAAAAAAAAAAAAAAAAA/AAAAAAAAAKCGAQAAAAAAAAAAAAAAAAAMAAAAAQAAAAAAAAAAAAAAAAAAAB8AAABUAAAAAAAAAP///wEAAAAAAAAAAAAAAAAAAAAAAAAAAAAAAAAAAAAAAAAAAAAAAAJ/f38AAAAABsvLywDAwP8Af39/AAAAAAAAAAAAAAAAAAAAAAAAAAAAIQAAABgAAAAUAAAA1fb//3kWAAArCQAAzygAABAAAAAmAAAACAAAAP//////////"/>
-              </a:ext>
-            </a:extLst>
-          </p:cNvSpPr>
-          <p:nvPr/>
-        </p:nvSpPr>
-        <p:spPr>
-          <a:xfrm>
-            <a:off x="-1490345" y="3653155"/>
-            <a:ext cx="2980690" cy="2980690"/>
-          </a:xfrm>
-          <a:prstGeom prst="ellipse">
+            <a:off x="526415" y="1246505"/>
+            <a:ext cx="7715885" cy="589280"/>
+          </a:xfrm>
+          <a:prstGeom prst="rect">
             <a:avLst/>
           </a:prstGeom>
-          <a:solidFill>
-            <a:srgbClr val="000000"/>
-          </a:solidFill>
-          <a:ln>
-            <a:noFill/>
-          </a:ln>
-          <a:effectLst>
-            <a:outerShdw blurRad="214630" dist="0" dir="0" algn="bl">
-              <a:schemeClr val="accent2">
-                <a:alpha val="50000"/>
-              </a:schemeClr>
-            </a:outerShdw>
-          </a:effectLst>
-        </p:spPr>
-      </p:sp>
-      <p:sp>
-        <p:nvSpPr>
-          <p:cNvPr id="9" name="CustomShape 8"/>
-          <p:cNvSpPr>
-            <a:extLst>
-              <a:ext uri="smNativeData">
-                <pr:smNativeData xmlns:pr="smNativeData" xmlns="smNativeData" val="SMDATA_15_37BZZRMAAAAlAAAAZgAAAA0AAAAAkAAAAEgAAACQAAAASAAAAAAAAAAAAAAAAAAAAAEAAABQAAAAAAAAAAAA8D8AAAAAAADwPwAAAAAAAOA/AAAAAAAA4D8AAAAAAADgPwAAAAAAAOA/AAAAAAAA4D8AAAAAAADgPwAAAAAAAOA/AAAAAAAA4D8CAAAAjAAAAAEAAAADAAAA0UnOAEMwnwAAAAAAAAAAAAAAAAAAAAAAAAAAAAAAAAAAAAAAeAAAAAEAAABAAAAAAAAAAGQAAAAOAQAAAAAAAAAAAAAAAAAAAAAAAAAAAAAAAAAAAAAAAAAAAAAAAAAAAAAAAAAAAAAAAAAAAAAAAAAAAAAAAAAAAAAAAAAAAAAAAAAAFAAAADwAAAAAAAAAAAAAAAAAAAkUAAAAAQAAABQAAAAUAAAAFAAAAAEAAAAAAAAAZAAAAGQAAAAAAAAAZAAAAGQAAAAVAAAAYAAAAAAAAAAAAAAADwAAACADAAAAAAAAAAAAAAEAAACgMgAAVgcAAKr4//8BAAAAf39/AAEAAABkAAAAAAAAABQAAABAHwAAAAAAACYAAAAAAAAAwOD//wAAAAAmAAAAZAAAABYAAABMAAAAAAAAAAAAAAAEAAAAAAAAAAEAAADRSc4KAAAAACgAAAAoAAAAZAAAAGQAAAAAAAAAzMzMAAAAAABQAAAAUAAAAGQAAABkAAAAAAAAABcAAAAUAAAAAAAAAAAAAAD/fwAA/38AAAAAAAAJAAAABAAAAAAAAAAeAAAAaAAAAAAAAAAAAAAAAAAAAAAAAAAAAAAAECcAABAnAAAAAAAAAAAAAAAAAAAAAAAAAAAAAAAAAAAAAAAAAAAAABQAAAAAAAAAwMD/AAAAAABkAAAAMgAAAAAAAABkAAAAAAAAAH9/fwAKAAAAIgAAABgAAAAAAAAAAAAAAAAAAAAAAAAAAAAAAAAAAAAkAAAAJAAAAAAAAAAHAAAAAAAAAAAAAAAAAAAAAAAAAAAAAAAAAAAAf39/ACUAAABYAAAAAAAAAAAAAAAAAAAAAAAAAAAAAAAAAAAAAAAAAAAAAAAAAAAAAAAAAAAAAAA/AAAAAAAAAKCGAQAAAAAAAAAAAAAAAAAMAAAAAQAAAAAAAAAAAAAAAAAAAB8AAABUAAAA0UnOAEMwnwAAAAAAAAAAAAAAAAAAAAAAAAAAAAAAAAAAAAAAAAAAAAAAAAJ/f38A0UnOA8zMzADAwP8Af39/AAAAAAAAAAAAAAAAAAAAAAAAAAAAIQAAABgAAAAUAAAAtgUAAA8bAADhDgAAOSQAABAAAAAmAAAACAAAAP//////////"/>
-              </a:ext>
-            </a:extLst>
-          </p:cNvSpPr>
-          <p:nvPr/>
-        </p:nvSpPr>
-        <p:spPr>
-          <a:xfrm>
-            <a:off x="928370" y="4398645"/>
-            <a:ext cx="1490345" cy="1489710"/>
-          </a:xfrm>
-          <a:prstGeom prst="ellipse">
-            <a:avLst/>
-          </a:prstGeom>
-          <a:gradFill flip="none" rotWithShape="0">
-            <a:gsLst>
-              <a:gs pos="0">
-                <a:srgbClr val="D149CE"/>
-              </a:gs>
-              <a:gs pos="100000">
-                <a:srgbClr val="43309F"/>
-              </a:gs>
-            </a:gsLst>
-            <a:lin ang="5400000" scaled="0"/>
-            <a:tileRect/>
-          </a:gradFill>
+          <a:noFill/>
           <a:ln>
             <a:noFill/>
           </a:ln>
           <a:effectLst/>
         </p:spPr>
+        <p:txBody>
+          <a:bodyPr vert="horz" wrap="square" lIns="90170" tIns="91440" rIns="90170" bIns="91440" numCol="1" spcCol="215900" anchor="t"/>
+          <a:lstStyle/>
+          <a:p>
+            <a:pPr>
+              <a:lnSpc>
+                <a:spcPct val="100000"/>
+              </a:lnSpc>
+              <a:defRPr lang="ru-ru" cap="none">
+                <a:latin typeface="Arial" pitchFamily="2" charset="-52"/>
+                <a:ea typeface="DejaVu Sans" pitchFamily="0" charset="0"/>
+                <a:cs typeface="DejaVu Sans" pitchFamily="0" charset="0"/>
+              </a:defRPr>
+            </a:pPr>
+            <a:r>
+              <a:rPr lang="ru-ru" sz="2000" cap="none">
+                <a:solidFill>
+                  <a:srgbClr val="3F3F3F"/>
+                </a:solidFill>
+              </a:rPr>
+              <a:t>1. Добавить больше полезных и необходимых функций:</a:t>
+            </a:r>
+            <a:endParaRPr lang="ru-ru" sz="2000" cap="none">
+              <a:solidFill>
+                <a:srgbClr val="3F3F3F"/>
+              </a:solidFill>
+            </a:endParaRPr>
+          </a:p>
+          <a:p>
+            <a:pPr marL="269875">
+              <a:lnSpc>
+                <a:spcPct val="100000"/>
+              </a:lnSpc>
+              <a:defRPr lang="ru-ru" cap="none">
+                <a:latin typeface="Arial" pitchFamily="2" charset="-52"/>
+                <a:ea typeface="DejaVu Sans" pitchFamily="0" charset="0"/>
+                <a:cs typeface="DejaVu Sans" pitchFamily="0" charset="0"/>
+              </a:defRPr>
+            </a:pPr>
+            <a:r>
+              <a:rPr lang="ru-ru" sz="2000" cap="none">
+                <a:solidFill>
+                  <a:srgbClr val="3F3F3F"/>
+                </a:solidFill>
+              </a:rPr>
+              <a:t>расширить геймификацию, где игровой чат-бот     разъяснит о направлениях ПИШ и поможет окунуться в профессию еще до поступления;</a:t>
+            </a:r>
+            <a:endParaRPr lang="ru-ru" sz="2000" cap="none">
+              <a:solidFill>
+                <a:srgbClr val="3F3F3F"/>
+              </a:solidFill>
+            </a:endParaRPr>
+          </a:p>
+          <a:p>
+            <a:pPr>
+              <a:lnSpc>
+                <a:spcPct val="100000"/>
+              </a:lnSpc>
+              <a:defRPr lang="ru-ru" cap="none">
+                <a:latin typeface="Arial" pitchFamily="2" charset="-52"/>
+                <a:ea typeface="DejaVu Sans" pitchFamily="0" charset="0"/>
+                <a:cs typeface="DejaVu Sans" pitchFamily="0" charset="0"/>
+              </a:defRPr>
+            </a:pPr>
+            <a:r>
+              <a:rPr lang="ru-ru" sz="2000" cap="none">
+                <a:solidFill>
+                  <a:srgbClr val="3F3F3F"/>
+                </a:solidFill>
+              </a:rPr>
+              <a:t>2. Настроить автоворонку среди целевой аудитории;</a:t>
+            </a:r>
+            <a:endParaRPr lang="ru-ru" sz="2000" cap="none">
+              <a:solidFill>
+                <a:srgbClr val="3F3F3F"/>
+              </a:solidFill>
+            </a:endParaRPr>
+          </a:p>
+          <a:p>
+            <a:pPr marL="635">
+              <a:lnSpc>
+                <a:spcPct val="100000"/>
+              </a:lnSpc>
+              <a:defRPr lang="ru-ru" cap="none">
+                <a:latin typeface="Arial" pitchFamily="2" charset="-52"/>
+                <a:ea typeface="DejaVu Sans" pitchFamily="0" charset="0"/>
+                <a:cs typeface="DejaVu Sans" pitchFamily="0" charset="0"/>
+              </a:defRPr>
+            </a:pPr>
+            <a:r>
+              <a:rPr lang="ru-ru" sz="2000" cap="none">
+                <a:solidFill>
+                  <a:srgbClr val="3F3F3F"/>
+                </a:solidFill>
+              </a:rPr>
+              <a:t>3. Упростить с помощью чат-бота процесс регистрации и зачисления;</a:t>
+            </a:r>
+            <a:endParaRPr lang="ru-ru" sz="2000" cap="none">
+              <a:solidFill>
+                <a:srgbClr val="3F3F3F"/>
+              </a:solidFill>
+            </a:endParaRPr>
+          </a:p>
+          <a:p>
+            <a:pPr marL="635">
+              <a:lnSpc>
+                <a:spcPct val="100000"/>
+              </a:lnSpc>
+              <a:defRPr lang="ru-ru" cap="none">
+                <a:latin typeface="Arial" pitchFamily="2" charset="-52"/>
+                <a:ea typeface="DejaVu Sans" pitchFamily="0" charset="0"/>
+                <a:cs typeface="DejaVu Sans" pitchFamily="0" charset="0"/>
+              </a:defRPr>
+            </a:pPr>
+            <a:r>
+              <a:rPr lang="ru-ru" sz="2000" cap="none">
+                <a:solidFill>
+                  <a:srgbClr val="3F3F3F"/>
+                </a:solidFill>
+              </a:rPr>
+              <a:t>4. Написание скриптов для менеджеров, в случае необходимости живого общения в чат-боте;</a:t>
+            </a:r>
+            <a:endParaRPr lang="ru-ru" sz="2000" cap="none">
+              <a:solidFill>
+                <a:srgbClr val="3F3F3F"/>
+              </a:solidFill>
+            </a:endParaRPr>
+          </a:p>
+          <a:p>
+            <a:pPr>
+              <a:lnSpc>
+                <a:spcPct val="100000"/>
+              </a:lnSpc>
+              <a:defRPr lang="ru-ru" cap="none">
+                <a:latin typeface="Arial" pitchFamily="2" charset="-52"/>
+                <a:ea typeface="DejaVu Sans" pitchFamily="0" charset="0"/>
+                <a:cs typeface="DejaVu Sans" pitchFamily="0" charset="0"/>
+              </a:defRPr>
+            </a:pPr>
+            <a:r>
+              <a:rPr lang="ru-ru" sz="2000" cap="none">
+                <a:solidFill>
+                  <a:srgbClr val="3F3F3F"/>
+                </a:solidFill>
+              </a:rPr>
+              <a:t>5. Собирать фидбек и данных потенциальных студентов.</a:t>
+            </a:r>
+            <a:endParaRPr lang="ru-ru" sz="2000" cap="none">
+              <a:solidFill>
+                <a:srgbClr val="3F3F3F"/>
+              </a:solidFill>
+            </a:endParaRPr>
+          </a:p>
+          <a:p>
+            <a:pPr>
+              <a:lnSpc>
+                <a:spcPct val="100000"/>
+              </a:lnSpc>
+              <a:defRPr lang="ru-ru" cap="none">
+                <a:latin typeface="Arial" pitchFamily="2" charset="-52"/>
+                <a:ea typeface="DejaVu Sans" pitchFamily="0" charset="0"/>
+                <a:cs typeface="DejaVu Sans" pitchFamily="0" charset="0"/>
+              </a:defRPr>
+            </a:pPr>
+            <a:endParaRPr lang="ru-ru" sz="2000" cap="none"/>
+          </a:p>
+        </p:txBody>
       </p:sp>
     </p:spTree>
   </p:cSld>
@@ -20359,13 +20272,1144 @@
           <a:chExt cx="0" cy="0"/>
         </a:xfrm>
       </p:grpSpPr>
+      <p:pic>
+        <p:nvPicPr>
+          <p:cNvPr id="2" name="Picture 3"/>
+          <p:cNvPicPr>
+            <a:extLst>
+              <a:ext uri="smNativeData">
+                <pr:smNativeData xmlns:pr="smNativeData" xmlns="smNativeData" val="SMDATA_17_8sFZZRMAAAAlAAAAEQAAAA0AAAAAkAAAAEgAAACQAAAASAAAAAAAAAAAAAAAAAAAAAEAAABQAAAAAAAAAAAA4D8AAAAAAADgPwAAAAAAAOA/AAAAAAAA4D8AAAAAAADgPwAAAAAAAOA/AAAAAAAA4D8AAAAAAADgPwAAAAAAAOA/AAAAAAAA4D8CAAAAjAAAAAAAAAAAAAAAQzCfDP///wgAAAAAAAAAAAAAAAAAAAAAAAAAAAAAAAAAAAAAZAAAAAEAAABAAAAAAAAAAAAAAAAAAAAAAAAAAAAAAAAAAAAAAAAAAAAAAAAAAAAAAAAAAAAAAAAAAAAAAAAAAAAAAAAAAAAAAAAAAAAAAAAAAAAAAAAAAAAAAAAAAAAAFAAAADwAAAAAAAAAAAAAAAAAAAkUAAAAAQAAABQAAAAUAAAAFAAAAAEAAAAAAAAAZAAAAGQAAAAAAAAAZAAAAGQAAAAVAAAAYAAAAAAAAAAAAAAADwAAACADAAAAAAAAAAAAAAEAAACgMgAAVgcAAKr4//8BAAAAf39/AAEAAABkAAAAAAAAABQAAABAHwAAAAAAACYAAAAAAAAAwOD//wAAAAAmAAAAZAAAABYAAABMAAAAAAAAAAAAAAAEAAAAAAAAAAEAAADRSc4KAAAAACgAAAAoAAAAZAAAAGQAAAAAAAAAzMzMAAAAAABQAAAAUAAAAGQAAABkAAAAAAAAAAcAAAA4AAAAAAAAAAAAAAAAAAAA////AAAAAAAAAAAAAAAAAAAAAAAAAAAAAAAAAAAAAABkAAAAZAAAAAAAAAAjAAAABAAAAGQAAAAXAAAAFAAAAAAAAAAAAAAA/38AAP9/AAAAAAAACQAAAAQAAAD78/j7HgAAAGgAAAAAAAAAAAAAAAAAAAAAAAAAAAAAABAnAAAQJwAAAAAAAAAAAAAAAAAAAAAAAAAAAAAAAAAAAAAAAAAAAAAUAAAAAAAAAMDA/wAAAAAAZAAAADIAAAAAAAAAZAAAAAAAAAB/f38ACgAAACIAAAAYAAAAAAAAAAAAAAAAAAAAAAAAAAAAAAAAAAAAJAAAACQAAAAAAAAABwAAAAAAAAAAAAAAAAAAAAAAAAAAAAAAAAAAAH9/fwAlAAAAWAAAAAAAAAAAAAAAAAAAAAAAAAAAAAAAAAAAAAAAAAAAAAAAAAAAAAAAAAAAAAAAPwAAAAAAAACghgEAAAAAAAAAAAAAAAAADAAAAAEAAAAAAAAAAAAAAAAAAAAfAAAAVAAAAEMwnwX///8BAAAAAAAAAAAAAAAAAAAAAAAAAAAAAAAAAAAAAAAAAAAAAAACf39/ANFJzgPMzMwAwMD/AH9/fwAAAAAAAAAAAAAAAAD///8AAAAAACEAAAAYAAAAFAAAAKErAAB1EgAAXzcAAHIdAAAQAAAAJgAAAAgAAAD//////////w=="/>
+              </a:ext>
+            </a:extLst>
+          </p:cNvPicPr>
+          <p:nvPr/>
+        </p:nvPicPr>
+        <p:blipFill>
+          <a:blip r:embed="rId2"/>
+          <a:stretch>
+            <a:fillRect/>
+          </a:stretch>
+        </p:blipFill>
+        <p:spPr>
+          <a:xfrm>
+            <a:off x="7092315" y="3000375"/>
+            <a:ext cx="1908810" cy="1786255"/>
+          </a:xfrm>
+          <a:prstGeom prst="rect">
+            <a:avLst/>
+          </a:prstGeom>
+          <a:noFill/>
+          <a:ln>
+            <a:noFill/>
+          </a:ln>
+          <a:effectLst/>
+        </p:spPr>
+      </p:pic>
+      <p:sp>
+        <p:nvSpPr>
+          <p:cNvPr id="3" name="CustomShape 1"/>
+          <p:cNvSpPr>
+            <a:extLst>
+              <a:ext uri="smNativeData">
+                <pr:smNativeData xmlns:pr="smNativeData" xmlns="smNativeData" val="SMDATA_15_8sFZZRMAAAAlAAAAZAAAAA0AAAAAjgAAAJAAAACOAAAAkAAAAAAAAAABAAAAAAAAAAEAAABQAAAAAAAAAAAA4D8AAAAAAADgPwAAAAAAAOA/AAAAAAAA4D8AAAAAAADgPwAAAAAAAOA/AAAAAAAA4D8AAAAAAADgPwAAAAAAAOA/AAAAAAAA4D8CAAAAjAAAAAAAAAAAAAAAQzCfDP///wgAAAAAAAAAAAAAAAAAAAAAAAAAAAAAAAAAAAAAZAAAAAEAAABAAAAAAAAAAAAAAAAAAAAAAAAAAAAAAAAAAAAAAAAAAAAAAAAAAAAAAAAAAAAAAAAAAAAAAAAAAAAAAAAAAAAAAAAAAAAAAAAAAAAAAAAAAAAAAAAAAAAAFAAAADwAAAAAAAAAAAAAAAAAAAkUAAAAAQAAABQAAAAUAAAAFAAAAAEAAAAAAAAAZAAAAGQAAAAAAAAAZAAAAGQAAAAVAAAAYAAAAAAAAAAAAAAADwAAACADAAAAAAAAAAAAAAEAAACgMgAAVgcAAKr4//8BAAAAf39/AAEAAABkAAAAAAAAABQAAABAHwAAAAAAACYAAAAAAAAAwOD//wAAAAAmAAAAZAAAABYAAABMAAAAAAAAAAAAAAAEAAAAAAAAAAEAAADRSc4KAAAAACgAAAAoAAAAZAAAAGQAAAAAAAAAzMzMAAAAAABQAAAAUAAAAGQAAABkAAAAAAAAABcAAAAUAAAAAAAAAAAAAAD/fwAA/38AAAAAAAAJAAAABAAAAAAAAAAeAAAAaAAAAAAAAAAAAAAAAAAAAAAAAAAAAAAAECcAABAnAAAAAAAAAAAAAAAAAAAAAAAAAAAAAAAAAAAAAAAAAAAAABQAAAAAAAAAwMD/AAAAAABkAAAAMgAAAAAAAABkAAAAAAAAAH9/fwAKAAAAIgAAABgAAAAAAAAAAAAAAAAAAAAAAAAAAAAAAAAAAAAkAAAAJAAAAAAAAAAHAAAAAAAAAAAAAAAAAAAAAAAAAAAAAAAAAAAAf39/ACUAAABYAAAAAAAAAAAAAAAAAAAAAAAAAAAAAAAAAAAAAAAAAAAAAAAAAAAAAAAAAAAAAAA/AAAAAAAAAKCGAQAAAAAAAAAAAAAAAAAMAAAAAQAAAAAAAAAAAAAAAAAAAB8AAABUAAAAQzCfBf///wEAAAAAAAAAAAAAAAAAAAAAAAAAAAAAAAAAAAAAAAAAAAAAAAJ/f38A0UnOA8zMzADAwP8Af39/AAAAAAAAAAAAAAAAAAAAAAAAAAAAIQAAABgAAAAUAAAAhAMAAIQDAAD8MgAAcwYAABAAAAAmAAAACAAAAP//////////"/>
+              </a:ext>
+            </a:extLst>
+          </p:cNvSpPr>
+          <p:nvPr/>
+        </p:nvSpPr>
+        <p:spPr>
+          <a:xfrm>
+            <a:off x="571500" y="571500"/>
+            <a:ext cx="7716520" cy="476885"/>
+          </a:xfrm>
+          <a:prstGeom prst="rect">
+            <a:avLst/>
+          </a:prstGeom>
+          <a:noFill/>
+          <a:ln>
+            <a:noFill/>
+          </a:ln>
+          <a:effectLst/>
+        </p:spPr>
+        <p:txBody>
+          <a:bodyPr vert="horz" wrap="square" lIns="90170" tIns="91440" rIns="90170" bIns="91440" numCol="1" spcCol="215900" anchor="ctr"/>
+          <a:lstStyle/>
+          <a:p>
+            <a:pPr>
+              <a:lnSpc>
+                <a:spcPct val="100000"/>
+              </a:lnSpc>
+              <a:defRPr lang="ru-ru" cap="none">
+                <a:latin typeface="Arial" pitchFamily="2" charset="-52"/>
+                <a:ea typeface="DejaVu Sans" pitchFamily="0" charset="0"/>
+                <a:cs typeface="DejaVu Sans" pitchFamily="0" charset="0"/>
+              </a:defRPr>
+            </a:pPr>
+            <a:r>
+              <a:rPr lang="ru-ru" sz="3000" b="1" cap="none">
+                <a:solidFill>
+                  <a:srgbClr val="000000"/>
+                </a:solidFill>
+                <a:latin typeface="Poppins SemiBold" pitchFamily="0" charset="0"/>
+                <a:ea typeface="Poppins SemiBold" pitchFamily="0" charset="0"/>
+                <a:cs typeface="DejaVu Sans" pitchFamily="0" charset="0"/>
+              </a:rPr>
+              <a:t>Перспективы развития</a:t>
+            </a:r>
+            <a:endParaRPr lang="ru-ru" sz="3000" cap="none"/>
+          </a:p>
+        </p:txBody>
+      </p:sp>
+      <p:sp>
+        <p:nvSpPr>
+          <p:cNvPr id="4" name="CustomShape 2"/>
+          <p:cNvSpPr>
+            <a:extLst>
+              <a:ext uri="smNativeData">
+                <pr:smNativeData xmlns:pr="smNativeData" xmlns="smNativeData" val="SMDATA_15_8sFZZRMAAAAlAAAAZgAAAA0AAAAAkAAAAEgAAACQAAAASAAAAAAAAAAAAAAAAAAAAAEAAABQAAAAAAAAAAAA8D8AAAAAAADwPwAAAAAAAOA/AAAAAAAA4D8AAAAAAADgPwAAAAAAAOA/AAAAAAAA4D8AAAAAAADgPwAAAAAAAOA/AAAAAAAA4D8CAAAAjAAAAAEAAAAAAAAAAAAAAP///wgAAAAAAAAAAAAAAAAAAAAAAAAAAAAAAAAAAAAAeAAAAAEAAABAAAAAAAAAAAAAAABaAAAAAAAAAAAAAAAAAAAAAAAAAAAAAAAAAAAAAAAAAAAAAAAAAAAAAAAAAAAAAAAAAAAAAAAAAAAAAAAAAAAAAAAAAAAAAAAAAAAAFAAAADwAAAAAAAAAAAAAAAAAAAkUAAAAAQAAABQAAAAUAAAAFAAAAAEAAAAAAAAAZAAAAGQAAAAAAAAAZAAAAGQAAAAVAAAAYAAAAAAAAAAAAAAADwAAACADAAAAAAAAAAAAAAEAAACgMgAAVgcAAKr4//8BAAAAf39/AAEAAABkAAAAAAAAABQAAABAHwAAAAAAACYAAAAAAAAAwOD//wAAAAAmAAAAZAAAABYAAABMAAAAAQAAAAAAAAAGAAAAAAAAAAEAAAAAAAANMgAAAAAAAAAAAAAAZAAAAGQAAAAAAAAAy8vLADIAAAAAAAAAAAAAAGQAAABkAAAAAAAAABcAAAAUAAAAAAAAAAAAAAD/fwAA/38AAAAAAAAJAAAABAAAAAAAAAAeAAAAaAAAAAAAAAAAAAAAAAAAAAAAAAAAAAAAECcAABAnAAAAAAAAAAAAAAAAAAAAAAAAAAAAAAAAAAAAAAAAAAAAAFIBAAAAAAAAwMD/AAAAAAAAAAAAAAAAAAAAAABkAAAAAAAAAH9/fwAKAAAAIgAAABgAAAAAAAAAAAAAAAAAAAAAAAAAAAAAAAAAAAAkAAAAJAAAAAAAAAAHAAAAAAAAAAAAAAAAAAAAAAAAAAAAAAAAAAAAf39/ACUAAABYAAAAAAAAAAAAAAAAAAAAAAAAAAAAAAAAAAAAAAAAAAAAAAAAAAAAAAAAAAAAAAA/AAAAAAAAAKCGAQAAAAAAAAAAAAAAAAAMAAAAAQAAAAAAAAAAAAAAAAAAAB8AAABUAAAAAAAAAP///wEAAAAAAAAAAAAAAAAAAAAAAAAAAAAAAAAAAAAAAAAAAAAAAAJ/f38AAAAABsvLywDAwP8Af39/AAAAAAAAAAAAAAAAAAAAAAAAAAAAIQAAABgAAAAUAAAA9S8AAC77//9CPQAAewgAABAAAAAmAAAACAAAAP//////////"/>
+              </a:ext>
+            </a:extLst>
+          </p:cNvSpPr>
+          <p:nvPr/>
+        </p:nvSpPr>
+        <p:spPr>
+          <a:xfrm>
+            <a:off x="7795895" y="-783590"/>
+            <a:ext cx="2162175" cy="2162175"/>
+          </a:xfrm>
+          <a:prstGeom prst="ellipse">
+            <a:avLst/>
+          </a:prstGeom>
+          <a:solidFill>
+            <a:srgbClr val="000000"/>
+          </a:solidFill>
+          <a:ln>
+            <a:noFill/>
+          </a:ln>
+          <a:effectLst>
+            <a:outerShdw blurRad="214630" dist="0" dir="0" algn="bl">
+              <a:schemeClr val="accent2">
+                <a:alpha val="50000"/>
+              </a:schemeClr>
+            </a:outerShdw>
+          </a:effectLst>
+        </p:spPr>
+      </p:sp>
+      <p:sp>
+        <p:nvSpPr>
+          <p:cNvPr id="5" name="CustomShape 3"/>
+          <p:cNvSpPr>
+            <a:extLst>
+              <a:ext uri="smNativeData">
+                <pr:smNativeData xmlns:pr="smNativeData" xmlns="smNativeData" val="SMDATA_15_8sFZZRMAAAAlAAAAZgAAAA0AAAAAkAAAAEgAAACQAAAASAAAAAAAAAAAAAAAAAAAAAEAAABQAAAAAAAAAAAA8D8AAAAAAADwPwAAAAAAAOA/AAAAAAAA4D8AAAAAAADgPwAAAAAAAOA/AAAAAAAA4D8AAAAAAADgPwAAAAAAAOA/AAAAAAAA4D8CAAAAjAAAAAEAAAADAAAA0UnOAEMwnwAAAAAAAAAAAAAAAAAAAAAAAAAAAAAAAAAAAAAAeAAAAAEAAABAAAAAAAAAAGQAAAAOAQAAAAAAAAAAAAAAAAAAAAAAAAAAAAAAAAAAAAAAAAAAAAAAAAAAAAAAAAAAAAAAAAAAAAAAAAAAAAAAAAAAAAAAAAAAAAAAAAAAFAAAADwAAAAAAAAAAAAAAAAAAAkUAAAAAQAAABQAAAAUAAAAFAAAAAEAAAAAAAAAZAAAAGQAAAAAAAAAZAAAAGQAAAAVAAAAYAAAAAAAAAAAAAAADwAAACADAAAAAAAAAAAAAAEAAACgMgAAVgcAAKr4//8BAAAAf39/AAEAAABkAAAAAAAAABQAAABAHwAAAAAAACYAAAAAAAAAwOD//wAAAAAmAAAAZAAAABYAAABMAAAAAAAAAAAAAAAEAAAAAAAAAAEAAADRSc4KAAAAACgAAAAoAAAAZAAAAGQAAAAAAAAAzMzMAAAAAABQAAAAUAAAAGQAAABkAAAAAAAAABcAAAAUAAAAAAAAAAAAAAD/fwAA/38AAAAAAAAJAAAABAAAAAAAAAAeAAAAaAAAAAAAAAAAAAAAAAAAAAAAAAAAAAAAECcAABAnAAAAAAAAAAAAAAAAAAAAAAAAAAAAAAAAAAAAAAAAAAAAABQAAAAAAAAAwMD/AAAAAABkAAAAMgAAAAAAAABkAAAAAAAAAH9/fwAKAAAAIgAAABgAAAAAAAAAAAAAAAAAAAAAAAAAAAAAAAAAAAAkAAAAJAAAAAAAAAAHAAAAAAAAAAAAAAAAAAAAAAAAAAAAAAAAAAAAf39/ACUAAABYAAAAAAAAAAAAAAAAAAAAAAAAAAAAAAAAAAAAAAAAAAAAAAAAAAAAAAAAAAAAAAA/AAAAAAAAAKCGAQAAAAAAAAAAAAAAAAAMAAAAAQAAAAAAAAAAAAAAAAAAAB8AAABUAAAA0UnOAEMwnwAAAAAAAAAAAAAAAAAAAAAAAAAAAAAAAAAAAAAAAAAAAAAAAAJ/f38A0UnOA8zMzADAwP8Af39/AAAAAAAAAAAAAAAAAAAAAAAAAAAAIQAAABgAAAAUAAAAlS4AAFEBAACAMgAAPAUAABAAAAAmAAAACAAAAP//////////"/>
+              </a:ext>
+            </a:extLst>
+          </p:cNvSpPr>
+          <p:nvPr/>
+        </p:nvSpPr>
+        <p:spPr>
+          <a:xfrm>
+            <a:off x="7572375" y="213995"/>
+            <a:ext cx="636905" cy="636905"/>
+          </a:xfrm>
+          <a:prstGeom prst="ellipse">
+            <a:avLst/>
+          </a:prstGeom>
+          <a:gradFill flip="none" rotWithShape="0">
+            <a:gsLst>
+              <a:gs pos="0">
+                <a:srgbClr val="D149CE"/>
+              </a:gs>
+              <a:gs pos="100000">
+                <a:srgbClr val="43309F"/>
+              </a:gs>
+            </a:gsLst>
+            <a:lin ang="5400000" scaled="0"/>
+            <a:tileRect/>
+          </a:gradFill>
+          <a:ln>
+            <a:noFill/>
+          </a:ln>
+          <a:effectLst/>
+        </p:spPr>
+      </p:sp>
+      <p:sp>
+        <p:nvSpPr>
+          <p:cNvPr id="6" name="CustomShape 4"/>
+          <p:cNvSpPr>
+            <a:extLst>
+              <a:ext uri="smNativeData">
+                <pr:smNativeData xmlns:pr="smNativeData" xmlns="smNativeData" val="SMDATA_15_8sFZZRMAAAAlAAAAZAAAAA0AAAAAjgAAAJAAAACOAAAAkAAAAAAAAAAAAAAAAAAAAAEAAABQAAAAAAAAAAAA4D8AAAAAAADgPwAAAAAAAOA/AAAAAAAA4D8AAAAAAADgPwAAAAAAAOA/AAAAAAAA4D8AAAAAAADgPwAAAAAAAOA/AAAAAAAA4D8CAAAAjAAAAAAAAAAAAAAAQzCfDP///wgAAAAAAAAAAAAAAAAAAAAAAAAAAAAAAAAAAAAAZAAAAAEAAABAAAAAAAAAAAAAAAAAAAAAAAAAAAAAAAAAAAAAAAAAAAAAAAAAAAAAAAAAAAAAAAAAAAAAAAAAAAAAAAAAAAAAAAAAAAAAAAAAAAAAAAAAAAAAAAAAAAAAFAAAADwAAAAAAAAAAAAAAAAAAAkUAAAAAQAAABQAAAAUAAAAFAAAAAEAAAAAAAAAZAAAAGQAAAAAAAAAZAAAAGQAAAAVAAAAYAAAAAAAAAAAAAAADwAAACADAAAAAAAAAAAAAAEAAACgMgAAVgcAAKr4//8BAAAAf39/AAEAAABkAAAAAAAAABQAAABAHwAAAAAAACYAAAAAAAAAwOD//wAAAAAmAAAAZAAAABYAAABMAAAAAAAAAAAAAAAEAAAAAAAAAAEAAADRSc4KAAAAACgAAAAoAAAAZAAAAGQAAAAAAAAAzMzMAAAAAABQAAAAUAAAAGQAAABkAAAAAAAAABcAAAAUAAAAAAAAAAAAAAD/fwAA/38AAAAAAAAJAAAABAAAAAAAAAAeAAAAaAAAAAAAAAAAAAAAAAAAAAAAAAAAAAAAECcAABAnAAAAAAAAAAAAAAAAAAAAAAAAAAAAAAAAAAAAAAAAAAAAABQAAAAAAAAAwMD/AAAAAABkAAAAMgAAAAAAAABkAAAAAAAAAH9/fwAKAAAAIgAAABgAAAAAAAAAAAAAAAAAAAAAAAAAAAAAAAAAAAAkAAAAJAAAAAAAAAAHAAAAAAAAAAAAAAAAAAAAAAAAAAAAAAAAAAAAf39/ACUAAABYAAAAAAAAAAAAAAAAAAAAAAAAAAAAAAAAAAAAAAAAAAAAAAAAAAAAAAAAAAAAAAA/AAAAAAAAAKCGAQAAAAAAAAAAAAAAAAAMAAAAAQAAAAAAAAAAAAAAAAAAAB8AAABUAAAAQzCfBf///wEAAAAAAAAAAAAAAAAAAAAAAAAAAAAAAAAAAAAAAAAAAAAAAAJ/f38A0UnOA8zMzADAwP8Af39/AAAAAAAAAAAAAAAAAAAAAAAAAAAAIQAAABgAAAAUAAAAPQMAAKsHAAC0MgAASwsAABAAAAAmAAAACAAAAP//////////"/>
+              </a:ext>
+            </a:extLst>
+          </p:cNvSpPr>
+          <p:nvPr/>
+        </p:nvSpPr>
+        <p:spPr>
+          <a:xfrm>
+            <a:off x="526415" y="1246505"/>
+            <a:ext cx="7715885" cy="589280"/>
+          </a:xfrm>
+          <a:prstGeom prst="rect">
+            <a:avLst/>
+          </a:prstGeom>
+          <a:noFill/>
+          <a:ln>
+            <a:noFill/>
+          </a:ln>
+          <a:effectLst/>
+        </p:spPr>
+        <p:txBody>
+          <a:bodyPr vert="horz" wrap="square" lIns="90170" tIns="91440" rIns="90170" bIns="91440" numCol="1" spcCol="215900" anchor="t"/>
+          <a:lstStyle/>
+          <a:p>
+            <a:pPr>
+              <a:lnSpc>
+                <a:spcPct val="100000"/>
+              </a:lnSpc>
+              <a:defRPr lang="ru-ru" cap="none">
+                <a:latin typeface="Arial" pitchFamily="2" charset="-52"/>
+                <a:ea typeface="DejaVu Sans" pitchFamily="0" charset="0"/>
+                <a:cs typeface="DejaVu Sans" pitchFamily="0" charset="0"/>
+              </a:defRPr>
+            </a:pPr>
+            <a:r>
+              <a:rPr lang="ru-ru" sz="2000" cap="none">
+                <a:solidFill>
+                  <a:srgbClr val="3F3F3F"/>
+                </a:solidFill>
+              </a:rPr>
+              <a:t>1. Добавить больше полезных и необходимых функций:</a:t>
+            </a:r>
+            <a:endParaRPr lang="ru-ru" sz="2000" cap="none">
+              <a:solidFill>
+                <a:srgbClr val="3F3F3F"/>
+              </a:solidFill>
+            </a:endParaRPr>
+          </a:p>
+          <a:p>
+            <a:pPr marL="269875">
+              <a:lnSpc>
+                <a:spcPct val="100000"/>
+              </a:lnSpc>
+              <a:defRPr lang="ru-ru" cap="none">
+                <a:latin typeface="Arial" pitchFamily="2" charset="-52"/>
+                <a:ea typeface="DejaVu Sans" pitchFamily="0" charset="0"/>
+                <a:cs typeface="DejaVu Sans" pitchFamily="0" charset="0"/>
+              </a:defRPr>
+            </a:pPr>
+            <a:r>
+              <a:rPr lang="ru-ru" sz="2000" cap="none">
+                <a:solidFill>
+                  <a:srgbClr val="3F3F3F"/>
+                </a:solidFill>
+              </a:rPr>
+              <a:t>расширить геймификацию, где игровой чат-бот     разъяснит о направлениях ПИШ и поможет окунуться в профессию еще до поступления;</a:t>
+            </a:r>
+            <a:endParaRPr lang="ru-ru" sz="2000" cap="none">
+              <a:solidFill>
+                <a:srgbClr val="3F3F3F"/>
+              </a:solidFill>
+            </a:endParaRPr>
+          </a:p>
+          <a:p>
+            <a:pPr>
+              <a:lnSpc>
+                <a:spcPct val="100000"/>
+              </a:lnSpc>
+              <a:defRPr lang="ru-ru" cap="none">
+                <a:latin typeface="Arial" pitchFamily="2" charset="-52"/>
+                <a:ea typeface="DejaVu Sans" pitchFamily="0" charset="0"/>
+                <a:cs typeface="DejaVu Sans" pitchFamily="0" charset="0"/>
+              </a:defRPr>
+            </a:pPr>
+            <a:r>
+              <a:rPr lang="ru-ru" sz="2000" cap="none">
+                <a:solidFill>
+                  <a:srgbClr val="3F3F3F"/>
+                </a:solidFill>
+              </a:rPr>
+              <a:t>2. Настроить автоворонку среди целевой аудитории;</a:t>
+            </a:r>
+            <a:endParaRPr lang="ru-ru" sz="2000" cap="none">
+              <a:solidFill>
+                <a:srgbClr val="3F3F3F"/>
+              </a:solidFill>
+            </a:endParaRPr>
+          </a:p>
+          <a:p>
+            <a:pPr marL="635">
+              <a:lnSpc>
+                <a:spcPct val="100000"/>
+              </a:lnSpc>
+              <a:defRPr lang="ru-ru" cap="none">
+                <a:latin typeface="Arial" pitchFamily="2" charset="-52"/>
+                <a:ea typeface="DejaVu Sans" pitchFamily="0" charset="0"/>
+                <a:cs typeface="DejaVu Sans" pitchFamily="0" charset="0"/>
+              </a:defRPr>
+            </a:pPr>
+            <a:r>
+              <a:rPr lang="ru-ru" sz="2000" cap="none">
+                <a:solidFill>
+                  <a:srgbClr val="3F3F3F"/>
+                </a:solidFill>
+              </a:rPr>
+              <a:t>3. Упростить с помощью чат-бота процесс регистрации и зачисления;</a:t>
+            </a:r>
+            <a:endParaRPr lang="ru-ru" sz="2000" cap="none">
+              <a:solidFill>
+                <a:srgbClr val="3F3F3F"/>
+              </a:solidFill>
+            </a:endParaRPr>
+          </a:p>
+          <a:p>
+            <a:pPr marL="635">
+              <a:lnSpc>
+                <a:spcPct val="100000"/>
+              </a:lnSpc>
+              <a:defRPr lang="ru-ru" cap="none">
+                <a:latin typeface="Arial" pitchFamily="2" charset="-52"/>
+                <a:ea typeface="DejaVu Sans" pitchFamily="0" charset="0"/>
+                <a:cs typeface="DejaVu Sans" pitchFamily="0" charset="0"/>
+              </a:defRPr>
+            </a:pPr>
+            <a:r>
+              <a:rPr lang="ru-ru" sz="2000" cap="none">
+                <a:solidFill>
+                  <a:srgbClr val="3F3F3F"/>
+                </a:solidFill>
+              </a:rPr>
+              <a:t>4. Написание скриптов для менеджеров, в случае необходимости живого общения в чат-боте;</a:t>
+            </a:r>
+            <a:endParaRPr lang="ru-ru" sz="2000" cap="none">
+              <a:solidFill>
+                <a:srgbClr val="3F3F3F"/>
+              </a:solidFill>
+            </a:endParaRPr>
+          </a:p>
+          <a:p>
+            <a:pPr>
+              <a:lnSpc>
+                <a:spcPct val="100000"/>
+              </a:lnSpc>
+              <a:defRPr lang="ru-ru" cap="none">
+                <a:latin typeface="Arial" pitchFamily="2" charset="-52"/>
+                <a:ea typeface="DejaVu Sans" pitchFamily="0" charset="0"/>
+                <a:cs typeface="DejaVu Sans" pitchFamily="0" charset="0"/>
+              </a:defRPr>
+            </a:pPr>
+            <a:r>
+              <a:rPr lang="ru-ru" sz="2000" cap="none">
+                <a:solidFill>
+                  <a:srgbClr val="3F3F3F"/>
+                </a:solidFill>
+              </a:rPr>
+              <a:t>5. Собирать фидбек и данных потенциальных студентов.</a:t>
+            </a:r>
+            <a:endParaRPr lang="ru-ru" sz="2000" cap="none">
+              <a:solidFill>
+                <a:srgbClr val="3F3F3F"/>
+              </a:solidFill>
+            </a:endParaRPr>
+          </a:p>
+          <a:p>
+            <a:pPr>
+              <a:lnSpc>
+                <a:spcPct val="100000"/>
+              </a:lnSpc>
+              <a:defRPr lang="ru-ru" cap="none">
+                <a:latin typeface="Arial" pitchFamily="2" charset="-52"/>
+                <a:ea typeface="DejaVu Sans" pitchFamily="0" charset="0"/>
+                <a:cs typeface="DejaVu Sans" pitchFamily="0" charset="0"/>
+              </a:defRPr>
+            </a:pPr>
+            <a:endParaRPr lang="ru-ru" sz="2000" cap="none"/>
+          </a:p>
+        </p:txBody>
+      </p:sp>
+    </p:spTree>
+  </p:cSld>
+  <p:clrMapOvr>
+    <a:masterClrMapping/>
+  </p:clrMapOvr>
+  <p:timing>
+    <p:tnLst>
+      <p:par>
+        <p:cTn id="1" dur="indefinite" restart="never" nodeType="tmRoot"/>
+      </p:par>
+    </p:tnLst>
+  </p:timing>
+</p:sld>
+</file>
+
+<file path=ppt/slides/slide13.xml><?xml version="1.0" encoding="utf-8"?>
+<p:sld xmlns:p="http://schemas.openxmlformats.org/presentationml/2006/main" xmlns:mc="http://schemas.openxmlformats.org/markup-compatibility/2006" xmlns:p14="http://schemas.microsoft.com/office/powerpoint/2010/main" xmlns:p15="http://schemas.microsoft.com/office/powerpoint/2012/main" xmlns:r="http://schemas.openxmlformats.org/officeDocument/2006/relationships" xmlns:a="http://schemas.openxmlformats.org/drawingml/2006/main" mc:Ignorable="p14">
+  <p:cSld>
+    <p:spTree>
+      <p:nvGrpSpPr>
+        <p:cNvPr id="1" name=""/>
+        <p:cNvGrpSpPr/>
+        <p:nvPr/>
+      </p:nvGrpSpPr>
+      <p:grpSpPr>
+        <a:xfrm>
+          <a:off x="0" y="0"/>
+          <a:ext cx="0" cy="0"/>
+          <a:chOff x="0" y="0"/>
+          <a:chExt cx="0" cy="0"/>
+        </a:xfrm>
+      </p:grpSpPr>
       <p:sp>
         <p:nvSpPr>
           <p:cNvPr id="2" name="CustomShape 1"/>
           <p:cNvSpPr>
             <a:extLst>
               <a:ext uri="smNativeData">
-                <pr:smNativeData xmlns:pr="smNativeData" xmlns="smNativeData" val="SMDATA_15_37BZZRMAAAAlAAAAZAAAAA0AAAAAjgAAAJAAAACOAAAAkAAAAAAAAAACAAAAAAAAAAEAAABQAAAAAAAAAAAA4D8AAAAAAADgPwAAAAAAAOA/AAAAAAAA4D8AAAAAAADgPwAAAAAAAOA/AAAAAAAA4D8AAAAAAADgPwAAAAAAAOA/AAAAAAAA4D8CAAAAjAAAAAAAAAAAAAAAQzCfDP///wgAAAAAAAAAAAAAAAAAAAAAAAAAAAAAAAAAAAAAZAAAAAEAAABAAAAAAAAAAAAAAAAAAAAAAAAAAAAAAAAAAAAAAAAAAAAAAAAAAAAAAAAAAAAAAAAAAAAAAAAAAAAAAAAAAAAAAAAAAAAAAAAAAAAAAAAAAAAAAAAAAAAAFAAAADwAAAAAAAAAAAAAAAAAAAkUAAAAAQAAABQAAAAUAAAAFAAAAAEAAAAAAAAAZAAAAGQAAAAAAAAAZAAAAGQAAAAVAAAAYAAAAAAAAAAAAAAADwAAACADAAAAAAAAAAAAAAEAAACgMgAAVgcAAKr4//8BAAAAf39/AAEAAABkAAAAAAAAABQAAABAHwAAAAAAACYAAAAAAAAAwOD//wAAAAAmAAAAZAAAABYAAABMAAAAAAAAAAAAAAAEAAAAAAAAAAEAAADRSc4KAAAAACgAAAAoAAAAZAAAAGQAAAAAAAAAzMzMAAAAAABQAAAAUAAAAGQAAABkAAAAAAAAABcAAAAUAAAAAAAAAAAAAAD/fwAA/38AAAAAAAAJAAAABAAAAAAAAAAeAAAAaAAAAAAAAAAAAAAAAAAAAAAAAAAAAAAAECcAABAnAAAAAAAAAAAAAAAAAAAAAAAAAAAAAAAAAAAAAAAAAAAAABQAAAAAAAAAwMD/AAAAAABkAAAAMgAAAAAAAABkAAAAAAAAAH9/fwAKAAAAIgAAABgAAAAAAAAAAAAAAAAAAAAAAAAAAAAAAAAAAAAkAAAAJAAAAAAAAAAHAAAAAAAAAAAAAAAAAAAAAAAAAAAAAAAAAAAAf39/ACUAAABYAAAAAAAAAAAAAAAAAAAAAAAAAAAAAAAAAAAAAAAAAAAAAAAAAAAAAAAAAAAAAAA/AAAAAAAAAKCGAQAAAAAAAAAAAAAAAAAMAAAAAQAAAAAAAAAAAAAAAAAAAB8AAABUAAAAQzCfBf///wEAAAAAAAAAAAAAAAAAAAAAAAAAAAAAAAAAAAAAAAAAAAAAAAJ/f38A0UnOA8zMzADAwP8Af39/AAAAAAAAAAAAAAAAAAAAAAAAAAAAIQAAABgAAAAUAAAAShcAAG0LAAANNgAAExMAABAAAAAmAAAACAAAAP//////////"/>
+                <pr:smNativeData xmlns:pr="smNativeData" xmlns="smNativeData" val="SMDATA_15_8sFZZRMAAAAlAAAAZQAAAA0AAAAAkAAAAEgAAACQAAAASAAAAAAAAAAAAAAAAAAAAAEAAABQAAAAhbacS3FV1T8AAAAAAADwvwAAAAAAAOA/AAAAAAAA4D8AAAAAAADgPwAAAAAAAOA/AAAAAAAA4D8AAAAAAADgPwAAAAAAAOA/AAAAAAAA4D8CAAAAjAAAAAEAAAACAAAA////AP///wgAAAAAAAAAAGGuJkDG221Eo7D+T/T89NcBAAAAeAAAAAEAAABAAAAAAAAAAAAAAABaAAAAAAAAAAAAAAAAAAAAAAAAAAAAAAAAAAAAAAAAAAAAAAAAAAAAAAAAAAAAAAAAAAAAAAAAAAAAAAAAAAAAAAAAAAAAAAAAAAAAFAAAADwAAAAAAAAAAAAAAAAAAAkUAAAAAQAAABQAAAAUAAAAFAAAAAEAAAAAAAAAZAAAAGQAAAAAAAAAZAAAAGQAAAAVAAAAYAAAAAAAAAAAAAAADwAAACADAAAAAAAAAAAAAAEAAACgMgAAVgcAAKr4//8BAAAAf39/AAEAAABkAAAAAAAAABQAAABAHwAAAAAAACYAAAAAAAAAwOD//wAAAAAmAAAAZAAAABYAAABMAAAAAAAAAAAAAAAEAAAAAAAAAAEAAADRSc4KAAAAACgAAAAoAAAAZAAAAGQAAAAAAAAAzMzMAAAAAABQAAAAUAAAAGQAAABkAAAAAAAAABcAAAAUAAAAAAAAAAAAAAD/fwAA/38AAAAAAAAJAAAABAAAAAAAAAAeAAAAaAAAAAAAAAAAAAAAAAAAAAAAAAAAAAAAECcAABAnAAAAAAAAAAAAAAAAAAAAAAAAAAAAAAAAAAAAAAAAAAAAABQAAAAAAAAAwMD/AAAAAABkAAAAMgAAAAAAAABkAAAAAAAAAH9/fwAKAAAAIgAAABgAAAAAAAAAAAAAAAAAAAAAAAAAAAAAAAAAAAAkAAAAJAAAAAAAAAAHAAAAAAAAAAAAAAAAAAAAAAAAAAAAAAAAAAAAf39/ACUAAABYAAAAAAAAAAAAAAAAAAAAAAAAAAAAAAAAAAAAAAAAAAAAAAAAAAAAAAAAAAAAAAA/AAAAAAAAAKCGAQAAAAAAAAAAAAAAAAAMAAAAAQAAAAAAAAAAAAAAAAAAAB8AAABUAAAA////AP///wEAAAAAAAAAAAAAAAAAAAAAAAAAAAAAAAAAAAAAAAAAAAAAAAJ/f38A0UnOA8zMzADAwP8Af39/AAAAAAAAAAAAAAAAAAAAAAAAAAAAIQAAABgAAAAUAAAAKCMAAFkIAACQOQAAKhgAABAAAAAmAAAACAAAAP//////////"/>
+              </a:ext>
+            </a:extLst>
+          </p:cNvSpPr>
+          <p:nvPr/>
+        </p:nvSpPr>
+        <p:spPr>
+          <a:xfrm>
+            <a:off x="5715000" y="1356995"/>
+            <a:ext cx="3642360" cy="2571115"/>
+          </a:xfrm>
+          <a:prstGeom prst="roundRect">
+            <a:avLst>
+              <a:gd name="adj" fmla="val 16667"/>
+            </a:avLst>
+          </a:prstGeom>
+          <a:blipFill>
+            <a:blip r:embed="rId2"/>
+            <a:srcRect/>
+            <a:stretch/>
+          </a:blipFill>
+          <a:ln>
+            <a:noFill/>
+          </a:ln>
+          <a:effectLst/>
+        </p:spPr>
+      </p:sp>
+      <p:sp>
+        <p:nvSpPr>
+          <p:cNvPr id="3" name="CustomShape 2"/>
+          <p:cNvSpPr>
+            <a:extLst>
+              <a:ext uri="smNativeData">
+                <pr:smNativeData xmlns:pr="smNativeData" xmlns="smNativeData" val="SMDATA_15_8sFZZRMAAAAlAAAAZAAAAA0AAAAAjgAAAJAAAACOAAAAkAAAAAAAAAABAAAAAAAAAAEAAABQAAAAAAAAAAAA4D8AAAAAAADgPwAAAAAAAOA/AAAAAAAA4D8AAAAAAADgPwAAAAAAAOA/AAAAAAAA4D8AAAAAAADgPwAAAAAAAOA/AAAAAAAA4D8CAAAAjAAAAAAAAAAAAAAAQzCfDP///wgAAAAAAAAAAAAAAAAAAAAAAAAAAAAAAAAAAAAAZAAAAAEAAABAAAAAAAAAAAAAAAAAAAAAAAAAAAAAAAAAAAAAAAAAAAAAAAAAAAAAAAAAAAAAAAAAAAAAAAAAAAAAAAAAAAAAAAAAAAAAAAAAAAAAAAAAAAAAAAAAAAAAFAAAADwAAAAAAAAAAAAAAAAAAAkUAAAAAQAAABQAAAAUAAAAFAAAAAEAAAAAAAAAZAAAAGQAAAAAAAAAZAAAAGQAAAAVAAAAYAAAAAAAAAAAAAAADwAAACADAAAAAAAAAAAAAAEAAACgMgAAVgcAAKr4//8BAAAAf39/AAEAAABkAAAAAAAAABQAAABAHwAAAAAAACYAAAAAAAAAwOD//wAAAAAmAAAAZAAAABYAAABMAAAAAAAAAAAAAAAEAAAAAAAAAAEAAADRSc4KAAAAACgAAAAoAAAAZAAAAGQAAAAAAAAAzMzMAAAAAABQAAAAUAAAAGQAAABkAAAAAAAAABcAAAAUAAAAAAAAAAAAAAD/fwAA/38AAAAAAAAJAAAABAAAAMkAAAAeAAAAaAAAAAAAAAAAAAAAAAAAAAAAAAAAAAAAECcAABAnAAAAAAAAAAAAAAAAAAAAAAAAAAAAAAAAAAAAAAAAAAAAABQAAAAAAAAAwMD/AAAAAABkAAAAMgAAAAAAAABkAAAAAAAAAH9/fwAKAAAAIgAAABgAAAAAAAAAAAAAAAAAAAAAAAAAAAAAAAAAAAAkAAAAJAAAAAAAAAAHAAAAAAAAAAAAAAAAAAAAAAAAAAAAAAAAAAAAf39/ACUAAABYAAAAAAAAAAAAAAAAAAAAAAAAAAAAAAAAAAAAAAAAAAAAAAAAAAAAAAAAAAAAAAA/AAAAAAAAAKCGAQAAAAAAAAAAAAAAAAAMAAAAAQAAAAAAAAAAAAAAAAAAAB8AAABUAAAAQzCfBf///wEAAAAAAAAAAAAAAAAAAAAAAAAAAAAAAAAAAAAAAAAAAAAAAAJ/f38A0UnOA8zMzADAwP8Af39/AAAAAAAAAAAAAAAAAAAAAAAAAAAAIQAAABgAAAAUAAAAowIAAIQDAADKJQAArgcAABAAAAAmAAAACAAAAP//////////"/>
+              </a:ext>
+            </a:extLst>
+          </p:cNvSpPr>
+          <p:nvPr/>
+        </p:nvSpPr>
+        <p:spPr>
+          <a:xfrm>
+            <a:off x="428625" y="571500"/>
+            <a:ext cx="5714365" cy="676910"/>
+          </a:xfrm>
+          <a:prstGeom prst="rect">
+            <a:avLst/>
+          </a:prstGeom>
+          <a:noFill/>
+          <a:ln>
+            <a:noFill/>
+          </a:ln>
+          <a:effectLst/>
+        </p:spPr>
+        <p:txBody>
+          <a:bodyPr vert="horz" wrap="square" lIns="90170" tIns="91440" rIns="90170" bIns="91440" numCol="1" spcCol="215900" anchor="ctr"/>
+          <a:lstStyle/>
+          <a:p>
+            <a:pPr>
+              <a:lnSpc>
+                <a:spcPct val="100000"/>
+              </a:lnSpc>
+              <a:defRPr lang="ru-ru" cap="none">
+                <a:latin typeface="Arial" pitchFamily="2" charset="-52"/>
+                <a:ea typeface="DejaVu Sans" pitchFamily="0" charset="0"/>
+                <a:cs typeface="DejaVu Sans" pitchFamily="0" charset="0"/>
+              </a:defRPr>
+            </a:pPr>
+            <a:r>
+              <a:rPr lang="ru-ru" sz="3600" b="1" cap="none">
+                <a:solidFill>
+                  <a:srgbClr val="000000"/>
+                </a:solidFill>
+                <a:latin typeface="Poppins SemiBold" pitchFamily="0" charset="0"/>
+                <a:ea typeface="Poppins SemiBold" pitchFamily="0" charset="0"/>
+                <a:cs typeface="DejaVu Sans" pitchFamily="0" charset="0"/>
+              </a:rPr>
+              <a:t>Заключение</a:t>
+            </a:r>
+            <a:endParaRPr lang="ru-ru" sz="3600" cap="none"/>
+          </a:p>
+        </p:txBody>
+      </p:sp>
+      <p:sp>
+        <p:nvSpPr>
+          <p:cNvPr id="4" name="CustomShape 3"/>
+          <p:cNvSpPr>
+            <a:extLst>
+              <a:ext uri="smNativeData">
+                <pr:smNativeData xmlns:pr="smNativeData" xmlns="smNativeData" val="SMDATA_15_8sFZZRMAAAAlAAAAZAAAAA0AAAAAjgAAAJAAAACOAAAAkAAAAAAAAAAAAAAAAAAAAAEAAABQAAAAAAAAAAAA4D8AAAAAAADgPwAAAAAAAOA/AAAAAAAA4D8AAAAAAADgPwAAAAAAAOA/AAAAAAAA4D8AAAAAAADgPwAAAAAAAOA/AAAAAAAA4D8CAAAAjAAAAAAAAAAAAAAAQzCfDP///wgAAAAAAAAAAAAAAAAAAAAAAAAAAAAAAAAAAAAAZAAAAAEAAABAAAAAAAAAAAAAAAAAAAAAAAAAAAAAAAAAAAAAAAAAAAAAAAAAAAAAAAAAAAAAAAAAAAAAAAAAAAAAAAAAAAAAAAAAAAAAAAAAAAAAAAAAAAAAAAAAAAAAFAAAADwAAAAAAAAAAAAAAAAAAAkUAAAAAQAAABQAAAAUAAAAFAAAAAEAAAAAAAAAZAAAAGQAAAAAAAAAZAAAAGQAAAAVAAAAYAAAAAAAAAAAAAAADwAAACADAAAAAAAAAAAAAAEAAACgMgAAVgcAAKr4//8BAAAAf39/AAEAAABkAAAAAAAAABQAAABAHwAAAAAAACYAAAAAAAAAwOD//wAAAAAmAAAAZAAAABYAAABMAAAAAAAAAAAAAAAEAAAAAAAAAAEAAADRSc4KAAAAACgAAAAoAAAAZAAAAGQAAAAAAAAAzMzMAAAAAABQAAAAUAAAAGQAAABkAAAAAAAAABcAAAAUAAAAAAAAAAAAAAD/fwAA/38AAAAAAAAJAAAABAAAAAAAAAAeAAAAaAAAAAAAAAAAAAAAAAAAAAAAAAAAAAAAECcAABAnAAAAAAAAAAAAAAAAAAAAAAAAAAAAAAAAAAAAAAAAAAAAABQAAAAAAAAAwMD/AAAAAABkAAAAMgAAAAAAAABkAAAAAAAAAH9/fwAKAAAAIgAAABgAAAAAAAAAAAAAAAAAAAAAAAAAAAAAAAAAAAAkAAAAJAAAAAAAAAAHAAAAAAAAAAAAAAAAAAAAAAAAAAAAAAAAAAAAf39/ACUAAABYAAAAAAAAAAAAAAAAAAAAAAAAAAAAAAAAAAAAAAAAAAAAAAAAAAAAAAAAAAAAAAA/AAAAAAAAAKCGAQAAAAAAAAAAAAAAAAAMAAAAAQAAAAAAAAAAAAAAAAAAAB8AAABUAAAAQzCfBf///wEAAAAAAAAAAAAAAAAAAAAAAAAAAAAAAAAAAAAAAAAAAAAAAAJ/f38A0UnOA8zMzADAwP8Af39/AAAAAAAAAAAAAAAAAAAAAAAAAAAAIQAAABgAAAAUAAAAowIAAMoIAABHIgAAaQwAABAAAAAmAAAACAAAAP//////////"/>
+              </a:ext>
+            </a:extLst>
+          </p:cNvSpPr>
+          <p:nvPr/>
+        </p:nvSpPr>
+        <p:spPr>
+          <a:xfrm>
+            <a:off x="428625" y="1428750"/>
+            <a:ext cx="5143500" cy="588645"/>
+          </a:xfrm>
+          <a:prstGeom prst="rect">
+            <a:avLst/>
+          </a:prstGeom>
+          <a:noFill/>
+          <a:ln>
+            <a:noFill/>
+          </a:ln>
+          <a:effectLst/>
+        </p:spPr>
+        <p:txBody>
+          <a:bodyPr vert="horz" wrap="square" lIns="90170" tIns="91440" rIns="90170" bIns="91440" numCol="1" spcCol="215900" anchor="t"/>
+          <a:lstStyle/>
+          <a:p>
+            <a:pPr>
+              <a:lnSpc>
+                <a:spcPct val="100000"/>
+              </a:lnSpc>
+              <a:defRPr lang="ru-ru" cap="none">
+                <a:latin typeface="Arial" pitchFamily="2" charset="-52"/>
+                <a:ea typeface="DejaVu Sans" pitchFamily="0" charset="0"/>
+                <a:cs typeface="DejaVu Sans" pitchFamily="0" charset="0"/>
+              </a:defRPr>
+            </a:pPr>
+            <a:r>
+              <a:t>Кейс по созданию бота подтвердил, что:</a:t>
+            </a:r>
+          </a:p>
+          <a:p>
+            <a:pPr marL="285750" indent="-285750">
+              <a:lnSpc>
+                <a:spcPct val="100000"/>
+              </a:lnSpc>
+              <a:buFontTx/>
+              <a:buChar char="-"/>
+              <a:defRPr lang="ru-ru" cap="none">
+                <a:latin typeface="Arial" pitchFamily="2" charset="-52"/>
+                <a:ea typeface="DejaVu Sans" pitchFamily="0" charset="0"/>
+                <a:cs typeface="DejaVu Sans" pitchFamily="0" charset="0"/>
+              </a:defRPr>
+            </a:pPr>
+            <a:r>
+              <a:t>с абитуриентами проще коммуницировать в мессенджерах, чем через эл.почту;</a:t>
+            </a:r>
+          </a:p>
+          <a:p>
+            <a:pPr marL="285750" indent="-285750">
+              <a:lnSpc>
+                <a:spcPct val="100000"/>
+              </a:lnSpc>
+              <a:buFontTx/>
+              <a:buChar char="-"/>
+              <a:defRPr lang="ru-ru" cap="none">
+                <a:latin typeface="Arial" pitchFamily="2" charset="-52"/>
+                <a:ea typeface="DejaVu Sans" pitchFamily="0" charset="0"/>
+                <a:cs typeface="DejaVu Sans" pitchFamily="0" charset="0"/>
+              </a:defRPr>
+            </a:pPr>
+            <a:r>
+              <a:t>чат-бот помогает вовлекать и удерживать аудиторию;</a:t>
+            </a:r>
+          </a:p>
+          <a:p>
+            <a:pPr marL="285750" indent="-285750">
+              <a:lnSpc>
+                <a:spcPct val="100000"/>
+              </a:lnSpc>
+              <a:buFontTx/>
+              <a:buChar char="-"/>
+              <a:defRPr lang="ru-ru" cap="none">
+                <a:latin typeface="Arial" pitchFamily="2" charset="-52"/>
+                <a:ea typeface="DejaVu Sans" pitchFamily="0" charset="0"/>
+                <a:cs typeface="DejaVu Sans" pitchFamily="0" charset="0"/>
+              </a:defRPr>
+            </a:pPr>
+            <a:r>
+              <a:t>Это трендовый способ структурировать информацию, что позволяет быстрее принять решение о поступлении;</a:t>
+            </a:r>
+          </a:p>
+          <a:p>
+            <a:pPr>
+              <a:lnSpc>
+                <a:spcPct val="100000"/>
+              </a:lnSpc>
+              <a:defRPr lang="ru-ru" cap="none">
+                <a:latin typeface="Arial" pitchFamily="2" charset="-52"/>
+                <a:ea typeface="DejaVu Sans" pitchFamily="0" charset="0"/>
+                <a:cs typeface="DejaVu Sans" pitchFamily="0" charset="0"/>
+              </a:defRPr>
+            </a:pPr>
+            <a:r>
+              <a:t>          -есть возможность геймификации, с </a:t>
+            </a:r>
+          </a:p>
+          <a:p>
+            <a:pPr>
+              <a:lnSpc>
+                <a:spcPct val="100000"/>
+              </a:lnSpc>
+              <a:defRPr lang="ru-ru" cap="none">
+                <a:latin typeface="Arial" pitchFamily="2" charset="-52"/>
+                <a:ea typeface="DejaVu Sans" pitchFamily="0" charset="0"/>
+                <a:cs typeface="DejaVu Sans" pitchFamily="0" charset="0"/>
+              </a:defRPr>
+            </a:pPr>
+            <a:r>
+              <a:t>              повышением конверсии </a:t>
+            </a:r>
+          </a:p>
+          <a:p>
+            <a:pPr>
+              <a:lnSpc>
+                <a:spcPct val="100000"/>
+              </a:lnSpc>
+              <a:defRPr lang="ru-ru" cap="none">
+                <a:latin typeface="Arial" pitchFamily="2" charset="-52"/>
+                <a:ea typeface="DejaVu Sans" pitchFamily="0" charset="0"/>
+                <a:cs typeface="DejaVu Sans" pitchFamily="0" charset="0"/>
+              </a:defRPr>
+            </a:pPr>
+            <a:r>
+              <a:t>                         поступающих.</a:t>
+            </a:r>
+          </a:p>
+        </p:txBody>
+      </p:sp>
+      <p:sp>
+        <p:nvSpPr>
+          <p:cNvPr id="5" name="CustomShape 4"/>
+          <p:cNvSpPr>
+            <a:extLst>
+              <a:ext uri="smNativeData">
+                <pr:smNativeData xmlns:pr="smNativeData" xmlns="smNativeData" val="SMDATA_15_8sFZZRMAAAAlAAAAZgAAAA0AAAAAkAAAAEgAAACQAAAASAAAAAAAAAAAAAAAAAAAAAEAAABQAAAAAAAAAAAA8D8AAAAAAADwPwAAAAAAAOA/AAAAAAAA4D8AAAAAAADgPwAAAAAAAOA/AAAAAAAA4D8AAAAAAADgPwAAAAAAAOA/AAAAAAAA4D8CAAAAjAAAAAEAAAAAAAAAAAAAAP///wgAAAAAAAAAAAAAAAAAAAAAAAAAAAAAAAAAAAAAeAAAAAEAAABAAAAAAAAAAAAAAABaAAAAAAAAAAAAAAAAAAAAAAAAAAAAAAAAAAAAAAAAAAAAAAAAAAAAAAAAAAAAAAAAAAAAAAAAAAAAAAAAAAAAAAAAAAAAAAAAAAAAFAAAADwAAAAAAAAAAAAAAAAAAAkUAAAAAQAAABQAAAAUAAAAFAAAAAEAAAAAAAAAZAAAAGQAAAAAAAAAZAAAAGQAAAAVAAAAYAAAAAAAAAAAAAAADwAAACADAAAAAAAAAAAAAAEAAACgMgAAVgcAAKr4//8BAAAAf39/AAEAAABkAAAAAAAAABQAAABAHwAAAAAAACYAAAAAAAAAwOD//wAAAAAmAAAAZAAAABYAAABMAAAAAQAAAAAAAAAGAAAAAAAAAAEAAAAAAAANMgAAAAAAAAAAAAAAZAAAAGQAAAAAAAAAy8vLADIAAAAAAAAAAAAAAGQAAABkAAAAAAAAABcAAAAUAAAAAAAAAAAAAAD/fwAA/38AAAAAAAAJAAAABAAAAAAAAAAeAAAAaAAAAAAAAAAAAAAAAAAAAAAAAAAAAAAAECcAABAnAAAAAAAAAAAAAAAAAAAAAAAAAAAAAAAAAAAAAAAAAAAAAFIBAAAAAAAAwMD/AAAAAAAAAAAAAAAAAAAAAABkAAAAAAAAAH9/fwAKAAAAIgAAABgAAAAAAAAAAAAAAAAAAAAAAAAAAAAAAAAAAAAkAAAAJAAAAAAAAAAHAAAAAAAAAAAAAAAAAAAAAAAAAAAAAAAAAAAAf39/ACUAAABYAAAAAAAAAAAAAAAAAAAAAAAAAAAAAAAAAAAAAAAAAAAAAAAAAAAAAAAAAAAAAAA/AAAAAAAAAKCGAQAAAAAAAAAAAAAAAAAMAAAAAQAAAAAAAAAAAAAAAAAAAB8AAABUAAAAAAAAAP///wEAAAAAAAAAAAAAAAAAAAAAAAAAAAAAAAAAAAAAAAAAAAAAAAJ/f38AAAAABsvLywDAwP8Af39/AAAAAAAAAAAAAAAAAAAAAAAAAAAAIQAAABgAAAAUAAAAeSQAAEoXAABkKAAANRsAABAAAAAmAAAACAAAAP//////////"/>
+              </a:ext>
+            </a:extLst>
+          </p:cNvSpPr>
+          <p:nvPr/>
+        </p:nvSpPr>
+        <p:spPr>
+          <a:xfrm>
+            <a:off x="5928995" y="3785870"/>
+            <a:ext cx="636905" cy="636905"/>
+          </a:xfrm>
+          <a:prstGeom prst="ellipse">
+            <a:avLst/>
+          </a:prstGeom>
+          <a:solidFill>
+            <a:srgbClr val="000000"/>
+          </a:solidFill>
+          <a:ln>
+            <a:noFill/>
+          </a:ln>
+          <a:effectLst>
+            <a:outerShdw blurRad="214630" dist="0" dir="0" algn="bl">
+              <a:schemeClr val="accent2">
+                <a:alpha val="50000"/>
+              </a:schemeClr>
+            </a:outerShdw>
+          </a:effectLst>
+        </p:spPr>
+      </p:sp>
+      <p:sp>
+        <p:nvSpPr>
+          <p:cNvPr id="6" name="CustomShape 5"/>
+          <p:cNvSpPr>
+            <a:extLst>
+              <a:ext uri="smNativeData">
+                <pr:smNativeData xmlns:pr="smNativeData" xmlns="smNativeData" val="SMDATA_15_8sFZZRMAAAAlAAAAZgAAAA0AAAAAkAAAAEgAAACQAAAASAAAAAAAAAAAAAAAAAAAAAEAAABQAAAAAAAAAAAA8D8AAAAAAADwPwAAAAAAAOA/AAAAAAAA4D8AAAAAAADgPwAAAAAAAOA/AAAAAAAA4D8AAAAAAADgPwAAAAAAAOA/AAAAAAAA4D8CAAAAjAAAAAEAAAADAAAA0UnOAEMwnwAAAAAAAAAAAAAAAAAAAAAAAAAAAAAAAAAAAAAAeAAAAAEAAABAAAAAAAAAAGQAAAAOAQAAAAAAAAAAAAAAAAAAAAAAAAAAAAAAAAAAAAAAAAAAAAAAAAAAAAAAAAAAAAAAAAAAAAAAAAAAAAAAAAAAAAAAAAAAAAAAAAAAFAAAADwAAAAAAAAAAAAAAAAAAAkUAAAAAQAAABQAAAAUAAAAFAAAAAEAAAAAAAAAZAAAAGQAAAAAAAAAZAAAAGQAAAAVAAAAYAAAAAAAAAAAAAAADwAAACADAAAAAAAAAAAAAAEAAACgMgAAVgcAAKr4//8BAAAAf39/AAEAAABkAAAAAAAAABQAAABAHwAAAAAAACYAAAAAAAAAwOD//wAAAAAmAAAAZAAAABYAAABMAAAAAAAAAAAAAAAEAAAAAAAAAAEAAADRSc4KAAAAACgAAAAoAAAAZAAAAGQAAAAAAAAAzMzMAAAAAABQAAAAUAAAAGQAAABkAAAAAAAAABcAAAAUAAAAAAAAAAAAAAD/fwAA/38AAAAAAAAJAAAABAAAAAAAAAAeAAAAaAAAAAAAAAAAAAAAAAAAAAAAAAAAAAAAECcAABAnAAAAAAAAAAAAAAAAAAAAAAAAAAAAAAAAAAAAAAAAAAAAABQAAAAAAAAAwMD/AAAAAABkAAAAMgAAAAAAAABkAAAAAAAAAH9/fwAKAAAAIgAAABgAAAAAAAAAAAAAAAAAAAAAAAAAAAAAAAAAAAAkAAAAJAAAAAAAAAAHAAAAAAAAAAAAAAAAAAAAAAAAAAAAAAAAAAAAf39/ACUAAABYAAAAAAAAAAAAAAAAAAAAAAAAAAAAAAAAAAAAAAAAAAAAAAAAAAAAAAAAAAAAAAA/AAAAAAAAAKCGAQAAAAAAAAAAAAAAAAAMAAAAAQAAAAAAAAAAAAAAAAAAAB8AAABUAAAA0UnOAEMwnwAAAAAAAAAAAAAAAAAAAAAAAAAAAAAAAAAAAAAAAAAAAAAAAAJ/f38A0UnOA8zMzADAwP8Af39/AAAAAAAAAAAAAAAAAAAAAAAAAAAAIQAAABgAAAAUAAAAdi8AACr7///DPAAAdwgAABAAAAAmAAAACAAAAP//////////"/>
+              </a:ext>
+            </a:extLst>
+          </p:cNvSpPr>
+          <p:nvPr/>
+        </p:nvSpPr>
+        <p:spPr>
+          <a:xfrm>
+            <a:off x="7715250" y="-786130"/>
+            <a:ext cx="2162175" cy="2162175"/>
+          </a:xfrm>
+          <a:prstGeom prst="ellipse">
+            <a:avLst/>
+          </a:prstGeom>
+          <a:gradFill flip="none" rotWithShape="0">
+            <a:gsLst>
+              <a:gs pos="0">
+                <a:srgbClr val="D149CE"/>
+              </a:gs>
+              <a:gs pos="100000">
+                <a:srgbClr val="43309F"/>
+              </a:gs>
+            </a:gsLst>
+            <a:lin ang="5400000" scaled="0"/>
+            <a:tileRect/>
+          </a:gradFill>
+          <a:ln>
+            <a:noFill/>
+          </a:ln>
+          <a:effectLst/>
+        </p:spPr>
+      </p:sp>
+      <p:sp>
+        <p:nvSpPr>
+          <p:cNvPr id="7" name="CustomShape 6"/>
+          <p:cNvSpPr>
+            <a:extLst>
+              <a:ext uri="smNativeData">
+                <pr:smNativeData xmlns:pr="smNativeData" xmlns="smNativeData" val="SMDATA_15_8sFZZRMAAAAlAAAACwAAAA0AAAAAhAMAAFkIAABwCgAAWggAAAAAAAAAAAAAAAAAAAEAAABQAAAAAAAAAAAA4D8AAAAAAADgPwAAAAAAAOA/AAAAAAAA4D8AAAAAAADgPwAAAAAAAOA/AAAAAAAA4D8AAAAAAADgPwAAAAAAAOA/AAAAAAAA4D8CAAAAjAAAAAAAAAAAAAAAQzCfDP///wgAAAAAAAAAAAAAAAAAAAAAAAAAAAAAAAAAAAAAZAAAAAEAAABAAAAAAAAAAAAAAAAAAAAAAAAAAAAAAAAAAAAAAAAAAAAAAAAAAAAAAAAAAAAAAAAAAAAAAAAAAAAAAAAAAAAAAAAAAAAAAAAAAAAAAAAAAAAAAAAAAAAAFAAAADwAAAABAAAAAAAAAAAAAA0PAAAAAQAAACMAAAAjAAAAIwAAAB4AAAAAAAAAZAAAAGQAAAAAAAAAZAAAAGQAAAAVAAAAYAAAAAAAAAAAAAAADwAAACADAAAAAAAAAAAAAAEAAACgMgAAVgcAAKr4//8BAAAAf39/AAEAAABkAAAAAAAAABQAAABAHwAAAAAAACYAAAAAAAAAwOD//wAAAAAmAAAAZAAAABYAAABMAAAAAAAAAAAAAAAEAAAAAAAAAAEAAADRSc4KAAAAACgAAAAoAAAAZAAAAGQAAAAAAAAAzMzMAAAAAABQAAAAUAAAAGQAAABkAAAAAAAAABcAAAAUAAAAAAAAAAAAAAD/fwAA/38AAAAAAAAJAAAABAAAAAAAAAAeAAAAaAAAAAAAAAAAAAAAAAAAAAAAAAAAAAAAECcAABAnAAAAAAAAAAAAAAAAAAAAAAAAAAAAAAAAAAAAAAAAAAAAABQAAAAAAAAAwMD/AAAAAABkAAAAMgAAAAAAAABkAAAAAAAAAH9/fwAKAAAAIgAAABgAAAAAAAAAAAAAAAAAAAAAAAAAAAAAAAAAAAAkAAAAJAAAAAAAAAAHAAAAAAAAAAAAAAAAAAAAAAAAAAAAAAAAAAAAf39/ACUAAABYAAAAAAAAAAAAAAAAAAAAAAAAAAAAAAAAAAAAAAAAAAAAAAAAAAAAAAAAAAAAAAA/AAAAAAAAAKCGAQAAAAAAAAAAAAAAAAAMAAAAAQAAAAAAAAAAAAAAAAAAAB8AAABUAAAAQzCfBf///wEAAAAAAAAAAAAAAAAAAAAAAAAAAAAAAAAAAAAAAAAAAAAAAAZ/f38A0UnOA8zMzADAwP8Af39/AAAAAAAAAAAAAAAAAAAAAAAAAAAAIQAAABgAAAAUAAAAhAMAAFkIAABwCgAAWggAABAAAAAmAAAACAAAAP//////////"/>
+              </a:ext>
+            </a:extLst>
+          </p:cNvSpPr>
+          <p:nvPr/>
+        </p:nvSpPr>
+        <p:spPr>
+          <a:xfrm>
+            <a:off x="571500" y="1356995"/>
+            <a:ext cx="1125220" cy="635"/>
+          </a:xfrm>
+          <a:custGeom>
+            <a:avLst/>
+            <a:gdLst/>
+            <a:ahLst/>
+            <a:cxnLst/>
+            <a:rect l="0" t="0" r="1125220" b="635"/>
+            <a:pathLst>
+              <a:path w="1125220" h="635">
+                <a:moveTo>
+                  <a:pt x="0" y="0"/>
+                </a:moveTo>
+                <a:lnTo>
+                  <a:pt x="1125220" y="0"/>
+                </a:lnTo>
+              </a:path>
+            </a:pathLst>
+          </a:custGeom>
+          <a:noFill/>
+          <a:ln w="9525" cap="flat" cmpd="sng" algn="ctr">
+            <a:solidFill>
+              <a:schemeClr val="accent2"/>
+            </a:solidFill>
+            <a:prstDash val="solid"/>
+            <a:headEnd type="none"/>
+            <a:tailEnd type="none"/>
+          </a:ln>
+          <a:effectLst/>
+        </p:spPr>
+      </p:sp>
+      <p:sp>
+        <p:nvSpPr>
+          <p:cNvPr id="8" name="CustomShape 7"/>
+          <p:cNvSpPr>
+            <a:extLst>
+              <a:ext uri="smNativeData">
+                <pr:smNativeData xmlns:pr="smNativeData" xmlns="smNativeData" val="SMDATA_15_8sFZZRMAAAAlAAAAZgAAAA0AAAAAkAAAAEgAAACQAAAASAAAAAAAAAAAAAAAAAAAAAEAAABQAAAAAAAAAAAA8D8AAAAAAADwPwAAAAAAAOA/AAAAAAAA4D8AAAAAAADgPwAAAAAAAOA/AAAAAAAA4D8AAAAAAADgPwAAAAAAAOA/AAAAAAAA4D8CAAAAjAAAAAEAAAAAAAAAAAAAAP///wgAAAAAAAAAAAAAAAAAAAAAAAAAAAAAAAAAAAAAeAAAAAEAAABAAAAAAAAAAAAAAABaAAAAAAAAAAAAAAAAAAAAAAAAAAAAAAAAAAAAAAAAAAAAAAAAAAAAAAAAAAAAAAAAAAAAAAAAAAAAAAAAAAAAAAAAAAAAAAAAAAAAFAAAADwAAAAAAAAAAAAAAAAAAAkUAAAAAQAAABQAAAAUAAAAFAAAAAEAAAAAAAAAZAAAAGQAAAAAAAAAZAAAAGQAAAAVAAAAYAAAAAAAAAAAAAAADwAAACADAAAAAAAAAAAAAAEAAACgMgAAVgcAAKr4//8BAAAAf39/AAEAAABkAAAAAAAAABQAAABAHwAAAAAAACYAAAAAAAAAwOD//wAAAAAmAAAAZAAAABYAAABMAAAAAQAAAAAAAAAGAAAAAAAAAAEAAAAAAAANMgAAAAAAAAAAAAAAZAAAAGQAAAAAAAAAy8vLADIAAAAAAAAAAAAAAGQAAABkAAAAAAAAABcAAAAUAAAAAAAAAAAAAAD/fwAA/38AAAAAAAAJAAAABAAAAAAAAAAeAAAAaAAAAAAAAAAAAAAAAAAAAAAAAAAAAAAAECcAABAnAAAAAAAAAAAAAAAAAAAAAAAAAAAAAAAAAAAAAAAAAAAAAFIBAAAAAAAAwMD/AAAAAAAAAAAAAAAAAAAAAABkAAAAAAAAAH9/fwAKAAAAIgAAABgAAAAAAAAAAAAAAAAAAAAAAAAAAAAAAAAAAAAkAAAAJAAAAAAAAAAHAAAAAAAAAAAAAAAAAAAAAAAAAAAAAAAAAAAAf39/ACUAAABYAAAAAAAAAAAAAAAAAAAAAAAAAAAAAAAAAAAAAAAAAAAAAAAAAAAAAAAAAAAAAAA/AAAAAAAAAKCGAQAAAAAAAAAAAAAAAAAMAAAAAQAAAAAAAAAAAAAAAAAAAB8AAABUAAAAAAAAAP///wEAAAAAAAAAAAAAAAAAAAAAAAAAAAAAAAAAAAAAAAAAAAAAAAJ/f38AAAAABsvLywDAwP8Af39/AAAAAAAAAAAAAAAAAAAAAAAAAAAAIQAAABgAAAAUAAAA1fb//3kWAAArCQAAzygAABAAAAAmAAAACAAAAP//////////"/>
+              </a:ext>
+            </a:extLst>
+          </p:cNvSpPr>
+          <p:nvPr/>
+        </p:nvSpPr>
+        <p:spPr>
+          <a:xfrm>
+            <a:off x="-1490345" y="3653155"/>
+            <a:ext cx="2980690" cy="2980690"/>
+          </a:xfrm>
+          <a:prstGeom prst="ellipse">
+            <a:avLst/>
+          </a:prstGeom>
+          <a:solidFill>
+            <a:srgbClr val="000000"/>
+          </a:solidFill>
+          <a:ln>
+            <a:noFill/>
+          </a:ln>
+          <a:effectLst>
+            <a:outerShdw blurRad="214630" dist="0" dir="0" algn="bl">
+              <a:schemeClr val="accent2">
+                <a:alpha val="50000"/>
+              </a:schemeClr>
+            </a:outerShdw>
+          </a:effectLst>
+        </p:spPr>
+      </p:sp>
+      <p:sp>
+        <p:nvSpPr>
+          <p:cNvPr id="9" name="CustomShape 8"/>
+          <p:cNvSpPr>
+            <a:extLst>
+              <a:ext uri="smNativeData">
+                <pr:smNativeData xmlns:pr="smNativeData" xmlns="smNativeData" val="SMDATA_15_8sFZZRMAAAAlAAAAZgAAAA0AAAAAkAAAAEgAAACQAAAASAAAAAAAAAAAAAAAAAAAAAEAAABQAAAAAAAAAAAA8D8AAAAAAADwPwAAAAAAAOA/AAAAAAAA4D8AAAAAAADgPwAAAAAAAOA/AAAAAAAA4D8AAAAAAADgPwAAAAAAAOA/AAAAAAAA4D8CAAAAjAAAAAEAAAADAAAA0UnOAEMwnwAAAAAAAAAAAAAAAAAAAAAAAAAAAAAAAAAAAAAAeAAAAAEAAABAAAAAAAAAAGQAAAAOAQAAAAAAAAAAAAAAAAAAAAAAAAAAAAAAAAAAAAAAAAAAAAAAAAAAAAAAAAAAAAAAAAAAAAAAAAAAAAAAAAAAAAAAAAAAAAAAAAAAFAAAADwAAAAAAAAAAAAAAAAAAAkUAAAAAQAAABQAAAAUAAAAFAAAAAEAAAAAAAAAZAAAAGQAAAAAAAAAZAAAAGQAAAAVAAAAYAAAAAAAAAAAAAAADwAAACADAAAAAAAAAAAAAAEAAACgMgAAVgcAAKr4//8BAAAAf39/AAEAAABkAAAAAAAAABQAAABAHwAAAAAAACYAAAAAAAAAwOD//wAAAAAmAAAAZAAAABYAAABMAAAAAAAAAAAAAAAEAAAAAAAAAAEAAADRSc4KAAAAACgAAAAoAAAAZAAAAGQAAAAAAAAAzMzMAAAAAABQAAAAUAAAAGQAAABkAAAAAAAAABcAAAAUAAAAAAAAAAAAAAD/fwAA/38AAAAAAAAJAAAABAAAAAAAAAAeAAAAaAAAAAAAAAAAAAAAAAAAAAAAAAAAAAAAECcAABAnAAAAAAAAAAAAAAAAAAAAAAAAAAAAAAAAAAAAAAAAAAAAABQAAAAAAAAAwMD/AAAAAABkAAAAMgAAAAAAAABkAAAAAAAAAH9/fwAKAAAAIgAAABgAAAAAAAAAAAAAAAAAAAAAAAAAAAAAAAAAAAAkAAAAJAAAAAAAAAAHAAAAAAAAAAAAAAAAAAAAAAAAAAAAAAAAAAAAf39/ACUAAABYAAAAAAAAAAAAAAAAAAAAAAAAAAAAAAAAAAAAAAAAAAAAAAAAAAAAAAAAAAAAAAA/AAAAAAAAAKCGAQAAAAAAAAAAAAAAAAAMAAAAAQAAAAAAAAAAAAAAAAAAAB8AAABUAAAA0UnOAEMwnwAAAAAAAAAAAAAAAAAAAAAAAAAAAAAAAAAAAAAAAAAAAAAAAAJ/f38A0UnOA8zMzADAwP8Af39/AAAAAAAAAAAAAAAAAAAAAAAAAAAAIQAAABgAAAAUAAAAtgUAAA8bAADhDgAAOSQAABAAAAAmAAAACAAAAP//////////"/>
+              </a:ext>
+            </a:extLst>
+          </p:cNvSpPr>
+          <p:nvPr/>
+        </p:nvSpPr>
+        <p:spPr>
+          <a:xfrm>
+            <a:off x="928370" y="4398645"/>
+            <a:ext cx="1490345" cy="1489710"/>
+          </a:xfrm>
+          <a:prstGeom prst="ellipse">
+            <a:avLst/>
+          </a:prstGeom>
+          <a:gradFill flip="none" rotWithShape="0">
+            <a:gsLst>
+              <a:gs pos="0">
+                <a:srgbClr val="D149CE"/>
+              </a:gs>
+              <a:gs pos="100000">
+                <a:srgbClr val="43309F"/>
+              </a:gs>
+            </a:gsLst>
+            <a:lin ang="5400000" scaled="0"/>
+            <a:tileRect/>
+          </a:gradFill>
+          <a:ln>
+            <a:noFill/>
+          </a:ln>
+          <a:effectLst/>
+        </p:spPr>
+      </p:sp>
+    </p:spTree>
+  </p:cSld>
+  <p:clrMapOvr>
+    <a:masterClrMapping/>
+  </p:clrMapOvr>
+  <p:timing>
+    <p:tnLst>
+      <p:par>
+        <p:cTn id="1" dur="indefinite" restart="never" nodeType="tmRoot"/>
+      </p:par>
+    </p:tnLst>
+  </p:timing>
+</p:sld>
+</file>
+
+<file path=ppt/slides/slide14.xml><?xml version="1.0" encoding="utf-8"?>
+<p:sld xmlns:p="http://schemas.openxmlformats.org/presentationml/2006/main" xmlns:mc="http://schemas.openxmlformats.org/markup-compatibility/2006" xmlns:p14="http://schemas.microsoft.com/office/powerpoint/2010/main" xmlns:p15="http://schemas.microsoft.com/office/powerpoint/2012/main" xmlns:r="http://schemas.openxmlformats.org/officeDocument/2006/relationships" xmlns:a="http://schemas.openxmlformats.org/drawingml/2006/main" mc:Ignorable="p14">
+  <p:cSld>
+    <p:spTree>
+      <p:nvGrpSpPr>
+        <p:cNvPr id="1" name=""/>
+        <p:cNvGrpSpPr/>
+        <p:nvPr/>
+      </p:nvGrpSpPr>
+      <p:grpSpPr>
+        <a:xfrm>
+          <a:off x="0" y="0"/>
+          <a:ext cx="0" cy="0"/>
+          <a:chOff x="0" y="0"/>
+          <a:chExt cx="0" cy="0"/>
+        </a:xfrm>
+      </p:grpSpPr>
+      <p:pic>
+        <p:nvPicPr>
+          <p:cNvPr id="2" name="Изображение1"/>
+          <p:cNvPicPr>
+            <a:picLocks noChangeAspect="1"/>
+            <a:extLst>
+              <a:ext uri="smNativeData">
+                <pr:smNativeData xmlns:pr="smNativeData" xmlns="smNativeData" val="SMDATA_17_8sFZZRMAAAAlAAAAEQAAAC8BAAAAkAAAAEgAAACQAAAASAAAAAAAAAAAAAAAAAAAAAEAAABQAAAAAAAAAAAA4D8AAAAAAADgPwAAAAAAAOA/AAAAAAAA4D8AAAAAAADgPwAAAAAAAOA/AAAAAAAA4D8AAAAAAADgPwAAAAAAAOA/AAAAAAAA4D8CAAAAjAAAAAAAAAAAAAAAQzCfDP///wgAAAAAAAAAAAAAAAAAAAAAAAAAAAAAAAAAAAAAZAAAAAEAAABAAAAAAAAAAAAAAAAAAAAAAAAAAAAAAAAAAAAAAAAAAAAAAAAAAAAAAAAAAAAAAAAAAAAAAAAAAAAAAAAAAAAAAAAAAAAAAAAAAAAAAAAAAAAAAAAAAAAAFAAAADwAAAAAAAAAAAAAAAAAAAkUAAAAAQAAABQAAAAUAAAAFAAAAAEAAAAAAAAAZAAAAGQAAAAAAAAAZAAAAGQAAAAVAAAAYAAAAAAAAAAAAAAADwAAACADAAAAAAAAAAAAAAEAAACgMgAAVgcAAKr4//8BAAAAf39/AAEAAABkAAAAAAAAABQAAABAHwAAAAAAACYAAAAAAAAAwOD//wAAAAAmAAAAZAAAABYAAABMAAAAAAAAAAAAAAAEAAAAAAAAAAEAAADRSc4KAAAAACgAAAAoAAAAZAAAAGQAAAAAAAAAzMzMAAAAAABQAAAAUAAAAGQAAABkAAAAAAAAAAcAAAA4AAAAAAAAAAAAAAAAAAAA////AAAAAAAAAAAAAAAAAAAAAAAAAAAAAAAAAAAAAABkAAAAZAAAAAAAAAAjAAAABAAAAGQAAAAXAAAAFAAAAAAAAAAAAAAA/38AAP9/AAAAAAAACQAAAAQAAADAAcABHgAAAGgAAAAAAAAAAAAAAAAAAAAAAAAAAAAAABAnAAAQJwAAAAAAAAAAAAAAAAAAAAAAAAAAAAAAAAAAAAAAAAAAAAAUAAAAAAAAAMDA/wAAAAAAZAAAADIAAAAAAAAAZAAAAAAAAAB/f38ACgAAACIAAAAYAAAAAAAAAAAAAAAAAAAAAAAAAAAAAAAAAAAAJAAAACQAAAAAAAAABwAAAAAAAAAAAAAAAAAAAAAAAAAAAAAAAAAAAH9/fwAlAAAAWAAAAAAAAAAAAAAAAAAAAAAAAAAAAAAAAAAAAAAAAAAAAAAAAAAAAAAAAAAAAAAAPwAAAAAAAACghgEAAAAAAAAAAAAAAAAADAAAAAEAAAAAAAAAAAAAAAAAAAAfAAAAVAAAAAAAAAUAAAABAAAAAAAAAAAAAAAAAAAAAAAAAAAAAAAAAAAAAAAAAAAAAAACf39/AAAAAAPMzMwAwMD/AH9/fwAAAAAAAAAAAAAAAAD///8AAAAAACEAAAAYAAAAFAAAAEIdAABIlwAA5S4AADqlAAAAAAAAJgAAAAgAAAD//////////w=="/>
+              </a:ext>
+            </a:extLst>
+          </p:cNvPicPr>
+          <p:nvPr/>
+        </p:nvPicPr>
+        <p:blipFill>
+          <a:blip r:embed="rId2"/>
+          <a:stretch>
+            <a:fillRect/>
+          </a:stretch>
+        </p:blipFill>
+        <p:spPr>
+          <a:xfrm>
+            <a:off x="4756150" y="24592280"/>
+            <a:ext cx="2867025" cy="2266950"/>
+          </a:xfrm>
+          <a:prstGeom prst="rect">
+            <a:avLst/>
+          </a:prstGeom>
+          <a:noFill/>
+          <a:ln>
+            <a:noFill/>
+          </a:ln>
+          <a:effectLst/>
+        </p:spPr>
+      </p:pic>
+      <p:pic>
+        <p:nvPicPr>
+          <p:cNvPr id="3" name="Изображение2"/>
+          <p:cNvPicPr>
+            <a:picLocks noChangeAspect="1"/>
+            <a:extLst>
+              <a:ext uri="smNativeData">
+                <pr:smNativeData xmlns:pr="smNativeData" xmlns="smNativeData" val="SMDATA_17_8sFZZRMAAAAlAAAAEQAAAC8BAAAAkAAAAEgAAACQAAAASAAAAAAAAAAAAAAAAAAAAAEAAABQAAAAAAAAAAAA4D8AAAAAAADgPwAAAAAAAOA/AAAAAAAA4D8AAAAAAADgPwAAAAAAAOA/AAAAAAAA4D8AAAAAAADgPwAAAAAAAOA/AAAAAAAA4D8CAAAAjAAAAAAAAAAAAAAAQzCfDP///wgAAAAAAAAAAAAAAAAAAAAAAAAAAAAAAAAAAAAAZAAAAAEAAABAAAAAAAAAAAAAAAAAAAAAAAAAAAAAAAAAAAAAAAAAAAAAAAAAAAAAAAAAAAAAAAAAAAAAAAAAAAAAAAAAAAAAAAAAAAAAAAAAAAAAAAAAAAAAAAAAAAAAFAAAADwAAAAAAAAAAAAAAAAAAAkUAAAAAQAAABQAAAAUAAAAFAAAAAEAAAAAAAAAZAAAAGQAAAAAAAAAZAAAAGQAAAAVAAAAYAAAAAAAAAAAAAAADwAAACADAAAAAAAAAAAAAAEAAACgMgAAVgcAAKr4//8BAAAAf39/AAEAAABkAAAAAAAAABQAAABAHwAAAAAAACYAAAAAAAAAwOD//wAAAAAmAAAAZAAAABYAAABMAAAAAAAAAAAAAAAEAAAAAAAAAAEAAADRSc4KAAAAACgAAAAoAAAAZAAAAGQAAAAAAAAAzMzMAAAAAABQAAAAUAAAAGQAAABkAAAAAAAAAAcAAAA4AAAAAAAAAAAAAAAAAAAA////AAAAAAAAAAAAAAAAAAAAAAAAAAAAAAAAAAAAAABkAAAAZAAAAAAAAAAjAAAABAAAAGQAAAAXAAAAFAAAAAAAAAAAAAAA/38AAP9/AAAAAAAACQAAAAQAAADv9Hp2HgAAAGgAAAAAAAAAAAAAAAAAAAAAAAAAAAAAABAnAAAQJwAAAAAAAAAAAAAAAAAAAAAAAAAAAAAAAAAAAAAAAAAAAAAUAAAAAAAAAMDA/wAAAAAAZAAAADIAAAAAAAAAZAAAAAAAAAB/f38ACgAAACIAAAAYAAAAAAAAAAAAAAAAAAAAAAAAAAAAAAAAAAAAJAAAACQAAAAAAAAABwAAAAAAAAAAAAAAAAAAAAAAAAAAAAAAAAAAAH9/fwAlAAAAWAAAAAAAAAAAAAAAAAAAAAAAAAAAAAAAAAAAAAAAAAAAAAAAAAAAAAAAAAAAAAAAPwAAAAAAAACghgEAAAAAAAAAAAAAAAAADAAAAAEAAAAAAAAAAAAAAAAAAAAfAAAAVAAAAEMwnwX///8BAAAAAAAAAAAAAAAAAAAAAAAAAAAAAAAAAAAAAAAAAAAAAAACf39/ANFJzgPMzMwAwMD/AH9/fwAAAAAAAAAAAAAAAAD///8AAAAAACEAAAAYAAAAFAAAADUDAABqBAAAAg8AANkPAAAAAAAAJgAAAAgAAAD//////////w=="/>
+              </a:ext>
+            </a:extLst>
+          </p:cNvPicPr>
+          <p:nvPr/>
+        </p:nvPicPr>
+        <p:blipFill>
+          <a:blip r:embed="rId3"/>
+          <a:stretch>
+            <a:fillRect/>
+          </a:stretch>
+        </p:blipFill>
+        <p:spPr>
+          <a:xfrm>
+            <a:off x="521335" y="717550"/>
+            <a:ext cx="1918335" cy="1858645"/>
+          </a:xfrm>
+          <a:prstGeom prst="rect">
+            <a:avLst/>
+          </a:prstGeom>
+          <a:noFill/>
+          <a:ln>
+            <a:noFill/>
+          </a:ln>
+          <a:effectLst/>
+        </p:spPr>
+      </p:pic>
+      <p:sp>
+        <p:nvSpPr>
+          <p:cNvPr id="4" name="Текстовое поле1"/>
+          <p:cNvSpPr txBox="1">
+            <a:extLst>
+              <a:ext uri="smNativeData">
+                <pr:smNativeData xmlns:pr="smNativeData" xmlns="smNativeData" val="SMDATA_15_8sFZZRMAAAAlAAAAEgAAAA8BAAAAkAAAAEgAAACQAAAASAAAAAAAAAAAAAAAAAAAAAEAAABQAAAAAAAAAAAA4D8AAAAAAADgPwAAAAAAAOA/AAAAAAAA4D8AAAAAAADgPwAAAAAAAOA/AAAAAAAA4D8AAAAAAADgPwAAAAAAAOA/AAAAAAAA4D8CAAAAjAAAAAAAAAAAAAAAQzCfDP///wgAAAAAAAAAAAAAAAAAAAAAAAAAAAAAAAAAAAAAZAAAAAEAAABAAAAAAAAAAAAAAAAAAAAAAAAAAAAAAAAAAAAAAAAAAAAAAAAAAAAAAAAAAAAAAAAAAAAAAAAAAAAAAAAAAAAAAAAAAAAAAAAAAAAAAAAAAAAAAAAAAAAAFAAAADwAAAAAAAAAAAAAAAAAAAkUAAAAAQAAABQAAAAUAAAAFAAAAAEAAAAAAAAAZAAAAGQAAAAAAAAAZAAAAGQAAAAVAAAAYAAAAAAAAAAAAAAADwAAACADAAAAAAAAAAAAAAEAAACgMgAAVgcAAKr4//8BAAAAf39/AAEAAABkAAAAAAAAABQAAABAHwAAAAAAACYAAAAAAAAAwOD//wAAAAAmAAAAZAAAABYAAABMAAAAAAAAAAAAAAAEAAAAAAAAAAEAAADRSc4KAAAAACgAAAAoAAAAZAAAAGQAAAAAAAAAzMzMAAAAAABQAAAAUAAAAGQAAABkAAAAAAAAABcAAAAUAAAAAAAAANwIAAD/fwAA/38AAAAAAAAJAAAABAAAAAAAAAAeAAAAaAAAAAAAAAAAAAAAAAAAAAAAAAAAAAAAECcAABAnAAAAAAAAAAAAAAAAAAAAAAAAAAAAAAAAAAAAAAAAAAAAABQAAAAAAAAAwMD/AAAAAABkAAAAMgAAAAAAAABkAAAAAAAAAH9/fwAKAAAAIgAAABgAAAAAAAAAAAAAAAAAAAAAAAAAAAAAAAAAAAAkAAAAJAAAAAAAAAAHAAAAAAAAAAAAAAAAAAAAAAAAAAAAAAAAAAAAf39/ACUAAABYAAAAAAAAAAAAAAAAAAAAAAAAAAAAAAAAAAAAAAAAAAAAAAAAAAAAAAAAAAAAAAA/AAAAAAAAAKCGAQAAAAAAAAAAAAAAAAAMAAAAAQAAAAAAAAAAAAAAAAAAAB8AAABUAAAAQzCfBf///wEAAAAAAAAAAAAAAAAAAAAAAAAAAAAAAAAAAAAAAAAAAAAAAAJ/f38A0UnOA8zMzADAwP8Af39/AAAAAAAAAAAAAAAAAAAAAAAAAAAAIQAAABgAAAAUAAAAIA4AAJ8GAAApGQAAYwgAAAAAAAAmAAAACAAAAP//////////"/>
+              </a:ext>
+            </a:extLst>
+          </p:cNvSpPr>
+          <p:nvPr/>
+        </p:nvSpPr>
+        <p:spPr>
+          <a:xfrm>
+            <a:off x="2296160" y="1076325"/>
+            <a:ext cx="1793875" cy="287020"/>
+          </a:xfrm>
+          <a:prstGeom prst="rect">
+            <a:avLst/>
+          </a:prstGeom>
+          <a:noFill/>
+          <a:ln>
+            <a:noFill/>
+          </a:ln>
+          <a:effectLst/>
+        </p:spPr>
+        <p:txBody>
+          <a:bodyPr vert="horz" wrap="square" numCol="1" spcCol="215900" anchor="t"/>
+          <a:lstStyle/>
+          <a:p>
+            <a:pPr>
+              <a:defRPr lang="ru-ru"/>
+            </a:pPr>
+            <a:r>
+              <a:t>- Телеграм бот</a:t>
+            </a:r>
+          </a:p>
+        </p:txBody>
+      </p:sp>
+      <p:sp>
+        <p:nvSpPr>
+          <p:cNvPr id="5" name="Текстовое поле2"/>
+          <p:cNvSpPr txBox="1">
+            <a:extLst>
+              <a:ext uri="smNativeData">
+                <pr:smNativeData xmlns:pr="smNativeData" xmlns="smNativeData" val="SMDATA_15_8sFZZRMAAAAlAAAAEgAAAA8BAAAAkAAAAEgAAACQAAAASAAAAAAAAAAAAAAAAAAAAAEAAABQAAAAAAAAAAAA4D8AAAAAAADgPwAAAAAAAOA/AAAAAAAA4D8AAAAAAADgPwAAAAAAAOA/AAAAAAAA4D8AAAAAAADgPwAAAAAAAOA/AAAAAAAA4D8CAAAAjAAAAAAAAAAAAAAAQzCfDP///wgAAAAAAAAAAAAAAAAAAAAAAAAAAAAAAAAAAAAAZAAAAAEAAABAAAAAAAAAAAAAAAAAAAAAAAAAAAAAAAAAAAAAAAAAAAAAAAAAAAAAAAAAAAAAAAAAAAAAAAAAAAAAAAAAAAAAAAAAAAAAAAAAAAAAAAAAAAAAAAAAAAAAFAAAADwAAAAAAAAAAAAAAAAAAAkUAAAAAQAAABQAAAAUAAAAFAAAAAEAAAAAAAAAZAAAAGQAAAAAAAAAZAAAAGQAAAAVAAAAYAAAAAAAAAAAAAAADwAAACADAAAAAAAAAAAAAAEAAACgMgAAVgcAAKr4//8BAAAAf39/AAEAAABkAAAAAAAAABQAAABAHwAAAAAAACYAAAAAAAAAwOD//wAAAAAmAAAAZAAAABYAAABMAAAAAAAAAAAAAAAEAAAAAAAAAAEAAADRSc4KAAAAACgAAAAoAAAAZAAAAGQAAAAAAAAAzMzMAAAAAABQAAAAUAAAAGQAAABkAAAAAAAAABcAAAAUAAAAAAAAANwIAAD/fwAA/38AAAAAAAAJAAAABAAAAF8AYAAeAAAAaAAAAAAAAAAAAAAAAAAAAAAAAAAAAAAAECcAABAnAAAAAAAAAAAAAAAAAAAAAAAAAAAAAAAAAAAAAAAAAAAAABQAAAAAAAAAwMD/AAAAAABkAAAAMgAAAAAAAABkAAAAAAAAAH9/fwAKAAAAIgAAABgAAAAAAAAAAAAAAAAAAAAAAAAAAAAAAAAAAAAkAAAAJAAAAAAAAAAHAAAAAAAAAAAAAAAAAAAAAAAAAAAAAAAAAAAAf39/ACUAAABYAAAAAAAAAAAAAAAAAAAAAAAAAAAAAAAAAAAAAAAAAAAAAAAAAAAAAAAAAAAAAAA/AAAAAAAAAKCGAQAAAAAAAAAAAAAAAAAMAAAAAQAAAAAAAAAAAAAAAAAAAB8AAABUAAAAQzCfBf///wEAAAAAAAAAAAAAAAAAAAAAAAAAAAAAAAAAAAAAAAAAAAAAAAJ/f38A0UnOA8zMzADAwP8Af39/AAAAAAAAAAAAAAAAAAAAAAAAAAAAIQAAABgAAAAUAAAAHw4AADoJAADfIgAAkQ4AAAAAAAAmAAAACAAAAP//////////"/>
+              </a:ext>
+            </a:extLst>
+          </p:cNvSpPr>
+          <p:nvPr/>
+        </p:nvSpPr>
+        <p:spPr>
+          <a:xfrm>
+            <a:off x="2295525" y="1499870"/>
+            <a:ext cx="3373120" cy="868045"/>
+          </a:xfrm>
+          <a:prstGeom prst="rect">
+            <a:avLst/>
+          </a:prstGeom>
+          <a:noFill/>
+          <a:ln>
+            <a:noFill/>
+          </a:ln>
+          <a:effectLst/>
+        </p:spPr>
+        <p:txBody>
+          <a:bodyPr vert="horz" wrap="square" numCol="1" spcCol="215900" anchor="t"/>
+          <a:lstStyle/>
+          <a:p>
+            <a:pPr>
+              <a:defRPr lang="ru-ru"/>
+            </a:pPr>
+            <a:r>
+              <a:t>- https://t.me/Seikatsubeta_bot</a:t>
+            </a:r>
+          </a:p>
+        </p:txBody>
+      </p:sp>
+      <p:pic>
+        <p:nvPicPr>
+          <p:cNvPr id="6" name="Изображение3"/>
+          <p:cNvPicPr>
+            <a:picLocks noChangeAspect="1"/>
+            <a:extLst>
+              <a:ext uri="smNativeData">
+                <pr:smNativeData xmlns:pr="smNativeData" xmlns="smNativeData" val="SMDATA_17_8sFZZRMAAAAlAAAAEQAAAC8BAAAAkAAAAEgAAACQAAAASAAAAAAAAAAAAAAAAAAAAAEAAABQAAAAAAAAAAAA4D8AAAAAAADgPwAAAAAAAOA/AAAAAAAA4D8AAAAAAADgPwAAAAAAAOA/AAAAAAAA4D8AAAAAAADgPwAAAAAAAOA/AAAAAAAA4D8CAAAAjAAAAAAAAAAAAAAAQzCfDP///wgAAAAAAAAAAAAAAAAAAAAAAAAAAAAAAAAAAAAAZAAAAAEAAABAAAAAAAAAAAAAAAAAAAAAAAAAAAAAAAAAAAAAAAAAAAAAAAAAAAAAAAAAAAAAAAAAAAAAAAAAAAAAAAAAAAAAAAAAAAAAAAAAAAAAAAAAAAAAAAAAAAAAFAAAADwAAAAAAAAAAAAAAAAAAAkUAAAAAQAAABQAAAAUAAAAFAAAAAEAAAAAAAAAZAAAAGQAAAAAAAAAZAAAAGQAAAAVAAAAYAAAAAAAAAAAAAAADwAAACADAAAAAAAAAAAAAAEAAACgMgAAVgcAAKr4//8BAAAAf39/AAEAAABkAAAAAAAAABQAAABAHwAAAAAAACYAAAAAAAAAwOD//wAAAAAmAAAAZAAAABYAAABMAAAAAAAAAAAAAAAEAAAAAAAAAAEAAADRSc4KAAAAACgAAAAoAAAAZAAAAGQAAAAAAAAAzMzMAAAAAABQAAAAUAAAAGQAAABkAAAAAAAAAAcAAAA4AAAAAAAAAAAAAAAAAAAA////AAAAAAAAAAAAAAAAAAAAAAAAAAAAAAAAAAAAAABkAAAAZAAAAAAAAAAjAAAABAAAAGQAAAAXAAAAFAAAAAAAAAAAAAAA/38AAP9/AAAAAAAACQAAAAQAAAD/////HgAAAGgAAAAAAAAAAAAAAAAAAAAAAAAAAAAAABAnAAAQJwAAAAAAAAAAAAAAAAAAAAAAAAAAAAAAAAAAAAAAAAAAAAAUAAAAAAAAAMDA/wAAAAAAZAAAADIAAAAAAAAAZAAAAAAAAAB/f38ACgAAACIAAAAYAAAAAAAAAAAAAAAAAAAAAAAAAAAAAAAAAAAAJAAAACQAAAAAAAAABwAAAAAAAAAAAAAAAAAAAAAAAAAAAAAAAAAAAH9/fwAlAAAAWAAAAAAAAAAAAAAAAAAAAAAAAAAAAAAAAAAAAAAAAAAAAAAAAAAAAAAAAAAAAAAAPwAAAAAAAACghgEAAAAAAAAAAAAAAAAADAAAAAEAAAAAAAAAAAAAAAAAAAAfAAAAVAAAAEMwnwX///8BAAAAAAAAAAAAAAAAAAAAAAAAAAAAAAAAAAAAAAAAAAAAAAACf39/ANFJzgPMzMwAwMD/AH9/fwAAAAAAAAAAAAAAAAD///8AAAAAACEAAAAYAAAAFAAAADUCAABzDwAAVRAAAJ0aAAAAAAAAJgAAAAgAAAD//////////w=="/>
+              </a:ext>
+            </a:extLst>
+          </p:cNvPicPr>
+          <p:nvPr/>
+        </p:nvPicPr>
+        <p:blipFill>
+          <a:blip r:embed="rId2"/>
+          <a:stretch>
+            <a:fillRect/>
+          </a:stretch>
+        </p:blipFill>
+        <p:spPr>
+          <a:xfrm>
+            <a:off x="358775" y="2511425"/>
+            <a:ext cx="2296160" cy="1814830"/>
+          </a:xfrm>
+          <a:prstGeom prst="rect">
+            <a:avLst/>
+          </a:prstGeom>
+          <a:noFill/>
+          <a:ln>
+            <a:noFill/>
+          </a:ln>
+          <a:effectLst/>
+        </p:spPr>
+      </p:pic>
+      <p:sp>
+        <p:nvSpPr>
+          <p:cNvPr id="7" name="Текстовое поле3"/>
+          <p:cNvSpPr txBox="1">
+            <a:extLst>
+              <a:ext uri="smNativeData">
+                <pr:smNativeData xmlns:pr="smNativeData" xmlns="smNativeData" val="SMDATA_15_8sFZZRMAAAAlAAAAEgAAAA8BAAAAkAAAAEgAAACQAAAASAAAAAAAAAAAAAAAAAAAAAEAAABQAAAAAAAAAAAA4D8AAAAAAADgPwAAAAAAAOA/AAAAAAAA4D8AAAAAAADgPwAAAAAAAOA/AAAAAAAA4D8AAAAAAADgPwAAAAAAAOA/AAAAAAAA4D8CAAAAjAAAAAAAAAAAAAAAQzCfDP///wgAAAAAAAAAAAAAAAAAAAAAAAAAAAAAAAAAAAAAZAAAAAEAAABAAAAAAAAAAAAAAAAAAAAAAAAAAAAAAAAAAAAAAAAAAAAAAAAAAAAAAAAAAAAAAAAAAAAAAAAAAAAAAAAAAAAAAAAAAAAAAAAAAAAAAAAAAAAAAAAAAAAAFAAAADwAAAAAAAAAAAAAAAAAAAkUAAAAAQAAABQAAAAUAAAAFAAAAAEAAAAAAAAAZAAAAGQAAAAAAAAAZAAAAGQAAAAVAAAAYAAAAAAAAAAAAAAADwAAACADAAAAAAAAAAAAAAEAAACgMgAAVgcAAKr4//8BAAAAf39/AAEAAABkAAAAAAAAABQAAABAHwAAAAAAACYAAAAAAAAAwOD//wAAAAAmAAAAZAAAABYAAABMAAAAAAAAAAAAAAAEAAAAAAAAAAEAAADRSc4KAAAAACgAAAAoAAAAZAAAAGQAAAAAAAAAzMzMAAAAAABQAAAAUAAAAGQAAABkAAAAAAAAABcAAAAUAAAAAAAAANwIAAD/fwAA/38AAAAAAAAJAAAABAAAAF8AYAAeAAAAaAAAAAAAAAAAAAAAAAAAAAAAAAAAAAAAECcAABAnAAAAAAAAAAAAAAAAAAAAAAAAAAAAAAAAAAAAAAAAAAAAABQAAAAAAAAAwMD/AAAAAABkAAAAMgAAAAAAAABkAAAAAAAAAH9/fwAKAAAAIgAAABgAAAAAAAAAAAAAAAAAAAAAAAAAAAAAAAAAAAAkAAAAJAAAAAAAAAAHAAAAAAAAAAAAAAAAAAAAAAAAAAAAAAAAAAAAf39/ACUAAABYAAAAAAAAAAAAAAAAAAAAAAAAAAAAAAAAAAAAAAAAAAAAAAAAAAAAAAAAAAAAAAA/AAAAAAAAAKCGAQAAAAAAAAAAAAAAAAAMAAAAAQAAAAAAAAAAAAAAAAAAAB8AAABUAAAAQzCfBf///wEAAAAAAAAAAAAAAAAAAAAAAAAAAAAAAAAAAAAAAAAAAAAAAAJ/f38A0UnOA8zMzADAwP8Af39/AAAAAAAAAAAAAAAAAAAAAAAAAAAAIQAAABgAAAAUAAAAiQ4AAF4QAABAHAAAihIAAAAAAAAmAAAACAAAAP//////////"/>
+              </a:ext>
+            </a:extLst>
+          </p:cNvSpPr>
+          <p:nvPr/>
+        </p:nvSpPr>
+        <p:spPr>
+          <a:xfrm>
+            <a:off x="2362835" y="2660650"/>
+            <a:ext cx="2229485" cy="353060"/>
+          </a:xfrm>
+          <a:prstGeom prst="rect">
+            <a:avLst/>
+          </a:prstGeom>
+          <a:noFill/>
+          <a:ln>
+            <a:noFill/>
+          </a:ln>
+          <a:effectLst/>
+        </p:spPr>
+        <p:txBody>
+          <a:bodyPr vert="horz" wrap="square" numCol="1" spcCol="215900" anchor="t"/>
+          <a:lstStyle/>
+          <a:p>
+            <a:pPr>
+              <a:defRPr lang="ru-ru"/>
+            </a:pPr>
+            <a:r>
+              <a:t>- GitHub reposetory</a:t>
+            </a:r>
+          </a:p>
+        </p:txBody>
+      </p:sp>
+      <p:sp>
+        <p:nvSpPr>
+          <p:cNvPr id="8" name="Текстовое поле4"/>
+          <p:cNvSpPr txBox="1">
+            <a:extLst>
+              <a:ext uri="smNativeData">
+                <pr:smNativeData xmlns:pr="smNativeData" xmlns="smNativeData" val="SMDATA_15_8sFZZRMAAAAlAAAAEgAAAE8BAAAAkAAAAEgAAACQAAAASAAAAAAAAAAAAAAAAAAAAAEAAABQAAAAAAAAAAAA4D8AAAAAAADgPwAAAAAAAOA/AAAAAAAA4D8AAAAAAADgPwAAAAAAAOA/AAAAAAAA4D8AAAAAAADgPwAAAAAAAOA/AAAAAAAA4D8CAAAAjAAAAAAAAAAAAAAAQzCfDP///wgAAAAAAAAAAAAAAAAAAAAAAAAAAAAAAAAAAAAAZAAAAAEAAABAAAAAAAAAAAAAAAAAAAAAAAAAAAAAAAAAAAAAAAAAAAAAAAAAAAAAAAAAAAAAAAAAAAAAAAAAAAAAAAAAAAAAAAAAAAAAAAAAAAAAAAAAAAAAAAAAAAAAFAAAADwAAAAAAAAAAAAAAAAAAAkUAAAAAQAAABQAAAAUAAAAFAAAAAEAAAAAAAAAZAAAAGQAAAAAAAAAZAAAAGQAAAAVAAAAYAAAAAAAAAAAAAAADwAAACADAAAAAAAAAAAAAAEAAACgMgAAVgcAAKr4//8BAAAAf39/AAEAAABkAAAAAAAAABQAAABAHwAAAAAAACYAAAAAAAAAwOD//wAAAAAmAAAAZAAAABYAAABMAAAAAAAAAAAAAAAEAAAAAAAAAAEAAADRSc4KAAAAACgAAAAoAAAAZAAAAGQAAAAAAAAAzMzMAAAAAABQAAAAUAAAAGQAAABkAAAAAAAAABcAAAAUAAAAAAAAANwIAAD/fwAA/38AAAAAAAAJAAAABAAAAMNs4VEeAAAAaAAAAAAAAAAAAAAAAAAAAAAAAAAAAAAAECcAABAnAAAAAAAAAAAAAAAAAAAAAAAAAAAAAAAAAAAAAAAAAAAAABQAAAAAAAAAwMD/AAAAAABkAAAAMgAAAAAAAABkAAAAAAAAAH9/fwAKAAAAIgAAABgAAAAAAAAAAAAAAAAAAAAAAAAAAAAAAAAAAAAkAAAAJAAAAAAAAAAHAAAAAAAAAAAAAAAAAAAAAAAAAAAAAAAAAAAAf39/ACUAAABYAAAAAAAAAAAAAAAAAAAAAAAAAAAAAAAAAAAAAAAAAAAAAAAAAAAAAAAAAAAAAAA/AAAAAAAAAKCGAQAAAAAAAAAAAAAAAAAMAAAAAQAAAAAAAAAAAAAAAAAAAB8AAABUAAAAQzCfBf///wEAAAAAAAAAAAAAAAAAAAAAAAAAAAAAAAAAAAAAAAAAAAAAAAJ/f38A0UnOA8zMzADAwP8Af39/AAAAAAAAAAAAAAAAAAAAAAAAAAAAIQAAABgAAAAUAAAAkQ4AAGETAABSMgAAoRUAAAAgAAAmAAAACAAAAP//////////"/>
+              </a:ext>
+            </a:extLst>
+          </p:cNvSpPr>
+          <p:nvPr/>
+        </p:nvSpPr>
+        <p:spPr>
+          <a:xfrm>
+            <a:off x="2367915" y="3150235"/>
+            <a:ext cx="5812155" cy="365760"/>
+          </a:xfrm>
+          <a:prstGeom prst="rect">
+            <a:avLst/>
+          </a:prstGeom>
+          <a:noFill/>
+          <a:ln>
+            <a:noFill/>
+          </a:ln>
+          <a:effectLst/>
+        </p:spPr>
+        <p:txBody>
+          <a:bodyPr vert="horz" wrap="square" numCol="1" spcCol="215900" anchor="t"/>
+          <a:lstStyle/>
+          <a:p>
+            <a:pPr>
+              <a:defRPr lang="ru-ru"/>
+            </a:pPr>
+            <a:r>
+              <a:t>- https://github.com/1Pabloki1/Seikatsu-Studio-Bot</a:t>
+            </a:r>
+          </a:p>
+        </p:txBody>
+      </p:sp>
+    </p:spTree>
+  </p:cSld>
+  <p:clrMapOvr>
+    <a:masterClrMapping/>
+  </p:clrMapOvr>
+  <p:timing>
+    <p:tnLst>
+      <p:par>
+        <p:cTn id="1" dur="indefinite" restart="never" nodeType="tmRoot"/>
+      </p:par>
+    </p:tnLst>
+  </p:timing>
+</p:sld>
+</file>
+
+<file path=ppt/slides/slide15.xml><?xml version="1.0" encoding="utf-8"?>
+<p:sld xmlns:p="http://schemas.openxmlformats.org/presentationml/2006/main" xmlns:mc="http://schemas.openxmlformats.org/markup-compatibility/2006" xmlns:p14="http://schemas.microsoft.com/office/powerpoint/2010/main" xmlns:p15="http://schemas.microsoft.com/office/powerpoint/2012/main" xmlns:r="http://schemas.openxmlformats.org/officeDocument/2006/relationships" xmlns:a="http://schemas.openxmlformats.org/drawingml/2006/main" mc:Ignorable="p14">
+  <p:cSld>
+    <p:spTree>
+      <p:nvGrpSpPr>
+        <p:cNvPr id="1" name=""/>
+        <p:cNvGrpSpPr/>
+        <p:nvPr/>
+      </p:nvGrpSpPr>
+      <p:grpSpPr>
+        <a:xfrm>
+          <a:off x="0" y="0"/>
+          <a:ext cx="0" cy="0"/>
+          <a:chOff x="0" y="0"/>
+          <a:chExt cx="0" cy="0"/>
+        </a:xfrm>
+      </p:grpSpPr>
+      <p:sp>
+        <p:nvSpPr>
+          <p:cNvPr id="2" name="CustomShape 1"/>
+          <p:cNvSpPr>
+            <a:extLst>
+              <a:ext uri="smNativeData">
+                <pr:smNativeData xmlns:pr="smNativeData" xmlns="smNativeData" val="SMDATA_15_8sFZZRMAAAAlAAAAZAAAAA0AAAAAjgAAAJAAAACOAAAAkAAAAAAAAAACAAAAAAAAAAEAAABQAAAAAAAAAAAA4D8AAAAAAADgPwAAAAAAAOA/AAAAAAAA4D8AAAAAAADgPwAAAAAAAOA/AAAAAAAA4D8AAAAAAADgPwAAAAAAAOA/AAAAAAAA4D8CAAAAjAAAAAAAAAAAAAAAQzCfDP///wgAAAAAAAAAAAAAAAAAAAAAAAAAAAAAAAAAAAAAZAAAAAEAAABAAAAAAAAAAAAAAAAAAAAAAAAAAAAAAAAAAAAAAAAAAAAAAAAAAAAAAAAAAAAAAAAAAAAAAAAAAAAAAAAAAAAAAAAAAAAAAAAAAAAAAAAAAAAAAAAAAAAAFAAAADwAAAAAAAAAAAAAAAAAAAkUAAAAAQAAABQAAAAUAAAAFAAAAAEAAAAAAAAAZAAAAGQAAAAAAAAAZAAAAGQAAAAVAAAAYAAAAAAAAAAAAAAADwAAACADAAAAAAAAAAAAAAEAAACgMgAAVgcAAKr4//8BAAAAf39/AAEAAABkAAAAAAAAABQAAABAHwAAAAAAACYAAAAAAAAAwOD//wAAAAAmAAAAZAAAABYAAABMAAAAAAAAAAAAAAAEAAAAAAAAAAEAAADRSc4KAAAAACgAAAAoAAAAZAAAAGQAAAAAAAAAzMzMAAAAAABQAAAAUAAAAGQAAABkAAAAAAAAABcAAAAUAAAAAAAAAAAAAAD/fwAA/38AAAAAAAAJAAAABAAAAAAAAAAeAAAAaAAAAAAAAAAAAAAAAAAAAAAAAAAAAAAAECcAABAnAAAAAAAAAAAAAAAAAAAAAAAAAAAAAAAAAAAAAAAAAAAAABQAAAAAAAAAwMD/AAAAAABkAAAAMgAAAAAAAABkAAAAAAAAAH9/fwAKAAAAIgAAABgAAAAAAAAAAAAAAAAAAAAAAAAAAAAAAAAAAAAkAAAAJAAAAAAAAAAHAAAAAAAAAAAAAAAAAAAAAAAAAAAAAAAAAAAAf39/ACUAAABYAAAAAAAAAAAAAAAAAAAAAAAAAAAAAAAAAAAAAAAAAAAAAAAAAAAAAAAAAAAAAAA/AAAAAAAAAKCGAQAAAAAAAAAAAAAAAAAMAAAAAQAAAAAAAAAAAAAAAAAAAB8AAABUAAAAQzCfBf///wEAAAAAAAAAAAAAAAAAAAAAAAAAAAAAAAAAAAAAAAAAAAAAAAJ/f38A0UnOA8zMzADAwP8Af39/AAAAAAAAAAAAAAAAAAAAAAAAAAAAIQAAABgAAAAUAAAAShcAAG0LAAANNgAAExMAABAAAAAmAAAACAAAAP//////////"/>
               </a:ext>
             </a:extLst>
           </p:cNvSpPr>
@@ -20421,7 +21465,7 @@
           <p:cNvSpPr>
             <a:extLst>
               <a:ext uri="smNativeData">
-                <pr:smNativeData xmlns:pr="smNativeData" xmlns="smNativeData" val="SMDATA_15_37BZZRMAAAAlAAAAZgAAAA0AAAAAkAAAAEgAAACQAAAASAAAAAAAAAAAAAAAAAAAAAEAAABQAAAAAAAAAAAA8D8AAAAAAADwPwAAAAAAAOA/AAAAAAAA4D8AAAAAAADgPwAAAAAAAOA/AAAAAAAA4D8AAAAAAADgPwAAAAAAAOA/AAAAAAAA4D8CAAAAjAAAAAEAAAAAAAAAAAAAAP///wgAAAAAAAAAAAAAAAAAAAAAAAAAAAAAAAAAAAAAeAAAAAEAAABAAAAAAAAAAAAAAABaAAAAAAAAAAAAAAAAAAAAAAAAAAAAAAAAAAAAAAAAAAAAAAAAAAAAAAAAAAAAAAAAAAAAAAAAAAAAAAAAAAAAAAAAAAAAAAAAAAAAFAAAADwAAAAAAAAAAAAAAAAAAAkUAAAAAQAAABQAAAAUAAAAFAAAAAEAAAAAAAAAZAAAAGQAAAAAAAAAZAAAAGQAAAAVAAAAYAAAAAAAAAAAAAAADwAAACADAAAAAAAAAAAAAAEAAACgMgAAVgcAAKr4//8BAAAAf39/AAEAAABkAAAAAAAAABQAAABAHwAAAAAAACYAAAAAAAAAwOD//wAAAAAmAAAAZAAAABYAAABMAAAAAQAAAAAAAAAGAAAAAAAAAAEAAAAAAAANMgAAAAAAAAAAAAAAZAAAAGQAAAAAAAAAy8vLADIAAAAAAAAAAAAAAGQAAABkAAAAAAAAABcAAAAUAAAAAAAAAAAAAAD/fwAA/38AAAAAAAAJAAAABAAAAAAAAAAeAAAAaAAAAAAAAAAAAAAAAAAAAAAAAAAAAAAAECcAABAnAAAAAAAAAAAAAAAAAAAAAAAAAAAAAAAAAAAAAAAAAAAAAFIBAAAAAAAAwMD/AAAAAAAAAAAAAAAAAAAAAABkAAAAAAAAAH9/fwAKAAAAIgAAABgAAAAAAAAAAAAAAAAAAAAAAAAAAAAAAAAAAAAkAAAAJAAAAAAAAAAHAAAAAAAAAAAAAAAAAAAAAAAAAAAAAAAAAAAAf39/ACUAAABYAAAAAAAAAAAAAAAAAAAAAAAAAAAAAAAAAAAAAAAAAAAAAAAAAAAAAAAAAAAAAAA/AAAAAAAAAKCGAQAAAAAAAAAAAAAAAAAMAAAAAQAAAAAAAAAAAAAAAAAAAB8AAABUAAAAAAAAAP///wEAAAAAAAAAAAAAAAAAAAAAAAAAAAAAAAAAAAAAAAAAAAAAAAJ/f38AAAAABsvLywDAwP8Af39/AAAAAAAAAAAAAAAAAAAAAAAAAAAAIQAAABgAAAAUAAAApysAAIkXAAD9PQAA3ykAABAAAAAmAAAACAAAAP//////////"/>
+                <pr:smNativeData xmlns:pr="smNativeData" xmlns="smNativeData" val="SMDATA_15_8sFZZRMAAAAlAAAAZgAAAA0AAAAAkAAAAEgAAACQAAAASAAAAAAAAAAAAAAAAAAAAAEAAABQAAAAAAAAAAAA8D8AAAAAAADwPwAAAAAAAOA/AAAAAAAA4D8AAAAAAADgPwAAAAAAAOA/AAAAAAAA4D8AAAAAAADgPwAAAAAAAOA/AAAAAAAA4D8CAAAAjAAAAAEAAAAAAAAAAAAAAP///wgAAAAAAAAAAAAAAAAAAAAAAAAAAAAAAAAAAAAAeAAAAAEAAABAAAAAAAAAAAAAAABaAAAAAAAAAAAAAAAAAAAAAAAAAAAAAAAAAAAAAAAAAAAAAAAAAAAAAAAAAAAAAAAAAAAAAAAAAAAAAAAAAAAAAAAAAAAAAAAAAAAAFAAAADwAAAAAAAAAAAAAAAAAAAkUAAAAAQAAABQAAAAUAAAAFAAAAAEAAAAAAAAAZAAAAGQAAAAAAAAAZAAAAGQAAAAVAAAAYAAAAAAAAAAAAAAADwAAACADAAAAAAAAAAAAAAEAAACgMgAAVgcAAKr4//8BAAAAf39/AAEAAABkAAAAAAAAABQAAABAHwAAAAAAACYAAAAAAAAAwOD//wAAAAAmAAAAZAAAABYAAABMAAAAAQAAAAAAAAAGAAAAAAAAAAEAAAAAAAANMgAAAAAAAAAAAAAAZAAAAGQAAAAAAAAAy8vLADIAAAAAAAAAAAAAAGQAAABkAAAAAAAAABcAAAAUAAAAAAAAAAAAAAD/fwAA/38AAAAAAAAJAAAABAAAAAAAAAAeAAAAaAAAAAAAAAAAAAAAAAAAAAAAAAAAAAAAECcAABAnAAAAAAAAAAAAAAAAAAAAAAAAAAAAAAAAAAAAAAAAAAAAAFIBAAAAAAAAwMD/AAAAAAAAAAAAAAAAAAAAAABkAAAAAAAAAH9/fwAKAAAAIgAAABgAAAAAAAAAAAAAAAAAAAAAAAAAAAAAAAAAAAAkAAAAJAAAAAAAAAAHAAAAAAAAAAAAAAAAAAAAAAAAAAAAAAAAAAAAf39/ACUAAABYAAAAAAAAAAAAAAAAAAAAAAAAAAAAAAAAAAAAAAAAAAAAAAAAAAAAAAAAAAAAAAA/AAAAAAAAAKCGAQAAAAAAAAAAAAAAAAAMAAAAAQAAAAAAAAAAAAAAAAAAAB8AAABUAAAAAAAAAP///wEAAAAAAAAAAAAAAAAAAAAAAAAAAAAAAAAAAAAAAAAAAAAAAAJ/f38AAAAABsvLywDAwP8Af39/AAAAAAAAAAAAAAAAAAAAAAAAAAAAIQAAABgAAAAUAAAApysAAIkXAAD9PQAA3ykAABAAAAAmAAAACAAAAP//////////"/>
               </a:ext>
             </a:extLst>
           </p:cNvSpPr>
@@ -20456,7 +21500,7 @@
           <p:cNvSpPr>
             <a:extLst>
               <a:ext uri="smNativeData">
-                <pr:smNativeData xmlns:pr="smNativeData" xmlns="smNativeData" val="SMDATA_15_37BZZRMAAAAlAAAAZgAAAA0AAAAAkAAAAEgAAACQAAAASAAAAAAAAAAAAAAAAAAAAAEAAABQAAAAAAAAAAAA8D8AAAAAAADwPwAAAAAAAOA/AAAAAAAA4D8AAAAAAADgPwAAAAAAAOA/AAAAAAAA4D8AAAAAAADgPwAAAAAAAOA/AAAAAAAA4D8CAAAAjAAAAAEAAAADAAAA0UnOAEMwnwAAAAAAAAAAAAAAAAAAAAAAAAAAAAAAAAAAAAAAeAAAAAEAAABAAAAAAAAAAGQAAAAOAQAAAAAAAAAAAAAAAAAAAAAAAAAAAAAAAAAAAAAAAAAAAAAAAAAAAAAAAAAAAAAAAAAAAAAAAAAAAAAAAAAAAAAAAAAAAAAAAAAAFAAAADwAAAAAAAAAAAAAAAAAAAkUAAAAAQAAABQAAAAUAAAAFAAAAAEAAAAAAAAAZAAAAGQAAAAAAAAAZAAAAGQAAAAVAAAAYAAAAAAAAAAAAAAADwAAACADAAAAAAAAAAAAAAEAAACgMgAAVgcAAKr4//8BAAAAf39/AAEAAABkAAAAAAAAABQAAABAHwAAAAAAACYAAAAAAAAAwOD//wAAAAAmAAAAZAAAABYAAABMAAAAAAAAAAAAAAAEAAAAAAAAAAEAAADRSc4KAAAAACgAAAAoAAAAZAAAAGQAAAAAAAAAzMzMAAAAAABQAAAAUAAAAGQAAABkAAAAAAAAABcAAAAUAAAAAAAAAAAAAAD/fwAA/38AAAAAAAAJAAAABAAAAAAAAAAeAAAAaAAAAAAAAAAAAAAAAAAAAAAAAAAAAAAAECcAABAnAAAAAAAAAAAAAAAAAAAAAAAAAAAAAAAAAAAAAAAAAAAAABQAAAAAAAAAwMD/AAAAAABkAAAAMgAAAAAAAABkAAAAAAAAAH9/fwAKAAAAIgAAABgAAAAAAAAAAAAAAAAAAAAAAAAAAAAAAAAAAAAkAAAAJAAAAAAAAAAHAAAAAAAAAAAAAAAAAAAAAAAAAAAAAAAAAAAAf39/ACUAAABYAAAAAAAAAAAAAAAAAAAAAAAAAAAAAAAAAAAAAAAAAAAAAAAAAAAAAAAAAAAAAAA/AAAAAAAAAKCGAQAAAAAAAAAAAAAAAAAMAAAAAQAAAAAAAAAAAAAAAAAAAB8AAABUAAAA0UnOAEMwnwAAAAAAAAAAAAAAAAAAAAAAAAAAAAAAAAAAAAAAAAAAAAAAAAJ/f38A0UnOA8zMzADAwP8Af39/AAAAAAAAAAAAAAAAAAAAAAAAAAAAIQAAABgAAAAUAAAAai8AAHkTAADBMQAA0BUAABAAAAAmAAAACAAAAP//////////"/>
+                <pr:smNativeData xmlns:pr="smNativeData" xmlns="smNativeData" val="SMDATA_15_8sFZZRMAAAAlAAAAZgAAAA0AAAAAkAAAAEgAAACQAAAASAAAAAAAAAAAAAAAAAAAAAEAAABQAAAAAAAAAAAA8D8AAAAAAADwPwAAAAAAAOA/AAAAAAAA4D8AAAAAAADgPwAAAAAAAOA/AAAAAAAA4D8AAAAAAADgPwAAAAAAAOA/AAAAAAAA4D8CAAAAjAAAAAEAAAADAAAA0UnOAEMwnwAAAAAAAAAAAAAAAAAAAAAAAAAAAAAAAAAAAAAAeAAAAAEAAABAAAAAAAAAAGQAAAAOAQAAAAAAAAAAAAAAAAAAAAAAAAAAAAAAAAAAAAAAAAAAAAAAAAAAAAAAAAAAAAAAAAAAAAAAAAAAAAAAAAAAAAAAAAAAAAAAAAAAFAAAADwAAAAAAAAAAAAAAAAAAAkUAAAAAQAAABQAAAAUAAAAFAAAAAEAAAAAAAAAZAAAAGQAAAAAAAAAZAAAAGQAAAAVAAAAYAAAAAAAAAAAAAAADwAAACADAAAAAAAAAAAAAAEAAACgMgAAVgcAAKr4//8BAAAAf39/AAEAAABkAAAAAAAAABQAAABAHwAAAAAAACYAAAAAAAAAwOD//wAAAAAmAAAAZAAAABYAAABMAAAAAAAAAAAAAAAEAAAAAAAAAAEAAADRSc4KAAAAACgAAAAoAAAAZAAAAGQAAAAAAAAAzMzMAAAAAABQAAAAUAAAAGQAAABkAAAAAAAAABcAAAAUAAAAAAAAAAAAAAD/fwAA/38AAAAAAAAJAAAABAAAAAAAAAAeAAAAaAAAAAAAAAAAAAAAAAAAAAAAAAAAAAAAECcAABAnAAAAAAAAAAAAAAAAAAAAAAAAAAAAAAAAAAAAAAAAAAAAABQAAAAAAAAAwMD/AAAAAABkAAAAMgAAAAAAAABkAAAAAAAAAH9/fwAKAAAAIgAAABgAAAAAAAAAAAAAAAAAAAAAAAAAAAAAAAAAAAAkAAAAJAAAAAAAAAAHAAAAAAAAAAAAAAAAAAAAAAAAAAAAAAAAAAAAf39/ACUAAABYAAAAAAAAAAAAAAAAAAAAAAAAAAAAAAAAAAAAAAAAAAAAAAAAAAAAAAAAAAAAAAA/AAAAAAAAAKCGAQAAAAAAAAAAAAAAAAAMAAAAAQAAAAAAAAAAAAAAAAAAAB8AAABUAAAA0UnOAEMwnwAAAAAAAAAAAAAAAAAAAAAAAAAAAAAAAAAAAAAAAAAAAAAAAAJ/f38A0UnOA8zMzADAwP8Af39/AAAAAAAAAAAAAAAAAAAAAAAAAAAAIQAAABgAAAAUAAAAai8AAHkTAADBMQAA0BUAABAAAAAmAAAACAAAAP//////////"/>
               </a:ext>
             </a:extLst>
           </p:cNvSpPr>
@@ -20494,7 +21538,7 @@
           <p:cNvSpPr>
             <a:extLst>
               <a:ext uri="smNativeData">
-                <pr:smNativeData xmlns:pr="smNativeData" xmlns="smNativeData" val="SMDATA_15_37BZZRMAAAAlAAAAZgAAAA0AAAAAkAAAAEgAAACQAAAASAAAAAAAAAAAAAAAAAAAAAEAAABQAAAAAAAAAAAA8D8AAAAAAADwPwAAAAAAAOA/AAAAAAAA4D8AAAAAAADgPwAAAAAAAOA/AAAAAAAA4D8AAAAAAADgPwAAAAAAAOA/AAAAAAAA4D8CAAAAjAAAAAEAAAADAAAA0UnOAEMwnwAAAAAAAAAAAAAAAAAAAAAAAAAAAAAAAAAAAAAAeAAAAAEAAABAAAAAAAAAAGQAAAAOAQAAAAAAAAAAAAAAAAAAAAAAAAAAAAAAAAAAAAAAAAAAAAAAAAAAAAAAAAAAAAAAAAAAAAAAAAAAAAAAAAAAAAAAAAAAAAAAAAAAFAAAADwAAAAAAAAAAAAAAAAAAAkUAAAAAQAAABQAAAAUAAAAFAAAAAEAAAAAAAAAZAAAAGQAAAAAAAAAZAAAAGQAAAAVAAAAYAAAAAAAAAAAAAAADwAAACADAAAAAAAAAAAAAAEAAACgMgAAVgcAAKr4//8BAAAAf39/AAEAAABkAAAAAAAAABQAAABAHwAAAAAAACYAAAAAAAAAwOD//wAAAAAmAAAAZAAAABYAAABMAAAAAAAAAAAAAAAEAAAAAAAAAAEAAADRSc4KAAAAACgAAAAoAAAAZAAAAGQAAAAAAAAAzMzMAAAAAABQAAAAUAAAAGQAAABkAAAAAAAAABcAAAAUAAAAAAAAAAAAAAD/fwAA/38AAAAAAAAJAAAABAAAAAAAAAAeAAAAaAAAAAAAAAAAAAAAAAAAAAAAAAAAAAAAECcAABAnAAAAAAAAAAAAAAAAAAAAAAAAAAAAAAAAAAAAAAAAAAAAABQAAAAAAAAAwMD/AAAAAABkAAAAMgAAAAAAAABkAAAAAAAAAH9/fwAKAAAAIgAAABgAAAAAAAAAAAAAAAAAAAAAAAAAAAAAAAAAAAAkAAAAJAAAAAAAAAAHAAAAAAAAAAAAAAAAAAAAAAAAAAAAAAAAAAAAf39/ACUAAABYAAAAAAAAAAAAAAAAAAAAAAAAAAAAAAAAAAAAAAAAAAAAAAAAAAAAAAAAAAAAAAA/AAAAAAAAAKCGAQAAAAAAAAAAAAAAAAAMAAAAAQAAAAAAAAAAAAAAAAAAAB8AAABUAAAA0UnOAEMwnwAAAAAAAAAAAAAAAAAAAAAAAAAAAAAAAAAAAAAAAAAAAAAAAAJ/f38A0UnOA8zMzADAwP8Af39/AAAAAAAAAAAAAAAAAAAAAAAAAAAAIQAAABgAAAAUAAAAmTQAAFISAADDPQAAfBsAABAAAAAmAAAACAAAAP//////////"/>
+                <pr:smNativeData xmlns:pr="smNativeData" xmlns="smNativeData" val="SMDATA_15_8sFZZRMAAAAlAAAAZgAAAA0AAAAAkAAAAEgAAACQAAAASAAAAAAAAAAAAAAAAAAAAAEAAABQAAAAAAAAAAAA8D8AAAAAAADwPwAAAAAAAOA/AAAAAAAA4D8AAAAAAADgPwAAAAAAAOA/AAAAAAAA4D8AAAAAAADgPwAAAAAAAOA/AAAAAAAA4D8CAAAAjAAAAAEAAAADAAAA0UnOAEMwnwAAAAAAAAAAAAAAAAAAAAAAAAAAAAAAAAAAAAAAeAAAAAEAAABAAAAAAAAAAGQAAAAOAQAAAAAAAAAAAAAAAAAAAAAAAAAAAAAAAAAAAAAAAAAAAAAAAAAAAAAAAAAAAAAAAAAAAAAAAAAAAAAAAAAAAAAAAAAAAAAAAAAAFAAAADwAAAAAAAAAAAAAAAAAAAkUAAAAAQAAABQAAAAUAAAAFAAAAAEAAAAAAAAAZAAAAGQAAAAAAAAAZAAAAGQAAAAVAAAAYAAAAAAAAAAAAAAADwAAACADAAAAAAAAAAAAAAEAAACgMgAAVgcAAKr4//8BAAAAf39/AAEAAABkAAAAAAAAABQAAABAHwAAAAAAACYAAAAAAAAAwOD//wAAAAAmAAAAZAAAABYAAABMAAAAAAAAAAAAAAAEAAAAAAAAAAEAAADRSc4KAAAAACgAAAAoAAAAZAAAAGQAAAAAAAAAzMzMAAAAAABQAAAAUAAAAGQAAABkAAAAAAAAABcAAAAUAAAAAAAAAAAAAAD/fwAA/38AAAAAAAAJAAAABAAAAAAAAAAeAAAAaAAAAAAAAAAAAAAAAAAAAAAAAAAAAAAAECcAABAnAAAAAAAAAAAAAAAAAAAAAAAAAAAAAAAAAAAAAAAAAAAAABQAAAAAAAAAwMD/AAAAAABkAAAAMgAAAAAAAABkAAAAAAAAAH9/fwAKAAAAIgAAABgAAAAAAAAAAAAAAAAAAAAAAAAAAAAAAAAAAAAkAAAAJAAAAAAAAAAHAAAAAAAAAAAAAAAAAAAAAAAAAAAAAAAAAAAAf39/ACUAAABYAAAAAAAAAAAAAAAAAAAAAAAAAAAAAAAAAAAAAAAAAAAAAAAAAAAAAAAAAAAAAAA/AAAAAAAAAKCGAQAAAAAAAAAAAAAAAAAMAAAAAQAAAAAAAAAAAAAAAAAAAB8AAABUAAAA0UnOAEMwnwAAAAAAAAAAAAAAAAAAAAAAAAAAAAAAAAAAAAAAAAAAAAAAAAJ/f38A0UnOA8zMzADAwP8Af39/AAAAAAAAAAAAAAAAAAAAAAAAAAAAIQAAABgAAAAUAAAAmTQAAFISAADDPQAAfBsAABAAAAAmAAAACAAAAP//////////"/>
               </a:ext>
             </a:extLst>
           </p:cNvSpPr>
@@ -20532,7 +21576,7 @@
           <p:cNvSpPr>
             <a:extLst>
               <a:ext uri="smNativeData">
-                <pr:smNativeData xmlns:pr="smNativeData" xmlns="smNativeData" val="SMDATA_15_37BZZRMAAAAlAAAAZQAAAA0AAAAAkAAAAEgAAACQAAAASAAAAAAAAAAAAAAAAAAAAAEAAABQAAAAhbacS3FV1T8AAAAAAADwvwAAAAAAAOA/AAAAAAAA4D8AAAAAAADgPwAAAAAAAOA/AAAAAAAA4D8AAAAAAADgPwAAAAAAAOA/AAAAAAAA4D8CAAAAjAAAAAEAAAACAAAA////AP///wgAAAAAAAAAAHNBmNvtRMdLjsuCzwBX9bMBAAAAeAAAAAEAAABAAAAAAAAAAAAAAABaAAAAAAAAAAAAAAAAAAAAAAAAAAAAAAAAAAAAAAAAAAAAAAAAAAAAAAAAAAAAAAAAAAAAAAAAAAAAAAAAAAAAAAAAAAAAAAAAAAAAFAAAADwAAAAAAAAAAAAAAAAAAAkUAAAAAQAAABQAAAAUAAAAFAAAAAEAAAAAAAAAZAAAAGQAAAAAAAAAZAAAAGQAAAAVAAAAYAAAAAAAAAAAAAAADwAAACADAAAAAAAAAAAAAAEAAACgMgAAVgcAAKr4//8BAAAAf39/AAEAAABkAAAAAAAAABQAAABAHwAAAAAAACYAAAAAAAAAwOD//wAAAAAmAAAAZAAAABYAAABMAAAAAAAAAAAAAAAEAAAAAAAAAAEAAADRSc4KAAAAACgAAAAoAAAAZAAAAGQAAAAAAAAAzMzMAAAAAABQAAAAUAAAAGQAAABkAAAAAAAAABcAAAAUAAAAAAAAAAAAAAD/fwAA/38AAAAAAAAJAAAABAAAAAAAAAAeAAAAaAAAAAAAAAAAAAAAAAAAAAAAAAAAAAAAECcAABAnAAAAAAAAAAAAAAAAAAAAAAAAAAAAAAAAAAAAAAAAAAAAABQAAAAAAAAAwMD/AAAAAABkAAAAMgAAAAAAAABkAAAAAAAAAH9/fwAKAAAAIgAAABgAAAAAAAAAAAAAAAAAAAAAAAAAAAAAAAAAAAAkAAAAJAAAAAAAAAAHAAAAAAAAAAAAAAAAAAAAAAAAAAAAAAAAAAAAf39/ACUAAABYAAAAAAAAAAAAAAAAAAAAAAAAAAAAAAAAAAAAAAAAAAAAAAAAAAAAAAAAAAAAAAA/AAAAAAAAAKCGAQAAAAAAAAAAAAAAAAAMAAAAAQAAAAAAAAAAAAAAAAAAAB8AAABUAAAA////AP///wEAAAAAAAAAAAAAAAAAAAAAAAAAAAAAAAAAAAAAAAAAAAAAAAJ/f38A0UnOA8zMzADAwP8Af39/AAAAAAAAAAAAAAAAAAAAAAAAAAAAIQAAABgAAAAUAAAArv7//wgHAAD4FQAAfBkAABAAAAAmAAAACAAAAP//////////"/>
+                <pr:smNativeData xmlns:pr="smNativeData" xmlns="smNativeData" val="SMDATA_15_8sFZZRMAAAAlAAAAZQAAAA0AAAAAkAAAAEgAAACQAAAASAAAAAAAAAAAAAAAAAAAAAEAAABQAAAAhbacS3FV1T8AAAAAAADwvwAAAAAAAOA/AAAAAAAA4D8AAAAAAADgPwAAAAAAAOA/AAAAAAAA4D8AAAAAAADgPwAAAAAAAOA/AAAAAAAA4D8CAAAAjAAAAAEAAAACAAAA////AP///wgAAAAAAAAAABFnbE4UE0dFtbafGUVpQv0BAAAAeAAAAAEAAABAAAAAAAAAAAAAAABaAAAAAAAAAAAAAAAAAAAAAAAAAAAAAAAAAAAAAAAAAAAAAAAAAAAAAAAAAAAAAAAAAAAAAAAAAAAAAAAAAAAAAAAAAAAAAAAAAAAAFAAAADwAAAAAAAAAAAAAAAAAAAkUAAAAAQAAABQAAAAUAAAAFAAAAAEAAAAAAAAAZAAAAGQAAAAAAAAAZAAAAGQAAAAVAAAAYAAAAAAAAAAAAAAADwAAACADAAAAAAAAAAAAAAEAAACgMgAAVgcAAKr4//8BAAAAf39/AAEAAABkAAAAAAAAABQAAABAHwAAAAAAACYAAAAAAAAAwOD//wAAAAAmAAAAZAAAABYAAABMAAAAAAAAAAAAAAAEAAAAAAAAAAEAAADRSc4KAAAAACgAAAAoAAAAZAAAAGQAAAAAAAAAzMzMAAAAAABQAAAAUAAAAGQAAABkAAAAAAAAABcAAAAUAAAAAAAAAAAAAAD/fwAA/38AAAAAAAAJAAAABAAAAAAAAAAeAAAAaAAAAAAAAAAAAAAAAAAAAAAAAAAAAAAAECcAABAnAAAAAAAAAAAAAAAAAAAAAAAAAAAAAAAAAAAAAAAAAAAAABQAAAAAAAAAwMD/AAAAAABkAAAAMgAAAAAAAABkAAAAAAAAAH9/fwAKAAAAIgAAABgAAAAAAAAAAAAAAAAAAAAAAAAAAAAAAAAAAAAkAAAAJAAAAAAAAAAHAAAAAAAAAAAAAAAAAAAAAAAAAAAAAAAAAAAAf39/ACUAAABYAAAAAAAAAAAAAAAAAAAAAAAAAAAAAAAAAAAAAAAAAAAAAAAAAAAAAAAAAAAAAAA/AAAAAAAAAKCGAQAAAAAAAAAAAAAAAAAMAAAAAQAAAAAAAAAAAAAAAAAAAB8AAABUAAAA////AP///wEAAAAAAAAAAAAAAAAAAAAAAAAAAAAAAAAAAAAAAAAAAAAAAAJ/f38A0UnOA8zMzADAwP8Af39/AAAAAAAAAAAAAAAAAAAAAAAAAAAAIQAAABgAAAAUAAAArv7//wgHAAD4FQAAfBkAABAAAAAmAAAACAAAAP//////////"/>
               </a:ext>
             </a:extLst>
           </p:cNvSpPr>
@@ -20565,7 +21609,7 @@
           <p:cNvSpPr>
             <a:extLst>
               <a:ext uri="smNativeData">
-                <pr:smNativeData xmlns:pr="smNativeData" xmlns="smNativeData" val="SMDATA_15_37BZZRMAAAAlAAAAZgAAAA0AAAAAkAAAAEgAAACQAAAASAAAAAAAAAAAAAAAAAAAAAEAAABQAAAAAAAAAAAA8D8AAAAAAADwPwAAAAAAAOA/AAAAAAAA4D8AAAAAAADgPwAAAAAAAOA/AAAAAAAA4D8AAAAAAADgPwAAAAAAAOA/AAAAAAAA4D8CAAAAjAAAAAEAAAAAAAAAAAAAAP///wgAAAAAAAAAAAAAAAAAAAAAAAAAAAAAAAAAAAAAeAAAAAEAAABAAAAAAAAAAAAAAABaAAAAAAAAAAAAAAAAAAAAAAAAAAAAAAAAAAAAAAAAAAAAAAAAAAAAAAAAAAAAAAAAAAAAAAAAAAAAAAAAAAAAAAAAAAAAAAAAAAAAFAAAADwAAAAAAAAAAAAAAAAAAAkUAAAAAQAAABQAAAAUAAAAFAAAAAEAAAAAAAAAZAAAAGQAAAAAAAAAZAAAAGQAAAAVAAAAYAAAAAAAAAAAAAAADwAAACADAAAAAAAAAAAAAAEAAACgMgAAVgcAAKr4//8BAAAAf39/AAEAAABkAAAAAAAAABQAAABAHwAAAAAAACYAAAAAAAAAwOD//wAAAAAmAAAAZAAAABYAAABMAAAAAQAAAAAAAAAGAAAAAAAAAAEAAAAAAAANMgAAAAAAAAAAAAAAZAAAAGQAAAAAAAAAy8vLADIAAAAAAAAAAAAAAGQAAABkAAAAAAAAABcAAAAUAAAAAAAAAAAAAAD/fwAA/38AAAAAAAAJAAAABAAAAAAAAAAeAAAAaAAAAAAAAAAAAAAAAAAAAAAAAAAAAAAAECcAABAnAAAAAAAAAAAAAAAAAAAAAAAAAAAAAAAAAAAAAAAAAAAAAFIBAAAAAAAAwMD/AAAAAAAAAAAAAAAAAAAAAABkAAAAAAAAAH9/fwAKAAAAIgAAABgAAAAAAAAAAAAAAAAAAAAAAAAAAAAAAAAAAAAkAAAAJAAAAAAAAAAHAAAAAAAAAAAAAAAAAAAAAAAAAAAAAAAAAAAAf39/ACUAAABYAAAAAAAAAAAAAAAAAAAAAAAAAAAAAAAAAAAAAAAAAAAAAAAAAAAAAAAAAAAAAAA/AAAAAAAAAKCGAQAAAAAAAAAAAAAAAAAMAAAAAQAAAAAAAAAAAAAAAAAAAB8AAABUAAAAAAAAAP///wEAAAAAAAAAAAAAAAAAAAAAAAAAAAAAAAAAAAAAAAAAAAAAAAJ/f38AAAAABsvLywDAwP8Af39/AAAAAAAAAAAAAAAAAAAAAAAAAAAAIQAAABgAAAAUAAAAWfn//xf8//+mBgAAZAkAABAAAAAmAAAACAAAAP//////////"/>
+                <pr:smNativeData xmlns:pr="smNativeData" xmlns="smNativeData" val="SMDATA_15_8sFZZRMAAAAlAAAAZgAAAA0AAAAAkAAAAEgAAACQAAAASAAAAAAAAAAAAAAAAAAAAAEAAABQAAAAAAAAAAAA8D8AAAAAAADwPwAAAAAAAOA/AAAAAAAA4D8AAAAAAADgPwAAAAAAAOA/AAAAAAAA4D8AAAAAAADgPwAAAAAAAOA/AAAAAAAA4D8CAAAAjAAAAAEAAAAAAAAAAAAAAP///wgAAAAAAAAAAAAAAAAAAAAAAAAAAAAAAAAAAAAAeAAAAAEAAABAAAAAAAAAAAAAAABaAAAAAAAAAAAAAAAAAAAAAAAAAAAAAAAAAAAAAAAAAAAAAAAAAAAAAAAAAAAAAAAAAAAAAAAAAAAAAAAAAAAAAAAAAAAAAAAAAAAAFAAAADwAAAAAAAAAAAAAAAAAAAkUAAAAAQAAABQAAAAUAAAAFAAAAAEAAAAAAAAAZAAAAGQAAAAAAAAAZAAAAGQAAAAVAAAAYAAAAAAAAAAAAAAADwAAACADAAAAAAAAAAAAAAEAAACgMgAAVgcAAKr4//8BAAAAf39/AAEAAABkAAAAAAAAABQAAABAHwAAAAAAACYAAAAAAAAAwOD//wAAAAAmAAAAZAAAABYAAABMAAAAAQAAAAAAAAAGAAAAAAAAAAEAAAAAAAANMgAAAAAAAAAAAAAAZAAAAGQAAAAAAAAAy8vLADIAAAAAAAAAAAAAAGQAAABkAAAAAAAAABcAAAAUAAAAAAAAAAAAAAD/fwAA/38AAAAAAAAJAAAABAAAAAAAAAAeAAAAaAAAAAAAAAAAAAAAAAAAAAAAAAAAAAAAECcAABAnAAAAAAAAAAAAAAAAAAAAAAAAAAAAAAAAAAAAAAAAAAAAAFIBAAAAAAAAwMD/AAAAAAAAAAAAAAAAAAAAAABkAAAAAAAAAH9/fwAKAAAAIgAAABgAAAAAAAAAAAAAAAAAAAAAAAAAAAAAAAAAAAAkAAAAJAAAAAAAAAAHAAAAAAAAAAAAAAAAAAAAAAAAAAAAAAAAAAAAf39/ACUAAABYAAAAAAAAAAAAAAAAAAAAAAAAAAAAAAAAAAAAAAAAAAAAAAAAAAAAAAAAAAAAAAA/AAAAAAAAAKCGAQAAAAAAAAAAAAAAAAAMAAAAAQAAAAAAAAAAAAAAAAAAAB8AAABUAAAAAAAAAP///wEAAAAAAAAAAAAAAAAAAAAAAAAAAAAAAAAAAAAAAAAAAAAAAAJ/f38AAAAABsvLywDAwP8Af39/AAAAAAAAAAAAAAAAAAAAAAAAAAAAIQAAABgAAAAUAAAAWfn//xf8//+mBgAAZAkAABAAAAAmAAAACAAAAP//////////"/>
               </a:ext>
             </a:extLst>
           </p:cNvSpPr>
@@ -20600,7 +21644,7 @@
           <p:cNvSpPr>
             <a:extLst>
               <a:ext uri="smNativeData">
-                <pr:smNativeData xmlns:pr="smNativeData" xmlns="smNativeData" val="SMDATA_15_37BZZRMAAAAlAAAAZgAAAA0AAAAAkAAAAEgAAACQAAAASAAAAAAAAAAAAAAAAAAAAAEAAABQAAAAAAAAAAAA8D8AAAAAAADwPwAAAAAAAOA/AAAAAAAA4D8AAAAAAADgPwAAAAAAAOA/AAAAAAAA4D8AAAAAAADgPwAAAAAAAOA/AAAAAAAA4D8CAAAAjAAAAAEAAAADAAAA0UnOAEMwnwAAAAAAAAAAAAAAAAAAAAAAAAAAAAAAAAAAAAAAeAAAAAEAAABAAAAAAAAAAGQAAAAOAQAAAAAAAAAAAAAAAAAAAAAAAAAAAAAAAAAAAAAAAAAAAAAAAAAAAAAAAAAAAAAAAAAAAAAAAAAAAAAAAAAAAAAAAAAAAAAAAAAAFAAAADwAAAAAAAAAAAAAAAAAAAkUAAAAAQAAABQAAAAUAAAAFAAAAAEAAAAAAAAAZAAAAGQAAAAAAAAAZAAAAGQAAAAVAAAAYAAAAAAAAAAAAAAADwAAACADAAAAAAAAAAAAAAEAAACgMgAAVgcAAKr4//8BAAAAf39/AAEAAABkAAAAAAAAABQAAABAHwAAAAAAACYAAAAAAAAAwOD//wAAAAAmAAAAZAAAABYAAABMAAAAAAAAAAAAAAAEAAAAAAAAAAEAAADRSc4KAAAAACgAAAAoAAAAZAAAAGQAAAAAAAAAzMzMAAAAAABQAAAAUAAAAGQAAABkAAAAAAAAABcAAAAUAAAAAAAAAAAAAAD/fwAA/38AAAAAAAAJAAAABAAAAAAAAAAeAAAAaAAAAAAAAAAAAAAAAAAAAAAAAAAAAAAAECcAABAnAAAAAAAAAAAAAAAAAAAAAAAAAAAAAAAAAAAAAAAAAAAAABQAAAAAAAAAwMD/AAAAAABkAAAAMgAAAAAAAABkAAAAAAAAAH9/fwAKAAAAIgAAABgAAAAAAAAAAAAAAAAAAAAAAAAAAAAAAAAAAAAkAAAAJAAAAAAAAAAHAAAAAAAAAAAAAAAAAAAAAAAAAAAAAAAAAAAAf39/ACUAAABYAAAAAAAAAAAAAAAAAAAAAAAAAAAAAAAAAAAAAAAAAAAAAAAAAAAAAAAAAAAAAAA/AAAAAAAAAKCGAQAAAAAAAAAAAAAAAAAMAAAAAQAAAAAAAAAAAAAAAAAAAB8AAABUAAAA0UnOAEMwnwAAAAAAAAAAAAAAAAAAAAAAAAAAAAAAAAAAAAAAAAAAAAAAAAJ/f38A0UnOA8zMzADAwP8Af39/AAAAAAAAAAAAAAAAAAAAAAAAAAAAIQAAABgAAAAUAAAA8Q4AAKMCAADcEgAAjgYAABAAAAAmAAAACAAAAP//////////"/>
+                <pr:smNativeData xmlns:pr="smNativeData" xmlns="smNativeData" val="SMDATA_15_8sFZZRMAAAAlAAAAZgAAAA0AAAAAkAAAAEgAAACQAAAASAAAAAAAAAAAAAAAAAAAAAEAAABQAAAAAAAAAAAA8D8AAAAAAADwPwAAAAAAAOA/AAAAAAAA4D8AAAAAAADgPwAAAAAAAOA/AAAAAAAA4D8AAAAAAADgPwAAAAAAAOA/AAAAAAAA4D8CAAAAjAAAAAEAAAADAAAA0UnOAEMwnwAAAAAAAAAAAAAAAAAAAAAAAAAAAAAAAAAAAAAAeAAAAAEAAABAAAAAAAAAAGQAAAAOAQAAAAAAAAAAAAAAAAAAAAAAAAAAAAAAAAAAAAAAAAAAAAAAAAAAAAAAAAAAAAAAAAAAAAAAAAAAAAAAAAAAAAAAAAAAAAAAAAAAFAAAADwAAAAAAAAAAAAAAAAAAAkUAAAAAQAAABQAAAAUAAAAFAAAAAEAAAAAAAAAZAAAAGQAAAAAAAAAZAAAAGQAAAAVAAAAYAAAAAAAAAAAAAAADwAAACADAAAAAAAAAAAAAAEAAACgMgAAVgcAAKr4//8BAAAAf39/AAEAAABkAAAAAAAAABQAAABAHwAAAAAAACYAAAAAAAAAwOD//wAAAAAmAAAAZAAAABYAAABMAAAAAAAAAAAAAAAEAAAAAAAAAAEAAADRSc4KAAAAACgAAAAoAAAAZAAAAGQAAAAAAAAAzMzMAAAAAABQAAAAUAAAAGQAAABkAAAAAAAAABcAAAAUAAAAAAAAAAAAAAD/fwAA/38AAAAAAAAJAAAABAAAAAAAAAAeAAAAaAAAAAAAAAAAAAAAAAAAAAAAAAAAAAAAECcAABAnAAAAAAAAAAAAAAAAAAAAAAAAAAAAAAAAAAAAAAAAAAAAABQAAAAAAAAAwMD/AAAAAABkAAAAMgAAAAAAAABkAAAAAAAAAH9/fwAKAAAAIgAAABgAAAAAAAAAAAAAAAAAAAAAAAAAAAAAAAAAAAAkAAAAJAAAAAAAAAAHAAAAAAAAAAAAAAAAAAAAAAAAAAAAAAAAAAAAf39/ACUAAABYAAAAAAAAAAAAAAAAAAAAAAAAAAAAAAAAAAAAAAAAAAAAAAAAAAAAAAAAAAAAAAA/AAAAAAAAAKCGAQAAAAAAAAAAAAAAAAAMAAAAAQAAAAAAAAAAAAAAAAAAAB8AAABUAAAA0UnOAEMwnwAAAAAAAAAAAAAAAAAAAAAAAAAAAAAAAAAAAAAAAAAAAAAAAAJ/f38A0UnOA8zMzADAwP8Af39/AAAAAAAAAAAAAAAAAAAAAAAAAAAAIQAAABgAAAAUAAAA8Q4AAKMCAADcEgAAjgYAABAAAAAmAAAACAAAAP//////////"/>
               </a:ext>
             </a:extLst>
           </p:cNvSpPr>
@@ -20670,7 +21714,7 @@
           <p:cNvSpPr>
             <a:extLst>
               <a:ext uri="smNativeData">
-                <pr:smNativeData xmlns:pr="smNativeData" xmlns="smNativeData" val="SMDATA_15_37BZZRMAAAAlAAAAZAAAAA0AAAAAjgAAAJAAAACOAAAAkAAAAAAAAAABAAAAAAAAAAEAAABQAAAAAAAAAAAA4D8AAAAAAADgPwAAAAAAAOA/AAAAAAAA4D8AAAAAAADgPwAAAAAAAOA/AAAAAAAA4D8AAAAAAADgPwAAAAAAAOA/AAAAAAAA4D8CAAAAjAAAAAAAAAAAAAAAQzCfDP///wgAAAAAAAAAAAAAAAAAAAAAAAAAAAAAAAAAAAAAZAAAAAEAAABAAAAAAAAAAAAAAAAAAAAAAAAAAAAAAAAAAAAAAAAAAAAAAAAAAAAAAAAAAAAAAAAAAAAAAAAAAAAAAAAAAAAAAAAAAAAAAAAAAAAAAAAAAAAAAAAAAAAAFAAAADwAAAAAAAAAAAAAAAAAAAkUAAAAAQAAABQAAAAUAAAAFAAAAAEAAAAAAAAAZAAAAGQAAAAAAAAAZAAAAGQAAAAVAAAAYAAAAAAAAAAAAAAADwAAACADAAAAAAAAAAAAAAEAAACgMgAAVgcAAKr4//8BAAAAf39/AAEAAABkAAAAAAAAABQAAABAHwAAAAAAACYAAAAAAAAAwOD//wAAAAAmAAAAZAAAABYAAABMAAAAAAAAAAAAAAAEAAAAAAAAAAEAAADRSc4KAAAAACgAAAAoAAAAZAAAAGQAAAAAAAAAzMzMAAAAAABQAAAAUAAAAGQAAABkAAAAAAAAABcAAAAUAAAAAAAAAAAAAAD/fwAA/38AAAAAAAAJAAAABAAAAAAAAAAeAAAAaAAAAAAAAAAAAAAAAAAAAAAAAAAAAAAAECcAABAnAAAAAAAAAAAAAAAAAAAAAAAAAAAAAAAAAAAAAAAAAAAAABQAAAAAAAAAwMD/AAAAAABkAAAAMgAAAAAAAABkAAAAAAAAAH9/fwAKAAAAIgAAABgAAAAAAAAAAAAAAAAAAAAAAAAAAAAAAAAAAAAkAAAAJAAAAAAAAAAHAAAAAAAAAAAAAAAAAAAAAAAAAAAAAAAAAAAAf39/ACUAAABYAAAAAAAAAAAAAAAAAAAAAAAAAAAAAAAAAAAAAAAAAAAAAAAAAAAAAAAAAAAAAAA/AAAAAAAAAKCGAQAAAAAAAAAAAAAAAAAMAAAAAQAAAAAAAAAAAAAAAAAAAB8AAABUAAAAQzCfBf///wEAAAAAAAAAAAAAAAAAAAAAAAAAAAAAAAAAAAAAAAAAAAAAAAJ/f38A0UnOA8zMzADAwP8Af39/AAAAAAAAAAAAAAAAAAAAAAAAAAAAIQAAABgAAAAUAAAAfRkAABMDAAC8MgAAjwgAABAAAAAmAAAACAAAAP//////////"/>
+                <pr:smNativeData xmlns:pr="smNativeData" xmlns="smNativeData" val="SMDATA_15_8sFZZRMAAAAlAAAAZAAAAA0AAAAAjgAAAJAAAACOAAAAkAAAAAAAAAABAAAAAAAAAAEAAABQAAAAAAAAAAAA4D8AAAAAAADgPwAAAAAAAOA/AAAAAAAA4D8AAAAAAADgPwAAAAAAAOA/AAAAAAAA4D8AAAAAAADgPwAAAAAAAOA/AAAAAAAA4D8CAAAAjAAAAAAAAAAAAAAAQzCfDP///wgAAAAAAAAAAAAAAAAAAAAAAAAAAAAAAAAAAAAAZAAAAAEAAABAAAAAAAAAAAAAAAAAAAAAAAAAAAAAAAAAAAAAAAAAAAAAAAAAAAAAAAAAAAAAAAAAAAAAAAAAAAAAAAAAAAAAAAAAAAAAAAAAAAAAAAAAAAAAAAAAAAAAFAAAADwAAAAAAAAAAAAAAAAAAAkUAAAAAQAAABQAAAAUAAAAFAAAAAEAAAAAAAAAZAAAAGQAAAAAAAAAZAAAAGQAAAAVAAAAYAAAAAAAAAAAAAAADwAAACADAAAAAAAAAAAAAAEAAACgMgAAVgcAAKr4//8BAAAAf39/AAEAAABkAAAAAAAAABQAAABAHwAAAAAAACYAAAAAAAAAwOD//wAAAAAmAAAAZAAAABYAAABMAAAAAAAAAAAAAAAEAAAAAAAAAAEAAADRSc4KAAAAACgAAAAoAAAAZAAAAGQAAAAAAAAAzMzMAAAAAABQAAAAUAAAAGQAAABkAAAAAAAAABcAAAAUAAAAAAAAAAAAAAD/fwAA/38AAAAAAAAJAAAABAAAAF8AYAAeAAAAaAAAAAAAAAAAAAAAAAAAAAAAAAAAAAAAECcAABAnAAAAAAAAAAAAAAAAAAAAAAAAAAAAAAAAAAAAAAAAAAAAABQAAAAAAAAAwMD/AAAAAABkAAAAMgAAAAAAAABkAAAAAAAAAH9/fwAKAAAAIgAAABgAAAAAAAAAAAAAAAAAAAAAAAAAAAAAAAAAAAAkAAAAJAAAAAAAAAAHAAAAAAAAAAAAAAAAAAAAAAAAAAAAAAAAAAAAf39/ACUAAABYAAAAAAAAAAAAAAAAAAAAAAAAAAAAAAAAAAAAAAAAAAAAAAAAAAAAAAAAAAAAAAA/AAAAAAAAAKCGAQAAAAAAAAAAAAAAAAAMAAAAAQAAAAAAAAAAAAAAAAAAAB8AAABUAAAAQzCfBf///wEAAAAAAAAAAAAAAAAAAAAAAAAAAAAAAAAAAAAAAAAAAAAAAAJ/f38A0UnOA8zMzADAwP8Af39/AAAAAAAAAAAAAAAAAAAAAAAAAAAAIQAAABgAAAAUAAAAfRkAABMDAAC8MgAAjwgAABAAAAAmAAAACAAAAP//////////"/>
               </a:ext>
             </a:extLst>
           </p:cNvSpPr>
@@ -20725,7 +21769,7 @@
           <p:cNvSpPr>
             <a:extLst>
               <a:ext uri="smNativeData">
-                <pr:smNativeData xmlns:pr="smNativeData" xmlns="smNativeData" val="SMDATA_15_37BZZRMAAAAlAAAAZAAAAA0AAAAAjgAAAJAAAACOAAAAkAAAAAAAAAAAAAAAAAAAAAEAAABQAAAAAAAAAAAA4D8AAAAAAADgPwAAAAAAAOA/AAAAAAAA4D8AAAAAAADgPwAAAAAAAOA/AAAAAAAA4D8AAAAAAADgPwAAAAAAAOA/AAAAAAAA4D8CAAAAjAAAAAAAAAAAAAAAQzCfDP///wgAAAAAAAAAAAAAAAAAAAAAAAAAAAAAAAAAAAAAZAAAAAEAAABAAAAAAAAAAAAAAAAAAAAAAAAAAAAAAAAAAAAAAAAAAAAAAAAAAAAAAAAAAAAAAAAAAAAAAAAAAAAAAAAAAAAAAAAAAAAAAAAAAAAAAAAAAAAAAAAAAAAAFAAAADwAAAAAAAAAAAAAAAAAAAkUAAAAAQAAABQAAAAUAAAAFAAAAAEAAAAAAAAAZAAAAGQAAAAAAAAAZAAAAGQAAAAVAAAAYAAAAAAAAAAAAAAADwAAACADAAAAAAAAAAAAAAEAAACgMgAAVgcAAKr4//8BAAAAf39/AAEAAABkAAAAAAAAABQAAABAHwAAAAAAACYAAAAAAAAAwOD//wAAAAAmAAAAZAAAABYAAABMAAAAAAAAAAAAAAAEAAAAAAAAAAEAAADRSc4KAAAAACgAAAAoAAAAZAAAAGQAAAAAAAAAzMzMAAAAAABQAAAAUAAAAGQAAABkAAAAAAAAABcAAAAUAAAAAAAAAAAAAAD/fwAA/38AAAAAAAAJAAAABAAAAF8AYAAeAAAAaAAAAAAAAAAAAAAAAAAAAAAAAAAAAAAAECcAABAnAAAAAAAAAAAAAAAAAAAAAAAAAAAAAAAAAAAAAAAAAAAAABQAAAAAAAAAwMD/AAAAAABkAAAAMgAAAAAAAABkAAAAAAAAAH9/fwAKAAAAIgAAABgAAAAAAAAAAAAAAAAAAAAAAAAAAAAAAAAAAAAkAAAAJAAAAAAAAAAHAAAAAAAAAAAAAAAAAAAAAAAAAAAAAAAAAAAAf39/ACUAAABYAAAAAAAAAAAAAAAAAAAAAAAAAAAAAAAAAAAAAAAAAAAAAAAAAAAAAAAAAAAAAAA/AAAAAAAAAKCGAQAAAAAAAAAAAAAAAAAMAAAAAQAAAAAAAAAAAAAAAAAAAB8AAABUAAAAQzCfBf///wEAAAAAAAAAAAAAAAAAAAAAAAAAAAAAAAAAAAAAAAAAAAAAAAJ/f38A0UnOA8zMzADAwP8Af39/AAAAAAAAAAAAAAAAAAAAAAAAAAAAIQAAABgAAAAUAAAAKhgAAKsJAABfNwAAuRcAABAAAAAmAAAACAAAAP//////////"/>
+                <pr:smNativeData xmlns:pr="smNativeData" xmlns="smNativeData" val="SMDATA_15_8sFZZRMAAAAlAAAAZAAAAA0AAAAAjgAAAJAAAACOAAAAkAAAAAAAAAAAAAAAAAAAAAEAAABQAAAAAAAAAAAA4D8AAAAAAADgPwAAAAAAAOA/AAAAAAAA4D8AAAAAAADgPwAAAAAAAOA/AAAAAAAA4D8AAAAAAADgPwAAAAAAAOA/AAAAAAAA4D8CAAAAjAAAAAAAAAAAAAAAQzCfDP///wgAAAAAAAAAAAAAAAAAAAAAAAAAAAAAAAAAAAAAZAAAAAEAAABAAAAAAAAAAAAAAAAAAAAAAAAAAAAAAAAAAAAAAAAAAAAAAAAAAAAAAAAAAAAAAAAAAAAAAAAAAAAAAAAAAAAAAAAAAAAAAAAAAAAAAAAAAAAAAAAAAAAAFAAAADwAAAAAAAAAAAAAAAAAAAkUAAAAAQAAABQAAAAUAAAAFAAAAAEAAAAAAAAAZAAAAGQAAAAAAAAAZAAAAGQAAAAVAAAAYAAAAAAAAAAAAAAADwAAACADAAAAAAAAAAAAAAEAAACgMgAAVgcAAKr4//8BAAAAf39/AAEAAABkAAAAAAAAABQAAABAHwAAAAAAACYAAAAAAAAAwOD//wAAAAAmAAAAZAAAABYAAABMAAAAAAAAAAAAAAAEAAAAAAAAAAEAAADRSc4KAAAAACgAAAAoAAAAZAAAAGQAAAAAAAAAzMzMAAAAAABQAAAAUAAAAGQAAABkAAAAAAAAABcAAAAUAAAAAAAAAAAAAAD/fwAA/38AAAAAAAAJAAAABAAAAAAAAAAeAAAAaAAAAAAAAAAAAAAAAAAAAAAAAAAAAAAAECcAABAnAAAAAAAAAAAAAAAAAAAAAAAAAAAAAAAAAAAAAAAAAAAAABQAAAAAAAAAwMD/AAAAAABkAAAAMgAAAAAAAABkAAAAAAAAAH9/fwAKAAAAIgAAABgAAAAAAAAAAAAAAAAAAAAAAAAAAAAAAAAAAAAkAAAAJAAAAAAAAAAHAAAAAAAAAAAAAAAAAAAAAAAAAAAAAAAAAAAAf39/ACUAAABYAAAAAAAAAAAAAAAAAAAAAAAAAAAAAAAAAAAAAAAAAAAAAAAAAAAAAAAAAAAAAAA/AAAAAAAAAKCGAQAAAAAAAAAAAAAAAAAMAAAAAQAAAAAAAAAAAAAAAAAAAB8AAABUAAAAQzCfBf///wEAAAAAAAAAAAAAAAAAAAAAAAAAAAAAAAAAAAAAAAAAAAAAAAJ/f38A0UnOA8zMzADAwP8Af39/AAAAAAAAAAAAAAAAAAAAAAAAAAAAIQAAABgAAAAUAAAAKhgAAKsJAABfNwAAuRcAABAAAAAmAAAACAAAAP//////////"/>
               </a:ext>
             </a:extLst>
           </p:cNvSpPr>
@@ -20853,7 +21897,7 @@
           <p:cNvSpPr>
             <a:extLst>
               <a:ext uri="smNativeData">
-                <pr:smNativeData xmlns:pr="smNativeData" xmlns="smNativeData" val="SMDATA_15_37BZZRMAAAAlAAAAZgAAAA0AAAAAkAAAAEgAAACQAAAASAAAAAAAAAAAAAAAAAAAAAEAAABQAAAAAAAAAAAA8D8AAAAAAADwPwAAAAAAAOA/AAAAAAAA4D8AAAAAAADgPwAAAAAAAOA/AAAAAAAA4D8AAAAAAADgPwAAAAAAAOA/AAAAAAAA4D8CAAAAjAAAAAEAAAADAAAA0UnOAEMwnwAAAAAAAAAAAAAAAAAAAAAAAAAAAAAAAAAAAAAAeAAAAAEAAABAAAAAAAAAAGQAAAAOAQAAAAAAAAAAAAAAAAAAAAAAAAAAAAAAAAAAAAAAAAAAAAAAAAAAAAAAAAAAAAAAAAAAAAAAAAAAAAAAAAAAAAAAAAAAAAAAAAAAFAAAADwAAAAAAAAAAAAAAAAAAAkUAAAAAQAAABQAAAAUAAAAFAAAAAEAAAAAAAAAZAAAAGQAAAAAAAAAZAAAAGQAAAAVAAAAYAAAAAAAAAAAAAAADwAAACADAAAAAAAAAAAAAAEAAACgMgAAVgcAAKr4//8BAAAAf39/AAEAAABkAAAAAAAAABQAAABAHwAAAAAAACYAAAAAAAAAwOD//wAAAAAmAAAAZAAAABYAAABMAAAAAAAAAAAAAAAEAAAAAAAAAAEAAADRSc4KAAAAACgAAAAoAAAAZAAAAGQAAAAAAAAAzMzMAAAAAABQAAAAUAAAAGQAAABkAAAAAAAAABcAAAAUAAAAAAAAAAAAAAD/fwAA/38AAAAAAAAJAAAABAAAAAAAAAAeAAAAaAAAAAAAAAAAAAAAAAAAAAAAAAAAAAAAECcAABAnAAAAAAAAAAAAAAAAAAAAAAAAAAAAAAAAAAAAAAAAAAAAABQAAAAAAAAAwMD/AAAAAABkAAAAMgAAAAAAAABkAAAAAAAAAH9/fwAKAAAAIgAAABgAAAAAAAAAAAAAAAAAAAAAAAAAAAAAAAAAAAAkAAAAJAAAAAAAAAAHAAAAAAAAAAAAAAAAAAAAAAAAAAAAAAAAAAAAf39/ACUAAABYAAAAAAAAAAAAAAAAAAAAAAAAAAAAAAAAAAAAAAAAAAAAAAAAAAAAAAAAAAAAAAA/AAAAAAAAAKCGAQAAAAAAAAAAAAAAAAAMAAAAAQAAAAAAAAAAAAAAAAAAAB8AAABUAAAA0UnOAEMwnwAAAAAAAAAAAAAAAAAAAAAAAAAAAAAAAAAAAAAAAAAAAAAAAAJ/f38A0UnOA8zMzADAwP8Af39/AAAAAAAAAAAAAAAAAAAAAAAAAAAAIQAAABgAAAAUAAAAdi8AAO38//8MNgAAgwMAABAAAAAmAAAACAAAAP//////////"/>
+                <pr:smNativeData xmlns:pr="smNativeData" xmlns="smNativeData" val="SMDATA_15_8sFZZRMAAAAlAAAAZgAAAA0AAAAAkAAAAEgAAACQAAAASAAAAAAAAAAAAAAAAAAAAAEAAABQAAAAAAAAAAAA8D8AAAAAAADwPwAAAAAAAOA/AAAAAAAA4D8AAAAAAADgPwAAAAAAAOA/AAAAAAAA4D8AAAAAAADgPwAAAAAAAOA/AAAAAAAA4D8CAAAAjAAAAAEAAAADAAAA0UnOAEMwnwAAAAAAAAAAAAAAAAAAAAAAAAAAAAAAAAAAAAAAeAAAAAEAAABAAAAAAAAAAGQAAAAOAQAAAAAAAAAAAAAAAAAAAAAAAAAAAAAAAAAAAAAAAAAAAAAAAAAAAAAAAAAAAAAAAAAAAAAAAAAAAAAAAAAAAAAAAAAAAAAAAAAAFAAAADwAAAAAAAAAAAAAAAAAAAkUAAAAAQAAABQAAAAUAAAAFAAAAAEAAAAAAAAAZAAAAGQAAAAAAAAAZAAAAGQAAAAVAAAAYAAAAAAAAAAAAAAADwAAACADAAAAAAAAAAAAAAEAAACgMgAAVgcAAKr4//8BAAAAf39/AAEAAABkAAAAAAAAABQAAABAHwAAAAAAACYAAAAAAAAAwOD//wAAAAAmAAAAZAAAABYAAABMAAAAAAAAAAAAAAAEAAAAAAAAAAEAAADRSc4KAAAAACgAAAAoAAAAZAAAAGQAAAAAAAAAzMzMAAAAAABQAAAAUAAAAGQAAABkAAAAAAAAABcAAAAUAAAAAAAAAAAAAAD/fwAA/38AAAAAAAAJAAAABAAAAAAAAAAeAAAAaAAAAAAAAAAAAAAAAAAAAAAAAAAAAAAAECcAABAnAAAAAAAAAAAAAAAAAAAAAAAAAAAAAAAAAAAAAAAAAAAAABQAAAAAAAAAwMD/AAAAAABkAAAAMgAAAAAAAABkAAAAAAAAAH9/fwAKAAAAIgAAABgAAAAAAAAAAAAAAAAAAAAAAAAAAAAAAAAAAAAkAAAAJAAAAAAAAAAHAAAAAAAAAAAAAAAAAAAAAAAAAAAAAAAAAAAAf39/ACUAAABYAAAAAAAAAAAAAAAAAAAAAAAAAAAAAAAAAAAAAAAAAAAAAAAAAAAAAAAAAAAAAAA/AAAAAAAAAKCGAQAAAAAAAAAAAAAAAAAMAAAAAQAAAAAAAAAAAAAAAAAAAB8AAABUAAAA0UnOAEMwnwAAAAAAAAAAAAAAAAAAAAAAAAAAAAAAAAAAAAAAAAAAAAAAAAJ/f38A0UnOA8zMzADAwP8Af39/AAAAAAAAAAAAAAAAAAAAAAAAAAAAIQAAABgAAAAUAAAAdi8AAO38//8MNgAAgwMAABAAAAAmAAAACAAAAP//////////"/>
               </a:ext>
             </a:extLst>
           </p:cNvSpPr>
@@ -20891,7 +21935,7 @@
           <p:cNvSpPr>
             <a:extLst>
               <a:ext uri="smNativeData">
-                <pr:smNativeData xmlns:pr="smNativeData" xmlns="smNativeData" val="SMDATA_15_37BZZRMAAAAlAAAACwAAAA0AAAAA7RkAAKsJAADAIQAArAkAAAAAAAAAAAAAAAAAAAEAAABQAAAAAAAAAAAA4D8AAAAAAADgPwAAAAAAAOA/AAAAAAAA4D8AAAAAAADgPwAAAAAAAOA/AAAAAAAA4D8AAAAAAADgPwAAAAAAAOA/AAAAAAAA4D8CAAAAjAAAAAAAAAAAAAAAQzCfDP///wgAAAAAAAAAAAAAAAAAAAAAAAAAAAAAAAAAAAAAZAAAAAEAAABAAAAAAAAAAAAAAAAAAAAAAAAAAAAAAAAAAAAAAAAAAAAAAAAAAAAAAAAAAAAAAAAAAAAAAAAAAAAAAAAAAAAAAAAAAAAAAAAAAAAAAAAAAAAAAAAAAAAAFAAAADwAAAABAAAAAAAAAAAAAA0PAAAAAQAAACMAAAAjAAAAIwAAAB4AAAAAAAAAZAAAAGQAAAAAAAAAZAAAAGQAAAAVAAAAYAAAAAAAAAAAAAAADwAAACADAAAAAAAAAAAAAAEAAACgMgAAVgcAAKr4//8BAAAAf39/AAEAAABkAAAAAAAAABQAAABAHwAAAAAAACYAAAAAAAAAwOD//wAAAAAmAAAAZAAAABYAAABMAAAAAAAAAAAAAAAEAAAAAAAAAAEAAADRSc4KAAAAACgAAAAoAAAAZAAAAGQAAAAAAAAAzMzMAAAAAABQAAAAUAAAAGQAAABkAAAAAAAAABcAAAAUAAAAAAAAAAAAAAD/fwAA/38AAAAAAAAJAAAABAAAAF8AYAAeAAAAaAAAAAAAAAAAAAAAAAAAAAAAAAAAAAAAECcAABAnAAAAAAAAAAAAAAAAAAAAAAAAAAAAAAAAAAAAAAAAAAAAABQAAAAAAAAAwMD/AAAAAABkAAAAMgAAAAAAAABkAAAAAAAAAH9/fwAKAAAAIgAAABgAAAAAAAAAAAAAAAAAAAAAAAAAAAAAAAAAAAAkAAAAJAAAAAAAAAAHAAAAAAAAAAAAAAAAAAAAAAAAAAAAAAAAAAAAf39/ACUAAABYAAAAAAAAAAAAAAAAAAAAAAAAAAAAAAAAAAAAAAAAAAAAAAAAAAAAAAAAAAAAAAA/AAAAAAAAAKCGAQAAAAAAAAAAAAAAAAAMAAAAAQAAAAAAAAAAAAAAAAAAAB8AAABUAAAAQzCfBf///wEAAAAAAAAAAAAAAAAAAAAAAAAAAAAAAAAAAAAAAAAAAAAAAAZ/f38A0UnOA8zMzADAwP8Af39/AAAAAAAAAAAAAAAAAAAAAAAAAAAAIQAAABgAAAAUAAAA7RkAAKsJAADAIQAArAkAABAAAAAmAAAACAAAAP//////////"/>
+                <pr:smNativeData xmlns:pr="smNativeData" xmlns="smNativeData" val="SMDATA_15_8sFZZRMAAAAlAAAACwAAAA0AAAAA7RkAAKsJAADAIQAArAkAAAAAAAAAAAAAAAAAAAEAAABQAAAAAAAAAAAA4D8AAAAAAADgPwAAAAAAAOA/AAAAAAAA4D8AAAAAAADgPwAAAAAAAOA/AAAAAAAA4D8AAAAAAADgPwAAAAAAAOA/AAAAAAAA4D8CAAAAjAAAAAAAAAAAAAAAQzCfDP///wgAAAAAAAAAAAAAAAAAAAAAAAAAAAAAAAAAAAAAZAAAAAEAAABAAAAAAAAAAAAAAAAAAAAAAAAAAAAAAAAAAAAAAAAAAAAAAAAAAAAAAAAAAAAAAAAAAAAAAAAAAAAAAAAAAAAAAAAAAAAAAAAAAAAAAAAAAAAAAAAAAAAAFAAAADwAAAABAAAAAAAAAAAAAA0PAAAAAQAAACMAAAAjAAAAIwAAAB4AAAAAAAAAZAAAAGQAAAAAAAAAZAAAAGQAAAAVAAAAYAAAAAAAAAAAAAAADwAAACADAAAAAAAAAAAAAAEAAACgMgAAVgcAAKr4//8BAAAAf39/AAEAAABkAAAAAAAAABQAAABAHwAAAAAAACYAAAAAAAAAwOD//wAAAAAmAAAAZAAAABYAAABMAAAAAAAAAAAAAAAEAAAAAAAAAAEAAADRSc4KAAAAACgAAAAoAAAAZAAAAGQAAAAAAAAAzMzMAAAAAABQAAAAUAAAAGQAAABkAAAAAAAAABcAAAAUAAAAAAAAAAAAAAD/fwAA/38AAAAAAAAJAAAABAAAAAICAgIeAAAAaAAAAAAAAAAAAAAAAAAAAAAAAAAAAAAAECcAABAnAAAAAAAAAAAAAAAAAAAAAAAAAAAAAAAAAAAAAAAAAAAAABQAAAAAAAAAwMD/AAAAAABkAAAAMgAAAAAAAABkAAAAAAAAAH9/fwAKAAAAIgAAABgAAAAAAAAAAAAAAAAAAAAAAAAAAAAAAAAAAAAkAAAAJAAAAAAAAAAHAAAAAAAAAAAAAAAAAAAAAAAAAAAAAAAAAAAAf39/ACUAAABYAAAAAAAAAAAAAAAAAAAAAAAAAAAAAAAAAAAAAAAAAAAAAAAAAAAAAAAAAAAAAAA/AAAAAAAAAKCGAQAAAAAAAAAAAAAAAAAMAAAAAQAAAAAAAAAAAAAAAAAAAB8AAABUAAAAQzCfBf///wEAAAAAAAAAAAAAAAAAAAAAAAAAAAAAAAAAAAAAAAAAAAAAAAZ/f38A0UnOA8zMzADAwP8Af39/AAAAAAAAAAAAAAAAAAAAAAAAAAAAIQAAABgAAAAUAAAA7RkAAKsJAADAIQAArAkAABAAAAAmAAAACAAAAP//////////"/>
               </a:ext>
             </a:extLst>
           </p:cNvSpPr>
@@ -20937,7 +21981,7 @@
           <p:cNvPicPr>
             <a:extLst>
               <a:ext uri="smNativeData">
-                <pr:smNativeData xmlns:pr="smNativeData" xmlns="smNativeData" val="SMDATA_17_37BZZRMAAAAlAAAAEQAAAA0AAAAAkAAAAEgAAACQAAAASAAAAAAAAAAAAAAAAAAAAAEAAABQAAAAAAAAAAAA4D8AAAAAAADgPwAAAAAAAOA/AAAAAAAA4D8AAAAAAADgPwAAAAAAAOA/AAAAAAAA4D8AAAAAAADgPwAAAAAAAOA/AAAAAAAA4D8CAAAAjAAAAAAAAAAAAAAAQzCfDP///wgAAAAAAAAAAAAAAAAAAAAAAAAAAAAAAAAAAAAAZAAAAAEAAABAAAAAAAAAAAAAAAAAAAAAAAAAAAAAAAAAAAAAAAAAAAAAAAAAAAAAAAAAAAAAAAAAAAAAAAAAAAAAAAAAAAAAAAAAAAAAAAAAAAAAAAAAAAAAAAAAAAAAFAAAADwAAAAAAAAAAAAAAAAAAAkUAAAAAQAAABQAAAAUAAAAFAAAAAEAAAAAAAAAZAAAAGQAAAAAAAAAZAAAAGQAAAAVAAAAYAAAAAAAAAAAAAAADwAAACADAAAAAAAAAAAAAAEAAACgMgAAVgcAAKr4//8BAAAAf39/AAEAAABkAAAAAAAAABQAAABAHwAAAAAAACYAAAAAAAAAwOD//wAAAAAmAAAAZAAAABYAAABMAAAAAAAAAAAAAAAEAAAAAAAAAAEAAADRSc4KAAAAACgAAAAoAAAAZAAAAGQAAAAAAAAAzMzMAAAAAABQAAAAUAAAAGQAAABkAAAAAAAAAAcAAAA4AAAAAAAAAAAAAAAAAAAA////AAAAAAAAAAAAAAAAAAAAAAAAAAAAAAAAAAAAAABkAAAAZAAAAAAAAAAjAAAABAAAAGQAAAAXAAAAFAAAAAAAAAAAAAAA/38AAP9/AAAAAAAACQAAAAQAAAAAAAAAHgAAAGgAAAAAAAAAAAAAAAAAAAAAAAAAAAAAABAnAAAQJwAAAAAAAAAAAAAAAAAAAAAAAAAAAAAAAAAAAAAAAAAAAAAUAAAAAAAAAMDA/wAAAAAAZAAAADIAAAAAAAAAZAAAAAAAAAB/f38ACgAAACIAAAAYAAAAAAAAAAAAAAAAAAAAAAAAAAAAAAAAAAAAJAAAACQAAAAAAAAABwAAAAAAAAAAAAAAAAAAAAAAAAAAAAAAAAAAAH9/fwAlAAAAWAAAAAAAAAAAAAAAAAAAAAAAAAAAAAAAAAAAAAAAAAAAAAAAAAAAAAAAAAAAAAAAPwAAAAAAAACghgEAAAAAAAAAAAAAAAAADAAAAAEAAAAAAAAAAAAAAAAAAAAfAAAAVAAAAEMwnwX///8BAAAAAAAAAAAAAAAAAAAAAAAAAAAAAAAAAAAAAAAAAAAAAAACf39/ANFJzgPMzMwAwMD/AH9/fwAAAAAAAAAAAAAAAAD///8AAAAAACEAAAAYAAAAFAAAAAgHAADnCAAAKhgAAAIaAAAQAAAAJgAAAAgAAAD//////////w=="/>
+                <pr:smNativeData xmlns:pr="smNativeData" xmlns="smNativeData" val="SMDATA_17_8sFZZRMAAAAlAAAAEQAAAA0AAAAAkAAAAEgAAACQAAAASAAAAAAAAAAAAAAAAAAAAAEAAABQAAAAAAAAAAAA4D8AAAAAAADgPwAAAAAAAOA/AAAAAAAA4D8AAAAAAADgPwAAAAAAAOA/AAAAAAAA4D8AAAAAAADgPwAAAAAAAOA/AAAAAAAA4D8CAAAAjAAAAAAAAAAAAAAAQzCfDP///wgAAAAAAAAAAAAAAAAAAAAAAAAAAAAAAAAAAAAAZAAAAAEAAABAAAAAAAAAAAAAAAAAAAAAAAAAAAAAAAAAAAAAAAAAAAAAAAAAAAAAAAAAAAAAAAAAAAAAAAAAAAAAAAAAAAAAAAAAAAAAAAAAAAAAAAAAAAAAAAAAAAAAFAAAADwAAAAAAAAAAAAAAAAAAAkUAAAAAQAAABQAAAAUAAAAFAAAAAEAAAAAAAAAZAAAAGQAAAAAAAAAZAAAAGQAAAAVAAAAYAAAAAAAAAAAAAAADwAAACADAAAAAAAAAAAAAAEAAACgMgAAVgcAAKr4//8BAAAAf39/AAEAAABkAAAAAAAAABQAAABAHwAAAAAAACYAAAAAAAAAwOD//wAAAAAmAAAAZAAAABYAAABMAAAAAAAAAAAAAAAEAAAAAAAAAAEAAADRSc4KAAAAACgAAAAoAAAAZAAAAGQAAAAAAAAAzMzMAAAAAABQAAAAUAAAAGQAAABkAAAAAAAAAAcAAAA4AAAAAAAAAAAAAAAAAAAA////AAAAAAAAAAAAAAAAAAAAAAAAAAAAAAAAAAAAAABkAAAAZAAAAAAAAAAjAAAABAAAAGQAAAAXAAAAFAAAAAAAAAAAAAAA/38AAP9/AAAAAAAACQAAAAQAAAAU+1YHHgAAAGgAAAAAAAAAAAAAAAAAAAAAAAAAAAAAABAnAAAQJwAAAAAAAAAAAAAAAAAAAAAAAAAAAAAAAAAAAAAAAAAAAAAUAAAAAAAAAMDA/wAAAAAAZAAAADIAAAAAAAAAZAAAAAAAAAB/f38ACgAAACIAAAAYAAAAAAAAAAAAAAAAAAAAAAAAAAAAAAAAAAAAJAAAACQAAAAAAAAABwAAAAAAAAAAAAAAAAAAAAAAAAAAAAAAAAAAAH9/fwAlAAAAWAAAAAAAAAAAAAAAAAAAAAAAAAAAAAAAAAAAAAAAAAAAAAAAAAAAAAAAAAAAAAAAPwAAAAAAAACghgEAAAAAAAAAAAAAAAAADAAAAAEAAAAAAAAAAAAAAAAAAAAfAAAAVAAAAEMwnwX///8BAAAAAAAAAAAAAAAAAAAAAAAAAAAAAAAAAAAAAAAAAAAAAAACf39/ANFJzgPMzMwAwMD/AH9/fwAAAAAAAAAAAAAAAAD///8AAAAAACEAAAAYAAAAFAAAAAgHAADnCAAAKhgAAAIaAAAQAAAAJgAAAAgAAAD//////////w=="/>
               </a:ext>
             </a:extLst>
           </p:cNvPicPr>
@@ -21002,7 +22046,7 @@
           <p:cNvSpPr>
             <a:extLst>
               <a:ext uri="smNativeData">
-                <pr:smNativeData xmlns:pr="smNativeData" xmlns="smNativeData" val="SMDATA_15_37BZZRMAAAAlAAAAZAAAAA0AAAAAjgAAAJAAAACOAAAAkAAAAAAAAAABAAAAAAAAAAEAAABQAAAAAAAAAAAA4D8AAAAAAADgPwAAAAAAAOA/AAAAAAAA4D8AAAAAAADgPwAAAAAAAOA/AAAAAAAA4D8AAAAAAADgPwAAAAAAAOA/AAAAAAAA4D8CAAAAjAAAAAAAAAAAAAAAQzCfDP///wgAAAAAAAAAAAAAAAAAAAAAAAAAAAAAAAAAAAAAZAAAAAEAAABAAAAAAAAAAAAAAAAAAAAAAAAAAAAAAAAAAAAAAAAAAAAAAAAAAAAAAAAAAAAAAAAAAAAAAAAAAAAAAAAAAAAAAAAAAAAAAAAAAAAAAAAAAAAAAAAAAAAAFAAAADwAAAAAAAAAAAAAAAAAAAkUAAAAAQAAABQAAAAUAAAAFAAAAAEAAAAAAAAAZAAAAGQAAAAAAAAAZAAAAGQAAAAVAAAAYAAAAAAAAAAAAAAADwAAACADAAAAAAAAAAAAAAEAAACgMgAAVgcAAKr4//8BAAAAf39/AAEAAABkAAAAAAAAABQAAABAHwAAAAAAACYAAAAAAAAAwOD//wAAAAAmAAAAZAAAABYAAABMAAAAAAAAAAAAAAAEAAAAAAAAAAEAAADRSc4KAAAAACgAAAAoAAAAZAAAAGQAAAAAAAAAzMzMAAAAAABQAAAAUAAAAGQAAABkAAAAAAAAABcAAAAUAAAAAAAAAAAAAAD/fwAA/38AAAAAAAAJAAAABAAAAAAAAAAeAAAAaAAAAAAAAAAAAAAAAAAAAAAAAAAAAAAAECcAABAnAAAAAAAAAAAAAAAAAAAAAAAAAAAAAAAAAAAAAAAAAAAAABQAAAAAAAAAwMD/AAAAAABkAAAAMgAAAAAAAABkAAAAAAAAAH9/fwAKAAAAIgAAABgAAAAAAAAAAAAAAAAAAAAAAAAAAAAAAAAAAAAkAAAAJAAAAAAAAAAHAAAAAAAAAAAAAAAAAAAAAAAAAAAAAAAAAAAAf39/ACUAAABYAAAAAAAAAAAAAAAAAAAAAAAAAAAAAAAAAAAAAAAAAAAAAAAAAAAAAAAAAAAAAAA/AAAAAAAAAKCGAQAAAAAAAAAAAAAAAAAMAAAAAQAAAAAAAAAAAAAAAAAAAB8AAABUAAAAQzCfBf///wEAAAAAAAAAAAAAAAAAAAAAAAAAAAAAAAAAAAAAAAAAAAAAAAJ/f38A0UnOA8zMzADAwP8Af39/AAAAAAAAAAAAAAAAAAAAAAAAAAAAIQAAABgAAAAUAAAAfRkAAGUEAAC8MgAA4QkAABAAAAAmAAAACAAAAP//////////"/>
+                <pr:smNativeData xmlns:pr="smNativeData" xmlns="smNativeData" val="SMDATA_15_8sFZZRMAAAAlAAAAZAAAAA0AAAAAjgAAAJAAAACOAAAAkAAAAAAAAAABAAAAAAAAAAEAAABQAAAAAAAAAAAA4D8AAAAAAADgPwAAAAAAAOA/AAAAAAAA4D8AAAAAAADgPwAAAAAAAOA/AAAAAAAA4D8AAAAAAADgPwAAAAAAAOA/AAAAAAAA4D8CAAAAjAAAAAAAAAAAAAAAQzCfDP///wgAAAAAAAAAAAAAAAAAAAAAAAAAAAAAAAAAAAAAZAAAAAEAAABAAAAAAAAAAAAAAAAAAAAAAAAAAAAAAAAAAAAAAAAAAAAAAAAAAAAAAAAAAAAAAAAAAAAAAAAAAAAAAAAAAAAAAAAAAAAAAAAAAAAAAAAAAAAAAAAAAAAAFAAAADwAAAAAAAAAAAAAAAAAAAkUAAAAAQAAABQAAAAUAAAAFAAAAAEAAAAAAAAAZAAAAGQAAAAAAAAAZAAAAGQAAAAVAAAAYAAAAAAAAAAAAAAADwAAACADAAAAAAAAAAAAAAEAAACgMgAAVgcAAKr4//8BAAAAf39/AAEAAABkAAAAAAAAABQAAABAHwAAAAAAACYAAAAAAAAAwOD//wAAAAAmAAAAZAAAABYAAABMAAAAAAAAAAAAAAAEAAAAAAAAAAEAAADRSc4KAAAAACgAAAAoAAAAZAAAAGQAAAAAAAAAzMzMAAAAAABQAAAAUAAAAGQAAABkAAAAAAAAABcAAAAUAAAAAAAAAAAAAAD/fwAA/38AAAAAAAAJAAAABAAAAAAAAAAeAAAAaAAAAAAAAAAAAAAAAAAAAAAAAAAAAAAAECcAABAnAAAAAAAAAAAAAAAAAAAAAAAAAAAAAAAAAAAAAAAAAAAAABQAAAAAAAAAwMD/AAAAAABkAAAAMgAAAAAAAABkAAAAAAAAAH9/fwAKAAAAIgAAABgAAAAAAAAAAAAAAAAAAAAAAAAAAAAAAAAAAAAkAAAAJAAAAAAAAAAHAAAAAAAAAAAAAAAAAAAAAAAAAAAAAAAAAAAAf39/ACUAAABYAAAAAAAAAAAAAAAAAAAAAAAAAAAAAAAAAAAAAAAAAAAAAAAAAAAAAAAAAAAAAAA/AAAAAAAAAKCGAQAAAAAAAAAAAAAAAAAMAAAAAQAAAAAAAAAAAAAAAAAAAB8AAABUAAAAQzCfBf///wEAAAAAAAAAAAAAAAAAAAAAAAAAAAAAAAAAAAAAAAAAAAAAAAJ/f38A0UnOA8zMzADAwP8Af39/AAAAAAAAAAAAAAAAAAAAAAAAAAAAIQAAABgAAAAUAAAAfRkAAGUEAAC8MgAA4QkAABAAAAAmAAAACAAAAP//////////"/>
               </a:ext>
             </a:extLst>
           </p:cNvSpPr>
@@ -21057,7 +22101,7 @@
           <p:cNvSpPr>
             <a:extLst>
               <a:ext uri="smNativeData">
-                <pr:smNativeData xmlns:pr="smNativeData" xmlns="smNativeData" val="SMDATA_15_37BZZRMAAAAlAAAAZAAAAA0AAAAAjgAAAJAAAACOAAAAkAAAAAAAAAAAAAAAAAAAAAEAAABQAAAAAAAAAAAA4D8AAAAAAADgPwAAAAAAAOA/AAAAAAAA4D8AAAAAAADgPwAAAAAAAOA/AAAAAAAA4D8AAAAAAADgPwAAAAAAAOA/AAAAAAAA4D8CAAAAjAAAAAAAAAAAAAAAQzCfDP///wgAAAAAAAAAAAAAAAAAAAAAAAAAAAAAAAAAAAAAZAAAAAEAAABAAAAAAAAAAAAAAAAAAAAAAAAAAAAAAAAAAAAAAAAAAAAAAAAAAAAAAAAAAAAAAAAAAAAAAAAAAAAAAAAAAAAAAAAAAAAAAAAAAAAAAAAAAAAAAAAAAAAAFAAAADwAAAAAAAAAAAAAAAAAAAkUAAAAAQAAABQAAAAUAAAAFAAAAAEAAAAAAAAAZAAAAGQAAAAAAAAAZAAAAGQAAAAVAAAAYAAAAAAAAAAAAAAADwAAACADAAAAAAAAAAAAAAEAAACgMgAAVgcAAKr4//8BAAAAf39/AAEAAABkAAAAAAAAABQAAABAHwAAAAAAACYAAAAAAAAAwOD//wAAAAAmAAAAZAAAABYAAABMAAAAAAAAAAAAAAAEAAAAAAAAAAEAAADRSc4KAAAAACgAAAAoAAAAZAAAAGQAAAAAAAAAzMzMAAAAAABQAAAAUAAAAGQAAABkAAAAAAAAABcAAAAUAAAAAAAAAAAAAAD/fwAA/38AAAAAAAAJAAAABAAAAAAAAAAeAAAAaAAAAAAAAAAAAAAAAAAAAAAAAAAAAAAAECcAABAnAAAAAAAAAAAAAAAAAAAAAAAAAAAAAAAAAAAAAAAAAAAAABQAAAAAAAAAwMD/AAAAAABkAAAAMgAAAAAAAABkAAAAAAAAAH9/fwAKAAAAIgAAABgAAAAAAAAAAAAAAAAAAAAAAAAAAAAAAAAAAAAkAAAAJAAAAAAAAAAHAAAAAAAAAAAAAAAAAAAAAAAAAAAAAAAAAAAAf39/ACUAAABYAAAAAAAAAAAAAAAAAAAAAAAAAAAAAAAAAAAAAAAAAAAAAAAAAAAAAAAAAAAAAAA/AAAAAAAAAKCGAQAAAAAAAAAAAAAAAAAMAAAAAQAAAAAAAAAAAAAAAAAAAB8AAABUAAAAQzCfBf///wEAAAAAAAAAAAAAAAAAAAAAAAAAAAAAAAAAAAAAAAAAAAAAAAJ/f38A0UnOA8zMzADAwP8Af39/AAAAAAAAAAAAAAAAAAAAAAAAAAAAIQAAABgAAAAUAAAAfRkAAP0KAAAMNgAAuRcAABAAAAAmAAAACAAAAP//////////"/>
+                <pr:smNativeData xmlns:pr="smNativeData" xmlns="smNativeData" val="SMDATA_15_8sFZZRMAAAAlAAAAZAAAAA0AAAAAjgAAAJAAAACOAAAAkAAAAAAAAAAAAAAAAAAAAAEAAABQAAAAAAAAAAAA4D8AAAAAAADgPwAAAAAAAOA/AAAAAAAA4D8AAAAAAADgPwAAAAAAAOA/AAAAAAAA4D8AAAAAAADgPwAAAAAAAOA/AAAAAAAA4D8CAAAAjAAAAAAAAAAAAAAAQzCfDP///wgAAAAAAAAAAAAAAAAAAAAAAAAAAAAAAAAAAAAAZAAAAAEAAABAAAAAAAAAAAAAAAAAAAAAAAAAAAAAAAAAAAAAAAAAAAAAAAAAAAAAAAAAAAAAAAAAAAAAAAAAAAAAAAAAAAAAAAAAAAAAAAAAAAAAAAAAAAAAAAAAAAAAFAAAADwAAAAAAAAAAAAAAAAAAAkUAAAAAQAAABQAAAAUAAAAFAAAAAEAAAAAAAAAZAAAAGQAAAAAAAAAZAAAAGQAAAAVAAAAYAAAAAAAAAAAAAAADwAAACADAAAAAAAAAAAAAAEAAACgMgAAVgcAAKr4//8BAAAAf39/AAEAAABkAAAAAAAAABQAAABAHwAAAAAAACYAAAAAAAAAwOD//wAAAAAmAAAAZAAAABYAAABMAAAAAAAAAAAAAAAEAAAAAAAAAAEAAADRSc4KAAAAACgAAAAoAAAAZAAAAGQAAAAAAAAAzMzMAAAAAABQAAAAUAAAAGQAAABkAAAAAAAAABcAAAAUAAAAAAAAAAAAAAD/fwAA/38AAAAAAAAJAAAABAAAAAAAAAAeAAAAaAAAAAAAAAAAAAAAAAAAAAAAAAAAAAAAECcAABAnAAAAAAAAAAAAAAAAAAAAAAAAAAAAAAAAAAAAAAAAAAAAABQAAAAAAAAAwMD/AAAAAABkAAAAMgAAAAAAAABkAAAAAAAAAH9/fwAKAAAAIgAAABgAAAAAAAAAAAAAAAAAAAAAAAAAAAAAAAAAAAAkAAAAJAAAAAAAAAAHAAAAAAAAAAAAAAAAAAAAAAAAAAAAAAAAAAAAf39/ACUAAABYAAAAAAAAAAAAAAAAAAAAAAAAAAAAAAAAAAAAAAAAAAAAAAAAAAAAAAAAAAAAAAA/AAAAAAAAAKCGAQAAAAAAAAAAAAAAAAAMAAAAAQAAAAAAAAAAAAAAAAAAAB8AAABUAAAAQzCfBf///wEAAAAAAAAAAAAAAAAAAAAAAAAAAAAAAAAAAAAAAAAAAAAAAAJ/f38A0UnOA8zMzADAwP8Af39/AAAAAAAAAAAAAAAAAAAAAAAAAAAAIQAAABgAAAAUAAAAfRkAAP0KAAAMNgAAuRcAABAAAAAmAAAACAAAAP//////////"/>
               </a:ext>
             </a:extLst>
           </p:cNvSpPr>
@@ -21123,7 +22167,7 @@
           <p:cNvSpPr>
             <a:extLst>
               <a:ext uri="smNativeData">
-                <pr:smNativeData xmlns:pr="smNativeData" xmlns="smNativeData" val="SMDATA_15_37BZZRMAAAAlAAAAZgAAAA0AAAAAkAAAAEgAAACQAAAASAAAAAAAAAAAAAAAAAAAAAEAAABQAAAAAAAAAAAA8D8AAAAAAADwPwAAAAAAAOA/AAAAAAAA4D8AAAAAAADgPwAAAAAAAOA/AAAAAAAA4D8AAAAAAADgPwAAAAAAAOA/AAAAAAAA4D8CAAAAjAAAAAEAAAADAAAA0UnOAEMwnwAAAAAAAAAAAAAAAAAAAAAAAAAAAAAAAAAAAAAAeAAAAAEAAABAAAAAAAAAAGQAAAAOAQAAAAAAAAAAAAAAAAAAAAAAAAAAAAAAAAAAAAAAAAAAAAAAAAAAAAAAAAAAAAAAAAAAAAAAAAAAAAAAAAAAAAAAAAAAAAAAAAAAFAAAADwAAAAAAAAAAAAAAAAAAAkUAAAAAQAAABQAAAAUAAAAFAAAAAEAAAAAAAAAZAAAAGQAAAAAAAAAZAAAAGQAAAAVAAAAYAAAAAAAAAAAAAAADwAAACADAAAAAAAAAAAAAAEAAACgMgAAVgcAAKr4//8BAAAAf39/AAEAAABkAAAAAAAAABQAAABAHwAAAAAAACYAAAAAAAAAwOD//wAAAAAmAAAAZAAAABYAAABMAAAAAAAAAAAAAAAEAAAAAAAAAAEAAADRSc4KAAAAACgAAAAoAAAAZAAAAGQAAAAAAAAAzMzMAAAAAABQAAAAUAAAAGQAAABkAAAAAAAAABcAAAAUAAAAAAAAAAAAAAD/fwAA/38AAAAAAAAJAAAABAAAAF8AYAAeAAAAaAAAAAAAAAAAAAAAAAAAAAAAAAAAAAAAECcAABAnAAAAAAAAAAAAAAAAAAAAAAAAAAAAAAAAAAAAAAAAAAAAABQAAAAAAAAAwMD/AAAAAABkAAAAMgAAAAAAAABkAAAAAAAAAH9/fwAKAAAAIgAAABgAAAAAAAAAAAAAAAAAAAAAAAAAAAAAAAAAAAAkAAAAJAAAAAAAAAAHAAAAAAAAAAAAAAAAAAAAAAAAAAAAAAAAAAAAf39/ACUAAABYAAAAAAAAAAAAAAAAAAAAAAAAAAAAAAAAAAAAAAAAAAAAAAAAAAAAAAAAAAAAAAA/AAAAAAAAAKCGAQAAAAAAAAAAAAAAAAAMAAAAAQAAAAAAAAAAAAAAAAAAAB8AAABUAAAA0UnOAEMwnwAAAAAAAAAAAAAAAAAAAAAAAAAAAAAAAAAAAAAAAAAAAAAAAAJ/f38A0UnOA8zMzADAwP8Af39/AAAAAAAAAAAAAAAAAAAAAAAAAAAAIQAAABgAAAAUAAAAdi8AAO38//8MNgAAgwMAABAAAAAmAAAACAAAAP//////////"/>
+                <pr:smNativeData xmlns:pr="smNativeData" xmlns="smNativeData" val="SMDATA_15_8sFZZRMAAAAlAAAAZgAAAA0AAAAAkAAAAEgAAACQAAAASAAAAAAAAAAAAAAAAAAAAAEAAABQAAAAAAAAAAAA8D8AAAAAAADwPwAAAAAAAOA/AAAAAAAA4D8AAAAAAADgPwAAAAAAAOA/AAAAAAAA4D8AAAAAAADgPwAAAAAAAOA/AAAAAAAA4D8CAAAAjAAAAAEAAAADAAAA0UnOAEMwnwAAAAAAAAAAAAAAAAAAAAAAAAAAAAAAAAAAAAAAeAAAAAEAAABAAAAAAAAAAGQAAAAOAQAAAAAAAAAAAAAAAAAAAAAAAAAAAAAAAAAAAAAAAAAAAAAAAAAAAAAAAAAAAAAAAAAAAAAAAAAAAAAAAAAAAAAAAAAAAAAAAAAAFAAAADwAAAAAAAAAAAAAAAAAAAkUAAAAAQAAABQAAAAUAAAAFAAAAAEAAAAAAAAAZAAAAGQAAAAAAAAAZAAAAGQAAAAVAAAAYAAAAAAAAAAAAAAADwAAACADAAAAAAAAAAAAAAEAAACgMgAAVgcAAKr4//8BAAAAf39/AAEAAABkAAAAAAAAABQAAABAHwAAAAAAACYAAAAAAAAAwOD//wAAAAAmAAAAZAAAABYAAABMAAAAAAAAAAAAAAAEAAAAAAAAAAEAAADRSc4KAAAAACgAAAAoAAAAZAAAAGQAAAAAAAAAzMzMAAAAAABQAAAAUAAAAGQAAABkAAAAAAAAABcAAAAUAAAAAAAAAAAAAAD/fwAA/38AAAAAAAAJAAAABAAAAF8AYAAeAAAAaAAAAAAAAAAAAAAAAAAAAAAAAAAAAAAAECcAABAnAAAAAAAAAAAAAAAAAAAAAAAAAAAAAAAAAAAAAAAAAAAAABQAAAAAAAAAwMD/AAAAAABkAAAAMgAAAAAAAABkAAAAAAAAAH9/fwAKAAAAIgAAABgAAAAAAAAAAAAAAAAAAAAAAAAAAAAAAAAAAAAkAAAAJAAAAAAAAAAHAAAAAAAAAAAAAAAAAAAAAAAAAAAAAAAAAAAAf39/ACUAAABYAAAAAAAAAAAAAAAAAAAAAAAAAAAAAAAAAAAAAAAAAAAAAAAAAAAAAAAAAAAAAAA/AAAAAAAAAKCGAQAAAAAAAAAAAAAAAAAMAAAAAQAAAAAAAAAAAAAAAAAAAB8AAABUAAAA0UnOAEMwnwAAAAAAAAAAAAAAAAAAAAAAAAAAAAAAAAAAAAAAAAAAAAAAAAJ/f38A0UnOA8zMzADAwP8Af39/AAAAAAAAAAAAAAAAAAAAAAAAAAAAIQAAABgAAAAUAAAAdi8AAO38//8MNgAAgwMAABAAAAAmAAAACAAAAP//////////"/>
               </a:ext>
             </a:extLst>
           </p:cNvSpPr>
@@ -21161,7 +22205,7 @@
           <p:cNvSpPr>
             <a:extLst>
               <a:ext uri="smNativeData">
-                <pr:smNativeData xmlns:pr="smNativeData" xmlns="smNativeData" val="SMDATA_15_37BZZRMAAAAlAAAACwAAAA0AAAAAXhoAAKsJAAAwIgAArAkAAAAAAAAAAAAAAAAAAAEAAABQAAAAAAAAAAAA4D8AAAAAAADgPwAAAAAAAOA/AAAAAAAA4D8AAAAAAADgPwAAAAAAAOA/AAAAAAAA4D8AAAAAAADgPwAAAAAAAOA/AAAAAAAA4D8CAAAAjAAAAAAAAAAAAAAAQzCfDP///wgAAAAAAAAAAAAAAAAAAAAAAAAAAAAAAAAAAAAAZAAAAAEAAABAAAAAAAAAAAAAAAAAAAAAAAAAAAAAAAAAAAAAAAAAAAAAAAAAAAAAAAAAAAAAAAAAAAAAAAAAAAAAAAAAAAAAAAAAAAAAAAAAAAAAAAAAAAAAAAAAAAAAFAAAADwAAAABAAAAAAAAAAAAAA0PAAAAAQAAACMAAAAjAAAAIwAAAB4AAAAAAAAAZAAAAGQAAAAAAAAAZAAAAGQAAAAVAAAAYAAAAAAAAAAAAAAADwAAACADAAAAAAAAAAAAAAEAAACgMgAAVgcAAKr4//8BAAAAf39/AAEAAABkAAAAAAAAABQAAABAHwAAAAAAACYAAAAAAAAAwOD//wAAAAAmAAAAZAAAABYAAABMAAAAAAAAAAAAAAAEAAAAAAAAAAEAAADRSc4KAAAAACgAAAAoAAAAZAAAAGQAAAAAAAAAzMzMAAAAAABQAAAAUAAAAGQAAABkAAAAAAAAABcAAAAUAAAAAAAAAAAAAAD/fwAA/38AAAAAAAAJAAAABAAAAF8AYAAeAAAAaAAAAAAAAAAAAAAAAAAAAAAAAAAAAAAAECcAABAnAAAAAAAAAAAAAAAAAAAAAAAAAAAAAAAAAAAAAAAAAAAAABQAAAAAAAAAwMD/AAAAAABkAAAAMgAAAAAAAABkAAAAAAAAAH9/fwAKAAAAIgAAABgAAAAAAAAAAAAAAAAAAAAAAAAAAAAAAAAAAAAkAAAAJAAAAAAAAAAHAAAAAAAAAAAAAAAAAAAAAAAAAAAAAAAAAAAAf39/ACUAAABYAAAAAAAAAAAAAAAAAAAAAAAAAAAAAAAAAAAAAAAAAAAAAAAAAAAAAAAAAAAAAAA/AAAAAAAAAKCGAQAAAAAAAAAAAAAAAAAMAAAAAQAAAAAAAAAAAAAAAAAAAB8AAABUAAAAQzCfBf///wEAAAAAAAAAAAAAAAAAAAAAAAAAAAAAAAAAAAAAAAAAAAAAAAZ/f38A0UnOA8zMzADAwP8Af39/AAAAAAAAAAAAAAAAAAAAAAAAAAAAIQAAABgAAAAUAAAAXhoAAKsJAAAwIgAArAkAABAAAAAmAAAACAAAAP//////////"/>
+                <pr:smNativeData xmlns:pr="smNativeData" xmlns="smNativeData" val="SMDATA_15_8sFZZRMAAAAlAAAACwAAAA0AAAAAXhoAAKsJAAAwIgAArAkAAAAAAAAAAAAAAAAAAAEAAABQAAAAAAAAAAAA4D8AAAAAAADgPwAAAAAAAOA/AAAAAAAA4D8AAAAAAADgPwAAAAAAAOA/AAAAAAAA4D8AAAAAAADgPwAAAAAAAOA/AAAAAAAA4D8CAAAAjAAAAAAAAAAAAAAAQzCfDP///wgAAAAAAAAAAAAAAAAAAAAAAAAAAAAAAAAAAAAAZAAAAAEAAABAAAAAAAAAAAAAAAAAAAAAAAAAAAAAAAAAAAAAAAAAAAAAAAAAAAAAAAAAAAAAAAAAAAAAAAAAAAAAAAAAAAAAAAAAAAAAAAAAAAAAAAAAAAAAAAAAAAAAFAAAADwAAAABAAAAAAAAAAAAAA0PAAAAAQAAACMAAAAjAAAAIwAAAB4AAAAAAAAAZAAAAGQAAAAAAAAAZAAAAGQAAAAVAAAAYAAAAAAAAAAAAAAADwAAACADAAAAAAAAAAAAAAEAAACgMgAAVgcAAKr4//8BAAAAf39/AAEAAABkAAAAAAAAABQAAABAHwAAAAAAACYAAAAAAAAAwOD//wAAAAAmAAAAZAAAABYAAABMAAAAAAAAAAAAAAAEAAAAAAAAAAEAAADRSc4KAAAAACgAAAAoAAAAZAAAAGQAAAAAAAAAzMzMAAAAAABQAAAAUAAAAGQAAABkAAAAAAAAABcAAAAUAAAAAAAAAAAAAAD/fwAA/38AAAAAAAAJAAAABAAAAHIAAHIeAAAAaAAAAAAAAAAAAAAAAAAAAAAAAAAAAAAAECcAABAnAAAAAAAAAAAAAAAAAAAAAAAAAAAAAAAAAAAAAAAAAAAAABQAAAAAAAAAwMD/AAAAAABkAAAAMgAAAAAAAABkAAAAAAAAAH9/fwAKAAAAIgAAABgAAAAAAAAAAAAAAAAAAAAAAAAAAAAAAAAAAAAkAAAAJAAAAAAAAAAHAAAAAAAAAAAAAAAAAAAAAAAAAAAAAAAAAAAAf39/ACUAAABYAAAAAAAAAAAAAAAAAAAAAAAAAAAAAAAAAAAAAAAAAAAAAAAAAAAAAAAAAAAAAAA/AAAAAAAAAKCGAQAAAAAAAAAAAAAAAAAMAAAAAQAAAAAAAAAAAAAAAAAAAB8AAABUAAAAQzCfBf///wEAAAAAAAAAAAAAAAAAAAAAAAAAAAAAAAAAAAAAAAAAAAAAAAZ/f38A0UnOA8zMzADAwP8Af39/AAAAAAAAAAAAAAAAAAAAAAAAAAAAIQAAABgAAAAUAAAAXhoAAKsJAAAwIgAArAkAABAAAAAmAAAACAAAAP//////////"/>
               </a:ext>
             </a:extLst>
           </p:cNvSpPr>
@@ -21207,7 +22251,7 @@
           <p:cNvPicPr>
             <a:extLst>
               <a:ext uri="smNativeData">
-                <pr:smNativeData xmlns:pr="smNativeData" xmlns="smNativeData" val="SMDATA_17_37BZZRMAAAAlAAAAEQAAAA0AAAAAkAAAAEgAAACQAAAASAAAAAAAAAAAAAAAAAAAAAEAAABQAAAAAAAAAAAA4D8AAAAAAADgPwAAAAAAAOA/AAAAAAAA4D8AAAAAAADgPwAAAAAAAOA/AAAAAAAA4D8AAAAAAADgPwAAAAAAAOA/AAAAAAAA4D8CAAAAjAAAAAAAAAAAAAAAQzCfDP///wgAAAAAAAAAAAAAAAAAAAAAAAAAAAAAAAAAAAAAZAAAAAEAAABAAAAAAAAAAAAAAAAAAAAAAAAAAAAAAAAAAAAAAAAAAAAAAAAAAAAAAAAAAAAAAAAAAAAAAAAAAAAAAAAAAAAAAAAAAAAAAAAAAAAAAAAAAAAAAAAAAAAAFAAAADwAAAAAAAAAAAAAAAAAAAkUAAAAAQAAABQAAAAUAAAAFAAAAAEAAAAAAAAAZAAAAGQAAAAAAAAAZAAAAGQAAAAVAAAAYAAAAAAAAAAAAAAADwAAACADAAAAAAAAAAAAAAEAAACgMgAAVgcAAKr4//8BAAAAf39/AAEAAABkAAAAAAAAABQAAABAHwAAAAAAACYAAAAAAAAAwOD//wAAAAAmAAAAZAAAABYAAABMAAAAAAAAAAAAAAAEAAAAAAAAAAEAAADRSc4KAAAAACgAAAAoAAAAZAAAAGQAAAAAAAAAzMzMAAAAAABQAAAAUAAAAGQAAABkAAAAAAAAAAcAAAA4AAAAAAAAAAAAAAAAAAAA////AAAAAAAAAAAAAAAAAAAAAAAAAAAAAAAAAAAAAABkAAAAZAAAAAAAAAAjAAAABAAAAGQAAAAXAAAAFAAAAAAAAAAAAAAA/38AAP9/AAAAAAAACQAAAAQAAAAJGIIJHgAAAGgAAAAAAAAAAAAAAAAAAAAAAAAAAAAAABAnAAAQJwAAAAAAAAAAAAAAAAAAAAAAAAAAAAAAAAAAAAAAAAAAAAAUAAAAAAAAAMDA/wAAAAAAZAAAADIAAAAAAAAAZAAAAAAAAAB/f38ACgAAACIAAAAYAAAAAAAAAAAAAAAAAAAAAAAAAAAAAAAAAAAAJAAAACQAAAAAAAAABwAAAAAAAAAAAAAAAAAAAAAAAAAAAAAAAAAAAH9/fwAlAAAAWAAAAAAAAAAAAAAAAAAAAAAAAAAAAAAAAAAAAAAAAAAAAAAAAAAAAAAAAAAAAAAAPwAAAAAAAACghgEAAAAAAAAAAAAAAAAADAAAAAEAAAAAAAAAAAAAAAAAAAAfAAAAVAAAAEMwnwX///8BAAAAAAAAAAAAAAAAAAAAAAAAAAAAAAAAAAAAAAAAAAAAAAACf39/ANFJzgPMzMwAwMD/AH9/fwAAAAAAAAAAAAAAAAD///8AAAAAACEAAAAYAAAAFAAAAAgHAADpBwAAKhgAAAQZAAAQAAAAJgAAAAgAAAD//////////w=="/>
+                <pr:smNativeData xmlns:pr="smNativeData" xmlns="smNativeData" val="SMDATA_17_8sFZZRMAAAAlAAAAEQAAAA0AAAAAkAAAAEgAAACQAAAASAAAAAAAAAAAAAAAAAAAAAEAAABQAAAAAAAAAAAA4D8AAAAAAADgPwAAAAAAAOA/AAAAAAAA4D8AAAAAAADgPwAAAAAAAOA/AAAAAAAA4D8AAAAAAADgPwAAAAAAAOA/AAAAAAAA4D8CAAAAjAAAAAAAAAAAAAAAQzCfDP///wgAAAAAAAAAAAAAAAAAAAAAAAAAAAAAAAAAAAAAZAAAAAEAAABAAAAAAAAAAAAAAAAAAAAAAAAAAAAAAAAAAAAAAAAAAAAAAAAAAAAAAAAAAAAAAAAAAAAAAAAAAAAAAAAAAAAAAAAAAAAAAAAAAAAAAAAAAAAAAAAAAAAAFAAAADwAAAAAAAAAAAAAAAAAAAkUAAAAAQAAABQAAAAUAAAAFAAAAAEAAAAAAAAAZAAAAGQAAAAAAAAAZAAAAGQAAAAVAAAAYAAAAAAAAAAAAAAADwAAACADAAAAAAAAAAAAAAEAAACgMgAAVgcAAKr4//8BAAAAf39/AAEAAABkAAAAAAAAABQAAABAHwAAAAAAACYAAAAAAAAAwOD//wAAAAAmAAAAZAAAABYAAABMAAAAAAAAAAAAAAAEAAAAAAAAAAEAAADRSc4KAAAAACgAAAAoAAAAZAAAAGQAAAAAAAAAzMzMAAAAAABQAAAAUAAAAGQAAABkAAAAAAAAAAcAAAA4AAAAAAAAAAAAAAAAAAAA////AAAAAAAAAAAAAAAAAAAAAAAAAAAAAAAAAAAAAABkAAAAZAAAAAAAAAAjAAAABAAAAGQAAAAXAAAAFAAAAAAAAAAAAAAA/38AAP9/AAAAAAAACQAAAAQAAADe////HgAAAGgAAAAAAAAAAAAAAAAAAAAAAAAAAAAAABAnAAAQJwAAAAAAAAAAAAAAAAAAAAAAAAAAAAAAAAAAAAAAAAAAAAAUAAAAAAAAAMDA/wAAAAAAZAAAADIAAAAAAAAAZAAAAAAAAAB/f38ACgAAACIAAAAYAAAAAAAAAAAAAAAAAAAAAAAAAAAAAAAAAAAAJAAAACQAAAAAAAAABwAAAAAAAAAAAAAAAAAAAAAAAAAAAAAAAAAAAH9/fwAlAAAAWAAAAAAAAAAAAAAAAAAAAAAAAAAAAAAAAAAAAAAAAAAAAAAAAAAAAAAAAAAAAAAAPwAAAAAAAACghgEAAAAAAAAAAAAAAAAADAAAAAEAAAAAAAAAAAAAAAAAAAAfAAAAVAAAAEMwnwX///8BAAAAAAAAAAAAAAAAAAAAAAAAAAAAAAAAAAAAAAAAAAAAAAACf39/ANFJzgPMzMwAwMD/AH9/fwAAAAAAAAAAAAAAAAD///8AAAAAACEAAAAYAAAAFAAAAAgHAADpBwAAKhgAAAQZAAAQAAAAJgAAAAgAAAD//////////w=="/>
               </a:ext>
             </a:extLst>
           </p:cNvPicPr>
@@ -21272,7 +22316,7 @@
           <p:cNvSpPr>
             <a:extLst>
               <a:ext uri="smNativeData">
-                <pr:smNativeData xmlns:pr="smNativeData" xmlns="smNativeData" val="SMDATA_15_37BZZRMAAAAlAAAAZAAAAA0AAAAAjgAAAJAAAACOAAAAkAAAAAAAAAAAAAAAAAAAAAEAAABQAAAAAAAAAAAA4D8AAAAAAADgPwAAAAAAAOA/AAAAAAAA4D8AAAAAAADgPwAAAAAAAOA/AAAAAAAA4D8AAAAAAADgPwAAAAAAAOA/AAAAAAAA4D8CAAAAjAAAAAAAAAAAAAAAQzCfDP///wgAAAAAAAAAAAAAAAAAAAAAAAAAAAAAAAAAAAAAZAAAAAEAAABAAAAAAAAAAAAAAAAAAAAAAAAAAAAAAAAAAAAAAAAAAAAAAAAAAAAAAAAAAAAAAAAAAAAAAAAAAAAAAAAAAAAAAAAAAAAAAAAAAAAAAAAAAAAAAAAAAAAAFAAAADwAAAAAAAAAAAAAAAAAAAkUAAAAAQAAABQAAAAUAAAAFAAAAAEAAAAAAAAAZAAAAGQAAAAAAAAAZAAAAGQAAAAVAAAAYAAAAAAAAAAAAAAADwAAACADAAAAAAAAAAAAAAEAAACgMgAAVgcAAKr4//8BAAAAf39/AAEAAABkAAAAAAAAABQAAABAHwAAAAAAACYAAAAAAAAAwOD//wAAAAAmAAAAZAAAABYAAABMAAAAAAAAAAAAAAAEAAAAAAAAAAEAAADRSc4KAAAAACgAAAAoAAAAZAAAAGQAAAAAAAAAzMzMAAAAAABQAAAAUAAAAGQAAABkAAAAAAAAABcAAAAUAAAAAAAAAAAAAAD/fwAA/38AAAAAAAAJAAAABAAAAF8AYAAeAAAAaAAAAAAAAAAAAAAAAAAAAAAAAAAAAAAAECcAABAnAAAAAAAAAAAAAAAAAAAAAAAAAAAAAAAAAAAAAAAAAAAAABQAAAAAAAAAwMD/AAAAAABkAAAAMgAAAAAAAABkAAAAAAAAAH9/fwAKAAAAIgAAABgAAAAAAAAAAAAAAAAAAAAAAAAAAAAAAAAAAAAkAAAAJAAAAAAAAAAHAAAAAAAAAAAAAAAAAAAAAAAAAAAAAAAAAAAAf39/ACUAAABYAAAAAAAAAAAAAAAAAAAAAAAAAAAAAAAAAAAAAAAAAAAAAAAAAAAAAAAAAAAAAAA/AAAAAAAAAKCGAQAAAAAAAAAAAAAAAAAMAAAAAQAAAAAAAAAAAAAAAAAAAB8AAABUAAAAQzCfBf///wEAAAAAAAAAAAAAAAAAAAAAAAAAAAAAAAAAAAAAAAAAAAAAAAJ/f38A0UnOA8zMzADAwP8Af39/AAAAAAAAAAAAAAAAAAAAAAAAAAAAIQAAABgAAAAUAAAAlwYAAKsJAAAjLgAA5QwAABAAAAAmAAAACAAAAP//////////"/>
+                <pr:smNativeData xmlns:pr="smNativeData" xmlns="smNativeData" val="SMDATA_15_8sFZZRMAAAAlAAAAZAAAAA0AAAAAjgAAAJAAAACOAAAAkAAAAAAAAAAAAAAAAAAAAAEAAABQAAAAAAAAAAAA4D8AAAAAAADgPwAAAAAAAOA/AAAAAAAA4D8AAAAAAADgPwAAAAAAAOA/AAAAAAAA4D8AAAAAAADgPwAAAAAAAOA/AAAAAAAA4D8CAAAAjAAAAAAAAAAAAAAAQzCfDP///wgAAAAAAAAAAAAAAAAAAAAAAAAAAAAAAAAAAAAAZAAAAAEAAABAAAAAAAAAAAAAAAAAAAAAAAAAAAAAAAAAAAAAAAAAAAAAAAAAAAAAAAAAAAAAAAAAAAAAAAAAAAAAAAAAAAAAAAAAAAAAAAAAAAAAAAAAAAAAAAAAAAAAFAAAADwAAAAAAAAAAAAAAAAAAAkUAAAAAQAAABQAAAAUAAAAFAAAAAEAAAAAAAAAZAAAAGQAAAAAAAAAZAAAAGQAAAAVAAAAYAAAAAAAAAAAAAAADwAAACADAAAAAAAAAAAAAAEAAACgMgAAVgcAAKr4//8BAAAAf39/AAEAAABkAAAAAAAAABQAAABAHwAAAAAAACYAAAAAAAAAwOD//wAAAAAmAAAAZAAAABYAAABMAAAAAAAAAAAAAAAEAAAAAAAAAAEAAADRSc4KAAAAACgAAAAoAAAAZAAAAGQAAAAAAAAAzMzMAAAAAABQAAAAUAAAAGQAAABkAAAAAAAAABcAAAAUAAAAAAAAAAAAAAD/fwAA/38AAAAAAAAJAAAABAAAAAAAAAAeAAAAaAAAAAAAAAAAAAAAAAAAAAAAAAAAAAAAECcAABAnAAAAAAAAAAAAAAAAAAAAAAAAAAAAAAAAAAAAAAAAAAAAABQAAAAAAAAAwMD/AAAAAABkAAAAMgAAAAAAAABkAAAAAAAAAH9/fwAKAAAAIgAAABgAAAAAAAAAAAAAAAAAAAAAAAAAAAAAAAAAAAAkAAAAJAAAAAAAAAAHAAAAAAAAAAAAAAAAAAAAAAAAAAAAAAAAAAAAf39/ACUAAABYAAAAAAAAAAAAAAAAAAAAAAAAAAAAAAAAAAAAAAAAAAAAAAAAAAAAAAAAAAAAAAA/AAAAAAAAAKCGAQAAAAAAAAAAAAAAAAAMAAAAAQAAAAAAAAAAAAAAAAAAAB8AAABUAAAAQzCfBf///wEAAAAAAAAAAAAAAAAAAAAAAAAAAAAAAAAAAAAAAAAAAAAAAAJ/f38A0UnOA8zMzADAwP8Af39/AAAAAAAAAAAAAAAAAAAAAAAAAAAAIQAAABgAAAAUAAAAlwYAAKsJAAAjLgAA5QwAABAAAAAmAAAACAAAAP//////////"/>
               </a:ext>
             </a:extLst>
           </p:cNvSpPr>
@@ -21326,7 +22370,7 @@
           <p:cNvSpPr>
             <a:extLst>
               <a:ext uri="smNativeData">
-                <pr:smNativeData xmlns:pr="smNativeData" xmlns="smNativeData" val="SMDATA_15_37BZZRMAAAAlAAAAZAAAAA0AAAAAjgAAAJAAAACOAAAAkAAAAAAAAAABAAAAAAAAAAEAAABQAAAAAAAAAAAA4D8AAAAAAADgPwAAAAAAAOA/AAAAAAAA4D8AAAAAAADgPwAAAAAAAOA/AAAAAAAA4D8AAAAAAADgPwAAAAAAAOA/AAAAAAAA4D8CAAAAjAAAAAAAAAAAAAAAQzCfDP///wgAAAAAAAAAAAAAAAAAAAAAAAAAAAAAAAAAAAAAZAAAAAEAAABAAAAAAAAAAAAAAAAAAAAAAAAAAAAAAAAAAAAAAAAAAAAAAAAAAAAAAAAAAAAAAAAAAAAAAAAAAAAAAAAAAAAAAAAAAAAAAAAAAAAAAAAAAAAAAAAAAAAAFAAAADwAAAAAAAAAAAAAAAAAAAkUAAAAAQAAABQAAAAUAAAAFAAAAAEAAAAAAAAAZAAAAGQAAAAAAAAAZAAAAGQAAAAVAAAAYAAAAAAAAAAAAAAADwAAACADAAAAAAAAAAAAAAEAAACgMgAAVgcAAKr4//8BAAAAf39/AAEAAABkAAAAAAAAABQAAABAHwAAAAAAACYAAAAAAAAAwOD//wAAAAAmAAAAZAAAABYAAABMAAAAAAAAAAAAAAAEAAAAAAAAAAEAAADRSc4KAAAAACgAAAAoAAAAZAAAAGQAAAAAAAAAzMzMAAAAAABQAAAAUAAAAGQAAABkAAAAAAAAABcAAAAUAAAAAAAAAAAAAAD/fwAA/38AAAAAAAAJAAAABAAAAAAAAAAeAAAAaAAAAAAAAAAAAAAAAAAAAAAAAAAAAAAAECcAABAnAAAAAAAAAAAAAAAAAAAAAAAAAAAAAAAAAAAAAAAAAAAAABQAAAAAAAAAwMD/AAAAAABkAAAAMgAAAAAAAABkAAAAAAAAAH9/fwAKAAAAIgAAABgAAAAAAAAAAAAAAAAAAAAAAAAAAAAAAAAAAAAkAAAAJAAAAAAAAAAHAAAAAAAAAAAAAAAAAAAAAAAAAAAAAAAAAAAAf39/ACUAAABYAAAAAAAAAAAAAAAAAAAAAAAAAAAAAAAAAAAAAAAAAAAAAAAAAAAAAAAAAAAAAAA/AAAAAAAAAKCGAQAAAAAAAAAAAAAAAAAMAAAAAQAAAAAAAAAAAAAAAAAAAB8AAABUAAAAQzCfBf///wEAAAAAAAAAAAAAAAAAAAAAAAAAAAAAAAAAAAAAAAAAAAAAAAJ/f38A0UnOA8zMzADAwP8Af39/AAAAAAAAAAAAAAAAAAAAAAAAAAAAIQAAABgAAAAUAAAAZQQAAIwKAAB8CAAAvQwAABAAAAAmAAAACAAAAP//////////"/>
+                <pr:smNativeData xmlns:pr="smNativeData" xmlns="smNativeData" val="SMDATA_15_8sFZZRMAAAAlAAAAZAAAAA0AAAAAjgAAAJAAAACOAAAAkAAAAAAAAAABAAAAAAAAAAEAAABQAAAAAAAAAAAA4D8AAAAAAADgPwAAAAAAAOA/AAAAAAAA4D8AAAAAAADgPwAAAAAAAOA/AAAAAAAA4D8AAAAAAADgPwAAAAAAAOA/AAAAAAAA4D8CAAAAjAAAAAAAAAAAAAAAQzCfDP///wgAAAAAAAAAAAAAAAAAAAAAAAAAAAAAAAAAAAAAZAAAAAEAAABAAAAAAAAAAAAAAAAAAAAAAAAAAAAAAAAAAAAAAAAAAAAAAAAAAAAAAAAAAAAAAAAAAAAAAAAAAAAAAAAAAAAAAAAAAAAAAAAAAAAAAAAAAAAAAAAAAAAAFAAAADwAAAAAAAAAAAAAAAAAAAkUAAAAAQAAABQAAAAUAAAAFAAAAAEAAAAAAAAAZAAAAGQAAAAAAAAAZAAAAGQAAAAVAAAAYAAAAAAAAAAAAAAADwAAACADAAAAAAAAAAAAAAEAAACgMgAAVgcAAKr4//8BAAAAf39/AAEAAABkAAAAAAAAABQAAABAHwAAAAAAACYAAAAAAAAAwOD//wAAAAAmAAAAZAAAABYAAABMAAAAAAAAAAAAAAAEAAAAAAAAAAEAAADRSc4KAAAAACgAAAAoAAAAZAAAAGQAAAAAAAAAzMzMAAAAAABQAAAAUAAAAGQAAABkAAAAAAAAABcAAAAUAAAAAAAAAAAAAAD/fwAA/38AAAAAAAAJAAAABAAAAAAAAAAeAAAAaAAAAAAAAAAAAAAAAAAAAAAAAAAAAAAAECcAABAnAAAAAAAAAAAAAAAAAAAAAAAAAAAAAAAAAAAAAAAAAAAAABQAAAAAAAAAwMD/AAAAAABkAAAAMgAAAAAAAABkAAAAAAAAAH9/fwAKAAAAIgAAABgAAAAAAAAAAAAAAAAAAAAAAAAAAAAAAAAAAAAkAAAAJAAAAAAAAAAHAAAAAAAAAAAAAAAAAAAAAAAAAAAAAAAAAAAAf39/ACUAAABYAAAAAAAAAAAAAAAAAAAAAAAAAAAAAAAAAAAAAAAAAAAAAAAAAAAAAAAAAAAAAAA/AAAAAAAAAKCGAQAAAAAAAAAAAAAAAAAMAAAAAQAAAAAAAAAAAAAAAAAAAB8AAABUAAAAQzCfBf///wEAAAAAAAAAAAAAAAAAAAAAAAAAAAAAAAAAAAAAAAAAAAAAAAJ/f38A0UnOA8zMzADAwP8Af39/AAAAAAAAAAAAAAAAAAAAAAAAAAAAIQAAABgAAAAUAAAAZQQAAIwKAAB8CAAAvQwAABAAAAAmAAAACAAAAP//////////"/>
               </a:ext>
             </a:extLst>
           </p:cNvSpPr>
@@ -21381,7 +22425,7 @@
           <p:cNvSpPr>
             <a:extLst>
               <a:ext uri="smNativeData">
-                <pr:smNativeData xmlns:pr="smNativeData" xmlns="smNativeData" val="SMDATA_15_37BZZRMAAAAlAAAAZAAAAA0AAAAAjgAAAJAAAACOAAAAkAAAAAAAAAABAAAAAAAAAAEAAABQAAAAAAAAAAAA4D8AAAAAAADgPwAAAAAAAOA/AAAAAAAA4D8AAAAAAADgPwAAAAAAAOA/AAAAAAAA4D8AAAAAAADgPwAAAAAAAOA/AAAAAAAA4D8CAAAAjAAAAAAAAAAAAAAAQzCfDP///wgAAAAAAAAAAAAAAAAAAAAAAAAAAAAAAAAAAAAAZAAAAAEAAABAAAAAAAAAAAAAAAAAAAAAAAAAAAAAAAAAAAAAAAAAAAAAAAAAAAAAAAAAAAAAAAAAAAAAAAAAAAAAAAAAAAAAAAAAAAAAAAAAAAAAAAAAAAAAAAAAAAAAFAAAADwAAAAAAAAAAAAAAAAAAAkUAAAAAQAAABQAAAAUAAAAFAAAAAEAAAAAAAAAZAAAAGQAAAAAAAAAZAAAAGQAAAAVAAAAYAAAAAAAAAAAAAAADwAAACADAAAAAAAAAAAAAAEAAACgMgAAVgcAAKr4//8BAAAAf39/AAEAAABkAAAAAAAAABQAAABAHwAAAAAAACYAAAAAAAAAwOD//wAAAAAmAAAAZAAAABYAAABMAAAAAAAAAAAAAAAEAAAAAAAAAAEAAADRSc4KAAAAACgAAAAoAAAAZAAAAGQAAAAAAAAAzMzMAAAAAABQAAAAUAAAAGQAAABkAAAAAAAAABcAAAAUAAAAAAAAAAAAAAD/fwAA/38AAAAAAAAJAAAABAAAAAAAAAAeAAAAaAAAAAAAAAAAAAAAAAAAAAAAAAAAAAAAECcAABAnAAAAAAAAAAAAAAAAAAAAAAAAAAAAAAAAAAAAAAAAAAAAABQAAAAAAAAAwMD/AAAAAABkAAAAMgAAAAAAAABkAAAAAAAAAH9/fwAKAAAAIgAAABgAAAAAAAAAAAAAAAAAAAAAAAAAAAAAAAAAAAAkAAAAJAAAAAAAAAAHAAAAAAAAAAAAAAAAAAAAAAAAAAAAAAAAAAAAf39/ACUAAABYAAAAAAAAAAAAAAAAAAAAAAAAAAAAAAAAAAAAAAAAAAAAAAAAAAAAAAAAAAAAAAA/AAAAAAAAAKCGAQAAAAAAAAAAAAAAAAAMAAAAAQAAAAAAAAAAAAAAAAAAAB8AAABUAAAAQzCfBf///wEAAAAAAAAAAAAAAAAAAAAAAAAAAAAAAAAAAAAAAAAAAAAAAAJ/f38A0UnOA8zMzADAwP8Af39/AAAAAAAAAAAAAAAAAAAAAAAAAAAAIQAAABgAAAAUAAAA9QMAACIFAABtMwAAEggAABAAAAAmAAAACAAAAP//////////"/>
+                <pr:smNativeData xmlns:pr="smNativeData" xmlns="smNativeData" val="SMDATA_15_8sFZZRMAAAAlAAAAZAAAAA0AAAAAjgAAAJAAAACOAAAAkAAAAAAAAAABAAAAAAAAAAEAAABQAAAAAAAAAAAA4D8AAAAAAADgPwAAAAAAAOA/AAAAAAAA4D8AAAAAAADgPwAAAAAAAOA/AAAAAAAA4D8AAAAAAADgPwAAAAAAAOA/AAAAAAAA4D8CAAAAjAAAAAAAAAAAAAAAQzCfDP///wgAAAAAAAAAAAAAAAAAAAAAAAAAAAAAAAAAAAAAZAAAAAEAAABAAAAAAAAAAAAAAAAAAAAAAAAAAAAAAAAAAAAAAAAAAAAAAAAAAAAAAAAAAAAAAAAAAAAAAAAAAAAAAAAAAAAAAAAAAAAAAAAAAAAAAAAAAAAAAAAAAAAAFAAAADwAAAAAAAAAAAAAAAAAAAkUAAAAAQAAABQAAAAUAAAAFAAAAAEAAAAAAAAAZAAAAGQAAAAAAAAAZAAAAGQAAAAVAAAAYAAAAAAAAAAAAAAADwAAACADAAAAAAAAAAAAAAEAAACgMgAAVgcAAKr4//8BAAAAf39/AAEAAABkAAAAAAAAABQAAABAHwAAAAAAACYAAAAAAAAAwOD//wAAAAAmAAAAZAAAABYAAABMAAAAAAAAAAAAAAAEAAAAAAAAAAEAAADRSc4KAAAAACgAAAAoAAAAZAAAAGQAAAAAAAAAzMzMAAAAAABQAAAAUAAAAGQAAABkAAAAAAAAABcAAAAUAAAAAAAAAAAAAAD/fwAA/38AAAAAAAAJAAAABAAAAF8AYAAeAAAAaAAAAAAAAAAAAAAAAAAAAAAAAAAAAAAAECcAABAnAAAAAAAAAAAAAAAAAAAAAAAAAAAAAAAAAAAAAAAAAAAAABQAAAAAAAAAwMD/AAAAAABkAAAAMgAAAAAAAABkAAAAAAAAAH9/fwAKAAAAIgAAABgAAAAAAAAAAAAAAAAAAAAAAAAAAAAAAAAAAAAkAAAAJAAAAAAAAAAHAAAAAAAAAAAAAAAAAAAAAAAAAAAAAAAAAAAAf39/ACUAAABYAAAAAAAAAAAAAAAAAAAAAAAAAAAAAAAAAAAAAAAAAAAAAAAAAAAAAAAAAAAAAAA/AAAAAAAAAKCGAQAAAAAAAAAAAAAAAAAMAAAAAQAAAAAAAAAAAAAAAAAAAB8AAABUAAAAQzCfBf///wEAAAAAAAAAAAAAAAAAAAAAAAAAAAAAAAAAAAAAAAAAAAAAAAJ/f38A0UnOA8zMzADAwP8Af39/AAAAAAAAAAAAAAAAAAAAAAAAAAAAIQAAABgAAAAUAAAA9QMAACIFAABtMwAAEggAABAAAAAmAAAACAAAAP//////////"/>
               </a:ext>
             </a:extLst>
           </p:cNvSpPr>
@@ -21436,7 +22480,7 @@
           <p:cNvSpPr>
             <a:extLst>
               <a:ext uri="smNativeData">
-                <pr:smNativeData xmlns:pr="smNativeData" xmlns="smNativeData" val="SMDATA_15_37BZZRMAAAAlAAAAZAAAAA0AAAAAjgAAAJAAAACOAAAAkAAAAAAAAAAAAAAAAAAAAAEAAABQAAAAAAAAAAAA4D8AAAAAAADgPwAAAAAAAOA/AAAAAAAA4D8AAAAAAADgPwAAAAAAAOA/AAAAAAAA4D8AAAAAAADgPwAAAAAAAOA/AAAAAAAA4D8CAAAAjAAAAAAAAAAAAAAAQzCfDP///wgAAAAAAAAAAAAAAAAAAAAAAAAAAAAAAAAAAAAAZAAAAAEAAABAAAAAAAAAAAAAAAAAAAAAAAAAAAAAAAAAAAAAAAAAAAAAAAAAAAAAAAAAAAAAAAAAAAAAAAAAAAAAAAAAAAAAAAAAAAAAAAAAAAAAAAAAAAAAAAAAAAAAFAAAADwAAAAAAAAAAAAAAAAAAAkUAAAAAQAAABQAAAAUAAAAFAAAAAEAAAAAAAAAZAAAAGQAAAAAAAAAZAAAAGQAAAAVAAAAYAAAAAAAAAAAAAAADwAAACADAAAAAAAAAAAAAAEAAACgMgAAVgcAAKr4//8BAAAAf39/AAEAAABkAAAAAAAAABQAAABAHwAAAAAAACYAAAAAAAAAwOD//wAAAAAmAAAAZAAAABYAAABMAAAAAAAAAAAAAAAEAAAAAAAAAAEAAADRSc4KAAAAACgAAAAoAAAAZAAAAGQAAAAAAAAAzMzMAAAAAABQAAAAUAAAAGQAAABkAAAAAAAAABcAAAAUAAAAAAAAAAAAAAD/fwAA/38AAAAAAAAJAAAABAAAAAAAAAAeAAAAaAAAAAAAAAAAAAAAAAAAAAAAAAAAAAAAECcAABAnAAAAAAAAAAAAAAAAAAAAAAAAAAAAAAAAAAAAAAAAAAAAABQAAAAAAAAAwMD/AAAAAABkAAAAMgAAAAAAAABkAAAAAAAAAH9/fwAKAAAAIgAAABgAAAAAAAAAAAAAAAAAAAAAAAAAAAAAAAAAAAAkAAAAJAAAAAAAAAAHAAAAAAAAAAAAAAAAAAAAAAAAAAAAAAAAAAAAf39/ACUAAABYAAAAAAAAAAAAAAAAAAAAAAAAAAAAAAAAAAAAAAAAAAAAAAAAAAAAAAAAAAAAAAA/AAAAAAAAAKCGAQAAAAAAAAAAAAAAAAAMAAAAAQAAAAAAAAAAAAAAAAAAAB8AAABUAAAAQzCfBf///wEAAAAAAAAAAAAAAAAAAAAAAAAAAAAAAAAAAAAAAAAAAAAAAAJ/f38A0UnOA8zMzADAwP8Af39/AAAAAAAAAAAAAAAAAAAAAAAAAAAAIQAAABgAAAAUAAAAfAgAAKsJAAAMNAAAoA0AABAAAAAmAAAACAAAAP//////////"/>
+                <pr:smNativeData xmlns:pr="smNativeData" xmlns="smNativeData" val="SMDATA_15_8sFZZRMAAAAlAAAAZAAAAA0AAAAAjgAAAJAAAACOAAAAkAAAAAAAAAAAAAAAAAAAAAEAAABQAAAAAAAAAAAA4D8AAAAAAADgPwAAAAAAAOA/AAAAAAAA4D8AAAAAAADgPwAAAAAAAOA/AAAAAAAA4D8AAAAAAADgPwAAAAAAAOA/AAAAAAAA4D8CAAAAjAAAAAAAAAAAAAAAQzCfDP///wgAAAAAAAAAAAAAAAAAAAAAAAAAAAAAAAAAAAAAZAAAAAEAAABAAAAAAAAAAAAAAAAAAAAAAAAAAAAAAAAAAAAAAAAAAAAAAAAAAAAAAAAAAAAAAAAAAAAAAAAAAAAAAAAAAAAAAAAAAAAAAAAAAAAAAAAAAAAAAAAAAAAAFAAAADwAAAAAAAAAAAAAAAAAAAkUAAAAAQAAABQAAAAUAAAAFAAAAAEAAAAAAAAAZAAAAGQAAAAAAAAAZAAAAGQAAAAVAAAAYAAAAAAAAAAAAAAADwAAACADAAAAAAAAAAAAAAEAAACgMgAAVgcAAKr4//8BAAAAf39/AAEAAABkAAAAAAAAABQAAABAHwAAAAAAACYAAAAAAAAAwOD//wAAAAAmAAAAZAAAABYAAABMAAAAAAAAAAAAAAAEAAAAAAAAAAEAAADRSc4KAAAAACgAAAAoAAAAZAAAAGQAAAAAAAAAzMzMAAAAAABQAAAAUAAAAGQAAABkAAAAAAAAABcAAAAUAAAAAAAAAAAAAAD/fwAA/38AAAAAAAAJAAAABAAAAH4AfgAeAAAAaAAAAAAAAAAAAAAAAAAAAAAAAAAAAAAAECcAABAnAAAAAAAAAAAAAAAAAAAAAAAAAAAAAAAAAAAAAAAAAAAAABQAAAAAAAAAwMD/AAAAAABkAAAAMgAAAAAAAABkAAAAAAAAAH9/fwAKAAAAIgAAABgAAAAAAAAAAAAAAAAAAAAAAAAAAAAAAAAAAAAkAAAAJAAAAAAAAAAHAAAAAAAAAAAAAAAAAAAAAAAAAAAAAAAAAAAAf39/ACUAAABYAAAAAAAAAAAAAAAAAAAAAAAAAAAAAAAAAAAAAAAAAAAAAAAAAAAAAAAAAAAAAAA/AAAAAAAAAKCGAQAAAAAAAAAAAAAAAAAMAAAAAQAAAAAAAAAAAAAAAAAAAB8AAABUAAAAQzCfBf///wEAAAAAAAAAAAAAAAAAAAAAAAAAAAAAAAAAAAAAAAAAAAAAAAJ/f38A0UnOA8zMzADAwP8Af39/AAAAAAAAAAAAAAAAAAAAAAAAAAAAIQAAABgAAAAUAAAAfAgAAKsJAAAMNAAAoA0AABAAAAAmAAAACAAAAP//////////"/>
               </a:ext>
             </a:extLst>
           </p:cNvSpPr>
@@ -21501,7 +22545,7 @@
           <p:cNvSpPr>
             <a:extLst>
               <a:ext uri="smNativeData">
-                <pr:smNativeData xmlns:pr="smNativeData" xmlns="smNativeData" val="SMDATA_15_37BZZRMAAAAlAAAAZAAAAA0AAAAAjgAAAJAAAACOAAAAkAAAAAAAAAAAAAAAAAAAAAEAAABQAAAAAAAAAAAA4D8AAAAAAADgPwAAAAAAAOA/AAAAAAAA4D8AAAAAAADgPwAAAAAAAOA/AAAAAAAA4D8AAAAAAADgPwAAAAAAAOA/AAAAAAAA4D8CAAAAjAAAAAAAAAAAAAAAQzCfDP///wgAAAAAAAAAAAAAAAAAAAAAAAAAAAAAAAAAAAAAZAAAAAEAAABAAAAAAAAAAAAAAAAAAAAAAAAAAAAAAAAAAAAAAAAAAAAAAAAAAAAAAAAAAAAAAAAAAAAAAAAAAAAAAAAAAAAAAAAAAAAAAAAAAAAAAAAAAAAAAAAAAAAAFAAAADwAAAAAAAAAAAAAAAAAAAkUAAAAAQAAABQAAAAUAAAAFAAAAAEAAAAAAAAAZAAAAGQAAAAAAAAAZAAAAGQAAAAVAAAAYAAAAAAAAAAAAAAADwAAACADAAAAAAAAAAAAAAEAAACgMgAAVgcAAKr4//8BAAAAf39/AAEAAABkAAAAAAAAABQAAABAHwAAAAAAACYAAAAAAAAAwOD//wAAAAAmAAAAZAAAABYAAABMAAAAAAAAAAAAAAAEAAAAAAAAAAEAAADRSc4KAAAAACgAAAAoAAAAZAAAAGQAAAAAAAAAzMzMAAAAAABQAAAAUAAAAGQAAABkAAAAAAAAABcAAAAUAAAAAAAAAAAAAAD/fwAA/38AAAAAAAAJAAAABAAAAAAAAAAeAAAAaAAAAAAAAAAAAAAAAAAAAAAAAAAAAAAAECcAABAnAAAAAAAAAAAAAAAAAAAAAAAAAAAAAAAAAAAAAAAAAAAAABQAAAAAAAAAwMD/AAAAAABkAAAAMgAAAAAAAABkAAAAAAAAAH9/fwAKAAAAIgAAABgAAAAAAAAAAAAAAAAAAAAAAAAAAAAAAAAAAAAkAAAAJAAAAAAAAAAHAAAAAAAAAAAAAAAAAAAAAAAAAAAAAAAAAAAAf39/ACUAAABYAAAAAAAAAAAAAAAAAAAAAAAAAAAAAAAAAAAAAAAAAAAAAAAAAAAAAAAAAAAAAAA/AAAAAAAAAKCGAQAAAAAAAAAAAAAAAAAMAAAAAQAAAAAAAAAAAAAAAAAAAB8AAABUAAAAQzCfBf///wEAAAAAAAAAAAAAAAAAAAAAAAAAAAAAAAAAAAAAAAAAAAAAAAJ/f38A0UnOA8zMzADAwP8Af39/AAAAAAAAAAAAAAAAAAAAAAAAAAAAIQAAABgAAAAUAAAA/AgAAG0OAACQNwAAphEAABAAAAAmAAAACAAAAP//////////"/>
+                <pr:smNativeData xmlns:pr="smNativeData" xmlns="smNativeData" val="SMDATA_15_8sFZZRMAAAAlAAAAZAAAAA0AAAAAjgAAAJAAAACOAAAAkAAAAAAAAAAAAAAAAAAAAAEAAABQAAAAAAAAAAAA4D8AAAAAAADgPwAAAAAAAOA/AAAAAAAA4D8AAAAAAADgPwAAAAAAAOA/AAAAAAAA4D8AAAAAAADgPwAAAAAAAOA/AAAAAAAA4D8CAAAAjAAAAAAAAAAAAAAAQzCfDP///wgAAAAAAAAAAAAAAAAAAAAAAAAAAAAAAAAAAAAAZAAAAAEAAABAAAAAAAAAAAAAAAAAAAAAAAAAAAAAAAAAAAAAAAAAAAAAAAAAAAAAAAAAAAAAAAAAAAAAAAAAAAAAAAAAAAAAAAAAAAAAAAAAAAAAAAAAAAAAAAAAAAAAFAAAADwAAAAAAAAAAAAAAAAAAAkUAAAAAQAAABQAAAAUAAAAFAAAAAEAAAAAAAAAZAAAAGQAAAAAAAAAZAAAAGQAAAAVAAAAYAAAAAAAAAAAAAAADwAAACADAAAAAAAAAAAAAAEAAACgMgAAVgcAAKr4//8BAAAAf39/AAEAAABkAAAAAAAAABQAAABAHwAAAAAAACYAAAAAAAAAwOD//wAAAAAmAAAAZAAAABYAAABMAAAAAAAAAAAAAAAEAAAAAAAAAAEAAADRSc4KAAAAACgAAAAoAAAAZAAAAGQAAAAAAAAAzMzMAAAAAABQAAAAUAAAAGQAAABkAAAAAAAAABcAAAAUAAAAAAAAAAAAAAD/fwAA/38AAAAAAAAJAAAABAAAAAAAAAAeAAAAaAAAAAAAAAAAAAAAAAAAAAAAAAAAAAAAECcAABAnAAAAAAAAAAAAAAAAAAAAAAAAAAAAAAAAAAAAAAAAAAAAABQAAAAAAAAAwMD/AAAAAABkAAAAMgAAAAAAAABkAAAAAAAAAH9/fwAKAAAAIgAAABgAAAAAAAAAAAAAAAAAAAAAAAAAAAAAAAAAAAAkAAAAJAAAAAAAAAAHAAAAAAAAAAAAAAAAAAAAAAAAAAAAAAAAAAAAf39/ACUAAABYAAAAAAAAAAAAAAAAAAAAAAAAAAAAAAAAAAAAAAAAAAAAAAAAAAAAAAAAAAAAAAA/AAAAAAAAAKCGAQAAAAAAAAAAAAAAAAAMAAAAAQAAAAAAAAAAAAAAAAAAAB8AAABUAAAAQzCfBf///wEAAAAAAAAAAAAAAAAAAAAAAAAAAAAAAAAAAAAAAAAAAAAAAAJ/f38A0UnOA8zMzADAwP8Af39/AAAAAAAAAAAAAAAAAAAAAAAAAAAAIQAAABgAAAAUAAAA/AgAAG0OAACQNwAAphEAABAAAAAmAAAACAAAAP//////////"/>
               </a:ext>
             </a:extLst>
           </p:cNvSpPr>
@@ -21555,7 +22599,7 @@
           <p:cNvSpPr>
             <a:extLst>
               <a:ext uri="smNativeData">
-                <pr:smNativeData xmlns:pr="smNativeData" xmlns="smNativeData" val="SMDATA_15_37BZZRMAAAAlAAAAZAAAAA0AAAAAjgAAAJAAAACOAAAAkAAAAAAAAAABAAAAAAAAAAEAAABQAAAAAAAAAAAA4D8AAAAAAADgPwAAAAAAAOA/AAAAAAAA4D8AAAAAAADgPwAAAAAAAOA/AAAAAAAA4D8AAAAAAADgPwAAAAAAAOA/AAAAAAAA4D8CAAAAjAAAAAAAAAAAAAAAQzCfDP///wgAAAAAAAAAAAAAAAAAAAAAAAAAAAAAAAAAAAAAZAAAAAEAAABAAAAAAAAAAAAAAAAAAAAAAAAAAAAAAAAAAAAAAAAAAAAAAAAAAAAAAAAAAAAAAAAAAAAAAAAAAAAAAAAAAAAAAAAAAAAAAAAAAAAAAAAAAAAAAAAAAAAAFAAAADwAAAAAAAAAAAAAAAAAAAkUAAAAAQAAABQAAAAUAAAAFAAAAAEAAAAAAAAAZAAAAGQAAAAAAAAAZAAAAGQAAAAVAAAAYAAAAAAAAAAAAAAADwAAACADAAAAAAAAAAAAAAEAAACgMgAAVgcAAKr4//8BAAAAf39/AAEAAABkAAAAAAAAABQAAABAHwAAAAAAACYAAAAAAAAAwOD//wAAAAAmAAAAZAAAABYAAABMAAAAAAAAAAAAAAAEAAAAAAAAAAEAAADRSc4KAAAAACgAAAAoAAAAZAAAAGQAAAAAAAAAzMzMAAAAAABQAAAAUAAAAGQAAABkAAAAAAAAABcAAAAUAAAAAAAAAAAAAAD/fwAA/38AAAAAAAAJAAAABAAAAAAAAAAeAAAAaAAAAAAAAAAAAAAAAAAAAAAAAAAAAAAAECcAABAnAAAAAAAAAAAAAAAAAAAAAAAAAAAAAAAAAAAAAAAAAAAAABQAAAAAAAAAwMD/AAAAAABkAAAAMgAAAAAAAABkAAAAAAAAAH9/fwAKAAAAIgAAABgAAAAAAAAAAAAAAAAAAAAAAAAAAAAAAAAAAAAkAAAAJAAAAAAAAAAHAAAAAAAAAAAAAAAAAAAAAAAAAAAAAAAAAAAAf39/ACUAAABYAAAAAAAAAAAAAAAAAAAAAAAAAAAAAAAAAAAAAAAAAAAAAAAAAAAAAAAAAAAAAAA/AAAAAAAAAKCGAQAAAAAAAAAAAAAAAAAMAAAAAQAAAAAAAAAAAAAAAAAAAB8AAABUAAAAQzCfBf///wEAAAAAAAAAAAAAAAAAAAAAAAAAAAAAAAAAAAAAAAAAAAAAAAJ/f38A0UnOA8zMzADAwP8Af39/AAAAAAAAAAAAAAAAAAAAAAAAAAAAIQAAABgAAAAUAAAA9QMAAPEOAAAMCAAAIhEAABAAAAAmAAAACAAAAP//////////"/>
+                <pr:smNativeData xmlns:pr="smNativeData" xmlns="smNativeData" val="SMDATA_15_8sFZZRMAAAAlAAAAZAAAAA0AAAAAjgAAAJAAAACOAAAAkAAAAAAAAAABAAAAAAAAAAEAAABQAAAAAAAAAAAA4D8AAAAAAADgPwAAAAAAAOA/AAAAAAAA4D8AAAAAAADgPwAAAAAAAOA/AAAAAAAA4D8AAAAAAADgPwAAAAAAAOA/AAAAAAAA4D8CAAAAjAAAAAAAAAAAAAAAQzCfDP///wgAAAAAAAAAAAAAAAAAAAAAAAAAAAAAAAAAAAAAZAAAAAEAAABAAAAAAAAAAAAAAAAAAAAAAAAAAAAAAAAAAAAAAAAAAAAAAAAAAAAAAAAAAAAAAAAAAAAAAAAAAAAAAAAAAAAAAAAAAAAAAAAAAAAAAAAAAAAAAAAAAAAAFAAAADwAAAAAAAAAAAAAAAAAAAkUAAAAAQAAABQAAAAUAAAAFAAAAAEAAAAAAAAAZAAAAGQAAAAAAAAAZAAAAGQAAAAVAAAAYAAAAAAAAAAAAAAADwAAACADAAAAAAAAAAAAAAEAAACgMgAAVgcAAKr4//8BAAAAf39/AAEAAABkAAAAAAAAABQAAABAHwAAAAAAACYAAAAAAAAAwOD//wAAAAAmAAAAZAAAABYAAABMAAAAAAAAAAAAAAAEAAAAAAAAAAEAAADRSc4KAAAAACgAAAAoAAAAZAAAAGQAAAAAAAAAzMzMAAAAAABQAAAAUAAAAGQAAABkAAAAAAAAABcAAAAUAAAAAAAAAAAAAAD/fwAA/38AAAAAAAAJAAAABAAAAAAAAAAeAAAAaAAAAAAAAAAAAAAAAAAAAAAAAAAAAAAAECcAABAnAAAAAAAAAAAAAAAAAAAAAAAAAAAAAAAAAAAAAAAAAAAAABQAAAAAAAAAwMD/AAAAAABkAAAAMgAAAAAAAABkAAAAAAAAAH9/fwAKAAAAIgAAABgAAAAAAAAAAAAAAAAAAAAAAAAAAAAAAAAAAAAkAAAAJAAAAAAAAAAHAAAAAAAAAAAAAAAAAAAAAAAAAAAAAAAAAAAAf39/ACUAAABYAAAAAAAAAAAAAAAAAAAAAAAAAAAAAAAAAAAAAAAAAAAAAAAAAAAAAAAAAAAAAAA/AAAAAAAAAKCGAQAAAAAAAAAAAAAAAAAMAAAAAQAAAAAAAAAAAAAAAAAAAB8AAABUAAAAQzCfBf///wEAAAAAAAAAAAAAAAAAAAAAAAAAAAAAAAAAAAAAAAAAAAAAAAJ/f38A0UnOA8zMzADAwP8Af39/AAAAAAAAAAAAAAAAAAAAAAAAAAAAIQAAABgAAAAUAAAA9QMAAPEOAAAMCAAAIhEAABAAAAAmAAAACAAAAP//////////"/>
               </a:ext>
             </a:extLst>
           </p:cNvSpPr>
@@ -21610,7 +22654,7 @@
           <p:cNvSpPr>
             <a:extLst>
               <a:ext uri="smNativeData">
-                <pr:smNativeData xmlns:pr="smNativeData" xmlns="smNativeData" val="SMDATA_15_37BZZRMAAAAlAAAAZAAAAA0AAAAAjgAAAJAAAACOAAAAkAAAAAAAAAABAAAAAAAAAAEAAABQAAAAAAAAAAAA4D8AAAAAAADgPwAAAAAAAOA/AAAAAAAA4D8AAAAAAADgPwAAAAAAAOA/AAAAAAAA4D8AAAAAAADgPwAAAAAAAOA/AAAAAAAA4D8CAAAAjAAAAAAAAAAAAAAAQzCfDP///wgAAAAAAAAAAAAAAAAAAAAAAAAAAAAAAAAAAAAAZAAAAAEAAABAAAAAAAAAAAAAAAAAAAAAAAAAAAAAAAAAAAAAAAAAAAAAAAAAAAAAAAAAAAAAAAAAAAAAAAAAAAAAAAAAAAAAAAAAAAAAAAAAAAAAAAAAAAAAAAAAAAAAFAAAADwAAAAAAAAAAAAAAAAAAAkUAAAAAQAAABQAAAAUAAAAFAAAAAEAAAAAAAAAZAAAAGQAAAAAAAAAZAAAAGQAAAAVAAAAYAAAAAAAAAAAAAAADwAAACADAAAAAAAAAAAAAAEAAACgMgAAVgcAAKr4//8BAAAAf39/AAEAAABkAAAAAAAAABQAAABAHwAAAAAAACYAAAAAAAAAwOD//wAAAAAmAAAAZAAAABYAAABMAAAAAAAAAAAAAAAEAAAAAAAAAAEAAADRSc4KAAAAACgAAAAoAAAAZAAAAGQAAAAAAAAAzMzMAAAAAABQAAAAUAAAAGQAAABkAAAAAAAAABcAAAAUAAAAAAAAAAAAAAD/fwAA/38AAAAAAAAJAAAABAAAAAAAAAAeAAAAaAAAAAAAAAAAAAAAAAAAAAAAAAAAAAAAECcAABAnAAAAAAAAAAAAAAAAAAAAAAAAAAAAAAAAAAAAAAAAAAAAABQAAAAAAAAAwMD/AAAAAABkAAAAMgAAAAAAAABkAAAAAAAAAH9/fwAKAAAAIgAAABgAAAAAAAAAAAAAAAAAAAAAAAAAAAAAAAAAAAAkAAAAJAAAAAAAAAAHAAAAAAAAAAAAAAAAAAAAAAAAAAAAAAAAAAAAf39/ACUAAABYAAAAAAAAAAAAAAAAAAAAAAAAAAAAAAAAAAAAAAAAAAAAAAAAAAAAAAAAAAAAAAA/AAAAAAAAAKCGAQAAAAAAAAAAAAAAAAAMAAAAAQAAAAAAAAAAAAAAAAAAAB8AAABUAAAAQzCfBf///wEAAAAAAAAAAAAAAAAAAAAAAAAAAAAAAAAAAAAAAAAAAAAAAAJ/f38A0UnOA8zMzADAwP8Af39/AAAAAAAAAAAAAAAAAAAAAAAAAAAAIQAAABgAAAAUAAAAZQQAAOYSAAB8CAAAFxUAABAAAAAmAAAACAAAAP//////////"/>
+                <pr:smNativeData xmlns:pr="smNativeData" xmlns="smNativeData" val="SMDATA_15_8sFZZRMAAAAlAAAAZAAAAA0AAAAAjgAAAJAAAACOAAAAkAAAAAAAAAABAAAAAAAAAAEAAABQAAAAAAAAAAAA4D8AAAAAAADgPwAAAAAAAOA/AAAAAAAA4D8AAAAAAADgPwAAAAAAAOA/AAAAAAAA4D8AAAAAAADgPwAAAAAAAOA/AAAAAAAA4D8CAAAAjAAAAAAAAAAAAAAAQzCfDP///wgAAAAAAAAAAAAAAAAAAAAAAAAAAAAAAAAAAAAAZAAAAAEAAABAAAAAAAAAAAAAAAAAAAAAAAAAAAAAAAAAAAAAAAAAAAAAAAAAAAAAAAAAAAAAAAAAAAAAAAAAAAAAAAAAAAAAAAAAAAAAAAAAAAAAAAAAAAAAAAAAAAAAFAAAADwAAAAAAAAAAAAAAAAAAAkUAAAAAQAAABQAAAAUAAAAFAAAAAEAAAAAAAAAZAAAAGQAAAAAAAAAZAAAAGQAAAAVAAAAYAAAAAAAAAAAAAAADwAAACADAAAAAAAAAAAAAAEAAACgMgAAVgcAAKr4//8BAAAAf39/AAEAAABkAAAAAAAAABQAAABAHwAAAAAAACYAAAAAAAAAwOD//wAAAAAmAAAAZAAAABYAAABMAAAAAAAAAAAAAAAEAAAAAAAAAAEAAADRSc4KAAAAACgAAAAoAAAAZAAAAGQAAAAAAAAAzMzMAAAAAABQAAAAUAAAAGQAAABkAAAAAAAAABcAAAAUAAAAAAAAAAAAAAD/fwAA/38AAAAAAAAJAAAABAAAAAAAAAAeAAAAaAAAAAAAAAAAAAAAAAAAAAAAAAAAAAAAECcAABAnAAAAAAAAAAAAAAAAAAAAAAAAAAAAAAAAAAAAAAAAAAAAABQAAAAAAAAAwMD/AAAAAABkAAAAMgAAAAAAAABkAAAAAAAAAH9/fwAKAAAAIgAAABgAAAAAAAAAAAAAAAAAAAAAAAAAAAAAAAAAAAAkAAAAJAAAAAAAAAAHAAAAAAAAAAAAAAAAAAAAAAAAAAAAAAAAAAAAf39/ACUAAABYAAAAAAAAAAAAAAAAAAAAAAAAAAAAAAAAAAAAAAAAAAAAAAAAAAAAAAAAAAAAAAA/AAAAAAAAAKCGAQAAAAAAAAAAAAAAAAAMAAAAAQAAAAAAAAAAAAAAAAAAAB8AAABUAAAAQzCfBf///wEAAAAAAAAAAAAAAAAAAAAAAAAAAAAAAAAAAAAAAAAAAAAAAAJ/f38A0UnOA8zMzADAwP8Af39/AAAAAAAAAAAAAAAAAAAAAAAAAAAAIQAAABgAAAAUAAAAZQQAAOYSAAB8CAAAFxUAABAAAAAmAAAACAAAAP//////////"/>
               </a:ext>
             </a:extLst>
           </p:cNvSpPr>
@@ -21665,7 +22709,7 @@
           <p:cNvSpPr>
             <a:extLst>
               <a:ext uri="smNativeData">
-                <pr:smNativeData xmlns:pr="smNativeData" xmlns="smNativeData" val="SMDATA_15_37BZZRMAAAAlAAAACwAAAA0AAAAAZQQAAKANAAB8CAAAoA0AAAAAAAAAAAAAAAAAAAEAAABQAAAAAAAAAAAA4D8AAAAAAADgPwAAAAAAAOA/AAAAAAAA4D8AAAAAAADgPwAAAAAAAOA/AAAAAAAA4D8AAAAAAADgPwAAAAAAAOA/AAAAAAAA4D8CAAAAjAAAAAAAAAAAAAAAQzCfDP///wgAAAAAAAAAAAAAAAAAAAAAAAAAAAAAAAAAAAAAZAAAAAEAAABAAAAAAAAAAAAAAAAAAAAAAAAAAAAAAAAAAAAAAAAAAAAAAAAAAAAAAAAAAAAAAAAAAAAAAAAAAAAAAAAAAAAAAAAAAAAAAAAAAAAAAAAAAAAAAAAAAAAAFAAAADwAAAABAAAAAAAAAAAAAA0PAAAAAQAAACMAAAAjAAAAIwAAAB4AAAAAAAAAZAAAAGQAAAAAAAAAZAAAAGQAAAAVAAAAYAAAAAAAAAAAAAAADwAAACADAAAAAAAAAAAAAAEAAACgMgAAVgcAAKr4//8BAAAAf39/AAEAAABkAAAAAAAAABQAAABAHwAAAAAAACYAAAAAAAAAwOD//wAAAAAmAAAAZAAAABYAAABMAAAAAAAAAAAAAAAEAAAAAAAAAAEAAADRSc4KAAAAACgAAAAoAAAAZAAAAGQAAAAAAAAAzMzMAAAAAABQAAAAUAAAAGQAAABkAAAAAAAAABcAAAAUAAAAAAAAAAAAAAD/fwAA/38AAAAAAAAJAAAABAAAAPz///8eAAAAaAAAAAAAAAAAAAAAAAAAAAAAAAAAAAAAECcAABAnAAAAAAAAAAAAAAAAAAAAAAAAAAAAAAAAAAAAAAAAAAAAABQAAAAAAAAAwMD/AAAAAABkAAAAMgAAAAAAAABkAAAAAAAAAH9/fwAKAAAAIgAAABgAAAAAAAAAAAAAAAAAAAAAAAAAAAAAAAAAAAAkAAAAJAAAAAAAAAAHAAAAAAAAAAAAAAAAAAAAAAAAAAAAAAAAAAAAf39/ACUAAABYAAAAAAAAAAAAAAAAAAAAAAAAAAAAAAAAAAAAAAAAAAAAAAAAAAAAAAAAAAAAAAA/AAAAAAAAAKCGAQAAAAAAAAAAAAAAAAAMAAAAAQAAAAAAAAAAAAAAAAAAAB8AAABUAAAAQzCfBf///wEAAAAAAAAAAAAAAAAAAAAAAAAAAAAAAAAAAAAAAAAAAAAAAAZ/f38A0UnOA8zMzADAwP8Af39/AAAAAAAAAAAAAAAAAAAAAAAAAAAAIQAAABgAAAAUAAAAZQQAAKANAAB8CAAAoA0AABAAAAAmAAAACAAAAP//////////"/>
+                <pr:smNativeData xmlns:pr="smNativeData" xmlns="smNativeData" val="SMDATA_15_8sFZZRMAAAAlAAAACwAAAA0AAAAAZQQAAKANAAB8CAAAoA0AAAAAAAAAAAAAAAAAAAEAAABQAAAAAAAAAAAA4D8AAAAAAADgPwAAAAAAAOA/AAAAAAAA4D8AAAAAAADgPwAAAAAAAOA/AAAAAAAA4D8AAAAAAADgPwAAAAAAAOA/AAAAAAAA4D8CAAAAjAAAAAAAAAAAAAAAQzCfDP///wgAAAAAAAAAAAAAAAAAAAAAAAAAAAAAAAAAAAAAZAAAAAEAAABAAAAAAAAAAAAAAAAAAAAAAAAAAAAAAAAAAAAAAAAAAAAAAAAAAAAAAAAAAAAAAAAAAAAAAAAAAAAAAAAAAAAAAAAAAAAAAAAAAAAAAAAAAAAAAAAAAAAAFAAAADwAAAABAAAAAAAAAAAAAA0PAAAAAQAAACMAAAAjAAAAIwAAAB4AAAAAAAAAZAAAAGQAAAAAAAAAZAAAAGQAAAAVAAAAYAAAAAAAAAAAAAAADwAAACADAAAAAAAAAAAAAAEAAACgMgAAVgcAAKr4//8BAAAAf39/AAEAAABkAAAAAAAAABQAAABAHwAAAAAAACYAAAAAAAAAwOD//wAAAAAmAAAAZAAAABYAAABMAAAAAAAAAAAAAAAEAAAAAAAAAAEAAADRSc4KAAAAACgAAAAoAAAAZAAAAGQAAAAAAAAAzMzMAAAAAABQAAAAUAAAAGQAAABkAAAAAAAAABcAAAAUAAAAAAAAAAAAAAD/fwAA/38AAAAAAAAJAAAABAAAAAAAAAAeAAAAaAAAAAAAAAAAAAAAAAAAAAAAAAAAAAAAECcAABAnAAAAAAAAAAAAAAAAAAAAAAAAAAAAAAAAAAAAAAAAAAAAABQAAAAAAAAAwMD/AAAAAABkAAAAMgAAAAAAAABkAAAAAAAAAH9/fwAKAAAAIgAAABgAAAAAAAAAAAAAAAAAAAAAAAAAAAAAAAAAAAAkAAAAJAAAAAAAAAAHAAAAAAAAAAAAAAAAAAAAAAAAAAAAAAAAAAAAf39/ACUAAABYAAAAAAAAAAAAAAAAAAAAAAAAAAAAAAAAAAAAAAAAAAAAAAAAAAAAAAAAAAAAAAA/AAAAAAAAAKCGAQAAAAAAAAAAAAAAAAAMAAAAAQAAAAAAAAAAAAAAAAAAAB8AAABUAAAAQzCfBf///wEAAAAAAAAAAAAAAAAAAAAAAAAAAAAAAAAAAAAAAAAAAAAAAAZ/f38A0UnOA8zMzADAwP8Af39/AAAAAAAAAAAAAAAAAAAAAAAAAAAAIQAAABgAAAAUAAAAZQQAAKANAAB8CAAAoA0AABAAAAAmAAAACAAAAP//////////"/>
               </a:ext>
             </a:extLst>
           </p:cNvSpPr>
@@ -21711,7 +22755,7 @@
           <p:cNvSpPr>
             <a:extLst>
               <a:ext uri="smNativeData">
-                <pr:smNativeData xmlns:pr="smNativeData" xmlns="smNativeData" val="SMDATA_15_37BZZRMAAAAlAAAACwAAAA0AAAAAZQQAAAUSAAB8CAAABRIAAAAAAAAAAAAAAAAAAAEAAABQAAAAAAAAAAAA4D8AAAAAAADgPwAAAAAAAOA/AAAAAAAA4D8AAAAAAADgPwAAAAAAAOA/AAAAAAAA4D8AAAAAAADgPwAAAAAAAOA/AAAAAAAA4D8CAAAAjAAAAAAAAAAAAAAAQzCfDP///wgAAAAAAAAAAAAAAAAAAAAAAAAAAAAAAAAAAAAAZAAAAAEAAABAAAAAAAAAAAAAAAAAAAAAAAAAAAAAAAAAAAAAAAAAAAAAAAAAAAAAAAAAAAAAAAAAAAAAAAAAAAAAAAAAAAAAAAAAAAAAAAAAAAAAAAAAAAAAAAAAAAAAFAAAADwAAAABAAAAAAAAAAAAAA0PAAAAAQAAACMAAAAjAAAAIwAAAB4AAAAAAAAAZAAAAGQAAAAAAAAAZAAAAGQAAAAVAAAAYAAAAAAAAAAAAAAADwAAACADAAAAAAAAAAAAAAEAAACgMgAAVgcAAKr4//8BAAAAf39/AAEAAABkAAAAAAAAABQAAABAHwAAAAAAACYAAAAAAAAAwOD//wAAAAAmAAAAZAAAABYAAABMAAAAAAAAAAAAAAAEAAAAAAAAAAEAAADRSc4KAAAAACgAAAAoAAAAZAAAAGQAAAAAAAAAzMzMAAAAAABQAAAAUAAAAGQAAABkAAAAAAAAABcAAAAUAAAAAAAAAAAAAAD/fwAA/38AAAAAAAAJAAAABAAAAPH///8eAAAAaAAAAAAAAAAAAAAAAAAAAAAAAAAAAAAAECcAABAnAAAAAAAAAAAAAAAAAAAAAAAAAAAAAAAAAAAAAAAAAAAAABQAAAAAAAAAwMD/AAAAAABkAAAAMgAAAAAAAABkAAAAAAAAAH9/fwAKAAAAIgAAABgAAAAAAAAAAAAAAAAAAAAAAAAAAAAAAAAAAAAkAAAAJAAAAAAAAAAHAAAAAAAAAAAAAAAAAAAAAAAAAAAAAAAAAAAAf39/ACUAAABYAAAAAAAAAAAAAAAAAAAAAAAAAAAAAAAAAAAAAAAAAAAAAAAAAAAAAAAAAAAAAAA/AAAAAAAAAKCGAQAAAAAAAAAAAAAAAAAMAAAAAQAAAAAAAAAAAAAAAAAAAB8AAABUAAAAQzCfBf///wEAAAAAAAAAAAAAAAAAAAAAAAAAAAAAAAAAAAAAAAAAAAAAAAZ/f38A0UnOA8zMzADAwP8Af39/AAAAAAAAAAAAAAAAAAAAAAAAAAAAIQAAABgAAAAUAAAAZQQAAAUSAAB8CAAABRIAABAAAAAmAAAACAAAAP//////////"/>
+                <pr:smNativeData xmlns:pr="smNativeData" xmlns="smNativeData" val="SMDATA_15_8sFZZRMAAAAlAAAACwAAAA0AAAAAZQQAAAUSAAB8CAAABRIAAAAAAAAAAAAAAAAAAAEAAABQAAAAAAAAAAAA4D8AAAAAAADgPwAAAAAAAOA/AAAAAAAA4D8AAAAAAADgPwAAAAAAAOA/AAAAAAAA4D8AAAAAAADgPwAAAAAAAOA/AAAAAAAA4D8CAAAAjAAAAAAAAAAAAAAAQzCfDP///wgAAAAAAAAAAAAAAAAAAAAAAAAAAAAAAAAAAAAAZAAAAAEAAABAAAAAAAAAAAAAAAAAAAAAAAAAAAAAAAAAAAAAAAAAAAAAAAAAAAAAAAAAAAAAAAAAAAAAAAAAAAAAAAAAAAAAAAAAAAAAAAAAAAAAAAAAAAAAAAAAAAAAFAAAADwAAAABAAAAAAAAAAAAAA0PAAAAAQAAACMAAAAjAAAAIwAAAB4AAAAAAAAAZAAAAGQAAAAAAAAAZAAAAGQAAAAVAAAAYAAAAAAAAAAAAAAADwAAACADAAAAAAAAAAAAAAEAAACgMgAAVgcAAKr4//8BAAAAf39/AAEAAABkAAAAAAAAABQAAABAHwAAAAAAACYAAAAAAAAAwOD//wAAAAAmAAAAZAAAABYAAABMAAAAAAAAAAAAAAAEAAAAAAAAAAEAAADRSc4KAAAAACgAAAAoAAAAZAAAAGQAAAAAAAAAzMzMAAAAAABQAAAAUAAAAGQAAABkAAAAAAAAABcAAAAUAAAAAAAAAAAAAAD/fwAA/38AAAAAAAAJAAAABAAAAAAAAAAeAAAAaAAAAAAAAAAAAAAAAAAAAAAAAAAAAAAAECcAABAnAAAAAAAAAAAAAAAAAAAAAAAAAAAAAAAAAAAAAAAAAAAAABQAAAAAAAAAwMD/AAAAAABkAAAAMgAAAAAAAABkAAAAAAAAAH9/fwAKAAAAIgAAABgAAAAAAAAAAAAAAAAAAAAAAAAAAAAAAAAAAAAkAAAAJAAAAAAAAAAHAAAAAAAAAAAAAAAAAAAAAAAAAAAAAAAAAAAAf39/ACUAAABYAAAAAAAAAAAAAAAAAAAAAAAAAAAAAAAAAAAAAAAAAAAAAAAAAAAAAAAAAAAAAAA/AAAAAAAAAKCGAQAAAAAAAAAAAAAAAAAMAAAAAQAAAAAAAAAAAAAAAAAAAB8AAABUAAAAQzCfBf///wEAAAAAAAAAAAAAAAAAAAAAAAAAAAAAAAAAAAAAAAAAAAAAAAZ/f38A0UnOA8zMzADAwP8Af39/AAAAAAAAAAAAAAAAAAAAAAAAAAAAIQAAABgAAAAUAAAAZQQAAAUSAAB8CAAABRIAABAAAAAmAAAACAAAAP//////////"/>
               </a:ext>
             </a:extLst>
           </p:cNvSpPr>
@@ -21757,7 +22801,7 @@
           <p:cNvSpPr>
             <a:extLst>
               <a:ext uri="smNativeData">
-                <pr:smNativeData xmlns:pr="smNativeData" xmlns="smNativeData" val="SMDATA_15_37BZZRMAAAAlAAAACwAAAA0AAAAAZQQAAPkVAAB8CAAA+hUAAAAAAAAAAAAAAAAAAAEAAABQAAAAAAAAAAAA4D8AAAAAAADgPwAAAAAAAOA/AAAAAAAA4D8AAAAAAADgPwAAAAAAAOA/AAAAAAAA4D8AAAAAAADgPwAAAAAAAOA/AAAAAAAA4D8CAAAAjAAAAAAAAAAAAAAAQzCfDP///wgAAAAAAAAAAAAAAAAAAAAAAAAAAAAAAAAAAAAAZAAAAAEAAABAAAAAAAAAAAAAAAAAAAAAAAAAAAAAAAAAAAAAAAAAAAAAAAAAAAAAAAAAAAAAAAAAAAAAAAAAAAAAAAAAAAAAAAAAAAAAAAAAAAAAAAAAAAAAAAAAAAAAFAAAADwAAAABAAAAAAAAAAAAAA0PAAAAAQAAACMAAAAjAAAAIwAAAB4AAAAAAAAAZAAAAGQAAAAAAAAAZAAAAGQAAAAVAAAAYAAAAAAAAAAAAAAADwAAACADAAAAAAAAAAAAAAEAAACgMgAAVgcAAKr4//8BAAAAf39/AAEAAABkAAAAAAAAABQAAABAHwAAAAAAACYAAAAAAAAAwOD//wAAAAAmAAAAZAAAABYAAABMAAAAAAAAAAAAAAAEAAAAAAAAAAEAAADRSc4KAAAAACgAAAAoAAAAZAAAAGQAAAAAAAAAzMzMAAAAAABQAAAAUAAAAGQAAABkAAAAAAAAABcAAAAUAAAAAAAAAAAAAAD/fwAA/38AAAAAAAAJAAAABAAAAAEGQAAeAAAAaAAAAAAAAAAAAAAAAAAAAAAAAAAAAAAAECcAABAnAAAAAAAAAAAAAAAAAAAAAAAAAAAAAAAAAAAAAAAAAAAAABQAAAAAAAAAwMD/AAAAAABkAAAAMgAAAAAAAABkAAAAAAAAAH9/fwAKAAAAIgAAABgAAAAAAAAAAAAAAAAAAAAAAAAAAAAAAAAAAAAkAAAAJAAAAAAAAAAHAAAAAAAAAAAAAAAAAAAAAAAAAAAAAAAAAAAAf39/ACUAAABYAAAAAAAAAAAAAAAAAAAAAAAAAAAAAAAAAAAAAAAAAAAAAAAAAAAAAAAAAAAAAAA/AAAAAAAAAKCGAQAAAAAAAAAAAAAAAAAMAAAAAQAAAAAAAAAAAAAAAAAAAB8AAABUAAAAQzCfBf///wEAAAAAAAAAAAAAAAAAAAAAAAAAAAAAAAAAAAAAAAAAAAAAAAZ/f38A0UnOA8zMzADAwP8Af39/AAAAAAAAAAAAAAAAAAAAAAAAAAAAIQAAABgAAAAUAAAAZQQAAPkVAAB8CAAA+hUAABAAAAAmAAAACAAAAP//////////"/>
+                <pr:smNativeData xmlns:pr="smNativeData" xmlns="smNativeData" val="SMDATA_15_8sFZZRMAAAAlAAAACwAAAA0AAAAAZQQAAPkVAAB8CAAA+hUAAAAAAAAAAAAAAAAAAAEAAABQAAAAAAAAAAAA4D8AAAAAAADgPwAAAAAAAOA/AAAAAAAA4D8AAAAAAADgPwAAAAAAAOA/AAAAAAAA4D8AAAAAAADgPwAAAAAAAOA/AAAAAAAA4D8CAAAAjAAAAAAAAAAAAAAAQzCfDP///wgAAAAAAAAAAAAAAAAAAAAAAAAAAAAAAAAAAAAAZAAAAAEAAABAAAAAAAAAAAAAAAAAAAAAAAAAAAAAAAAAAAAAAAAAAAAAAAAAAAAAAAAAAAAAAAAAAAAAAAAAAAAAAAAAAAAAAAAAAAAAAAAAAAAAAAAAAAAAAAAAAAAAFAAAADwAAAABAAAAAAAAAAAAAA0PAAAAAQAAACMAAAAjAAAAIwAAAB4AAAAAAAAAZAAAAGQAAAAAAAAAZAAAAGQAAAAVAAAAYAAAAAAAAAAAAAAADwAAACADAAAAAAAAAAAAAAEAAACgMgAAVgcAAKr4//8BAAAAf39/AAEAAABkAAAAAAAAABQAAABAHwAAAAAAACYAAAAAAAAAwOD//wAAAAAmAAAAZAAAABYAAABMAAAAAAAAAAAAAAAEAAAAAAAAAAEAAADRSc4KAAAAACgAAAAoAAAAZAAAAGQAAAAAAAAAzMzMAAAAAABQAAAAUAAAAGQAAABkAAAAAAAAABcAAAAUAAAAAAAAAAAAAAD/fwAA/38AAAAAAAAJAAAABAAAAAAAAAAeAAAAaAAAAAAAAAAAAAAAAAAAAAAAAAAAAAAAECcAABAnAAAAAAAAAAAAAAAAAAAAAAAAAAAAAAAAAAAAAAAAAAAAABQAAAAAAAAAwMD/AAAAAABkAAAAMgAAAAAAAABkAAAAAAAAAH9/fwAKAAAAIgAAABgAAAAAAAAAAAAAAAAAAAAAAAAAAAAAAAAAAAAkAAAAJAAAAAAAAAAHAAAAAAAAAAAAAAAAAAAAAAAAAAAAAAAAAAAAf39/ACUAAABYAAAAAAAAAAAAAAAAAAAAAAAAAAAAAAAAAAAAAAAAAAAAAAAAAAAAAAAAAAAAAAA/AAAAAAAAAKCGAQAAAAAAAAAAAAAAAAAMAAAAAQAAAAAAAAAAAAAAAAAAAB8AAABUAAAAQzCfBf///wEAAAAAAAAAAAAAAAAAAAAAAAAAAAAAAAAAAAAAAAAAAAAAAAZ/f38A0UnOA8zMzADAwP8Af39/AAAAAAAAAAAAAAAAAAAAAAAAAAAAIQAAABgAAAAUAAAAZQQAAPkVAAB8CAAA+hUAABAAAAAmAAAACAAAAP//////////"/>
               </a:ext>
             </a:extLst>
           </p:cNvSpPr>
@@ -21803,7 +22847,7 @@
           <p:cNvSpPr>
             <a:extLst>
               <a:ext uri="smNativeData">
-                <pr:smNativeData xmlns:pr="smNativeData" xmlns="smNativeData" val="SMDATA_15_37BZZRMAAAAlAAAAZgAAAA0AAAAAkAAAAEgAAACQAAAASAAAAAAAAAAAAAAAAAAAAAEAAABQAAAAAAAAAAAA8D8AAAAAAADwPwAAAAAAAOA/AAAAAAAA4D8AAAAAAADgPwAAAAAAAOA/AAAAAAAA4D8AAAAAAADgPwAAAAAAAOA/AAAAAAAA4D8CAAAAjAAAAAEAAAAAAAAAAAAAAP///wgAAAAAAAAAAAAAAAAAAAAAAAAAAAAAAAAAAAAAeAAAAAEAAABAAAAAAAAAAAAAAABaAAAAAAAAAAAAAAAAAAAAAAAAAAAAAAAAAAAAAAAAAAAAAAAAAAAAAAAAAAAAAAAAAAAAAAAAAAAAAAAAAAAAAAAAAAAAAAAAAAAAFAAAADwAAAAAAAAAAAAAAAAAAAkUAAAAAQAAABQAAAAUAAAAFAAAAAEAAAAAAAAAZAAAAGQAAAAAAAAAZAAAAGQAAAAVAAAAYAAAAAAAAAAAAAAADwAAACADAAAAAAAAAAAAAAEAAACgMgAAVgcAAKr4//8BAAAAf39/AAEAAABkAAAAAAAAABQAAABAHwAAAAAAACYAAAAAAAAAwOD//wAAAAAmAAAAZAAAABYAAABMAAAAAQAAAAAAAAAGAAAAAAAAAAEAAAAAAAANMgAAAAAAAAAAAAAAZAAAAGQAAAAAAAAAy8vLADIAAAAAAAAAAAAAAGQAAABkAAAAAAAAABcAAAAUAAAAAAAAAAAAAAD/fwAA/38AAAAAAAAJAAAABAAAABAECQAeAAAAaAAAAAAAAAAAAAAAAAAAAAAAAAAAAAAAECcAABAnAAAAAAAAAAAAAAAAAAAAAAAAAAAAAAAAAAAAAAAAAAAAAFIBAAAAAAAAwMD/AAAAAAAAAAAAAAAAAAAAAABkAAAAAAAAAH9/fwAKAAAAIgAAABgAAAAAAAAAAAAAAAAAAAAAAAAAAAAAAAAAAAAkAAAAJAAAAAAAAAAHAAAAAAAAAAAAAAAAAAAAAAAAAAAAAAAAAAAAf39/ACUAAABYAAAAAAAAAAAAAAAAAAAAAAAAAAAAAAAAAAAAAAAAAAAAAAAAAAAAAAAAAAAAAAA/AAAAAAAAAKCGAQAAAAAAAAAAAAAAAAAMAAAAAQAAAAAAAAAAAAAAAAAAAB8AAABUAAAAAAAAAP///wEAAAAAAAAAAAAAAAAAAAAAAAAAAAAAAAAAAAAAAAAAAAAAAAJ/f38AAAAABsvLywDAwP8Af39/AAAAAAAAAAAAAAAAAAAAAAAAAAAAIQAAABgAAAAUAAAAOi4AAMH3//+QQAAAFwoAABAAAAAmAAAACAAAAP//////////"/>
+                <pr:smNativeData xmlns:pr="smNativeData" xmlns="smNativeData" val="SMDATA_15_8sFZZRMAAAAlAAAAZgAAAA0AAAAAkAAAAEgAAACQAAAASAAAAAAAAAAAAAAAAAAAAAEAAABQAAAAAAAAAAAA8D8AAAAAAADwPwAAAAAAAOA/AAAAAAAA4D8AAAAAAADgPwAAAAAAAOA/AAAAAAAA4D8AAAAAAADgPwAAAAAAAOA/AAAAAAAA4D8CAAAAjAAAAAEAAAAAAAAAAAAAAP///wgAAAAAAAAAAAAAAAAAAAAAAAAAAAAAAAAAAAAAeAAAAAEAAABAAAAAAAAAAAAAAABaAAAAAAAAAAAAAAAAAAAAAAAAAAAAAAAAAAAAAAAAAAAAAAAAAAAAAAAAAAAAAAAAAAAAAAAAAAAAAAAAAAAAAAAAAAAAAAAAAAAAFAAAADwAAAAAAAAAAAAAAAAAAAkUAAAAAQAAABQAAAAUAAAAFAAAAAEAAAAAAAAAZAAAAGQAAAAAAAAAZAAAAGQAAAAVAAAAYAAAAAAAAAAAAAAADwAAACADAAAAAAAAAAAAAAEAAACgMgAAVgcAAKr4//8BAAAAf39/AAEAAABkAAAAAAAAABQAAABAHwAAAAAAACYAAAAAAAAAwOD//wAAAAAmAAAAZAAAABYAAABMAAAAAQAAAAAAAAAGAAAAAAAAAAEAAAAAAAANMgAAAAAAAAAAAAAAZAAAAGQAAAAAAAAAy8vLADIAAAAAAAAAAAAAAGQAAABkAAAAAAAAABcAAAAUAAAAAAAAAAAAAAD/fwAA/38AAAAAAAAJAAAABAAAAAAAAAAeAAAAaAAAAAAAAAAAAAAAAAAAAAAAAAAAAAAAECcAABAnAAAAAAAAAAAAAAAAAAAAAAAAAAAAAAAAAAAAAAAAAAAAAFIBAAAAAAAAwMD/AAAAAAAAAAAAAAAAAAAAAABkAAAAAAAAAH9/fwAKAAAAIgAAABgAAAAAAAAAAAAAAAAAAAAAAAAAAAAAAAAAAAAkAAAAJAAAAAAAAAAHAAAAAAAAAAAAAAAAAAAAAAAAAAAAAAAAAAAAf39/ACUAAABYAAAAAAAAAAAAAAAAAAAAAAAAAAAAAAAAAAAAAAAAAAAAAAAAAAAAAAAAAAAAAAA/AAAAAAAAAKCGAQAAAAAAAAAAAAAAAAAMAAAAAQAAAAAAAAAAAAAAAAAAAB8AAABUAAAAAAAAAP///wEAAAAAAAAAAAAAAAAAAAAAAAAAAAAAAAAAAAAAAAAAAAAAAAJ/f38AAAAABsvLywDAwP8Af39/AAAAAAAAAAAAAAAAAAAAAAAAAAAAIQAAABgAAAAUAAAAOi4AAMH3//+QQAAAFwoAABAAAAAmAAAACAAAAP//////////"/>
               </a:ext>
             </a:extLst>
           </p:cNvSpPr>
@@ -21838,7 +22882,7 @@
           <p:cNvSpPr>
             <a:extLst>
               <a:ext uri="smNativeData">
-                <pr:smNativeData xmlns:pr="smNativeData" xmlns="smNativeData" val="SMDATA_15_37BZZRMAAAAlAAAAZgAAAA0AAAAAkAAAAEgAAACQAAAASAAAAAAAAAAAAAAAAAAAAAEAAABQAAAAAAAAAAAA8D8AAAAAAADwPwAAAAAAAOA/AAAAAAAA4D8AAAAAAADgPwAAAAAAAOA/AAAAAAAA4D8AAAAAAADgPwAAAAAAAOA/AAAAAAAA4D8CAAAAjAAAAAEAAAADAAAA0UnOAEMwnwAAAAAAAAAAAAAAAAAAAAAAAAAAAAAAAAAAAAAAeAAAAAEAAABAAAAAAAAAAGQAAAAOAQAAAAAAAAAAAAAAAAAAAAAAAAAAAAAAAAAAAAAAAAAAAAAAAAAAAAAAAAAAAAAAAAAAAAAAAAAAAAAAAAAAAAAAAAAAAAAAAAAAFAAAADwAAAAAAAAAAAAAAAAAAAkUAAAAAQAAABQAAAAUAAAAFAAAAAEAAAAAAAAAZAAAAGQAAAAAAAAAZAAAAGQAAAAVAAAAYAAAAAAAAAAAAAAADwAAACADAAAAAAAAAAAAAAEAAACgMgAAVgcAAKr4//8BAAAAf39/AAEAAABkAAAAAAAAABQAAABAHwAAAAAAACYAAAAAAAAAwOD//wAAAAAmAAAAZAAAABYAAABMAAAAAAAAAAAAAAAEAAAAAAAAAAEAAADRSc4KAAAAACgAAAAoAAAAZAAAAGQAAAAAAAAAzMzMAAAAAABQAAAAUAAAAGQAAABkAAAAAAAAABcAAAAUAAAAAAAAAAAAAAD/fwAA/38AAAAAAAAJAAAABAAAAAABEgEeAAAAaAAAAAAAAAAAAAAAAAAAAAAAAAAAAAAAECcAABAnAAAAAAAAAAAAAAAAAAAAAAAAAAAAAAAAAAAAAAAAAAAAABQAAAAAAAAAwMD/AAAAAABkAAAAMgAAAAAAAABkAAAAAAAAAH9/fwAKAAAAIgAAABgAAAAAAAAAAAAAAAAAAAAAAAAAAAAAAAAAAAAkAAAAJAAAAAAAAAAHAAAAAAAAAAAAAAAAAAAAAAAAAAAAAAAAAAAAf39/ACUAAABYAAAAAAAAAAAAAAAAAAAAAAAAAAAAAAAAAAAAAAAAAAAAAAAAAAAAAAAAAAAAAAA/AAAAAAAAAKCGAQAAAAAAAAAAAAAAAAAMAAAAAQAAAAAAAAAAAAAAAAAAAB8AAABUAAAA0UnOAEMwnwAAAAAAAAAAAAAAAAAAAAAAAAAAAAAAAAAAAAAAAAAAAAAAAAJ/f38A0UnOA8zMzADAwP8Af39/AAAAAAAAAAAAAAAAAAAAAAAAAAAAIQAAABgAAAAUAAAAhCgAAFb8//+uMQAAgQUAABAAAAAmAAAACAAAAP//////////"/>
+                <pr:smNativeData xmlns:pr="smNativeData" xmlns="smNativeData" val="SMDATA_15_8sFZZRMAAAAlAAAAZgAAAA0AAAAAkAAAAEgAAACQAAAASAAAAAAAAAAAAAAAAAAAAAEAAABQAAAAAAAAAAAA8D8AAAAAAADwPwAAAAAAAOA/AAAAAAAA4D8AAAAAAADgPwAAAAAAAOA/AAAAAAAA4D8AAAAAAADgPwAAAAAAAOA/AAAAAAAA4D8CAAAAjAAAAAEAAAADAAAA0UnOAEMwnwAAAAAAAAAAAAAAAAAAAAAAAAAAAAAAAAAAAAAAeAAAAAEAAABAAAAAAAAAAGQAAAAOAQAAAAAAAAAAAAAAAAAAAAAAAAAAAAAAAAAAAAAAAAAAAAAAAAAAAAAAAAAAAAAAAAAAAAAAAAAAAAAAAAAAAAAAAAAAAAAAAAAAFAAAADwAAAAAAAAAAAAAAAAAAAkUAAAAAQAAABQAAAAUAAAAFAAAAAEAAAAAAAAAZAAAAGQAAAAAAAAAZAAAAGQAAAAVAAAAYAAAAAAAAAAAAAAADwAAACADAAAAAAAAAAAAAAEAAACgMgAAVgcAAKr4//8BAAAAf39/AAEAAABkAAAAAAAAABQAAABAHwAAAAAAACYAAAAAAAAAwOD//wAAAAAmAAAAZAAAABYAAABMAAAAAAAAAAAAAAAEAAAAAAAAAAEAAADRSc4KAAAAACgAAAAoAAAAZAAAAGQAAAAAAAAAzMzMAAAAAABQAAAAUAAAAGQAAABkAAAAAAAAABcAAAAUAAAAAAAAAAAAAAD/fwAA/38AAAAAAAAJAAAABAAAAAAAAAAeAAAAaAAAAAAAAAAAAAAAAAAAAAAAAAAAAAAAECcAABAnAAAAAAAAAAAAAAAAAAAAAAAAAAAAAAAAAAAAAAAAAAAAABQAAAAAAAAAwMD/AAAAAABkAAAAMgAAAAAAAABkAAAAAAAAAH9/fwAKAAAAIgAAABgAAAAAAAAAAAAAAAAAAAAAAAAAAAAAAAAAAAAkAAAAJAAAAAAAAAAHAAAAAAAAAAAAAAAAAAAAAAAAAAAAAAAAAAAAf39/ACUAAABYAAAAAAAAAAAAAAAAAAAAAAAAAAAAAAAAAAAAAAAAAAAAAAAAAAAAAAAAAAAAAAA/AAAAAAAAAKCGAQAAAAAAAAAAAAAAAAAMAAAAAQAAAAAAAAAAAAAAAAAAAB8AAABUAAAA0UnOAEMwnwAAAAAAAAAAAAAAAAAAAAAAAAAAAAAAAAAAAAAAAAAAAAAAAAJ/f38A0UnOA8zMzADAwP8Af39/AAAAAAAAAAAAAAAAAAAAAAAAAAAAIQAAABgAAAAUAAAAhCgAAFb8//+uMQAAgQUAABAAAAAmAAAACAAAAP//////////"/>
               </a:ext>
             </a:extLst>
           </p:cNvSpPr>
@@ -21876,7 +22920,7 @@
           <p:cNvSpPr>
             <a:extLst>
               <a:ext uri="smNativeData">
-                <pr:smNativeData xmlns:pr="smNativeData" xmlns="smNativeData" val="SMDATA_15_37BZZRMAAAAlAAAAZAAAAA0AAAAAjgAAAJAAAACOAAAAkAAAAAAAAAABAAAAAAAAAAEAAABQAAAAAAAAAAAA4D8AAAAAAADgPwAAAAAAAOA/AAAAAAAA4D8AAAAAAADgPwAAAAAAAOA/AAAAAAAA4D8AAAAAAADgPwAAAAAAAOA/AAAAAAAA4D8CAAAAjAAAAAAAAAAAAAAAQzCfDP///wgAAAAAAAAAAAAAAAAAAAAAAAAAAAAAAAAAAAAAZAAAAAEAAABAAAAAAAAAAAAAAAAAAAAAAAAAAAAAAAAAAAAAAAAAAAAAAAAAAAAAAAAAAAAAAAAAAAAAAAAAAAAAAAAAAAAAAAAAAAAAAAAAAAAAAAAAAAAAAAAAAAAAFAAAADwAAAAAAAAAAAAAAAAAAAkUAAAAAQAAABQAAAAUAAAAFAAAAAEAAAAAAAAAZAAAAGQAAAAAAAAAZAAAAGQAAAAVAAAAYAAAAAAAAAAAAAAADwAAACADAAAAAAAAAAAAAAEAAACgMgAAVgcAAKr4//8BAAAAf39/AAEAAABkAAAAAAAAABQAAABAHwAAAAAAACYAAAAAAAAAwOD//wAAAAAmAAAAZAAAABYAAABMAAAAAAAAAAAAAAAEAAAAAAAAAAEAAADRSc4KAAAAACgAAAAoAAAAZAAAAGQAAAAAAAAAzMzMAAAAAABQAAAAUAAAAGQAAABkAAAAAAAAABcAAAAUAAAAAAAAAAAAAAD/fwAA/38AAAAAAAAJAAAABAAAAAgAAAAeAAAAaAAAAAAAAAAAAAAAAAAAAAAAAAAAAAAAECcAABAnAAAAAAAAAAAAAAAAAAAAAAAAAAAAAAAAAAAAAAAAAAAAABQAAAAAAAAAwMD/AAAAAABkAAAAMgAAAAAAAABkAAAAAAAAAH9/fwAKAAAAIgAAABgAAAAAAAAAAAAAAAAAAAAAAAAAAAAAAAAAAAAkAAAAJAAAAAAAAAAHAAAAAAAAAAAAAAAAAAAAAAAAAAAAAAAAAAAAf39/ACUAAABYAAAAAAAAAAAAAAAAAAAAAAAAAAAAAAAAAAAAAAAAAAAAAAAAAAAAAAAAAAAAAAA/AAAAAAAAAKCGAQAAAAAAAAAAAAAAAAAMAAAAAQAAAAAAAAAAAAAAAAAAAB8AAABUAAAAQzCfBf///wEAAAAAAAAAAAAAAAAAAAAAAAAAAAAAAAAAAAAAAAAAAAAAAAJ/f38A0UnOA8zMzADAwP8Af39/AAAAAAAAAAAAAAAAAAAAAAAAAAAAIQAAABgAAAAUAAAAZQQAANoWAAB8CAAACxkAABAAAAAmAAAACAAAAP//////////"/>
+                <pr:smNativeData xmlns:pr="smNativeData" xmlns="smNativeData" val="SMDATA_15_8sFZZRMAAAAlAAAAZAAAAA0AAAAAjgAAAJAAAACOAAAAkAAAAAAAAAABAAAAAAAAAAEAAABQAAAAAAAAAAAA4D8AAAAAAADgPwAAAAAAAOA/AAAAAAAA4D8AAAAAAADgPwAAAAAAAOA/AAAAAAAA4D8AAAAAAADgPwAAAAAAAOA/AAAAAAAA4D8CAAAAjAAAAAAAAAAAAAAAQzCfDP///wgAAAAAAAAAAAAAAAAAAAAAAAAAAAAAAAAAAAAAZAAAAAEAAABAAAAAAAAAAAAAAAAAAAAAAAAAAAAAAAAAAAAAAAAAAAAAAAAAAAAAAAAAAAAAAAAAAAAAAAAAAAAAAAAAAAAAAAAAAAAAAAAAAAAAAAAAAAAAAAAAAAAAFAAAADwAAAAAAAAAAAAAAAAAAAkUAAAAAQAAABQAAAAUAAAAFAAAAAEAAAAAAAAAZAAAAGQAAAAAAAAAZAAAAGQAAAAVAAAAYAAAAAAAAAAAAAAADwAAACADAAAAAAAAAAAAAAEAAACgMgAAVgcAAKr4//8BAAAAf39/AAEAAABkAAAAAAAAABQAAABAHwAAAAAAACYAAAAAAAAAwOD//wAAAAAmAAAAZAAAABYAAABMAAAAAAAAAAAAAAAEAAAAAAAAAAEAAADRSc4KAAAAACgAAAAoAAAAZAAAAGQAAAAAAAAAzMzMAAAAAABQAAAAUAAAAGQAAABkAAAAAAAAABcAAAAUAAAAAAAAAAAAAAD/fwAA/38AAAAAAAAJAAAABAAAAAAAAAAeAAAAaAAAAAAAAAAAAAAAAAAAAAAAAAAAAAAAECcAABAnAAAAAAAAAAAAAAAAAAAAAAAAAAAAAAAAAAAAAAAAAAAAABQAAAAAAAAAwMD/AAAAAABkAAAAMgAAAAAAAABkAAAAAAAAAH9/fwAKAAAAIgAAABgAAAAAAAAAAAAAAAAAAAAAAAAAAAAAAAAAAAAkAAAAJAAAAAAAAAAHAAAAAAAAAAAAAAAAAAAAAAAAAAAAAAAAAAAAf39/ACUAAABYAAAAAAAAAAAAAAAAAAAAAAAAAAAAAAAAAAAAAAAAAAAAAAAAAAAAAAAAAAAAAAA/AAAAAAAAAKCGAQAAAAAAAAAAAAAAAAAMAAAAAQAAAAAAAAAAAAAAAAAAAB8AAABUAAAAQzCfBf///wEAAAAAAAAAAAAAAAAAAAAAAAAAAAAAAAAAAAAAAAAAAAAAAAJ/f38A0UnOA8zMzADAwP8Af39/AAAAAAAAAAAAAAAAAAAAAAAAAAAAIQAAABgAAAAUAAAAZQQAANoWAAB8CAAACxkAABAAAAAmAAAACAAAAP//////////"/>
               </a:ext>
             </a:extLst>
           </p:cNvSpPr>
@@ -21931,7 +22975,7 @@
           <p:cNvSpPr>
             <a:extLst>
               <a:ext uri="smNativeData">
-                <pr:smNativeData xmlns:pr="smNativeData" xmlns="smNativeData" val="SMDATA_15_37BZZRMAAAAlAAAACwAAAA0AAAAAZQQAAH0ZAAB8CAAAfRkAAAAAAAAAAAAAAAAAAAEAAABQAAAAAAAAAAAA4D8AAAAAAADgPwAAAAAAAOA/AAAAAAAA4D8AAAAAAADgPwAAAAAAAOA/AAAAAAAA4D8AAAAAAADgPwAAAAAAAOA/AAAAAAAA4D8CAAAAjAAAAAAAAAAAAAAAQzCfDP///wgAAAAAAAAAAAAAAAAAAAAAAAAAAAAAAAAAAAAAZAAAAAEAAABAAAAAAAAAAAAAAAAAAAAAAAAAAAAAAAAAAAAAAAAAAAAAAAAAAAAAAAAAAAAAAAAAAAAAAAAAAAAAAAAAAAAAAAAAAAAAAAAAAAAAAAAAAAAAAAAAAAAAFAAAADwAAAABAAAAAAAAAAAAAA0PAAAAAQAAACMAAAAjAAAAIwAAAB4AAAAAAAAAZAAAAGQAAAAAAAAAZAAAAGQAAAAVAAAAYAAAAAAAAAAAAAAADwAAACADAAAAAAAAAAAAAAEAAACgMgAAVgcAAKr4//8BAAAAf39/AAEAAABkAAAAAAAAABQAAABAHwAAAAAAACYAAAAAAAAAwOD//wAAAAAmAAAAZAAAABYAAABMAAAAAAAAAAAAAAAEAAAAAAAAAAEAAADRSc4KAAAAACgAAAAoAAAAZAAAAGQAAAAAAAAAzMzMAAAAAABQAAAAUAAAAGQAAABkAAAAAAAAABcAAAAUAAAAAAAAAAAAAAD/fwAA/38AAAAAAAAJAAAABAAAAPH///8eAAAAaAAAAAAAAAAAAAAAAAAAAAAAAAAAAAAAECcAABAnAAAAAAAAAAAAAAAAAAAAAAAAAAAAAAAAAAAAAAAAAAAAABQAAAAAAAAAwMD/AAAAAABkAAAAMgAAAAAAAABkAAAAAAAAAH9/fwAKAAAAIgAAABgAAAAAAAAAAAAAAAAAAAAAAAAAAAAAAAAAAAAkAAAAJAAAAAAAAAAHAAAAAAAAAAAAAAAAAAAAAAAAAAAAAAAAAAAAf39/ACUAAABYAAAAAAAAAAAAAAAAAAAAAAAAAAAAAAAAAAAAAAAAAAAAAAAAAAAAAAAAAAAAAAA/AAAAAAAAAKCGAQAAAAAAAAAAAAAAAAAMAAAAAQAAAAAAAAAAAAAAAAAAAB8AAABUAAAAQzCfBf///wEAAAAAAAAAAAAAAAAAAAAAAAAAAAAAAAAAAAAAAAAAAAAAAAZ/f38A0UnOA8zMzADAwP8Af39/AAAAAAAAAAAAAAAAAAAAAAAAAAAAIQAAABgAAAAUAAAAZQQAAH0ZAAB8CAAAfRkAABAAAAAmAAAACAAAAP//////////"/>
+                <pr:smNativeData xmlns:pr="smNativeData" xmlns="smNativeData" val="SMDATA_15_8sFZZRMAAAAlAAAACwAAAA0AAAAAZQQAAH0ZAAB8CAAAfRkAAAAAAAAAAAAAAAAAAAEAAABQAAAAAAAAAAAA4D8AAAAAAADgPwAAAAAAAOA/AAAAAAAA4D8AAAAAAADgPwAAAAAAAOA/AAAAAAAA4D8AAAAAAADgPwAAAAAAAOA/AAAAAAAA4D8CAAAAjAAAAAAAAAAAAAAAQzCfDP///wgAAAAAAAAAAAAAAAAAAAAAAAAAAAAAAAAAAAAAZAAAAAEAAABAAAAAAAAAAAAAAAAAAAAAAAAAAAAAAAAAAAAAAAAAAAAAAAAAAAAAAAAAAAAAAAAAAAAAAAAAAAAAAAAAAAAAAAAAAAAAAAAAAAAAAAAAAAAAAAAAAAAAFAAAADwAAAABAAAAAAAAAAAAAA0PAAAAAQAAACMAAAAjAAAAIwAAAB4AAAAAAAAAZAAAAGQAAAAAAAAAZAAAAGQAAAAVAAAAYAAAAAAAAAAAAAAADwAAACADAAAAAAAAAAAAAAEAAACgMgAAVgcAAKr4//8BAAAAf39/AAEAAABkAAAAAAAAABQAAABAHwAAAAAAACYAAAAAAAAAwOD//wAAAAAmAAAAZAAAABYAAABMAAAAAAAAAAAAAAAEAAAAAAAAAAEAAADRSc4KAAAAACgAAAAoAAAAZAAAAGQAAAAAAAAAzMzMAAAAAABQAAAAUAAAAGQAAABkAAAAAAAAABcAAAAUAAAAAAAAAAAAAAD/fwAA/38AAAAAAAAJAAAABAAAAAAAAAAeAAAAaAAAAAAAAAAAAAAAAAAAAAAAAAAAAAAAECcAABAnAAAAAAAAAAAAAAAAAAAAAAAAAAAAAAAAAAAAAAAAAAAAABQAAAAAAAAAwMD/AAAAAABkAAAAMgAAAAAAAABkAAAAAAAAAH9/fwAKAAAAIgAAABgAAAAAAAAAAAAAAAAAAAAAAAAAAAAAAAAAAAAkAAAAJAAAAAAAAAAHAAAAAAAAAAAAAAAAAAAAAAAAAAAAAAAAAAAAf39/ACUAAABYAAAAAAAAAAAAAAAAAAAAAAAAAAAAAAAAAAAAAAAAAAAAAAAAAAAAAAAAAAAAAAA/AAAAAAAAAKCGAQAAAAAAAAAAAAAAAAAMAAAAAQAAAAAAAAAAAAAAAAAAAB8AAABUAAAAQzCfBf///wEAAAAAAAAAAAAAAAAAAAAAAAAAAAAAAAAAAAAAAAAAAAAAAAZ/f38A0UnOA8zMzADAwP8Af39/AAAAAAAAAAAAAAAAAAAAAAAAAAAAIQAAABgAAAAUAAAAZQQAAH0ZAAB8CAAAfRkAABAAAAAmAAAACAAAAP//////////"/>
               </a:ext>
             </a:extLst>
           </p:cNvSpPr>
@@ -21977,7 +23021,7 @@
           <p:cNvSpPr>
             <a:extLst>
               <a:ext uri="smNativeData">
-                <pr:smNativeData xmlns:pr="smNativeData" xmlns="smNativeData" val="SMDATA_15_37BZZRMAAAAlAAAAZAAAAA0AAAAAjgAAAJAAAACOAAAAkAAAAAAAAAAAAAAAAAAAAAEAAABQAAAAAAAAAAAA4D8AAAAAAADgPwAAAAAAAOA/AAAAAAAA4D8AAAAAAADgPwAAAAAAAOA/AAAAAAAA4D8AAAAAAADgPwAAAAAAAOA/AAAAAAAA4D8CAAAAjAAAAAAAAAAAAAAAQzCfDP///wgAAAAAAAAAAAAAAAAAAAAAAAAAAAAAAAAAAAAAZAAAAAEAAABAAAAAAAAAAAAAAAAAAAAAAAAAAAAAAAAAAAAAAAAAAAAAAAAAAAAAAAAAAAAAAAAAAAAAAAAAAAAAAAAAAAAAAAAAAAAAAAAAAAAAAAAAAAAAAAAAAAAAFAAAADwAAAAAAAAAAAAAAAAAAAkUAAAAAQAAABQAAAAUAAAAFAAAAAEAAAAAAAAAZAAAAGQAAAAAAAAAZAAAAGQAAAAVAAAAYAAAAAAAAAAAAAAADwAAACADAAAAAAAAAAAAAAEAAACgMgAAVgcAAKr4//8BAAAAf39/AAEAAABkAAAAAAAAABQAAABAHwAAAAAAACYAAAAAAAAAwOD//wAAAAAmAAAAZAAAABYAAABMAAAAAAAAAAAAAAAEAAAAAAAAAAEAAADRSc4KAAAAACgAAAAoAAAAZAAAAGQAAAAAAAAAzMzMAAAAAABQAAAAUAAAAGQAAABkAAAAAAAAABcAAAAUAAAAAAAAAAAAAAD/fwAA/38AAAAAAAAJAAAABAAAAPD///8eAAAAaAAAAAAAAAAAAAAAAAAAAAAAAAAAAAAAECcAABAnAAAAAAAAAAAAAAAAAAAAAAAAAAAAAAAAAAAAAAAAAAAAABQAAAAAAAAAwMD/AAAAAABkAAAAMgAAAAAAAABkAAAAAAAAAH9/fwAKAAAAIgAAABgAAAAAAAAAAAAAAAAAAAAAAAAAAAAAAAAAAAAkAAAAJAAAAAAAAAAHAAAAAAAAAAAAAAAAAAAAAAAAAAAAAAAAAAAAf39/ACUAAABYAAAAAAAAAAAAAAAAAAAAAAAAAAAAAAAAAAAAAAAAAAAAAAAAAAAAAAAAAAAAAAA/AAAAAAAAAKCGAQAAAAAAAAAAAAAAAAAMAAAAAQAAAAAAAAAAAAAAAAAAAB8AAABUAAAAQzCfBf///wEAAAAAAAAAAAAAAAAAAAAAAAAAAAAAAAAAAAAAAAAAAAAAAAJ/f38A0UnOA8zMzADAwP8Af39/AAAAAAAAAAAAAAAAAAAAAAAAAAAAIQAAABgAAAAUAAAACAcAANoWAACcNQAAFBoAABAAAAAmAAAACAAAAP//////////"/>
+                <pr:smNativeData xmlns:pr="smNativeData" xmlns="smNativeData" val="SMDATA_15_8sFZZRMAAAAlAAAAZAAAAA0AAAAAjgAAAJAAAACOAAAAkAAAAAAAAAAAAAAAAAAAAAEAAABQAAAAAAAAAAAA4D8AAAAAAADgPwAAAAAAAOA/AAAAAAAA4D8AAAAAAADgPwAAAAAAAOA/AAAAAAAA4D8AAAAAAADgPwAAAAAAAOA/AAAAAAAA4D8CAAAAjAAAAAAAAAAAAAAAQzCfDP///wgAAAAAAAAAAAAAAAAAAAAAAAAAAAAAAAAAAAAAZAAAAAEAAABAAAAAAAAAAAAAAAAAAAAAAAAAAAAAAAAAAAAAAAAAAAAAAAAAAAAAAAAAAAAAAAAAAAAAAAAAAAAAAAAAAAAAAAAAAAAAAAAAAAAAAAAAAAAAAAAAAAAAFAAAADwAAAAAAAAAAAAAAAAAAAkUAAAAAQAAABQAAAAUAAAAFAAAAAEAAAAAAAAAZAAAAGQAAAAAAAAAZAAAAGQAAAAVAAAAYAAAAAAAAAAAAAAADwAAACADAAAAAAAAAAAAAAEAAACgMgAAVgcAAKr4//8BAAAAf39/AAEAAABkAAAAAAAAABQAAABAHwAAAAAAACYAAAAAAAAAwOD//wAAAAAmAAAAZAAAABYAAABMAAAAAAAAAAAAAAAEAAAAAAAAAAEAAADRSc4KAAAAACgAAAAoAAAAZAAAAGQAAAAAAAAAzMzMAAAAAABQAAAAUAAAAGQAAABkAAAAAAAAABcAAAAUAAAAAAAAAAAAAAD/fwAA/38AAAAAAAAJAAAABAAAAF8AYAAeAAAAaAAAAAAAAAAAAAAAAAAAAAAAAAAAAAAAECcAABAnAAAAAAAAAAAAAAAAAAAAAAAAAAAAAAAAAAAAAAAAAAAAABQAAAAAAAAAwMD/AAAAAABkAAAAMgAAAAAAAABkAAAAAAAAAH9/fwAKAAAAIgAAABgAAAAAAAAAAAAAAAAAAAAAAAAAAAAAAAAAAAAkAAAAJAAAAAAAAAAHAAAAAAAAAAAAAAAAAAAAAAAAAAAAAAAAAAAAf39/ACUAAABYAAAAAAAAAAAAAAAAAAAAAAAAAAAAAAAAAAAAAAAAAAAAAAAAAAAAAAAAAAAAAAA/AAAAAAAAAKCGAQAAAAAAAAAAAAAAAAAMAAAAAQAAAAAAAAAAAAAAAAAAAB8AAABUAAAAQzCfBf///wEAAAAAAAAAAAAAAAAAAAAAAAAAAAAAAAAAAAAAAAAAAAAAAAJ/f38A0UnOA8zMzADAwP8Af39/AAAAAAAAAAAAAAAAAAAAAAAAAAAAIQAAABgAAAAUAAAACAcAANoWAACcNQAAFBoAABAAAAAmAAAACAAAAP//////////"/>
               </a:ext>
             </a:extLst>
           </p:cNvSpPr>
@@ -22039,7 +23083,7 @@
           <p:cNvSpPr>
             <a:extLst>
               <a:ext uri="smNativeData">
-                <pr:smNativeData xmlns:pr="smNativeData" xmlns="smNativeData" val="SMDATA_15_37BZZRMAAAAlAAAAZAAAAA0AAAAAjgAAAJAAAACOAAAAkAAAAAAAAAAAAAAAAAAAAAEAAABQAAAAAAAAAAAA4D8AAAAAAADgPwAAAAAAAOA/AAAAAAAA4D8AAAAAAADgPwAAAAAAAOA/AAAAAAAA4D8AAAAAAADgPwAAAAAAAOA/AAAAAAAA4D8CAAAAjAAAAAAAAAAAAAAAQzCfDP///wgAAAAAAAAAAAAAAAAAAAAAAAAAAAAAAAAAAAAAZAAAAAEAAABAAAAAAAAAAAAAAAAAAAAAAAAAAAAAAAAAAAAAAAAAAAAAAAAAAAAAAAAAAAAAAAAAAAAAAAAAAAAAAAAAAAAAAAAAAAAAAAAAAAAAAAAAAAAAAAAAAAAAFAAAADwAAAAAAAAAAAAAAAAAAAkUAAAAAQAAABQAAAAUAAAAFAAAAAEAAAAAAAAAZAAAAGQAAAAAAAAAZAAAAGQAAAAVAAAAYAAAAAAAAAAAAAAADwAAACADAAAAAAAAAAAAAAEAAACgMgAAVgcAAKr4//8BAAAAf39/AAEAAABkAAAAAAAAABQAAABAHwAAAAAAACYAAAAAAAAAwOD//wAAAAAmAAAAZAAAABYAAABMAAAAAAAAAAAAAAAEAAAAAAAAAAEAAADRSc4KAAAAACgAAAAoAAAAZAAAAGQAAAAAAAAAzMzMAAAAAABQAAAAUAAAAGQAAABkAAAAAAAAABcAAAAUAAAAAAAAAAAAAAD/fwAA/38AAAAAAAAJAAAABAAAAAAADAAeAAAAaAAAAAAAAAAAAAAAAAAAAAAAAAAAAAAAECcAABAnAAAAAAAAAAAAAAAAAAAAAAAAAAAAAAAAAAAAAAAAAAAAABQAAAAAAAAAwMD/AAAAAABkAAAAMgAAAAAAAABkAAAAAAAAAH9/fwAKAAAAIgAAABgAAAAAAAAAAAAAAAAAAAAAAAAAAAAAAAAAAAAkAAAAJAAAAAAAAAAHAAAAAAAAAAAAAAAAAAAAAAAAAAAAAAAAAAAAf39/ACUAAABYAAAAAAAAAAAAAAAAAAAAAAAAAAAAAAAAAAAAAAAAAAAAAAAAAAAAAAAAAAAAAAA/AAAAAAAAAKCGAQAAAAAAAAAAAAAAAAAMAAAAAQAAAAAAAAAAAAAAAAAAAB8AAABUAAAAQzCfBf///wEAAAAAAAAAAAAAAAAAAAAAAAAAAAAAAAAAAAAAAAAAAAAAAAJ/f38A0UnOA8zMzADAwP8Af39/AAAAAAAAAAAAAAAAAAAAAAAAAAAAIQAAABgAAAAUAAAArAkAAMwSAABAOAAABRYAABAAAAAmAAAACAAAAP//////////"/>
+                <pr:smNativeData xmlns:pr="smNativeData" xmlns="smNativeData" val="SMDATA_15_8sFZZRMAAAAlAAAAZAAAAA0AAAAAjgAAAJAAAACOAAAAkAAAAAAAAAAAAAAAAAAAAAEAAABQAAAAAAAAAAAA4D8AAAAAAADgPwAAAAAAAOA/AAAAAAAA4D8AAAAAAADgPwAAAAAAAOA/AAAAAAAA4D8AAAAAAADgPwAAAAAAAOA/AAAAAAAA4D8CAAAAjAAAAAAAAAAAAAAAQzCfDP///wgAAAAAAAAAAAAAAAAAAAAAAAAAAAAAAAAAAAAAZAAAAAEAAABAAAAAAAAAAAAAAAAAAAAAAAAAAAAAAAAAAAAAAAAAAAAAAAAAAAAAAAAAAAAAAAAAAAAAAAAAAAAAAAAAAAAAAAAAAAAAAAAAAAAAAAAAAAAAAAAAAAAAFAAAADwAAAAAAAAAAAAAAAAAAAkUAAAAAQAAABQAAAAUAAAAFAAAAAEAAAAAAAAAZAAAAGQAAAAAAAAAZAAAAGQAAAAVAAAAYAAAAAAAAAAAAAAADwAAACADAAAAAAAAAAAAAAEAAACgMgAAVgcAAKr4//8BAAAAf39/AAEAAABkAAAAAAAAABQAAABAHwAAAAAAACYAAAAAAAAAwOD//wAAAAAmAAAAZAAAABYAAABMAAAAAAAAAAAAAAAEAAAAAAAAAAEAAADRSc4KAAAAACgAAAAoAAAAZAAAAGQAAAAAAAAAzMzMAAAAAABQAAAAUAAAAGQAAABkAAAAAAAAABcAAAAUAAAAAAAAAAAAAAD/fwAA/38AAAAAAAAJAAAABAAAAF8AYAAeAAAAaAAAAAAAAAAAAAAAAAAAAAAAAAAAAAAAECcAABAnAAAAAAAAAAAAAAAAAAAAAAAAAAAAAAAAAAAAAAAAAAAAABQAAAAAAAAAwMD/AAAAAABkAAAAMgAAAAAAAABkAAAAAAAAAH9/fwAKAAAAIgAAABgAAAAAAAAAAAAAAAAAAAAAAAAAAAAAAAAAAAAkAAAAJAAAAAAAAAAHAAAAAAAAAAAAAAAAAAAAAAAAAAAAAAAAAAAAf39/ACUAAABYAAAAAAAAAAAAAAAAAAAAAAAAAAAAAAAAAAAAAAAAAAAAAAAAAAAAAAAAAAAAAAA/AAAAAAAAAKCGAQAAAAAAAAAAAAAAAAAMAAAAAQAAAAAAAAAAAAAAAAAAAB8AAABUAAAAQzCfBf///wEAAAAAAAAAAAAAAAAAAAAAAAAAAAAAAAAAAAAAAAAAAAAAAAJ/f38A0UnOA8zMzADAwP8Af39/AAAAAAAAAAAAAAAAAAAAAAAAAAAAIQAAABgAAAAUAAAArAkAAMwSAABAOAAABRYAABAAAAAmAAAACAAAAP//////////"/>
               </a:ext>
             </a:extLst>
           </p:cNvSpPr>
@@ -22125,7 +23169,7 @@
           <p:cNvSpPr>
             <a:extLst>
               <a:ext uri="smNativeData">
-                <pr:smNativeData xmlns:pr="smNativeData" xmlns="smNativeData" val="SMDATA_15_37BZZRMAAAAlAAAAZAAAAA0AAAAAjgAAAJAAAACOAAAAkAAAAAAAAAABAAAAAAAAAAEAAABQAAAAAAAAAAAA4D8AAAAAAADgPwAAAAAAAOA/AAAAAAAA4D8AAAAAAADgPwAAAAAAAOA/AAAAAAAA4D8AAAAAAADgPwAAAAAAAOA/AAAAAAAA4D8CAAAAjAAAAAAAAAAAAAAAQzCfDP///wgAAAAAAAAAAAAAAAAAAAAAAAAAAAAAAAAAAAAAZAAAAAEAAABAAAAAAAAAAAAAAAAAAAAAAAAAAAAAAAAAAAAAAAAAAAAAAAAAAAAAAAAAAAAAAAAAAAAAAAAAAAAAAAAAAAAAAAAAAAAAAAAAAAAAAAAAAAAAAAAAAAAAFAAAADwAAAAAAAAAAAAAAAAAAAkUAAAAAQAAABQAAAAUAAAAFAAAAAEAAAAAAAAAZAAAAGQAAAAAAAAAZAAAAGQAAAAVAAAAYAAAAAAAAAAAAAAADwAAACADAAAAAAAAAAAAAAEAAACgMgAAVgcAAKr4//8BAAAAf39/AAEAAABkAAAAAAAAABQAAABAHwAAAAAAACYAAAAAAAAAwOD//wAAAAAmAAAAZAAAABYAAABMAAAAAAAAAAAAAAAEAAAAAAAAAAEAAADRSc4KAAAAACgAAAAoAAAAZAAAAGQAAAAAAAAAzMzMAAAAAABQAAAAUAAAAGQAAABkAAAAAAAAABcAAAAUAAAAAAAAAAAAAAD/fwAA/38AAAAAAAAJAAAABAAAABAFCAAeAAAAaAAAAAAAAAAAAAAAAAAAAAAAAAAAAAAAECcAABAnAAAAAAAAAAAAAAAAAAAAAAAAAAAAAAAAAAAAAAAAAAAAABQAAAAAAAAAwMD/AAAAAABkAAAAMgAAAAAAAABkAAAAAAAAAH9/fwAKAAAAIgAAABgAAAAAAAAAAAAAAAAAAAAAAAAAAAAAAAAAAAAkAAAAJAAAAAAAAAAHAAAAAAAAAAAAAAAAAAAAAAAAAAAAAAAAAAAAf39/ACUAAABYAAAAAAAAAAAAAAAAAAAAAAAAAAAAAAAAAAAAAAAAAAAAAAAAAAAAAAAAAAAAAAA/AAAAAAAAAKCGAQAAAAAAAAAAAAAAAAAMAAAAAQAAAAAAAAAAAAAAAAAAAB8AAABUAAAAQzCfBf///wEAAAAAAAAAAAAAAAAAAAAAAAAAAAAAAAAAAAAAAAAAAAAAAAJ/f38A0UnOA8zMzADAwP8Af39/AAAAAAAAAAAAAAAAAAAAAAAAAAAAIQAAABgAAAAUAAAAowIAAPUDAADKJQAAHwgAABAAAAAmAAAACAAAAP//////////"/>
+                <pr:smNativeData xmlns:pr="smNativeData" xmlns="smNativeData" val="SMDATA_15_8sFZZRMAAAAlAAAAZAAAAA0AAAAAjgAAAJAAAACOAAAAkAAAAAAAAAABAAAAAAAAAAEAAABQAAAAAAAAAAAA4D8AAAAAAADgPwAAAAAAAOA/AAAAAAAA4D8AAAAAAADgPwAAAAAAAOA/AAAAAAAA4D8AAAAAAADgPwAAAAAAAOA/AAAAAAAA4D8CAAAAjAAAAAAAAAAAAAAAQzCfDP///wgAAAAAAAAAAAAAAAAAAAAAAAAAAAAAAAAAAAAAZAAAAAEAAABAAAAAAAAAAAAAAAAAAAAAAAAAAAAAAAAAAAAAAAAAAAAAAAAAAAAAAAAAAAAAAAAAAAAAAAAAAAAAAAAAAAAAAAAAAAAAAAAAAAAAAAAAAAAAAAAAAAAAFAAAADwAAAAAAAAAAAAAAAAAAAkUAAAAAQAAABQAAAAUAAAAFAAAAAEAAAAAAAAAZAAAAGQAAAAAAAAAZAAAAGQAAAAVAAAAYAAAAAAAAAAAAAAADwAAACADAAAAAAAAAAAAAAEAAACgMgAAVgcAAKr4//8BAAAAf39/AAEAAABkAAAAAAAAABQAAABAHwAAAAAAACYAAAAAAAAAwOD//wAAAAAmAAAAZAAAABYAAABMAAAAAAAAAAAAAAAEAAAAAAAAAAEAAADRSc4KAAAAACgAAAAoAAAAZAAAAGQAAAAAAAAAzMzMAAAAAABQAAAAUAAAAGQAAABkAAAAAAAAABcAAAAUAAAAAAAAAAAAAAD/fwAA/38AAAAAAAAJAAAABAAAACABIAEeAAAAaAAAAAAAAAAAAAAAAAAAAAAAAAAAAAAAECcAABAnAAAAAAAAAAAAAAAAAAAAAAAAAAAAAAAAAAAAAAAAAAAAABQAAAAAAAAAwMD/AAAAAABkAAAAMgAAAAAAAABkAAAAAAAAAH9/fwAKAAAAIgAAABgAAAAAAAAAAAAAAAAAAAAAAAAAAAAAAAAAAAAkAAAAJAAAAAAAAAAHAAAAAAAAAAAAAAAAAAAAAAAAAAAAAAAAAAAAf39/ACUAAABYAAAAAAAAAAAAAAAAAAAAAAAAAAAAAAAAAAAAAAAAAAAAAAAAAAAAAAAAAAAAAAA/AAAAAAAAAKCGAQAAAAAAAAAAAAAAAAAMAAAAAQAAAAAAAAAAAAAAAAAAAB8AAABUAAAAQzCfBf///wEAAAAAAAAAAAAAAAAAAAAAAAAAAAAAAAAAAAAAAAAAAAAAAAJ/f38A0UnOA8zMzADAwP8Af39/AAAAAAAAAAAAAAAAAAAAAAAAAAAAIQAAABgAAAAUAAAAowIAAPUDAADKJQAAHwgAABAAAAAmAAAACAAAAP//////////"/>
               </a:ext>
             </a:extLst>
           </p:cNvSpPr>
@@ -22180,7 +23224,7 @@
           <p:cNvSpPr>
             <a:extLst>
               <a:ext uri="smNativeData">
-                <pr:smNativeData xmlns:pr="smNativeData" xmlns="smNativeData" val="SMDATA_15_37BZZRMAAAAlAAAAZAAAAA0AAAAAjgAAAJAAAACOAAAAkAAAAAAAAAAAAAAAAAAAAAEAAABQAAAAAAAAAAAA4D8AAAAAAADgPwAAAAAAAOA/AAAAAAAA4D8AAAAAAADgPwAAAAAAAOA/AAAAAAAA4D8AAAAAAADgPwAAAAAAAOA/AAAAAAAA4D8CAAAAjAAAAAAAAAAAAAAAQzCfDP///wgAAAAAAAAAAAAAAAAAAAAAAAAAAAAAAAAAAAAAZAAAAAEAAABAAAAAAAAAAAAAAAAAAAAAAAAAAAAAAAAAAAAAAAAAAAAAAAAAAAAAAAAAAAAAAAAAAAAAAAAAAAAAAAAAAAAAAAAAAAAAAAAAAAAAAAAAAAAAAAAAAAAAFAAAADwAAAAAAAAAAAAAAAAAAAkUAAAAAQAAABQAAAAUAAAAFAAAAAEAAAAAAAAAZAAAAGQAAAAAAAAAZAAAAGQAAAAVAAAAYAAAAAAAAAAAAAAADwAAACADAAAAAAAAAAAAAAEAAACgMgAAVgcAAKr4//8BAAAAf39/AAEAAABkAAAAAAAAABQAAABAHwAAAAAAACYAAAAAAAAAwOD//wAAAAAmAAAAZAAAABYAAABMAAAAAAAAAAAAAAAEAAAAAAAAAAEAAADRSc4KAAAAACgAAAAoAAAAZAAAAGQAAAAAAAAAzMzMAAAAAABQAAAAUAAAAGQAAABkAAAAAAAAABcAAAAUAAAAAAAAAAAAAAD/fwAA/38AAAAAAAAJAAAABAAAAAEJdAIeAAAAaAAAAAAAAAAAAAAAAAAAAAAAAAAAAAAAECcAABAnAAAAAAAAAAAAAAAAAAAAAAAAAAAAAAAAAAAAAAAAAAAAABQAAAAAAAAAwMD/AAAAAABkAAAAMgAAAAAAAABkAAAAAAAAAH9/fwAKAAAAIgAAABgAAAAAAAAAAAAAAAAAAAAAAAAAAAAAAAAAAAAkAAAAJAAAAAAAAAAHAAAAAAAAAAAAAAAAAAAAAAAAAAAAAAAAAAAAf39/ACUAAABYAAAAAAAAAAAAAAAAAAAAAAAAAAAAAAAAAAAAAAAAAAAAAAAAAAAAAAAAAAAAAAA/AAAAAAAAAKCGAQAAAAAAAAAAAAAAAAAMAAAAAQAAAAAAAAAAAAAAAAAAAB8AAABUAAAAQzCfBf///wEAAAAAAAAAAAAAAAAAAAAAAAAAAAAAAAAAAAAAAAAAAAAAAAJ/f38A0UnOA8zMzADAwP8Af39/AAAAAAAAAAAAAAAAAAAAAAAAAAAAIQAAABgAAAAUAAAAowIAAKsJAAD0IAAASw0AABAAAAAmAAAACAAAAP//////////"/>
+                <pr:smNativeData xmlns:pr="smNativeData" xmlns="smNativeData" val="SMDATA_15_8sFZZRMAAAAlAAAAZAAAAA0AAAAAjgAAAJAAAACOAAAAkAAAAAAAAAAAAAAAAAAAAAEAAABQAAAAAAAAAAAA4D8AAAAAAADgPwAAAAAAAOA/AAAAAAAA4D8AAAAAAADgPwAAAAAAAOA/AAAAAAAA4D8AAAAAAADgPwAAAAAAAOA/AAAAAAAA4D8CAAAAjAAAAAAAAAAAAAAAQzCfDP///wgAAAAAAAAAAAAAAAAAAAAAAAAAAAAAAAAAAAAAZAAAAAEAAABAAAAAAAAAAAAAAAAAAAAAAAAAAAAAAAAAAAAAAAAAAAAAAAAAAAAAAAAAAAAAAAAAAAAAAAAAAAAAAAAAAAAAAAAAAAAAAAAAAAAAAAAAAAAAAAAAAAAAFAAAADwAAAAAAAAAAAAAAAAAAAkUAAAAAQAAABQAAAAUAAAAFAAAAAEAAAAAAAAAZAAAAGQAAAAAAAAAZAAAAGQAAAAVAAAAYAAAAAAAAAAAAAAADwAAACADAAAAAAAAAAAAAAEAAACgMgAAVgcAAKr4//8BAAAAf39/AAEAAABkAAAAAAAAABQAAABAHwAAAAAAACYAAAAAAAAAwOD//wAAAAAmAAAAZAAAABYAAABMAAAAAAAAAAAAAAAEAAAAAAAAAAEAAADRSc4KAAAAACgAAAAoAAAAZAAAAGQAAAAAAAAAzMzMAAAAAABQAAAAUAAAAGQAAABkAAAAAAAAABcAAAAUAAAAAAAAAAAAAAD/fwAA/38AAAAAAAAJAAAABAAAAAAAAAAeAAAAaAAAAAAAAAAAAAAAAAAAAAAAAAAAAAAAECcAABAnAAAAAAAAAAAAAAAAAAAAAAAAAAAAAAAAAAAAAAAAAAAAABQAAAAAAAAAwMD/AAAAAABkAAAAMgAAAAAAAABkAAAAAAAAAH9/fwAKAAAAIgAAABgAAAAAAAAAAAAAAAAAAAAAAAAAAAAAAAAAAAAkAAAAJAAAAAAAAAAHAAAAAAAAAAAAAAAAAAAAAAAAAAAAAAAAAAAAf39/ACUAAABYAAAAAAAAAAAAAAAAAAAAAAAAAAAAAAAAAAAAAAAAAAAAAAAAAAAAAAAAAAAAAAA/AAAAAAAAAKCGAQAAAAAAAAAAAAAAAAAMAAAAAQAAAAAAAAAAAAAAAAAAAB8AAABUAAAAQzCfBf///wEAAAAAAAAAAAAAAAAAAAAAAAAAAAAAAAAAAAAAAAAAAAAAAAJ/f38A0UnOA8zMzADAwP8Af39/AAAAAAAAAAAAAAAAAAAAAAAAAAAAIQAAABgAAAAUAAAAowIAAKsJAAD0IAAASw0AABAAAAAmAAAACAAAAP//////////"/>
               </a:ext>
             </a:extLst>
           </p:cNvSpPr>
@@ -22325,7 +23369,7 @@
           <p:cNvSpPr>
             <a:extLst>
               <a:ext uri="smNativeData">
-                <pr:smNativeData xmlns:pr="smNativeData" xmlns="smNativeData" val="SMDATA_15_37BZZRMAAAAlAAAAZgAAAA0AAAAAkAAAAEgAAACQAAAASAAAAAAAAAAAAAAAAAAAAAEAAABQAAAAAAAAAAAA8D8AAAAAAADwPwAAAAAAAOA/AAAAAAAA4D8AAAAAAADgPwAAAAAAAOA/AAAAAAAA4D8AAAAAAADgPwAAAAAAAOA/AAAAAAAA4D8CAAAAjAAAAAEAAAAAAAAAAAAAAP///wgAAAAAAAAAAAAAAAAAAAAAAAAAAAAAAAAAAAAAeAAAAAEAAABAAAAAAAAAAAAAAABaAAAAAAAAAAAAAAAAAAAAAAAAAAAAAAAAAAAAAAAAAAAAAAAAAAAAAAAAAAAAAAAAAAAAAAAAAAAAAAAAAAAAAAAAAAAAAAAAAAAAFAAAADwAAAAAAAAAAAAAAAAAAAkUAAAAAQAAABQAAAAUAAAAFAAAAAEAAAAAAAAAZAAAAGQAAAAAAAAAZAAAAGQAAAAVAAAAYAAAAAAAAAAAAAAADwAAACADAAAAAAAAAAAAAAEAAACgMgAAVgcAAKr4//8BAAAAf39/AAEAAABkAAAAAAAAABQAAABAHwAAAAAAACYAAAAAAAAAwOD//wAAAAAmAAAAZAAAABYAAABMAAAAAQAAAAAAAAAGAAAAAAAAAAEAAAAAAAANMgAAAAAAAAAAAAAAZAAAAGQAAAAAAAAAy8vLADIAAAAAAAAAAAAAAGQAAABkAAAAAAAAABcAAAAUAAAAAAAAAAAAAAD/fwAA/38AAAAAAAAJAAAABAAAAF8AYAAeAAAAaAAAAAAAAAAAAAAAAAAAAAAAAAAAAAAAECcAABAnAAAAAAAAAAAAAAAAAAAAAAAAAAAAAAAAAAAAAAAAAAAAAFIBAAAAAAAAwMD/AAAAAAAAAAAAAAAAAAAAAABkAAAAAAAAAH9/fwAKAAAAIgAAABgAAAAAAAAAAAAAAAAAAAAAAAAAAAAAAAAAAAAkAAAAJAAAAAAAAAAHAAAAAAAAAAAAAAAAAAAAAAAAAAAAAAAAAAAAf39/ACUAAABYAAAAAAAAAAAAAAAAAAAAAAAAAAAAAAAAAAAAAAAAAAAAAAAAAAAAAAAAAAAAAAA/AAAAAAAAAKCGAQAAAAAAAAAAAAAAAAAMAAAAAQAAAAAAAAAAAAAAAAAAAB8AAABUAAAAAAAAAP///wEAAAAAAAAAAAAAAAAAAAAAAAAAAAAAAAAAAAAAAAAAAAAAAAJ/f38AAAAABsvLywDAwP8Af39/AAAAAAAAAAAAAAAAAAAAAAAAAAAAIQAAABgAAAAUAAAAeSQAAJwYAABkKAAAhxwAABAAAAAmAAAACAAAAP//////////"/>
+                <pr:smNativeData xmlns:pr="smNativeData" xmlns="smNativeData" val="SMDATA_15_8sFZZRMAAAAlAAAAZgAAAA0AAAAAkAAAAEgAAACQAAAASAAAAAAAAAAAAAAAAAAAAAEAAABQAAAAAAAAAAAA8D8AAAAAAADwPwAAAAAAAOA/AAAAAAAA4D8AAAAAAADgPwAAAAAAAOA/AAAAAAAA4D8AAAAAAADgPwAAAAAAAOA/AAAAAAAA4D8CAAAAjAAAAAEAAAAAAAAAAAAAAP///wgAAAAAAAAAAAAAAAAAAAAAAAAAAAAAAAAAAAAAeAAAAAEAAABAAAAAAAAAAAAAAABaAAAAAAAAAAAAAAAAAAAAAAAAAAAAAAAAAAAAAAAAAAAAAAAAAAAAAAAAAAAAAAAAAAAAAAAAAAAAAAAAAAAAAAAAAAAAAAAAAAAAFAAAADwAAAAAAAAAAAAAAAAAAAkUAAAAAQAAABQAAAAUAAAAFAAAAAEAAAAAAAAAZAAAAGQAAAAAAAAAZAAAAGQAAAAVAAAAYAAAAAAAAAAAAAAADwAAACADAAAAAAAAAAAAAAEAAACgMgAAVgcAAKr4//8BAAAAf39/AAEAAABkAAAAAAAAABQAAABAHwAAAAAAACYAAAAAAAAAwOD//wAAAAAmAAAAZAAAABYAAABMAAAAAQAAAAAAAAAGAAAAAAAAAAEAAAAAAAANMgAAAAAAAAAAAAAAZAAAAGQAAAAAAAAAy8vLADIAAAAAAAAAAAAAAGQAAABkAAAAAAAAABcAAAAUAAAAAAAAAAAAAAD/fwAA/38AAAAAAAAJAAAABAAAACABIAEeAAAAaAAAAAAAAAAAAAAAAAAAAAAAAAAAAAAAECcAABAnAAAAAAAAAAAAAAAAAAAAAAAAAAAAAAAAAAAAAAAAAAAAAFIBAAAAAAAAwMD/AAAAAAAAAAAAAAAAAAAAAABkAAAAAAAAAH9/fwAKAAAAIgAAABgAAAAAAAAAAAAAAAAAAAAAAAAAAAAAAAAAAAAkAAAAJAAAAAAAAAAHAAAAAAAAAAAAAAAAAAAAAAAAAAAAAAAAAAAAf39/ACUAAABYAAAAAAAAAAAAAAAAAAAAAAAAAAAAAAAAAAAAAAAAAAAAAAAAAAAAAAAAAAAAAAA/AAAAAAAAAKCGAQAAAAAAAAAAAAAAAAAMAAAAAQAAAAAAAAAAAAAAAAAAAB8AAABUAAAAAAAAAP///wEAAAAAAAAAAAAAAAAAAAAAAAAAAAAAAAAAAAAAAAAAAAAAAAJ/f38AAAAABsvLywDAwP8Af39/AAAAAAAAAAAAAAAAAAAAAAAAAAAAIQAAABgAAAAUAAAAeSQAAJwYAABkKAAAhxwAABAAAAAmAAAACAAAAP//////////"/>
               </a:ext>
             </a:extLst>
           </p:cNvSpPr>
@@ -22360,7 +23404,7 @@
           <p:cNvSpPr>
             <a:extLst>
               <a:ext uri="smNativeData">
-                <pr:smNativeData xmlns:pr="smNativeData" xmlns="smNativeData" val="SMDATA_15_37BZZRMAAAAlAAAAZgAAAA0AAAAAkAAAAEgAAACQAAAASAAAAAAAAAAAAAAAAAAAAAEAAABQAAAAAAAAAAAA8D8AAAAAAADwPwAAAAAAAOA/AAAAAAAA4D8AAAAAAADgPwAAAAAAAOA/AAAAAAAA4D8AAAAAAADgPwAAAAAAAOA/AAAAAAAA4D8CAAAAjAAAAAEAAAADAAAA0UnOAEMwnwAAAAAAAAAAAAAAAAAAAAAAAAAAAAAAAAAAAAAAeAAAAAEAAABAAAAAAAAAAGQAAAAOAQAAAAAAAAAAAAAAAAAAAAAAAAAAAAAAAAAAAAAAAAAAAAAAAAAAAAAAAAAAAAAAAAAAAAAAAAAAAAAAAAAAAAAAAAAAAAAAAAAAFAAAADwAAAAAAAAAAAAAAAAAAAkUAAAAAQAAABQAAAAUAAAAFAAAAAEAAAAAAAAAZAAAAGQAAAAAAAAAZAAAAGQAAAAVAAAAYAAAAAAAAAAAAAAADwAAACADAAAAAAAAAAAAAAEAAACgMgAAVgcAAKr4//8BAAAAf39/AAEAAABkAAAAAAAAABQAAABAHwAAAAAAACYAAAAAAAAAwOD//wAAAAAmAAAAZAAAABYAAABMAAAAAAAAAAAAAAAEAAAAAAAAAAEAAADRSc4KAAAAACgAAAAoAAAAZAAAAGQAAAAAAAAAzMzMAAAAAABQAAAAUAAAAGQAAABkAAAAAAAAABcAAAAUAAAAAAAAAAAAAAD/fwAA/38AAAAAAAAJAAAABAAAAAkAAAAeAAAAaAAAAAAAAAAAAAAAAAAAAAAAAAAAAAAAECcAABAnAAAAAAAAAAAAAAAAAAAAAAAAAAAAAAAAAAAAAAAAAAAAABQAAAAAAAAAwMD/AAAAAABkAAAAMgAAAAAAAABkAAAAAAAAAH9/fwAKAAAAIgAAABgAAAAAAAAAAAAAAAAAAAAAAAAAAAAAAAAAAAAkAAAAJAAAAAAAAAAHAAAAAAAAAAAAAAAAAAAAAAAAAAAAAAAAAAAAf39/ACUAAABYAAAAAAAAAAAAAAAAAAAAAAAAAAAAAAAAAAAAAAAAAAAAAAAAAAAAAAAAAAAAAAA/AAAAAAAAAKCGAQAAAAAAAAAAAAAAAAAMAAAAAQAAAAAAAAAAAAAAAAAAAB8AAABUAAAA0UnOAEMwnwAAAAAAAAAAAAAAAAAAAAAAAAAAAAAAAAAAAAAAAAAAAAAAAAJ/f38A0UnOA8zMzADAwP8Af39/AAAAAAAAAAAAAAAAAAAAAAAAAAAAIQAAABgAAAAUAAAAdi8AACr7///DPAAAdwgAABAAAAAmAAAACAAAAP//////////"/>
+                <pr:smNativeData xmlns:pr="smNativeData" xmlns="smNativeData" val="SMDATA_15_8sFZZRMAAAAlAAAAZgAAAA0AAAAAkAAAAEgAAACQAAAASAAAAAAAAAAAAAAAAAAAAAEAAABQAAAAAAAAAAAA8D8AAAAAAADwPwAAAAAAAOA/AAAAAAAA4D8AAAAAAADgPwAAAAAAAOA/AAAAAAAA4D8AAAAAAADgPwAAAAAAAOA/AAAAAAAA4D8CAAAAjAAAAAEAAAADAAAA0UnOAEMwnwAAAAAAAAAAAAAAAAAAAAAAAAAAAAAAAAAAAAAAeAAAAAEAAABAAAAAAAAAAGQAAAAOAQAAAAAAAAAAAAAAAAAAAAAAAAAAAAAAAAAAAAAAAAAAAAAAAAAAAAAAAAAAAAAAAAAAAAAAAAAAAAAAAAAAAAAAAAAAAAAAAAAAFAAAADwAAAAAAAAAAAAAAAAAAAkUAAAAAQAAABQAAAAUAAAAFAAAAAEAAAAAAAAAZAAAAGQAAAAAAAAAZAAAAGQAAAAVAAAAYAAAAAAAAAAAAAAADwAAACADAAAAAAAAAAAAAAEAAACgMgAAVgcAAKr4//8BAAAAf39/AAEAAABkAAAAAAAAABQAAABAHwAAAAAAACYAAAAAAAAAwOD//wAAAAAmAAAAZAAAABYAAABMAAAAAAAAAAAAAAAEAAAAAAAAAAEAAADRSc4KAAAAACgAAAAoAAAAZAAAAGQAAAAAAAAAzMzMAAAAAABQAAAAUAAAAGQAAABkAAAAAAAAABcAAAAUAAAAAAAAAAAAAAD/fwAA/38AAAAAAAAJAAAABAAAAAAAAAAeAAAAaAAAAAAAAAAAAAAAAAAAAAAAAAAAAAAAECcAABAnAAAAAAAAAAAAAAAAAAAAAAAAAAAAAAAAAAAAAAAAAAAAABQAAAAAAAAAwMD/AAAAAABkAAAAMgAAAAAAAABkAAAAAAAAAH9/fwAKAAAAIgAAABgAAAAAAAAAAAAAAAAAAAAAAAAAAAAAAAAAAAAkAAAAJAAAAAAAAAAHAAAAAAAAAAAAAAAAAAAAAAAAAAAAAAAAAAAAf39/ACUAAABYAAAAAAAAAAAAAAAAAAAAAAAAAAAAAAAAAAAAAAAAAAAAAAAAAAAAAAAAAAAAAAA/AAAAAAAAAKCGAQAAAAAAAAAAAAAAAAAMAAAAAQAAAAAAAAAAAAAAAAAAAB8AAABUAAAA0UnOAEMwnwAAAAAAAAAAAAAAAAAAAAAAAAAAAAAAAAAAAAAAAAAAAAAAAAJ/f38A0UnOA8zMzADAwP8Af39/AAAAAAAAAAAAAAAAAAAAAAAAAAAAIQAAABgAAAAUAAAAdi8AACr7///DPAAAdwgAABAAAAAmAAAACAAAAP//////////"/>
               </a:ext>
             </a:extLst>
           </p:cNvSpPr>
@@ -22398,7 +23442,7 @@
           <p:cNvSpPr>
             <a:extLst>
               <a:ext uri="smNativeData">
-                <pr:smNativeData xmlns:pr="smNativeData" xmlns="smNativeData" val="SMDATA_15_37BZZRMAAAAlAAAACwAAAA0AAAAAhAMAAMoIAABwCgAAywgAAAAAAAAAAAAAAAAAAAEAAABQAAAAAAAAAAAA4D8AAAAAAADgPwAAAAAAAOA/AAAAAAAA4D8AAAAAAADgPwAAAAAAAOA/AAAAAAAA4D8AAAAAAADgPwAAAAAAAOA/AAAAAAAA4D8CAAAAjAAAAAAAAAAAAAAAQzCfDP///wgAAAAAAAAAAAAAAAAAAAAAAAAAAAAAAAAAAAAAZAAAAAEAAABAAAAAAAAAAAAAAAAAAAAAAAAAAAAAAAAAAAAAAAAAAAAAAAAAAAAAAAAAAAAAAAAAAAAAAAAAAAAAAAAAAAAAAAAAAAAAAAAAAAAAAAAAAAAAAAAAAAAAFAAAADwAAAABAAAAAAAAAAAAAA0PAAAAAQAAACMAAAAjAAAAIwAAAB4AAAAAAAAAZAAAAGQAAAAAAAAAZAAAAGQAAAAVAAAAYAAAAAAAAAAAAAAADwAAACADAAAAAAAAAAAAAAEAAACgMgAAVgcAAKr4//8BAAAAf39/AAEAAABkAAAAAAAAABQAAABAHwAAAAAAACYAAAAAAAAAwOD//wAAAAAmAAAAZAAAABYAAABMAAAAAAAAAAAAAAAEAAAAAAAAAAEAAADRSc4KAAAAACgAAAAoAAAAZAAAAGQAAAAAAAAAzMzMAAAAAABQAAAAUAAAAGQAAABkAAAAAAAAABcAAAAUAAAAAAAAAAAAAAD/fwAA/38AAAAAAAAJAAAABAAAAF8AYAAeAAAAaAAAAAAAAAAAAAAAAAAAAAAAAAAAAAAAECcAABAnAAAAAAAAAAAAAAAAAAAAAAAAAAAAAAAAAAAAAAAAAAAAABQAAAAAAAAAwMD/AAAAAABkAAAAMgAAAAAAAABkAAAAAAAAAH9/fwAKAAAAIgAAABgAAAAAAAAAAAAAAAAAAAAAAAAAAAAAAAAAAAAkAAAAJAAAAAAAAAAHAAAAAAAAAAAAAAAAAAAAAAAAAAAAAAAAAAAAf39/ACUAAABYAAAAAAAAAAAAAAAAAAAAAAAAAAAAAAAAAAAAAAAAAAAAAAAAAAAAAAAAAAAAAAA/AAAAAAAAAKCGAQAAAAAAAAAAAAAAAAAMAAAAAQAAAAAAAAAAAAAAAAAAAB8AAABUAAAAQzCfBf///wEAAAAAAAAAAAAAAAAAAAAAAAAAAAAAAAAAAAAAAAAAAAAAAAZ/f38A0UnOA8zMzADAwP8Af39/AAAAAAAAAAAAAAAAAAAAAAAAAAAAIQAAABgAAAAUAAAAhAMAAMoIAABwCgAAywgAABAAAAAmAAAACAAAAP//////////"/>
+                <pr:smNativeData xmlns:pr="smNativeData" xmlns="smNativeData" val="SMDATA_15_8sFZZRMAAAAlAAAACwAAAA0AAAAAhAMAAMoIAABwCgAAywgAAAAAAAAAAAAAAAAAAAEAAABQAAAAAAAAAAAA4D8AAAAAAADgPwAAAAAAAOA/AAAAAAAA4D8AAAAAAADgPwAAAAAAAOA/AAAAAAAA4D8AAAAAAADgPwAAAAAAAOA/AAAAAAAA4D8CAAAAjAAAAAAAAAAAAAAAQzCfDP///wgAAAAAAAAAAAAAAAAAAAAAAAAAAAAAAAAAAAAAZAAAAAEAAABAAAAAAAAAAAAAAAAAAAAAAAAAAAAAAAAAAAAAAAAAAAAAAAAAAAAAAAAAAAAAAAAAAAAAAAAAAAAAAAAAAAAAAAAAAAAAAAAAAAAAAAAAAAAAAAAAAAAAFAAAADwAAAABAAAAAAAAAAAAAA0PAAAAAQAAACMAAAAjAAAAIwAAAB4AAAAAAAAAZAAAAGQAAAAAAAAAZAAAAGQAAAAVAAAAYAAAAAAAAAAAAAAADwAAACADAAAAAAAAAAAAAAEAAACgMgAAVgcAAKr4//8BAAAAf39/AAEAAABkAAAAAAAAABQAAABAHwAAAAAAACYAAAAAAAAAwOD//wAAAAAmAAAAZAAAABYAAABMAAAAAAAAAAAAAAAEAAAAAAAAAAEAAADRSc4KAAAAACgAAAAoAAAAZAAAAGQAAAAAAAAAzMzMAAAAAABQAAAAUAAAAGQAAABkAAAAAAAAABcAAAAUAAAAAAAAAAAAAAD/fwAA/38AAAAAAAAJAAAABAAAAAAAAAAeAAAAaAAAAAAAAAAAAAAAAAAAAAAAAAAAAAAAECcAABAnAAAAAAAAAAAAAAAAAAAAAAAAAAAAAAAAAAAAAAAAAAAAABQAAAAAAAAAwMD/AAAAAABkAAAAMgAAAAAAAABkAAAAAAAAAH9/fwAKAAAAIgAAABgAAAAAAAAAAAAAAAAAAAAAAAAAAAAAAAAAAAAkAAAAJAAAAAAAAAAHAAAAAAAAAAAAAAAAAAAAAAAAAAAAAAAAAAAAf39/ACUAAABYAAAAAAAAAAAAAAAAAAAAAAAAAAAAAAAAAAAAAAAAAAAAAAAAAAAAAAAAAAAAAAA/AAAAAAAAAKCGAQAAAAAAAAAAAAAAAAAMAAAAAQAAAAAAAAAAAAAAAAAAAB8AAABUAAAAQzCfBf///wEAAAAAAAAAAAAAAAAAAAAAAAAAAAAAAAAAAAAAAAAAAAAAAAZ/f38A0UnOA8zMzADAwP8Af39/AAAAAAAAAAAAAAAAAAAAAAAAAAAAIQAAABgAAAAUAAAAhAMAAMoIAABwCgAAywgAABAAAAAmAAAACAAAAP//////////"/>
               </a:ext>
             </a:extLst>
           </p:cNvSpPr>
@@ -22444,7 +23488,7 @@
           <p:cNvSpPr>
             <a:extLst>
               <a:ext uri="smNativeData">
-                <pr:smNativeData xmlns:pr="smNativeData" xmlns="smNativeData" val="SMDATA_15_37BZZRMAAAAlAAAAZgAAAA0AAAAAkAAAAEgAAACQAAAASAAAAAAAAAAAAAAAAAAAAAEAAABQAAAAAAAAAAAA8D8AAAAAAADwPwAAAAAAAOA/AAAAAAAA4D8AAAAAAADgPwAAAAAAAOA/AAAAAAAA4D8AAAAAAADgPwAAAAAAAOA/AAAAAAAA4D8CAAAAjAAAAAEAAAAAAAAAAAAAAP///wgAAAAAAAAAAAAAAAAAAAAAAAAAAAAAAAAAAAAAeAAAAAEAAABAAAAAAAAAAAAAAABaAAAAAAAAAAAAAAAAAAAAAAAAAAAAAAAAAAAAAAAAAAAAAAAAAAAAAAAAAAAAAAAAAAAAAAAAAAAAAAAAAAAAAAAAAAAAAAAAAAAAFAAAADwAAAAAAAAAAAAAAAAAAAkUAAAAAQAAABQAAAAUAAAAFAAAAAEAAAAAAAAAZAAAAGQAAAAAAAAAZAAAAGQAAAAVAAAAYAAAAAAAAAAAAAAADwAAACADAAAAAAAAAAAAAAEAAACgMgAAVgcAAKr4//8BAAAAf39/AAEAAABkAAAAAAAAABQAAABAHwAAAAAAACYAAAAAAAAAwOD//wAAAAAmAAAAZAAAABYAAABMAAAAAQAAAAAAAAAGAAAAAAAAAAEAAAAAAAANMgAAAAAAAAAAAAAAZAAAAGQAAAAAAAAAy8vLADIAAAAAAAAAAAAAAGQAAABkAAAAAAAAABcAAAAUAAAAAAAAAAAAAAD/fwAA/38AAAAAAAAJAAAABAAAABEAAAAeAAAAaAAAAAAAAAAAAAAAAAAAAAAAAAAAAAAAECcAABAnAAAAAAAAAAAAAAAAAAAAAAAAAAAAAAAAAAAAAAAAAAAAAFIBAAAAAAAAwMD/AAAAAAAAAAAAAAAAAAAAAABkAAAAAAAAAH9/fwAKAAAAIgAAABgAAAAAAAAAAAAAAAAAAAAAAAAAAAAAAAAAAAAkAAAAJAAAAAAAAAAHAAAAAAAAAAAAAAAAAAAAAAAAAAAAAAAAAAAAf39/ACUAAABYAAAAAAAAAAAAAAAAAAAAAAAAAAAAAAAAAAAAAAAAAAAAAAAAAAAAAAAAAAAAAAA/AAAAAAAAAKCGAQAAAAAAAAAAAAAAAAAMAAAAAQAAAAAAAAAAAAAAAAAAAB8AAABUAAAAAAAAAP///wEAAAAAAAAAAAAAAAAAAAAAAAAAAAAAAAAAAAAAAAAAAAAAAAJ/f38AAAAABsvLywDAwP8Af39/AAAAAAAAAAAAAAAAAAAAAAAAAAAAIQAAABgAAAAUAAAA5fX///kVAAA7CAAATygAABAAAAAmAAAACAAAAP//////////"/>
+                <pr:smNativeData xmlns:pr="smNativeData" xmlns="smNativeData" val="SMDATA_15_8sFZZRMAAAAlAAAAZgAAAA0AAAAAkAAAAEgAAACQAAAASAAAAAAAAAAAAAAAAAAAAAEAAABQAAAAAAAAAAAA8D8AAAAAAADwPwAAAAAAAOA/AAAAAAAA4D8AAAAAAADgPwAAAAAAAOA/AAAAAAAA4D8AAAAAAADgPwAAAAAAAOA/AAAAAAAA4D8CAAAAjAAAAAEAAAAAAAAAAAAAAP///wgAAAAAAAAAAAAAAAAAAAAAAAAAAAAAAAAAAAAAeAAAAAEAAABAAAAAAAAAAAAAAABaAAAAAAAAAAAAAAAAAAAAAAAAAAAAAAAAAAAAAAAAAAAAAAAAAAAAAAAAAAAAAAAAAAAAAAAAAAAAAAAAAAAAAAAAAAAAAAAAAAAAFAAAADwAAAAAAAAAAAAAAAAAAAkUAAAAAQAAABQAAAAUAAAAFAAAAAEAAAAAAAAAZAAAAGQAAAAAAAAAZAAAAGQAAAAVAAAAYAAAAAAAAAAAAAAADwAAACADAAAAAAAAAAAAAAEAAACgMgAAVgcAAKr4//8BAAAAf39/AAEAAABkAAAAAAAAABQAAABAHwAAAAAAACYAAAAAAAAAwOD//wAAAAAmAAAAZAAAABYAAABMAAAAAQAAAAAAAAAGAAAAAAAAAAEAAAAAAAANMgAAAAAAAAAAAAAAZAAAAGQAAAAAAAAAy8vLADIAAAAAAAAAAAAAAGQAAABkAAAAAAAAABcAAAAUAAAAAAAAAAAAAAD/fwAA/38AAAAAAAAJAAAABAAAACABIAEeAAAAaAAAAAAAAAAAAAAAAAAAAAAAAAAAAAAAECcAABAnAAAAAAAAAAAAAAAAAAAAAAAAAAAAAAAAAAAAAAAAAAAAAFIBAAAAAAAAwMD/AAAAAAAAAAAAAAAAAAAAAABkAAAAAAAAAH9/fwAKAAAAIgAAABgAAAAAAAAAAAAAAAAAAAAAAAAAAAAAAAAAAAAkAAAAJAAAAAAAAAAHAAAAAAAAAAAAAAAAAAAAAAAAAAAAAAAAAAAAf39/ACUAAABYAAAAAAAAAAAAAAAAAAAAAAAAAAAAAAAAAAAAAAAAAAAAAAAAAAAAAAAAAAAAAAA/AAAAAAAAAKCGAQAAAAAAAAAAAAAAAAAMAAAAAQAAAAAAAAAAAAAAAAAAAB8AAABUAAAAAAAAAP///wEAAAAAAAAAAAAAAAAAAAAAAAAAAAAAAAAAAAAAAAAAAAAAAAJ/f38AAAAABsvLywDAwP8Af39/AAAAAAAAAAAAAAAAAAAAAAAAAAAAIQAAABgAAAAUAAAA5fX///kVAAA7CAAATygAABAAAAAmAAAACAAAAP//////////"/>
               </a:ext>
             </a:extLst>
           </p:cNvSpPr>
@@ -22479,7 +23523,7 @@
           <p:cNvSpPr>
             <a:extLst>
               <a:ext uri="smNativeData">
-                <pr:smNativeData xmlns:pr="smNativeData" xmlns="smNativeData" val="SMDATA_15_37BZZRMAAAAlAAAAZgAAAA0AAAAAkAAAAEgAAACQAAAASAAAAAAAAAAAAAAAAAAAAAEAAABQAAAAAAAAAAAA8D8AAAAAAADwPwAAAAAAAOA/AAAAAAAA4D8AAAAAAADgPwAAAAAAAOA/AAAAAAAA4D8AAAAAAADgPwAAAAAAAOA/AAAAAAAA4D8CAAAAjAAAAAEAAAADAAAA0UnOAEMwnwAAAAAAAAAAAAAAAAAAAAAAAAAAAAAAAAAAAAAAeAAAAAEAAABAAAAAAAAAAGQAAAAOAQAAAAAAAAAAAAAAAAAAAAAAAAAAAAAAAAAAAAAAAAAAAAAAAAAAAAAAAAAAAAAAAAAAAAAAAAAAAAAAAAAAAAAAAAAAAAAAAAAAFAAAADwAAAAAAAAAAAAAAAAAAAkUAAAAAQAAABQAAAAUAAAAFAAAAAEAAAAAAAAAZAAAAGQAAAAAAAAAZAAAAGQAAAAVAAAAYAAAAAAAAAAAAAAADwAAACADAAAAAAAAAAAAAAEAAACgMgAAVgcAAKr4//8BAAAAf39/AAEAAABkAAAAAAAAABQAAABAHwAAAAAAACYAAAAAAAAAwOD//wAAAAAmAAAAZAAAABYAAABMAAAAAAAAAAAAAAAEAAAAAAAAAAEAAADRSc4KAAAAACgAAAAoAAAAZAAAAGQAAAAAAAAAzMzMAAAAAABQAAAAUAAAAGQAAABkAAAAAAAAABcAAAAUAAAAAAAAAAAAAAD/fwAA/38AAAAAAAAJAAAABAAAAB0DAWAeAAAAaAAAAAAAAAAAAAAAAAAAAAAAAAAAAAAAECcAABAnAAAAAAAAAAAAAAAAAAAAAAAAAAAAAAAAAAAAAAAAAAAAABQAAAAAAAAAwMD/AAAAAABkAAAAMgAAAAAAAABkAAAAAAAAAH9/fwAKAAAAIgAAABgAAAAAAAAAAAAAAAAAAAAAAAAAAAAAAAAAAAAkAAAAJAAAAAAAAAAHAAAAAAAAAAAAAAAAAAAAAAAAAAAAAAAAAAAAf39/ACUAAABYAAAAAAAAAAAAAAAAAAAAAAAAAAAAAAAAAAAAAAAAAAAAAAAAAAAAAAAAAAAAAAA/AAAAAAAAAKCGAQAAAAAAAAAAAAAAAAAMAAAAAQAAAAAAAAAAAAAAAAAAAB8AAABUAAAA0UnOAEMwnwAAAAAAAAAAAAAAAAAAAAAAAAAAAAAAAAAAAAAAAAAAAAAAAAJ/f38A0UnOA8zMzADAwP8Af39/AAAAAAAAAAAAAAAAAAAAAAAAAAAAIQAAABgAAAAUAAAARgUAAO4ZAABwDgAAGCMAABAAAAAmAAAACAAAAP//////////"/>
+                <pr:smNativeData xmlns:pr="smNativeData" xmlns="smNativeData" val="SMDATA_15_8sFZZRMAAAAlAAAAZgAAAA0AAAAAkAAAAEgAAACQAAAASAAAAAAAAAAAAAAAAAAAAAEAAABQAAAAAAAAAAAA8D8AAAAAAADwPwAAAAAAAOA/AAAAAAAA4D8AAAAAAADgPwAAAAAAAOA/AAAAAAAA4D8AAAAAAADgPwAAAAAAAOA/AAAAAAAA4D8CAAAAjAAAAAEAAAADAAAA0UnOAEMwnwAAAAAAAAAAAAAAAAAAAAAAAAAAAAAAAAAAAAAAeAAAAAEAAABAAAAAAAAAAGQAAAAOAQAAAAAAAAAAAAAAAAAAAAAAAAAAAAAAAAAAAAAAAAAAAAAAAAAAAAAAAAAAAAAAAAAAAAAAAAAAAAAAAAAAAAAAAAAAAAAAAAAAFAAAADwAAAAAAAAAAAAAAAAAAAkUAAAAAQAAABQAAAAUAAAAFAAAAAEAAAAAAAAAZAAAAGQAAAAAAAAAZAAAAGQAAAAVAAAAYAAAAAAAAAAAAAAADwAAACADAAAAAAAAAAAAAAEAAACgMgAAVgcAAKr4//8BAAAAf39/AAEAAABkAAAAAAAAABQAAABAHwAAAAAAACYAAAAAAAAAwOD//wAAAAAmAAAAZAAAABYAAABMAAAAAAAAAAAAAAAEAAAAAAAAAAEAAADRSc4KAAAAACgAAAAoAAAAZAAAAGQAAAAAAAAAzMzMAAAAAABQAAAAUAAAAGQAAABkAAAAAAAAABcAAAAUAAAAAAAAAAAAAAD/fwAA/38AAAAAAAAJAAAABAAAAAABAAEeAAAAaAAAAAAAAAAAAAAAAAAAAAAAAAAAAAAAECcAABAnAAAAAAAAAAAAAAAAAAAAAAAAAAAAAAAAAAAAAAAAAAAAABQAAAAAAAAAwMD/AAAAAABkAAAAMgAAAAAAAABkAAAAAAAAAH9/fwAKAAAAIgAAABgAAAAAAAAAAAAAAAAAAAAAAAAAAAAAAAAAAAAkAAAAJAAAAAAAAAAHAAAAAAAAAAAAAAAAAAAAAAAAAAAAAAAAAAAAf39/ACUAAABYAAAAAAAAAAAAAAAAAAAAAAAAAAAAAAAAAAAAAAAAAAAAAAAAAAAAAAAAAAAAAAA/AAAAAAAAAKCGAQAAAAAAAAAAAAAAAAAMAAAAAQAAAAAAAAAAAAAAAAAAAB8AAABUAAAA0UnOAEMwnwAAAAAAAAAAAAAAAAAAAAAAAAAAAAAAAAAAAAAAAAAAAAAAAAJ/f38A0UnOA8zMzADAwP8Af39/AAAAAAAAAAAAAAAAAAAAAAAAAAAAIQAAABgAAAAUAAAARgUAAO4ZAABwDgAAGCMAABAAAAAmAAAACAAAAP//////////"/>
               </a:ext>
             </a:extLst>
           </p:cNvSpPr>
@@ -22518,7 +23562,7 @@
             <a:picLocks noChangeAspect="1"/>
             <a:extLst>
               <a:ext uri="smNativeData">
-                <pr:smNativeData xmlns:pr="smNativeData" xmlns="smNativeData" val="SMDATA_17_37BZZRMAAAAlAAAAEQAAAC0AAAAAkAAAAEgAAACQAAAASAAAAAAAAAAAAAAAAAAAAAEAAABQAAAAAAAAAAAA4D8AAAAAAADgPwAAAAAAAOA/AAAAAAAA4D8AAAAAAADgPwAAAAAAAOA/AAAAAAAA4D8AAAAAAADgPwAAAAAAAOA/AAAAAAAA4D8CAAAAjAAAAAAAAAAAAAAAQzCfDP///wgAAAAAAAAAAAAAAAAAAAAAAAAAAAAAAAAAAAAAZAAAAAEAAABAAAAAAAAAAAAAAAAAAAAAAAAAAAAAAAAAAAAAAAAAAAAAAAAAAAAAAAAAAAAAAAAAAAAAAAAAAAAAAAAAAAAAAAAAAAAAAAAAAAAAAAAAAAAAAAAAAAAAFAAAADwAAAAAAAAAAAAAAAAAAAkUAAAAAQAAABQAAAAUAAAAFAAAAAEAAAAAAAAAZAAAAGQAAAAAAAAAZAAAAGQAAAAVAAAAYAAAAAAAAAAAAAAADwAAACADAAAAAAAAAAAAAAEAAACgMgAAVgcAAKr4//8BAAAAf39/AAEAAABkAAAAAAAAABQAAABAHwAAAAAAACYAAAAAAAAAwOD//wAAAAAmAAAAZAAAABYAAABMAAAAAAAAAAAAAAAEAAAAAAAAAAEAAADRSc4KAAAAACgAAAAoAAAAZAAAAGQAAAAAAAAAzMzMAAAAAABQAAAAUAAAAGQAAABkAAAAAAAAAAcAAAA4AAAAAAAAAAAAAAAAAAAA////AAAAAAAAAAAAAAAAAAAAAAAAAAAAAAAAAAAAAABkAAAAZAAAAAAAAAAjAAAABAAAAGQAAAAXAAAAFAAAAAAAAAAAAAAA/38AAP9/AAAAAAAACQAAAAQAAAACAgICHgAAAGgAAAAAAAAAAAAAAAAAAAAAAAAAAAAAABAnAAAQJwAAAAAAAAAAAAAAAAAAAAAAAAAAAAAAAAAAAAAAAAAAAAAUAAAAAAAAAMDA/wAAAAAAZAAAADIAAAAAAAAAZAAAAAAAAAB/f38ACgAAACIAAAAYAAAAAAAAAAAAAAAAAAAAAAAAAAAAAAAAAAAAJAAAACQAAAAAAAAABwAAAAAAAAAAAAAAAAAAAAAAAAAAAAAAAAAAAH9/fwAlAAAAWAAAAAAAAAAAAAAAAAAAAAAAAAAAAAAAAAAAAAAAAAAAAAAAAAAAAAAAAAAAAAAAPwAAAAAAAACghgEAAAAAAAAAAAAAAAAADAAAAAEAAAAAAAAAAAAAAAAAAAAfAAAAVAAAAEMwnwX///8BAAAAAAAAAAAAAAAAAAAAAAAAAAAAAAAAAAAAAAAAAAAAAAACf39/ANFJzgPMzMwAwMD/AH9/fwAAAAAAAAAAAAAAAAD///8AAAAAACEAAAAYAAAAFAAAAB0gAAB3CAAAzjQAACkdAAAQAAAAJgAAAAgAAAD//////////w=="/>
+                <pr:smNativeData xmlns:pr="smNativeData" xmlns="smNativeData" val="SMDATA_17_8sFZZRMAAAAlAAAAEQAAAC0AAAAAkAAAAEgAAACQAAAASAAAAAAAAAAAAAAAAAAAAAEAAABQAAAAAAAAAAAA4D8AAAAAAADgPwAAAAAAAOA/AAAAAAAA4D8AAAAAAADgPwAAAAAAAOA/AAAAAAAA4D8AAAAAAADgPwAAAAAAAOA/AAAAAAAA4D8CAAAAjAAAAAAAAAAAAAAAQzCfDP///wgAAAAAAAAAAAAAAAAAAAAAAAAAAAAAAAAAAAAAZAAAAAEAAABAAAAAAAAAAAAAAAAAAAAAAAAAAAAAAAAAAAAAAAAAAAAAAAAAAAAAAAAAAAAAAAAAAAAAAAAAAAAAAAAAAAAAAAAAAAAAAAAAAAAAAAAAAAAAAAAAAAAAFAAAADwAAAAAAAAAAAAAAAAAAAkUAAAAAQAAABQAAAAUAAAAFAAAAAEAAAAAAAAAZAAAAGQAAAAAAAAAZAAAAGQAAAAVAAAAYAAAAAAAAAAAAAAADwAAACADAAAAAAAAAAAAAAEAAACgMgAAVgcAAKr4//8BAAAAf39/AAEAAABkAAAAAAAAABQAAABAHwAAAAAAACYAAAAAAAAAwOD//wAAAAAmAAAAZAAAABYAAABMAAAAAAAAAAAAAAAEAAAAAAAAAAEAAADRSc4KAAAAACgAAAAoAAAAZAAAAGQAAAAAAAAAzMzMAAAAAABQAAAAUAAAAGQAAABkAAAAAAAAAAcAAAA4AAAAAAAAAAAAAAAAAAAA////AAAAAAAAAAAAAAAAAAAAAAAAAAAAAAAAAAAAAABkAAAAZAAAAAAAAAAjAAAABAAAAGQAAAAXAAAAFAAAAAAAAAAAAAAA/38AAP9/AAAAAAAACQAAAAQAAADAPOYBHgAAAGgAAAAAAAAAAAAAAAAAAAAAAAAAAAAAABAnAAAQJwAAAAAAAAAAAAAAAAAAAAAAAAAAAAAAAAAAAAAAAAAAAAAUAAAAAAAAAMDA/wAAAAAAZAAAADIAAAAAAAAAZAAAAAAAAAB/f38ACgAAACIAAAAYAAAAAAAAAAAAAAAAAAAAAAAAAAAAAAAAAAAAJAAAACQAAAAAAAAABwAAAAAAAAAAAAAAAAAAAAAAAAAAAAAAAAAAAH9/fwAlAAAAWAAAAAAAAAAAAAAAAAAAAAAAAAAAAAAAAAAAAAAAAAAAAAAAAAAAAAAAAAAAAAAAPwAAAAAAAACghgEAAAAAAAAAAAAAAAAADAAAAAEAAAAAAAAAAAAAAAAAAAAfAAAAVAAAAEMwnwX///8BAAAAAAAAAAAAAAAAAAAAAAAAAAAAAAAAAAAAAAAAAAAAAAACf39/ANFJzgPMzMwAwMD/AH9/fwAAAAAAAAAAAAAAAAD///8AAAAAACEAAAAYAAAAFAAAAB0gAAB3CAAAzjQAACkdAAAQAAAAJgAAAAgAAAD//////////w=="/>
               </a:ext>
             </a:extLst>
           </p:cNvPicPr>
@@ -22583,7 +23627,7 @@
           <p:cNvSpPr>
             <a:extLst>
               <a:ext uri="smNativeData">
-                <pr:smNativeData xmlns:pr="smNativeData" xmlns="smNativeData" val="SMDATA_15_37BZZRMAAAAlAAAAZAAAAA0AAAAAjgAAAJAAAACOAAAAkAAAAAAAAAABAAAAAAAAAAEAAABQAAAAAAAAAAAA4D8AAAAAAADgPwAAAAAAAOA/AAAAAAAA4D8AAAAAAADgPwAAAAAAAOA/AAAAAAAA4D8AAAAAAADgPwAAAAAAAOA/AAAAAAAA4D8CAAAAjAAAAAAAAAAAAAAAQzCfDP///wgAAAAAAAAAAAAAAAAAAAAAAAAAAAAAAAAAAAAAZAAAAAEAAABAAAAAAAAAAAAAAAAAAAAAAAAAAAAAAAAAAAAAAAAAAAAAAAAAAAAAAAAAAAAAAAAAAAAAAAAAAAAAAAAAAAAAAAAAAAAAAAAAAAAAAAAAAAAAAAAAAAAAFAAAADwAAAAAAAAAAAAAAAAAAAkUAAAAAQAAABQAAAAUAAAAFAAAAAEAAAAAAAAAZAAAAGQAAAAAAAAAZAAAAGQAAAAVAAAAYAAAAAAAAAAAAAAADwAAACADAAAAAAAAAAAAAAEAAACgMgAAVgcAAKr4//8BAAAAf39/AAEAAABkAAAAAAAAABQAAABAHwAAAAAAACYAAAAAAAAAwOD//wAAAAAmAAAAZAAAABYAAABMAAAAAAAAAAAAAAAEAAAAAAAAAAEAAADRSc4KAAAAACgAAAAoAAAAZAAAAGQAAAAAAAAAzMzMAAAAAABQAAAAUAAAAGQAAABkAAAAAAAAABcAAAAUAAAAAAAAAAAAAAD/fwAA/38AAAAAAAAJAAAABAAAAF8AYAAeAAAAaAAAAAAAAAAAAAAAAAAAAAAAAAAAAAAAECcAABAnAAAAAAAAAAAAAAAAAAAAAAAAAAAAAAAAAAAAAAAAAAAAABQAAAAAAAAAwMD/AAAAAABkAAAAMgAAAAAAAABkAAAAAAAAAH9/fwAKAAAAIgAAABgAAAAAAAAAAAAAAAAAAAAAAAAAAAAAAAAAAAAkAAAAJAAAAAAAAAAHAAAAAAAAAAAAAAAAAAAAAAAAAAAAAAAAAAAAf39/ACUAAABYAAAAAAAAAAAAAAAAAAAAAAAAAAAAAAAAAAAAAAAAAAAAAAAAAAAAAAAAAAAAAAA/AAAAAAAAAKCGAQAAAAAAAAAAAAAAAAAMAAAAAQAAAAAAAAAAAAAAAAAAAB8AAABUAAAAQzCfBf///wEAAAAAAAAAAAAAAAAAAAAAAAAAAAAAAAAAAAAAAAAAAAAAAAJ/f38A0UnOA8zMzADAwP8Af39/AAAAAAAAAAAAAAAAAAAAAAAAAAAAIQAAABgAAAAUAAAAEwMAAKMCAACMMgAAkwUAABAAAAAmAAAACAAAAP//////////"/>
+                <pr:smNativeData xmlns:pr="smNativeData" xmlns="smNativeData" val="SMDATA_15_8sFZZRMAAAAlAAAAZAAAAA0AAAAAjgAAAJAAAACOAAAAkAAAAAAAAAABAAAAAAAAAAEAAABQAAAAAAAAAAAA4D8AAAAAAADgPwAAAAAAAOA/AAAAAAAA4D8AAAAAAADgPwAAAAAAAOA/AAAAAAAA4D8AAAAAAADgPwAAAAAAAOA/AAAAAAAA4D8CAAAAjAAAAAAAAAAAAAAAQzCfDP///wgAAAAAAAAAAAAAAAAAAAAAAAAAAAAAAAAAAAAAZAAAAAEAAABAAAAAAAAAAAAAAAAAAAAAAAAAAAAAAAAAAAAAAAAAAAAAAAAAAAAAAAAAAAAAAAAAAAAAAAAAAAAAAAAAAAAAAAAAAAAAAAAAAAAAAAAAAAAAAAAAAAAAFAAAADwAAAAAAAAAAAAAAAAAAAkUAAAAAQAAABQAAAAUAAAAFAAAAAEAAAAAAAAAZAAAAGQAAAAAAAAAZAAAAGQAAAAVAAAAYAAAAAAAAAAAAAAADwAAACADAAAAAAAAAAAAAAEAAACgMgAAVgcAAKr4//8BAAAAf39/AAEAAABkAAAAAAAAABQAAABAHwAAAAAAACYAAAAAAAAAwOD//wAAAAAmAAAAZAAAABYAAABMAAAAAAAAAAAAAAAEAAAAAAAAAAEAAADRSc4KAAAAACgAAAAoAAAAZAAAAGQAAAAAAAAAzMzMAAAAAABQAAAAUAAAAGQAAABkAAAAAAAAABcAAAAUAAAAAAAAAAAAAAD/fwAA/38AAAAAAAAJAAAABAAAACABIAEeAAAAaAAAAAAAAAAAAAAAAAAAAAAAAAAAAAAAECcAABAnAAAAAAAAAAAAAAAAAAAAAAAAAAAAAAAAAAAAAAAAAAAAABQAAAAAAAAAwMD/AAAAAABkAAAAMgAAAAAAAABkAAAAAAAAAH9/fwAKAAAAIgAAABgAAAAAAAAAAAAAAAAAAAAAAAAAAAAAAAAAAAAkAAAAJAAAAAAAAAAHAAAAAAAAAAAAAAAAAAAAAAAAAAAAAAAAAAAAf39/ACUAAABYAAAAAAAAAAAAAAAAAAAAAAAAAAAAAAAAAAAAAAAAAAAAAAAAAAAAAAAAAAAAAAA/AAAAAAAAAKCGAQAAAAAAAAAAAAAAAAAMAAAAAQAAAAAAAAAAAAAAAAAAAB8AAABUAAAAQzCfBf///wEAAAAAAAAAAAAAAAAAAAAAAAAAAAAAAAAAAAAAAAAAAAAAAAJ/f38A0UnOA8zMzADAwP8Af39/AAAAAAAAAAAAAAAAAAAAAAAAAAAAIQAAABgAAAAUAAAAEwMAAKMCAACMMgAAkwUAABAAAAAmAAAACAAAAP//////////"/>
               </a:ext>
             </a:extLst>
           </p:cNvSpPr>
@@ -22638,7 +23682,7 @@
           <p:cNvSpPr>
             <a:extLst>
               <a:ext uri="smNativeData">
-                <pr:smNativeData xmlns:pr="smNativeData" xmlns="smNativeData" val="SMDATA_15_37BZZRMAAAAlAAAAZgAAAA0AAAAAkAAAAEgAAACQAAAASAAAAAAAAAAAAAAAAAAAAAEAAABQAAAAAAAAAAAA8D8AAAAAAADwPwAAAAAAAOA/AAAAAAAA4D8AAAAAAADgPwAAAAAAAOA/AAAAAAAA4D8AAAAAAADgPwAAAAAAAOA/AAAAAAAA4D8CAAAAjAAAAAEAAAAAAAAAAAAAAP///wgAAAAAAAAAAAAAAAAAAAAAAAAAAAAAAAAAAAAAeAAAAAEAAABAAAAAAAAAAAAAAABaAAAAAAAAAAAAAAAAAAAAAAAAAAAAAAAAAAAAAAAAAAAAAAAAAAAAAAAAAAAAAAAAAAAAAAAAAAAAAAAAAAAAAAAAAAAAAAAAAAAAFAAAADwAAAAAAAAAAAAAAAAAAAkUAAAAAQAAABQAAAAUAAAAFAAAAAEAAAAAAAAAZAAAAGQAAAAAAAAAZAAAAGQAAAAVAAAAYAAAAAAAAAAAAAAADwAAACADAAAAAAAAAAAAAAEAAACgMgAAVgcAAKr4//8BAAAAf39/AAEAAABkAAAAAAAAABQAAABAHwAAAAAAACYAAAAAAAAAwOD//wAAAAAmAAAAZAAAABYAAABMAAAAAQAAAAAAAAAGAAAAAAAAAAEAAAAAAAANMgAAAAAAAAAAAAAAZAAAAGQAAAAAAAAAy8vLADIAAAAAAAAAAAAAAGQAAABkAAAAAAAAABcAAAAUAAAAAAAAAAAAAAD/fwAA/38AAAAAAAAJAAAABAAAAF8AYAAeAAAAaAAAAAAAAAAAAAAAAAAAAAAAAAAAAAAAECcAABAnAAAAAAAAAAAAAAAAAAAAAAAAAAAAAAAAAAAAAAAAAAAAAFIBAAAAAAAAwMD/AAAAAAAAAAAAAAAAAAAAAABkAAAAAAAAAH9/fwAKAAAAIgAAABgAAAAAAAAAAAAAAAAAAAAAAAAAAAAAAAAAAAAkAAAAJAAAAAAAAAAHAAAAAAAAAAAAAAAAAAAAAAAAAAAAAAAAAAAAf39/ACUAAABYAAAAAAAAAAAAAAAAAAAAAAAAAAAAAAAAAAAAAAAAAAAAAAAAAAAAAAAAAAAAAAA/AAAAAAAAAKCGAQAAAAAAAAAAAAAAAAAMAAAAAQAAAAAAAAAAAAAAAAAAAB8AAABUAAAAAAAAAP///wEAAAAAAAAAAAAAAAAAAAAAAAAAAAAAAAAAAAAAAAAAAAAAAAJ/f38AAAAABsvLywDAwP8Af39/AAAAAAAAAAAAAAAAAAAAAAAAAAAAIQAAABgAAAAUAAAA9S8AAC77//9CPQAAewgAABAAAAAmAAAACAAAAP//////////"/>
+                <pr:smNativeData xmlns:pr="smNativeData" xmlns="smNativeData" val="SMDATA_15_8sFZZRMAAAAlAAAAZgAAAA0AAAAAkAAAAEgAAACQAAAASAAAAAAAAAAAAAAAAAAAAAEAAABQAAAAAAAAAAAA8D8AAAAAAADwPwAAAAAAAOA/AAAAAAAA4D8AAAAAAADgPwAAAAAAAOA/AAAAAAAA4D8AAAAAAADgPwAAAAAAAOA/AAAAAAAA4D8CAAAAjAAAAAEAAAAAAAAAAAAAAP///wgAAAAAAAAAAAAAAAAAAAAAAAAAAAAAAAAAAAAAeAAAAAEAAABAAAAAAAAAAAAAAABaAAAAAAAAAAAAAAAAAAAAAAAAAAAAAAAAAAAAAAAAAAAAAAAAAAAAAAAAAAAAAAAAAAAAAAAAAAAAAAAAAAAAAAAAAAAAAAAAAAAAFAAAADwAAAAAAAAAAAAAAAAAAAkUAAAAAQAAABQAAAAUAAAAFAAAAAEAAAAAAAAAZAAAAGQAAAAAAAAAZAAAAGQAAAAVAAAAYAAAAAAAAAAAAAAADwAAACADAAAAAAAAAAAAAAEAAACgMgAAVgcAAKr4//8BAAAAf39/AAEAAABkAAAAAAAAABQAAABAHwAAAAAAACYAAAAAAAAAwOD//wAAAAAmAAAAZAAAABYAAABMAAAAAQAAAAAAAAAGAAAAAAAAAAEAAAAAAAANMgAAAAAAAAAAAAAAZAAAAGQAAAAAAAAAy8vLADIAAAAAAAAAAAAAAGQAAABkAAAAAAAAABcAAAAUAAAAAAAAAAAAAAD/fwAA/38AAAAAAAAJAAAABAAAAF8AYAAeAAAAaAAAAAAAAAAAAAAAAAAAAAAAAAAAAAAAECcAABAnAAAAAAAAAAAAAAAAAAAAAAAAAAAAAAAAAAAAAAAAAAAAAFIBAAAAAAAAwMD/AAAAAAAAAAAAAAAAAAAAAABkAAAAAAAAAH9/fwAKAAAAIgAAABgAAAAAAAAAAAAAAAAAAAAAAAAAAAAAAAAAAAAkAAAAJAAAAAAAAAAHAAAAAAAAAAAAAAAAAAAAAAAAAAAAAAAAAAAAf39/ACUAAABYAAAAAAAAAAAAAAAAAAAAAAAAAAAAAAAAAAAAAAAAAAAAAAAAAAAAAAAAAAAAAAA/AAAAAAAAAKCGAQAAAAAAAAAAAAAAAAAMAAAAAQAAAAAAAAAAAAAAAAAAAB8AAABUAAAAAAAAAP///wEAAAAAAAAAAAAAAAAAAAAAAAAAAAAAAAAAAAAAAAAAAAAAAAJ/f38AAAAABsvLywDAwP8Af39/AAAAAAAAAAAAAAAAAAAAAAAAAAAAIQAAABgAAAAUAAAA9S8AAC77//9CPQAAewgAABAAAAAmAAAACAAAAP//////////"/>
               </a:ext>
             </a:extLst>
           </p:cNvSpPr>
@@ -22673,7 +23717,7 @@
           <p:cNvSpPr>
             <a:extLst>
               <a:ext uri="smNativeData">
-                <pr:smNativeData xmlns:pr="smNativeData" xmlns="smNativeData" val="SMDATA_15_37BZZRMAAAAlAAAAZgAAAA0AAAAAkAAAAEgAAACQAAAASAAAAAAAAAAAAAAAAAAAAAEAAABQAAAAAAAAAAAA8D8AAAAAAADwPwAAAAAAAOA/AAAAAAAA4D8AAAAAAADgPwAAAAAAAOA/AAAAAAAA4D8AAAAAAADgPwAAAAAAAOA/AAAAAAAA4D8CAAAAjAAAAAEAAAADAAAA0UnOAEMwnwAAAAAAAAAAAAAAAAAAAAAAAAAAAAAAAAAAAAAAeAAAAAEAAABAAAAAAAAAAGQAAAAOAQAAAAAAAAAAAAAAAAAAAAAAAAAAAAAAAAAAAAAAAAAAAAAAAAAAAAAAAAAAAAAAAAAAAAAAAAAAAAAAAAAAAAAAAAAAAAAAAAAAFAAAADwAAAAAAAAAAAAAAAAAAAkUAAAAAQAAABQAAAAUAAAAFAAAAAEAAAAAAAAAZAAAAGQAAAAAAAAAZAAAAGQAAAAVAAAAYAAAAAAAAAAAAAAADwAAACADAAAAAAAAAAAAAAEAAACgMgAAVgcAAKr4//8BAAAAf39/AAEAAABkAAAAAAAAABQAAABAHwAAAAAAACYAAAAAAAAAwOD//wAAAAAmAAAAZAAAABYAAABMAAAAAAAAAAAAAAAEAAAAAAAAAAEAAADRSc4KAAAAACgAAAAoAAAAZAAAAGQAAAAAAAAAzMzMAAAAAABQAAAAUAAAAGQAAABkAAAAAAAAABcAAAAUAAAAAAAAAAAAAAD/fwAA/38AAAAAAAAJAAAABAAAAPj///8eAAAAaAAAAAAAAAAAAAAAAAAAAAAAAAAAAAAAECcAABAnAAAAAAAAAAAAAAAAAAAAAAAAAAAAAAAAAAAAAAAAAAAAABQAAAAAAAAAwMD/AAAAAABkAAAAMgAAAAAAAABkAAAAAAAAAH9/fwAKAAAAIgAAABgAAAAAAAAAAAAAAAAAAAAAAAAAAAAAAAAAAAAkAAAAJAAAAAAAAAAHAAAAAAAAAAAAAAAAAAAAAAAAAAAAAAAAAAAAf39/ACUAAABYAAAAAAAAAAAAAAAAAAAAAAAAAAAAAAAAAAAAAAAAAAAAAAAAAAAAAAAAAAAAAAA/AAAAAAAAAKCGAQAAAAAAAAAAAAAAAAAMAAAAAQAAAAAAAAAAAAAAAAAAAB8AAABUAAAA0UnOAEMwnwAAAAAAAAAAAAAAAAAAAAAAAAAAAAAAAAAAAAAAAAAAAAAAAAJ/f38A0UnOA8zMzADAwP8Af39/AAAAAAAAAAAAAAAAAAAAAAAAAAAAIQAAABgAAAAUAAAAlS4AAFEBAACAMgAAPAUAABAAAAAmAAAACAAAAP//////////"/>
+                <pr:smNativeData xmlns:pr="smNativeData" xmlns="smNativeData" val="SMDATA_15_8sFZZRMAAAAlAAAAZgAAAA0AAAAAkAAAAEgAAACQAAAASAAAAAAAAAAAAAAAAAAAAAEAAABQAAAAAAAAAAAA8D8AAAAAAADwPwAAAAAAAOA/AAAAAAAA4D8AAAAAAADgPwAAAAAAAOA/AAAAAAAA4D8AAAAAAADgPwAAAAAAAOA/AAAAAAAA4D8CAAAAjAAAAAEAAAADAAAA0UnOAEMwnwAAAAAAAAAAAAAAAAAAAAAAAAAAAAAAAAAAAAAAeAAAAAEAAABAAAAAAAAAAGQAAAAOAQAAAAAAAAAAAAAAAAAAAAAAAAAAAAAAAAAAAAAAAAAAAAAAAAAAAAAAAAAAAAAAAAAAAAAAAAAAAAAAAAAAAAAAAAAAAAAAAAAAFAAAADwAAAAAAAAAAAAAAAAAAAkUAAAAAQAAABQAAAAUAAAAFAAAAAEAAAAAAAAAZAAAAGQAAAAAAAAAZAAAAGQAAAAVAAAAYAAAAAAAAAAAAAAADwAAACADAAAAAAAAAAAAAAEAAACgMgAAVgcAAKr4//8BAAAAf39/AAEAAABkAAAAAAAAABQAAABAHwAAAAAAACYAAAAAAAAAwOD//wAAAAAmAAAAZAAAABYAAABMAAAAAAAAAAAAAAAEAAAAAAAAAAEAAADRSc4KAAAAACgAAAAoAAAAZAAAAGQAAAAAAAAAzMzMAAAAAABQAAAAUAAAAGQAAABkAAAAAAAAABcAAAAUAAAAAAAAAAAAAAD/fwAA/38AAAAAAAAJAAAABAAAACABIAEeAAAAaAAAAAAAAAAAAAAAAAAAAAAAAAAAAAAAECcAABAnAAAAAAAAAAAAAAAAAAAAAAAAAAAAAAAAAAAAAAAAAAAAABQAAAAAAAAAwMD/AAAAAABkAAAAMgAAAAAAAABkAAAAAAAAAH9/fwAKAAAAIgAAABgAAAAAAAAAAAAAAAAAAAAAAAAAAAAAAAAAAAAkAAAAJAAAAAAAAAAHAAAAAAAAAAAAAAAAAAAAAAAAAAAAAAAAAAAAf39/ACUAAABYAAAAAAAAAAAAAAAAAAAAAAAAAAAAAAAAAAAAAAAAAAAAAAAAAAAAAAAAAAAAAAA/AAAAAAAAAKCGAQAAAAAAAAAAAAAAAAAMAAAAAQAAAAAAAAAAAAAAAAAAAB8AAABUAAAA0UnOAEMwnwAAAAAAAAAAAAAAAAAAAAAAAAAAAAAAAAAAAAAAAAAAAAAAAAJ/f38A0UnOA8zMzADAwP8Af39/AAAAAAAAAAAAAAAAAAAAAAAAAAAAIQAAABgAAAAUAAAAlS4AAFEBAACAMgAAPAUAABAAAAAmAAAACAAAAP//////////"/>
               </a:ext>
             </a:extLst>
           </p:cNvSpPr>
@@ -22711,7 +23755,7 @@
           <p:cNvSpPr>
             <a:extLst>
               <a:ext uri="smNativeData">
-                <pr:smNativeData xmlns:pr="smNativeData" xmlns="smNativeData" val="SMDATA_15_37BZZRMAAAAlAAAAZAAAAA0AAAAAjgAAAJAAAACOAAAAkAAAAAAAAAAAAAAAAAAAAAEAAABQAAAAAAAAAAAA4D8AAAAAAADgPwAAAAAAAOA/AAAAAAAA4D8AAAAAAADgPwAAAAAAAOA/AAAAAAAA4D8AAAAAAADgPwAAAAAAAOA/AAAAAAAA4D8CAAAAjAAAAAAAAAAAAAAAQzCfDP///wgAAAAAAAAAAAAAAAAAAAAAAAAAAAAAAAAAAAAAZAAAAAEAAABAAAAAAAAAAAAAAAAAAAAAAAAAAAAAAAAAAAAAAAAAAAAAAAAAAAAAAAAAAAAAAAAAAAAAAAAAAAAAAAAAAAAAAAAAAAAAAAAAAAAAAAAAAAAAAAAAAAAAFAAAADwAAAAAAAAAAAAAAAAAAAkUAAAAAQAAABQAAAAUAAAAFAAAAAEAAAAAAAAAZAAAAGQAAAAAAAAAZAAAAGQAAAAVAAAAYAAAAAAAAAAAAAAADwAAACADAAAAAAAAAAAAAAEAAACgMgAAVgcAAKr4//8BAAAAf39/AAEAAABkAAAAAAAAABQAAABAHwAAAAAAACYAAAAAAAAAwOD//wAAAAAmAAAAZAAAABYAAABMAAAAAAAAAAAAAAAEAAAAAAAAAAEAAADRSc4KAAAAACgAAAAoAAAAZAAAAGQAAAAAAAAAzMzMAAAAAABQAAAAUAAAAGQAAABkAAAAAAAAABcAAAAUAAAAAAAAAAAAAAD/fwAA/38AAAAAAAAJAAAABAAAABAEAwAeAAAAaAAAAAAAAAAAAAAAAAAAAAAAAAAAAAAAECcAABAnAAAAAAAAAAAAAAAAAAAAAAAAAAAAAAAAAAAAAAAAAAAAABQAAAAAAAAAwMD/AAAAAABkAAAAMgAAAAAAAABkAAAAAAAAAH9/fwAKAAAAIgAAABgAAAAAAAAAAAAAAAAAAAAAAAAAAAAAAAAAAAAkAAAAJAAAAAAAAAAHAAAAAAAAAAAAAAAAAAAAAAAAAAAAAAAAAAAAf39/ACUAAABYAAAAAAAAAAAAAAAAAAAAAAAAAAAAAAAAAAAAAAAAAAAAAAAAAAAAAAAAAAAAAAA/AAAAAAAAAKCGAQAAAAAAAAAAAAAAAAAMAAAAAQAAAAAAAAAAAAAAAAAAAB8AAABUAAAAQzCfBf///wEAAAAAAAAAAAAAAAAAAAAAAAAAAAAAAAAAAAAAAAAAAAAAAAJ/f38A0UnOA8zMzADAwP8Af39/AAAAAAAAAAAAAAAAAAAAAAAAAAAAIQAAABgAAAAUAAAAhAMAAOkHAADVIQAAiQsAABAAAAAmAAAACAAAAP//////////"/>
+                <pr:smNativeData xmlns:pr="smNativeData" xmlns="smNativeData" val="SMDATA_15_8sFZZRMAAAAlAAAAZAAAAA0AAAAAjgAAAJAAAACOAAAAkAAAAAAAAAAAAAAAAAAAAAEAAABQAAAAAAAAAAAA4D8AAAAAAADgPwAAAAAAAOA/AAAAAAAA4D8AAAAAAADgPwAAAAAAAOA/AAAAAAAA4D8AAAAAAADgPwAAAAAAAOA/AAAAAAAA4D8CAAAAjAAAAAAAAAAAAAAAQzCfDP///wgAAAAAAAAAAAAAAAAAAAAAAAAAAAAAAAAAAAAAZAAAAAEAAABAAAAAAAAAAAAAAAAAAAAAAAAAAAAAAAAAAAAAAAAAAAAAAAAAAAAAAAAAAAAAAAAAAAAAAAAAAAAAAAAAAAAAAAAAAAAAAAAAAAAAAAAAAAAAAAAAAAAAFAAAADwAAAAAAAAAAAAAAAAAAAkUAAAAAQAAABQAAAAUAAAAFAAAAAEAAAAAAAAAZAAAAGQAAAAAAAAAZAAAAGQAAAAVAAAAYAAAAAAAAAAAAAAADwAAACADAAAAAAAAAAAAAAEAAACgMgAAVgcAAKr4//8BAAAAf39/AAEAAABkAAAAAAAAABQAAABAHwAAAAAAACYAAAAAAAAAwOD//wAAAAAmAAAAZAAAABYAAABMAAAAAAAAAAAAAAAEAAAAAAAAAAEAAADRSc4KAAAAACgAAAAoAAAAZAAAAGQAAAAAAAAAzMzMAAAAAABQAAAAUAAAAGQAAABkAAAAAAAAABcAAAAUAAAAAAAAAAAAAAD/fwAA/38AAAAAAAAJAAAABAAAAF8AYAAeAAAAaAAAAAAAAAAAAAAAAAAAAAAAAAAAAAAAECcAABAnAAAAAAAAAAAAAAAAAAAAAAAAAAAAAAAAAAAAAAAAAAAAABQAAAAAAAAAwMD/AAAAAABkAAAAMgAAAAAAAABkAAAAAAAAAH9/fwAKAAAAIgAAABgAAAAAAAAAAAAAAAAAAAAAAAAAAAAAAAAAAAAkAAAAJAAAAAAAAAAHAAAAAAAAAAAAAAAAAAAAAAAAAAAAAAAAAAAAf39/ACUAAABYAAAAAAAAAAAAAAAAAAAAAAAAAAAAAAAAAAAAAAAAAAAAAAAAAAAAAAAAAAAAAAA/AAAAAAAAAKCGAQAAAAAAAAAAAAAAAAAMAAAAAQAAAAAAAAAAAAAAAAAAAB8AAABUAAAAQzCfBf///wEAAAAAAAAAAAAAAAAAAAAAAAAAAAAAAAAAAAAAAAAAAAAAAAJ/f38A0UnOA8zMzADAwP8Af39/AAAAAAAAAAAAAAAAAAAAAAAAAAAAIQAAABgAAAAUAAAAhAMAAOkHAADVIQAAiQsAABAAAAAmAAAACAAAAP//////////"/>
               </a:ext>
             </a:extLst>
           </p:cNvSpPr>
@@ -22811,7 +23855,7 @@
           <p:cNvSpPr>
             <a:extLst>
               <a:ext uri="smNativeData">
-                <pr:smNativeData xmlns:pr="smNativeData" xmlns="smNativeData" val="SMDATA_15_37BZZRMAAAAlAAAAZAAAAA0AAAAAjgAAAJAAAACOAAAAkAAAAAAAAAABAAAAAAAAAAEAAABQAAAAAAAAAAAA4D8AAAAAAADgPwAAAAAAAOA/AAAAAAAA4D8AAAAAAADgPwAAAAAAAOA/AAAAAAAA4D8AAAAAAADgPwAAAAAAAOA/AAAAAAAA4D8CAAAAjAAAAAAAAAAAAAAAQzCfDP///wgAAAAAAAAAAAAAAAAAAAAAAAAAAAAAAAAAAAAAZAAAAAEAAABAAAAAAAAAAAAAAAAAAAAAAAAAAAAAAAAAAAAAAAAAAAAAAAAAAAAAAAAAAAAAAAAAAAAAAAAAAAAAAAAAAAAAAAAAAAAAAAAAAAAAAAAAAAAAAAAAAAAAFAAAADwAAAAAAAAAAAAAAAAAAAkUAAAAAQAAABQAAAAUAAAAFAAAAAEAAAAAAAAAZAAAAGQAAAAAAAAAZAAAAGQAAAAVAAAAYAAAAAAAAAAAAAAADwAAACADAAAAAAAAAAAAAAEAAACgMgAAVgcAAKr4//8BAAAAf39/AAEAAABkAAAAAAAAABQAAABAHwAAAAAAACYAAAAAAAAAwOD//wAAAAAmAAAAZAAAABYAAABMAAAAAAAAAAAAAAAEAAAAAAAAAAEAAADRSc4KAAAAACgAAAAoAAAAZAAAAGQAAAAAAAAAzMzMAAAAAABQAAAAUAAAAGQAAABkAAAAAAAAABcAAAAUAAAAAAAAAAAAAAD/fwAA/38AAAAAAAAJAAAABAAAANoyAAAeAAAAaAAAAAAAAAAAAAAAAAAAAAAAAAAAAAAAECcAABAnAAAAAAAAAAAAAAAAAAAAAAAAAAAAAAAAAAAAAAAAAAAAABQAAAAAAAAAwMD/AAAAAABkAAAAMgAAAAAAAABkAAAAAAAAAH9/fwAKAAAAIgAAABgAAAAAAAAAAAAAAAAAAAAAAAAAAAAAAAAAAAAkAAAAJAAAAAAAAAAHAAAAAAAAAAAAAAAAAAAAAAAAAAAAAAAAAAAAf39/ACUAAABYAAAAAAAAAAAAAAAAAAAAAAAAAAAAAAAAAAAAAAAAAAAAAAAAAAAAAAAAAAAAAAA/AAAAAAAAAKCGAQAAAAAAAAAAAAAAAAAMAAAAAQAAAAAAAAAAAAAAAAAAAB8AAABUAAAAQzCfBf///wEAAAAAAAAAAAAAAAAAAAAAAAAAAAAAAAAAAAAAAAAAAAAAAAJ/f38A0UnOA8zMzADAwP8Af39/AAAAAAAAAAAAAAAAAAAAAAAAAAAAIQAAABgAAAAUAAAAhAMAAIQDAAD8MgAAcwYAABAAAAAmAAAACAAAAP//////////"/>
+                <pr:smNativeData xmlns:pr="smNativeData" xmlns="smNativeData" val="SMDATA_15_8sFZZRMAAAAlAAAAZAAAAA0AAAAAjgAAAJAAAACOAAAAkAAAAAAAAAABAAAAAAAAAAEAAABQAAAAAAAAAAAA4D8AAAAAAADgPwAAAAAAAOA/AAAAAAAA4D8AAAAAAADgPwAAAAAAAOA/AAAAAAAA4D8AAAAAAADgPwAAAAAAAOA/AAAAAAAA4D8CAAAAjAAAAAAAAAAAAAAAQzCfDP///wgAAAAAAAAAAAAAAAAAAAAAAAAAAAAAAAAAAAAAZAAAAAEAAABAAAAAAAAAAAAAAAAAAAAAAAAAAAAAAAAAAAAAAAAAAAAAAAAAAAAAAAAAAAAAAAAAAAAAAAAAAAAAAAAAAAAAAAAAAAAAAAAAAAAAAAAAAAAAAAAAAAAAFAAAADwAAAAAAAAAAAAAAAAAAAkUAAAAAQAAABQAAAAUAAAAFAAAAAEAAAAAAAAAZAAAAGQAAAAAAAAAZAAAAGQAAAAVAAAAYAAAAAAAAAAAAAAADwAAACADAAAAAAAAAAAAAAEAAACgMgAAVgcAAKr4//8BAAAAf39/AAEAAABkAAAAAAAAABQAAABAHwAAAAAAACYAAAAAAAAAwOD//wAAAAAmAAAAZAAAABYAAABMAAAAAAAAAAAAAAAEAAAAAAAAAAEAAADRSc4KAAAAACgAAAAoAAAAZAAAAGQAAAAAAAAAzMzMAAAAAABQAAAAUAAAAGQAAABkAAAAAAAAABcAAAAUAAAAAAAAAAAAAAD/fwAA/38AAAAAAAAJAAAABAAAACABIAEeAAAAaAAAAAAAAAAAAAAAAAAAAAAAAAAAAAAAECcAABAnAAAAAAAAAAAAAAAAAAAAAAAAAAAAAAAAAAAAAAAAAAAAABQAAAAAAAAAwMD/AAAAAABkAAAAMgAAAAAAAABkAAAAAAAAAH9/fwAKAAAAIgAAABgAAAAAAAAAAAAAAAAAAAAAAAAAAAAAAAAAAAAkAAAAJAAAAAAAAAAHAAAAAAAAAAAAAAAAAAAAAAAAAAAAAAAAAAAAf39/ACUAAABYAAAAAAAAAAAAAAAAAAAAAAAAAAAAAAAAAAAAAAAAAAAAAAAAAAAAAAAAAAAAAAA/AAAAAAAAAKCGAQAAAAAAAAAAAAAAAAAMAAAAAQAAAAAAAAAAAAAAAAAAAB8AAABUAAAAQzCfBf///wEAAAAAAAAAAAAAAAAAAAAAAAAAAAAAAAAAAAAAAAAAAAAAAAJ/f38A0UnOA8zMzADAwP8Af39/AAAAAAAAAAAAAAAAAAAAAAAAAAAAIQAAABgAAAAUAAAAhAMAAIQDAAD8MgAAcwYAABAAAAAmAAAACAAAAP//////////"/>
               </a:ext>
             </a:extLst>
           </p:cNvSpPr>
@@ -22866,7 +23910,7 @@
           <p:cNvSpPr>
             <a:extLst>
               <a:ext uri="smNativeData">
-                <pr:smNativeData xmlns:pr="smNativeData" xmlns="smNativeData" val="SMDATA_15_37BZZRMAAAAlAAAAZgAAAA0AAAAAkAAAAEgAAACQAAAASAAAAAAAAAAAAAAAAAAAAAEAAABQAAAAAAAAAAAA8D8AAAAAAADwPwAAAAAAAOA/AAAAAAAA4D8AAAAAAADgPwAAAAAAAOA/AAAAAAAA4D8AAAAAAADgPwAAAAAAAOA/AAAAAAAA4D8CAAAAjAAAAAEAAAAAAAAAAAAAAP///wgAAAAAAAAAAAAAAAAAAAAAAAAAAAAAAAAAAAAAeAAAAAEAAABAAAAAAAAAAAAAAABaAAAAAAAAAAAAAAAAAAAAAAAAAAAAAAAAAAAAAAAAAAAAAAAAAAAAAAAAAAAAAAAAAAAAAAAAAAAAAAAAAAAAAAAAAAAAAAAAAAAAFAAAADwAAAAAAAAAAAAAAAAAAAkUAAAAAQAAABQAAAAUAAAAFAAAAAEAAAAAAAAAZAAAAGQAAAAAAAAAZAAAAGQAAAAVAAAAYAAAAAAAAAAAAAAADwAAACADAAAAAAAAAAAAAAEAAACgMgAAVgcAAKr4//8BAAAAf39/AAEAAABkAAAAAAAAABQAAABAHwAAAAAAACYAAAAAAAAAwOD//wAAAAAmAAAAZAAAABYAAABMAAAAAQAAAAAAAAAGAAAAAAAAAAEAAAAAAAANMgAAAAAAAAAAAAAAZAAAAGQAAAAAAAAAy8vLADIAAAAAAAAAAAAAAGQAAABkAAAAAAAAABcAAAAUAAAAAAAAAAAAAAD/fwAA/38AAAAAAAAJAAAABAAAAF8AYAAeAAAAaAAAAAAAAAAAAAAAAAAAAAAAAAAAAAAAECcAABAnAAAAAAAAAAAAAAAAAAAAAAAAAAAAAAAAAAAAAAAAAAAAAFIBAAAAAAAAwMD/AAAAAAAAAAAAAAAAAAAAAABkAAAAAAAAAH9/fwAKAAAAIgAAABgAAAAAAAAAAAAAAAAAAAAAAAAAAAAAAAAAAAAkAAAAJAAAAAAAAAAHAAAAAAAAAAAAAAAAAAAAAAAAAAAAAAAAAAAAf39/ACUAAABYAAAAAAAAAAAAAAAAAAAAAAAAAAAAAAAAAAAAAAAAAAAAAAAAAAAAAAAAAAAAAAA/AAAAAAAAAKCGAQAAAAAAAAAAAAAAAAAMAAAAAQAAAAAAAAAAAAAAAAAAAB8AAABUAAAAAAAAAP///wEAAAAAAAAAAAAAAAAAAAAAAAAAAAAAAAAAAAAAAAAAAAAAAAJ/f38AAAAABsvLywDAwP8Af39/AAAAAAAAAAAAAAAAAAAAAAAAAAAAIQAAABgAAAAUAAAA9S8AAC77//9CPQAAewgAABAAAAAmAAAACAAAAP//////////"/>
+                <pr:smNativeData xmlns:pr="smNativeData" xmlns="smNativeData" val="SMDATA_15_8sFZZRMAAAAlAAAAZgAAAA0AAAAAkAAAAEgAAACQAAAASAAAAAAAAAAAAAAAAAAAAAEAAABQAAAAAAAAAAAA8D8AAAAAAADwPwAAAAAAAOA/AAAAAAAA4D8AAAAAAADgPwAAAAAAAOA/AAAAAAAA4D8AAAAAAADgPwAAAAAAAOA/AAAAAAAA4D8CAAAAjAAAAAEAAAAAAAAAAAAAAP///wgAAAAAAAAAAAAAAAAAAAAAAAAAAAAAAAAAAAAAeAAAAAEAAABAAAAAAAAAAAAAAABaAAAAAAAAAAAAAAAAAAAAAAAAAAAAAAAAAAAAAAAAAAAAAAAAAAAAAAAAAAAAAAAAAAAAAAAAAAAAAAAAAAAAAAAAAAAAAAAAAAAAFAAAADwAAAAAAAAAAAAAAAAAAAkUAAAAAQAAABQAAAAUAAAAFAAAAAEAAAAAAAAAZAAAAGQAAAAAAAAAZAAAAGQAAAAVAAAAYAAAAAAAAAAAAAAADwAAACADAAAAAAAAAAAAAAEAAACgMgAAVgcAAKr4//8BAAAAf39/AAEAAABkAAAAAAAAABQAAABAHwAAAAAAACYAAAAAAAAAwOD//wAAAAAmAAAAZAAAABYAAABMAAAAAQAAAAAAAAAGAAAAAAAAAAEAAAAAAAANMgAAAAAAAAAAAAAAZAAAAGQAAAAAAAAAy8vLADIAAAAAAAAAAAAAAGQAAABkAAAAAAAAABcAAAAUAAAAAAAAAAAAAAD/fwAA/38AAAAAAAAJAAAABAAAAF8AYAAeAAAAaAAAAAAAAAAAAAAAAAAAAAAAAAAAAAAAECcAABAnAAAAAAAAAAAAAAAAAAAAAAAAAAAAAAAAAAAAAAAAAAAAAFIBAAAAAAAAwMD/AAAAAAAAAAAAAAAAAAAAAABkAAAAAAAAAH9/fwAKAAAAIgAAABgAAAAAAAAAAAAAAAAAAAAAAAAAAAAAAAAAAAAkAAAAJAAAAAAAAAAHAAAAAAAAAAAAAAAAAAAAAAAAAAAAAAAAAAAAf39/ACUAAABYAAAAAAAAAAAAAAAAAAAAAAAAAAAAAAAAAAAAAAAAAAAAAAAAAAAAAAAAAAAAAAA/AAAAAAAAAKCGAQAAAAAAAAAAAAAAAAAMAAAAAQAAAAAAAAAAAAAAAAAAAB8AAABUAAAAAAAAAP///wEAAAAAAAAAAAAAAAAAAAAAAAAAAAAAAAAAAAAAAAAAAAAAAAJ/f38AAAAABsvLywDAwP8Af39/AAAAAAAAAAAAAAAAAAAAAAAAAAAAIQAAABgAAAAUAAAA9S8AAC77//9CPQAAewgAABAAAAAmAAAACAAAAP//////////"/>
               </a:ext>
             </a:extLst>
           </p:cNvSpPr>
@@ -22901,7 +23945,7 @@
           <p:cNvSpPr>
             <a:extLst>
               <a:ext uri="smNativeData">
-                <pr:smNativeData xmlns:pr="smNativeData" xmlns="smNativeData" val="SMDATA_15_37BZZRMAAAAlAAAAZgAAAA0AAAAAkAAAAEgAAACQAAAASAAAAAAAAAAAAAAAAAAAAAEAAABQAAAAAAAAAAAA8D8AAAAAAADwPwAAAAAAAOA/AAAAAAAA4D8AAAAAAADgPwAAAAAAAOA/AAAAAAAA4D8AAAAAAADgPwAAAAAAAOA/AAAAAAAA4D8CAAAAjAAAAAEAAAADAAAA0UnOAEMwnwAAAAAAAAAAAAAAAAAAAAAAAAAAAAAAAAAAAAAAeAAAAAEAAABAAAAAAAAAAGQAAAAOAQAAAAAAAAAAAAAAAAAAAAAAAAAAAAAAAAAAAAAAAAAAAAAAAAAAAAAAAAAAAAAAAAAAAAAAAAAAAAAAAAAAAAAAAAAAAAAAAAAAFAAAADwAAAAAAAAAAAAAAAAAAAkUAAAAAQAAABQAAAAUAAAAFAAAAAEAAAAAAAAAZAAAAGQAAAAAAAAAZAAAAGQAAAAVAAAAYAAAAAAAAAAAAAAADwAAACADAAAAAAAAAAAAAAEAAACgMgAAVgcAAKr4//8BAAAAf39/AAEAAABkAAAAAAAAABQAAABAHwAAAAAAACYAAAAAAAAAwOD//wAAAAAmAAAAZAAAABYAAABMAAAAAAAAAAAAAAAEAAAAAAAAAAEAAADRSc4KAAAAACgAAAAoAAAAZAAAAGQAAAAAAAAAzMzMAAAAAABQAAAAUAAAAGQAAABkAAAAAAAAABcAAAAUAAAAAAAAAAAAAAD/fwAA/38AAAAAAAAJAAAABAAAAF8AYAAeAAAAaAAAAAAAAAAAAAAAAAAAAAAAAAAAAAAAECcAABAnAAAAAAAAAAAAAAAAAAAAAAAAAAAAAAAAAAAAAAAAAAAAABQAAAAAAAAAwMD/AAAAAABkAAAAMgAAAAAAAABkAAAAAAAAAH9/fwAKAAAAIgAAABgAAAAAAAAAAAAAAAAAAAAAAAAAAAAAAAAAAAAkAAAAJAAAAAAAAAAHAAAAAAAAAAAAAAAAAAAAAAAAAAAAAAAAAAAAf39/ACUAAABYAAAAAAAAAAAAAAAAAAAAAAAAAAAAAAAAAAAAAAAAAAAAAAAAAAAAAAAAAAAAAAA/AAAAAAAAAKCGAQAAAAAAAAAAAAAAAAAMAAAAAQAAAAAAAAAAAAAAAAAAAB8AAABUAAAA0UnOAEMwnwAAAAAAAAAAAAAAAAAAAAAAAAAAAAAAAAAAAAAAAAAAAAAAAAJ/f38A0UnOA8zMzADAwP8Af39/AAAAAAAAAAAAAAAAAAAAAAAAAAAAIQAAABgAAAAUAAAAlS4AAFEBAACAMgAAPAUAABAAAAAmAAAACAAAAP//////////"/>
+                <pr:smNativeData xmlns:pr="smNativeData" xmlns="smNativeData" val="SMDATA_15_8sFZZRMAAAAlAAAAZgAAAA0AAAAAkAAAAEgAAACQAAAASAAAAAAAAAAAAAAAAAAAAAEAAABQAAAAAAAAAAAA8D8AAAAAAADwPwAAAAAAAOA/AAAAAAAA4D8AAAAAAADgPwAAAAAAAOA/AAAAAAAA4D8AAAAAAADgPwAAAAAAAOA/AAAAAAAA4D8CAAAAjAAAAAEAAAADAAAA0UnOAEMwnwAAAAAAAAAAAAAAAAAAAAAAAAAAAAAAAAAAAAAAeAAAAAEAAABAAAAAAAAAAGQAAAAOAQAAAAAAAAAAAAAAAAAAAAAAAAAAAAAAAAAAAAAAAAAAAAAAAAAAAAAAAAAAAAAAAAAAAAAAAAAAAAAAAAAAAAAAAAAAAAAAAAAAFAAAADwAAAAAAAAAAAAAAAAAAAkUAAAAAQAAABQAAAAUAAAAFAAAAAEAAAAAAAAAZAAAAGQAAAAAAAAAZAAAAGQAAAAVAAAAYAAAAAAAAAAAAAAADwAAACADAAAAAAAAAAAAAAEAAACgMgAAVgcAAKr4//8BAAAAf39/AAEAAABkAAAAAAAAABQAAABAHwAAAAAAACYAAAAAAAAAwOD//wAAAAAmAAAAZAAAABYAAABMAAAAAAAAAAAAAAAEAAAAAAAAAAEAAADRSc4KAAAAACgAAAAoAAAAZAAAAGQAAAAAAAAAzMzMAAAAAABQAAAAUAAAAGQAAABkAAAAAAAAABcAAAAUAAAAAAAAAAAAAAD/fwAA/38AAAAAAAAJAAAABAAAAF8AYAAeAAAAaAAAAAAAAAAAAAAAAAAAAAAAAAAAAAAAECcAABAnAAAAAAAAAAAAAAAAAAAAAAAAAAAAAAAAAAAAAAAAAAAAABQAAAAAAAAAwMD/AAAAAABkAAAAMgAAAAAAAABkAAAAAAAAAH9/fwAKAAAAIgAAABgAAAAAAAAAAAAAAAAAAAAAAAAAAAAAAAAAAAAkAAAAJAAAAAAAAAAHAAAAAAAAAAAAAAAAAAAAAAAAAAAAAAAAAAAAf39/ACUAAABYAAAAAAAAAAAAAAAAAAAAAAAAAAAAAAAAAAAAAAAAAAAAAAAAAAAAAAAAAAAAAAA/AAAAAAAAAKCGAQAAAAAAAAAAAAAAAAAMAAAAAQAAAAAAAAAAAAAAAAAAAB8AAABUAAAA0UnOAEMwnwAAAAAAAAAAAAAAAAAAAAAAAAAAAAAAAAAAAAAAAAAAAAAAAAJ/f38A0UnOA8zMzADAwP8Af39/AAAAAAAAAAAAAAAAAAAAAAAAAAAAIQAAABgAAAAUAAAAlS4AAFEBAACAMgAAPAUAABAAAAAmAAAACAAAAP//////////"/>
               </a:ext>
             </a:extLst>
           </p:cNvSpPr>
@@ -22987,7 +24031,7 @@
           <p:cNvSpPr>
             <a:extLst>
               <a:ext uri="smNativeData">
-                <pr:smNativeData xmlns:pr="smNativeData" xmlns="smNativeData" val="SMDATA_15_37BZZRMAAAAlAAAAZAAAAA0AAAAAjgAAAJAAAACOAAAAkAAAAAAAAAABAAAAAAAAAAEAAABQAAAAAAAAAAAA4D8AAAAAAADgPwAAAAAAAOA/AAAAAAAA4D8AAAAAAADgPwAAAAAAAOA/AAAAAAAA4D8AAAAAAADgPwAAAAAAAOA/AAAAAAAA4D8CAAAAjAAAAAAAAAAAAAAAQzCfDP///wgAAAAAAAAAAAAAAAAAAAAAAAAAAAAAAAAAAAAAZAAAAAEAAABAAAAAAAAAAAAAAAAAAAAAAAAAAAAAAAAAAAAAAAAAAAAAAAAAAAAAAAAAAAAAAAAAAAAAAAAAAAAAAAAAAAAAAAAAAAAAAAAAAAAAAAAAAAAAAAAAAAAAFAAAADwAAAAAAAAAAAAAAAAAAAkUAAAAAQAAABQAAAAUAAAAFAAAAAEAAAAAAAAAZAAAAGQAAAAAAAAAZAAAAGQAAAAVAAAAYAAAAAAAAAAAAAAADwAAACADAAAAAAAAAAAAAAEAAACgMgAAVgcAAKr4//8BAAAAf39/AAEAAABkAAAAAAAAABQAAABAHwAAAAAAACYAAAAAAAAAwOD//wAAAAAmAAAAZAAAABYAAABMAAAAAAAAAAAAAAAEAAAAAAAAAAEAAADRSc4KAAAAACgAAAAoAAAAZAAAAGQAAAAAAAAAzMzMAAAAAABQAAAAUAAAAGQAAABkAAAAAAAAABcAAAAUAAAAAAAAAAAAAAD/fwAA/38AAAAAAAAJAAAABAAAAAAAAAAeAAAAaAAAAAAAAAAAAAAAAAAAAAAAAAAAAAAAECcAABAnAAAAAAAAAAAAAAAAAAAAAAAAAAAAAAAAAAAAAAAAAAAAABQAAAAAAAAAwMD/AAAAAABkAAAAMgAAAAAAAABkAAAAAAAAAH9/fwAKAAAAIgAAABgAAAAAAAAAAAAAAAAAAAAAAAAAAAAAAAAAAAAkAAAAJAAAAAAAAAAHAAAAAAAAAAAAAAAAAAAAAAAAAAAAAAAAAAAAf39/ACUAAABYAAAAAAAAAAAAAAAAAAAAAAAAAAAAAAAAAAAAAAAAAAAAAAAAAAAAAAAAAAAAAAA/AAAAAAAAAKCGAQAAAAAAAAAAAAAAAAAMAAAAAQAAAAAAAAAAAAAAAAAAAB8AAABUAAAAQzCfBf///wEAAAAAAAAAAAAAAAAAAAAAAAAAAAAAAAAAAAAAAAAAAAAAAAJ/f38A0UnOA8zMzADAwP8Af39/AAAAAAAAAAAAAAAAAAAAAAAAAAAAIQAAABgAAAAUAAAAEwMAAKMCAACMMgAAkwUAABAAAAAmAAAACAAAAP//////////"/>
+                <pr:smNativeData xmlns:pr="smNativeData" xmlns="smNativeData" val="SMDATA_15_8sFZZRMAAAAlAAAAZAAAAA0AAAAAjgAAAJAAAACOAAAAkAAAAAAAAAABAAAAAAAAAAEAAABQAAAAAAAAAAAA4D8AAAAAAADgPwAAAAAAAOA/AAAAAAAA4D8AAAAAAADgPwAAAAAAAOA/AAAAAAAA4D8AAAAAAADgPwAAAAAAAOA/AAAAAAAA4D8CAAAAjAAAAAAAAAAAAAAAQzCfDP///wgAAAAAAAAAAAAAAAAAAAAAAAAAAAAAAAAAAAAAZAAAAAEAAABAAAAAAAAAAAAAAAAAAAAAAAAAAAAAAAAAAAAAAAAAAAAAAAAAAAAAAAAAAAAAAAAAAAAAAAAAAAAAAAAAAAAAAAAAAAAAAAAAAAAAAAAAAAAAAAAAAAAAFAAAADwAAAAAAAAAAAAAAAAAAAkUAAAAAQAAABQAAAAUAAAAFAAAAAEAAAAAAAAAZAAAAGQAAAAAAAAAZAAAAGQAAAAVAAAAYAAAAAAAAAAAAAAADwAAACADAAAAAAAAAAAAAAEAAACgMgAAVgcAAKr4//8BAAAAf39/AAEAAABkAAAAAAAAABQAAABAHwAAAAAAACYAAAAAAAAAwOD//wAAAAAmAAAAZAAAABYAAABMAAAAAAAAAAAAAAAEAAAAAAAAAAEAAADRSc4KAAAAACgAAAAoAAAAZAAAAGQAAAAAAAAAzMzMAAAAAABQAAAAUAAAAGQAAABkAAAAAAAAABcAAAAUAAAAAAAAAAAAAAD/fwAA/38AAAAAAAAJAAAABAAAAF8AYAAeAAAAaAAAAAAAAAAAAAAAAAAAAAAAAAAAAAAAECcAABAnAAAAAAAAAAAAAAAAAAAAAAAAAAAAAAAAAAAAAAAAAAAAABQAAAAAAAAAwMD/AAAAAABkAAAAMgAAAAAAAABkAAAAAAAAAH9/fwAKAAAAIgAAABgAAAAAAAAAAAAAAAAAAAAAAAAAAAAAAAAAAAAkAAAAJAAAAAAAAAAHAAAAAAAAAAAAAAAAAAAAAAAAAAAAAAAAAAAAf39/ACUAAABYAAAAAAAAAAAAAAAAAAAAAAAAAAAAAAAAAAAAAAAAAAAAAAAAAAAAAAAAAAAAAAA/AAAAAAAAAKCGAQAAAAAAAAAAAAAAAAAMAAAAAQAAAAAAAAAAAAAAAAAAAB8AAABUAAAAQzCfBf///wEAAAAAAAAAAAAAAAAAAAAAAAAAAAAAAAAAAAAAAAAAAAAAAAJ/f38A0UnOA8zMzADAwP8Af39/AAAAAAAAAAAAAAAAAAAAAAAAAAAAIQAAABgAAAAUAAAAEwMAAKMCAACMMgAAkwUAABAAAAAmAAAACAAAAP//////////"/>
               </a:ext>
             </a:extLst>
           </p:cNvSpPr>
@@ -23069,7 +24113,7 @@
           <p:cNvSpPr>
             <a:extLst>
               <a:ext uri="smNativeData">
-                <pr:smNativeData xmlns:pr="smNativeData" xmlns="smNativeData" val="SMDATA_15_37BZZRMAAAAlAAAAZgAAAA0AAAAAkAAAAEgAAACQAAAASAAAAAAAAAAAAAAAAAAAAAEAAABQAAAAAAAAAAAA8D8AAAAAAADwPwAAAAAAAOA/AAAAAAAA4D8AAAAAAADgPwAAAAAAAOA/AAAAAAAA4D8AAAAAAADgPwAAAAAAAOA/AAAAAAAA4D8CAAAAjAAAAAEAAAAAAAAAAAAAAP///wgAAAAAAAAAAAAAAAAAAAAAAAAAAAAAAAAAAAAAeAAAAAEAAABAAAAAAAAAAAAAAABaAAAAAAAAAAAAAAAAAAAAAAAAAAAAAAAAAAAAAAAAAAAAAAAAAAAAAAAAAAAAAAAAAAAAAAAAAAAAAAAAAAAAAAAAAAAAAAAAAAAAFAAAADwAAAAAAAAAAAAAAAAAAAkUAAAAAQAAABQAAAAUAAAAFAAAAAEAAAAAAAAAZAAAAGQAAAAAAAAAZAAAAGQAAAAVAAAAYAAAAAAAAAAAAAAADwAAACADAAAAAAAAAAAAAAEAAACgMgAAVgcAAKr4//8BAAAAf39/AAEAAABkAAAAAAAAABQAAABAHwAAAAAAACYAAAAAAAAAwOD//wAAAAAmAAAAZAAAABYAAABMAAAAAQAAAAAAAAAGAAAAAAAAAAEAAAAAAAANMgAAAAAAAAAAAAAAZAAAAGQAAAAAAAAAy8vLADIAAAAAAAAAAAAAAGQAAABkAAAAAAAAABcAAAAUAAAAAAAAAAAAAAD/fwAA/38AAAAAAAAJAAAABAAAAAAAAAAeAAAAaAAAAAAAAAAAAAAAAAAAAAAAAAAAAAAAECcAABAnAAAAAAAAAAAAAAAAAAAAAAAAAAAAAAAAAAAAAAAAAAAAAFIBAAAAAAAAwMD/AAAAAAAAAAAAAAAAAAAAAABkAAAAAAAAAH9/fwAKAAAAIgAAABgAAAAAAAAAAAAAAAAAAAAAAAAAAAAAAAAAAAAkAAAAJAAAAAAAAAAHAAAAAAAAAAAAAAAAAAAAAAAAAAAAAAAAAAAAf39/ACUAAABYAAAAAAAAAAAAAAAAAAAAAAAAAAAAAAAAAAAAAAAAAAAAAAAAAAAAAAAAAAAAAAA/AAAAAAAAAKCGAQAAAAAAAAAAAAAAAAAMAAAAAQAAAAAAAAAAAAAAAAAAAB8AAABUAAAAAAAAAP///wEAAAAAAAAAAAAAAAAAAAAAAAAAAAAAAAAAAAAAAAAAAAAAAAJ/f38AAAAABsvLywDAwP8Af39/AAAAAAAAAAAAAAAAAAAAAAAAAAAAIQAAABgAAAAUAAAA9S8AAC77//9CPQAAewgAABAAAAAmAAAACAAAAP//////////"/>
+                <pr:smNativeData xmlns:pr="smNativeData" xmlns="smNativeData" val="SMDATA_15_8sFZZRMAAAAlAAAAZgAAAA0AAAAAkAAAAEgAAACQAAAASAAAAAAAAAAAAAAAAAAAAAEAAABQAAAAAAAAAAAA8D8AAAAAAADwPwAAAAAAAOA/AAAAAAAA4D8AAAAAAADgPwAAAAAAAOA/AAAAAAAA4D8AAAAAAADgPwAAAAAAAOA/AAAAAAAA4D8CAAAAjAAAAAEAAAAAAAAAAAAAAP///wgAAAAAAAAAAAAAAAAAAAAAAAAAAAAAAAAAAAAAeAAAAAEAAABAAAAAAAAAAAAAAABaAAAAAAAAAAAAAAAAAAAAAAAAAAAAAAAAAAAAAAAAAAAAAAAAAAAAAAAAAAAAAAAAAAAAAAAAAAAAAAAAAAAAAAAAAAAAAAAAAAAAFAAAADwAAAAAAAAAAAAAAAAAAAkUAAAAAQAAABQAAAAUAAAAFAAAAAEAAAAAAAAAZAAAAGQAAAAAAAAAZAAAAGQAAAAVAAAAYAAAAAAAAAAAAAAADwAAACADAAAAAAAAAAAAAAEAAACgMgAAVgcAAKr4//8BAAAAf39/AAEAAABkAAAAAAAAABQAAABAHwAAAAAAACYAAAAAAAAAwOD//wAAAAAmAAAAZAAAABYAAABMAAAAAQAAAAAAAAAGAAAAAAAAAAEAAAAAAAANMgAAAAAAAAAAAAAAZAAAAGQAAAAAAAAAy8vLADIAAAAAAAAAAAAAAGQAAABkAAAAAAAAABcAAAAUAAAAAAAAAAAAAAD/fwAA/38AAAAAAAAJAAAABAAAAGQ9IjQeAAAAaAAAAAAAAAAAAAAAAAAAAAAAAAAAAAAAECcAABAnAAAAAAAAAAAAAAAAAAAAAAAAAAAAAAAAAAAAAAAAAAAAAFIBAAAAAAAAwMD/AAAAAAAAAAAAAAAAAAAAAABkAAAAAAAAAH9/fwAKAAAAIgAAABgAAAAAAAAAAAAAAAAAAAAAAAAAAAAAAAAAAAAkAAAAJAAAAAAAAAAHAAAAAAAAAAAAAAAAAAAAAAAAAAAAAAAAAAAAf39/ACUAAABYAAAAAAAAAAAAAAAAAAAAAAAAAAAAAAAAAAAAAAAAAAAAAAAAAAAAAAAAAAAAAAA/AAAAAAAAAKCGAQAAAAAAAAAAAAAAAAAMAAAAAQAAAAAAAAAAAAAAAAAAAB8AAABUAAAAAAAAAP///wEAAAAAAAAAAAAAAAAAAAAAAAAAAAAAAAAAAAAAAAAAAAAAAAJ/f38AAAAABsvLywDAwP8Af39/AAAAAAAAAAAAAAAAAAAAAAAAAAAAIQAAABgAAAAUAAAA9S8AAC77//9CPQAAewgAABAAAAAmAAAACAAAAP//////////"/>
               </a:ext>
             </a:extLst>
           </p:cNvSpPr>
@@ -23104,7 +24148,7 @@
           <p:cNvSpPr>
             <a:extLst>
               <a:ext uri="smNativeData">
-                <pr:smNativeData xmlns:pr="smNativeData" xmlns="smNativeData" val="SMDATA_15_37BZZRMAAAAlAAAAZgAAAA0AAAAAkAAAAEgAAACQAAAASAAAAAAAAAAAAAAAAAAAAAEAAABQAAAAAAAAAAAA8D8AAAAAAADwPwAAAAAAAOA/AAAAAAAA4D8AAAAAAADgPwAAAAAAAOA/AAAAAAAA4D8AAAAAAADgPwAAAAAAAOA/AAAAAAAA4D8CAAAAjAAAAAEAAAADAAAA0UnOAEMwnwAAAAAAAAAAAAAAAAAAAAAAAAAAAAAAAAAAAAAAeAAAAAEAAABAAAAAAAAAAGQAAAAOAQAAAAAAAAAAAAAAAAAAAAAAAAAAAAAAAAAAAAAAAAAAAAAAAAAAAAAAAAAAAAAAAAAAAAAAAAAAAAAAAAAAAAAAAAAAAAAAAAAAFAAAADwAAAAAAAAAAAAAAAAAAAkUAAAAAQAAABQAAAAUAAAAFAAAAAEAAAAAAAAAZAAAAGQAAAAAAAAAZAAAAGQAAAAVAAAAYAAAAAAAAAAAAAAADwAAACADAAAAAAAAAAAAAAEAAACgMgAAVgcAAKr4//8BAAAAf39/AAEAAABkAAAAAAAAABQAAABAHwAAAAAAACYAAAAAAAAAwOD//wAAAAAmAAAAZAAAABYAAABMAAAAAAAAAAAAAAAEAAAAAAAAAAEAAADRSc4KAAAAACgAAAAoAAAAZAAAAGQAAAAAAAAAzMzMAAAAAABQAAAAUAAAAGQAAABkAAAAAAAAABcAAAAUAAAAAAAAAAAAAAD/fwAA/38AAAAAAAAJAAAABAAAAAAAAAAeAAAAaAAAAAAAAAAAAAAAAAAAAAAAAAAAAAAAECcAABAnAAAAAAAAAAAAAAAAAAAAAAAAAAAAAAAAAAAAAAAAAAAAABQAAAAAAAAAwMD/AAAAAABkAAAAMgAAAAAAAABkAAAAAAAAAH9/fwAKAAAAIgAAABgAAAAAAAAAAAAAAAAAAAAAAAAAAAAAAAAAAAAkAAAAJAAAAAAAAAAHAAAAAAAAAAAAAAAAAAAAAAAAAAAAAAAAAAAAf39/ACUAAABYAAAAAAAAAAAAAAAAAAAAAAAAAAAAAAAAAAAAAAAAAAAAAAAAAAAAAAAAAAAAAAA/AAAAAAAAAKCGAQAAAAAAAAAAAAAAAAAMAAAAAQAAAAAAAAAAAAAAAAAAAB8AAABUAAAA0UnOAEMwnwAAAAAAAAAAAAAAAAAAAAAAAAAAAAAAAAAAAAAAAAAAAAAAAAJ/f38A0UnOA8zMzADAwP8Af39/AAAAAAAAAAAAAAAAAAAAAAAAAAAAIQAAABgAAAAUAAAAlS4AAFEBAACAMgAAPAUAABAAAAAmAAAACAAAAP//////////"/>
+                <pr:smNativeData xmlns:pr="smNativeData" xmlns="smNativeData" val="SMDATA_15_8sFZZRMAAAAlAAAAZgAAAA0AAAAAkAAAAEgAAACQAAAASAAAAAAAAAAAAAAAAAAAAAEAAABQAAAAAAAAAAAA8D8AAAAAAADwPwAAAAAAAOA/AAAAAAAA4D8AAAAAAADgPwAAAAAAAOA/AAAAAAAA4D8AAAAAAADgPwAAAAAAAOA/AAAAAAAA4D8CAAAAjAAAAAEAAAADAAAA0UnOAEMwnwAAAAAAAAAAAAAAAAAAAAAAAAAAAAAAAAAAAAAAeAAAAAEAAABAAAAAAAAAAGQAAAAOAQAAAAAAAAAAAAAAAAAAAAAAAAAAAAAAAAAAAAAAAAAAAAAAAAAAAAAAAAAAAAAAAAAAAAAAAAAAAAAAAAAAAAAAAAAAAAAAAAAAFAAAADwAAAAAAAAAAAAAAAAAAAkUAAAAAQAAABQAAAAUAAAAFAAAAAEAAAAAAAAAZAAAAGQAAAAAAAAAZAAAAGQAAAAVAAAAYAAAAAAAAAAAAAAADwAAACADAAAAAAAAAAAAAAEAAACgMgAAVgcAAKr4//8BAAAAf39/AAEAAABkAAAAAAAAABQAAABAHwAAAAAAACYAAAAAAAAAwOD//wAAAAAmAAAAZAAAABYAAABMAAAAAAAAAAAAAAAEAAAAAAAAAAEAAADRSc4KAAAAACgAAAAoAAAAZAAAAGQAAAAAAAAAzMzMAAAAAABQAAAAUAAAAGQAAABkAAAAAAAAABcAAAAUAAAAAAAAAAAAAAD/fwAA/38AAAAAAAAJAAAABAAAAAAAAAAeAAAAaAAAAAAAAAAAAAAAAAAAAAAAAAAAAAAAECcAABAnAAAAAAAAAAAAAAAAAAAAAAAAAAAAAAAAAAAAAAAAAAAAABQAAAAAAAAAwMD/AAAAAABkAAAAMgAAAAAAAABkAAAAAAAAAH9/fwAKAAAAIgAAABgAAAAAAAAAAAAAAAAAAAAAAAAAAAAAAAAAAAAkAAAAJAAAAAAAAAAHAAAAAAAAAAAAAAAAAAAAAAAAAAAAAAAAAAAAf39/ACUAAABYAAAAAAAAAAAAAAAAAAAAAAAAAAAAAAAAAAAAAAAAAAAAAAAAAAAAAAAAAAAAAAA/AAAAAAAAAKCGAQAAAAAAAAAAAAAAAAAMAAAAAQAAAAAAAAAAAAAAAAAAAB8AAABUAAAA0UnOAEMwnwAAAAAAAAAAAAAAAAAAAAAAAAAAAAAAAAAAAAAAAAAAAAAAAAJ/f38A0UnOA8zMzADAwP8Af39/AAAAAAAAAAAAAAAAAAAAAAAAAAAAIQAAABgAAAAUAAAAlS4AAFEBAACAMgAAPAUAABAAAAAmAAAACAAAAP//////////"/>
               </a:ext>
             </a:extLst>
           </p:cNvSpPr>
@@ -23142,7 +24186,7 @@
           <p:cNvSpPr>
             <a:extLst>
               <a:ext uri="smNativeData">
-                <pr:smNativeData xmlns:pr="smNativeData" xmlns="smNativeData" val="SMDATA_15_37BZZRMAAAAlAAAAZAAAAA0AAAAAkAAAAEgAAACQAAAASAAAAAAAAAAAAAAAAAAAAAEAAABQAAAAAAAAAAAA4D8AAAAAAADgPwAAAAAAAOA/AAAAAAAA4D8AAAAAAADgPwAAAAAAAOA/AAAAAAAA4D8AAAAAAADgPwAAAAAAAOA/AAAAAAAA4D8CAAAAjAAAAAAAAAAAAAAAQzCfDP///wgAAAAAAAAAAAAAAAAAAAAAAAAAAAAAAAAAAAAAZAAAAAEAAABAAAAAAAAAAAAAAAAAAAAAAAAAAAAAAAAAAAAAAAAAAAAAAAAAAAAAAAAAAAAAAAAAAAAAAAAAAAAAAAAAAAAAAAAAAAAAAAAAAAAAAAAAAAAAAAAAAAAAFAAAADwAAAAAAAAAAAAAAAAAAAkUAAAAAQAAABQAAAAUAAAAFAAAAAEAAAAAAAAAZAAAAGQAAAAAAAAAZAAAAGQAAAAVAAAAYAAAAAAAAAAAAAAADwAAACADAAAAAAAAAAAAAAEAAACgMgAAVgcAAKr4//8BAAAAf39/AAEAAABkAAAAAAAAABQAAABAHwAAAAAAACYAAAAAAAAAwOD//wAAAAAmAAAAZAAAABYAAABMAAAAAAAAAAAAAAAEAAAAAAAAAAEAAADRSc4KAAAAACgAAAAoAAAAZAAAAGQAAAAAAAAAzMzMAAAAAABQAAAAUAAAAGQAAABkAAAAAAAAABcAAAAUAAAAAAAAAAAAAAD/fwAA/38AAAAAAAAJAAAABAAAAAAAAAAeAAAAaAAAAAAAAAAAAAAAAAAAAAAAAAAAAAAAECcAABAnAAAAAAAAAAAAAAAAAAAAAAAAAAAAAAAAAAAAAAAAAAAAABQAAAAAAAAAwMD/AAAAAABkAAAAMgAAAAAAAABkAAAAAAAAAH9/fwAKAAAAIgAAABgAAAAAAAAAAAAAAAAAAAAAAAAAAAAAAAAAAAAkAAAAJAAAAAAAAAAHAAAAAAAAAAAAAAAAAAAAAAAAAAAAAAAAAAAAf39/ACUAAABYAAAAAAAAAAAAAAAAAAAAAAAAAAAAAAAAAAAAAAAAAAAAAAAAAAAAAAAAAAAAAAA/AAAAAAAAAKCGAQAAAAAAAAAAAAAAAAAMAAAAAQAAAAAAAAAAAAAAAAAAAB8AAABUAAAAQzCfBf///wEAAAAAAAAAAAAAAAAAAAAAAAAAAAAAAAAAAAAAAAAAAAAAAAJ/f38A0UnOA8zMzADAwP8Af39/AAAAAAAAAAAAAAAAAAAAAAAAAAAAIQAAABgAAAAUAAAA9QAAAB3////UAgAA/AAAABAAAAAmAAAACAAAAP//////////"/>
+                <pr:smNativeData xmlns:pr="smNativeData" xmlns="smNativeData" val="SMDATA_15_8sFZZRMAAAAlAAAAZAAAAA0AAAAAkAAAAEgAAACQAAAASAAAAAAAAAAAAAAAAAAAAAEAAABQAAAAAAAAAAAA4D8AAAAAAADgPwAAAAAAAOA/AAAAAAAA4D8AAAAAAADgPwAAAAAAAOA/AAAAAAAA4D8AAAAAAADgPwAAAAAAAOA/AAAAAAAA4D8CAAAAjAAAAAAAAAAAAAAAQzCfDP///wgAAAAAAAAAAAAAAAAAAAAAAAAAAAAAAAAAAAAAZAAAAAEAAABAAAAAAAAAAAAAAAAAAAAAAAAAAAAAAAAAAAAAAAAAAAAAAAAAAAAAAAAAAAAAAAAAAAAAAAAAAAAAAAAAAAAAAAAAAAAAAAAAAAAAAAAAAAAAAAAAAAAAFAAAADwAAAAAAAAAAAAAAAAAAAkUAAAAAQAAABQAAAAUAAAAFAAAAAEAAAAAAAAAZAAAAGQAAAAAAAAAZAAAAGQAAAAVAAAAYAAAAAAAAAAAAAAADwAAACADAAAAAAAAAAAAAAEAAACgMgAAVgcAAKr4//8BAAAAf39/AAEAAABkAAAAAAAAABQAAABAHwAAAAAAACYAAAAAAAAAwOD//wAAAAAmAAAAZAAAABYAAABMAAAAAAAAAAAAAAAEAAAAAAAAAAEAAADRSc4KAAAAACgAAAAoAAAAZAAAAGQAAAAAAAAAzMzMAAAAAABQAAAAUAAAAGQAAABkAAAAAAAAABcAAAAUAAAAAAAAAAAAAAD/fwAA/38AAAAAAAAJAAAABAAAAGw9IjMeAAAAaAAAAAAAAAAAAAAAAAAAAAAAAAAAAAAAECcAABAnAAAAAAAAAAAAAAAAAAAAAAAAAAAAAAAAAAAAAAAAAAAAABQAAAAAAAAAwMD/AAAAAABkAAAAMgAAAAAAAABkAAAAAAAAAH9/fwAKAAAAIgAAABgAAAAAAAAAAAAAAAAAAAAAAAAAAAAAAAAAAAAkAAAAJAAAAAAAAAAHAAAAAAAAAAAAAAAAAAAAAAAAAAAAAAAAAAAAf39/ACUAAABYAAAAAAAAAAAAAAAAAAAAAAAAAAAAAAAAAAAAAAAAAAAAAAAAAAAAAAAAAAAAAAA/AAAAAAAAAKCGAQAAAAAAAAAAAAAAAAAMAAAAAQAAAAAAAAAAAAAAAAAAAB8AAABUAAAAQzCfBf///wEAAAAAAAAAAAAAAAAAAAAAAAAAAAAAAAAAAAAAAAAAAAAAAAJ/f38A0UnOA8zMzADAwP8Af39/AAAAAAAAAAAAAAAAAAAAAAAAAAAAIQAAABgAAAAUAAAA9QAAAB3////UAgAA/AAAABAAAAAmAAAACAAAAP//////////"/>
               </a:ext>
             </a:extLst>
           </p:cNvSpPr>
@@ -23169,7 +24213,7 @@
           <p:cNvSpPr>
             <a:extLst>
               <a:ext uri="smNativeData">
-                <pr:smNativeData xmlns:pr="smNativeData" xmlns="smNativeData" val="SMDATA_15_37BZZRMAAAAlAAAAZAAAAA0AAAAAkAAAAEgAAACQAAAASAAAAAAAAAAAAAAAAAAAAAEAAABQAAAAAAAAAAAA4D8AAAAAAADgPwAAAAAAAOA/AAAAAAAA4D8AAAAAAADgPwAAAAAAAOA/AAAAAAAA4D8AAAAAAADgPwAAAAAAAOA/AAAAAAAA4D8CAAAAjAAAAAAAAAAAAAAAQzCfDP///wgAAAAAAAAAAAAAAAAAAAAAAAAAAAAAAAAAAAAAZAAAAAEAAABAAAAAAAAAAAAAAAAAAAAAAAAAAAAAAAAAAAAAAAAAAAAAAAAAAAAAAAAAAAAAAAAAAAAAAAAAAAAAAAAAAAAAAAAAAAAAAAAAAAAAAAAAAAAAAAAAAAAAFAAAADwAAAAAAAAAAAAAAAAAAAkUAAAAAQAAABQAAAAUAAAAFAAAAAEAAAAAAAAAZAAAAGQAAAAAAAAAZAAAAGQAAAAVAAAAYAAAAAAAAAAAAAAADwAAACADAAAAAAAAAAAAAAEAAACgMgAAVgcAAKr4//8BAAAAf39/AAEAAABkAAAAAAAAABQAAABAHwAAAAAAACYAAAAAAAAAwOD//wAAAAAmAAAAZAAAABYAAABMAAAAAAAAAAAAAAAEAAAAAAAAAAEAAADRSc4KAAAAACgAAAAoAAAAZAAAAGQAAAAAAAAAzMzMAAAAAABQAAAAUAAAAGQAAABkAAAAAAAAABcAAAAUAAAAAAAAAAAAAAD/fwAA/38AAAAAAAAJAAAABAAAAF8AYAAeAAAAaAAAAAAAAAAAAAAAAAAAAAAAAAAAAAAAECcAABAnAAAAAAAAAAAAAAAAAAAAAAAAAAAAAAAAAAAAAAAAAAAAABQAAAAAAAAAwMD/AAAAAABkAAAAMgAAAAAAAABkAAAAAAAAAH9/fwAKAAAAIgAAABgAAAAAAAAAAAAAAAAAAAAAAAAAAAAAAAAAAAAkAAAAJAAAAAAAAAAHAAAAAAAAAAAAAAAAAAAAAAAAAAAAAAAAAAAAf39/ACUAAABYAAAAAAAAAAAAAAAAAAAAAAAAAAAAAAAAAAAAAAAAAAAAAAAAAAAAAAAAAAAAAAA/AAAAAAAAAKCGAQAAAAAAAAAAAAAAAAAMAAAAAQAAAAAAAAAAAAAAAAAAAB8AAABUAAAAQzCfBf///wEAAAAAAAAAAAAAAAAAAAAAAAAAAAAAAAAAAAAAAAAAAAAAAAJ/f38A0UnOA8zMzADAwP8Af39/AAAAAAAAAAAAAAAAAAAAAAAAAAAAIQAAABgAAAAUAAAA9QAAAB3////UAgAA/AAAABAAAAAmAAAACAAAAP//////////"/>
+                <pr:smNativeData xmlns:pr="smNativeData" xmlns="smNativeData" val="SMDATA_15_8sFZZRMAAAAlAAAAZAAAAA0AAAAAkAAAAEgAAACQAAAASAAAAAAAAAAAAAAAAAAAAAEAAABQAAAAAAAAAAAA4D8AAAAAAADgPwAAAAAAAOA/AAAAAAAA4D8AAAAAAADgPwAAAAAAAOA/AAAAAAAA4D8AAAAAAADgPwAAAAAAAOA/AAAAAAAA4D8CAAAAjAAAAAAAAAAAAAAAQzCfDP///wgAAAAAAAAAAAAAAAAAAAAAAAAAAAAAAAAAAAAAZAAAAAEAAABAAAAAAAAAAAAAAAAAAAAAAAAAAAAAAAAAAAAAAAAAAAAAAAAAAAAAAAAAAAAAAAAAAAAAAAAAAAAAAAAAAAAAAAAAAAAAAAAAAAAAAAAAAAAAAAAAAAAAFAAAADwAAAAAAAAAAAAAAAAAAAkUAAAAAQAAABQAAAAUAAAAFAAAAAEAAAAAAAAAZAAAAGQAAAAAAAAAZAAAAGQAAAAVAAAAYAAAAAAAAAAAAAAADwAAACADAAAAAAAAAAAAAAEAAACgMgAAVgcAAKr4//8BAAAAf39/AAEAAABkAAAAAAAAABQAAABAHwAAAAAAACYAAAAAAAAAwOD//wAAAAAmAAAAZAAAABYAAABMAAAAAAAAAAAAAAAEAAAAAAAAAAEAAADRSc4KAAAAACgAAAAoAAAAZAAAAGQAAAAAAAAAzMzMAAAAAABQAAAAUAAAAGQAAABkAAAAAAAAABcAAAAUAAAAAAAAAAAAAAD/fwAA/38AAAAAAAAJAAAABAAAADpsdW0eAAAAaAAAAAAAAAAAAAAAAAAAAAAAAAAAAAAAECcAABAnAAAAAAAAAAAAAAAAAAAAAAAAAAAAAAAAAAAAAAAAAAAAABQAAAAAAAAAwMD/AAAAAABkAAAAMgAAAAAAAABkAAAAAAAAAH9/fwAKAAAAIgAAABgAAAAAAAAAAAAAAAAAAAAAAAAAAAAAAAAAAAAkAAAAJAAAAAAAAAAHAAAAAAAAAAAAAAAAAAAAAAAAAAAAAAAAAAAAf39/ACUAAABYAAAAAAAAAAAAAAAAAAAAAAAAAAAAAAAAAAAAAAAAAAAAAAAAAAAAAAAAAAAAAAA/AAAAAAAAAKCGAQAAAAAAAAAAAAAAAAAMAAAAAQAAAAAAAAAAAAAAAAAAAB8AAABUAAAAQzCfBf///wEAAAAAAAAAAAAAAAAAAAAAAAAAAAAAAAAAAAAAAAAAAAAAAAJ/f38A0UnOA8zMzADAwP8Af39/AAAAAAAAAAAAAAAAAAAAAAAAAAAAIQAAABgAAAAUAAAA9QAAAB3////UAgAA/AAAABAAAAAmAAAACAAAAP//////////"/>
               </a:ext>
             </a:extLst>
           </p:cNvSpPr>
@@ -23196,7 +24240,7 @@
           <p:cNvSpPr>
             <a:extLst>
               <a:ext uri="smNativeData">
-                <pr:smNativeData xmlns:pr="smNativeData" xmlns="smNativeData" val="SMDATA_15_37BZZRMAAAAlAAAAyAAAAA0AAAAAkAAAAEgAAACQAAAASAAAAAAAAAABAAAAAAAAAAEAAABQAAAA+Yqv+Iqv6D8AAAAAAADgPwAAAAAAAOA/AAAAAAAA4D8AAAAAAADgPwAAAAAAAOA/AAAAAAAA4D8AAAAAAADgPwAAAAAAAOA/AAAAAAAA4D8CAAAAjAAAAAEAAAAAAAAAgS1/2v///wgAAAAAAAAAAAAAAAAAAAAAAAAAAAAAAAAAAAAAZAAAAAEAAABAAAAAAAAAAAAAAAAAAAAAAAAAAAAAAAAAAAAAAAAAAAAAAAAAAAAAAAAAAAAAAAAAAAAAAAAAAAAAAAAAAAAAAAAAAAAAAAAAAAAAAAAAAAAAAAAAAAAAFAAAADwAAAABAAAAAAAAANFJzgooAAAAAQAAABQAAAAUAAAAFAAAAAEAAAAAAAAAZAAAAGQAAAAAAAAAZAAAAGQAAAAVAAAAYAAAAAAAAAAAAAAADwAAACADAAAAAAAAAAAAAAEAAACgMgAAAAAAAAAAAAABAAAAf39/AAEAAABkAAAAAAAAABQAAABAHwAAAAAAACYAAAAAAAAAwOD//wAAAAAmAAAAZAAAABYAAABMAAAAAAAAAAAAAAAEAAAAAAAAAAEAAADRSc4KAAAAACgAAAAoAAAAZAAAAGQAAAAAAAAAzMzMAAAAAABQAAAAUAAAAGQAAABkAAAAAAAAABcAAAAUAAAAAAAAAAAAAAD/fwAApHkAAAAAAAAJAAAABAAAAF8AYAAeAAAAaAAAAAAAAAAAAAAAAAAAAAAAAAAAAAAAECcAABAnAAAAAAAAAAAAAAAAAAAAAAAAAAAAAAAAAAAAAAAAAAAAABQAAAAAAAAAwMD/AAAAAABkAAAAMgAAAAAAAABkAAAAAAAAAH9/fwAKAAAAIgAAABgAAAAAAAAAAAAAAAAAAAAAAAAAAAAAAAAAAAAkAAAAJAAAAAAAAAAHAAAAAAAAAAAAAAAAAAAAAAAAAAAAAAAAAAAAf39/ACUAAABYAAAAAAAAAAAAAAAAAAAAAAAAAAAAAAAAAAAAAAAAAAAAAAAAAAAAAAAAAAAAAAA/AAAAAAAAAKCGAQAAAAAAAAAAAAAAAAAMAAAAAQAAAAAAAAAAAAAAAAAAAB8AAABUAAAAgS1/s////wEAAAAAAAAAAAAAAAAAAAAAAAAAAAAAAAAAAAAAAAAAANFJzgN/f38A0UnOA8zMzADAwP8Af39/AAAAAAAAAAAAAAAAAAAAAAAAAAAAIQAAABgAAAAUAAAArQIAAGcHAAAuEgAAfg4AAAAAAAAmAAAACAAAAP//////////"/>
+                <pr:smNativeData xmlns:pr="smNativeData" xmlns="smNativeData" val="SMDATA_15_8sFZZRMAAAAlAAAAyAAAAA0AAAAAkAAAAEgAAACQAAAASAAAAAAAAAABAAAAAAAAAAEAAABQAAAA+Yqv+Iqv6D8AAAAAAADgPwAAAAAAAOA/AAAAAAAA4D8AAAAAAADgPwAAAAAAAOA/AAAAAAAA4D8AAAAAAADgPwAAAAAAAOA/AAAAAAAA4D8CAAAAjAAAAAEAAAAAAAAAgS1/2v///wgAAAAAAAAAAAAAAAAAAAAAAAAAAAAAAAAAAAAAZAAAAAEAAABAAAAAAAAAAAAAAAAAAAAAAAAAAAAAAAAAAAAAAAAAAAAAAAAAAAAAAAAAAAAAAAAAAAAAAAAAAAAAAAAAAAAAAAAAAAAAAAAAAAAAAAAAAAAAAAAAAAAAFAAAADwAAAABAAAAAAAAANFJzgooAAAAAQAAABQAAAAUAAAAFAAAAAEAAAAAAAAAZAAAAGQAAAAAAAAAZAAAAGQAAAAVAAAAYAAAAAAAAAAAAAAADwAAACADAAAAAAAAAAAAAAEAAACgMgAAAAAAAAAAAAABAAAAf39/AAEAAABkAAAAAAAAABQAAABAHwAAAAAAACYAAAAAAAAAwOD//wAAAAAmAAAAZAAAABYAAABMAAAAAAAAAAAAAAAEAAAAAAAAAAEAAADRSc4KAAAAACgAAAAoAAAAZAAAAGQAAAAAAAAAzMzMAAAAAABQAAAAUAAAAGQAAABkAAAAAAAAABcAAAAUAAAAAAAAAAAAAAD/fwAApHkAAAAAAAAJAAAABAAAAAAAAAAeAAAAaAAAAAAAAAAAAAAAAAAAAAAAAAAAAAAAECcAABAnAAAAAAAAAAAAAAAAAAAAAAAAAAAAAAAAAAAAAAAAAAAAABQAAAAAAAAAwMD/AAAAAABkAAAAMgAAAAAAAABkAAAAAAAAAH9/fwAKAAAAIgAAABgAAAAAAAAAAAAAAAAAAAAAAAAAAAAAAAAAAAAkAAAAJAAAAAAAAAAHAAAAAAAAAAAAAAAAAAAAAAAAAAAAAAAAAAAAf39/ACUAAABYAAAAAAAAAAAAAAAAAAAAAAAAAAAAAAAAAAAAAAAAAAAAAAAAAAAAAAAAAAAAAAA/AAAAAAAAAKCGAQAAAAAAAAAAAAAAAAAMAAAAAQAAAAAAAAAAAAAAAAAAAB8AAABUAAAAgS1/s////wEAAAAAAAAAAAAAAAAAAAAAAAAAAAAAAAAAAAAAAAAAANFJzgN/f38A0UnOA8zMzADAwP8Af39/AAAAAAAAAAAAAAAAAAAAAAAAAAAAIQAAABgAAAAUAAAArQIAAGcHAAAuEgAAfg4AAAAAAAAmAAAACAAAAP//////////"/>
               </a:ext>
             </a:extLst>
           </p:cNvSpPr>
@@ -23254,7 +24298,7 @@
           <p:cNvSpPr>
             <a:extLst>
               <a:ext uri="smNativeData">
-                <pr:smNativeData xmlns:pr="smNativeData" xmlns="smNativeData" val="SMDATA_15_37BZZRMAAAAlAAAAyAAAAA0AAAAAkAAAAEgAAACQAAAASAAAAAAAAAABAAAAAAAAAAEAAABQAAAAuQRlaL+o5j8AAAAAAADgPwAAAAAAAOA/AAAAAAAA4D8AAAAAAADgPwAAAAAAAOA/AAAAAAAA4D8AAAAAAADgPwAAAAAAAOA/AAAAAAAA4D8CAAAAjAAAAAEAAAAAAAAAgS1/2v///wgAAAAAAAAAAAAAAAAAAAAAAAAAAAAAAAAAAAAAZAAAAAEAAABAAAAAAAAAAAAAAAAAAAAAAAAAAAAAAAAAAAAAAAAAAAAAAAAAAAAAAAAAAAAAAAAAAAAAAAAAAAAAAAAAAAAAAAAAAAAAAAAAAAAAAAAAAAAAAAAAAAAAFAAAADwAAAABAAAAAAAAANFJzgooAAAAAQAAABQAAAAUAAAAFAAAAAEAAAAAAAAAZAAAAGQAAAAAAAAAZAAAAGQAAAAVAAAAYAAAAAAAAAAAAAAADwAAACADAAAAAAAAAAAAAAEAAACgMgAAAAAAAAAAAAABAAAAf39/AAEAAABkAAAAAAAAABQAAABAHwAAAAAAACYAAAAAAAAAwOD//wAAAAAmAAAAZAAAABYAAABMAAAAAAAAAAAAAAAEAAAAAAAAAAEAAADRSc4KAAAAACgAAAAoAAAAZAAAAGQAAAAAAAAAzMzMAAAAAABQAAAAUAAAAGQAAABkAAAAAAAAABcAAAAUAAAAAAAAAAAAAAD/fwAApHkAAAAAAAAJAAAABAAAAPA1AAAeAAAAaAAAAAAAAAAAAAAAAAAAAAAAAAAAAAAAECcAABAnAAAAAAAAAAAAAAAAAAAAAAAAAAAAAAAAAAAAAAAAAAAAABQAAAAAAAAAwMD/AAAAAABkAAAAMgAAAAAAAABkAAAAAAAAAH9/fwAKAAAAIgAAABgAAAAAAAAAAAAAAAAAAAAAAAAAAAAAAAAAAAAkAAAAJAAAAAAAAAAHAAAAAAAAAAAAAAAAAAAAAAAAAAAAAAAAAAAAf39/ACUAAABYAAAAAAAAAAAAAAAAAAAAAAAAAAAAAAAAAAAAAAAAAAAAAAAAAAAAAAAAAAAAAAA/AAAAAAAAAKCGAQAAAAAAAAAAAAAAAAAMAAAAAQAAAAAAAAAAAAAAAAAAAB8AAABUAAAAgS1/s////wEAAAAAAAAAAAAAAAAAAAAAAAAAAAAAAAAAAAAAAAAAANFJzgN/f38A0UnOA8zMzADAwP8Af39/AAAAAAAAAAAAAAAAAAAAAAAAAAAAIQAAABgAAAAUAAAA+AcAAJsNAAB5FwAAqBYAAAAAAAAmAAAACAAAAP//////////"/>
+                <pr:smNativeData xmlns:pr="smNativeData" xmlns="smNativeData" val="SMDATA_15_8sFZZRMAAAAlAAAAyAAAAA0AAAAAkAAAAEgAAACQAAAASAAAAAAAAAABAAAAAAAAAAEAAABQAAAAuQRlaL+o5j8AAAAAAADgPwAAAAAAAOA/AAAAAAAA4D8AAAAAAADgPwAAAAAAAOA/AAAAAAAA4D8AAAAAAADgPwAAAAAAAOA/AAAAAAAA4D8CAAAAjAAAAAEAAAAAAAAAgS1/2v///wgAAAAAAAAAAAAAAAAAAAAAAAAAAAAAAAAAAAAAZAAAAAEAAABAAAAAAAAAAAAAAAAAAAAAAAAAAAAAAAAAAAAAAAAAAAAAAAAAAAAAAAAAAAAAAAAAAAAAAAAAAAAAAAAAAAAAAAAAAAAAAAAAAAAAAAAAAAAAAAAAAAAAFAAAADwAAAABAAAAAAAAANFJzgooAAAAAQAAABQAAAAUAAAAFAAAAAEAAAAAAAAAZAAAAGQAAAAAAAAAZAAAAGQAAAAVAAAAYAAAAAAAAAAAAAAADwAAACADAAAAAAAAAAAAAAEAAACgMgAAAAAAAAAAAAABAAAAf39/AAEAAABkAAAAAAAAABQAAABAHwAAAAAAACYAAAAAAAAAwOD//wAAAAAmAAAAZAAAABYAAABMAAAAAAAAAAAAAAAEAAAAAAAAAAEAAADRSc4KAAAAACgAAAAoAAAAZAAAAGQAAAAAAAAAzMzMAAAAAABQAAAAUAAAAGQAAABkAAAAAAAAABcAAAAUAAAAAAAAAAAAAAD/fwAApHkAAAAAAAAJAAAABAAAAAAAAAAeAAAAaAAAAAAAAAAAAAAAAAAAAAAAAAAAAAAAECcAABAnAAAAAAAAAAAAAAAAAAAAAAAAAAAAAAAAAAAAAAAAAAAAABQAAAAAAAAAwMD/AAAAAABkAAAAMgAAAAAAAABkAAAAAAAAAH9/fwAKAAAAIgAAABgAAAAAAAAAAAAAAAAAAAAAAAAAAAAAAAAAAAAkAAAAJAAAAAAAAAAHAAAAAAAAAAAAAAAAAAAAAAAAAAAAAAAAAAAAf39/ACUAAABYAAAAAAAAAAAAAAAAAAAAAAAAAAAAAAAAAAAAAAAAAAAAAAAAAAAAAAAAAAAAAAA/AAAAAAAAAKCGAQAAAAAAAAAAAAAAAAAMAAAAAQAAAAAAAAAAAAAAAAAAAB8AAABUAAAAgS1/s////wEAAAAAAAAAAAAAAAAAAAAAAAAAAAAAAAAAAAAAAAAAANFJzgN/f38A0UnOA8zMzADAwP8Af39/AAAAAAAAAAAAAAAAAAAAAAAAAAAAIQAAABgAAAAUAAAA+AcAAJsNAAB5FwAAqBYAAAAAAAAmAAAACAAAAP//////////"/>
               </a:ext>
             </a:extLst>
           </p:cNvSpPr>
@@ -23312,7 +24356,7 @@
           <p:cNvSpPr>
             <a:extLst>
               <a:ext uri="smNativeData">
-                <pr:smNativeData xmlns:pr="smNativeData" xmlns="smNativeData" val="SMDATA_15_37BZZRMAAAAlAAAAyAAAAA0AAAAAkAAAAEgAAACQAAAASAAAAAAAAAABAAAAAAAAAAEAAABQAAAA8RR/cuOV5z8AAAAAAADgPwAAAAAAAOA/AAAAAAAA4D8AAAAAAADgPwAAAAAAAOA/AAAAAAAA4D8AAAAAAADgPwAAAAAAAOA/AAAAAAAA4D8CAAAAjAAAAAEAAAAAAAAAgS1/2v///wgAAAAAAAAAAAAAAAAAAAAAAAAAAAAAAAAAAAAAZAAAAAEAAABAAAAAAAAAAAAAAAAAAAAAAAAAAAAAAAAAAAAAAAAAAAAAAAAAAAAAAAAAAAAAAAAAAAAAAAAAAAAAAAAAAAAAAAAAAAAAAAAAAAAAAAAAAAAAAAAAAAAAFAAAADwAAAABAAAAAAAAANFJzgooAAAAAQAAABQAAAAUAAAAFAAAAAEAAAAAAAAAZAAAAGQAAAAAAAAAZAAAAGQAAAAVAAAAYAAAAAAAAAAAAAAADwAAACADAAAAAAAAAAAAAAEAAACgMgAAAAAAAAAAAAABAAAAf39/AAEAAABkAAAAAAAAABQAAABAHwAAAAAAACYAAAAAAAAAwOD//wAAAAAmAAAAZAAAABYAAABMAAAAAAAAAAAAAAAEAAAAAAAAAAEAAADRSc4KAAAAACgAAAAoAAAAZAAAAGQAAAAAAAAAzMzMAAAAAABQAAAAUAAAAGQAAABkAAAAAAAAABcAAAAUAAAAAAAAAAAAAAD/fwAApHkAAAAAAAAJAAAABAAAAHc7AAAeAAAAaAAAAAAAAAAAAAAAAAAAAAAAAAAAAAAAECcAABAnAAAAAAAAAAAAAAAAAAAAAAAAAAAAAAAAAAAAAAAAAAAAABQAAAAAAAAAwMD/AAAAAABkAAAAMgAAAAAAAABkAAAAAAAAAH9/fwAKAAAAIgAAABgAAAAAAAAAAAAAAAAAAAAAAAAAAAAAAAAAAAAkAAAAJAAAAAAAAAAHAAAAAAAAAAAAAAAAAAAAAAAAAAAAAAAAAAAAf39/ACUAAABYAAAAAAAAAAAAAAAAAAAAAAAAAAAAAAAAAAAAAAAAAAAAAAAAAAAAAAAAAAAAAAA/AAAAAAAAAKCGAQAAAAAAAAAAAAAAAAAMAAAAAQAAAAAAAAAAAAAAAAAAAB8AAABUAAAAgS1/s////wEAAAAAAAAAAAAAAAAAAAAAAAAAAAAAAAAAAAAAAAAAANFJzgN/f38A0UnOA8zMzADAwP8Af39/AAAAAAAAAAAAAAAAAAAAAAAAAAAAIQAAABgAAAAUAAAA1g4AAKAVAADiIQAApB8AAAAAAAAmAAAACAAAAP//////////"/>
+                <pr:smNativeData xmlns:pr="smNativeData" xmlns="smNativeData" val="SMDATA_15_8sFZZRMAAAAlAAAAyAAAAA0AAAAAkAAAAEgAAACQAAAASAAAAAAAAAABAAAAAAAAAAEAAABQAAAA8RR/cuOV5z8AAAAAAADgPwAAAAAAAOA/AAAAAAAA4D8AAAAAAADgPwAAAAAAAOA/AAAAAAAA4D8AAAAAAADgPwAAAAAAAOA/AAAAAAAA4D8CAAAAjAAAAAEAAAAAAAAAgS1/2v///wgAAAAAAAAAAAAAAAAAAAAAAAAAAAAAAAAAAAAAZAAAAAEAAABAAAAAAAAAAAAAAAAAAAAAAAAAAAAAAAAAAAAAAAAAAAAAAAAAAAAAAAAAAAAAAAAAAAAAAAAAAAAAAAAAAAAAAAAAAAAAAAAAAAAAAAAAAAAAAAAAAAAAFAAAADwAAAABAAAAAAAAANFJzgooAAAAAQAAABQAAAAUAAAAFAAAAAEAAAAAAAAAZAAAAGQAAAAAAAAAZAAAAGQAAAAVAAAAYAAAAAAAAAAAAAAADwAAACADAAAAAAAAAAAAAAEAAACgMgAAAAAAAAAAAAABAAAAf39/AAEAAABkAAAAAAAAABQAAABAHwAAAAAAACYAAAAAAAAAwOD//wAAAAAmAAAAZAAAABYAAABMAAAAAAAAAAAAAAAEAAAAAAAAAAEAAADRSc4KAAAAACgAAAAoAAAAZAAAAGQAAAAAAAAAzMzMAAAAAABQAAAAUAAAAGQAAABkAAAAAAAAABcAAAAUAAAAAAAAAAAAAAD/fwAApHkAAAAAAAAJAAAABAAAADEiIGkeAAAAaAAAAAAAAAAAAAAAAAAAAAAAAAAAAAAAECcAABAnAAAAAAAAAAAAAAAAAAAAAAAAAAAAAAAAAAAAAAAAAAAAABQAAAAAAAAAwMD/AAAAAABkAAAAMgAAAAAAAABkAAAAAAAAAH9/fwAKAAAAIgAAABgAAAAAAAAAAAAAAAAAAAAAAAAAAAAAAAAAAAAkAAAAJAAAAAAAAAAHAAAAAAAAAAAAAAAAAAAAAAAAAAAAAAAAAAAAf39/ACUAAABYAAAAAAAAAAAAAAAAAAAAAAAAAAAAAAAAAAAAAAAAAAAAAAAAAAAAAAAAAAAAAAA/AAAAAAAAAKCGAQAAAAAAAAAAAAAAAAAMAAAAAQAAAAAAAAAAAAAAAAAAAB8AAABUAAAAgS1/s////wEAAAAAAAAAAAAAAAAAAAAAAAAAAAAAAAAAAAAAAAAAANFJzgN/f38A0UnOA8zMzADAwP8Af39/AAAAAAAAAAAAAAAAAAAAAAAAAAAAIQAAABgAAAAUAAAA1g4AAKAVAADiIQAApB8AAAAAAAAmAAAACAAAAP//////////"/>
               </a:ext>
             </a:extLst>
           </p:cNvSpPr>
@@ -23359,7 +24403,7 @@
               </a:defRPr>
             </a:pPr>
             <a:r>
-              <a:t>Эффективная тех. поддержка пользователей</a:t>
+              <a:t>Быстрая тех. помощь пользователям с проблемой  </a:t>
             </a:r>
           </a:p>
         </p:txBody>
@@ -23370,7 +24414,7 @@
           <p:cNvSpPr>
             <a:extLst>
               <a:ext uri="smNativeData">
-                <pr:smNativeData xmlns:pr="smNativeData" xmlns="smNativeData" val="SMDATA_15_37BZZRMAAAAlAAAAyAAAAA0AAAAAkAAAAEgAAACQAAAASAAAAAAAAAABAAAAAAAAAAEAAABQAAAAmpmZmZmZ6T8AAAAAAADgPwAAAAAAAOA/AAAAAAAA4D8AAAAAAADgPwAAAAAAAOA/AAAAAAAA4D8AAAAAAADgPwAAAAAAAOA/AAAAAAAA4D8CAAAAjAAAAAEAAAAAAAAAgS1/2v///wgAAAAAAAAAAAAAAAAAAAAAAAAAAAAAAAAAAAAAZAAAAAEAAABAAAAAAAAAAAAAAAAAAAAAAAAAAAAAAAAAAAAAAAAAAAAAAAAAAAAAAAAAAAAAAAAAAAAAAAAAAAAAAAAAAAAAAAAAAAAAAAAAAAAAAAAAAAAAAAAAAAAAFAAAADwAAAABAAAAAAAAANFJzgooAAAAAQAAABQAAAAUAAAAFAAAAAEAAAAAAAAAZAAAAGQAAAAAAAAAZAAAAGQAAAAVAAAAYAAAAAAAAAAAAAAADwAAACADAAAAAAAAAAAAAAEAAACgMgAAAAAAAAAAAAABAAAAf39/AAEAAABkAAAAAAAAABQAAABAHwAAAAAAACYAAAAAAAAAwOD//wAAAAAmAAAAZAAAABYAAABMAAAAAAAAAAAAAAAEAAAAAAAAAAEAAADRSc4KAAAAACgAAAAoAAAAZAAAAGQAAAAAAAAAzMzMAAAAAABQAAAAUAAAAGQAAABkAAAAAAAAABcAAAAUAAAAAAAAAAAAAAD/fwAApHkAAAAAAAAJAAAABAAAAJw8AAAeAAAAaAAAAAAAAAAAAAAAAAAAAAAAAAAAAAAAECcAABAnAAAAAAAAAAAAAAAAAAAAAAAAAAAAAAAAAAAAAAAAAAAAABQAAAAAAAAAwMD/AAAAAABkAAAAMgAAAAAAAABkAAAAAAAAAH9/fwAKAAAAIgAAABgAAAAAAAAAAAAAAAAAAAAAAAAAAAAAAAAAAAAkAAAAJAAAAAAAAAAHAAAAAAAAAAAAAAAAAAAAAAAAAAAAAAAAAAAAf39/ACUAAABYAAAAAAAAAAAAAAAAAAAAAAAAAAAAAAAAAAAAAAAAAAAAAAAAAAAAAAAAAAAAAAA/AAAAAAAAAKCGAQAAAAAAAAAAAAAAAAAMAAAAAQAAAAAAAAAAAAAAAAAAAB8AAABUAAAAgS1/s////wEAAAAAAAAAAAAAAAAAAAAAAAAAAAAAAAAAAAAAAAAAANFJzgN/f38A0UnOA8zMzADAwP8Af39/AAAAAAAAAAAAAAAAAAAAAAAAAAAAIQAAABgAAAAUAAAAIBwAAGcHAAChKwAAmw0AAAAAAAAmAAAACAAAAP//////////"/>
+                <pr:smNativeData xmlns:pr="smNativeData" xmlns="smNativeData" val="SMDATA_15_8sFZZRMAAAAlAAAAyAAAAA0AAAAAkAAAAEgAAACQAAAASAAAAAAAAAABAAAAAAAAAAEAAABQAAAAmpmZmZmZ6T8AAAAAAADgPwAAAAAAAOA/AAAAAAAA4D8AAAAAAADgPwAAAAAAAOA/AAAAAAAA4D8AAAAAAADgPwAAAAAAAOA/AAAAAAAA4D8CAAAAjAAAAAEAAAAAAAAAgS1/2v///wgAAAAAAAAAAAAAAAAAAAAAAAAAAAAAAAAAAAAAZAAAAAEAAABAAAAAAAAAAAAAAAAAAAAAAAAAAAAAAAAAAAAAAAAAAAAAAAAAAAAAAAAAAAAAAAAAAAAAAAAAAAAAAAAAAAAAAAAAAAAAAAAAAAAAAAAAAAAAAAAAAAAAFAAAADwAAAABAAAAAAAAANFJzgooAAAAAQAAABQAAAAUAAAAFAAAAAEAAAAAAAAAZAAAAGQAAAAAAAAAZAAAAGQAAAAVAAAAYAAAAAAAAAAAAAAADwAAACADAAAAAAAAAAAAAAEAAACgMgAAAAAAAAAAAAABAAAAf39/AAEAAABkAAAAAAAAABQAAABAHwAAAAAAACYAAAAAAAAAwOD//wAAAAAmAAAAZAAAABYAAABMAAAAAAAAAAAAAAAEAAAAAAAAAAEAAADRSc4KAAAAACgAAAAoAAAAZAAAAGQAAAAAAAAAzMzMAAAAAABQAAAAUAAAAGQAAABkAAAAAAAAABcAAAAUAAAAAAAAAAAAAAD/fwAApHkAAAAAAAAJAAAABAAAADxhOnMeAAAAaAAAAAAAAAAAAAAAAAAAAAAAAAAAAAAAECcAABAnAAAAAAAAAAAAAAAAAAAAAAAAAAAAAAAAAAAAAAAAAAAAABQAAAAAAAAAwMD/AAAAAABkAAAAMgAAAAAAAABkAAAAAAAAAH9/fwAKAAAAIgAAABgAAAAAAAAAAAAAAAAAAAAAAAAAAAAAAAAAAAAkAAAAJAAAAAAAAAAHAAAAAAAAAAAAAAAAAAAAAAAAAAAAAAAAAAAAf39/ACUAAABYAAAAAAAAAAAAAAAAAAAAAAAAAAAAAAAAAAAAAAAAAAAAAAAAAAAAAAAAAAAAAAA/AAAAAAAAAKCGAQAAAAAAAAAAAAAAAAAMAAAAAQAAAAAAAAAAAAAAAAAAAB8AAABUAAAAgS1/s////wEAAAAAAAAAAAAAAAAAAAAAAAAAAAAAAAAAAAAAAAAAANFJzgN/f38A0UnOA8zMzADAwP8Af39/AAAAAAAAAAAAAAAAAAAAAAAAAAAAIQAAABgAAAAUAAAAIBwAAGcHAAChKwAAmw0AAAAAAAAmAAAACAAAAP//////////"/>
               </a:ext>
             </a:extLst>
           </p:cNvSpPr>
@@ -23428,7 +24472,7 @@
           <p:cNvSpPr>
             <a:extLst>
               <a:ext uri="smNativeData">
-                <pr:smNativeData xmlns:pr="smNativeData" xmlns="smNativeData" val="SMDATA_15_37BZZRMAAAAlAAAAyAAAAA0AAAAAkAAAAEgAAACQAAAASAAAAAAAAAABAAAAAAAAAAEAAABQAAAAk/H+LMCj6D8AAAAAAADgPwAAAAAAAOA/AAAAAAAA4D8AAAAAAADgPwAAAAAAAOA/AAAAAAAA4D8AAAAAAADgPwAAAAAAAOA/AAAAAAAA4D8CAAAAjAAAAAEAAAAAAAAAgS1/2v///wgAAAAAAAAAAAAAAAAAAAAAAAAAAAAAAAAAAAAAZAAAAAEAAABAAAAAAAAAAAAAAAAAAAAAAAAAAAAAAAAAAAAAAAAAAAAAAAAAAAAAAAAAAAAAAAAAAAAAAAAAAAAAAAAAAAAAAAAAAAAAAAAAAAAAAAAAAAAAAAAAAAAAFAAAADwAAAABAAAAAAAAANFJzgooAAAAAQAAABQAAAAUAAAAFAAAAAEAAAAAAAAAZAAAAGQAAAAAAAAAZAAAAGQAAAAVAAAAYAAAAAAAAAAAAAAADwAAACADAAAAAAAAAAAAAAEAAACgMgAAAAAAAAAAAAABAAAAf39/AAEAAABkAAAAAAAAABQAAABAHwAAAAAAACYAAAAAAAAAwOD//wAAAAAmAAAAZAAAABYAAABMAAAAAAAAAAAAAAAEAAAAAAAAAAEAAADRSc4KAAAAACgAAAAoAAAAZAAAAGQAAAAAAAAAzMzMAAAAAABQAAAAUAAAAGQAAABkAAAAAAAAABcAAAAUAAAAAAAAAAAAAAD/fwAApHkAAAAAAAAJAAAABAAAAAAAAAAeAAAAaAAAAAAAAAAAAAAAAAAAAAAAAAAAAAAAECcAABAnAAAAAAAAAAAAAAAAAAAAAAAAAAAAAAAAAAAAAAAAAAAAABQAAAAAAAAAwMD/AAAAAABkAAAAMgAAAAAAAABkAAAAAAAAAH9/fwAKAAAAIgAAABgAAAAAAAAAAAAAAAAAAAAAAAAAAAAAAAAAAAAkAAAAJAAAAAAAAAAHAAAAAAAAAAAAAAAAAAAAAAAAAAAAAAAAAAAAf39/ACUAAABYAAAAAAAAAAAAAAAAAAAAAAAAAAAAAAAAAAAAAAAAAAAAAAAAAAAAAAAAAAAAAAA/AAAAAAAAAKCGAQAAAAAAAAAAAAAAAAAMAAAAAQAAAAAAAAAAAAAAAAAAAB8AAABUAAAAgS1/s////wEAAAAAAAAAAAAAAAAAAAAAAAAAAAAAAAAAAAAAAAAAANFJzgN/f38A0UnOA8zMzADAwP8Af39/AAAAAAAAAAAAAAAAAAAAAAAAAAAAIQAAABgAAAAUAAAA4iEAAHoOAABjMQAAnBUAAAAAAAAmAAAACAAAAP//////////"/>
+                <pr:smNativeData xmlns:pr="smNativeData" xmlns="smNativeData" val="SMDATA_15_8sFZZRMAAAAlAAAAyAAAAA0AAAAAkAAAAEgAAACQAAAASAAAAAAAAAABAAAAAAAAAAEAAABQAAAAk/H+LMCj6D8AAAAAAADgPwAAAAAAAOA/AAAAAAAA4D8AAAAAAADgPwAAAAAAAOA/AAAAAAAA4D8AAAAAAADgPwAAAAAAAOA/AAAAAAAA4D8CAAAAjAAAAAEAAAAAAAAAgS1/2v///wgAAAAAAAAAAAAAAAAAAAAAAAAAAAAAAAAAAAAAZAAAAAEAAABAAAAAAAAAAAAAAAAAAAAAAAAAAAAAAAAAAAAAAAAAAAAAAAAAAAAAAAAAAAAAAAAAAAAAAAAAAAAAAAAAAAAAAAAAAAAAAAAAAAAAAAAAAAAAAAAAAAAAFAAAADwAAAABAAAAAAAAANFJzgooAAAAAQAAABQAAAAUAAAAFAAAAAEAAAAAAAAAZAAAAGQAAAAAAAAAZAAAAGQAAAAVAAAAYAAAAAAAAAAAAAAADwAAACADAAAAAAAAAAAAAAEAAACgMgAAAAAAAAAAAAABAAAAf39/AAEAAABkAAAAAAAAABQAAABAHwAAAAAAACYAAAAAAAAAwOD//wAAAAAmAAAAZAAAABYAAABMAAAAAAAAAAAAAAAEAAAAAAAAAAEAAADRSc4KAAAAACgAAAAoAAAAZAAAAGQAAAAAAAAAzMzMAAAAAABQAAAAUAAAAGQAAABkAAAAAAAAABcAAAAUAAAAAAAAAAAAAAD/fwAApHkAAAAAAAAJAAAABAAAAAAAAAAeAAAAaAAAAAAAAAAAAAAAAAAAAAAAAAAAAAAAECcAABAnAAAAAAAAAAAAAAAAAAAAAAAAAAAAAAAAAAAAAAAAAAAAABQAAAAAAAAAwMD/AAAAAABkAAAAMgAAAAAAAABkAAAAAAAAAH9/fwAKAAAAIgAAABgAAAAAAAAAAAAAAAAAAAAAAAAAAAAAAAAAAAAkAAAAJAAAAAAAAAAHAAAAAAAAAAAAAAAAAAAAAAAAAAAAAAAAAAAAf39/ACUAAABYAAAAAAAAAAAAAAAAAAAAAAAAAAAAAAAAAAAAAAAAAAAAAAAAAAAAAAAAAAAAAAA/AAAAAAAAAKCGAQAAAAAAAAAAAAAAAAAMAAAAAQAAAAAAAAAAAAAAAAAAAB8AAABUAAAAgS1/s////wEAAAAAAAAAAAAAAAAAAAAAAAAAAAAAAAAAAAAAAAAAANFJzgN/f38A0UnOA8zMzADAwP8Af39/AAAAAAAAAAAAAAAAAAAAAAAAAAAAIQAAABgAAAAUAAAA4iEAAHoOAABjMQAAnBUAAAAAAAAmAAAACAAAAP//////////"/>
               </a:ext>
             </a:extLst>
           </p:cNvSpPr>
@@ -23486,7 +24530,7 @@
           <p:cNvSpPr>
             <a:extLst>
               <a:ext uri="smNativeData">
-                <pr:smNativeData xmlns:pr="smNativeData" xmlns="smNativeData" val="SMDATA_15_37BZZRMAAAAlAAAAyAAAAA0AAAAAkAAAAEgAAACQAAAASAAAAAAAAAABAAAAAAAAAAEAAABQAAAAwFzLpJEk6T8AAAAAAADgPwAAAAAAAOA/AAAAAAAA4D8AAAAAAADgPwAAAAAAAOA/AAAAAAAA4D8AAAAAAADgPwAAAAAAAOA/AAAAAAAA4D8CAAAAjAAAAAEAAAAAAAAAgS1/2v///wgAAAAAAAAAAAAAAAAAAAAAAAAAAAAAAAAAAAAAZAAAAAEAAABAAAAAAAAAAAAAAAAAAAAAAAAAAAAAAAAAAAAAAAAAAAAAAAAAAAAAAAAAAAAAAAAAAAAAAAAAAAAAAAAAAAAAAAAAAAAAAAAAAAAAAAAAAAAAAAAAAAAAFAAAADwAAAABAAAAAAAAANFJzgooAAAAAQAAABQAAAAUAAAAFAAAAAEAAAAAAAAAZAAAAGQAAAAAAAAAZAAAAGQAAAAVAAAAYAAAAAAAAAAAAAAADwAAACADAAAAAAAAAAAAAAEAAACgMgAAAAAAAAAAAAABAAAAf39/AAEAAABkAAAAAAAAABQAAABAHwAAAAAAACYAAAAAAAAAwOD//wAAAAAmAAAAZAAAABYAAABMAAAAAAAAAAAAAAAEAAAAAAAAAAEAAADRSc4KAAAAACgAAAAoAAAAZAAAAGQAAAAAAAAAzMzMAAAAAABQAAAAUAAAAGQAAABkAAAAAAAAABcAAAAUAAAAAAAAAAAAAAD/fwAApHkAAAAAAAAJAAAABAAAAF8AYAAeAAAAaAAAAAAAAAAAAAAAAAAAAAAAAAAAAAAAECcAABAnAAAAAAAAAAAAAAAAAAAAAAAAAAAAAAAAAAAAAAAAAAAAABQAAAAAAAAAwMD/AAAAAABkAAAAMgAAAAAAAABkAAAAAAAAAH9/fwAKAAAAIgAAABgAAAAAAAAAAAAAAAAAAAAAAAAAAAAAAAAAAAAkAAAAJAAAAAAAAAAHAAAAAAAAAAAAAAAAAAAAAAAAAAAAAAAAAAAAf39/ACUAAABYAAAAAAAAAAAAAAAAAAAAAAAAAAAAAAAAAAAAAAAAAAAAAAAAAAAAAAAAAAAAAAA/AAAAAAAAAKCGAQAAAAAAAAAAAAAAAAAMAAAAAQAAAAAAAAAAAAAAAAAAAB8AAABUAAAAgS1/s////wEAAAAAAAAAAAAAAAAAAAAAAAAAAAAAAAAAAAAAAAAAANFJzgN/f38A0UnOA8zMzADAwP8Af39/AAAAAAAAAAAAAAAAAAAAAAAAAAAAIQAAABgAAAAUAAAApCcAANsWAAAlNwAAgB0AAAAAAAAmAAAACAAAAP//////////"/>
+                <pr:smNativeData xmlns:pr="smNativeData" xmlns="smNativeData" val="SMDATA_15_8sFZZRMAAAAlAAAAyAAAAA0AAAAAkAAAAEgAAACQAAAASAAAAAAAAAABAAAAAAAAAAEAAABQAAAAwFzLpJEk6T8AAAAAAADgPwAAAAAAAOA/AAAAAAAA4D8AAAAAAADgPwAAAAAAAOA/AAAAAAAA4D8AAAAAAADgPwAAAAAAAOA/AAAAAAAA4D8CAAAAjAAAAAEAAAAAAAAAgS1/2v///wgAAAAAAAAAAAAAAAAAAAAAAAAAAAAAAAAAAAAAZAAAAAEAAABAAAAAAAAAAAAAAAAAAAAAAAAAAAAAAAAAAAAAAAAAAAAAAAAAAAAAAAAAAAAAAAAAAAAAAAAAAAAAAAAAAAAAAAAAAAAAAAAAAAAAAAAAAAAAAAAAAAAAFAAAADwAAAABAAAAAAAAANFJzgooAAAAAQAAABQAAAAUAAAAFAAAAAEAAAAAAAAAZAAAAGQAAAAAAAAAZAAAAGQAAAAVAAAAYAAAAAAAAAAAAAAADwAAACADAAAAAAAAAAAAAAEAAACgMgAAAAAAAAAAAAABAAAAf39/AAEAAABkAAAAAAAAABQAAABAHwAAAAAAACYAAAAAAAAAwOD//wAAAAAmAAAAZAAAABYAAABMAAAAAAAAAAAAAAAEAAAAAAAAAAEAAADRSc4KAAAAACgAAAAoAAAAZAAAAGQAAAAAAAAAzMzMAAAAAABQAAAAUAAAAGQAAABkAAAAAAAAABcAAAAUAAAAAAAAAAAAAAD/fwAApHkAAAAAAAAJAAAABAAAAAAAAAAeAAAAaAAAAAAAAAAAAAAAAAAAAAAAAAAAAAAAECcAABAnAAAAAAAAAAAAAAAAAAAAAAAAAAAAAAAAAAAAAAAAAAAAABQAAAAAAAAAwMD/AAAAAABkAAAAMgAAAAAAAABkAAAAAAAAAH9/fwAKAAAAIgAAABgAAAAAAAAAAAAAAAAAAAAAAAAAAAAAAAAAAAAkAAAAJAAAAAAAAAAHAAAAAAAAAAAAAAAAAAAAAAAAAAAAAAAAAAAAf39/ACUAAABYAAAAAAAAAAAAAAAAAAAAAAAAAAAAAAAAAAAAAAAAAAAAAAAAAAAAAAAAAAAAAAA/AAAAAAAAAKCGAQAAAAAAAAAAAAAAAAAMAAAAAQAAAAAAAAAAAAAAAAAAAB8AAABUAAAAgS1/s////wEAAAAAAAAAAAAAAAAAAAAAAAAAAAAAAAAAAAAAAAAAANFJzgN/f38A0UnOA8zMzADAwP8Af39/AAAAAAAAAAAAAAAAAAAAAAAAAAAAIQAAABgAAAAUAAAApCcAANsWAAAlNwAAgB0AAAAAAAAmAAAACAAAAP//////////"/>
               </a:ext>
             </a:extLst>
           </p:cNvSpPr>
@@ -23576,7 +24620,7 @@
           <p:cNvSpPr>
             <a:extLst>
               <a:ext uri="smNativeData">
-                <pr:smNativeData xmlns:pr="smNativeData" xmlns="smNativeData" val="SMDATA_15_37BZZRMAAAAlAAAAZAAAAA0AAAAAjgAAAJAAAACOAAAAkAAAAAAAAAABAAAAAAAAAAEAAABQAAAAAAAAAAAA4D8AAAAAAADgPwAAAAAAAOA/AAAAAAAA4D8AAAAAAADgPwAAAAAAAOA/AAAAAAAA4D8AAAAAAADgPwAAAAAAAOA/AAAAAAAA4D8CAAAAjAAAAAAAAAAAAAAAQzCfDP///wgAAAAAAAAAAAAAAAAAAAAAAAAAAAAAAAAAAAAAZAAAAAEAAABAAAAAAAAAAAAAAAAAAAAAAAAAAAAAAAAAAAAAAAAAAAAAAAAAAAAAAAAAAAAAAAAAAAAAAAAAAAAAAAAAAAAAAAAAAAAAAAAAAAAAAAAAAAAAAAAAAAAAFAAAADwAAAAAAAAAAAAAAAAAAAkUAAAAAQAAABQAAAAUAAAAFAAAAAEAAAAAAAAAZAAAAGQAAAAAAAAAZAAAAGQAAAAVAAAAYAAAAAAAAAAAAAAADwAAACADAAAAAAAAAAAAAAEAAACgMgAAVgcAAKr4//8BAAAAf39/AAEAAABkAAAAAAAAABQAAABAHwAAAAAAACYAAAAAAAAAwOD//wAAAAAmAAAAZAAAABYAAABMAAAAAAAAAAAAAAAEAAAAAAAAAAEAAADRSc4KAAAAACgAAAAoAAAAZAAAAGQAAAAAAAAAzMzMAAAAAABQAAAAUAAAAGQAAABkAAAAAAAAABcAAAAUAAAAAAAAAAAAAAD/fwAA/38AAAAAAAAJAAAABAAAAEFBQUEeAAAAaAAAAAAAAAAAAAAAAAAAAAAAAAAAAAAAECcAABAnAAAAAAAAAAAAAAAAAAAAAAAAAAAAAAAAAAAAAAAAAAAAABQAAAAAAAAAwMD/AAAAAABkAAAAMgAAAAAAAABkAAAAAAAAAH9/fwAKAAAAIgAAABgAAAAAAAAAAAAAAAAAAAAAAAAAAAAAAAAAAAAkAAAAJAAAAAAAAAAHAAAAAAAAAAAAAAAAAAAAAAAAAAAAAAAAAAAAf39/ACUAAABYAAAAAAAAAAAAAAAAAAAAAAAAAAAAAAAAAAAAAAAAAAAAAAAAAAAAAAAAAAAAAAA/AAAAAAAAAKCGAQAAAAAAAAAAAAAAAAAMAAAAAQAAAAAAAAAAAAAAAAAAAB8AAABUAAAAQzCfBf///wEAAAAAAAAAAAAAAAAAAAAAAAAAAAAAAAAAAAAAAAAAAAAAAAJ/f38A0UnOA8zMzADAwP8Af39/AAAAAAAAAAAAAAAAAAAAAAAAAAAAIQAAABgAAAAUAAAAEwMAAOYDAACMMgAApAcAABAAAAAmAAAACAAAAP//////////"/>
+                <pr:smNativeData xmlns:pr="smNativeData" xmlns="smNativeData" val="SMDATA_15_8sFZZRMAAAAlAAAAZAAAAA0AAAAAjgAAAJAAAACOAAAAkAAAAAAAAAABAAAAAAAAAAEAAABQAAAAAAAAAAAA4D8AAAAAAADgPwAAAAAAAOA/AAAAAAAA4D8AAAAAAADgPwAAAAAAAOA/AAAAAAAA4D8AAAAAAADgPwAAAAAAAOA/AAAAAAAA4D8CAAAAjAAAAAAAAAAAAAAAQzCfDP///wgAAAAAAAAAAAAAAAAAAAAAAAAAAAAAAAAAAAAAZAAAAAEAAABAAAAAAAAAAAAAAAAAAAAAAAAAAAAAAAAAAAAAAAAAAAAAAAAAAAAAAAAAAAAAAAAAAAAAAAAAAAAAAAAAAAAAAAAAAAAAAAAAAAAAAAAAAAAAAAAAAAAAFAAAADwAAAAAAAAAAAAAAAAAAAkUAAAAAQAAABQAAAAUAAAAFAAAAAEAAAAAAAAAZAAAAGQAAAAAAAAAZAAAAGQAAAAVAAAAYAAAAAAAAAAAAAAADwAAACADAAAAAAAAAAAAAAEAAACgMgAAVgcAAKr4//8BAAAAf39/AAEAAABkAAAAAAAAABQAAABAHwAAAAAAACYAAAAAAAAAwOD//wAAAAAmAAAAZAAAABYAAABMAAAAAAAAAAAAAAAEAAAAAAAAAAEAAADRSc4KAAAAACgAAAAoAAAAZAAAAGQAAAAAAAAAzMzMAAAAAABQAAAAUAAAAGQAAABkAAAAAAAAABcAAAAUAAAAAAAAAAAAAAD/fwAA/38AAAAAAAAJAAAABAAAAAAAAAAeAAAAaAAAAAAAAAAAAAAAAAAAAAAAAAAAAAAAECcAABAnAAAAAAAAAAAAAAAAAAAAAAAAAAAAAAAAAAAAAAAAAAAAABQAAAAAAAAAwMD/AAAAAABkAAAAMgAAAAAAAABkAAAAAAAAAH9/fwAKAAAAIgAAABgAAAAAAAAAAAAAAAAAAAAAAAAAAAAAAAAAAAAkAAAAJAAAAAAAAAAHAAAAAAAAAAAAAAAAAAAAAAAAAAAAAAAAAAAAf39/ACUAAABYAAAAAAAAAAAAAAAAAAAAAAAAAAAAAAAAAAAAAAAAAAAAAAAAAAAAAAAAAAAAAAA/AAAAAAAAAKCGAQAAAAAAAAAAAAAAAAAMAAAAAQAAAAAAAAAAAAAAAAAAAB8AAABUAAAAQzCfBf///wEAAAAAAAAAAAAAAAAAAAAAAAAAAAAAAAAAAAAAAAAAAAAAAAJ/f38A0UnOA8zMzADAwP8Af39/AAAAAAAAAAAAAAAAAAAAAAAAAAAAIQAAABgAAAAUAAAAEwMAAOYDAACMMgAApAcAABAAAAAmAAAACAAAAP//////////"/>
               </a:ext>
             </a:extLst>
           </p:cNvSpPr>
@@ -23698,7 +24742,7 @@
           <p:cNvSpPr>
             <a:extLst>
               <a:ext uri="smNativeData">
-                <pr:smNativeData xmlns:pr="smNativeData" xmlns="smNativeData" val="SMDATA_15_37BZZRMAAAAlAAAAZgAAAA0AAAAAkAAAAEgAAACQAAAASAAAAAAAAAAAAAAAAAAAAAEAAABQAAAAAAAAAAAA8D8AAAAAAADwPwAAAAAAAOA/AAAAAAAA4D8AAAAAAADgPwAAAAAAAOA/AAAAAAAA4D8AAAAAAADgPwAAAAAAAOA/AAAAAAAA4D8CAAAAjAAAAAEAAAAAAAAAAAAAAP///wgAAAAAAAAAAAAAAAAAAAAAAAAAAAAAAAAAAAAAeAAAAAEAAABAAAAAAAAAAAAAAABaAAAAAAAAAAAAAAAAAAAAAAAAAAAAAAAAAAAAAAAAAAAAAAAAAAAAAAAAAAAAAAAAAAAAAAAAAAAAAAAAAAAAAAAAAAAAAAAAAAAAFAAAADwAAAAAAAAAAAAAAAAAAAkUAAAAAQAAABQAAAAUAAAAFAAAAAEAAAAAAAAAZAAAAGQAAAAAAAAAZAAAAGQAAAAVAAAAYAAAAAAAAAAAAAAADwAAACADAAAAAAAAAAAAAAEAAACgMgAAVgcAAKr4//8BAAAAf39/AAEAAABkAAAAAAAAABQAAABAHwAAAAAAACYAAAAAAAAAwOD//wAAAAAmAAAAZAAAABYAAABMAAAAAQAAAAAAAAAGAAAAAAAAAAEAAAAAAAANMgAAAAAAAAAAAAAAZAAAAGQAAAAAAAAAy8vLADIAAAAAAAAAAAAAAGQAAABkAAAAAAAAABcAAAAUAAAAAAAAAAAAAAD/fwAA/38AAAAAAAAJAAAABAAAAP48AAAeAAAAaAAAAAAAAAAAAAAAAAAAAAAAAAAAAAAAECcAABAnAAAAAAAAAAAAAAAAAAAAAAAAAAAAAAAAAAAAAAAAAAAAAFIBAAAAAAAAwMD/AAAAAAAAAAAAAAAAAAAAAABkAAAAAAAAAH9/fwAKAAAAIgAAABgAAAAAAAAAAAAAAAAAAAAAAAAAAAAAAAAAAAAkAAAAJAAAAAAAAAAHAAAAAAAAAAAAAAAAAAAAAAAAAAAAAAAAAAAAf39/ACUAAABYAAAAAAAAAAAAAAAAAAAAAAAAAAAAAAAAAAAAAAAAAAAAAAAAAAAAAAAAAAAAAAA/AAAAAAAAAKCGAQAAAAAAAAAAAAAAAAAMAAAAAQAAAAAAAAAAAAAAAAAAAB8AAABUAAAAAAAAAP///wEAAAAAAAAAAAAAAAAAAAAAAAAAAAAAAAAAAAAAAAAAAAAAAAJ/f38AAAAABsvLywDAwP8Af39/AAAAAAAAAAAAAAAAAAAAAAAAAAAAIQAAABgAAAAUAAAA9S8AAC77//9CPQAAewgAABAAAAAmAAAACAAAAP//////////"/>
+                <pr:smNativeData xmlns:pr="smNativeData" xmlns="smNativeData" val="SMDATA_15_8sFZZRMAAAAlAAAAZgAAAA0AAAAAkAAAAEgAAACQAAAASAAAAAAAAAAAAAAAAAAAAAEAAABQAAAAAAAAAAAA8D8AAAAAAADwPwAAAAAAAOA/AAAAAAAA4D8AAAAAAADgPwAAAAAAAOA/AAAAAAAA4D8AAAAAAADgPwAAAAAAAOA/AAAAAAAA4D8CAAAAjAAAAAEAAAAAAAAAAAAAAP///wgAAAAAAAAAAAAAAAAAAAAAAAAAAAAAAAAAAAAAeAAAAAEAAABAAAAAAAAAAAAAAABaAAAAAAAAAAAAAAAAAAAAAAAAAAAAAAAAAAAAAAAAAAAAAAAAAAAAAAAAAAAAAAAAAAAAAAAAAAAAAAAAAAAAAAAAAAAAAAAAAAAAFAAAADwAAAAAAAAAAAAAAAAAAAkUAAAAAQAAABQAAAAUAAAAFAAAAAEAAAAAAAAAZAAAAGQAAAAAAAAAZAAAAGQAAAAVAAAAYAAAAAAAAAAAAAAADwAAACADAAAAAAAAAAAAAAEAAACgMgAAVgcAAKr4//8BAAAAf39/AAEAAABkAAAAAAAAABQAAABAHwAAAAAAACYAAAAAAAAAwOD//wAAAAAmAAAAZAAAABYAAABMAAAAAQAAAAAAAAAGAAAAAAAAAAEAAAAAAAANMgAAAAAAAAAAAAAAZAAAAGQAAAAAAAAAy8vLADIAAAAAAAAAAAAAAGQAAABkAAAAAAAAABcAAAAUAAAAAAAAAAAAAAD/fwAA/38AAAAAAAAJAAAABAAAAAAAAAAeAAAAaAAAAAAAAAAAAAAAAAAAAAAAAAAAAAAAECcAABAnAAAAAAAAAAAAAAAAAAAAAAAAAAAAAAAAAAAAAAAAAAAAAFIBAAAAAAAAwMD/AAAAAAAAAAAAAAAAAAAAAABkAAAAAAAAAH9/fwAKAAAAIgAAABgAAAAAAAAAAAAAAAAAAAAAAAAAAAAAAAAAAAAkAAAAJAAAAAAAAAAHAAAAAAAAAAAAAAAAAAAAAAAAAAAAAAAAAAAAf39/ACUAAABYAAAAAAAAAAAAAAAAAAAAAAAAAAAAAAAAAAAAAAAAAAAAAAAAAAAAAAAAAAAAAAA/AAAAAAAAAKCGAQAAAAAAAAAAAAAAAAAMAAAAAQAAAAAAAAAAAAAAAAAAAB8AAABUAAAAAAAAAP///wEAAAAAAAAAAAAAAAAAAAAAAAAAAAAAAAAAAAAAAAAAAAAAAAJ/f38AAAAABsvLywDAwP8Af39/AAAAAAAAAAAAAAAAAAAAAAAAAAAAIQAAABgAAAAUAAAA9S8AAC77//9CPQAAewgAABAAAAAmAAAACAAAAP//////////"/>
               </a:ext>
             </a:extLst>
           </p:cNvSpPr>
@@ -23733,7 +24777,7 @@
           <p:cNvSpPr>
             <a:extLst>
               <a:ext uri="smNativeData">
-                <pr:smNativeData xmlns:pr="smNativeData" xmlns="smNativeData" val="SMDATA_15_37BZZRMAAAAlAAAAZgAAAA0AAAAAkAAAAEgAAACQAAAASAAAAAAAAAAAAAAAAAAAAAEAAABQAAAAAAAAAAAA8D8AAAAAAADwPwAAAAAAAOA/AAAAAAAA4D8AAAAAAADgPwAAAAAAAOA/AAAAAAAA4D8AAAAAAADgPwAAAAAAAOA/AAAAAAAA4D8CAAAAjAAAAAEAAAADAAAA0UnOAEMwnwAAAAAAAAAAAAAAAAAAAAAAAAAAAAAAAAAAAAAAeAAAAAEAAABAAAAAAAAAAGQAAAAOAQAAAAAAAAAAAAAAAAAAAAAAAAAAAAAAAAAAAAAAAAAAAAAAAAAAAAAAAAAAAAAAAAAAAAAAAAAAAAAAAAAAAAAAAAAAAAAAAAAAFAAAADwAAAAAAAAAAAAAAAAAAAkUAAAAAQAAABQAAAAUAAAAFAAAAAEAAAAAAAAAZAAAAGQAAAAAAAAAZAAAAGQAAAAVAAAAYAAAAAAAAAAAAAAADwAAACADAAAAAAAAAAAAAAEAAACgMgAAVgcAAKr4//8BAAAAf39/AAEAAABkAAAAAAAAABQAAABAHwAAAAAAACYAAAAAAAAAwOD//wAAAAAmAAAAZAAAABYAAABMAAAAAAAAAAAAAAAEAAAAAAAAAAEAAADRSc4KAAAAACgAAAAoAAAAZAAAAGQAAAAAAAAAzMzMAAAAAABQAAAAUAAAAGQAAABkAAAAAAAAABcAAAAUAAAAAAAAAAAAAAD/fwAA/38AAAAAAAAJAAAABAAAAAAAAAAeAAAAaAAAAAAAAAAAAAAAAAAAAAAAAAAAAAAAECcAABAnAAAAAAAAAAAAAAAAAAAAAAAAAAAAAAAAAAAAAAAAAAAAABQAAAAAAAAAwMD/AAAAAABkAAAAMgAAAAAAAABkAAAAAAAAAH9/fwAKAAAAIgAAABgAAAAAAAAAAAAAAAAAAAAAAAAAAAAAAAAAAAAkAAAAJAAAAAAAAAAHAAAAAAAAAAAAAAAAAAAAAAAAAAAAAAAAAAAAf39/ACUAAABYAAAAAAAAAAAAAAAAAAAAAAAAAAAAAAAAAAAAAAAAAAAAAAAAAAAAAAAAAAAAAAA/AAAAAAAAAKCGAQAAAAAAAAAAAAAAAAAMAAAAAQAAAAAAAAAAAAAAAAAAAB8AAABUAAAA0UnOAEMwnwAAAAAAAAAAAAAAAAAAAAAAAAAAAAAAAAAAAAAAAAAAAAAAAAJ/f38A0UnOA8zMzADAwP8Af39/AAAAAAAAAAAAAAAAAAAAAAAAAAAAIQAAABgAAAAUAAAAlS4AAFEBAACAMgAAPAUAABAAAAAmAAAACAAAAP//////////"/>
+                <pr:smNativeData xmlns:pr="smNativeData" xmlns="smNativeData" val="SMDATA_15_8sFZZRMAAAAlAAAAZgAAAA0AAAAAkAAAAEgAAACQAAAASAAAAAAAAAAAAAAAAAAAAAEAAABQAAAAAAAAAAAA8D8AAAAAAADwPwAAAAAAAOA/AAAAAAAA4D8AAAAAAADgPwAAAAAAAOA/AAAAAAAA4D8AAAAAAADgPwAAAAAAAOA/AAAAAAAA4D8CAAAAjAAAAAEAAAADAAAA0UnOAEMwnwAAAAAAAAAAAAAAAAAAAAAAAAAAAAAAAAAAAAAAeAAAAAEAAABAAAAAAAAAAGQAAAAOAQAAAAAAAAAAAAAAAAAAAAAAAAAAAAAAAAAAAAAAAAAAAAAAAAAAAAAAAAAAAAAAAAAAAAAAAAAAAAAAAAAAAAAAAAAAAAAAAAAAFAAAADwAAAAAAAAAAAAAAAAAAAkUAAAAAQAAABQAAAAUAAAAFAAAAAEAAAAAAAAAZAAAAGQAAAAAAAAAZAAAAGQAAAAVAAAAYAAAAAAAAAAAAAAADwAAACADAAAAAAAAAAAAAAEAAACgMgAAVgcAAKr4//8BAAAAf39/AAEAAABkAAAAAAAAABQAAABAHwAAAAAAACYAAAAAAAAAwOD//wAAAAAmAAAAZAAAABYAAABMAAAAAAAAAAAAAAAEAAAAAAAAAAEAAADRSc4KAAAAACgAAAAoAAAAZAAAAGQAAAAAAAAAzMzMAAAAAABQAAAAUAAAAGQAAABkAAAAAAAAABcAAAAUAAAAAAAAAAAAAAD/fwAA/38AAAAAAAAJAAAABAAAAAAAAAAeAAAAaAAAAAAAAAAAAAAAAAAAAAAAAAAAAAAAECcAABAnAAAAAAAAAAAAAAAAAAAAAAAAAAAAAAAAAAAAAAAAAAAAABQAAAAAAAAAwMD/AAAAAABkAAAAMgAAAAAAAABkAAAAAAAAAH9/fwAKAAAAIgAAABgAAAAAAAAAAAAAAAAAAAAAAAAAAAAAAAAAAAAkAAAAJAAAAAAAAAAHAAAAAAAAAAAAAAAAAAAAAAAAAAAAAAAAAAAAf39/ACUAAABYAAAAAAAAAAAAAAAAAAAAAAAAAAAAAAAAAAAAAAAAAAAAAAAAAAAAAAAAAAAAAAA/AAAAAAAAAKCGAQAAAAAAAAAAAAAAAAAMAAAAAQAAAAAAAAAAAAAAAAAAAB8AAABUAAAA0UnOAEMwnwAAAAAAAAAAAAAAAAAAAAAAAAAAAAAAAAAAAAAAAAAAAAAAAAJ/f38A0UnOA8zMzADAwP8Af39/AAAAAAAAAAAAAAAAAAAAAAAAAAAAIQAAABgAAAAUAAAAlS4AAFEBAACAMgAAPAUAABAAAAAmAAAACAAAAP//////////"/>
               </a:ext>
             </a:extLst>
           </p:cNvSpPr>
@@ -23771,7 +24815,7 @@
           <p:cNvSpPr>
             <a:extLst>
               <a:ext uri="smNativeData">
-                <pr:smNativeData xmlns:pr="smNativeData" xmlns="smNativeData" val="SMDATA_15_37BZZRMAAAAlAAAAZAAAAA0AAAAAkAAAAEgAAACQAAAASAAAAAAAAAAAAAAAAAAAAAEAAABQAAAAAAAAAAAA4D8AAAAAAADgPwAAAAAAAOA/AAAAAAAA4D8AAAAAAADgPwAAAAAAAOA/AAAAAAAA4D8AAAAAAADgPwAAAAAAAOA/AAAAAAAA4D8CAAAAjAAAAAAAAAAAAAAAQzCfDP///wgAAAAAAAAAAAAAAAAAAAAAAAAAAAAAAAAAAAAAZAAAAAEAAABAAAAAAAAAAAAAAAAAAAAAAAAAAAAAAAAAAAAAAAAAAAAAAAAAAAAAAAAAAAAAAAAAAAAAAAAAAAAAAAAAAAAAAAAAAAAAAAAAAAAAAAAAAAAAAAAAAAAAFAAAADwAAAAAAAAAAAAAAAAAAAkUAAAAAQAAABQAAAAUAAAAFAAAAAEAAAAAAAAAZAAAAGQAAAAAAAAAZAAAAGQAAAAVAAAAYAAAAAAAAAAAAAAADwAAACADAAAAAAAAAAAAAAEAAACgMgAAVgcAAKr4//8BAAAAf39/AAEAAABkAAAAAAAAABQAAABAHwAAAAAAACYAAAAAAAAAwOD//wAAAAAmAAAAZAAAABYAAABMAAAAAAAAAAAAAAAEAAAAAAAAAAEAAADRSc4KAAAAACgAAAAoAAAAZAAAAGQAAAAAAAAAzMzMAAAAAABQAAAAUAAAAGQAAABkAAAAAAAAABcAAAAUAAAAAAAAAAAAAAD/fwAA/38AAAAAAAAJAAAABAAAANE4AAAeAAAAaAAAAAAAAAAAAAAAAAAAAAAAAAAAAAAAECcAABAnAAAAAAAAAAAAAAAAAAAAAAAAAAAAAAAAAAAAAAAAAAAAABQAAAAAAAAAwMD/AAAAAABkAAAAMgAAAAAAAABkAAAAAAAAAH9/fwAKAAAAIgAAABgAAAAAAAAAAAAAAAAAAAAAAAAAAAAAAAAAAAAkAAAAJAAAAAAAAAAHAAAAAAAAAAAAAAAAAAAAAAAAAAAAAAAAAAAAf39/ACUAAABYAAAAAAAAAAAAAAAAAAAAAAAAAAAAAAAAAAAAAAAAAAAAAAAAAAAAAAAAAAAAAAA/AAAAAAAAAKCGAQAAAAAAAAAAAAAAAAAMAAAAAQAAAAAAAAAAAAAAAAAAAB8AAABUAAAAQzCfBf///wEAAAAAAAAAAAAAAAAAAAAAAAAAAAAAAAAAAAAAAAAAAAAAAAJ/f38A0UnOA8zMzADAwP8Af39/AAAAAAAAAAAAAAAAAAAAAAAAAAAAIQAAABgAAAAUAAAA9QAAAB3////UAgAA/AAAABAAAAAmAAAACAAAAP//////////"/>
+                <pr:smNativeData xmlns:pr="smNativeData" xmlns="smNativeData" val="SMDATA_15_8sFZZRMAAAAlAAAAZAAAAA0AAAAAkAAAAEgAAACQAAAASAAAAAAAAAAAAAAAAAAAAAEAAABQAAAAAAAAAAAA4D8AAAAAAADgPwAAAAAAAOA/AAAAAAAA4D8AAAAAAADgPwAAAAAAAOA/AAAAAAAA4D8AAAAAAADgPwAAAAAAAOA/AAAAAAAA4D8CAAAAjAAAAAAAAAAAAAAAQzCfDP///wgAAAAAAAAAAAAAAAAAAAAAAAAAAAAAAAAAAAAAZAAAAAEAAABAAAAAAAAAAAAAAAAAAAAAAAAAAAAAAAAAAAAAAAAAAAAAAAAAAAAAAAAAAAAAAAAAAAAAAAAAAAAAAAAAAAAAAAAAAAAAAAAAAAAAAAAAAAAAAAAAAAAAFAAAADwAAAAAAAAAAAAAAAAAAAkUAAAAAQAAABQAAAAUAAAAFAAAAAEAAAAAAAAAZAAAAGQAAAAAAAAAZAAAAGQAAAAVAAAAYAAAAAAAAAAAAAAADwAAACADAAAAAAAAAAAAAAEAAACgMgAAVgcAAKr4//8BAAAAf39/AAEAAABkAAAAAAAAABQAAABAHwAAAAAAACYAAAAAAAAAwOD//wAAAAAmAAAAZAAAABYAAABMAAAAAAAAAAAAAAAEAAAAAAAAAAEAAADRSc4KAAAAACgAAAAoAAAAZAAAAGQAAAAAAAAAzMzMAAAAAABQAAAAUAAAAGQAAABkAAAAAAAAABcAAAAUAAAAAAAAAAAAAAD/fwAA/38AAAAAAAAJAAAABAAAADAwMCIeAAAAaAAAAAAAAAAAAAAAAAAAAAAAAAAAAAAAECcAABAnAAAAAAAAAAAAAAAAAAAAAAAAAAAAAAAAAAAAAAAAAAAAABQAAAAAAAAAwMD/AAAAAABkAAAAMgAAAAAAAABkAAAAAAAAAH9/fwAKAAAAIgAAABgAAAAAAAAAAAAAAAAAAAAAAAAAAAAAAAAAAAAkAAAAJAAAAAAAAAAHAAAAAAAAAAAAAAAAAAAAAAAAAAAAAAAAAAAAf39/ACUAAABYAAAAAAAAAAAAAAAAAAAAAAAAAAAAAAAAAAAAAAAAAAAAAAAAAAAAAAAAAAAAAAA/AAAAAAAAAKCGAQAAAAAAAAAAAAAAAAAMAAAAAQAAAAAAAAAAAAAAAAAAAB8AAABUAAAAQzCfBf///wEAAAAAAAAAAAAAAAAAAAAAAAAAAAAAAAAAAAAAAAAAAAAAAAJ/f38A0UnOA8zMzADAwP8Af39/AAAAAAAAAAAAAAAAAAAAAAAAAAAAIQAAABgAAAAUAAAA9QAAAB3////UAgAA/AAAABAAAAAmAAAACAAAAP//////////"/>
               </a:ext>
             </a:extLst>
           </p:cNvSpPr>
@@ -23798,7 +24842,7 @@
           <p:cNvSpPr>
             <a:extLst>
               <a:ext uri="smNativeData">
-                <pr:smNativeData xmlns:pr="smNativeData" xmlns="smNativeData" val="SMDATA_15_37BZZRMAAAAlAAAAZAAAAA0AAAAAkAAAAEgAAACQAAAASAAAAAAAAAAAAAAAAAAAAAEAAABQAAAAAAAAAAAA4D8AAAAAAADgPwAAAAAAAOA/AAAAAAAA4D8AAAAAAADgPwAAAAAAAOA/AAAAAAAA4D8AAAAAAADgPwAAAAAAAOA/AAAAAAAA4D8CAAAAjAAAAAAAAAAAAAAAQzCfDP///wgAAAAAAAAAAAAAAAAAAAAAAAAAAAAAAAAAAAAAZAAAAAEAAABAAAAAAAAAAAAAAAAAAAAAAAAAAAAAAAAAAAAAAAAAAAAAAAAAAAAAAAAAAAAAAAAAAAAAAAAAAAAAAAAAAAAAAAAAAAAAAAAAAAAAAAAAAAAAAAAAAAAAFAAAADwAAAAAAAAAAAAAAAAAAAkUAAAAAQAAABQAAAAUAAAAFAAAAAEAAAAAAAAAZAAAAGQAAAAAAAAAZAAAAGQAAAAVAAAAYAAAAAAAAAAAAAAADwAAACADAAAAAAAAAAAAAAEAAACgMgAAVgcAAKr4//8BAAAAf39/AAEAAABkAAAAAAAAABQAAABAHwAAAAAAACYAAAAAAAAAwOD//wAAAAAmAAAAZAAAABYAAABMAAAAAAAAAAAAAAAEAAAAAAAAAAEAAADRSc4KAAAAACgAAAAoAAAAZAAAAGQAAAAAAAAAzMzMAAAAAABQAAAAUAAAAGQAAABkAAAAAAAAABcAAAAUAAAAAAAAAAAAAAD/fwAA/38AAAAAAAAJAAAABAAAAEFCZ0EeAAAAaAAAAAAAAAAAAAAAAAAAAAAAAAAAAAAAECcAABAnAAAAAAAAAAAAAAAAAAAAAAAAAAAAAAAAAAAAAAAAAAAAABQAAAAAAAAAwMD/AAAAAABkAAAAMgAAAAAAAABkAAAAAAAAAH9/fwAKAAAAIgAAABgAAAAAAAAAAAAAAAAAAAAAAAAAAAAAAAAAAAAkAAAAJAAAAAAAAAAHAAAAAAAAAAAAAAAAAAAAAAAAAAAAAAAAAAAAf39/ACUAAABYAAAAAAAAAAAAAAAAAAAAAAAAAAAAAAAAAAAAAAAAAAAAAAAAAAAAAAAAAAAAAAA/AAAAAAAAAKCGAQAAAAAAAAAAAAAAAAAMAAAAAQAAAAAAAAAAAAAAAAAAAB8AAABUAAAAQzCfBf///wEAAAAAAAAAAAAAAAAAAAAAAAAAAAAAAAAAAAAAAAAAAAAAAAJ/f38A0UnOA8zMzADAwP8Af39/AAAAAAAAAAAAAAAAAAAAAAAAAAAAIQAAABgAAAAUAAAA9QAAAB3////UAgAA/AAAABAAAAAmAAAACAAAAP//////////"/>
+                <pr:smNativeData xmlns:pr="smNativeData" xmlns="smNativeData" val="SMDATA_15_8sFZZRMAAAAlAAAAZAAAAA0AAAAAkAAAAEgAAACQAAAASAAAAAAAAAAAAAAAAAAAAAEAAABQAAAAAAAAAAAA4D8AAAAAAADgPwAAAAAAAOA/AAAAAAAA4D8AAAAAAADgPwAAAAAAAOA/AAAAAAAA4D8AAAAAAADgPwAAAAAAAOA/AAAAAAAA4D8CAAAAjAAAAAAAAAAAAAAAQzCfDP///wgAAAAAAAAAAAAAAAAAAAAAAAAAAAAAAAAAAAAAZAAAAAEAAABAAAAAAAAAAAAAAAAAAAAAAAAAAAAAAAAAAAAAAAAAAAAAAAAAAAAAAAAAAAAAAAAAAAAAAAAAAAAAAAAAAAAAAAAAAAAAAAAAAAAAAAAAAAAAAAAAAAAAFAAAADwAAAAAAAAAAAAAAAAAAAkUAAAAAQAAABQAAAAUAAAAFAAAAAEAAAAAAAAAZAAAAGQAAAAAAAAAZAAAAGQAAAAVAAAAYAAAAAAAAAAAAAAADwAAACADAAAAAAAAAAAAAAEAAACgMgAAVgcAAKr4//8BAAAAf39/AAEAAABkAAAAAAAAABQAAABAHwAAAAAAACYAAAAAAAAAwOD//wAAAAAmAAAAZAAAABYAAABMAAAAAAAAAAAAAAAEAAAAAAAAAAEAAADRSc4KAAAAACgAAAAoAAAAZAAAAGQAAAAAAAAAzMzMAAAAAABQAAAAUAAAAGQAAABkAAAAAAAAABcAAAAUAAAAAAAAAAAAAAD/fwAA/38AAAAAAAAJAAAABAAAAAAAAAAeAAAAaAAAAAAAAAAAAAAAAAAAAAAAAAAAAAAAECcAABAnAAAAAAAAAAAAAAAAAAAAAAAAAAAAAAAAAAAAAAAAAAAAABQAAAAAAAAAwMD/AAAAAABkAAAAMgAAAAAAAABkAAAAAAAAAH9/fwAKAAAAIgAAABgAAAAAAAAAAAAAAAAAAAAAAAAAAAAAAAAAAAAkAAAAJAAAAAAAAAAHAAAAAAAAAAAAAAAAAAAAAAAAAAAAAAAAAAAAf39/ACUAAABYAAAAAAAAAAAAAAAAAAAAAAAAAAAAAAAAAAAAAAAAAAAAAAAAAAAAAAAAAAAAAAA/AAAAAAAAAKCGAQAAAAAAAAAAAAAAAAAMAAAAAQAAAAAAAAAAAAAAAAAAAB8AAABUAAAAQzCfBf///wEAAAAAAAAAAAAAAAAAAAAAAAAAAAAAAAAAAAAAAAAAAAAAAAJ/f38A0UnOA8zMzADAwP8Af39/AAAAAAAAAAAAAAAAAAAAAAAAAAAAIQAAABgAAAAUAAAA9QAAAB3////UAgAA/AAAABAAAAAmAAAACAAAAP//////////"/>
               </a:ext>
             </a:extLst>
           </p:cNvSpPr>
@@ -23826,7 +24870,7 @@
             <a:picLocks noChangeAspect="1"/>
             <a:extLst>
               <a:ext uri="smNativeData">
-                <pr:smNativeData xmlns:pr="smNativeData" xmlns="smNativeData" val="SMDATA_17_37BZZRMAAAAlAAAAEQAAAC0AAAAAkAAAAEgAAACQAAAASAAAAAAAAAAAAAAAAAAAAAEAAABQAAAAAAAAAAAA4D8AAAAAAADgPwAAAAAAAOA/AAAAAAAA4D8AAAAAAADgPwAAAAAAAOA/AAAAAAAA4D8AAAAAAADgPwAAAAAAAOA/AAAAAAAA4D8CAAAAjAAAAAAAAAAAAAAAQzCfDP///wgAAAAAAAAAAAAAAAAAAAAAAAAAAAAAAAAAAAAAZAAAAAEAAABAAAAAAAAAAAAAAAAAAAAAAAAAAAAAAAAAAAAAAAAAAAAAAAAAAAAAAAAAAAAAAAAAAAAAAAAAAAAAAAAAAAAAAAAAAAAAAAAAAAAAAAAAAAAAAAAAAAAAFAAAADwAAAAAAAAAAAAAAAAAAAkUAAAAAQAAABQAAAAUAAAAFAAAAAEAAAAAAAAAZAAAAGQAAAAAAAAAZAAAAGQAAAAVAAAAYAAAAAAAAAAAAAAADwAAACADAAAAAAAAAAAAAAEAAACgMgAAVgcAAKr4//8BAAAAf39/AAEAAABkAAAAAAAAABQAAABAHwAAAAAAACYAAAAAAAAAwOD//wAAAAAmAAAAZAAAABYAAABMAAAAAAAAAAAAAAAEAAAAAAAAAAEAAADRSc4KAAAAACgAAAAoAAAAZAAAAGQAAAAAAAAAzMzMAAAAAABQAAAAUAAAAGQAAABkAAAAAAAAAAcAAAA4AAAAAAAAAAAAAAAAAAAA////AAAAAAAAAAAAAAAAAAAAAAAAAAAAAAAAAAAAAABkAAAAZAAAAAAAAAAjAAAABAAAAGQAAAAXAAAAFAAAAAAAAAAAAAAA/38AAP9/AAAAAAAACQAAAAQAAAAAAAAAHgAAAGgAAAAAAAAAAAAAAAAAAAAAAAAAAAAAABAnAAAQJwAAAAAAAAAAAAAAAAAAAAAAAAAAAAAAAAAAAAAAAAAAAAAUAAAAAAAAAMDA/wAAAAAAZAAAADIAAAAAAAAAZAAAAAAAAAB/f38ACgAAACIAAAAYAAAAAAAAAAAAAAAAAAAAAAAAAAAAAAAAAAAAJAAAACQAAAAAAAAABwAAAAAAAAAAAAAAAAAAAAAAAAAAAAAAAAAAAH9/fwAlAAAAWAAAAAAAAAAAAAAAAAAAAAAAAAAAAAAAAAAAAAAAAAAAAAAAAAAAAAAAAAAAAAAAPwAAAAAAAACghgEAAAAAAAAAAAAAAAAADAAAAAEAAAAAAAAAAAAAAAAAAAAfAAAAVAAAAEMwnwX///8BAAAAAAAAAAAAAAAAAAAAAAAAAAAAAAAAAAAAAAAAAAAAAAACf39/ANFJzgPMzMwAwMD/AH9/fwAAAAAAAAAAAAAAAAD///8AAAAAACEAAAAYAAAAFAAAAOUqAADSDwAABTUAAA0ZAAAQAAAAJgAAAAgAAAD//////////w=="/>
+                <pr:smNativeData xmlns:pr="smNativeData" xmlns="smNativeData" val="SMDATA_17_8sFZZRMAAAAlAAAAEQAAAC0AAAAAkAAAAEgAAACQAAAASAAAAAAAAAAAAAAAAAAAAAEAAABQAAAAAAAAAAAA4D8AAAAAAADgPwAAAAAAAOA/AAAAAAAA4D8AAAAAAADgPwAAAAAAAOA/AAAAAAAA4D8AAAAAAADgPwAAAAAAAOA/AAAAAAAA4D8CAAAAjAAAAAAAAAAAAAAAQzCfDP///wgAAAAAAAAAAAAAAAAAAAAAAAAAAAAAAAAAAAAAZAAAAAEAAABAAAAAAAAAAAAAAAAAAAAAAAAAAAAAAAAAAAAAAAAAAAAAAAAAAAAAAAAAAAAAAAAAAAAAAAAAAAAAAAAAAAAAAAAAAAAAAAAAAAAAAAAAAAAAAAAAAAAAFAAAADwAAAAAAAAAAAAAAAAAAAkUAAAAAQAAABQAAAAUAAAAFAAAAAEAAAAAAAAAZAAAAGQAAAAAAAAAZAAAAGQAAAAVAAAAYAAAAAAAAAAAAAAADwAAACADAAAAAAAAAAAAAAEAAACgMgAAVgcAAKr4//8BAAAAf39/AAEAAABkAAAAAAAAABQAAABAHwAAAAAAACYAAAAAAAAAwOD//wAAAAAmAAAAZAAAABYAAABMAAAAAAAAAAAAAAAEAAAAAAAAAAEAAADRSc4KAAAAACgAAAAoAAAAZAAAAGQAAAAAAAAAzMzMAAAAAABQAAAAUAAAAGQAAABkAAAAAAAAAAcAAAA4AAAAAAAAAAAAAAAAAAAA////AAAAAAAAAAAAAAAAAAAAAAAAAAAAAAAAAAAAAABkAAAAZAAAAAAAAAAjAAAABAAAAGQAAAAXAAAAFAAAAAAAAAAAAAAA/38AAP9/AAAAAAAACQAAAAQAAAD0/P//HgAAAGgAAAAAAAAAAAAAAAAAAAAAAAAAAAAAABAnAAAQJwAAAAAAAAAAAAAAAAAAAAAAAAAAAAAAAAAAAAAAAAAAAAAUAAAAAAAAAMDA/wAAAAAAZAAAADIAAAAAAAAAZAAAAAAAAAB/f38ACgAAACIAAAAYAAAAAAAAAAAAAAAAAAAAAAAAAAAAAAAAAAAAJAAAACQAAAAAAAAABwAAAAAAAAAAAAAAAAAAAAAAAAAAAAAAAAAAAH9/fwAlAAAAWAAAAAAAAAAAAAAAAAAAAAAAAAAAAAAAAAAAAAAAAAAAAAAAAAAAAAAAAAAAAAAAPwAAAAAAAACghgEAAAAAAAAAAAAAAAAADAAAAAEAAAAAAAAAAAAAAAAAAAAfAAAAVAAAAEMwnwX///8BAAAAAAAAAAAAAAAAAAAAAAAAAAAAAAAAAAAAAAAAAAAAAAACf39/ANFJzgPMzMwAwMD/AH9/fwAAAAAAAAAAAAAAAAD///8AAAAAACEAAAAYAAAAFAAAAOUqAADSDwAABTUAAA0ZAAAQAAAAJgAAAAgAAAD//////////w=="/>
               </a:ext>
             </a:extLst>
           </p:cNvPicPr>
@@ -23859,7 +24903,7 @@
           <p:cNvSpPr>
             <a:extLst>
               <a:ext uri="smNativeData">
-                <pr:smNativeData xmlns:pr="smNativeData" xmlns="smNativeData" val="SMDATA_15_37BZZRMAAAAlAAAAZgAAAA0AAAAAkAAAAEgAAACQAAAASAAAAAAAAAABAAAAAAAAAAEAAABQAAAAAAAAAAAA8D8AAAAAAADwPwAAAAAAAOA/AAAAAAAA4D8AAAAAAADgPwAAAAAAAOA/AAAAAAAA4D8AAAAAAADgPwAAAAAAAOA/AAAAAAAA4D8CAAAAjAAAAAEAAAAAAAAA9dz0AP///wgAAAAAAAAAAAAAAAAAAAAAAAAAAAAAAAAAAAAAZAAAAAEAAABAAAAAAAAAAAAAAAAAAAAAAAAAAAAAAAAAAAAAAAAAAAAAAAAAAAAAAAAAAAAAAAAAAAAAAAAAAAAAAAAAAAAAAAAAAAAAAAAAAAAAAAAAAAAAAAAAAAAAFAAAADwAAAABAAAAAAAAAAAAAAkoAAAAAQAAABQAAAAUAAAAFAAAAAEAAAAAAAAAZAAAAGQAAAAAAAAAZAAAAGQAAAAVAAAAYAAAAAAAAAAAAAAADwAAACADAAAAAAAAAAAAAAEAAACgMgAAVgcAAKr4//8BAAAAf39/AAEAAABkAAAAAAAAABQAAABAHwAAAAAAACYAAAAAAAAAwOD//wAAAAAmAAAAZAAAABYAAABMAAAAAAAAAAAAAAAEAAAAAAAAAAEAAADRSc4KAAAAACgAAAAoAAAAZAAAAGQAAAAAAAAAzMzMAAAAAABQAAAAUAAAAGQAAABkAAAAAAAAABcAAAAUAAAAAAAAAAAAAAD/fwAA/38AAAAAAAAJAAAABAAAAAAAAAAeAAAAaAAAAAAAAAAAAAAAAAAAAAAAAAAAAAAAECcAABAnAAAAAAAAAAAAAAAAAAAAAAAAAAAAAAAAAAAAAAAAAAAAABQAAAAAAAAAwMD/AAAAAABkAAAAMgAAAAAAAABkAAAAAAAAAH9/fwAKAAAAIgAAABgAAAAAAAAAAAAAAAAAAAAAAAAAAAAAAAAAAAAkAAAAJAAAAAAAAAAHAAAAAAAAAAAAAAAAAAAAAAAAAAAAAAAAAAAAf39/ACUAAABYAAAAAAAAAAAAAAAAAAAAAAAAAAAAAAAAAAAAAAAAAAAAAAAAAAAAAAAAAAAAAAA/AAAAAAAAAKCGAQAAAAAAAAAAAAAAAAAMAAAAAQAAAAAAAAAAAAAAAAAAAB8AAABUAAAA9dz0AP///wEAAAAAAAAAAAAAAAAAAAAAAAAAAAAAAAAAAAAAAAAAAAAAAAJ/f38A0UnOA8zMzADAwP8Af39/AAAAAAAAAAAAAAAAAAAAAAAAAAAAIQAAABgAAAAUAAAA9QAAAIUGAAAuDAAAOQ0AABAAAAAmAAAACAAAAP//////////"/>
+                <pr:smNativeData xmlns:pr="smNativeData" xmlns="smNativeData" val="SMDATA_15_8sFZZRMAAAAlAAAAZgAAAA0AAAAAkAAAAEgAAACQAAAASAAAAAAAAAABAAAAAAAAAAEAAABQAAAAAAAAAAAA8D8AAAAAAADwPwAAAAAAAOA/AAAAAAAA4D8AAAAAAADgPwAAAAAAAOA/AAAAAAAA4D8AAAAAAADgPwAAAAAAAOA/AAAAAAAA4D8CAAAAjAAAAAEAAAAAAAAA9dz0AP///wgAAAAAAAAAAAAAAAAAAAAAAAAAAAAAAAAAAAAAZAAAAAEAAABAAAAAAAAAAAAAAAAAAAAAAAAAAAAAAAAAAAAAAAAAAAAAAAAAAAAAAAAAAAAAAAAAAAAAAAAAAAAAAAAAAAAAAAAAAAAAAAAAAAAAAAAAAAAAAAAAAAAAFAAAADwAAAABAAAAAAAAAAAAAAkoAAAAAQAAABQAAAAUAAAAFAAAAAEAAAAAAAAAZAAAAGQAAAAAAAAAZAAAAGQAAAAVAAAAYAAAAAAAAAAAAAAADwAAACADAAAAAAAAAAAAAAEAAACgMgAAVgcAAKr4//8BAAAAf39/AAEAAABkAAAAAAAAABQAAABAHwAAAAAAACYAAAAAAAAAwOD//wAAAAAmAAAAZAAAABYAAABMAAAAAAAAAAAAAAAEAAAAAAAAAAEAAADRSc4KAAAAACgAAAAoAAAAZAAAAGQAAAAAAAAAzMzMAAAAAABQAAAAUAAAAGQAAABkAAAAAAAAABcAAAAUAAAAAAAAAAAAAAD/fwAA/38AAAAAAAAJAAAABAAAAAAAAAAeAAAAaAAAAAAAAAAAAAAAAAAAAAAAAAAAAAAAECcAABAnAAAAAAAAAAAAAAAAAAAAAAAAAAAAAAAAAAAAAAAAAAAAABQAAAAAAAAAwMD/AAAAAABkAAAAMgAAAAAAAABkAAAAAAAAAH9/fwAKAAAAIgAAABgAAAAAAAAAAAAAAAAAAAAAAAAAAAAAAAAAAAAkAAAAJAAAAAAAAAAHAAAAAAAAAAAAAAAAAAAAAAAAAAAAAAAAAAAAf39/ACUAAABYAAAAAAAAAAAAAAAAAAAAAAAAAAAAAAAAAAAAAAAAAAAAAAAAAAAAAAAAAAAAAAA/AAAAAAAAAKCGAQAAAAAAAAAAAAAAAAAMAAAAAQAAAAAAAAAAAAAAAAAAAB8AAABUAAAA9dz0AP///wEAAAAAAAAAAAAAAAAAAAAAAAAAAAAAAAAAAAAAAAAAAAAAAAJ/f38A0UnOA8zMzADAwP8Af39/AAAAAAAAAAAAAAAAAAAAAAAAAAAAIQAAABgAAAAUAAAA9QAAAIUGAAAuDAAAOQ0AABAAAAAmAAAACAAAAP//////////"/>
               </a:ext>
             </a:extLst>
           </p:cNvSpPr>
@@ -23920,7 +24964,7 @@
           <p:cNvSpPr>
             <a:extLst>
               <a:ext uri="smNativeData">
-                <pr:smNativeData xmlns:pr="smNativeData" xmlns="smNativeData" val="SMDATA_15_37BZZRMAAAAlAAAAZgAAAA0AAAAAkAAAAEgAAACQAAAASAAAAAAAAAABAAAAAAAAAAEAAABQAAAAAAAAAAAA8D8AAAAAAADwPwAAAAAAAOA/AAAAAAAA4D8AAAAAAADgPwAAAAAAAOA/AAAAAAAA4D8AAAAAAADgPwAAAAAAAOA/AAAAAAAA4D8CAAAAjAAAAAEAAAAAAAAA7bbsAP///wgAAAAAAAAAAAAAAAAAAAAAAAAAAAAAAAAAAAAAZAAAAAEAAABAAAAAAAAAAAAAAAAAAAAAAAAAAAAAAAAAAAAAAAAAAAAAAAAAAAAAAAAAAAAAAAAAAAAAAAAAAAAAAAAAAAAAAAAAAAAAAAAAAAAAAAAAAAAAAAAAAAAAFAAAADwAAAABAAAAAAAAAAAAAAkoAAAAAQAAABQAAAAUAAAAFAAAAAEAAAAAAAAAZAAAAGQAAAAAAAAAZAAAAGQAAAAVAAAAYAAAAAAAAAAAAAAADwAAACADAAAAAAAAAAAAAAEAAACgMgAAVgcAAKr4//8BAAAAf39/AAEAAABkAAAAAAAAABQAAABAHwAAAAAAACYAAAAAAAAAwOD//wAAAAAmAAAAZAAAABYAAABMAAAAAAAAAAAAAAAEAAAAAAAAAAEAAADRSc4KAAAAACgAAAAoAAAAZAAAAGQAAAAAAAAAzMzMAAAAAABQAAAAUAAAAGQAAABkAAAAAAAAABcAAAAUAAAAAAAAAAAAAAD/fwAA/38AAAAAAAAJAAAABAAAAO7u7v8eAAAAaAAAAAAAAAAAAAAAAAAAAAAAAAAAAAAAECcAABAnAAAAAAAAAAAAAAAAAAAAAAAAAAAAAAAAAAAAAAAAAAAAABQAAAAAAAAAwMD/AAAAAABkAAAAMgAAAAAAAABkAAAAAAAAAH9/fwAKAAAAIgAAABgAAAAAAAAAAAAAAAAAAAAAAAAAAAAAAAAAAAAkAAAAJAAAAAAAAAAHAAAAAAAAAAAAAAAAAAAAAAAAAAAAAAAAAAAAf39/ACUAAABYAAAAAAAAAAAAAAAAAAAAAAAAAAAAAAAAAAAAAAAAAAAAAAAAAAAAAAAAAAAAAAA/AAAAAAAAAKCGAQAAAAAAAAAAAAAAAAAMAAAAAQAAAAAAAAAAAAAAAAAAAB8AAABUAAAA7bbsAP///wEAAAAAAAAAAAAAAAAAAAAAAAAAAAAAAAAAAAAAAAAAAAAAAAJ/f38A0UnOA8zMzADAwP8Af39/AAAAAAAAAAAAAAAAAAAAAAAAAAAAIQAAABgAAAAUAAAAEA0AAGcJAACvGwAAChEAABAAAAAmAAAACAAAAP//////////"/>
+                <pr:smNativeData xmlns:pr="smNativeData" xmlns="smNativeData" val="SMDATA_15_8sFZZRMAAAAlAAAAZgAAAA0AAAAAkAAAAEgAAACQAAAASAAAAAAAAAABAAAAAAAAAAEAAABQAAAAAAAAAAAA8D8AAAAAAADwPwAAAAAAAOA/AAAAAAAA4D8AAAAAAADgPwAAAAAAAOA/AAAAAAAA4D8AAAAAAADgPwAAAAAAAOA/AAAAAAAA4D8CAAAAjAAAAAEAAAAAAAAA7bbsAP///wgAAAAAAAAAAAAAAAAAAAAAAAAAAAAAAAAAAAAAZAAAAAEAAABAAAAAAAAAAAAAAAAAAAAAAAAAAAAAAAAAAAAAAAAAAAAAAAAAAAAAAAAAAAAAAAAAAAAAAAAAAAAAAAAAAAAAAAAAAAAAAAAAAAAAAAAAAAAAAAAAAAAAFAAAADwAAAABAAAAAAAAAAAAAAkoAAAAAQAAABQAAAAUAAAAFAAAAAEAAAAAAAAAZAAAAGQAAAAAAAAAZAAAAGQAAAAVAAAAYAAAAAAAAAAAAAAADwAAACADAAAAAAAAAAAAAAEAAACgMgAAVgcAAKr4//8BAAAAf39/AAEAAABkAAAAAAAAABQAAABAHwAAAAAAACYAAAAAAAAAwOD//wAAAAAmAAAAZAAAABYAAABMAAAAAAAAAAAAAAAEAAAAAAAAAAEAAADRSc4KAAAAACgAAAAoAAAAZAAAAGQAAAAAAAAAzMzMAAAAAABQAAAAUAAAAGQAAABkAAAAAAAAABcAAAAUAAAAAAAAAAAAAAD/fwAA/38AAAAAAAAJAAAABAAAAD0iRGUeAAAAaAAAAAAAAAAAAAAAAAAAAAAAAAAAAAAAECcAABAnAAAAAAAAAAAAAAAAAAAAAAAAAAAAAAAAAAAAAAAAAAAAABQAAAAAAAAAwMD/AAAAAABkAAAAMgAAAAAAAABkAAAAAAAAAH9/fwAKAAAAIgAAABgAAAAAAAAAAAAAAAAAAAAAAAAAAAAAAAAAAAAkAAAAJAAAAAAAAAAHAAAAAAAAAAAAAAAAAAAAAAAAAAAAAAAAAAAAf39/ACUAAABYAAAAAAAAAAAAAAAAAAAAAAAAAAAAAAAAAAAAAAAAAAAAAAAAAAAAAAAAAAAAAAA/AAAAAAAAAKCGAQAAAAAAAAAAAAAAAAAMAAAAAQAAAAAAAAAAAAAAAAAAAB8AAABUAAAA7bbsAP///wEAAAAAAAAAAAAAAAAAAAAAAAAAAAAAAAAAAAAAAAAAAAAAAAJ/f38A0UnOA8zMzADAwP8Af39/AAAAAAAAAAAAAAAAAAAAAAAAAAAAIQAAABgAAAAUAAAAEA0AAGcJAACvGwAAChEAABAAAAAmAAAACAAAAP//////////"/>
               </a:ext>
             </a:extLst>
           </p:cNvSpPr>
@@ -23978,7 +25022,7 @@
           <p:cNvSpPr>
             <a:extLst>
               <a:ext uri="smNativeData">
-                <pr:smNativeData xmlns:pr="smNativeData" xmlns="smNativeData" val="SMDATA_15_37BZZRMAAAAlAAAAZgAAAA0AAAAAkAAAAEgAAACQAAAASAAAAAAAAAABAAAAAAAAAAEAAABQAAAAAAAAAAAA8D8AAAAAAADwPwAAAAAAAOA/AAAAAAAA4D8AAAAAAADgPwAAAAAAAOA/AAAAAAAA4D8AAAAAAADgPwAAAAAAAOA/AAAAAAAA4D8CAAAAjAAAAAEAAAAAAAAAch1wAP///wgAAAAAAAAAAAAAAAAAAAAAAAAAAAAAAAAAAAAAZAAAAAEAAABAAAAAAAAAAAAAAAAAAAAAAAAAAAAAAAAAAAAAAAAAAAAAAAAAAAAAAAAAAAAAAAAAAAAAAAAAAAAAAAAAAAAAAAAAAAAAAAAAAAAAAAAAAAAAAAAAAAAAFAAAADwAAAABAAAAAAAAAAAAAAkoAAAAAQAAABQAAAAUAAAAFAAAAAEAAAAAAAAAZAAAAGQAAAAAAAAAZAAAAGQAAAAVAAAAYAAAAAAAAAAAAAAADwAAACADAAAAAAAAAAAAAAEAAACgMgAAVgcAAKr4//8BAAAAf39/AAEAAABkAAAAAAAAABQAAABAHwAAAAAAACYAAAAAAAAAwOD//wAAAAAmAAAAZAAAABYAAABMAAAAAAAAAAAAAAAEAAAAAAAAAAEAAADRSc4KAAAAACgAAAAoAAAAZAAAAGQAAAAAAAAAzMzMAAAAAABQAAAAUAAAAGQAAABkAAAAAAAAABcAAAAUAAAAAAAAAAAAAAD/fwAA/38AAAAAAAAJAAAABAAAAOg2AAAeAAAAaAAAAAAAAAAAAAAAAAAAAAAAAAAAAAAAECcAABAnAAAAAAAAAAAAAAAAAAAAAAAAAAAAAAAAAAAAAAAAAAAAABQAAAAAAAAAwMD/AAAAAABkAAAAMgAAAAAAAABkAAAAAAAAAH9/fwAKAAAAIgAAABgAAAAAAAAAAAAAAAAAAAAAAAAAAAAAAAAAAAAkAAAAJAAAAAAAAAAHAAAAAAAAAAAAAAAAAAAAAAAAAAAAAAAAAAAAf39/ACUAAABYAAAAAAAAAAAAAAAAAAAAAAAAAAAAAAAAAAAAAAAAAAAAAAAAAAAAAAAAAAAAAAA/AAAAAAAAAKCGAQAAAAAAAAAAAAAAAAAMAAAAAQAAAAAAAAAAAAAAAAAAAB8AAABUAAAAch1wAP///wEAAAAAAAAAAAAAAAAAAAAAAAAAAAAAAAAAAAAAAAAAAAAAAAJ/f38A0UnOA8zMzADAwP8Af39/AAAAAAAAAAAAAAAAAAAAAAAAAAAAIQAAABgAAAAUAAAAAx0AAIUGAAAsLwAAChEAABAAAAAmAAAACAAAAP//////////"/>
+                <pr:smNativeData xmlns:pr="smNativeData" xmlns="smNativeData" val="SMDATA_15_8sFZZRMAAAAlAAAAZgAAAA0AAAAAkAAAAEgAAACQAAAASAAAAAAAAAABAAAAAAAAAAEAAABQAAAAAAAAAAAA8D8AAAAAAADwPwAAAAAAAOA/AAAAAAAA4D8AAAAAAADgPwAAAAAAAOA/AAAAAAAA4D8AAAAAAADgPwAAAAAAAOA/AAAAAAAA4D8CAAAAjAAAAAEAAAAAAAAAch1wAP///wgAAAAAAAAAAAAAAAAAAAAAAAAAAAAAAAAAAAAAZAAAAAEAAABAAAAAAAAAAAAAAAAAAAAAAAAAAAAAAAAAAAAAAAAAAAAAAAAAAAAAAAAAAAAAAAAAAAAAAAAAAAAAAAAAAAAAAAAAAAAAAAAAAAAAAAAAAAAAAAAAAAAAFAAAADwAAAABAAAAAAAAAAAAAAkoAAAAAQAAABQAAAAUAAAAFAAAAAEAAAAAAAAAZAAAAGQAAAAAAAAAZAAAAGQAAAAVAAAAYAAAAAAAAAAAAAAADwAAACADAAAAAAAAAAAAAAEAAACgMgAAVgcAAKr4//8BAAAAf39/AAEAAABkAAAAAAAAABQAAABAHwAAAAAAACYAAAAAAAAAwOD//wAAAAAmAAAAZAAAABYAAABMAAAAAAAAAAAAAAAEAAAAAAAAAAEAAADRSc4KAAAAACgAAAAoAAAAZAAAAGQAAAAAAAAAzMzMAAAAAABQAAAAUAAAAGQAAABkAAAAAAAAABcAAAAUAAAAAAAAAAAAAAD/fwAA/38AAAAAAAAJAAAABAAAAAAAAAAeAAAAaAAAAAAAAAAAAAAAAAAAAAAAAAAAAAAAECcAABAnAAAAAAAAAAAAAAAAAAAAAAAAAAAAAAAAAAAAAAAAAAAAABQAAAAAAAAAwMD/AAAAAABkAAAAMgAAAAAAAABkAAAAAAAAAH9/fwAKAAAAIgAAABgAAAAAAAAAAAAAAAAAAAAAAAAAAAAAAAAAAAAkAAAAJAAAAAAAAAAHAAAAAAAAAAAAAAAAAAAAAAAAAAAAAAAAAAAAf39/ACUAAABYAAAAAAAAAAAAAAAAAAAAAAAAAAAAAAAAAAAAAAAAAAAAAAAAAAAAAAAAAAAAAAA/AAAAAAAAAKCGAQAAAAAAAAAAAAAAAAAMAAAAAQAAAAAAAAAAAAAAAAAAAB8AAABUAAAAch1wAP///wEAAAAAAAAAAAAAAAAAAAAAAAAAAAAAAAAAAAAAAAAAAAAAAAJ/f38A0UnOA8zMzADAwP8Af39/AAAAAAAAAAAAAAAAAAAAAAAAAAAAIQAAABgAAAAUAAAAAx0AAIUGAAAsLwAAChEAABAAAAAmAAAACAAAAP//////////"/>
               </a:ext>
             </a:extLst>
           </p:cNvSpPr>
@@ -24036,7 +25080,7 @@
           <p:cNvSpPr>
             <a:extLst>
               <a:ext uri="smNativeData">
-                <pr:smNativeData xmlns:pr="smNativeData" xmlns="smNativeData" val="SMDATA_15_37BZZRMAAAAlAAAAZgAAAA0AAAAAkAAAAEgAAACQAAAASAAAAAAAAAABAAAAAAAAAAEAAABQAAAAAAAAAAAA8D8AAAAAAADwPwAAAAAAAOA/AAAAAAAA4D8AAAAAAADgPwAAAAAAAOA/AAAAAAAA4D8AAAAAAADgPwAAAAAAAOA/AAAAAAAA4D8CAAAAjAAAAAEAAAAAAAAA19DwAP///wgAAAAAAAAAAAAAAAAAAAAAAAAAAAAAAAAAAAAAZAAAAAEAAABAAAAAAAAAAAAAAAAAAAAAAAAAAAAAAAAAAAAAAAAAAAAAAAAAAAAAAAAAAAAAAAAAAAAAAAAAAAAAAAAAAAAAAAAAAAAAAAAAAAAAAAAAAAAAAAAAAAAAFAAAADwAAAABAAAAAAAAAAAAAAkoAAAAAQAAABQAAAAUAAAAFAAAAAEAAAAAAAAAZAAAAGQAAAAAAAAAZAAAAGQAAAAVAAAAYAAAAAAAAAAAAAAADwAAACADAAAAAAAAAAAAAAEAAACgMgAAVgcAAKr4//8BAAAAf39/AAEAAABkAAAAAAAAABQAAABAHwAAAAAAACYAAAAAAAAAwOD//wAAAAAmAAAAZAAAABYAAABMAAAAAAAAAAAAAAAEAAAAAAAAAAEAAADRSc4KAAAAACgAAAAoAAAAZAAAAGQAAAAAAAAAzMzMAAAAAABQAAAAUAAAAGQAAABkAAAAAAAAABcAAAAUAAAAAAAAAAAAAAD/fwAA/38AAAAAAAAJAAAABAAAAAAAAAAeAAAAaAAAAAAAAAAAAAAAAAAAAAAAAAAAAAAAECcAABAnAAAAAAAAAAAAAAAAAAAAAAAAAAAAAAAAAAAAAAAAAAAAABQAAAAAAAAAwMD/AAAAAABkAAAAMgAAAAAAAABkAAAAAAAAAH9/fwAKAAAAIgAAABgAAAAAAAAAAAAAAAAAAAAAAAAAAAAAAAAAAAAkAAAAJAAAAAAAAAAHAAAAAAAAAAAAAAAAAAAAAAAAAAAAAAAAAAAAf39/ACUAAABYAAAAAAAAAAAAAAAAAAAAAAAAAAAAAAAAAAAAAAAAAAAAAAAAAAAAAAAAAAAAAAA/AAAAAAAAAKCGAQAAAAAAAAAAAAAAAAAMAAAAAQAAAAAAAAAAAAAAAAAAAB8AAABUAAAA19DwAP///wEAAAAAAAAAAAAAAAAAAAAAAAAAAAAAAAAAAAAAAAAAAAAAAAJ/f38A0UnOA8zMzADAwP8Af39/AAAAAAAAAAAAAAAAAAAAAAAAAAAAIQAAABgAAAAUAAAA1g4AAF0TAAAXJgAATBwAABAAAAAmAAAACAAAAP//////////"/>
+                <pr:smNativeData xmlns:pr="smNativeData" xmlns="smNativeData" val="SMDATA_15_8sFZZRMAAAAlAAAAZgAAAA0AAAAAkAAAAEgAAACQAAAASAAAAAAAAAABAAAAAAAAAAEAAABQAAAAAAAAAAAA8D8AAAAAAADwPwAAAAAAAOA/AAAAAAAA4D8AAAAAAADgPwAAAAAAAOA/AAAAAAAA4D8AAAAAAADgPwAAAAAAAOA/AAAAAAAA4D8CAAAAjAAAAAEAAAAAAAAA19DwAP///wgAAAAAAAAAAAAAAAAAAAAAAAAAAAAAAAAAAAAAZAAAAAEAAABAAAAAAAAAAAAAAAAAAAAAAAAAAAAAAAAAAAAAAAAAAAAAAAAAAAAAAAAAAAAAAAAAAAAAAAAAAAAAAAAAAAAAAAAAAAAAAAAAAAAAAAAAAAAAAAAAAAAAFAAAADwAAAABAAAAAAAAAAAAAAkoAAAAAQAAABQAAAAUAAAAFAAAAAEAAAAAAAAAZAAAAGQAAAAAAAAAZAAAAGQAAAAVAAAAYAAAAAAAAAAAAAAADwAAACADAAAAAAAAAAAAAAEAAACgMgAAVgcAAKr4//8BAAAAf39/AAEAAABkAAAAAAAAABQAAABAHwAAAAAAACYAAAAAAAAAwOD//wAAAAAmAAAAZAAAABYAAABMAAAAAAAAAAAAAAAEAAAAAAAAAAEAAADRSc4KAAAAACgAAAAoAAAAZAAAAGQAAAAAAAAAzMzMAAAAAABQAAAAUAAAAGQAAABkAAAAAAAAABcAAAAUAAAAAAAAAAAAAAD/fwAA/38AAAAAAAAJAAAABAAAAAAAAAAeAAAAaAAAAAAAAAAAAAAAAAAAAAAAAAAAAAAAECcAABAnAAAAAAAAAAAAAAAAAAAAAAAAAAAAAAAAAAAAAAAAAAAAABQAAAAAAAAAwMD/AAAAAABkAAAAMgAAAAAAAABkAAAAAAAAAH9/fwAKAAAAIgAAABgAAAAAAAAAAAAAAAAAAAAAAAAAAAAAAAAAAAAkAAAAJAAAAAAAAAAHAAAAAAAAAAAAAAAAAAAAAAAAAAAAAAAAAAAAf39/ACUAAABYAAAAAAAAAAAAAAAAAAAAAAAAAAAAAAAAAAAAAAAAAAAAAAAAAAAAAAAAAAAAAAA/AAAAAAAAAKCGAQAAAAAAAAAAAAAAAAAMAAAAAQAAAAAAAAAAAAAAAAAAAB8AAABUAAAA19DwAP///wEAAAAAAAAAAAAAAAAAAAAAAAAAAAAAAAAAAAAAAAAAAAAAAAJ/f38A0UnOA8zMzADAwP8Af39/AAAAAAAAAAAAAAAAAAAAAAAAAAAAIQAAABgAAAAUAAAA1g4AAF0TAAAXJgAATBwAABAAAAAmAAAACAAAAP//////////"/>
               </a:ext>
             </a:extLst>
           </p:cNvSpPr>
